--- a/COMET_poster.pptx
+++ b/COMET_poster.pptx
@@ -5,10 +5,11 @@
     <p:sldMasterId id="2147483648" r:id="rId1"/>
   </p:sldMasterIdLst>
   <p:notesMasterIdLst>
-    <p:notesMasterId r:id="rId3"/>
+    <p:notesMasterId r:id="rId4"/>
   </p:notesMasterIdLst>
   <p:sldIdLst>
     <p:sldId id="256" r:id="rId2"/>
+    <p:sldId id="257" r:id="rId3"/>
   </p:sldIdLst>
   <p:sldSz cx="43205400" cy="32404050"/>
   <p:notesSz cx="6858000" cy="9144000"/>
@@ -107,6 +108,22 @@
       </a:defRPr>
     </a:lvl9pPr>
   </p:defaultTextStyle>
+  <p:extLst>
+    <p:ext uri="{EFAFB233-063F-42B5-8137-9DF3F51BA10A}">
+      <p15:sldGuideLst xmlns:p15="http://schemas.microsoft.com/office/powerpoint/2012/main">
+        <p15:guide id="1" orient="horz" pos="10206">
+          <p15:clr>
+            <a:srgbClr val="A4A3A4"/>
+          </p15:clr>
+        </p15:guide>
+        <p15:guide id="2" pos="13609">
+          <p15:clr>
+            <a:srgbClr val="A4A3A4"/>
+          </p15:clr>
+        </p15:guide>
+      </p15:sldGuideLst>
+    </p:ext>
+  </p:extLst>
 </p:presentation>
 </file>
 
@@ -199,7 +216,7 @@
             <a:fld id="{198A3463-10AA-40C1-AF51-9D4D3C36B945}" type="datetimeFigureOut">
               <a:rPr lang="he-IL" smtClean="0"/>
               <a:pPr/>
-              <a:t>כ"א/אב/תשע"ד</a:t>
+              <a:t>ז'/כסלו/תשע"ו</a:t>
             </a:fld>
             <a:endParaRPr lang="he-IL"/>
           </a:p>
@@ -370,7 +387,7 @@
     </p:spTree>
     <p:extLst>
       <p:ext uri="{BB962C8B-B14F-4D97-AF65-F5344CB8AC3E}">
-        <p14:creationId xmlns="" xmlns:p14="http://schemas.microsoft.com/office/powerpoint/2010/main" val="862447865"/>
+        <p14:creationId xmlns:p14="http://schemas.microsoft.com/office/powerpoint/2010/main" val="862447865"/>
       </p:ext>
     </p:extLst>
   </p:cSld>
@@ -550,6 +567,103 @@
         </p:txBody>
       </p:sp>
     </p:spTree>
+    <p:extLst>
+      <p:ext uri="{BB962C8B-B14F-4D97-AF65-F5344CB8AC3E}">
+        <p14:creationId xmlns:p14="http://schemas.microsoft.com/office/powerpoint/2010/main" val="172111174"/>
+      </p:ext>
+    </p:extLst>
+  </p:cSld>
+  <p:clrMapOvr>
+    <a:masterClrMapping/>
+  </p:clrMapOvr>
+</p:notes>
+</file>
+
+<file path=ppt/notesSlides/notesSlide2.xml><?xml version="1.0" encoding="utf-8"?>
+<p:notes xmlns:a="http://schemas.openxmlformats.org/drawingml/2006/main" xmlns:r="http://schemas.openxmlformats.org/officeDocument/2006/relationships" xmlns:p="http://schemas.openxmlformats.org/presentationml/2006/main">
+  <p:cSld>
+    <p:spTree>
+      <p:nvGrpSpPr>
+        <p:cNvPr id="1" name=""/>
+        <p:cNvGrpSpPr/>
+        <p:nvPr/>
+      </p:nvGrpSpPr>
+      <p:grpSpPr>
+        <a:xfrm>
+          <a:off x="0" y="0"/>
+          <a:ext cx="0" cy="0"/>
+          <a:chOff x="0" y="0"/>
+          <a:chExt cx="0" cy="0"/>
+        </a:xfrm>
+      </p:grpSpPr>
+      <p:sp>
+        <p:nvSpPr>
+          <p:cNvPr id="2" name="Slide Image Placeholder 1"/>
+          <p:cNvSpPr>
+            <a:spLocks noGrp="1" noRot="1" noChangeAspect="1"/>
+          </p:cNvSpPr>
+          <p:nvPr>
+            <p:ph type="sldImg"/>
+          </p:nvPr>
+        </p:nvSpPr>
+        <p:spPr>
+          <a:xfrm>
+            <a:off x="1143000" y="685800"/>
+            <a:ext cx="4572000" cy="3429000"/>
+          </a:xfrm>
+        </p:spPr>
+      </p:sp>
+      <p:sp>
+        <p:nvSpPr>
+          <p:cNvPr id="3" name="Notes Placeholder 2"/>
+          <p:cNvSpPr>
+            <a:spLocks noGrp="1"/>
+          </p:cNvSpPr>
+          <p:nvPr>
+            <p:ph type="body" idx="1"/>
+          </p:nvPr>
+        </p:nvSpPr>
+        <p:spPr/>
+        <p:txBody>
+          <a:bodyPr>
+            <a:normAutofit/>
+          </a:bodyPr>
+          <a:lstStyle/>
+          <a:p>
+            <a:endParaRPr lang="he-IL" dirty="0"/>
+          </a:p>
+        </p:txBody>
+      </p:sp>
+      <p:sp>
+        <p:nvSpPr>
+          <p:cNvPr id="4" name="Slide Number Placeholder 3"/>
+          <p:cNvSpPr>
+            <a:spLocks noGrp="1"/>
+          </p:cNvSpPr>
+          <p:nvPr>
+            <p:ph type="sldNum" sz="quarter" idx="10"/>
+          </p:nvPr>
+        </p:nvSpPr>
+        <p:spPr/>
+        <p:txBody>
+          <a:bodyPr/>
+          <a:lstStyle/>
+          <a:p>
+            <a:fld id="{1A4298CF-6935-4765-8457-BD64E3322811}" type="slidenum">
+              <a:rPr lang="he-IL" smtClean="0"/>
+              <a:pPr/>
+              <a:t>2</a:t>
+            </a:fld>
+            <a:endParaRPr lang="he-IL"/>
+          </a:p>
+        </p:txBody>
+      </p:sp>
+    </p:spTree>
+    <p:extLst>
+      <p:ext uri="{BB962C8B-B14F-4D97-AF65-F5344CB8AC3E}">
+        <p14:creationId xmlns:p14="http://schemas.microsoft.com/office/powerpoint/2010/main" val="2966309188"/>
+      </p:ext>
+    </p:extLst>
   </p:cSld>
   <p:clrMapOvr>
     <a:masterClrMapping/>
@@ -739,7 +853,7 @@
             <a:fld id="{A6DEEEEF-6AFF-4F2F-80C9-19C8578E8C6D}" type="datetimeFigureOut">
               <a:rPr lang="he-IL" smtClean="0"/>
               <a:pPr/>
-              <a:t>כ"א/אב/תשע"ד</a:t>
+              <a:t>ז'/כסלו/תשע"ו</a:t>
             </a:fld>
             <a:endParaRPr lang="he-IL"/>
           </a:p>
@@ -906,7 +1020,7 @@
             <a:fld id="{A6DEEEEF-6AFF-4F2F-80C9-19C8578E8C6D}" type="datetimeFigureOut">
               <a:rPr lang="he-IL" smtClean="0"/>
               <a:pPr/>
-              <a:t>כ"א/אב/תשע"ד</a:t>
+              <a:t>ז'/כסלו/תשע"ו</a:t>
             </a:fld>
             <a:endParaRPr lang="he-IL"/>
           </a:p>
@@ -1083,7 +1197,7 @@
             <a:fld id="{A6DEEEEF-6AFF-4F2F-80C9-19C8578E8C6D}" type="datetimeFigureOut">
               <a:rPr lang="he-IL" smtClean="0"/>
               <a:pPr/>
-              <a:t>כ"א/אב/תשע"ד</a:t>
+              <a:t>ז'/כסלו/תשע"ו</a:t>
             </a:fld>
             <a:endParaRPr lang="he-IL"/>
           </a:p>
@@ -1250,7 +1364,7 @@
             <a:fld id="{A6DEEEEF-6AFF-4F2F-80C9-19C8578E8C6D}" type="datetimeFigureOut">
               <a:rPr lang="he-IL" smtClean="0"/>
               <a:pPr/>
-              <a:t>כ"א/אב/תשע"ד</a:t>
+              <a:t>ז'/כסלו/תשע"ו</a:t>
             </a:fld>
             <a:endParaRPr lang="he-IL"/>
           </a:p>
@@ -1493,7 +1607,7 @@
             <a:fld id="{A6DEEEEF-6AFF-4F2F-80C9-19C8578E8C6D}" type="datetimeFigureOut">
               <a:rPr lang="he-IL" smtClean="0"/>
               <a:pPr/>
-              <a:t>כ"א/אב/תשע"ד</a:t>
+              <a:t>ז'/כסלו/תשע"ו</a:t>
             </a:fld>
             <a:endParaRPr lang="he-IL"/>
           </a:p>
@@ -1778,7 +1892,7 @@
             <a:fld id="{A6DEEEEF-6AFF-4F2F-80C9-19C8578E8C6D}" type="datetimeFigureOut">
               <a:rPr lang="he-IL" smtClean="0"/>
               <a:pPr/>
-              <a:t>כ"א/אב/תשע"ד</a:t>
+              <a:t>ז'/כסלו/תשע"ו</a:t>
             </a:fld>
             <a:endParaRPr lang="he-IL"/>
           </a:p>
@@ -2202,7 +2316,7 @@
             <a:fld id="{A6DEEEEF-6AFF-4F2F-80C9-19C8578E8C6D}" type="datetimeFigureOut">
               <a:rPr lang="he-IL" smtClean="0"/>
               <a:pPr/>
-              <a:t>כ"א/אב/תשע"ד</a:t>
+              <a:t>ז'/כסלו/תשע"ו</a:t>
             </a:fld>
             <a:endParaRPr lang="he-IL"/>
           </a:p>
@@ -2317,7 +2431,7 @@
             <a:fld id="{A6DEEEEF-6AFF-4F2F-80C9-19C8578E8C6D}" type="datetimeFigureOut">
               <a:rPr lang="he-IL" smtClean="0"/>
               <a:pPr/>
-              <a:t>כ"א/אב/תשע"ד</a:t>
+              <a:t>ז'/כסלו/תשע"ו</a:t>
             </a:fld>
             <a:endParaRPr lang="he-IL"/>
           </a:p>
@@ -2409,7 +2523,7 @@
             <a:fld id="{A6DEEEEF-6AFF-4F2F-80C9-19C8578E8C6D}" type="datetimeFigureOut">
               <a:rPr lang="he-IL" smtClean="0"/>
               <a:pPr/>
-              <a:t>כ"א/אב/תשע"ד</a:t>
+              <a:t>ז'/כסלו/תשע"ו</a:t>
             </a:fld>
             <a:endParaRPr lang="he-IL"/>
           </a:p>
@@ -2683,7 +2797,7 @@
             <a:fld id="{A6DEEEEF-6AFF-4F2F-80C9-19C8578E8C6D}" type="datetimeFigureOut">
               <a:rPr lang="he-IL" smtClean="0"/>
               <a:pPr/>
-              <a:t>כ"א/אב/תשע"ד</a:t>
+              <a:t>ז'/כסלו/תשע"ו</a:t>
             </a:fld>
             <a:endParaRPr lang="he-IL"/>
           </a:p>
@@ -2933,7 +3047,7 @@
             <a:fld id="{A6DEEEEF-6AFF-4F2F-80C9-19C8578E8C6D}" type="datetimeFigureOut">
               <a:rPr lang="he-IL" smtClean="0"/>
               <a:pPr/>
-              <a:t>כ"א/אב/תשע"ד</a:t>
+              <a:t>ז'/כסלו/תשע"ו</a:t>
             </a:fld>
             <a:endParaRPr lang="he-IL"/>
           </a:p>
@@ -3164,7 +3278,7 @@
             <a:fld id="{A6DEEEEF-6AFF-4F2F-80C9-19C8578E8C6D}" type="datetimeFigureOut">
               <a:rPr lang="he-IL" smtClean="0"/>
               <a:pPr/>
-              <a:t>כ"א/אב/תשע"ד</a:t>
+              <a:t>ז'/כסלו/תשע"ו</a:t>
             </a:fld>
             <a:endParaRPr lang="he-IL"/>
           </a:p>
@@ -3558,112 +3672,481 @@
           <a:chExt cx="0" cy="0"/>
         </a:xfrm>
       </p:grpSpPr>
-      <p:sp>
-        <p:nvSpPr>
-          <p:cNvPr id="129" name="Rounded Rectangle 128"/>
-          <p:cNvSpPr/>
-          <p:nvPr/>
-        </p:nvSpPr>
-        <p:spPr>
-          <a:xfrm>
-            <a:off x="1080420" y="23762865"/>
-            <a:ext cx="9721080" cy="8193178"/>
-          </a:xfrm>
-          <a:prstGeom prst="roundRect">
-            <a:avLst/>
-          </a:prstGeom>
-          <a:solidFill>
-            <a:schemeClr val="bg1"/>
-          </a:solidFill>
-          <a:ln w="76200">
-            <a:solidFill>
-              <a:schemeClr val="tx1"/>
-            </a:solidFill>
-          </a:ln>
-        </p:spPr>
-        <p:style>
-          <a:lnRef idx="2">
-            <a:schemeClr val="accent1">
-              <a:shade val="50000"/>
-            </a:schemeClr>
-          </a:lnRef>
-          <a:fillRef idx="1">
-            <a:schemeClr val="accent1"/>
-          </a:fillRef>
-          <a:effectRef idx="0">
-            <a:schemeClr val="accent1"/>
-          </a:effectRef>
-          <a:fontRef idx="minor">
-            <a:schemeClr val="lt1"/>
-          </a:fontRef>
-        </p:style>
-        <p:txBody>
-          <a:bodyPr lIns="83976" tIns="41987" rIns="83976" bIns="41987" rtlCol="1" anchor="t" anchorCtr="0"/>
-          <a:lstStyle/>
-          <a:p>
-            <a:pPr marL="607499" lvl="0" indent="-607499" algn="ctr" rtl="0"/>
-            <a:r>
-              <a:rPr lang="en-US" sz="4400" b="1" dirty="0" smtClean="0">
+      <mc:AlternateContent xmlns:mc="http://schemas.openxmlformats.org/markup-compatibility/2006">
+        <mc:Choice xmlns:a14="http://schemas.microsoft.com/office/drawing/2010/main" Requires="a14">
+          <p:sp>
+            <p:nvSpPr>
+              <p:cNvPr id="129" name="Rounded Rectangle 128"/>
+              <p:cNvSpPr/>
+              <p:nvPr/>
+            </p:nvSpPr>
+            <p:spPr>
+              <a:xfrm>
+                <a:off x="1080420" y="23762865"/>
+                <a:ext cx="9721080" cy="8193178"/>
+              </a:xfrm>
+              <a:prstGeom prst="roundRect">
+                <a:avLst/>
+              </a:prstGeom>
+              <a:solidFill>
+                <a:schemeClr val="bg1"/>
+              </a:solidFill>
+              <a:ln w="76200">
                 <a:solidFill>
                   <a:schemeClr val="tx1"/>
                 </a:solidFill>
-              </a:rPr>
-              <a:t>The Brain Region Ontology tree</a:t>
-            </a:r>
-          </a:p>
-          <a:p>
-            <a:pPr lvl="0" algn="l" rtl="0"/>
-            <a:r>
-              <a:rPr lang="en-US" sz="3200" dirty="0" smtClean="0">
-                <a:solidFill>
-                  <a:prstClr val="black"/>
-                </a:solidFill>
-              </a:rPr>
-              <a:t>We analyzed 414 regions organized in a hierarchical structure.</a:t>
-            </a:r>
-            <a:r>
-              <a:rPr lang="en-US" sz="3300" dirty="0" smtClean="0">
-                <a:solidFill>
-                  <a:prstClr val="black"/>
-                </a:solidFill>
-              </a:rPr>
-              <a:t> </a:t>
-            </a:r>
-          </a:p>
-          <a:p>
-            <a:pPr lvl="0" algn="l" rtl="0"/>
-            <a:r>
-              <a:rPr lang="en-US" sz="2400" dirty="0" smtClean="0">
-                <a:solidFill>
-                  <a:prstClr val="black"/>
-                </a:solidFill>
-              </a:rPr>
-              <a:t>The ontology was provided from the Allen Institute [1]</a:t>
-            </a:r>
-            <a:r>
-              <a:rPr lang="en-US" sz="3300" dirty="0" smtClean="0">
-                <a:solidFill>
-                  <a:prstClr val="black"/>
-                </a:solidFill>
-              </a:rPr>
-              <a:t>.</a:t>
-            </a:r>
-            <a:endParaRPr lang="he-IL" sz="3300" dirty="0" smtClean="0">
-              <a:solidFill>
-                <a:prstClr val="black"/>
-              </a:solidFill>
-            </a:endParaRPr>
-          </a:p>
-          <a:p>
-            <a:pPr marL="607499" lvl="0" indent="-607499" algn="ctr" rtl="0"/>
-            <a:endParaRPr lang="en-US" sz="4800" dirty="0" smtClean="0">
-              <a:solidFill>
-                <a:prstClr val="black"/>
-              </a:solidFill>
-            </a:endParaRPr>
-          </a:p>
-        </p:txBody>
-      </p:sp>
+              </a:ln>
+            </p:spPr>
+            <p:style>
+              <a:lnRef idx="2">
+                <a:schemeClr val="accent1">
+                  <a:shade val="50000"/>
+                </a:schemeClr>
+              </a:lnRef>
+              <a:fillRef idx="1">
+                <a:schemeClr val="accent1"/>
+              </a:fillRef>
+              <a:effectRef idx="0">
+                <a:schemeClr val="accent1"/>
+              </a:effectRef>
+              <a:fontRef idx="minor">
+                <a:schemeClr val="lt1"/>
+              </a:fontRef>
+            </p:style>
+            <p:txBody>
+              <a:bodyPr lIns="83976" tIns="41987" rIns="83976" bIns="41987" rtlCol="1" anchor="t" anchorCtr="0"/>
+              <a:lstStyle/>
+              <a:p>
+                <a:pPr marL="607499" lvl="0" indent="-607499" algn="ctr" rtl="0"/>
+                <a:r>
+                  <a:rPr lang="en-US" sz="4400" b="1" dirty="0" smtClean="0">
+                    <a:solidFill>
+                      <a:schemeClr val="tx1"/>
+                    </a:solidFill>
+                  </a:rPr>
+                  <a:t>The Learning Setup</a:t>
+                </a:r>
+                <a:endParaRPr lang="en-US" sz="4400" b="1" dirty="0" smtClean="0">
+                  <a:solidFill>
+                    <a:schemeClr val="tx1"/>
+                  </a:solidFill>
+                </a:endParaRPr>
+              </a:p>
+              <a:p>
+                <a:pPr algn="l" rtl="0"/>
+                <a:r>
+                  <a:rPr lang="en-US" sz="3600" dirty="0">
+                    <a:solidFill>
+                      <a:schemeClr val="tx1"/>
+                    </a:solidFill>
+                  </a:rPr>
+                  <a:t>We assume we have access to triplets of entities where each triplet </a:t>
+                </a:r>
+                <a14:m>
+                  <m:oMath xmlns:m="http://schemas.openxmlformats.org/officeDocument/2006/math">
+                    <m:r>
+                      <a:rPr lang="en-US" sz="3600" i="1">
+                        <a:solidFill>
+                          <a:schemeClr val="tx1"/>
+                        </a:solidFill>
+                      </a:rPr>
+                      <m:t>𝑡</m:t>
+                    </m:r>
+                  </m:oMath>
+                </a14:m>
+                <a:r>
+                  <a:rPr lang="en-US" sz="3600" dirty="0">
+                    <a:solidFill>
+                      <a:schemeClr val="tx1"/>
+                    </a:solidFill>
+                  </a:rPr>
+                  <a:t> consists of</a:t>
+                </a:r>
+              </a:p>
+              <a:p>
+                <a:pPr algn="l" rtl="0"/>
+                <a:r>
+                  <a:rPr lang="en-US" sz="3600" dirty="0">
+                    <a:solidFill>
+                      <a:schemeClr val="tx1"/>
+                    </a:solidFill>
+                  </a:rPr>
+                  <a:t>a “query” instance </a:t>
+                </a:r>
+                <a14:m>
+                  <m:oMath xmlns:m="http://schemas.openxmlformats.org/officeDocument/2006/math">
+                    <m:sSub>
+                      <m:sSubPr>
+                        <m:ctrlPr>
+                          <a:rPr lang="en-US" sz="3600" i="1">
+                            <a:solidFill>
+                              <a:schemeClr val="tx1"/>
+                            </a:solidFill>
+                          </a:rPr>
+                        </m:ctrlPr>
+                      </m:sSubPr>
+                      <m:e>
+                        <m:r>
+                          <a:rPr lang="en-US" sz="3600" i="1">
+                            <a:solidFill>
+                              <a:schemeClr val="tx1"/>
+                            </a:solidFill>
+                          </a:rPr>
+                          <m:t>𝑞</m:t>
+                        </m:r>
+                      </m:e>
+                      <m:sub>
+                        <m:r>
+                          <a:rPr lang="en-US" sz="3600" i="1">
+                            <a:solidFill>
+                              <a:schemeClr val="tx1"/>
+                            </a:solidFill>
+                          </a:rPr>
+                          <m:t>𝑡</m:t>
+                        </m:r>
+                      </m:sub>
+                    </m:sSub>
+                  </m:oMath>
+                </a14:m>
+                <a:r>
+                  <a:rPr lang="en-US" sz="3600" dirty="0">
+                    <a:solidFill>
+                      <a:schemeClr val="tx1"/>
+                    </a:solidFill>
+                  </a:rPr>
+                  <a:t>, and two instances </a:t>
+                </a:r>
+                <a14:m>
+                  <m:oMath xmlns:m="http://schemas.openxmlformats.org/officeDocument/2006/math">
+                    <m:sSubSup>
+                      <m:sSubSupPr>
+                        <m:ctrlPr>
+                          <a:rPr lang="en-US" sz="3600" i="1">
+                            <a:solidFill>
+                              <a:schemeClr val="tx1"/>
+                            </a:solidFill>
+                          </a:rPr>
+                        </m:ctrlPr>
+                      </m:sSubSupPr>
+                      <m:e>
+                        <m:r>
+                          <a:rPr lang="en-US" sz="3600" i="1">
+                            <a:solidFill>
+                              <a:schemeClr val="tx1"/>
+                            </a:solidFill>
+                          </a:rPr>
+                          <m:t>𝑝</m:t>
+                        </m:r>
+                      </m:e>
+                      <m:sub>
+                        <m:r>
+                          <a:rPr lang="en-US" sz="3600" i="1">
+                            <a:solidFill>
+                              <a:schemeClr val="tx1"/>
+                            </a:solidFill>
+                          </a:rPr>
+                          <m:t>𝑡</m:t>
+                        </m:r>
+                      </m:sub>
+                      <m:sup>
+                        <m:r>
+                          <a:rPr lang="en-US" sz="3600" i="1">
+                            <a:solidFill>
+                              <a:schemeClr val="tx1"/>
+                            </a:solidFill>
+                          </a:rPr>
+                          <m:t>+</m:t>
+                        </m:r>
+                      </m:sup>
+                    </m:sSubSup>
+                    <m:r>
+                      <a:rPr lang="en-US" sz="3600" i="1">
+                        <a:solidFill>
+                          <a:schemeClr val="tx1"/>
+                        </a:solidFill>
+                      </a:rPr>
+                      <m:t>, </m:t>
+                    </m:r>
+                    <m:sSubSup>
+                      <m:sSubSupPr>
+                        <m:ctrlPr>
+                          <a:rPr lang="en-US" sz="3600" i="1">
+                            <a:solidFill>
+                              <a:schemeClr val="tx1"/>
+                            </a:solidFill>
+                          </a:rPr>
+                        </m:ctrlPr>
+                      </m:sSubSupPr>
+                      <m:e>
+                        <m:r>
+                          <a:rPr lang="en-US" sz="3600" i="1">
+                            <a:solidFill>
+                              <a:schemeClr val="tx1"/>
+                            </a:solidFill>
+                          </a:rPr>
+                          <m:t>𝑝</m:t>
+                        </m:r>
+                      </m:e>
+                      <m:sub>
+                        <m:r>
+                          <a:rPr lang="en-US" sz="3600" i="1">
+                            <a:solidFill>
+                              <a:schemeClr val="tx1"/>
+                            </a:solidFill>
+                          </a:rPr>
+                          <m:t>𝑡</m:t>
+                        </m:r>
+                      </m:sub>
+                      <m:sup>
+                        <m:r>
+                          <a:rPr lang="en-US" sz="3600" i="1">
+                            <a:solidFill>
+                              <a:schemeClr val="tx1"/>
+                            </a:solidFill>
+                          </a:rPr>
+                          <m:t>−</m:t>
+                        </m:r>
+                      </m:sup>
+                    </m:sSubSup>
+                  </m:oMath>
+                </a14:m>
+                <a:r>
+                  <a:rPr lang="en-US" sz="3600" dirty="0">
+                    <a:solidFill>
+                      <a:schemeClr val="tx1"/>
+                    </a:solidFill>
+                  </a:rPr>
+                  <a:t> such that </a:t>
+                </a:r>
+                <a14:m>
+                  <m:oMath xmlns:m="http://schemas.openxmlformats.org/officeDocument/2006/math">
+                    <m:sSub>
+                      <m:sSubPr>
+                        <m:ctrlPr>
+                          <a:rPr lang="en-US" sz="3600" i="1">
+                            <a:solidFill>
+                              <a:schemeClr val="tx1"/>
+                            </a:solidFill>
+                          </a:rPr>
+                        </m:ctrlPr>
+                      </m:sSubPr>
+                      <m:e>
+                        <m:r>
+                          <a:rPr lang="en-US" sz="3600" i="1">
+                            <a:solidFill>
+                              <a:schemeClr val="tx1"/>
+                            </a:solidFill>
+                          </a:rPr>
+                          <m:t>𝑞</m:t>
+                        </m:r>
+                      </m:e>
+                      <m:sub>
+                        <m:r>
+                          <a:rPr lang="en-US" sz="3600" i="1">
+                            <a:solidFill>
+                              <a:schemeClr val="tx1"/>
+                            </a:solidFill>
+                          </a:rPr>
+                          <m:t>𝑡</m:t>
+                        </m:r>
+                      </m:sub>
+                    </m:sSub>
+                  </m:oMath>
+                </a14:m>
+                <a:r>
+                  <a:rPr lang="en-US" sz="3600" dirty="0">
+                    <a:solidFill>
+                      <a:schemeClr val="tx1"/>
+                    </a:solidFill>
+                  </a:rPr>
+                  <a:t> is more similar to </a:t>
+                </a:r>
+                <a14:m>
+                  <m:oMath xmlns:m="http://schemas.openxmlformats.org/officeDocument/2006/math">
+                    <m:sSubSup>
+                      <m:sSubSupPr>
+                        <m:ctrlPr>
+                          <a:rPr lang="en-US" sz="3600" i="1">
+                            <a:solidFill>
+                              <a:schemeClr val="tx1"/>
+                            </a:solidFill>
+                          </a:rPr>
+                        </m:ctrlPr>
+                      </m:sSubSupPr>
+                      <m:e>
+                        <m:r>
+                          <a:rPr lang="en-US" sz="3600" i="1">
+                            <a:solidFill>
+                              <a:schemeClr val="tx1"/>
+                            </a:solidFill>
+                          </a:rPr>
+                          <m:t>𝑝</m:t>
+                        </m:r>
+                      </m:e>
+                      <m:sub>
+                        <m:r>
+                          <a:rPr lang="en-US" sz="3600" i="1">
+                            <a:solidFill>
+                              <a:schemeClr val="tx1"/>
+                            </a:solidFill>
+                          </a:rPr>
+                          <m:t>𝑡</m:t>
+                        </m:r>
+                      </m:sub>
+                      <m:sup>
+                        <m:r>
+                          <a:rPr lang="en-US" sz="3600" i="1">
+                            <a:solidFill>
+                              <a:schemeClr val="tx1"/>
+                            </a:solidFill>
+                          </a:rPr>
+                          <m:t>+</m:t>
+                        </m:r>
+                      </m:sup>
+                    </m:sSubSup>
+                  </m:oMath>
+                </a14:m>
+                <a:endParaRPr lang="en-US" sz="3600" dirty="0">
+                  <a:solidFill>
+                    <a:schemeClr val="tx1"/>
+                  </a:solidFill>
+                </a:endParaRPr>
+              </a:p>
+              <a:p>
+                <a:pPr algn="l" rtl="0"/>
+                <a:r>
+                  <a:rPr lang="en-US" sz="3600" dirty="0">
+                    <a:solidFill>
+                      <a:schemeClr val="tx1"/>
+                    </a:solidFill>
+                  </a:rPr>
+                  <a:t>than to </a:t>
+                </a:r>
+                <a14:m>
+                  <m:oMath xmlns:m="http://schemas.openxmlformats.org/officeDocument/2006/math">
+                    <m:sSubSup>
+                      <m:sSubSupPr>
+                        <m:ctrlPr>
+                          <a:rPr lang="en-US" sz="3600" i="1">
+                            <a:solidFill>
+                              <a:schemeClr val="tx1"/>
+                            </a:solidFill>
+                          </a:rPr>
+                        </m:ctrlPr>
+                      </m:sSubSupPr>
+                      <m:e>
+                        <m:r>
+                          <a:rPr lang="en-US" sz="3600" i="1">
+                            <a:solidFill>
+                              <a:schemeClr val="tx1"/>
+                            </a:solidFill>
+                          </a:rPr>
+                          <m:t>𝑝</m:t>
+                        </m:r>
+                      </m:e>
+                      <m:sub>
+                        <m:r>
+                          <a:rPr lang="en-US" sz="3600" i="1">
+                            <a:solidFill>
+                              <a:schemeClr val="tx1"/>
+                            </a:solidFill>
+                          </a:rPr>
+                          <m:t>𝑡</m:t>
+                        </m:r>
+                      </m:sub>
+                      <m:sup>
+                        <m:r>
+                          <a:rPr lang="en-US" sz="3600" i="1">
+                            <a:solidFill>
+                              <a:schemeClr val="tx1"/>
+                            </a:solidFill>
+                          </a:rPr>
+                          <m:t>−</m:t>
+                        </m:r>
+                      </m:sup>
+                    </m:sSubSup>
+                  </m:oMath>
+                </a14:m>
+                <a:r>
+                  <a:rPr lang="en-US" sz="3600" dirty="0" smtClean="0">
+                    <a:solidFill>
+                      <a:schemeClr val="tx1"/>
+                    </a:solidFill>
+                  </a:rPr>
+                  <a:t>.</a:t>
+                </a:r>
+              </a:p>
+              <a:p>
+                <a:pPr algn="l" rtl="0"/>
+                <a:endParaRPr lang="en-US" sz="3600" dirty="0">
+                  <a:solidFill>
+                    <a:schemeClr val="tx1"/>
+                  </a:solidFill>
+                </a:endParaRPr>
+              </a:p>
+              <a:p>
+                <a:pPr algn="l" rtl="0"/>
+                <a:endParaRPr lang="he-IL" sz="3300" dirty="0" smtClean="0">
+                  <a:solidFill>
+                    <a:schemeClr val="tx1"/>
+                  </a:solidFill>
+                </a:endParaRPr>
+              </a:p>
+              <a:p>
+                <a:pPr marL="607499" lvl="0" indent="-607499" algn="ctr" rtl="0"/>
+                <a:endParaRPr lang="en-US" sz="4800" dirty="0" smtClean="0">
+                  <a:solidFill>
+                    <a:schemeClr val="tx1"/>
+                  </a:solidFill>
+                </a:endParaRPr>
+              </a:p>
+            </p:txBody>
+          </p:sp>
+        </mc:Choice>
+        <mc:Fallback>
+          <p:sp>
+            <p:nvSpPr>
+              <p:cNvPr id="129" name="Rounded Rectangle 128"/>
+              <p:cNvSpPr>
+                <a:spLocks noRot="1" noChangeAspect="1" noMove="1" noResize="1" noEditPoints="1" noAdjustHandles="1" noChangeArrowheads="1" noChangeShapeType="1" noTextEdit="1"/>
+              </p:cNvSpPr>
+              <p:nvPr/>
+            </p:nvSpPr>
+            <p:spPr>
+              <a:xfrm>
+                <a:off x="1080420" y="23762865"/>
+                <a:ext cx="9721080" cy="8193178"/>
+              </a:xfrm>
+              <a:prstGeom prst="roundRect">
+                <a:avLst/>
+              </a:prstGeom>
+              <a:blipFill rotWithShape="0">
+                <a:blip r:embed="rId3"/>
+                <a:stretch>
+                  <a:fillRect/>
+                </a:stretch>
+              </a:blipFill>
+              <a:ln w="76200">
+                <a:solidFill>
+                  <a:schemeClr val="tx1"/>
+                </a:solidFill>
+              </a:ln>
+            </p:spPr>
+            <p:txBody>
+              <a:bodyPr/>
+              <a:lstStyle/>
+              <a:p>
+                <a:r>
+                  <a:rPr lang="en-US">
+                    <a:noFill/>
+                  </a:rPr>
+                  <a:t> </a:t>
+                </a:r>
+              </a:p>
+            </p:txBody>
+          </p:sp>
+        </mc:Fallback>
+      </mc:AlternateContent>
       <p:sp>
         <p:nvSpPr>
           <p:cNvPr id="917" name="Rounded Rectangle 916"/>
@@ -3716,23 +4199,7 @@
                   <a:schemeClr val="tx1"/>
                 </a:solidFill>
               </a:rPr>
-              <a:t>92% of the human genome agrees </a:t>
-            </a:r>
-            <a:r>
-              <a:rPr lang="en-US" sz="4400" b="1" dirty="0" smtClean="0">
-                <a:solidFill>
-                  <a:schemeClr val="tx1"/>
-                </a:solidFill>
-              </a:rPr>
-              <a:t>with </a:t>
-            </a:r>
-            <a:r>
-              <a:rPr lang="en-US" sz="4400" b="1" dirty="0" smtClean="0">
-                <a:solidFill>
-                  <a:schemeClr val="tx1"/>
-                </a:solidFill>
-              </a:rPr>
-              <a:t>the brain-region ontology</a:t>
+              <a:t>92% of the human genome agrees with the brain-region ontology</a:t>
             </a:r>
           </a:p>
           <a:p>
@@ -3779,15 +4246,17 @@
             <a:pPr algn="ctr" rtl="0"/>
             <a:r>
               <a:rPr lang="en-US" b="1" dirty="0" smtClean="0"/>
-              <a:t>Human areal expression of most genes is </a:t>
-            </a:r>
+              <a:t>COMET – Learning Sparse Metrics</a:t>
+            </a:r>
+            <a:endParaRPr lang="en-US" b="1" dirty="0" smtClean="0"/>
           </a:p>
           <a:p>
             <a:pPr algn="ctr" rtl="0"/>
             <a:r>
               <a:rPr lang="en-US" b="1" dirty="0" smtClean="0"/>
-              <a:t>governed by regionalization</a:t>
-            </a:r>
+              <a:t>One Feature at a Time</a:t>
+            </a:r>
+            <a:endParaRPr lang="en-US" b="1" dirty="0" smtClean="0"/>
           </a:p>
         </p:txBody>
       </p:sp>
@@ -3824,25 +4293,58 @@
           <a:p>
             <a:pPr algn="ctr"/>
             <a:r>
+              <a:rPr lang="en-US" sz="5100" dirty="0" smtClean="0">
+                <a:latin typeface="Arial" pitchFamily="34" charset="0"/>
+                <a:cs typeface="+mj-cs"/>
+              </a:rPr>
+              <a:t>Yuval </a:t>
+            </a:r>
+            <a:r>
               <a:rPr lang="en-US" sz="5100" dirty="0" err="1" smtClean="0">
                 <a:latin typeface="Arial" pitchFamily="34" charset="0"/>
                 <a:cs typeface="+mj-cs"/>
               </a:rPr>
-              <a:t>Lior</a:t>
+              <a:t>Atzmon</a:t>
+            </a:r>
+            <a:r>
+              <a:rPr lang="en-US" sz="5400" baseline="30000" dirty="0"/>
+              <a:t> 1</a:t>
             </a:r>
             <a:r>
               <a:rPr lang="en-US" sz="5100" dirty="0" smtClean="0">
                 <a:latin typeface="Arial" pitchFamily="34" charset="0"/>
                 <a:cs typeface="+mj-cs"/>
               </a:rPr>
-              <a:t> Kirsch</a:t>
+              <a:t>, Uri </a:t>
+            </a:r>
+            <a:r>
+              <a:rPr lang="en-US" sz="5100" dirty="0" err="1" smtClean="0">
+                <a:latin typeface="Arial" pitchFamily="34" charset="0"/>
+                <a:cs typeface="+mj-cs"/>
+              </a:rPr>
+              <a:t>Shalit</a:t>
+            </a:r>
+            <a:r>
+              <a:rPr lang="en-US" sz="5400" baseline="30000" dirty="0"/>
+              <a:t> </a:t>
+            </a:r>
+            <a:r>
+              <a:rPr lang="en-US" sz="5400" baseline="30000" dirty="0" smtClean="0"/>
+              <a:t>2</a:t>
             </a:r>
             <a:r>
               <a:rPr lang="en-US" sz="5100" dirty="0" smtClean="0">
                 <a:latin typeface="Arial" pitchFamily="34" charset="0"/>
                 <a:cs typeface="Arial" pitchFamily="34" charset="0"/>
               </a:rPr>
-              <a:t>, Gal </a:t>
+              <a:t>, </a:t>
+            </a:r>
+            <a:r>
+              <a:rPr lang="en-US" sz="5100" dirty="0" smtClean="0">
+                <a:latin typeface="Arial" pitchFamily="34" charset="0"/>
+                <a:cs typeface="Arial" pitchFamily="34" charset="0"/>
+              </a:rPr>
+              <a:t>Gal </a:t>
             </a:r>
             <a:r>
               <a:rPr lang="en-US" sz="5100" dirty="0" err="1" smtClean="0">
@@ -3850,6 +4352,14 @@
                 <a:cs typeface="Arial" pitchFamily="34" charset="0"/>
               </a:rPr>
               <a:t>Chechik</a:t>
+            </a:r>
+            <a:r>
+              <a:rPr lang="en-US" sz="5400" baseline="30000" dirty="0"/>
+              <a:t> </a:t>
+            </a:r>
+            <a:r>
+              <a:rPr lang="en-US" sz="5400" baseline="30000" dirty="0" smtClean="0"/>
+              <a:t>1,3</a:t>
             </a:r>
             <a:endParaRPr lang="en-US" sz="5100" baseline="30000" dirty="0">
               <a:latin typeface="Arial" pitchFamily="34" charset="0"/>
@@ -3859,6 +4369,10 @@
           <a:p>
             <a:pPr algn="ctr" rtl="0"/>
             <a:r>
+              <a:rPr lang="en-US" sz="4000" baseline="30000" dirty="0"/>
+              <a:t>1 </a:t>
+            </a:r>
+            <a:r>
               <a:rPr lang="en-US" sz="3800" b="1" dirty="0" err="1" smtClean="0"/>
               <a:t>Gonda</a:t>
             </a:r>
@@ -3876,20 +4390,25 @@
             </a:r>
             <a:r>
               <a:rPr lang="en-US" sz="3800" b="1" dirty="0"/>
-              <a:t> University, Ramat-</a:t>
-            </a:r>
-            <a:r>
-              <a:rPr lang="en-US" sz="3800" b="1" dirty="0" err="1"/>
-              <a:t>Gan</a:t>
-            </a:r>
-            <a:r>
-              <a:rPr lang="en-US" sz="3800" b="1" dirty="0"/>
-              <a:t>, </a:t>
+              <a:t> University, </a:t>
+            </a:r>
+            <a:r>
+              <a:rPr lang="en-US" sz="4000" baseline="30000" dirty="0" smtClean="0"/>
+              <a:t>2 </a:t>
             </a:r>
             <a:r>
               <a:rPr lang="en-US" sz="3800" b="1" dirty="0" smtClean="0"/>
-              <a:t>Israel</a:t>
-            </a:r>
+              <a:t>NYU, </a:t>
+            </a:r>
+            <a:r>
+              <a:rPr lang="en-US" sz="4000" baseline="30000" dirty="0" smtClean="0"/>
+              <a:t>3 </a:t>
+            </a:r>
+            <a:r>
+              <a:rPr lang="en-US" sz="3800" b="1" dirty="0" smtClean="0"/>
+              <a:t>Google CA</a:t>
+            </a:r>
+            <a:endParaRPr lang="en-US" sz="3800" b="1" dirty="0" smtClean="0"/>
           </a:p>
         </p:txBody>
       </p:sp>
@@ -4111,160 +4630,572 @@
           </a:p>
         </p:txBody>
       </p:sp>
-      <p:sp>
-        <p:nvSpPr>
-          <p:cNvPr id="10" name="Rounded Rectangle 9"/>
-          <p:cNvSpPr/>
-          <p:nvPr/>
-        </p:nvSpPr>
-        <p:spPr>
-          <a:xfrm>
-            <a:off x="1080420" y="4968777"/>
-            <a:ext cx="9721080" cy="8280920"/>
-          </a:xfrm>
-          <a:prstGeom prst="roundRect">
-            <a:avLst/>
-          </a:prstGeom>
-          <a:solidFill>
-            <a:schemeClr val="bg1"/>
-          </a:solidFill>
-          <a:ln w="76200">
-            <a:solidFill>
-              <a:schemeClr val="tx1"/>
-            </a:solidFill>
-          </a:ln>
-        </p:spPr>
-        <p:style>
-          <a:lnRef idx="2">
-            <a:schemeClr val="accent1">
-              <a:shade val="50000"/>
-            </a:schemeClr>
-          </a:lnRef>
-          <a:fillRef idx="1">
-            <a:schemeClr val="accent1"/>
-          </a:fillRef>
-          <a:effectRef idx="0">
-            <a:schemeClr val="accent1"/>
-          </a:effectRef>
-          <a:fontRef idx="minor">
-            <a:schemeClr val="lt1"/>
-          </a:fontRef>
-        </p:style>
-        <p:txBody>
-          <a:bodyPr lIns="83976" tIns="41987" rIns="83976" bIns="41987" rtlCol="1" anchor="t" anchorCtr="0"/>
-          <a:lstStyle/>
-          <a:p>
-            <a:pPr algn="ctr" rtl="0"/>
-            <a:r>
-              <a:rPr lang="en-US" sz="4400" b="1" dirty="0" smtClean="0">
+      <mc:AlternateContent xmlns:mc="http://schemas.openxmlformats.org/markup-compatibility/2006">
+        <mc:Choice xmlns:a14="http://schemas.microsoft.com/office/drawing/2010/main" Requires="a14">
+          <p:sp>
+            <p:nvSpPr>
+              <p:cNvPr id="10" name="Rounded Rectangle 9"/>
+              <p:cNvSpPr/>
+              <p:nvPr/>
+            </p:nvSpPr>
+            <p:spPr>
+              <a:xfrm>
+                <a:off x="1080420" y="4968777"/>
+                <a:ext cx="9721080" cy="8280920"/>
+              </a:xfrm>
+              <a:prstGeom prst="roundRect">
+                <a:avLst/>
+              </a:prstGeom>
+              <a:solidFill>
+                <a:schemeClr val="bg1"/>
+              </a:solidFill>
+              <a:ln w="76200">
                 <a:solidFill>
                   <a:schemeClr val="tx1"/>
                 </a:solidFill>
-              </a:rPr>
-              <a:t>Background</a:t>
-            </a:r>
-          </a:p>
-          <a:p>
-            <a:pPr algn="l" rtl="0"/>
-            <a:endParaRPr lang="en-US" sz="1050" dirty="0" smtClean="0">
-              <a:solidFill>
-                <a:schemeClr val="tx1"/>
-              </a:solidFill>
-            </a:endParaRPr>
-          </a:p>
-          <a:p>
-            <a:pPr algn="l" rtl="0"/>
-            <a:r>
-              <a:rPr lang="en-US" sz="3200" dirty="0" smtClean="0">
+              </a:ln>
+            </p:spPr>
+            <p:style>
+              <a:lnRef idx="2">
+                <a:schemeClr val="accent1">
+                  <a:shade val="50000"/>
+                </a:schemeClr>
+              </a:lnRef>
+              <a:fillRef idx="1">
+                <a:schemeClr val="accent1"/>
+              </a:fillRef>
+              <a:effectRef idx="0">
+                <a:schemeClr val="accent1"/>
+              </a:effectRef>
+              <a:fontRef idx="minor">
+                <a:schemeClr val="lt1"/>
+              </a:fontRef>
+            </p:style>
+            <p:txBody>
+              <a:bodyPr lIns="83976" tIns="41987" rIns="83976" bIns="41987" rtlCol="1" anchor="t" anchorCtr="0"/>
+              <a:lstStyle/>
+              <a:p>
+                <a:pPr algn="ctr" rtl="0"/>
+                <a:r>
+                  <a:rPr lang="en-US" sz="4400" b="1" dirty="0" smtClean="0">
+                    <a:solidFill>
+                      <a:schemeClr val="tx1"/>
+                    </a:solidFill>
+                  </a:rPr>
+                  <a:t>Introduction</a:t>
+                </a:r>
+              </a:p>
+              <a:p>
+                <a:pPr algn="l" rtl="0"/>
+                <a:endParaRPr lang="en-US" sz="1050" dirty="0" smtClean="0">
+                  <a:solidFill>
+                    <a:schemeClr val="tx1"/>
+                  </a:solidFill>
+                </a:endParaRPr>
+              </a:p>
+              <a:p>
+                <a:pPr algn="l" rtl="0"/>
+                <a:r>
+                  <a:rPr lang="en-US" sz="3200" dirty="0">
+                    <a:solidFill>
+                      <a:schemeClr val="tx1"/>
+                    </a:solidFill>
+                  </a:rPr>
+                  <a:t>Metric learning, is a method for learning a measure of pairwise distance among data samples. It can be used for extracting features in a data-driven way, project it into a new feature space and can also be used for ranking samples similar to a query sample</a:t>
+                </a:r>
+                <a:r>
+                  <a:rPr lang="en-US" sz="3200" dirty="0" smtClean="0">
+                    <a:solidFill>
+                      <a:schemeClr val="tx1"/>
+                    </a:solidFill>
+                  </a:rPr>
+                  <a:t>.</a:t>
+                </a:r>
+              </a:p>
+              <a:p>
+                <a:pPr algn="l" rtl="0"/>
+                <a:endParaRPr lang="en-US" sz="3200" dirty="0">
+                  <a:solidFill>
+                    <a:schemeClr val="tx1"/>
+                  </a:solidFill>
+                </a:endParaRPr>
+              </a:p>
+              <a:p>
+                <a:pPr algn="l" rtl="0"/>
+                <a:r>
+                  <a:rPr lang="en-US" sz="3200" dirty="0">
+                    <a:solidFill>
+                      <a:schemeClr val="tx1"/>
+                    </a:solidFill>
+                  </a:rPr>
+                  <a:t>Learning a metric is often cast as solving a convex optimization problem over the cone of positive definite (PD) matrices by optimizing a similarity </a:t>
+                </a:r>
+                <a:r>
+                  <a:rPr lang="en-US" sz="3200" dirty="0" smtClean="0">
+                    <a:solidFill>
+                      <a:schemeClr val="tx1"/>
+                    </a:solidFill>
+                  </a:rPr>
+                  <a:t>measure </a:t>
+                </a:r>
+                <a14:m>
+                  <m:oMath xmlns:m="http://schemas.openxmlformats.org/officeDocument/2006/math">
+                    <m:r>
+                      <a:rPr lang="en-US" sz="3200" i="1" smtClean="0">
+                        <a:solidFill>
+                          <a:schemeClr val="tx1"/>
+                        </a:solidFill>
+                      </a:rPr>
+                      <m:t>𝑠𝑖</m:t>
+                    </m:r>
+                    <m:sSub>
+                      <m:sSubPr>
+                        <m:ctrlPr>
+                          <a:rPr lang="en-US" sz="3200" i="1" smtClean="0">
+                            <a:solidFill>
+                              <a:schemeClr val="tx1"/>
+                            </a:solidFill>
+                          </a:rPr>
+                        </m:ctrlPr>
+                      </m:sSubPr>
+                      <m:e>
+                        <m:r>
+                          <a:rPr lang="en-US" sz="3200" i="1">
+                            <a:solidFill>
+                              <a:schemeClr val="tx1"/>
+                            </a:solidFill>
+                          </a:rPr>
+                          <m:t>𝑚</m:t>
+                        </m:r>
+                      </m:e>
+                      <m:sub>
+                        <m:r>
+                          <a:rPr lang="en-US" sz="3200" i="1">
+                            <a:solidFill>
+                              <a:schemeClr val="tx1"/>
+                            </a:solidFill>
+                          </a:rPr>
+                          <m:t>𝑊</m:t>
+                        </m:r>
+                      </m:sub>
+                    </m:sSub>
+                    <m:d>
+                      <m:dPr>
+                        <m:ctrlPr>
+                          <a:rPr lang="en-US" sz="3200" i="1">
+                            <a:solidFill>
+                              <a:schemeClr val="tx1"/>
+                            </a:solidFill>
+                          </a:rPr>
+                        </m:ctrlPr>
+                      </m:dPr>
+                      <m:e>
+                        <m:r>
+                          <a:rPr lang="en-US" sz="3200" i="1">
+                            <a:solidFill>
+                              <a:schemeClr val="tx1"/>
+                            </a:solidFill>
+                          </a:rPr>
+                          <m:t>𝑥</m:t>
+                        </m:r>
+                        <m:r>
+                          <a:rPr lang="en-US" sz="3200" i="1">
+                            <a:solidFill>
+                              <a:schemeClr val="tx1"/>
+                            </a:solidFill>
+                          </a:rPr>
+                          <m:t>,</m:t>
+                        </m:r>
+                        <m:r>
+                          <a:rPr lang="en-US" sz="3200" i="1">
+                            <a:solidFill>
+                              <a:schemeClr val="tx1"/>
+                            </a:solidFill>
+                          </a:rPr>
+                          <m:t>𝑦</m:t>
+                        </m:r>
+                      </m:e>
+                    </m:d>
+                    <m:r>
+                      <a:rPr lang="en-US" sz="3200" i="1">
+                        <a:solidFill>
+                          <a:schemeClr val="tx1"/>
+                        </a:solidFill>
+                      </a:rPr>
+                      <m:t>=</m:t>
+                    </m:r>
+                    <m:sSup>
+                      <m:sSupPr>
+                        <m:ctrlPr>
+                          <a:rPr lang="en-US" sz="3200" i="1">
+                            <a:solidFill>
+                              <a:schemeClr val="tx1"/>
+                            </a:solidFill>
+                          </a:rPr>
+                        </m:ctrlPr>
+                      </m:sSupPr>
+                      <m:e>
+                        <m:r>
+                          <a:rPr lang="en-US" sz="3200" i="1">
+                            <a:solidFill>
+                              <a:schemeClr val="tx1"/>
+                            </a:solidFill>
+                          </a:rPr>
+                          <m:t>𝑥</m:t>
+                        </m:r>
+                      </m:e>
+                      <m:sup>
+                        <m:r>
+                          <a:rPr lang="en-US" sz="3200" i="1">
+                            <a:solidFill>
+                              <a:schemeClr val="tx1"/>
+                            </a:solidFill>
+                          </a:rPr>
+                          <m:t>𝑇</m:t>
+                        </m:r>
+                      </m:sup>
+                    </m:sSup>
+                    <m:r>
+                      <a:rPr lang="en-US" sz="3200" i="1">
+                        <a:solidFill>
+                          <a:schemeClr val="tx1"/>
+                        </a:solidFill>
+                      </a:rPr>
+                      <m:t>𝑊𝑦</m:t>
+                    </m:r>
+                    <m:r>
+                      <a:rPr lang="en-US" sz="3200" b="0" i="1" smtClean="0">
+                        <a:solidFill>
+                          <a:schemeClr val="tx1"/>
+                        </a:solidFill>
+                        <a:latin typeface="Cambria Math" panose="02040503050406030204" pitchFamily="18" charset="0"/>
+                      </a:rPr>
+                      <m:t>  | </m:t>
+                    </m:r>
+                    <m:r>
+                      <a:rPr lang="en-US" sz="3200" i="1">
+                        <a:solidFill>
+                          <a:schemeClr val="tx1"/>
+                        </a:solidFill>
+                      </a:rPr>
+                      <m:t>𝑊</m:t>
+                    </m:r>
+                    <m:r>
+                      <a:rPr lang="en-US" sz="3200" i="1">
+                        <a:solidFill>
+                          <a:schemeClr val="tx1"/>
+                        </a:solidFill>
+                      </a:rPr>
+                      <m:t>≻</m:t>
+                    </m:r>
+                    <m:r>
+                      <a:rPr lang="en-US" sz="3200" i="1">
+                        <a:solidFill>
+                          <a:schemeClr val="tx1"/>
+                        </a:solidFill>
+                      </a:rPr>
+                      <m:t>0</m:t>
+                    </m:r>
+                    <m:r>
+                      <a:rPr lang="en-US" sz="3200" i="1">
+                        <a:solidFill>
+                          <a:schemeClr val="tx1"/>
+                        </a:solidFill>
+                      </a:rPr>
+                      <m:t> (</m:t>
+                    </m:r>
+                    <m:r>
+                      <a:rPr lang="en-US" sz="3200" b="0" i="1" smtClean="0">
+                        <a:solidFill>
+                          <a:schemeClr val="tx1"/>
+                        </a:solidFill>
+                        <a:latin typeface="Cambria Math" panose="02040503050406030204" pitchFamily="18" charset="0"/>
+                      </a:rPr>
+                      <m:t>𝑊</m:t>
+                    </m:r>
+                    <m:r>
+                      <a:rPr lang="en-US" sz="3200" b="0" i="1" smtClean="0">
+                        <a:solidFill>
+                          <a:schemeClr val="tx1"/>
+                        </a:solidFill>
+                        <a:latin typeface="Cambria Math" panose="02040503050406030204" pitchFamily="18" charset="0"/>
+                      </a:rPr>
+                      <m:t> </m:t>
+                    </m:r>
+                    <m:r>
+                      <a:rPr lang="en-US" sz="3200" i="1">
+                        <a:solidFill>
+                          <a:schemeClr val="tx1"/>
+                        </a:solidFill>
+                      </a:rPr>
+                      <m:t>𝑖𝑠</m:t>
+                    </m:r>
+                    <m:r>
+                      <a:rPr lang="en-US" sz="3200" i="1">
+                        <a:solidFill>
+                          <a:schemeClr val="tx1"/>
+                        </a:solidFill>
+                      </a:rPr>
+                      <m:t> </m:t>
+                    </m:r>
+                    <m:r>
+                      <a:rPr lang="en-US" sz="3200" i="1">
+                        <a:solidFill>
+                          <a:schemeClr val="tx1"/>
+                        </a:solidFill>
+                      </a:rPr>
+                      <m:t>𝑃𝐷</m:t>
+                    </m:r>
+                    <m:r>
+                      <a:rPr lang="en-US" sz="3200" i="1">
+                        <a:solidFill>
+                          <a:schemeClr val="tx1"/>
+                        </a:solidFill>
+                      </a:rPr>
+                      <m:t>)</m:t>
+                    </m:r>
+                  </m:oMath>
+                </a14:m>
+                <a:r>
+                  <a:rPr lang="en-US" sz="3200" dirty="0">
+                    <a:solidFill>
+                      <a:schemeClr val="tx1"/>
+                    </a:solidFill>
+                  </a:rPr>
+                  <a:t> </a:t>
+                </a:r>
+                <a:r>
+                  <a:rPr lang="en-US" sz="3200" dirty="0" smtClean="0">
+                    <a:solidFill>
+                      <a:schemeClr val="tx1"/>
+                    </a:solidFill>
+                  </a:rPr>
+                  <a:t>.</a:t>
+                </a:r>
+                <a:endParaRPr lang="en-US" sz="3200" dirty="0">
+                  <a:solidFill>
+                    <a:schemeClr val="tx1"/>
+                  </a:solidFill>
+                </a:endParaRPr>
+              </a:p>
+              <a:p>
+                <a:pPr algn="l" rtl="0"/>
+                <a:r>
+                  <a:rPr lang="en-US" sz="3200" dirty="0">
+                    <a:solidFill>
+                      <a:schemeClr val="tx1"/>
+                    </a:solidFill>
+                  </a:rPr>
+                  <a:t>When </a:t>
+                </a:r>
+                <a14:m>
+                  <m:oMath xmlns:m="http://schemas.openxmlformats.org/officeDocument/2006/math">
+                    <m:r>
+                      <a:rPr lang="en-US" sz="3200" i="1">
+                        <a:solidFill>
+                          <a:schemeClr val="tx1"/>
+                        </a:solidFill>
+                      </a:rPr>
+                      <m:t>𝑊</m:t>
+                    </m:r>
+                  </m:oMath>
+                </a14:m>
+                <a:r>
+                  <a:rPr lang="en-US" sz="3200" dirty="0">
+                    <a:solidFill>
+                      <a:schemeClr val="tx1"/>
+                    </a:solidFill>
+                  </a:rPr>
+                  <a:t> is PD, it can be factored as </a:t>
+                </a:r>
+                <a14:m>
+                  <m:oMath xmlns:m="http://schemas.openxmlformats.org/officeDocument/2006/math">
+                    <m:r>
+                      <a:rPr lang="en-US" sz="3200" i="1">
+                        <a:solidFill>
+                          <a:schemeClr val="tx1"/>
+                        </a:solidFill>
+                      </a:rPr>
+                      <m:t>𝑊</m:t>
+                    </m:r>
+                    <m:r>
+                      <a:rPr lang="en-US" sz="3200" i="1">
+                        <a:solidFill>
+                          <a:schemeClr val="tx1"/>
+                        </a:solidFill>
+                      </a:rPr>
+                      <m:t>=</m:t>
+                    </m:r>
+                    <m:sSup>
+                      <m:sSupPr>
+                        <m:ctrlPr>
+                          <a:rPr lang="en-US" sz="3200" i="1">
+                            <a:solidFill>
+                              <a:schemeClr val="tx1"/>
+                            </a:solidFill>
+                          </a:rPr>
+                        </m:ctrlPr>
+                      </m:sSupPr>
+                      <m:e>
+                        <m:r>
+                          <a:rPr lang="en-US" sz="3200" i="1">
+                            <a:solidFill>
+                              <a:schemeClr val="tx1"/>
+                            </a:solidFill>
+                          </a:rPr>
+                          <m:t>𝐿</m:t>
+                        </m:r>
+                      </m:e>
+                      <m:sup>
+                        <m:r>
+                          <a:rPr lang="en-US" sz="3200" i="1">
+                            <a:solidFill>
+                              <a:schemeClr val="tx1"/>
+                            </a:solidFill>
+                          </a:rPr>
+                          <m:t>𝑇</m:t>
+                        </m:r>
+                      </m:sup>
+                    </m:sSup>
+                    <m:r>
+                      <a:rPr lang="en-US" sz="3200" i="1">
+                        <a:solidFill>
+                          <a:schemeClr val="tx1"/>
+                        </a:solidFill>
+                      </a:rPr>
+                      <m:t>𝐿</m:t>
+                    </m:r>
+                  </m:oMath>
+                </a14:m>
+                <a:r>
+                  <a:rPr lang="en-US" sz="3200" dirty="0">
+                    <a:solidFill>
+                      <a:schemeClr val="tx1"/>
+                    </a:solidFill>
+                  </a:rPr>
+                  <a:t> and </a:t>
+                </a:r>
+                <a14:m>
+                  <m:oMath xmlns:m="http://schemas.openxmlformats.org/officeDocument/2006/math">
+                    <m:r>
+                      <a:rPr lang="en-US" sz="3200" i="1">
+                        <a:solidFill>
+                          <a:schemeClr val="tx1"/>
+                        </a:solidFill>
+                      </a:rPr>
+                      <m:t>𝐿</m:t>
+                    </m:r>
+                  </m:oMath>
+                </a14:m>
+                <a:r>
+                  <a:rPr lang="en-US" sz="3200" dirty="0">
+                    <a:solidFill>
+                      <a:schemeClr val="tx1"/>
+                    </a:solidFill>
+                  </a:rPr>
+                  <a:t> can be used to map any data sample </a:t>
+                </a:r>
+                <a14:m>
+                  <m:oMath xmlns:m="http://schemas.openxmlformats.org/officeDocument/2006/math">
+                    <m:r>
+                      <a:rPr lang="en-US" sz="3200" i="1">
+                        <a:solidFill>
+                          <a:schemeClr val="tx1"/>
+                        </a:solidFill>
+                      </a:rPr>
+                      <m:t>𝑥</m:t>
+                    </m:r>
+                  </m:oMath>
+                </a14:m>
+                <a:r>
+                  <a:rPr lang="en-US" sz="3200" dirty="0">
+                    <a:solidFill>
+                      <a:schemeClr val="tx1"/>
+                    </a:solidFill>
+                  </a:rPr>
+                  <a:t> to a new feature space </a:t>
+                </a:r>
+                <a14:m>
+                  <m:oMath xmlns:m="http://schemas.openxmlformats.org/officeDocument/2006/math">
+                    <m:r>
+                      <a:rPr lang="en-US" sz="3200" i="1">
+                        <a:solidFill>
+                          <a:schemeClr val="tx1"/>
+                        </a:solidFill>
+                      </a:rPr>
+                      <m:t>𝐿𝑥</m:t>
+                    </m:r>
+                  </m:oMath>
+                </a14:m>
+                <a:r>
+                  <a:rPr lang="en-US" sz="3200" dirty="0">
+                    <a:solidFill>
+                      <a:schemeClr val="tx1"/>
+                    </a:solidFill>
+                  </a:rPr>
+                  <a:t>. </a:t>
+                </a:r>
+                <a:endParaRPr lang="en-US" sz="3200" dirty="0" smtClean="0">
+                  <a:solidFill>
+                    <a:schemeClr val="tx1"/>
+                  </a:solidFill>
+                </a:endParaRPr>
+              </a:p>
+              <a:p>
+                <a:pPr algn="l" rtl="0"/>
+                <a:endParaRPr lang="en-US" sz="3200" dirty="0">
+                  <a:solidFill>
+                    <a:schemeClr val="tx1"/>
+                  </a:solidFill>
+                </a:endParaRPr>
+              </a:p>
+            </p:txBody>
+          </p:sp>
+        </mc:Choice>
+        <mc:Fallback>
+          <p:sp>
+            <p:nvSpPr>
+              <p:cNvPr id="10" name="Rounded Rectangle 9"/>
+              <p:cNvSpPr>
+                <a:spLocks noRot="1" noChangeAspect="1" noMove="1" noResize="1" noEditPoints="1" noAdjustHandles="1" noChangeArrowheads="1" noChangeShapeType="1" noTextEdit="1"/>
+              </p:cNvSpPr>
+              <p:nvPr/>
+            </p:nvSpPr>
+            <p:spPr>
+              <a:xfrm>
+                <a:off x="1080420" y="4968777"/>
+                <a:ext cx="9721080" cy="8280920"/>
+              </a:xfrm>
+              <a:prstGeom prst="roundRect">
+                <a:avLst/>
+              </a:prstGeom>
+              <a:blipFill rotWithShape="0">
+                <a:blip r:embed="rId4"/>
+                <a:stretch>
+                  <a:fillRect/>
+                </a:stretch>
+              </a:blipFill>
+              <a:ln w="76200">
                 <a:solidFill>
                   <a:schemeClr val="tx1"/>
                 </a:solidFill>
-              </a:rPr>
-              <a:t>The human brain is organized in multiple anatomical substructures, each having its own characteristic. The differences between structures are reflected in the area-specific transcriptome signatures. These complex expression patterns raise many questions:</a:t>
-            </a:r>
-          </a:p>
-          <a:p>
-            <a:pPr algn="l" rtl="0"/>
-            <a:endParaRPr lang="en-US" sz="2000" dirty="0" smtClean="0">
-              <a:solidFill>
-                <a:schemeClr val="tx1"/>
-              </a:solidFill>
-            </a:endParaRPr>
-          </a:p>
-          <a:p>
-            <a:pPr marL="457200" indent="-457200" algn="l" rtl="0">
-              <a:buFont typeface="Arial" panose="020B0604020202020204" pitchFamily="34" charset="0"/>
-              <a:buChar char="•"/>
-            </a:pPr>
-            <a:r>
-              <a:rPr lang="en-US" sz="3200" dirty="0" smtClean="0">
-                <a:solidFill>
-                  <a:schemeClr val="tx1"/>
-                </a:solidFill>
-              </a:rPr>
-              <a:t>Which genes are expressed in which </a:t>
-            </a:r>
-            <a:r>
-              <a:rPr lang="en-US" sz="3200" dirty="0" err="1" smtClean="0">
-                <a:solidFill>
-                  <a:schemeClr val="tx1"/>
-                </a:solidFill>
-              </a:rPr>
-              <a:t>which</a:t>
-            </a:r>
-            <a:r>
-              <a:rPr lang="en-US" sz="3200" dirty="0" smtClean="0">
-                <a:solidFill>
-                  <a:schemeClr val="tx1"/>
-                </a:solidFill>
-              </a:rPr>
-              <a:t> brain regions?</a:t>
-            </a:r>
-          </a:p>
-          <a:p>
-            <a:pPr marL="457200" indent="-457200" algn="l" rtl="0">
-              <a:buFont typeface="Arial" panose="020B0604020202020204" pitchFamily="34" charset="0"/>
-              <a:buChar char="•"/>
-            </a:pPr>
-            <a:r>
-              <a:rPr lang="en-US" sz="3200" dirty="0" smtClean="0">
-                <a:solidFill>
-                  <a:schemeClr val="tx1"/>
-                </a:solidFill>
-              </a:rPr>
-              <a:t>Does expression across regions follow certain patterns?</a:t>
-            </a:r>
-          </a:p>
-          <a:p>
-            <a:pPr marL="457200" indent="-457200" algn="l" rtl="0">
-              <a:buFont typeface="Arial" panose="020B0604020202020204" pitchFamily="34" charset="0"/>
-              <a:buChar char="•"/>
-            </a:pPr>
-            <a:r>
-              <a:rPr lang="en-US" sz="3200" dirty="0" smtClean="0">
-                <a:solidFill>
-                  <a:schemeClr val="tx1"/>
-                </a:solidFill>
-              </a:rPr>
-              <a:t>To what extent does development determines expression in the adult brain?</a:t>
-            </a:r>
-          </a:p>
-          <a:p>
-            <a:pPr marL="457200" indent="-457200" algn="l" rtl="0">
-              <a:buFont typeface="Arial" panose="020B0604020202020204" pitchFamily="34" charset="0"/>
-              <a:buChar char="•"/>
-            </a:pPr>
-            <a:r>
-              <a:rPr lang="en-US" sz="3200" dirty="0" smtClean="0">
-                <a:solidFill>
-                  <a:schemeClr val="tx1"/>
-                </a:solidFill>
-              </a:rPr>
-              <a:t>What are the principles which govern spatial patterns of expression?</a:t>
-            </a:r>
-          </a:p>
-        </p:txBody>
-      </p:sp>
+              </a:ln>
+            </p:spPr>
+            <p:txBody>
+              <a:bodyPr/>
+              <a:lstStyle/>
+              <a:p>
+                <a:r>
+                  <a:rPr lang="en-US">
+                    <a:noFill/>
+                  </a:rPr>
+                  <a:t> </a:t>
+                </a:r>
+              </a:p>
+            </p:txBody>
+          </p:sp>
+        </mc:Fallback>
+      </mc:AlternateContent>
       <p:pic>
         <p:nvPicPr>
           <p:cNvPr id="12" name="Picture 11"/>
@@ -4274,10 +5205,10 @@
           <p:nvPr/>
         </p:nvPicPr>
         <p:blipFill>
-          <a:blip r:embed="rId3" cstate="print">
+          <a:blip r:embed="rId5" cstate="print">
             <a:extLst>
               <a:ext uri="{28A0092B-C50C-407E-A947-70E740481C1C}">
-                <a14:useLocalDpi xmlns="" xmlns:a14="http://schemas.microsoft.com/office/drawing/2010/main" val="0"/>
+                <a14:useLocalDpi xmlns:a14="http://schemas.microsoft.com/office/drawing/2010/main" val="0"/>
               </a:ext>
             </a:extLst>
           </a:blip>
@@ -4302,7 +5233,7 @@
           <p:nvPr/>
         </p:nvPicPr>
         <p:blipFill>
-          <a:blip r:embed="rId4" cstate="print"/>
+          <a:blip r:embed="rId6" cstate="print"/>
           <a:srcRect l="5796"/>
           <a:stretch>
             <a:fillRect/>
@@ -4378,163 +5309,284 @@
           </a:p>
         </p:txBody>
       </p:sp>
-      <p:sp>
-        <p:nvSpPr>
-          <p:cNvPr id="22" name="Rounded Rectangle 21"/>
-          <p:cNvSpPr/>
-          <p:nvPr/>
-        </p:nvSpPr>
-        <p:spPr>
-          <a:xfrm>
-            <a:off x="1080420" y="13969777"/>
-            <a:ext cx="9715301" cy="9001000"/>
-          </a:xfrm>
-          <a:prstGeom prst="roundRect">
-            <a:avLst/>
-          </a:prstGeom>
-          <a:solidFill>
-            <a:schemeClr val="bg1"/>
-          </a:solidFill>
-          <a:ln w="76200">
-            <a:solidFill>
-              <a:schemeClr val="tx1"/>
-            </a:solidFill>
-          </a:ln>
-        </p:spPr>
-        <p:style>
-          <a:lnRef idx="2">
-            <a:schemeClr val="accent1">
-              <a:shade val="50000"/>
-            </a:schemeClr>
-          </a:lnRef>
-          <a:fillRef idx="1">
-            <a:schemeClr val="accent1"/>
-          </a:fillRef>
-          <a:effectRef idx="0">
-            <a:schemeClr val="accent1"/>
-          </a:effectRef>
-          <a:fontRef idx="minor">
-            <a:schemeClr val="lt1"/>
-          </a:fontRef>
-        </p:style>
-        <p:txBody>
-          <a:bodyPr lIns="83976" tIns="41987" rIns="83976" bIns="41987" rtlCol="1" anchor="t" anchorCtr="0"/>
-          <a:lstStyle/>
-          <a:p>
-            <a:pPr algn="ctr" rtl="0"/>
-            <a:r>
-              <a:rPr lang="en-US" sz="4400" b="1" dirty="0" smtClean="0">
+      <mc:AlternateContent xmlns:mc="http://schemas.openxmlformats.org/markup-compatibility/2006">
+        <mc:Choice xmlns:a14="http://schemas.microsoft.com/office/drawing/2010/main" Requires="a14">
+          <p:sp>
+            <p:nvSpPr>
+              <p:cNvPr id="22" name="Rounded Rectangle 21"/>
+              <p:cNvSpPr/>
+              <p:nvPr/>
+            </p:nvSpPr>
+            <p:spPr>
+              <a:xfrm>
+                <a:off x="1080420" y="13969777"/>
+                <a:ext cx="9715301" cy="9001000"/>
+              </a:xfrm>
+              <a:prstGeom prst="roundRect">
+                <a:avLst/>
+              </a:prstGeom>
+              <a:solidFill>
+                <a:schemeClr val="bg1"/>
+              </a:solidFill>
+              <a:ln w="76200">
                 <a:solidFill>
                   <a:schemeClr val="tx1"/>
                 </a:solidFill>
-              </a:rPr>
-              <a:t>The data</a:t>
-            </a:r>
-          </a:p>
-          <a:p>
-            <a:pPr algn="l" rtl="0"/>
-            <a:endParaRPr lang="en-US" sz="1600" b="1" dirty="0" smtClean="0">
-              <a:solidFill>
-                <a:schemeClr val="tx1"/>
-              </a:solidFill>
-            </a:endParaRPr>
-          </a:p>
-          <a:p>
-            <a:pPr algn="l" rtl="0"/>
-            <a:r>
-              <a:rPr lang="en-US" sz="3200" dirty="0" smtClean="0">
+              </a:ln>
+            </p:spPr>
+            <p:style>
+              <a:lnRef idx="2">
+                <a:schemeClr val="accent1">
+                  <a:shade val="50000"/>
+                </a:schemeClr>
+              </a:lnRef>
+              <a:fillRef idx="1">
+                <a:schemeClr val="accent1"/>
+              </a:fillRef>
+              <a:effectRef idx="0">
+                <a:schemeClr val="accent1"/>
+              </a:effectRef>
+              <a:fontRef idx="minor">
+                <a:schemeClr val="lt1"/>
+              </a:fontRef>
+            </p:style>
+            <p:txBody>
+              <a:bodyPr lIns="83976" tIns="41987" rIns="83976" bIns="41987" rtlCol="1" anchor="t" anchorCtr="0"/>
+              <a:lstStyle/>
+              <a:p>
+                <a:pPr algn="ctr" rtl="0"/>
+                <a:r>
+                  <a:rPr lang="en-US" sz="4400" b="1" dirty="0" smtClean="0">
+                    <a:solidFill>
+                      <a:schemeClr val="tx1"/>
+                    </a:solidFill>
+                  </a:rPr>
+                  <a:t>Abstract</a:t>
+                </a:r>
+              </a:p>
+              <a:p>
+                <a:pPr algn="ctr" rtl="0"/>
+                <a:endParaRPr lang="en-US" sz="1600" b="1" dirty="0" smtClean="0">
+                  <a:solidFill>
+                    <a:schemeClr val="tx1"/>
+                  </a:solidFill>
+                </a:endParaRPr>
+              </a:p>
+              <a:p>
+                <a:pPr algn="l" rtl="0"/>
+                <a:r>
+                  <a:rPr lang="en-US" sz="3200" dirty="0">
+                    <a:solidFill>
+                      <a:schemeClr val="tx1"/>
+                    </a:solidFill>
+                  </a:rPr>
+                  <a:t>Here we describe </a:t>
+                </a:r>
+                <a:r>
+                  <a:rPr lang="en-US" sz="3200" i="1" dirty="0">
+                    <a:solidFill>
+                      <a:schemeClr val="tx1"/>
+                    </a:solidFill>
+                  </a:rPr>
+                  <a:t>COMET</a:t>
+                </a:r>
+                <a:r>
+                  <a:rPr lang="en-US" sz="3200" dirty="0">
+                    <a:solidFill>
+                      <a:schemeClr val="tx1"/>
+                    </a:solidFill>
+                  </a:rPr>
+                  <a:t>, a block-coordinate descent procedure for metric learning, which efficiently keeps the search within the </a:t>
+                </a:r>
+                <a:r>
+                  <a:rPr lang="en-US" sz="3200" dirty="0" smtClean="0">
+                    <a:solidFill>
+                      <a:schemeClr val="tx1"/>
+                    </a:solidFill>
+                  </a:rPr>
+                  <a:t>PD matrices </a:t>
+                </a:r>
+                <a:r>
+                  <a:rPr lang="en-US" sz="3200" dirty="0">
+                    <a:solidFill>
+                      <a:schemeClr val="tx1"/>
+                    </a:solidFill>
+                  </a:rPr>
+                  <a:t>cone, avoiding both costly projections and unnecessary computation of full gradients. </a:t>
+                </a:r>
+                <a:endParaRPr lang="en-US" sz="3200" dirty="0" smtClean="0">
+                  <a:solidFill>
+                    <a:schemeClr val="tx1"/>
+                  </a:solidFill>
+                </a:endParaRPr>
+              </a:p>
+              <a:p>
+                <a:pPr algn="l" rtl="0"/>
+                <a:endParaRPr lang="en-US" sz="3200" dirty="0">
+                  <a:solidFill>
+                    <a:schemeClr val="tx1"/>
+                  </a:solidFill>
+                </a:endParaRPr>
+              </a:p>
+              <a:p>
+                <a:pPr algn="l" rtl="0"/>
+                <a:r>
+                  <a:rPr lang="en-US" sz="3200" dirty="0" smtClean="0">
+                    <a:solidFill>
+                      <a:schemeClr val="tx1"/>
+                    </a:solidFill>
+                  </a:rPr>
+                  <a:t>COMET </a:t>
+                </a:r>
+                <a:r>
+                  <a:rPr lang="en-US" sz="3200" dirty="0">
+                    <a:solidFill>
+                      <a:schemeClr val="tx1"/>
+                    </a:solidFill>
+                  </a:rPr>
+                  <a:t>also continuously maintains the </a:t>
+                </a:r>
+                <a:r>
+                  <a:rPr lang="en-US" sz="3200" dirty="0" err="1">
+                    <a:solidFill>
+                      <a:schemeClr val="tx1"/>
+                    </a:solidFill>
+                  </a:rPr>
+                  <a:t>Cholesky</a:t>
+                </a:r>
+                <a:r>
+                  <a:rPr lang="en-US" sz="3200" dirty="0">
+                    <a:solidFill>
+                      <a:schemeClr val="tx1"/>
+                    </a:solidFill>
+                  </a:rPr>
+                  <a:t> root </a:t>
+                </a:r>
+                <a:r>
+                  <a:rPr lang="en-US" sz="3200" dirty="0">
+                    <a:solidFill>
+                      <a:schemeClr val="tx1"/>
+                    </a:solidFill>
+                  </a:rPr>
+                  <a:t> </a:t>
+                </a:r>
+                <a14:m>
+                  <m:oMath xmlns:m="http://schemas.openxmlformats.org/officeDocument/2006/math">
+                    <m:r>
+                      <a:rPr lang="en-US" sz="3200" i="1">
+                        <a:solidFill>
+                          <a:schemeClr val="tx1"/>
+                        </a:solidFill>
+                        <a:latin typeface="Cambria Math" panose="02040503050406030204" pitchFamily="18" charset="0"/>
+                      </a:rPr>
+                      <m:t>𝐿</m:t>
+                    </m:r>
+                  </m:oMath>
+                </a14:m>
+                <a:r>
+                  <a:rPr lang="en-US" sz="3200" dirty="0" smtClean="0">
+                    <a:solidFill>
+                      <a:schemeClr val="tx1"/>
+                    </a:solidFill>
+                  </a:rPr>
+                  <a:t> </a:t>
+                </a:r>
+                <a:r>
+                  <a:rPr lang="en-US" sz="3200" dirty="0">
+                    <a:solidFill>
+                      <a:schemeClr val="tx1"/>
+                    </a:solidFill>
+                  </a:rPr>
+                  <a:t>of the matrix, providing feature extraction and embedding of samples in a metric space. </a:t>
+                </a:r>
+                <a:endParaRPr lang="en-US" sz="3200" dirty="0" smtClean="0">
+                  <a:solidFill>
+                    <a:schemeClr val="tx1"/>
+                  </a:solidFill>
+                </a:endParaRPr>
+              </a:p>
+              <a:p>
+                <a:pPr algn="l" rtl="0"/>
+                <a:endParaRPr lang="en-US" sz="3200" dirty="0">
+                  <a:solidFill>
+                    <a:schemeClr val="tx1"/>
+                  </a:solidFill>
+                </a:endParaRPr>
+              </a:p>
+              <a:p>
+                <a:pPr algn="l" rtl="0"/>
+                <a:r>
+                  <a:rPr lang="en-US" sz="3200" dirty="0" smtClean="0">
+                    <a:solidFill>
+                      <a:schemeClr val="tx1"/>
+                    </a:solidFill>
+                  </a:rPr>
+                  <a:t>We </a:t>
+                </a:r>
+                <a:r>
+                  <a:rPr lang="en-US" sz="3200" dirty="0">
+                    <a:solidFill>
+                      <a:schemeClr val="tx1"/>
+                    </a:solidFill>
+                  </a:rPr>
+                  <a:t>further develop a structurally sparse variant of COMET, where only a small number of features interacts with other features. Sparse-COMET significantly accelerates both training and inference while improving interpretability.</a:t>
+                </a:r>
+              </a:p>
+              <a:p>
+                <a:pPr algn="ctr"/>
+                <a:endParaRPr lang="he-IL" sz="3200" dirty="0">
+                  <a:solidFill>
+                    <a:schemeClr val="tx1"/>
+                  </a:solidFill>
+                </a:endParaRPr>
+              </a:p>
+            </p:txBody>
+          </p:sp>
+        </mc:Choice>
+        <mc:Fallback>
+          <p:sp>
+            <p:nvSpPr>
+              <p:cNvPr id="22" name="Rounded Rectangle 21"/>
+              <p:cNvSpPr>
+                <a:spLocks noRot="1" noChangeAspect="1" noMove="1" noResize="1" noEditPoints="1" noAdjustHandles="1" noChangeArrowheads="1" noChangeShapeType="1" noTextEdit="1"/>
+              </p:cNvSpPr>
+              <p:nvPr/>
+            </p:nvSpPr>
+            <p:spPr>
+              <a:xfrm>
+                <a:off x="1080420" y="13969777"/>
+                <a:ext cx="9715301" cy="9001000"/>
+              </a:xfrm>
+              <a:prstGeom prst="roundRect">
+                <a:avLst/>
+              </a:prstGeom>
+              <a:blipFill rotWithShape="0">
+                <a:blip r:embed="rId7"/>
+                <a:stretch>
+                  <a:fillRect/>
+                </a:stretch>
+              </a:blipFill>
+              <a:ln w="76200">
                 <a:solidFill>
                   <a:schemeClr val="tx1"/>
                 </a:solidFill>
-              </a:rPr>
-              <a:t>We analyzed two brain transcriptome datasets collected from post mortem human brains.</a:t>
-            </a:r>
-          </a:p>
-          <a:p>
-            <a:pPr marL="607499" indent="-607499" algn="l" rtl="0">
-              <a:buFont typeface="+mj-lt"/>
-              <a:buAutoNum type="arabicPeriod"/>
-            </a:pPr>
-            <a:r>
-              <a:rPr lang="en-US" sz="3200" dirty="0" smtClean="0">
-                <a:solidFill>
-                  <a:schemeClr val="tx1"/>
-                </a:solidFill>
-              </a:rPr>
-              <a:t>Microarray from 6 humans and 414 distinct regions; a total of 3702 tissue samples</a:t>
-            </a:r>
-            <a:r>
-              <a:rPr lang="en-US" sz="3300" dirty="0" smtClean="0">
-                <a:solidFill>
-                  <a:schemeClr val="tx1"/>
-                </a:solidFill>
-              </a:rPr>
-              <a:t> </a:t>
-            </a:r>
-            <a:r>
-              <a:rPr lang="en-US" sz="3000" dirty="0" smtClean="0">
-                <a:solidFill>
-                  <a:schemeClr val="tx1"/>
-                </a:solidFill>
-              </a:rPr>
-              <a:t>[1] </a:t>
-            </a:r>
-          </a:p>
-          <a:p>
-            <a:pPr marL="607499" indent="-607499" algn="l" rtl="0">
-              <a:buFont typeface="+mj-lt"/>
-              <a:buAutoNum type="arabicPeriod"/>
-            </a:pPr>
-            <a:r>
-              <a:rPr lang="en-US" sz="3200" dirty="0" smtClean="0">
-                <a:solidFill>
-                  <a:schemeClr val="tx1"/>
-                </a:solidFill>
-              </a:rPr>
-              <a:t>Microarray from 20 adult donors, and 491 </a:t>
-            </a:r>
-            <a:br>
-              <a:rPr lang="en-US" sz="3200" dirty="0" smtClean="0">
-                <a:solidFill>
-                  <a:schemeClr val="tx1"/>
-                </a:solidFill>
-              </a:rPr>
-            </a:br>
-            <a:r>
-              <a:rPr lang="en-US" sz="3200" dirty="0" smtClean="0">
-                <a:solidFill>
-                  <a:schemeClr val="tx1"/>
-                </a:solidFill>
-              </a:rPr>
-              <a:t>tissue samples </a:t>
-            </a:r>
-            <a:r>
-              <a:rPr lang="en-US" sz="3000" dirty="0" smtClean="0">
-                <a:solidFill>
-                  <a:schemeClr val="tx1"/>
-                </a:solidFill>
-              </a:rPr>
-              <a:t>[2] </a:t>
-            </a:r>
-          </a:p>
-          <a:p>
-            <a:pPr marL="607499" indent="-607499" algn="l" rtl="0"/>
-            <a:endParaRPr lang="en-US" sz="3200" dirty="0" smtClean="0">
-              <a:solidFill>
-                <a:schemeClr val="tx1"/>
-              </a:solidFill>
-            </a:endParaRPr>
-          </a:p>
-          <a:p>
-            <a:pPr algn="ctr"/>
-            <a:endParaRPr lang="he-IL" sz="3200" dirty="0">
-              <a:solidFill>
-                <a:schemeClr val="tx1"/>
-              </a:solidFill>
-            </a:endParaRPr>
-          </a:p>
-        </p:txBody>
-      </p:sp>
+              </a:ln>
+            </p:spPr>
+            <p:txBody>
+              <a:bodyPr/>
+              <a:lstStyle/>
+              <a:p>
+                <a:r>
+                  <a:rPr lang="en-US">
+                    <a:noFill/>
+                  </a:rPr>
+                  <a:t> </a:t>
+                </a:r>
+              </a:p>
+            </p:txBody>
+          </p:sp>
+        </mc:Fallback>
+      </mc:AlternateContent>
       <p:sp>
         <p:nvSpPr>
           <p:cNvPr id="191" name="Rounded Rectangle 190"/>
@@ -4618,11 +5670,11 @@
             <p:nvPr/>
           </p:nvPicPr>
           <p:blipFill>
-            <a:blip r:embed="rId5" cstate="print">
+            <a:blip r:embed="rId8" cstate="print">
               <a:extLst>
                 <a:ext uri="{BEBA8EAE-BF5A-486C-A8C5-ECC9F3942E4B}">
-                  <a14:imgProps xmlns="" xmlns:a14="http://schemas.microsoft.com/office/drawing/2010/main">
-                    <a14:imgLayer r:embed="rId6">
+                  <a14:imgProps xmlns:a14="http://schemas.microsoft.com/office/drawing/2010/main">
+                    <a14:imgLayer r:embed="rId9">
                       <a14:imgEffect>
                         <a14:backgroundRemoval t="2174" b="100000" l="2000" r="99750"/>
                       </a14:imgEffect>
@@ -4630,7 +5682,7 @@
                   </a14:imgProps>
                 </a:ext>
                 <a:ext uri="{28A0092B-C50C-407E-A947-70E740481C1C}">
-                  <a14:useLocalDpi xmlns="" xmlns:a14="http://schemas.microsoft.com/office/drawing/2010/main" val="0"/>
+                  <a14:useLocalDpi xmlns:a14="http://schemas.microsoft.com/office/drawing/2010/main" val="0"/>
                 </a:ext>
               </a:extLst>
             </a:blip>
@@ -4768,7 +5820,7 @@
           <p:nvPr/>
         </p:nvPicPr>
         <p:blipFill>
-          <a:blip r:embed="rId7" cstate="print"/>
+          <a:blip r:embed="rId10" cstate="print"/>
           <a:srcRect r="5968"/>
           <a:stretch>
             <a:fillRect/>
@@ -4791,10 +5843,10 @@
           <p:nvPr/>
         </p:nvPicPr>
         <p:blipFill>
-          <a:blip r:embed="rId8" cstate="print">
+          <a:blip r:embed="rId11" cstate="print">
             <a:extLst>
               <a:ext uri="{28A0092B-C50C-407E-A947-70E740481C1C}">
-                <a14:useLocalDpi xmlns="" xmlns:a14="http://schemas.microsoft.com/office/drawing/2010/main" val="0"/>
+                <a14:useLocalDpi xmlns:a14="http://schemas.microsoft.com/office/drawing/2010/main" val="0"/>
               </a:ext>
             </a:extLst>
           </a:blip>
@@ -4821,7 +5873,7 @@
           <p:nvPr/>
         </p:nvPicPr>
         <p:blipFill>
-          <a:blip r:embed="rId9" cstate="print"/>
+          <a:blip r:embed="rId12" cstate="print"/>
           <a:stretch>
             <a:fillRect/>
           </a:stretch>
@@ -4914,7 +5966,7 @@
           <p:nvPr/>
         </p:nvPicPr>
         <p:blipFill>
-          <a:blip r:embed="rId10" cstate="print"/>
+          <a:blip r:embed="rId13" cstate="print"/>
           <a:srcRect l="11558" t="12764" r="15026" b="17728"/>
           <a:stretch>
             <a:fillRect/>
@@ -4940,7 +5992,7 @@
           <p:nvPr/>
         </p:nvPicPr>
         <p:blipFill>
-          <a:blip r:embed="rId11" cstate="print"/>
+          <a:blip r:embed="rId14" cstate="print"/>
           <a:stretch>
             <a:fillRect/>
           </a:stretch>
@@ -4953,53 +6005,6 @@
           <a:prstGeom prst="rect">
             <a:avLst/>
           </a:prstGeom>
-        </p:spPr>
-      </p:pic>
-      <p:pic>
-        <p:nvPicPr>
-          <p:cNvPr id="36" name="image20.png"/>
-          <p:cNvPicPr/>
-          <p:nvPr/>
-        </p:nvPicPr>
-        <p:blipFill>
-          <a:blip r:embed="rId12" cstate="print"/>
-          <a:srcRect l="3467"/>
-          <a:stretch>
-            <a:fillRect/>
-          </a:stretch>
-        </p:blipFill>
-        <p:spPr>
-          <a:xfrm>
-            <a:off x="2304555" y="18290257"/>
-            <a:ext cx="6213748" cy="4112432"/>
-          </a:xfrm>
-          <a:prstGeom prst="rect">
-            <a:avLst/>
-          </a:prstGeom>
-          <a:ln/>
-        </p:spPr>
-      </p:pic>
-      <p:pic>
-        <p:nvPicPr>
-          <p:cNvPr id="35" name="image15.png"/>
-          <p:cNvPicPr/>
-          <p:nvPr/>
-        </p:nvPicPr>
-        <p:blipFill>
-          <a:blip r:embed="rId13" cstate="print"/>
-          <a:stretch>
-            <a:fillRect/>
-          </a:stretch>
-        </p:blipFill>
-        <p:spPr>
-          <a:xfrm>
-            <a:off x="1357468" y="26787201"/>
-            <a:ext cx="9156000" cy="4464496"/>
-          </a:xfrm>
-          <a:prstGeom prst="rect">
-            <a:avLst/>
-          </a:prstGeom>
-          <a:ln/>
         </p:spPr>
       </p:pic>
       <p:sp>
@@ -5357,7 +6362,7 @@
             <p:nvPr/>
           </p:nvPicPr>
           <p:blipFill>
-            <a:blip r:embed="rId14" cstate="print"/>
+            <a:blip r:embed="rId15" cstate="print"/>
             <a:srcRect r="7966" b="9645"/>
             <a:stretch>
               <a:fillRect/>
@@ -5380,7 +6385,7 @@
             <p:nvPr/>
           </p:nvPicPr>
           <p:blipFill>
-            <a:blip r:embed="rId15" cstate="print"/>
+            <a:blip r:embed="rId16" cstate="print"/>
             <a:srcRect l="6850" t="47949" r="6132"/>
             <a:stretch>
               <a:fillRect/>
@@ -5472,7 +6477,7 @@
             <p:nvPr/>
           </p:nvPicPr>
           <p:blipFill>
-            <a:blip r:embed="rId16" cstate="print"/>
+            <a:blip r:embed="rId17" cstate="print"/>
             <a:srcRect b="10681"/>
             <a:stretch>
               <a:fillRect/>
@@ -5495,7 +6500,7 @@
             <p:nvPr/>
           </p:nvPicPr>
           <p:blipFill>
-            <a:blip r:embed="rId17" cstate="print"/>
+            <a:blip r:embed="rId18" cstate="print"/>
             <a:srcRect t="48006"/>
             <a:stretch>
               <a:fillRect/>
@@ -5759,7 +6764,7 @@
             </a:r>
             <a:r>
               <a:rPr lang="en-US" sz="3600" dirty="0" smtClean="0">
-                <a:hlinkClick r:id="rId18"/>
+                <a:hlinkClick r:id="rId19"/>
               </a:rPr>
               <a:t>lior.kirsch@gmail.com</a:t>
             </a:r>
@@ -5769,7 +6774,7 @@
             </a:r>
             <a:r>
               <a:rPr lang="en-US" sz="3600" dirty="0" smtClean="0">
-                <a:hlinkClick r:id="rId19"/>
+                <a:hlinkClick r:id="rId20"/>
               </a:rPr>
               <a:t>http://chechiklab.biu.ac.il/~lior</a:t>
             </a:r>
@@ -5802,7 +6807,7 @@
             <p:nvPr/>
           </p:nvPicPr>
           <p:blipFill>
-            <a:blip r:embed="rId20" cstate="print"/>
+            <a:blip r:embed="rId21" cstate="print"/>
             <a:srcRect l="6323" t="8661"/>
             <a:stretch>
               <a:fillRect/>
@@ -5871,7 +6876,7 @@
             <p:nvPr/>
           </p:nvPicPr>
           <p:blipFill>
-            <a:blip r:embed="rId21" cstate="print"/>
+            <a:blip r:embed="rId22" cstate="print"/>
             <a:srcRect l="5796"/>
             <a:stretch>
               <a:fillRect/>
@@ -5918,52 +6923,6 @@
           </p:txBody>
         </p:sp>
       </p:grpSp>
-      <p:sp>
-        <p:nvSpPr>
-          <p:cNvPr id="49" name="TextBox 48"/>
-          <p:cNvSpPr txBox="1"/>
-          <p:nvPr/>
-        </p:nvSpPr>
-        <p:spPr>
-          <a:xfrm>
-            <a:off x="7798883" y="30171577"/>
-            <a:ext cx="2930609" cy="769441"/>
-          </a:xfrm>
-          <a:prstGeom prst="rect">
-            <a:avLst/>
-          </a:prstGeom>
-          <a:noFill/>
-        </p:spPr>
-        <p:txBody>
-          <a:bodyPr wrap="none" rtlCol="1">
-            <a:spAutoFit/>
-          </a:bodyPr>
-          <a:lstStyle/>
-          <a:p>
-            <a:r>
-              <a:rPr lang="en-US" sz="4400" dirty="0" smtClean="0">
-                <a:solidFill>
-                  <a:schemeClr val="tx1">
-                    <a:lumMod val="65000"/>
-                    <a:lumOff val="35000"/>
-                  </a:schemeClr>
-                </a:solidFill>
-                <a:latin typeface="Baskerville Old Face" pitchFamily="18" charset="0"/>
-              </a:rPr>
-              <a:t>414 Regions</a:t>
-            </a:r>
-            <a:endParaRPr lang="he-IL" sz="4400" dirty="0">
-              <a:solidFill>
-                <a:schemeClr val="tx1">
-                  <a:lumMod val="65000"/>
-                  <a:lumOff val="35000"/>
-                </a:schemeClr>
-              </a:solidFill>
-              <a:latin typeface="Baskerville Old Face" pitchFamily="18" charset="0"/>
-            </a:endParaRPr>
-          </a:p>
-        </p:txBody>
-      </p:sp>
       <p:pic>
         <p:nvPicPr>
           <p:cNvPr id="54" name="Picture 2" descr="C:\Users\Lior\Dropbox\papers\brain region tree\Figures\figure 1\h_clustering.png"/>
@@ -5973,7 +6932,7 @@
           <p:nvPr/>
         </p:nvPicPr>
         <p:blipFill>
-          <a:blip r:embed="rId22" cstate="print"/>
+          <a:blip r:embed="rId23" cstate="print"/>
           <a:srcRect t="6764" r="6676"/>
           <a:stretch>
             <a:fillRect/>
@@ -5999,7 +6958,7 @@
           <p:nvPr/>
         </p:nvPicPr>
         <p:blipFill>
-          <a:blip r:embed="rId23" cstate="print"/>
+          <a:blip r:embed="rId24" cstate="print"/>
           <a:srcRect l="2108" t="5613" r="2635"/>
           <a:stretch>
             <a:fillRect/>
@@ -6079,11 +7038,7 @@
             <a:pPr algn="l" rtl="0"/>
             <a:r>
               <a:rPr lang="en-US" sz="2800" dirty="0" smtClean="0"/>
-              <a:t>Significance </a:t>
-            </a:r>
-            <a:r>
-              <a:rPr lang="en-US" sz="2800" dirty="0" smtClean="0"/>
-              <a:t>was assets using permutation test.</a:t>
+              <a:t>Significance was assets using permutation test.</a:t>
             </a:r>
             <a:endParaRPr lang="he-IL" sz="2800" dirty="0"/>
           </a:p>
@@ -6340,7 +7295,7 @@
           <p:nvPr/>
         </p:nvPicPr>
         <p:blipFill>
-          <a:blip r:embed="rId24" cstate="print"/>
+          <a:blip r:embed="rId25" cstate="print"/>
           <a:srcRect l="5796" t="5613" r="5796"/>
           <a:stretch>
             <a:fillRect/>
@@ -6418,32 +7373,12 @@
               <a:rPr lang="en-US" sz="2800" dirty="0" smtClean="0"/>
               <a:t> </a:t>
             </a:r>
-            <a:r>
-              <a:rPr lang="en-US" sz="2800" dirty="0" smtClean="0"/>
-              <a:t/>
-            </a:r>
             <a:br>
               <a:rPr lang="en-US" sz="2800" dirty="0" smtClean="0"/>
             </a:br>
             <a:r>
               <a:rPr lang="en-US" sz="2800" dirty="0" smtClean="0"/>
-              <a:t>are </a:t>
-            </a:r>
-            <a:r>
-              <a:rPr lang="en-US" sz="2800" dirty="0" smtClean="0"/>
-              <a:t>in </a:t>
-            </a:r>
-            <a:r>
-              <a:rPr lang="en-US" sz="2800" dirty="0" smtClean="0"/>
-              <a:t>strong </a:t>
-            </a:r>
-            <a:r>
-              <a:rPr lang="en-US" sz="2800" dirty="0" smtClean="0"/>
-              <a:t>agreement with the tree structure </a:t>
-            </a:r>
-            <a:r>
-              <a:rPr lang="en-US" sz="2800" dirty="0" smtClean="0"/>
-              <a:t>suggesting that they may have important functions in the adult brain.</a:t>
+              <a:t>are in strong agreement with the tree structure suggesting that they may have important functions in the adult brain.</a:t>
             </a:r>
           </a:p>
           <a:p>
@@ -6487,7 +7422,7 @@
             <p:nvPr/>
           </p:nvPicPr>
           <p:blipFill>
-            <a:blip r:embed="rId25" cstate="print"/>
+            <a:blip r:embed="rId26" cstate="print"/>
             <a:srcRect/>
             <a:stretch>
               <a:fillRect/>
@@ -6513,7 +7448,2972 @@
             <p:nvPr/>
           </p:nvPicPr>
           <p:blipFill>
-            <a:blip r:embed="rId26" cstate="print"/>
+            <a:blip r:embed="rId27" cstate="print"/>
+            <a:srcRect/>
+            <a:stretch>
+              <a:fillRect/>
+            </a:stretch>
+          </p:blipFill>
+          <p:spPr bwMode="auto">
+            <a:xfrm>
+              <a:off x="26427236" y="20882545"/>
+              <a:ext cx="4172871" cy="3168352"/>
+            </a:xfrm>
+            <a:prstGeom prst="rect">
+              <a:avLst/>
+            </a:prstGeom>
+            <a:noFill/>
+          </p:spPr>
+        </p:pic>
+      </p:grpSp>
+      <p:pic>
+        <p:nvPicPr>
+          <p:cNvPr id="55" name="image20.png"/>
+          <p:cNvPicPr/>
+          <p:nvPr/>
+        </p:nvPicPr>
+        <p:blipFill>
+          <a:blip r:embed="rId28" cstate="print"/>
+          <a:srcRect l="3467"/>
+          <a:stretch>
+            <a:fillRect/>
+          </a:stretch>
+        </p:blipFill>
+        <p:spPr>
+          <a:xfrm>
+            <a:off x="13800227" y="27123674"/>
+            <a:ext cx="6213748" cy="4112432"/>
+          </a:xfrm>
+          <a:prstGeom prst="rect">
+            <a:avLst/>
+          </a:prstGeom>
+          <a:ln/>
+        </p:spPr>
+      </p:pic>
+    </p:spTree>
+  </p:cSld>
+  <p:clrMapOvr>
+    <a:masterClrMapping/>
+  </p:clrMapOvr>
+  <p:timing>
+    <p:tnLst>
+      <p:par>
+        <p:cTn id="1" dur="indefinite" restart="never" nodeType="tmRoot"/>
+      </p:par>
+    </p:tnLst>
+  </p:timing>
+</p:sld>
+</file>
+
+<file path=ppt/slides/slide2.xml><?xml version="1.0" encoding="utf-8"?>
+<p:sld xmlns:a="http://schemas.openxmlformats.org/drawingml/2006/main" xmlns:r="http://schemas.openxmlformats.org/officeDocument/2006/relationships" xmlns:p="http://schemas.openxmlformats.org/presentationml/2006/main">
+  <p:cSld>
+    <p:spTree>
+      <p:nvGrpSpPr>
+        <p:cNvPr id="1" name=""/>
+        <p:cNvGrpSpPr/>
+        <p:nvPr/>
+      </p:nvGrpSpPr>
+      <p:grpSpPr>
+        <a:xfrm>
+          <a:off x="0" y="0"/>
+          <a:ext cx="0" cy="0"/>
+          <a:chOff x="0" y="0"/>
+          <a:chExt cx="0" cy="0"/>
+        </a:xfrm>
+      </p:grpSpPr>
+      <p:sp>
+        <p:nvSpPr>
+          <p:cNvPr id="129" name="Rounded Rectangle 128"/>
+          <p:cNvSpPr/>
+          <p:nvPr/>
+        </p:nvSpPr>
+        <p:spPr>
+          <a:xfrm>
+            <a:off x="1080420" y="23762865"/>
+            <a:ext cx="9721080" cy="8193178"/>
+          </a:xfrm>
+          <a:prstGeom prst="roundRect">
+            <a:avLst/>
+          </a:prstGeom>
+          <a:solidFill>
+            <a:schemeClr val="bg1"/>
+          </a:solidFill>
+          <a:ln w="76200">
+            <a:solidFill>
+              <a:schemeClr val="tx1"/>
+            </a:solidFill>
+          </a:ln>
+        </p:spPr>
+        <p:style>
+          <a:lnRef idx="2">
+            <a:schemeClr val="accent1">
+              <a:shade val="50000"/>
+            </a:schemeClr>
+          </a:lnRef>
+          <a:fillRef idx="1">
+            <a:schemeClr val="accent1"/>
+          </a:fillRef>
+          <a:effectRef idx="0">
+            <a:schemeClr val="accent1"/>
+          </a:effectRef>
+          <a:fontRef idx="minor">
+            <a:schemeClr val="lt1"/>
+          </a:fontRef>
+        </p:style>
+        <p:txBody>
+          <a:bodyPr lIns="83976" tIns="41987" rIns="83976" bIns="41987" rtlCol="1" anchor="t" anchorCtr="0"/>
+          <a:lstStyle/>
+          <a:p>
+            <a:pPr marL="607499" lvl="0" indent="-607499" algn="ctr" rtl="0"/>
+            <a:r>
+              <a:rPr lang="en-US" sz="4400" b="1" dirty="0" smtClean="0">
+                <a:solidFill>
+                  <a:schemeClr val="tx1"/>
+                </a:solidFill>
+              </a:rPr>
+              <a:t>The Brain Region Ontology tree</a:t>
+            </a:r>
+          </a:p>
+          <a:p>
+            <a:pPr lvl="0" algn="l" rtl="0"/>
+            <a:r>
+              <a:rPr lang="en-US" sz="3200" dirty="0" smtClean="0">
+                <a:solidFill>
+                  <a:prstClr val="black"/>
+                </a:solidFill>
+              </a:rPr>
+              <a:t>We analyzed 414 regions organized in a hierarchical structure.</a:t>
+            </a:r>
+            <a:r>
+              <a:rPr lang="en-US" sz="3300" dirty="0" smtClean="0">
+                <a:solidFill>
+                  <a:prstClr val="black"/>
+                </a:solidFill>
+              </a:rPr>
+              <a:t> </a:t>
+            </a:r>
+          </a:p>
+          <a:p>
+            <a:pPr lvl="0" algn="l" rtl="0"/>
+            <a:r>
+              <a:rPr lang="en-US" sz="2400" dirty="0" smtClean="0">
+                <a:solidFill>
+                  <a:prstClr val="black"/>
+                </a:solidFill>
+              </a:rPr>
+              <a:t>The ontology was provided from the Allen Institute [1]</a:t>
+            </a:r>
+            <a:r>
+              <a:rPr lang="en-US" sz="3300" dirty="0" smtClean="0">
+                <a:solidFill>
+                  <a:prstClr val="black"/>
+                </a:solidFill>
+              </a:rPr>
+              <a:t>.</a:t>
+            </a:r>
+            <a:endParaRPr lang="he-IL" sz="3300" dirty="0" smtClean="0">
+              <a:solidFill>
+                <a:prstClr val="black"/>
+              </a:solidFill>
+            </a:endParaRPr>
+          </a:p>
+          <a:p>
+            <a:pPr marL="607499" lvl="0" indent="-607499" algn="ctr" rtl="0"/>
+            <a:endParaRPr lang="en-US" sz="4800" dirty="0" smtClean="0">
+              <a:solidFill>
+                <a:prstClr val="black"/>
+              </a:solidFill>
+            </a:endParaRPr>
+          </a:p>
+        </p:txBody>
+      </p:sp>
+      <p:sp>
+        <p:nvSpPr>
+          <p:cNvPr id="917" name="Rounded Rectangle 916"/>
+          <p:cNvSpPr/>
+          <p:nvPr/>
+        </p:nvSpPr>
+        <p:spPr>
+          <a:xfrm>
+            <a:off x="21602700" y="4968777"/>
+            <a:ext cx="9361040" cy="8568952"/>
+          </a:xfrm>
+          <a:prstGeom prst="roundRect">
+            <a:avLst/>
+          </a:prstGeom>
+          <a:solidFill>
+            <a:schemeClr val="bg1"/>
+          </a:solidFill>
+          <a:ln w="146050" cmpd="sng">
+            <a:solidFill>
+              <a:schemeClr val="accent6">
+                <a:lumMod val="75000"/>
+              </a:schemeClr>
+            </a:solidFill>
+          </a:ln>
+        </p:spPr>
+        <p:style>
+          <a:lnRef idx="2">
+            <a:schemeClr val="accent1">
+              <a:shade val="50000"/>
+            </a:schemeClr>
+          </a:lnRef>
+          <a:fillRef idx="1">
+            <a:schemeClr val="accent1"/>
+          </a:fillRef>
+          <a:effectRef idx="0">
+            <a:schemeClr val="accent1"/>
+          </a:effectRef>
+          <a:fontRef idx="minor">
+            <a:schemeClr val="lt1"/>
+          </a:fontRef>
+        </p:style>
+        <p:txBody>
+          <a:bodyPr lIns="83976" tIns="41987" rIns="83976" bIns="41987" rtlCol="1" anchor="t" anchorCtr="0"/>
+          <a:lstStyle/>
+          <a:p>
+            <a:pPr algn="ctr" rtl="0"/>
+            <a:r>
+              <a:rPr lang="en-US" sz="4400" b="1" dirty="0" smtClean="0">
+                <a:solidFill>
+                  <a:schemeClr val="tx1"/>
+                </a:solidFill>
+              </a:rPr>
+              <a:t>92% of the human genome agrees with the brain-region ontology</a:t>
+            </a:r>
+          </a:p>
+          <a:p>
+            <a:pPr algn="l" rtl="0"/>
+            <a:endParaRPr lang="en-US" sz="2800" dirty="0" smtClean="0">
+              <a:solidFill>
+                <a:schemeClr val="tx1"/>
+              </a:solidFill>
+            </a:endParaRPr>
+          </a:p>
+        </p:txBody>
+      </p:sp>
+      <p:sp>
+        <p:nvSpPr>
+          <p:cNvPr id="6" name="Rectangle 5"/>
+          <p:cNvSpPr>
+            <a:spLocks noChangeArrowheads="1"/>
+          </p:cNvSpPr>
+          <p:nvPr/>
+        </p:nvSpPr>
+        <p:spPr bwMode="auto">
+          <a:xfrm>
+            <a:off x="4252242" y="154793"/>
+            <a:ext cx="34700925" cy="2693824"/>
+          </a:xfrm>
+          <a:prstGeom prst="rect">
+            <a:avLst/>
+          </a:prstGeom>
+          <a:noFill/>
+          <a:ln w="9525">
+            <a:noFill/>
+            <a:miter lim="800000"/>
+            <a:headEnd/>
+            <a:tailEnd/>
+          </a:ln>
+          <a:effectLst/>
+        </p:spPr>
+        <p:txBody>
+          <a:bodyPr wrap="square" lIns="76973" tIns="38486" rIns="76973" bIns="38486" anchor="ctr">
+            <a:spAutoFit/>
+          </a:bodyPr>
+          <a:lstStyle/>
+          <a:p>
+            <a:pPr algn="ctr" rtl="0"/>
+            <a:r>
+              <a:rPr lang="en-US" b="1" dirty="0" smtClean="0"/>
+              <a:t>Human areal expression of most genes is </a:t>
+            </a:r>
+          </a:p>
+          <a:p>
+            <a:pPr algn="ctr" rtl="0"/>
+            <a:r>
+              <a:rPr lang="en-US" b="1" dirty="0" smtClean="0"/>
+              <a:t>governed by regionalization</a:t>
+            </a:r>
+          </a:p>
+        </p:txBody>
+      </p:sp>
+      <p:sp>
+        <p:nvSpPr>
+          <p:cNvPr id="7" name="Text Box 5"/>
+          <p:cNvSpPr txBox="1">
+            <a:spLocks noChangeArrowheads="1"/>
+          </p:cNvSpPr>
+          <p:nvPr/>
+        </p:nvSpPr>
+        <p:spPr bwMode="auto">
+          <a:xfrm>
+            <a:off x="8554618" y="3024261"/>
+            <a:ext cx="26096173" cy="1447329"/>
+          </a:xfrm>
+          <a:prstGeom prst="rect">
+            <a:avLst/>
+          </a:prstGeom>
+          <a:noFill/>
+          <a:ln w="9525">
+            <a:noFill/>
+            <a:miter lim="800000"/>
+            <a:headEnd/>
+            <a:tailEnd/>
+          </a:ln>
+          <a:effectLst/>
+        </p:spPr>
+        <p:txBody>
+          <a:bodyPr wrap="square" lIns="76973" tIns="38486" rIns="76973" bIns="38486">
+            <a:spAutoFit/>
+          </a:bodyPr>
+          <a:lstStyle/>
+          <a:p>
+            <a:pPr algn="ctr"/>
+            <a:r>
+              <a:rPr lang="en-US" sz="5100" dirty="0" err="1" smtClean="0">
+                <a:latin typeface="Arial" pitchFamily="34" charset="0"/>
+                <a:cs typeface="+mj-cs"/>
+              </a:rPr>
+              <a:t>Lior</a:t>
+            </a:r>
+            <a:r>
+              <a:rPr lang="en-US" sz="5100" dirty="0" smtClean="0">
+                <a:latin typeface="Arial" pitchFamily="34" charset="0"/>
+                <a:cs typeface="+mj-cs"/>
+              </a:rPr>
+              <a:t> Kirsch</a:t>
+            </a:r>
+            <a:r>
+              <a:rPr lang="en-US" sz="5100" dirty="0" smtClean="0">
+                <a:latin typeface="Arial" pitchFamily="34" charset="0"/>
+                <a:cs typeface="Arial" pitchFamily="34" charset="0"/>
+              </a:rPr>
+              <a:t>, Gal </a:t>
+            </a:r>
+            <a:r>
+              <a:rPr lang="en-US" sz="5100" dirty="0" err="1" smtClean="0">
+                <a:latin typeface="Arial" pitchFamily="34" charset="0"/>
+                <a:cs typeface="Arial" pitchFamily="34" charset="0"/>
+              </a:rPr>
+              <a:t>Chechik</a:t>
+            </a:r>
+            <a:endParaRPr lang="en-US" sz="5100" baseline="30000" dirty="0">
+              <a:latin typeface="Arial" pitchFamily="34" charset="0"/>
+              <a:cs typeface="Arial" pitchFamily="34" charset="0"/>
+            </a:endParaRPr>
+          </a:p>
+          <a:p>
+            <a:pPr algn="ctr" rtl="0"/>
+            <a:r>
+              <a:rPr lang="en-US" sz="3800" b="1" dirty="0" err="1" smtClean="0"/>
+              <a:t>Gonda</a:t>
+            </a:r>
+            <a:r>
+              <a:rPr lang="en-US" sz="3800" b="1" dirty="0" smtClean="0"/>
+              <a:t> </a:t>
+            </a:r>
+            <a:r>
+              <a:rPr lang="en-US" sz="3800" b="1" dirty="0"/>
+              <a:t>Multidisciplinary Brain Research Center, Bar-</a:t>
+            </a:r>
+            <a:r>
+              <a:rPr lang="en-US" sz="3800" b="1" dirty="0" err="1"/>
+              <a:t>Ilan</a:t>
+            </a:r>
+            <a:r>
+              <a:rPr lang="en-US" sz="3800" b="1" dirty="0"/>
+              <a:t> University, Ramat-</a:t>
+            </a:r>
+            <a:r>
+              <a:rPr lang="en-US" sz="3800" b="1" dirty="0" err="1"/>
+              <a:t>Gan</a:t>
+            </a:r>
+            <a:r>
+              <a:rPr lang="en-US" sz="3800" b="1" dirty="0"/>
+              <a:t>, </a:t>
+            </a:r>
+            <a:r>
+              <a:rPr lang="en-US" sz="3800" b="1" dirty="0" smtClean="0"/>
+              <a:t>Israel</a:t>
+            </a:r>
+          </a:p>
+        </p:txBody>
+      </p:sp>
+      <p:sp>
+        <p:nvSpPr>
+          <p:cNvPr id="21" name="Rounded Rectangle 20"/>
+          <p:cNvSpPr/>
+          <p:nvPr/>
+        </p:nvSpPr>
+        <p:spPr>
+          <a:xfrm>
+            <a:off x="21602700" y="14041785"/>
+            <a:ext cx="9361040" cy="17857984"/>
+          </a:xfrm>
+          <a:prstGeom prst="roundRect">
+            <a:avLst/>
+          </a:prstGeom>
+          <a:solidFill>
+            <a:schemeClr val="bg1"/>
+          </a:solidFill>
+          <a:ln w="76200">
+            <a:solidFill>
+              <a:schemeClr val="tx1"/>
+            </a:solidFill>
+          </a:ln>
+        </p:spPr>
+        <p:style>
+          <a:lnRef idx="2">
+            <a:schemeClr val="accent1">
+              <a:shade val="50000"/>
+            </a:schemeClr>
+          </a:lnRef>
+          <a:fillRef idx="1">
+            <a:schemeClr val="accent1"/>
+          </a:fillRef>
+          <a:effectRef idx="0">
+            <a:schemeClr val="accent1"/>
+          </a:effectRef>
+          <a:fontRef idx="minor">
+            <a:schemeClr val="lt1"/>
+          </a:fontRef>
+        </p:style>
+        <p:txBody>
+          <a:bodyPr lIns="83976" tIns="41987" rIns="83976" bIns="41987" rtlCol="1" anchor="t" anchorCtr="0"/>
+          <a:lstStyle/>
+          <a:p>
+            <a:pPr algn="ctr" rtl="0"/>
+            <a:r>
+              <a:rPr lang="en-US" sz="4400" b="1" dirty="0" smtClean="0">
+                <a:solidFill>
+                  <a:schemeClr val="tx1"/>
+                </a:solidFill>
+              </a:rPr>
+              <a:t>Which gene functions agrees </a:t>
+            </a:r>
+          </a:p>
+          <a:p>
+            <a:pPr algn="ctr" rtl="0"/>
+            <a:r>
+              <a:rPr lang="en-US" sz="4400" b="1" dirty="0" smtClean="0">
+                <a:solidFill>
+                  <a:schemeClr val="tx1"/>
+                </a:solidFill>
+              </a:rPr>
+              <a:t>with BRO?</a:t>
+            </a:r>
+          </a:p>
+          <a:p>
+            <a:pPr algn="l" rtl="0"/>
+            <a:endParaRPr lang="en-US" sz="3200" b="1" dirty="0" smtClean="0">
+              <a:solidFill>
+                <a:schemeClr val="tx1"/>
+              </a:solidFill>
+            </a:endParaRPr>
+          </a:p>
+          <a:p>
+            <a:pPr algn="l" rtl="0"/>
+            <a:endParaRPr lang="en-US" sz="3200" b="1" i="1" dirty="0" smtClean="0">
+              <a:solidFill>
+                <a:schemeClr val="tx1"/>
+              </a:solidFill>
+            </a:endParaRPr>
+          </a:p>
+          <a:p>
+            <a:pPr algn="l" rtl="0"/>
+            <a:endParaRPr lang="en-US" sz="3200" b="1" i="1" dirty="0" smtClean="0">
+              <a:solidFill>
+                <a:schemeClr val="tx1"/>
+              </a:solidFill>
+            </a:endParaRPr>
+          </a:p>
+          <a:p>
+            <a:pPr algn="l" rtl="0"/>
+            <a:endParaRPr lang="en-US" sz="3200" b="1" i="1" dirty="0" smtClean="0">
+              <a:solidFill>
+                <a:schemeClr val="tx1"/>
+              </a:solidFill>
+            </a:endParaRPr>
+          </a:p>
+          <a:p>
+            <a:pPr algn="l" rtl="0"/>
+            <a:endParaRPr lang="en-US" sz="3200" b="1" i="1" dirty="0" smtClean="0">
+              <a:solidFill>
+                <a:schemeClr val="tx1"/>
+              </a:solidFill>
+            </a:endParaRPr>
+          </a:p>
+          <a:p>
+            <a:pPr algn="l" rtl="0"/>
+            <a:endParaRPr lang="en-US" sz="3200" b="1" i="1" dirty="0" smtClean="0">
+              <a:solidFill>
+                <a:schemeClr val="tx1"/>
+              </a:solidFill>
+            </a:endParaRPr>
+          </a:p>
+          <a:p>
+            <a:pPr algn="l" rtl="0"/>
+            <a:endParaRPr lang="en-US" sz="3200" b="1" i="1" dirty="0" smtClean="0">
+              <a:solidFill>
+                <a:schemeClr val="tx1"/>
+              </a:solidFill>
+            </a:endParaRPr>
+          </a:p>
+          <a:p>
+            <a:pPr algn="l" rtl="0"/>
+            <a:endParaRPr lang="en-US" sz="3200" b="1" i="1" dirty="0" smtClean="0">
+              <a:solidFill>
+                <a:schemeClr val="tx1"/>
+              </a:solidFill>
+            </a:endParaRPr>
+          </a:p>
+          <a:p>
+            <a:pPr algn="l" rtl="0"/>
+            <a:endParaRPr lang="en-US" sz="3200" b="1" i="1" dirty="0" smtClean="0">
+              <a:solidFill>
+                <a:schemeClr val="tx1"/>
+              </a:solidFill>
+            </a:endParaRPr>
+          </a:p>
+          <a:p>
+            <a:pPr algn="l" rtl="0"/>
+            <a:endParaRPr lang="en-US" sz="3200" b="1" i="1" dirty="0" smtClean="0">
+              <a:solidFill>
+                <a:schemeClr val="tx1"/>
+              </a:solidFill>
+            </a:endParaRPr>
+          </a:p>
+          <a:p>
+            <a:pPr algn="l" rtl="0"/>
+            <a:endParaRPr lang="en-US" sz="3200" b="1" i="1" dirty="0" smtClean="0">
+              <a:solidFill>
+                <a:schemeClr val="tx1"/>
+              </a:solidFill>
+            </a:endParaRPr>
+          </a:p>
+          <a:p>
+            <a:pPr algn="l" rtl="0"/>
+            <a:endParaRPr lang="en-US" sz="3200" b="1" i="1" dirty="0" smtClean="0">
+              <a:solidFill>
+                <a:schemeClr val="tx1"/>
+              </a:solidFill>
+            </a:endParaRPr>
+          </a:p>
+          <a:p>
+            <a:pPr algn="l" rtl="0"/>
+            <a:endParaRPr lang="en-US" sz="3200" b="1" i="1" dirty="0" smtClean="0">
+              <a:solidFill>
+                <a:schemeClr val="tx1"/>
+              </a:solidFill>
+            </a:endParaRPr>
+          </a:p>
+          <a:p>
+            <a:pPr algn="l" rtl="0"/>
+            <a:endParaRPr lang="en-US" sz="3200" b="1" i="1" dirty="0" smtClean="0">
+              <a:solidFill>
+                <a:schemeClr val="tx1"/>
+              </a:solidFill>
+            </a:endParaRPr>
+          </a:p>
+          <a:p>
+            <a:pPr algn="l" rtl="0"/>
+            <a:endParaRPr lang="en-US" sz="3200" b="1" i="1" dirty="0" smtClean="0">
+              <a:solidFill>
+                <a:schemeClr val="tx1"/>
+              </a:solidFill>
+            </a:endParaRPr>
+          </a:p>
+          <a:p>
+            <a:pPr algn="l" rtl="0"/>
+            <a:endParaRPr lang="en-US" sz="3200" b="1" i="1" dirty="0" smtClean="0">
+              <a:solidFill>
+                <a:schemeClr val="tx1"/>
+              </a:solidFill>
+            </a:endParaRPr>
+          </a:p>
+          <a:p>
+            <a:pPr algn="l" rtl="0"/>
+            <a:endParaRPr lang="en-US" sz="3200" b="1" i="1" dirty="0" smtClean="0">
+              <a:solidFill>
+                <a:schemeClr val="tx1"/>
+              </a:solidFill>
+            </a:endParaRPr>
+          </a:p>
+          <a:p>
+            <a:pPr algn="l" rtl="0"/>
+            <a:endParaRPr lang="en-US" sz="3200" b="1" dirty="0" smtClean="0">
+              <a:solidFill>
+                <a:schemeClr val="tx1"/>
+              </a:solidFill>
+            </a:endParaRPr>
+          </a:p>
+          <a:p>
+            <a:pPr algn="l" rtl="0"/>
+            <a:endParaRPr lang="he-IL" sz="3200" b="1" i="1" dirty="0">
+              <a:solidFill>
+                <a:schemeClr val="tx1"/>
+              </a:solidFill>
+            </a:endParaRPr>
+          </a:p>
+        </p:txBody>
+      </p:sp>
+      <p:sp>
+        <p:nvSpPr>
+          <p:cNvPr id="10" name="Rounded Rectangle 9"/>
+          <p:cNvSpPr/>
+          <p:nvPr/>
+        </p:nvSpPr>
+        <p:spPr>
+          <a:xfrm>
+            <a:off x="1080420" y="4968777"/>
+            <a:ext cx="9721080" cy="8280920"/>
+          </a:xfrm>
+          <a:prstGeom prst="roundRect">
+            <a:avLst/>
+          </a:prstGeom>
+          <a:solidFill>
+            <a:schemeClr val="bg1"/>
+          </a:solidFill>
+          <a:ln w="76200">
+            <a:solidFill>
+              <a:schemeClr val="tx1"/>
+            </a:solidFill>
+          </a:ln>
+        </p:spPr>
+        <p:style>
+          <a:lnRef idx="2">
+            <a:schemeClr val="accent1">
+              <a:shade val="50000"/>
+            </a:schemeClr>
+          </a:lnRef>
+          <a:fillRef idx="1">
+            <a:schemeClr val="accent1"/>
+          </a:fillRef>
+          <a:effectRef idx="0">
+            <a:schemeClr val="accent1"/>
+          </a:effectRef>
+          <a:fontRef idx="minor">
+            <a:schemeClr val="lt1"/>
+          </a:fontRef>
+        </p:style>
+        <p:txBody>
+          <a:bodyPr lIns="83976" tIns="41987" rIns="83976" bIns="41987" rtlCol="1" anchor="t" anchorCtr="0"/>
+          <a:lstStyle/>
+          <a:p>
+            <a:pPr algn="ctr" rtl="0"/>
+            <a:r>
+              <a:rPr lang="en-US" sz="4400" b="1" dirty="0" smtClean="0">
+                <a:solidFill>
+                  <a:schemeClr val="tx1"/>
+                </a:solidFill>
+              </a:rPr>
+              <a:t>Background</a:t>
+            </a:r>
+          </a:p>
+          <a:p>
+            <a:pPr algn="l" rtl="0"/>
+            <a:endParaRPr lang="en-US" sz="1050" dirty="0" smtClean="0">
+              <a:solidFill>
+                <a:schemeClr val="tx1"/>
+              </a:solidFill>
+            </a:endParaRPr>
+          </a:p>
+          <a:p>
+            <a:pPr algn="l" rtl="0"/>
+            <a:r>
+              <a:rPr lang="en-US" sz="3200" dirty="0" smtClean="0">
+                <a:solidFill>
+                  <a:schemeClr val="tx1"/>
+                </a:solidFill>
+              </a:rPr>
+              <a:t>The human brain is organized in multiple anatomical substructures, each having its own characteristic. The differences between structures are reflected in the area-specific transcriptome signatures. These complex expression patterns raise many questions:</a:t>
+            </a:r>
+          </a:p>
+          <a:p>
+            <a:pPr algn="l" rtl="0"/>
+            <a:endParaRPr lang="en-US" sz="2000" dirty="0" smtClean="0">
+              <a:solidFill>
+                <a:schemeClr val="tx1"/>
+              </a:solidFill>
+            </a:endParaRPr>
+          </a:p>
+          <a:p>
+            <a:pPr marL="457200" indent="-457200" algn="l" rtl="0">
+              <a:buFont typeface="Arial" panose="020B0604020202020204" pitchFamily="34" charset="0"/>
+              <a:buChar char="•"/>
+            </a:pPr>
+            <a:r>
+              <a:rPr lang="en-US" sz="3200" dirty="0" smtClean="0">
+                <a:solidFill>
+                  <a:schemeClr val="tx1"/>
+                </a:solidFill>
+              </a:rPr>
+              <a:t>Which genes are expressed in which </a:t>
+            </a:r>
+            <a:r>
+              <a:rPr lang="en-US" sz="3200" dirty="0" err="1" smtClean="0">
+                <a:solidFill>
+                  <a:schemeClr val="tx1"/>
+                </a:solidFill>
+              </a:rPr>
+              <a:t>which</a:t>
+            </a:r>
+            <a:r>
+              <a:rPr lang="en-US" sz="3200" dirty="0" smtClean="0">
+                <a:solidFill>
+                  <a:schemeClr val="tx1"/>
+                </a:solidFill>
+              </a:rPr>
+              <a:t> brain regions?</a:t>
+            </a:r>
+          </a:p>
+          <a:p>
+            <a:pPr marL="457200" indent="-457200" algn="l" rtl="0">
+              <a:buFont typeface="Arial" panose="020B0604020202020204" pitchFamily="34" charset="0"/>
+              <a:buChar char="•"/>
+            </a:pPr>
+            <a:r>
+              <a:rPr lang="en-US" sz="3200" dirty="0" smtClean="0">
+                <a:solidFill>
+                  <a:schemeClr val="tx1"/>
+                </a:solidFill>
+              </a:rPr>
+              <a:t>Does expression across regions follow certain patterns?</a:t>
+            </a:r>
+          </a:p>
+          <a:p>
+            <a:pPr marL="457200" indent="-457200" algn="l" rtl="0">
+              <a:buFont typeface="Arial" panose="020B0604020202020204" pitchFamily="34" charset="0"/>
+              <a:buChar char="•"/>
+            </a:pPr>
+            <a:r>
+              <a:rPr lang="en-US" sz="3200" dirty="0" smtClean="0">
+                <a:solidFill>
+                  <a:schemeClr val="tx1"/>
+                </a:solidFill>
+              </a:rPr>
+              <a:t>To what extent does development determines expression in the adult brain?</a:t>
+            </a:r>
+          </a:p>
+          <a:p>
+            <a:pPr marL="457200" indent="-457200" algn="l" rtl="0">
+              <a:buFont typeface="Arial" panose="020B0604020202020204" pitchFamily="34" charset="0"/>
+              <a:buChar char="•"/>
+            </a:pPr>
+            <a:r>
+              <a:rPr lang="en-US" sz="3200" dirty="0" smtClean="0">
+                <a:solidFill>
+                  <a:schemeClr val="tx1"/>
+                </a:solidFill>
+              </a:rPr>
+              <a:t>What are the principles which govern spatial patterns of expression?</a:t>
+            </a:r>
+          </a:p>
+        </p:txBody>
+      </p:sp>
+      <p:pic>
+        <p:nvPicPr>
+          <p:cNvPr id="12" name="Picture 11"/>
+          <p:cNvPicPr>
+            <a:picLocks noChangeAspect="1"/>
+          </p:cNvPicPr>
+          <p:nvPr/>
+        </p:nvPicPr>
+        <p:blipFill>
+          <a:blip r:embed="rId3" cstate="print">
+            <a:extLst>
+              <a:ext uri="{28A0092B-C50C-407E-A947-70E740481C1C}">
+                <a14:useLocalDpi xmlns:a14="http://schemas.microsoft.com/office/drawing/2010/main" val="0"/>
+              </a:ext>
+            </a:extLst>
+          </a:blip>
+          <a:stretch>
+            <a:fillRect/>
+          </a:stretch>
+        </p:blipFill>
+        <p:spPr>
+          <a:xfrm>
+            <a:off x="38694580" y="825979"/>
+            <a:ext cx="3659927" cy="2846653"/>
+          </a:xfrm>
+          <a:prstGeom prst="rect">
+            <a:avLst/>
+          </a:prstGeom>
+        </p:spPr>
+      </p:pic>
+      <p:pic>
+        <p:nvPicPr>
+          <p:cNvPr id="887" name="Picture 886"/>
+          <p:cNvPicPr/>
+          <p:nvPr/>
+        </p:nvPicPr>
+        <p:blipFill>
+          <a:blip r:embed="rId4" cstate="print"/>
+          <a:srcRect l="5796"/>
+          <a:stretch>
+            <a:fillRect/>
+          </a:stretch>
+        </p:blipFill>
+        <p:spPr>
+          <a:xfrm>
+            <a:off x="22322780" y="8569177"/>
+            <a:ext cx="5904656" cy="4707669"/>
+          </a:xfrm>
+          <a:prstGeom prst="rect">
+            <a:avLst/>
+          </a:prstGeom>
+        </p:spPr>
+      </p:pic>
+      <p:sp>
+        <p:nvSpPr>
+          <p:cNvPr id="20" name="Rounded Rectangle 19"/>
+          <p:cNvSpPr/>
+          <p:nvPr/>
+        </p:nvSpPr>
+        <p:spPr>
+          <a:xfrm>
+            <a:off x="11449571" y="4968777"/>
+            <a:ext cx="9433050" cy="15193688"/>
+          </a:xfrm>
+          <a:prstGeom prst="roundRect">
+            <a:avLst/>
+          </a:prstGeom>
+          <a:solidFill>
+            <a:schemeClr val="bg1"/>
+          </a:solidFill>
+          <a:ln w="76200">
+            <a:solidFill>
+              <a:schemeClr val="tx1"/>
+            </a:solidFill>
+          </a:ln>
+        </p:spPr>
+        <p:style>
+          <a:lnRef idx="2">
+            <a:schemeClr val="accent1">
+              <a:shade val="50000"/>
+            </a:schemeClr>
+          </a:lnRef>
+          <a:fillRef idx="1">
+            <a:schemeClr val="accent1"/>
+          </a:fillRef>
+          <a:effectRef idx="0">
+            <a:schemeClr val="accent1"/>
+          </a:effectRef>
+          <a:fontRef idx="minor">
+            <a:schemeClr val="lt1"/>
+          </a:fontRef>
+        </p:style>
+        <p:txBody>
+          <a:bodyPr lIns="83976" tIns="41987" rIns="83976" bIns="41987" rtlCol="1" anchor="t"/>
+          <a:lstStyle/>
+          <a:p>
+            <a:pPr lvl="0" algn="ctr" rtl="0"/>
+            <a:r>
+              <a:rPr lang="en-US" sz="4400" b="1" dirty="0" smtClean="0">
+                <a:solidFill>
+                  <a:schemeClr val="tx1"/>
+                </a:solidFill>
+              </a:rPr>
+              <a:t>Gene expression patterns follow the embryonic origin regions</a:t>
+            </a:r>
+            <a:endParaRPr lang="en-US" sz="4300" dirty="0">
+              <a:solidFill>
+                <a:prstClr val="black"/>
+              </a:solidFill>
+            </a:endParaRPr>
+          </a:p>
+        </p:txBody>
+      </p:sp>
+      <p:sp>
+        <p:nvSpPr>
+          <p:cNvPr id="22" name="Rounded Rectangle 21"/>
+          <p:cNvSpPr/>
+          <p:nvPr/>
+        </p:nvSpPr>
+        <p:spPr>
+          <a:xfrm>
+            <a:off x="1080420" y="13969777"/>
+            <a:ext cx="9715301" cy="9001000"/>
+          </a:xfrm>
+          <a:prstGeom prst="roundRect">
+            <a:avLst/>
+          </a:prstGeom>
+          <a:solidFill>
+            <a:schemeClr val="bg1"/>
+          </a:solidFill>
+          <a:ln w="76200">
+            <a:solidFill>
+              <a:schemeClr val="tx1"/>
+            </a:solidFill>
+          </a:ln>
+        </p:spPr>
+        <p:style>
+          <a:lnRef idx="2">
+            <a:schemeClr val="accent1">
+              <a:shade val="50000"/>
+            </a:schemeClr>
+          </a:lnRef>
+          <a:fillRef idx="1">
+            <a:schemeClr val="accent1"/>
+          </a:fillRef>
+          <a:effectRef idx="0">
+            <a:schemeClr val="accent1"/>
+          </a:effectRef>
+          <a:fontRef idx="minor">
+            <a:schemeClr val="lt1"/>
+          </a:fontRef>
+        </p:style>
+        <p:txBody>
+          <a:bodyPr lIns="83976" tIns="41987" rIns="83976" bIns="41987" rtlCol="1" anchor="t" anchorCtr="0"/>
+          <a:lstStyle/>
+          <a:p>
+            <a:pPr algn="ctr" rtl="0"/>
+            <a:r>
+              <a:rPr lang="en-US" sz="4400" b="1" dirty="0" smtClean="0">
+                <a:solidFill>
+                  <a:schemeClr val="tx1"/>
+                </a:solidFill>
+              </a:rPr>
+              <a:t>The data</a:t>
+            </a:r>
+          </a:p>
+          <a:p>
+            <a:pPr algn="l" rtl="0"/>
+            <a:endParaRPr lang="en-US" sz="1600" b="1" dirty="0" smtClean="0">
+              <a:solidFill>
+                <a:schemeClr val="tx1"/>
+              </a:solidFill>
+            </a:endParaRPr>
+          </a:p>
+          <a:p>
+            <a:pPr algn="l" rtl="0"/>
+            <a:r>
+              <a:rPr lang="en-US" sz="3200" dirty="0" smtClean="0">
+                <a:solidFill>
+                  <a:schemeClr val="tx1"/>
+                </a:solidFill>
+              </a:rPr>
+              <a:t>We analyzed two brain transcriptome datasets collected from post mortem human brains.</a:t>
+            </a:r>
+          </a:p>
+          <a:p>
+            <a:pPr marL="607499" indent="-607499" algn="l" rtl="0">
+              <a:buFont typeface="+mj-lt"/>
+              <a:buAutoNum type="arabicPeriod"/>
+            </a:pPr>
+            <a:r>
+              <a:rPr lang="en-US" sz="3200" dirty="0" smtClean="0">
+                <a:solidFill>
+                  <a:schemeClr val="tx1"/>
+                </a:solidFill>
+              </a:rPr>
+              <a:t>Microarray from 6 humans and 414 distinct regions; a total of 3702 tissue samples</a:t>
+            </a:r>
+            <a:r>
+              <a:rPr lang="en-US" sz="3300" dirty="0" smtClean="0">
+                <a:solidFill>
+                  <a:schemeClr val="tx1"/>
+                </a:solidFill>
+              </a:rPr>
+              <a:t> </a:t>
+            </a:r>
+            <a:r>
+              <a:rPr lang="en-US" sz="3000" dirty="0" smtClean="0">
+                <a:solidFill>
+                  <a:schemeClr val="tx1"/>
+                </a:solidFill>
+              </a:rPr>
+              <a:t>[1] </a:t>
+            </a:r>
+          </a:p>
+          <a:p>
+            <a:pPr marL="607499" indent="-607499" algn="l" rtl="0">
+              <a:buFont typeface="+mj-lt"/>
+              <a:buAutoNum type="arabicPeriod"/>
+            </a:pPr>
+            <a:r>
+              <a:rPr lang="en-US" sz="3200" dirty="0" smtClean="0">
+                <a:solidFill>
+                  <a:schemeClr val="tx1"/>
+                </a:solidFill>
+              </a:rPr>
+              <a:t>Microarray from 20 adult donors, and 491 </a:t>
+            </a:r>
+            <a:br>
+              <a:rPr lang="en-US" sz="3200" dirty="0" smtClean="0">
+                <a:solidFill>
+                  <a:schemeClr val="tx1"/>
+                </a:solidFill>
+              </a:rPr>
+            </a:br>
+            <a:r>
+              <a:rPr lang="en-US" sz="3200" dirty="0" smtClean="0">
+                <a:solidFill>
+                  <a:schemeClr val="tx1"/>
+                </a:solidFill>
+              </a:rPr>
+              <a:t>tissue samples </a:t>
+            </a:r>
+            <a:r>
+              <a:rPr lang="en-US" sz="3000" dirty="0" smtClean="0">
+                <a:solidFill>
+                  <a:schemeClr val="tx1"/>
+                </a:solidFill>
+              </a:rPr>
+              <a:t>[2] </a:t>
+            </a:r>
+          </a:p>
+          <a:p>
+            <a:pPr marL="607499" indent="-607499" algn="l" rtl="0"/>
+            <a:endParaRPr lang="en-US" sz="3200" dirty="0" smtClean="0">
+              <a:solidFill>
+                <a:schemeClr val="tx1"/>
+              </a:solidFill>
+            </a:endParaRPr>
+          </a:p>
+          <a:p>
+            <a:pPr algn="ctr"/>
+            <a:endParaRPr lang="he-IL" sz="3200" dirty="0">
+              <a:solidFill>
+                <a:schemeClr val="tx1"/>
+              </a:solidFill>
+            </a:endParaRPr>
+          </a:p>
+        </p:txBody>
+      </p:sp>
+      <p:sp>
+        <p:nvSpPr>
+          <p:cNvPr id="191" name="Rounded Rectangle 190"/>
+          <p:cNvSpPr/>
+          <p:nvPr/>
+        </p:nvSpPr>
+        <p:spPr>
+          <a:xfrm>
+            <a:off x="31611812" y="4968777"/>
+            <a:ext cx="10441159" cy="10513168"/>
+          </a:xfrm>
+          <a:prstGeom prst="roundRect">
+            <a:avLst/>
+          </a:prstGeom>
+          <a:solidFill>
+            <a:schemeClr val="bg1"/>
+          </a:solidFill>
+          <a:ln w="76200">
+            <a:solidFill>
+              <a:schemeClr val="tx1"/>
+            </a:solidFill>
+          </a:ln>
+        </p:spPr>
+        <p:style>
+          <a:lnRef idx="2">
+            <a:schemeClr val="accent1">
+              <a:shade val="50000"/>
+            </a:schemeClr>
+          </a:lnRef>
+          <a:fillRef idx="1">
+            <a:schemeClr val="accent1"/>
+          </a:fillRef>
+          <a:effectRef idx="0">
+            <a:schemeClr val="accent1"/>
+          </a:effectRef>
+          <a:fontRef idx="minor">
+            <a:schemeClr val="lt1"/>
+          </a:fontRef>
+        </p:style>
+        <p:txBody>
+          <a:bodyPr lIns="83976" tIns="41987" rIns="83976" bIns="41987" rtlCol="1" anchor="t" anchorCtr="0"/>
+          <a:lstStyle/>
+          <a:p>
+            <a:pPr marL="539940" indent="-539940" algn="ctr" rtl="0"/>
+            <a:r>
+              <a:rPr lang="en-US" sz="4400" b="1" dirty="0" smtClean="0">
+                <a:solidFill>
+                  <a:schemeClr val="tx1"/>
+                </a:solidFill>
+              </a:rPr>
+              <a:t>	Expression across the human cortex is not homogeneous</a:t>
+            </a:r>
+            <a:endParaRPr lang="en-US" sz="4400" b="1" dirty="0">
+              <a:solidFill>
+                <a:schemeClr val="tx1"/>
+              </a:solidFill>
+            </a:endParaRPr>
+          </a:p>
+        </p:txBody>
+      </p:sp>
+      <p:grpSp>
+        <p:nvGrpSpPr>
+          <p:cNvPr id="58" name="Group 57"/>
+          <p:cNvGrpSpPr/>
+          <p:nvPr/>
+        </p:nvGrpSpPr>
+        <p:grpSpPr>
+          <a:xfrm>
+            <a:off x="1085292" y="910858"/>
+            <a:ext cx="3307496" cy="3121815"/>
+            <a:chOff x="850900" y="638181"/>
+            <a:chExt cx="2975505" cy="2808462"/>
+          </a:xfrm>
+        </p:grpSpPr>
+        <p:pic>
+          <p:nvPicPr>
+            <p:cNvPr id="11" name="Picture 10"/>
+            <p:cNvPicPr>
+              <a:picLocks noChangeAspect="1"/>
+            </p:cNvPicPr>
+            <p:nvPr/>
+          </p:nvPicPr>
+          <p:blipFill>
+            <a:blip r:embed="rId5" cstate="print">
+              <a:extLst>
+                <a:ext uri="{BEBA8EAE-BF5A-486C-A8C5-ECC9F3942E4B}">
+                  <a14:imgProps xmlns:a14="http://schemas.microsoft.com/office/drawing/2010/main">
+                    <a14:imgLayer r:embed="rId6">
+                      <a14:imgEffect>
+                        <a14:backgroundRemoval t="2174" b="100000" l="2000" r="99750"/>
+                      </a14:imgEffect>
+                    </a14:imgLayer>
+                  </a14:imgProps>
+                </a:ext>
+                <a:ext uri="{28A0092B-C50C-407E-A947-70E740481C1C}">
+                  <a14:useLocalDpi xmlns:a14="http://schemas.microsoft.com/office/drawing/2010/main" val="0"/>
+                </a:ext>
+              </a:extLst>
+            </a:blip>
+            <a:stretch>
+              <a:fillRect/>
+            </a:stretch>
+          </p:blipFill>
+          <p:spPr>
+            <a:xfrm>
+              <a:off x="1191095" y="638181"/>
+              <a:ext cx="2265743" cy="1823950"/>
+            </a:xfrm>
+            <a:prstGeom prst="rect">
+              <a:avLst/>
+            </a:prstGeom>
+          </p:spPr>
+        </p:pic>
+        <p:sp>
+          <p:nvSpPr>
+            <p:cNvPr id="145" name="TextBox 144"/>
+            <p:cNvSpPr txBox="1"/>
+            <p:nvPr/>
+          </p:nvSpPr>
+          <p:spPr>
+            <a:xfrm>
+              <a:off x="850900" y="2424221"/>
+              <a:ext cx="2975505" cy="1022422"/>
+            </a:xfrm>
+            <a:prstGeom prst="rect">
+              <a:avLst/>
+            </a:prstGeom>
+            <a:noFill/>
+            <a:ln w="38100">
+              <a:noFill/>
+            </a:ln>
+          </p:spPr>
+          <p:txBody>
+            <a:bodyPr wrap="square" lIns="107988" tIns="53994" rIns="107988" bIns="53994" rtlCol="0">
+              <a:spAutoFit/>
+            </a:bodyPr>
+            <a:lstStyle/>
+            <a:p>
+              <a:pPr algn="ctr" rtl="0"/>
+              <a:r>
+                <a:rPr lang="en-US" sz="2400" b="1" dirty="0" smtClean="0">
+                  <a:solidFill>
+                    <a:schemeClr val="bg1">
+                      <a:lumMod val="50000"/>
+                    </a:schemeClr>
+                  </a:solidFill>
+                </a:rPr>
+                <a:t>The Leslie and Susan </a:t>
+              </a:r>
+              <a:r>
+                <a:rPr lang="en-US" sz="2400" b="1" dirty="0" err="1" smtClean="0">
+                  <a:solidFill>
+                    <a:schemeClr val="bg1">
+                      <a:lumMod val="50000"/>
+                    </a:schemeClr>
+                  </a:solidFill>
+                </a:rPr>
+                <a:t>Gonda</a:t>
+              </a:r>
+              <a:r>
+                <a:rPr lang="en-US" sz="2400" b="1" dirty="0" smtClean="0">
+                  <a:solidFill>
+                    <a:schemeClr val="bg1">
+                      <a:lumMod val="50000"/>
+                    </a:schemeClr>
+                  </a:solidFill>
+                </a:rPr>
+                <a:t> Multidisciplinary Brain Research Center</a:t>
+              </a:r>
+              <a:endParaRPr lang="en-US" sz="2400" b="1" dirty="0">
+                <a:solidFill>
+                  <a:schemeClr val="bg1">
+                    <a:lumMod val="50000"/>
+                  </a:schemeClr>
+                </a:solidFill>
+              </a:endParaRPr>
+            </a:p>
+          </p:txBody>
+        </p:sp>
+      </p:grpSp>
+      <p:sp>
+        <p:nvSpPr>
+          <p:cNvPr id="931" name="Rectangle 930"/>
+          <p:cNvSpPr/>
+          <p:nvPr/>
+        </p:nvSpPr>
+        <p:spPr>
+          <a:xfrm>
+            <a:off x="11900380" y="17476911"/>
+            <a:ext cx="8334741" cy="2140380"/>
+          </a:xfrm>
+          <a:prstGeom prst="rect">
+            <a:avLst/>
+          </a:prstGeom>
+        </p:spPr>
+        <p:txBody>
+          <a:bodyPr wrap="square" lIns="108000" tIns="54000" rIns="108000" bIns="54000">
+            <a:spAutoFit/>
+          </a:bodyPr>
+          <a:lstStyle/>
+          <a:p>
+            <a:pPr algn="l" rtl="0"/>
+            <a:r>
+              <a:rPr lang="en-US" sz="3200" dirty="0" smtClean="0"/>
+              <a:t>When projecting the gene expression values on the 1</a:t>
+            </a:r>
+            <a:r>
+              <a:rPr lang="en-US" sz="3200" baseline="30000" dirty="0" smtClean="0"/>
+              <a:t>st</a:t>
+            </a:r>
+            <a:r>
+              <a:rPr lang="en-US" sz="3200" dirty="0" smtClean="0"/>
+              <a:t> and 2</a:t>
+            </a:r>
+            <a:r>
+              <a:rPr lang="en-US" sz="3200" baseline="30000" dirty="0" smtClean="0"/>
+              <a:t>nd</a:t>
+            </a:r>
+            <a:r>
+              <a:rPr lang="en-US" sz="3200" dirty="0" smtClean="0"/>
+              <a:t>  PCs, the tissue samples are ordered from the anterior to the posterior of the neural tube.</a:t>
+            </a:r>
+            <a:endParaRPr lang="en-US" sz="3200" b="1" dirty="0"/>
+          </a:p>
+        </p:txBody>
+      </p:sp>
+      <p:pic>
+        <p:nvPicPr>
+          <p:cNvPr id="738" name="Picture 737"/>
+          <p:cNvPicPr/>
+          <p:nvPr/>
+        </p:nvPicPr>
+        <p:blipFill>
+          <a:blip r:embed="rId7" cstate="print"/>
+          <a:srcRect r="5968"/>
+          <a:stretch>
+            <a:fillRect/>
+          </a:stretch>
+        </p:blipFill>
+        <p:spPr>
+          <a:xfrm>
+            <a:off x="25275108" y="6912993"/>
+            <a:ext cx="5318972" cy="4248472"/>
+          </a:xfrm>
+          <a:prstGeom prst="rect">
+            <a:avLst/>
+          </a:prstGeom>
+        </p:spPr>
+      </p:pic>
+      <p:pic>
+        <p:nvPicPr>
+          <p:cNvPr id="912" name="image12.png"/>
+          <p:cNvPicPr/>
+          <p:nvPr/>
+        </p:nvPicPr>
+        <p:blipFill>
+          <a:blip r:embed="rId8" cstate="print">
+            <a:extLst>
+              <a:ext uri="{28A0092B-C50C-407E-A947-70E740481C1C}">
+                <a14:useLocalDpi xmlns:a14="http://schemas.microsoft.com/office/drawing/2010/main" val="0"/>
+              </a:ext>
+            </a:extLst>
+          </a:blip>
+          <a:srcRect l="7080" t="704" r="6069" b="1408"/>
+          <a:stretch>
+            <a:fillRect/>
+          </a:stretch>
+        </p:blipFill>
+        <p:spPr>
+          <a:xfrm>
+            <a:off x="13040983" y="12889657"/>
+            <a:ext cx="7049548" cy="4665406"/>
+          </a:xfrm>
+          <a:prstGeom prst="rect">
+            <a:avLst/>
+          </a:prstGeom>
+          <a:ln/>
+        </p:spPr>
+      </p:pic>
+      <p:pic>
+        <p:nvPicPr>
+          <p:cNvPr id="911" name="Picture 910" descr="tube.png"/>
+          <p:cNvPicPr/>
+          <p:nvPr/>
+        </p:nvPicPr>
+        <p:blipFill>
+          <a:blip r:embed="rId9" cstate="print"/>
+          <a:stretch>
+            <a:fillRect/>
+          </a:stretch>
+        </p:blipFill>
+        <p:spPr>
+          <a:xfrm>
+            <a:off x="11881623" y="13084953"/>
+            <a:ext cx="1052707" cy="4129910"/>
+          </a:xfrm>
+          <a:prstGeom prst="rect">
+            <a:avLst/>
+          </a:prstGeom>
+        </p:spPr>
+      </p:pic>
+      <p:sp>
+        <p:nvSpPr>
+          <p:cNvPr id="19" name="Rounded Rectangle 18"/>
+          <p:cNvSpPr/>
+          <p:nvPr/>
+        </p:nvSpPr>
+        <p:spPr>
+          <a:xfrm>
+            <a:off x="31683821" y="22682745"/>
+            <a:ext cx="10441160" cy="5646967"/>
+          </a:xfrm>
+          <a:prstGeom prst="roundRect">
+            <a:avLst/>
+          </a:prstGeom>
+          <a:solidFill>
+            <a:schemeClr val="bg1"/>
+          </a:solidFill>
+          <a:ln w="76200">
+            <a:solidFill>
+              <a:schemeClr val="tx1"/>
+            </a:solidFill>
+          </a:ln>
+        </p:spPr>
+        <p:style>
+          <a:lnRef idx="2">
+            <a:schemeClr val="accent1">
+              <a:shade val="50000"/>
+            </a:schemeClr>
+          </a:lnRef>
+          <a:fillRef idx="1">
+            <a:schemeClr val="accent1"/>
+          </a:fillRef>
+          <a:effectRef idx="0">
+            <a:schemeClr val="accent1"/>
+          </a:effectRef>
+          <a:fontRef idx="minor">
+            <a:schemeClr val="lt1"/>
+          </a:fontRef>
+        </p:style>
+        <p:txBody>
+          <a:bodyPr lIns="83976" tIns="41987" rIns="83976" bIns="41987" rtlCol="1" anchor="t" anchorCtr="0"/>
+          <a:lstStyle/>
+          <a:p>
+            <a:pPr algn="ctr" rtl="0"/>
+            <a:r>
+              <a:rPr lang="en-US" sz="4400" b="1" dirty="0" smtClean="0">
+                <a:solidFill>
+                  <a:schemeClr val="tx1"/>
+                </a:solidFill>
+              </a:rPr>
+              <a:t>Example: </a:t>
+            </a:r>
+            <a:r>
+              <a:rPr lang="en-US" sz="4400" b="1" i="1" dirty="0" smtClean="0">
+                <a:solidFill>
+                  <a:schemeClr val="tx1"/>
+                </a:solidFill>
+              </a:rPr>
+              <a:t>FEZF2 </a:t>
+            </a:r>
+            <a:r>
+              <a:rPr lang="en-US" sz="4400" b="1" dirty="0" smtClean="0">
+                <a:solidFill>
+                  <a:schemeClr val="tx1"/>
+                </a:solidFill>
+              </a:rPr>
+              <a:t>(ZNF312)</a:t>
+            </a:r>
+          </a:p>
+        </p:txBody>
+      </p:sp>
+      <p:pic>
+        <p:nvPicPr>
+          <p:cNvPr id="937" name="image04.png"/>
+          <p:cNvPicPr/>
+          <p:nvPr/>
+        </p:nvPicPr>
+        <p:blipFill>
+          <a:blip r:embed="rId10" cstate="print"/>
+          <a:srcRect l="11558" t="12764" r="15026" b="17728"/>
+          <a:stretch>
+            <a:fillRect/>
+          </a:stretch>
+        </p:blipFill>
+        <p:spPr>
+          <a:xfrm>
+            <a:off x="31827836" y="23906881"/>
+            <a:ext cx="7344816" cy="3960440"/>
+          </a:xfrm>
+          <a:prstGeom prst="rect">
+            <a:avLst/>
+          </a:prstGeom>
+          <a:ln/>
+        </p:spPr>
+      </p:pic>
+      <p:pic>
+        <p:nvPicPr>
+          <p:cNvPr id="939" name="Picture 938" descr="siteQr.png"/>
+          <p:cNvPicPr>
+            <a:picLocks noChangeAspect="1"/>
+          </p:cNvPicPr>
+          <p:nvPr/>
+        </p:nvPicPr>
+        <p:blipFill>
+          <a:blip r:embed="rId11" cstate="print"/>
+          <a:stretch>
+            <a:fillRect/>
+          </a:stretch>
+        </p:blipFill>
+        <p:spPr>
+          <a:xfrm>
+            <a:off x="35356228" y="1080345"/>
+            <a:ext cx="2448276" cy="2448236"/>
+          </a:xfrm>
+          <a:prstGeom prst="rect">
+            <a:avLst/>
+          </a:prstGeom>
+        </p:spPr>
+      </p:pic>
+      <p:pic>
+        <p:nvPicPr>
+          <p:cNvPr id="35" name="image15.png"/>
+          <p:cNvPicPr/>
+          <p:nvPr/>
+        </p:nvPicPr>
+        <p:blipFill>
+          <a:blip r:embed="rId12" cstate="print"/>
+          <a:stretch>
+            <a:fillRect/>
+          </a:stretch>
+        </p:blipFill>
+        <p:spPr>
+          <a:xfrm>
+            <a:off x="1357468" y="26787201"/>
+            <a:ext cx="9156000" cy="4464496"/>
+          </a:xfrm>
+          <a:prstGeom prst="rect">
+            <a:avLst/>
+          </a:prstGeom>
+          <a:ln/>
+        </p:spPr>
+      </p:pic>
+      <p:sp>
+        <p:nvSpPr>
+          <p:cNvPr id="37" name="Rounded Rectangle 36"/>
+          <p:cNvSpPr/>
+          <p:nvPr/>
+        </p:nvSpPr>
+        <p:spPr>
+          <a:xfrm>
+            <a:off x="11449571" y="20882545"/>
+            <a:ext cx="9433049" cy="11089232"/>
+          </a:xfrm>
+          <a:prstGeom prst="roundRect">
+            <a:avLst/>
+          </a:prstGeom>
+          <a:solidFill>
+            <a:schemeClr val="bg1"/>
+          </a:solidFill>
+          <a:ln w="76200">
+            <a:solidFill>
+              <a:schemeClr val="tx1"/>
+            </a:solidFill>
+          </a:ln>
+        </p:spPr>
+        <p:style>
+          <a:lnRef idx="2">
+            <a:schemeClr val="accent1">
+              <a:shade val="50000"/>
+            </a:schemeClr>
+          </a:lnRef>
+          <a:fillRef idx="1">
+            <a:schemeClr val="accent1"/>
+          </a:fillRef>
+          <a:effectRef idx="0">
+            <a:schemeClr val="accent1"/>
+          </a:effectRef>
+          <a:fontRef idx="minor">
+            <a:schemeClr val="lt1"/>
+          </a:fontRef>
+        </p:style>
+        <p:txBody>
+          <a:bodyPr lIns="83976" tIns="41987" rIns="83976" bIns="41987" rtlCol="1" anchor="t"/>
+          <a:lstStyle/>
+          <a:p>
+            <a:pPr algn="ctr" rtl="0"/>
+            <a:r>
+              <a:rPr lang="en-US" sz="4800" b="1" dirty="0" smtClean="0">
+                <a:solidFill>
+                  <a:srgbClr val="FF0000"/>
+                </a:solidFill>
+              </a:rPr>
+              <a:t>B</a:t>
+            </a:r>
+            <a:r>
+              <a:rPr lang="en-US" sz="4000" b="1" dirty="0" smtClean="0">
+                <a:solidFill>
+                  <a:schemeClr val="tx1"/>
+                </a:solidFill>
+              </a:rPr>
+              <a:t>rain </a:t>
+            </a:r>
+            <a:r>
+              <a:rPr lang="en-US" sz="4800" b="1" dirty="0" smtClean="0">
+                <a:solidFill>
+                  <a:srgbClr val="FF0000"/>
+                </a:solidFill>
+              </a:rPr>
+              <a:t>R</a:t>
+            </a:r>
+            <a:r>
+              <a:rPr lang="en-US" sz="4000" b="1" dirty="0" smtClean="0">
+                <a:solidFill>
+                  <a:schemeClr val="tx1"/>
+                </a:solidFill>
+              </a:rPr>
+              <a:t>egion </a:t>
+            </a:r>
+            <a:r>
+              <a:rPr lang="en-US" sz="4800" b="1" dirty="0" smtClean="0">
+                <a:solidFill>
+                  <a:srgbClr val="FF0000"/>
+                </a:solidFill>
+              </a:rPr>
+              <a:t>O</a:t>
+            </a:r>
+            <a:r>
+              <a:rPr lang="en-US" sz="4000" b="1" dirty="0" smtClean="0">
+                <a:solidFill>
+                  <a:schemeClr val="tx1"/>
+                </a:solidFill>
+              </a:rPr>
+              <a:t>ntology score </a:t>
+            </a:r>
+          </a:p>
+          <a:p>
+            <a:pPr algn="l" rtl="0"/>
+            <a:r>
+              <a:rPr lang="en-US" sz="3200" dirty="0" smtClean="0">
+                <a:solidFill>
+                  <a:schemeClr val="tx1"/>
+                </a:solidFill>
+              </a:rPr>
+              <a:t>We define a measure of agreement between the expression of a single gene across regions and the brain region ontology</a:t>
+            </a:r>
+            <a:r>
+              <a:rPr lang="en-US" sz="3300" dirty="0" smtClean="0">
+                <a:solidFill>
+                  <a:schemeClr val="tx1"/>
+                </a:solidFill>
+              </a:rPr>
+              <a:t> </a:t>
+            </a:r>
+            <a:r>
+              <a:rPr lang="en-US" sz="2400" dirty="0" smtClean="0">
+                <a:solidFill>
+                  <a:schemeClr val="tx1"/>
+                </a:solidFill>
+              </a:rPr>
+              <a:t>(similar results with other scores)</a:t>
+            </a:r>
+            <a:endParaRPr lang="en-US" sz="3300" dirty="0" smtClean="0">
+              <a:solidFill>
+                <a:schemeClr val="tx1"/>
+              </a:solidFill>
+            </a:endParaRPr>
+          </a:p>
+          <a:p>
+            <a:pPr algn="l" rtl="0"/>
+            <a:endParaRPr lang="en-US" sz="1600" dirty="0" smtClean="0">
+              <a:solidFill>
+                <a:schemeClr val="tx1"/>
+              </a:solidFill>
+            </a:endParaRPr>
+          </a:p>
+          <a:p>
+            <a:pPr algn="l" rtl="0"/>
+            <a:r>
+              <a:rPr lang="en-US" sz="3600" b="1" dirty="0" err="1" smtClean="0">
+                <a:solidFill>
+                  <a:srgbClr val="FF0000"/>
+                </a:solidFill>
+              </a:rPr>
+              <a:t>BRO</a:t>
+            </a:r>
+            <a:r>
+              <a:rPr lang="en-US" sz="3600" b="1" baseline="-25000" dirty="0" err="1" smtClean="0">
+                <a:solidFill>
+                  <a:srgbClr val="FF0000"/>
+                </a:solidFill>
+              </a:rPr>
+              <a:t>score</a:t>
+            </a:r>
+            <a:r>
+              <a:rPr lang="en-US" sz="3600" b="1" baseline="-25000" dirty="0" smtClean="0">
+                <a:solidFill>
+                  <a:schemeClr val="tx1"/>
+                </a:solidFill>
+              </a:rPr>
+              <a:t> </a:t>
+            </a:r>
+            <a:r>
+              <a:rPr lang="en-US" sz="3600" b="1" i="1" dirty="0" smtClean="0">
+                <a:solidFill>
+                  <a:schemeClr val="tx1"/>
+                </a:solidFill>
+              </a:rPr>
+              <a:t>= Correlation (</a:t>
+            </a:r>
+            <a:r>
+              <a:rPr lang="en-US" sz="3600" b="1" i="1" dirty="0" err="1" smtClean="0">
+                <a:solidFill>
+                  <a:schemeClr val="tx1"/>
+                </a:solidFill>
+              </a:rPr>
+              <a:t>d</a:t>
+            </a:r>
+            <a:r>
+              <a:rPr lang="en-US" sz="3600" b="1" i="1" baseline="-25000" dirty="0" err="1" smtClean="0">
+                <a:solidFill>
+                  <a:schemeClr val="tx1"/>
+                </a:solidFill>
+              </a:rPr>
+              <a:t>expression</a:t>
+            </a:r>
+            <a:r>
+              <a:rPr lang="en-US" sz="3600" b="1" i="1" dirty="0" smtClean="0">
+                <a:solidFill>
+                  <a:schemeClr val="tx1"/>
+                </a:solidFill>
+              </a:rPr>
+              <a:t> , </a:t>
+            </a:r>
+            <a:r>
+              <a:rPr lang="en-US" sz="3600" b="1" i="1" dirty="0" err="1" smtClean="0">
+                <a:solidFill>
+                  <a:schemeClr val="tx1"/>
+                </a:solidFill>
+              </a:rPr>
+              <a:t>d</a:t>
+            </a:r>
+            <a:r>
+              <a:rPr lang="en-US" sz="3600" b="1" i="1" baseline="-25000" dirty="0" err="1" smtClean="0">
+                <a:solidFill>
+                  <a:schemeClr val="tx1"/>
+                </a:solidFill>
+              </a:rPr>
+              <a:t>tree</a:t>
+            </a:r>
+            <a:r>
+              <a:rPr lang="en-US" sz="3600" b="1" i="1" dirty="0" smtClean="0">
+                <a:solidFill>
+                  <a:schemeClr val="tx1"/>
+                </a:solidFill>
+              </a:rPr>
+              <a:t> )</a:t>
+            </a:r>
+            <a:endParaRPr lang="en-US" sz="4000" b="1" i="1" dirty="0" smtClean="0">
+              <a:solidFill>
+                <a:schemeClr val="tx1"/>
+              </a:solidFill>
+            </a:endParaRPr>
+          </a:p>
+          <a:p>
+            <a:pPr algn="l" rtl="0"/>
+            <a:endParaRPr lang="en-US" sz="1800" dirty="0" smtClean="0">
+              <a:solidFill>
+                <a:schemeClr val="tx1"/>
+              </a:solidFill>
+            </a:endParaRPr>
+          </a:p>
+          <a:p>
+            <a:pPr algn="l" rtl="0">
+              <a:buFont typeface="Arial" pitchFamily="34" charset="0"/>
+              <a:buChar char="•"/>
+            </a:pPr>
+            <a:r>
+              <a:rPr lang="en-US" sz="3300" dirty="0" smtClean="0">
+                <a:solidFill>
+                  <a:schemeClr val="tx1"/>
+                </a:solidFill>
+              </a:rPr>
+              <a:t>  </a:t>
+            </a:r>
+            <a:r>
+              <a:rPr lang="en-US" sz="2800" dirty="0" smtClean="0">
+                <a:solidFill>
+                  <a:schemeClr val="tx1"/>
+                </a:solidFill>
+              </a:rPr>
+              <a:t>correlation is across pairs of tissue samples</a:t>
+            </a:r>
+          </a:p>
+          <a:p>
+            <a:pPr algn="l" rtl="0">
+              <a:buFont typeface="Arial" pitchFamily="34" charset="0"/>
+              <a:buChar char="•"/>
+            </a:pPr>
+            <a:r>
+              <a:rPr lang="en-US" sz="2800" dirty="0" smtClean="0">
+                <a:solidFill>
+                  <a:schemeClr val="tx1"/>
+                </a:solidFill>
+              </a:rPr>
+              <a:t>  </a:t>
+            </a:r>
+            <a:r>
+              <a:rPr lang="en-US" sz="2800" dirty="0" err="1" smtClean="0">
+                <a:solidFill>
+                  <a:schemeClr val="tx1"/>
+                </a:solidFill>
+              </a:rPr>
+              <a:t>d</a:t>
+            </a:r>
+            <a:r>
+              <a:rPr lang="en-US" sz="2800" baseline="-25000" dirty="0" err="1" smtClean="0">
+                <a:solidFill>
+                  <a:schemeClr val="tx1"/>
+                </a:solidFill>
+              </a:rPr>
+              <a:t>expression</a:t>
+            </a:r>
+            <a:r>
+              <a:rPr lang="en-US" sz="2800" dirty="0" smtClean="0">
+                <a:solidFill>
+                  <a:schemeClr val="tx1"/>
+                </a:solidFill>
+              </a:rPr>
+              <a:t>   is the vector of absolute differences of expression levels in two regions.</a:t>
+            </a:r>
+          </a:p>
+          <a:p>
+            <a:pPr algn="l" rtl="0">
+              <a:buFont typeface="Arial" pitchFamily="34" charset="0"/>
+              <a:buChar char="•"/>
+            </a:pPr>
+            <a:r>
+              <a:rPr lang="en-US" sz="2800" dirty="0" smtClean="0">
+                <a:solidFill>
+                  <a:schemeClr val="tx1"/>
+                </a:solidFill>
+              </a:rPr>
+              <a:t>  </a:t>
+            </a:r>
+            <a:r>
+              <a:rPr lang="en-US" sz="2800" dirty="0" err="1" smtClean="0">
+                <a:solidFill>
+                  <a:schemeClr val="tx1"/>
+                </a:solidFill>
+              </a:rPr>
+              <a:t>d</a:t>
+            </a:r>
+            <a:r>
+              <a:rPr lang="en-US" sz="2800" baseline="-25000" dirty="0" err="1" smtClean="0">
+                <a:solidFill>
+                  <a:schemeClr val="tx1"/>
+                </a:solidFill>
+              </a:rPr>
+              <a:t>tree</a:t>
+            </a:r>
+            <a:r>
+              <a:rPr lang="en-US" sz="2800" dirty="0" smtClean="0">
+                <a:solidFill>
+                  <a:schemeClr val="tx1"/>
+                </a:solidFill>
+              </a:rPr>
+              <a:t>   is the vector of number of edges in the ontology tree that connect two regions.</a:t>
+            </a:r>
+            <a:endParaRPr lang="he-IL" sz="2800" i="1" dirty="0">
+              <a:solidFill>
+                <a:schemeClr val="tx1"/>
+              </a:solidFill>
+            </a:endParaRPr>
+          </a:p>
+        </p:txBody>
+      </p:sp>
+      <p:grpSp>
+        <p:nvGrpSpPr>
+          <p:cNvPr id="46" name="Group 45"/>
+          <p:cNvGrpSpPr/>
+          <p:nvPr/>
+        </p:nvGrpSpPr>
+        <p:grpSpPr>
+          <a:xfrm>
+            <a:off x="21674708" y="26139129"/>
+            <a:ext cx="4665044" cy="5285649"/>
+            <a:chOff x="26283220" y="22178689"/>
+            <a:chExt cx="4665044" cy="5285649"/>
+          </a:xfrm>
+        </p:grpSpPr>
+        <p:pic>
+          <p:nvPicPr>
+            <p:cNvPr id="888" name="Picture 887"/>
+            <p:cNvPicPr/>
+            <p:nvPr/>
+          </p:nvPicPr>
+          <p:blipFill>
+            <a:blip r:embed="rId13" cstate="print"/>
+            <a:srcRect r="7966" b="9645"/>
+            <a:stretch>
+              <a:fillRect/>
+            </a:stretch>
+          </p:blipFill>
+          <p:spPr>
+            <a:xfrm>
+              <a:off x="26283220" y="22178689"/>
+              <a:ext cx="4574663" cy="3373261"/>
+            </a:xfrm>
+            <a:prstGeom prst="rect">
+              <a:avLst/>
+            </a:prstGeom>
+          </p:spPr>
+        </p:pic>
+        <p:pic>
+          <p:nvPicPr>
+            <p:cNvPr id="901" name="Picture 900"/>
+            <p:cNvPicPr/>
+            <p:nvPr/>
+          </p:nvPicPr>
+          <p:blipFill>
+            <a:blip r:embed="rId14" cstate="print"/>
+            <a:srcRect l="6850" t="47949" r="6132"/>
+            <a:stretch>
+              <a:fillRect/>
+            </a:stretch>
+          </p:blipFill>
+          <p:spPr>
+            <a:xfrm>
+              <a:off x="26643260" y="25627889"/>
+              <a:ext cx="4305004" cy="1836449"/>
+            </a:xfrm>
+            <a:prstGeom prst="rect">
+              <a:avLst/>
+            </a:prstGeom>
+          </p:spPr>
+        </p:pic>
+      </p:grpSp>
+      <p:sp>
+        <p:nvSpPr>
+          <p:cNvPr id="39" name="TextBox 38"/>
+          <p:cNvSpPr txBox="1"/>
+          <p:nvPr/>
+        </p:nvSpPr>
+        <p:spPr>
+          <a:xfrm>
+            <a:off x="26859284" y="27147241"/>
+            <a:ext cx="3816424" cy="4093428"/>
+          </a:xfrm>
+          <a:prstGeom prst="rect">
+            <a:avLst/>
+          </a:prstGeom>
+          <a:noFill/>
+        </p:spPr>
+        <p:txBody>
+          <a:bodyPr wrap="square" rtlCol="1">
+            <a:spAutoFit/>
+          </a:bodyPr>
+          <a:lstStyle/>
+          <a:p>
+            <a:pPr algn="l" rtl="0"/>
+            <a:r>
+              <a:rPr lang="en-US" sz="2800" b="1" dirty="0" smtClean="0"/>
+              <a:t>House keeping genes</a:t>
+            </a:r>
+            <a:r>
+              <a:rPr lang="en-US" sz="2800" dirty="0" smtClean="0"/>
+              <a:t> are expressed in all cell types. In the adult brain, their scores are significantly higher than random, and match the BRO scores of all genes.</a:t>
+            </a:r>
+          </a:p>
+          <a:p>
+            <a:pPr algn="l" rtl="0"/>
+            <a:endParaRPr lang="en-US" sz="1000" dirty="0" smtClean="0"/>
+          </a:p>
+          <a:p>
+            <a:pPr algn="l" rtl="0"/>
+            <a:r>
+              <a:rPr lang="en-US" sz="2400" dirty="0" smtClean="0"/>
+              <a:t>Markers from</a:t>
+            </a:r>
+            <a:r>
+              <a:rPr lang="en-US" sz="2400" b="1" dirty="0" smtClean="0"/>
+              <a:t> </a:t>
+            </a:r>
+            <a:r>
+              <a:rPr lang="en-US" sz="2400" i="1" dirty="0" smtClean="0"/>
+              <a:t>Eisenberg et al. [4]</a:t>
+            </a:r>
+            <a:endParaRPr lang="en-US" sz="2800" i="1" dirty="0" smtClean="0"/>
+          </a:p>
+        </p:txBody>
+      </p:sp>
+      <p:grpSp>
+        <p:nvGrpSpPr>
+          <p:cNvPr id="52" name="Group 51"/>
+          <p:cNvGrpSpPr/>
+          <p:nvPr/>
+        </p:nvGrpSpPr>
+        <p:grpSpPr>
+          <a:xfrm>
+            <a:off x="21674708" y="15769977"/>
+            <a:ext cx="4997417" cy="5288009"/>
+            <a:chOff x="22394788" y="15841985"/>
+            <a:chExt cx="4997417" cy="5288009"/>
+          </a:xfrm>
+        </p:grpSpPr>
+        <p:pic>
+          <p:nvPicPr>
+            <p:cNvPr id="906" name="Picture 905"/>
+            <p:cNvPicPr/>
+            <p:nvPr/>
+          </p:nvPicPr>
+          <p:blipFill>
+            <a:blip r:embed="rId15" cstate="print"/>
+            <a:srcRect b="10681"/>
+            <a:stretch>
+              <a:fillRect/>
+            </a:stretch>
+          </p:blipFill>
+          <p:spPr>
+            <a:xfrm>
+              <a:off x="22394788" y="15841985"/>
+              <a:ext cx="4937648" cy="3312337"/>
+            </a:xfrm>
+            <a:prstGeom prst="rect">
+              <a:avLst/>
+            </a:prstGeom>
+          </p:spPr>
+        </p:pic>
+        <p:pic>
+          <p:nvPicPr>
+            <p:cNvPr id="907" name="Picture 906"/>
+            <p:cNvPicPr/>
+            <p:nvPr/>
+          </p:nvPicPr>
+          <p:blipFill>
+            <a:blip r:embed="rId16" cstate="print"/>
+            <a:srcRect t="48006"/>
+            <a:stretch>
+              <a:fillRect/>
+            </a:stretch>
+          </p:blipFill>
+          <p:spPr bwMode="auto">
+            <a:xfrm>
+              <a:off x="22394788" y="19298369"/>
+              <a:ext cx="4997417" cy="1831625"/>
+            </a:xfrm>
+            <a:prstGeom prst="rect">
+              <a:avLst/>
+            </a:prstGeom>
+            <a:noFill/>
+            <a:ln>
+              <a:noFill/>
+            </a:ln>
+          </p:spPr>
+        </p:pic>
+      </p:grpSp>
+      <p:sp>
+        <p:nvSpPr>
+          <p:cNvPr id="40" name="TextBox 39"/>
+          <p:cNvSpPr txBox="1"/>
+          <p:nvPr/>
+        </p:nvSpPr>
+        <p:spPr>
+          <a:xfrm>
+            <a:off x="26859284" y="16150337"/>
+            <a:ext cx="3672408" cy="3724096"/>
+          </a:xfrm>
+          <a:prstGeom prst="rect">
+            <a:avLst/>
+          </a:prstGeom>
+          <a:noFill/>
+        </p:spPr>
+        <p:txBody>
+          <a:bodyPr wrap="square" rtlCol="1">
+            <a:spAutoFit/>
+          </a:bodyPr>
+          <a:lstStyle/>
+          <a:p>
+            <a:pPr algn="l" rtl="0"/>
+            <a:r>
+              <a:rPr lang="en-US" sz="2800" b="1" dirty="0" smtClean="0"/>
+              <a:t>Cell-type specific genes</a:t>
+            </a:r>
+            <a:r>
+              <a:rPr lang="en-US" sz="2800" dirty="0" smtClean="0"/>
+              <a:t> are in stronger agreement with the tree structure than genes on average.</a:t>
+            </a:r>
+            <a:r>
+              <a:rPr lang="en-US" sz="2800" b="1" dirty="0" smtClean="0"/>
+              <a:t> </a:t>
+            </a:r>
+          </a:p>
+          <a:p>
+            <a:pPr algn="l" rtl="0"/>
+            <a:endParaRPr lang="en-US" sz="2400" dirty="0" smtClean="0"/>
+          </a:p>
+          <a:p>
+            <a:pPr algn="l" rtl="0"/>
+            <a:endParaRPr lang="en-US" sz="2400" dirty="0" smtClean="0"/>
+          </a:p>
+          <a:p>
+            <a:pPr algn="l" rtl="0"/>
+            <a:r>
+              <a:rPr lang="en-US" sz="2400" dirty="0" smtClean="0"/>
+              <a:t>Markers from</a:t>
+            </a:r>
+            <a:r>
+              <a:rPr lang="en-US" sz="2400" b="1" dirty="0" smtClean="0"/>
+              <a:t> </a:t>
+            </a:r>
+            <a:r>
+              <a:rPr lang="en-US" sz="2400" i="1" dirty="0" smtClean="0"/>
+              <a:t>Cahoy et al. [3]</a:t>
+            </a:r>
+            <a:r>
+              <a:rPr lang="en-US" sz="2400" dirty="0" smtClean="0"/>
+              <a:t>. </a:t>
+            </a:r>
+            <a:endParaRPr lang="he-IL" sz="2400" b="1" dirty="0" smtClean="0"/>
+          </a:p>
+        </p:txBody>
+      </p:sp>
+      <p:sp>
+        <p:nvSpPr>
+          <p:cNvPr id="42" name="TextBox 41"/>
+          <p:cNvSpPr txBox="1"/>
+          <p:nvPr/>
+        </p:nvSpPr>
+        <p:spPr>
+          <a:xfrm>
+            <a:off x="30963739" y="28299369"/>
+            <a:ext cx="11449272" cy="3770263"/>
+          </a:xfrm>
+          <a:prstGeom prst="rect">
+            <a:avLst/>
+          </a:prstGeom>
+          <a:noFill/>
+        </p:spPr>
+        <p:txBody>
+          <a:bodyPr wrap="square" rtlCol="1">
+            <a:spAutoFit/>
+          </a:bodyPr>
+          <a:lstStyle/>
+          <a:p>
+            <a:pPr algn="l" rtl="0"/>
+            <a:endParaRPr lang="en-US" sz="900" dirty="0" smtClean="0"/>
+          </a:p>
+          <a:p>
+            <a:pPr marL="997140" indent="-457200" algn="l" rtl="0">
+              <a:buAutoNum type="arabicPeriod"/>
+            </a:pPr>
+            <a:r>
+              <a:rPr lang="en-US" sz="2400" dirty="0" err="1" smtClean="0"/>
+              <a:t>Hawrylycz</a:t>
+            </a:r>
+            <a:r>
+              <a:rPr lang="en-US" sz="2400" dirty="0" smtClean="0"/>
+              <a:t> et al., An </a:t>
+            </a:r>
+            <a:r>
+              <a:rPr lang="en-US" sz="2400" dirty="0"/>
+              <a:t>anatomically comprehensive atlas of the adult human </a:t>
+            </a:r>
+            <a:r>
+              <a:rPr lang="en-US" sz="2400" dirty="0" smtClean="0"/>
+              <a:t>brain transcriptome, </a:t>
+            </a:r>
+            <a:r>
+              <a:rPr lang="en-US" sz="2400" i="1" dirty="0" smtClean="0"/>
+              <a:t>Nature </a:t>
+            </a:r>
+            <a:r>
+              <a:rPr lang="en-US" sz="2400" dirty="0" smtClean="0"/>
+              <a:t>2012</a:t>
+            </a:r>
+          </a:p>
+          <a:p>
+            <a:pPr marL="997140" indent="-457200" algn="l" rtl="0">
+              <a:buAutoNum type="arabicPeriod"/>
+            </a:pPr>
+            <a:r>
+              <a:rPr lang="en-US" sz="2400" dirty="0" smtClean="0"/>
+              <a:t>Kang et al., </a:t>
+            </a:r>
+            <a:r>
+              <a:rPr lang="en-US" sz="2400" dirty="0" err="1" smtClean="0"/>
+              <a:t>Spatio</a:t>
+            </a:r>
+            <a:r>
+              <a:rPr lang="en-US" sz="2400" dirty="0" smtClean="0"/>
+              <a:t>-temporal </a:t>
+            </a:r>
+            <a:r>
+              <a:rPr lang="en-US" sz="2400" dirty="0"/>
+              <a:t>transcriptome of the human </a:t>
+            </a:r>
+            <a:r>
+              <a:rPr lang="en-US" sz="2400" dirty="0" smtClean="0"/>
+              <a:t>brain, </a:t>
+            </a:r>
+            <a:r>
+              <a:rPr lang="en-US" sz="2400" i="1" dirty="0" smtClean="0"/>
+              <a:t>Nature</a:t>
+            </a:r>
+            <a:r>
+              <a:rPr lang="en-US" sz="2400" dirty="0" smtClean="0"/>
+              <a:t> 2011</a:t>
+            </a:r>
+          </a:p>
+          <a:p>
+            <a:pPr marL="997140" indent="-457200" algn="l" rtl="0">
+              <a:buAutoNum type="arabicPeriod"/>
+            </a:pPr>
+            <a:r>
+              <a:rPr lang="en-US" sz="2400" dirty="0" err="1" smtClean="0"/>
+              <a:t>Cahoy</a:t>
+            </a:r>
+            <a:r>
+              <a:rPr lang="en-US" sz="2400" dirty="0" smtClean="0"/>
+              <a:t> et al., A </a:t>
+            </a:r>
+            <a:r>
+              <a:rPr lang="en-US" sz="2400" dirty="0"/>
+              <a:t>transcriptome database for astrocytes, neurons, and </a:t>
+            </a:r>
+            <a:r>
+              <a:rPr lang="en-US" sz="2400" dirty="0" err="1" smtClean="0"/>
+              <a:t>oligodendrocytes</a:t>
+            </a:r>
+            <a:r>
+              <a:rPr lang="en-US" sz="2400" dirty="0" smtClean="0"/>
+              <a:t>, </a:t>
+            </a:r>
+            <a:r>
+              <a:rPr lang="en-US" sz="2400" i="1" dirty="0" smtClean="0"/>
+              <a:t>J. neuroscience </a:t>
+            </a:r>
+            <a:r>
+              <a:rPr lang="en-US" sz="2400" dirty="0" smtClean="0"/>
+              <a:t> 2008.</a:t>
+            </a:r>
+          </a:p>
+          <a:p>
+            <a:pPr marL="997140" indent="-457200" algn="l" rtl="0">
+              <a:buAutoNum type="arabicPeriod"/>
+            </a:pPr>
+            <a:r>
+              <a:rPr lang="en-US" sz="2400" dirty="0" smtClean="0"/>
+              <a:t>Eisenberg et al., Human </a:t>
+            </a:r>
+            <a:r>
+              <a:rPr lang="en-US" sz="2400" dirty="0"/>
+              <a:t>housekeeping genes are </a:t>
+            </a:r>
+            <a:r>
+              <a:rPr lang="en-US" sz="2400" dirty="0" smtClean="0"/>
+              <a:t>compact, </a:t>
+            </a:r>
+            <a:r>
+              <a:rPr lang="en-US" sz="2400" i="1" dirty="0" smtClean="0"/>
+              <a:t>Trends </a:t>
+            </a:r>
+            <a:r>
+              <a:rPr lang="en-US" sz="2400" i="1" dirty="0"/>
+              <a:t>in </a:t>
+            </a:r>
+            <a:r>
+              <a:rPr lang="en-US" sz="2400" i="1" dirty="0" smtClean="0"/>
+              <a:t>genetics</a:t>
+            </a:r>
+            <a:r>
+              <a:rPr lang="en-US" sz="2400" dirty="0" smtClean="0"/>
+              <a:t>. </a:t>
+            </a:r>
+            <a:r>
+              <a:rPr lang="en-US" sz="2400" dirty="0"/>
+              <a:t>2003</a:t>
+            </a:r>
+            <a:endParaRPr lang="en-US" sz="2400" dirty="0" smtClean="0"/>
+          </a:p>
+          <a:p>
+            <a:pPr marL="539940" indent="-539940" algn="l" rtl="0">
+              <a:buFont typeface="+mj-lt"/>
+              <a:buAutoNum type="arabicPeriod"/>
+            </a:pPr>
+            <a:endParaRPr lang="en-US" sz="1400" dirty="0" smtClean="0"/>
+          </a:p>
+          <a:p>
+            <a:pPr marL="539940" indent="-539940" algn="l" rtl="0"/>
+            <a:r>
+              <a:rPr lang="en-US" sz="3600" b="1" dirty="0" smtClean="0"/>
+              <a:t>	Contact</a:t>
+            </a:r>
+            <a:r>
+              <a:rPr lang="en-US" sz="3600" dirty="0" smtClean="0"/>
+              <a:t>: </a:t>
+            </a:r>
+            <a:r>
+              <a:rPr lang="en-US" sz="3600" dirty="0" smtClean="0">
+                <a:hlinkClick r:id="rId17"/>
+              </a:rPr>
+              <a:t>lior.kirsch@gmail.com</a:t>
+            </a:r>
+            <a:r>
+              <a:rPr lang="en-US" sz="3600" dirty="0" smtClean="0"/>
+              <a:t>, </a:t>
+            </a:r>
+            <a:r>
+              <a:rPr lang="en-US" sz="3600" dirty="0" smtClean="0">
+                <a:hlinkClick r:id="rId18"/>
+              </a:rPr>
+              <a:t>http://chechiklab.biu.ac.il/~lior</a:t>
+            </a:r>
+            <a:r>
+              <a:rPr lang="en-US" sz="3600" dirty="0" smtClean="0"/>
+              <a:t> </a:t>
+            </a:r>
+            <a:endParaRPr lang="he-IL" sz="3600" dirty="0"/>
+          </a:p>
+        </p:txBody>
+      </p:sp>
+      <p:grpSp>
+        <p:nvGrpSpPr>
+          <p:cNvPr id="63" name="Group 62"/>
+          <p:cNvGrpSpPr/>
+          <p:nvPr/>
+        </p:nvGrpSpPr>
+        <p:grpSpPr>
+          <a:xfrm>
+            <a:off x="32043861" y="6912993"/>
+            <a:ext cx="9208489" cy="4340892"/>
+            <a:chOff x="31969868" y="7959285"/>
+            <a:chExt cx="9950361" cy="3638562"/>
+          </a:xfrm>
+        </p:grpSpPr>
+        <p:pic>
+          <p:nvPicPr>
+            <p:cNvPr id="47" name="Picture 46" descr="distCortex-random.png"/>
+            <p:cNvPicPr/>
+            <p:nvPr/>
+          </p:nvPicPr>
+          <p:blipFill>
+            <a:blip r:embed="rId19" cstate="print"/>
+            <a:srcRect l="6323" t="8661"/>
+            <a:stretch>
+              <a:fillRect/>
+            </a:stretch>
+          </p:blipFill>
+          <p:spPr>
+            <a:xfrm>
+              <a:off x="31969868" y="7959285"/>
+              <a:ext cx="5213220" cy="3638562"/>
+            </a:xfrm>
+            <a:prstGeom prst="rect">
+              <a:avLst/>
+            </a:prstGeom>
+          </p:spPr>
+        </p:pic>
+        <p:sp>
+          <p:nvSpPr>
+            <p:cNvPr id="50" name="TextBox 49"/>
+            <p:cNvSpPr txBox="1"/>
+            <p:nvPr/>
+          </p:nvSpPr>
+          <p:spPr>
+            <a:xfrm>
+              <a:off x="36148315" y="8882913"/>
+              <a:ext cx="5771914" cy="1815882"/>
+            </a:xfrm>
+            <a:prstGeom prst="rect">
+              <a:avLst/>
+            </a:prstGeom>
+            <a:noFill/>
+          </p:spPr>
+          <p:txBody>
+            <a:bodyPr wrap="square" rtlCol="1">
+              <a:spAutoFit/>
+            </a:bodyPr>
+            <a:lstStyle/>
+            <a:p>
+              <a:pPr algn="l" rtl="0"/>
+              <a:r>
+                <a:rPr lang="en-US" sz="2800" dirty="0" smtClean="0"/>
+                <a:t>11% of the human genes show distinct expression patterns that agree with the cortex region ontology</a:t>
+              </a:r>
+              <a:endParaRPr lang="he-IL" sz="2800" b="1" dirty="0"/>
+            </a:p>
+          </p:txBody>
+        </p:sp>
+      </p:grpSp>
+      <p:grpSp>
+        <p:nvGrpSpPr>
+          <p:cNvPr id="61" name="Group 60"/>
+          <p:cNvGrpSpPr/>
+          <p:nvPr/>
+        </p:nvGrpSpPr>
+        <p:grpSpPr>
+          <a:xfrm>
+            <a:off x="32187875" y="10801424"/>
+            <a:ext cx="9096561" cy="4105077"/>
+            <a:chOff x="32440318" y="11890515"/>
+            <a:chExt cx="10220424" cy="3697754"/>
+          </a:xfrm>
+        </p:grpSpPr>
+        <p:pic>
+          <p:nvPicPr>
+            <p:cNvPr id="48" name="Picture 47" descr="distCortex-Celltype.png"/>
+            <p:cNvPicPr/>
+            <p:nvPr/>
+          </p:nvPicPr>
+          <p:blipFill>
+            <a:blip r:embed="rId20" cstate="print"/>
+            <a:srcRect l="5796"/>
+            <a:stretch>
+              <a:fillRect/>
+            </a:stretch>
+          </p:blipFill>
+          <p:spPr>
+            <a:xfrm>
+              <a:off x="38022727" y="11890515"/>
+              <a:ext cx="4638015" cy="3697754"/>
+            </a:xfrm>
+            <a:prstGeom prst="rect">
+              <a:avLst/>
+            </a:prstGeom>
+          </p:spPr>
+        </p:pic>
+        <p:sp>
+          <p:nvSpPr>
+            <p:cNvPr id="51" name="TextBox 50"/>
+            <p:cNvSpPr txBox="1"/>
+            <p:nvPr/>
+          </p:nvSpPr>
+          <p:spPr>
+            <a:xfrm>
+              <a:off x="32440318" y="12863462"/>
+              <a:ext cx="5218643" cy="1815882"/>
+            </a:xfrm>
+            <a:prstGeom prst="rect">
+              <a:avLst/>
+            </a:prstGeom>
+            <a:noFill/>
+          </p:spPr>
+          <p:txBody>
+            <a:bodyPr wrap="square" rtlCol="1">
+              <a:spAutoFit/>
+            </a:bodyPr>
+            <a:lstStyle/>
+            <a:p>
+              <a:pPr algn="l" rtl="0"/>
+              <a:r>
+                <a:rPr lang="en-US" sz="2800" dirty="0" smtClean="0"/>
+                <a:t>Astrocytes and neuronal markers are in stronger agreement with BRO than the average gene. </a:t>
+              </a:r>
+            </a:p>
+          </p:txBody>
+        </p:sp>
+      </p:grpSp>
+      <p:sp>
+        <p:nvSpPr>
+          <p:cNvPr id="49" name="TextBox 48"/>
+          <p:cNvSpPr txBox="1"/>
+          <p:nvPr/>
+        </p:nvSpPr>
+        <p:spPr>
+          <a:xfrm>
+            <a:off x="7798883" y="30171577"/>
+            <a:ext cx="2930609" cy="769441"/>
+          </a:xfrm>
+          <a:prstGeom prst="rect">
+            <a:avLst/>
+          </a:prstGeom>
+          <a:noFill/>
+        </p:spPr>
+        <p:txBody>
+          <a:bodyPr wrap="none" rtlCol="1">
+            <a:spAutoFit/>
+          </a:bodyPr>
+          <a:lstStyle/>
+          <a:p>
+            <a:r>
+              <a:rPr lang="en-US" sz="4400" dirty="0" smtClean="0">
+                <a:solidFill>
+                  <a:schemeClr val="tx1">
+                    <a:lumMod val="65000"/>
+                    <a:lumOff val="35000"/>
+                  </a:schemeClr>
+                </a:solidFill>
+                <a:latin typeface="Baskerville Old Face" pitchFamily="18" charset="0"/>
+              </a:rPr>
+              <a:t>414 Regions</a:t>
+            </a:r>
+            <a:endParaRPr lang="he-IL" sz="4400" dirty="0">
+              <a:solidFill>
+                <a:schemeClr val="tx1">
+                  <a:lumMod val="65000"/>
+                  <a:lumOff val="35000"/>
+                </a:schemeClr>
+              </a:solidFill>
+              <a:latin typeface="Baskerville Old Face" pitchFamily="18" charset="0"/>
+            </a:endParaRPr>
+          </a:p>
+        </p:txBody>
+      </p:sp>
+      <p:pic>
+        <p:nvPicPr>
+          <p:cNvPr id="54" name="Picture 2" descr="C:\Users\Lior\Dropbox\papers\brain region tree\Figures\figure 1\h_clustering.png"/>
+          <p:cNvPicPr>
+            <a:picLocks noChangeAspect="1" noChangeArrowheads="1"/>
+          </p:cNvPicPr>
+          <p:nvPr/>
+        </p:nvPicPr>
+        <p:blipFill>
+          <a:blip r:embed="rId21" cstate="print"/>
+          <a:srcRect t="6764" r="6676"/>
+          <a:stretch>
+            <a:fillRect/>
+          </a:stretch>
+        </p:blipFill>
+        <p:spPr bwMode="auto">
+          <a:xfrm>
+            <a:off x="11665595" y="6894577"/>
+            <a:ext cx="8352928" cy="4698936"/>
+          </a:xfrm>
+          <a:prstGeom prst="rect">
+            <a:avLst/>
+          </a:prstGeom>
+          <a:noFill/>
+        </p:spPr>
+      </p:pic>
+      <p:pic>
+        <p:nvPicPr>
+          <p:cNvPr id="1027" name="Picture 3" descr="C:\Users\Lior\Dropbox\papers\brain region tree\Figures\figure 1\2dhist-NEUROD1-corr-0.65.png"/>
+          <p:cNvPicPr>
+            <a:picLocks noChangeAspect="1" noChangeArrowheads="1"/>
+          </p:cNvPicPr>
+          <p:nvPr/>
+        </p:nvPicPr>
+        <p:blipFill>
+          <a:blip r:embed="rId22" cstate="print"/>
+          <a:srcRect l="2108" t="5613" r="2635"/>
+          <a:stretch>
+            <a:fillRect/>
+          </a:stretch>
+        </p:blipFill>
+        <p:spPr bwMode="auto">
+          <a:xfrm>
+            <a:off x="13897844" y="27075233"/>
+            <a:ext cx="6193789" cy="4608512"/>
+          </a:xfrm>
+          <a:prstGeom prst="rect">
+            <a:avLst/>
+          </a:prstGeom>
+          <a:noFill/>
+        </p:spPr>
+      </p:pic>
+      <p:sp>
+        <p:nvSpPr>
+          <p:cNvPr id="57" name="TextBox 56"/>
+          <p:cNvSpPr txBox="1"/>
+          <p:nvPr/>
+        </p:nvSpPr>
+        <p:spPr>
+          <a:xfrm>
+            <a:off x="11665594" y="27939329"/>
+            <a:ext cx="2232250" cy="2554545"/>
+          </a:xfrm>
+          <a:prstGeom prst="rect">
+            <a:avLst/>
+          </a:prstGeom>
+          <a:noFill/>
+        </p:spPr>
+        <p:txBody>
+          <a:bodyPr wrap="square" rtlCol="1">
+            <a:spAutoFit/>
+          </a:bodyPr>
+          <a:lstStyle/>
+          <a:p>
+            <a:pPr algn="l" rtl="0"/>
+            <a:r>
+              <a:rPr lang="en-US" sz="3200" b="1" dirty="0" smtClean="0"/>
+              <a:t>Example:</a:t>
+            </a:r>
+            <a:br>
+              <a:rPr lang="en-US" sz="3200" b="1" dirty="0" smtClean="0"/>
+            </a:br>
+            <a:r>
+              <a:rPr lang="en-US" sz="3200" b="1" dirty="0" smtClean="0"/>
+              <a:t>Neurod1 receives  a high BRO score</a:t>
+            </a:r>
+            <a:endParaRPr lang="he-IL" sz="2800" b="1" dirty="0" smtClean="0"/>
+          </a:p>
+        </p:txBody>
+      </p:sp>
+      <p:sp>
+        <p:nvSpPr>
+          <p:cNvPr id="59" name="TextBox 58"/>
+          <p:cNvSpPr txBox="1"/>
+          <p:nvPr/>
+        </p:nvSpPr>
+        <p:spPr>
+          <a:xfrm>
+            <a:off x="26355228" y="11521505"/>
+            <a:ext cx="3888432" cy="954107"/>
+          </a:xfrm>
+          <a:prstGeom prst="rect">
+            <a:avLst/>
+          </a:prstGeom>
+          <a:noFill/>
+        </p:spPr>
+        <p:txBody>
+          <a:bodyPr wrap="square" rtlCol="1">
+            <a:spAutoFit/>
+          </a:bodyPr>
+          <a:lstStyle/>
+          <a:p>
+            <a:pPr algn="l" rtl="0"/>
+            <a:r>
+              <a:rPr lang="en-US" sz="2800" dirty="0" smtClean="0"/>
+              <a:t>Significance was assets using permutation test.</a:t>
+            </a:r>
+            <a:endParaRPr lang="he-IL" sz="2800" dirty="0"/>
+          </a:p>
+        </p:txBody>
+      </p:sp>
+      <p:sp>
+        <p:nvSpPr>
+          <p:cNvPr id="66" name="Rounded Rectangle 65"/>
+          <p:cNvSpPr/>
+          <p:nvPr/>
+        </p:nvSpPr>
+        <p:spPr>
+          <a:xfrm>
+            <a:off x="31683820" y="16202026"/>
+            <a:ext cx="10441160" cy="5760639"/>
+          </a:xfrm>
+          <a:prstGeom prst="roundRect">
+            <a:avLst/>
+          </a:prstGeom>
+          <a:solidFill>
+            <a:schemeClr val="bg1"/>
+          </a:solidFill>
+          <a:ln w="76200">
+            <a:solidFill>
+              <a:schemeClr val="tx1"/>
+            </a:solidFill>
+          </a:ln>
+        </p:spPr>
+        <p:style>
+          <a:lnRef idx="2">
+            <a:schemeClr val="accent1">
+              <a:shade val="50000"/>
+            </a:schemeClr>
+          </a:lnRef>
+          <a:fillRef idx="1">
+            <a:schemeClr val="accent1"/>
+          </a:fillRef>
+          <a:effectRef idx="0">
+            <a:schemeClr val="accent1"/>
+          </a:effectRef>
+          <a:fontRef idx="minor">
+            <a:schemeClr val="lt1"/>
+          </a:fontRef>
+        </p:style>
+        <p:txBody>
+          <a:bodyPr lIns="83976" tIns="41987" rIns="83976" bIns="41987" rtlCol="1" anchor="t" anchorCtr="0"/>
+          <a:lstStyle/>
+          <a:p>
+            <a:pPr algn="ctr" rtl="0"/>
+            <a:r>
+              <a:rPr lang="en-US" sz="4400" b="1" dirty="0" smtClean="0">
+                <a:solidFill>
+                  <a:schemeClr val="tx1"/>
+                </a:solidFill>
+              </a:rPr>
+              <a:t>Robustness across subjects</a:t>
+            </a:r>
+          </a:p>
+          <a:p>
+            <a:pPr algn="l" rtl="0"/>
+            <a:r>
+              <a:rPr lang="en-US" sz="1800" b="1" dirty="0" smtClean="0">
+                <a:solidFill>
+                  <a:schemeClr val="tx1"/>
+                </a:solidFill>
+              </a:rPr>
+              <a:t>  </a:t>
+            </a:r>
+            <a:endParaRPr lang="en-US" sz="3200" dirty="0" smtClean="0">
+              <a:solidFill>
+                <a:schemeClr val="tx1"/>
+              </a:solidFill>
+            </a:endParaRPr>
+          </a:p>
+          <a:p>
+            <a:pPr algn="l" rtl="0"/>
+            <a:endParaRPr lang="en-US" sz="3200" dirty="0" smtClean="0">
+              <a:solidFill>
+                <a:schemeClr val="tx1"/>
+              </a:solidFill>
+            </a:endParaRPr>
+          </a:p>
+          <a:p>
+            <a:pPr algn="l" rtl="0"/>
+            <a:endParaRPr lang="en-US" sz="3200" dirty="0" smtClean="0">
+              <a:solidFill>
+                <a:schemeClr val="tx1"/>
+              </a:solidFill>
+            </a:endParaRPr>
+          </a:p>
+          <a:p>
+            <a:pPr algn="l" rtl="0"/>
+            <a:endParaRPr lang="en-US" sz="3200" dirty="0" smtClean="0">
+              <a:solidFill>
+                <a:schemeClr val="tx1"/>
+              </a:solidFill>
+            </a:endParaRPr>
+          </a:p>
+          <a:p>
+            <a:pPr algn="l" rtl="0"/>
+            <a:endParaRPr lang="en-US" sz="3200" dirty="0" smtClean="0">
+              <a:solidFill>
+                <a:schemeClr val="tx1"/>
+              </a:solidFill>
+            </a:endParaRPr>
+          </a:p>
+          <a:p>
+            <a:pPr algn="l" rtl="0"/>
+            <a:endParaRPr lang="en-US" sz="3200" dirty="0" smtClean="0">
+              <a:solidFill>
+                <a:schemeClr val="tx1"/>
+              </a:solidFill>
+            </a:endParaRPr>
+          </a:p>
+          <a:p>
+            <a:pPr algn="l" rtl="0"/>
+            <a:endParaRPr lang="en-US" sz="3200" dirty="0" smtClean="0">
+              <a:solidFill>
+                <a:schemeClr val="tx1"/>
+              </a:solidFill>
+            </a:endParaRPr>
+          </a:p>
+          <a:p>
+            <a:pPr algn="l" rtl="0"/>
+            <a:endParaRPr lang="en-US" sz="3200" dirty="0" smtClean="0">
+              <a:solidFill>
+                <a:schemeClr val="tx1"/>
+              </a:solidFill>
+            </a:endParaRPr>
+          </a:p>
+          <a:p>
+            <a:pPr algn="l" rtl="0"/>
+            <a:endParaRPr lang="en-US" sz="3200" dirty="0" smtClean="0">
+              <a:solidFill>
+                <a:schemeClr val="tx1"/>
+              </a:solidFill>
+            </a:endParaRPr>
+          </a:p>
+          <a:p>
+            <a:pPr algn="l" rtl="0"/>
+            <a:endParaRPr lang="en-US" sz="3200" dirty="0" smtClean="0">
+              <a:solidFill>
+                <a:schemeClr val="tx1"/>
+              </a:solidFill>
+            </a:endParaRPr>
+          </a:p>
+          <a:p>
+            <a:pPr algn="l" rtl="0"/>
+            <a:endParaRPr lang="en-US" sz="3200" dirty="0" smtClean="0">
+              <a:solidFill>
+                <a:schemeClr val="tx1"/>
+              </a:solidFill>
+            </a:endParaRPr>
+          </a:p>
+          <a:p>
+            <a:pPr algn="l" rtl="0"/>
+            <a:endParaRPr lang="en-US" sz="3200" dirty="0" smtClean="0">
+              <a:solidFill>
+                <a:schemeClr val="tx1"/>
+              </a:solidFill>
+            </a:endParaRPr>
+          </a:p>
+        </p:txBody>
+      </p:sp>
+      <p:sp>
+        <p:nvSpPr>
+          <p:cNvPr id="69" name="TextBox 68"/>
+          <p:cNvSpPr txBox="1"/>
+          <p:nvPr/>
+        </p:nvSpPr>
+        <p:spPr>
+          <a:xfrm>
+            <a:off x="37660484" y="17570176"/>
+            <a:ext cx="4183913" cy="3108543"/>
+          </a:xfrm>
+          <a:prstGeom prst="rect">
+            <a:avLst/>
+          </a:prstGeom>
+          <a:noFill/>
+        </p:spPr>
+        <p:txBody>
+          <a:bodyPr wrap="square" rtlCol="1">
+            <a:spAutoFit/>
+          </a:bodyPr>
+          <a:lstStyle/>
+          <a:p>
+            <a:pPr algn="l" rtl="0"/>
+            <a:r>
+              <a:rPr lang="en-US" sz="2800" dirty="0" smtClean="0"/>
+              <a:t>The percent of BRO-significant genes is stable  when we compute the BRO score for each subject separately</a:t>
+            </a:r>
+          </a:p>
+          <a:p>
+            <a:pPr algn="l" rtl="0"/>
+            <a:r>
+              <a:rPr lang="en-US" sz="2800" dirty="0" smtClean="0"/>
+              <a:t>(89%, 90%, 76%, 91%, 83%, 86%).</a:t>
+            </a:r>
+          </a:p>
+        </p:txBody>
+      </p:sp>
+      <p:sp>
+        <p:nvSpPr>
+          <p:cNvPr id="70" name="TextBox 69"/>
+          <p:cNvSpPr txBox="1"/>
+          <p:nvPr/>
+        </p:nvSpPr>
+        <p:spPr>
+          <a:xfrm>
+            <a:off x="39316668" y="24122905"/>
+            <a:ext cx="2808312" cy="3108543"/>
+          </a:xfrm>
+          <a:prstGeom prst="rect">
+            <a:avLst/>
+          </a:prstGeom>
+          <a:noFill/>
+        </p:spPr>
+        <p:txBody>
+          <a:bodyPr wrap="square" rtlCol="1">
+            <a:spAutoFit/>
+          </a:bodyPr>
+          <a:lstStyle/>
+          <a:p>
+            <a:pPr algn="l" rtl="0"/>
+            <a:r>
+              <a:rPr lang="en-US" sz="2800" i="1" dirty="0" smtClean="0"/>
+              <a:t>FEZF2</a:t>
+            </a:r>
+            <a:r>
+              <a:rPr lang="en-US" sz="2800" dirty="0" smtClean="0"/>
+              <a:t> is known to regulate the axon targeting of layer 5 </a:t>
+            </a:r>
+            <a:r>
+              <a:rPr lang="en-US" sz="2800" dirty="0" err="1" smtClean="0"/>
+              <a:t>subcortical</a:t>
+            </a:r>
+            <a:r>
+              <a:rPr lang="en-US" sz="2800" dirty="0" smtClean="0"/>
+              <a:t> projection neurons.</a:t>
+            </a:r>
+          </a:p>
+          <a:p>
+            <a:pPr algn="l" rtl="0"/>
+            <a:endParaRPr lang="en-US" sz="2800" dirty="0" smtClean="0"/>
+          </a:p>
+        </p:txBody>
+      </p:sp>
+      <p:pic>
+        <p:nvPicPr>
+          <p:cNvPr id="1028" name="Picture 4" descr="C:\Users\Lior\Downloads\seprateSubjects\joint_figure_dist.png"/>
+          <p:cNvPicPr>
+            <a:picLocks noChangeAspect="1" noChangeArrowheads="1"/>
+          </p:cNvPicPr>
+          <p:nvPr/>
+        </p:nvPicPr>
+        <p:blipFill>
+          <a:blip r:embed="rId23" cstate="print"/>
+          <a:srcRect l="5796" t="5613" r="5796"/>
+          <a:stretch>
+            <a:fillRect/>
+          </a:stretch>
+        </p:blipFill>
+        <p:spPr bwMode="auto">
+          <a:xfrm>
+            <a:off x="32043859" y="17215071"/>
+            <a:ext cx="5472609" cy="4387555"/>
+          </a:xfrm>
+          <a:prstGeom prst="rect">
+            <a:avLst/>
+          </a:prstGeom>
+          <a:noFill/>
+        </p:spPr>
+      </p:pic>
+      <p:sp>
+        <p:nvSpPr>
+          <p:cNvPr id="71" name="Rectangle 70"/>
+          <p:cNvSpPr/>
+          <p:nvPr/>
+        </p:nvSpPr>
+        <p:spPr>
+          <a:xfrm>
+            <a:off x="12097644" y="11507685"/>
+            <a:ext cx="8334741" cy="1093940"/>
+          </a:xfrm>
+          <a:prstGeom prst="rect">
+            <a:avLst/>
+          </a:prstGeom>
+        </p:spPr>
+        <p:txBody>
+          <a:bodyPr wrap="square" lIns="108000" tIns="54000" rIns="108000" bIns="54000">
+            <a:spAutoFit/>
+          </a:bodyPr>
+          <a:lstStyle/>
+          <a:p>
+            <a:pPr algn="l" rtl="0"/>
+            <a:r>
+              <a:rPr lang="en-US" sz="3200" dirty="0" smtClean="0"/>
+              <a:t>Neighboring regions in the human ontology show similar pattern of expression.</a:t>
+            </a:r>
+            <a:endParaRPr lang="en-US" sz="3200" b="1" dirty="0"/>
+          </a:p>
+        </p:txBody>
+      </p:sp>
+      <p:sp>
+        <p:nvSpPr>
+          <p:cNvPr id="67" name="TextBox 66"/>
+          <p:cNvSpPr txBox="1"/>
+          <p:nvPr/>
+        </p:nvSpPr>
+        <p:spPr>
+          <a:xfrm>
+            <a:off x="22178764" y="21890657"/>
+            <a:ext cx="3888432" cy="4278094"/>
+          </a:xfrm>
+          <a:prstGeom prst="rect">
+            <a:avLst/>
+          </a:prstGeom>
+          <a:noFill/>
+        </p:spPr>
+        <p:txBody>
+          <a:bodyPr wrap="square" rtlCol="1">
+            <a:spAutoFit/>
+          </a:bodyPr>
+          <a:lstStyle/>
+          <a:p>
+            <a:pPr algn="l" rtl="0"/>
+            <a:r>
+              <a:rPr lang="en-US" sz="2800" b="1" dirty="0" smtClean="0"/>
+              <a:t>Development genes</a:t>
+            </a:r>
+            <a:r>
+              <a:rPr lang="en-US" sz="2800" dirty="0" smtClean="0"/>
+              <a:t> </a:t>
+            </a:r>
+            <a:br>
+              <a:rPr lang="en-US" sz="2800" dirty="0" smtClean="0"/>
+            </a:br>
+            <a:r>
+              <a:rPr lang="en-US" sz="2800" dirty="0" smtClean="0"/>
+              <a:t>are in strong agreement with the tree structure suggesting that they may have important functions in the adult brain.</a:t>
+            </a:r>
+          </a:p>
+          <a:p>
+            <a:pPr algn="l" rtl="0"/>
+            <a:endParaRPr lang="en-US" sz="2800" dirty="0" smtClean="0"/>
+          </a:p>
+          <a:p>
+            <a:pPr algn="l" rtl="0"/>
+            <a:r>
+              <a:rPr lang="en-US" sz="2400" dirty="0" smtClean="0"/>
+              <a:t>Axon guidance markers from KEGG.</a:t>
+            </a:r>
+            <a:endParaRPr lang="en-US" sz="2400" i="1" dirty="0" smtClean="0"/>
+          </a:p>
+          <a:p>
+            <a:pPr algn="l" rtl="0"/>
+            <a:endParaRPr lang="en-US" sz="2800" dirty="0" smtClean="0"/>
+          </a:p>
+        </p:txBody>
+      </p:sp>
+      <p:grpSp>
+        <p:nvGrpSpPr>
+          <p:cNvPr id="73" name="Group 72"/>
+          <p:cNvGrpSpPr/>
+          <p:nvPr/>
+        </p:nvGrpSpPr>
+        <p:grpSpPr>
+          <a:xfrm>
+            <a:off x="26427236" y="20954553"/>
+            <a:ext cx="4392488" cy="5760640"/>
+            <a:chOff x="26427236" y="20882545"/>
+            <a:chExt cx="4392488" cy="5760640"/>
+          </a:xfrm>
+        </p:grpSpPr>
+        <p:pic>
+          <p:nvPicPr>
+            <p:cNvPr id="1032" name="Picture 8" descr="C:\Users\Lior\Dropbox\papers\brain region tree\Figures\figure 3\dist_axon.png"/>
+            <p:cNvPicPr>
+              <a:picLocks noChangeAspect="1" noChangeArrowheads="1"/>
+            </p:cNvPicPr>
+            <p:nvPr/>
+          </p:nvPicPr>
+          <p:blipFill>
+            <a:blip r:embed="rId24" cstate="print"/>
+            <a:srcRect/>
+            <a:stretch>
+              <a:fillRect/>
+            </a:stretch>
+          </p:blipFill>
+          <p:spPr bwMode="auto">
+            <a:xfrm>
+              <a:off x="26427236" y="23344737"/>
+              <a:ext cx="4392488" cy="3298448"/>
+            </a:xfrm>
+            <a:prstGeom prst="rect">
+              <a:avLst/>
+            </a:prstGeom>
+            <a:noFill/>
+          </p:spPr>
+        </p:pic>
+        <p:pic>
+          <p:nvPicPr>
+            <p:cNvPr id="72" name="Picture 7" descr="C:\Users\Lior\Documents\AxonScatter.png"/>
+            <p:cNvPicPr>
+              <a:picLocks noChangeAspect="1" noChangeArrowheads="1"/>
+            </p:cNvPicPr>
+            <p:nvPr/>
+          </p:nvPicPr>
+          <p:blipFill>
+            <a:blip r:embed="rId25" cstate="print"/>
             <a:srcRect/>
             <a:stretch>
               <a:fillRect/>
@@ -6532,6 +10432,11 @@
         </p:pic>
       </p:grpSp>
     </p:spTree>
+    <p:extLst>
+      <p:ext uri="{BB962C8B-B14F-4D97-AF65-F5344CB8AC3E}">
+        <p14:creationId xmlns:p14="http://schemas.microsoft.com/office/powerpoint/2010/main" val="422258078"/>
+      </p:ext>
+    </p:extLst>
   </p:cSld>
   <p:clrMapOvr>
     <a:masterClrMapping/>

--- a/COMET_poster.pptx
+++ b/COMET_poster.pptx
@@ -4086,6 +4086,608 @@
               </a:p>
               <a:p>
                 <a:pPr algn="l" rtl="0"/>
+                <a:r>
+                  <a:rPr lang="en-US" sz="3600" dirty="0">
+                    <a:solidFill>
+                      <a:schemeClr val="tx1"/>
+                    </a:solidFill>
+                  </a:rPr>
+                  <a:t>We aim to optimize the following </a:t>
+                </a:r>
+                <a:r>
+                  <a:rPr lang="en-US" sz="3600" dirty="0" smtClean="0">
+                    <a:solidFill>
+                      <a:schemeClr val="tx1"/>
+                    </a:solidFill>
+                  </a:rPr>
+                  <a:t>objective</a:t>
+                </a:r>
+                <a:r>
+                  <a:rPr lang="en-US" sz="3600" dirty="0">
+                    <a:solidFill>
+                      <a:schemeClr val="tx1"/>
+                    </a:solidFill>
+                  </a:rPr>
+                  <a:t>:</a:t>
+                </a:r>
+              </a:p>
+              <a:p>
+                <a:pPr algn="l" rtl="0"/>
+                <a14:m>
+                  <m:oMathPara xmlns:m="http://schemas.openxmlformats.org/officeDocument/2006/math">
+                    <m:oMathParaPr>
+                      <m:jc m:val="left"/>
+                    </m:oMathParaPr>
+                    <m:oMath xmlns:m="http://schemas.openxmlformats.org/officeDocument/2006/math">
+                      <m:r>
+                        <a:rPr lang="en-US" sz="3200" i="1">
+                          <a:solidFill>
+                            <a:schemeClr val="tx1"/>
+                          </a:solidFill>
+                        </a:rPr>
+                        <m:t>𝐿</m:t>
+                      </m:r>
+                      <m:d>
+                        <m:dPr>
+                          <m:ctrlPr>
+                            <a:rPr lang="en-US" sz="3200" i="1">
+                              <a:solidFill>
+                                <a:schemeClr val="tx1"/>
+                              </a:solidFill>
+                            </a:rPr>
+                          </m:ctrlPr>
+                        </m:dPr>
+                        <m:e>
+                          <m:r>
+                            <a:rPr lang="en-US" sz="3200" i="1">
+                              <a:solidFill>
+                                <a:schemeClr val="tx1"/>
+                              </a:solidFill>
+                            </a:rPr>
+                            <m:t>𝑊</m:t>
+                          </m:r>
+                        </m:e>
+                      </m:d>
+                      <m:r>
+                        <a:rPr lang="en-US" sz="3200" i="1">
+                          <a:solidFill>
+                            <a:schemeClr val="tx1"/>
+                          </a:solidFill>
+                        </a:rPr>
+                        <m:t>=</m:t>
+                      </m:r>
+                      <m:func>
+                        <m:funcPr>
+                          <m:ctrlPr>
+                            <a:rPr lang="en-US" sz="3200" i="1">
+                              <a:solidFill>
+                                <a:schemeClr val="tx1"/>
+                              </a:solidFill>
+                            </a:rPr>
+                          </m:ctrlPr>
+                        </m:funcPr>
+                        <m:fName>
+                          <m:limLow>
+                            <m:limLowPr>
+                              <m:ctrlPr>
+                                <a:rPr lang="en-US" sz="3200" i="1">
+                                  <a:solidFill>
+                                    <a:schemeClr val="tx1"/>
+                                  </a:solidFill>
+                                </a:rPr>
+                              </m:ctrlPr>
+                            </m:limLowPr>
+                            <m:e>
+                              <m:r>
+                                <m:rPr>
+                                  <m:sty m:val="p"/>
+                                </m:rPr>
+                                <a:rPr lang="en-US" sz="3200">
+                                  <a:solidFill>
+                                    <a:schemeClr val="tx1"/>
+                                  </a:solidFill>
+                                </a:rPr>
+                                <m:t>min</m:t>
+                              </m:r>
+                            </m:e>
+                            <m:lim>
+                              <m:r>
+                                <a:rPr lang="en-US" sz="3200" i="1">
+                                  <a:solidFill>
+                                    <a:schemeClr val="tx1"/>
+                                  </a:solidFill>
+                                </a:rPr>
+                                <m:t>𝑊</m:t>
+                              </m:r>
+                            </m:lim>
+                          </m:limLow>
+                        </m:fName>
+                        <m:e>
+                          <m:nary>
+                            <m:naryPr>
+                              <m:chr m:val="∑"/>
+                              <m:supHide m:val="on"/>
+                              <m:ctrlPr>
+                                <a:rPr lang="en-US" sz="3200" i="1">
+                                  <a:solidFill>
+                                    <a:schemeClr val="tx1"/>
+                                  </a:solidFill>
+                                </a:rPr>
+                              </m:ctrlPr>
+                            </m:naryPr>
+                            <m:sub>
+                              <m:r>
+                                <a:rPr lang="en-US" sz="3200" i="1">
+                                  <a:solidFill>
+                                    <a:schemeClr val="tx1"/>
+                                  </a:solidFill>
+                                </a:rPr>
+                                <m:t>𝑡</m:t>
+                              </m:r>
+                              <m:r>
+                                <a:rPr lang="en-US" sz="3200" i="1">
+                                  <a:solidFill>
+                                    <a:schemeClr val="tx1"/>
+                                  </a:solidFill>
+                                </a:rPr>
+                                <m:t>∈</m:t>
+                              </m:r>
+                              <m:r>
+                                <a:rPr lang="en-US" sz="3200" i="1">
+                                  <a:solidFill>
+                                    <a:schemeClr val="tx1"/>
+                                  </a:solidFill>
+                                </a:rPr>
+                                <m:t>𝒯</m:t>
+                              </m:r>
+                            </m:sub>
+                            <m:sup/>
+                            <m:e>
+                              <m:sSub>
+                                <m:sSubPr>
+                                  <m:ctrlPr>
+                                    <a:rPr lang="en-US" sz="3200" b="0" i="1" smtClean="0">
+                                      <a:solidFill>
+                                        <a:schemeClr val="tx1"/>
+                                      </a:solidFill>
+                                      <a:latin typeface="Cambria Math" panose="02040503050406030204" pitchFamily="18" charset="0"/>
+                                    </a:rPr>
+                                  </m:ctrlPr>
+                                </m:sSubPr>
+                                <m:e>
+                                  <m:d>
+                                    <m:dPr>
+                                      <m:begChr m:val="["/>
+                                      <m:endChr m:val="]"/>
+                                      <m:ctrlPr>
+                                        <a:rPr lang="en-US" sz="3200" i="1">
+                                          <a:solidFill>
+                                            <a:schemeClr val="tx1"/>
+                                          </a:solidFill>
+                                          <a:latin typeface="Cambria Math" panose="02040503050406030204" pitchFamily="18" charset="0"/>
+                                        </a:rPr>
+                                      </m:ctrlPr>
+                                    </m:dPr>
+                                    <m:e>
+                                      <m:r>
+                                        <a:rPr lang="en-US" sz="3200" i="1">
+                                          <a:solidFill>
+                                            <a:schemeClr val="tx1"/>
+                                          </a:solidFill>
+                                        </a:rPr>
+                                        <m:t>1</m:t>
+                                      </m:r>
+                                      <m:r>
+                                        <a:rPr lang="en-US" sz="3200" i="1">
+                                          <a:solidFill>
+                                            <a:schemeClr val="tx1"/>
+                                          </a:solidFill>
+                                        </a:rPr>
+                                        <m:t>−</m:t>
+                                      </m:r>
+                                      <m:sSub>
+                                        <m:sSubPr>
+                                          <m:ctrlPr>
+                                            <a:rPr lang="en-US" sz="3200" i="1">
+                                              <a:solidFill>
+                                                <a:schemeClr val="tx1"/>
+                                              </a:solidFill>
+                                            </a:rPr>
+                                          </m:ctrlPr>
+                                        </m:sSubPr>
+                                        <m:e>
+                                          <m:r>
+                                            <a:rPr lang="en-US" sz="3200" i="1">
+                                              <a:solidFill>
+                                                <a:schemeClr val="tx1"/>
+                                              </a:solidFill>
+                                            </a:rPr>
+                                            <m:t>𝑞</m:t>
+                                          </m:r>
+                                        </m:e>
+                                        <m:sub>
+                                          <m:r>
+                                            <a:rPr lang="en-US" sz="3200" i="1">
+                                              <a:solidFill>
+                                                <a:schemeClr val="tx1"/>
+                                              </a:solidFill>
+                                            </a:rPr>
+                                            <m:t>𝑡</m:t>
+                                          </m:r>
+                                        </m:sub>
+                                      </m:sSub>
+                                      <m:r>
+                                        <a:rPr lang="en-US" sz="3200" i="1">
+                                          <a:solidFill>
+                                            <a:schemeClr val="tx1"/>
+                                          </a:solidFill>
+                                        </a:rPr>
+                                        <m:t>𝑊</m:t>
+                                      </m:r>
+                                      <m:sSubSup>
+                                        <m:sSubSupPr>
+                                          <m:ctrlPr>
+                                            <a:rPr lang="en-US" sz="3200" i="1">
+                                              <a:solidFill>
+                                                <a:schemeClr val="tx1"/>
+                                              </a:solidFill>
+                                            </a:rPr>
+                                          </m:ctrlPr>
+                                        </m:sSubSupPr>
+                                        <m:e>
+                                          <m:r>
+                                            <a:rPr lang="en-US" sz="3200" i="1">
+                                              <a:solidFill>
+                                                <a:schemeClr val="tx1"/>
+                                              </a:solidFill>
+                                            </a:rPr>
+                                            <m:t>𝑝</m:t>
+                                          </m:r>
+                                        </m:e>
+                                        <m:sub>
+                                          <m:r>
+                                            <a:rPr lang="en-US" sz="3200" i="1">
+                                              <a:solidFill>
+                                                <a:schemeClr val="tx1"/>
+                                              </a:solidFill>
+                                            </a:rPr>
+                                            <m:t>𝑡</m:t>
+                                          </m:r>
+                                        </m:sub>
+                                        <m:sup>
+                                          <m:r>
+                                            <a:rPr lang="en-US" sz="3200" i="1">
+                                              <a:solidFill>
+                                                <a:schemeClr val="tx1"/>
+                                              </a:solidFill>
+                                            </a:rPr>
+                                            <m:t>+</m:t>
+                                          </m:r>
+                                        </m:sup>
+                                      </m:sSubSup>
+                                      <m:r>
+                                        <a:rPr lang="en-US" sz="3200" i="1">
+                                          <a:solidFill>
+                                            <a:schemeClr val="tx1"/>
+                                          </a:solidFill>
+                                        </a:rPr>
+                                        <m:t>+</m:t>
+                                      </m:r>
+                                      <m:sSub>
+                                        <m:sSubPr>
+                                          <m:ctrlPr>
+                                            <a:rPr lang="en-US" sz="3200" i="1">
+                                              <a:solidFill>
+                                                <a:schemeClr val="tx1"/>
+                                              </a:solidFill>
+                                            </a:rPr>
+                                          </m:ctrlPr>
+                                        </m:sSubPr>
+                                        <m:e>
+                                          <m:r>
+                                            <a:rPr lang="en-US" sz="3200" i="1">
+                                              <a:solidFill>
+                                                <a:schemeClr val="tx1"/>
+                                              </a:solidFill>
+                                            </a:rPr>
+                                            <m:t>𝑞</m:t>
+                                          </m:r>
+                                        </m:e>
+                                        <m:sub>
+                                          <m:r>
+                                            <a:rPr lang="en-US" sz="3200" i="1">
+                                              <a:solidFill>
+                                                <a:schemeClr val="tx1"/>
+                                              </a:solidFill>
+                                            </a:rPr>
+                                            <m:t>𝑡</m:t>
+                                          </m:r>
+                                        </m:sub>
+                                      </m:sSub>
+                                      <m:r>
+                                        <a:rPr lang="en-US" sz="3200" i="1">
+                                          <a:solidFill>
+                                            <a:schemeClr val="tx1"/>
+                                          </a:solidFill>
+                                        </a:rPr>
+                                        <m:t>𝑊</m:t>
+                                      </m:r>
+                                      <m:sSubSup>
+                                        <m:sSubSupPr>
+                                          <m:ctrlPr>
+                                            <a:rPr lang="en-US" sz="3200" i="1">
+                                              <a:solidFill>
+                                                <a:schemeClr val="tx1"/>
+                                              </a:solidFill>
+                                            </a:rPr>
+                                          </m:ctrlPr>
+                                        </m:sSubSupPr>
+                                        <m:e>
+                                          <m:r>
+                                            <a:rPr lang="en-US" sz="3200" i="1">
+                                              <a:solidFill>
+                                                <a:schemeClr val="tx1"/>
+                                              </a:solidFill>
+                                            </a:rPr>
+                                            <m:t>𝑝</m:t>
+                                          </m:r>
+                                        </m:e>
+                                        <m:sub>
+                                          <m:r>
+                                            <a:rPr lang="en-US" sz="3200" i="1">
+                                              <a:solidFill>
+                                                <a:schemeClr val="tx1"/>
+                                              </a:solidFill>
+                                            </a:rPr>
+                                            <m:t>𝑡</m:t>
+                                          </m:r>
+                                        </m:sub>
+                                        <m:sup>
+                                          <m:r>
+                                            <a:rPr lang="en-US" sz="3200" i="1">
+                                              <a:solidFill>
+                                                <a:schemeClr val="tx1"/>
+                                              </a:solidFill>
+                                            </a:rPr>
+                                            <m:t>−</m:t>
+                                          </m:r>
+                                        </m:sup>
+                                      </m:sSubSup>
+                                    </m:e>
+                                  </m:d>
+                                </m:e>
+                                <m:sub>
+                                  <m:r>
+                                    <a:rPr lang="en-US" sz="3200" b="0" i="1" smtClean="0">
+                                      <a:solidFill>
+                                        <a:schemeClr val="tx1"/>
+                                      </a:solidFill>
+                                      <a:latin typeface="Cambria Math" panose="02040503050406030204" pitchFamily="18" charset="0"/>
+                                    </a:rPr>
+                                    <m:t>+</m:t>
+                                  </m:r>
+                                </m:sub>
+                              </m:sSub>
+                            </m:e>
+                          </m:nary>
+                        </m:e>
+                      </m:func>
+                    </m:oMath>
+                  </m:oMathPara>
+                </a14:m>
+                <a:endParaRPr lang="en-US" sz="3200" i="1" dirty="0" smtClean="0">
+                  <a:solidFill>
+                    <a:schemeClr val="tx1"/>
+                  </a:solidFill>
+                </a:endParaRPr>
+              </a:p>
+              <a:p>
+                <a:pPr algn="l" rtl="0"/>
+                <a14:m>
+                  <m:oMathPara xmlns:m="http://schemas.openxmlformats.org/officeDocument/2006/math">
+                    <m:oMathParaPr>
+                      <m:jc m:val="left"/>
+                    </m:oMathParaPr>
+                    <m:oMath xmlns:m="http://schemas.openxmlformats.org/officeDocument/2006/math">
+                      <m:r>
+                        <a:rPr lang="en-US" sz="3200" i="1">
+                          <a:solidFill>
+                            <a:schemeClr val="tx1"/>
+                          </a:solidFill>
+                          <a:latin typeface="Cambria Math" panose="02040503050406030204" pitchFamily="18" charset="0"/>
+                        </a:rPr>
+                        <m:t>−</m:t>
+                      </m:r>
+                      <m:r>
+                        <a:rPr lang="en-US" sz="3200" i="1">
+                          <a:solidFill>
+                            <a:schemeClr val="tx1"/>
+                          </a:solidFill>
+                          <a:latin typeface="Cambria Math" panose="02040503050406030204" pitchFamily="18" charset="0"/>
+                        </a:rPr>
+                        <m:t>𝛼</m:t>
+                      </m:r>
+                      <m:func>
+                        <m:funcPr>
+                          <m:ctrlPr>
+                            <a:rPr lang="en-US" sz="3200" i="1">
+                              <a:solidFill>
+                                <a:schemeClr val="tx1"/>
+                              </a:solidFill>
+                              <a:latin typeface="Cambria Math" panose="02040503050406030204" pitchFamily="18" charset="0"/>
+                            </a:rPr>
+                          </m:ctrlPr>
+                        </m:funcPr>
+                        <m:fName>
+                          <m:r>
+                            <m:rPr>
+                              <m:sty m:val="p"/>
+                            </m:rPr>
+                            <a:rPr lang="en-US" sz="3200">
+                              <a:solidFill>
+                                <a:schemeClr val="tx1"/>
+                              </a:solidFill>
+                              <a:latin typeface="Cambria Math" panose="02040503050406030204" pitchFamily="18" charset="0"/>
+                            </a:rPr>
+                            <m:t>log</m:t>
+                          </m:r>
+                        </m:fName>
+                        <m:e>
+                          <m:func>
+                            <m:funcPr>
+                              <m:ctrlPr>
+                                <a:rPr lang="en-US" sz="3200" i="1">
+                                  <a:solidFill>
+                                    <a:schemeClr val="tx1"/>
+                                  </a:solidFill>
+                                  <a:latin typeface="Cambria Math" panose="02040503050406030204" pitchFamily="18" charset="0"/>
+                                </a:rPr>
+                              </m:ctrlPr>
+                            </m:funcPr>
+                            <m:fName>
+                              <m:r>
+                                <m:rPr>
+                                  <m:sty m:val="p"/>
+                                </m:rPr>
+                                <a:rPr lang="en-US" sz="3200">
+                                  <a:solidFill>
+                                    <a:schemeClr val="tx1"/>
+                                  </a:solidFill>
+                                  <a:latin typeface="Cambria Math" panose="02040503050406030204" pitchFamily="18" charset="0"/>
+                                </a:rPr>
+                                <m:t>det</m:t>
+                              </m:r>
+                            </m:fName>
+                            <m:e>
+                              <m:r>
+                                <a:rPr lang="en-US" sz="3200" i="1">
+                                  <a:solidFill>
+                                    <a:schemeClr val="tx1"/>
+                                  </a:solidFill>
+                                  <a:latin typeface="Cambria Math" panose="02040503050406030204" pitchFamily="18" charset="0"/>
+                                </a:rPr>
+                                <m:t>𝑊</m:t>
+                              </m:r>
+                            </m:e>
+                          </m:func>
+                        </m:e>
+                      </m:func>
+                      <m:r>
+                        <a:rPr lang="en-US" sz="3200" i="1">
+                          <a:solidFill>
+                            <a:schemeClr val="tx1"/>
+                          </a:solidFill>
+                          <a:latin typeface="Cambria Math" panose="02040503050406030204" pitchFamily="18" charset="0"/>
+                        </a:rPr>
+                        <m:t>+</m:t>
+                      </m:r>
+                      <m:f>
+                        <m:fPr>
+                          <m:ctrlPr>
+                            <a:rPr lang="en-US" sz="3200" i="1">
+                              <a:solidFill>
+                                <a:schemeClr val="tx1"/>
+                              </a:solidFill>
+                              <a:latin typeface="Cambria Math" panose="02040503050406030204" pitchFamily="18" charset="0"/>
+                            </a:rPr>
+                          </m:ctrlPr>
+                        </m:fPr>
+                        <m:num>
+                          <m:r>
+                            <a:rPr lang="en-US" sz="3200" i="1">
+                              <a:solidFill>
+                                <a:schemeClr val="tx1"/>
+                              </a:solidFill>
+                              <a:latin typeface="Cambria Math" panose="02040503050406030204" pitchFamily="18" charset="0"/>
+                            </a:rPr>
+                            <m:t>𝛽</m:t>
+                          </m:r>
+                        </m:num>
+                        <m:den>
+                          <m:r>
+                            <a:rPr lang="en-US" sz="3200" i="1">
+                              <a:solidFill>
+                                <a:schemeClr val="tx1"/>
+                              </a:solidFill>
+                              <a:latin typeface="Cambria Math" panose="02040503050406030204" pitchFamily="18" charset="0"/>
+                            </a:rPr>
+                            <m:t>2</m:t>
+                          </m:r>
+                        </m:den>
+                      </m:f>
+                      <m:r>
+                        <a:rPr lang="en-US" sz="3200" i="1">
+                          <a:solidFill>
+                            <a:schemeClr val="tx1"/>
+                          </a:solidFill>
+                          <a:latin typeface="Cambria Math" panose="02040503050406030204" pitchFamily="18" charset="0"/>
+                        </a:rPr>
+                        <m:t> </m:t>
+                      </m:r>
+                      <m:sSubSup>
+                        <m:sSubSupPr>
+                          <m:ctrlPr>
+                            <a:rPr lang="en-US" sz="3200" i="1">
+                              <a:solidFill>
+                                <a:schemeClr val="tx1"/>
+                              </a:solidFill>
+                              <a:latin typeface="Cambria Math" panose="02040503050406030204" pitchFamily="18" charset="0"/>
+                            </a:rPr>
+                          </m:ctrlPr>
+                        </m:sSubSupPr>
+                        <m:e>
+                          <m:d>
+                            <m:dPr>
+                              <m:begChr m:val="‖"/>
+                              <m:endChr m:val="‖"/>
+                              <m:ctrlPr>
+                                <a:rPr lang="en-US" sz="3200" i="1">
+                                  <a:solidFill>
+                                    <a:schemeClr val="tx1"/>
+                                  </a:solidFill>
+                                  <a:latin typeface="Cambria Math" panose="02040503050406030204" pitchFamily="18" charset="0"/>
+                                </a:rPr>
+                              </m:ctrlPr>
+                            </m:dPr>
+                            <m:e>
+                              <m:r>
+                                <a:rPr lang="en-US" sz="3200" i="1">
+                                  <a:solidFill>
+                                    <a:schemeClr val="tx1"/>
+                                  </a:solidFill>
+                                  <a:latin typeface="Cambria Math" panose="02040503050406030204" pitchFamily="18" charset="0"/>
+                                </a:rPr>
+                                <m:t>𝑊</m:t>
+                              </m:r>
+                            </m:e>
+                          </m:d>
+                        </m:e>
+                        <m:sub>
+                          <m:r>
+                            <a:rPr lang="en-US" sz="3200" i="1">
+                              <a:solidFill>
+                                <a:schemeClr val="tx1"/>
+                              </a:solidFill>
+                              <a:latin typeface="Cambria Math" panose="02040503050406030204" pitchFamily="18" charset="0"/>
+                            </a:rPr>
+                            <m:t>𝐹</m:t>
+                          </m:r>
+                        </m:sub>
+                        <m:sup>
+                          <m:r>
+                            <a:rPr lang="en-US" sz="3200" i="1">
+                              <a:solidFill>
+                                <a:schemeClr val="tx1"/>
+                              </a:solidFill>
+                              <a:latin typeface="Cambria Math" panose="02040503050406030204" pitchFamily="18" charset="0"/>
+                            </a:rPr>
+                            <m:t>2</m:t>
+                          </m:r>
+                        </m:sup>
+                      </m:sSubSup>
+                    </m:oMath>
+                  </m:oMathPara>
+                </a14:m>
                 <a:endParaRPr lang="he-IL" sz="3300" dirty="0" smtClean="0">
                   <a:solidFill>
                     <a:schemeClr val="tx1"/>

--- a/COMET_poster.pptx
+++ b/COMET_poster.pptx
@@ -5,11 +5,10 @@
     <p:sldMasterId id="2147483648" r:id="rId1"/>
   </p:sldMasterIdLst>
   <p:notesMasterIdLst>
-    <p:notesMasterId r:id="rId4"/>
+    <p:notesMasterId r:id="rId3"/>
   </p:notesMasterIdLst>
   <p:sldIdLst>
     <p:sldId id="256" r:id="rId2"/>
-    <p:sldId id="257" r:id="rId3"/>
   </p:sldIdLst>
   <p:sldSz cx="43205400" cy="32404050"/>
   <p:notesSz cx="6858000" cy="9144000"/>
@@ -570,98 +569,6 @@
     <p:extLst>
       <p:ext uri="{BB962C8B-B14F-4D97-AF65-F5344CB8AC3E}">
         <p14:creationId xmlns:p14="http://schemas.microsoft.com/office/powerpoint/2010/main" val="172111174"/>
-      </p:ext>
-    </p:extLst>
-  </p:cSld>
-  <p:clrMapOvr>
-    <a:masterClrMapping/>
-  </p:clrMapOvr>
-</p:notes>
-</file>
-
-<file path=ppt/notesSlides/notesSlide2.xml><?xml version="1.0" encoding="utf-8"?>
-<p:notes xmlns:a="http://schemas.openxmlformats.org/drawingml/2006/main" xmlns:r="http://schemas.openxmlformats.org/officeDocument/2006/relationships" xmlns:p="http://schemas.openxmlformats.org/presentationml/2006/main">
-  <p:cSld>
-    <p:spTree>
-      <p:nvGrpSpPr>
-        <p:cNvPr id="1" name=""/>
-        <p:cNvGrpSpPr/>
-        <p:nvPr/>
-      </p:nvGrpSpPr>
-      <p:grpSpPr>
-        <a:xfrm>
-          <a:off x="0" y="0"/>
-          <a:ext cx="0" cy="0"/>
-          <a:chOff x="0" y="0"/>
-          <a:chExt cx="0" cy="0"/>
-        </a:xfrm>
-      </p:grpSpPr>
-      <p:sp>
-        <p:nvSpPr>
-          <p:cNvPr id="2" name="Slide Image Placeholder 1"/>
-          <p:cNvSpPr>
-            <a:spLocks noGrp="1" noRot="1" noChangeAspect="1"/>
-          </p:cNvSpPr>
-          <p:nvPr>
-            <p:ph type="sldImg"/>
-          </p:nvPr>
-        </p:nvSpPr>
-        <p:spPr>
-          <a:xfrm>
-            <a:off x="1143000" y="685800"/>
-            <a:ext cx="4572000" cy="3429000"/>
-          </a:xfrm>
-        </p:spPr>
-      </p:sp>
-      <p:sp>
-        <p:nvSpPr>
-          <p:cNvPr id="3" name="Notes Placeholder 2"/>
-          <p:cNvSpPr>
-            <a:spLocks noGrp="1"/>
-          </p:cNvSpPr>
-          <p:nvPr>
-            <p:ph type="body" idx="1"/>
-          </p:nvPr>
-        </p:nvSpPr>
-        <p:spPr/>
-        <p:txBody>
-          <a:bodyPr>
-            <a:normAutofit/>
-          </a:bodyPr>
-          <a:lstStyle/>
-          <a:p>
-            <a:endParaRPr lang="he-IL" dirty="0"/>
-          </a:p>
-        </p:txBody>
-      </p:sp>
-      <p:sp>
-        <p:nvSpPr>
-          <p:cNvPr id="4" name="Slide Number Placeholder 3"/>
-          <p:cNvSpPr>
-            <a:spLocks noGrp="1"/>
-          </p:cNvSpPr>
-          <p:nvPr>
-            <p:ph type="sldNum" sz="quarter" idx="10"/>
-          </p:nvPr>
-        </p:nvSpPr>
-        <p:spPr/>
-        <p:txBody>
-          <a:bodyPr/>
-          <a:lstStyle/>
-          <a:p>
-            <a:fld id="{1A4298CF-6935-4765-8457-BD64E3322811}" type="slidenum">
-              <a:rPr lang="he-IL" smtClean="0"/>
-              <a:pPr/>
-              <a:t>2</a:t>
-            </a:fld>
-            <a:endParaRPr lang="he-IL"/>
-          </a:p>
-        </p:txBody>
-      </p:sp>
-    </p:spTree>
-    <p:extLst>
-      <p:ext uri="{BB962C8B-B14F-4D97-AF65-F5344CB8AC3E}">
-        <p14:creationId xmlns:p14="http://schemas.microsoft.com/office/powerpoint/2010/main" val="2966309188"/>
       </p:ext>
     </p:extLst>
   </p:cSld>
@@ -4766,11 +4673,9 @@
           <a:solidFill>
             <a:schemeClr val="bg1"/>
           </a:solidFill>
-          <a:ln w="146050" cmpd="sng">
+          <a:ln w="76200">
             <a:solidFill>
-              <a:schemeClr val="accent6">
-                <a:lumMod val="75000"/>
-              </a:schemeClr>
+              <a:schemeClr val="tx1"/>
             </a:solidFill>
           </a:ln>
         </p:spPr>
@@ -4791,22 +4696,22 @@
           </a:fontRef>
         </p:style>
         <p:txBody>
-          <a:bodyPr lIns="83976" tIns="41987" rIns="83976" bIns="41987" rtlCol="1" anchor="t" anchorCtr="0"/>
+          <a:bodyPr lIns="83976" tIns="41987" rIns="83976" bIns="41987" rtlCol="1" anchor="t"/>
           <a:lstStyle/>
           <a:p>
             <a:pPr algn="ctr" rtl="0"/>
             <a:r>
-              <a:rPr lang="en-US" sz="4400" b="1" dirty="0" smtClean="0">
+              <a:rPr lang="en-US" sz="4400" b="1" dirty="0">
                 <a:solidFill>
                   <a:schemeClr val="tx1"/>
                 </a:solidFill>
               </a:rPr>
-              <a:t>92% of the human genome agrees with the brain-region ontology</a:t>
-            </a:r>
-          </a:p>
-          <a:p>
-            <a:pPr algn="l" rtl="0"/>
-            <a:endParaRPr lang="en-US" sz="2800" dirty="0" smtClean="0">
+              <a:t>Sparse COMET</a:t>
+            </a:r>
+          </a:p>
+          <a:p>
+            <a:pPr algn="ctr" rtl="0"/>
+            <a:endParaRPr lang="en-US" sz="4400" b="1" dirty="0">
               <a:solidFill>
                 <a:schemeClr val="tx1"/>
               </a:solidFill>
@@ -5064,19 +4969,21 @@
                   <a:schemeClr val="tx1"/>
                 </a:solidFill>
               </a:rPr>
-              <a:t>Which gene functions agrees </a:t>
-            </a:r>
-          </a:p>
-          <a:p>
-            <a:pPr algn="ctr" rtl="0"/>
-            <a:r>
-              <a:rPr lang="en-US" sz="4400" b="1" dirty="0" smtClean="0">
+              <a:t>Precision at </a:t>
+            </a:r>
+            <a:r>
+              <a:rPr lang="en-US" sz="4400" b="1" i="1" dirty="0" smtClean="0">
                 <a:solidFill>
                   <a:schemeClr val="tx1"/>
                 </a:solidFill>
               </a:rPr>
-              <a:t>with BRO?</a:t>
-            </a:r>
+              <a:t>top k</a:t>
+            </a:r>
+            <a:endParaRPr lang="en-US" sz="4400" b="1" dirty="0" smtClean="0">
+              <a:solidFill>
+                <a:schemeClr val="tx1"/>
+              </a:solidFill>
+            </a:endParaRPr>
           </a:p>
           <a:p>
             <a:pPr algn="l" rtl="0"/>
@@ -5860,7 +5767,7 @@
         <p:spPr>
           <a:xfrm>
             <a:off x="11449571" y="4968777"/>
-            <a:ext cx="9433050" cy="15193688"/>
+            <a:ext cx="9433050" cy="11737304"/>
           </a:xfrm>
           <a:prstGeom prst="roundRect">
             <a:avLst/>
@@ -5901,7 +5808,7 @@
                   <a:schemeClr val="tx1"/>
                 </a:solidFill>
               </a:rPr>
-              <a:t>Gene expression patterns follow the embryonic origin regions</a:t>
+              <a:t>A row-column coordinate step</a:t>
             </a:r>
             <a:endParaRPr lang="en-US" sz="4300" dirty="0">
               <a:solidFill>
@@ -6377,7 +6284,7 @@
         </p:nvSpPr>
         <p:spPr>
           <a:xfrm>
-            <a:off x="11900380" y="17476911"/>
+            <a:off x="11900380" y="11017449"/>
             <a:ext cx="8334741" cy="2140380"/>
           </a:xfrm>
           <a:prstGeom prst="rect">
@@ -6415,81 +6322,6 @@
           </a:p>
         </p:txBody>
       </p:sp>
-      <p:pic>
-        <p:nvPicPr>
-          <p:cNvPr id="738" name="Picture 737"/>
-          <p:cNvPicPr/>
-          <p:nvPr/>
-        </p:nvPicPr>
-        <p:blipFill>
-          <a:blip r:embed="rId10" cstate="print"/>
-          <a:srcRect r="5968"/>
-          <a:stretch>
-            <a:fillRect/>
-          </a:stretch>
-        </p:blipFill>
-        <p:spPr>
-          <a:xfrm>
-            <a:off x="25275108" y="6912993"/>
-            <a:ext cx="5318972" cy="4248472"/>
-          </a:xfrm>
-          <a:prstGeom prst="rect">
-            <a:avLst/>
-          </a:prstGeom>
-        </p:spPr>
-      </p:pic>
-      <p:pic>
-        <p:nvPicPr>
-          <p:cNvPr id="912" name="image12.png"/>
-          <p:cNvPicPr/>
-          <p:nvPr/>
-        </p:nvPicPr>
-        <p:blipFill>
-          <a:blip r:embed="rId11" cstate="print">
-            <a:extLst>
-              <a:ext uri="{28A0092B-C50C-407E-A947-70E740481C1C}">
-                <a14:useLocalDpi xmlns:a14="http://schemas.microsoft.com/office/drawing/2010/main" val="0"/>
-              </a:ext>
-            </a:extLst>
-          </a:blip>
-          <a:srcRect l="7080" t="704" r="6069" b="1408"/>
-          <a:stretch>
-            <a:fillRect/>
-          </a:stretch>
-        </p:blipFill>
-        <p:spPr>
-          <a:xfrm>
-            <a:off x="13040983" y="12889657"/>
-            <a:ext cx="7049548" cy="4665406"/>
-          </a:xfrm>
-          <a:prstGeom prst="rect">
-            <a:avLst/>
-          </a:prstGeom>
-          <a:ln/>
-        </p:spPr>
-      </p:pic>
-      <p:pic>
-        <p:nvPicPr>
-          <p:cNvPr id="911" name="Picture 910" descr="tube.png"/>
-          <p:cNvPicPr/>
-          <p:nvPr/>
-        </p:nvPicPr>
-        <p:blipFill>
-          <a:blip r:embed="rId12" cstate="print"/>
-          <a:stretch>
-            <a:fillRect/>
-          </a:stretch>
-        </p:blipFill>
-        <p:spPr>
-          <a:xfrm>
-            <a:off x="11881623" y="13084953"/>
-            <a:ext cx="1052707" cy="4129910"/>
-          </a:xfrm>
-          <a:prstGeom prst="rect">
-            <a:avLst/>
-          </a:prstGeom>
-        </p:spPr>
-      </p:pic>
       <p:sp>
         <p:nvSpPr>
           <p:cNvPr id="19" name="Rounded Rectangle 18"/>
@@ -6568,7 +6400,7 @@
           <p:nvPr/>
         </p:nvPicPr>
         <p:blipFill>
-          <a:blip r:embed="rId13" cstate="print"/>
+          <a:blip r:embed="rId10" cstate="print"/>
           <a:srcRect l="11558" t="12764" r="15026" b="17728"/>
           <a:stretch>
             <a:fillRect/>
@@ -6585,30 +6417,6 @@
           <a:ln/>
         </p:spPr>
       </p:pic>
-      <p:pic>
-        <p:nvPicPr>
-          <p:cNvPr id="939" name="Picture 938" descr="siteQr.png"/>
-          <p:cNvPicPr>
-            <a:picLocks noChangeAspect="1"/>
-          </p:cNvPicPr>
-          <p:nvPr/>
-        </p:nvPicPr>
-        <p:blipFill>
-          <a:blip r:embed="rId14" cstate="print"/>
-          <a:stretch>
-            <a:fillRect/>
-          </a:stretch>
-        </p:blipFill>
-        <p:spPr>
-          <a:xfrm>
-            <a:off x="35356228" y="1080345"/>
-            <a:ext cx="2448276" cy="2448236"/>
-          </a:xfrm>
-          <a:prstGeom prst="rect">
-            <a:avLst/>
-          </a:prstGeom>
-        </p:spPr>
-      </p:pic>
       <p:sp>
         <p:nvSpPr>
           <p:cNvPr id="37" name="Rounded Rectangle 36"/>
@@ -6617,8 +6425,8 @@
         </p:nvSpPr>
         <p:spPr>
           <a:xfrm>
-            <a:off x="11449571" y="20882545"/>
-            <a:ext cx="9433049" cy="11089232"/>
+            <a:off x="11521579" y="17570176"/>
+            <a:ext cx="9433049" cy="14329593"/>
           </a:xfrm>
           <a:prstGeom prst="roundRect">
             <a:avLst/>
@@ -6654,53 +6462,18 @@
           <a:p>
             <a:pPr algn="ctr" rtl="0"/>
             <a:r>
-              <a:rPr lang="en-US" sz="4800" b="1" dirty="0" smtClean="0">
-                <a:solidFill>
-                  <a:srgbClr val="FF0000"/>
-                </a:solidFill>
-              </a:rPr>
-              <a:t>B</a:t>
-            </a:r>
-            <a:r>
               <a:rPr lang="en-US" sz="4000" b="1" dirty="0" smtClean="0">
                 <a:solidFill>
                   <a:schemeClr val="tx1"/>
                 </a:solidFill>
               </a:rPr>
-              <a:t>rain </a:t>
-            </a:r>
-            <a:r>
-              <a:rPr lang="en-US" sz="4800" b="1" dirty="0" smtClean="0">
-                <a:solidFill>
-                  <a:srgbClr val="FF0000"/>
-                </a:solidFill>
-              </a:rPr>
-              <a:t>R</a:t>
-            </a:r>
-            <a:r>
-              <a:rPr lang="en-US" sz="4000" b="1" dirty="0" smtClean="0">
-                <a:solidFill>
-                  <a:schemeClr val="tx1"/>
-                </a:solidFill>
-              </a:rPr>
-              <a:t>egion </a:t>
-            </a:r>
-            <a:r>
-              <a:rPr lang="en-US" sz="4800" b="1" dirty="0" smtClean="0">
-                <a:solidFill>
-                  <a:srgbClr val="FF0000"/>
-                </a:solidFill>
-              </a:rPr>
-              <a:t>O</a:t>
-            </a:r>
-            <a:r>
-              <a:rPr lang="en-US" sz="4000" b="1" dirty="0" smtClean="0">
-                <a:solidFill>
-                  <a:schemeClr val="tx1"/>
-                </a:solidFill>
-              </a:rPr>
-              <a:t>ntology score </a:t>
-            </a:r>
+              <a:t>Dense COMET</a:t>
+            </a:r>
+            <a:endParaRPr lang="en-US" sz="4000" b="1" dirty="0" smtClean="0">
+              <a:solidFill>
+                <a:schemeClr val="tx1"/>
+              </a:solidFill>
+            </a:endParaRPr>
           </a:p>
           <a:p>
             <a:pPr algn="l" rtl="0"/>
@@ -6964,7 +6737,7 @@
             <p:nvPr/>
           </p:nvPicPr>
           <p:blipFill>
-            <a:blip r:embed="rId15" cstate="print"/>
+            <a:blip r:embed="rId11" cstate="print"/>
             <a:srcRect r="7966" b="9645"/>
             <a:stretch>
               <a:fillRect/>
@@ -6987,7 +6760,7 @@
             <p:nvPr/>
           </p:nvPicPr>
           <p:blipFill>
-            <a:blip r:embed="rId16" cstate="print"/>
+            <a:blip r:embed="rId12" cstate="print"/>
             <a:srcRect l="6850" t="47949" r="6132"/>
             <a:stretch>
               <a:fillRect/>
@@ -7058,71 +6831,6 @@
           </a:p>
         </p:txBody>
       </p:sp>
-      <p:grpSp>
-        <p:nvGrpSpPr>
-          <p:cNvPr id="52" name="Group 51"/>
-          <p:cNvGrpSpPr/>
-          <p:nvPr/>
-        </p:nvGrpSpPr>
-        <p:grpSpPr>
-          <a:xfrm>
-            <a:off x="21674708" y="15769977"/>
-            <a:ext cx="4997417" cy="5288009"/>
-            <a:chOff x="22394788" y="15841985"/>
-            <a:chExt cx="4997417" cy="5288009"/>
-          </a:xfrm>
-        </p:grpSpPr>
-        <p:pic>
-          <p:nvPicPr>
-            <p:cNvPr id="906" name="Picture 905"/>
-            <p:cNvPicPr/>
-            <p:nvPr/>
-          </p:nvPicPr>
-          <p:blipFill>
-            <a:blip r:embed="rId17" cstate="print"/>
-            <a:srcRect b="10681"/>
-            <a:stretch>
-              <a:fillRect/>
-            </a:stretch>
-          </p:blipFill>
-          <p:spPr>
-            <a:xfrm>
-              <a:off x="22394788" y="15841985"/>
-              <a:ext cx="4937648" cy="3312337"/>
-            </a:xfrm>
-            <a:prstGeom prst="rect">
-              <a:avLst/>
-            </a:prstGeom>
-          </p:spPr>
-        </p:pic>
-        <p:pic>
-          <p:nvPicPr>
-            <p:cNvPr id="907" name="Picture 906"/>
-            <p:cNvPicPr/>
-            <p:nvPr/>
-          </p:nvPicPr>
-          <p:blipFill>
-            <a:blip r:embed="rId18" cstate="print"/>
-            <a:srcRect t="48006"/>
-            <a:stretch>
-              <a:fillRect/>
-            </a:stretch>
-          </p:blipFill>
-          <p:spPr bwMode="auto">
-            <a:xfrm>
-              <a:off x="22394788" y="19298369"/>
-              <a:ext cx="4997417" cy="1831625"/>
-            </a:xfrm>
-            <a:prstGeom prst="rect">
-              <a:avLst/>
-            </a:prstGeom>
-            <a:noFill/>
-            <a:ln>
-              <a:noFill/>
-            </a:ln>
-          </p:spPr>
-        </p:pic>
-      </p:grpSp>
       <p:sp>
         <p:nvSpPr>
           <p:cNvPr id="40" name="TextBox 39"/>
@@ -7366,7 +7074,7 @@
             </a:r>
             <a:r>
               <a:rPr lang="en-US" sz="3600" dirty="0" smtClean="0">
-                <a:hlinkClick r:id="rId19"/>
+                <a:hlinkClick r:id="rId13"/>
               </a:rPr>
               <a:t>lior.kirsch@gmail.com</a:t>
             </a:r>
@@ -7376,7 +7084,7 @@
             </a:r>
             <a:r>
               <a:rPr lang="en-US" sz="3600" dirty="0" smtClean="0">
-                <a:hlinkClick r:id="rId20"/>
+                <a:hlinkClick r:id="rId14"/>
               </a:rPr>
               <a:t>http://chechiklab.biu.ac.il/~lior</a:t>
             </a:r>
@@ -7409,7 +7117,7 @@
             <p:nvPr/>
           </p:nvPicPr>
           <p:blipFill>
-            <a:blip r:embed="rId21" cstate="print"/>
+            <a:blip r:embed="rId15" cstate="print"/>
             <a:srcRect l="6323" t="8661"/>
             <a:stretch>
               <a:fillRect/>
@@ -7478,7 +7186,7 @@
             <p:nvPr/>
           </p:nvPicPr>
           <p:blipFill>
-            <a:blip r:embed="rId22" cstate="print"/>
+            <a:blip r:embed="rId16" cstate="print"/>
             <a:srcRect l="5796"/>
             <a:stretch>
               <a:fillRect/>
@@ -7527,32 +7235,6 @@
       </p:grpSp>
       <p:pic>
         <p:nvPicPr>
-          <p:cNvPr id="54" name="Picture 2" descr="C:\Users\Lior\Dropbox\papers\brain region tree\Figures\figure 1\h_clustering.png"/>
-          <p:cNvPicPr>
-            <a:picLocks noChangeAspect="1" noChangeArrowheads="1"/>
-          </p:cNvPicPr>
-          <p:nvPr/>
-        </p:nvPicPr>
-        <p:blipFill>
-          <a:blip r:embed="rId23" cstate="print"/>
-          <a:srcRect t="6764" r="6676"/>
-          <a:stretch>
-            <a:fillRect/>
-          </a:stretch>
-        </p:blipFill>
-        <p:spPr bwMode="auto">
-          <a:xfrm>
-            <a:off x="11665595" y="6894577"/>
-            <a:ext cx="8352928" cy="4698936"/>
-          </a:xfrm>
-          <a:prstGeom prst="rect">
-            <a:avLst/>
-          </a:prstGeom>
-          <a:noFill/>
-        </p:spPr>
-      </p:pic>
-      <p:pic>
-        <p:nvPicPr>
           <p:cNvPr id="1027" name="Picture 3" descr="C:\Users\Lior\Dropbox\papers\brain region tree\Figures\figure 1\2dhist-NEUROD1-corr-0.65.png"/>
           <p:cNvPicPr>
             <a:picLocks noChangeAspect="1" noChangeArrowheads="1"/>
@@ -7560,7 +7242,7 @@
           <p:nvPr/>
         </p:nvPicPr>
         <p:blipFill>
-          <a:blip r:embed="rId24" cstate="print"/>
+          <a:blip r:embed="rId17" cstate="print"/>
           <a:srcRect l="2108" t="5613" r="2635"/>
           <a:stretch>
             <a:fillRect/>
@@ -7568,7 +7250,7 @@
         </p:blipFill>
         <p:spPr bwMode="auto">
           <a:xfrm>
-            <a:off x="13897844" y="27075233"/>
+            <a:off x="13969852" y="20594198"/>
             <a:ext cx="6193789" cy="4608512"/>
           </a:xfrm>
           <a:prstGeom prst="rect">
@@ -7585,7 +7267,7 @@
         </p:nvSpPr>
         <p:spPr>
           <a:xfrm>
-            <a:off x="11665594" y="27939329"/>
+            <a:off x="11737602" y="21458294"/>
             <a:ext cx="2232250" cy="2554545"/>
           </a:xfrm>
           <a:prstGeom prst="rect">
@@ -7897,7 +7579,7 @@
           <p:nvPr/>
         </p:nvPicPr>
         <p:blipFill>
-          <a:blip r:embed="rId25" cstate="print"/>
+          <a:blip r:embed="rId18" cstate="print"/>
           <a:srcRect l="5796" t="5613" r="5796"/>
           <a:stretch>
             <a:fillRect/>
@@ -7914,36 +7596,6 @@
           <a:noFill/>
         </p:spPr>
       </p:pic>
-      <p:sp>
-        <p:nvSpPr>
-          <p:cNvPr id="71" name="Rectangle 70"/>
-          <p:cNvSpPr/>
-          <p:nvPr/>
-        </p:nvSpPr>
-        <p:spPr>
-          <a:xfrm>
-            <a:off x="12097644" y="11507685"/>
-            <a:ext cx="8334741" cy="1093940"/>
-          </a:xfrm>
-          <a:prstGeom prst="rect">
-            <a:avLst/>
-          </a:prstGeom>
-        </p:spPr>
-        <p:txBody>
-          <a:bodyPr wrap="square" lIns="108000" tIns="54000" rIns="108000" bIns="54000">
-            <a:spAutoFit/>
-          </a:bodyPr>
-          <a:lstStyle/>
-          <a:p>
-            <a:pPr algn="l" rtl="0"/>
-            <a:r>
-              <a:rPr lang="en-US" sz="3200" dirty="0" smtClean="0"/>
-              <a:t>Neighboring regions in the human ontology show similar pattern of expression.</a:t>
-            </a:r>
-            <a:endParaRPr lang="en-US" sz="3200" b="1" dirty="0"/>
-          </a:p>
-        </p:txBody>
-      </p:sp>
       <p:sp>
         <p:nvSpPr>
           <p:cNvPr id="67" name="TextBox 66"/>
@@ -8024,7 +7676,7 @@
             <p:nvPr/>
           </p:nvPicPr>
           <p:blipFill>
-            <a:blip r:embed="rId26" cstate="print"/>
+            <a:blip r:embed="rId19" cstate="print"/>
             <a:srcRect/>
             <a:stretch>
               <a:fillRect/>
@@ -8050,7 +7702,7 @@
             <p:nvPr/>
           </p:nvPicPr>
           <p:blipFill>
-            <a:blip r:embed="rId27" cstate="print"/>
+            <a:blip r:embed="rId20" cstate="print"/>
             <a:srcRect/>
             <a:stretch>
               <a:fillRect/>
@@ -8075,7 +7727,7 @@
           <p:nvPr/>
         </p:nvPicPr>
         <p:blipFill>
-          <a:blip r:embed="rId28" cstate="print"/>
+          <a:blip r:embed="rId21" cstate="print"/>
           <a:srcRect l="3467"/>
           <a:stretch>
             <a:fillRect/>
@@ -8083,1280 +7735,8 @@
         </p:blipFill>
         <p:spPr>
           <a:xfrm>
-            <a:off x="13800227" y="27123674"/>
+            <a:off x="12960876" y="20594198"/>
             <a:ext cx="6213748" cy="4112432"/>
-          </a:xfrm>
-          <a:prstGeom prst="rect">
-            <a:avLst/>
-          </a:prstGeom>
-          <a:ln/>
-        </p:spPr>
-      </p:pic>
-    </p:spTree>
-  </p:cSld>
-  <p:clrMapOvr>
-    <a:masterClrMapping/>
-  </p:clrMapOvr>
-  <p:timing>
-    <p:tnLst>
-      <p:par>
-        <p:cTn id="1" dur="indefinite" restart="never" nodeType="tmRoot"/>
-      </p:par>
-    </p:tnLst>
-  </p:timing>
-</p:sld>
-</file>
-
-<file path=ppt/slides/slide2.xml><?xml version="1.0" encoding="utf-8"?>
-<p:sld xmlns:a="http://schemas.openxmlformats.org/drawingml/2006/main" xmlns:r="http://schemas.openxmlformats.org/officeDocument/2006/relationships" xmlns:p="http://schemas.openxmlformats.org/presentationml/2006/main">
-  <p:cSld>
-    <p:spTree>
-      <p:nvGrpSpPr>
-        <p:cNvPr id="1" name=""/>
-        <p:cNvGrpSpPr/>
-        <p:nvPr/>
-      </p:nvGrpSpPr>
-      <p:grpSpPr>
-        <a:xfrm>
-          <a:off x="0" y="0"/>
-          <a:ext cx="0" cy="0"/>
-          <a:chOff x="0" y="0"/>
-          <a:chExt cx="0" cy="0"/>
-        </a:xfrm>
-      </p:grpSpPr>
-      <p:sp>
-        <p:nvSpPr>
-          <p:cNvPr id="129" name="Rounded Rectangle 128"/>
-          <p:cNvSpPr/>
-          <p:nvPr/>
-        </p:nvSpPr>
-        <p:spPr>
-          <a:xfrm>
-            <a:off x="1080420" y="23762865"/>
-            <a:ext cx="9721080" cy="8193178"/>
-          </a:xfrm>
-          <a:prstGeom prst="roundRect">
-            <a:avLst/>
-          </a:prstGeom>
-          <a:solidFill>
-            <a:schemeClr val="bg1"/>
-          </a:solidFill>
-          <a:ln w="76200">
-            <a:solidFill>
-              <a:schemeClr val="tx1"/>
-            </a:solidFill>
-          </a:ln>
-        </p:spPr>
-        <p:style>
-          <a:lnRef idx="2">
-            <a:schemeClr val="accent1">
-              <a:shade val="50000"/>
-            </a:schemeClr>
-          </a:lnRef>
-          <a:fillRef idx="1">
-            <a:schemeClr val="accent1"/>
-          </a:fillRef>
-          <a:effectRef idx="0">
-            <a:schemeClr val="accent1"/>
-          </a:effectRef>
-          <a:fontRef idx="minor">
-            <a:schemeClr val="lt1"/>
-          </a:fontRef>
-        </p:style>
-        <p:txBody>
-          <a:bodyPr lIns="83976" tIns="41987" rIns="83976" bIns="41987" rtlCol="1" anchor="t" anchorCtr="0"/>
-          <a:lstStyle/>
-          <a:p>
-            <a:pPr marL="607499" lvl="0" indent="-607499" algn="ctr" rtl="0"/>
-            <a:r>
-              <a:rPr lang="en-US" sz="4400" b="1" dirty="0" smtClean="0">
-                <a:solidFill>
-                  <a:schemeClr val="tx1"/>
-                </a:solidFill>
-              </a:rPr>
-              <a:t>The Brain Region Ontology tree</a:t>
-            </a:r>
-          </a:p>
-          <a:p>
-            <a:pPr lvl="0" algn="l" rtl="0"/>
-            <a:r>
-              <a:rPr lang="en-US" sz="3200" dirty="0" smtClean="0">
-                <a:solidFill>
-                  <a:prstClr val="black"/>
-                </a:solidFill>
-              </a:rPr>
-              <a:t>We analyzed 414 regions organized in a hierarchical structure.</a:t>
-            </a:r>
-            <a:r>
-              <a:rPr lang="en-US" sz="3300" dirty="0" smtClean="0">
-                <a:solidFill>
-                  <a:prstClr val="black"/>
-                </a:solidFill>
-              </a:rPr>
-              <a:t> </a:t>
-            </a:r>
-          </a:p>
-          <a:p>
-            <a:pPr lvl="0" algn="l" rtl="0"/>
-            <a:r>
-              <a:rPr lang="en-US" sz="2400" dirty="0" smtClean="0">
-                <a:solidFill>
-                  <a:prstClr val="black"/>
-                </a:solidFill>
-              </a:rPr>
-              <a:t>The ontology was provided from the Allen Institute [1]</a:t>
-            </a:r>
-            <a:r>
-              <a:rPr lang="en-US" sz="3300" dirty="0" smtClean="0">
-                <a:solidFill>
-                  <a:prstClr val="black"/>
-                </a:solidFill>
-              </a:rPr>
-              <a:t>.</a:t>
-            </a:r>
-            <a:endParaRPr lang="he-IL" sz="3300" dirty="0" smtClean="0">
-              <a:solidFill>
-                <a:prstClr val="black"/>
-              </a:solidFill>
-            </a:endParaRPr>
-          </a:p>
-          <a:p>
-            <a:pPr marL="607499" lvl="0" indent="-607499" algn="ctr" rtl="0"/>
-            <a:endParaRPr lang="en-US" sz="4800" dirty="0" smtClean="0">
-              <a:solidFill>
-                <a:prstClr val="black"/>
-              </a:solidFill>
-            </a:endParaRPr>
-          </a:p>
-        </p:txBody>
-      </p:sp>
-      <p:sp>
-        <p:nvSpPr>
-          <p:cNvPr id="917" name="Rounded Rectangle 916"/>
-          <p:cNvSpPr/>
-          <p:nvPr/>
-        </p:nvSpPr>
-        <p:spPr>
-          <a:xfrm>
-            <a:off x="21602700" y="4968777"/>
-            <a:ext cx="9361040" cy="8568952"/>
-          </a:xfrm>
-          <a:prstGeom prst="roundRect">
-            <a:avLst/>
-          </a:prstGeom>
-          <a:solidFill>
-            <a:schemeClr val="bg1"/>
-          </a:solidFill>
-          <a:ln w="146050" cmpd="sng">
-            <a:solidFill>
-              <a:schemeClr val="accent6">
-                <a:lumMod val="75000"/>
-              </a:schemeClr>
-            </a:solidFill>
-          </a:ln>
-        </p:spPr>
-        <p:style>
-          <a:lnRef idx="2">
-            <a:schemeClr val="accent1">
-              <a:shade val="50000"/>
-            </a:schemeClr>
-          </a:lnRef>
-          <a:fillRef idx="1">
-            <a:schemeClr val="accent1"/>
-          </a:fillRef>
-          <a:effectRef idx="0">
-            <a:schemeClr val="accent1"/>
-          </a:effectRef>
-          <a:fontRef idx="minor">
-            <a:schemeClr val="lt1"/>
-          </a:fontRef>
-        </p:style>
-        <p:txBody>
-          <a:bodyPr lIns="83976" tIns="41987" rIns="83976" bIns="41987" rtlCol="1" anchor="t" anchorCtr="0"/>
-          <a:lstStyle/>
-          <a:p>
-            <a:pPr algn="ctr" rtl="0"/>
-            <a:r>
-              <a:rPr lang="en-US" sz="4400" b="1" dirty="0" smtClean="0">
-                <a:solidFill>
-                  <a:schemeClr val="tx1"/>
-                </a:solidFill>
-              </a:rPr>
-              <a:t>92% of the human genome agrees with the brain-region ontology</a:t>
-            </a:r>
-          </a:p>
-          <a:p>
-            <a:pPr algn="l" rtl="0"/>
-            <a:endParaRPr lang="en-US" sz="2800" dirty="0" smtClean="0">
-              <a:solidFill>
-                <a:schemeClr val="tx1"/>
-              </a:solidFill>
-            </a:endParaRPr>
-          </a:p>
-        </p:txBody>
-      </p:sp>
-      <p:sp>
-        <p:nvSpPr>
-          <p:cNvPr id="6" name="Rectangle 5"/>
-          <p:cNvSpPr>
-            <a:spLocks noChangeArrowheads="1"/>
-          </p:cNvSpPr>
-          <p:nvPr/>
-        </p:nvSpPr>
-        <p:spPr bwMode="auto">
-          <a:xfrm>
-            <a:off x="4252242" y="154793"/>
-            <a:ext cx="34700925" cy="2693824"/>
-          </a:xfrm>
-          <a:prstGeom prst="rect">
-            <a:avLst/>
-          </a:prstGeom>
-          <a:noFill/>
-          <a:ln w="9525">
-            <a:noFill/>
-            <a:miter lim="800000"/>
-            <a:headEnd/>
-            <a:tailEnd/>
-          </a:ln>
-          <a:effectLst/>
-        </p:spPr>
-        <p:txBody>
-          <a:bodyPr wrap="square" lIns="76973" tIns="38486" rIns="76973" bIns="38486" anchor="ctr">
-            <a:spAutoFit/>
-          </a:bodyPr>
-          <a:lstStyle/>
-          <a:p>
-            <a:pPr algn="ctr" rtl="0"/>
-            <a:r>
-              <a:rPr lang="en-US" b="1" dirty="0" smtClean="0"/>
-              <a:t>Human areal expression of most genes is </a:t>
-            </a:r>
-          </a:p>
-          <a:p>
-            <a:pPr algn="ctr" rtl="0"/>
-            <a:r>
-              <a:rPr lang="en-US" b="1" dirty="0" smtClean="0"/>
-              <a:t>governed by regionalization</a:t>
-            </a:r>
-          </a:p>
-        </p:txBody>
-      </p:sp>
-      <p:sp>
-        <p:nvSpPr>
-          <p:cNvPr id="7" name="Text Box 5"/>
-          <p:cNvSpPr txBox="1">
-            <a:spLocks noChangeArrowheads="1"/>
-          </p:cNvSpPr>
-          <p:nvPr/>
-        </p:nvSpPr>
-        <p:spPr bwMode="auto">
-          <a:xfrm>
-            <a:off x="8554618" y="3024261"/>
-            <a:ext cx="26096173" cy="1447329"/>
-          </a:xfrm>
-          <a:prstGeom prst="rect">
-            <a:avLst/>
-          </a:prstGeom>
-          <a:noFill/>
-          <a:ln w="9525">
-            <a:noFill/>
-            <a:miter lim="800000"/>
-            <a:headEnd/>
-            <a:tailEnd/>
-          </a:ln>
-          <a:effectLst/>
-        </p:spPr>
-        <p:txBody>
-          <a:bodyPr wrap="square" lIns="76973" tIns="38486" rIns="76973" bIns="38486">
-            <a:spAutoFit/>
-          </a:bodyPr>
-          <a:lstStyle/>
-          <a:p>
-            <a:pPr algn="ctr"/>
-            <a:r>
-              <a:rPr lang="en-US" sz="5100" dirty="0" err="1" smtClean="0">
-                <a:latin typeface="Arial" pitchFamily="34" charset="0"/>
-                <a:cs typeface="+mj-cs"/>
-              </a:rPr>
-              <a:t>Lior</a:t>
-            </a:r>
-            <a:r>
-              <a:rPr lang="en-US" sz="5100" dirty="0" smtClean="0">
-                <a:latin typeface="Arial" pitchFamily="34" charset="0"/>
-                <a:cs typeface="+mj-cs"/>
-              </a:rPr>
-              <a:t> Kirsch</a:t>
-            </a:r>
-            <a:r>
-              <a:rPr lang="en-US" sz="5100" dirty="0" smtClean="0">
-                <a:latin typeface="Arial" pitchFamily="34" charset="0"/>
-                <a:cs typeface="Arial" pitchFamily="34" charset="0"/>
-              </a:rPr>
-              <a:t>, Gal </a:t>
-            </a:r>
-            <a:r>
-              <a:rPr lang="en-US" sz="5100" dirty="0" err="1" smtClean="0">
-                <a:latin typeface="Arial" pitchFamily="34" charset="0"/>
-                <a:cs typeface="Arial" pitchFamily="34" charset="0"/>
-              </a:rPr>
-              <a:t>Chechik</a:t>
-            </a:r>
-            <a:endParaRPr lang="en-US" sz="5100" baseline="30000" dirty="0">
-              <a:latin typeface="Arial" pitchFamily="34" charset="0"/>
-              <a:cs typeface="Arial" pitchFamily="34" charset="0"/>
-            </a:endParaRPr>
-          </a:p>
-          <a:p>
-            <a:pPr algn="ctr" rtl="0"/>
-            <a:r>
-              <a:rPr lang="en-US" sz="3800" b="1" dirty="0" err="1" smtClean="0"/>
-              <a:t>Gonda</a:t>
-            </a:r>
-            <a:r>
-              <a:rPr lang="en-US" sz="3800" b="1" dirty="0" smtClean="0"/>
-              <a:t> </a:t>
-            </a:r>
-            <a:r>
-              <a:rPr lang="en-US" sz="3800" b="1" dirty="0"/>
-              <a:t>Multidisciplinary Brain Research Center, Bar-</a:t>
-            </a:r>
-            <a:r>
-              <a:rPr lang="en-US" sz="3800" b="1" dirty="0" err="1"/>
-              <a:t>Ilan</a:t>
-            </a:r>
-            <a:r>
-              <a:rPr lang="en-US" sz="3800" b="1" dirty="0"/>
-              <a:t> University, Ramat-</a:t>
-            </a:r>
-            <a:r>
-              <a:rPr lang="en-US" sz="3800" b="1" dirty="0" err="1"/>
-              <a:t>Gan</a:t>
-            </a:r>
-            <a:r>
-              <a:rPr lang="en-US" sz="3800" b="1" dirty="0"/>
-              <a:t>, </a:t>
-            </a:r>
-            <a:r>
-              <a:rPr lang="en-US" sz="3800" b="1" dirty="0" smtClean="0"/>
-              <a:t>Israel</a:t>
-            </a:r>
-          </a:p>
-        </p:txBody>
-      </p:sp>
-      <p:sp>
-        <p:nvSpPr>
-          <p:cNvPr id="21" name="Rounded Rectangle 20"/>
-          <p:cNvSpPr/>
-          <p:nvPr/>
-        </p:nvSpPr>
-        <p:spPr>
-          <a:xfrm>
-            <a:off x="21602700" y="14041785"/>
-            <a:ext cx="9361040" cy="17857984"/>
-          </a:xfrm>
-          <a:prstGeom prst="roundRect">
-            <a:avLst/>
-          </a:prstGeom>
-          <a:solidFill>
-            <a:schemeClr val="bg1"/>
-          </a:solidFill>
-          <a:ln w="76200">
-            <a:solidFill>
-              <a:schemeClr val="tx1"/>
-            </a:solidFill>
-          </a:ln>
-        </p:spPr>
-        <p:style>
-          <a:lnRef idx="2">
-            <a:schemeClr val="accent1">
-              <a:shade val="50000"/>
-            </a:schemeClr>
-          </a:lnRef>
-          <a:fillRef idx="1">
-            <a:schemeClr val="accent1"/>
-          </a:fillRef>
-          <a:effectRef idx="0">
-            <a:schemeClr val="accent1"/>
-          </a:effectRef>
-          <a:fontRef idx="minor">
-            <a:schemeClr val="lt1"/>
-          </a:fontRef>
-        </p:style>
-        <p:txBody>
-          <a:bodyPr lIns="83976" tIns="41987" rIns="83976" bIns="41987" rtlCol="1" anchor="t" anchorCtr="0"/>
-          <a:lstStyle/>
-          <a:p>
-            <a:pPr algn="ctr" rtl="0"/>
-            <a:r>
-              <a:rPr lang="en-US" sz="4400" b="1" dirty="0" smtClean="0">
-                <a:solidFill>
-                  <a:schemeClr val="tx1"/>
-                </a:solidFill>
-              </a:rPr>
-              <a:t>Which gene functions agrees </a:t>
-            </a:r>
-          </a:p>
-          <a:p>
-            <a:pPr algn="ctr" rtl="0"/>
-            <a:r>
-              <a:rPr lang="en-US" sz="4400" b="1" dirty="0" smtClean="0">
-                <a:solidFill>
-                  <a:schemeClr val="tx1"/>
-                </a:solidFill>
-              </a:rPr>
-              <a:t>with BRO?</a:t>
-            </a:r>
-          </a:p>
-          <a:p>
-            <a:pPr algn="l" rtl="0"/>
-            <a:endParaRPr lang="en-US" sz="3200" b="1" dirty="0" smtClean="0">
-              <a:solidFill>
-                <a:schemeClr val="tx1"/>
-              </a:solidFill>
-            </a:endParaRPr>
-          </a:p>
-          <a:p>
-            <a:pPr algn="l" rtl="0"/>
-            <a:endParaRPr lang="en-US" sz="3200" b="1" i="1" dirty="0" smtClean="0">
-              <a:solidFill>
-                <a:schemeClr val="tx1"/>
-              </a:solidFill>
-            </a:endParaRPr>
-          </a:p>
-          <a:p>
-            <a:pPr algn="l" rtl="0"/>
-            <a:endParaRPr lang="en-US" sz="3200" b="1" i="1" dirty="0" smtClean="0">
-              <a:solidFill>
-                <a:schemeClr val="tx1"/>
-              </a:solidFill>
-            </a:endParaRPr>
-          </a:p>
-          <a:p>
-            <a:pPr algn="l" rtl="0"/>
-            <a:endParaRPr lang="en-US" sz="3200" b="1" i="1" dirty="0" smtClean="0">
-              <a:solidFill>
-                <a:schemeClr val="tx1"/>
-              </a:solidFill>
-            </a:endParaRPr>
-          </a:p>
-          <a:p>
-            <a:pPr algn="l" rtl="0"/>
-            <a:endParaRPr lang="en-US" sz="3200" b="1" i="1" dirty="0" smtClean="0">
-              <a:solidFill>
-                <a:schemeClr val="tx1"/>
-              </a:solidFill>
-            </a:endParaRPr>
-          </a:p>
-          <a:p>
-            <a:pPr algn="l" rtl="0"/>
-            <a:endParaRPr lang="en-US" sz="3200" b="1" i="1" dirty="0" smtClean="0">
-              <a:solidFill>
-                <a:schemeClr val="tx1"/>
-              </a:solidFill>
-            </a:endParaRPr>
-          </a:p>
-          <a:p>
-            <a:pPr algn="l" rtl="0"/>
-            <a:endParaRPr lang="en-US" sz="3200" b="1" i="1" dirty="0" smtClean="0">
-              <a:solidFill>
-                <a:schemeClr val="tx1"/>
-              </a:solidFill>
-            </a:endParaRPr>
-          </a:p>
-          <a:p>
-            <a:pPr algn="l" rtl="0"/>
-            <a:endParaRPr lang="en-US" sz="3200" b="1" i="1" dirty="0" smtClean="0">
-              <a:solidFill>
-                <a:schemeClr val="tx1"/>
-              </a:solidFill>
-            </a:endParaRPr>
-          </a:p>
-          <a:p>
-            <a:pPr algn="l" rtl="0"/>
-            <a:endParaRPr lang="en-US" sz="3200" b="1" i="1" dirty="0" smtClean="0">
-              <a:solidFill>
-                <a:schemeClr val="tx1"/>
-              </a:solidFill>
-            </a:endParaRPr>
-          </a:p>
-          <a:p>
-            <a:pPr algn="l" rtl="0"/>
-            <a:endParaRPr lang="en-US" sz="3200" b="1" i="1" dirty="0" smtClean="0">
-              <a:solidFill>
-                <a:schemeClr val="tx1"/>
-              </a:solidFill>
-            </a:endParaRPr>
-          </a:p>
-          <a:p>
-            <a:pPr algn="l" rtl="0"/>
-            <a:endParaRPr lang="en-US" sz="3200" b="1" i="1" dirty="0" smtClean="0">
-              <a:solidFill>
-                <a:schemeClr val="tx1"/>
-              </a:solidFill>
-            </a:endParaRPr>
-          </a:p>
-          <a:p>
-            <a:pPr algn="l" rtl="0"/>
-            <a:endParaRPr lang="en-US" sz="3200" b="1" i="1" dirty="0" smtClean="0">
-              <a:solidFill>
-                <a:schemeClr val="tx1"/>
-              </a:solidFill>
-            </a:endParaRPr>
-          </a:p>
-          <a:p>
-            <a:pPr algn="l" rtl="0"/>
-            <a:endParaRPr lang="en-US" sz="3200" b="1" i="1" dirty="0" smtClean="0">
-              <a:solidFill>
-                <a:schemeClr val="tx1"/>
-              </a:solidFill>
-            </a:endParaRPr>
-          </a:p>
-          <a:p>
-            <a:pPr algn="l" rtl="0"/>
-            <a:endParaRPr lang="en-US" sz="3200" b="1" i="1" dirty="0" smtClean="0">
-              <a:solidFill>
-                <a:schemeClr val="tx1"/>
-              </a:solidFill>
-            </a:endParaRPr>
-          </a:p>
-          <a:p>
-            <a:pPr algn="l" rtl="0"/>
-            <a:endParaRPr lang="en-US" sz="3200" b="1" i="1" dirty="0" smtClean="0">
-              <a:solidFill>
-                <a:schemeClr val="tx1"/>
-              </a:solidFill>
-            </a:endParaRPr>
-          </a:p>
-          <a:p>
-            <a:pPr algn="l" rtl="0"/>
-            <a:endParaRPr lang="en-US" sz="3200" b="1" i="1" dirty="0" smtClean="0">
-              <a:solidFill>
-                <a:schemeClr val="tx1"/>
-              </a:solidFill>
-            </a:endParaRPr>
-          </a:p>
-          <a:p>
-            <a:pPr algn="l" rtl="0"/>
-            <a:endParaRPr lang="en-US" sz="3200" b="1" i="1" dirty="0" smtClean="0">
-              <a:solidFill>
-                <a:schemeClr val="tx1"/>
-              </a:solidFill>
-            </a:endParaRPr>
-          </a:p>
-          <a:p>
-            <a:pPr algn="l" rtl="0"/>
-            <a:endParaRPr lang="en-US" sz="3200" b="1" dirty="0" smtClean="0">
-              <a:solidFill>
-                <a:schemeClr val="tx1"/>
-              </a:solidFill>
-            </a:endParaRPr>
-          </a:p>
-          <a:p>
-            <a:pPr algn="l" rtl="0"/>
-            <a:endParaRPr lang="he-IL" sz="3200" b="1" i="1" dirty="0">
-              <a:solidFill>
-                <a:schemeClr val="tx1"/>
-              </a:solidFill>
-            </a:endParaRPr>
-          </a:p>
-        </p:txBody>
-      </p:sp>
-      <p:sp>
-        <p:nvSpPr>
-          <p:cNvPr id="10" name="Rounded Rectangle 9"/>
-          <p:cNvSpPr/>
-          <p:nvPr/>
-        </p:nvSpPr>
-        <p:spPr>
-          <a:xfrm>
-            <a:off x="1080420" y="4968777"/>
-            <a:ext cx="9721080" cy="8280920"/>
-          </a:xfrm>
-          <a:prstGeom prst="roundRect">
-            <a:avLst/>
-          </a:prstGeom>
-          <a:solidFill>
-            <a:schemeClr val="bg1"/>
-          </a:solidFill>
-          <a:ln w="76200">
-            <a:solidFill>
-              <a:schemeClr val="tx1"/>
-            </a:solidFill>
-          </a:ln>
-        </p:spPr>
-        <p:style>
-          <a:lnRef idx="2">
-            <a:schemeClr val="accent1">
-              <a:shade val="50000"/>
-            </a:schemeClr>
-          </a:lnRef>
-          <a:fillRef idx="1">
-            <a:schemeClr val="accent1"/>
-          </a:fillRef>
-          <a:effectRef idx="0">
-            <a:schemeClr val="accent1"/>
-          </a:effectRef>
-          <a:fontRef idx="minor">
-            <a:schemeClr val="lt1"/>
-          </a:fontRef>
-        </p:style>
-        <p:txBody>
-          <a:bodyPr lIns="83976" tIns="41987" rIns="83976" bIns="41987" rtlCol="1" anchor="t" anchorCtr="0"/>
-          <a:lstStyle/>
-          <a:p>
-            <a:pPr algn="ctr" rtl="0"/>
-            <a:r>
-              <a:rPr lang="en-US" sz="4400" b="1" dirty="0" smtClean="0">
-                <a:solidFill>
-                  <a:schemeClr val="tx1"/>
-                </a:solidFill>
-              </a:rPr>
-              <a:t>Background</a:t>
-            </a:r>
-          </a:p>
-          <a:p>
-            <a:pPr algn="l" rtl="0"/>
-            <a:endParaRPr lang="en-US" sz="1050" dirty="0" smtClean="0">
-              <a:solidFill>
-                <a:schemeClr val="tx1"/>
-              </a:solidFill>
-            </a:endParaRPr>
-          </a:p>
-          <a:p>
-            <a:pPr algn="l" rtl="0"/>
-            <a:r>
-              <a:rPr lang="en-US" sz="3200" dirty="0" smtClean="0">
-                <a:solidFill>
-                  <a:schemeClr val="tx1"/>
-                </a:solidFill>
-              </a:rPr>
-              <a:t>The human brain is organized in multiple anatomical substructures, each having its own characteristic. The differences between structures are reflected in the area-specific transcriptome signatures. These complex expression patterns raise many questions:</a:t>
-            </a:r>
-          </a:p>
-          <a:p>
-            <a:pPr algn="l" rtl="0"/>
-            <a:endParaRPr lang="en-US" sz="2000" dirty="0" smtClean="0">
-              <a:solidFill>
-                <a:schemeClr val="tx1"/>
-              </a:solidFill>
-            </a:endParaRPr>
-          </a:p>
-          <a:p>
-            <a:pPr marL="457200" indent="-457200" algn="l" rtl="0">
-              <a:buFont typeface="Arial" panose="020B0604020202020204" pitchFamily="34" charset="0"/>
-              <a:buChar char="•"/>
-            </a:pPr>
-            <a:r>
-              <a:rPr lang="en-US" sz="3200" dirty="0" smtClean="0">
-                <a:solidFill>
-                  <a:schemeClr val="tx1"/>
-                </a:solidFill>
-              </a:rPr>
-              <a:t>Which genes are expressed in which </a:t>
-            </a:r>
-            <a:r>
-              <a:rPr lang="en-US" sz="3200" dirty="0" err="1" smtClean="0">
-                <a:solidFill>
-                  <a:schemeClr val="tx1"/>
-                </a:solidFill>
-              </a:rPr>
-              <a:t>which</a:t>
-            </a:r>
-            <a:r>
-              <a:rPr lang="en-US" sz="3200" dirty="0" smtClean="0">
-                <a:solidFill>
-                  <a:schemeClr val="tx1"/>
-                </a:solidFill>
-              </a:rPr>
-              <a:t> brain regions?</a:t>
-            </a:r>
-          </a:p>
-          <a:p>
-            <a:pPr marL="457200" indent="-457200" algn="l" rtl="0">
-              <a:buFont typeface="Arial" panose="020B0604020202020204" pitchFamily="34" charset="0"/>
-              <a:buChar char="•"/>
-            </a:pPr>
-            <a:r>
-              <a:rPr lang="en-US" sz="3200" dirty="0" smtClean="0">
-                <a:solidFill>
-                  <a:schemeClr val="tx1"/>
-                </a:solidFill>
-              </a:rPr>
-              <a:t>Does expression across regions follow certain patterns?</a:t>
-            </a:r>
-          </a:p>
-          <a:p>
-            <a:pPr marL="457200" indent="-457200" algn="l" rtl="0">
-              <a:buFont typeface="Arial" panose="020B0604020202020204" pitchFamily="34" charset="0"/>
-              <a:buChar char="•"/>
-            </a:pPr>
-            <a:r>
-              <a:rPr lang="en-US" sz="3200" dirty="0" smtClean="0">
-                <a:solidFill>
-                  <a:schemeClr val="tx1"/>
-                </a:solidFill>
-              </a:rPr>
-              <a:t>To what extent does development determines expression in the adult brain?</a:t>
-            </a:r>
-          </a:p>
-          <a:p>
-            <a:pPr marL="457200" indent="-457200" algn="l" rtl="0">
-              <a:buFont typeface="Arial" panose="020B0604020202020204" pitchFamily="34" charset="0"/>
-              <a:buChar char="•"/>
-            </a:pPr>
-            <a:r>
-              <a:rPr lang="en-US" sz="3200" dirty="0" smtClean="0">
-                <a:solidFill>
-                  <a:schemeClr val="tx1"/>
-                </a:solidFill>
-              </a:rPr>
-              <a:t>What are the principles which govern spatial patterns of expression?</a:t>
-            </a:r>
-          </a:p>
-        </p:txBody>
-      </p:sp>
-      <p:pic>
-        <p:nvPicPr>
-          <p:cNvPr id="12" name="Picture 11"/>
-          <p:cNvPicPr>
-            <a:picLocks noChangeAspect="1"/>
-          </p:cNvPicPr>
-          <p:nvPr/>
-        </p:nvPicPr>
-        <p:blipFill>
-          <a:blip r:embed="rId3" cstate="print">
-            <a:extLst>
-              <a:ext uri="{28A0092B-C50C-407E-A947-70E740481C1C}">
-                <a14:useLocalDpi xmlns:a14="http://schemas.microsoft.com/office/drawing/2010/main" val="0"/>
-              </a:ext>
-            </a:extLst>
-          </a:blip>
-          <a:stretch>
-            <a:fillRect/>
-          </a:stretch>
-        </p:blipFill>
-        <p:spPr>
-          <a:xfrm>
-            <a:off x="38694580" y="825979"/>
-            <a:ext cx="3659927" cy="2846653"/>
-          </a:xfrm>
-          <a:prstGeom prst="rect">
-            <a:avLst/>
-          </a:prstGeom>
-        </p:spPr>
-      </p:pic>
-      <p:pic>
-        <p:nvPicPr>
-          <p:cNvPr id="887" name="Picture 886"/>
-          <p:cNvPicPr/>
-          <p:nvPr/>
-        </p:nvPicPr>
-        <p:blipFill>
-          <a:blip r:embed="rId4" cstate="print"/>
-          <a:srcRect l="5796"/>
-          <a:stretch>
-            <a:fillRect/>
-          </a:stretch>
-        </p:blipFill>
-        <p:spPr>
-          <a:xfrm>
-            <a:off x="22322780" y="8569177"/>
-            <a:ext cx="5904656" cy="4707669"/>
-          </a:xfrm>
-          <a:prstGeom prst="rect">
-            <a:avLst/>
-          </a:prstGeom>
-        </p:spPr>
-      </p:pic>
-      <p:sp>
-        <p:nvSpPr>
-          <p:cNvPr id="20" name="Rounded Rectangle 19"/>
-          <p:cNvSpPr/>
-          <p:nvPr/>
-        </p:nvSpPr>
-        <p:spPr>
-          <a:xfrm>
-            <a:off x="11449571" y="4968777"/>
-            <a:ext cx="9433050" cy="15193688"/>
-          </a:xfrm>
-          <a:prstGeom prst="roundRect">
-            <a:avLst/>
-          </a:prstGeom>
-          <a:solidFill>
-            <a:schemeClr val="bg1"/>
-          </a:solidFill>
-          <a:ln w="76200">
-            <a:solidFill>
-              <a:schemeClr val="tx1"/>
-            </a:solidFill>
-          </a:ln>
-        </p:spPr>
-        <p:style>
-          <a:lnRef idx="2">
-            <a:schemeClr val="accent1">
-              <a:shade val="50000"/>
-            </a:schemeClr>
-          </a:lnRef>
-          <a:fillRef idx="1">
-            <a:schemeClr val="accent1"/>
-          </a:fillRef>
-          <a:effectRef idx="0">
-            <a:schemeClr val="accent1"/>
-          </a:effectRef>
-          <a:fontRef idx="minor">
-            <a:schemeClr val="lt1"/>
-          </a:fontRef>
-        </p:style>
-        <p:txBody>
-          <a:bodyPr lIns="83976" tIns="41987" rIns="83976" bIns="41987" rtlCol="1" anchor="t"/>
-          <a:lstStyle/>
-          <a:p>
-            <a:pPr lvl="0" algn="ctr" rtl="0"/>
-            <a:r>
-              <a:rPr lang="en-US" sz="4400" b="1" dirty="0" smtClean="0">
-                <a:solidFill>
-                  <a:schemeClr val="tx1"/>
-                </a:solidFill>
-              </a:rPr>
-              <a:t>Gene expression patterns follow the embryonic origin regions</a:t>
-            </a:r>
-            <a:endParaRPr lang="en-US" sz="4300" dirty="0">
-              <a:solidFill>
-                <a:prstClr val="black"/>
-              </a:solidFill>
-            </a:endParaRPr>
-          </a:p>
-        </p:txBody>
-      </p:sp>
-      <p:sp>
-        <p:nvSpPr>
-          <p:cNvPr id="22" name="Rounded Rectangle 21"/>
-          <p:cNvSpPr/>
-          <p:nvPr/>
-        </p:nvSpPr>
-        <p:spPr>
-          <a:xfrm>
-            <a:off x="1080420" y="13969777"/>
-            <a:ext cx="9715301" cy="9001000"/>
-          </a:xfrm>
-          <a:prstGeom prst="roundRect">
-            <a:avLst/>
-          </a:prstGeom>
-          <a:solidFill>
-            <a:schemeClr val="bg1"/>
-          </a:solidFill>
-          <a:ln w="76200">
-            <a:solidFill>
-              <a:schemeClr val="tx1"/>
-            </a:solidFill>
-          </a:ln>
-        </p:spPr>
-        <p:style>
-          <a:lnRef idx="2">
-            <a:schemeClr val="accent1">
-              <a:shade val="50000"/>
-            </a:schemeClr>
-          </a:lnRef>
-          <a:fillRef idx="1">
-            <a:schemeClr val="accent1"/>
-          </a:fillRef>
-          <a:effectRef idx="0">
-            <a:schemeClr val="accent1"/>
-          </a:effectRef>
-          <a:fontRef idx="minor">
-            <a:schemeClr val="lt1"/>
-          </a:fontRef>
-        </p:style>
-        <p:txBody>
-          <a:bodyPr lIns="83976" tIns="41987" rIns="83976" bIns="41987" rtlCol="1" anchor="t" anchorCtr="0"/>
-          <a:lstStyle/>
-          <a:p>
-            <a:pPr algn="ctr" rtl="0"/>
-            <a:r>
-              <a:rPr lang="en-US" sz="4400" b="1" dirty="0" smtClean="0">
-                <a:solidFill>
-                  <a:schemeClr val="tx1"/>
-                </a:solidFill>
-              </a:rPr>
-              <a:t>The data</a:t>
-            </a:r>
-          </a:p>
-          <a:p>
-            <a:pPr algn="l" rtl="0"/>
-            <a:endParaRPr lang="en-US" sz="1600" b="1" dirty="0" smtClean="0">
-              <a:solidFill>
-                <a:schemeClr val="tx1"/>
-              </a:solidFill>
-            </a:endParaRPr>
-          </a:p>
-          <a:p>
-            <a:pPr algn="l" rtl="0"/>
-            <a:r>
-              <a:rPr lang="en-US" sz="3200" dirty="0" smtClean="0">
-                <a:solidFill>
-                  <a:schemeClr val="tx1"/>
-                </a:solidFill>
-              </a:rPr>
-              <a:t>We analyzed two brain transcriptome datasets collected from post mortem human brains.</a:t>
-            </a:r>
-          </a:p>
-          <a:p>
-            <a:pPr marL="607499" indent="-607499" algn="l" rtl="0">
-              <a:buFont typeface="+mj-lt"/>
-              <a:buAutoNum type="arabicPeriod"/>
-            </a:pPr>
-            <a:r>
-              <a:rPr lang="en-US" sz="3200" dirty="0" smtClean="0">
-                <a:solidFill>
-                  <a:schemeClr val="tx1"/>
-                </a:solidFill>
-              </a:rPr>
-              <a:t>Microarray from 6 humans and 414 distinct regions; a total of 3702 tissue samples</a:t>
-            </a:r>
-            <a:r>
-              <a:rPr lang="en-US" sz="3300" dirty="0" smtClean="0">
-                <a:solidFill>
-                  <a:schemeClr val="tx1"/>
-                </a:solidFill>
-              </a:rPr>
-              <a:t> </a:t>
-            </a:r>
-            <a:r>
-              <a:rPr lang="en-US" sz="3000" dirty="0" smtClean="0">
-                <a:solidFill>
-                  <a:schemeClr val="tx1"/>
-                </a:solidFill>
-              </a:rPr>
-              <a:t>[1] </a:t>
-            </a:r>
-          </a:p>
-          <a:p>
-            <a:pPr marL="607499" indent="-607499" algn="l" rtl="0">
-              <a:buFont typeface="+mj-lt"/>
-              <a:buAutoNum type="arabicPeriod"/>
-            </a:pPr>
-            <a:r>
-              <a:rPr lang="en-US" sz="3200" dirty="0" smtClean="0">
-                <a:solidFill>
-                  <a:schemeClr val="tx1"/>
-                </a:solidFill>
-              </a:rPr>
-              <a:t>Microarray from 20 adult donors, and 491 </a:t>
-            </a:r>
-            <a:br>
-              <a:rPr lang="en-US" sz="3200" dirty="0" smtClean="0">
-                <a:solidFill>
-                  <a:schemeClr val="tx1"/>
-                </a:solidFill>
-              </a:rPr>
-            </a:br>
-            <a:r>
-              <a:rPr lang="en-US" sz="3200" dirty="0" smtClean="0">
-                <a:solidFill>
-                  <a:schemeClr val="tx1"/>
-                </a:solidFill>
-              </a:rPr>
-              <a:t>tissue samples </a:t>
-            </a:r>
-            <a:r>
-              <a:rPr lang="en-US" sz="3000" dirty="0" smtClean="0">
-                <a:solidFill>
-                  <a:schemeClr val="tx1"/>
-                </a:solidFill>
-              </a:rPr>
-              <a:t>[2] </a:t>
-            </a:r>
-          </a:p>
-          <a:p>
-            <a:pPr marL="607499" indent="-607499" algn="l" rtl="0"/>
-            <a:endParaRPr lang="en-US" sz="3200" dirty="0" smtClean="0">
-              <a:solidFill>
-                <a:schemeClr val="tx1"/>
-              </a:solidFill>
-            </a:endParaRPr>
-          </a:p>
-          <a:p>
-            <a:pPr algn="ctr"/>
-            <a:endParaRPr lang="he-IL" sz="3200" dirty="0">
-              <a:solidFill>
-                <a:schemeClr val="tx1"/>
-              </a:solidFill>
-            </a:endParaRPr>
-          </a:p>
-        </p:txBody>
-      </p:sp>
-      <p:sp>
-        <p:nvSpPr>
-          <p:cNvPr id="191" name="Rounded Rectangle 190"/>
-          <p:cNvSpPr/>
-          <p:nvPr/>
-        </p:nvSpPr>
-        <p:spPr>
-          <a:xfrm>
-            <a:off x="31611812" y="4968777"/>
-            <a:ext cx="10441159" cy="10513168"/>
-          </a:xfrm>
-          <a:prstGeom prst="roundRect">
-            <a:avLst/>
-          </a:prstGeom>
-          <a:solidFill>
-            <a:schemeClr val="bg1"/>
-          </a:solidFill>
-          <a:ln w="76200">
-            <a:solidFill>
-              <a:schemeClr val="tx1"/>
-            </a:solidFill>
-          </a:ln>
-        </p:spPr>
-        <p:style>
-          <a:lnRef idx="2">
-            <a:schemeClr val="accent1">
-              <a:shade val="50000"/>
-            </a:schemeClr>
-          </a:lnRef>
-          <a:fillRef idx="1">
-            <a:schemeClr val="accent1"/>
-          </a:fillRef>
-          <a:effectRef idx="0">
-            <a:schemeClr val="accent1"/>
-          </a:effectRef>
-          <a:fontRef idx="minor">
-            <a:schemeClr val="lt1"/>
-          </a:fontRef>
-        </p:style>
-        <p:txBody>
-          <a:bodyPr lIns="83976" tIns="41987" rIns="83976" bIns="41987" rtlCol="1" anchor="t" anchorCtr="0"/>
-          <a:lstStyle/>
-          <a:p>
-            <a:pPr marL="539940" indent="-539940" algn="ctr" rtl="0"/>
-            <a:r>
-              <a:rPr lang="en-US" sz="4400" b="1" dirty="0" smtClean="0">
-                <a:solidFill>
-                  <a:schemeClr val="tx1"/>
-                </a:solidFill>
-              </a:rPr>
-              <a:t>	Expression across the human cortex is not homogeneous</a:t>
-            </a:r>
-            <a:endParaRPr lang="en-US" sz="4400" b="1" dirty="0">
-              <a:solidFill>
-                <a:schemeClr val="tx1"/>
-              </a:solidFill>
-            </a:endParaRPr>
-          </a:p>
-        </p:txBody>
-      </p:sp>
-      <p:grpSp>
-        <p:nvGrpSpPr>
-          <p:cNvPr id="58" name="Group 57"/>
-          <p:cNvGrpSpPr/>
-          <p:nvPr/>
-        </p:nvGrpSpPr>
-        <p:grpSpPr>
-          <a:xfrm>
-            <a:off x="1085292" y="910858"/>
-            <a:ext cx="3307496" cy="3121815"/>
-            <a:chOff x="850900" y="638181"/>
-            <a:chExt cx="2975505" cy="2808462"/>
-          </a:xfrm>
-        </p:grpSpPr>
-        <p:pic>
-          <p:nvPicPr>
-            <p:cNvPr id="11" name="Picture 10"/>
-            <p:cNvPicPr>
-              <a:picLocks noChangeAspect="1"/>
-            </p:cNvPicPr>
-            <p:nvPr/>
-          </p:nvPicPr>
-          <p:blipFill>
-            <a:blip r:embed="rId5" cstate="print">
-              <a:extLst>
-                <a:ext uri="{BEBA8EAE-BF5A-486C-A8C5-ECC9F3942E4B}">
-                  <a14:imgProps xmlns:a14="http://schemas.microsoft.com/office/drawing/2010/main">
-                    <a14:imgLayer r:embed="rId6">
-                      <a14:imgEffect>
-                        <a14:backgroundRemoval t="2174" b="100000" l="2000" r="99750"/>
-                      </a14:imgEffect>
-                    </a14:imgLayer>
-                  </a14:imgProps>
-                </a:ext>
-                <a:ext uri="{28A0092B-C50C-407E-A947-70E740481C1C}">
-                  <a14:useLocalDpi xmlns:a14="http://schemas.microsoft.com/office/drawing/2010/main" val="0"/>
-                </a:ext>
-              </a:extLst>
-            </a:blip>
-            <a:stretch>
-              <a:fillRect/>
-            </a:stretch>
-          </p:blipFill>
-          <p:spPr>
-            <a:xfrm>
-              <a:off x="1191095" y="638181"/>
-              <a:ext cx="2265743" cy="1823950"/>
-            </a:xfrm>
-            <a:prstGeom prst="rect">
-              <a:avLst/>
-            </a:prstGeom>
-          </p:spPr>
-        </p:pic>
-        <p:sp>
-          <p:nvSpPr>
-            <p:cNvPr id="145" name="TextBox 144"/>
-            <p:cNvSpPr txBox="1"/>
-            <p:nvPr/>
-          </p:nvSpPr>
-          <p:spPr>
-            <a:xfrm>
-              <a:off x="850900" y="2424221"/>
-              <a:ext cx="2975505" cy="1022422"/>
-            </a:xfrm>
-            <a:prstGeom prst="rect">
-              <a:avLst/>
-            </a:prstGeom>
-            <a:noFill/>
-            <a:ln w="38100">
-              <a:noFill/>
-            </a:ln>
-          </p:spPr>
-          <p:txBody>
-            <a:bodyPr wrap="square" lIns="107988" tIns="53994" rIns="107988" bIns="53994" rtlCol="0">
-              <a:spAutoFit/>
-            </a:bodyPr>
-            <a:lstStyle/>
-            <a:p>
-              <a:pPr algn="ctr" rtl="0"/>
-              <a:r>
-                <a:rPr lang="en-US" sz="2400" b="1" dirty="0" smtClean="0">
-                  <a:solidFill>
-                    <a:schemeClr val="bg1">
-                      <a:lumMod val="50000"/>
-                    </a:schemeClr>
-                  </a:solidFill>
-                </a:rPr>
-                <a:t>The Leslie and Susan </a:t>
-              </a:r>
-              <a:r>
-                <a:rPr lang="en-US" sz="2400" b="1" dirty="0" err="1" smtClean="0">
-                  <a:solidFill>
-                    <a:schemeClr val="bg1">
-                      <a:lumMod val="50000"/>
-                    </a:schemeClr>
-                  </a:solidFill>
-                </a:rPr>
-                <a:t>Gonda</a:t>
-              </a:r>
-              <a:r>
-                <a:rPr lang="en-US" sz="2400" b="1" dirty="0" smtClean="0">
-                  <a:solidFill>
-                    <a:schemeClr val="bg1">
-                      <a:lumMod val="50000"/>
-                    </a:schemeClr>
-                  </a:solidFill>
-                </a:rPr>
-                <a:t> Multidisciplinary Brain Research Center</a:t>
-              </a:r>
-              <a:endParaRPr lang="en-US" sz="2400" b="1" dirty="0">
-                <a:solidFill>
-                  <a:schemeClr val="bg1">
-                    <a:lumMod val="50000"/>
-                  </a:schemeClr>
-                </a:solidFill>
-              </a:endParaRPr>
-            </a:p>
-          </p:txBody>
-        </p:sp>
-      </p:grpSp>
-      <p:sp>
-        <p:nvSpPr>
-          <p:cNvPr id="931" name="Rectangle 930"/>
-          <p:cNvSpPr/>
-          <p:nvPr/>
-        </p:nvSpPr>
-        <p:spPr>
-          <a:xfrm>
-            <a:off x="11900380" y="17476911"/>
-            <a:ext cx="8334741" cy="2140380"/>
-          </a:xfrm>
-          <a:prstGeom prst="rect">
-            <a:avLst/>
-          </a:prstGeom>
-        </p:spPr>
-        <p:txBody>
-          <a:bodyPr wrap="square" lIns="108000" tIns="54000" rIns="108000" bIns="54000">
-            <a:spAutoFit/>
-          </a:bodyPr>
-          <a:lstStyle/>
-          <a:p>
-            <a:pPr algn="l" rtl="0"/>
-            <a:r>
-              <a:rPr lang="en-US" sz="3200" dirty="0" smtClean="0"/>
-              <a:t>When projecting the gene expression values on the 1</a:t>
-            </a:r>
-            <a:r>
-              <a:rPr lang="en-US" sz="3200" baseline="30000" dirty="0" smtClean="0"/>
-              <a:t>st</a:t>
-            </a:r>
-            <a:r>
-              <a:rPr lang="en-US" sz="3200" dirty="0" smtClean="0"/>
-              <a:t> and 2</a:t>
-            </a:r>
-            <a:r>
-              <a:rPr lang="en-US" sz="3200" baseline="30000" dirty="0" smtClean="0"/>
-              <a:t>nd</a:t>
-            </a:r>
-            <a:r>
-              <a:rPr lang="en-US" sz="3200" dirty="0" smtClean="0"/>
-              <a:t>  PCs, the tissue samples are ordered from the anterior to the posterior of the neural tube.</a:t>
-            </a:r>
-            <a:endParaRPr lang="en-US" sz="3200" b="1" dirty="0"/>
-          </a:p>
-        </p:txBody>
-      </p:sp>
-      <p:pic>
-        <p:nvPicPr>
-          <p:cNvPr id="738" name="Picture 737"/>
-          <p:cNvPicPr/>
-          <p:nvPr/>
-        </p:nvPicPr>
-        <p:blipFill>
-          <a:blip r:embed="rId7" cstate="print"/>
-          <a:srcRect r="5968"/>
-          <a:stretch>
-            <a:fillRect/>
-          </a:stretch>
-        </p:blipFill>
-        <p:spPr>
-          <a:xfrm>
-            <a:off x="25275108" y="6912993"/>
-            <a:ext cx="5318972" cy="4248472"/>
-          </a:xfrm>
-          <a:prstGeom prst="rect">
-            <a:avLst/>
-          </a:prstGeom>
-        </p:spPr>
-      </p:pic>
-      <p:pic>
-        <p:nvPicPr>
-          <p:cNvPr id="912" name="image12.png"/>
-          <p:cNvPicPr/>
-          <p:nvPr/>
-        </p:nvPicPr>
-        <p:blipFill>
-          <a:blip r:embed="rId8" cstate="print">
-            <a:extLst>
-              <a:ext uri="{28A0092B-C50C-407E-A947-70E740481C1C}">
-                <a14:useLocalDpi xmlns:a14="http://schemas.microsoft.com/office/drawing/2010/main" val="0"/>
-              </a:ext>
-            </a:extLst>
-          </a:blip>
-          <a:srcRect l="7080" t="704" r="6069" b="1408"/>
-          <a:stretch>
-            <a:fillRect/>
-          </a:stretch>
-        </p:blipFill>
-        <p:spPr>
-          <a:xfrm>
-            <a:off x="13040983" y="12889657"/>
-            <a:ext cx="7049548" cy="4665406"/>
           </a:xfrm>
           <a:prstGeom prst="rect">
             <a:avLst/>
@@ -9366,1679 +7746,85 @@
       </p:pic>
       <p:pic>
         <p:nvPicPr>
-          <p:cNvPr id="911" name="Picture 910" descr="tube.png"/>
-          <p:cNvPicPr/>
-          <p:nvPr/>
-        </p:nvPicPr>
-        <p:blipFill>
-          <a:blip r:embed="rId9" cstate="print"/>
-          <a:stretch>
-            <a:fillRect/>
-          </a:stretch>
-        </p:blipFill>
-        <p:spPr>
-          <a:xfrm>
-            <a:off x="11881623" y="13084953"/>
-            <a:ext cx="1052707" cy="4129910"/>
-          </a:xfrm>
-          <a:prstGeom prst="rect">
-            <a:avLst/>
-          </a:prstGeom>
-        </p:spPr>
-      </p:pic>
-      <p:sp>
-        <p:nvSpPr>
-          <p:cNvPr id="19" name="Rounded Rectangle 18"/>
-          <p:cNvSpPr/>
-          <p:nvPr/>
-        </p:nvSpPr>
-        <p:spPr>
-          <a:xfrm>
-            <a:off x="31683821" y="22682745"/>
-            <a:ext cx="10441160" cy="5646967"/>
-          </a:xfrm>
-          <a:prstGeom prst="roundRect">
-            <a:avLst/>
-          </a:prstGeom>
-          <a:solidFill>
-            <a:schemeClr val="bg1"/>
-          </a:solidFill>
-          <a:ln w="76200">
-            <a:solidFill>
-              <a:schemeClr val="tx1"/>
-            </a:solidFill>
-          </a:ln>
-        </p:spPr>
-        <p:style>
-          <a:lnRef idx="2">
-            <a:schemeClr val="accent1">
-              <a:shade val="50000"/>
-            </a:schemeClr>
-          </a:lnRef>
-          <a:fillRef idx="1">
-            <a:schemeClr val="accent1"/>
-          </a:fillRef>
-          <a:effectRef idx="0">
-            <a:schemeClr val="accent1"/>
-          </a:effectRef>
-          <a:fontRef idx="minor">
-            <a:schemeClr val="lt1"/>
-          </a:fontRef>
-        </p:style>
-        <p:txBody>
-          <a:bodyPr lIns="83976" tIns="41987" rIns="83976" bIns="41987" rtlCol="1" anchor="t" anchorCtr="0"/>
-          <a:lstStyle/>
-          <a:p>
-            <a:pPr algn="ctr" rtl="0"/>
-            <a:r>
-              <a:rPr lang="en-US" sz="4400" b="1" dirty="0" smtClean="0">
-                <a:solidFill>
-                  <a:schemeClr val="tx1"/>
-                </a:solidFill>
-              </a:rPr>
-              <a:t>Example: </a:t>
-            </a:r>
-            <a:r>
-              <a:rPr lang="en-US" sz="4400" b="1" i="1" dirty="0" smtClean="0">
-                <a:solidFill>
-                  <a:schemeClr val="tx1"/>
-                </a:solidFill>
-              </a:rPr>
-              <a:t>FEZF2 </a:t>
-            </a:r>
-            <a:r>
-              <a:rPr lang="en-US" sz="4400" b="1" dirty="0" smtClean="0">
-                <a:solidFill>
-                  <a:schemeClr val="tx1"/>
-                </a:solidFill>
-              </a:rPr>
-              <a:t>(ZNF312)</a:t>
-            </a:r>
-          </a:p>
-        </p:txBody>
-      </p:sp>
-      <p:pic>
-        <p:nvPicPr>
-          <p:cNvPr id="937" name="image04.png"/>
-          <p:cNvPicPr/>
-          <p:nvPr/>
-        </p:nvPicPr>
-        <p:blipFill>
-          <a:blip r:embed="rId10" cstate="print"/>
-          <a:srcRect l="11558" t="12764" r="15026" b="17728"/>
-          <a:stretch>
-            <a:fillRect/>
-          </a:stretch>
-        </p:blipFill>
-        <p:spPr>
-          <a:xfrm>
-            <a:off x="31827836" y="23906881"/>
-            <a:ext cx="7344816" cy="3960440"/>
-          </a:xfrm>
-          <a:prstGeom prst="rect">
-            <a:avLst/>
-          </a:prstGeom>
-          <a:ln/>
-        </p:spPr>
-      </p:pic>
-      <p:pic>
-        <p:nvPicPr>
-          <p:cNvPr id="939" name="Picture 938" descr="siteQr.png"/>
+          <p:cNvPr id="2" name="Picture 4" descr="http://chechiklab.biu.ac.il/~yuvval/figs/comet/rowcol_vis.png"/>
           <p:cNvPicPr>
-            <a:picLocks noChangeAspect="1"/>
+            <a:picLocks noChangeAspect="1" noChangeArrowheads="1"/>
           </p:cNvPicPr>
           <p:nvPr/>
         </p:nvPicPr>
-        <p:blipFill>
-          <a:blip r:embed="rId11" cstate="print"/>
-          <a:stretch>
-            <a:fillRect/>
-          </a:stretch>
+        <p:blipFill rotWithShape="1">
+          <a:blip r:embed="rId22" cstate="print">
+            <a:extLst>
+              <a:ext uri="{28A0092B-C50C-407E-A947-70E740481C1C}">
+                <a14:useLocalDpi xmlns:a14="http://schemas.microsoft.com/office/drawing/2010/main" val="0"/>
+              </a:ext>
+            </a:extLst>
+          </a:blip>
+          <a:srcRect l="7339" t="15746" r="8998" b="2607"/>
+          <a:stretch/>
         </p:blipFill>
-        <p:spPr>
+        <p:spPr bwMode="auto">
           <a:xfrm>
-            <a:off x="35356228" y="1080345"/>
-            <a:ext cx="2448276" cy="2448236"/>
-          </a:xfrm>
-          <a:prstGeom prst="rect">
-            <a:avLst/>
-          </a:prstGeom>
-        </p:spPr>
-      </p:pic>
-      <p:pic>
-        <p:nvPicPr>
-          <p:cNvPr id="35" name="image15.png"/>
-          <p:cNvPicPr/>
-          <p:nvPr/>
-        </p:nvPicPr>
-        <p:blipFill>
-          <a:blip r:embed="rId12" cstate="print"/>
-          <a:stretch>
-            <a:fillRect/>
-          </a:stretch>
-        </p:blipFill>
-        <p:spPr>
-          <a:xfrm>
-            <a:off x="1357468" y="26787201"/>
-            <a:ext cx="9156000" cy="4464496"/>
-          </a:xfrm>
-          <a:prstGeom prst="rect">
-            <a:avLst/>
-          </a:prstGeom>
-          <a:ln/>
-        </p:spPr>
-      </p:pic>
-      <p:sp>
-        <p:nvSpPr>
-          <p:cNvPr id="37" name="Rounded Rectangle 36"/>
-          <p:cNvSpPr/>
-          <p:nvPr/>
-        </p:nvSpPr>
-        <p:spPr>
-          <a:xfrm>
-            <a:off x="11449571" y="20882545"/>
-            <a:ext cx="9433049" cy="11089232"/>
-          </a:xfrm>
-          <a:prstGeom prst="roundRect">
-            <a:avLst/>
-          </a:prstGeom>
-          <a:solidFill>
-            <a:schemeClr val="bg1"/>
-          </a:solidFill>
-          <a:ln w="76200">
-            <a:solidFill>
-              <a:schemeClr val="tx1"/>
-            </a:solidFill>
-          </a:ln>
-        </p:spPr>
-        <p:style>
-          <a:lnRef idx="2">
-            <a:schemeClr val="accent1">
-              <a:shade val="50000"/>
-            </a:schemeClr>
-          </a:lnRef>
-          <a:fillRef idx="1">
-            <a:schemeClr val="accent1"/>
-          </a:fillRef>
-          <a:effectRef idx="0">
-            <a:schemeClr val="accent1"/>
-          </a:effectRef>
-          <a:fontRef idx="minor">
-            <a:schemeClr val="lt1"/>
-          </a:fontRef>
-        </p:style>
-        <p:txBody>
-          <a:bodyPr lIns="83976" tIns="41987" rIns="83976" bIns="41987" rtlCol="1" anchor="t"/>
-          <a:lstStyle/>
-          <a:p>
-            <a:pPr algn="ctr" rtl="0"/>
-            <a:r>
-              <a:rPr lang="en-US" sz="4800" b="1" dirty="0" smtClean="0">
-                <a:solidFill>
-                  <a:srgbClr val="FF0000"/>
-                </a:solidFill>
-              </a:rPr>
-              <a:t>B</a:t>
-            </a:r>
-            <a:r>
-              <a:rPr lang="en-US" sz="4000" b="1" dirty="0" smtClean="0">
-                <a:solidFill>
-                  <a:schemeClr val="tx1"/>
-                </a:solidFill>
-              </a:rPr>
-              <a:t>rain </a:t>
-            </a:r>
-            <a:r>
-              <a:rPr lang="en-US" sz="4800" b="1" dirty="0" smtClean="0">
-                <a:solidFill>
-                  <a:srgbClr val="FF0000"/>
-                </a:solidFill>
-              </a:rPr>
-              <a:t>R</a:t>
-            </a:r>
-            <a:r>
-              <a:rPr lang="en-US" sz="4000" b="1" dirty="0" smtClean="0">
-                <a:solidFill>
-                  <a:schemeClr val="tx1"/>
-                </a:solidFill>
-              </a:rPr>
-              <a:t>egion </a:t>
-            </a:r>
-            <a:r>
-              <a:rPr lang="en-US" sz="4800" b="1" dirty="0" smtClean="0">
-                <a:solidFill>
-                  <a:srgbClr val="FF0000"/>
-                </a:solidFill>
-              </a:rPr>
-              <a:t>O</a:t>
-            </a:r>
-            <a:r>
-              <a:rPr lang="en-US" sz="4000" b="1" dirty="0" smtClean="0">
-                <a:solidFill>
-                  <a:schemeClr val="tx1"/>
-                </a:solidFill>
-              </a:rPr>
-              <a:t>ntology score </a:t>
-            </a:r>
-          </a:p>
-          <a:p>
-            <a:pPr algn="l" rtl="0"/>
-            <a:r>
-              <a:rPr lang="en-US" sz="3200" dirty="0" smtClean="0">
-                <a:solidFill>
-                  <a:schemeClr val="tx1"/>
-                </a:solidFill>
-              </a:rPr>
-              <a:t>We define a measure of agreement between the expression of a single gene across regions and the brain region ontology</a:t>
-            </a:r>
-            <a:r>
-              <a:rPr lang="en-US" sz="3300" dirty="0" smtClean="0">
-                <a:solidFill>
-                  <a:schemeClr val="tx1"/>
-                </a:solidFill>
-              </a:rPr>
-              <a:t> </a:t>
-            </a:r>
-            <a:r>
-              <a:rPr lang="en-US" sz="2400" dirty="0" smtClean="0">
-                <a:solidFill>
-                  <a:schemeClr val="tx1"/>
-                </a:solidFill>
-              </a:rPr>
-              <a:t>(similar results with other scores)</a:t>
-            </a:r>
-            <a:endParaRPr lang="en-US" sz="3300" dirty="0" smtClean="0">
-              <a:solidFill>
-                <a:schemeClr val="tx1"/>
-              </a:solidFill>
-            </a:endParaRPr>
-          </a:p>
-          <a:p>
-            <a:pPr algn="l" rtl="0"/>
-            <a:endParaRPr lang="en-US" sz="1600" dirty="0" smtClean="0">
-              <a:solidFill>
-                <a:schemeClr val="tx1"/>
-              </a:solidFill>
-            </a:endParaRPr>
-          </a:p>
-          <a:p>
-            <a:pPr algn="l" rtl="0"/>
-            <a:r>
-              <a:rPr lang="en-US" sz="3600" b="1" dirty="0" err="1" smtClean="0">
-                <a:solidFill>
-                  <a:srgbClr val="FF0000"/>
-                </a:solidFill>
-              </a:rPr>
-              <a:t>BRO</a:t>
-            </a:r>
-            <a:r>
-              <a:rPr lang="en-US" sz="3600" b="1" baseline="-25000" dirty="0" err="1" smtClean="0">
-                <a:solidFill>
-                  <a:srgbClr val="FF0000"/>
-                </a:solidFill>
-              </a:rPr>
-              <a:t>score</a:t>
-            </a:r>
-            <a:r>
-              <a:rPr lang="en-US" sz="3600" b="1" baseline="-25000" dirty="0" smtClean="0">
-                <a:solidFill>
-                  <a:schemeClr val="tx1"/>
-                </a:solidFill>
-              </a:rPr>
-              <a:t> </a:t>
-            </a:r>
-            <a:r>
-              <a:rPr lang="en-US" sz="3600" b="1" i="1" dirty="0" smtClean="0">
-                <a:solidFill>
-                  <a:schemeClr val="tx1"/>
-                </a:solidFill>
-              </a:rPr>
-              <a:t>= Correlation (</a:t>
-            </a:r>
-            <a:r>
-              <a:rPr lang="en-US" sz="3600" b="1" i="1" dirty="0" err="1" smtClean="0">
-                <a:solidFill>
-                  <a:schemeClr val="tx1"/>
-                </a:solidFill>
-              </a:rPr>
-              <a:t>d</a:t>
-            </a:r>
-            <a:r>
-              <a:rPr lang="en-US" sz="3600" b="1" i="1" baseline="-25000" dirty="0" err="1" smtClean="0">
-                <a:solidFill>
-                  <a:schemeClr val="tx1"/>
-                </a:solidFill>
-              </a:rPr>
-              <a:t>expression</a:t>
-            </a:r>
-            <a:r>
-              <a:rPr lang="en-US" sz="3600" b="1" i="1" dirty="0" smtClean="0">
-                <a:solidFill>
-                  <a:schemeClr val="tx1"/>
-                </a:solidFill>
-              </a:rPr>
-              <a:t> , </a:t>
-            </a:r>
-            <a:r>
-              <a:rPr lang="en-US" sz="3600" b="1" i="1" dirty="0" err="1" smtClean="0">
-                <a:solidFill>
-                  <a:schemeClr val="tx1"/>
-                </a:solidFill>
-              </a:rPr>
-              <a:t>d</a:t>
-            </a:r>
-            <a:r>
-              <a:rPr lang="en-US" sz="3600" b="1" i="1" baseline="-25000" dirty="0" err="1" smtClean="0">
-                <a:solidFill>
-                  <a:schemeClr val="tx1"/>
-                </a:solidFill>
-              </a:rPr>
-              <a:t>tree</a:t>
-            </a:r>
-            <a:r>
-              <a:rPr lang="en-US" sz="3600" b="1" i="1" dirty="0" smtClean="0">
-                <a:solidFill>
-                  <a:schemeClr val="tx1"/>
-                </a:solidFill>
-              </a:rPr>
-              <a:t> )</a:t>
-            </a:r>
-            <a:endParaRPr lang="en-US" sz="4000" b="1" i="1" dirty="0" smtClean="0">
-              <a:solidFill>
-                <a:schemeClr val="tx1"/>
-              </a:solidFill>
-            </a:endParaRPr>
-          </a:p>
-          <a:p>
-            <a:pPr algn="l" rtl="0"/>
-            <a:endParaRPr lang="en-US" sz="1800" dirty="0" smtClean="0">
-              <a:solidFill>
-                <a:schemeClr val="tx1"/>
-              </a:solidFill>
-            </a:endParaRPr>
-          </a:p>
-          <a:p>
-            <a:pPr algn="l" rtl="0">
-              <a:buFont typeface="Arial" pitchFamily="34" charset="0"/>
-              <a:buChar char="•"/>
-            </a:pPr>
-            <a:r>
-              <a:rPr lang="en-US" sz="3300" dirty="0" smtClean="0">
-                <a:solidFill>
-                  <a:schemeClr val="tx1"/>
-                </a:solidFill>
-              </a:rPr>
-              <a:t>  </a:t>
-            </a:r>
-            <a:r>
-              <a:rPr lang="en-US" sz="2800" dirty="0" smtClean="0">
-                <a:solidFill>
-                  <a:schemeClr val="tx1"/>
-                </a:solidFill>
-              </a:rPr>
-              <a:t>correlation is across pairs of tissue samples</a:t>
-            </a:r>
-          </a:p>
-          <a:p>
-            <a:pPr algn="l" rtl="0">
-              <a:buFont typeface="Arial" pitchFamily="34" charset="0"/>
-              <a:buChar char="•"/>
-            </a:pPr>
-            <a:r>
-              <a:rPr lang="en-US" sz="2800" dirty="0" smtClean="0">
-                <a:solidFill>
-                  <a:schemeClr val="tx1"/>
-                </a:solidFill>
-              </a:rPr>
-              <a:t>  </a:t>
-            </a:r>
-            <a:r>
-              <a:rPr lang="en-US" sz="2800" dirty="0" err="1" smtClean="0">
-                <a:solidFill>
-                  <a:schemeClr val="tx1"/>
-                </a:solidFill>
-              </a:rPr>
-              <a:t>d</a:t>
-            </a:r>
-            <a:r>
-              <a:rPr lang="en-US" sz="2800" baseline="-25000" dirty="0" err="1" smtClean="0">
-                <a:solidFill>
-                  <a:schemeClr val="tx1"/>
-                </a:solidFill>
-              </a:rPr>
-              <a:t>expression</a:t>
-            </a:r>
-            <a:r>
-              <a:rPr lang="en-US" sz="2800" dirty="0" smtClean="0">
-                <a:solidFill>
-                  <a:schemeClr val="tx1"/>
-                </a:solidFill>
-              </a:rPr>
-              <a:t>   is the vector of absolute differences of expression levels in two regions.</a:t>
-            </a:r>
-          </a:p>
-          <a:p>
-            <a:pPr algn="l" rtl="0">
-              <a:buFont typeface="Arial" pitchFamily="34" charset="0"/>
-              <a:buChar char="•"/>
-            </a:pPr>
-            <a:r>
-              <a:rPr lang="en-US" sz="2800" dirty="0" smtClean="0">
-                <a:solidFill>
-                  <a:schemeClr val="tx1"/>
-                </a:solidFill>
-              </a:rPr>
-              <a:t>  </a:t>
-            </a:r>
-            <a:r>
-              <a:rPr lang="en-US" sz="2800" dirty="0" err="1" smtClean="0">
-                <a:solidFill>
-                  <a:schemeClr val="tx1"/>
-                </a:solidFill>
-              </a:rPr>
-              <a:t>d</a:t>
-            </a:r>
-            <a:r>
-              <a:rPr lang="en-US" sz="2800" baseline="-25000" dirty="0" err="1" smtClean="0">
-                <a:solidFill>
-                  <a:schemeClr val="tx1"/>
-                </a:solidFill>
-              </a:rPr>
-              <a:t>tree</a:t>
-            </a:r>
-            <a:r>
-              <a:rPr lang="en-US" sz="2800" dirty="0" smtClean="0">
-                <a:solidFill>
-                  <a:schemeClr val="tx1"/>
-                </a:solidFill>
-              </a:rPr>
-              <a:t>   is the vector of number of edges in the ontology tree that connect two regions.</a:t>
-            </a:r>
-            <a:endParaRPr lang="he-IL" sz="2800" i="1" dirty="0">
-              <a:solidFill>
-                <a:schemeClr val="tx1"/>
-              </a:solidFill>
-            </a:endParaRPr>
-          </a:p>
-        </p:txBody>
-      </p:sp>
-      <p:grpSp>
-        <p:nvGrpSpPr>
-          <p:cNvPr id="46" name="Group 45"/>
-          <p:cNvGrpSpPr/>
-          <p:nvPr/>
-        </p:nvGrpSpPr>
-        <p:grpSpPr>
-          <a:xfrm>
-            <a:off x="21674708" y="26139129"/>
-            <a:ext cx="4665044" cy="5285649"/>
-            <a:chOff x="26283220" y="22178689"/>
-            <a:chExt cx="4665044" cy="5285649"/>
-          </a:xfrm>
-        </p:grpSpPr>
-        <p:pic>
-          <p:nvPicPr>
-            <p:cNvPr id="888" name="Picture 887"/>
-            <p:cNvPicPr/>
-            <p:nvPr/>
-          </p:nvPicPr>
-          <p:blipFill>
-            <a:blip r:embed="rId13" cstate="print"/>
-            <a:srcRect r="7966" b="9645"/>
-            <a:stretch>
-              <a:fillRect/>
-            </a:stretch>
-          </p:blipFill>
-          <p:spPr>
-            <a:xfrm>
-              <a:off x="26283220" y="22178689"/>
-              <a:ext cx="4574663" cy="3373261"/>
-            </a:xfrm>
-            <a:prstGeom prst="rect">
-              <a:avLst/>
-            </a:prstGeom>
-          </p:spPr>
-        </p:pic>
-        <p:pic>
-          <p:nvPicPr>
-            <p:cNvPr id="901" name="Picture 900"/>
-            <p:cNvPicPr/>
-            <p:nvPr/>
-          </p:nvPicPr>
-          <p:blipFill>
-            <a:blip r:embed="rId14" cstate="print"/>
-            <a:srcRect l="6850" t="47949" r="6132"/>
-            <a:stretch>
-              <a:fillRect/>
-            </a:stretch>
-          </p:blipFill>
-          <p:spPr>
-            <a:xfrm>
-              <a:off x="26643260" y="25627889"/>
-              <a:ext cx="4305004" cy="1836449"/>
-            </a:xfrm>
-            <a:prstGeom prst="rect">
-              <a:avLst/>
-            </a:prstGeom>
-          </p:spPr>
-        </p:pic>
-      </p:grpSp>
-      <p:sp>
-        <p:nvSpPr>
-          <p:cNvPr id="39" name="TextBox 38"/>
-          <p:cNvSpPr txBox="1"/>
-          <p:nvPr/>
-        </p:nvSpPr>
-        <p:spPr>
-          <a:xfrm>
-            <a:off x="26859284" y="27147241"/>
-            <a:ext cx="3816424" cy="4093428"/>
+            <a:off x="15603095" y="7516205"/>
+            <a:ext cx="3336199" cy="3255809"/>
           </a:xfrm>
           <a:prstGeom prst="rect">
             <a:avLst/>
           </a:prstGeom>
           <a:noFill/>
+          <a:extLst>
+            <a:ext uri="{909E8E84-426E-40DD-AFC4-6F175D3DCCD1}">
+              <a14:hiddenFill xmlns:a14="http://schemas.microsoft.com/office/drawing/2010/main">
+                <a:solidFill>
+                  <a:srgbClr val="FFFFFF"/>
+                </a:solidFill>
+              </a14:hiddenFill>
+            </a:ext>
+          </a:extLst>
         </p:spPr>
-        <p:txBody>
-          <a:bodyPr wrap="square" rtlCol="1">
-            <a:spAutoFit/>
-          </a:bodyPr>
-          <a:lstStyle/>
-          <a:p>
-            <a:pPr algn="l" rtl="0"/>
-            <a:r>
-              <a:rPr lang="en-US" sz="2800" b="1" dirty="0" smtClean="0"/>
-              <a:t>House keeping genes</a:t>
-            </a:r>
-            <a:r>
-              <a:rPr lang="en-US" sz="2800" dirty="0" smtClean="0"/>
-              <a:t> are expressed in all cell types. In the adult brain, their scores are significantly higher than random, and match the BRO scores of all genes.</a:t>
-            </a:r>
-          </a:p>
-          <a:p>
-            <a:pPr algn="l" rtl="0"/>
-            <a:endParaRPr lang="en-US" sz="1000" dirty="0" smtClean="0"/>
-          </a:p>
-          <a:p>
-            <a:pPr algn="l" rtl="0"/>
-            <a:r>
-              <a:rPr lang="en-US" sz="2400" dirty="0" smtClean="0"/>
-              <a:t>Markers from</a:t>
-            </a:r>
-            <a:r>
-              <a:rPr lang="en-US" sz="2400" b="1" dirty="0" smtClean="0"/>
-              <a:t> </a:t>
-            </a:r>
-            <a:r>
-              <a:rPr lang="en-US" sz="2400" i="1" dirty="0" smtClean="0"/>
-              <a:t>Eisenberg et al. [4]</a:t>
-            </a:r>
-            <a:endParaRPr lang="en-US" sz="2800" i="1" dirty="0" smtClean="0"/>
-          </a:p>
-        </p:txBody>
-      </p:sp>
-      <p:grpSp>
-        <p:nvGrpSpPr>
-          <p:cNvPr id="52" name="Group 51"/>
-          <p:cNvGrpSpPr/>
-          <p:nvPr/>
-        </p:nvGrpSpPr>
-        <p:grpSpPr>
-          <a:xfrm>
-            <a:off x="21674708" y="15769977"/>
-            <a:ext cx="4997417" cy="5288009"/>
-            <a:chOff x="22394788" y="15841985"/>
-            <a:chExt cx="4997417" cy="5288009"/>
-          </a:xfrm>
-        </p:grpSpPr>
-        <p:pic>
-          <p:nvPicPr>
-            <p:cNvPr id="906" name="Picture 905"/>
-            <p:cNvPicPr/>
-            <p:nvPr/>
-          </p:nvPicPr>
-          <p:blipFill>
-            <a:blip r:embed="rId15" cstate="print"/>
-            <a:srcRect b="10681"/>
-            <a:stretch>
-              <a:fillRect/>
-            </a:stretch>
-          </p:blipFill>
-          <p:spPr>
-            <a:xfrm>
-              <a:off x="22394788" y="15841985"/>
-              <a:ext cx="4937648" cy="3312337"/>
-            </a:xfrm>
-            <a:prstGeom prst="rect">
-              <a:avLst/>
-            </a:prstGeom>
-          </p:spPr>
-        </p:pic>
-        <p:pic>
-          <p:nvPicPr>
-            <p:cNvPr id="907" name="Picture 906"/>
-            <p:cNvPicPr/>
-            <p:nvPr/>
-          </p:nvPicPr>
-          <p:blipFill>
-            <a:blip r:embed="rId16" cstate="print"/>
-            <a:srcRect t="48006"/>
-            <a:stretch>
-              <a:fillRect/>
-            </a:stretch>
-          </p:blipFill>
-          <p:spPr bwMode="auto">
-            <a:xfrm>
-              <a:off x="22394788" y="19298369"/>
-              <a:ext cx="4997417" cy="1831625"/>
-            </a:xfrm>
-            <a:prstGeom prst="rect">
-              <a:avLst/>
-            </a:prstGeom>
-            <a:noFill/>
-            <a:ln>
-              <a:noFill/>
-            </a:ln>
-          </p:spPr>
-        </p:pic>
-      </p:grpSp>
-      <p:sp>
-        <p:nvSpPr>
-          <p:cNvPr id="40" name="TextBox 39"/>
-          <p:cNvSpPr txBox="1"/>
-          <p:nvPr/>
-        </p:nvSpPr>
-        <p:spPr>
-          <a:xfrm>
-            <a:off x="26859284" y="16150337"/>
-            <a:ext cx="3672408" cy="3724096"/>
-          </a:xfrm>
-          <a:prstGeom prst="rect">
-            <a:avLst/>
-          </a:prstGeom>
-          <a:noFill/>
-        </p:spPr>
-        <p:txBody>
-          <a:bodyPr wrap="square" rtlCol="1">
-            <a:spAutoFit/>
-          </a:bodyPr>
-          <a:lstStyle/>
-          <a:p>
-            <a:pPr algn="l" rtl="0"/>
-            <a:r>
-              <a:rPr lang="en-US" sz="2800" b="1" dirty="0" smtClean="0"/>
-              <a:t>Cell-type specific genes</a:t>
-            </a:r>
-            <a:r>
-              <a:rPr lang="en-US" sz="2800" dirty="0" smtClean="0"/>
-              <a:t> are in stronger agreement with the tree structure than genes on average.</a:t>
-            </a:r>
-            <a:r>
-              <a:rPr lang="en-US" sz="2800" b="1" dirty="0" smtClean="0"/>
-              <a:t> </a:t>
-            </a:r>
-          </a:p>
-          <a:p>
-            <a:pPr algn="l" rtl="0"/>
-            <a:endParaRPr lang="en-US" sz="2400" dirty="0" smtClean="0"/>
-          </a:p>
-          <a:p>
-            <a:pPr algn="l" rtl="0"/>
-            <a:endParaRPr lang="en-US" sz="2400" dirty="0" smtClean="0"/>
-          </a:p>
-          <a:p>
-            <a:pPr algn="l" rtl="0"/>
-            <a:r>
-              <a:rPr lang="en-US" sz="2400" dirty="0" smtClean="0"/>
-              <a:t>Markers from</a:t>
-            </a:r>
-            <a:r>
-              <a:rPr lang="en-US" sz="2400" b="1" dirty="0" smtClean="0"/>
-              <a:t> </a:t>
-            </a:r>
-            <a:r>
-              <a:rPr lang="en-US" sz="2400" i="1" dirty="0" smtClean="0"/>
-              <a:t>Cahoy et al. [3]</a:t>
-            </a:r>
-            <a:r>
-              <a:rPr lang="en-US" sz="2400" dirty="0" smtClean="0"/>
-              <a:t>. </a:t>
-            </a:r>
-            <a:endParaRPr lang="he-IL" sz="2400" b="1" dirty="0" smtClean="0"/>
-          </a:p>
-        </p:txBody>
-      </p:sp>
-      <p:sp>
-        <p:nvSpPr>
-          <p:cNvPr id="42" name="TextBox 41"/>
-          <p:cNvSpPr txBox="1"/>
-          <p:nvPr/>
-        </p:nvSpPr>
-        <p:spPr>
-          <a:xfrm>
-            <a:off x="30963739" y="28299369"/>
-            <a:ext cx="11449272" cy="3770263"/>
-          </a:xfrm>
-          <a:prstGeom prst="rect">
-            <a:avLst/>
-          </a:prstGeom>
-          <a:noFill/>
-        </p:spPr>
-        <p:txBody>
-          <a:bodyPr wrap="square" rtlCol="1">
-            <a:spAutoFit/>
-          </a:bodyPr>
-          <a:lstStyle/>
-          <a:p>
-            <a:pPr algn="l" rtl="0"/>
-            <a:endParaRPr lang="en-US" sz="900" dirty="0" smtClean="0"/>
-          </a:p>
-          <a:p>
-            <a:pPr marL="997140" indent="-457200" algn="l" rtl="0">
-              <a:buAutoNum type="arabicPeriod"/>
-            </a:pPr>
-            <a:r>
-              <a:rPr lang="en-US" sz="2400" dirty="0" err="1" smtClean="0"/>
-              <a:t>Hawrylycz</a:t>
-            </a:r>
-            <a:r>
-              <a:rPr lang="en-US" sz="2400" dirty="0" smtClean="0"/>
-              <a:t> et al., An </a:t>
-            </a:r>
-            <a:r>
-              <a:rPr lang="en-US" sz="2400" dirty="0"/>
-              <a:t>anatomically comprehensive atlas of the adult human </a:t>
-            </a:r>
-            <a:r>
-              <a:rPr lang="en-US" sz="2400" dirty="0" smtClean="0"/>
-              <a:t>brain transcriptome, </a:t>
-            </a:r>
-            <a:r>
-              <a:rPr lang="en-US" sz="2400" i="1" dirty="0" smtClean="0"/>
-              <a:t>Nature </a:t>
-            </a:r>
-            <a:r>
-              <a:rPr lang="en-US" sz="2400" dirty="0" smtClean="0"/>
-              <a:t>2012</a:t>
-            </a:r>
-          </a:p>
-          <a:p>
-            <a:pPr marL="997140" indent="-457200" algn="l" rtl="0">
-              <a:buAutoNum type="arabicPeriod"/>
-            </a:pPr>
-            <a:r>
-              <a:rPr lang="en-US" sz="2400" dirty="0" smtClean="0"/>
-              <a:t>Kang et al., </a:t>
-            </a:r>
-            <a:r>
-              <a:rPr lang="en-US" sz="2400" dirty="0" err="1" smtClean="0"/>
-              <a:t>Spatio</a:t>
-            </a:r>
-            <a:r>
-              <a:rPr lang="en-US" sz="2400" dirty="0" smtClean="0"/>
-              <a:t>-temporal </a:t>
-            </a:r>
-            <a:r>
-              <a:rPr lang="en-US" sz="2400" dirty="0"/>
-              <a:t>transcriptome of the human </a:t>
-            </a:r>
-            <a:r>
-              <a:rPr lang="en-US" sz="2400" dirty="0" smtClean="0"/>
-              <a:t>brain, </a:t>
-            </a:r>
-            <a:r>
-              <a:rPr lang="en-US" sz="2400" i="1" dirty="0" smtClean="0"/>
-              <a:t>Nature</a:t>
-            </a:r>
-            <a:r>
-              <a:rPr lang="en-US" sz="2400" dirty="0" smtClean="0"/>
-              <a:t> 2011</a:t>
-            </a:r>
-          </a:p>
-          <a:p>
-            <a:pPr marL="997140" indent="-457200" algn="l" rtl="0">
-              <a:buAutoNum type="arabicPeriod"/>
-            </a:pPr>
-            <a:r>
-              <a:rPr lang="en-US" sz="2400" dirty="0" err="1" smtClean="0"/>
-              <a:t>Cahoy</a:t>
-            </a:r>
-            <a:r>
-              <a:rPr lang="en-US" sz="2400" dirty="0" smtClean="0"/>
-              <a:t> et al., A </a:t>
-            </a:r>
-            <a:r>
-              <a:rPr lang="en-US" sz="2400" dirty="0"/>
-              <a:t>transcriptome database for astrocytes, neurons, and </a:t>
-            </a:r>
-            <a:r>
-              <a:rPr lang="en-US" sz="2400" dirty="0" err="1" smtClean="0"/>
-              <a:t>oligodendrocytes</a:t>
-            </a:r>
-            <a:r>
-              <a:rPr lang="en-US" sz="2400" dirty="0" smtClean="0"/>
-              <a:t>, </a:t>
-            </a:r>
-            <a:r>
-              <a:rPr lang="en-US" sz="2400" i="1" dirty="0" smtClean="0"/>
-              <a:t>J. neuroscience </a:t>
-            </a:r>
-            <a:r>
-              <a:rPr lang="en-US" sz="2400" dirty="0" smtClean="0"/>
-              <a:t> 2008.</a:t>
-            </a:r>
-          </a:p>
-          <a:p>
-            <a:pPr marL="997140" indent="-457200" algn="l" rtl="0">
-              <a:buAutoNum type="arabicPeriod"/>
-            </a:pPr>
-            <a:r>
-              <a:rPr lang="en-US" sz="2400" dirty="0" smtClean="0"/>
-              <a:t>Eisenberg et al., Human </a:t>
-            </a:r>
-            <a:r>
-              <a:rPr lang="en-US" sz="2400" dirty="0"/>
-              <a:t>housekeeping genes are </a:t>
-            </a:r>
-            <a:r>
-              <a:rPr lang="en-US" sz="2400" dirty="0" smtClean="0"/>
-              <a:t>compact, </a:t>
-            </a:r>
-            <a:r>
-              <a:rPr lang="en-US" sz="2400" i="1" dirty="0" smtClean="0"/>
-              <a:t>Trends </a:t>
-            </a:r>
-            <a:r>
-              <a:rPr lang="en-US" sz="2400" i="1" dirty="0"/>
-              <a:t>in </a:t>
-            </a:r>
-            <a:r>
-              <a:rPr lang="en-US" sz="2400" i="1" dirty="0" smtClean="0"/>
-              <a:t>genetics</a:t>
-            </a:r>
-            <a:r>
-              <a:rPr lang="en-US" sz="2400" dirty="0" smtClean="0"/>
-              <a:t>. </a:t>
-            </a:r>
-            <a:r>
-              <a:rPr lang="en-US" sz="2400" dirty="0"/>
-              <a:t>2003</a:t>
-            </a:r>
-            <a:endParaRPr lang="en-US" sz="2400" dirty="0" smtClean="0"/>
-          </a:p>
-          <a:p>
-            <a:pPr marL="539940" indent="-539940" algn="l" rtl="0">
-              <a:buFont typeface="+mj-lt"/>
-              <a:buAutoNum type="arabicPeriod"/>
-            </a:pPr>
-            <a:endParaRPr lang="en-US" sz="1400" dirty="0" smtClean="0"/>
-          </a:p>
-          <a:p>
-            <a:pPr marL="539940" indent="-539940" algn="l" rtl="0"/>
-            <a:r>
-              <a:rPr lang="en-US" sz="3600" b="1" dirty="0" smtClean="0"/>
-              <a:t>	Contact</a:t>
-            </a:r>
-            <a:r>
-              <a:rPr lang="en-US" sz="3600" dirty="0" smtClean="0"/>
-              <a:t>: </a:t>
-            </a:r>
-            <a:r>
-              <a:rPr lang="en-US" sz="3600" dirty="0" smtClean="0">
-                <a:hlinkClick r:id="rId17"/>
-              </a:rPr>
-              <a:t>lior.kirsch@gmail.com</a:t>
-            </a:r>
-            <a:r>
-              <a:rPr lang="en-US" sz="3600" dirty="0" smtClean="0"/>
-              <a:t>, </a:t>
-            </a:r>
-            <a:r>
-              <a:rPr lang="en-US" sz="3600" dirty="0" smtClean="0">
-                <a:hlinkClick r:id="rId18"/>
-              </a:rPr>
-              <a:t>http://chechiklab.biu.ac.il/~lior</a:t>
-            </a:r>
-            <a:r>
-              <a:rPr lang="en-US" sz="3600" dirty="0" smtClean="0"/>
-              <a:t> </a:t>
-            </a:r>
-            <a:endParaRPr lang="he-IL" sz="3600" dirty="0"/>
-          </a:p>
-        </p:txBody>
-      </p:sp>
-      <p:grpSp>
-        <p:nvGrpSpPr>
-          <p:cNvPr id="63" name="Group 62"/>
-          <p:cNvGrpSpPr/>
-          <p:nvPr/>
-        </p:nvGrpSpPr>
-        <p:grpSpPr>
-          <a:xfrm>
-            <a:off x="32043861" y="6912993"/>
-            <a:ext cx="9208489" cy="4340892"/>
-            <a:chOff x="31969868" y="7959285"/>
-            <a:chExt cx="9950361" cy="3638562"/>
-          </a:xfrm>
-        </p:grpSpPr>
-        <p:pic>
-          <p:nvPicPr>
-            <p:cNvPr id="47" name="Picture 46" descr="distCortex-random.png"/>
-            <p:cNvPicPr/>
-            <p:nvPr/>
-          </p:nvPicPr>
-          <p:blipFill>
-            <a:blip r:embed="rId19" cstate="print"/>
-            <a:srcRect l="6323" t="8661"/>
-            <a:stretch>
-              <a:fillRect/>
-            </a:stretch>
-          </p:blipFill>
-          <p:spPr>
-            <a:xfrm>
-              <a:off x="31969868" y="7959285"/>
-              <a:ext cx="5213220" cy="3638562"/>
-            </a:xfrm>
-            <a:prstGeom prst="rect">
-              <a:avLst/>
-            </a:prstGeom>
-          </p:spPr>
-        </p:pic>
-        <p:sp>
-          <p:nvSpPr>
-            <p:cNvPr id="50" name="TextBox 49"/>
-            <p:cNvSpPr txBox="1"/>
-            <p:nvPr/>
-          </p:nvSpPr>
-          <p:spPr>
-            <a:xfrm>
-              <a:off x="36148315" y="8882913"/>
-              <a:ext cx="5771914" cy="1815882"/>
-            </a:xfrm>
-            <a:prstGeom prst="rect">
-              <a:avLst/>
-            </a:prstGeom>
-            <a:noFill/>
-          </p:spPr>
-          <p:txBody>
-            <a:bodyPr wrap="square" rtlCol="1">
-              <a:spAutoFit/>
-            </a:bodyPr>
-            <a:lstStyle/>
-            <a:p>
-              <a:pPr algn="l" rtl="0"/>
-              <a:r>
-                <a:rPr lang="en-US" sz="2800" dirty="0" smtClean="0"/>
-                <a:t>11% of the human genes show distinct expression patterns that agree with the cortex region ontology</a:t>
-              </a:r>
-              <a:endParaRPr lang="he-IL" sz="2800" b="1" dirty="0"/>
-            </a:p>
-          </p:txBody>
-        </p:sp>
-      </p:grpSp>
-      <p:grpSp>
-        <p:nvGrpSpPr>
-          <p:cNvPr id="61" name="Group 60"/>
-          <p:cNvGrpSpPr/>
-          <p:nvPr/>
-        </p:nvGrpSpPr>
-        <p:grpSpPr>
-          <a:xfrm>
-            <a:off x="32187875" y="10801424"/>
-            <a:ext cx="9096561" cy="4105077"/>
-            <a:chOff x="32440318" y="11890515"/>
-            <a:chExt cx="10220424" cy="3697754"/>
-          </a:xfrm>
-        </p:grpSpPr>
-        <p:pic>
-          <p:nvPicPr>
-            <p:cNvPr id="48" name="Picture 47" descr="distCortex-Celltype.png"/>
-            <p:cNvPicPr/>
-            <p:nvPr/>
-          </p:nvPicPr>
-          <p:blipFill>
-            <a:blip r:embed="rId20" cstate="print"/>
-            <a:srcRect l="5796"/>
-            <a:stretch>
-              <a:fillRect/>
-            </a:stretch>
-          </p:blipFill>
-          <p:spPr>
-            <a:xfrm>
-              <a:off x="38022727" y="11890515"/>
-              <a:ext cx="4638015" cy="3697754"/>
-            </a:xfrm>
-            <a:prstGeom prst="rect">
-              <a:avLst/>
-            </a:prstGeom>
-          </p:spPr>
-        </p:pic>
-        <p:sp>
-          <p:nvSpPr>
-            <p:cNvPr id="51" name="TextBox 50"/>
-            <p:cNvSpPr txBox="1"/>
-            <p:nvPr/>
-          </p:nvSpPr>
-          <p:spPr>
-            <a:xfrm>
-              <a:off x="32440318" y="12863462"/>
-              <a:ext cx="5218643" cy="1815882"/>
-            </a:xfrm>
-            <a:prstGeom prst="rect">
-              <a:avLst/>
-            </a:prstGeom>
-            <a:noFill/>
-          </p:spPr>
-          <p:txBody>
-            <a:bodyPr wrap="square" rtlCol="1">
-              <a:spAutoFit/>
-            </a:bodyPr>
-            <a:lstStyle/>
-            <a:p>
-              <a:pPr algn="l" rtl="0"/>
-              <a:r>
-                <a:rPr lang="en-US" sz="2800" dirty="0" smtClean="0"/>
-                <a:t>Astrocytes and neuronal markers are in stronger agreement with BRO than the average gene. </a:t>
-              </a:r>
-            </a:p>
-          </p:txBody>
-        </p:sp>
-      </p:grpSp>
-      <p:sp>
-        <p:nvSpPr>
-          <p:cNvPr id="49" name="TextBox 48"/>
-          <p:cNvSpPr txBox="1"/>
-          <p:nvPr/>
-        </p:nvSpPr>
-        <p:spPr>
-          <a:xfrm>
-            <a:off x="7798883" y="30171577"/>
-            <a:ext cx="2930609" cy="769441"/>
-          </a:xfrm>
-          <a:prstGeom prst="rect">
-            <a:avLst/>
-          </a:prstGeom>
-          <a:noFill/>
-        </p:spPr>
-        <p:txBody>
-          <a:bodyPr wrap="none" rtlCol="1">
-            <a:spAutoFit/>
-          </a:bodyPr>
-          <a:lstStyle/>
-          <a:p>
-            <a:r>
-              <a:rPr lang="en-US" sz="4400" dirty="0" smtClean="0">
-                <a:solidFill>
-                  <a:schemeClr val="tx1">
-                    <a:lumMod val="65000"/>
-                    <a:lumOff val="35000"/>
-                  </a:schemeClr>
-                </a:solidFill>
-                <a:latin typeface="Baskerville Old Face" pitchFamily="18" charset="0"/>
-              </a:rPr>
-              <a:t>414 Regions</a:t>
-            </a:r>
-            <a:endParaRPr lang="he-IL" sz="4400" dirty="0">
-              <a:solidFill>
-                <a:schemeClr val="tx1">
-                  <a:lumMod val="65000"/>
-                  <a:lumOff val="35000"/>
-                </a:schemeClr>
-              </a:solidFill>
-              <a:latin typeface="Baskerville Old Face" pitchFamily="18" charset="0"/>
-            </a:endParaRPr>
-          </a:p>
-        </p:txBody>
-      </p:sp>
+      </p:pic>
       <p:pic>
         <p:nvPicPr>
-          <p:cNvPr id="54" name="Picture 2" descr="C:\Users\Lior\Dropbox\papers\brain region tree\Figures\figure 1\h_clustering.png"/>
+          <p:cNvPr id="1030" name="Picture 6" descr="Preview of your QR Code"/>
           <p:cNvPicPr>
             <a:picLocks noChangeAspect="1" noChangeArrowheads="1"/>
           </p:cNvPicPr>
           <p:nvPr/>
         </p:nvPicPr>
         <p:blipFill>
-          <a:blip r:embed="rId21" cstate="print"/>
-          <a:srcRect t="6764" r="6676"/>
+          <a:blip r:embed="rId23">
+            <a:extLst>
+              <a:ext uri="{28A0092B-C50C-407E-A947-70E740481C1C}">
+                <a14:useLocalDpi xmlns:a14="http://schemas.microsoft.com/office/drawing/2010/main" val="0"/>
+              </a:ext>
+            </a:extLst>
+          </a:blip>
+          <a:srcRect/>
           <a:stretch>
             <a:fillRect/>
           </a:stretch>
         </p:blipFill>
         <p:spPr bwMode="auto">
           <a:xfrm>
-            <a:off x="11665595" y="6894577"/>
-            <a:ext cx="8352928" cy="4698936"/>
+            <a:off x="35737310" y="1113156"/>
+            <a:ext cx="2095500" cy="2095501"/>
           </a:xfrm>
           <a:prstGeom prst="rect">
             <a:avLst/>
           </a:prstGeom>
           <a:noFill/>
+          <a:extLst>
+            <a:ext uri="{909E8E84-426E-40DD-AFC4-6F175D3DCCD1}">
+              <a14:hiddenFill xmlns:a14="http://schemas.microsoft.com/office/drawing/2010/main">
+                <a:solidFill>
+                  <a:srgbClr val="FFFFFF"/>
+                </a:solidFill>
+              </a14:hiddenFill>
+            </a:ext>
+          </a:extLst>
         </p:spPr>
       </p:pic>
-      <p:pic>
-        <p:nvPicPr>
-          <p:cNvPr id="1027" name="Picture 3" descr="C:\Users\Lior\Dropbox\papers\brain region tree\Figures\figure 1\2dhist-NEUROD1-corr-0.65.png"/>
-          <p:cNvPicPr>
-            <a:picLocks noChangeAspect="1" noChangeArrowheads="1"/>
-          </p:cNvPicPr>
-          <p:nvPr/>
-        </p:nvPicPr>
-        <p:blipFill>
-          <a:blip r:embed="rId22" cstate="print"/>
-          <a:srcRect l="2108" t="5613" r="2635"/>
-          <a:stretch>
-            <a:fillRect/>
-          </a:stretch>
-        </p:blipFill>
-        <p:spPr bwMode="auto">
-          <a:xfrm>
-            <a:off x="13897844" y="27075233"/>
-            <a:ext cx="6193789" cy="4608512"/>
-          </a:xfrm>
-          <a:prstGeom prst="rect">
-            <a:avLst/>
-          </a:prstGeom>
-          <a:noFill/>
-        </p:spPr>
-      </p:pic>
-      <p:sp>
-        <p:nvSpPr>
-          <p:cNvPr id="57" name="TextBox 56"/>
-          <p:cNvSpPr txBox="1"/>
-          <p:nvPr/>
-        </p:nvSpPr>
-        <p:spPr>
-          <a:xfrm>
-            <a:off x="11665594" y="27939329"/>
-            <a:ext cx="2232250" cy="2554545"/>
-          </a:xfrm>
-          <a:prstGeom prst="rect">
-            <a:avLst/>
-          </a:prstGeom>
-          <a:noFill/>
-        </p:spPr>
-        <p:txBody>
-          <a:bodyPr wrap="square" rtlCol="1">
-            <a:spAutoFit/>
-          </a:bodyPr>
-          <a:lstStyle/>
-          <a:p>
-            <a:pPr algn="l" rtl="0"/>
-            <a:r>
-              <a:rPr lang="en-US" sz="3200" b="1" dirty="0" smtClean="0"/>
-              <a:t>Example:</a:t>
-            </a:r>
-            <a:br>
-              <a:rPr lang="en-US" sz="3200" b="1" dirty="0" smtClean="0"/>
-            </a:br>
-            <a:r>
-              <a:rPr lang="en-US" sz="3200" b="1" dirty="0" smtClean="0"/>
-              <a:t>Neurod1 receives  a high BRO score</a:t>
-            </a:r>
-            <a:endParaRPr lang="he-IL" sz="2800" b="1" dirty="0" smtClean="0"/>
-          </a:p>
-        </p:txBody>
-      </p:sp>
-      <p:sp>
-        <p:nvSpPr>
-          <p:cNvPr id="59" name="TextBox 58"/>
-          <p:cNvSpPr txBox="1"/>
-          <p:nvPr/>
-        </p:nvSpPr>
-        <p:spPr>
-          <a:xfrm>
-            <a:off x="26355228" y="11521505"/>
-            <a:ext cx="3888432" cy="954107"/>
-          </a:xfrm>
-          <a:prstGeom prst="rect">
-            <a:avLst/>
-          </a:prstGeom>
-          <a:noFill/>
-        </p:spPr>
-        <p:txBody>
-          <a:bodyPr wrap="square" rtlCol="1">
-            <a:spAutoFit/>
-          </a:bodyPr>
-          <a:lstStyle/>
-          <a:p>
-            <a:pPr algn="l" rtl="0"/>
-            <a:r>
-              <a:rPr lang="en-US" sz="2800" dirty="0" smtClean="0"/>
-              <a:t>Significance was assets using permutation test.</a:t>
-            </a:r>
-            <a:endParaRPr lang="he-IL" sz="2800" dirty="0"/>
-          </a:p>
-        </p:txBody>
-      </p:sp>
-      <p:sp>
-        <p:nvSpPr>
-          <p:cNvPr id="66" name="Rounded Rectangle 65"/>
-          <p:cNvSpPr/>
-          <p:nvPr/>
-        </p:nvSpPr>
-        <p:spPr>
-          <a:xfrm>
-            <a:off x="31683820" y="16202026"/>
-            <a:ext cx="10441160" cy="5760639"/>
-          </a:xfrm>
-          <a:prstGeom prst="roundRect">
-            <a:avLst/>
-          </a:prstGeom>
-          <a:solidFill>
-            <a:schemeClr val="bg1"/>
-          </a:solidFill>
-          <a:ln w="76200">
-            <a:solidFill>
-              <a:schemeClr val="tx1"/>
-            </a:solidFill>
-          </a:ln>
-        </p:spPr>
-        <p:style>
-          <a:lnRef idx="2">
-            <a:schemeClr val="accent1">
-              <a:shade val="50000"/>
-            </a:schemeClr>
-          </a:lnRef>
-          <a:fillRef idx="1">
-            <a:schemeClr val="accent1"/>
-          </a:fillRef>
-          <a:effectRef idx="0">
-            <a:schemeClr val="accent1"/>
-          </a:effectRef>
-          <a:fontRef idx="minor">
-            <a:schemeClr val="lt1"/>
-          </a:fontRef>
-        </p:style>
-        <p:txBody>
-          <a:bodyPr lIns="83976" tIns="41987" rIns="83976" bIns="41987" rtlCol="1" anchor="t" anchorCtr="0"/>
-          <a:lstStyle/>
-          <a:p>
-            <a:pPr algn="ctr" rtl="0"/>
-            <a:r>
-              <a:rPr lang="en-US" sz="4400" b="1" dirty="0" smtClean="0">
-                <a:solidFill>
-                  <a:schemeClr val="tx1"/>
-                </a:solidFill>
-              </a:rPr>
-              <a:t>Robustness across subjects</a:t>
-            </a:r>
-          </a:p>
-          <a:p>
-            <a:pPr algn="l" rtl="0"/>
-            <a:r>
-              <a:rPr lang="en-US" sz="1800" b="1" dirty="0" smtClean="0">
-                <a:solidFill>
-                  <a:schemeClr val="tx1"/>
-                </a:solidFill>
-              </a:rPr>
-              <a:t>  </a:t>
-            </a:r>
-            <a:endParaRPr lang="en-US" sz="3200" dirty="0" smtClean="0">
-              <a:solidFill>
-                <a:schemeClr val="tx1"/>
-              </a:solidFill>
-            </a:endParaRPr>
-          </a:p>
-          <a:p>
-            <a:pPr algn="l" rtl="0"/>
-            <a:endParaRPr lang="en-US" sz="3200" dirty="0" smtClean="0">
-              <a:solidFill>
-                <a:schemeClr val="tx1"/>
-              </a:solidFill>
-            </a:endParaRPr>
-          </a:p>
-          <a:p>
-            <a:pPr algn="l" rtl="0"/>
-            <a:endParaRPr lang="en-US" sz="3200" dirty="0" smtClean="0">
-              <a:solidFill>
-                <a:schemeClr val="tx1"/>
-              </a:solidFill>
-            </a:endParaRPr>
-          </a:p>
-          <a:p>
-            <a:pPr algn="l" rtl="0"/>
-            <a:endParaRPr lang="en-US" sz="3200" dirty="0" smtClean="0">
-              <a:solidFill>
-                <a:schemeClr val="tx1"/>
-              </a:solidFill>
-            </a:endParaRPr>
-          </a:p>
-          <a:p>
-            <a:pPr algn="l" rtl="0"/>
-            <a:endParaRPr lang="en-US" sz="3200" dirty="0" smtClean="0">
-              <a:solidFill>
-                <a:schemeClr val="tx1"/>
-              </a:solidFill>
-            </a:endParaRPr>
-          </a:p>
-          <a:p>
-            <a:pPr algn="l" rtl="0"/>
-            <a:endParaRPr lang="en-US" sz="3200" dirty="0" smtClean="0">
-              <a:solidFill>
-                <a:schemeClr val="tx1"/>
-              </a:solidFill>
-            </a:endParaRPr>
-          </a:p>
-          <a:p>
-            <a:pPr algn="l" rtl="0"/>
-            <a:endParaRPr lang="en-US" sz="3200" dirty="0" smtClean="0">
-              <a:solidFill>
-                <a:schemeClr val="tx1"/>
-              </a:solidFill>
-            </a:endParaRPr>
-          </a:p>
-          <a:p>
-            <a:pPr algn="l" rtl="0"/>
-            <a:endParaRPr lang="en-US" sz="3200" dirty="0" smtClean="0">
-              <a:solidFill>
-                <a:schemeClr val="tx1"/>
-              </a:solidFill>
-            </a:endParaRPr>
-          </a:p>
-          <a:p>
-            <a:pPr algn="l" rtl="0"/>
-            <a:endParaRPr lang="en-US" sz="3200" dirty="0" smtClean="0">
-              <a:solidFill>
-                <a:schemeClr val="tx1"/>
-              </a:solidFill>
-            </a:endParaRPr>
-          </a:p>
-          <a:p>
-            <a:pPr algn="l" rtl="0"/>
-            <a:endParaRPr lang="en-US" sz="3200" dirty="0" smtClean="0">
-              <a:solidFill>
-                <a:schemeClr val="tx1"/>
-              </a:solidFill>
-            </a:endParaRPr>
-          </a:p>
-          <a:p>
-            <a:pPr algn="l" rtl="0"/>
-            <a:endParaRPr lang="en-US" sz="3200" dirty="0" smtClean="0">
-              <a:solidFill>
-                <a:schemeClr val="tx1"/>
-              </a:solidFill>
-            </a:endParaRPr>
-          </a:p>
-          <a:p>
-            <a:pPr algn="l" rtl="0"/>
-            <a:endParaRPr lang="en-US" sz="3200" dirty="0" smtClean="0">
-              <a:solidFill>
-                <a:schemeClr val="tx1"/>
-              </a:solidFill>
-            </a:endParaRPr>
-          </a:p>
-        </p:txBody>
-      </p:sp>
-      <p:sp>
-        <p:nvSpPr>
-          <p:cNvPr id="69" name="TextBox 68"/>
-          <p:cNvSpPr txBox="1"/>
-          <p:nvPr/>
-        </p:nvSpPr>
-        <p:spPr>
-          <a:xfrm>
-            <a:off x="37660484" y="17570176"/>
-            <a:ext cx="4183913" cy="3108543"/>
-          </a:xfrm>
-          <a:prstGeom prst="rect">
-            <a:avLst/>
-          </a:prstGeom>
-          <a:noFill/>
-        </p:spPr>
-        <p:txBody>
-          <a:bodyPr wrap="square" rtlCol="1">
-            <a:spAutoFit/>
-          </a:bodyPr>
-          <a:lstStyle/>
-          <a:p>
-            <a:pPr algn="l" rtl="0"/>
-            <a:r>
-              <a:rPr lang="en-US" sz="2800" dirty="0" smtClean="0"/>
-              <a:t>The percent of BRO-significant genes is stable  when we compute the BRO score for each subject separately</a:t>
-            </a:r>
-          </a:p>
-          <a:p>
-            <a:pPr algn="l" rtl="0"/>
-            <a:r>
-              <a:rPr lang="en-US" sz="2800" dirty="0" smtClean="0"/>
-              <a:t>(89%, 90%, 76%, 91%, 83%, 86%).</a:t>
-            </a:r>
-          </a:p>
-        </p:txBody>
-      </p:sp>
-      <p:sp>
-        <p:nvSpPr>
-          <p:cNvPr id="70" name="TextBox 69"/>
-          <p:cNvSpPr txBox="1"/>
-          <p:nvPr/>
-        </p:nvSpPr>
-        <p:spPr>
-          <a:xfrm>
-            <a:off x="39316668" y="24122905"/>
-            <a:ext cx="2808312" cy="3108543"/>
-          </a:xfrm>
-          <a:prstGeom prst="rect">
-            <a:avLst/>
-          </a:prstGeom>
-          <a:noFill/>
-        </p:spPr>
-        <p:txBody>
-          <a:bodyPr wrap="square" rtlCol="1">
-            <a:spAutoFit/>
-          </a:bodyPr>
-          <a:lstStyle/>
-          <a:p>
-            <a:pPr algn="l" rtl="0"/>
-            <a:r>
-              <a:rPr lang="en-US" sz="2800" i="1" dirty="0" smtClean="0"/>
-              <a:t>FEZF2</a:t>
-            </a:r>
-            <a:r>
-              <a:rPr lang="en-US" sz="2800" dirty="0" smtClean="0"/>
-              <a:t> is known to regulate the axon targeting of layer 5 </a:t>
-            </a:r>
-            <a:r>
-              <a:rPr lang="en-US" sz="2800" dirty="0" err="1" smtClean="0"/>
-              <a:t>subcortical</a:t>
-            </a:r>
-            <a:r>
-              <a:rPr lang="en-US" sz="2800" dirty="0" smtClean="0"/>
-              <a:t> projection neurons.</a:t>
-            </a:r>
-          </a:p>
-          <a:p>
-            <a:pPr algn="l" rtl="0"/>
-            <a:endParaRPr lang="en-US" sz="2800" dirty="0" smtClean="0"/>
-          </a:p>
-        </p:txBody>
-      </p:sp>
-      <p:pic>
-        <p:nvPicPr>
-          <p:cNvPr id="1028" name="Picture 4" descr="C:\Users\Lior\Downloads\seprateSubjects\joint_figure_dist.png"/>
-          <p:cNvPicPr>
-            <a:picLocks noChangeAspect="1" noChangeArrowheads="1"/>
-          </p:cNvPicPr>
-          <p:nvPr/>
-        </p:nvPicPr>
-        <p:blipFill>
-          <a:blip r:embed="rId23" cstate="print"/>
-          <a:srcRect l="5796" t="5613" r="5796"/>
-          <a:stretch>
-            <a:fillRect/>
-          </a:stretch>
-        </p:blipFill>
-        <p:spPr bwMode="auto">
-          <a:xfrm>
-            <a:off x="32043859" y="17215071"/>
-            <a:ext cx="5472609" cy="4387555"/>
-          </a:xfrm>
-          <a:prstGeom prst="rect">
-            <a:avLst/>
-          </a:prstGeom>
-          <a:noFill/>
-        </p:spPr>
-      </p:pic>
-      <p:sp>
-        <p:nvSpPr>
-          <p:cNvPr id="71" name="Rectangle 70"/>
-          <p:cNvSpPr/>
-          <p:nvPr/>
-        </p:nvSpPr>
-        <p:spPr>
-          <a:xfrm>
-            <a:off x="12097644" y="11507685"/>
-            <a:ext cx="8334741" cy="1093940"/>
-          </a:xfrm>
-          <a:prstGeom prst="rect">
-            <a:avLst/>
-          </a:prstGeom>
-        </p:spPr>
-        <p:txBody>
-          <a:bodyPr wrap="square" lIns="108000" tIns="54000" rIns="108000" bIns="54000">
-            <a:spAutoFit/>
-          </a:bodyPr>
-          <a:lstStyle/>
-          <a:p>
-            <a:pPr algn="l" rtl="0"/>
-            <a:r>
-              <a:rPr lang="en-US" sz="3200" dirty="0" smtClean="0"/>
-              <a:t>Neighboring regions in the human ontology show similar pattern of expression.</a:t>
-            </a:r>
-            <a:endParaRPr lang="en-US" sz="3200" b="1" dirty="0"/>
-          </a:p>
-        </p:txBody>
-      </p:sp>
-      <p:sp>
-        <p:nvSpPr>
-          <p:cNvPr id="67" name="TextBox 66"/>
-          <p:cNvSpPr txBox="1"/>
-          <p:nvPr/>
-        </p:nvSpPr>
-        <p:spPr>
-          <a:xfrm>
-            <a:off x="22178764" y="21890657"/>
-            <a:ext cx="3888432" cy="4278094"/>
-          </a:xfrm>
-          <a:prstGeom prst="rect">
-            <a:avLst/>
-          </a:prstGeom>
-          <a:noFill/>
-        </p:spPr>
-        <p:txBody>
-          <a:bodyPr wrap="square" rtlCol="1">
-            <a:spAutoFit/>
-          </a:bodyPr>
-          <a:lstStyle/>
-          <a:p>
-            <a:pPr algn="l" rtl="0"/>
-            <a:r>
-              <a:rPr lang="en-US" sz="2800" b="1" dirty="0" smtClean="0"/>
-              <a:t>Development genes</a:t>
-            </a:r>
-            <a:r>
-              <a:rPr lang="en-US" sz="2800" dirty="0" smtClean="0"/>
-              <a:t> </a:t>
-            </a:r>
-            <a:br>
-              <a:rPr lang="en-US" sz="2800" dirty="0" smtClean="0"/>
-            </a:br>
-            <a:r>
-              <a:rPr lang="en-US" sz="2800" dirty="0" smtClean="0"/>
-              <a:t>are in strong agreement with the tree structure suggesting that they may have important functions in the adult brain.</a:t>
-            </a:r>
-          </a:p>
-          <a:p>
-            <a:pPr algn="l" rtl="0"/>
-            <a:endParaRPr lang="en-US" sz="2800" dirty="0" smtClean="0"/>
-          </a:p>
-          <a:p>
-            <a:pPr algn="l" rtl="0"/>
-            <a:r>
-              <a:rPr lang="en-US" sz="2400" dirty="0" smtClean="0"/>
-              <a:t>Axon guidance markers from KEGG.</a:t>
-            </a:r>
-            <a:endParaRPr lang="en-US" sz="2400" i="1" dirty="0" smtClean="0"/>
-          </a:p>
-          <a:p>
-            <a:pPr algn="l" rtl="0"/>
-            <a:endParaRPr lang="en-US" sz="2800" dirty="0" smtClean="0"/>
-          </a:p>
-        </p:txBody>
-      </p:sp>
-      <p:grpSp>
-        <p:nvGrpSpPr>
-          <p:cNvPr id="73" name="Group 72"/>
-          <p:cNvGrpSpPr/>
-          <p:nvPr/>
-        </p:nvGrpSpPr>
-        <p:grpSpPr>
-          <a:xfrm>
-            <a:off x="26427236" y="20954553"/>
-            <a:ext cx="4392488" cy="5760640"/>
-            <a:chOff x="26427236" y="20882545"/>
-            <a:chExt cx="4392488" cy="5760640"/>
-          </a:xfrm>
-        </p:grpSpPr>
-        <p:pic>
-          <p:nvPicPr>
-            <p:cNvPr id="1032" name="Picture 8" descr="C:\Users\Lior\Dropbox\papers\brain region tree\Figures\figure 3\dist_axon.png"/>
-            <p:cNvPicPr>
-              <a:picLocks noChangeAspect="1" noChangeArrowheads="1"/>
-            </p:cNvPicPr>
-            <p:nvPr/>
-          </p:nvPicPr>
-          <p:blipFill>
-            <a:blip r:embed="rId24" cstate="print"/>
-            <a:srcRect/>
-            <a:stretch>
-              <a:fillRect/>
-            </a:stretch>
-          </p:blipFill>
-          <p:spPr bwMode="auto">
-            <a:xfrm>
-              <a:off x="26427236" y="23344737"/>
-              <a:ext cx="4392488" cy="3298448"/>
-            </a:xfrm>
-            <a:prstGeom prst="rect">
-              <a:avLst/>
-            </a:prstGeom>
-            <a:noFill/>
-          </p:spPr>
-        </p:pic>
-        <p:pic>
-          <p:nvPicPr>
-            <p:cNvPr id="72" name="Picture 7" descr="C:\Users\Lior\Documents\AxonScatter.png"/>
-            <p:cNvPicPr>
-              <a:picLocks noChangeAspect="1" noChangeArrowheads="1"/>
-            </p:cNvPicPr>
-            <p:nvPr/>
-          </p:nvPicPr>
-          <p:blipFill>
-            <a:blip r:embed="rId25" cstate="print"/>
-            <a:srcRect/>
-            <a:stretch>
-              <a:fillRect/>
-            </a:stretch>
-          </p:blipFill>
-          <p:spPr bwMode="auto">
-            <a:xfrm>
-              <a:off x="26427236" y="20882545"/>
-              <a:ext cx="4172871" cy="3168352"/>
-            </a:xfrm>
-            <a:prstGeom prst="rect">
-              <a:avLst/>
-            </a:prstGeom>
-            <a:noFill/>
-          </p:spPr>
-        </p:pic>
-      </p:grpSp>
     </p:spTree>
-    <p:extLst>
-      <p:ext uri="{BB962C8B-B14F-4D97-AF65-F5344CB8AC3E}">
-        <p14:creationId xmlns:p14="http://schemas.microsoft.com/office/powerpoint/2010/main" val="422258078"/>
-      </p:ext>
-    </p:extLst>
   </p:cSld>
   <p:clrMapOvr>
     <a:masterClrMapping/>

--- a/COMET_poster.pptx
+++ b/COMET_poster.pptx
@@ -5707,42 +5707,12 @@
       </mc:AlternateContent>
       <p:pic>
         <p:nvPicPr>
-          <p:cNvPr id="12" name="Picture 11"/>
-          <p:cNvPicPr>
-            <a:picLocks noChangeAspect="1"/>
-          </p:cNvPicPr>
-          <p:nvPr/>
-        </p:nvPicPr>
-        <p:blipFill>
-          <a:blip r:embed="rId5" cstate="print">
-            <a:extLst>
-              <a:ext uri="{28A0092B-C50C-407E-A947-70E740481C1C}">
-                <a14:useLocalDpi xmlns:a14="http://schemas.microsoft.com/office/drawing/2010/main" val="0"/>
-              </a:ext>
-            </a:extLst>
-          </a:blip>
-          <a:stretch>
-            <a:fillRect/>
-          </a:stretch>
-        </p:blipFill>
-        <p:spPr>
-          <a:xfrm>
-            <a:off x="38694580" y="825979"/>
-            <a:ext cx="3659927" cy="2846653"/>
-          </a:xfrm>
-          <a:prstGeom prst="rect">
-            <a:avLst/>
-          </a:prstGeom>
-        </p:spPr>
-      </p:pic>
-      <p:pic>
-        <p:nvPicPr>
           <p:cNvPr id="887" name="Picture 886"/>
           <p:cNvPicPr/>
           <p:nvPr/>
         </p:nvPicPr>
         <p:blipFill>
-          <a:blip r:embed="rId6" cstate="print"/>
+          <a:blip r:embed="rId5" cstate="print"/>
           <a:srcRect l="5796"/>
           <a:stretch>
             <a:fillRect/>
@@ -5803,7 +5773,7 @@
           <a:p>
             <a:pPr lvl="0" algn="ctr" rtl="0"/>
             <a:r>
-              <a:rPr lang="en-US" sz="4400" b="1" dirty="0" smtClean="0">
+              <a:rPr lang="en-US" sz="4400" b="1" smtClean="0">
                 <a:solidFill>
                   <a:schemeClr val="tx1"/>
                 </a:solidFill>
@@ -6070,7 +6040,7 @@
                 <a:avLst/>
               </a:prstGeom>
               <a:blipFill rotWithShape="0">
-                <a:blip r:embed="rId7"/>
+                <a:blip r:embed="rId6"/>
                 <a:stretch>
                   <a:fillRect/>
                 </a:stretch>
@@ -6179,11 +6149,11 @@
             <p:nvPr/>
           </p:nvPicPr>
           <p:blipFill>
-            <a:blip r:embed="rId8" cstate="print">
+            <a:blip r:embed="rId7" cstate="print">
               <a:extLst>
                 <a:ext uri="{BEBA8EAE-BF5A-486C-A8C5-ECC9F3942E4B}">
                   <a14:imgProps xmlns:a14="http://schemas.microsoft.com/office/drawing/2010/main">
-                    <a14:imgLayer r:embed="rId9">
+                    <a14:imgLayer r:embed="rId8">
                       <a14:imgEffect>
                         <a14:backgroundRemoval t="2174" b="100000" l="2000" r="99750"/>
                       </a14:imgEffect>
@@ -6284,8 +6254,8 @@
         </p:nvSpPr>
         <p:spPr>
           <a:xfrm>
-            <a:off x="11900380" y="11017449"/>
-            <a:ext cx="8334741" cy="2140380"/>
+            <a:off x="11900380" y="6192913"/>
+            <a:ext cx="8334741" cy="1586382"/>
           </a:xfrm>
           <a:prstGeom prst="rect">
             <a:avLst/>
@@ -6299,24 +6269,8 @@
           <a:p>
             <a:pPr algn="l" rtl="0"/>
             <a:r>
-              <a:rPr lang="en-US" sz="3200" dirty="0" smtClean="0"/>
-              <a:t>When projecting the gene expression values on the 1</a:t>
-            </a:r>
-            <a:r>
-              <a:rPr lang="en-US" sz="3200" baseline="30000" dirty="0" smtClean="0"/>
-              <a:t>st</a:t>
-            </a:r>
-            <a:r>
-              <a:rPr lang="en-US" sz="3200" dirty="0" smtClean="0"/>
-              <a:t> and 2</a:t>
-            </a:r>
-            <a:r>
-              <a:rPr lang="en-US" sz="3200" baseline="30000" dirty="0" smtClean="0"/>
-              <a:t>nd</a:t>
-            </a:r>
-            <a:r>
-              <a:rPr lang="en-US" sz="3200" dirty="0" smtClean="0"/>
-              <a:t>  PCs, the tissue samples are ordered from the anterior to the posterior of the neural tube.</a:t>
+              <a:rPr lang="en-US" sz="3200" dirty="0"/>
+              <a:t>COMET operates by updating the learned matrix one column and row at a time, thus updating the terms relating to one feature at each iteration. </a:t>
             </a:r>
             <a:endParaRPr lang="en-US" sz="3200" b="1" dirty="0"/>
           </a:p>
@@ -6400,7 +6354,7 @@
           <p:nvPr/>
         </p:nvPicPr>
         <p:blipFill>
-          <a:blip r:embed="rId10" cstate="print"/>
+          <a:blip r:embed="rId9" cstate="print"/>
           <a:srcRect l="11558" t="12764" r="15026" b="17728"/>
           <a:stretch>
             <a:fillRect/>
@@ -6737,7 +6691,7 @@
             <p:nvPr/>
           </p:nvPicPr>
           <p:blipFill>
-            <a:blip r:embed="rId11" cstate="print"/>
+            <a:blip r:embed="rId10" cstate="print"/>
             <a:srcRect r="7966" b="9645"/>
             <a:stretch>
               <a:fillRect/>
@@ -6760,7 +6714,7 @@
             <p:nvPr/>
           </p:nvPicPr>
           <p:blipFill>
-            <a:blip r:embed="rId12" cstate="print"/>
+            <a:blip r:embed="rId11" cstate="print"/>
             <a:srcRect l="6850" t="47949" r="6132"/>
             <a:stretch>
               <a:fillRect/>
@@ -7074,7 +7028,7 @@
             </a:r>
             <a:r>
               <a:rPr lang="en-US" sz="3600" dirty="0" smtClean="0">
-                <a:hlinkClick r:id="rId13"/>
+                <a:hlinkClick r:id="rId12"/>
               </a:rPr>
               <a:t>lior.kirsch@gmail.com</a:t>
             </a:r>
@@ -7084,7 +7038,7 @@
             </a:r>
             <a:r>
               <a:rPr lang="en-US" sz="3600" dirty="0" smtClean="0">
-                <a:hlinkClick r:id="rId14"/>
+                <a:hlinkClick r:id="rId13"/>
               </a:rPr>
               <a:t>http://chechiklab.biu.ac.il/~lior</a:t>
             </a:r>
@@ -7117,7 +7071,7 @@
             <p:nvPr/>
           </p:nvPicPr>
           <p:blipFill>
-            <a:blip r:embed="rId15" cstate="print"/>
+            <a:blip r:embed="rId14" cstate="print"/>
             <a:srcRect l="6323" t="8661"/>
             <a:stretch>
               <a:fillRect/>
@@ -7186,7 +7140,7 @@
             <p:nvPr/>
           </p:nvPicPr>
           <p:blipFill>
-            <a:blip r:embed="rId16" cstate="print"/>
+            <a:blip r:embed="rId15" cstate="print"/>
             <a:srcRect l="5796"/>
             <a:stretch>
               <a:fillRect/>
@@ -7242,7 +7196,7 @@
           <p:nvPr/>
         </p:nvPicPr>
         <p:blipFill>
-          <a:blip r:embed="rId17" cstate="print"/>
+          <a:blip r:embed="rId16" cstate="print"/>
           <a:srcRect l="2108" t="5613" r="2635"/>
           <a:stretch>
             <a:fillRect/>
@@ -7579,7 +7533,7 @@
           <p:nvPr/>
         </p:nvPicPr>
         <p:blipFill>
-          <a:blip r:embed="rId18" cstate="print"/>
+          <a:blip r:embed="rId17" cstate="print"/>
           <a:srcRect l="5796" t="5613" r="5796"/>
           <a:stretch>
             <a:fillRect/>
@@ -7676,7 +7630,7 @@
             <p:nvPr/>
           </p:nvPicPr>
           <p:blipFill>
-            <a:blip r:embed="rId19" cstate="print"/>
+            <a:blip r:embed="rId18" cstate="print"/>
             <a:srcRect/>
             <a:stretch>
               <a:fillRect/>
@@ -7702,7 +7656,7 @@
             <p:nvPr/>
           </p:nvPicPr>
           <p:blipFill>
-            <a:blip r:embed="rId20" cstate="print"/>
+            <a:blip r:embed="rId19" cstate="print"/>
             <a:srcRect/>
             <a:stretch>
               <a:fillRect/>
@@ -7727,7 +7681,7 @@
           <p:nvPr/>
         </p:nvPicPr>
         <p:blipFill>
-          <a:blip r:embed="rId21" cstate="print"/>
+          <a:blip r:embed="rId20" cstate="print"/>
           <a:srcRect l="3467"/>
           <a:stretch>
             <a:fillRect/>
@@ -7753,7 +7707,7 @@
           <p:nvPr/>
         </p:nvPicPr>
         <p:blipFill rotWithShape="1">
-          <a:blip r:embed="rId22" cstate="print">
+          <a:blip r:embed="rId21" cstate="print">
             <a:extLst>
               <a:ext uri="{28A0092B-C50C-407E-A947-70E740481C1C}">
                 <a14:useLocalDpi xmlns:a14="http://schemas.microsoft.com/office/drawing/2010/main" val="0"/>
@@ -7765,7 +7719,7 @@
         </p:blipFill>
         <p:spPr bwMode="auto">
           <a:xfrm>
-            <a:off x="15603095" y="7516205"/>
+            <a:off x="16454386" y="7779295"/>
             <a:ext cx="3336199" cy="3255809"/>
           </a:xfrm>
           <a:prstGeom prst="rect">
@@ -7792,7 +7746,7 @@
           <p:nvPr/>
         </p:nvPicPr>
         <p:blipFill>
-          <a:blip r:embed="rId23">
+          <a:blip r:embed="rId22">
             <a:extLst>
               <a:ext uri="{28A0092B-C50C-407E-A947-70E740481C1C}">
                 <a14:useLocalDpi xmlns:a14="http://schemas.microsoft.com/office/drawing/2010/main" val="0"/>
@@ -7808,6 +7762,634 @@
           <a:xfrm>
             <a:off x="35737310" y="1113156"/>
             <a:ext cx="2095500" cy="2095501"/>
+          </a:xfrm>
+          <a:prstGeom prst="rect">
+            <a:avLst/>
+          </a:prstGeom>
+          <a:noFill/>
+          <a:extLst>
+            <a:ext uri="{909E8E84-426E-40DD-AFC4-6F175D3DCCD1}">
+              <a14:hiddenFill xmlns:a14="http://schemas.microsoft.com/office/drawing/2010/main">
+                <a:solidFill>
+                  <a:srgbClr val="FFFFFF"/>
+                </a:solidFill>
+              </a14:hiddenFill>
+            </a:ext>
+          </a:extLst>
+        </p:spPr>
+      </p:pic>
+      <mc:AlternateContent xmlns:mc="http://schemas.openxmlformats.org/markup-compatibility/2006">
+        <mc:Choice xmlns:a14="http://schemas.microsoft.com/office/drawing/2010/main" Requires="a14">
+          <p:sp>
+            <p:nvSpPr>
+              <p:cNvPr id="60" name="Rectangle 59"/>
+              <p:cNvSpPr/>
+              <p:nvPr/>
+            </p:nvSpPr>
+            <p:spPr>
+              <a:xfrm>
+                <a:off x="12070732" y="11213726"/>
+                <a:ext cx="8334741" cy="5189420"/>
+              </a:xfrm>
+              <a:prstGeom prst="rect">
+                <a:avLst/>
+              </a:prstGeom>
+            </p:spPr>
+            <p:txBody>
+              <a:bodyPr wrap="square" lIns="108000" tIns="54000" rIns="108000" bIns="54000">
+                <a:spAutoFit/>
+              </a:bodyPr>
+              <a:lstStyle/>
+              <a:p>
+                <a:pPr algn="l" rtl="0"/>
+                <a:r>
+                  <a:rPr lang="en-US" sz="3200" dirty="0" smtClean="0"/>
+                  <a:t>We employ the PD condition of the </a:t>
+                </a:r>
+                <a:r>
+                  <a:rPr lang="en-US" sz="3200" dirty="0" err="1" smtClean="0"/>
+                  <a:t>Schur</a:t>
+                </a:r>
+                <a:r>
+                  <a:rPr lang="en-US" sz="3200" dirty="0" smtClean="0"/>
+                  <a:t> </a:t>
+                </a:r>
+                <a:r>
+                  <a:rPr lang="en-US" sz="3200" dirty="0"/>
+                  <a:t>complement </a:t>
+                </a:r>
+                <a:r>
+                  <a:rPr lang="en-US" sz="3200" dirty="0" smtClean="0"/>
+                  <a:t>to </a:t>
+                </a:r>
+                <a:r>
+                  <a:rPr lang="en-US" sz="3200" dirty="0"/>
+                  <a:t>efficiently calculate an exact bound over the step size that guarantees that the model remains within the PD </a:t>
+                </a:r>
+                <a:r>
+                  <a:rPr lang="en-US" sz="3200" dirty="0" smtClean="0"/>
+                  <a:t>cone:</a:t>
+                </a:r>
+              </a:p>
+              <a:p>
+                <a:pPr algn="l" rtl="0"/>
+                <a:endParaRPr lang="en-US" sz="3200" dirty="0" smtClean="0"/>
+              </a:p>
+              <a:p>
+                <a:pPr algn="l" rtl="0"/>
+                <a14:m>
+                  <m:oMathPara xmlns:m="http://schemas.openxmlformats.org/officeDocument/2006/math">
+                    <m:oMathParaPr>
+                      <m:jc m:val="centerGroup"/>
+                    </m:oMathParaPr>
+                    <m:oMath xmlns:m="http://schemas.openxmlformats.org/officeDocument/2006/math">
+                      <m:sSup>
+                        <m:sSupPr>
+                          <m:ctrlPr>
+                            <a:rPr lang="en-US" sz="3200" i="1"/>
+                          </m:ctrlPr>
+                        </m:sSupPr>
+                        <m:e>
+                          <m:r>
+                            <a:rPr lang="en-US" sz="3200" i="1"/>
+                            <m:t>𝑊</m:t>
+                          </m:r>
+                        </m:e>
+                        <m:sup>
+                          <m:r>
+                            <a:rPr lang="en-US" sz="3200" i="1"/>
+                            <m:t>𝑛𝑒𝑤</m:t>
+                          </m:r>
+                        </m:sup>
+                      </m:sSup>
+                      <m:r>
+                        <a:rPr lang="en-US" sz="3200" i="1"/>
+                        <m:t>≻</m:t>
+                      </m:r>
+                      <m:r>
+                        <a:rPr lang="en-US" sz="3200" i="1"/>
+                        <m:t>0</m:t>
+                      </m:r>
+                      <m:r>
+                        <a:rPr lang="en-US" sz="3200" i="1"/>
+                        <m:t> ⟺ </m:t>
+                      </m:r>
+                      <m:sSup>
+                        <m:sSupPr>
+                          <m:ctrlPr>
+                            <a:rPr lang="en-US" sz="3200" i="1" smtClean="0"/>
+                          </m:ctrlPr>
+                        </m:sSupPr>
+                        <m:e>
+                          <m:r>
+                            <a:rPr lang="en-US" sz="3200" b="0" i="1" smtClean="0">
+                              <a:latin typeface="Cambria Math" panose="02040503050406030204" pitchFamily="18" charset="0"/>
+                            </a:rPr>
+                            <m:t>𝑐</m:t>
+                          </m:r>
+                        </m:e>
+                        <m:sup>
+                          <m:r>
+                            <a:rPr lang="en-US" sz="3200" i="1"/>
+                            <m:t>∗</m:t>
+                          </m:r>
+                        </m:sup>
+                      </m:sSup>
+                      <m:r>
+                        <a:rPr lang="en-US" sz="3200" i="1"/>
+                        <m:t>−</m:t>
+                      </m:r>
+                      <m:sSup>
+                        <m:sSupPr>
+                          <m:ctrlPr>
+                            <a:rPr lang="en-US" sz="3200" i="1"/>
+                          </m:ctrlPr>
+                        </m:sSupPr>
+                        <m:e>
+                          <m:sSup>
+                            <m:sSupPr>
+                              <m:ctrlPr>
+                                <a:rPr lang="en-US" sz="3200" i="1"/>
+                              </m:ctrlPr>
+                            </m:sSupPr>
+                            <m:e>
+                              <m:r>
+                                <a:rPr lang="en-US" sz="3200" b="1" i="0" smtClean="0">
+                                  <a:latin typeface="Cambria Math" panose="02040503050406030204" pitchFamily="18" charset="0"/>
+                                </a:rPr>
+                                <m:t>𝐛</m:t>
+                              </m:r>
+                            </m:e>
+                            <m:sup>
+                              <m:r>
+                                <a:rPr lang="en-US" sz="3200" i="1"/>
+                                <m:t>∗</m:t>
+                              </m:r>
+                            </m:sup>
+                          </m:sSup>
+                        </m:e>
+                        <m:sup>
+                          <m:r>
+                            <a:rPr lang="en-US" sz="3200" i="1"/>
+                            <m:t>𝑇</m:t>
+                          </m:r>
+                        </m:sup>
+                      </m:sSup>
+                      <m:sSup>
+                        <m:sSupPr>
+                          <m:ctrlPr>
+                            <a:rPr lang="en-US" sz="3200" i="1"/>
+                          </m:ctrlPr>
+                        </m:sSupPr>
+                        <m:e>
+                          <m:r>
+                            <a:rPr lang="en-US" sz="3200" i="1"/>
+                            <m:t>𝐴</m:t>
+                          </m:r>
+                        </m:e>
+                        <m:sup>
+                          <m:r>
+                            <a:rPr lang="en-US" sz="3200" i="1"/>
+                            <m:t>−</m:t>
+                          </m:r>
+                          <m:r>
+                            <a:rPr lang="en-US" sz="3200" i="1"/>
+                            <m:t>1</m:t>
+                          </m:r>
+                        </m:sup>
+                      </m:sSup>
+                      <m:sSup>
+                        <m:sSupPr>
+                          <m:ctrlPr>
+                            <a:rPr lang="en-US" sz="3200" i="1"/>
+                          </m:ctrlPr>
+                        </m:sSupPr>
+                        <m:e>
+                          <m:r>
+                            <a:rPr lang="en-US" sz="3200" b="1" i="0" smtClean="0">
+                              <a:latin typeface="Cambria Math" panose="02040503050406030204" pitchFamily="18" charset="0"/>
+                            </a:rPr>
+                            <m:t>𝐛</m:t>
+                          </m:r>
+                        </m:e>
+                        <m:sup>
+                          <m:r>
+                            <a:rPr lang="en-US" sz="3200" i="1"/>
+                            <m:t>∗</m:t>
+                          </m:r>
+                        </m:sup>
+                      </m:sSup>
+                      <m:r>
+                        <a:rPr lang="en-US" sz="3200" i="1"/>
+                        <m:t>&gt;</m:t>
+                      </m:r>
+                      <m:r>
+                        <a:rPr lang="en-US" sz="3200" i="1"/>
+                        <m:t>0</m:t>
+                      </m:r>
+                      <m:r>
+                        <a:rPr lang="en-US" sz="3200" b="0" i="1" smtClean="0">
+                          <a:latin typeface="Cambria Math" panose="02040503050406030204" pitchFamily="18" charset="0"/>
+                        </a:rPr>
+                        <m:t>,</m:t>
+                      </m:r>
+                    </m:oMath>
+                  </m:oMathPara>
+                </a14:m>
+                <a:endParaRPr lang="en-US" sz="3200" dirty="0" smtClean="0"/>
+              </a:p>
+              <a:p>
+                <a:pPr algn="l" rtl="0"/>
+                <a:endParaRPr lang="en-US" sz="3200" dirty="0" smtClean="0"/>
+              </a:p>
+              <a:p>
+                <a:pPr algn="l" rtl="0"/>
+                <a:r>
+                  <a:rPr lang="en-US" sz="3200" dirty="0" smtClean="0"/>
+                  <a:t>where  </a:t>
+                </a:r>
+                <a14:m>
+                  <m:oMath xmlns:m="http://schemas.openxmlformats.org/officeDocument/2006/math">
+                    <m:sSup>
+                      <m:sSupPr>
+                        <m:ctrlPr>
+                          <a:rPr lang="en-US" sz="3200" i="1"/>
+                        </m:ctrlPr>
+                      </m:sSupPr>
+                      <m:e>
+                        <m:r>
+                          <a:rPr lang="en-US" sz="3200" i="1"/>
+                          <m:t>𝑐</m:t>
+                        </m:r>
+                      </m:e>
+                      <m:sup>
+                        <m:r>
+                          <a:rPr lang="en-US" sz="3200" i="1"/>
+                          <m:t>∗</m:t>
+                        </m:r>
+                      </m:sup>
+                    </m:sSup>
+                    <m:r>
+                      <a:rPr lang="en-US" sz="3200" i="1"/>
+                      <m:t>=</m:t>
+                    </m:r>
+                    <m:sSubSup>
+                      <m:sSubSupPr>
+                        <m:ctrlPr>
+                          <a:rPr lang="en-US" sz="3200" i="1"/>
+                        </m:ctrlPr>
+                      </m:sSubSupPr>
+                      <m:e>
+                        <m:r>
+                          <a:rPr lang="en-US" sz="3200" i="1"/>
+                          <m:t>𝑊</m:t>
+                        </m:r>
+                      </m:e>
+                      <m:sub>
+                        <m:d>
+                          <m:dPr>
+                            <m:ctrlPr>
+                              <a:rPr lang="en-US" sz="3200" i="1"/>
+                            </m:ctrlPr>
+                          </m:dPr>
+                          <m:e>
+                            <m:r>
+                              <a:rPr lang="en-US" sz="3200" i="1"/>
+                              <m:t>1</m:t>
+                            </m:r>
+                            <m:r>
+                              <a:rPr lang="en-US" sz="3200" i="1"/>
+                              <m:t>,</m:t>
+                            </m:r>
+                            <m:r>
+                              <a:rPr lang="en-US" sz="3200" i="1"/>
+                              <m:t>1</m:t>
+                            </m:r>
+                          </m:e>
+                        </m:d>
+                      </m:sub>
+                      <m:sup>
+                        <m:r>
+                          <a:rPr lang="en-US" sz="3200" i="1"/>
+                          <m:t>𝑛𝑒𝑤</m:t>
+                        </m:r>
+                      </m:sup>
+                    </m:sSubSup>
+                    <m:r>
+                      <a:rPr lang="en-US" sz="3200" b="0" i="0" smtClean="0">
+                        <a:latin typeface="Cambria Math" panose="02040503050406030204" pitchFamily="18" charset="0"/>
+                      </a:rPr>
+                      <m:t> </m:t>
+                    </m:r>
+                  </m:oMath>
+                </a14:m>
+                <a:r>
+                  <a:rPr lang="en-US" sz="3200" dirty="0" smtClean="0"/>
+                  <a:t>(</a:t>
+                </a:r>
+                <a:r>
+                  <a:rPr lang="en-US" sz="3200" dirty="0"/>
+                  <a:t>a scalar), </a:t>
+                </a:r>
+                <a14:m>
+                  <m:oMath xmlns:m="http://schemas.openxmlformats.org/officeDocument/2006/math">
+                    <m:sSup>
+                      <m:sSupPr>
+                        <m:ctrlPr>
+                          <a:rPr lang="en-US" sz="3200" i="1"/>
+                        </m:ctrlPr>
+                      </m:sSupPr>
+                      <m:e>
+                        <m:r>
+                          <a:rPr lang="en-US" sz="3200" b="1" i="1"/>
+                          <m:t>𝐛</m:t>
+                        </m:r>
+                      </m:e>
+                      <m:sup>
+                        <m:r>
+                          <a:rPr lang="en-US" sz="3200" i="1"/>
+                          <m:t>∗</m:t>
+                        </m:r>
+                      </m:sup>
+                    </m:sSup>
+                    <m:r>
+                      <a:rPr lang="en-US" sz="3200" i="1"/>
+                      <m:t>=</m:t>
+                    </m:r>
+                    <m:sSubSup>
+                      <m:sSubSupPr>
+                        <m:ctrlPr>
+                          <a:rPr lang="en-US" sz="3200" i="1"/>
+                        </m:ctrlPr>
+                      </m:sSubSupPr>
+                      <m:e>
+                        <m:r>
+                          <a:rPr lang="en-US" sz="3200" i="1"/>
+                          <m:t>𝑊</m:t>
+                        </m:r>
+                      </m:e>
+                      <m:sub>
+                        <m:d>
+                          <m:dPr>
+                            <m:ctrlPr>
+                              <a:rPr lang="en-US" sz="3200" i="1"/>
+                            </m:ctrlPr>
+                          </m:dPr>
+                          <m:e>
+                            <m:r>
+                              <a:rPr lang="en-US" sz="3200" i="1"/>
+                              <m:t>2</m:t>
+                            </m:r>
+                            <m:r>
+                              <a:rPr lang="en-US" sz="3200" i="1"/>
+                              <m:t>:</m:t>
+                            </m:r>
+                            <m:r>
+                              <a:rPr lang="en-US" sz="3200" i="1"/>
+                              <m:t>𝑑</m:t>
+                            </m:r>
+                            <m:r>
+                              <a:rPr lang="en-US" sz="3200" i="1"/>
+                              <m:t>,</m:t>
+                            </m:r>
+                            <m:r>
+                              <a:rPr lang="en-US" sz="3200" i="1"/>
+                              <m:t>1</m:t>
+                            </m:r>
+                          </m:e>
+                        </m:d>
+                      </m:sub>
+                      <m:sup>
+                        <m:r>
+                          <a:rPr lang="en-US" sz="3200" i="1"/>
+                          <m:t>𝑛𝑒𝑤</m:t>
+                        </m:r>
+                      </m:sup>
+                    </m:sSubSup>
+                  </m:oMath>
+                </a14:m>
+                <a:r>
+                  <a:rPr lang="en-US" sz="3200" dirty="0"/>
+                  <a:t> and </a:t>
+                </a:r>
+                <a14:m>
+                  <m:oMath xmlns:m="http://schemas.openxmlformats.org/officeDocument/2006/math">
+                    <m:sSup>
+                      <m:sSupPr>
+                        <m:ctrlPr>
+                          <a:rPr lang="en-US" sz="3200" i="1"/>
+                        </m:ctrlPr>
+                      </m:sSupPr>
+                      <m:e>
+                        <m:r>
+                          <a:rPr lang="en-US" sz="3200" i="1"/>
+                          <m:t>𝐴</m:t>
+                        </m:r>
+                      </m:e>
+                      <m:sup>
+                        <m:r>
+                          <a:rPr lang="en-US" sz="3200" i="1"/>
+                          <m:t>∗</m:t>
+                        </m:r>
+                      </m:sup>
+                    </m:sSup>
+                    <m:r>
+                      <a:rPr lang="en-US" sz="3200" i="1"/>
+                      <m:t>=</m:t>
+                    </m:r>
+                    <m:r>
+                      <a:rPr lang="en-US" sz="3200" i="1"/>
+                      <m:t>𝐴</m:t>
+                    </m:r>
+                    <m:r>
+                      <a:rPr lang="en-US" sz="3200" i="1"/>
+                      <m:t>=</m:t>
+                    </m:r>
+                    <m:sSub>
+                      <m:sSubPr>
+                        <m:ctrlPr>
+                          <a:rPr lang="en-US" sz="3200" i="1"/>
+                        </m:ctrlPr>
+                      </m:sSubPr>
+                      <m:e>
+                        <m:r>
+                          <a:rPr lang="en-US" sz="3200" i="1"/>
+                          <m:t>𝑊</m:t>
+                        </m:r>
+                      </m:e>
+                      <m:sub>
+                        <m:r>
+                          <a:rPr lang="en-US" sz="3200" i="1"/>
+                          <m:t>(</m:t>
+                        </m:r>
+                        <m:r>
+                          <a:rPr lang="en-US" sz="3200" i="1"/>
+                          <m:t>2</m:t>
+                        </m:r>
+                        <m:r>
+                          <a:rPr lang="en-US" sz="3200" i="1"/>
+                          <m:t>:</m:t>
+                        </m:r>
+                        <m:r>
+                          <a:rPr lang="en-US" sz="3200" i="1"/>
+                          <m:t>𝑑</m:t>
+                        </m:r>
+                        <m:r>
+                          <a:rPr lang="en-US" sz="3200" i="1"/>
+                          <m:t>,</m:t>
+                        </m:r>
+                        <m:r>
+                          <a:rPr lang="en-US" sz="3200" i="1"/>
+                          <m:t>2</m:t>
+                        </m:r>
+                        <m:r>
+                          <a:rPr lang="en-US" sz="3200" i="1"/>
+                          <m:t>:</m:t>
+                        </m:r>
+                        <m:r>
+                          <a:rPr lang="en-US" sz="3200" i="1"/>
+                          <m:t>𝑑</m:t>
+                        </m:r>
+                        <m:r>
+                          <a:rPr lang="en-US" sz="3200" i="1"/>
+                          <m:t>)</m:t>
+                        </m:r>
+                      </m:sub>
+                    </m:sSub>
+                  </m:oMath>
+                </a14:m>
+                <a:r>
+                  <a:rPr lang="en-US" sz="3200" dirty="0"/>
+                  <a:t>. </a:t>
+                </a:r>
+                <a:r>
+                  <a:rPr lang="en-US" sz="3200" dirty="0" smtClean="0"/>
+                  <a:t> Resulting with </a:t>
+                </a:r>
+                <a14:m>
+                  <m:oMath xmlns:m="http://schemas.openxmlformats.org/officeDocument/2006/math">
+                    <m:sSup>
+                      <m:sSupPr>
+                        <m:ctrlPr>
+                          <a:rPr lang="en-US" sz="3200" b="0" i="1" smtClean="0">
+                            <a:latin typeface="Cambria Math" panose="02040503050406030204" pitchFamily="18" charset="0"/>
+                          </a:rPr>
+                        </m:ctrlPr>
+                      </m:sSupPr>
+                      <m:e>
+                        <m:r>
+                          <a:rPr lang="en-US" sz="3200" b="0" i="1" smtClean="0">
+                            <a:latin typeface="Cambria Math" panose="02040503050406030204" pitchFamily="18" charset="0"/>
+                          </a:rPr>
+                          <m:t>𝜂</m:t>
+                        </m:r>
+                      </m:e>
+                      <m:sup>
+                        <m:r>
+                          <a:rPr lang="en-US" sz="3200" b="0" i="1" smtClean="0">
+                            <a:latin typeface="Cambria Math" panose="02040503050406030204" pitchFamily="18" charset="0"/>
+                          </a:rPr>
+                          <m:t>𝑚𝑎𝑥</m:t>
+                        </m:r>
+                      </m:sup>
+                    </m:sSup>
+                    <m:r>
+                      <a:rPr lang="en-US" sz="3200" i="1">
+                        <a:latin typeface="Cambria Math" panose="02040503050406030204" pitchFamily="18" charset="0"/>
+                      </a:rPr>
+                      <m:t> </m:t>
+                    </m:r>
+                  </m:oMath>
+                </a14:m>
+                <a:r>
+                  <a:rPr lang="en-US" sz="3200" dirty="0" smtClean="0"/>
+                  <a:t>an </a:t>
+                </a:r>
+                <a:r>
+                  <a:rPr lang="en-US" sz="3200" dirty="0"/>
+                  <a:t>upper limit to the allowable step </a:t>
+                </a:r>
+                <a:r>
+                  <a:rPr lang="en-US" sz="3200" dirty="0" smtClean="0"/>
+                  <a:t>size.</a:t>
+                </a:r>
+                <a:endParaRPr lang="en-US" sz="3200" dirty="0"/>
+              </a:p>
+            </p:txBody>
+          </p:sp>
+        </mc:Choice>
+        <mc:Fallback>
+          <p:sp>
+            <p:nvSpPr>
+              <p:cNvPr id="60" name="Rectangle 59"/>
+              <p:cNvSpPr>
+                <a:spLocks noRot="1" noChangeAspect="1" noMove="1" noResize="1" noEditPoints="1" noAdjustHandles="1" noChangeArrowheads="1" noChangeShapeType="1" noTextEdit="1"/>
+              </p:cNvSpPr>
+              <p:nvPr/>
+            </p:nvSpPr>
+            <p:spPr>
+              <a:xfrm>
+                <a:off x="12070732" y="11213726"/>
+                <a:ext cx="8334741" cy="5189420"/>
+              </a:xfrm>
+              <a:prstGeom prst="rect">
+                <a:avLst/>
+              </a:prstGeom>
+              <a:blipFill rotWithShape="0">
+                <a:blip r:embed="rId23"/>
+                <a:stretch>
+                  <a:fillRect l="-1683" t="-1410" b="-2820"/>
+                </a:stretch>
+              </a:blipFill>
+            </p:spPr>
+            <p:txBody>
+              <a:bodyPr/>
+              <a:lstStyle/>
+              <a:p>
+                <a:r>
+                  <a:rPr lang="en-US">
+                    <a:noFill/>
+                  </a:rPr>
+                  <a:t> </a:t>
+                </a:r>
+              </a:p>
+            </p:txBody>
+          </p:sp>
+        </mc:Fallback>
+      </mc:AlternateContent>
+      <p:pic>
+        <p:nvPicPr>
+          <p:cNvPr id="62" name="Picture 61" descr="http://www.afbiu.org/image/about-biu/circle-logo-330x330.gif"/>
+          <p:cNvPicPr/>
+          <p:nvPr/>
+        </p:nvPicPr>
+        <p:blipFill>
+          <a:blip r:embed="rId24">
+            <a:clrChange>
+              <a:clrFrom>
+                <a:srgbClr val="FFFFFF"/>
+              </a:clrFrom>
+              <a:clrTo>
+                <a:srgbClr val="FFFFFF">
+                  <a:alpha val="0"/>
+                </a:srgbClr>
+              </a:clrTo>
+            </a:clrChange>
+            <a:extLst>
+              <a:ext uri="{28A0092B-C50C-407E-A947-70E740481C1C}">
+                <a14:useLocalDpi xmlns:a14="http://schemas.microsoft.com/office/drawing/2010/main" val="0"/>
+              </a:ext>
+            </a:extLst>
+          </a:blip>
+          <a:srcRect/>
+          <a:stretch>
+            <a:fillRect/>
+          </a:stretch>
+        </p:blipFill>
+        <p:spPr bwMode="auto">
+          <a:xfrm>
+            <a:off x="38701147" y="604675"/>
+            <a:ext cx="3143250" cy="3143250"/>
           </a:xfrm>
           <a:prstGeom prst="rect">
             <a:avLst/>

--- a/COMET_poster.pptx
+++ b/COMET_poster.pptx
@@ -3016,27 +3016,9 @@
   <p:cSld>
     <p:bg>
       <p:bgPr>
-        <a:gradFill flip="none" rotWithShape="1">
-          <a:gsLst>
-            <a:gs pos="0">
-              <a:schemeClr val="tx2">
-                <a:lumMod val="60000"/>
-                <a:lumOff val="40000"/>
-              </a:schemeClr>
-            </a:gs>
-            <a:gs pos="39999">
-              <a:srgbClr val="85C2FF"/>
-            </a:gs>
-            <a:gs pos="70000">
-              <a:srgbClr val="C4D6EB"/>
-            </a:gs>
-            <a:gs pos="100000">
-              <a:srgbClr val="FFEBFA"/>
-            </a:gs>
-          </a:gsLst>
-          <a:lin ang="16200000" scaled="0"/>
-          <a:tileRect/>
-        </a:gradFill>
+        <a:solidFill>
+          <a:schemeClr val="bg1"/>
+        </a:solidFill>
         <a:effectLst/>
       </p:bgPr>
     </p:bg>
@@ -3542,29 +3524,6 @@
 <file path=ppt/slides/slide1.xml><?xml version="1.0" encoding="utf-8"?>
 <p:sld xmlns:a="http://schemas.openxmlformats.org/drawingml/2006/main" xmlns:r="http://schemas.openxmlformats.org/officeDocument/2006/relationships" xmlns:p="http://schemas.openxmlformats.org/presentationml/2006/main">
   <p:cSld>
-    <p:bg>
-      <p:bgPr>
-        <a:gradFill flip="none" rotWithShape="1">
-          <a:gsLst>
-            <a:gs pos="100000">
-              <a:schemeClr val="bg1"/>
-            </a:gs>
-            <a:gs pos="53000">
-              <a:srgbClr val="D4DEFF"/>
-            </a:gs>
-            <a:gs pos="83000">
-              <a:srgbClr val="D4DEFF"/>
-            </a:gs>
-            <a:gs pos="100000">
-              <a:srgbClr val="96AB94"/>
-            </a:gs>
-          </a:gsLst>
-          <a:lin ang="16200000" scaled="0"/>
-          <a:tileRect/>
-        </a:gradFill>
-        <a:effectLst/>
-      </p:bgPr>
-    </p:bg>
     <p:spTree>
       <p:nvGrpSpPr>
         <p:cNvPr id="1" name=""/>
@@ -3866,7 +3825,23 @@
                       <a:schemeClr val="tx1"/>
                     </a:solidFill>
                   </a:rPr>
-                  <a:t> is more similar to </a:t>
+                  <a:t> is </a:t>
+                </a:r>
+                <a:r>
+                  <a:rPr lang="en-US" sz="4200" dirty="0">
+                    <a:solidFill>
+                      <a:schemeClr val="tx1"/>
+                    </a:solidFill>
+                  </a:rPr>
+                  <a:t>more similar </a:t>
+                </a:r>
+                <a:r>
+                  <a:rPr lang="en-US" sz="3600" dirty="0">
+                    <a:solidFill>
+                      <a:schemeClr val="tx1"/>
+                    </a:solidFill>
+                  </a:rPr>
+                  <a:t>to </a:t>
                 </a:r>
                 <a14:m>
                   <m:oMath xmlns:m="http://schemas.openxmlformats.org/officeDocument/2006/math">
@@ -4391,210 +4366,213 @@
               <a:p>
                 <a:pPr algn="l" rtl="0"/>
                 <a14:m>
-                  <m:oMathPara xmlns:m="http://schemas.openxmlformats.org/officeDocument/2006/math">
-                    <m:oMathParaPr>
-                      <m:jc m:val="left"/>
-                    </m:oMathParaPr>
-                    <m:oMath xmlns:m="http://schemas.openxmlformats.org/officeDocument/2006/math">
-                      <m:r>
-                        <a:rPr lang="en-US" sz="3200" i="1">
-                          <a:solidFill>
-                            <a:schemeClr val="tx1"/>
-                          </a:solidFill>
-                          <a:latin typeface="Cambria Math" panose="02040503050406030204" pitchFamily="18" charset="0"/>
-                        </a:rPr>
-                        <m:t>−</m:t>
-                      </m:r>
-                      <m:r>
-                        <a:rPr lang="en-US" sz="3200" i="1">
-                          <a:solidFill>
-                            <a:schemeClr val="tx1"/>
-                          </a:solidFill>
-                          <a:latin typeface="Cambria Math" panose="02040503050406030204" pitchFamily="18" charset="0"/>
-                        </a:rPr>
-                        <m:t>𝛼</m:t>
-                      </m:r>
-                      <m:func>
-                        <m:funcPr>
-                          <m:ctrlPr>
-                            <a:rPr lang="en-US" sz="3200" i="1">
-                              <a:solidFill>
-                                <a:schemeClr val="tx1"/>
-                              </a:solidFill>
-                              <a:latin typeface="Cambria Math" panose="02040503050406030204" pitchFamily="18" charset="0"/>
-                            </a:rPr>
-                          </m:ctrlPr>
-                        </m:funcPr>
-                        <m:fName>
-                          <m:r>
-                            <m:rPr>
-                              <m:sty m:val="p"/>
-                            </m:rPr>
-                            <a:rPr lang="en-US" sz="3200">
-                              <a:solidFill>
-                                <a:schemeClr val="tx1"/>
-                              </a:solidFill>
-                              <a:latin typeface="Cambria Math" panose="02040503050406030204" pitchFamily="18" charset="0"/>
-                            </a:rPr>
-                            <m:t>log</m:t>
-                          </m:r>
-                        </m:fName>
-                        <m:e>
-                          <m:func>
-                            <m:funcPr>
-                              <m:ctrlPr>
-                                <a:rPr lang="en-US" sz="3200" i="1">
-                                  <a:solidFill>
-                                    <a:schemeClr val="tx1"/>
-                                  </a:solidFill>
-                                  <a:latin typeface="Cambria Math" panose="02040503050406030204" pitchFamily="18" charset="0"/>
-                                </a:rPr>
-                              </m:ctrlPr>
-                            </m:funcPr>
-                            <m:fName>
-                              <m:r>
-                                <m:rPr>
-                                  <m:sty m:val="p"/>
-                                </m:rPr>
-                                <a:rPr lang="en-US" sz="3200">
-                                  <a:solidFill>
-                                    <a:schemeClr val="tx1"/>
-                                  </a:solidFill>
-                                  <a:latin typeface="Cambria Math" panose="02040503050406030204" pitchFamily="18" charset="0"/>
-                                </a:rPr>
-                                <m:t>det</m:t>
-                              </m:r>
-                            </m:fName>
-                            <m:e>
-                              <m:r>
-                                <a:rPr lang="en-US" sz="3200" i="1">
-                                  <a:solidFill>
-                                    <a:schemeClr val="tx1"/>
-                                  </a:solidFill>
-                                  <a:latin typeface="Cambria Math" panose="02040503050406030204" pitchFamily="18" charset="0"/>
-                                </a:rPr>
-                                <m:t>𝑊</m:t>
-                              </m:r>
-                            </m:e>
-                          </m:func>
-                        </m:e>
-                      </m:func>
-                      <m:r>
-                        <a:rPr lang="en-US" sz="3200" i="1">
-                          <a:solidFill>
-                            <a:schemeClr val="tx1"/>
-                          </a:solidFill>
-                          <a:latin typeface="Cambria Math" panose="02040503050406030204" pitchFamily="18" charset="0"/>
-                        </a:rPr>
-                        <m:t>+</m:t>
-                      </m:r>
-                      <m:f>
-                        <m:fPr>
-                          <m:ctrlPr>
-                            <a:rPr lang="en-US" sz="3200" i="1">
-                              <a:solidFill>
-                                <a:schemeClr val="tx1"/>
-                              </a:solidFill>
-                              <a:latin typeface="Cambria Math" panose="02040503050406030204" pitchFamily="18" charset="0"/>
-                            </a:rPr>
-                          </m:ctrlPr>
-                        </m:fPr>
-                        <m:num>
-                          <m:r>
-                            <a:rPr lang="en-US" sz="3200" i="1">
-                              <a:solidFill>
-                                <a:schemeClr val="tx1"/>
-                              </a:solidFill>
-                              <a:latin typeface="Cambria Math" panose="02040503050406030204" pitchFamily="18" charset="0"/>
-                            </a:rPr>
-                            <m:t>𝛽</m:t>
-                          </m:r>
-                        </m:num>
-                        <m:den>
-                          <m:r>
-                            <a:rPr lang="en-US" sz="3200" i="1">
-                              <a:solidFill>
-                                <a:schemeClr val="tx1"/>
-                              </a:solidFill>
-                              <a:latin typeface="Cambria Math" panose="02040503050406030204" pitchFamily="18" charset="0"/>
-                            </a:rPr>
-                            <m:t>2</m:t>
-                          </m:r>
-                        </m:den>
-                      </m:f>
-                      <m:r>
-                        <a:rPr lang="en-US" sz="3200" i="1">
-                          <a:solidFill>
-                            <a:schemeClr val="tx1"/>
-                          </a:solidFill>
-                          <a:latin typeface="Cambria Math" panose="02040503050406030204" pitchFamily="18" charset="0"/>
-                        </a:rPr>
-                        <m:t> </m:t>
-                      </m:r>
-                      <m:sSubSup>
-                        <m:sSubSupPr>
-                          <m:ctrlPr>
-                            <a:rPr lang="en-US" sz="3200" i="1">
-                              <a:solidFill>
-                                <a:schemeClr val="tx1"/>
-                              </a:solidFill>
-                              <a:latin typeface="Cambria Math" panose="02040503050406030204" pitchFamily="18" charset="0"/>
-                            </a:rPr>
-                          </m:ctrlPr>
-                        </m:sSubSupPr>
-                        <m:e>
-                          <m:d>
-                            <m:dPr>
-                              <m:begChr m:val="‖"/>
-                              <m:endChr m:val="‖"/>
-                              <m:ctrlPr>
-                                <a:rPr lang="en-US" sz="3200" i="1">
-                                  <a:solidFill>
-                                    <a:schemeClr val="tx1"/>
-                                  </a:solidFill>
-                                  <a:latin typeface="Cambria Math" panose="02040503050406030204" pitchFamily="18" charset="0"/>
-                                </a:rPr>
-                              </m:ctrlPr>
-                            </m:dPr>
-                            <m:e>
-                              <m:r>
-                                <a:rPr lang="en-US" sz="3200" i="1">
-                                  <a:solidFill>
-                                    <a:schemeClr val="tx1"/>
-                                  </a:solidFill>
-                                  <a:latin typeface="Cambria Math" panose="02040503050406030204" pitchFamily="18" charset="0"/>
-                                </a:rPr>
-                                <m:t>𝑊</m:t>
-                              </m:r>
-                            </m:e>
-                          </m:d>
-                        </m:e>
-                        <m:sub>
-                          <m:r>
-                            <a:rPr lang="en-US" sz="3200" i="1">
-                              <a:solidFill>
-                                <a:schemeClr val="tx1"/>
-                              </a:solidFill>
-                              <a:latin typeface="Cambria Math" panose="02040503050406030204" pitchFamily="18" charset="0"/>
-                            </a:rPr>
-                            <m:t>𝐹</m:t>
-                          </m:r>
-                        </m:sub>
-                        <m:sup>
-                          <m:r>
-                            <a:rPr lang="en-US" sz="3200" i="1">
-                              <a:solidFill>
-                                <a:schemeClr val="tx1"/>
-                              </a:solidFill>
-                              <a:latin typeface="Cambria Math" panose="02040503050406030204" pitchFamily="18" charset="0"/>
-                            </a:rPr>
-                            <m:t>2</m:t>
-                          </m:r>
-                        </m:sup>
-                      </m:sSubSup>
-                    </m:oMath>
-                  </m:oMathPara>
+                  <m:oMath xmlns:m="http://schemas.openxmlformats.org/officeDocument/2006/math">
+                    <m:r>
+                      <a:rPr lang="en-US" sz="3200" i="1">
+                        <a:solidFill>
+                          <a:schemeClr val="tx1"/>
+                        </a:solidFill>
+                        <a:latin typeface="Cambria Math" panose="02040503050406030204" pitchFamily="18" charset="0"/>
+                      </a:rPr>
+                      <m:t>−</m:t>
+                    </m:r>
+                    <m:r>
+                      <a:rPr lang="en-US" sz="3200" i="1">
+                        <a:solidFill>
+                          <a:schemeClr val="tx1"/>
+                        </a:solidFill>
+                        <a:latin typeface="Cambria Math" panose="02040503050406030204" pitchFamily="18" charset="0"/>
+                      </a:rPr>
+                      <m:t>𝛼</m:t>
+                    </m:r>
+                    <m:func>
+                      <m:funcPr>
+                        <m:ctrlPr>
+                          <a:rPr lang="en-US" sz="3200" i="1">
+                            <a:solidFill>
+                              <a:schemeClr val="tx1"/>
+                            </a:solidFill>
+                            <a:latin typeface="Cambria Math" panose="02040503050406030204" pitchFamily="18" charset="0"/>
+                          </a:rPr>
+                        </m:ctrlPr>
+                      </m:funcPr>
+                      <m:fName>
+                        <m:r>
+                          <m:rPr>
+                            <m:sty m:val="p"/>
+                          </m:rPr>
+                          <a:rPr lang="en-US" sz="3200">
+                            <a:solidFill>
+                              <a:schemeClr val="tx1"/>
+                            </a:solidFill>
+                            <a:latin typeface="Cambria Math" panose="02040503050406030204" pitchFamily="18" charset="0"/>
+                          </a:rPr>
+                          <m:t>log</m:t>
+                        </m:r>
+                      </m:fName>
+                      <m:e>
+                        <m:func>
+                          <m:funcPr>
+                            <m:ctrlPr>
+                              <a:rPr lang="en-US" sz="3200" i="1">
+                                <a:solidFill>
+                                  <a:schemeClr val="tx1"/>
+                                </a:solidFill>
+                                <a:latin typeface="Cambria Math" panose="02040503050406030204" pitchFamily="18" charset="0"/>
+                              </a:rPr>
+                            </m:ctrlPr>
+                          </m:funcPr>
+                          <m:fName>
+                            <m:r>
+                              <m:rPr>
+                                <m:sty m:val="p"/>
+                              </m:rPr>
+                              <a:rPr lang="en-US" sz="3200">
+                                <a:solidFill>
+                                  <a:schemeClr val="tx1"/>
+                                </a:solidFill>
+                                <a:latin typeface="Cambria Math" panose="02040503050406030204" pitchFamily="18" charset="0"/>
+                              </a:rPr>
+                              <m:t>det</m:t>
+                            </m:r>
+                          </m:fName>
+                          <m:e>
+                            <m:r>
+                              <a:rPr lang="en-US" sz="3200" i="1">
+                                <a:solidFill>
+                                  <a:schemeClr val="tx1"/>
+                                </a:solidFill>
+                                <a:latin typeface="Cambria Math" panose="02040503050406030204" pitchFamily="18" charset="0"/>
+                              </a:rPr>
+                              <m:t>𝑊</m:t>
+                            </m:r>
+                          </m:e>
+                        </m:func>
+                      </m:e>
+                    </m:func>
+                    <m:r>
+                      <a:rPr lang="en-US" sz="3200" i="1">
+                        <a:solidFill>
+                          <a:schemeClr val="tx1"/>
+                        </a:solidFill>
+                        <a:latin typeface="Cambria Math" panose="02040503050406030204" pitchFamily="18" charset="0"/>
+                      </a:rPr>
+                      <m:t>+</m:t>
+                    </m:r>
+                    <m:f>
+                      <m:fPr>
+                        <m:ctrlPr>
+                          <a:rPr lang="en-US" sz="3200" i="1">
+                            <a:solidFill>
+                              <a:schemeClr val="tx1"/>
+                            </a:solidFill>
+                            <a:latin typeface="Cambria Math" panose="02040503050406030204" pitchFamily="18" charset="0"/>
+                          </a:rPr>
+                        </m:ctrlPr>
+                      </m:fPr>
+                      <m:num>
+                        <m:r>
+                          <a:rPr lang="en-US" sz="3200" i="1">
+                            <a:solidFill>
+                              <a:schemeClr val="tx1"/>
+                            </a:solidFill>
+                            <a:latin typeface="Cambria Math" panose="02040503050406030204" pitchFamily="18" charset="0"/>
+                          </a:rPr>
+                          <m:t>𝛽</m:t>
+                        </m:r>
+                      </m:num>
+                      <m:den>
+                        <m:r>
+                          <a:rPr lang="en-US" sz="3200" i="1">
+                            <a:solidFill>
+                              <a:schemeClr val="tx1"/>
+                            </a:solidFill>
+                            <a:latin typeface="Cambria Math" panose="02040503050406030204" pitchFamily="18" charset="0"/>
+                          </a:rPr>
+                          <m:t>2</m:t>
+                        </m:r>
+                      </m:den>
+                    </m:f>
+                    <m:r>
+                      <a:rPr lang="en-US" sz="3200" i="1">
+                        <a:solidFill>
+                          <a:schemeClr val="tx1"/>
+                        </a:solidFill>
+                        <a:latin typeface="Cambria Math" panose="02040503050406030204" pitchFamily="18" charset="0"/>
+                      </a:rPr>
+                      <m:t> </m:t>
+                    </m:r>
+                    <m:sSubSup>
+                      <m:sSubSupPr>
+                        <m:ctrlPr>
+                          <a:rPr lang="en-US" sz="3200" i="1">
+                            <a:solidFill>
+                              <a:schemeClr val="tx1"/>
+                            </a:solidFill>
+                            <a:latin typeface="Cambria Math" panose="02040503050406030204" pitchFamily="18" charset="0"/>
+                          </a:rPr>
+                        </m:ctrlPr>
+                      </m:sSubSupPr>
+                      <m:e>
+                        <m:d>
+                          <m:dPr>
+                            <m:begChr m:val="‖"/>
+                            <m:endChr m:val="‖"/>
+                            <m:ctrlPr>
+                              <a:rPr lang="en-US" sz="3200" i="1">
+                                <a:solidFill>
+                                  <a:schemeClr val="tx1"/>
+                                </a:solidFill>
+                                <a:latin typeface="Cambria Math" panose="02040503050406030204" pitchFamily="18" charset="0"/>
+                              </a:rPr>
+                            </m:ctrlPr>
+                          </m:dPr>
+                          <m:e>
+                            <m:r>
+                              <a:rPr lang="en-US" sz="3200" i="1">
+                                <a:solidFill>
+                                  <a:schemeClr val="tx1"/>
+                                </a:solidFill>
+                                <a:latin typeface="Cambria Math" panose="02040503050406030204" pitchFamily="18" charset="0"/>
+                              </a:rPr>
+                              <m:t>𝑊</m:t>
+                            </m:r>
+                          </m:e>
+                        </m:d>
+                      </m:e>
+                      <m:sub>
+                        <m:r>
+                          <a:rPr lang="en-US" sz="3200" i="1">
+                            <a:solidFill>
+                              <a:schemeClr val="tx1"/>
+                            </a:solidFill>
+                            <a:latin typeface="Cambria Math" panose="02040503050406030204" pitchFamily="18" charset="0"/>
+                          </a:rPr>
+                          <m:t>𝐹</m:t>
+                        </m:r>
+                      </m:sub>
+                      <m:sup>
+                        <m:r>
+                          <a:rPr lang="en-US" sz="3200" i="1">
+                            <a:solidFill>
+                              <a:schemeClr val="tx1"/>
+                            </a:solidFill>
+                            <a:latin typeface="Cambria Math" panose="02040503050406030204" pitchFamily="18" charset="0"/>
+                          </a:rPr>
+                          <m:t>2</m:t>
+                        </m:r>
+                      </m:sup>
+                    </m:sSubSup>
+                  </m:oMath>
                 </a14:m>
+                <a:r>
+                  <a:rPr lang="en-US" sz="3300" dirty="0" smtClean="0">
+                    <a:solidFill>
+                      <a:schemeClr val="tx1"/>
+                    </a:solidFill>
+                  </a:rPr>
+                  <a:t>, with gradient steps inside the PD cone.</a:t>
+                </a:r>
                 <a:endParaRPr lang="he-IL" sz="3300" dirty="0" smtClean="0">
                   <a:solidFill>
                     <a:schemeClr val="tx1"/>
@@ -4665,7 +4643,7 @@
         <p:spPr>
           <a:xfrm>
             <a:off x="21602700" y="4968777"/>
-            <a:ext cx="9361040" cy="8568952"/>
+            <a:ext cx="9361040" cy="19298144"/>
           </a:xfrm>
           <a:prstGeom prst="roundRect">
             <a:avLst/>
@@ -4701,17 +4679,14 @@
           <a:p>
             <a:pPr algn="ctr" rtl="0"/>
             <a:r>
-              <a:rPr lang="en-US" sz="4400" b="1" dirty="0">
+              <a:rPr lang="en-US" sz="4400" b="1" smtClean="0">
                 <a:solidFill>
                   <a:schemeClr val="tx1"/>
                 </a:solidFill>
               </a:rPr>
               <a:t>Sparse COMET</a:t>
             </a:r>
-          </a:p>
-          <a:p>
-            <a:pPr algn="ctr" rtl="0"/>
-            <a:endParaRPr lang="en-US" sz="4400" b="1" dirty="0">
+            <a:endParaRPr lang="en-US" sz="4400" b="1" dirty="0" smtClean="0">
               <a:solidFill>
                 <a:schemeClr val="tx1"/>
               </a:solidFill>
@@ -4729,8 +4704,8 @@
         </p:nvSpPr>
         <p:spPr bwMode="auto">
           <a:xfrm>
-            <a:off x="4252242" y="154793"/>
-            <a:ext cx="34700925" cy="2693824"/>
+            <a:off x="4252242" y="-37567"/>
+            <a:ext cx="34700925" cy="3078545"/>
           </a:xfrm>
           <a:prstGeom prst="rect">
             <a:avLst/>
@@ -4753,15 +4728,19 @@
             <a:pPr algn="ctr" rtl="0"/>
             <a:r>
               <a:rPr lang="en-US" b="1" dirty="0" smtClean="0"/>
-              <a:t>COMET – Learning Sparse Metrics</a:t>
-            </a:r>
-            <a:endParaRPr lang="en-US" b="1" dirty="0" smtClean="0"/>
+              <a:t>Learning</a:t>
+            </a:r>
+            <a:r>
+              <a:rPr lang="en-US" sz="11000" b="1" dirty="0" smtClean="0"/>
+              <a:t> Sparse Metrics</a:t>
+            </a:r>
+            <a:endParaRPr lang="en-US" sz="11000" b="1" dirty="0" smtClean="0"/>
           </a:p>
           <a:p>
             <a:pPr algn="ctr" rtl="0"/>
             <a:r>
               <a:rPr lang="en-US" b="1" dirty="0" smtClean="0"/>
-              <a:t>One Feature at a Time</a:t>
+              <a:t>One Feature at a Time - COMET</a:t>
             </a:r>
             <a:endParaRPr lang="en-US" b="1" dirty="0" smtClean="0"/>
           </a:p>
@@ -4927,8 +4906,8 @@
         </p:nvSpPr>
         <p:spPr>
           <a:xfrm>
-            <a:off x="21602700" y="14041785"/>
-            <a:ext cx="9361040" cy="17857984"/>
+            <a:off x="21602700" y="24764108"/>
+            <a:ext cx="9361040" cy="7135661"/>
           </a:xfrm>
           <a:prstGeom prst="roundRect">
             <a:avLst/>
@@ -4969,15 +4948,7 @@
                   <a:schemeClr val="tx1"/>
                 </a:solidFill>
               </a:rPr>
-              <a:t>Precision at </a:t>
-            </a:r>
-            <a:r>
-              <a:rPr lang="en-US" sz="4400" b="1" i="1" dirty="0" smtClean="0">
-                <a:solidFill>
-                  <a:schemeClr val="tx1"/>
-                </a:solidFill>
-              </a:rPr>
-              <a:t>top k</a:t>
+              <a:t>Computational Complexity</a:t>
             </a:r>
             <a:endParaRPr lang="en-US" sz="4400" b="1" dirty="0" smtClean="0">
               <a:solidFill>
@@ -4987,7 +4958,34 @@
           </a:p>
           <a:p>
             <a:pPr algn="l" rtl="0"/>
-            <a:endParaRPr lang="en-US" sz="3200" b="1" dirty="0" smtClean="0">
+            <a:endParaRPr lang="en-US" sz="3200" smtClean="0">
+              <a:solidFill>
+                <a:schemeClr val="tx1"/>
+              </a:solidFill>
+            </a:endParaRPr>
+          </a:p>
+          <a:p>
+            <a:pPr algn="l" rtl="0"/>
+            <a:r>
+              <a:rPr lang="en-US" sz="3200" smtClean="0">
+                <a:solidFill>
+                  <a:schemeClr val="tx1"/>
+                </a:solidFill>
+              </a:rPr>
+              <a:t>We </a:t>
+            </a:r>
+            <a:r>
+              <a:rPr lang="en-US" sz="3200" dirty="0" smtClean="0">
+                <a:solidFill>
+                  <a:schemeClr val="tx1"/>
+                </a:solidFill>
+              </a:rPr>
+              <a:t>compared COMET with LEGO, HDSL and the Euclidean metric baseline.</a:t>
+            </a:r>
+          </a:p>
+          <a:p>
+            <a:pPr algn="l" rtl="0"/>
+            <a:endParaRPr lang="en-US" sz="3200" dirty="0" smtClean="0">
               <a:solidFill>
                 <a:schemeClr val="tx1"/>
               </a:solidFill>
@@ -5705,29 +5703,6 @@
           </p:sp>
         </mc:Fallback>
       </mc:AlternateContent>
-      <p:pic>
-        <p:nvPicPr>
-          <p:cNvPr id="887" name="Picture 886"/>
-          <p:cNvPicPr/>
-          <p:nvPr/>
-        </p:nvPicPr>
-        <p:blipFill>
-          <a:blip r:embed="rId5" cstate="print"/>
-          <a:srcRect l="5796"/>
-          <a:stretch>
-            <a:fillRect/>
-          </a:stretch>
-        </p:blipFill>
-        <p:spPr>
-          <a:xfrm>
-            <a:off x="22322780" y="8569177"/>
-            <a:ext cx="5904656" cy="4707669"/>
-          </a:xfrm>
-          <a:prstGeom prst="rect">
-            <a:avLst/>
-          </a:prstGeom>
-        </p:spPr>
-      </p:pic>
       <p:sp>
         <p:nvSpPr>
           <p:cNvPr id="20" name="Rounded Rectangle 19"/>
@@ -5736,8 +5711,8 @@
         </p:nvSpPr>
         <p:spPr>
           <a:xfrm>
-            <a:off x="11449571" y="4968777"/>
-            <a:ext cx="9433050" cy="11737304"/>
+            <a:off x="11449571" y="4968776"/>
+            <a:ext cx="9433050" cy="15203237"/>
           </a:xfrm>
           <a:prstGeom prst="roundRect">
             <a:avLst/>
@@ -6040,7 +6015,7 @@
                 <a:avLst/>
               </a:prstGeom>
               <a:blipFill rotWithShape="0">
-                <a:blip r:embed="rId6"/>
+                <a:blip r:embed="rId5"/>
                 <a:stretch>
                   <a:fillRect/>
                 </a:stretch>
@@ -6116,7 +6091,15 @@
                   <a:schemeClr val="tx1"/>
                 </a:solidFill>
               </a:rPr>
-              <a:t>	Expression across the human cortex is not homogeneous</a:t>
+              <a:t>	</a:t>
+            </a:r>
+            <a:r>
+              <a:rPr lang="en-US" sz="4400" b="1" dirty="0" smtClean="0">
+                <a:solidFill>
+                  <a:schemeClr val="tx1"/>
+                </a:solidFill>
+              </a:rPr>
+              <a:t>Precision-Density-Runtime</a:t>
             </a:r>
             <a:endParaRPr lang="en-US" sz="4400" b="1" dirty="0">
               <a:solidFill>
@@ -6149,11 +6132,11 @@
             <p:nvPr/>
           </p:nvPicPr>
           <p:blipFill>
-            <a:blip r:embed="rId7" cstate="print">
+            <a:blip r:embed="rId6" cstate="print">
               <a:extLst>
                 <a:ext uri="{BEBA8EAE-BF5A-486C-A8C5-ECC9F3942E4B}">
                   <a14:imgProps xmlns:a14="http://schemas.microsoft.com/office/drawing/2010/main">
-                    <a14:imgLayer r:embed="rId8">
+                    <a14:imgLayer r:embed="rId7">
                       <a14:imgEffect>
                         <a14:backgroundRemoval t="2174" b="100000" l="2000" r="99750"/>
                       </a14:imgEffect>
@@ -6255,7 +6238,7 @@
         <p:spPr>
           <a:xfrm>
             <a:off x="11900380" y="6192913"/>
-            <a:ext cx="8334741" cy="1586382"/>
+            <a:ext cx="4710275" cy="3556152"/>
           </a:xfrm>
           <a:prstGeom prst="rect">
             <a:avLst/>
@@ -6267,7 +6250,7 @@
           </a:bodyPr>
           <a:lstStyle/>
           <a:p>
-            <a:pPr algn="l" rtl="0"/>
+            <a:pPr algn="just" rtl="0"/>
             <a:r>
               <a:rPr lang="en-US" sz="3200" dirty="0"/>
               <a:t>COMET operates by updating the learned matrix one column and row at a time, thus updating the terms relating to one feature at each iteration. </a:t>
@@ -6354,7 +6337,7 @@
           <p:nvPr/>
         </p:nvPicPr>
         <p:blipFill>
-          <a:blip r:embed="rId9" cstate="print"/>
+          <a:blip r:embed="rId8" cstate="print"/>
           <a:srcRect l="11558" t="12764" r="15026" b="17728"/>
           <a:stretch>
             <a:fillRect/>
@@ -6371,486 +6354,178 @@
           <a:ln/>
         </p:spPr>
       </p:pic>
-      <p:sp>
-        <p:nvSpPr>
-          <p:cNvPr id="37" name="Rounded Rectangle 36"/>
-          <p:cNvSpPr/>
-          <p:nvPr/>
-        </p:nvSpPr>
-        <p:spPr>
-          <a:xfrm>
-            <a:off x="11521579" y="17570176"/>
-            <a:ext cx="9433049" cy="14329593"/>
-          </a:xfrm>
-          <a:prstGeom prst="roundRect">
-            <a:avLst/>
-          </a:prstGeom>
-          <a:solidFill>
-            <a:schemeClr val="bg1"/>
-          </a:solidFill>
-          <a:ln w="76200">
-            <a:solidFill>
-              <a:schemeClr val="tx1"/>
-            </a:solidFill>
-          </a:ln>
-        </p:spPr>
-        <p:style>
-          <a:lnRef idx="2">
-            <a:schemeClr val="accent1">
-              <a:shade val="50000"/>
-            </a:schemeClr>
-          </a:lnRef>
-          <a:fillRef idx="1">
-            <a:schemeClr val="accent1"/>
-          </a:fillRef>
-          <a:effectRef idx="0">
-            <a:schemeClr val="accent1"/>
-          </a:effectRef>
-          <a:fontRef idx="minor">
-            <a:schemeClr val="lt1"/>
-          </a:fontRef>
-        </p:style>
-        <p:txBody>
-          <a:bodyPr lIns="83976" tIns="41987" rIns="83976" bIns="41987" rtlCol="1" anchor="t"/>
-          <a:lstStyle/>
-          <a:p>
-            <a:pPr algn="ctr" rtl="0"/>
-            <a:r>
-              <a:rPr lang="en-US" sz="4000" b="1" dirty="0" smtClean="0">
+      <mc:AlternateContent xmlns:mc="http://schemas.openxmlformats.org/markup-compatibility/2006">
+        <mc:Choice xmlns:a14="http://schemas.microsoft.com/office/drawing/2010/main" Requires="a14">
+          <p:sp>
+            <p:nvSpPr>
+              <p:cNvPr id="37" name="Rounded Rectangle 36"/>
+              <p:cNvSpPr/>
+              <p:nvPr/>
+            </p:nvSpPr>
+            <p:spPr>
+              <a:xfrm>
+                <a:off x="11449571" y="20669200"/>
+                <a:ext cx="9433049" cy="2937244"/>
+              </a:xfrm>
+              <a:prstGeom prst="roundRect">
+                <a:avLst/>
+              </a:prstGeom>
+              <a:solidFill>
+                <a:schemeClr val="bg1"/>
+              </a:solidFill>
+              <a:ln w="76200">
                 <a:solidFill>
                   <a:schemeClr val="tx1"/>
                 </a:solidFill>
-              </a:rPr>
-              <a:t>Dense COMET</a:t>
-            </a:r>
-            <a:endParaRPr lang="en-US" sz="4000" b="1" dirty="0" smtClean="0">
-              <a:solidFill>
-                <a:schemeClr val="tx1"/>
-              </a:solidFill>
-            </a:endParaRPr>
-          </a:p>
-          <a:p>
-            <a:pPr algn="l" rtl="0"/>
-            <a:r>
-              <a:rPr lang="en-US" sz="3200" dirty="0" smtClean="0">
+              </a:ln>
+            </p:spPr>
+            <p:style>
+              <a:lnRef idx="2">
+                <a:schemeClr val="accent1">
+                  <a:shade val="50000"/>
+                </a:schemeClr>
+              </a:lnRef>
+              <a:fillRef idx="1">
+                <a:schemeClr val="accent1"/>
+              </a:fillRef>
+              <a:effectRef idx="0">
+                <a:schemeClr val="accent1"/>
+              </a:effectRef>
+              <a:fontRef idx="minor">
+                <a:schemeClr val="lt1"/>
+              </a:fontRef>
+            </p:style>
+            <p:txBody>
+              <a:bodyPr lIns="83976" tIns="41987" rIns="83976" bIns="41987" rtlCol="1" anchor="t"/>
+              <a:lstStyle/>
+              <a:p>
+                <a:pPr algn="ctr" rtl="0"/>
+                <a:r>
+                  <a:rPr lang="en-US" sz="4000" b="1" dirty="0" smtClean="0">
+                    <a:solidFill>
+                      <a:schemeClr val="tx1"/>
+                    </a:solidFill>
+                  </a:rPr>
+                  <a:t>Dense COMET</a:t>
+                </a:r>
+                <a:endParaRPr lang="en-US" sz="4000" b="1" dirty="0" smtClean="0">
+                  <a:solidFill>
+                    <a:schemeClr val="tx1"/>
+                  </a:solidFill>
+                </a:endParaRPr>
+              </a:p>
+              <a:p>
+                <a:pPr algn="l" rtl="0"/>
+                <a:r>
+                  <a:rPr lang="en-US" sz="3200" dirty="0" smtClean="0">
+                    <a:solidFill>
+                      <a:schemeClr val="tx1"/>
+                    </a:solidFill>
+                  </a:rPr>
+                  <a:t>We randomly draw a coordinate for each step, and take a row-column gradient step accordingly. We repeat it </a:t>
+                </a:r>
+                <a14:m>
+                  <m:oMath xmlns:m="http://schemas.openxmlformats.org/officeDocument/2006/math">
+                    <m:r>
+                      <a:rPr lang="en-US" sz="2800" b="0" i="1" smtClean="0">
+                        <a:solidFill>
+                          <a:schemeClr val="tx1"/>
+                        </a:solidFill>
+                        <a:latin typeface="Cambria Math" panose="02040503050406030204" pitchFamily="18" charset="0"/>
+                      </a:rPr>
+                      <m:t>𝑁</m:t>
+                    </m:r>
+                    <m:r>
+                      <a:rPr lang="en-US" sz="2800" b="0" i="1" smtClean="0">
+                        <a:solidFill>
+                          <a:schemeClr val="tx1"/>
+                        </a:solidFill>
+                        <a:latin typeface="Cambria Math" panose="02040503050406030204" pitchFamily="18" charset="0"/>
+                        <a:ea typeface="Cambria Math" panose="02040503050406030204" pitchFamily="18" charset="0"/>
+                      </a:rPr>
+                      <m:t>∙</m:t>
+                    </m:r>
+                    <m:r>
+                      <a:rPr lang="en-US" sz="2800" b="0" i="1" smtClean="0">
+                        <a:solidFill>
+                          <a:schemeClr val="tx1"/>
+                        </a:solidFill>
+                        <a:latin typeface="Cambria Math" panose="02040503050406030204" pitchFamily="18" charset="0"/>
+                        <a:ea typeface="Cambria Math" panose="02040503050406030204" pitchFamily="18" charset="0"/>
+                      </a:rPr>
+                      <m:t>𝑑</m:t>
+                    </m:r>
+                  </m:oMath>
+                </a14:m>
+                <a:r>
+                  <a:rPr lang="en-US" sz="2800" i="1" dirty="0" smtClean="0">
+                    <a:solidFill>
+                      <a:schemeClr val="tx1"/>
+                    </a:solidFill>
+                  </a:rPr>
+                  <a:t> </a:t>
+                </a:r>
+                <a:r>
+                  <a:rPr lang="en-US" sz="2800" dirty="0" smtClean="0">
+                    <a:solidFill>
+                      <a:schemeClr val="tx1"/>
+                    </a:solidFill>
+                  </a:rPr>
+                  <a:t>times.</a:t>
+                </a:r>
+                <a:endParaRPr lang="he-IL" sz="2800" i="1" dirty="0">
+                  <a:solidFill>
+                    <a:schemeClr val="tx1"/>
+                  </a:solidFill>
+                </a:endParaRPr>
+              </a:p>
+            </p:txBody>
+          </p:sp>
+        </mc:Choice>
+        <mc:Fallback>
+          <p:sp>
+            <p:nvSpPr>
+              <p:cNvPr id="37" name="Rounded Rectangle 36"/>
+              <p:cNvSpPr>
+                <a:spLocks noRot="1" noChangeAspect="1" noMove="1" noResize="1" noEditPoints="1" noAdjustHandles="1" noChangeArrowheads="1" noChangeShapeType="1" noTextEdit="1"/>
+              </p:cNvSpPr>
+              <p:nvPr/>
+            </p:nvSpPr>
+            <p:spPr>
+              <a:xfrm>
+                <a:off x="11449571" y="20669200"/>
+                <a:ext cx="9433049" cy="2937244"/>
+              </a:xfrm>
+              <a:prstGeom prst="roundRect">
+                <a:avLst/>
+              </a:prstGeom>
+              <a:blipFill rotWithShape="0">
+                <a:blip r:embed="rId9"/>
+                <a:stretch>
+                  <a:fillRect/>
+                </a:stretch>
+              </a:blipFill>
+              <a:ln w="76200">
                 <a:solidFill>
                   <a:schemeClr val="tx1"/>
                 </a:solidFill>
-              </a:rPr>
-              <a:t>We define a measure of agreement between the expression of a single gene across regions and the brain region ontology</a:t>
-            </a:r>
-            <a:r>
-              <a:rPr lang="en-US" sz="3300" dirty="0" smtClean="0">
-                <a:solidFill>
-                  <a:schemeClr val="tx1"/>
-                </a:solidFill>
-              </a:rPr>
-              <a:t> </a:t>
-            </a:r>
-            <a:r>
-              <a:rPr lang="en-US" sz="2400" dirty="0" smtClean="0">
-                <a:solidFill>
-                  <a:schemeClr val="tx1"/>
-                </a:solidFill>
-              </a:rPr>
-              <a:t>(similar results with other scores)</a:t>
-            </a:r>
-            <a:endParaRPr lang="en-US" sz="3300" dirty="0" smtClean="0">
-              <a:solidFill>
-                <a:schemeClr val="tx1"/>
-              </a:solidFill>
-            </a:endParaRPr>
-          </a:p>
-          <a:p>
-            <a:pPr algn="l" rtl="0"/>
-            <a:endParaRPr lang="en-US" sz="1600" dirty="0" smtClean="0">
-              <a:solidFill>
-                <a:schemeClr val="tx1"/>
-              </a:solidFill>
-            </a:endParaRPr>
-          </a:p>
-          <a:p>
-            <a:pPr algn="l" rtl="0"/>
-            <a:r>
-              <a:rPr lang="en-US" sz="3600" b="1" dirty="0" err="1" smtClean="0">
-                <a:solidFill>
-                  <a:srgbClr val="FF0000"/>
-                </a:solidFill>
-              </a:rPr>
-              <a:t>BRO</a:t>
-            </a:r>
-            <a:r>
-              <a:rPr lang="en-US" sz="3600" b="1" baseline="-25000" dirty="0" err="1" smtClean="0">
-                <a:solidFill>
-                  <a:srgbClr val="FF0000"/>
-                </a:solidFill>
-              </a:rPr>
-              <a:t>score</a:t>
-            </a:r>
-            <a:r>
-              <a:rPr lang="en-US" sz="3600" b="1" baseline="-25000" dirty="0" smtClean="0">
-                <a:solidFill>
-                  <a:schemeClr val="tx1"/>
-                </a:solidFill>
-              </a:rPr>
-              <a:t> </a:t>
-            </a:r>
-            <a:r>
-              <a:rPr lang="en-US" sz="3600" b="1" i="1" dirty="0" smtClean="0">
-                <a:solidFill>
-                  <a:schemeClr val="tx1"/>
-                </a:solidFill>
-              </a:rPr>
-              <a:t>= Correlation (</a:t>
-            </a:r>
-            <a:r>
-              <a:rPr lang="en-US" sz="3600" b="1" i="1" dirty="0" err="1" smtClean="0">
-                <a:solidFill>
-                  <a:schemeClr val="tx1"/>
-                </a:solidFill>
-              </a:rPr>
-              <a:t>d</a:t>
-            </a:r>
-            <a:r>
-              <a:rPr lang="en-US" sz="3600" b="1" i="1" baseline="-25000" dirty="0" err="1" smtClean="0">
-                <a:solidFill>
-                  <a:schemeClr val="tx1"/>
-                </a:solidFill>
-              </a:rPr>
-              <a:t>expression</a:t>
-            </a:r>
-            <a:r>
-              <a:rPr lang="en-US" sz="3600" b="1" i="1" dirty="0" smtClean="0">
-                <a:solidFill>
-                  <a:schemeClr val="tx1"/>
-                </a:solidFill>
-              </a:rPr>
-              <a:t> , </a:t>
-            </a:r>
-            <a:r>
-              <a:rPr lang="en-US" sz="3600" b="1" i="1" dirty="0" err="1" smtClean="0">
-                <a:solidFill>
-                  <a:schemeClr val="tx1"/>
-                </a:solidFill>
-              </a:rPr>
-              <a:t>d</a:t>
-            </a:r>
-            <a:r>
-              <a:rPr lang="en-US" sz="3600" b="1" i="1" baseline="-25000" dirty="0" err="1" smtClean="0">
-                <a:solidFill>
-                  <a:schemeClr val="tx1"/>
-                </a:solidFill>
-              </a:rPr>
-              <a:t>tree</a:t>
-            </a:r>
-            <a:r>
-              <a:rPr lang="en-US" sz="3600" b="1" i="1" dirty="0" smtClean="0">
-                <a:solidFill>
-                  <a:schemeClr val="tx1"/>
-                </a:solidFill>
-              </a:rPr>
-              <a:t> )</a:t>
-            </a:r>
-            <a:endParaRPr lang="en-US" sz="4000" b="1" i="1" dirty="0" smtClean="0">
-              <a:solidFill>
-                <a:schemeClr val="tx1"/>
-              </a:solidFill>
-            </a:endParaRPr>
-          </a:p>
-          <a:p>
-            <a:pPr algn="l" rtl="0"/>
-            <a:endParaRPr lang="en-US" sz="1800" dirty="0" smtClean="0">
-              <a:solidFill>
-                <a:schemeClr val="tx1"/>
-              </a:solidFill>
-            </a:endParaRPr>
-          </a:p>
-          <a:p>
-            <a:pPr algn="l" rtl="0">
-              <a:buFont typeface="Arial" pitchFamily="34" charset="0"/>
-              <a:buChar char="•"/>
-            </a:pPr>
-            <a:r>
-              <a:rPr lang="en-US" sz="3300" dirty="0" smtClean="0">
-                <a:solidFill>
-                  <a:schemeClr val="tx1"/>
-                </a:solidFill>
-              </a:rPr>
-              <a:t>  </a:t>
-            </a:r>
-            <a:r>
-              <a:rPr lang="en-US" sz="2800" dirty="0" smtClean="0">
-                <a:solidFill>
-                  <a:schemeClr val="tx1"/>
-                </a:solidFill>
-              </a:rPr>
-              <a:t>correlation is across pairs of tissue samples</a:t>
-            </a:r>
-          </a:p>
-          <a:p>
-            <a:pPr algn="l" rtl="0">
-              <a:buFont typeface="Arial" pitchFamily="34" charset="0"/>
-              <a:buChar char="•"/>
-            </a:pPr>
-            <a:r>
-              <a:rPr lang="en-US" sz="2800" dirty="0" smtClean="0">
-                <a:solidFill>
-                  <a:schemeClr val="tx1"/>
-                </a:solidFill>
-              </a:rPr>
-              <a:t>  </a:t>
-            </a:r>
-            <a:r>
-              <a:rPr lang="en-US" sz="2800" dirty="0" err="1" smtClean="0">
-                <a:solidFill>
-                  <a:schemeClr val="tx1"/>
-                </a:solidFill>
-              </a:rPr>
-              <a:t>d</a:t>
-            </a:r>
-            <a:r>
-              <a:rPr lang="en-US" sz="2800" baseline="-25000" dirty="0" err="1" smtClean="0">
-                <a:solidFill>
-                  <a:schemeClr val="tx1"/>
-                </a:solidFill>
-              </a:rPr>
-              <a:t>expression</a:t>
-            </a:r>
-            <a:r>
-              <a:rPr lang="en-US" sz="2800" dirty="0" smtClean="0">
-                <a:solidFill>
-                  <a:schemeClr val="tx1"/>
-                </a:solidFill>
-              </a:rPr>
-              <a:t>   is the vector of absolute differences of expression levels in two regions.</a:t>
-            </a:r>
-          </a:p>
-          <a:p>
-            <a:pPr algn="l" rtl="0">
-              <a:buFont typeface="Arial" pitchFamily="34" charset="0"/>
-              <a:buChar char="•"/>
-            </a:pPr>
-            <a:r>
-              <a:rPr lang="en-US" sz="2800" dirty="0" smtClean="0">
-                <a:solidFill>
-                  <a:schemeClr val="tx1"/>
-                </a:solidFill>
-              </a:rPr>
-              <a:t>  </a:t>
-            </a:r>
-            <a:r>
-              <a:rPr lang="en-US" sz="2800" dirty="0" err="1" smtClean="0">
-                <a:solidFill>
-                  <a:schemeClr val="tx1"/>
-                </a:solidFill>
-              </a:rPr>
-              <a:t>d</a:t>
-            </a:r>
-            <a:r>
-              <a:rPr lang="en-US" sz="2800" baseline="-25000" dirty="0" err="1" smtClean="0">
-                <a:solidFill>
-                  <a:schemeClr val="tx1"/>
-                </a:solidFill>
-              </a:rPr>
-              <a:t>tree</a:t>
-            </a:r>
-            <a:r>
-              <a:rPr lang="en-US" sz="2800" dirty="0" smtClean="0">
-                <a:solidFill>
-                  <a:schemeClr val="tx1"/>
-                </a:solidFill>
-              </a:rPr>
-              <a:t>   is the vector of number of edges in the ontology tree that connect two regions.</a:t>
-            </a:r>
-            <a:endParaRPr lang="he-IL" sz="2800" i="1" dirty="0">
-              <a:solidFill>
-                <a:schemeClr val="tx1"/>
-              </a:solidFill>
-            </a:endParaRPr>
-          </a:p>
-        </p:txBody>
-      </p:sp>
-      <p:grpSp>
-        <p:nvGrpSpPr>
-          <p:cNvPr id="46" name="Group 45"/>
-          <p:cNvGrpSpPr/>
-          <p:nvPr/>
-        </p:nvGrpSpPr>
-        <p:grpSpPr>
-          <a:xfrm>
-            <a:off x="21674708" y="26139129"/>
-            <a:ext cx="4665044" cy="5285649"/>
-            <a:chOff x="26283220" y="22178689"/>
-            <a:chExt cx="4665044" cy="5285649"/>
-          </a:xfrm>
-        </p:grpSpPr>
-        <p:pic>
-          <p:nvPicPr>
-            <p:cNvPr id="888" name="Picture 887"/>
-            <p:cNvPicPr/>
-            <p:nvPr/>
-          </p:nvPicPr>
-          <p:blipFill>
-            <a:blip r:embed="rId10" cstate="print"/>
-            <a:srcRect r="7966" b="9645"/>
-            <a:stretch>
-              <a:fillRect/>
-            </a:stretch>
-          </p:blipFill>
-          <p:spPr>
-            <a:xfrm>
-              <a:off x="26283220" y="22178689"/>
-              <a:ext cx="4574663" cy="3373261"/>
-            </a:xfrm>
-            <a:prstGeom prst="rect">
-              <a:avLst/>
-            </a:prstGeom>
-          </p:spPr>
-        </p:pic>
-        <p:pic>
-          <p:nvPicPr>
-            <p:cNvPr id="901" name="Picture 900"/>
-            <p:cNvPicPr/>
-            <p:nvPr/>
-          </p:nvPicPr>
-          <p:blipFill>
-            <a:blip r:embed="rId11" cstate="print"/>
-            <a:srcRect l="6850" t="47949" r="6132"/>
-            <a:stretch>
-              <a:fillRect/>
-            </a:stretch>
-          </p:blipFill>
-          <p:spPr>
-            <a:xfrm>
-              <a:off x="26643260" y="25627889"/>
-              <a:ext cx="4305004" cy="1836449"/>
-            </a:xfrm>
-            <a:prstGeom prst="rect">
-              <a:avLst/>
-            </a:prstGeom>
-          </p:spPr>
-        </p:pic>
-      </p:grpSp>
-      <p:sp>
-        <p:nvSpPr>
-          <p:cNvPr id="39" name="TextBox 38"/>
-          <p:cNvSpPr txBox="1"/>
-          <p:nvPr/>
-        </p:nvSpPr>
-        <p:spPr>
-          <a:xfrm>
-            <a:off x="26859284" y="27147241"/>
-            <a:ext cx="3816424" cy="4093428"/>
-          </a:xfrm>
-          <a:prstGeom prst="rect">
-            <a:avLst/>
-          </a:prstGeom>
-          <a:noFill/>
-        </p:spPr>
-        <p:txBody>
-          <a:bodyPr wrap="square" rtlCol="1">
-            <a:spAutoFit/>
-          </a:bodyPr>
-          <a:lstStyle/>
-          <a:p>
-            <a:pPr algn="l" rtl="0"/>
-            <a:r>
-              <a:rPr lang="en-US" sz="2800" b="1" dirty="0" smtClean="0"/>
-              <a:t>House keeping genes</a:t>
-            </a:r>
-            <a:r>
-              <a:rPr lang="en-US" sz="2800" dirty="0" smtClean="0"/>
-              <a:t> are expressed in all cell types. In the adult brain, their scores are significantly higher than random, and match the BRO scores of all genes.</a:t>
-            </a:r>
-          </a:p>
-          <a:p>
-            <a:pPr algn="l" rtl="0"/>
-            <a:endParaRPr lang="en-US" sz="1000" dirty="0" smtClean="0"/>
-          </a:p>
-          <a:p>
-            <a:pPr algn="l" rtl="0"/>
-            <a:r>
-              <a:rPr lang="en-US" sz="2400" dirty="0" smtClean="0"/>
-              <a:t>Markers from</a:t>
-            </a:r>
-            <a:r>
-              <a:rPr lang="en-US" sz="2400" b="1" dirty="0" smtClean="0"/>
-              <a:t> </a:t>
-            </a:r>
-            <a:r>
-              <a:rPr lang="en-US" sz="2400" i="1" dirty="0" smtClean="0"/>
-              <a:t>Eisenberg et al. [4]</a:t>
-            </a:r>
-            <a:endParaRPr lang="en-US" sz="2800" i="1" dirty="0" smtClean="0"/>
-          </a:p>
-        </p:txBody>
-      </p:sp>
-      <p:sp>
-        <p:nvSpPr>
-          <p:cNvPr id="40" name="TextBox 39"/>
-          <p:cNvSpPr txBox="1"/>
-          <p:nvPr/>
-        </p:nvSpPr>
-        <p:spPr>
-          <a:xfrm>
-            <a:off x="26859284" y="16150337"/>
-            <a:ext cx="3672408" cy="3724096"/>
-          </a:xfrm>
-          <a:prstGeom prst="rect">
-            <a:avLst/>
-          </a:prstGeom>
-          <a:noFill/>
-        </p:spPr>
-        <p:txBody>
-          <a:bodyPr wrap="square" rtlCol="1">
-            <a:spAutoFit/>
-          </a:bodyPr>
-          <a:lstStyle/>
-          <a:p>
-            <a:pPr algn="l" rtl="0"/>
-            <a:r>
-              <a:rPr lang="en-US" sz="2800" b="1" dirty="0" smtClean="0"/>
-              <a:t>Cell-type specific genes</a:t>
-            </a:r>
-            <a:r>
-              <a:rPr lang="en-US" sz="2800" dirty="0" smtClean="0"/>
-              <a:t> are in stronger agreement with the tree structure than genes on average.</a:t>
-            </a:r>
-            <a:r>
-              <a:rPr lang="en-US" sz="2800" b="1" dirty="0" smtClean="0"/>
-              <a:t> </a:t>
-            </a:r>
-          </a:p>
-          <a:p>
-            <a:pPr algn="l" rtl="0"/>
-            <a:endParaRPr lang="en-US" sz="2400" dirty="0" smtClean="0"/>
-          </a:p>
-          <a:p>
-            <a:pPr algn="l" rtl="0"/>
-            <a:endParaRPr lang="en-US" sz="2400" dirty="0" smtClean="0"/>
-          </a:p>
-          <a:p>
-            <a:pPr algn="l" rtl="0"/>
-            <a:r>
-              <a:rPr lang="en-US" sz="2400" dirty="0" smtClean="0"/>
-              <a:t>Markers from</a:t>
-            </a:r>
-            <a:r>
-              <a:rPr lang="en-US" sz="2400" b="1" dirty="0" smtClean="0"/>
-              <a:t> </a:t>
-            </a:r>
-            <a:r>
-              <a:rPr lang="en-US" sz="2400" i="1" dirty="0" smtClean="0"/>
-              <a:t>Cahoy et al. [3]</a:t>
-            </a:r>
-            <a:r>
-              <a:rPr lang="en-US" sz="2400" dirty="0" smtClean="0"/>
-              <a:t>. </a:t>
-            </a:r>
-            <a:endParaRPr lang="he-IL" sz="2400" b="1" dirty="0" smtClean="0"/>
-          </a:p>
-        </p:txBody>
-      </p:sp>
+              </a:ln>
+            </p:spPr>
+            <p:txBody>
+              <a:bodyPr/>
+              <a:lstStyle/>
+              <a:p>
+                <a:r>
+                  <a:rPr lang="en-US">
+                    <a:noFill/>
+                  </a:rPr>
+                  <a:t> </a:t>
+                </a:r>
+              </a:p>
+            </p:txBody>
+          </p:sp>
+        </mc:Fallback>
+      </mc:AlternateContent>
       <p:sp>
         <p:nvSpPr>
           <p:cNvPr id="42" name="TextBox 41"/>
@@ -7028,9 +6703,9 @@
             </a:r>
             <a:r>
               <a:rPr lang="en-US" sz="3600" dirty="0" smtClean="0">
-                <a:hlinkClick r:id="rId12"/>
+                <a:hlinkClick r:id="rId10"/>
               </a:rPr>
-              <a:t>lior.kirsch@gmail.com</a:t>
+              <a:t>yuval.atzmon@biu.ac.il</a:t>
             </a:r>
             <a:r>
               <a:rPr lang="en-US" sz="3600" dirty="0" smtClean="0"/>
@@ -7038,9 +6713,9 @@
             </a:r>
             <a:r>
               <a:rPr lang="en-US" sz="3600" dirty="0" smtClean="0">
-                <a:hlinkClick r:id="rId13"/>
+                <a:hlinkClick r:id="rId11"/>
               </a:rPr>
-              <a:t>http://chechiklab.biu.ac.il/~lior</a:t>
+              <a:t>http://chechiklab.biu.ac.il/yuvval</a:t>
             </a:r>
             <a:r>
               <a:rPr lang="en-US" sz="3600" dirty="0" smtClean="0"/>
@@ -7071,7 +6746,7 @@
             <p:nvPr/>
           </p:nvPicPr>
           <p:blipFill>
-            <a:blip r:embed="rId14" cstate="print"/>
+            <a:blip r:embed="rId12" cstate="print"/>
             <a:srcRect l="6323" t="8661"/>
             <a:stretch>
               <a:fillRect/>
@@ -7140,7 +6815,7 @@
             <p:nvPr/>
           </p:nvPicPr>
           <p:blipFill>
-            <a:blip r:embed="rId15" cstate="print"/>
+            <a:blip r:embed="rId13" cstate="print"/>
             <a:srcRect l="5796"/>
             <a:stretch>
               <a:fillRect/>
@@ -7187,101 +6862,6 @@
           </p:txBody>
         </p:sp>
       </p:grpSp>
-      <p:pic>
-        <p:nvPicPr>
-          <p:cNvPr id="1027" name="Picture 3" descr="C:\Users\Lior\Dropbox\papers\brain region tree\Figures\figure 1\2dhist-NEUROD1-corr-0.65.png"/>
-          <p:cNvPicPr>
-            <a:picLocks noChangeAspect="1" noChangeArrowheads="1"/>
-          </p:cNvPicPr>
-          <p:nvPr/>
-        </p:nvPicPr>
-        <p:blipFill>
-          <a:blip r:embed="rId16" cstate="print"/>
-          <a:srcRect l="2108" t="5613" r="2635"/>
-          <a:stretch>
-            <a:fillRect/>
-          </a:stretch>
-        </p:blipFill>
-        <p:spPr bwMode="auto">
-          <a:xfrm>
-            <a:off x="13969852" y="20594198"/>
-            <a:ext cx="6193789" cy="4608512"/>
-          </a:xfrm>
-          <a:prstGeom prst="rect">
-            <a:avLst/>
-          </a:prstGeom>
-          <a:noFill/>
-        </p:spPr>
-      </p:pic>
-      <p:sp>
-        <p:nvSpPr>
-          <p:cNvPr id="57" name="TextBox 56"/>
-          <p:cNvSpPr txBox="1"/>
-          <p:nvPr/>
-        </p:nvSpPr>
-        <p:spPr>
-          <a:xfrm>
-            <a:off x="11737602" y="21458294"/>
-            <a:ext cx="2232250" cy="2554545"/>
-          </a:xfrm>
-          <a:prstGeom prst="rect">
-            <a:avLst/>
-          </a:prstGeom>
-          <a:noFill/>
-        </p:spPr>
-        <p:txBody>
-          <a:bodyPr wrap="square" rtlCol="1">
-            <a:spAutoFit/>
-          </a:bodyPr>
-          <a:lstStyle/>
-          <a:p>
-            <a:pPr algn="l" rtl="0"/>
-            <a:r>
-              <a:rPr lang="en-US" sz="3200" b="1" dirty="0" smtClean="0"/>
-              <a:t>Example:</a:t>
-            </a:r>
-            <a:br>
-              <a:rPr lang="en-US" sz="3200" b="1" dirty="0" smtClean="0"/>
-            </a:br>
-            <a:r>
-              <a:rPr lang="en-US" sz="3200" b="1" dirty="0" smtClean="0"/>
-              <a:t>Neurod1 receives  a high BRO score</a:t>
-            </a:r>
-            <a:endParaRPr lang="he-IL" sz="2800" b="1" dirty="0" smtClean="0"/>
-          </a:p>
-        </p:txBody>
-      </p:sp>
-      <p:sp>
-        <p:nvSpPr>
-          <p:cNvPr id="59" name="TextBox 58"/>
-          <p:cNvSpPr txBox="1"/>
-          <p:nvPr/>
-        </p:nvSpPr>
-        <p:spPr>
-          <a:xfrm>
-            <a:off x="26355228" y="11521505"/>
-            <a:ext cx="3888432" cy="954107"/>
-          </a:xfrm>
-          <a:prstGeom prst="rect">
-            <a:avLst/>
-          </a:prstGeom>
-          <a:noFill/>
-        </p:spPr>
-        <p:txBody>
-          <a:bodyPr wrap="square" rtlCol="1">
-            <a:spAutoFit/>
-          </a:bodyPr>
-          <a:lstStyle/>
-          <a:p>
-            <a:pPr algn="l" rtl="0"/>
-            <a:r>
-              <a:rPr lang="en-US" sz="2800" dirty="0" smtClean="0"/>
-              <a:t>Significance was assets using permutation test.</a:t>
-            </a:r>
-            <a:endParaRPr lang="he-IL" sz="2800" dirty="0"/>
-          </a:p>
-        </p:txBody>
-      </p:sp>
       <p:sp>
         <p:nvSpPr>
           <p:cNvPr id="66" name="Rounded Rectangle 65"/>
@@ -7332,8 +6912,13 @@
                   <a:schemeClr val="tx1"/>
                 </a:solidFill>
               </a:rPr>
-              <a:t>Robustness across subjects</a:t>
-            </a:r>
+              <a:t>Sparsity Structure</a:t>
+            </a:r>
+            <a:endParaRPr lang="en-US" sz="4400" b="1" dirty="0" smtClean="0">
+              <a:solidFill>
+                <a:schemeClr val="tx1"/>
+              </a:solidFill>
+            </a:endParaRPr>
           </a:p>
           <a:p>
             <a:pPr algn="l" rtl="0"/>
@@ -7533,7 +7118,7 @@
           <p:nvPr/>
         </p:nvPicPr>
         <p:blipFill>
-          <a:blip r:embed="rId17" cstate="print"/>
+          <a:blip r:embed="rId14" cstate="print"/>
           <a:srcRect l="5796" t="5613" r="5796"/>
           <a:stretch>
             <a:fillRect/>
@@ -7550,193 +7135,6 @@
           <a:noFill/>
         </p:spPr>
       </p:pic>
-      <p:sp>
-        <p:nvSpPr>
-          <p:cNvPr id="67" name="TextBox 66"/>
-          <p:cNvSpPr txBox="1"/>
-          <p:nvPr/>
-        </p:nvSpPr>
-        <p:spPr>
-          <a:xfrm>
-            <a:off x="22178764" y="21890657"/>
-            <a:ext cx="3888432" cy="4278094"/>
-          </a:xfrm>
-          <a:prstGeom prst="rect">
-            <a:avLst/>
-          </a:prstGeom>
-          <a:noFill/>
-        </p:spPr>
-        <p:txBody>
-          <a:bodyPr wrap="square" rtlCol="1">
-            <a:spAutoFit/>
-          </a:bodyPr>
-          <a:lstStyle/>
-          <a:p>
-            <a:pPr algn="l" rtl="0"/>
-            <a:r>
-              <a:rPr lang="en-US" sz="2800" b="1" dirty="0" smtClean="0"/>
-              <a:t>Development genes</a:t>
-            </a:r>
-            <a:r>
-              <a:rPr lang="en-US" sz="2800" dirty="0" smtClean="0"/>
-              <a:t> </a:t>
-            </a:r>
-            <a:br>
-              <a:rPr lang="en-US" sz="2800" dirty="0" smtClean="0"/>
-            </a:br>
-            <a:r>
-              <a:rPr lang="en-US" sz="2800" dirty="0" smtClean="0"/>
-              <a:t>are in strong agreement with the tree structure suggesting that they may have important functions in the adult brain.</a:t>
-            </a:r>
-          </a:p>
-          <a:p>
-            <a:pPr algn="l" rtl="0"/>
-            <a:endParaRPr lang="en-US" sz="2800" dirty="0" smtClean="0"/>
-          </a:p>
-          <a:p>
-            <a:pPr algn="l" rtl="0"/>
-            <a:r>
-              <a:rPr lang="en-US" sz="2400" dirty="0" smtClean="0"/>
-              <a:t>Axon guidance markers from KEGG.</a:t>
-            </a:r>
-            <a:endParaRPr lang="en-US" sz="2400" i="1" dirty="0" smtClean="0"/>
-          </a:p>
-          <a:p>
-            <a:pPr algn="l" rtl="0"/>
-            <a:endParaRPr lang="en-US" sz="2800" dirty="0" smtClean="0"/>
-          </a:p>
-        </p:txBody>
-      </p:sp>
-      <p:grpSp>
-        <p:nvGrpSpPr>
-          <p:cNvPr id="73" name="Group 72"/>
-          <p:cNvGrpSpPr/>
-          <p:nvPr/>
-        </p:nvGrpSpPr>
-        <p:grpSpPr>
-          <a:xfrm>
-            <a:off x="26427236" y="20954553"/>
-            <a:ext cx="4392488" cy="5760640"/>
-            <a:chOff x="26427236" y="20882545"/>
-            <a:chExt cx="4392488" cy="5760640"/>
-          </a:xfrm>
-        </p:grpSpPr>
-        <p:pic>
-          <p:nvPicPr>
-            <p:cNvPr id="1032" name="Picture 8" descr="C:\Users\Lior\Dropbox\papers\brain region tree\Figures\figure 3\dist_axon.png"/>
-            <p:cNvPicPr>
-              <a:picLocks noChangeAspect="1" noChangeArrowheads="1"/>
-            </p:cNvPicPr>
-            <p:nvPr/>
-          </p:nvPicPr>
-          <p:blipFill>
-            <a:blip r:embed="rId18" cstate="print"/>
-            <a:srcRect/>
-            <a:stretch>
-              <a:fillRect/>
-            </a:stretch>
-          </p:blipFill>
-          <p:spPr bwMode="auto">
-            <a:xfrm>
-              <a:off x="26427236" y="23344737"/>
-              <a:ext cx="4392488" cy="3298448"/>
-            </a:xfrm>
-            <a:prstGeom prst="rect">
-              <a:avLst/>
-            </a:prstGeom>
-            <a:noFill/>
-          </p:spPr>
-        </p:pic>
-        <p:pic>
-          <p:nvPicPr>
-            <p:cNvPr id="72" name="Picture 7" descr="C:\Users\Lior\Documents\AxonScatter.png"/>
-            <p:cNvPicPr>
-              <a:picLocks noChangeAspect="1" noChangeArrowheads="1"/>
-            </p:cNvPicPr>
-            <p:nvPr/>
-          </p:nvPicPr>
-          <p:blipFill>
-            <a:blip r:embed="rId19" cstate="print"/>
-            <a:srcRect/>
-            <a:stretch>
-              <a:fillRect/>
-            </a:stretch>
-          </p:blipFill>
-          <p:spPr bwMode="auto">
-            <a:xfrm>
-              <a:off x="26427236" y="20882545"/>
-              <a:ext cx="4172871" cy="3168352"/>
-            </a:xfrm>
-            <a:prstGeom prst="rect">
-              <a:avLst/>
-            </a:prstGeom>
-            <a:noFill/>
-          </p:spPr>
-        </p:pic>
-      </p:grpSp>
-      <p:pic>
-        <p:nvPicPr>
-          <p:cNvPr id="55" name="image20.png"/>
-          <p:cNvPicPr/>
-          <p:nvPr/>
-        </p:nvPicPr>
-        <p:blipFill>
-          <a:blip r:embed="rId20" cstate="print"/>
-          <a:srcRect l="3467"/>
-          <a:stretch>
-            <a:fillRect/>
-          </a:stretch>
-        </p:blipFill>
-        <p:spPr>
-          <a:xfrm>
-            <a:off x="12960876" y="20594198"/>
-            <a:ext cx="6213748" cy="4112432"/>
-          </a:xfrm>
-          <a:prstGeom prst="rect">
-            <a:avLst/>
-          </a:prstGeom>
-          <a:ln/>
-        </p:spPr>
-      </p:pic>
-      <p:pic>
-        <p:nvPicPr>
-          <p:cNvPr id="2" name="Picture 4" descr="http://chechiklab.biu.ac.il/~yuvval/figs/comet/rowcol_vis.png"/>
-          <p:cNvPicPr>
-            <a:picLocks noChangeAspect="1" noChangeArrowheads="1"/>
-          </p:cNvPicPr>
-          <p:nvPr/>
-        </p:nvPicPr>
-        <p:blipFill rotWithShape="1">
-          <a:blip r:embed="rId21" cstate="print">
-            <a:extLst>
-              <a:ext uri="{28A0092B-C50C-407E-A947-70E740481C1C}">
-                <a14:useLocalDpi xmlns:a14="http://schemas.microsoft.com/office/drawing/2010/main" val="0"/>
-              </a:ext>
-            </a:extLst>
-          </a:blip>
-          <a:srcRect l="7339" t="15746" r="8998" b="2607"/>
-          <a:stretch/>
-        </p:blipFill>
-        <p:spPr bwMode="auto">
-          <a:xfrm>
-            <a:off x="16454386" y="7779295"/>
-            <a:ext cx="3336199" cy="3255809"/>
-          </a:xfrm>
-          <a:prstGeom prst="rect">
-            <a:avLst/>
-          </a:prstGeom>
-          <a:noFill/>
-          <a:extLst>
-            <a:ext uri="{909E8E84-426E-40DD-AFC4-6F175D3DCCD1}">
-              <a14:hiddenFill xmlns:a14="http://schemas.microsoft.com/office/drawing/2010/main">
-                <a:solidFill>
-                  <a:srgbClr val="FFFFFF"/>
-                </a:solidFill>
-              </a14:hiddenFill>
-            </a:ext>
-          </a:extLst>
-        </p:spPr>
-      </p:pic>
       <p:pic>
         <p:nvPicPr>
           <p:cNvPr id="1030" name="Picture 6" descr="Preview of your QR Code"/>
@@ -7746,7 +7144,7 @@
           <p:nvPr/>
         </p:nvPicPr>
         <p:blipFill>
-          <a:blip r:embed="rId22">
+          <a:blip r:embed="rId15">
             <a:extLst>
               <a:ext uri="{28A0092B-C50C-407E-A947-70E740481C1C}">
                 <a14:useLocalDpi xmlns:a14="http://schemas.microsoft.com/office/drawing/2010/main" val="0"/>
@@ -7788,8 +7186,8 @@
             </p:nvSpPr>
             <p:spPr>
               <a:xfrm>
-                <a:off x="12070732" y="11213726"/>
-                <a:ext cx="8334741" cy="5189420"/>
+                <a:off x="12070732" y="10369377"/>
+                <a:ext cx="8334741" cy="7651632"/>
               </a:xfrm>
               <a:prstGeom prst="rect">
                 <a:avLst/>
@@ -7824,7 +7222,15 @@
                 </a:r>
                 <a:r>
                   <a:rPr lang="en-US" sz="3200" dirty="0"/>
-                  <a:t>efficiently calculate an exact bound over the step size that guarantees that the model remains within the PD </a:t>
+                  <a:t>efficiently calculate an exact bound over the step size that guarantees that the model </a:t>
+                </a:r>
+                <a:r>
+                  <a:rPr lang="en-US" sz="3200" dirty="0" smtClean="0"/>
+                  <a:t>takes steps inside the </a:t>
+                </a:r>
+                <a:r>
+                  <a:rPr lang="en-US" sz="3200" dirty="0"/>
+                  <a:t>PD </a:t>
                 </a:r>
                 <a:r>
                   <a:rPr lang="en-US" sz="3200" dirty="0" smtClean="0"/>
@@ -8313,6 +7719,47 @@
                   <a:rPr lang="en-US" sz="3200" dirty="0" smtClean="0"/>
                   <a:t>size.</a:t>
                 </a:r>
+              </a:p>
+              <a:p>
+                <a:pPr algn="l" rtl="0"/>
+                <a:endParaRPr lang="en-US" sz="3200" dirty="0"/>
+              </a:p>
+              <a:p>
+                <a:pPr algn="l" rtl="0"/>
+                <a:r>
+                  <a:rPr lang="en-US" sz="3200" dirty="0" smtClean="0"/>
+                  <a:t>We use a </a:t>
+                </a:r>
+                <a:r>
+                  <a:rPr lang="en-US" sz="3200" dirty="0" err="1" smtClean="0"/>
+                  <a:t>Cholesky</a:t>
+                </a:r>
+                <a:r>
+                  <a:rPr lang="en-US" sz="3200" dirty="0" smtClean="0"/>
+                  <a:t> solver, and following a row-column step we update the </a:t>
+                </a:r>
+                <a:r>
+                  <a:rPr lang="en-US" sz="3200" dirty="0" err="1" smtClean="0"/>
+                  <a:t>Cholesky</a:t>
+                </a:r>
+                <a:r>
+                  <a:rPr lang="en-US" sz="3200" dirty="0" smtClean="0"/>
+                  <a:t> root of </a:t>
+                </a:r>
+                <a14:m>
+                  <m:oMath xmlns:m="http://schemas.openxmlformats.org/officeDocument/2006/math">
+                    <m:r>
+                      <a:rPr lang="en-US" sz="3200" i="1">
+                        <a:latin typeface="Cambria Math" panose="02040503050406030204" pitchFamily="18" charset="0"/>
+                      </a:rPr>
+                      <m:t>𝑊</m:t>
+                    </m:r>
+                  </m:oMath>
+                </a14:m>
+                <a:r>
+                  <a:rPr lang="en-US" sz="3200" dirty="0" smtClean="0"/>
+                  <a:t>. Hence we also have a continues embedding of the features into the metric space.</a:t>
+                </a:r>
                 <a:endParaRPr lang="en-US" sz="3200" dirty="0"/>
               </a:p>
             </p:txBody>
@@ -8329,16 +7776,16 @@
             </p:nvSpPr>
             <p:spPr>
               <a:xfrm>
-                <a:off x="12070732" y="11213726"/>
-                <a:ext cx="8334741" cy="5189420"/>
+                <a:off x="12070732" y="10369377"/>
+                <a:ext cx="8334741" cy="7651632"/>
               </a:xfrm>
               <a:prstGeom prst="rect">
                 <a:avLst/>
               </a:prstGeom>
               <a:blipFill rotWithShape="0">
-                <a:blip r:embed="rId23"/>
+                <a:blip r:embed="rId16"/>
                 <a:stretch>
-                  <a:fillRect l="-1683" t="-1410" b="-2820"/>
+                  <a:fillRect l="-1683" t="-956" b="-1594"/>
                 </a:stretch>
               </a:blipFill>
             </p:spPr>
@@ -8364,7 +7811,7 @@
           <p:nvPr/>
         </p:nvPicPr>
         <p:blipFill>
-          <a:blip r:embed="rId24">
+          <a:blip r:embed="rId17">
             <a:clrChange>
               <a:clrFrom>
                 <a:srgbClr val="FFFFFF"/>
@@ -8404,6 +7851,1856 @@
               </a14:hiddenFill>
             </a:ext>
           </a:extLst>
+        </p:spPr>
+      </p:pic>
+      <p:pic>
+        <p:nvPicPr>
+          <p:cNvPr id="64" name="Picture 120"/>
+          <p:cNvPicPr>
+            <a:picLocks noChangeAspect="1" noChangeArrowheads="1"/>
+          </p:cNvPicPr>
+          <p:nvPr/>
+        </p:nvPicPr>
+        <p:blipFill>
+          <a:blip r:embed="rId18">
+            <a:extLst>
+              <a:ext uri="{28A0092B-C50C-407E-A947-70E740481C1C}">
+                <a14:useLocalDpi xmlns:a14="http://schemas.microsoft.com/office/drawing/2010/main" val="0"/>
+              </a:ext>
+            </a:extLst>
+          </a:blip>
+          <a:srcRect/>
+          <a:stretch>
+            <a:fillRect/>
+          </a:stretch>
+        </p:blipFill>
+        <p:spPr bwMode="auto">
+          <a:xfrm>
+            <a:off x="4663043" y="1190943"/>
+            <a:ext cx="4619625" cy="1939925"/>
+          </a:xfrm>
+          <a:prstGeom prst="rect">
+            <a:avLst/>
+          </a:prstGeom>
+          <a:noFill/>
+          <a:ln>
+            <a:noFill/>
+          </a:ln>
+          <a:effectLst/>
+          <a:extLst>
+            <a:ext uri="{909E8E84-426E-40DD-AFC4-6F175D3DCCD1}">
+              <a14:hiddenFill xmlns:a14="http://schemas.microsoft.com/office/drawing/2010/main">
+                <a:blipFill dpi="0" rotWithShape="0">
+                  <a:blip/>
+                  <a:srcRect/>
+                  <a:stretch>
+                    <a:fillRect/>
+                  </a:stretch>
+                </a:blipFill>
+              </a14:hiddenFill>
+            </a:ext>
+            <a:ext uri="{91240B29-F687-4F45-9708-019B960494DF}">
+              <a14:hiddenLine xmlns:a14="http://schemas.microsoft.com/office/drawing/2010/main" w="9525">
+                <a:solidFill>
+                  <a:srgbClr val="000000"/>
+                </a:solidFill>
+                <a:round/>
+                <a:headEnd/>
+                <a:tailEnd/>
+              </a14:hiddenLine>
+            </a:ext>
+            <a:ext uri="{AF507438-7753-43E0-B8FC-AC1667EBCBE1}">
+              <a14:hiddenEffects xmlns:a14="http://schemas.microsoft.com/office/drawing/2010/main">
+                <a:effectLst>
+                  <a:outerShdw dist="35921" dir="2700000" algn="ctr" rotWithShape="0">
+                    <a:srgbClr val="808080"/>
+                  </a:outerShdw>
+                </a:effectLst>
+              </a14:hiddenEffects>
+            </a:ext>
+          </a:extLst>
+        </p:spPr>
+      </p:pic>
+      <p:sp>
+        <p:nvSpPr>
+          <p:cNvPr id="65" name="Rounded Rectangle 64"/>
+          <p:cNvSpPr/>
+          <p:nvPr/>
+        </p:nvSpPr>
+        <p:spPr>
+          <a:xfrm>
+            <a:off x="11482686" y="24122905"/>
+            <a:ext cx="9433049" cy="7776864"/>
+          </a:xfrm>
+          <a:prstGeom prst="roundRect">
+            <a:avLst/>
+          </a:prstGeom>
+          <a:solidFill>
+            <a:schemeClr val="bg1"/>
+          </a:solidFill>
+          <a:ln w="76200">
+            <a:solidFill>
+              <a:schemeClr val="tx1"/>
+            </a:solidFill>
+          </a:ln>
+        </p:spPr>
+        <p:style>
+          <a:lnRef idx="2">
+            <a:schemeClr val="accent1">
+              <a:shade val="50000"/>
+            </a:schemeClr>
+          </a:lnRef>
+          <a:fillRef idx="1">
+            <a:schemeClr val="accent1"/>
+          </a:fillRef>
+          <a:effectRef idx="0">
+            <a:schemeClr val="accent1"/>
+          </a:effectRef>
+          <a:fontRef idx="minor">
+            <a:schemeClr val="lt1"/>
+          </a:fontRef>
+        </p:style>
+        <p:txBody>
+          <a:bodyPr lIns="83976" tIns="41987" rIns="83976" bIns="41987" rtlCol="1" anchor="t"/>
+          <a:lstStyle/>
+          <a:p>
+            <a:pPr algn="ctr" rtl="0"/>
+            <a:r>
+              <a:rPr lang="en-US" sz="4000" b="1" dirty="0" smtClean="0">
+                <a:solidFill>
+                  <a:schemeClr val="tx1"/>
+                </a:solidFill>
+              </a:rPr>
+              <a:t>Sparse COMET</a:t>
+            </a:r>
+            <a:endParaRPr lang="en-US" sz="4000" b="1" dirty="0" smtClean="0">
+              <a:solidFill>
+                <a:schemeClr val="tx1"/>
+              </a:solidFill>
+            </a:endParaRPr>
+          </a:p>
+          <a:p>
+            <a:pPr algn="l" rtl="0"/>
+            <a:r>
+              <a:rPr lang="en-US" sz="3200" dirty="0" smtClean="0">
+                <a:solidFill>
+                  <a:schemeClr val="tx1"/>
+                </a:solidFill>
+              </a:rPr>
+              <a:t>We propose a new </a:t>
+            </a:r>
+            <a:r>
+              <a:rPr lang="en-US" sz="3200" dirty="0">
+                <a:solidFill>
+                  <a:schemeClr val="tx1"/>
+                </a:solidFill>
+              </a:rPr>
+              <a:t>type of structured sparsity, </a:t>
+            </a:r>
+            <a:r>
+              <a:rPr lang="en-US" sz="3200" dirty="0" smtClean="0">
+                <a:solidFill>
+                  <a:schemeClr val="tx1"/>
+                </a:solidFill>
+              </a:rPr>
+              <a:t>that allows </a:t>
+            </a:r>
+            <a:r>
+              <a:rPr lang="en-US" sz="3200" dirty="0">
+                <a:solidFill>
+                  <a:schemeClr val="tx1"/>
+                </a:solidFill>
+              </a:rPr>
+              <a:t>only a small set of features to interact with </a:t>
+            </a:r>
+            <a:r>
+              <a:rPr lang="en-US" sz="3200" i="1" dirty="0" smtClean="0">
+                <a:solidFill>
+                  <a:schemeClr val="tx1"/>
+                </a:solidFill>
+              </a:rPr>
+              <a:t>any</a:t>
+            </a:r>
+            <a:r>
+              <a:rPr lang="en-US" sz="3200" dirty="0" smtClean="0">
+                <a:solidFill>
+                  <a:schemeClr val="tx1"/>
+                </a:solidFill>
+              </a:rPr>
+              <a:t> </a:t>
+            </a:r>
+            <a:r>
+              <a:rPr lang="en-US" sz="3200" dirty="0">
+                <a:solidFill>
+                  <a:schemeClr val="tx1"/>
+                </a:solidFill>
+              </a:rPr>
+              <a:t>of the other </a:t>
+            </a:r>
+            <a:r>
+              <a:rPr lang="en-US" sz="3200" dirty="0" smtClean="0">
+                <a:solidFill>
+                  <a:schemeClr val="tx1"/>
+                </a:solidFill>
+              </a:rPr>
+              <a:t>features. We </a:t>
+            </a:r>
+            <a:r>
+              <a:rPr lang="en-US" sz="3200" dirty="0">
+                <a:solidFill>
+                  <a:schemeClr val="tx1"/>
+                </a:solidFill>
+              </a:rPr>
+              <a:t>also maintain weights for the individual features, corresponding to the diagonal of </a:t>
+            </a:r>
+            <a:r>
+              <a:rPr lang="en-US" sz="3200" dirty="0" smtClean="0">
+                <a:solidFill>
+                  <a:schemeClr val="tx1"/>
+                </a:solidFill>
+              </a:rPr>
+              <a:t>the </a:t>
+            </a:r>
+            <a:br>
+              <a:rPr lang="en-US" sz="3200" dirty="0" smtClean="0">
+                <a:solidFill>
+                  <a:schemeClr val="tx1"/>
+                </a:solidFill>
+              </a:rPr>
+            </a:br>
+            <a:r>
+              <a:rPr lang="en-US" sz="3200" dirty="0" smtClean="0">
+                <a:solidFill>
+                  <a:schemeClr val="tx1"/>
+                </a:solidFill>
+              </a:rPr>
+              <a:t>learned </a:t>
+            </a:r>
+            <a:r>
+              <a:rPr lang="en-US" sz="3200" dirty="0">
+                <a:solidFill>
+                  <a:schemeClr val="tx1"/>
+                </a:solidFill>
+              </a:rPr>
+              <a:t>similarity </a:t>
+            </a:r>
+            <a:r>
+              <a:rPr lang="en-US" sz="3200" dirty="0" smtClean="0">
+                <a:solidFill>
+                  <a:schemeClr val="tx1"/>
+                </a:solidFill>
+              </a:rPr>
+              <a:t/>
+            </a:r>
+            <a:br>
+              <a:rPr lang="en-US" sz="3200" dirty="0" smtClean="0">
+                <a:solidFill>
+                  <a:schemeClr val="tx1"/>
+                </a:solidFill>
+              </a:rPr>
+            </a:br>
+            <a:r>
+              <a:rPr lang="en-US" sz="3200" dirty="0" smtClean="0">
+                <a:solidFill>
+                  <a:schemeClr val="tx1"/>
+                </a:solidFill>
+              </a:rPr>
+              <a:t>matrix.</a:t>
+            </a:r>
+            <a:endParaRPr lang="he-IL" sz="2800" i="1" dirty="0">
+              <a:solidFill>
+                <a:schemeClr val="tx1"/>
+              </a:solidFill>
+            </a:endParaRPr>
+          </a:p>
+        </p:txBody>
+      </p:sp>
+      <p:pic>
+        <p:nvPicPr>
+          <p:cNvPr id="5" name="Picture 4"/>
+          <p:cNvPicPr>
+            <a:picLocks noChangeAspect="1"/>
+          </p:cNvPicPr>
+          <p:nvPr/>
+        </p:nvPicPr>
+        <p:blipFill>
+          <a:blip r:embed="rId19"/>
+          <a:stretch>
+            <a:fillRect/>
+          </a:stretch>
+        </p:blipFill>
+        <p:spPr>
+          <a:xfrm>
+            <a:off x="15697471" y="27231447"/>
+            <a:ext cx="4609085" cy="4414609"/>
+          </a:xfrm>
+          <a:prstGeom prst="rect">
+            <a:avLst/>
+          </a:prstGeom>
+        </p:spPr>
+      </p:pic>
+      <p:pic>
+        <p:nvPicPr>
+          <p:cNvPr id="68" name="Picture 4" descr="http://chechiklab.biu.ac.il/~yuvval/figs/comet/rowcol_vis.png"/>
+          <p:cNvPicPr>
+            <a:picLocks noChangeAspect="1" noChangeArrowheads="1"/>
+          </p:cNvPicPr>
+          <p:nvPr/>
+        </p:nvPicPr>
+        <p:blipFill rotWithShape="1">
+          <a:blip r:embed="rId20" cstate="print">
+            <a:extLst>
+              <a:ext uri="{28A0092B-C50C-407E-A947-70E740481C1C}">
+                <a14:useLocalDpi xmlns:a14="http://schemas.microsoft.com/office/drawing/2010/main" val="0"/>
+              </a:ext>
+            </a:extLst>
+          </a:blip>
+          <a:srcRect l="7339" t="15746" r="8998" b="2607"/>
+          <a:stretch/>
+        </p:blipFill>
+        <p:spPr bwMode="auto">
+          <a:xfrm>
+            <a:off x="27263908" y="6256069"/>
+            <a:ext cx="3336199" cy="3255809"/>
+          </a:xfrm>
+          <a:prstGeom prst="rect">
+            <a:avLst/>
+          </a:prstGeom>
+          <a:noFill/>
+          <a:extLst>
+            <a:ext uri="{909E8E84-426E-40DD-AFC4-6F175D3DCCD1}">
+              <a14:hiddenFill xmlns:a14="http://schemas.microsoft.com/office/drawing/2010/main">
+                <a:solidFill>
+                  <a:srgbClr val="FFFFFF"/>
+                </a:solidFill>
+              </a14:hiddenFill>
+            </a:ext>
+          </a:extLst>
+        </p:spPr>
+      </p:pic>
+      <p:pic>
+        <p:nvPicPr>
+          <p:cNvPr id="8" name="Picture 7"/>
+          <p:cNvPicPr>
+            <a:picLocks noChangeAspect="1"/>
+          </p:cNvPicPr>
+          <p:nvPr/>
+        </p:nvPicPr>
+        <p:blipFill>
+          <a:blip r:embed="rId21"/>
+          <a:stretch>
+            <a:fillRect/>
+          </a:stretch>
+        </p:blipFill>
+        <p:spPr>
+          <a:xfrm>
+            <a:off x="16898688" y="6462476"/>
+            <a:ext cx="3333750" cy="3257550"/>
+          </a:xfrm>
+          <a:prstGeom prst="rect">
+            <a:avLst/>
+          </a:prstGeom>
+        </p:spPr>
+      </p:pic>
+      <mc:AlternateContent xmlns:mc="http://schemas.openxmlformats.org/markup-compatibility/2006">
+        <mc:Choice xmlns:a14="http://schemas.microsoft.com/office/drawing/2010/main" Requires="a14">
+          <p:sp>
+            <p:nvSpPr>
+              <p:cNvPr id="74" name="Rectangle 73"/>
+              <p:cNvSpPr/>
+              <p:nvPr/>
+            </p:nvSpPr>
+            <p:spPr>
+              <a:xfrm>
+                <a:off x="22034748" y="6119548"/>
+                <a:ext cx="5193111" cy="6093001"/>
+              </a:xfrm>
+              <a:prstGeom prst="rect">
+                <a:avLst/>
+              </a:prstGeom>
+            </p:spPr>
+            <p:txBody>
+              <a:bodyPr wrap="square" lIns="108000" tIns="54000" rIns="108000" bIns="54000">
+                <a:spAutoFit/>
+              </a:bodyPr>
+              <a:lstStyle/>
+              <a:p>
+                <a:pPr algn="just" rtl="0"/>
+                <a:r>
+                  <a:rPr lang="en-US" sz="3200" dirty="0"/>
+                  <a:t>We use an overlapping decomposition of </a:t>
+                </a:r>
+                <a14:m>
+                  <m:oMath xmlns:m="http://schemas.openxmlformats.org/officeDocument/2006/math">
+                    <m:r>
+                      <a:rPr lang="en-US" sz="3200">
+                        <a:latin typeface="Cambria Math" panose="02040503050406030204" pitchFamily="18" charset="0"/>
+                      </a:rPr>
+                      <m:t>𝑊</m:t>
+                    </m:r>
+                  </m:oMath>
+                </a14:m>
+                <a:r>
+                  <a:rPr lang="en-US" sz="3200" dirty="0"/>
+                  <a:t> into </a:t>
+                </a:r>
+                <a14:m>
+                  <m:oMath xmlns:m="http://schemas.openxmlformats.org/officeDocument/2006/math">
+                    <m:sSubSup>
+                      <m:sSubSupPr>
+                        <m:ctrlPr>
+                          <a:rPr lang="en-US" sz="3200" i="1">
+                            <a:latin typeface="Cambria Math" panose="02040503050406030204" pitchFamily="18" charset="0"/>
+                          </a:rPr>
+                        </m:ctrlPr>
+                      </m:sSubSupPr>
+                      <m:e>
+                        <m:d>
+                          <m:dPr>
+                            <m:begChr m:val="{"/>
+                            <m:endChr m:val="}"/>
+                            <m:ctrlPr>
+                              <a:rPr lang="en-US" sz="3200" i="1">
+                                <a:latin typeface="Cambria Math" panose="02040503050406030204" pitchFamily="18" charset="0"/>
+                              </a:rPr>
+                            </m:ctrlPr>
+                          </m:dPr>
+                          <m:e>
+                            <m:sSub>
+                              <m:sSubPr>
+                                <m:ctrlPr>
+                                  <a:rPr lang="en-US" sz="3200" i="1">
+                                    <a:latin typeface="Cambria Math" panose="02040503050406030204" pitchFamily="18" charset="0"/>
+                                  </a:rPr>
+                                </m:ctrlPr>
+                              </m:sSubPr>
+                              <m:e>
+                                <m:r>
+                                  <a:rPr lang="en-US" sz="3200">
+                                    <a:latin typeface="Cambria Math" panose="02040503050406030204" pitchFamily="18" charset="0"/>
+                                  </a:rPr>
+                                  <m:t>𝑉</m:t>
+                                </m:r>
+                              </m:e>
+                              <m:sub>
+                                <m:r>
+                                  <a:rPr lang="en-US" sz="3200">
+                                    <a:latin typeface="Cambria Math" panose="02040503050406030204" pitchFamily="18" charset="0"/>
+                                  </a:rPr>
+                                  <m:t>𝑘</m:t>
+                                </m:r>
+                              </m:sub>
+                            </m:sSub>
+                          </m:e>
+                        </m:d>
+                      </m:e>
+                      <m:sub>
+                        <m:r>
+                          <a:rPr lang="en-US" sz="3200">
+                            <a:latin typeface="Cambria Math" panose="02040503050406030204" pitchFamily="18" charset="0"/>
+                          </a:rPr>
+                          <m:t>𝑘</m:t>
+                        </m:r>
+                        <m:r>
+                          <a:rPr lang="en-US" sz="3200">
+                            <a:latin typeface="Cambria Math" panose="02040503050406030204" pitchFamily="18" charset="0"/>
+                          </a:rPr>
+                          <m:t>=</m:t>
+                        </m:r>
+                        <m:r>
+                          <a:rPr lang="en-US" sz="3200">
+                            <a:latin typeface="Cambria Math" panose="02040503050406030204" pitchFamily="18" charset="0"/>
+                          </a:rPr>
+                          <m:t>0</m:t>
+                        </m:r>
+                      </m:sub>
+                      <m:sup>
+                        <m:r>
+                          <a:rPr lang="en-US" sz="3200">
+                            <a:latin typeface="Cambria Math" panose="02040503050406030204" pitchFamily="18" charset="0"/>
+                          </a:rPr>
+                          <m:t>𝑑</m:t>
+                        </m:r>
+                      </m:sup>
+                    </m:sSubSup>
+                  </m:oMath>
+                </a14:m>
+                <a:r>
+                  <a:rPr lang="en-US" sz="3200" dirty="0"/>
+                  <a:t> group components: The matrix </a:t>
+                </a:r>
+                <a14:m>
+                  <m:oMath xmlns:m="http://schemas.openxmlformats.org/officeDocument/2006/math">
+                    <m:sSub>
+                      <m:sSubPr>
+                        <m:ctrlPr>
+                          <a:rPr lang="en-US" sz="3200" i="1">
+                            <a:latin typeface="Cambria Math" panose="02040503050406030204" pitchFamily="18" charset="0"/>
+                          </a:rPr>
+                        </m:ctrlPr>
+                      </m:sSubPr>
+                      <m:e>
+                        <m:r>
+                          <a:rPr lang="en-US" sz="3200">
+                            <a:latin typeface="Cambria Math" panose="02040503050406030204" pitchFamily="18" charset="0"/>
+                          </a:rPr>
+                          <m:t>𝑉</m:t>
+                        </m:r>
+                      </m:e>
+                      <m:sub>
+                        <m:r>
+                          <a:rPr lang="en-US" sz="3200">
+                            <a:latin typeface="Cambria Math" panose="02040503050406030204" pitchFamily="18" charset="0"/>
+                          </a:rPr>
+                          <m:t>0</m:t>
+                        </m:r>
+                      </m:sub>
+                    </m:sSub>
+                  </m:oMath>
+                </a14:m>
+                <a:r>
+                  <a:rPr lang="en-US" sz="3200" dirty="0"/>
+                  <a:t> is a diagonal matrix, and each matrix </a:t>
+                </a:r>
+                <a:r>
+                  <a:rPr lang="en-US" sz="3200" dirty="0" smtClean="0"/>
+                  <a:t/>
+                </a:r>
+                <a:br>
+                  <a:rPr lang="en-US" sz="3200" dirty="0" smtClean="0"/>
+                </a:br>
+                <a14:m>
+                  <m:oMath xmlns:m="http://schemas.openxmlformats.org/officeDocument/2006/math">
+                    <m:sSub>
+                      <m:sSubPr>
+                        <m:ctrlPr>
+                          <a:rPr lang="en-US" sz="3200" i="1">
+                            <a:latin typeface="Cambria Math" panose="02040503050406030204" pitchFamily="18" charset="0"/>
+                          </a:rPr>
+                        </m:ctrlPr>
+                      </m:sSubPr>
+                      <m:e>
+                        <m:r>
+                          <a:rPr lang="en-US" sz="3200">
+                            <a:latin typeface="Cambria Math" panose="02040503050406030204" pitchFamily="18" charset="0"/>
+                          </a:rPr>
+                          <m:t>𝑉</m:t>
+                        </m:r>
+                      </m:e>
+                      <m:sub>
+                        <m:r>
+                          <a:rPr lang="en-US" sz="3200">
+                            <a:latin typeface="Cambria Math" panose="02040503050406030204" pitchFamily="18" charset="0"/>
+                          </a:rPr>
+                          <m:t>𝑘</m:t>
+                        </m:r>
+                      </m:sub>
+                    </m:sSub>
+                    <m:r>
+                      <a:rPr lang="en-US" sz="3200">
+                        <a:latin typeface="Cambria Math" panose="02040503050406030204" pitchFamily="18" charset="0"/>
+                      </a:rPr>
+                      <m:t> </m:t>
+                    </m:r>
+                    <m:d>
+                      <m:dPr>
+                        <m:ctrlPr>
+                          <a:rPr lang="en-US" sz="3200" i="1">
+                            <a:latin typeface="Cambria Math" panose="02040503050406030204" pitchFamily="18" charset="0"/>
+                          </a:rPr>
+                        </m:ctrlPr>
+                      </m:dPr>
+                      <m:e>
+                        <m:r>
+                          <a:rPr lang="en-US" sz="3200">
+                            <a:latin typeface="Cambria Math" panose="02040503050406030204" pitchFamily="18" charset="0"/>
+                          </a:rPr>
+                          <m:t>𝑘</m:t>
+                        </m:r>
+                        <m:r>
+                          <a:rPr lang="en-US" sz="3200">
+                            <a:latin typeface="Cambria Math" panose="02040503050406030204" pitchFamily="18" charset="0"/>
+                          </a:rPr>
+                          <m:t>&gt;</m:t>
+                        </m:r>
+                        <m:r>
+                          <a:rPr lang="en-US" sz="3200">
+                            <a:latin typeface="Cambria Math" panose="02040503050406030204" pitchFamily="18" charset="0"/>
+                          </a:rPr>
+                          <m:t>0</m:t>
+                        </m:r>
+                      </m:e>
+                    </m:d>
+                  </m:oMath>
+                </a14:m>
+                <a:r>
+                  <a:rPr lang="en-US" sz="3200" dirty="0"/>
+                  <a:t> is a symmetric matrix of non-zero values only on the </a:t>
+                </a:r>
+                <a14:m>
+                  <m:oMath xmlns:m="http://schemas.openxmlformats.org/officeDocument/2006/math">
+                    <m:sSup>
+                      <m:sSupPr>
+                        <m:ctrlPr>
+                          <a:rPr lang="en-US" sz="3200" i="1">
+                            <a:latin typeface="Cambria Math" panose="02040503050406030204" pitchFamily="18" charset="0"/>
+                          </a:rPr>
+                        </m:ctrlPr>
+                      </m:sSupPr>
+                      <m:e>
+                        <m:r>
+                          <a:rPr lang="en-US" sz="3200">
+                            <a:latin typeface="Cambria Math" panose="02040503050406030204" pitchFamily="18" charset="0"/>
+                          </a:rPr>
+                          <m:t>𝑘</m:t>
+                        </m:r>
+                      </m:e>
+                      <m:sup>
+                        <m:r>
+                          <a:rPr lang="en-US" sz="3200">
+                            <a:latin typeface="Cambria Math" panose="02040503050406030204" pitchFamily="18" charset="0"/>
+                          </a:rPr>
+                          <m:t>𝑡</m:t>
+                        </m:r>
+                        <m:r>
+                          <a:rPr lang="en-US" sz="3200">
+                            <a:latin typeface="Cambria Math" panose="02040503050406030204" pitchFamily="18" charset="0"/>
+                          </a:rPr>
+                          <m:t>h</m:t>
+                        </m:r>
+                      </m:sup>
+                    </m:sSup>
+                  </m:oMath>
+                </a14:m>
+                <a:r>
+                  <a:rPr lang="en-US" sz="3200" dirty="0"/>
+                  <a:t> row and column, with an all-zeros diagonal. </a:t>
+                </a:r>
+                <a:endParaRPr lang="en-US" sz="3200" dirty="0" smtClean="0"/>
+              </a:p>
+              <a:p>
+                <a:pPr algn="just" rtl="0"/>
+                <a:endParaRPr lang="en-US" sz="3200" dirty="0"/>
+              </a:p>
+              <a:p>
+                <a:pPr algn="just" rtl="0"/>
+                <a14:m>
+                  <m:oMath xmlns:m="http://schemas.openxmlformats.org/officeDocument/2006/math">
+                    <m:r>
+                      <a:rPr lang="en-US" sz="3200">
+                        <a:latin typeface="Cambria Math" panose="02040503050406030204" pitchFamily="18" charset="0"/>
+                      </a:rPr>
+                      <m:t>𝑊</m:t>
+                    </m:r>
+                  </m:oMath>
+                </a14:m>
+                <a:r>
+                  <a:rPr lang="en-US" sz="3200" dirty="0"/>
+                  <a:t> is the sum </a:t>
+                </a:r>
+                <a14:m>
+                  <m:oMath xmlns:m="http://schemas.openxmlformats.org/officeDocument/2006/math">
+                    <m:r>
+                      <a:rPr lang="en-US" sz="3200">
+                        <a:latin typeface="Cambria Math" panose="02040503050406030204" pitchFamily="18" charset="0"/>
+                      </a:rPr>
+                      <m:t>𝑊</m:t>
+                    </m:r>
+                    <m:r>
+                      <a:rPr lang="en-US" sz="3200">
+                        <a:latin typeface="Cambria Math" panose="02040503050406030204" pitchFamily="18" charset="0"/>
+                      </a:rPr>
+                      <m:t>=</m:t>
+                    </m:r>
+                    <m:nary>
+                      <m:naryPr>
+                        <m:chr m:val="∑"/>
+                        <m:ctrlPr>
+                          <a:rPr lang="en-US" sz="3200" i="1">
+                            <a:latin typeface="Cambria Math" panose="02040503050406030204" pitchFamily="18" charset="0"/>
+                          </a:rPr>
+                        </m:ctrlPr>
+                      </m:naryPr>
+                      <m:sub>
+                        <m:r>
+                          <a:rPr lang="en-US" sz="3200">
+                            <a:latin typeface="Cambria Math" panose="02040503050406030204" pitchFamily="18" charset="0"/>
+                          </a:rPr>
+                          <m:t>𝑘</m:t>
+                        </m:r>
+                        <m:r>
+                          <a:rPr lang="en-US" sz="3200">
+                            <a:latin typeface="Cambria Math" panose="02040503050406030204" pitchFamily="18" charset="0"/>
+                          </a:rPr>
+                          <m:t>=</m:t>
+                        </m:r>
+                        <m:r>
+                          <a:rPr lang="en-US" sz="3200">
+                            <a:latin typeface="Cambria Math" panose="02040503050406030204" pitchFamily="18" charset="0"/>
+                          </a:rPr>
+                          <m:t>0</m:t>
+                        </m:r>
+                      </m:sub>
+                      <m:sup>
+                        <m:r>
+                          <a:rPr lang="en-US" sz="3200">
+                            <a:latin typeface="Cambria Math" panose="02040503050406030204" pitchFamily="18" charset="0"/>
+                          </a:rPr>
+                          <m:t>𝑑</m:t>
+                        </m:r>
+                      </m:sup>
+                      <m:e>
+                        <m:sSub>
+                          <m:sSubPr>
+                            <m:ctrlPr>
+                              <a:rPr lang="en-US" sz="3200" i="1">
+                                <a:latin typeface="Cambria Math" panose="02040503050406030204" pitchFamily="18" charset="0"/>
+                              </a:rPr>
+                            </m:ctrlPr>
+                          </m:sSubPr>
+                          <m:e>
+                            <m:r>
+                              <a:rPr lang="en-US" sz="3200">
+                                <a:latin typeface="Cambria Math" panose="02040503050406030204" pitchFamily="18" charset="0"/>
+                              </a:rPr>
+                              <m:t>𝑉</m:t>
+                            </m:r>
+                          </m:e>
+                          <m:sub>
+                            <m:r>
+                              <a:rPr lang="en-US" sz="3200">
+                                <a:latin typeface="Cambria Math" panose="02040503050406030204" pitchFamily="18" charset="0"/>
+                              </a:rPr>
+                              <m:t>𝑘</m:t>
+                            </m:r>
+                          </m:sub>
+                        </m:sSub>
+                      </m:e>
+                    </m:nary>
+                  </m:oMath>
+                </a14:m>
+                <a:endParaRPr lang="en-US" sz="3200" dirty="0"/>
+              </a:p>
+            </p:txBody>
+          </p:sp>
+        </mc:Choice>
+        <mc:Fallback>
+          <p:sp>
+            <p:nvSpPr>
+              <p:cNvPr id="74" name="Rectangle 73"/>
+              <p:cNvSpPr>
+                <a:spLocks noRot="1" noChangeAspect="1" noMove="1" noResize="1" noEditPoints="1" noAdjustHandles="1" noChangeArrowheads="1" noChangeShapeType="1" noTextEdit="1"/>
+              </p:cNvSpPr>
+              <p:nvPr/>
+            </p:nvSpPr>
+            <p:spPr>
+              <a:xfrm>
+                <a:off x="22034748" y="6119548"/>
+                <a:ext cx="5193111" cy="6093001"/>
+              </a:xfrm>
+              <a:prstGeom prst="rect">
+                <a:avLst/>
+              </a:prstGeom>
+              <a:blipFill rotWithShape="0">
+                <a:blip r:embed="rId22"/>
+                <a:stretch>
+                  <a:fillRect l="-2700" t="-1201" r="-2582" b="-2302"/>
+                </a:stretch>
+              </a:blipFill>
+            </p:spPr>
+            <p:txBody>
+              <a:bodyPr/>
+              <a:lstStyle/>
+              <a:p>
+                <a:r>
+                  <a:rPr lang="en-US">
+                    <a:noFill/>
+                  </a:rPr>
+                  <a:t> </a:t>
+                </a:r>
+              </a:p>
+            </p:txBody>
+          </p:sp>
+        </mc:Fallback>
+      </mc:AlternateContent>
+      <mc:AlternateContent xmlns:mc="http://schemas.openxmlformats.org/markup-compatibility/2006">
+        <mc:Choice xmlns:a14="http://schemas.microsoft.com/office/drawing/2010/main" Requires="a14">
+          <p:sp>
+            <p:nvSpPr>
+              <p:cNvPr id="75" name="Rectangle 74"/>
+              <p:cNvSpPr/>
+              <p:nvPr/>
+            </p:nvSpPr>
+            <p:spPr>
+              <a:xfrm>
+                <a:off x="22034748" y="12269646"/>
+                <a:ext cx="8334741" cy="12182937"/>
+              </a:xfrm>
+              <a:prstGeom prst="rect">
+                <a:avLst/>
+              </a:prstGeom>
+            </p:spPr>
+            <p:txBody>
+              <a:bodyPr wrap="square" lIns="108000" tIns="54000" rIns="108000" bIns="54000">
+                <a:spAutoFit/>
+              </a:bodyPr>
+              <a:lstStyle/>
+              <a:p>
+                <a:pPr algn="l" rtl="0"/>
+                <a:r>
+                  <a:rPr lang="en-US" sz="3200" dirty="0" smtClean="0"/>
+                  <a:t>We add a group-sparse norm penalty to the loss to encourage solutions with fewer features and obtain the following objective and optimization :</a:t>
+                </a:r>
+              </a:p>
+              <a:p>
+                <a:pPr algn="l" rtl="0"/>
+                <a:endParaRPr lang="en-US" sz="3200" dirty="0"/>
+              </a:p>
+              <a:p>
+                <a:pPr rtl="0"/>
+                <a14:m>
+                  <m:oMathPara xmlns:m="http://schemas.openxmlformats.org/officeDocument/2006/math">
+                    <m:oMathParaPr>
+                      <m:jc m:val="centerGroup"/>
+                    </m:oMathParaPr>
+                    <m:oMath xmlns:m="http://schemas.openxmlformats.org/officeDocument/2006/math">
+                      <m:sSubSup>
+                        <m:sSubSupPr>
+                          <m:ctrlPr>
+                            <a:rPr lang="en-US" sz="3200" i="1"/>
+                          </m:ctrlPr>
+                        </m:sSubSupPr>
+                        <m:e>
+                          <m:func>
+                            <m:funcPr>
+                              <m:ctrlPr>
+                                <a:rPr lang="en-US" sz="3200" i="1"/>
+                              </m:ctrlPr>
+                            </m:funcPr>
+                            <m:fName>
+                              <m:limLow>
+                                <m:limLowPr>
+                                  <m:ctrlPr>
+                                    <a:rPr lang="en-US" sz="3200" i="1"/>
+                                  </m:ctrlPr>
+                                </m:limLowPr>
+                                <m:e>
+                                  <m:r>
+                                    <m:rPr>
+                                      <m:sty m:val="p"/>
+                                    </m:rPr>
+                                    <a:rPr lang="en-US" sz="3200"/>
+                                    <m:t>min</m:t>
+                                  </m:r>
+                                </m:e>
+                                <m:lim>
+                                  <m:sSubSup>
+                                    <m:sSubSupPr>
+                                      <m:ctrlPr>
+                                        <a:rPr lang="en-US" sz="3200" i="1"/>
+                                      </m:ctrlPr>
+                                    </m:sSubSupPr>
+                                    <m:e>
+                                      <m:d>
+                                        <m:dPr>
+                                          <m:begChr m:val="{"/>
+                                          <m:endChr m:val="}"/>
+                                          <m:ctrlPr>
+                                            <a:rPr lang="en-US" sz="3200" i="1"/>
+                                          </m:ctrlPr>
+                                        </m:dPr>
+                                        <m:e>
+                                          <m:sSub>
+                                            <m:sSubPr>
+                                              <m:ctrlPr>
+                                                <a:rPr lang="en-US" sz="3200" i="1"/>
+                                              </m:ctrlPr>
+                                            </m:sSubPr>
+                                            <m:e>
+                                              <m:r>
+                                                <a:rPr lang="en-US" sz="3200" i="1"/>
+                                                <m:t>𝑉</m:t>
+                                              </m:r>
+                                            </m:e>
+                                            <m:sub>
+                                              <m:r>
+                                                <a:rPr lang="en-US" sz="3200" i="1"/>
+                                                <m:t>𝑘</m:t>
+                                              </m:r>
+                                            </m:sub>
+                                          </m:sSub>
+                                        </m:e>
+                                      </m:d>
+                                    </m:e>
+                                    <m:sub>
+                                      <m:r>
+                                        <a:rPr lang="en-US" sz="3200" i="1"/>
+                                        <m:t>𝑘</m:t>
+                                      </m:r>
+                                      <m:r>
+                                        <a:rPr lang="en-US" sz="3200" i="1"/>
+                                        <m:t>=</m:t>
+                                      </m:r>
+                                      <m:r>
+                                        <a:rPr lang="en-US" sz="3200" i="1"/>
+                                        <m:t>0</m:t>
+                                      </m:r>
+                                    </m:sub>
+                                    <m:sup>
+                                      <m:r>
+                                        <a:rPr lang="en-US" sz="3200" i="1"/>
+                                        <m:t>𝑑</m:t>
+                                      </m:r>
+                                    </m:sup>
+                                  </m:sSubSup>
+                                </m:lim>
+                              </m:limLow>
+                            </m:fName>
+                            <m:e>
+                              <m:r>
+                                <a:rPr lang="en-US" sz="3200" i="1"/>
+                                <m:t>𝐿</m:t>
+                              </m:r>
+                              <m:r>
+                                <a:rPr lang="en-US" sz="3200" i="1"/>
+                                <m:t>(</m:t>
+                              </m:r>
+                              <m:d>
+                                <m:dPr>
+                                  <m:begChr m:val="{"/>
+                                  <m:endChr m:val="}"/>
+                                  <m:ctrlPr>
+                                    <a:rPr lang="en-US" sz="3200" i="1"/>
+                                  </m:ctrlPr>
+                                </m:dPr>
+                                <m:e>
+                                  <m:sSub>
+                                    <m:sSubPr>
+                                      <m:ctrlPr>
+                                        <a:rPr lang="en-US" sz="3200" i="1"/>
+                                      </m:ctrlPr>
+                                    </m:sSubPr>
+                                    <m:e>
+                                      <m:r>
+                                        <a:rPr lang="en-US" sz="3200" i="1"/>
+                                        <m:t>𝑉</m:t>
+                                      </m:r>
+                                    </m:e>
+                                    <m:sub>
+                                      <m:r>
+                                        <a:rPr lang="en-US" sz="3200" i="1"/>
+                                        <m:t>𝑘</m:t>
+                                      </m:r>
+                                    </m:sub>
+                                  </m:sSub>
+                                </m:e>
+                              </m:d>
+                            </m:e>
+                          </m:func>
+                        </m:e>
+                        <m:sub>
+                          <m:r>
+                            <a:rPr lang="en-US" sz="3200" i="1"/>
+                            <m:t>𝑘</m:t>
+                          </m:r>
+                          <m:r>
+                            <a:rPr lang="en-US" sz="3200" i="1"/>
+                            <m:t>=</m:t>
+                          </m:r>
+                          <m:r>
+                            <a:rPr lang="en-US" sz="3200" i="1"/>
+                            <m:t>0</m:t>
+                          </m:r>
+                        </m:sub>
+                        <m:sup>
+                          <m:r>
+                            <a:rPr lang="en-US" sz="3200" i="1"/>
+                            <m:t>𝑑</m:t>
+                          </m:r>
+                        </m:sup>
+                      </m:sSubSup>
+                      <m:r>
+                        <a:rPr lang="en-US" sz="3200" i="1"/>
+                        <m:t>)=</m:t>
+                      </m:r>
+                      <m:func>
+                        <m:funcPr>
+                          <m:ctrlPr>
+                            <a:rPr lang="en-US" sz="3200" i="1"/>
+                          </m:ctrlPr>
+                        </m:funcPr>
+                        <m:fName>
+                          <m:limLow>
+                            <m:limLowPr>
+                              <m:ctrlPr>
+                                <a:rPr lang="en-US" sz="3200" i="1"/>
+                              </m:ctrlPr>
+                            </m:limLowPr>
+                            <m:e>
+                              <m:r>
+                                <m:rPr>
+                                  <m:sty m:val="p"/>
+                                </m:rPr>
+                                <a:rPr lang="en-US" sz="3200"/>
+                                <m:t>min</m:t>
+                              </m:r>
+                            </m:e>
+                            <m:lim>
+                              <m:sSubSup>
+                                <m:sSubSupPr>
+                                  <m:ctrlPr>
+                                    <a:rPr lang="en-US" sz="3200" i="1"/>
+                                  </m:ctrlPr>
+                                </m:sSubSupPr>
+                                <m:e>
+                                  <m:d>
+                                    <m:dPr>
+                                      <m:begChr m:val="{"/>
+                                      <m:endChr m:val="}"/>
+                                      <m:ctrlPr>
+                                        <a:rPr lang="en-US" sz="3200" i="1"/>
+                                      </m:ctrlPr>
+                                    </m:dPr>
+                                    <m:e>
+                                      <m:sSub>
+                                        <m:sSubPr>
+                                          <m:ctrlPr>
+                                            <a:rPr lang="en-US" sz="3200" i="1"/>
+                                          </m:ctrlPr>
+                                        </m:sSubPr>
+                                        <m:e>
+                                          <m:r>
+                                            <a:rPr lang="en-US" sz="3200" i="1"/>
+                                            <m:t>𝑉</m:t>
+                                          </m:r>
+                                        </m:e>
+                                        <m:sub>
+                                          <m:r>
+                                            <a:rPr lang="en-US" sz="3200" i="1"/>
+                                            <m:t>𝑘</m:t>
+                                          </m:r>
+                                        </m:sub>
+                                      </m:sSub>
+                                    </m:e>
+                                  </m:d>
+                                </m:e>
+                                <m:sub>
+                                  <m:r>
+                                    <a:rPr lang="en-US" sz="3200" i="1"/>
+                                    <m:t>𝑘</m:t>
+                                  </m:r>
+                                  <m:r>
+                                    <a:rPr lang="en-US" sz="3200" i="1"/>
+                                    <m:t>=</m:t>
+                                  </m:r>
+                                  <m:r>
+                                    <a:rPr lang="en-US" sz="3200" i="1"/>
+                                    <m:t>0</m:t>
+                                  </m:r>
+                                </m:sub>
+                                <m:sup>
+                                  <m:r>
+                                    <a:rPr lang="en-US" sz="3200" i="1"/>
+                                    <m:t>𝑑</m:t>
+                                  </m:r>
+                                </m:sup>
+                              </m:sSubSup>
+                            </m:lim>
+                          </m:limLow>
+                        </m:fName>
+                        <m:e>
+                          <m:nary>
+                            <m:naryPr>
+                              <m:chr m:val="∑"/>
+                              <m:supHide m:val="on"/>
+                              <m:ctrlPr>
+                                <a:rPr lang="en-US" sz="3200" i="1"/>
+                              </m:ctrlPr>
+                            </m:naryPr>
+                            <m:sub>
+                              <m:r>
+                                <a:rPr lang="en-US" sz="3200" i="1"/>
+                                <m:t>𝑡</m:t>
+                              </m:r>
+                              <m:r>
+                                <a:rPr lang="en-US" sz="3200" i="1"/>
+                                <m:t>∈</m:t>
+                              </m:r>
+                              <m:r>
+                                <a:rPr lang="en-US" sz="3200" i="1"/>
+                                <m:t>𝒯</m:t>
+                              </m:r>
+                            </m:sub>
+                            <m:sup/>
+                            <m:e>
+                              <m:r>
+                                <a:rPr lang="en-US" sz="3200" i="1"/>
+                                <m:t>[</m:t>
+                              </m:r>
+                              <m:r>
+                                <a:rPr lang="en-US" sz="3200" i="1"/>
+                                <m:t>1</m:t>
+                              </m:r>
+                              <m:r>
+                                <a:rPr lang="en-US" sz="3200" i="1"/>
+                                <m:t>−</m:t>
+                              </m:r>
+                              <m:sSub>
+                                <m:sSubPr>
+                                  <m:ctrlPr>
+                                    <a:rPr lang="en-US" sz="3200" i="1"/>
+                                  </m:ctrlPr>
+                                </m:sSubPr>
+                                <m:e>
+                                  <m:r>
+                                    <a:rPr lang="en-US" sz="3200" i="1"/>
+                                    <m:t>𝑞</m:t>
+                                  </m:r>
+                                </m:e>
+                                <m:sub>
+                                  <m:r>
+                                    <a:rPr lang="en-US" sz="3200" i="1"/>
+                                    <m:t>𝑡</m:t>
+                                  </m:r>
+                                </m:sub>
+                              </m:sSub>
+                              <m:r>
+                                <a:rPr lang="en-US" sz="3200" i="1"/>
+                                <m:t>𝑊</m:t>
+                              </m:r>
+                              <m:sSubSup>
+                                <m:sSubSupPr>
+                                  <m:ctrlPr>
+                                    <a:rPr lang="en-US" sz="3200" i="1"/>
+                                  </m:ctrlPr>
+                                </m:sSubSupPr>
+                                <m:e>
+                                  <m:r>
+                                    <a:rPr lang="en-US" sz="3200" i="1"/>
+                                    <m:t>𝑝</m:t>
+                                  </m:r>
+                                </m:e>
+                                <m:sub>
+                                  <m:r>
+                                    <a:rPr lang="en-US" sz="3200" i="1"/>
+                                    <m:t>𝑡</m:t>
+                                  </m:r>
+                                </m:sub>
+                                <m:sup>
+                                  <m:r>
+                                    <a:rPr lang="en-US" sz="3200" i="1"/>
+                                    <m:t>+</m:t>
+                                  </m:r>
+                                </m:sup>
+                              </m:sSubSup>
+                              <m:r>
+                                <a:rPr lang="en-US" sz="3200" i="1"/>
+                                <m:t>+</m:t>
+                              </m:r>
+                              <m:sSub>
+                                <m:sSubPr>
+                                  <m:ctrlPr>
+                                    <a:rPr lang="en-US" sz="3200" i="1"/>
+                                  </m:ctrlPr>
+                                </m:sSubPr>
+                                <m:e>
+                                  <m:r>
+                                    <a:rPr lang="en-US" sz="3200" i="1"/>
+                                    <m:t>𝑞</m:t>
+                                  </m:r>
+                                </m:e>
+                                <m:sub>
+                                  <m:r>
+                                    <a:rPr lang="en-US" sz="3200" i="1"/>
+                                    <m:t>𝑡</m:t>
+                                  </m:r>
+                                </m:sub>
+                              </m:sSub>
+                              <m:r>
+                                <a:rPr lang="en-US" sz="3200" i="1"/>
+                                <m:t>𝑊</m:t>
+                              </m:r>
+                              <m:sSubSup>
+                                <m:sSubSupPr>
+                                  <m:ctrlPr>
+                                    <a:rPr lang="en-US" sz="3200" i="1"/>
+                                  </m:ctrlPr>
+                                </m:sSubSupPr>
+                                <m:e>
+                                  <m:r>
+                                    <a:rPr lang="en-US" sz="3200" i="1"/>
+                                    <m:t>𝑝</m:t>
+                                  </m:r>
+                                </m:e>
+                                <m:sub>
+                                  <m:r>
+                                    <a:rPr lang="en-US" sz="3200" i="1"/>
+                                    <m:t>𝑡</m:t>
+                                  </m:r>
+                                </m:sub>
+                                <m:sup>
+                                  <m:r>
+                                    <a:rPr lang="en-US" sz="3200" i="1"/>
+                                    <m:t>−</m:t>
+                                  </m:r>
+                                </m:sup>
+                              </m:sSubSup>
+                              <m:r>
+                                <a:rPr lang="en-US" sz="3200" i="1"/>
+                                <m:t>]</m:t>
+                              </m:r>
+                            </m:e>
+                          </m:nary>
+                          <m:r>
+                            <a:rPr lang="en-US" sz="3200" i="1"/>
+                            <m:t> </m:t>
+                          </m:r>
+                        </m:e>
+                      </m:func>
+                    </m:oMath>
+                  </m:oMathPara>
+                </a14:m>
+                <a:endParaRPr lang="en-US" sz="3200" dirty="0"/>
+              </a:p>
+              <a:p>
+                <a:pPr algn="r" rtl="0"/>
+                <a14:m>
+                  <m:oMathPara xmlns:m="http://schemas.openxmlformats.org/officeDocument/2006/math">
+                    <m:oMathParaPr>
+                      <m:jc m:val="centerGroup"/>
+                    </m:oMathParaPr>
+                    <m:oMath xmlns:m="http://schemas.openxmlformats.org/officeDocument/2006/math">
+                      <m:r>
+                        <a:rPr lang="en-US" sz="3200" i="1"/>
+                        <m:t>−</m:t>
+                      </m:r>
+                      <m:r>
+                        <a:rPr lang="en-US" sz="3200" i="1"/>
+                        <m:t>𝛼</m:t>
+                      </m:r>
+                      <m:func>
+                        <m:funcPr>
+                          <m:ctrlPr>
+                            <a:rPr lang="en-US" sz="3200" i="1"/>
+                          </m:ctrlPr>
+                        </m:funcPr>
+                        <m:fName>
+                          <m:r>
+                            <m:rPr>
+                              <m:sty m:val="p"/>
+                            </m:rPr>
+                            <a:rPr lang="en-US" sz="3200"/>
+                            <m:t>log</m:t>
+                          </m:r>
+                        </m:fName>
+                        <m:e>
+                          <m:func>
+                            <m:funcPr>
+                              <m:ctrlPr>
+                                <a:rPr lang="en-US" sz="3200" i="1"/>
+                              </m:ctrlPr>
+                            </m:funcPr>
+                            <m:fName>
+                              <m:r>
+                                <m:rPr>
+                                  <m:sty m:val="p"/>
+                                </m:rPr>
+                                <a:rPr lang="en-US" sz="3200"/>
+                                <m:t>det</m:t>
+                              </m:r>
+                            </m:fName>
+                            <m:e>
+                              <m:r>
+                                <a:rPr lang="en-US" sz="3200" i="1"/>
+                                <m:t>𝑊</m:t>
+                              </m:r>
+                            </m:e>
+                          </m:func>
+                        </m:e>
+                      </m:func>
+                      <m:r>
+                        <a:rPr lang="en-US" sz="3200" i="1"/>
+                        <m:t>+</m:t>
+                      </m:r>
+                      <m:r>
+                        <a:rPr lang="en-US" sz="3200" i="1"/>
+                        <m:t>𝜆</m:t>
+                      </m:r>
+                      <m:nary>
+                        <m:naryPr>
+                          <m:chr m:val="∑"/>
+                          <m:ctrlPr>
+                            <a:rPr lang="en-US" sz="3200" i="1"/>
+                          </m:ctrlPr>
+                        </m:naryPr>
+                        <m:sub>
+                          <m:r>
+                            <a:rPr lang="en-US" sz="3200" i="1"/>
+                            <m:t>𝑘</m:t>
+                          </m:r>
+                          <m:r>
+                            <a:rPr lang="en-US" sz="3200" i="1"/>
+                            <m:t>=</m:t>
+                          </m:r>
+                          <m:r>
+                            <a:rPr lang="en-US" sz="3200" i="1"/>
+                            <m:t>0</m:t>
+                          </m:r>
+                        </m:sub>
+                        <m:sup>
+                          <m:r>
+                            <a:rPr lang="en-US" sz="3200" i="1"/>
+                            <m:t>𝑑</m:t>
+                          </m:r>
+                        </m:sup>
+                        <m:e>
+                          <m:sSub>
+                            <m:sSubPr>
+                              <m:ctrlPr>
+                                <a:rPr lang="en-US" sz="3200" i="1"/>
+                              </m:ctrlPr>
+                            </m:sSubPr>
+                            <m:e>
+                              <m:d>
+                                <m:dPr>
+                                  <m:begChr m:val="‖"/>
+                                  <m:endChr m:val="‖"/>
+                                  <m:ctrlPr>
+                                    <a:rPr lang="en-US" sz="3200" i="1"/>
+                                  </m:ctrlPr>
+                                </m:dPr>
+                                <m:e>
+                                  <m:sSub>
+                                    <m:sSubPr>
+                                      <m:ctrlPr>
+                                        <a:rPr lang="en-US" sz="3200" i="1"/>
+                                      </m:ctrlPr>
+                                    </m:sSubPr>
+                                    <m:e>
+                                      <m:r>
+                                        <a:rPr lang="en-US" sz="3200" i="1"/>
+                                        <m:t>𝑉</m:t>
+                                      </m:r>
+                                    </m:e>
+                                    <m:sub>
+                                      <m:r>
+                                        <a:rPr lang="en-US" sz="3200" i="1"/>
+                                        <m:t>𝑘</m:t>
+                                      </m:r>
+                                    </m:sub>
+                                  </m:sSub>
+                                </m:e>
+                              </m:d>
+                            </m:e>
+                            <m:sub>
+                              <m:r>
+                                <a:rPr lang="en-US" sz="3200" i="1"/>
+                                <m:t>𝐹</m:t>
+                              </m:r>
+                            </m:sub>
+                          </m:sSub>
+                        </m:e>
+                      </m:nary>
+                    </m:oMath>
+                  </m:oMathPara>
+                </a14:m>
+                <a:endParaRPr lang="en-US" sz="3200" dirty="0"/>
+              </a:p>
+              <a:p>
+                <a:pPr algn="l" rtl="0"/>
+                <a:endParaRPr lang="en-US" sz="3200" dirty="0" smtClean="0"/>
+              </a:p>
+              <a:p>
+                <a:pPr algn="l" rtl="0"/>
+                <a:r>
+                  <a:rPr lang="en-US" sz="3200" dirty="0"/>
+                  <a:t>For encouraging exact all-zeros updates, we solve </a:t>
+                </a:r>
+                <a:r>
+                  <a:rPr lang="en-US" sz="3200" dirty="0" smtClean="0"/>
+                  <a:t>on each </a:t>
+                </a:r>
+                <a:r>
+                  <a:rPr lang="en-US" sz="3200" dirty="0"/>
+                  <a:t>coordinate step the following proximal problem, which admits a closed form solution.</a:t>
+                </a:r>
+              </a:p>
+              <a:p>
+                <a:pPr algn="l" rtl="0"/>
+                <a14:m>
+                  <m:oMathPara xmlns:m="http://schemas.openxmlformats.org/officeDocument/2006/math">
+                    <m:oMathParaPr>
+                      <m:jc m:val="centerGroup"/>
+                    </m:oMathParaPr>
+                    <m:oMath xmlns:m="http://schemas.openxmlformats.org/officeDocument/2006/math">
+                      <m:sSubSup>
+                        <m:sSubSupPr>
+                          <m:ctrlPr>
+                            <a:rPr lang="en-US" sz="3200" i="1"/>
+                          </m:ctrlPr>
+                        </m:sSubSupPr>
+                        <m:e>
+                          <m:r>
+                            <a:rPr lang="en-US" sz="3200" i="1"/>
+                            <m:t>𝑉</m:t>
+                          </m:r>
+                        </m:e>
+                        <m:sub>
+                          <m:r>
+                            <a:rPr lang="en-US" sz="3200" i="1"/>
+                            <m:t>𝑘</m:t>
+                          </m:r>
+                        </m:sub>
+                        <m:sup>
+                          <m:r>
+                            <a:rPr lang="en-US" sz="3200" i="1"/>
+                            <m:t>𝑛𝑒𝑤</m:t>
+                          </m:r>
+                        </m:sup>
+                      </m:sSubSup>
+                      <m:r>
+                        <a:rPr lang="en-US" sz="3200" i="1"/>
+                        <m:t>=</m:t>
+                      </m:r>
+                      <m:func>
+                        <m:funcPr>
+                          <m:ctrlPr>
+                            <a:rPr lang="en-US" sz="3200" i="1"/>
+                          </m:ctrlPr>
+                        </m:funcPr>
+                        <m:fName>
+                          <m:limLow>
+                            <m:limLowPr>
+                              <m:ctrlPr>
+                                <a:rPr lang="en-US" sz="3200" i="1"/>
+                              </m:ctrlPr>
+                            </m:limLowPr>
+                            <m:e>
+                              <m:r>
+                                <m:rPr>
+                                  <m:sty m:val="p"/>
+                                </m:rPr>
+                                <a:rPr lang="en-US" sz="3200"/>
+                                <m:t>argmin</m:t>
+                              </m:r>
+                            </m:e>
+                            <m:lim>
+                              <m:r>
+                                <a:rPr lang="en-US" sz="3200" i="1"/>
+                                <m:t>𝑉</m:t>
+                              </m:r>
+                              <m:r>
+                                <a:rPr lang="en-US" sz="3200" i="1"/>
+                                <m:t>∈</m:t>
+                              </m:r>
+                              <m:sSub>
+                                <m:sSubPr>
+                                  <m:ctrlPr>
+                                    <a:rPr lang="en-US" sz="3200" i="1"/>
+                                  </m:ctrlPr>
+                                </m:sSubPr>
+                                <m:e>
+                                  <m:r>
+                                    <a:rPr lang="en-US" sz="3200" i="1"/>
+                                    <m:t>𝒱</m:t>
+                                  </m:r>
+                                </m:e>
+                                <m:sub>
+                                  <m:r>
+                                    <a:rPr lang="en-US" sz="3200" i="1"/>
+                                    <m:t>𝑘</m:t>
+                                  </m:r>
+                                </m:sub>
+                              </m:sSub>
+                            </m:lim>
+                          </m:limLow>
+                        </m:fName>
+                        <m:e>
+                          <m:d>
+                            <m:dPr>
+                              <m:begChr m:val="⟨"/>
+                              <m:endChr m:val="⟩"/>
+                              <m:ctrlPr>
+                                <a:rPr lang="en-US" sz="3200" i="1"/>
+                              </m:ctrlPr>
+                            </m:dPr>
+                            <m:e>
+                              <m:f>
+                                <m:fPr>
+                                  <m:ctrlPr>
+                                    <a:rPr lang="en-US" sz="3200" i="1"/>
+                                  </m:ctrlPr>
+                                </m:fPr>
+                                <m:num>
+                                  <m:r>
+                                    <a:rPr lang="en-US" sz="3200" i="1"/>
+                                    <m:t>𝜕</m:t>
+                                  </m:r>
+                                  <m:r>
+                                    <a:rPr lang="en-US" sz="3200" i="1"/>
+                                    <m:t>𝐿</m:t>
+                                  </m:r>
+                                </m:num>
+                                <m:den>
+                                  <m:r>
+                                    <a:rPr lang="en-US" sz="3200" i="1"/>
+                                    <m:t>𝜕</m:t>
+                                  </m:r>
+                                  <m:sSub>
+                                    <m:sSubPr>
+                                      <m:ctrlPr>
+                                        <a:rPr lang="en-US" sz="3200" i="1"/>
+                                      </m:ctrlPr>
+                                    </m:sSubPr>
+                                    <m:e>
+                                      <m:r>
+                                        <a:rPr lang="en-US" sz="3200" i="1"/>
+                                        <m:t>𝑉</m:t>
+                                      </m:r>
+                                    </m:e>
+                                    <m:sub>
+                                      <m:r>
+                                        <a:rPr lang="en-US" sz="3200" i="1"/>
+                                        <m:t>𝑘</m:t>
+                                      </m:r>
+                                    </m:sub>
+                                  </m:sSub>
+                                </m:den>
+                              </m:f>
+                              <m:r>
+                                <a:rPr lang="en-US" sz="3200" i="1"/>
+                                <m:t>,</m:t>
+                              </m:r>
+                              <m:r>
+                                <a:rPr lang="en-US" sz="3200" i="1"/>
+                                <m:t>𝑉</m:t>
+                              </m:r>
+                            </m:e>
+                          </m:d>
+                        </m:e>
+                      </m:func>
+                      <m:r>
+                        <a:rPr lang="en-US" sz="3200" i="1"/>
+                        <m:t>+</m:t>
+                      </m:r>
+                      <m:f>
+                        <m:fPr>
+                          <m:ctrlPr>
+                            <a:rPr lang="en-US" sz="3200" i="1"/>
+                          </m:ctrlPr>
+                        </m:fPr>
+                        <m:num>
+                          <m:r>
+                            <a:rPr lang="en-US" sz="3200" i="1"/>
+                            <m:t>1</m:t>
+                          </m:r>
+                        </m:num>
+                        <m:den>
+                          <m:r>
+                            <a:rPr lang="en-US" sz="3200" i="1"/>
+                            <m:t>2</m:t>
+                          </m:r>
+                          <m:r>
+                            <a:rPr lang="en-US" sz="3200" i="1"/>
+                            <m:t>𝜃</m:t>
+                          </m:r>
+                        </m:den>
+                      </m:f>
+                      <m:sSubSup>
+                        <m:sSubSupPr>
+                          <m:ctrlPr>
+                            <a:rPr lang="en-US" sz="3200" i="1"/>
+                          </m:ctrlPr>
+                        </m:sSubSupPr>
+                        <m:e>
+                          <m:d>
+                            <m:dPr>
+                              <m:begChr m:val="‖"/>
+                              <m:endChr m:val="‖"/>
+                              <m:ctrlPr>
+                                <a:rPr lang="en-US" sz="3200" i="1"/>
+                              </m:ctrlPr>
+                            </m:dPr>
+                            <m:e>
+                              <m:sSub>
+                                <m:sSubPr>
+                                  <m:ctrlPr>
+                                    <a:rPr lang="en-US" sz="3200" i="1"/>
+                                  </m:ctrlPr>
+                                </m:sSubPr>
+                                <m:e>
+                                  <m:r>
+                                    <a:rPr lang="en-US" sz="3200" i="1"/>
+                                    <m:t>𝑉</m:t>
+                                  </m:r>
+                                  <m:r>
+                                    <a:rPr lang="en-US" sz="3200" i="1"/>
+                                    <m:t>−</m:t>
+                                  </m:r>
+                                  <m:r>
+                                    <a:rPr lang="en-US" sz="3200" i="1"/>
+                                    <m:t>𝑉</m:t>
+                                  </m:r>
+                                </m:e>
+                                <m:sub>
+                                  <m:r>
+                                    <a:rPr lang="en-US" sz="3200" i="1"/>
+                                    <m:t>𝑘</m:t>
+                                  </m:r>
+                                </m:sub>
+                              </m:sSub>
+                            </m:e>
+                          </m:d>
+                        </m:e>
+                        <m:sub>
+                          <m:r>
+                            <a:rPr lang="en-US" sz="3200" i="1"/>
+                            <m:t>𝐹</m:t>
+                          </m:r>
+                        </m:sub>
+                        <m:sup>
+                          <m:r>
+                            <a:rPr lang="en-US" sz="3200" i="1"/>
+                            <m:t>2</m:t>
+                          </m:r>
+                        </m:sup>
+                      </m:sSubSup>
+                      <m:r>
+                        <a:rPr lang="en-US" sz="3200" i="1"/>
+                        <m:t> +</m:t>
+                      </m:r>
+                      <m:r>
+                        <a:rPr lang="en-US" sz="3200" i="1"/>
+                        <m:t>𝜆</m:t>
+                      </m:r>
+                      <m:d>
+                        <m:dPr>
+                          <m:begChr m:val="‖"/>
+                          <m:endChr m:val="‖"/>
+                          <m:ctrlPr>
+                            <a:rPr lang="en-US" sz="3200" i="1"/>
+                          </m:ctrlPr>
+                        </m:dPr>
+                        <m:e>
+                          <m:r>
+                            <a:rPr lang="en-US" sz="3200" i="1"/>
+                            <m:t>𝑉</m:t>
+                          </m:r>
+                        </m:e>
+                      </m:d>
+                    </m:oMath>
+                  </m:oMathPara>
+                </a14:m>
+                <a:endParaRPr lang="en-US" sz="3200" dirty="0"/>
+              </a:p>
+              <a:p>
+                <a:pPr algn="l" rtl="0"/>
+                <a:r>
+                  <a:rPr lang="en-US" sz="3200" dirty="0" smtClean="0"/>
+                  <a:t/>
+                </a:r>
+                <a:br>
+                  <a:rPr lang="en-US" sz="3200" dirty="0" smtClean="0"/>
+                </a:br>
+                <a:r>
+                  <a:rPr lang="en-US" sz="3200" dirty="0" smtClean="0"/>
+                  <a:t>and </a:t>
+                </a:r>
+                <a:r>
+                  <a:rPr lang="en-US" sz="3200" dirty="0"/>
+                  <a:t>set </a:t>
+                </a:r>
+                <a14:m>
+                  <m:oMath xmlns:m="http://schemas.openxmlformats.org/officeDocument/2006/math">
+                    <m:sSup>
+                      <m:sSupPr>
+                        <m:ctrlPr>
+                          <a:rPr lang="en-US" sz="3200" i="1"/>
+                        </m:ctrlPr>
+                      </m:sSupPr>
+                      <m:e>
+                        <m:r>
+                          <a:rPr lang="en-US" sz="3200" i="1"/>
+                          <m:t>𝑊</m:t>
+                        </m:r>
+                      </m:e>
+                      <m:sup>
+                        <m:r>
+                          <a:rPr lang="en-US" sz="3200" i="1"/>
+                          <m:t>𝑛𝑒𝑤</m:t>
+                        </m:r>
+                      </m:sup>
+                    </m:sSup>
+                    <m:r>
+                      <a:rPr lang="en-US" sz="3200" i="1"/>
+                      <m:t>=</m:t>
+                    </m:r>
+                    <m:r>
+                      <a:rPr lang="en-US" sz="3200" i="1"/>
+                      <m:t>𝑊</m:t>
+                    </m:r>
+                    <m:r>
+                      <a:rPr lang="en-US" sz="3200" i="1"/>
+                      <m:t>+</m:t>
+                    </m:r>
+                    <m:sSubSup>
+                      <m:sSubSupPr>
+                        <m:ctrlPr>
+                          <a:rPr lang="en-US" sz="3200" i="1"/>
+                        </m:ctrlPr>
+                      </m:sSubSupPr>
+                      <m:e>
+                        <m:r>
+                          <a:rPr lang="en-US" sz="3200" i="1"/>
+                          <m:t>𝑉</m:t>
+                        </m:r>
+                      </m:e>
+                      <m:sub>
+                        <m:r>
+                          <a:rPr lang="en-US" sz="3200" i="1"/>
+                          <m:t>𝑘</m:t>
+                        </m:r>
+                      </m:sub>
+                      <m:sup>
+                        <m:r>
+                          <a:rPr lang="en-US" sz="3200" i="1"/>
+                          <m:t>𝑛𝑒𝑤</m:t>
+                        </m:r>
+                      </m:sup>
+                    </m:sSubSup>
+                    <m:r>
+                      <a:rPr lang="en-US" sz="3200" i="1"/>
+                      <m:t>−</m:t>
+                    </m:r>
+                    <m:sSub>
+                      <m:sSubPr>
+                        <m:ctrlPr>
+                          <a:rPr lang="en-US" sz="3200" i="1"/>
+                        </m:ctrlPr>
+                      </m:sSubPr>
+                      <m:e>
+                        <m:r>
+                          <a:rPr lang="en-US" sz="3200" i="1"/>
+                          <m:t>𝑉</m:t>
+                        </m:r>
+                      </m:e>
+                      <m:sub>
+                        <m:r>
+                          <a:rPr lang="en-US" sz="3200" i="1"/>
+                          <m:t>𝑘</m:t>
+                        </m:r>
+                      </m:sub>
+                    </m:sSub>
+                  </m:oMath>
+                </a14:m>
+                <a:r>
+                  <a:rPr lang="en-US" sz="3200" dirty="0"/>
+                  <a:t>, where </a:t>
+                </a:r>
+                <a14:m>
+                  <m:oMath xmlns:m="http://schemas.openxmlformats.org/officeDocument/2006/math">
+                    <m:r>
+                      <a:rPr lang="en-US" sz="3200" i="1"/>
+                      <m:t>𝜃</m:t>
+                    </m:r>
+                  </m:oMath>
+                </a14:m>
+                <a:r>
+                  <a:rPr lang="en-US" sz="3200" dirty="0"/>
+                  <a:t> corresponds to the step size of the proximal update.</a:t>
+                </a:r>
+              </a:p>
+              <a:p>
+                <a:pPr algn="l" rtl="0"/>
+                <a:endParaRPr lang="en-US" sz="3200" dirty="0" smtClean="0"/>
+              </a:p>
+            </p:txBody>
+          </p:sp>
+        </mc:Choice>
+        <mc:Fallback>
+          <p:sp>
+            <p:nvSpPr>
+              <p:cNvPr id="75" name="Rectangle 74"/>
+              <p:cNvSpPr>
+                <a:spLocks noRot="1" noChangeAspect="1" noMove="1" noResize="1" noEditPoints="1" noAdjustHandles="1" noChangeArrowheads="1" noChangeShapeType="1" noTextEdit="1"/>
+              </p:cNvSpPr>
+              <p:nvPr/>
+            </p:nvSpPr>
+            <p:spPr>
+              <a:xfrm>
+                <a:off x="22034748" y="12269646"/>
+                <a:ext cx="8334741" cy="12182937"/>
+              </a:xfrm>
+              <a:prstGeom prst="rect">
+                <a:avLst/>
+              </a:prstGeom>
+              <a:blipFill rotWithShape="0">
+                <a:blip r:embed="rId23"/>
+                <a:stretch>
+                  <a:fillRect l="-1683" t="-601" r="-366"/>
+                </a:stretch>
+              </a:blipFill>
+            </p:spPr>
+            <p:txBody>
+              <a:bodyPr/>
+              <a:lstStyle/>
+              <a:p>
+                <a:r>
+                  <a:rPr lang="en-US">
+                    <a:noFill/>
+                  </a:rPr>
+                  <a:t> </a:t>
+                </a:r>
+              </a:p>
+            </p:txBody>
+          </p:sp>
+        </mc:Fallback>
+      </mc:AlternateContent>
+      <p:pic>
+        <p:nvPicPr>
+          <p:cNvPr id="9" name="Picture 8"/>
+          <p:cNvPicPr>
+            <a:picLocks noChangeAspect="1"/>
+          </p:cNvPicPr>
+          <p:nvPr/>
+        </p:nvPicPr>
+        <p:blipFill>
+          <a:blip r:embed="rId24"/>
+          <a:stretch>
+            <a:fillRect/>
+          </a:stretch>
+        </p:blipFill>
+        <p:spPr>
+          <a:xfrm>
+            <a:off x="22122838" y="27435273"/>
+            <a:ext cx="8696885" cy="1326930"/>
+          </a:xfrm>
+          <a:prstGeom prst="rect">
+            <a:avLst/>
+          </a:prstGeom>
+        </p:spPr>
+      </p:pic>
+      <p:pic>
+        <p:nvPicPr>
+          <p:cNvPr id="13" name="Picture 12"/>
+          <p:cNvPicPr>
+            <a:picLocks noChangeAspect="1"/>
+          </p:cNvPicPr>
+          <p:nvPr/>
+        </p:nvPicPr>
+        <p:blipFill rotWithShape="1">
+          <a:blip r:embed="rId25"/>
+          <a:srcRect r="4094"/>
+          <a:stretch/>
+        </p:blipFill>
+        <p:spPr>
+          <a:xfrm>
+            <a:off x="22034749" y="28815981"/>
+            <a:ext cx="8784974" cy="1913091"/>
+          </a:xfrm>
+          <a:prstGeom prst="rect">
+            <a:avLst/>
+          </a:prstGeom>
         </p:spPr>
       </p:pic>
     </p:spTree>

--- a/COMET_poster.pptx
+++ b/COMET_poster.pptx
@@ -215,7 +215,7 @@
             <a:fld id="{198A3463-10AA-40C1-AF51-9D4D3C36B945}" type="datetimeFigureOut">
               <a:rPr lang="he-IL" smtClean="0"/>
               <a:pPr/>
-              <a:t>ז'/כסלו/תשע"ו</a:t>
+              <a:t>י"א/כסלו/תשע"ו</a:t>
             </a:fld>
             <a:endParaRPr lang="he-IL"/>
           </a:p>
@@ -760,7 +760,7 @@
             <a:fld id="{A6DEEEEF-6AFF-4F2F-80C9-19C8578E8C6D}" type="datetimeFigureOut">
               <a:rPr lang="he-IL" smtClean="0"/>
               <a:pPr/>
-              <a:t>ז'/כסלו/תשע"ו</a:t>
+              <a:t>י"א/כסלו/תשע"ו</a:t>
             </a:fld>
             <a:endParaRPr lang="he-IL"/>
           </a:p>
@@ -927,7 +927,7 @@
             <a:fld id="{A6DEEEEF-6AFF-4F2F-80C9-19C8578E8C6D}" type="datetimeFigureOut">
               <a:rPr lang="he-IL" smtClean="0"/>
               <a:pPr/>
-              <a:t>ז'/כסלו/תשע"ו</a:t>
+              <a:t>י"א/כסלו/תשע"ו</a:t>
             </a:fld>
             <a:endParaRPr lang="he-IL"/>
           </a:p>
@@ -1104,7 +1104,7 @@
             <a:fld id="{A6DEEEEF-6AFF-4F2F-80C9-19C8578E8C6D}" type="datetimeFigureOut">
               <a:rPr lang="he-IL" smtClean="0"/>
               <a:pPr/>
-              <a:t>ז'/כסלו/תשע"ו</a:t>
+              <a:t>י"א/כסלו/תשע"ו</a:t>
             </a:fld>
             <a:endParaRPr lang="he-IL"/>
           </a:p>
@@ -1271,7 +1271,7 @@
             <a:fld id="{A6DEEEEF-6AFF-4F2F-80C9-19C8578E8C6D}" type="datetimeFigureOut">
               <a:rPr lang="he-IL" smtClean="0"/>
               <a:pPr/>
-              <a:t>ז'/כסלו/תשע"ו</a:t>
+              <a:t>י"א/כסלו/תשע"ו</a:t>
             </a:fld>
             <a:endParaRPr lang="he-IL"/>
           </a:p>
@@ -1514,7 +1514,7 @@
             <a:fld id="{A6DEEEEF-6AFF-4F2F-80C9-19C8578E8C6D}" type="datetimeFigureOut">
               <a:rPr lang="he-IL" smtClean="0"/>
               <a:pPr/>
-              <a:t>ז'/כסלו/תשע"ו</a:t>
+              <a:t>י"א/כסלו/תשע"ו</a:t>
             </a:fld>
             <a:endParaRPr lang="he-IL"/>
           </a:p>
@@ -1799,7 +1799,7 @@
             <a:fld id="{A6DEEEEF-6AFF-4F2F-80C9-19C8578E8C6D}" type="datetimeFigureOut">
               <a:rPr lang="he-IL" smtClean="0"/>
               <a:pPr/>
-              <a:t>ז'/כסלו/תשע"ו</a:t>
+              <a:t>י"א/כסלו/תשע"ו</a:t>
             </a:fld>
             <a:endParaRPr lang="he-IL"/>
           </a:p>
@@ -2223,7 +2223,7 @@
             <a:fld id="{A6DEEEEF-6AFF-4F2F-80C9-19C8578E8C6D}" type="datetimeFigureOut">
               <a:rPr lang="he-IL" smtClean="0"/>
               <a:pPr/>
-              <a:t>ז'/כסלו/תשע"ו</a:t>
+              <a:t>י"א/כסלו/תשע"ו</a:t>
             </a:fld>
             <a:endParaRPr lang="he-IL"/>
           </a:p>
@@ -2338,7 +2338,7 @@
             <a:fld id="{A6DEEEEF-6AFF-4F2F-80C9-19C8578E8C6D}" type="datetimeFigureOut">
               <a:rPr lang="he-IL" smtClean="0"/>
               <a:pPr/>
-              <a:t>ז'/כסלו/תשע"ו</a:t>
+              <a:t>י"א/כסלו/תשע"ו</a:t>
             </a:fld>
             <a:endParaRPr lang="he-IL"/>
           </a:p>
@@ -2430,7 +2430,7 @@
             <a:fld id="{A6DEEEEF-6AFF-4F2F-80C9-19C8578E8C6D}" type="datetimeFigureOut">
               <a:rPr lang="he-IL" smtClean="0"/>
               <a:pPr/>
-              <a:t>ז'/כסלו/תשע"ו</a:t>
+              <a:t>י"א/כסלו/תשע"ו</a:t>
             </a:fld>
             <a:endParaRPr lang="he-IL"/>
           </a:p>
@@ -2704,7 +2704,7 @@
             <a:fld id="{A6DEEEEF-6AFF-4F2F-80C9-19C8578E8C6D}" type="datetimeFigureOut">
               <a:rPr lang="he-IL" smtClean="0"/>
               <a:pPr/>
-              <a:t>ז'/כסלו/תשע"ו</a:t>
+              <a:t>י"א/כסלו/תשע"ו</a:t>
             </a:fld>
             <a:endParaRPr lang="he-IL"/>
           </a:p>
@@ -2954,7 +2954,7 @@
             <a:fld id="{A6DEEEEF-6AFF-4F2F-80C9-19C8578E8C6D}" type="datetimeFigureOut">
               <a:rPr lang="he-IL" smtClean="0"/>
               <a:pPr/>
-              <a:t>ז'/כסלו/תשע"ו</a:t>
+              <a:t>י"א/כסלו/תשע"ו</a:t>
             </a:fld>
             <a:endParaRPr lang="he-IL"/>
           </a:p>
@@ -3167,7 +3167,7 @@
             <a:fld id="{A6DEEEEF-6AFF-4F2F-80C9-19C8578E8C6D}" type="datetimeFigureOut">
               <a:rPr lang="he-IL" smtClean="0"/>
               <a:pPr/>
-              <a:t>ז'/כסלו/תשע"ו</a:t>
+              <a:t>י"א/כסלו/תשע"ו</a:t>
             </a:fld>
             <a:endParaRPr lang="he-IL"/>
           </a:p>
@@ -3538,8 +3538,8 @@
           <a:chExt cx="0" cy="0"/>
         </a:xfrm>
       </p:grpSpPr>
-      <mc:AlternateContent xmlns:mc="http://schemas.openxmlformats.org/markup-compatibility/2006">
-        <mc:Choice xmlns:a14="http://schemas.microsoft.com/office/drawing/2010/main" Requires="a14">
+      <mc:AlternateContent xmlns:mc="http://schemas.openxmlformats.org/markup-compatibility/2006" xmlns:a14="http://schemas.microsoft.com/office/drawing/2010/main">
+        <mc:Choice Requires="a14">
           <p:sp>
             <p:nvSpPr>
               <p:cNvPr id="129" name="Rounded Rectangle 128"/>
@@ -3592,11 +3592,6 @@
                   </a:rPr>
                   <a:t>The Learning Setup</a:t>
                 </a:r>
-                <a:endParaRPr lang="en-US" sz="4400" b="1" dirty="0" smtClean="0">
-                  <a:solidFill>
-                    <a:schemeClr val="tx1"/>
-                  </a:solidFill>
-                </a:endParaRPr>
               </a:p>
               <a:p>
                 <a:pPr algn="l" rtl="0"/>
@@ -3615,6 +3610,7 @@
                         <a:solidFill>
                           <a:schemeClr val="tx1"/>
                         </a:solidFill>
+                        <a:latin typeface="Cambria Math" panose="02040503050406030204" pitchFamily="18" charset="0"/>
                       </a:rPr>
                       <m:t>𝑡</m:t>
                     </m:r>
@@ -3648,6 +3644,7 @@
                             <a:solidFill>
                               <a:schemeClr val="tx1"/>
                             </a:solidFill>
+                            <a:latin typeface="Cambria Math" panose="02040503050406030204" pitchFamily="18" charset="0"/>
                           </a:rPr>
                         </m:ctrlPr>
                       </m:sSubPr>
@@ -3657,6 +3654,7 @@
                             <a:solidFill>
                               <a:schemeClr val="tx1"/>
                             </a:solidFill>
+                            <a:latin typeface="Cambria Math" panose="02040503050406030204" pitchFamily="18" charset="0"/>
                           </a:rPr>
                           <m:t>𝑞</m:t>
                         </m:r>
@@ -3667,6 +3665,7 @@
                             <a:solidFill>
                               <a:schemeClr val="tx1"/>
                             </a:solidFill>
+                            <a:latin typeface="Cambria Math" panose="02040503050406030204" pitchFamily="18" charset="0"/>
                           </a:rPr>
                           <m:t>𝑡</m:t>
                         </m:r>
@@ -3691,6 +3690,7 @@
                             <a:solidFill>
                               <a:schemeClr val="tx1"/>
                             </a:solidFill>
+                            <a:latin typeface="Cambria Math" panose="02040503050406030204" pitchFamily="18" charset="0"/>
                           </a:rPr>
                         </m:ctrlPr>
                       </m:sSubSupPr>
@@ -3700,6 +3700,7 @@
                             <a:solidFill>
                               <a:schemeClr val="tx1"/>
                             </a:solidFill>
+                            <a:latin typeface="Cambria Math" panose="02040503050406030204" pitchFamily="18" charset="0"/>
                           </a:rPr>
                           <m:t>𝑝</m:t>
                         </m:r>
@@ -3710,6 +3711,7 @@
                             <a:solidFill>
                               <a:schemeClr val="tx1"/>
                             </a:solidFill>
+                            <a:latin typeface="Cambria Math" panose="02040503050406030204" pitchFamily="18" charset="0"/>
                           </a:rPr>
                           <m:t>𝑡</m:t>
                         </m:r>
@@ -3720,6 +3722,7 @@
                             <a:solidFill>
                               <a:schemeClr val="tx1"/>
                             </a:solidFill>
+                            <a:latin typeface="Cambria Math" panose="02040503050406030204" pitchFamily="18" charset="0"/>
                           </a:rPr>
                           <m:t>+</m:t>
                         </m:r>
@@ -3730,6 +3733,7 @@
                         <a:solidFill>
                           <a:schemeClr val="tx1"/>
                         </a:solidFill>
+                        <a:latin typeface="Cambria Math" panose="02040503050406030204" pitchFamily="18" charset="0"/>
                       </a:rPr>
                       <m:t>, </m:t>
                     </m:r>
@@ -3740,6 +3744,7 @@
                             <a:solidFill>
                               <a:schemeClr val="tx1"/>
                             </a:solidFill>
+                            <a:latin typeface="Cambria Math" panose="02040503050406030204" pitchFamily="18" charset="0"/>
                           </a:rPr>
                         </m:ctrlPr>
                       </m:sSubSupPr>
@@ -3749,6 +3754,7 @@
                             <a:solidFill>
                               <a:schemeClr val="tx1"/>
                             </a:solidFill>
+                            <a:latin typeface="Cambria Math" panose="02040503050406030204" pitchFamily="18" charset="0"/>
                           </a:rPr>
                           <m:t>𝑝</m:t>
                         </m:r>
@@ -3759,6 +3765,7 @@
                             <a:solidFill>
                               <a:schemeClr val="tx1"/>
                             </a:solidFill>
+                            <a:latin typeface="Cambria Math" panose="02040503050406030204" pitchFamily="18" charset="0"/>
                           </a:rPr>
                           <m:t>𝑡</m:t>
                         </m:r>
@@ -3769,6 +3776,7 @@
                             <a:solidFill>
                               <a:schemeClr val="tx1"/>
                             </a:solidFill>
+                            <a:latin typeface="Cambria Math" panose="02040503050406030204" pitchFamily="18" charset="0"/>
                           </a:rPr>
                           <m:t>−</m:t>
                         </m:r>
@@ -3793,6 +3801,7 @@
                             <a:solidFill>
                               <a:schemeClr val="tx1"/>
                             </a:solidFill>
+                            <a:latin typeface="Cambria Math" panose="02040503050406030204" pitchFamily="18" charset="0"/>
                           </a:rPr>
                         </m:ctrlPr>
                       </m:sSubPr>
@@ -3802,6 +3811,7 @@
                             <a:solidFill>
                               <a:schemeClr val="tx1"/>
                             </a:solidFill>
+                            <a:latin typeface="Cambria Math" panose="02040503050406030204" pitchFamily="18" charset="0"/>
                           </a:rPr>
                           <m:t>𝑞</m:t>
                         </m:r>
@@ -3812,6 +3822,7 @@
                             <a:solidFill>
                               <a:schemeClr val="tx1"/>
                             </a:solidFill>
+                            <a:latin typeface="Cambria Math" panose="02040503050406030204" pitchFamily="18" charset="0"/>
                           </a:rPr>
                           <m:t>𝑡</m:t>
                         </m:r>
@@ -3852,6 +3863,7 @@
                             <a:solidFill>
                               <a:schemeClr val="tx1"/>
                             </a:solidFill>
+                            <a:latin typeface="Cambria Math" panose="02040503050406030204" pitchFamily="18" charset="0"/>
                           </a:rPr>
                         </m:ctrlPr>
                       </m:sSubSupPr>
@@ -3861,6 +3873,7 @@
                             <a:solidFill>
                               <a:schemeClr val="tx1"/>
                             </a:solidFill>
+                            <a:latin typeface="Cambria Math" panose="02040503050406030204" pitchFamily="18" charset="0"/>
                           </a:rPr>
                           <m:t>𝑝</m:t>
                         </m:r>
@@ -3871,6 +3884,7 @@
                             <a:solidFill>
                               <a:schemeClr val="tx1"/>
                             </a:solidFill>
+                            <a:latin typeface="Cambria Math" panose="02040503050406030204" pitchFamily="18" charset="0"/>
                           </a:rPr>
                           <m:t>𝑡</m:t>
                         </m:r>
@@ -3881,6 +3895,7 @@
                             <a:solidFill>
                               <a:schemeClr val="tx1"/>
                             </a:solidFill>
+                            <a:latin typeface="Cambria Math" panose="02040503050406030204" pitchFamily="18" charset="0"/>
                           </a:rPr>
                           <m:t>+</m:t>
                         </m:r>
@@ -3913,6 +3928,7 @@
                             <a:solidFill>
                               <a:schemeClr val="tx1"/>
                             </a:solidFill>
+                            <a:latin typeface="Cambria Math" panose="02040503050406030204" pitchFamily="18" charset="0"/>
                           </a:rPr>
                         </m:ctrlPr>
                       </m:sSubSupPr>
@@ -3922,6 +3938,7 @@
                             <a:solidFill>
                               <a:schemeClr val="tx1"/>
                             </a:solidFill>
+                            <a:latin typeface="Cambria Math" panose="02040503050406030204" pitchFamily="18" charset="0"/>
                           </a:rPr>
                           <m:t>𝑝</m:t>
                         </m:r>
@@ -3932,6 +3949,7 @@
                             <a:solidFill>
                               <a:schemeClr val="tx1"/>
                             </a:solidFill>
+                            <a:latin typeface="Cambria Math" panose="02040503050406030204" pitchFamily="18" charset="0"/>
                           </a:rPr>
                           <m:t>𝑡</m:t>
                         </m:r>
@@ -3942,6 +3960,7 @@
                             <a:solidFill>
                               <a:schemeClr val="tx1"/>
                             </a:solidFill>
+                            <a:latin typeface="Cambria Math" panose="02040503050406030204" pitchFamily="18" charset="0"/>
                           </a:rPr>
                           <m:t>−</m:t>
                         </m:r>
@@ -4006,6 +4025,7 @@
                           <a:solidFill>
                             <a:schemeClr val="tx1"/>
                           </a:solidFill>
+                          <a:latin typeface="Cambria Math" panose="02040503050406030204" pitchFamily="18" charset="0"/>
                         </a:rPr>
                         <m:t>𝐿</m:t>
                       </m:r>
@@ -4016,6 +4036,7 @@
                               <a:solidFill>
                                 <a:schemeClr val="tx1"/>
                               </a:solidFill>
+                              <a:latin typeface="Cambria Math" panose="02040503050406030204" pitchFamily="18" charset="0"/>
                             </a:rPr>
                           </m:ctrlPr>
                         </m:dPr>
@@ -4025,6 +4046,7 @@
                               <a:solidFill>
                                 <a:schemeClr val="tx1"/>
                               </a:solidFill>
+                              <a:latin typeface="Cambria Math" panose="02040503050406030204" pitchFamily="18" charset="0"/>
                             </a:rPr>
                             <m:t>𝑊</m:t>
                           </m:r>
@@ -4035,6 +4057,7 @@
                           <a:solidFill>
                             <a:schemeClr val="tx1"/>
                           </a:solidFill>
+                          <a:latin typeface="Cambria Math" panose="02040503050406030204" pitchFamily="18" charset="0"/>
                         </a:rPr>
                         <m:t>=</m:t>
                       </m:r>
@@ -4045,6 +4068,7 @@
                               <a:solidFill>
                                 <a:schemeClr val="tx1"/>
                               </a:solidFill>
+                              <a:latin typeface="Cambria Math" panose="02040503050406030204" pitchFamily="18" charset="0"/>
                             </a:rPr>
                           </m:ctrlPr>
                         </m:funcPr>
@@ -4056,6 +4080,7 @@
                                   <a:solidFill>
                                     <a:schemeClr val="tx1"/>
                                   </a:solidFill>
+                                  <a:latin typeface="Cambria Math" panose="02040503050406030204" pitchFamily="18" charset="0"/>
                                 </a:rPr>
                               </m:ctrlPr>
                             </m:limLowPr>
@@ -4068,6 +4093,7 @@
                                   <a:solidFill>
                                     <a:schemeClr val="tx1"/>
                                   </a:solidFill>
+                                  <a:latin typeface="Cambria Math" panose="02040503050406030204" pitchFamily="18" charset="0"/>
                                 </a:rPr>
                                 <m:t>min</m:t>
                               </m:r>
@@ -4078,6 +4104,7 @@
                                   <a:solidFill>
                                     <a:schemeClr val="tx1"/>
                                   </a:solidFill>
+                                  <a:latin typeface="Cambria Math" panose="02040503050406030204" pitchFamily="18" charset="0"/>
                                 </a:rPr>
                                 <m:t>𝑊</m:t>
                               </m:r>
@@ -4094,6 +4121,7 @@
                                   <a:solidFill>
                                     <a:schemeClr val="tx1"/>
                                   </a:solidFill>
+                                  <a:latin typeface="Cambria Math" panose="02040503050406030204" pitchFamily="18" charset="0"/>
                                 </a:rPr>
                               </m:ctrlPr>
                             </m:naryPr>
@@ -4103,6 +4131,7 @@
                                   <a:solidFill>
                                     <a:schemeClr val="tx1"/>
                                   </a:solidFill>
+                                  <a:latin typeface="Cambria Math" panose="02040503050406030204" pitchFamily="18" charset="0"/>
                                 </a:rPr>
                                 <m:t>𝑡</m:t>
                               </m:r>
@@ -4111,6 +4140,7 @@
                                   <a:solidFill>
                                     <a:schemeClr val="tx1"/>
                                   </a:solidFill>
+                                  <a:latin typeface="Cambria Math" panose="02040503050406030204" pitchFamily="18" charset="0"/>
                                 </a:rPr>
                                 <m:t>∈</m:t>
                               </m:r>
@@ -4119,6 +4149,7 @@
                                   <a:solidFill>
                                     <a:schemeClr val="tx1"/>
                                   </a:solidFill>
+                                  <a:latin typeface="Cambria Math" panose="02040503050406030204" pitchFamily="18" charset="0"/>
                                 </a:rPr>
                                 <m:t>𝒯</m:t>
                               </m:r>
@@ -4156,6 +4187,7 @@
                                           <a:solidFill>
                                             <a:schemeClr val="tx1"/>
                                           </a:solidFill>
+                                          <a:latin typeface="Cambria Math" panose="02040503050406030204" pitchFamily="18" charset="0"/>
                                         </a:rPr>
                                         <m:t>1</m:t>
                                       </m:r>
@@ -4164,6 +4196,7 @@
                                           <a:solidFill>
                                             <a:schemeClr val="tx1"/>
                                           </a:solidFill>
+                                          <a:latin typeface="Cambria Math" panose="02040503050406030204" pitchFamily="18" charset="0"/>
                                         </a:rPr>
                                         <m:t>−</m:t>
                                       </m:r>
@@ -4174,6 +4207,7 @@
                                               <a:solidFill>
                                                 <a:schemeClr val="tx1"/>
                                               </a:solidFill>
+                                              <a:latin typeface="Cambria Math" panose="02040503050406030204" pitchFamily="18" charset="0"/>
                                             </a:rPr>
                                           </m:ctrlPr>
                                         </m:sSubPr>
@@ -4183,6 +4217,7 @@
                                               <a:solidFill>
                                                 <a:schemeClr val="tx1"/>
                                               </a:solidFill>
+                                              <a:latin typeface="Cambria Math" panose="02040503050406030204" pitchFamily="18" charset="0"/>
                                             </a:rPr>
                                             <m:t>𝑞</m:t>
                                           </m:r>
@@ -4193,6 +4228,7 @@
                                               <a:solidFill>
                                                 <a:schemeClr val="tx1"/>
                                               </a:solidFill>
+                                              <a:latin typeface="Cambria Math" panose="02040503050406030204" pitchFamily="18" charset="0"/>
                                             </a:rPr>
                                             <m:t>𝑡</m:t>
                                           </m:r>
@@ -4203,6 +4239,7 @@
                                           <a:solidFill>
                                             <a:schemeClr val="tx1"/>
                                           </a:solidFill>
+                                          <a:latin typeface="Cambria Math" panose="02040503050406030204" pitchFamily="18" charset="0"/>
                                         </a:rPr>
                                         <m:t>𝑊</m:t>
                                       </m:r>
@@ -4213,6 +4250,7 @@
                                               <a:solidFill>
                                                 <a:schemeClr val="tx1"/>
                                               </a:solidFill>
+                                              <a:latin typeface="Cambria Math" panose="02040503050406030204" pitchFamily="18" charset="0"/>
                                             </a:rPr>
                                           </m:ctrlPr>
                                         </m:sSubSupPr>
@@ -4222,6 +4260,7 @@
                                               <a:solidFill>
                                                 <a:schemeClr val="tx1"/>
                                               </a:solidFill>
+                                              <a:latin typeface="Cambria Math" panose="02040503050406030204" pitchFamily="18" charset="0"/>
                                             </a:rPr>
                                             <m:t>𝑝</m:t>
                                           </m:r>
@@ -4232,6 +4271,7 @@
                                               <a:solidFill>
                                                 <a:schemeClr val="tx1"/>
                                               </a:solidFill>
+                                              <a:latin typeface="Cambria Math" panose="02040503050406030204" pitchFamily="18" charset="0"/>
                                             </a:rPr>
                                             <m:t>𝑡</m:t>
                                           </m:r>
@@ -4242,6 +4282,7 @@
                                               <a:solidFill>
                                                 <a:schemeClr val="tx1"/>
                                               </a:solidFill>
+                                              <a:latin typeface="Cambria Math" panose="02040503050406030204" pitchFamily="18" charset="0"/>
                                             </a:rPr>
                                             <m:t>+</m:t>
                                           </m:r>
@@ -4252,6 +4293,7 @@
                                           <a:solidFill>
                                             <a:schemeClr val="tx1"/>
                                           </a:solidFill>
+                                          <a:latin typeface="Cambria Math" panose="02040503050406030204" pitchFamily="18" charset="0"/>
                                         </a:rPr>
                                         <m:t>+</m:t>
                                       </m:r>
@@ -4262,6 +4304,7 @@
                                               <a:solidFill>
                                                 <a:schemeClr val="tx1"/>
                                               </a:solidFill>
+                                              <a:latin typeface="Cambria Math" panose="02040503050406030204" pitchFamily="18" charset="0"/>
                                             </a:rPr>
                                           </m:ctrlPr>
                                         </m:sSubPr>
@@ -4271,6 +4314,7 @@
                                               <a:solidFill>
                                                 <a:schemeClr val="tx1"/>
                                               </a:solidFill>
+                                              <a:latin typeface="Cambria Math" panose="02040503050406030204" pitchFamily="18" charset="0"/>
                                             </a:rPr>
                                             <m:t>𝑞</m:t>
                                           </m:r>
@@ -4281,6 +4325,7 @@
                                               <a:solidFill>
                                                 <a:schemeClr val="tx1"/>
                                               </a:solidFill>
+                                              <a:latin typeface="Cambria Math" panose="02040503050406030204" pitchFamily="18" charset="0"/>
                                             </a:rPr>
                                             <m:t>𝑡</m:t>
                                           </m:r>
@@ -4291,6 +4336,7 @@
                                           <a:solidFill>
                                             <a:schemeClr val="tx1"/>
                                           </a:solidFill>
+                                          <a:latin typeface="Cambria Math" panose="02040503050406030204" pitchFamily="18" charset="0"/>
                                         </a:rPr>
                                         <m:t>𝑊</m:t>
                                       </m:r>
@@ -4301,6 +4347,7 @@
                                               <a:solidFill>
                                                 <a:schemeClr val="tx1"/>
                                               </a:solidFill>
+                                              <a:latin typeface="Cambria Math" panose="02040503050406030204" pitchFamily="18" charset="0"/>
                                             </a:rPr>
                                           </m:ctrlPr>
                                         </m:sSubSupPr>
@@ -4310,6 +4357,7 @@
                                               <a:solidFill>
                                                 <a:schemeClr val="tx1"/>
                                               </a:solidFill>
+                                              <a:latin typeface="Cambria Math" panose="02040503050406030204" pitchFamily="18" charset="0"/>
                                             </a:rPr>
                                             <m:t>𝑝</m:t>
                                           </m:r>
@@ -4320,6 +4368,7 @@
                                               <a:solidFill>
                                                 <a:schemeClr val="tx1"/>
                                               </a:solidFill>
+                                              <a:latin typeface="Cambria Math" panose="02040503050406030204" pitchFamily="18" charset="0"/>
                                             </a:rPr>
                                             <m:t>𝑡</m:t>
                                           </m:r>
@@ -4330,6 +4379,7 @@
                                               <a:solidFill>
                                                 <a:schemeClr val="tx1"/>
                                               </a:solidFill>
+                                              <a:latin typeface="Cambria Math" panose="02040503050406030204" pitchFamily="18" charset="0"/>
                                             </a:rPr>
                                             <m:t>−</m:t>
                                           </m:r>
@@ -4590,7 +4640,7 @@
             </p:txBody>
           </p:sp>
         </mc:Choice>
-        <mc:Fallback>
+        <mc:Fallback xmlns="">
           <p:sp>
             <p:nvSpPr>
               <p:cNvPr id="129" name="Rounded Rectangle 128"/>
@@ -4734,7 +4784,6 @@
               <a:rPr lang="en-US" sz="11000" b="1" dirty="0" smtClean="0"/>
               <a:t> Sparse Metrics</a:t>
             </a:r>
-            <a:endParaRPr lang="en-US" sz="11000" b="1" dirty="0" smtClean="0"/>
           </a:p>
           <a:p>
             <a:pPr algn="ctr" rtl="0"/>
@@ -4742,7 +4791,6 @@
               <a:rPr lang="en-US" b="1" dirty="0" smtClean="0"/>
               <a:t>One Feature at a Time - COMET</a:t>
             </a:r>
-            <a:endParaRPr lang="en-US" b="1" dirty="0" smtClean="0"/>
           </a:p>
         </p:txBody>
       </p:sp>
@@ -4823,14 +4871,7 @@
                 <a:latin typeface="Arial" pitchFamily="34" charset="0"/>
                 <a:cs typeface="Arial" pitchFamily="34" charset="0"/>
               </a:rPr>
-              <a:t>, </a:t>
-            </a:r>
-            <a:r>
-              <a:rPr lang="en-US" sz="5100" dirty="0" smtClean="0">
-                <a:latin typeface="Arial" pitchFamily="34" charset="0"/>
-                <a:cs typeface="Arial" pitchFamily="34" charset="0"/>
-              </a:rPr>
-              <a:t>Gal </a:t>
+              <a:t>, Gal </a:t>
             </a:r>
             <a:r>
               <a:rPr lang="en-US" sz="5100" dirty="0" err="1" smtClean="0">
@@ -4894,7 +4935,6 @@
               <a:rPr lang="en-US" sz="3800" b="1" dirty="0" smtClean="0"/>
               <a:t>Google CA</a:t>
             </a:r>
-            <a:endParaRPr lang="en-US" sz="3800" b="1" dirty="0" smtClean="0"/>
           </a:p>
         </p:txBody>
       </p:sp>
@@ -4948,9 +4988,9 @@
                   <a:schemeClr val="tx1"/>
                 </a:solidFill>
               </a:rPr>
-              <a:t>Computational Complexity</a:t>
-            </a:r>
-            <a:endParaRPr lang="en-US" sz="4400" b="1" dirty="0" smtClean="0">
+              <a:t>Computational Complexity and Runtimes</a:t>
+            </a:r>
+            <a:endParaRPr lang="en-US" sz="3200" dirty="0" smtClean="0">
               <a:solidFill>
                 <a:schemeClr val="tx1"/>
               </a:solidFill>
@@ -4958,29 +4998,29 @@
           </a:p>
           <a:p>
             <a:pPr algn="l" rtl="0"/>
-            <a:endParaRPr lang="en-US" sz="3200" smtClean="0">
-              <a:solidFill>
-                <a:schemeClr val="tx1"/>
-              </a:solidFill>
-            </a:endParaRPr>
-          </a:p>
-          <a:p>
-            <a:pPr algn="l" rtl="0"/>
-            <a:r>
-              <a:rPr lang="en-US" sz="3200" smtClean="0">
-                <a:solidFill>
-                  <a:schemeClr val="tx1"/>
-                </a:solidFill>
-              </a:rPr>
-              <a:t>We </a:t>
-            </a:r>
             <a:r>
               <a:rPr lang="en-US" sz="3200" dirty="0" smtClean="0">
                 <a:solidFill>
                   <a:schemeClr val="tx1"/>
                 </a:solidFill>
               </a:rPr>
-              <a:t>compared COMET with LEGO, HDSL and the Euclidean metric baseline.</a:t>
+              <a:t>We compared COMET with approaches that avoid repeated projections to the PD cone and </a:t>
+            </a:r>
+            <a:r>
+              <a:rPr lang="en-US" sz="3200" dirty="0">
+                <a:solidFill>
+                  <a:schemeClr val="tx1"/>
+                </a:solidFill>
+              </a:rPr>
+              <a:t> </a:t>
+            </a:r>
+            <a:r>
+              <a:rPr lang="en-US" sz="3200" dirty="0" smtClean="0">
+                <a:solidFill>
+                  <a:schemeClr val="tx1"/>
+                </a:solidFill>
+              </a:rPr>
+              <a:t>to the Euclidean metric baseline.</a:t>
             </a:r>
           </a:p>
           <a:p>
@@ -5137,8 +5177,8 @@
           </a:p>
         </p:txBody>
       </p:sp>
-      <mc:AlternateContent xmlns:mc="http://schemas.openxmlformats.org/markup-compatibility/2006">
-        <mc:Choice xmlns:a14="http://schemas.microsoft.com/office/drawing/2010/main" Requires="a14">
+      <mc:AlternateContent xmlns:mc="http://schemas.openxmlformats.org/markup-compatibility/2006" xmlns:a14="http://schemas.microsoft.com/office/drawing/2010/main">
+        <mc:Choice Requires="a14">
           <p:sp>
             <p:nvSpPr>
               <p:cNvPr id="10" name="Rounded Rectangle 9"/>
@@ -5252,6 +5292,7 @@
                         <a:solidFill>
                           <a:schemeClr val="tx1"/>
                         </a:solidFill>
+                        <a:latin typeface="Cambria Math" panose="02040503050406030204" pitchFamily="18" charset="0"/>
                       </a:rPr>
                       <m:t>𝑠𝑖</m:t>
                     </m:r>
@@ -5262,6 +5303,7 @@
                             <a:solidFill>
                               <a:schemeClr val="tx1"/>
                             </a:solidFill>
+                            <a:latin typeface="Cambria Math" panose="02040503050406030204" pitchFamily="18" charset="0"/>
                           </a:rPr>
                         </m:ctrlPr>
                       </m:sSubPr>
@@ -5271,6 +5313,7 @@
                             <a:solidFill>
                               <a:schemeClr val="tx1"/>
                             </a:solidFill>
+                            <a:latin typeface="Cambria Math" panose="02040503050406030204" pitchFamily="18" charset="0"/>
                           </a:rPr>
                           <m:t>𝑚</m:t>
                         </m:r>
@@ -5281,6 +5324,7 @@
                             <a:solidFill>
                               <a:schemeClr val="tx1"/>
                             </a:solidFill>
+                            <a:latin typeface="Cambria Math" panose="02040503050406030204" pitchFamily="18" charset="0"/>
                           </a:rPr>
                           <m:t>𝑊</m:t>
                         </m:r>
@@ -5293,6 +5337,7 @@
                             <a:solidFill>
                               <a:schemeClr val="tx1"/>
                             </a:solidFill>
+                            <a:latin typeface="Cambria Math" panose="02040503050406030204" pitchFamily="18" charset="0"/>
                           </a:rPr>
                         </m:ctrlPr>
                       </m:dPr>
@@ -5302,6 +5347,7 @@
                             <a:solidFill>
                               <a:schemeClr val="tx1"/>
                             </a:solidFill>
+                            <a:latin typeface="Cambria Math" panose="02040503050406030204" pitchFamily="18" charset="0"/>
                           </a:rPr>
                           <m:t>𝑥</m:t>
                         </m:r>
@@ -5310,6 +5356,7 @@
                             <a:solidFill>
                               <a:schemeClr val="tx1"/>
                             </a:solidFill>
+                            <a:latin typeface="Cambria Math" panose="02040503050406030204" pitchFamily="18" charset="0"/>
                           </a:rPr>
                           <m:t>,</m:t>
                         </m:r>
@@ -5318,6 +5365,7 @@
                             <a:solidFill>
                               <a:schemeClr val="tx1"/>
                             </a:solidFill>
+                            <a:latin typeface="Cambria Math" panose="02040503050406030204" pitchFamily="18" charset="0"/>
                           </a:rPr>
                           <m:t>𝑦</m:t>
                         </m:r>
@@ -5328,6 +5376,7 @@
                         <a:solidFill>
                           <a:schemeClr val="tx1"/>
                         </a:solidFill>
+                        <a:latin typeface="Cambria Math" panose="02040503050406030204" pitchFamily="18" charset="0"/>
                       </a:rPr>
                       <m:t>=</m:t>
                     </m:r>
@@ -5338,6 +5387,7 @@
                             <a:solidFill>
                               <a:schemeClr val="tx1"/>
                             </a:solidFill>
+                            <a:latin typeface="Cambria Math" panose="02040503050406030204" pitchFamily="18" charset="0"/>
                           </a:rPr>
                         </m:ctrlPr>
                       </m:sSupPr>
@@ -5347,6 +5397,7 @@
                             <a:solidFill>
                               <a:schemeClr val="tx1"/>
                             </a:solidFill>
+                            <a:latin typeface="Cambria Math" panose="02040503050406030204" pitchFamily="18" charset="0"/>
                           </a:rPr>
                           <m:t>𝑥</m:t>
                         </m:r>
@@ -5357,6 +5408,7 @@
                             <a:solidFill>
                               <a:schemeClr val="tx1"/>
                             </a:solidFill>
+                            <a:latin typeface="Cambria Math" panose="02040503050406030204" pitchFamily="18" charset="0"/>
                           </a:rPr>
                           <m:t>𝑇</m:t>
                         </m:r>
@@ -5367,6 +5419,7 @@
                         <a:solidFill>
                           <a:schemeClr val="tx1"/>
                         </a:solidFill>
+                        <a:latin typeface="Cambria Math" panose="02040503050406030204" pitchFamily="18" charset="0"/>
                       </a:rPr>
                       <m:t>𝑊𝑦</m:t>
                     </m:r>
@@ -5384,6 +5437,7 @@
                         <a:solidFill>
                           <a:schemeClr val="tx1"/>
                         </a:solidFill>
+                        <a:latin typeface="Cambria Math" panose="02040503050406030204" pitchFamily="18" charset="0"/>
                       </a:rPr>
                       <m:t>𝑊</m:t>
                     </m:r>
@@ -5392,6 +5446,7 @@
                         <a:solidFill>
                           <a:schemeClr val="tx1"/>
                         </a:solidFill>
+                        <a:latin typeface="Cambria Math" panose="02040503050406030204" pitchFamily="18" charset="0"/>
                       </a:rPr>
                       <m:t>≻</m:t>
                     </m:r>
@@ -5400,6 +5455,7 @@
                         <a:solidFill>
                           <a:schemeClr val="tx1"/>
                         </a:solidFill>
+                        <a:latin typeface="Cambria Math" panose="02040503050406030204" pitchFamily="18" charset="0"/>
                       </a:rPr>
                       <m:t>0</m:t>
                     </m:r>
@@ -5408,6 +5464,7 @@
                         <a:solidFill>
                           <a:schemeClr val="tx1"/>
                         </a:solidFill>
+                        <a:latin typeface="Cambria Math" panose="02040503050406030204" pitchFamily="18" charset="0"/>
                       </a:rPr>
                       <m:t> (</m:t>
                     </m:r>
@@ -5434,6 +5491,7 @@
                         <a:solidFill>
                           <a:schemeClr val="tx1"/>
                         </a:solidFill>
+                        <a:latin typeface="Cambria Math" panose="02040503050406030204" pitchFamily="18" charset="0"/>
                       </a:rPr>
                       <m:t>𝑖𝑠</m:t>
                     </m:r>
@@ -5442,6 +5500,7 @@
                         <a:solidFill>
                           <a:schemeClr val="tx1"/>
                         </a:solidFill>
+                        <a:latin typeface="Cambria Math" panose="02040503050406030204" pitchFamily="18" charset="0"/>
                       </a:rPr>
                       <m:t> </m:t>
                     </m:r>
@@ -5450,6 +5509,7 @@
                         <a:solidFill>
                           <a:schemeClr val="tx1"/>
                         </a:solidFill>
+                        <a:latin typeface="Cambria Math" panose="02040503050406030204" pitchFamily="18" charset="0"/>
                       </a:rPr>
                       <m:t>𝑃𝐷</m:t>
                     </m:r>
@@ -5458,6 +5518,7 @@
                         <a:solidFill>
                           <a:schemeClr val="tx1"/>
                         </a:solidFill>
+                        <a:latin typeface="Cambria Math" panose="02040503050406030204" pitchFamily="18" charset="0"/>
                       </a:rPr>
                       <m:t>)</m:t>
                     </m:r>
@@ -5502,6 +5563,7 @@
                         <a:solidFill>
                           <a:schemeClr val="tx1"/>
                         </a:solidFill>
+                        <a:latin typeface="Cambria Math" panose="02040503050406030204" pitchFamily="18" charset="0"/>
                       </a:rPr>
                       <m:t>𝑊</m:t>
                     </m:r>
@@ -5522,6 +5584,7 @@
                         <a:solidFill>
                           <a:schemeClr val="tx1"/>
                         </a:solidFill>
+                        <a:latin typeface="Cambria Math" panose="02040503050406030204" pitchFamily="18" charset="0"/>
                       </a:rPr>
                       <m:t>𝑊</m:t>
                     </m:r>
@@ -5530,6 +5593,7 @@
                         <a:solidFill>
                           <a:schemeClr val="tx1"/>
                         </a:solidFill>
+                        <a:latin typeface="Cambria Math" panose="02040503050406030204" pitchFamily="18" charset="0"/>
                       </a:rPr>
                       <m:t>=</m:t>
                     </m:r>
@@ -5540,6 +5604,7 @@
                             <a:solidFill>
                               <a:schemeClr val="tx1"/>
                             </a:solidFill>
+                            <a:latin typeface="Cambria Math" panose="02040503050406030204" pitchFamily="18" charset="0"/>
                           </a:rPr>
                         </m:ctrlPr>
                       </m:sSupPr>
@@ -5549,6 +5614,7 @@
                             <a:solidFill>
                               <a:schemeClr val="tx1"/>
                             </a:solidFill>
+                            <a:latin typeface="Cambria Math" panose="02040503050406030204" pitchFamily="18" charset="0"/>
                           </a:rPr>
                           <m:t>𝐿</m:t>
                         </m:r>
@@ -5559,6 +5625,7 @@
                             <a:solidFill>
                               <a:schemeClr val="tx1"/>
                             </a:solidFill>
+                            <a:latin typeface="Cambria Math" panose="02040503050406030204" pitchFamily="18" charset="0"/>
                           </a:rPr>
                           <m:t>𝑇</m:t>
                         </m:r>
@@ -5569,6 +5636,7 @@
                         <a:solidFill>
                           <a:schemeClr val="tx1"/>
                         </a:solidFill>
+                        <a:latin typeface="Cambria Math" panose="02040503050406030204" pitchFamily="18" charset="0"/>
                       </a:rPr>
                       <m:t>𝐿</m:t>
                     </m:r>
@@ -5589,6 +5657,7 @@
                         <a:solidFill>
                           <a:schemeClr val="tx1"/>
                         </a:solidFill>
+                        <a:latin typeface="Cambria Math" panose="02040503050406030204" pitchFamily="18" charset="0"/>
                       </a:rPr>
                       <m:t>𝐿</m:t>
                     </m:r>
@@ -5609,6 +5678,7 @@
                         <a:solidFill>
                           <a:schemeClr val="tx1"/>
                         </a:solidFill>
+                        <a:latin typeface="Cambria Math" panose="02040503050406030204" pitchFamily="18" charset="0"/>
                       </a:rPr>
                       <m:t>𝑥</m:t>
                     </m:r>
@@ -5629,6 +5699,7 @@
                         <a:solidFill>
                           <a:schemeClr val="tx1"/>
                         </a:solidFill>
+                        <a:latin typeface="Cambria Math" panose="02040503050406030204" pitchFamily="18" charset="0"/>
                       </a:rPr>
                       <m:t>𝐿𝑥</m:t>
                     </m:r>
@@ -5659,7 +5730,7 @@
             </p:txBody>
           </p:sp>
         </mc:Choice>
-        <mc:Fallback>
+        <mc:Fallback xmlns="">
           <p:sp>
             <p:nvSpPr>
               <p:cNvPr id="10" name="Rounded Rectangle 9"/>
@@ -5763,8 +5834,8 @@
           </a:p>
         </p:txBody>
       </p:sp>
-      <mc:AlternateContent xmlns:mc="http://schemas.openxmlformats.org/markup-compatibility/2006">
-        <mc:Choice xmlns:a14="http://schemas.microsoft.com/office/drawing/2010/main" Requires="a14">
+      <mc:AlternateContent xmlns:mc="http://schemas.openxmlformats.org/markup-compatibility/2006" xmlns:a14="http://schemas.microsoft.com/office/drawing/2010/main">
+        <mc:Choice Requires="a14">
           <p:sp>
             <p:nvSpPr>
               <p:cNvPr id="22" name="Rounded Rectangle 21"/>
@@ -5914,15 +5985,7 @@
                       <a:schemeClr val="tx1"/>
                     </a:solidFill>
                   </a:rPr>
-                  <a:t> root </a:t>
-                </a:r>
-                <a:r>
-                  <a:rPr lang="en-US" sz="3200" dirty="0">
-                    <a:solidFill>
-                      <a:schemeClr val="tx1"/>
-                    </a:solidFill>
-                  </a:rPr>
-                  <a:t> </a:t>
+                  <a:t> root  </a:t>
                 </a:r>
                 <a14:m>
                   <m:oMath xmlns:m="http://schemas.openxmlformats.org/officeDocument/2006/math">
@@ -5997,7 +6060,7 @@
             </p:txBody>
           </p:sp>
         </mc:Choice>
-        <mc:Fallback>
+        <mc:Fallback xmlns="">
           <p:sp>
             <p:nvSpPr>
               <p:cNvPr id="22" name="Rounded Rectangle 21"/>
@@ -6049,8 +6112,8 @@
         </p:nvSpPr>
         <p:spPr>
           <a:xfrm>
-            <a:off x="31611812" y="4968777"/>
-            <a:ext cx="10441159" cy="10513168"/>
+            <a:off x="31611812" y="4968776"/>
+            <a:ext cx="10441159" cy="8870791"/>
           </a:xfrm>
           <a:prstGeom prst="roundRect">
             <a:avLst/>
@@ -6091,7 +6154,15 @@
                   <a:schemeClr val="tx1"/>
                 </a:solidFill>
               </a:rPr>
-              <a:t>	</a:t>
+              <a:t>	d/</a:t>
+            </a:r>
+            <a:r>
+              <a:rPr lang="en-US" sz="4400" b="1" dirty="0" err="1" smtClean="0">
+                <a:solidFill>
+                  <a:schemeClr val="tx1"/>
+                </a:solidFill>
+              </a:rPr>
+              <a:t>spCOMET</a:t>
             </a:r>
             <a:r>
               <a:rPr lang="en-US" sz="4400" b="1" dirty="0" smtClean="0">
@@ -6099,13 +6170,8 @@
                   <a:schemeClr val="tx1"/>
                 </a:solidFill>
               </a:rPr>
-              <a:t>Precision-Density-Runtime</a:t>
-            </a:r>
-            <a:endParaRPr lang="en-US" sz="4400" b="1" dirty="0">
-              <a:solidFill>
-                <a:schemeClr val="tx1"/>
-              </a:solidFill>
-            </a:endParaRPr>
+              <a:t> achieves better precision in every dataset tested.</a:t>
+            </a:r>
           </a:p>
         </p:txBody>
       </p:sp>
@@ -6309,53 +6375,18 @@
                   <a:schemeClr val="tx1"/>
                 </a:solidFill>
               </a:rPr>
-              <a:t>Example: </a:t>
-            </a:r>
-            <a:r>
-              <a:rPr lang="en-US" sz="4400" b="1" i="1" dirty="0" smtClean="0">
-                <a:solidFill>
-                  <a:schemeClr val="tx1"/>
-                </a:solidFill>
-              </a:rPr>
-              <a:t>FEZF2 </a:t>
-            </a:r>
-            <a:r>
-              <a:rPr lang="en-US" sz="4400" b="1" dirty="0" smtClean="0">
-                <a:solidFill>
-                  <a:schemeClr val="tx1"/>
-                </a:solidFill>
-              </a:rPr>
-              <a:t>(ZNF312)</a:t>
-            </a:r>
+              <a:t>Extracted Features</a:t>
+            </a:r>
+            <a:endParaRPr lang="en-US" sz="4400" b="1" dirty="0" smtClean="0">
+              <a:solidFill>
+                <a:schemeClr val="tx1"/>
+              </a:solidFill>
+            </a:endParaRPr>
           </a:p>
         </p:txBody>
       </p:sp>
-      <p:pic>
-        <p:nvPicPr>
-          <p:cNvPr id="937" name="image04.png"/>
-          <p:cNvPicPr/>
-          <p:nvPr/>
-        </p:nvPicPr>
-        <p:blipFill>
-          <a:blip r:embed="rId8" cstate="print"/>
-          <a:srcRect l="11558" t="12764" r="15026" b="17728"/>
-          <a:stretch>
-            <a:fillRect/>
-          </a:stretch>
-        </p:blipFill>
-        <p:spPr>
-          <a:xfrm>
-            <a:off x="31827836" y="23906881"/>
-            <a:ext cx="7344816" cy="3960440"/>
-          </a:xfrm>
-          <a:prstGeom prst="rect">
-            <a:avLst/>
-          </a:prstGeom>
-          <a:ln/>
-        </p:spPr>
-      </p:pic>
-      <mc:AlternateContent xmlns:mc="http://schemas.openxmlformats.org/markup-compatibility/2006">
-        <mc:Choice xmlns:a14="http://schemas.microsoft.com/office/drawing/2010/main" Requires="a14">
+      <mc:AlternateContent xmlns:mc="http://schemas.openxmlformats.org/markup-compatibility/2006" xmlns:a14="http://schemas.microsoft.com/office/drawing/2010/main">
+        <mc:Choice Requires="a14">
           <p:sp>
             <p:nvSpPr>
               <p:cNvPr id="37" name="Rounded Rectangle 36"/>
@@ -6408,11 +6439,6 @@
                   </a:rPr>
                   <a:t>Dense COMET</a:t>
                 </a:r>
-                <a:endParaRPr lang="en-US" sz="4000" b="1" dirty="0" smtClean="0">
-                  <a:solidFill>
-                    <a:schemeClr val="tx1"/>
-                  </a:solidFill>
-                </a:endParaRPr>
               </a:p>
               <a:p>
                 <a:pPr algn="l" rtl="0"/>
@@ -6482,7 +6508,7 @@
             </p:txBody>
           </p:sp>
         </mc:Choice>
-        <mc:Fallback>
+        <mc:Fallback xmlns="">
           <p:sp>
             <p:nvSpPr>
               <p:cNvPr id="37" name="Rounded Rectangle 36"/>
@@ -6500,7 +6526,7 @@
                 <a:avLst/>
               </a:prstGeom>
               <a:blipFill rotWithShape="0">
-                <a:blip r:embed="rId9"/>
+                <a:blip r:embed="rId8"/>
                 <a:stretch>
                   <a:fillRect/>
                 </a:stretch>
@@ -6703,18 +6729,18 @@
             </a:r>
             <a:r>
               <a:rPr lang="en-US" sz="3600" dirty="0" smtClean="0">
+                <a:hlinkClick r:id="rId9"/>
+              </a:rPr>
+              <a:t>yuval.atzmon@biu.ac.il</a:t>
+            </a:r>
+            <a:r>
+              <a:rPr lang="en-US" sz="3600" dirty="0" smtClean="0"/>
+              <a:t>, </a:t>
+            </a:r>
+            <a:r>
+              <a:rPr lang="en-US" sz="3600" dirty="0" smtClean="0">
                 <a:hlinkClick r:id="rId10"/>
               </a:rPr>
-              <a:t>yuval.atzmon@biu.ac.il</a:t>
-            </a:r>
-            <a:r>
-              <a:rPr lang="en-US" sz="3600" dirty="0" smtClean="0"/>
-              <a:t>, </a:t>
-            </a:r>
-            <a:r>
-              <a:rPr lang="en-US" sz="3600" dirty="0" smtClean="0">
-                <a:hlinkClick r:id="rId11"/>
-              </a:rPr>
               <a:t>http://chechiklab.biu.ac.il/yuvval</a:t>
             </a:r>
             <a:r>
@@ -6725,143 +6751,6 @@
           </a:p>
         </p:txBody>
       </p:sp>
-      <p:grpSp>
-        <p:nvGrpSpPr>
-          <p:cNvPr id="63" name="Group 62"/>
-          <p:cNvGrpSpPr/>
-          <p:nvPr/>
-        </p:nvGrpSpPr>
-        <p:grpSpPr>
-          <a:xfrm>
-            <a:off x="32043861" y="6912993"/>
-            <a:ext cx="9208489" cy="4340892"/>
-            <a:chOff x="31969868" y="7959285"/>
-            <a:chExt cx="9950361" cy="3638562"/>
-          </a:xfrm>
-        </p:grpSpPr>
-        <p:pic>
-          <p:nvPicPr>
-            <p:cNvPr id="47" name="Picture 46" descr="distCortex-random.png"/>
-            <p:cNvPicPr/>
-            <p:nvPr/>
-          </p:nvPicPr>
-          <p:blipFill>
-            <a:blip r:embed="rId12" cstate="print"/>
-            <a:srcRect l="6323" t="8661"/>
-            <a:stretch>
-              <a:fillRect/>
-            </a:stretch>
-          </p:blipFill>
-          <p:spPr>
-            <a:xfrm>
-              <a:off x="31969868" y="7959285"/>
-              <a:ext cx="5213220" cy="3638562"/>
-            </a:xfrm>
-            <a:prstGeom prst="rect">
-              <a:avLst/>
-            </a:prstGeom>
-          </p:spPr>
-        </p:pic>
-        <p:sp>
-          <p:nvSpPr>
-            <p:cNvPr id="50" name="TextBox 49"/>
-            <p:cNvSpPr txBox="1"/>
-            <p:nvPr/>
-          </p:nvSpPr>
-          <p:spPr>
-            <a:xfrm>
-              <a:off x="36148315" y="8882913"/>
-              <a:ext cx="5771914" cy="1815882"/>
-            </a:xfrm>
-            <a:prstGeom prst="rect">
-              <a:avLst/>
-            </a:prstGeom>
-            <a:noFill/>
-          </p:spPr>
-          <p:txBody>
-            <a:bodyPr wrap="square" rtlCol="1">
-              <a:spAutoFit/>
-            </a:bodyPr>
-            <a:lstStyle/>
-            <a:p>
-              <a:pPr algn="l" rtl="0"/>
-              <a:r>
-                <a:rPr lang="en-US" sz="2800" dirty="0" smtClean="0"/>
-                <a:t>11% of the human genes show distinct expression patterns that agree with the cortex region ontology</a:t>
-              </a:r>
-              <a:endParaRPr lang="he-IL" sz="2800" b="1" dirty="0"/>
-            </a:p>
-          </p:txBody>
-        </p:sp>
-      </p:grpSp>
-      <p:grpSp>
-        <p:nvGrpSpPr>
-          <p:cNvPr id="61" name="Group 60"/>
-          <p:cNvGrpSpPr/>
-          <p:nvPr/>
-        </p:nvGrpSpPr>
-        <p:grpSpPr>
-          <a:xfrm>
-            <a:off x="32187875" y="10801424"/>
-            <a:ext cx="9096561" cy="4105077"/>
-            <a:chOff x="32440318" y="11890515"/>
-            <a:chExt cx="10220424" cy="3697754"/>
-          </a:xfrm>
-        </p:grpSpPr>
-        <p:pic>
-          <p:nvPicPr>
-            <p:cNvPr id="48" name="Picture 47" descr="distCortex-Celltype.png"/>
-            <p:cNvPicPr/>
-            <p:nvPr/>
-          </p:nvPicPr>
-          <p:blipFill>
-            <a:blip r:embed="rId13" cstate="print"/>
-            <a:srcRect l="5796"/>
-            <a:stretch>
-              <a:fillRect/>
-            </a:stretch>
-          </p:blipFill>
-          <p:spPr>
-            <a:xfrm>
-              <a:off x="38022727" y="11890515"/>
-              <a:ext cx="4638015" cy="3697754"/>
-            </a:xfrm>
-            <a:prstGeom prst="rect">
-              <a:avLst/>
-            </a:prstGeom>
-          </p:spPr>
-        </p:pic>
-        <p:sp>
-          <p:nvSpPr>
-            <p:cNvPr id="51" name="TextBox 50"/>
-            <p:cNvSpPr txBox="1"/>
-            <p:nvPr/>
-          </p:nvSpPr>
-          <p:spPr>
-            <a:xfrm>
-              <a:off x="32440318" y="12863462"/>
-              <a:ext cx="5218643" cy="1815882"/>
-            </a:xfrm>
-            <a:prstGeom prst="rect">
-              <a:avLst/>
-            </a:prstGeom>
-            <a:noFill/>
-          </p:spPr>
-          <p:txBody>
-            <a:bodyPr wrap="square" rtlCol="1">
-              <a:spAutoFit/>
-            </a:bodyPr>
-            <a:lstStyle/>
-            <a:p>
-              <a:pPr algn="l" rtl="0"/>
-              <a:r>
-                <a:rPr lang="en-US" sz="2800" dirty="0" smtClean="0"/>
-                <a:t>Astrocytes and neuronal markers are in stronger agreement with BRO than the average gene. </a:t>
-              </a:r>
-            </a:p>
-          </p:txBody>
-        </p:sp>
-      </p:grpSp>
       <p:sp>
         <p:nvSpPr>
           <p:cNvPr id="66" name="Rounded Rectangle 65"/>
@@ -6870,8 +6759,8 @@
         </p:nvSpPr>
         <p:spPr>
           <a:xfrm>
-            <a:off x="31683820" y="16202026"/>
-            <a:ext cx="10441160" cy="5760639"/>
+            <a:off x="31683820" y="14336754"/>
+            <a:ext cx="10441160" cy="7625912"/>
           </a:xfrm>
           <a:prstGeom prst="roundRect">
             <a:avLst/>
@@ -6912,9 +6801,9 @@
                   <a:schemeClr val="tx1"/>
                 </a:solidFill>
               </a:rPr>
-              <a:t>Sparsity Structure</a:t>
-            </a:r>
-            <a:endParaRPr lang="en-US" sz="4400" b="1" dirty="0" smtClean="0">
+              <a:t>The effect of sparsity on precision and runtime</a:t>
+            </a:r>
+            <a:endParaRPr lang="en-US" sz="1800" b="1" dirty="0" smtClean="0">
               <a:solidFill>
                 <a:schemeClr val="tx1"/>
               </a:solidFill>
@@ -6922,15 +6811,7 @@
           </a:p>
           <a:p>
             <a:pPr algn="l" rtl="0"/>
-            <a:r>
-              <a:rPr lang="en-US" sz="1800" b="1" dirty="0" smtClean="0">
-                <a:solidFill>
-                  <a:schemeClr val="tx1"/>
-                </a:solidFill>
-              </a:rPr>
-              <a:t>  </a:t>
-            </a:r>
-            <a:endParaRPr lang="en-US" sz="3200" dirty="0" smtClean="0">
+            <a:endParaRPr lang="en-US" sz="1800" b="1" dirty="0">
               <a:solidFill>
                 <a:schemeClr val="tx1"/>
               </a:solidFill>
@@ -7024,117 +6905,16 @@
               </a:solidFill>
             </a:endParaRPr>
           </a:p>
+          <a:p>
+            <a:pPr algn="l" rtl="0"/>
+            <a:endParaRPr lang="en-US" sz="3200" dirty="0" smtClean="0">
+              <a:solidFill>
+                <a:schemeClr val="tx1"/>
+              </a:solidFill>
+            </a:endParaRPr>
+          </a:p>
         </p:txBody>
       </p:sp>
-      <p:sp>
-        <p:nvSpPr>
-          <p:cNvPr id="69" name="TextBox 68"/>
-          <p:cNvSpPr txBox="1"/>
-          <p:nvPr/>
-        </p:nvSpPr>
-        <p:spPr>
-          <a:xfrm>
-            <a:off x="37660484" y="17570176"/>
-            <a:ext cx="4183913" cy="3108543"/>
-          </a:xfrm>
-          <a:prstGeom prst="rect">
-            <a:avLst/>
-          </a:prstGeom>
-          <a:noFill/>
-        </p:spPr>
-        <p:txBody>
-          <a:bodyPr wrap="square" rtlCol="1">
-            <a:spAutoFit/>
-          </a:bodyPr>
-          <a:lstStyle/>
-          <a:p>
-            <a:pPr algn="l" rtl="0"/>
-            <a:r>
-              <a:rPr lang="en-US" sz="2800" dirty="0" smtClean="0"/>
-              <a:t>The percent of BRO-significant genes is stable  when we compute the BRO score for each subject separately</a:t>
-            </a:r>
-          </a:p>
-          <a:p>
-            <a:pPr algn="l" rtl="0"/>
-            <a:r>
-              <a:rPr lang="en-US" sz="2800" dirty="0" smtClean="0"/>
-              <a:t>(89%, 90%, 76%, 91%, 83%, 86%).</a:t>
-            </a:r>
-          </a:p>
-        </p:txBody>
-      </p:sp>
-      <p:sp>
-        <p:nvSpPr>
-          <p:cNvPr id="70" name="TextBox 69"/>
-          <p:cNvSpPr txBox="1"/>
-          <p:nvPr/>
-        </p:nvSpPr>
-        <p:spPr>
-          <a:xfrm>
-            <a:off x="39316668" y="24122905"/>
-            <a:ext cx="2808312" cy="3108543"/>
-          </a:xfrm>
-          <a:prstGeom prst="rect">
-            <a:avLst/>
-          </a:prstGeom>
-          <a:noFill/>
-        </p:spPr>
-        <p:txBody>
-          <a:bodyPr wrap="square" rtlCol="1">
-            <a:spAutoFit/>
-          </a:bodyPr>
-          <a:lstStyle/>
-          <a:p>
-            <a:pPr algn="l" rtl="0"/>
-            <a:r>
-              <a:rPr lang="en-US" sz="2800" i="1" dirty="0" smtClean="0"/>
-              <a:t>FEZF2</a:t>
-            </a:r>
-            <a:r>
-              <a:rPr lang="en-US" sz="2800" dirty="0" smtClean="0"/>
-              <a:t> is known to regulate the axon targeting of layer 5 </a:t>
-            </a:r>
-            <a:r>
-              <a:rPr lang="en-US" sz="2800" dirty="0" err="1" smtClean="0"/>
-              <a:t>subcortical</a:t>
-            </a:r>
-            <a:r>
-              <a:rPr lang="en-US" sz="2800" dirty="0" smtClean="0"/>
-              <a:t> projection neurons.</a:t>
-            </a:r>
-          </a:p>
-          <a:p>
-            <a:pPr algn="l" rtl="0"/>
-            <a:endParaRPr lang="en-US" sz="2800" dirty="0" smtClean="0"/>
-          </a:p>
-        </p:txBody>
-      </p:sp>
-      <p:pic>
-        <p:nvPicPr>
-          <p:cNvPr id="1028" name="Picture 4" descr="C:\Users\Lior\Downloads\seprateSubjects\joint_figure_dist.png"/>
-          <p:cNvPicPr>
-            <a:picLocks noChangeAspect="1" noChangeArrowheads="1"/>
-          </p:cNvPicPr>
-          <p:nvPr/>
-        </p:nvPicPr>
-        <p:blipFill>
-          <a:blip r:embed="rId14" cstate="print"/>
-          <a:srcRect l="5796" t="5613" r="5796"/>
-          <a:stretch>
-            <a:fillRect/>
-          </a:stretch>
-        </p:blipFill>
-        <p:spPr bwMode="auto">
-          <a:xfrm>
-            <a:off x="32043859" y="17215071"/>
-            <a:ext cx="5472609" cy="4387555"/>
-          </a:xfrm>
-          <a:prstGeom prst="rect">
-            <a:avLst/>
-          </a:prstGeom>
-          <a:noFill/>
-        </p:spPr>
-      </p:pic>
       <p:pic>
         <p:nvPicPr>
           <p:cNvPr id="1030" name="Picture 6" descr="Preview of your QR Code"/>
@@ -7144,7 +6924,7 @@
           <p:nvPr/>
         </p:nvPicPr>
         <p:blipFill>
-          <a:blip r:embed="rId15">
+          <a:blip r:embed="rId11">
             <a:extLst>
               <a:ext uri="{28A0092B-C50C-407E-A947-70E740481C1C}">
                 <a14:useLocalDpi xmlns:a14="http://schemas.microsoft.com/office/drawing/2010/main" val="0"/>
@@ -7176,8 +6956,8 @@
           </a:extLst>
         </p:spPr>
       </p:pic>
-      <mc:AlternateContent xmlns:mc="http://schemas.openxmlformats.org/markup-compatibility/2006">
-        <mc:Choice xmlns:a14="http://schemas.microsoft.com/office/drawing/2010/main" Requires="a14">
+      <mc:AlternateContent xmlns:mc="http://schemas.openxmlformats.org/markup-compatibility/2006" xmlns:a14="http://schemas.microsoft.com/office/drawing/2010/main">
+        <mc:Choice Requires="a14">
           <p:sp>
             <p:nvSpPr>
               <p:cNvPr id="60" name="Rectangle 59"/>
@@ -7252,38 +7032,52 @@
                       <m:sSup>
                         <m:sSupPr>
                           <m:ctrlPr>
-                            <a:rPr lang="en-US" sz="3200" i="1"/>
+                            <a:rPr lang="en-US" sz="3200" i="1">
+                              <a:latin typeface="Cambria Math" panose="02040503050406030204" pitchFamily="18" charset="0"/>
+                            </a:rPr>
                           </m:ctrlPr>
                         </m:sSupPr>
                         <m:e>
                           <m:r>
-                            <a:rPr lang="en-US" sz="3200" i="1"/>
+                            <a:rPr lang="en-US" sz="3200" i="1">
+                              <a:latin typeface="Cambria Math" panose="02040503050406030204" pitchFamily="18" charset="0"/>
+                            </a:rPr>
                             <m:t>𝑊</m:t>
                           </m:r>
                         </m:e>
                         <m:sup>
                           <m:r>
-                            <a:rPr lang="en-US" sz="3200" i="1"/>
+                            <a:rPr lang="en-US" sz="3200" i="1">
+                              <a:latin typeface="Cambria Math" panose="02040503050406030204" pitchFamily="18" charset="0"/>
+                            </a:rPr>
                             <m:t>𝑛𝑒𝑤</m:t>
                           </m:r>
                         </m:sup>
                       </m:sSup>
                       <m:r>
-                        <a:rPr lang="en-US" sz="3200" i="1"/>
+                        <a:rPr lang="en-US" sz="3200" i="1">
+                          <a:latin typeface="Cambria Math" panose="02040503050406030204" pitchFamily="18" charset="0"/>
+                        </a:rPr>
                         <m:t>≻</m:t>
                       </m:r>
                       <m:r>
-                        <a:rPr lang="en-US" sz="3200" i="1"/>
+                        <a:rPr lang="en-US" sz="3200" i="1">
+                          <a:latin typeface="Cambria Math" panose="02040503050406030204" pitchFamily="18" charset="0"/>
+                        </a:rPr>
                         <m:t>0</m:t>
                       </m:r>
                       <m:r>
-                        <a:rPr lang="en-US" sz="3200" i="1"/>
+                        <a:rPr lang="en-US" sz="3200" i="1">
+                          <a:latin typeface="Cambria Math" panose="02040503050406030204" pitchFamily="18" charset="0"/>
+                        </a:rPr>
                         <m:t> ⟺ </m:t>
                       </m:r>
                       <m:sSup>
                         <m:sSupPr>
                           <m:ctrlPr>
-                            <a:rPr lang="en-US" sz="3200" i="1" smtClean="0"/>
+                            <a:rPr lang="en-US" sz="3200" i="1" smtClean="0">
+                              <a:latin typeface="Cambria Math" panose="02040503050406030204" pitchFamily="18" charset="0"/>
+                            </a:rPr>
                           </m:ctrlPr>
                         </m:sSupPr>
                         <m:e>
@@ -7296,26 +7090,34 @@
                         </m:e>
                         <m:sup>
                           <m:r>
-                            <a:rPr lang="en-US" sz="3200" i="1"/>
+                            <a:rPr lang="en-US" sz="3200" i="1">
+                              <a:latin typeface="Cambria Math" panose="02040503050406030204" pitchFamily="18" charset="0"/>
+                            </a:rPr>
                             <m:t>∗</m:t>
                           </m:r>
                         </m:sup>
                       </m:sSup>
                       <m:r>
-                        <a:rPr lang="en-US" sz="3200" i="1"/>
+                        <a:rPr lang="en-US" sz="3200" i="1">
+                          <a:latin typeface="Cambria Math" panose="02040503050406030204" pitchFamily="18" charset="0"/>
+                        </a:rPr>
                         <m:t>−</m:t>
                       </m:r>
                       <m:sSup>
                         <m:sSupPr>
                           <m:ctrlPr>
-                            <a:rPr lang="en-US" sz="3200" i="1"/>
+                            <a:rPr lang="en-US" sz="3200" i="1">
+                              <a:latin typeface="Cambria Math" panose="02040503050406030204" pitchFamily="18" charset="0"/>
+                            </a:rPr>
                           </m:ctrlPr>
                         </m:sSupPr>
                         <m:e>
                           <m:sSup>
                             <m:sSupPr>
                               <m:ctrlPr>
-                                <a:rPr lang="en-US" sz="3200" i="1"/>
+                                <a:rPr lang="en-US" sz="3200" i="1">
+                                  <a:latin typeface="Cambria Math" panose="02040503050406030204" pitchFamily="18" charset="0"/>
+                                </a:rPr>
                               </m:ctrlPr>
                             </m:sSupPr>
                             <m:e>
@@ -7328,7 +7130,9 @@
                             </m:e>
                             <m:sup>
                               <m:r>
-                                <a:rPr lang="en-US" sz="3200" i="1"/>
+                                <a:rPr lang="en-US" sz="3200" i="1">
+                                  <a:latin typeface="Cambria Math" panose="02040503050406030204" pitchFamily="18" charset="0"/>
+                                </a:rPr>
                                 <m:t>∗</m:t>
                               </m:r>
                             </m:sup>
@@ -7336,7 +7140,9 @@
                         </m:e>
                         <m:sup>
                           <m:r>
-                            <a:rPr lang="en-US" sz="3200" i="1"/>
+                            <a:rPr lang="en-US" sz="3200" i="1">
+                              <a:latin typeface="Cambria Math" panose="02040503050406030204" pitchFamily="18" charset="0"/>
+                            </a:rPr>
                             <m:t>𝑇</m:t>
                           </m:r>
                         </m:sup>
@@ -7344,22 +7150,30 @@
                       <m:sSup>
                         <m:sSupPr>
                           <m:ctrlPr>
-                            <a:rPr lang="en-US" sz="3200" i="1"/>
+                            <a:rPr lang="en-US" sz="3200" i="1">
+                              <a:latin typeface="Cambria Math" panose="02040503050406030204" pitchFamily="18" charset="0"/>
+                            </a:rPr>
                           </m:ctrlPr>
                         </m:sSupPr>
                         <m:e>
                           <m:r>
-                            <a:rPr lang="en-US" sz="3200" i="1"/>
+                            <a:rPr lang="en-US" sz="3200" i="1">
+                              <a:latin typeface="Cambria Math" panose="02040503050406030204" pitchFamily="18" charset="0"/>
+                            </a:rPr>
                             <m:t>𝐴</m:t>
                           </m:r>
                         </m:e>
                         <m:sup>
                           <m:r>
-                            <a:rPr lang="en-US" sz="3200" i="1"/>
+                            <a:rPr lang="en-US" sz="3200" i="1">
+                              <a:latin typeface="Cambria Math" panose="02040503050406030204" pitchFamily="18" charset="0"/>
+                            </a:rPr>
                             <m:t>−</m:t>
                           </m:r>
                           <m:r>
-                            <a:rPr lang="en-US" sz="3200" i="1"/>
+                            <a:rPr lang="en-US" sz="3200" i="1">
+                              <a:latin typeface="Cambria Math" panose="02040503050406030204" pitchFamily="18" charset="0"/>
+                            </a:rPr>
                             <m:t>1</m:t>
                           </m:r>
                         </m:sup>
@@ -7367,7 +7181,9 @@
                       <m:sSup>
                         <m:sSupPr>
                           <m:ctrlPr>
-                            <a:rPr lang="en-US" sz="3200" i="1"/>
+                            <a:rPr lang="en-US" sz="3200" i="1">
+                              <a:latin typeface="Cambria Math" panose="02040503050406030204" pitchFamily="18" charset="0"/>
+                            </a:rPr>
                           </m:ctrlPr>
                         </m:sSupPr>
                         <m:e>
@@ -7380,17 +7196,23 @@
                         </m:e>
                         <m:sup>
                           <m:r>
-                            <a:rPr lang="en-US" sz="3200" i="1"/>
+                            <a:rPr lang="en-US" sz="3200" i="1">
+                              <a:latin typeface="Cambria Math" panose="02040503050406030204" pitchFamily="18" charset="0"/>
+                            </a:rPr>
                             <m:t>∗</m:t>
                           </m:r>
                         </m:sup>
                       </m:sSup>
                       <m:r>
-                        <a:rPr lang="en-US" sz="3200" i="1"/>
+                        <a:rPr lang="en-US" sz="3200" i="1">
+                          <a:latin typeface="Cambria Math" panose="02040503050406030204" pitchFamily="18" charset="0"/>
+                        </a:rPr>
                         <m:t>&gt;</m:t>
                       </m:r>
                       <m:r>
-                        <a:rPr lang="en-US" sz="3200" i="1"/>
+                        <a:rPr lang="en-US" sz="3200" i="1">
+                          <a:latin typeface="Cambria Math" panose="02040503050406030204" pitchFamily="18" charset="0"/>
+                        </a:rPr>
                         <m:t>0</m:t>
                       </m:r>
                       <m:r>
@@ -7419,35 +7241,47 @@
                     <m:sSup>
                       <m:sSupPr>
                         <m:ctrlPr>
-                          <a:rPr lang="en-US" sz="3200" i="1"/>
+                          <a:rPr lang="en-US" sz="3200" i="1">
+                            <a:latin typeface="Cambria Math" panose="02040503050406030204" pitchFamily="18" charset="0"/>
+                          </a:rPr>
                         </m:ctrlPr>
                       </m:sSupPr>
                       <m:e>
                         <m:r>
-                          <a:rPr lang="en-US" sz="3200" i="1"/>
+                          <a:rPr lang="en-US" sz="3200" i="1">
+                            <a:latin typeface="Cambria Math" panose="02040503050406030204" pitchFamily="18" charset="0"/>
+                          </a:rPr>
                           <m:t>𝑐</m:t>
                         </m:r>
                       </m:e>
                       <m:sup>
                         <m:r>
-                          <a:rPr lang="en-US" sz="3200" i="1"/>
+                          <a:rPr lang="en-US" sz="3200" i="1">
+                            <a:latin typeface="Cambria Math" panose="02040503050406030204" pitchFamily="18" charset="0"/>
+                          </a:rPr>
                           <m:t>∗</m:t>
                         </m:r>
                       </m:sup>
                     </m:sSup>
                     <m:r>
-                      <a:rPr lang="en-US" sz="3200" i="1"/>
+                      <a:rPr lang="en-US" sz="3200" i="1">
+                        <a:latin typeface="Cambria Math" panose="02040503050406030204" pitchFamily="18" charset="0"/>
+                      </a:rPr>
                       <m:t>=</m:t>
                     </m:r>
                     <m:sSubSup>
                       <m:sSubSupPr>
                         <m:ctrlPr>
-                          <a:rPr lang="en-US" sz="3200" i="1"/>
+                          <a:rPr lang="en-US" sz="3200" i="1">
+                            <a:latin typeface="Cambria Math" panose="02040503050406030204" pitchFamily="18" charset="0"/>
+                          </a:rPr>
                         </m:ctrlPr>
                       </m:sSubSupPr>
                       <m:e>
                         <m:r>
-                          <a:rPr lang="en-US" sz="3200" i="1"/>
+                          <a:rPr lang="en-US" sz="3200" i="1">
+                            <a:latin typeface="Cambria Math" panose="02040503050406030204" pitchFamily="18" charset="0"/>
+                          </a:rPr>
                           <m:t>𝑊</m:t>
                         </m:r>
                       </m:e>
@@ -7455,20 +7289,28 @@
                         <m:d>
                           <m:dPr>
                             <m:ctrlPr>
-                              <a:rPr lang="en-US" sz="3200" i="1"/>
+                              <a:rPr lang="en-US" sz="3200" i="1">
+                                <a:latin typeface="Cambria Math" panose="02040503050406030204" pitchFamily="18" charset="0"/>
+                              </a:rPr>
                             </m:ctrlPr>
                           </m:dPr>
                           <m:e>
                             <m:r>
-                              <a:rPr lang="en-US" sz="3200" i="1"/>
+                              <a:rPr lang="en-US" sz="3200" i="1">
+                                <a:latin typeface="Cambria Math" panose="02040503050406030204" pitchFamily="18" charset="0"/>
+                              </a:rPr>
                               <m:t>1</m:t>
                             </m:r>
                             <m:r>
-                              <a:rPr lang="en-US" sz="3200" i="1"/>
+                              <a:rPr lang="en-US" sz="3200" i="1">
+                                <a:latin typeface="Cambria Math" panose="02040503050406030204" pitchFamily="18" charset="0"/>
+                              </a:rPr>
                               <m:t>,</m:t>
                             </m:r>
                             <m:r>
-                              <a:rPr lang="en-US" sz="3200" i="1"/>
+                              <a:rPr lang="en-US" sz="3200" i="1">
+                                <a:latin typeface="Cambria Math" panose="02040503050406030204" pitchFamily="18" charset="0"/>
+                              </a:rPr>
                               <m:t>1</m:t>
                             </m:r>
                           </m:e>
@@ -7476,7 +7318,9 @@
                       </m:sub>
                       <m:sup>
                         <m:r>
-                          <a:rPr lang="en-US" sz="3200" i="1"/>
+                          <a:rPr lang="en-US" sz="3200" i="1">
+                            <a:latin typeface="Cambria Math" panose="02040503050406030204" pitchFamily="18" charset="0"/>
+                          </a:rPr>
                           <m:t>𝑛𝑒𝑤</m:t>
                         </m:r>
                       </m:sup>
@@ -7502,35 +7346,47 @@
                     <m:sSup>
                       <m:sSupPr>
                         <m:ctrlPr>
-                          <a:rPr lang="en-US" sz="3200" i="1"/>
+                          <a:rPr lang="en-US" sz="3200" i="1">
+                            <a:latin typeface="Cambria Math" panose="02040503050406030204" pitchFamily="18" charset="0"/>
+                          </a:rPr>
                         </m:ctrlPr>
                       </m:sSupPr>
                       <m:e>
                         <m:r>
-                          <a:rPr lang="en-US" sz="3200" b="1" i="1"/>
+                          <a:rPr lang="en-US" sz="3200" b="1" i="1">
+                            <a:latin typeface="Cambria Math" panose="02040503050406030204" pitchFamily="18" charset="0"/>
+                          </a:rPr>
                           <m:t>𝐛</m:t>
                         </m:r>
                       </m:e>
                       <m:sup>
                         <m:r>
-                          <a:rPr lang="en-US" sz="3200" i="1"/>
+                          <a:rPr lang="en-US" sz="3200" i="1">
+                            <a:latin typeface="Cambria Math" panose="02040503050406030204" pitchFamily="18" charset="0"/>
+                          </a:rPr>
                           <m:t>∗</m:t>
                         </m:r>
                       </m:sup>
                     </m:sSup>
                     <m:r>
-                      <a:rPr lang="en-US" sz="3200" i="1"/>
+                      <a:rPr lang="en-US" sz="3200" i="1">
+                        <a:latin typeface="Cambria Math" panose="02040503050406030204" pitchFamily="18" charset="0"/>
+                      </a:rPr>
                       <m:t>=</m:t>
                     </m:r>
                     <m:sSubSup>
                       <m:sSubSupPr>
                         <m:ctrlPr>
-                          <a:rPr lang="en-US" sz="3200" i="1"/>
+                          <a:rPr lang="en-US" sz="3200" i="1">
+                            <a:latin typeface="Cambria Math" panose="02040503050406030204" pitchFamily="18" charset="0"/>
+                          </a:rPr>
                         </m:ctrlPr>
                       </m:sSubSupPr>
                       <m:e>
                         <m:r>
-                          <a:rPr lang="en-US" sz="3200" i="1"/>
+                          <a:rPr lang="en-US" sz="3200" i="1">
+                            <a:latin typeface="Cambria Math" panose="02040503050406030204" pitchFamily="18" charset="0"/>
+                          </a:rPr>
                           <m:t>𝑊</m:t>
                         </m:r>
                       </m:e>
@@ -7538,28 +7394,40 @@
                         <m:d>
                           <m:dPr>
                             <m:ctrlPr>
-                              <a:rPr lang="en-US" sz="3200" i="1"/>
+                              <a:rPr lang="en-US" sz="3200" i="1">
+                                <a:latin typeface="Cambria Math" panose="02040503050406030204" pitchFamily="18" charset="0"/>
+                              </a:rPr>
                             </m:ctrlPr>
                           </m:dPr>
                           <m:e>
                             <m:r>
-                              <a:rPr lang="en-US" sz="3200" i="1"/>
+                              <a:rPr lang="en-US" sz="3200" i="1">
+                                <a:latin typeface="Cambria Math" panose="02040503050406030204" pitchFamily="18" charset="0"/>
+                              </a:rPr>
                               <m:t>2</m:t>
                             </m:r>
                             <m:r>
-                              <a:rPr lang="en-US" sz="3200" i="1"/>
+                              <a:rPr lang="en-US" sz="3200" i="1">
+                                <a:latin typeface="Cambria Math" panose="02040503050406030204" pitchFamily="18" charset="0"/>
+                              </a:rPr>
                               <m:t>:</m:t>
                             </m:r>
                             <m:r>
-                              <a:rPr lang="en-US" sz="3200" i="1"/>
+                              <a:rPr lang="en-US" sz="3200" i="1">
+                                <a:latin typeface="Cambria Math" panose="02040503050406030204" pitchFamily="18" charset="0"/>
+                              </a:rPr>
                               <m:t>𝑑</m:t>
                             </m:r>
                             <m:r>
-                              <a:rPr lang="en-US" sz="3200" i="1"/>
+                              <a:rPr lang="en-US" sz="3200" i="1">
+                                <a:latin typeface="Cambria Math" panose="02040503050406030204" pitchFamily="18" charset="0"/>
+                              </a:rPr>
                               <m:t>,</m:t>
                             </m:r>
                             <m:r>
-                              <a:rPr lang="en-US" sz="3200" i="1"/>
+                              <a:rPr lang="en-US" sz="3200" i="1">
+                                <a:latin typeface="Cambria Math" panose="02040503050406030204" pitchFamily="18" charset="0"/>
+                              </a:rPr>
                               <m:t>1</m:t>
                             </m:r>
                           </m:e>
@@ -7567,7 +7435,9 @@
                       </m:sub>
                       <m:sup>
                         <m:r>
-                          <a:rPr lang="en-US" sz="3200" i="1"/>
+                          <a:rPr lang="en-US" sz="3200" i="1">
+                            <a:latin typeface="Cambria Math" panose="02040503050406030204" pitchFamily="18" charset="0"/>
+                          </a:rPr>
                           <m:t>𝑛𝑒𝑤</m:t>
                         </m:r>
                       </m:sup>
@@ -7583,81 +7453,115 @@
                     <m:sSup>
                       <m:sSupPr>
                         <m:ctrlPr>
-                          <a:rPr lang="en-US" sz="3200" i="1"/>
+                          <a:rPr lang="en-US" sz="3200" i="1">
+                            <a:latin typeface="Cambria Math" panose="02040503050406030204" pitchFamily="18" charset="0"/>
+                          </a:rPr>
                         </m:ctrlPr>
                       </m:sSupPr>
                       <m:e>
                         <m:r>
-                          <a:rPr lang="en-US" sz="3200" i="1"/>
+                          <a:rPr lang="en-US" sz="3200" i="1">
+                            <a:latin typeface="Cambria Math" panose="02040503050406030204" pitchFamily="18" charset="0"/>
+                          </a:rPr>
                           <m:t>𝐴</m:t>
                         </m:r>
                       </m:e>
                       <m:sup>
                         <m:r>
-                          <a:rPr lang="en-US" sz="3200" i="1"/>
+                          <a:rPr lang="en-US" sz="3200" i="1">
+                            <a:latin typeface="Cambria Math" panose="02040503050406030204" pitchFamily="18" charset="0"/>
+                          </a:rPr>
                           <m:t>∗</m:t>
                         </m:r>
                       </m:sup>
                     </m:sSup>
                     <m:r>
-                      <a:rPr lang="en-US" sz="3200" i="1"/>
+                      <a:rPr lang="en-US" sz="3200" i="1">
+                        <a:latin typeface="Cambria Math" panose="02040503050406030204" pitchFamily="18" charset="0"/>
+                      </a:rPr>
                       <m:t>=</m:t>
                     </m:r>
                     <m:r>
-                      <a:rPr lang="en-US" sz="3200" i="1"/>
+                      <a:rPr lang="en-US" sz="3200" i="1">
+                        <a:latin typeface="Cambria Math" panose="02040503050406030204" pitchFamily="18" charset="0"/>
+                      </a:rPr>
                       <m:t>𝐴</m:t>
                     </m:r>
                     <m:r>
-                      <a:rPr lang="en-US" sz="3200" i="1"/>
+                      <a:rPr lang="en-US" sz="3200" i="1">
+                        <a:latin typeface="Cambria Math" panose="02040503050406030204" pitchFamily="18" charset="0"/>
+                      </a:rPr>
                       <m:t>=</m:t>
                     </m:r>
                     <m:sSub>
                       <m:sSubPr>
                         <m:ctrlPr>
-                          <a:rPr lang="en-US" sz="3200" i="1"/>
+                          <a:rPr lang="en-US" sz="3200" i="1">
+                            <a:latin typeface="Cambria Math" panose="02040503050406030204" pitchFamily="18" charset="0"/>
+                          </a:rPr>
                         </m:ctrlPr>
                       </m:sSubPr>
                       <m:e>
                         <m:r>
-                          <a:rPr lang="en-US" sz="3200" i="1"/>
+                          <a:rPr lang="en-US" sz="3200" i="1">
+                            <a:latin typeface="Cambria Math" panose="02040503050406030204" pitchFamily="18" charset="0"/>
+                          </a:rPr>
                           <m:t>𝑊</m:t>
                         </m:r>
                       </m:e>
                       <m:sub>
                         <m:r>
-                          <a:rPr lang="en-US" sz="3200" i="1"/>
+                          <a:rPr lang="en-US" sz="3200" i="1">
+                            <a:latin typeface="Cambria Math" panose="02040503050406030204" pitchFamily="18" charset="0"/>
+                          </a:rPr>
                           <m:t>(</m:t>
                         </m:r>
                         <m:r>
-                          <a:rPr lang="en-US" sz="3200" i="1"/>
+                          <a:rPr lang="en-US" sz="3200" i="1">
+                            <a:latin typeface="Cambria Math" panose="02040503050406030204" pitchFamily="18" charset="0"/>
+                          </a:rPr>
                           <m:t>2</m:t>
                         </m:r>
                         <m:r>
-                          <a:rPr lang="en-US" sz="3200" i="1"/>
+                          <a:rPr lang="en-US" sz="3200" i="1">
+                            <a:latin typeface="Cambria Math" panose="02040503050406030204" pitchFamily="18" charset="0"/>
+                          </a:rPr>
                           <m:t>:</m:t>
                         </m:r>
                         <m:r>
-                          <a:rPr lang="en-US" sz="3200" i="1"/>
+                          <a:rPr lang="en-US" sz="3200" i="1">
+                            <a:latin typeface="Cambria Math" panose="02040503050406030204" pitchFamily="18" charset="0"/>
+                          </a:rPr>
                           <m:t>𝑑</m:t>
                         </m:r>
                         <m:r>
-                          <a:rPr lang="en-US" sz="3200" i="1"/>
+                          <a:rPr lang="en-US" sz="3200" i="1">
+                            <a:latin typeface="Cambria Math" panose="02040503050406030204" pitchFamily="18" charset="0"/>
+                          </a:rPr>
                           <m:t>,</m:t>
                         </m:r>
                         <m:r>
-                          <a:rPr lang="en-US" sz="3200" i="1"/>
+                          <a:rPr lang="en-US" sz="3200" i="1">
+                            <a:latin typeface="Cambria Math" panose="02040503050406030204" pitchFamily="18" charset="0"/>
+                          </a:rPr>
                           <m:t>2</m:t>
                         </m:r>
                         <m:r>
-                          <a:rPr lang="en-US" sz="3200" i="1"/>
+                          <a:rPr lang="en-US" sz="3200" i="1">
+                            <a:latin typeface="Cambria Math" panose="02040503050406030204" pitchFamily="18" charset="0"/>
+                          </a:rPr>
                           <m:t>:</m:t>
                         </m:r>
                         <m:r>
-                          <a:rPr lang="en-US" sz="3200" i="1"/>
+                          <a:rPr lang="en-US" sz="3200" i="1">
+                            <a:latin typeface="Cambria Math" panose="02040503050406030204" pitchFamily="18" charset="0"/>
+                          </a:rPr>
                           <m:t>𝑑</m:t>
                         </m:r>
                         <m:r>
-                          <a:rPr lang="en-US" sz="3200" i="1"/>
+                          <a:rPr lang="en-US" sz="3200" i="1">
+                            <a:latin typeface="Cambria Math" panose="02040503050406030204" pitchFamily="18" charset="0"/>
+                          </a:rPr>
                           <m:t>)</m:t>
                         </m:r>
                       </m:sub>
@@ -7765,7 +7669,7 @@
             </p:txBody>
           </p:sp>
         </mc:Choice>
-        <mc:Fallback>
+        <mc:Fallback xmlns="">
           <p:sp>
             <p:nvSpPr>
               <p:cNvPr id="60" name="Rectangle 59"/>
@@ -7783,7 +7687,7 @@
                 <a:avLst/>
               </a:prstGeom>
               <a:blipFill rotWithShape="0">
-                <a:blip r:embed="rId16"/>
+                <a:blip r:embed="rId12"/>
                 <a:stretch>
                   <a:fillRect l="-1683" t="-956" b="-1594"/>
                 </a:stretch>
@@ -7811,7 +7715,7 @@
           <p:nvPr/>
         </p:nvPicPr>
         <p:blipFill>
-          <a:blip r:embed="rId17">
+          <a:blip r:embed="rId13">
             <a:clrChange>
               <a:clrFrom>
                 <a:srgbClr val="FFFFFF"/>
@@ -7862,7 +7766,7 @@
           <p:nvPr/>
         </p:nvPicPr>
         <p:blipFill>
-          <a:blip r:embed="rId18">
+          <a:blip r:embed="rId14">
             <a:extLst>
               <a:ext uri="{28A0092B-C50C-407E-A947-70E740481C1C}">
                 <a14:useLocalDpi xmlns:a14="http://schemas.microsoft.com/office/drawing/2010/main" val="0"/>
@@ -7973,11 +7877,6 @@
               </a:rPr>
               <a:t>Sparse COMET</a:t>
             </a:r>
-            <a:endParaRPr lang="en-US" sz="4000" b="1" dirty="0" smtClean="0">
-              <a:solidFill>
-                <a:schemeClr val="tx1"/>
-              </a:solidFill>
-            </a:endParaRPr>
           </a:p>
           <a:p>
             <a:pPr algn="l" rtl="0"/>
@@ -8124,7 +8023,7 @@
           <p:nvPr/>
         </p:nvPicPr>
         <p:blipFill>
-          <a:blip r:embed="rId19"/>
+          <a:blip r:embed="rId15"/>
           <a:stretch>
             <a:fillRect/>
           </a:stretch>
@@ -8148,7 +8047,7 @@
           <p:nvPr/>
         </p:nvPicPr>
         <p:blipFill rotWithShape="1">
-          <a:blip r:embed="rId20" cstate="print">
+          <a:blip r:embed="rId16" cstate="print">
             <a:extLst>
               <a:ext uri="{28A0092B-C50C-407E-A947-70E740481C1C}">
                 <a14:useLocalDpi xmlns:a14="http://schemas.microsoft.com/office/drawing/2010/main" val="0"/>
@@ -8187,7 +8086,7 @@
           <p:nvPr/>
         </p:nvPicPr>
         <p:blipFill>
-          <a:blip r:embed="rId21"/>
+          <a:blip r:embed="rId17"/>
           <a:stretch>
             <a:fillRect/>
           </a:stretch>
@@ -8202,8 +8101,8 @@
           </a:prstGeom>
         </p:spPr>
       </p:pic>
-      <mc:AlternateContent xmlns:mc="http://schemas.openxmlformats.org/markup-compatibility/2006">
-        <mc:Choice xmlns:a14="http://schemas.microsoft.com/office/drawing/2010/main" Requires="a14">
+      <mc:AlternateContent xmlns:mc="http://schemas.openxmlformats.org/markup-compatibility/2006" xmlns:a14="http://schemas.microsoft.com/office/drawing/2010/main">
+        <mc:Choice Requires="a14">
           <p:sp>
             <p:nvSpPr>
               <p:cNvPr id="74" name="Rectangle 73"/>
@@ -8584,7 +8483,7 @@
             </p:txBody>
           </p:sp>
         </mc:Choice>
-        <mc:Fallback>
+        <mc:Fallback xmlns="">
           <p:sp>
             <p:nvSpPr>
               <p:cNvPr id="74" name="Rectangle 73"/>
@@ -8602,7 +8501,7 @@
                 <a:avLst/>
               </a:prstGeom>
               <a:blipFill rotWithShape="0">
-                <a:blip r:embed="rId22"/>
+                <a:blip r:embed="rId18"/>
                 <a:stretch>
                   <a:fillRect l="-2700" t="-1201" r="-2582" b="-2302"/>
                 </a:stretch>
@@ -8623,8 +8522,8 @@
           </p:sp>
         </mc:Fallback>
       </mc:AlternateContent>
-      <mc:AlternateContent xmlns:mc="http://schemas.openxmlformats.org/markup-compatibility/2006">
-        <mc:Choice xmlns:a14="http://schemas.microsoft.com/office/drawing/2010/main" Requires="a14">
+      <mc:AlternateContent xmlns:mc="http://schemas.openxmlformats.org/markup-compatibility/2006" xmlns:a14="http://schemas.microsoft.com/office/drawing/2010/main">
+        <mc:Choice Requires="a14">
           <p:sp>
             <p:nvSpPr>
               <p:cNvPr id="75" name="Rectangle 74"/>
@@ -8667,21 +8566,27 @@
                       <m:sSubSup>
                         <m:sSubSupPr>
                           <m:ctrlPr>
-                            <a:rPr lang="en-US" sz="3200" i="1"/>
+                            <a:rPr lang="en-US" sz="3200" i="1">
+                              <a:latin typeface="Cambria Math" panose="02040503050406030204" pitchFamily="18" charset="0"/>
+                            </a:rPr>
                           </m:ctrlPr>
                         </m:sSubSupPr>
                         <m:e>
                           <m:func>
                             <m:funcPr>
                               <m:ctrlPr>
-                                <a:rPr lang="en-US" sz="3200" i="1"/>
+                                <a:rPr lang="en-US" sz="3200" i="1">
+                                  <a:latin typeface="Cambria Math" panose="02040503050406030204" pitchFamily="18" charset="0"/>
+                                </a:rPr>
                               </m:ctrlPr>
                             </m:funcPr>
                             <m:fName>
                               <m:limLow>
                                 <m:limLowPr>
                                   <m:ctrlPr>
-                                    <a:rPr lang="en-US" sz="3200" i="1"/>
+                                    <a:rPr lang="en-US" sz="3200" i="1">
+                                      <a:latin typeface="Cambria Math" panose="02040503050406030204" pitchFamily="18" charset="0"/>
+                                    </a:rPr>
                                   </m:ctrlPr>
                                 </m:limLowPr>
                                 <m:e>
@@ -8689,7 +8594,9 @@
                                     <m:rPr>
                                       <m:sty m:val="p"/>
                                     </m:rPr>
-                                    <a:rPr lang="en-US" sz="3200"/>
+                                    <a:rPr lang="en-US" sz="3200">
+                                      <a:latin typeface="Cambria Math" panose="02040503050406030204" pitchFamily="18" charset="0"/>
+                                    </a:rPr>
                                     <m:t>min</m:t>
                                   </m:r>
                                 </m:e>
@@ -8697,7 +8604,9 @@
                                   <m:sSubSup>
                                     <m:sSubSupPr>
                                       <m:ctrlPr>
-                                        <a:rPr lang="en-US" sz="3200" i="1"/>
+                                        <a:rPr lang="en-US" sz="3200" i="1">
+                                          <a:latin typeface="Cambria Math" panose="02040503050406030204" pitchFamily="18" charset="0"/>
+                                        </a:rPr>
                                       </m:ctrlPr>
                                     </m:sSubSupPr>
                                     <m:e>
@@ -8706,25 +8615,33 @@
                                           <m:begChr m:val="{"/>
                                           <m:endChr m:val="}"/>
                                           <m:ctrlPr>
-                                            <a:rPr lang="en-US" sz="3200" i="1"/>
+                                            <a:rPr lang="en-US" sz="3200" i="1">
+                                              <a:latin typeface="Cambria Math" panose="02040503050406030204" pitchFamily="18" charset="0"/>
+                                            </a:rPr>
                                           </m:ctrlPr>
                                         </m:dPr>
                                         <m:e>
                                           <m:sSub>
                                             <m:sSubPr>
                                               <m:ctrlPr>
-                                                <a:rPr lang="en-US" sz="3200" i="1"/>
+                                                <a:rPr lang="en-US" sz="3200" i="1">
+                                                  <a:latin typeface="Cambria Math" panose="02040503050406030204" pitchFamily="18" charset="0"/>
+                                                </a:rPr>
                                               </m:ctrlPr>
                                             </m:sSubPr>
                                             <m:e>
                                               <m:r>
-                                                <a:rPr lang="en-US" sz="3200" i="1"/>
+                                                <a:rPr lang="en-US" sz="3200" i="1">
+                                                  <a:latin typeface="Cambria Math" panose="02040503050406030204" pitchFamily="18" charset="0"/>
+                                                </a:rPr>
                                                 <m:t>𝑉</m:t>
                                               </m:r>
                                             </m:e>
                                             <m:sub>
                                               <m:r>
-                                                <a:rPr lang="en-US" sz="3200" i="1"/>
+                                                <a:rPr lang="en-US" sz="3200" i="1">
+                                                  <a:latin typeface="Cambria Math" panose="02040503050406030204" pitchFamily="18" charset="0"/>
+                                                </a:rPr>
                                                 <m:t>𝑘</m:t>
                                               </m:r>
                                             </m:sub>
@@ -8734,21 +8651,29 @@
                                     </m:e>
                                     <m:sub>
                                       <m:r>
-                                        <a:rPr lang="en-US" sz="3200" i="1"/>
+                                        <a:rPr lang="en-US" sz="3200" i="1">
+                                          <a:latin typeface="Cambria Math" panose="02040503050406030204" pitchFamily="18" charset="0"/>
+                                        </a:rPr>
                                         <m:t>𝑘</m:t>
                                       </m:r>
                                       <m:r>
-                                        <a:rPr lang="en-US" sz="3200" i="1"/>
+                                        <a:rPr lang="en-US" sz="3200" i="1">
+                                          <a:latin typeface="Cambria Math" panose="02040503050406030204" pitchFamily="18" charset="0"/>
+                                        </a:rPr>
                                         <m:t>=</m:t>
                                       </m:r>
                                       <m:r>
-                                        <a:rPr lang="en-US" sz="3200" i="1"/>
+                                        <a:rPr lang="en-US" sz="3200" i="1">
+                                          <a:latin typeface="Cambria Math" panose="02040503050406030204" pitchFamily="18" charset="0"/>
+                                        </a:rPr>
                                         <m:t>0</m:t>
                                       </m:r>
                                     </m:sub>
                                     <m:sup>
                                       <m:r>
-                                        <a:rPr lang="en-US" sz="3200" i="1"/>
+                                        <a:rPr lang="en-US" sz="3200" i="1">
+                                          <a:latin typeface="Cambria Math" panose="02040503050406030204" pitchFamily="18" charset="0"/>
+                                        </a:rPr>
                                         <m:t>𝑑</m:t>
                                       </m:r>
                                     </m:sup>
@@ -8758,11 +8683,15 @@
                             </m:fName>
                             <m:e>
                               <m:r>
-                                <a:rPr lang="en-US" sz="3200" i="1"/>
+                                <a:rPr lang="en-US" sz="3200" i="1">
+                                  <a:latin typeface="Cambria Math" panose="02040503050406030204" pitchFamily="18" charset="0"/>
+                                </a:rPr>
                                 <m:t>𝐿</m:t>
                               </m:r>
                               <m:r>
-                                <a:rPr lang="en-US" sz="3200" i="1"/>
+                                <a:rPr lang="en-US" sz="3200" i="1">
+                                  <a:latin typeface="Cambria Math" panose="02040503050406030204" pitchFamily="18" charset="0"/>
+                                </a:rPr>
                                 <m:t>(</m:t>
                               </m:r>
                               <m:d>
@@ -8770,25 +8699,33 @@
                                   <m:begChr m:val="{"/>
                                   <m:endChr m:val="}"/>
                                   <m:ctrlPr>
-                                    <a:rPr lang="en-US" sz="3200" i="1"/>
+                                    <a:rPr lang="en-US" sz="3200" i="1">
+                                      <a:latin typeface="Cambria Math" panose="02040503050406030204" pitchFamily="18" charset="0"/>
+                                    </a:rPr>
                                   </m:ctrlPr>
                                 </m:dPr>
                                 <m:e>
                                   <m:sSub>
                                     <m:sSubPr>
                                       <m:ctrlPr>
-                                        <a:rPr lang="en-US" sz="3200" i="1"/>
+                                        <a:rPr lang="en-US" sz="3200" i="1">
+                                          <a:latin typeface="Cambria Math" panose="02040503050406030204" pitchFamily="18" charset="0"/>
+                                        </a:rPr>
                                       </m:ctrlPr>
                                     </m:sSubPr>
                                     <m:e>
                                       <m:r>
-                                        <a:rPr lang="en-US" sz="3200" i="1"/>
+                                        <a:rPr lang="en-US" sz="3200" i="1">
+                                          <a:latin typeface="Cambria Math" panose="02040503050406030204" pitchFamily="18" charset="0"/>
+                                        </a:rPr>
                                         <m:t>𝑉</m:t>
                                       </m:r>
                                     </m:e>
                                     <m:sub>
                                       <m:r>
-                                        <a:rPr lang="en-US" sz="3200" i="1"/>
+                                        <a:rPr lang="en-US" sz="3200" i="1">
+                                          <a:latin typeface="Cambria Math" panose="02040503050406030204" pitchFamily="18" charset="0"/>
+                                        </a:rPr>
                                         <m:t>𝑘</m:t>
                                       </m:r>
                                     </m:sub>
@@ -8800,40 +8737,54 @@
                         </m:e>
                         <m:sub>
                           <m:r>
-                            <a:rPr lang="en-US" sz="3200" i="1"/>
+                            <a:rPr lang="en-US" sz="3200" i="1">
+                              <a:latin typeface="Cambria Math" panose="02040503050406030204" pitchFamily="18" charset="0"/>
+                            </a:rPr>
                             <m:t>𝑘</m:t>
                           </m:r>
                           <m:r>
-                            <a:rPr lang="en-US" sz="3200" i="1"/>
+                            <a:rPr lang="en-US" sz="3200" i="1">
+                              <a:latin typeface="Cambria Math" panose="02040503050406030204" pitchFamily="18" charset="0"/>
+                            </a:rPr>
                             <m:t>=</m:t>
                           </m:r>
                           <m:r>
-                            <a:rPr lang="en-US" sz="3200" i="1"/>
+                            <a:rPr lang="en-US" sz="3200" i="1">
+                              <a:latin typeface="Cambria Math" panose="02040503050406030204" pitchFamily="18" charset="0"/>
+                            </a:rPr>
                             <m:t>0</m:t>
                           </m:r>
                         </m:sub>
                         <m:sup>
                           <m:r>
-                            <a:rPr lang="en-US" sz="3200" i="1"/>
+                            <a:rPr lang="en-US" sz="3200" i="1">
+                              <a:latin typeface="Cambria Math" panose="02040503050406030204" pitchFamily="18" charset="0"/>
+                            </a:rPr>
                             <m:t>𝑑</m:t>
                           </m:r>
                         </m:sup>
                       </m:sSubSup>
                       <m:r>
-                        <a:rPr lang="en-US" sz="3200" i="1"/>
+                        <a:rPr lang="en-US" sz="3200" i="1">
+                          <a:latin typeface="Cambria Math" panose="02040503050406030204" pitchFamily="18" charset="0"/>
+                        </a:rPr>
                         <m:t>)=</m:t>
                       </m:r>
                       <m:func>
                         <m:funcPr>
                           <m:ctrlPr>
-                            <a:rPr lang="en-US" sz="3200" i="1"/>
+                            <a:rPr lang="en-US" sz="3200" i="1">
+                              <a:latin typeface="Cambria Math" panose="02040503050406030204" pitchFamily="18" charset="0"/>
+                            </a:rPr>
                           </m:ctrlPr>
                         </m:funcPr>
                         <m:fName>
                           <m:limLow>
                             <m:limLowPr>
                               <m:ctrlPr>
-                                <a:rPr lang="en-US" sz="3200" i="1"/>
+                                <a:rPr lang="en-US" sz="3200" i="1">
+                                  <a:latin typeface="Cambria Math" panose="02040503050406030204" pitchFamily="18" charset="0"/>
+                                </a:rPr>
                               </m:ctrlPr>
                             </m:limLowPr>
                             <m:e>
@@ -8841,7 +8792,9 @@
                                 <m:rPr>
                                   <m:sty m:val="p"/>
                                 </m:rPr>
-                                <a:rPr lang="en-US" sz="3200"/>
+                                <a:rPr lang="en-US" sz="3200">
+                                  <a:latin typeface="Cambria Math" panose="02040503050406030204" pitchFamily="18" charset="0"/>
+                                </a:rPr>
                                 <m:t>min</m:t>
                               </m:r>
                             </m:e>
@@ -8849,7 +8802,9 @@
                               <m:sSubSup>
                                 <m:sSubSupPr>
                                   <m:ctrlPr>
-                                    <a:rPr lang="en-US" sz="3200" i="1"/>
+                                    <a:rPr lang="en-US" sz="3200" i="1">
+                                      <a:latin typeface="Cambria Math" panose="02040503050406030204" pitchFamily="18" charset="0"/>
+                                    </a:rPr>
                                   </m:ctrlPr>
                                 </m:sSubSupPr>
                                 <m:e>
@@ -8858,25 +8813,33 @@
                                       <m:begChr m:val="{"/>
                                       <m:endChr m:val="}"/>
                                       <m:ctrlPr>
-                                        <a:rPr lang="en-US" sz="3200" i="1"/>
+                                        <a:rPr lang="en-US" sz="3200" i="1">
+                                          <a:latin typeface="Cambria Math" panose="02040503050406030204" pitchFamily="18" charset="0"/>
+                                        </a:rPr>
                                       </m:ctrlPr>
                                     </m:dPr>
                                     <m:e>
                                       <m:sSub>
                                         <m:sSubPr>
                                           <m:ctrlPr>
-                                            <a:rPr lang="en-US" sz="3200" i="1"/>
+                                            <a:rPr lang="en-US" sz="3200" i="1">
+                                              <a:latin typeface="Cambria Math" panose="02040503050406030204" pitchFamily="18" charset="0"/>
+                                            </a:rPr>
                                           </m:ctrlPr>
                                         </m:sSubPr>
                                         <m:e>
                                           <m:r>
-                                            <a:rPr lang="en-US" sz="3200" i="1"/>
+                                            <a:rPr lang="en-US" sz="3200" i="1">
+                                              <a:latin typeface="Cambria Math" panose="02040503050406030204" pitchFamily="18" charset="0"/>
+                                            </a:rPr>
                                             <m:t>𝑉</m:t>
                                           </m:r>
                                         </m:e>
                                         <m:sub>
                                           <m:r>
-                                            <a:rPr lang="en-US" sz="3200" i="1"/>
+                                            <a:rPr lang="en-US" sz="3200" i="1">
+                                              <a:latin typeface="Cambria Math" panose="02040503050406030204" pitchFamily="18" charset="0"/>
+                                            </a:rPr>
                                             <m:t>𝑘</m:t>
                                           </m:r>
                                         </m:sub>
@@ -8886,21 +8849,29 @@
                                 </m:e>
                                 <m:sub>
                                   <m:r>
-                                    <a:rPr lang="en-US" sz="3200" i="1"/>
+                                    <a:rPr lang="en-US" sz="3200" i="1">
+                                      <a:latin typeface="Cambria Math" panose="02040503050406030204" pitchFamily="18" charset="0"/>
+                                    </a:rPr>
                                     <m:t>𝑘</m:t>
                                   </m:r>
                                   <m:r>
-                                    <a:rPr lang="en-US" sz="3200" i="1"/>
+                                    <a:rPr lang="en-US" sz="3200" i="1">
+                                      <a:latin typeface="Cambria Math" panose="02040503050406030204" pitchFamily="18" charset="0"/>
+                                    </a:rPr>
                                     <m:t>=</m:t>
                                   </m:r>
                                   <m:r>
-                                    <a:rPr lang="en-US" sz="3200" i="1"/>
+                                    <a:rPr lang="en-US" sz="3200" i="1">
+                                      <a:latin typeface="Cambria Math" panose="02040503050406030204" pitchFamily="18" charset="0"/>
+                                    </a:rPr>
                                     <m:t>0</m:t>
                                   </m:r>
                                 </m:sub>
                                 <m:sup>
                                   <m:r>
-                                    <a:rPr lang="en-US" sz="3200" i="1"/>
+                                    <a:rPr lang="en-US" sz="3200" i="1">
+                                      <a:latin typeface="Cambria Math" panose="02040503050406030204" pitchFamily="18" charset="0"/>
+                                    </a:rPr>
                                     <m:t>𝑑</m:t>
                                   </m:r>
                                 </m:sup>
@@ -8914,145 +8885,197 @@
                               <m:chr m:val="∑"/>
                               <m:supHide m:val="on"/>
                               <m:ctrlPr>
-                                <a:rPr lang="en-US" sz="3200" i="1"/>
+                                <a:rPr lang="en-US" sz="3200" i="1">
+                                  <a:latin typeface="Cambria Math" panose="02040503050406030204" pitchFamily="18" charset="0"/>
+                                </a:rPr>
                               </m:ctrlPr>
                             </m:naryPr>
                             <m:sub>
                               <m:r>
-                                <a:rPr lang="en-US" sz="3200" i="1"/>
+                                <a:rPr lang="en-US" sz="3200" i="1">
+                                  <a:latin typeface="Cambria Math" panose="02040503050406030204" pitchFamily="18" charset="0"/>
+                                </a:rPr>
                                 <m:t>𝑡</m:t>
                               </m:r>
                               <m:r>
-                                <a:rPr lang="en-US" sz="3200" i="1"/>
+                                <a:rPr lang="en-US" sz="3200" i="1">
+                                  <a:latin typeface="Cambria Math" panose="02040503050406030204" pitchFamily="18" charset="0"/>
+                                </a:rPr>
                                 <m:t>∈</m:t>
                               </m:r>
                               <m:r>
-                                <a:rPr lang="en-US" sz="3200" i="1"/>
+                                <a:rPr lang="en-US" sz="3200" i="1">
+                                  <a:latin typeface="Cambria Math" panose="02040503050406030204" pitchFamily="18" charset="0"/>
+                                </a:rPr>
                                 <m:t>𝒯</m:t>
                               </m:r>
                             </m:sub>
                             <m:sup/>
                             <m:e>
                               <m:r>
-                                <a:rPr lang="en-US" sz="3200" i="1"/>
+                                <a:rPr lang="en-US" sz="3200" i="1">
+                                  <a:latin typeface="Cambria Math" panose="02040503050406030204" pitchFamily="18" charset="0"/>
+                                </a:rPr>
                                 <m:t>[</m:t>
                               </m:r>
                               <m:r>
-                                <a:rPr lang="en-US" sz="3200" i="1"/>
+                                <a:rPr lang="en-US" sz="3200" i="1">
+                                  <a:latin typeface="Cambria Math" panose="02040503050406030204" pitchFamily="18" charset="0"/>
+                                </a:rPr>
                                 <m:t>1</m:t>
                               </m:r>
                               <m:r>
-                                <a:rPr lang="en-US" sz="3200" i="1"/>
+                                <a:rPr lang="en-US" sz="3200" i="1">
+                                  <a:latin typeface="Cambria Math" panose="02040503050406030204" pitchFamily="18" charset="0"/>
+                                </a:rPr>
                                 <m:t>−</m:t>
                               </m:r>
                               <m:sSub>
                                 <m:sSubPr>
                                   <m:ctrlPr>
-                                    <a:rPr lang="en-US" sz="3200" i="1"/>
+                                    <a:rPr lang="en-US" sz="3200" i="1">
+                                      <a:latin typeface="Cambria Math" panose="02040503050406030204" pitchFamily="18" charset="0"/>
+                                    </a:rPr>
                                   </m:ctrlPr>
                                 </m:sSubPr>
                                 <m:e>
                                   <m:r>
-                                    <a:rPr lang="en-US" sz="3200" i="1"/>
+                                    <a:rPr lang="en-US" sz="3200" i="1">
+                                      <a:latin typeface="Cambria Math" panose="02040503050406030204" pitchFamily="18" charset="0"/>
+                                    </a:rPr>
                                     <m:t>𝑞</m:t>
                                   </m:r>
                                 </m:e>
                                 <m:sub>
                                   <m:r>
-                                    <a:rPr lang="en-US" sz="3200" i="1"/>
+                                    <a:rPr lang="en-US" sz="3200" i="1">
+                                      <a:latin typeface="Cambria Math" panose="02040503050406030204" pitchFamily="18" charset="0"/>
+                                    </a:rPr>
                                     <m:t>𝑡</m:t>
                                   </m:r>
                                 </m:sub>
                               </m:sSub>
                               <m:r>
-                                <a:rPr lang="en-US" sz="3200" i="1"/>
+                                <a:rPr lang="en-US" sz="3200" i="1">
+                                  <a:latin typeface="Cambria Math" panose="02040503050406030204" pitchFamily="18" charset="0"/>
+                                </a:rPr>
                                 <m:t>𝑊</m:t>
                               </m:r>
                               <m:sSubSup>
                                 <m:sSubSupPr>
                                   <m:ctrlPr>
-                                    <a:rPr lang="en-US" sz="3200" i="1"/>
+                                    <a:rPr lang="en-US" sz="3200" i="1">
+                                      <a:latin typeface="Cambria Math" panose="02040503050406030204" pitchFamily="18" charset="0"/>
+                                    </a:rPr>
                                   </m:ctrlPr>
                                 </m:sSubSupPr>
                                 <m:e>
                                   <m:r>
-                                    <a:rPr lang="en-US" sz="3200" i="1"/>
+                                    <a:rPr lang="en-US" sz="3200" i="1">
+                                      <a:latin typeface="Cambria Math" panose="02040503050406030204" pitchFamily="18" charset="0"/>
+                                    </a:rPr>
                                     <m:t>𝑝</m:t>
                                   </m:r>
                                 </m:e>
                                 <m:sub>
                                   <m:r>
-                                    <a:rPr lang="en-US" sz="3200" i="1"/>
+                                    <a:rPr lang="en-US" sz="3200" i="1">
+                                      <a:latin typeface="Cambria Math" panose="02040503050406030204" pitchFamily="18" charset="0"/>
+                                    </a:rPr>
                                     <m:t>𝑡</m:t>
                                   </m:r>
                                 </m:sub>
                                 <m:sup>
                                   <m:r>
-                                    <a:rPr lang="en-US" sz="3200" i="1"/>
+                                    <a:rPr lang="en-US" sz="3200" i="1">
+                                      <a:latin typeface="Cambria Math" panose="02040503050406030204" pitchFamily="18" charset="0"/>
+                                    </a:rPr>
                                     <m:t>+</m:t>
                                   </m:r>
                                 </m:sup>
                               </m:sSubSup>
                               <m:r>
-                                <a:rPr lang="en-US" sz="3200" i="1"/>
+                                <a:rPr lang="en-US" sz="3200" i="1">
+                                  <a:latin typeface="Cambria Math" panose="02040503050406030204" pitchFamily="18" charset="0"/>
+                                </a:rPr>
                                 <m:t>+</m:t>
                               </m:r>
                               <m:sSub>
                                 <m:sSubPr>
                                   <m:ctrlPr>
-                                    <a:rPr lang="en-US" sz="3200" i="1"/>
+                                    <a:rPr lang="en-US" sz="3200" i="1">
+                                      <a:latin typeface="Cambria Math" panose="02040503050406030204" pitchFamily="18" charset="0"/>
+                                    </a:rPr>
                                   </m:ctrlPr>
                                 </m:sSubPr>
                                 <m:e>
                                   <m:r>
-                                    <a:rPr lang="en-US" sz="3200" i="1"/>
+                                    <a:rPr lang="en-US" sz="3200" i="1">
+                                      <a:latin typeface="Cambria Math" panose="02040503050406030204" pitchFamily="18" charset="0"/>
+                                    </a:rPr>
                                     <m:t>𝑞</m:t>
                                   </m:r>
                                 </m:e>
                                 <m:sub>
                                   <m:r>
-                                    <a:rPr lang="en-US" sz="3200" i="1"/>
+                                    <a:rPr lang="en-US" sz="3200" i="1">
+                                      <a:latin typeface="Cambria Math" panose="02040503050406030204" pitchFamily="18" charset="0"/>
+                                    </a:rPr>
                                     <m:t>𝑡</m:t>
                                   </m:r>
                                 </m:sub>
                               </m:sSub>
                               <m:r>
-                                <a:rPr lang="en-US" sz="3200" i="1"/>
+                                <a:rPr lang="en-US" sz="3200" i="1">
+                                  <a:latin typeface="Cambria Math" panose="02040503050406030204" pitchFamily="18" charset="0"/>
+                                </a:rPr>
                                 <m:t>𝑊</m:t>
                               </m:r>
                               <m:sSubSup>
                                 <m:sSubSupPr>
                                   <m:ctrlPr>
-                                    <a:rPr lang="en-US" sz="3200" i="1"/>
+                                    <a:rPr lang="en-US" sz="3200" i="1">
+                                      <a:latin typeface="Cambria Math" panose="02040503050406030204" pitchFamily="18" charset="0"/>
+                                    </a:rPr>
                                   </m:ctrlPr>
                                 </m:sSubSupPr>
                                 <m:e>
                                   <m:r>
-                                    <a:rPr lang="en-US" sz="3200" i="1"/>
+                                    <a:rPr lang="en-US" sz="3200" i="1">
+                                      <a:latin typeface="Cambria Math" panose="02040503050406030204" pitchFamily="18" charset="0"/>
+                                    </a:rPr>
                                     <m:t>𝑝</m:t>
                                   </m:r>
                                 </m:e>
                                 <m:sub>
                                   <m:r>
-                                    <a:rPr lang="en-US" sz="3200" i="1"/>
+                                    <a:rPr lang="en-US" sz="3200" i="1">
+                                      <a:latin typeface="Cambria Math" panose="02040503050406030204" pitchFamily="18" charset="0"/>
+                                    </a:rPr>
                                     <m:t>𝑡</m:t>
                                   </m:r>
                                 </m:sub>
                                 <m:sup>
                                   <m:r>
-                                    <a:rPr lang="en-US" sz="3200" i="1"/>
+                                    <a:rPr lang="en-US" sz="3200" i="1">
+                                      <a:latin typeface="Cambria Math" panose="02040503050406030204" pitchFamily="18" charset="0"/>
+                                    </a:rPr>
                                     <m:t>−</m:t>
                                   </m:r>
                                 </m:sup>
                               </m:sSubSup>
                               <m:r>
-                                <a:rPr lang="en-US" sz="3200" i="1"/>
+                                <a:rPr lang="en-US" sz="3200" i="1">
+                                  <a:latin typeface="Cambria Math" panose="02040503050406030204" pitchFamily="18" charset="0"/>
+                                </a:rPr>
                                 <m:t>]</m:t>
                               </m:r>
                             </m:e>
                           </m:nary>
                           <m:r>
-                            <a:rPr lang="en-US" sz="3200" i="1"/>
+                            <a:rPr lang="en-US" sz="3200" i="1">
+                              <a:latin typeface="Cambria Math" panose="02040503050406030204" pitchFamily="18" charset="0"/>
+                            </a:rPr>
                             <m:t> </m:t>
                           </m:r>
                         </m:e>
@@ -9071,17 +9094,23 @@
                     </m:oMathParaPr>
                     <m:oMath xmlns:m="http://schemas.openxmlformats.org/officeDocument/2006/math">
                       <m:r>
-                        <a:rPr lang="en-US" sz="3200" i="1"/>
+                        <a:rPr lang="en-US" sz="3200" i="1">
+                          <a:latin typeface="Cambria Math" panose="02040503050406030204" pitchFamily="18" charset="0"/>
+                        </a:rPr>
                         <m:t>−</m:t>
                       </m:r>
                       <m:r>
-                        <a:rPr lang="en-US" sz="3200" i="1"/>
+                        <a:rPr lang="en-US" sz="3200" i="1">
+                          <a:latin typeface="Cambria Math" panose="02040503050406030204" pitchFamily="18" charset="0"/>
+                        </a:rPr>
                         <m:t>𝛼</m:t>
                       </m:r>
                       <m:func>
                         <m:funcPr>
                           <m:ctrlPr>
-                            <a:rPr lang="en-US" sz="3200" i="1"/>
+                            <a:rPr lang="en-US" sz="3200" i="1">
+                              <a:latin typeface="Cambria Math" panose="02040503050406030204" pitchFamily="18" charset="0"/>
+                            </a:rPr>
                           </m:ctrlPr>
                         </m:funcPr>
                         <m:fName>
@@ -9089,7 +9118,9 @@
                             <m:rPr>
                               <m:sty m:val="p"/>
                             </m:rPr>
-                            <a:rPr lang="en-US" sz="3200"/>
+                            <a:rPr lang="en-US" sz="3200">
+                              <a:latin typeface="Cambria Math" panose="02040503050406030204" pitchFamily="18" charset="0"/>
+                            </a:rPr>
                             <m:t>log</m:t>
                           </m:r>
                         </m:fName>
@@ -9097,7 +9128,9 @@
                           <m:func>
                             <m:funcPr>
                               <m:ctrlPr>
-                                <a:rPr lang="en-US" sz="3200" i="1"/>
+                                <a:rPr lang="en-US" sz="3200" i="1">
+                                  <a:latin typeface="Cambria Math" panose="02040503050406030204" pitchFamily="18" charset="0"/>
+                                </a:rPr>
                               </m:ctrlPr>
                             </m:funcPr>
                             <m:fName>
@@ -9105,13 +9138,17 @@
                                 <m:rPr>
                                   <m:sty m:val="p"/>
                                 </m:rPr>
-                                <a:rPr lang="en-US" sz="3200"/>
+                                <a:rPr lang="en-US" sz="3200">
+                                  <a:latin typeface="Cambria Math" panose="02040503050406030204" pitchFamily="18" charset="0"/>
+                                </a:rPr>
                                 <m:t>det</m:t>
                               </m:r>
                             </m:fName>
                             <m:e>
                               <m:r>
-                                <a:rPr lang="en-US" sz="3200" i="1"/>
+                                <a:rPr lang="en-US" sz="3200" i="1">
+                                  <a:latin typeface="Cambria Math" panose="02040503050406030204" pitchFamily="18" charset="0"/>
+                                </a:rPr>
                                 <m:t>𝑊</m:t>
                               </m:r>
                             </m:e>
@@ -9119,37 +9156,51 @@
                         </m:e>
                       </m:func>
                       <m:r>
-                        <a:rPr lang="en-US" sz="3200" i="1"/>
+                        <a:rPr lang="en-US" sz="3200" i="1">
+                          <a:latin typeface="Cambria Math" panose="02040503050406030204" pitchFamily="18" charset="0"/>
+                        </a:rPr>
                         <m:t>+</m:t>
                       </m:r>
                       <m:r>
-                        <a:rPr lang="en-US" sz="3200" i="1"/>
+                        <a:rPr lang="en-US" sz="3200" i="1">
+                          <a:latin typeface="Cambria Math" panose="02040503050406030204" pitchFamily="18" charset="0"/>
+                        </a:rPr>
                         <m:t>𝜆</m:t>
                       </m:r>
                       <m:nary>
                         <m:naryPr>
                           <m:chr m:val="∑"/>
                           <m:ctrlPr>
-                            <a:rPr lang="en-US" sz="3200" i="1"/>
+                            <a:rPr lang="en-US" sz="3200" i="1">
+                              <a:latin typeface="Cambria Math" panose="02040503050406030204" pitchFamily="18" charset="0"/>
+                            </a:rPr>
                           </m:ctrlPr>
                         </m:naryPr>
                         <m:sub>
                           <m:r>
-                            <a:rPr lang="en-US" sz="3200" i="1"/>
+                            <a:rPr lang="en-US" sz="3200" i="1">
+                              <a:latin typeface="Cambria Math" panose="02040503050406030204" pitchFamily="18" charset="0"/>
+                            </a:rPr>
                             <m:t>𝑘</m:t>
                           </m:r>
                           <m:r>
-                            <a:rPr lang="en-US" sz="3200" i="1"/>
+                            <a:rPr lang="en-US" sz="3200" i="1">
+                              <a:latin typeface="Cambria Math" panose="02040503050406030204" pitchFamily="18" charset="0"/>
+                            </a:rPr>
                             <m:t>=</m:t>
                           </m:r>
                           <m:r>
-                            <a:rPr lang="en-US" sz="3200" i="1"/>
+                            <a:rPr lang="en-US" sz="3200" i="1">
+                              <a:latin typeface="Cambria Math" panose="02040503050406030204" pitchFamily="18" charset="0"/>
+                            </a:rPr>
                             <m:t>0</m:t>
                           </m:r>
                         </m:sub>
                         <m:sup>
                           <m:r>
-                            <a:rPr lang="en-US" sz="3200" i="1"/>
+                            <a:rPr lang="en-US" sz="3200" i="1">
+                              <a:latin typeface="Cambria Math" panose="02040503050406030204" pitchFamily="18" charset="0"/>
+                            </a:rPr>
                             <m:t>𝑑</m:t>
                           </m:r>
                         </m:sup>
@@ -9157,7 +9208,9 @@
                           <m:sSub>
                             <m:sSubPr>
                               <m:ctrlPr>
-                                <a:rPr lang="en-US" sz="3200" i="1"/>
+                                <a:rPr lang="en-US" sz="3200" i="1">
+                                  <a:latin typeface="Cambria Math" panose="02040503050406030204" pitchFamily="18" charset="0"/>
+                                </a:rPr>
                               </m:ctrlPr>
                             </m:sSubPr>
                             <m:e>
@@ -9166,25 +9219,33 @@
                                   <m:begChr m:val="‖"/>
                                   <m:endChr m:val="‖"/>
                                   <m:ctrlPr>
-                                    <a:rPr lang="en-US" sz="3200" i="1"/>
+                                    <a:rPr lang="en-US" sz="3200" i="1">
+                                      <a:latin typeface="Cambria Math" panose="02040503050406030204" pitchFamily="18" charset="0"/>
+                                    </a:rPr>
                                   </m:ctrlPr>
                                 </m:dPr>
                                 <m:e>
                                   <m:sSub>
                                     <m:sSubPr>
                                       <m:ctrlPr>
-                                        <a:rPr lang="en-US" sz="3200" i="1"/>
+                                        <a:rPr lang="en-US" sz="3200" i="1">
+                                          <a:latin typeface="Cambria Math" panose="02040503050406030204" pitchFamily="18" charset="0"/>
+                                        </a:rPr>
                                       </m:ctrlPr>
                                     </m:sSubPr>
                                     <m:e>
                                       <m:r>
-                                        <a:rPr lang="en-US" sz="3200" i="1"/>
+                                        <a:rPr lang="en-US" sz="3200" i="1">
+                                          <a:latin typeface="Cambria Math" panose="02040503050406030204" pitchFamily="18" charset="0"/>
+                                        </a:rPr>
                                         <m:t>𝑉</m:t>
                                       </m:r>
                                     </m:e>
                                     <m:sub>
                                       <m:r>
-                                        <a:rPr lang="en-US" sz="3200" i="1"/>
+                                        <a:rPr lang="en-US" sz="3200" i="1">
+                                          <a:latin typeface="Cambria Math" panose="02040503050406030204" pitchFamily="18" charset="0"/>
+                                        </a:rPr>
                                         <m:t>𝑘</m:t>
                                       </m:r>
                                     </m:sub>
@@ -9194,7 +9255,9 @@
                             </m:e>
                             <m:sub>
                               <m:r>
-                                <a:rPr lang="en-US" sz="3200" i="1"/>
+                                <a:rPr lang="en-US" sz="3200" i="1">
+                                  <a:latin typeface="Cambria Math" panose="02040503050406030204" pitchFamily="18" charset="0"/>
+                                </a:rPr>
                                 <m:t>𝐹</m:t>
                               </m:r>
                             </m:sub>
@@ -9236,43 +9299,57 @@
                       <m:sSubSup>
                         <m:sSubSupPr>
                           <m:ctrlPr>
-                            <a:rPr lang="en-US" sz="3200" i="1"/>
+                            <a:rPr lang="en-US" sz="3200" i="1">
+                              <a:latin typeface="Cambria Math" panose="02040503050406030204" pitchFamily="18" charset="0"/>
+                            </a:rPr>
                           </m:ctrlPr>
                         </m:sSubSupPr>
                         <m:e>
                           <m:r>
-                            <a:rPr lang="en-US" sz="3200" i="1"/>
+                            <a:rPr lang="en-US" sz="3200" i="1">
+                              <a:latin typeface="Cambria Math" panose="02040503050406030204" pitchFamily="18" charset="0"/>
+                            </a:rPr>
                             <m:t>𝑉</m:t>
                           </m:r>
                         </m:e>
                         <m:sub>
                           <m:r>
-                            <a:rPr lang="en-US" sz="3200" i="1"/>
+                            <a:rPr lang="en-US" sz="3200" i="1">
+                              <a:latin typeface="Cambria Math" panose="02040503050406030204" pitchFamily="18" charset="0"/>
+                            </a:rPr>
                             <m:t>𝑘</m:t>
                           </m:r>
                         </m:sub>
                         <m:sup>
                           <m:r>
-                            <a:rPr lang="en-US" sz="3200" i="1"/>
+                            <a:rPr lang="en-US" sz="3200" i="1">
+                              <a:latin typeface="Cambria Math" panose="02040503050406030204" pitchFamily="18" charset="0"/>
+                            </a:rPr>
                             <m:t>𝑛𝑒𝑤</m:t>
                           </m:r>
                         </m:sup>
                       </m:sSubSup>
                       <m:r>
-                        <a:rPr lang="en-US" sz="3200" i="1"/>
+                        <a:rPr lang="en-US" sz="3200" i="1">
+                          <a:latin typeface="Cambria Math" panose="02040503050406030204" pitchFamily="18" charset="0"/>
+                        </a:rPr>
                         <m:t>=</m:t>
                       </m:r>
                       <m:func>
                         <m:funcPr>
                           <m:ctrlPr>
-                            <a:rPr lang="en-US" sz="3200" i="1"/>
+                            <a:rPr lang="en-US" sz="3200" i="1">
+                              <a:latin typeface="Cambria Math" panose="02040503050406030204" pitchFamily="18" charset="0"/>
+                            </a:rPr>
                           </m:ctrlPr>
                         </m:funcPr>
                         <m:fName>
                           <m:limLow>
                             <m:limLowPr>
                               <m:ctrlPr>
-                                <a:rPr lang="en-US" sz="3200" i="1"/>
+                                <a:rPr lang="en-US" sz="3200" i="1">
+                                  <a:latin typeface="Cambria Math" panose="02040503050406030204" pitchFamily="18" charset="0"/>
+                                </a:rPr>
                               </m:ctrlPr>
                             </m:limLowPr>
                             <m:e>
@@ -9280,34 +9357,46 @@
                                 <m:rPr>
                                   <m:sty m:val="p"/>
                                 </m:rPr>
-                                <a:rPr lang="en-US" sz="3200"/>
+                                <a:rPr lang="en-US" sz="3200">
+                                  <a:latin typeface="Cambria Math" panose="02040503050406030204" pitchFamily="18" charset="0"/>
+                                </a:rPr>
                                 <m:t>argmin</m:t>
                               </m:r>
                             </m:e>
                             <m:lim>
                               <m:r>
-                                <a:rPr lang="en-US" sz="3200" i="1"/>
+                                <a:rPr lang="en-US" sz="3200" i="1">
+                                  <a:latin typeface="Cambria Math" panose="02040503050406030204" pitchFamily="18" charset="0"/>
+                                </a:rPr>
                                 <m:t>𝑉</m:t>
                               </m:r>
                               <m:r>
-                                <a:rPr lang="en-US" sz="3200" i="1"/>
+                                <a:rPr lang="en-US" sz="3200" i="1">
+                                  <a:latin typeface="Cambria Math" panose="02040503050406030204" pitchFamily="18" charset="0"/>
+                                </a:rPr>
                                 <m:t>∈</m:t>
                               </m:r>
                               <m:sSub>
                                 <m:sSubPr>
                                   <m:ctrlPr>
-                                    <a:rPr lang="en-US" sz="3200" i="1"/>
+                                    <a:rPr lang="en-US" sz="3200" i="1">
+                                      <a:latin typeface="Cambria Math" panose="02040503050406030204" pitchFamily="18" charset="0"/>
+                                    </a:rPr>
                                   </m:ctrlPr>
                                 </m:sSubPr>
                                 <m:e>
                                   <m:r>
-                                    <a:rPr lang="en-US" sz="3200" i="1"/>
+                                    <a:rPr lang="en-US" sz="3200" i="1">
+                                      <a:latin typeface="Cambria Math" panose="02040503050406030204" pitchFamily="18" charset="0"/>
+                                    </a:rPr>
                                     <m:t>𝒱</m:t>
                                   </m:r>
                                 </m:e>
                                 <m:sub>
                                   <m:r>
-                                    <a:rPr lang="en-US" sz="3200" i="1"/>
+                                    <a:rPr lang="en-US" sz="3200" i="1">
+                                      <a:latin typeface="Cambria Math" panose="02040503050406030204" pitchFamily="18" charset="0"/>
+                                    </a:rPr>
                                     <m:t>𝑘</m:t>
                                   </m:r>
                                 </m:sub>
@@ -9321,46 +9410,62 @@
                               <m:begChr m:val="⟨"/>
                               <m:endChr m:val="⟩"/>
                               <m:ctrlPr>
-                                <a:rPr lang="en-US" sz="3200" i="1"/>
+                                <a:rPr lang="en-US" sz="3200" i="1">
+                                  <a:latin typeface="Cambria Math" panose="02040503050406030204" pitchFamily="18" charset="0"/>
+                                </a:rPr>
                               </m:ctrlPr>
                             </m:dPr>
                             <m:e>
                               <m:f>
                                 <m:fPr>
                                   <m:ctrlPr>
-                                    <a:rPr lang="en-US" sz="3200" i="1"/>
+                                    <a:rPr lang="en-US" sz="3200" i="1">
+                                      <a:latin typeface="Cambria Math" panose="02040503050406030204" pitchFamily="18" charset="0"/>
+                                    </a:rPr>
                                   </m:ctrlPr>
                                 </m:fPr>
                                 <m:num>
                                   <m:r>
-                                    <a:rPr lang="en-US" sz="3200" i="1"/>
+                                    <a:rPr lang="en-US" sz="3200" i="1">
+                                      <a:latin typeface="Cambria Math" panose="02040503050406030204" pitchFamily="18" charset="0"/>
+                                    </a:rPr>
                                     <m:t>𝜕</m:t>
                                   </m:r>
                                   <m:r>
-                                    <a:rPr lang="en-US" sz="3200" i="1"/>
+                                    <a:rPr lang="en-US" sz="3200" i="1">
+                                      <a:latin typeface="Cambria Math" panose="02040503050406030204" pitchFamily="18" charset="0"/>
+                                    </a:rPr>
                                     <m:t>𝐿</m:t>
                                   </m:r>
                                 </m:num>
                                 <m:den>
                                   <m:r>
-                                    <a:rPr lang="en-US" sz="3200" i="1"/>
+                                    <a:rPr lang="en-US" sz="3200" i="1">
+                                      <a:latin typeface="Cambria Math" panose="02040503050406030204" pitchFamily="18" charset="0"/>
+                                    </a:rPr>
                                     <m:t>𝜕</m:t>
                                   </m:r>
                                   <m:sSub>
                                     <m:sSubPr>
                                       <m:ctrlPr>
-                                        <a:rPr lang="en-US" sz="3200" i="1"/>
+                                        <a:rPr lang="en-US" sz="3200" i="1">
+                                          <a:latin typeface="Cambria Math" panose="02040503050406030204" pitchFamily="18" charset="0"/>
+                                        </a:rPr>
                                       </m:ctrlPr>
                                     </m:sSubPr>
                                     <m:e>
                                       <m:r>
-                                        <a:rPr lang="en-US" sz="3200" i="1"/>
+                                        <a:rPr lang="en-US" sz="3200" i="1">
+                                          <a:latin typeface="Cambria Math" panose="02040503050406030204" pitchFamily="18" charset="0"/>
+                                        </a:rPr>
                                         <m:t>𝑉</m:t>
                                       </m:r>
                                     </m:e>
                                     <m:sub>
                                       <m:r>
-                                        <a:rPr lang="en-US" sz="3200" i="1"/>
+                                        <a:rPr lang="en-US" sz="3200" i="1">
+                                          <a:latin typeface="Cambria Math" panose="02040503050406030204" pitchFamily="18" charset="0"/>
+                                        </a:rPr>
                                         <m:t>𝑘</m:t>
                                       </m:r>
                                     </m:sub>
@@ -9368,11 +9473,15 @@
                                 </m:den>
                               </m:f>
                               <m:r>
-                                <a:rPr lang="en-US" sz="3200" i="1"/>
+                                <a:rPr lang="en-US" sz="3200" i="1">
+                                  <a:latin typeface="Cambria Math" panose="02040503050406030204" pitchFamily="18" charset="0"/>
+                                </a:rPr>
                                 <m:t>,</m:t>
                               </m:r>
                               <m:r>
-                                <a:rPr lang="en-US" sz="3200" i="1"/>
+                                <a:rPr lang="en-US" sz="3200" i="1">
+                                  <a:latin typeface="Cambria Math" panose="02040503050406030204" pitchFamily="18" charset="0"/>
+                                </a:rPr>
                                 <m:t>𝑉</m:t>
                               </m:r>
                             </m:e>
@@ -9380,28 +9489,38 @@
                         </m:e>
                       </m:func>
                       <m:r>
-                        <a:rPr lang="en-US" sz="3200" i="1"/>
+                        <a:rPr lang="en-US" sz="3200" i="1">
+                          <a:latin typeface="Cambria Math" panose="02040503050406030204" pitchFamily="18" charset="0"/>
+                        </a:rPr>
                         <m:t>+</m:t>
                       </m:r>
                       <m:f>
                         <m:fPr>
                           <m:ctrlPr>
-                            <a:rPr lang="en-US" sz="3200" i="1"/>
+                            <a:rPr lang="en-US" sz="3200" i="1">
+                              <a:latin typeface="Cambria Math" panose="02040503050406030204" pitchFamily="18" charset="0"/>
+                            </a:rPr>
                           </m:ctrlPr>
                         </m:fPr>
                         <m:num>
                           <m:r>
-                            <a:rPr lang="en-US" sz="3200" i="1"/>
+                            <a:rPr lang="en-US" sz="3200" i="1">
+                              <a:latin typeface="Cambria Math" panose="02040503050406030204" pitchFamily="18" charset="0"/>
+                            </a:rPr>
                             <m:t>1</m:t>
                           </m:r>
                         </m:num>
                         <m:den>
                           <m:r>
-                            <a:rPr lang="en-US" sz="3200" i="1"/>
+                            <a:rPr lang="en-US" sz="3200" i="1">
+                              <a:latin typeface="Cambria Math" panose="02040503050406030204" pitchFamily="18" charset="0"/>
+                            </a:rPr>
                             <m:t>2</m:t>
                           </m:r>
                           <m:r>
-                            <a:rPr lang="en-US" sz="3200" i="1"/>
+                            <a:rPr lang="en-US" sz="3200" i="1">
+                              <a:latin typeface="Cambria Math" panose="02040503050406030204" pitchFamily="18" charset="0"/>
+                            </a:rPr>
                             <m:t>𝜃</m:t>
                           </m:r>
                         </m:den>
@@ -9409,7 +9528,9 @@
                       <m:sSubSup>
                         <m:sSubSupPr>
                           <m:ctrlPr>
-                            <a:rPr lang="en-US" sz="3200" i="1"/>
+                            <a:rPr lang="en-US" sz="3200" i="1">
+                              <a:latin typeface="Cambria Math" panose="02040503050406030204" pitchFamily="18" charset="0"/>
+                            </a:rPr>
                           </m:ctrlPr>
                         </m:sSubSupPr>
                         <m:e>
@@ -9418,33 +9539,45 @@
                               <m:begChr m:val="‖"/>
                               <m:endChr m:val="‖"/>
                               <m:ctrlPr>
-                                <a:rPr lang="en-US" sz="3200" i="1"/>
+                                <a:rPr lang="en-US" sz="3200" i="1">
+                                  <a:latin typeface="Cambria Math" panose="02040503050406030204" pitchFamily="18" charset="0"/>
+                                </a:rPr>
                               </m:ctrlPr>
                             </m:dPr>
                             <m:e>
                               <m:sSub>
                                 <m:sSubPr>
                                   <m:ctrlPr>
-                                    <a:rPr lang="en-US" sz="3200" i="1"/>
+                                    <a:rPr lang="en-US" sz="3200" i="1">
+                                      <a:latin typeface="Cambria Math" panose="02040503050406030204" pitchFamily="18" charset="0"/>
+                                    </a:rPr>
                                   </m:ctrlPr>
                                 </m:sSubPr>
                                 <m:e>
                                   <m:r>
-                                    <a:rPr lang="en-US" sz="3200" i="1"/>
+                                    <a:rPr lang="en-US" sz="3200" i="1">
+                                      <a:latin typeface="Cambria Math" panose="02040503050406030204" pitchFamily="18" charset="0"/>
+                                    </a:rPr>
                                     <m:t>𝑉</m:t>
                                   </m:r>
                                   <m:r>
-                                    <a:rPr lang="en-US" sz="3200" i="1"/>
+                                    <a:rPr lang="en-US" sz="3200" i="1">
+                                      <a:latin typeface="Cambria Math" panose="02040503050406030204" pitchFamily="18" charset="0"/>
+                                    </a:rPr>
                                     <m:t>−</m:t>
                                   </m:r>
                                   <m:r>
-                                    <a:rPr lang="en-US" sz="3200" i="1"/>
+                                    <a:rPr lang="en-US" sz="3200" i="1">
+                                      <a:latin typeface="Cambria Math" panose="02040503050406030204" pitchFamily="18" charset="0"/>
+                                    </a:rPr>
                                     <m:t>𝑉</m:t>
                                   </m:r>
                                 </m:e>
                                 <m:sub>
                                   <m:r>
-                                    <a:rPr lang="en-US" sz="3200" i="1"/>
+                                    <a:rPr lang="en-US" sz="3200" i="1">
+                                      <a:latin typeface="Cambria Math" panose="02040503050406030204" pitchFamily="18" charset="0"/>
+                                    </a:rPr>
                                     <m:t>𝑘</m:t>
                                   </m:r>
                                 </m:sub>
@@ -9454,23 +9587,31 @@
                         </m:e>
                         <m:sub>
                           <m:r>
-                            <a:rPr lang="en-US" sz="3200" i="1"/>
+                            <a:rPr lang="en-US" sz="3200" i="1">
+                              <a:latin typeface="Cambria Math" panose="02040503050406030204" pitchFamily="18" charset="0"/>
+                            </a:rPr>
                             <m:t>𝐹</m:t>
                           </m:r>
                         </m:sub>
                         <m:sup>
                           <m:r>
-                            <a:rPr lang="en-US" sz="3200" i="1"/>
+                            <a:rPr lang="en-US" sz="3200" i="1">
+                              <a:latin typeface="Cambria Math" panose="02040503050406030204" pitchFamily="18" charset="0"/>
+                            </a:rPr>
                             <m:t>2</m:t>
                           </m:r>
                         </m:sup>
                       </m:sSubSup>
                       <m:r>
-                        <a:rPr lang="en-US" sz="3200" i="1"/>
+                        <a:rPr lang="en-US" sz="3200" i="1">
+                          <a:latin typeface="Cambria Math" panose="02040503050406030204" pitchFamily="18" charset="0"/>
+                        </a:rPr>
                         <m:t> +</m:t>
                       </m:r>
                       <m:r>
-                        <a:rPr lang="en-US" sz="3200" i="1"/>
+                        <a:rPr lang="en-US" sz="3200" i="1">
+                          <a:latin typeface="Cambria Math" panose="02040503050406030204" pitchFamily="18" charset="0"/>
+                        </a:rPr>
                         <m:t>𝜆</m:t>
                       </m:r>
                       <m:d>
@@ -9478,12 +9619,16 @@
                           <m:begChr m:val="‖"/>
                           <m:endChr m:val="‖"/>
                           <m:ctrlPr>
-                            <a:rPr lang="en-US" sz="3200" i="1"/>
+                            <a:rPr lang="en-US" sz="3200" i="1">
+                              <a:latin typeface="Cambria Math" panose="02040503050406030204" pitchFamily="18" charset="0"/>
+                            </a:rPr>
                           </m:ctrlPr>
                         </m:dPr>
                         <m:e>
                           <m:r>
-                            <a:rPr lang="en-US" sz="3200" i="1"/>
+                            <a:rPr lang="en-US" sz="3200" i="1">
+                              <a:latin typeface="Cambria Math" panose="02040503050406030204" pitchFamily="18" charset="0"/>
+                            </a:rPr>
                             <m:t>𝑉</m:t>
                           </m:r>
                         </m:e>
@@ -9515,78 +9660,106 @@
                     <m:sSup>
                       <m:sSupPr>
                         <m:ctrlPr>
-                          <a:rPr lang="en-US" sz="3200" i="1"/>
+                          <a:rPr lang="en-US" sz="3200" i="1">
+                            <a:latin typeface="Cambria Math" panose="02040503050406030204" pitchFamily="18" charset="0"/>
+                          </a:rPr>
                         </m:ctrlPr>
                       </m:sSupPr>
                       <m:e>
                         <m:r>
-                          <a:rPr lang="en-US" sz="3200" i="1"/>
+                          <a:rPr lang="en-US" sz="3200" i="1">
+                            <a:latin typeface="Cambria Math" panose="02040503050406030204" pitchFamily="18" charset="0"/>
+                          </a:rPr>
                           <m:t>𝑊</m:t>
                         </m:r>
                       </m:e>
                       <m:sup>
                         <m:r>
-                          <a:rPr lang="en-US" sz="3200" i="1"/>
+                          <a:rPr lang="en-US" sz="3200" i="1">
+                            <a:latin typeface="Cambria Math" panose="02040503050406030204" pitchFamily="18" charset="0"/>
+                          </a:rPr>
                           <m:t>𝑛𝑒𝑤</m:t>
                         </m:r>
                       </m:sup>
                     </m:sSup>
                     <m:r>
-                      <a:rPr lang="en-US" sz="3200" i="1"/>
+                      <a:rPr lang="en-US" sz="3200" i="1">
+                        <a:latin typeface="Cambria Math" panose="02040503050406030204" pitchFamily="18" charset="0"/>
+                      </a:rPr>
                       <m:t>=</m:t>
                     </m:r>
                     <m:r>
-                      <a:rPr lang="en-US" sz="3200" i="1"/>
+                      <a:rPr lang="en-US" sz="3200" i="1">
+                        <a:latin typeface="Cambria Math" panose="02040503050406030204" pitchFamily="18" charset="0"/>
+                      </a:rPr>
                       <m:t>𝑊</m:t>
                     </m:r>
                     <m:r>
-                      <a:rPr lang="en-US" sz="3200" i="1"/>
+                      <a:rPr lang="en-US" sz="3200" i="1">
+                        <a:latin typeface="Cambria Math" panose="02040503050406030204" pitchFamily="18" charset="0"/>
+                      </a:rPr>
                       <m:t>+</m:t>
                     </m:r>
                     <m:sSubSup>
                       <m:sSubSupPr>
                         <m:ctrlPr>
-                          <a:rPr lang="en-US" sz="3200" i="1"/>
+                          <a:rPr lang="en-US" sz="3200" i="1">
+                            <a:latin typeface="Cambria Math" panose="02040503050406030204" pitchFamily="18" charset="0"/>
+                          </a:rPr>
                         </m:ctrlPr>
                       </m:sSubSupPr>
                       <m:e>
                         <m:r>
-                          <a:rPr lang="en-US" sz="3200" i="1"/>
+                          <a:rPr lang="en-US" sz="3200" i="1">
+                            <a:latin typeface="Cambria Math" panose="02040503050406030204" pitchFamily="18" charset="0"/>
+                          </a:rPr>
                           <m:t>𝑉</m:t>
                         </m:r>
                       </m:e>
                       <m:sub>
                         <m:r>
-                          <a:rPr lang="en-US" sz="3200" i="1"/>
+                          <a:rPr lang="en-US" sz="3200" i="1">
+                            <a:latin typeface="Cambria Math" panose="02040503050406030204" pitchFamily="18" charset="0"/>
+                          </a:rPr>
                           <m:t>𝑘</m:t>
                         </m:r>
                       </m:sub>
                       <m:sup>
                         <m:r>
-                          <a:rPr lang="en-US" sz="3200" i="1"/>
+                          <a:rPr lang="en-US" sz="3200" i="1">
+                            <a:latin typeface="Cambria Math" panose="02040503050406030204" pitchFamily="18" charset="0"/>
+                          </a:rPr>
                           <m:t>𝑛𝑒𝑤</m:t>
                         </m:r>
                       </m:sup>
                     </m:sSubSup>
                     <m:r>
-                      <a:rPr lang="en-US" sz="3200" i="1"/>
+                      <a:rPr lang="en-US" sz="3200" i="1">
+                        <a:latin typeface="Cambria Math" panose="02040503050406030204" pitchFamily="18" charset="0"/>
+                      </a:rPr>
                       <m:t>−</m:t>
                     </m:r>
                     <m:sSub>
                       <m:sSubPr>
                         <m:ctrlPr>
-                          <a:rPr lang="en-US" sz="3200" i="1"/>
+                          <a:rPr lang="en-US" sz="3200" i="1">
+                            <a:latin typeface="Cambria Math" panose="02040503050406030204" pitchFamily="18" charset="0"/>
+                          </a:rPr>
                         </m:ctrlPr>
                       </m:sSubPr>
                       <m:e>
                         <m:r>
-                          <a:rPr lang="en-US" sz="3200" i="1"/>
+                          <a:rPr lang="en-US" sz="3200" i="1">
+                            <a:latin typeface="Cambria Math" panose="02040503050406030204" pitchFamily="18" charset="0"/>
+                          </a:rPr>
                           <m:t>𝑉</m:t>
                         </m:r>
                       </m:e>
                       <m:sub>
                         <m:r>
-                          <a:rPr lang="en-US" sz="3200" i="1"/>
+                          <a:rPr lang="en-US" sz="3200" i="1">
+                            <a:latin typeface="Cambria Math" panose="02040503050406030204" pitchFamily="18" charset="0"/>
+                          </a:rPr>
                           <m:t>𝑘</m:t>
                         </m:r>
                       </m:sub>
@@ -9600,7 +9773,9 @@
                 <a14:m>
                   <m:oMath xmlns:m="http://schemas.openxmlformats.org/officeDocument/2006/math">
                     <m:r>
-                      <a:rPr lang="en-US" sz="3200" i="1"/>
+                      <a:rPr lang="en-US" sz="3200" i="1">
+                        <a:latin typeface="Cambria Math" panose="02040503050406030204" pitchFamily="18" charset="0"/>
+                      </a:rPr>
                       <m:t>𝜃</m:t>
                     </m:r>
                   </m:oMath>
@@ -9617,7 +9792,7 @@
             </p:txBody>
           </p:sp>
         </mc:Choice>
-        <mc:Fallback>
+        <mc:Fallback xmlns="">
           <p:sp>
             <p:nvSpPr>
               <p:cNvPr id="75" name="Rectangle 74"/>
@@ -9635,7 +9810,7 @@
                 <a:avLst/>
               </a:prstGeom>
               <a:blipFill rotWithShape="0">
-                <a:blip r:embed="rId23"/>
+                <a:blip r:embed="rId19"/>
                 <a:stretch>
                   <a:fillRect l="-1683" t="-601" r="-366"/>
                 </a:stretch>
@@ -9665,14 +9840,14 @@
           <p:nvPr/>
         </p:nvPicPr>
         <p:blipFill>
-          <a:blip r:embed="rId24"/>
+          <a:blip r:embed="rId20"/>
           <a:stretch>
             <a:fillRect/>
           </a:stretch>
         </p:blipFill>
         <p:spPr>
           <a:xfrm>
-            <a:off x="22122838" y="27435273"/>
+            <a:off x="21978821" y="28029906"/>
             <a:ext cx="8696885" cy="1326930"/>
           </a:xfrm>
           <a:prstGeom prst="rect">
@@ -9689,13 +9864,13 @@
           <p:nvPr/>
         </p:nvPicPr>
         <p:blipFill rotWithShape="1">
-          <a:blip r:embed="rId25"/>
+          <a:blip r:embed="rId21"/>
           <a:srcRect r="4094"/>
           <a:stretch/>
         </p:blipFill>
         <p:spPr>
           <a:xfrm>
-            <a:off x="22034749" y="28815981"/>
+            <a:off x="21890732" y="29410614"/>
             <a:ext cx="8784974" cy="1913091"/>
           </a:xfrm>
           <a:prstGeom prst="rect">
@@ -9703,6 +9878,1000 @@
           </a:prstGeom>
         </p:spPr>
       </p:pic>
+      <p:pic>
+        <p:nvPicPr>
+          <p:cNvPr id="1034" name="Picture 10" descr="http://chechiklab.biu.ac.il/~yuvval/figs/comet/Precision_at_K_all_datasets.png"/>
+          <p:cNvPicPr>
+            <a:picLocks noChangeAspect="1" noChangeArrowheads="1"/>
+          </p:cNvPicPr>
+          <p:nvPr/>
+        </p:nvPicPr>
+        <p:blipFill rotWithShape="1">
+          <a:blip r:embed="rId22" cstate="print">
+            <a:extLst>
+              <a:ext uri="{28A0092B-C50C-407E-A947-70E740481C1C}">
+                <a14:useLocalDpi xmlns:a14="http://schemas.microsoft.com/office/drawing/2010/main" val="0"/>
+              </a:ext>
+            </a:extLst>
+          </a:blip>
+          <a:srcRect l="6017" t="18639" r="10321" b="14404"/>
+          <a:stretch/>
+        </p:blipFill>
+        <p:spPr bwMode="auto">
+          <a:xfrm>
+            <a:off x="31814610" y="6975407"/>
+            <a:ext cx="10029787" cy="4906137"/>
+          </a:xfrm>
+          <a:prstGeom prst="rect">
+            <a:avLst/>
+          </a:prstGeom>
+          <a:noFill/>
+          <a:extLst>
+            <a:ext uri="{909E8E84-426E-40DD-AFC4-6F175D3DCCD1}">
+              <a14:hiddenFill xmlns:a14="http://schemas.microsoft.com/office/drawing/2010/main">
+                <a:solidFill>
+                  <a:srgbClr val="FFFFFF"/>
+                </a:solidFill>
+              </a14:hiddenFill>
+            </a:ext>
+          </a:extLst>
+        </p:spPr>
+      </p:pic>
+      <p:sp>
+        <p:nvSpPr>
+          <p:cNvPr id="32" name="Text Box 115"/>
+          <p:cNvSpPr txBox="1">
+            <a:spLocks noChangeArrowheads="1"/>
+          </p:cNvSpPr>
+          <p:nvPr/>
+        </p:nvSpPr>
+        <p:spPr bwMode="auto">
+          <a:xfrm>
+            <a:off x="32014575" y="11963699"/>
+            <a:ext cx="9829821" cy="1079399"/>
+          </a:xfrm>
+          <a:prstGeom prst="rect">
+            <a:avLst/>
+          </a:prstGeom>
+          <a:solidFill>
+            <a:srgbClr val="FFFFFF"/>
+          </a:solidFill>
+          <a:ln>
+            <a:noFill/>
+          </a:ln>
+          <a:effectLst/>
+          <a:extLst>
+            <a:ext uri="{91240B29-F687-4F45-9708-019B960494DF}">
+              <a14:hiddenLine xmlns:a14="http://schemas.microsoft.com/office/drawing/2010/main" w="9525">
+                <a:solidFill>
+                  <a:srgbClr val="000000"/>
+                </a:solidFill>
+                <a:round/>
+                <a:headEnd/>
+                <a:tailEnd/>
+              </a14:hiddenLine>
+            </a:ext>
+            <a:ext uri="{AF507438-7753-43E0-B8FC-AC1667EBCBE1}">
+              <a14:hiddenEffects xmlns:a14="http://schemas.microsoft.com/office/drawing/2010/main">
+                <a:effectLst>
+                  <a:outerShdw dist="35921" dir="2700000" algn="ctr" rotWithShape="0">
+                    <a:srgbClr val="808080"/>
+                  </a:outerShdw>
+                </a:effectLst>
+              </a14:hiddenEffects>
+            </a:ext>
+          </a:extLst>
+        </p:spPr>
+        <p:txBody>
+          <a:bodyPr wrap="square" lIns="90000" tIns="46800" rIns="90000" bIns="46800">
+            <a:spAutoFit/>
+          </a:bodyPr>
+          <a:lstStyle>
+            <a:lvl1pPr>
+              <a:tabLst>
+                <a:tab pos="0" algn="l"/>
+                <a:tab pos="457200" algn="l"/>
+                <a:tab pos="914400" algn="l"/>
+                <a:tab pos="1371600" algn="l"/>
+                <a:tab pos="1828800" algn="l"/>
+                <a:tab pos="2286000" algn="l"/>
+                <a:tab pos="2743200" algn="l"/>
+                <a:tab pos="3200400" algn="l"/>
+                <a:tab pos="3657600" algn="l"/>
+                <a:tab pos="4114800" algn="l"/>
+                <a:tab pos="4572000" algn="l"/>
+                <a:tab pos="5029200" algn="l"/>
+                <a:tab pos="5486400" algn="l"/>
+                <a:tab pos="5943600" algn="l"/>
+                <a:tab pos="6400800" algn="l"/>
+                <a:tab pos="6858000" algn="l"/>
+                <a:tab pos="7315200" algn="l"/>
+                <a:tab pos="7772400" algn="l"/>
+                <a:tab pos="8229600" algn="l"/>
+                <a:tab pos="8686800" algn="l"/>
+                <a:tab pos="9144000" algn="l"/>
+                <a:tab pos="9410700" algn="l"/>
+              </a:tabLst>
+              <a:defRPr>
+                <a:solidFill>
+                  <a:srgbClr val="000000"/>
+                </a:solidFill>
+                <a:latin typeface="Arial" panose="020B0604020202020204" pitchFamily="34" charset="0"/>
+                <a:cs typeface="Arial" panose="020B0604020202020204" pitchFamily="34" charset="0"/>
+              </a:defRPr>
+            </a:lvl1pPr>
+            <a:lvl2pPr>
+              <a:tabLst>
+                <a:tab pos="0" algn="l"/>
+                <a:tab pos="457200" algn="l"/>
+                <a:tab pos="914400" algn="l"/>
+                <a:tab pos="1371600" algn="l"/>
+                <a:tab pos="1828800" algn="l"/>
+                <a:tab pos="2286000" algn="l"/>
+                <a:tab pos="2743200" algn="l"/>
+                <a:tab pos="3200400" algn="l"/>
+                <a:tab pos="3657600" algn="l"/>
+                <a:tab pos="4114800" algn="l"/>
+                <a:tab pos="4572000" algn="l"/>
+                <a:tab pos="5029200" algn="l"/>
+                <a:tab pos="5486400" algn="l"/>
+                <a:tab pos="5943600" algn="l"/>
+                <a:tab pos="6400800" algn="l"/>
+                <a:tab pos="6858000" algn="l"/>
+                <a:tab pos="7315200" algn="l"/>
+                <a:tab pos="7772400" algn="l"/>
+                <a:tab pos="8229600" algn="l"/>
+                <a:tab pos="8686800" algn="l"/>
+                <a:tab pos="9144000" algn="l"/>
+                <a:tab pos="9410700" algn="l"/>
+              </a:tabLst>
+              <a:defRPr>
+                <a:solidFill>
+                  <a:srgbClr val="000000"/>
+                </a:solidFill>
+                <a:latin typeface="Arial" panose="020B0604020202020204" pitchFamily="34" charset="0"/>
+                <a:cs typeface="Arial" panose="020B0604020202020204" pitchFamily="34" charset="0"/>
+              </a:defRPr>
+            </a:lvl2pPr>
+            <a:lvl3pPr>
+              <a:tabLst>
+                <a:tab pos="0" algn="l"/>
+                <a:tab pos="457200" algn="l"/>
+                <a:tab pos="914400" algn="l"/>
+                <a:tab pos="1371600" algn="l"/>
+                <a:tab pos="1828800" algn="l"/>
+                <a:tab pos="2286000" algn="l"/>
+                <a:tab pos="2743200" algn="l"/>
+                <a:tab pos="3200400" algn="l"/>
+                <a:tab pos="3657600" algn="l"/>
+                <a:tab pos="4114800" algn="l"/>
+                <a:tab pos="4572000" algn="l"/>
+                <a:tab pos="5029200" algn="l"/>
+                <a:tab pos="5486400" algn="l"/>
+                <a:tab pos="5943600" algn="l"/>
+                <a:tab pos="6400800" algn="l"/>
+                <a:tab pos="6858000" algn="l"/>
+                <a:tab pos="7315200" algn="l"/>
+                <a:tab pos="7772400" algn="l"/>
+                <a:tab pos="8229600" algn="l"/>
+                <a:tab pos="8686800" algn="l"/>
+                <a:tab pos="9144000" algn="l"/>
+                <a:tab pos="9410700" algn="l"/>
+              </a:tabLst>
+              <a:defRPr>
+                <a:solidFill>
+                  <a:srgbClr val="000000"/>
+                </a:solidFill>
+                <a:latin typeface="Arial" panose="020B0604020202020204" pitchFamily="34" charset="0"/>
+                <a:cs typeface="Arial" panose="020B0604020202020204" pitchFamily="34" charset="0"/>
+              </a:defRPr>
+            </a:lvl3pPr>
+            <a:lvl4pPr>
+              <a:tabLst>
+                <a:tab pos="0" algn="l"/>
+                <a:tab pos="457200" algn="l"/>
+                <a:tab pos="914400" algn="l"/>
+                <a:tab pos="1371600" algn="l"/>
+                <a:tab pos="1828800" algn="l"/>
+                <a:tab pos="2286000" algn="l"/>
+                <a:tab pos="2743200" algn="l"/>
+                <a:tab pos="3200400" algn="l"/>
+                <a:tab pos="3657600" algn="l"/>
+                <a:tab pos="4114800" algn="l"/>
+                <a:tab pos="4572000" algn="l"/>
+                <a:tab pos="5029200" algn="l"/>
+                <a:tab pos="5486400" algn="l"/>
+                <a:tab pos="5943600" algn="l"/>
+                <a:tab pos="6400800" algn="l"/>
+                <a:tab pos="6858000" algn="l"/>
+                <a:tab pos="7315200" algn="l"/>
+                <a:tab pos="7772400" algn="l"/>
+                <a:tab pos="8229600" algn="l"/>
+                <a:tab pos="8686800" algn="l"/>
+                <a:tab pos="9144000" algn="l"/>
+                <a:tab pos="9410700" algn="l"/>
+              </a:tabLst>
+              <a:defRPr>
+                <a:solidFill>
+                  <a:srgbClr val="000000"/>
+                </a:solidFill>
+                <a:latin typeface="Arial" panose="020B0604020202020204" pitchFamily="34" charset="0"/>
+                <a:cs typeface="Arial" panose="020B0604020202020204" pitchFamily="34" charset="0"/>
+              </a:defRPr>
+            </a:lvl4pPr>
+            <a:lvl5pPr>
+              <a:tabLst>
+                <a:tab pos="0" algn="l"/>
+                <a:tab pos="457200" algn="l"/>
+                <a:tab pos="914400" algn="l"/>
+                <a:tab pos="1371600" algn="l"/>
+                <a:tab pos="1828800" algn="l"/>
+                <a:tab pos="2286000" algn="l"/>
+                <a:tab pos="2743200" algn="l"/>
+                <a:tab pos="3200400" algn="l"/>
+                <a:tab pos="3657600" algn="l"/>
+                <a:tab pos="4114800" algn="l"/>
+                <a:tab pos="4572000" algn="l"/>
+                <a:tab pos="5029200" algn="l"/>
+                <a:tab pos="5486400" algn="l"/>
+                <a:tab pos="5943600" algn="l"/>
+                <a:tab pos="6400800" algn="l"/>
+                <a:tab pos="6858000" algn="l"/>
+                <a:tab pos="7315200" algn="l"/>
+                <a:tab pos="7772400" algn="l"/>
+                <a:tab pos="8229600" algn="l"/>
+                <a:tab pos="8686800" algn="l"/>
+                <a:tab pos="9144000" algn="l"/>
+                <a:tab pos="9410700" algn="l"/>
+              </a:tabLst>
+              <a:defRPr>
+                <a:solidFill>
+                  <a:srgbClr val="000000"/>
+                </a:solidFill>
+                <a:latin typeface="Arial" panose="020B0604020202020204" pitchFamily="34" charset="0"/>
+                <a:cs typeface="Arial" panose="020B0604020202020204" pitchFamily="34" charset="0"/>
+              </a:defRPr>
+            </a:lvl5pPr>
+            <a:lvl6pPr defTabSz="457200" fontAlgn="base">
+              <a:spcBef>
+                <a:spcPct val="0"/>
+              </a:spcBef>
+              <a:spcAft>
+                <a:spcPct val="0"/>
+              </a:spcAft>
+              <a:buClr>
+                <a:srgbClr val="000000"/>
+              </a:buClr>
+              <a:buSzPct val="100000"/>
+              <a:buFont typeface="Arial" panose="020B0604020202020204" pitchFamily="34" charset="0"/>
+              <a:tabLst>
+                <a:tab pos="0" algn="l"/>
+                <a:tab pos="457200" algn="l"/>
+                <a:tab pos="914400" algn="l"/>
+                <a:tab pos="1371600" algn="l"/>
+                <a:tab pos="1828800" algn="l"/>
+                <a:tab pos="2286000" algn="l"/>
+                <a:tab pos="2743200" algn="l"/>
+                <a:tab pos="3200400" algn="l"/>
+                <a:tab pos="3657600" algn="l"/>
+                <a:tab pos="4114800" algn="l"/>
+                <a:tab pos="4572000" algn="l"/>
+                <a:tab pos="5029200" algn="l"/>
+                <a:tab pos="5486400" algn="l"/>
+                <a:tab pos="5943600" algn="l"/>
+                <a:tab pos="6400800" algn="l"/>
+                <a:tab pos="6858000" algn="l"/>
+                <a:tab pos="7315200" algn="l"/>
+                <a:tab pos="7772400" algn="l"/>
+                <a:tab pos="8229600" algn="l"/>
+                <a:tab pos="8686800" algn="l"/>
+                <a:tab pos="9144000" algn="l"/>
+                <a:tab pos="9410700" algn="l"/>
+              </a:tabLst>
+              <a:defRPr>
+                <a:solidFill>
+                  <a:srgbClr val="000000"/>
+                </a:solidFill>
+                <a:latin typeface="Arial" panose="020B0604020202020204" pitchFamily="34" charset="0"/>
+                <a:cs typeface="Arial" panose="020B0604020202020204" pitchFamily="34" charset="0"/>
+              </a:defRPr>
+            </a:lvl6pPr>
+            <a:lvl7pPr defTabSz="457200" fontAlgn="base">
+              <a:spcBef>
+                <a:spcPct val="0"/>
+              </a:spcBef>
+              <a:spcAft>
+                <a:spcPct val="0"/>
+              </a:spcAft>
+              <a:buClr>
+                <a:srgbClr val="000000"/>
+              </a:buClr>
+              <a:buSzPct val="100000"/>
+              <a:buFont typeface="Arial" panose="020B0604020202020204" pitchFamily="34" charset="0"/>
+              <a:tabLst>
+                <a:tab pos="0" algn="l"/>
+                <a:tab pos="457200" algn="l"/>
+                <a:tab pos="914400" algn="l"/>
+                <a:tab pos="1371600" algn="l"/>
+                <a:tab pos="1828800" algn="l"/>
+                <a:tab pos="2286000" algn="l"/>
+                <a:tab pos="2743200" algn="l"/>
+                <a:tab pos="3200400" algn="l"/>
+                <a:tab pos="3657600" algn="l"/>
+                <a:tab pos="4114800" algn="l"/>
+                <a:tab pos="4572000" algn="l"/>
+                <a:tab pos="5029200" algn="l"/>
+                <a:tab pos="5486400" algn="l"/>
+                <a:tab pos="5943600" algn="l"/>
+                <a:tab pos="6400800" algn="l"/>
+                <a:tab pos="6858000" algn="l"/>
+                <a:tab pos="7315200" algn="l"/>
+                <a:tab pos="7772400" algn="l"/>
+                <a:tab pos="8229600" algn="l"/>
+                <a:tab pos="8686800" algn="l"/>
+                <a:tab pos="9144000" algn="l"/>
+                <a:tab pos="9410700" algn="l"/>
+              </a:tabLst>
+              <a:defRPr>
+                <a:solidFill>
+                  <a:srgbClr val="000000"/>
+                </a:solidFill>
+                <a:latin typeface="Arial" panose="020B0604020202020204" pitchFamily="34" charset="0"/>
+                <a:cs typeface="Arial" panose="020B0604020202020204" pitchFamily="34" charset="0"/>
+              </a:defRPr>
+            </a:lvl7pPr>
+            <a:lvl8pPr defTabSz="457200" fontAlgn="base">
+              <a:spcBef>
+                <a:spcPct val="0"/>
+              </a:spcBef>
+              <a:spcAft>
+                <a:spcPct val="0"/>
+              </a:spcAft>
+              <a:buClr>
+                <a:srgbClr val="000000"/>
+              </a:buClr>
+              <a:buSzPct val="100000"/>
+              <a:buFont typeface="Arial" panose="020B0604020202020204" pitchFamily="34" charset="0"/>
+              <a:tabLst>
+                <a:tab pos="0" algn="l"/>
+                <a:tab pos="457200" algn="l"/>
+                <a:tab pos="914400" algn="l"/>
+                <a:tab pos="1371600" algn="l"/>
+                <a:tab pos="1828800" algn="l"/>
+                <a:tab pos="2286000" algn="l"/>
+                <a:tab pos="2743200" algn="l"/>
+                <a:tab pos="3200400" algn="l"/>
+                <a:tab pos="3657600" algn="l"/>
+                <a:tab pos="4114800" algn="l"/>
+                <a:tab pos="4572000" algn="l"/>
+                <a:tab pos="5029200" algn="l"/>
+                <a:tab pos="5486400" algn="l"/>
+                <a:tab pos="5943600" algn="l"/>
+                <a:tab pos="6400800" algn="l"/>
+                <a:tab pos="6858000" algn="l"/>
+                <a:tab pos="7315200" algn="l"/>
+                <a:tab pos="7772400" algn="l"/>
+                <a:tab pos="8229600" algn="l"/>
+                <a:tab pos="8686800" algn="l"/>
+                <a:tab pos="9144000" algn="l"/>
+                <a:tab pos="9410700" algn="l"/>
+              </a:tabLst>
+              <a:defRPr>
+                <a:solidFill>
+                  <a:srgbClr val="000000"/>
+                </a:solidFill>
+                <a:latin typeface="Arial" panose="020B0604020202020204" pitchFamily="34" charset="0"/>
+                <a:cs typeface="Arial" panose="020B0604020202020204" pitchFamily="34" charset="0"/>
+              </a:defRPr>
+            </a:lvl8pPr>
+            <a:lvl9pPr defTabSz="457200" fontAlgn="base">
+              <a:spcBef>
+                <a:spcPct val="0"/>
+              </a:spcBef>
+              <a:spcAft>
+                <a:spcPct val="0"/>
+              </a:spcAft>
+              <a:buClr>
+                <a:srgbClr val="000000"/>
+              </a:buClr>
+              <a:buSzPct val="100000"/>
+              <a:buFont typeface="Arial" panose="020B0604020202020204" pitchFamily="34" charset="0"/>
+              <a:tabLst>
+                <a:tab pos="0" algn="l"/>
+                <a:tab pos="457200" algn="l"/>
+                <a:tab pos="914400" algn="l"/>
+                <a:tab pos="1371600" algn="l"/>
+                <a:tab pos="1828800" algn="l"/>
+                <a:tab pos="2286000" algn="l"/>
+                <a:tab pos="2743200" algn="l"/>
+                <a:tab pos="3200400" algn="l"/>
+                <a:tab pos="3657600" algn="l"/>
+                <a:tab pos="4114800" algn="l"/>
+                <a:tab pos="4572000" algn="l"/>
+                <a:tab pos="5029200" algn="l"/>
+                <a:tab pos="5486400" algn="l"/>
+                <a:tab pos="5943600" algn="l"/>
+                <a:tab pos="6400800" algn="l"/>
+                <a:tab pos="6858000" algn="l"/>
+                <a:tab pos="7315200" algn="l"/>
+                <a:tab pos="7772400" algn="l"/>
+                <a:tab pos="8229600" algn="l"/>
+                <a:tab pos="8686800" algn="l"/>
+                <a:tab pos="9144000" algn="l"/>
+                <a:tab pos="9410700" algn="l"/>
+              </a:tabLst>
+              <a:defRPr>
+                <a:solidFill>
+                  <a:srgbClr val="000000"/>
+                </a:solidFill>
+                <a:latin typeface="Arial" panose="020B0604020202020204" pitchFamily="34" charset="0"/>
+                <a:cs typeface="Arial" panose="020B0604020202020204" pitchFamily="34" charset="0"/>
+              </a:defRPr>
+            </a:lvl9pPr>
+          </a:lstStyle>
+          <a:p>
+            <a:pPr algn="l" rtl="0">
+              <a:spcBef>
+                <a:spcPts val="750"/>
+              </a:spcBef>
+            </a:pPr>
+            <a:r>
+              <a:rPr lang="en-US" altLang="en-US" sz="1600" dirty="0" smtClean="0"/>
+              <a:t>80%/20% </a:t>
+            </a:r>
+            <a:r>
+              <a:rPr lang="en-US" altLang="en-US" sz="1600" dirty="0"/>
+              <a:t>train/test split, 5-fold cross-validation for hyper parameters. </a:t>
+            </a:r>
+          </a:p>
+          <a:p>
+            <a:pPr algn="l" rtl="0"/>
+            <a:r>
+              <a:rPr lang="en-US" altLang="en-US" sz="1600" dirty="0"/>
+              <a:t>Compared methods: </a:t>
+            </a:r>
+            <a:r>
+              <a:rPr lang="en-AU" altLang="en-US" sz="1600" dirty="0"/>
+              <a:t>Euclidean metric (baseline)</a:t>
+            </a:r>
+            <a:r>
+              <a:rPr lang="ar-SA" altLang="en-US" sz="1600" dirty="0"/>
+              <a:t>‏</a:t>
+            </a:r>
+            <a:r>
+              <a:rPr lang="en-US" altLang="en-US" sz="1600" dirty="0"/>
+              <a:t>.</a:t>
+            </a:r>
+            <a:r>
+              <a:rPr lang="en-AU" altLang="en-US" sz="1600" dirty="0"/>
+              <a:t> </a:t>
+            </a:r>
+            <a:r>
+              <a:rPr lang="en-AU" altLang="en-US" sz="1600" dirty="0" smtClean="0"/>
+              <a:t>HDSL: Similarity Learning for High Dimensional Sparse Data  [Liu et al, 2015], LEGO </a:t>
+            </a:r>
+            <a:r>
+              <a:rPr lang="en-AU" altLang="en-US" sz="1600" dirty="0"/>
+              <a:t>(ITML): Log-</a:t>
+            </a:r>
+            <a:r>
+              <a:rPr lang="en-AU" altLang="en-US" sz="1600" dirty="0" err="1"/>
+              <a:t>Det</a:t>
+            </a:r>
+            <a:r>
+              <a:rPr lang="en-AU" altLang="en-US" sz="1600" dirty="0"/>
+              <a:t> Exact Gradient Online [</a:t>
+            </a:r>
+            <a:r>
+              <a:rPr lang="en-AU" altLang="en-US" sz="1600" dirty="0" smtClean="0"/>
+              <a:t>Jain et al. 2008], </a:t>
+            </a:r>
+            <a:r>
+              <a:rPr lang="en-AU" altLang="en-US" sz="1600" dirty="0" err="1" smtClean="0"/>
+              <a:t>BoostMetric</a:t>
+            </a:r>
+            <a:r>
+              <a:rPr lang="en-AU" altLang="en-US" sz="1600" dirty="0" smtClean="0"/>
+              <a:t> positive-semidefinite metric learning with boosting [Shen et al. 2009]</a:t>
+            </a:r>
+            <a:endParaRPr lang="en-AU" altLang="en-US" sz="1600" dirty="0"/>
+          </a:p>
+        </p:txBody>
+      </p:sp>
+      <p:pic>
+        <p:nvPicPr>
+          <p:cNvPr id="3" name="Picture 2"/>
+          <p:cNvPicPr>
+            <a:picLocks noChangeAspect="1"/>
+          </p:cNvPicPr>
+          <p:nvPr/>
+        </p:nvPicPr>
+        <p:blipFill>
+          <a:blip r:embed="rId23"/>
+          <a:stretch>
+            <a:fillRect/>
+          </a:stretch>
+        </p:blipFill>
+        <p:spPr>
+          <a:xfrm>
+            <a:off x="32014575" y="16151676"/>
+            <a:ext cx="9829821" cy="3909040"/>
+          </a:xfrm>
+          <a:prstGeom prst="rect">
+            <a:avLst/>
+          </a:prstGeom>
+        </p:spPr>
+      </p:pic>
+      <p:sp>
+        <p:nvSpPr>
+          <p:cNvPr id="36" name="Text Box 115"/>
+          <p:cNvSpPr txBox="1">
+            <a:spLocks noChangeArrowheads="1"/>
+          </p:cNvSpPr>
+          <p:nvPr/>
+        </p:nvSpPr>
+        <p:spPr bwMode="auto">
+          <a:xfrm>
+            <a:off x="32037828" y="20060716"/>
+            <a:ext cx="9829821" cy="1325620"/>
+          </a:xfrm>
+          <a:prstGeom prst="rect">
+            <a:avLst/>
+          </a:prstGeom>
+          <a:solidFill>
+            <a:srgbClr val="FFFFFF"/>
+          </a:solidFill>
+          <a:ln>
+            <a:noFill/>
+          </a:ln>
+          <a:effectLst/>
+          <a:extLst>
+            <a:ext uri="{91240B29-F687-4F45-9708-019B960494DF}">
+              <a14:hiddenLine xmlns:a14="http://schemas.microsoft.com/office/drawing/2010/main" w="9525">
+                <a:solidFill>
+                  <a:srgbClr val="000000"/>
+                </a:solidFill>
+                <a:round/>
+                <a:headEnd/>
+                <a:tailEnd/>
+              </a14:hiddenLine>
+            </a:ext>
+            <a:ext uri="{AF507438-7753-43E0-B8FC-AC1667EBCBE1}">
+              <a14:hiddenEffects xmlns:a14="http://schemas.microsoft.com/office/drawing/2010/main">
+                <a:effectLst>
+                  <a:outerShdw dist="35921" dir="2700000" algn="ctr" rotWithShape="0">
+                    <a:srgbClr val="808080"/>
+                  </a:outerShdw>
+                </a:effectLst>
+              </a14:hiddenEffects>
+            </a:ext>
+          </a:extLst>
+        </p:spPr>
+        <p:txBody>
+          <a:bodyPr wrap="square" lIns="90000" tIns="46800" rIns="90000" bIns="46800">
+            <a:spAutoFit/>
+          </a:bodyPr>
+          <a:lstStyle>
+            <a:lvl1pPr>
+              <a:tabLst>
+                <a:tab pos="0" algn="l"/>
+                <a:tab pos="457200" algn="l"/>
+                <a:tab pos="914400" algn="l"/>
+                <a:tab pos="1371600" algn="l"/>
+                <a:tab pos="1828800" algn="l"/>
+                <a:tab pos="2286000" algn="l"/>
+                <a:tab pos="2743200" algn="l"/>
+                <a:tab pos="3200400" algn="l"/>
+                <a:tab pos="3657600" algn="l"/>
+                <a:tab pos="4114800" algn="l"/>
+                <a:tab pos="4572000" algn="l"/>
+                <a:tab pos="5029200" algn="l"/>
+                <a:tab pos="5486400" algn="l"/>
+                <a:tab pos="5943600" algn="l"/>
+                <a:tab pos="6400800" algn="l"/>
+                <a:tab pos="6858000" algn="l"/>
+                <a:tab pos="7315200" algn="l"/>
+                <a:tab pos="7772400" algn="l"/>
+                <a:tab pos="8229600" algn="l"/>
+                <a:tab pos="8686800" algn="l"/>
+                <a:tab pos="9144000" algn="l"/>
+                <a:tab pos="9410700" algn="l"/>
+              </a:tabLst>
+              <a:defRPr>
+                <a:solidFill>
+                  <a:srgbClr val="000000"/>
+                </a:solidFill>
+                <a:latin typeface="Arial" panose="020B0604020202020204" pitchFamily="34" charset="0"/>
+                <a:cs typeface="Arial" panose="020B0604020202020204" pitchFamily="34" charset="0"/>
+              </a:defRPr>
+            </a:lvl1pPr>
+            <a:lvl2pPr>
+              <a:tabLst>
+                <a:tab pos="0" algn="l"/>
+                <a:tab pos="457200" algn="l"/>
+                <a:tab pos="914400" algn="l"/>
+                <a:tab pos="1371600" algn="l"/>
+                <a:tab pos="1828800" algn="l"/>
+                <a:tab pos="2286000" algn="l"/>
+                <a:tab pos="2743200" algn="l"/>
+                <a:tab pos="3200400" algn="l"/>
+                <a:tab pos="3657600" algn="l"/>
+                <a:tab pos="4114800" algn="l"/>
+                <a:tab pos="4572000" algn="l"/>
+                <a:tab pos="5029200" algn="l"/>
+                <a:tab pos="5486400" algn="l"/>
+                <a:tab pos="5943600" algn="l"/>
+                <a:tab pos="6400800" algn="l"/>
+                <a:tab pos="6858000" algn="l"/>
+                <a:tab pos="7315200" algn="l"/>
+                <a:tab pos="7772400" algn="l"/>
+                <a:tab pos="8229600" algn="l"/>
+                <a:tab pos="8686800" algn="l"/>
+                <a:tab pos="9144000" algn="l"/>
+                <a:tab pos="9410700" algn="l"/>
+              </a:tabLst>
+              <a:defRPr>
+                <a:solidFill>
+                  <a:srgbClr val="000000"/>
+                </a:solidFill>
+                <a:latin typeface="Arial" panose="020B0604020202020204" pitchFamily="34" charset="0"/>
+                <a:cs typeface="Arial" panose="020B0604020202020204" pitchFamily="34" charset="0"/>
+              </a:defRPr>
+            </a:lvl2pPr>
+            <a:lvl3pPr>
+              <a:tabLst>
+                <a:tab pos="0" algn="l"/>
+                <a:tab pos="457200" algn="l"/>
+                <a:tab pos="914400" algn="l"/>
+                <a:tab pos="1371600" algn="l"/>
+                <a:tab pos="1828800" algn="l"/>
+                <a:tab pos="2286000" algn="l"/>
+                <a:tab pos="2743200" algn="l"/>
+                <a:tab pos="3200400" algn="l"/>
+                <a:tab pos="3657600" algn="l"/>
+                <a:tab pos="4114800" algn="l"/>
+                <a:tab pos="4572000" algn="l"/>
+                <a:tab pos="5029200" algn="l"/>
+                <a:tab pos="5486400" algn="l"/>
+                <a:tab pos="5943600" algn="l"/>
+                <a:tab pos="6400800" algn="l"/>
+                <a:tab pos="6858000" algn="l"/>
+                <a:tab pos="7315200" algn="l"/>
+                <a:tab pos="7772400" algn="l"/>
+                <a:tab pos="8229600" algn="l"/>
+                <a:tab pos="8686800" algn="l"/>
+                <a:tab pos="9144000" algn="l"/>
+                <a:tab pos="9410700" algn="l"/>
+              </a:tabLst>
+              <a:defRPr>
+                <a:solidFill>
+                  <a:srgbClr val="000000"/>
+                </a:solidFill>
+                <a:latin typeface="Arial" panose="020B0604020202020204" pitchFamily="34" charset="0"/>
+                <a:cs typeface="Arial" panose="020B0604020202020204" pitchFamily="34" charset="0"/>
+              </a:defRPr>
+            </a:lvl3pPr>
+            <a:lvl4pPr>
+              <a:tabLst>
+                <a:tab pos="0" algn="l"/>
+                <a:tab pos="457200" algn="l"/>
+                <a:tab pos="914400" algn="l"/>
+                <a:tab pos="1371600" algn="l"/>
+                <a:tab pos="1828800" algn="l"/>
+                <a:tab pos="2286000" algn="l"/>
+                <a:tab pos="2743200" algn="l"/>
+                <a:tab pos="3200400" algn="l"/>
+                <a:tab pos="3657600" algn="l"/>
+                <a:tab pos="4114800" algn="l"/>
+                <a:tab pos="4572000" algn="l"/>
+                <a:tab pos="5029200" algn="l"/>
+                <a:tab pos="5486400" algn="l"/>
+                <a:tab pos="5943600" algn="l"/>
+                <a:tab pos="6400800" algn="l"/>
+                <a:tab pos="6858000" algn="l"/>
+                <a:tab pos="7315200" algn="l"/>
+                <a:tab pos="7772400" algn="l"/>
+                <a:tab pos="8229600" algn="l"/>
+                <a:tab pos="8686800" algn="l"/>
+                <a:tab pos="9144000" algn="l"/>
+                <a:tab pos="9410700" algn="l"/>
+              </a:tabLst>
+              <a:defRPr>
+                <a:solidFill>
+                  <a:srgbClr val="000000"/>
+                </a:solidFill>
+                <a:latin typeface="Arial" panose="020B0604020202020204" pitchFamily="34" charset="0"/>
+                <a:cs typeface="Arial" panose="020B0604020202020204" pitchFamily="34" charset="0"/>
+              </a:defRPr>
+            </a:lvl4pPr>
+            <a:lvl5pPr>
+              <a:tabLst>
+                <a:tab pos="0" algn="l"/>
+                <a:tab pos="457200" algn="l"/>
+                <a:tab pos="914400" algn="l"/>
+                <a:tab pos="1371600" algn="l"/>
+                <a:tab pos="1828800" algn="l"/>
+                <a:tab pos="2286000" algn="l"/>
+                <a:tab pos="2743200" algn="l"/>
+                <a:tab pos="3200400" algn="l"/>
+                <a:tab pos="3657600" algn="l"/>
+                <a:tab pos="4114800" algn="l"/>
+                <a:tab pos="4572000" algn="l"/>
+                <a:tab pos="5029200" algn="l"/>
+                <a:tab pos="5486400" algn="l"/>
+                <a:tab pos="5943600" algn="l"/>
+                <a:tab pos="6400800" algn="l"/>
+                <a:tab pos="6858000" algn="l"/>
+                <a:tab pos="7315200" algn="l"/>
+                <a:tab pos="7772400" algn="l"/>
+                <a:tab pos="8229600" algn="l"/>
+                <a:tab pos="8686800" algn="l"/>
+                <a:tab pos="9144000" algn="l"/>
+                <a:tab pos="9410700" algn="l"/>
+              </a:tabLst>
+              <a:defRPr>
+                <a:solidFill>
+                  <a:srgbClr val="000000"/>
+                </a:solidFill>
+                <a:latin typeface="Arial" panose="020B0604020202020204" pitchFamily="34" charset="0"/>
+                <a:cs typeface="Arial" panose="020B0604020202020204" pitchFamily="34" charset="0"/>
+              </a:defRPr>
+            </a:lvl5pPr>
+            <a:lvl6pPr defTabSz="457200" fontAlgn="base">
+              <a:spcBef>
+                <a:spcPct val="0"/>
+              </a:spcBef>
+              <a:spcAft>
+                <a:spcPct val="0"/>
+              </a:spcAft>
+              <a:buClr>
+                <a:srgbClr val="000000"/>
+              </a:buClr>
+              <a:buSzPct val="100000"/>
+              <a:buFont typeface="Arial" panose="020B0604020202020204" pitchFamily="34" charset="0"/>
+              <a:tabLst>
+                <a:tab pos="0" algn="l"/>
+                <a:tab pos="457200" algn="l"/>
+                <a:tab pos="914400" algn="l"/>
+                <a:tab pos="1371600" algn="l"/>
+                <a:tab pos="1828800" algn="l"/>
+                <a:tab pos="2286000" algn="l"/>
+                <a:tab pos="2743200" algn="l"/>
+                <a:tab pos="3200400" algn="l"/>
+                <a:tab pos="3657600" algn="l"/>
+                <a:tab pos="4114800" algn="l"/>
+                <a:tab pos="4572000" algn="l"/>
+                <a:tab pos="5029200" algn="l"/>
+                <a:tab pos="5486400" algn="l"/>
+                <a:tab pos="5943600" algn="l"/>
+                <a:tab pos="6400800" algn="l"/>
+                <a:tab pos="6858000" algn="l"/>
+                <a:tab pos="7315200" algn="l"/>
+                <a:tab pos="7772400" algn="l"/>
+                <a:tab pos="8229600" algn="l"/>
+                <a:tab pos="8686800" algn="l"/>
+                <a:tab pos="9144000" algn="l"/>
+                <a:tab pos="9410700" algn="l"/>
+              </a:tabLst>
+              <a:defRPr>
+                <a:solidFill>
+                  <a:srgbClr val="000000"/>
+                </a:solidFill>
+                <a:latin typeface="Arial" panose="020B0604020202020204" pitchFamily="34" charset="0"/>
+                <a:cs typeface="Arial" panose="020B0604020202020204" pitchFamily="34" charset="0"/>
+              </a:defRPr>
+            </a:lvl6pPr>
+            <a:lvl7pPr defTabSz="457200" fontAlgn="base">
+              <a:spcBef>
+                <a:spcPct val="0"/>
+              </a:spcBef>
+              <a:spcAft>
+                <a:spcPct val="0"/>
+              </a:spcAft>
+              <a:buClr>
+                <a:srgbClr val="000000"/>
+              </a:buClr>
+              <a:buSzPct val="100000"/>
+              <a:buFont typeface="Arial" panose="020B0604020202020204" pitchFamily="34" charset="0"/>
+              <a:tabLst>
+                <a:tab pos="0" algn="l"/>
+                <a:tab pos="457200" algn="l"/>
+                <a:tab pos="914400" algn="l"/>
+                <a:tab pos="1371600" algn="l"/>
+                <a:tab pos="1828800" algn="l"/>
+                <a:tab pos="2286000" algn="l"/>
+                <a:tab pos="2743200" algn="l"/>
+                <a:tab pos="3200400" algn="l"/>
+                <a:tab pos="3657600" algn="l"/>
+                <a:tab pos="4114800" algn="l"/>
+                <a:tab pos="4572000" algn="l"/>
+                <a:tab pos="5029200" algn="l"/>
+                <a:tab pos="5486400" algn="l"/>
+                <a:tab pos="5943600" algn="l"/>
+                <a:tab pos="6400800" algn="l"/>
+                <a:tab pos="6858000" algn="l"/>
+                <a:tab pos="7315200" algn="l"/>
+                <a:tab pos="7772400" algn="l"/>
+                <a:tab pos="8229600" algn="l"/>
+                <a:tab pos="8686800" algn="l"/>
+                <a:tab pos="9144000" algn="l"/>
+                <a:tab pos="9410700" algn="l"/>
+              </a:tabLst>
+              <a:defRPr>
+                <a:solidFill>
+                  <a:srgbClr val="000000"/>
+                </a:solidFill>
+                <a:latin typeface="Arial" panose="020B0604020202020204" pitchFamily="34" charset="0"/>
+                <a:cs typeface="Arial" panose="020B0604020202020204" pitchFamily="34" charset="0"/>
+              </a:defRPr>
+            </a:lvl7pPr>
+            <a:lvl8pPr defTabSz="457200" fontAlgn="base">
+              <a:spcBef>
+                <a:spcPct val="0"/>
+              </a:spcBef>
+              <a:spcAft>
+                <a:spcPct val="0"/>
+              </a:spcAft>
+              <a:buClr>
+                <a:srgbClr val="000000"/>
+              </a:buClr>
+              <a:buSzPct val="100000"/>
+              <a:buFont typeface="Arial" panose="020B0604020202020204" pitchFamily="34" charset="0"/>
+              <a:tabLst>
+                <a:tab pos="0" algn="l"/>
+                <a:tab pos="457200" algn="l"/>
+                <a:tab pos="914400" algn="l"/>
+                <a:tab pos="1371600" algn="l"/>
+                <a:tab pos="1828800" algn="l"/>
+                <a:tab pos="2286000" algn="l"/>
+                <a:tab pos="2743200" algn="l"/>
+                <a:tab pos="3200400" algn="l"/>
+                <a:tab pos="3657600" algn="l"/>
+                <a:tab pos="4114800" algn="l"/>
+                <a:tab pos="4572000" algn="l"/>
+                <a:tab pos="5029200" algn="l"/>
+                <a:tab pos="5486400" algn="l"/>
+                <a:tab pos="5943600" algn="l"/>
+                <a:tab pos="6400800" algn="l"/>
+                <a:tab pos="6858000" algn="l"/>
+                <a:tab pos="7315200" algn="l"/>
+                <a:tab pos="7772400" algn="l"/>
+                <a:tab pos="8229600" algn="l"/>
+                <a:tab pos="8686800" algn="l"/>
+                <a:tab pos="9144000" algn="l"/>
+                <a:tab pos="9410700" algn="l"/>
+              </a:tabLst>
+              <a:defRPr>
+                <a:solidFill>
+                  <a:srgbClr val="000000"/>
+                </a:solidFill>
+                <a:latin typeface="Arial" panose="020B0604020202020204" pitchFamily="34" charset="0"/>
+                <a:cs typeface="Arial" panose="020B0604020202020204" pitchFamily="34" charset="0"/>
+              </a:defRPr>
+            </a:lvl8pPr>
+            <a:lvl9pPr defTabSz="457200" fontAlgn="base">
+              <a:spcBef>
+                <a:spcPct val="0"/>
+              </a:spcBef>
+              <a:spcAft>
+                <a:spcPct val="0"/>
+              </a:spcAft>
+              <a:buClr>
+                <a:srgbClr val="000000"/>
+              </a:buClr>
+              <a:buSzPct val="100000"/>
+              <a:buFont typeface="Arial" panose="020B0604020202020204" pitchFamily="34" charset="0"/>
+              <a:tabLst>
+                <a:tab pos="0" algn="l"/>
+                <a:tab pos="457200" algn="l"/>
+                <a:tab pos="914400" algn="l"/>
+                <a:tab pos="1371600" algn="l"/>
+                <a:tab pos="1828800" algn="l"/>
+                <a:tab pos="2286000" algn="l"/>
+                <a:tab pos="2743200" algn="l"/>
+                <a:tab pos="3200400" algn="l"/>
+                <a:tab pos="3657600" algn="l"/>
+                <a:tab pos="4114800" algn="l"/>
+                <a:tab pos="4572000" algn="l"/>
+                <a:tab pos="5029200" algn="l"/>
+                <a:tab pos="5486400" algn="l"/>
+                <a:tab pos="5943600" algn="l"/>
+                <a:tab pos="6400800" algn="l"/>
+                <a:tab pos="6858000" algn="l"/>
+                <a:tab pos="7315200" algn="l"/>
+                <a:tab pos="7772400" algn="l"/>
+                <a:tab pos="8229600" algn="l"/>
+                <a:tab pos="8686800" algn="l"/>
+                <a:tab pos="9144000" algn="l"/>
+                <a:tab pos="9410700" algn="l"/>
+              </a:tabLst>
+              <a:defRPr>
+                <a:solidFill>
+                  <a:srgbClr val="000000"/>
+                </a:solidFill>
+                <a:latin typeface="Arial" panose="020B0604020202020204" pitchFamily="34" charset="0"/>
+                <a:cs typeface="Arial" panose="020B0604020202020204" pitchFamily="34" charset="0"/>
+              </a:defRPr>
+            </a:lvl9pPr>
+          </a:lstStyle>
+          <a:p>
+            <a:pPr algn="l" rtl="0">
+              <a:spcBef>
+                <a:spcPts val="750"/>
+              </a:spcBef>
+            </a:pPr>
+            <a:r>
+              <a:rPr lang="en-US" altLang="en-US" sz="1600" dirty="0"/>
+              <a:t>RCV1 dataset with 5K features</a:t>
+            </a:r>
+            <a:r>
+              <a:rPr lang="en-US" altLang="en-US" sz="1600" dirty="0" smtClean="0"/>
+              <a:t>.</a:t>
+            </a:r>
+            <a:r>
+              <a:rPr lang="en-US" altLang="en-US" sz="1600" b="1" dirty="0" smtClean="0"/>
+              <a:t>(a)</a:t>
+            </a:r>
+            <a:r>
+              <a:rPr lang="en-US" altLang="en-US" sz="1600" dirty="0" smtClean="0"/>
+              <a:t> Precision </a:t>
+            </a:r>
+            <a:r>
+              <a:rPr lang="en-US" altLang="en-US" sz="1600" dirty="0"/>
+              <a:t>at 1, 3 and 5 nearest neighbor evaluated on the test set </a:t>
+            </a:r>
+            <a:r>
+              <a:rPr lang="en-US" altLang="en-US" sz="1600" i="1" dirty="0" smtClean="0"/>
+              <a:t>vs. </a:t>
+            </a:r>
+            <a:r>
+              <a:rPr lang="en-US" altLang="en-US" sz="1600" dirty="0" smtClean="0"/>
+              <a:t>the </a:t>
+            </a:r>
+            <a:r>
+              <a:rPr lang="en-US" altLang="en-US" sz="1600" dirty="0"/>
+              <a:t>mean training run time of COMET. Percentiles denote the density of the learned matrix. Error bars denote the standard error of the mean across 5 random train/test partitions (80\%/20\%). Dashed line denotes the </a:t>
+            </a:r>
+            <a:r>
+              <a:rPr lang="en-US" altLang="en-US" sz="1600" i="1" dirty="0" smtClean="0"/>
+              <a:t>precision-at-1</a:t>
+            </a:r>
+            <a:r>
+              <a:rPr lang="en-US" altLang="en-US" sz="1600" dirty="0" smtClean="0"/>
+              <a:t> </a:t>
+            </a:r>
+            <a:r>
+              <a:rPr lang="en-US" altLang="en-US" sz="1600" dirty="0"/>
+              <a:t>of the Euclidean baseline. </a:t>
+            </a:r>
+            <a:r>
+              <a:rPr lang="en-US" altLang="en-US" sz="1600" b="1" dirty="0" smtClean="0"/>
+              <a:t>(</a:t>
+            </a:r>
+            <a:r>
+              <a:rPr lang="en-US" altLang="en-US" sz="1600" b="1" dirty="0"/>
+              <a:t>b</a:t>
+            </a:r>
+            <a:r>
+              <a:rPr lang="en-US" altLang="en-US" sz="1600" b="1" dirty="0" smtClean="0"/>
+              <a:t>)</a:t>
+            </a:r>
+            <a:r>
+              <a:rPr lang="en-US" altLang="en-US" sz="1600" dirty="0" smtClean="0"/>
+              <a:t> </a:t>
+            </a:r>
+            <a:r>
+              <a:rPr lang="en-US" altLang="en-US" sz="1600" dirty="0"/>
+              <a:t>Mean training time as a function of the learned matrix density. Percentiles denote the </a:t>
+            </a:r>
+            <a:r>
+              <a:rPr lang="en-US" altLang="en-US" sz="1600" i="1" dirty="0" smtClean="0"/>
+              <a:t>Precision-at-1</a:t>
+            </a:r>
+            <a:endParaRPr lang="en-AU" altLang="en-US" sz="1600" i="1" dirty="0"/>
+          </a:p>
+        </p:txBody>
+      </p:sp>
     </p:spTree>
   </p:cSld>
   <p:clrMapOvr>

--- a/COMET_poster.pptx
+++ b/COMET_poster.pptx
@@ -4746,56 +4746,6 @@
       </p:sp>
       <p:sp>
         <p:nvSpPr>
-          <p:cNvPr id="6" name="Rectangle 5"/>
-          <p:cNvSpPr>
-            <a:spLocks noChangeArrowheads="1"/>
-          </p:cNvSpPr>
-          <p:nvPr/>
-        </p:nvSpPr>
-        <p:spPr bwMode="auto">
-          <a:xfrm>
-            <a:off x="4252242" y="-37567"/>
-            <a:ext cx="34700925" cy="3078545"/>
-          </a:xfrm>
-          <a:prstGeom prst="rect">
-            <a:avLst/>
-          </a:prstGeom>
-          <a:noFill/>
-          <a:ln w="9525">
-            <a:noFill/>
-            <a:miter lim="800000"/>
-            <a:headEnd/>
-            <a:tailEnd/>
-          </a:ln>
-          <a:effectLst/>
-        </p:spPr>
-        <p:txBody>
-          <a:bodyPr wrap="square" lIns="76973" tIns="38486" rIns="76973" bIns="38486" anchor="ctr">
-            <a:spAutoFit/>
-          </a:bodyPr>
-          <a:lstStyle/>
-          <a:p>
-            <a:pPr algn="ctr" rtl="0"/>
-            <a:r>
-              <a:rPr lang="en-US" b="1" dirty="0" smtClean="0"/>
-              <a:t>Learning</a:t>
-            </a:r>
-            <a:r>
-              <a:rPr lang="en-US" sz="11000" b="1" dirty="0" smtClean="0"/>
-              <a:t> Sparse Metrics</a:t>
-            </a:r>
-          </a:p>
-          <a:p>
-            <a:pPr algn="ctr" rtl="0"/>
-            <a:r>
-              <a:rPr lang="en-US" b="1" dirty="0" smtClean="0"/>
-              <a:t>One Feature at a Time - COMET</a:t>
-            </a:r>
-          </a:p>
-        </p:txBody>
-      </p:sp>
-      <p:sp>
-        <p:nvSpPr>
           <p:cNvPr id="7" name="Text Box 5"/>
           <p:cNvSpPr txBox="1">
             <a:spLocks noChangeArrowheads="1"/>
@@ -6561,7 +6511,7 @@
         <p:spPr>
           <a:xfrm>
             <a:off x="30963739" y="28299369"/>
-            <a:ext cx="11449272" cy="3770263"/>
+            <a:ext cx="11449272" cy="1554272"/>
           </a:xfrm>
           <a:prstGeom prst="rect">
             <a:avLst/>
@@ -6578,139 +6528,6 @@
             <a:endParaRPr lang="en-US" sz="900" dirty="0" smtClean="0"/>
           </a:p>
           <a:p>
-            <a:pPr marL="997140" indent="-457200" algn="l" rtl="0">
-              <a:buAutoNum type="arabicPeriod"/>
-            </a:pPr>
-            <a:r>
-              <a:rPr lang="en-US" sz="2400" dirty="0" err="1" smtClean="0"/>
-              <a:t>Hawrylycz</a:t>
-            </a:r>
-            <a:r>
-              <a:rPr lang="en-US" sz="2400" dirty="0" smtClean="0"/>
-              <a:t> et al., An </a:t>
-            </a:r>
-            <a:r>
-              <a:rPr lang="en-US" sz="2400" dirty="0"/>
-              <a:t>anatomically comprehensive atlas of the adult human </a:t>
-            </a:r>
-            <a:r>
-              <a:rPr lang="en-US" sz="2400" dirty="0" smtClean="0"/>
-              <a:t>brain transcriptome, </a:t>
-            </a:r>
-            <a:r>
-              <a:rPr lang="en-US" sz="2400" i="1" dirty="0" smtClean="0"/>
-              <a:t>Nature </a:t>
-            </a:r>
-            <a:r>
-              <a:rPr lang="en-US" sz="2400" dirty="0" smtClean="0"/>
-              <a:t>2012</a:t>
-            </a:r>
-          </a:p>
-          <a:p>
-            <a:pPr marL="997140" indent="-457200" algn="l" rtl="0">
-              <a:buAutoNum type="arabicPeriod"/>
-            </a:pPr>
-            <a:r>
-              <a:rPr lang="en-US" sz="2400" dirty="0" smtClean="0"/>
-              <a:t>Kang et al., </a:t>
-            </a:r>
-            <a:r>
-              <a:rPr lang="en-US" sz="2400" dirty="0" err="1" smtClean="0"/>
-              <a:t>Spatio</a:t>
-            </a:r>
-            <a:r>
-              <a:rPr lang="en-US" sz="2400" dirty="0" smtClean="0"/>
-              <a:t>-temporal </a:t>
-            </a:r>
-            <a:r>
-              <a:rPr lang="en-US" sz="2400" dirty="0"/>
-              <a:t>transcriptome of the human </a:t>
-            </a:r>
-            <a:r>
-              <a:rPr lang="en-US" sz="2400" dirty="0" smtClean="0"/>
-              <a:t>brain, </a:t>
-            </a:r>
-            <a:r>
-              <a:rPr lang="en-US" sz="2400" i="1" dirty="0" smtClean="0"/>
-              <a:t>Nature</a:t>
-            </a:r>
-            <a:r>
-              <a:rPr lang="en-US" sz="2400" dirty="0" smtClean="0"/>
-              <a:t> 2011</a:t>
-            </a:r>
-          </a:p>
-          <a:p>
-            <a:pPr marL="997140" indent="-457200" algn="l" rtl="0">
-              <a:buAutoNum type="arabicPeriod"/>
-            </a:pPr>
-            <a:r>
-              <a:rPr lang="en-US" sz="2400" dirty="0" err="1" smtClean="0"/>
-              <a:t>Cahoy</a:t>
-            </a:r>
-            <a:r>
-              <a:rPr lang="en-US" sz="2400" dirty="0" smtClean="0"/>
-              <a:t> et al., A </a:t>
-            </a:r>
-            <a:r>
-              <a:rPr lang="en-US" sz="2400" dirty="0"/>
-              <a:t>transcriptome database for astrocytes, neurons, and </a:t>
-            </a:r>
-            <a:r>
-              <a:rPr lang="en-US" sz="2400" dirty="0" err="1" smtClean="0"/>
-              <a:t>oligodendrocytes</a:t>
-            </a:r>
-            <a:r>
-              <a:rPr lang="en-US" sz="2400" dirty="0" smtClean="0"/>
-              <a:t>, </a:t>
-            </a:r>
-            <a:r>
-              <a:rPr lang="en-US" sz="2400" i="1" dirty="0" smtClean="0"/>
-              <a:t>J. neuroscience </a:t>
-            </a:r>
-            <a:r>
-              <a:rPr lang="en-US" sz="2400" dirty="0" smtClean="0"/>
-              <a:t> 2008.</a:t>
-            </a:r>
-          </a:p>
-          <a:p>
-            <a:pPr marL="997140" indent="-457200" algn="l" rtl="0">
-              <a:buAutoNum type="arabicPeriod"/>
-            </a:pPr>
-            <a:r>
-              <a:rPr lang="en-US" sz="2400" dirty="0" smtClean="0"/>
-              <a:t>Eisenberg et al., Human </a:t>
-            </a:r>
-            <a:r>
-              <a:rPr lang="en-US" sz="2400" dirty="0"/>
-              <a:t>housekeeping genes are </a:t>
-            </a:r>
-            <a:r>
-              <a:rPr lang="en-US" sz="2400" dirty="0" smtClean="0"/>
-              <a:t>compact, </a:t>
-            </a:r>
-            <a:r>
-              <a:rPr lang="en-US" sz="2400" i="1" dirty="0" smtClean="0"/>
-              <a:t>Trends </a:t>
-            </a:r>
-            <a:r>
-              <a:rPr lang="en-US" sz="2400" i="1" dirty="0"/>
-              <a:t>in </a:t>
-            </a:r>
-            <a:r>
-              <a:rPr lang="en-US" sz="2400" i="1" dirty="0" smtClean="0"/>
-              <a:t>genetics</a:t>
-            </a:r>
-            <a:r>
-              <a:rPr lang="en-US" sz="2400" dirty="0" smtClean="0"/>
-              <a:t>. </a:t>
-            </a:r>
-            <a:r>
-              <a:rPr lang="en-US" sz="2400" dirty="0"/>
-              <a:t>2003</a:t>
-            </a:r>
-            <a:endParaRPr lang="en-US" sz="2400" dirty="0" smtClean="0"/>
-          </a:p>
-          <a:p>
             <a:pPr marL="539940" indent="-539940" algn="l" rtl="0">
               <a:buFont typeface="+mj-lt"/>
               <a:buAutoNum type="arabicPeriod"/>
@@ -6721,10 +6538,14 @@
             <a:pPr marL="539940" indent="-539940" algn="l" rtl="0"/>
             <a:r>
               <a:rPr lang="en-US" sz="3600" b="1" dirty="0" smtClean="0"/>
-              <a:t>	Contact</a:t>
-            </a:r>
-            <a:r>
-              <a:rPr lang="en-US" sz="3600" dirty="0" smtClean="0"/>
+              <a:t>	</a:t>
+            </a:r>
+            <a:r>
+              <a:rPr lang="en-US" sz="3600" b="1" smtClean="0"/>
+              <a:t>Contact and code</a:t>
+            </a:r>
+            <a:r>
+              <a:rPr lang="en-US" sz="3600" smtClean="0"/>
               <a:t>: </a:t>
             </a:r>
             <a:r>
@@ -10872,6 +10693,615 @@
           </a:p>
         </p:txBody>
       </p:sp>
+      <p:pic>
+        <p:nvPicPr>
+          <p:cNvPr id="1026" name="Picture 2" descr="http://chechiklab.biu.ac.il/~yuvval/figs/comet/V_features_vs_infogain.png"/>
+          <p:cNvPicPr>
+            <a:picLocks noChangeAspect="1" noChangeArrowheads="1"/>
+          </p:cNvPicPr>
+          <p:nvPr/>
+        </p:nvPicPr>
+        <p:blipFill rotWithShape="1">
+          <a:blip r:embed="rId24">
+            <a:extLst>
+              <a:ext uri="{28A0092B-C50C-407E-A947-70E740481C1C}">
+                <a14:useLocalDpi xmlns:a14="http://schemas.microsoft.com/office/drawing/2010/main" val="0"/>
+              </a:ext>
+            </a:extLst>
+          </a:blip>
+          <a:srcRect l="10612" t="10203" r="15050" b="1598"/>
+          <a:stretch/>
+        </p:blipFill>
+        <p:spPr bwMode="auto">
+          <a:xfrm>
+            <a:off x="32278072" y="23788480"/>
+            <a:ext cx="4752528" cy="4228945"/>
+          </a:xfrm>
+          <a:prstGeom prst="rect">
+            <a:avLst/>
+          </a:prstGeom>
+          <a:noFill/>
+          <a:extLst>
+            <a:ext uri="{909E8E84-426E-40DD-AFC4-6F175D3DCCD1}">
+              <a14:hiddenFill xmlns:a14="http://schemas.microsoft.com/office/drawing/2010/main">
+                <a:solidFill>
+                  <a:srgbClr val="FFFFFF"/>
+                </a:solidFill>
+              </a14:hiddenFill>
+            </a:ext>
+          </a:extLst>
+        </p:spPr>
+      </p:pic>
+      <p:sp>
+        <p:nvSpPr>
+          <p:cNvPr id="38" name="Rectangle 37"/>
+          <p:cNvSpPr>
+            <a:spLocks noChangeArrowheads="1"/>
+          </p:cNvSpPr>
+          <p:nvPr/>
+        </p:nvSpPr>
+        <p:spPr bwMode="auto">
+          <a:xfrm>
+            <a:off x="4252237" y="-245193"/>
+            <a:ext cx="34700925" cy="3078545"/>
+          </a:xfrm>
+          <a:prstGeom prst="rect">
+            <a:avLst/>
+          </a:prstGeom>
+          <a:noFill/>
+          <a:ln w="9525">
+            <a:noFill/>
+            <a:miter lim="800000"/>
+            <a:headEnd/>
+            <a:tailEnd/>
+          </a:ln>
+          <a:effectLst/>
+        </p:spPr>
+        <p:txBody>
+          <a:bodyPr wrap="square" lIns="76973" tIns="38486" rIns="76973" bIns="38486" anchor="ctr">
+            <a:spAutoFit/>
+          </a:bodyPr>
+          <a:lstStyle/>
+          <a:p>
+            <a:pPr algn="ctr" rtl="0"/>
+            <a:r>
+              <a:rPr lang="en-US" b="1" dirty="0" smtClean="0"/>
+              <a:t>Learning</a:t>
+            </a:r>
+            <a:r>
+              <a:rPr lang="en-US" sz="11000" b="1" dirty="0" smtClean="0"/>
+              <a:t> Sparse Metrics</a:t>
+            </a:r>
+          </a:p>
+          <a:p>
+            <a:pPr algn="ctr" rtl="0"/>
+            <a:r>
+              <a:rPr lang="en-US" b="1" dirty="0" smtClean="0"/>
+              <a:t>One Feature at a Time - COMET</a:t>
+            </a:r>
+          </a:p>
+        </p:txBody>
+      </p:sp>
+      <mc:AlternateContent xmlns:mc="http://schemas.openxmlformats.org/markup-compatibility/2006">
+        <mc:Choice xmlns:a14="http://schemas.microsoft.com/office/drawing/2010/main" Requires="a14">
+          <p:sp>
+            <p:nvSpPr>
+              <p:cNvPr id="39" name="Text Box 115"/>
+              <p:cNvSpPr txBox="1">
+                <a:spLocks noChangeArrowheads="1"/>
+              </p:cNvSpPr>
+              <p:nvPr/>
+            </p:nvSpPr>
+            <p:spPr bwMode="auto">
+              <a:xfrm>
+                <a:off x="37498100" y="23912883"/>
+                <a:ext cx="4369549" cy="1079399"/>
+              </a:xfrm>
+              <a:prstGeom prst="rect">
+                <a:avLst/>
+              </a:prstGeom>
+              <a:solidFill>
+                <a:srgbClr val="FFFFFF"/>
+              </a:solidFill>
+              <a:ln>
+                <a:noFill/>
+              </a:ln>
+              <a:effectLst/>
+              <a:extLst>
+                <a:ext uri="{91240B29-F687-4F45-9708-019B960494DF}">
+                  <a14:hiddenLine w="9525">
+                    <a:solidFill>
+                      <a:srgbClr val="000000"/>
+                    </a:solidFill>
+                    <a:round/>
+                    <a:headEnd/>
+                    <a:tailEnd/>
+                  </a14:hiddenLine>
+                </a:ext>
+                <a:ext uri="{AF507438-7753-43E0-B8FC-AC1667EBCBE1}">
+                  <a14:hiddenEffects>
+                    <a:effectLst>
+                      <a:outerShdw dist="35921" dir="2700000" algn="ctr" rotWithShape="0">
+                        <a:srgbClr val="808080"/>
+                      </a:outerShdw>
+                    </a:effectLst>
+                  </a14:hiddenEffects>
+                </a:ext>
+              </a:extLst>
+            </p:spPr>
+            <p:txBody>
+              <a:bodyPr wrap="square" lIns="90000" tIns="46800" rIns="90000" bIns="46800">
+                <a:spAutoFit/>
+              </a:bodyPr>
+              <a:lstStyle>
+                <a:lvl1pPr>
+                  <a:tabLst>
+                    <a:tab pos="0" algn="l"/>
+                    <a:tab pos="457200" algn="l"/>
+                    <a:tab pos="914400" algn="l"/>
+                    <a:tab pos="1371600" algn="l"/>
+                    <a:tab pos="1828800" algn="l"/>
+                    <a:tab pos="2286000" algn="l"/>
+                    <a:tab pos="2743200" algn="l"/>
+                    <a:tab pos="3200400" algn="l"/>
+                    <a:tab pos="3657600" algn="l"/>
+                    <a:tab pos="4114800" algn="l"/>
+                    <a:tab pos="4572000" algn="l"/>
+                    <a:tab pos="5029200" algn="l"/>
+                    <a:tab pos="5486400" algn="l"/>
+                    <a:tab pos="5943600" algn="l"/>
+                    <a:tab pos="6400800" algn="l"/>
+                    <a:tab pos="6858000" algn="l"/>
+                    <a:tab pos="7315200" algn="l"/>
+                    <a:tab pos="7772400" algn="l"/>
+                    <a:tab pos="8229600" algn="l"/>
+                    <a:tab pos="8686800" algn="l"/>
+                    <a:tab pos="9144000" algn="l"/>
+                    <a:tab pos="9410700" algn="l"/>
+                  </a:tabLst>
+                  <a:defRPr>
+                    <a:solidFill>
+                      <a:srgbClr val="000000"/>
+                    </a:solidFill>
+                    <a:latin typeface="Arial" panose="020B0604020202020204" pitchFamily="34" charset="0"/>
+                    <a:cs typeface="Arial" panose="020B0604020202020204" pitchFamily="34" charset="0"/>
+                  </a:defRPr>
+                </a:lvl1pPr>
+                <a:lvl2pPr>
+                  <a:tabLst>
+                    <a:tab pos="0" algn="l"/>
+                    <a:tab pos="457200" algn="l"/>
+                    <a:tab pos="914400" algn="l"/>
+                    <a:tab pos="1371600" algn="l"/>
+                    <a:tab pos="1828800" algn="l"/>
+                    <a:tab pos="2286000" algn="l"/>
+                    <a:tab pos="2743200" algn="l"/>
+                    <a:tab pos="3200400" algn="l"/>
+                    <a:tab pos="3657600" algn="l"/>
+                    <a:tab pos="4114800" algn="l"/>
+                    <a:tab pos="4572000" algn="l"/>
+                    <a:tab pos="5029200" algn="l"/>
+                    <a:tab pos="5486400" algn="l"/>
+                    <a:tab pos="5943600" algn="l"/>
+                    <a:tab pos="6400800" algn="l"/>
+                    <a:tab pos="6858000" algn="l"/>
+                    <a:tab pos="7315200" algn="l"/>
+                    <a:tab pos="7772400" algn="l"/>
+                    <a:tab pos="8229600" algn="l"/>
+                    <a:tab pos="8686800" algn="l"/>
+                    <a:tab pos="9144000" algn="l"/>
+                    <a:tab pos="9410700" algn="l"/>
+                  </a:tabLst>
+                  <a:defRPr>
+                    <a:solidFill>
+                      <a:srgbClr val="000000"/>
+                    </a:solidFill>
+                    <a:latin typeface="Arial" panose="020B0604020202020204" pitchFamily="34" charset="0"/>
+                    <a:cs typeface="Arial" panose="020B0604020202020204" pitchFamily="34" charset="0"/>
+                  </a:defRPr>
+                </a:lvl2pPr>
+                <a:lvl3pPr>
+                  <a:tabLst>
+                    <a:tab pos="0" algn="l"/>
+                    <a:tab pos="457200" algn="l"/>
+                    <a:tab pos="914400" algn="l"/>
+                    <a:tab pos="1371600" algn="l"/>
+                    <a:tab pos="1828800" algn="l"/>
+                    <a:tab pos="2286000" algn="l"/>
+                    <a:tab pos="2743200" algn="l"/>
+                    <a:tab pos="3200400" algn="l"/>
+                    <a:tab pos="3657600" algn="l"/>
+                    <a:tab pos="4114800" algn="l"/>
+                    <a:tab pos="4572000" algn="l"/>
+                    <a:tab pos="5029200" algn="l"/>
+                    <a:tab pos="5486400" algn="l"/>
+                    <a:tab pos="5943600" algn="l"/>
+                    <a:tab pos="6400800" algn="l"/>
+                    <a:tab pos="6858000" algn="l"/>
+                    <a:tab pos="7315200" algn="l"/>
+                    <a:tab pos="7772400" algn="l"/>
+                    <a:tab pos="8229600" algn="l"/>
+                    <a:tab pos="8686800" algn="l"/>
+                    <a:tab pos="9144000" algn="l"/>
+                    <a:tab pos="9410700" algn="l"/>
+                  </a:tabLst>
+                  <a:defRPr>
+                    <a:solidFill>
+                      <a:srgbClr val="000000"/>
+                    </a:solidFill>
+                    <a:latin typeface="Arial" panose="020B0604020202020204" pitchFamily="34" charset="0"/>
+                    <a:cs typeface="Arial" panose="020B0604020202020204" pitchFamily="34" charset="0"/>
+                  </a:defRPr>
+                </a:lvl3pPr>
+                <a:lvl4pPr>
+                  <a:tabLst>
+                    <a:tab pos="0" algn="l"/>
+                    <a:tab pos="457200" algn="l"/>
+                    <a:tab pos="914400" algn="l"/>
+                    <a:tab pos="1371600" algn="l"/>
+                    <a:tab pos="1828800" algn="l"/>
+                    <a:tab pos="2286000" algn="l"/>
+                    <a:tab pos="2743200" algn="l"/>
+                    <a:tab pos="3200400" algn="l"/>
+                    <a:tab pos="3657600" algn="l"/>
+                    <a:tab pos="4114800" algn="l"/>
+                    <a:tab pos="4572000" algn="l"/>
+                    <a:tab pos="5029200" algn="l"/>
+                    <a:tab pos="5486400" algn="l"/>
+                    <a:tab pos="5943600" algn="l"/>
+                    <a:tab pos="6400800" algn="l"/>
+                    <a:tab pos="6858000" algn="l"/>
+                    <a:tab pos="7315200" algn="l"/>
+                    <a:tab pos="7772400" algn="l"/>
+                    <a:tab pos="8229600" algn="l"/>
+                    <a:tab pos="8686800" algn="l"/>
+                    <a:tab pos="9144000" algn="l"/>
+                    <a:tab pos="9410700" algn="l"/>
+                  </a:tabLst>
+                  <a:defRPr>
+                    <a:solidFill>
+                      <a:srgbClr val="000000"/>
+                    </a:solidFill>
+                    <a:latin typeface="Arial" panose="020B0604020202020204" pitchFamily="34" charset="0"/>
+                    <a:cs typeface="Arial" panose="020B0604020202020204" pitchFamily="34" charset="0"/>
+                  </a:defRPr>
+                </a:lvl4pPr>
+                <a:lvl5pPr>
+                  <a:tabLst>
+                    <a:tab pos="0" algn="l"/>
+                    <a:tab pos="457200" algn="l"/>
+                    <a:tab pos="914400" algn="l"/>
+                    <a:tab pos="1371600" algn="l"/>
+                    <a:tab pos="1828800" algn="l"/>
+                    <a:tab pos="2286000" algn="l"/>
+                    <a:tab pos="2743200" algn="l"/>
+                    <a:tab pos="3200400" algn="l"/>
+                    <a:tab pos="3657600" algn="l"/>
+                    <a:tab pos="4114800" algn="l"/>
+                    <a:tab pos="4572000" algn="l"/>
+                    <a:tab pos="5029200" algn="l"/>
+                    <a:tab pos="5486400" algn="l"/>
+                    <a:tab pos="5943600" algn="l"/>
+                    <a:tab pos="6400800" algn="l"/>
+                    <a:tab pos="6858000" algn="l"/>
+                    <a:tab pos="7315200" algn="l"/>
+                    <a:tab pos="7772400" algn="l"/>
+                    <a:tab pos="8229600" algn="l"/>
+                    <a:tab pos="8686800" algn="l"/>
+                    <a:tab pos="9144000" algn="l"/>
+                    <a:tab pos="9410700" algn="l"/>
+                  </a:tabLst>
+                  <a:defRPr>
+                    <a:solidFill>
+                      <a:srgbClr val="000000"/>
+                    </a:solidFill>
+                    <a:latin typeface="Arial" panose="020B0604020202020204" pitchFamily="34" charset="0"/>
+                    <a:cs typeface="Arial" panose="020B0604020202020204" pitchFamily="34" charset="0"/>
+                  </a:defRPr>
+                </a:lvl5pPr>
+                <a:lvl6pPr defTabSz="457200" fontAlgn="base">
+                  <a:spcBef>
+                    <a:spcPct val="0"/>
+                  </a:spcBef>
+                  <a:spcAft>
+                    <a:spcPct val="0"/>
+                  </a:spcAft>
+                  <a:buClr>
+                    <a:srgbClr val="000000"/>
+                  </a:buClr>
+                  <a:buSzPct val="100000"/>
+                  <a:buFont typeface="Arial" panose="020B0604020202020204" pitchFamily="34" charset="0"/>
+                  <a:tabLst>
+                    <a:tab pos="0" algn="l"/>
+                    <a:tab pos="457200" algn="l"/>
+                    <a:tab pos="914400" algn="l"/>
+                    <a:tab pos="1371600" algn="l"/>
+                    <a:tab pos="1828800" algn="l"/>
+                    <a:tab pos="2286000" algn="l"/>
+                    <a:tab pos="2743200" algn="l"/>
+                    <a:tab pos="3200400" algn="l"/>
+                    <a:tab pos="3657600" algn="l"/>
+                    <a:tab pos="4114800" algn="l"/>
+                    <a:tab pos="4572000" algn="l"/>
+                    <a:tab pos="5029200" algn="l"/>
+                    <a:tab pos="5486400" algn="l"/>
+                    <a:tab pos="5943600" algn="l"/>
+                    <a:tab pos="6400800" algn="l"/>
+                    <a:tab pos="6858000" algn="l"/>
+                    <a:tab pos="7315200" algn="l"/>
+                    <a:tab pos="7772400" algn="l"/>
+                    <a:tab pos="8229600" algn="l"/>
+                    <a:tab pos="8686800" algn="l"/>
+                    <a:tab pos="9144000" algn="l"/>
+                    <a:tab pos="9410700" algn="l"/>
+                  </a:tabLst>
+                  <a:defRPr>
+                    <a:solidFill>
+                      <a:srgbClr val="000000"/>
+                    </a:solidFill>
+                    <a:latin typeface="Arial" panose="020B0604020202020204" pitchFamily="34" charset="0"/>
+                    <a:cs typeface="Arial" panose="020B0604020202020204" pitchFamily="34" charset="0"/>
+                  </a:defRPr>
+                </a:lvl6pPr>
+                <a:lvl7pPr defTabSz="457200" fontAlgn="base">
+                  <a:spcBef>
+                    <a:spcPct val="0"/>
+                  </a:spcBef>
+                  <a:spcAft>
+                    <a:spcPct val="0"/>
+                  </a:spcAft>
+                  <a:buClr>
+                    <a:srgbClr val="000000"/>
+                  </a:buClr>
+                  <a:buSzPct val="100000"/>
+                  <a:buFont typeface="Arial" panose="020B0604020202020204" pitchFamily="34" charset="0"/>
+                  <a:tabLst>
+                    <a:tab pos="0" algn="l"/>
+                    <a:tab pos="457200" algn="l"/>
+                    <a:tab pos="914400" algn="l"/>
+                    <a:tab pos="1371600" algn="l"/>
+                    <a:tab pos="1828800" algn="l"/>
+                    <a:tab pos="2286000" algn="l"/>
+                    <a:tab pos="2743200" algn="l"/>
+                    <a:tab pos="3200400" algn="l"/>
+                    <a:tab pos="3657600" algn="l"/>
+                    <a:tab pos="4114800" algn="l"/>
+                    <a:tab pos="4572000" algn="l"/>
+                    <a:tab pos="5029200" algn="l"/>
+                    <a:tab pos="5486400" algn="l"/>
+                    <a:tab pos="5943600" algn="l"/>
+                    <a:tab pos="6400800" algn="l"/>
+                    <a:tab pos="6858000" algn="l"/>
+                    <a:tab pos="7315200" algn="l"/>
+                    <a:tab pos="7772400" algn="l"/>
+                    <a:tab pos="8229600" algn="l"/>
+                    <a:tab pos="8686800" algn="l"/>
+                    <a:tab pos="9144000" algn="l"/>
+                    <a:tab pos="9410700" algn="l"/>
+                  </a:tabLst>
+                  <a:defRPr>
+                    <a:solidFill>
+                      <a:srgbClr val="000000"/>
+                    </a:solidFill>
+                    <a:latin typeface="Arial" panose="020B0604020202020204" pitchFamily="34" charset="0"/>
+                    <a:cs typeface="Arial" panose="020B0604020202020204" pitchFamily="34" charset="0"/>
+                  </a:defRPr>
+                </a:lvl7pPr>
+                <a:lvl8pPr defTabSz="457200" fontAlgn="base">
+                  <a:spcBef>
+                    <a:spcPct val="0"/>
+                  </a:spcBef>
+                  <a:spcAft>
+                    <a:spcPct val="0"/>
+                  </a:spcAft>
+                  <a:buClr>
+                    <a:srgbClr val="000000"/>
+                  </a:buClr>
+                  <a:buSzPct val="100000"/>
+                  <a:buFont typeface="Arial" panose="020B0604020202020204" pitchFamily="34" charset="0"/>
+                  <a:tabLst>
+                    <a:tab pos="0" algn="l"/>
+                    <a:tab pos="457200" algn="l"/>
+                    <a:tab pos="914400" algn="l"/>
+                    <a:tab pos="1371600" algn="l"/>
+                    <a:tab pos="1828800" algn="l"/>
+                    <a:tab pos="2286000" algn="l"/>
+                    <a:tab pos="2743200" algn="l"/>
+                    <a:tab pos="3200400" algn="l"/>
+                    <a:tab pos="3657600" algn="l"/>
+                    <a:tab pos="4114800" algn="l"/>
+                    <a:tab pos="4572000" algn="l"/>
+                    <a:tab pos="5029200" algn="l"/>
+                    <a:tab pos="5486400" algn="l"/>
+                    <a:tab pos="5943600" algn="l"/>
+                    <a:tab pos="6400800" algn="l"/>
+                    <a:tab pos="6858000" algn="l"/>
+                    <a:tab pos="7315200" algn="l"/>
+                    <a:tab pos="7772400" algn="l"/>
+                    <a:tab pos="8229600" algn="l"/>
+                    <a:tab pos="8686800" algn="l"/>
+                    <a:tab pos="9144000" algn="l"/>
+                    <a:tab pos="9410700" algn="l"/>
+                  </a:tabLst>
+                  <a:defRPr>
+                    <a:solidFill>
+                      <a:srgbClr val="000000"/>
+                    </a:solidFill>
+                    <a:latin typeface="Arial" panose="020B0604020202020204" pitchFamily="34" charset="0"/>
+                    <a:cs typeface="Arial" panose="020B0604020202020204" pitchFamily="34" charset="0"/>
+                  </a:defRPr>
+                </a:lvl8pPr>
+                <a:lvl9pPr defTabSz="457200" fontAlgn="base">
+                  <a:spcBef>
+                    <a:spcPct val="0"/>
+                  </a:spcBef>
+                  <a:spcAft>
+                    <a:spcPct val="0"/>
+                  </a:spcAft>
+                  <a:buClr>
+                    <a:srgbClr val="000000"/>
+                  </a:buClr>
+                  <a:buSzPct val="100000"/>
+                  <a:buFont typeface="Arial" panose="020B0604020202020204" pitchFamily="34" charset="0"/>
+                  <a:tabLst>
+                    <a:tab pos="0" algn="l"/>
+                    <a:tab pos="457200" algn="l"/>
+                    <a:tab pos="914400" algn="l"/>
+                    <a:tab pos="1371600" algn="l"/>
+                    <a:tab pos="1828800" algn="l"/>
+                    <a:tab pos="2286000" algn="l"/>
+                    <a:tab pos="2743200" algn="l"/>
+                    <a:tab pos="3200400" algn="l"/>
+                    <a:tab pos="3657600" algn="l"/>
+                    <a:tab pos="4114800" algn="l"/>
+                    <a:tab pos="4572000" algn="l"/>
+                    <a:tab pos="5029200" algn="l"/>
+                    <a:tab pos="5486400" algn="l"/>
+                    <a:tab pos="5943600" algn="l"/>
+                    <a:tab pos="6400800" algn="l"/>
+                    <a:tab pos="6858000" algn="l"/>
+                    <a:tab pos="7315200" algn="l"/>
+                    <a:tab pos="7772400" algn="l"/>
+                    <a:tab pos="8229600" algn="l"/>
+                    <a:tab pos="8686800" algn="l"/>
+                    <a:tab pos="9144000" algn="l"/>
+                    <a:tab pos="9410700" algn="l"/>
+                  </a:tabLst>
+                  <a:defRPr>
+                    <a:solidFill>
+                      <a:srgbClr val="000000"/>
+                    </a:solidFill>
+                    <a:latin typeface="Arial" panose="020B0604020202020204" pitchFamily="34" charset="0"/>
+                    <a:cs typeface="Arial" panose="020B0604020202020204" pitchFamily="34" charset="0"/>
+                  </a:defRPr>
+                </a:lvl9pPr>
+              </a:lstStyle>
+              <a:p>
+                <a:pPr algn="l" rtl="0">
+                  <a:spcBef>
+                    <a:spcPts val="750"/>
+                  </a:spcBef>
+                </a:pPr>
+                <a:r>
+                  <a:rPr lang="en-US" sz="1600" dirty="0" err="1" smtClean="0"/>
+                  <a:t>Frob</a:t>
+                </a:r>
+                <a:r>
+                  <a:rPr lang="en-US" sz="1600" dirty="0" smtClean="0"/>
+                  <a:t>. </a:t>
+                </a:r>
+                <a:r>
+                  <a:rPr lang="en-US" sz="1600" dirty="0"/>
+                  <a:t>norm of the groups </a:t>
+                </a:r>
+                <a14:m>
+                  <m:oMath xmlns:m="http://schemas.openxmlformats.org/officeDocument/2006/math">
+                    <m:sSub>
+                      <m:sSubPr>
+                        <m:ctrlPr>
+                          <a:rPr lang="en-US" sz="1600" i="1"/>
+                        </m:ctrlPr>
+                      </m:sSubPr>
+                      <m:e>
+                        <m:r>
+                          <a:rPr lang="en-US" sz="1600" i="1"/>
+                          <m:t>𝑉</m:t>
+                        </m:r>
+                      </m:e>
+                      <m:sub>
+                        <m:r>
+                          <a:rPr lang="en-US" sz="1600" i="1"/>
+                          <m:t>𝑘</m:t>
+                        </m:r>
+                      </m:sub>
+                    </m:sSub>
+                  </m:oMath>
+                </a14:m>
+                <a:r>
+                  <a:rPr lang="en-US" sz="1600" dirty="0"/>
+                  <a:t> against the information gain of feature </a:t>
+                </a:r>
+                <a14:m>
+                  <m:oMath xmlns:m="http://schemas.openxmlformats.org/officeDocument/2006/math">
+                    <m:r>
+                      <a:rPr lang="en-US" sz="1600" i="1"/>
+                      <m:t>𝑘</m:t>
+                    </m:r>
+                  </m:oMath>
+                </a14:m>
+                <a:r>
+                  <a:rPr lang="en-US" sz="1600" dirty="0"/>
+                  <a:t>. Sparse COMET assigns zero weights to less-informative features.</a:t>
+                </a:r>
+                <a:endParaRPr lang="en-AU" altLang="en-US" sz="1600" dirty="0"/>
+              </a:p>
+            </p:txBody>
+          </p:sp>
+        </mc:Choice>
+        <mc:Fallback>
+          <p:sp>
+            <p:nvSpPr>
+              <p:cNvPr id="39" name="Text Box 115"/>
+              <p:cNvSpPr txBox="1">
+                <a:spLocks noRot="1" noChangeAspect="1" noMove="1" noResize="1" noEditPoints="1" noAdjustHandles="1" noChangeArrowheads="1" noChangeShapeType="1" noTextEdit="1"/>
+              </p:cNvSpPr>
+              <p:nvPr/>
+            </p:nvSpPr>
+            <p:spPr bwMode="auto">
+              <a:xfrm>
+                <a:off x="37498100" y="23912883"/>
+                <a:ext cx="4369549" cy="1079399"/>
+              </a:xfrm>
+              <a:prstGeom prst="rect">
+                <a:avLst/>
+              </a:prstGeom>
+              <a:blipFill rotWithShape="0">
+                <a:blip r:embed="rId25"/>
+                <a:stretch>
+                  <a:fillRect l="-697" t="-1695" b="-6215"/>
+                </a:stretch>
+              </a:blipFill>
+              <a:ln>
+                <a:noFill/>
+              </a:ln>
+              <a:effectLst/>
+              <a:extLst>
+                <a:ext uri="{91240B29-F687-4F45-9708-019B960494DF}">
+                  <a14:hiddenLine xmlns:a14="http://schemas.microsoft.com/office/drawing/2010/main" w="9525">
+                    <a:solidFill>
+                      <a:srgbClr val="000000"/>
+                    </a:solidFill>
+                    <a:round/>
+                    <a:headEnd/>
+                    <a:tailEnd/>
+                  </a14:hiddenLine>
+                </a:ext>
+                <a:ext uri="{AF507438-7753-43E0-B8FC-AC1667EBCBE1}">
+                  <a14:hiddenEffects xmlns:a14="http://schemas.microsoft.com/office/drawing/2010/main">
+                    <a:effectLst>
+                      <a:outerShdw dist="35921" dir="2700000" algn="ctr" rotWithShape="0">
+                        <a:srgbClr val="808080"/>
+                      </a:outerShdw>
+                    </a:effectLst>
+                  </a14:hiddenEffects>
+                </a:ext>
+              </a:extLst>
+            </p:spPr>
+            <p:txBody>
+              <a:bodyPr/>
+              <a:lstStyle/>
+              <a:p>
+                <a:r>
+                  <a:rPr lang="en-US">
+                    <a:noFill/>
+                  </a:rPr>
+                  <a:t> </a:t>
+                </a:r>
+              </a:p>
+            </p:txBody>
+          </p:sp>
+        </mc:Fallback>
+      </mc:AlternateContent>
     </p:spTree>
   </p:cSld>
   <p:clrMapOvr>

--- a/COMET_poster.pptx
+++ b/COMET_poster.pptx
@@ -6541,11 +6541,11 @@
               <a:t>	</a:t>
             </a:r>
             <a:r>
-              <a:rPr lang="en-US" sz="3600" b="1" smtClean="0"/>
+              <a:rPr lang="en-US" sz="3600" b="1" dirty="0" smtClean="0"/>
               <a:t>Contact and code</a:t>
             </a:r>
             <a:r>
-              <a:rPr lang="en-US" sz="3600" smtClean="0"/>
+              <a:rPr lang="en-US" sz="3600" dirty="0" smtClean="0"/>
               <a:t>: </a:t>
             </a:r>
             <a:r>
@@ -11184,11 +11184,11 @@
                 </a:pPr>
                 <a:r>
                   <a:rPr lang="en-US" sz="1600" dirty="0" err="1" smtClean="0"/>
-                  <a:t>Frob</a:t>
+                  <a:t>Frobenius</a:t>
                 </a:r>
                 <a:r>
                   <a:rPr lang="en-US" sz="1600" dirty="0" smtClean="0"/>
-                  <a:t>. </a:t>
+                  <a:t> </a:t>
                 </a:r>
                 <a:r>
                   <a:rPr lang="en-US" sz="1600" dirty="0"/>
@@ -11259,6 +11259,495 @@
                 <a:blip r:embed="rId25"/>
                 <a:stretch>
                   <a:fillRect l="-697" t="-1695" b="-6215"/>
+                </a:stretch>
+              </a:blipFill>
+              <a:ln>
+                <a:noFill/>
+              </a:ln>
+              <a:effectLst/>
+              <a:extLst>
+                <a:ext uri="{91240B29-F687-4F45-9708-019B960494DF}">
+                  <a14:hiddenLine xmlns:a14="http://schemas.microsoft.com/office/drawing/2010/main" w="9525">
+                    <a:solidFill>
+                      <a:srgbClr val="000000"/>
+                    </a:solidFill>
+                    <a:round/>
+                    <a:headEnd/>
+                    <a:tailEnd/>
+                  </a14:hiddenLine>
+                </a:ext>
+                <a:ext uri="{AF507438-7753-43E0-B8FC-AC1667EBCBE1}">
+                  <a14:hiddenEffects xmlns:a14="http://schemas.microsoft.com/office/drawing/2010/main">
+                    <a:effectLst>
+                      <a:outerShdw dist="35921" dir="2700000" algn="ctr" rotWithShape="0">
+                        <a:srgbClr val="808080"/>
+                      </a:outerShdw>
+                    </a:effectLst>
+                  </a14:hiddenEffects>
+                </a:ext>
+              </a:extLst>
+            </p:spPr>
+            <p:txBody>
+              <a:bodyPr/>
+              <a:lstStyle/>
+              <a:p>
+                <a:r>
+                  <a:rPr lang="en-US">
+                    <a:noFill/>
+                  </a:rPr>
+                  <a:t> </a:t>
+                </a:r>
+              </a:p>
+            </p:txBody>
+          </p:sp>
+        </mc:Fallback>
+      </mc:AlternateContent>
+      <mc:AlternateContent xmlns:mc="http://schemas.openxmlformats.org/markup-compatibility/2006">
+        <mc:Choice xmlns:a14="http://schemas.microsoft.com/office/drawing/2010/main" Requires="a14">
+          <p:sp>
+            <p:nvSpPr>
+              <p:cNvPr id="40" name="Text Box 115"/>
+              <p:cNvSpPr txBox="1">
+                <a:spLocks noChangeArrowheads="1"/>
+              </p:cNvSpPr>
+              <p:nvPr/>
+            </p:nvSpPr>
+            <p:spPr bwMode="auto">
+              <a:xfrm>
+                <a:off x="11900380" y="28899051"/>
+                <a:ext cx="3797091" cy="1571842"/>
+              </a:xfrm>
+              <a:prstGeom prst="rect">
+                <a:avLst/>
+              </a:prstGeom>
+              <a:solidFill>
+                <a:srgbClr val="FFFFFF"/>
+              </a:solidFill>
+              <a:ln>
+                <a:noFill/>
+              </a:ln>
+              <a:effectLst/>
+              <a:extLst>
+                <a:ext uri="{91240B29-F687-4F45-9708-019B960494DF}">
+                  <a14:hiddenLine w="9525">
+                    <a:solidFill>
+                      <a:srgbClr val="000000"/>
+                    </a:solidFill>
+                    <a:round/>
+                    <a:headEnd/>
+                    <a:tailEnd/>
+                  </a14:hiddenLine>
+                </a:ext>
+                <a:ext uri="{AF507438-7753-43E0-B8FC-AC1667EBCBE1}">
+                  <a14:hiddenEffects>
+                    <a:effectLst>
+                      <a:outerShdw dist="35921" dir="2700000" algn="ctr" rotWithShape="0">
+                        <a:srgbClr val="808080"/>
+                      </a:outerShdw>
+                    </a:effectLst>
+                  </a14:hiddenEffects>
+                </a:ext>
+              </a:extLst>
+            </p:spPr>
+            <p:txBody>
+              <a:bodyPr wrap="square" lIns="90000" tIns="46800" rIns="90000" bIns="46800">
+                <a:spAutoFit/>
+              </a:bodyPr>
+              <a:lstStyle>
+                <a:lvl1pPr>
+                  <a:tabLst>
+                    <a:tab pos="0" algn="l"/>
+                    <a:tab pos="457200" algn="l"/>
+                    <a:tab pos="914400" algn="l"/>
+                    <a:tab pos="1371600" algn="l"/>
+                    <a:tab pos="1828800" algn="l"/>
+                    <a:tab pos="2286000" algn="l"/>
+                    <a:tab pos="2743200" algn="l"/>
+                    <a:tab pos="3200400" algn="l"/>
+                    <a:tab pos="3657600" algn="l"/>
+                    <a:tab pos="4114800" algn="l"/>
+                    <a:tab pos="4572000" algn="l"/>
+                    <a:tab pos="5029200" algn="l"/>
+                    <a:tab pos="5486400" algn="l"/>
+                    <a:tab pos="5943600" algn="l"/>
+                    <a:tab pos="6400800" algn="l"/>
+                    <a:tab pos="6858000" algn="l"/>
+                    <a:tab pos="7315200" algn="l"/>
+                    <a:tab pos="7772400" algn="l"/>
+                    <a:tab pos="8229600" algn="l"/>
+                    <a:tab pos="8686800" algn="l"/>
+                    <a:tab pos="9144000" algn="l"/>
+                    <a:tab pos="9410700" algn="l"/>
+                  </a:tabLst>
+                  <a:defRPr>
+                    <a:solidFill>
+                      <a:srgbClr val="000000"/>
+                    </a:solidFill>
+                    <a:latin typeface="Arial" panose="020B0604020202020204" pitchFamily="34" charset="0"/>
+                    <a:cs typeface="Arial" panose="020B0604020202020204" pitchFamily="34" charset="0"/>
+                  </a:defRPr>
+                </a:lvl1pPr>
+                <a:lvl2pPr>
+                  <a:tabLst>
+                    <a:tab pos="0" algn="l"/>
+                    <a:tab pos="457200" algn="l"/>
+                    <a:tab pos="914400" algn="l"/>
+                    <a:tab pos="1371600" algn="l"/>
+                    <a:tab pos="1828800" algn="l"/>
+                    <a:tab pos="2286000" algn="l"/>
+                    <a:tab pos="2743200" algn="l"/>
+                    <a:tab pos="3200400" algn="l"/>
+                    <a:tab pos="3657600" algn="l"/>
+                    <a:tab pos="4114800" algn="l"/>
+                    <a:tab pos="4572000" algn="l"/>
+                    <a:tab pos="5029200" algn="l"/>
+                    <a:tab pos="5486400" algn="l"/>
+                    <a:tab pos="5943600" algn="l"/>
+                    <a:tab pos="6400800" algn="l"/>
+                    <a:tab pos="6858000" algn="l"/>
+                    <a:tab pos="7315200" algn="l"/>
+                    <a:tab pos="7772400" algn="l"/>
+                    <a:tab pos="8229600" algn="l"/>
+                    <a:tab pos="8686800" algn="l"/>
+                    <a:tab pos="9144000" algn="l"/>
+                    <a:tab pos="9410700" algn="l"/>
+                  </a:tabLst>
+                  <a:defRPr>
+                    <a:solidFill>
+                      <a:srgbClr val="000000"/>
+                    </a:solidFill>
+                    <a:latin typeface="Arial" panose="020B0604020202020204" pitchFamily="34" charset="0"/>
+                    <a:cs typeface="Arial" panose="020B0604020202020204" pitchFamily="34" charset="0"/>
+                  </a:defRPr>
+                </a:lvl2pPr>
+                <a:lvl3pPr>
+                  <a:tabLst>
+                    <a:tab pos="0" algn="l"/>
+                    <a:tab pos="457200" algn="l"/>
+                    <a:tab pos="914400" algn="l"/>
+                    <a:tab pos="1371600" algn="l"/>
+                    <a:tab pos="1828800" algn="l"/>
+                    <a:tab pos="2286000" algn="l"/>
+                    <a:tab pos="2743200" algn="l"/>
+                    <a:tab pos="3200400" algn="l"/>
+                    <a:tab pos="3657600" algn="l"/>
+                    <a:tab pos="4114800" algn="l"/>
+                    <a:tab pos="4572000" algn="l"/>
+                    <a:tab pos="5029200" algn="l"/>
+                    <a:tab pos="5486400" algn="l"/>
+                    <a:tab pos="5943600" algn="l"/>
+                    <a:tab pos="6400800" algn="l"/>
+                    <a:tab pos="6858000" algn="l"/>
+                    <a:tab pos="7315200" algn="l"/>
+                    <a:tab pos="7772400" algn="l"/>
+                    <a:tab pos="8229600" algn="l"/>
+                    <a:tab pos="8686800" algn="l"/>
+                    <a:tab pos="9144000" algn="l"/>
+                    <a:tab pos="9410700" algn="l"/>
+                  </a:tabLst>
+                  <a:defRPr>
+                    <a:solidFill>
+                      <a:srgbClr val="000000"/>
+                    </a:solidFill>
+                    <a:latin typeface="Arial" panose="020B0604020202020204" pitchFamily="34" charset="0"/>
+                    <a:cs typeface="Arial" panose="020B0604020202020204" pitchFamily="34" charset="0"/>
+                  </a:defRPr>
+                </a:lvl3pPr>
+                <a:lvl4pPr>
+                  <a:tabLst>
+                    <a:tab pos="0" algn="l"/>
+                    <a:tab pos="457200" algn="l"/>
+                    <a:tab pos="914400" algn="l"/>
+                    <a:tab pos="1371600" algn="l"/>
+                    <a:tab pos="1828800" algn="l"/>
+                    <a:tab pos="2286000" algn="l"/>
+                    <a:tab pos="2743200" algn="l"/>
+                    <a:tab pos="3200400" algn="l"/>
+                    <a:tab pos="3657600" algn="l"/>
+                    <a:tab pos="4114800" algn="l"/>
+                    <a:tab pos="4572000" algn="l"/>
+                    <a:tab pos="5029200" algn="l"/>
+                    <a:tab pos="5486400" algn="l"/>
+                    <a:tab pos="5943600" algn="l"/>
+                    <a:tab pos="6400800" algn="l"/>
+                    <a:tab pos="6858000" algn="l"/>
+                    <a:tab pos="7315200" algn="l"/>
+                    <a:tab pos="7772400" algn="l"/>
+                    <a:tab pos="8229600" algn="l"/>
+                    <a:tab pos="8686800" algn="l"/>
+                    <a:tab pos="9144000" algn="l"/>
+                    <a:tab pos="9410700" algn="l"/>
+                  </a:tabLst>
+                  <a:defRPr>
+                    <a:solidFill>
+                      <a:srgbClr val="000000"/>
+                    </a:solidFill>
+                    <a:latin typeface="Arial" panose="020B0604020202020204" pitchFamily="34" charset="0"/>
+                    <a:cs typeface="Arial" panose="020B0604020202020204" pitchFamily="34" charset="0"/>
+                  </a:defRPr>
+                </a:lvl4pPr>
+                <a:lvl5pPr>
+                  <a:tabLst>
+                    <a:tab pos="0" algn="l"/>
+                    <a:tab pos="457200" algn="l"/>
+                    <a:tab pos="914400" algn="l"/>
+                    <a:tab pos="1371600" algn="l"/>
+                    <a:tab pos="1828800" algn="l"/>
+                    <a:tab pos="2286000" algn="l"/>
+                    <a:tab pos="2743200" algn="l"/>
+                    <a:tab pos="3200400" algn="l"/>
+                    <a:tab pos="3657600" algn="l"/>
+                    <a:tab pos="4114800" algn="l"/>
+                    <a:tab pos="4572000" algn="l"/>
+                    <a:tab pos="5029200" algn="l"/>
+                    <a:tab pos="5486400" algn="l"/>
+                    <a:tab pos="5943600" algn="l"/>
+                    <a:tab pos="6400800" algn="l"/>
+                    <a:tab pos="6858000" algn="l"/>
+                    <a:tab pos="7315200" algn="l"/>
+                    <a:tab pos="7772400" algn="l"/>
+                    <a:tab pos="8229600" algn="l"/>
+                    <a:tab pos="8686800" algn="l"/>
+                    <a:tab pos="9144000" algn="l"/>
+                    <a:tab pos="9410700" algn="l"/>
+                  </a:tabLst>
+                  <a:defRPr>
+                    <a:solidFill>
+                      <a:srgbClr val="000000"/>
+                    </a:solidFill>
+                    <a:latin typeface="Arial" panose="020B0604020202020204" pitchFamily="34" charset="0"/>
+                    <a:cs typeface="Arial" panose="020B0604020202020204" pitchFamily="34" charset="0"/>
+                  </a:defRPr>
+                </a:lvl5pPr>
+                <a:lvl6pPr defTabSz="457200" fontAlgn="base">
+                  <a:spcBef>
+                    <a:spcPct val="0"/>
+                  </a:spcBef>
+                  <a:spcAft>
+                    <a:spcPct val="0"/>
+                  </a:spcAft>
+                  <a:buClr>
+                    <a:srgbClr val="000000"/>
+                  </a:buClr>
+                  <a:buSzPct val="100000"/>
+                  <a:buFont typeface="Arial" panose="020B0604020202020204" pitchFamily="34" charset="0"/>
+                  <a:tabLst>
+                    <a:tab pos="0" algn="l"/>
+                    <a:tab pos="457200" algn="l"/>
+                    <a:tab pos="914400" algn="l"/>
+                    <a:tab pos="1371600" algn="l"/>
+                    <a:tab pos="1828800" algn="l"/>
+                    <a:tab pos="2286000" algn="l"/>
+                    <a:tab pos="2743200" algn="l"/>
+                    <a:tab pos="3200400" algn="l"/>
+                    <a:tab pos="3657600" algn="l"/>
+                    <a:tab pos="4114800" algn="l"/>
+                    <a:tab pos="4572000" algn="l"/>
+                    <a:tab pos="5029200" algn="l"/>
+                    <a:tab pos="5486400" algn="l"/>
+                    <a:tab pos="5943600" algn="l"/>
+                    <a:tab pos="6400800" algn="l"/>
+                    <a:tab pos="6858000" algn="l"/>
+                    <a:tab pos="7315200" algn="l"/>
+                    <a:tab pos="7772400" algn="l"/>
+                    <a:tab pos="8229600" algn="l"/>
+                    <a:tab pos="8686800" algn="l"/>
+                    <a:tab pos="9144000" algn="l"/>
+                    <a:tab pos="9410700" algn="l"/>
+                  </a:tabLst>
+                  <a:defRPr>
+                    <a:solidFill>
+                      <a:srgbClr val="000000"/>
+                    </a:solidFill>
+                    <a:latin typeface="Arial" panose="020B0604020202020204" pitchFamily="34" charset="0"/>
+                    <a:cs typeface="Arial" panose="020B0604020202020204" pitchFamily="34" charset="0"/>
+                  </a:defRPr>
+                </a:lvl6pPr>
+                <a:lvl7pPr defTabSz="457200" fontAlgn="base">
+                  <a:spcBef>
+                    <a:spcPct val="0"/>
+                  </a:spcBef>
+                  <a:spcAft>
+                    <a:spcPct val="0"/>
+                  </a:spcAft>
+                  <a:buClr>
+                    <a:srgbClr val="000000"/>
+                  </a:buClr>
+                  <a:buSzPct val="100000"/>
+                  <a:buFont typeface="Arial" panose="020B0604020202020204" pitchFamily="34" charset="0"/>
+                  <a:tabLst>
+                    <a:tab pos="0" algn="l"/>
+                    <a:tab pos="457200" algn="l"/>
+                    <a:tab pos="914400" algn="l"/>
+                    <a:tab pos="1371600" algn="l"/>
+                    <a:tab pos="1828800" algn="l"/>
+                    <a:tab pos="2286000" algn="l"/>
+                    <a:tab pos="2743200" algn="l"/>
+                    <a:tab pos="3200400" algn="l"/>
+                    <a:tab pos="3657600" algn="l"/>
+                    <a:tab pos="4114800" algn="l"/>
+                    <a:tab pos="4572000" algn="l"/>
+                    <a:tab pos="5029200" algn="l"/>
+                    <a:tab pos="5486400" algn="l"/>
+                    <a:tab pos="5943600" algn="l"/>
+                    <a:tab pos="6400800" algn="l"/>
+                    <a:tab pos="6858000" algn="l"/>
+                    <a:tab pos="7315200" algn="l"/>
+                    <a:tab pos="7772400" algn="l"/>
+                    <a:tab pos="8229600" algn="l"/>
+                    <a:tab pos="8686800" algn="l"/>
+                    <a:tab pos="9144000" algn="l"/>
+                    <a:tab pos="9410700" algn="l"/>
+                  </a:tabLst>
+                  <a:defRPr>
+                    <a:solidFill>
+                      <a:srgbClr val="000000"/>
+                    </a:solidFill>
+                    <a:latin typeface="Arial" panose="020B0604020202020204" pitchFamily="34" charset="0"/>
+                    <a:cs typeface="Arial" panose="020B0604020202020204" pitchFamily="34" charset="0"/>
+                  </a:defRPr>
+                </a:lvl7pPr>
+                <a:lvl8pPr defTabSz="457200" fontAlgn="base">
+                  <a:spcBef>
+                    <a:spcPct val="0"/>
+                  </a:spcBef>
+                  <a:spcAft>
+                    <a:spcPct val="0"/>
+                  </a:spcAft>
+                  <a:buClr>
+                    <a:srgbClr val="000000"/>
+                  </a:buClr>
+                  <a:buSzPct val="100000"/>
+                  <a:buFont typeface="Arial" panose="020B0604020202020204" pitchFamily="34" charset="0"/>
+                  <a:tabLst>
+                    <a:tab pos="0" algn="l"/>
+                    <a:tab pos="457200" algn="l"/>
+                    <a:tab pos="914400" algn="l"/>
+                    <a:tab pos="1371600" algn="l"/>
+                    <a:tab pos="1828800" algn="l"/>
+                    <a:tab pos="2286000" algn="l"/>
+                    <a:tab pos="2743200" algn="l"/>
+                    <a:tab pos="3200400" algn="l"/>
+                    <a:tab pos="3657600" algn="l"/>
+                    <a:tab pos="4114800" algn="l"/>
+                    <a:tab pos="4572000" algn="l"/>
+                    <a:tab pos="5029200" algn="l"/>
+                    <a:tab pos="5486400" algn="l"/>
+                    <a:tab pos="5943600" algn="l"/>
+                    <a:tab pos="6400800" algn="l"/>
+                    <a:tab pos="6858000" algn="l"/>
+                    <a:tab pos="7315200" algn="l"/>
+                    <a:tab pos="7772400" algn="l"/>
+                    <a:tab pos="8229600" algn="l"/>
+                    <a:tab pos="8686800" algn="l"/>
+                    <a:tab pos="9144000" algn="l"/>
+                    <a:tab pos="9410700" algn="l"/>
+                  </a:tabLst>
+                  <a:defRPr>
+                    <a:solidFill>
+                      <a:srgbClr val="000000"/>
+                    </a:solidFill>
+                    <a:latin typeface="Arial" panose="020B0604020202020204" pitchFamily="34" charset="0"/>
+                    <a:cs typeface="Arial" panose="020B0604020202020204" pitchFamily="34" charset="0"/>
+                  </a:defRPr>
+                </a:lvl8pPr>
+                <a:lvl9pPr defTabSz="457200" fontAlgn="base">
+                  <a:spcBef>
+                    <a:spcPct val="0"/>
+                  </a:spcBef>
+                  <a:spcAft>
+                    <a:spcPct val="0"/>
+                  </a:spcAft>
+                  <a:buClr>
+                    <a:srgbClr val="000000"/>
+                  </a:buClr>
+                  <a:buSzPct val="100000"/>
+                  <a:buFont typeface="Arial" panose="020B0604020202020204" pitchFamily="34" charset="0"/>
+                  <a:tabLst>
+                    <a:tab pos="0" algn="l"/>
+                    <a:tab pos="457200" algn="l"/>
+                    <a:tab pos="914400" algn="l"/>
+                    <a:tab pos="1371600" algn="l"/>
+                    <a:tab pos="1828800" algn="l"/>
+                    <a:tab pos="2286000" algn="l"/>
+                    <a:tab pos="2743200" algn="l"/>
+                    <a:tab pos="3200400" algn="l"/>
+                    <a:tab pos="3657600" algn="l"/>
+                    <a:tab pos="4114800" algn="l"/>
+                    <a:tab pos="4572000" algn="l"/>
+                    <a:tab pos="5029200" algn="l"/>
+                    <a:tab pos="5486400" algn="l"/>
+                    <a:tab pos="5943600" algn="l"/>
+                    <a:tab pos="6400800" algn="l"/>
+                    <a:tab pos="6858000" algn="l"/>
+                    <a:tab pos="7315200" algn="l"/>
+                    <a:tab pos="7772400" algn="l"/>
+                    <a:tab pos="8229600" algn="l"/>
+                    <a:tab pos="8686800" algn="l"/>
+                    <a:tab pos="9144000" algn="l"/>
+                    <a:tab pos="9410700" algn="l"/>
+                  </a:tabLst>
+                  <a:defRPr>
+                    <a:solidFill>
+                      <a:srgbClr val="000000"/>
+                    </a:solidFill>
+                    <a:latin typeface="Arial" panose="020B0604020202020204" pitchFamily="34" charset="0"/>
+                    <a:cs typeface="Arial" panose="020B0604020202020204" pitchFamily="34" charset="0"/>
+                  </a:defRPr>
+                </a:lvl9pPr>
+              </a:lstStyle>
+              <a:p>
+                <a:pPr algn="l" rtl="0">
+                  <a:spcBef>
+                    <a:spcPts val="750"/>
+                  </a:spcBef>
+                </a:pPr>
+                <a:r>
+                  <a:rPr lang="en-US" sz="1600" b="1" dirty="0"/>
+                  <a:t>Structured sparsity:</a:t>
+                </a:r>
+                <a:r>
+                  <a:rPr lang="en-US" sz="1600" dirty="0"/>
+                  <a:t> A heat map of the absolute values of the elements of </a:t>
+                </a:r>
+                <a14:m>
+                  <m:oMath xmlns:m="http://schemas.openxmlformats.org/officeDocument/2006/math">
+                    <m:r>
+                      <a:rPr lang="en-US" sz="1600" i="1"/>
+                      <m:t>𝑊</m:t>
+                    </m:r>
+                  </m:oMath>
+                </a14:m>
+                <a:r>
+                  <a:rPr lang="en-US" sz="1600" dirty="0"/>
+                  <a:t> trained on RCV1, illustrating the structured sparseness of the learned metric. Features are ordered by their information gain.</a:t>
+                </a:r>
+                <a:endParaRPr lang="en-AU" altLang="en-US" sz="1600" dirty="0"/>
+              </a:p>
+            </p:txBody>
+          </p:sp>
+        </mc:Choice>
+        <mc:Fallback>
+          <p:sp>
+            <p:nvSpPr>
+              <p:cNvPr id="40" name="Text Box 115"/>
+              <p:cNvSpPr txBox="1">
+                <a:spLocks noRot="1" noChangeAspect="1" noMove="1" noResize="1" noEditPoints="1" noAdjustHandles="1" noChangeArrowheads="1" noChangeShapeType="1" noTextEdit="1"/>
+              </p:cNvSpPr>
+              <p:nvPr/>
+            </p:nvSpPr>
+            <p:spPr bwMode="auto">
+              <a:xfrm>
+                <a:off x="11900380" y="28899051"/>
+                <a:ext cx="3797091" cy="1571842"/>
+              </a:xfrm>
+              <a:prstGeom prst="rect">
+                <a:avLst/>
+              </a:prstGeom>
+              <a:blipFill rotWithShape="0">
+                <a:blip r:embed="rId26"/>
+                <a:stretch>
+                  <a:fillRect l="-963" t="-1163" r="-1284" b="-3876"/>
                 </a:stretch>
               </a:blipFill>
               <a:ln>

--- a/COMET_poster.pptx
+++ b/COMET_poster.pptx
@@ -215,7 +215,7 @@
             <a:fld id="{198A3463-10AA-40C1-AF51-9D4D3C36B945}" type="datetimeFigureOut">
               <a:rPr lang="he-IL" smtClean="0"/>
               <a:pPr/>
-              <a:t>י"א/כסלו/תשע"ו</a:t>
+              <a:t>י"ב/כסלו/תשע"ו</a:t>
             </a:fld>
             <a:endParaRPr lang="he-IL"/>
           </a:p>
@@ -760,7 +760,7 @@
             <a:fld id="{A6DEEEEF-6AFF-4F2F-80C9-19C8578E8C6D}" type="datetimeFigureOut">
               <a:rPr lang="he-IL" smtClean="0"/>
               <a:pPr/>
-              <a:t>י"א/כסלו/תשע"ו</a:t>
+              <a:t>י"ב/כסלו/תשע"ו</a:t>
             </a:fld>
             <a:endParaRPr lang="he-IL"/>
           </a:p>
@@ -927,7 +927,7 @@
             <a:fld id="{A6DEEEEF-6AFF-4F2F-80C9-19C8578E8C6D}" type="datetimeFigureOut">
               <a:rPr lang="he-IL" smtClean="0"/>
               <a:pPr/>
-              <a:t>י"א/כסלו/תשע"ו</a:t>
+              <a:t>י"ב/כסלו/תשע"ו</a:t>
             </a:fld>
             <a:endParaRPr lang="he-IL"/>
           </a:p>
@@ -1104,7 +1104,7 @@
             <a:fld id="{A6DEEEEF-6AFF-4F2F-80C9-19C8578E8C6D}" type="datetimeFigureOut">
               <a:rPr lang="he-IL" smtClean="0"/>
               <a:pPr/>
-              <a:t>י"א/כסלו/תשע"ו</a:t>
+              <a:t>י"ב/כסלו/תשע"ו</a:t>
             </a:fld>
             <a:endParaRPr lang="he-IL"/>
           </a:p>
@@ -1271,7 +1271,7 @@
             <a:fld id="{A6DEEEEF-6AFF-4F2F-80C9-19C8578E8C6D}" type="datetimeFigureOut">
               <a:rPr lang="he-IL" smtClean="0"/>
               <a:pPr/>
-              <a:t>י"א/כסלו/תשע"ו</a:t>
+              <a:t>י"ב/כסלו/תשע"ו</a:t>
             </a:fld>
             <a:endParaRPr lang="he-IL"/>
           </a:p>
@@ -1514,7 +1514,7 @@
             <a:fld id="{A6DEEEEF-6AFF-4F2F-80C9-19C8578E8C6D}" type="datetimeFigureOut">
               <a:rPr lang="he-IL" smtClean="0"/>
               <a:pPr/>
-              <a:t>י"א/כסלו/תשע"ו</a:t>
+              <a:t>י"ב/כסלו/תשע"ו</a:t>
             </a:fld>
             <a:endParaRPr lang="he-IL"/>
           </a:p>
@@ -1799,7 +1799,7 @@
             <a:fld id="{A6DEEEEF-6AFF-4F2F-80C9-19C8578E8C6D}" type="datetimeFigureOut">
               <a:rPr lang="he-IL" smtClean="0"/>
               <a:pPr/>
-              <a:t>י"א/כסלו/תשע"ו</a:t>
+              <a:t>י"ב/כסלו/תשע"ו</a:t>
             </a:fld>
             <a:endParaRPr lang="he-IL"/>
           </a:p>
@@ -2223,7 +2223,7 @@
             <a:fld id="{A6DEEEEF-6AFF-4F2F-80C9-19C8578E8C6D}" type="datetimeFigureOut">
               <a:rPr lang="he-IL" smtClean="0"/>
               <a:pPr/>
-              <a:t>י"א/כסלו/תשע"ו</a:t>
+              <a:t>י"ב/כסלו/תשע"ו</a:t>
             </a:fld>
             <a:endParaRPr lang="he-IL"/>
           </a:p>
@@ -2338,7 +2338,7 @@
             <a:fld id="{A6DEEEEF-6AFF-4F2F-80C9-19C8578E8C6D}" type="datetimeFigureOut">
               <a:rPr lang="he-IL" smtClean="0"/>
               <a:pPr/>
-              <a:t>י"א/כסלו/תשע"ו</a:t>
+              <a:t>י"ב/כסלו/תשע"ו</a:t>
             </a:fld>
             <a:endParaRPr lang="he-IL"/>
           </a:p>
@@ -2430,7 +2430,7 @@
             <a:fld id="{A6DEEEEF-6AFF-4F2F-80C9-19C8578E8C6D}" type="datetimeFigureOut">
               <a:rPr lang="he-IL" smtClean="0"/>
               <a:pPr/>
-              <a:t>י"א/כסלו/תשע"ו</a:t>
+              <a:t>י"ב/כסלו/תשע"ו</a:t>
             </a:fld>
             <a:endParaRPr lang="he-IL"/>
           </a:p>
@@ -2704,7 +2704,7 @@
             <a:fld id="{A6DEEEEF-6AFF-4F2F-80C9-19C8578E8C6D}" type="datetimeFigureOut">
               <a:rPr lang="he-IL" smtClean="0"/>
               <a:pPr/>
-              <a:t>י"א/כסלו/תשע"ו</a:t>
+              <a:t>י"ב/כסלו/תשע"ו</a:t>
             </a:fld>
             <a:endParaRPr lang="he-IL"/>
           </a:p>
@@ -2954,7 +2954,7 @@
             <a:fld id="{A6DEEEEF-6AFF-4F2F-80C9-19C8578E8C6D}" type="datetimeFigureOut">
               <a:rPr lang="he-IL" smtClean="0"/>
               <a:pPr/>
-              <a:t>י"א/כסלו/תשע"ו</a:t>
+              <a:t>י"ב/כסלו/תשע"ו</a:t>
             </a:fld>
             <a:endParaRPr lang="he-IL"/>
           </a:p>
@@ -3167,7 +3167,7 @@
             <a:fld id="{A6DEEEEF-6AFF-4F2F-80C9-19C8578E8C6D}" type="datetimeFigureOut">
               <a:rPr lang="he-IL" smtClean="0"/>
               <a:pPr/>
-              <a:t>י"א/כסלו/תשע"ו</a:t>
+              <a:t>י"ב/כסלו/תשע"ו</a:t>
             </a:fld>
             <a:endParaRPr lang="he-IL"/>
           </a:p>
@@ -3538,8 +3538,8 @@
           <a:chExt cx="0" cy="0"/>
         </a:xfrm>
       </p:grpSpPr>
-      <mc:AlternateContent xmlns:mc="http://schemas.openxmlformats.org/markup-compatibility/2006" xmlns:a14="http://schemas.microsoft.com/office/drawing/2010/main">
-        <mc:Choice Requires="a14">
+      <mc:AlternateContent xmlns:mc="http://schemas.openxmlformats.org/markup-compatibility/2006">
+        <mc:Choice xmlns:a14="http://schemas.microsoft.com/office/drawing/2010/main" Requires="a14">
           <p:sp>
             <p:nvSpPr>
               <p:cNvPr id="129" name="Rounded Rectangle 128"/>
@@ -3590,7 +3590,7 @@
                       <a:schemeClr val="tx1"/>
                     </a:solidFill>
                   </a:rPr>
-                  <a:t>The Learning Setup</a:t>
+                  <a:t>Similarity Through Ranking</a:t>
                 </a:r>
               </a:p>
               <a:p>
@@ -3601,39 +3601,74 @@
                       <a:schemeClr val="tx1"/>
                     </a:solidFill>
                   </a:rPr>
-                  <a:t>We assume we have access to triplets of entities where each triplet </a:t>
+                  <a:t>We </a:t>
                 </a:r>
-                <a14:m>
-                  <m:oMath xmlns:m="http://schemas.openxmlformats.org/officeDocument/2006/math">
-                    <m:r>
-                      <a:rPr lang="en-US" sz="3600" i="1">
-                        <a:solidFill>
-                          <a:schemeClr val="tx1"/>
-                        </a:solidFill>
-                        <a:latin typeface="Cambria Math" panose="02040503050406030204" pitchFamily="18" charset="0"/>
-                      </a:rPr>
-                      <m:t>𝑡</m:t>
-                    </m:r>
-                  </m:oMath>
-                </a14:m>
                 <a:r>
-                  <a:rPr lang="en-US" sz="3600" dirty="0">
+                  <a:rPr lang="en-US" sz="3600" dirty="0" smtClean="0">
                     <a:solidFill>
                       <a:schemeClr val="tx1"/>
                     </a:solidFill>
                   </a:rPr>
-                  <a:t> consists of</a:t>
+                  <a:t>assume a ranking based weak supervision signal.</a:t>
                 </a:r>
               </a:p>
               <a:p>
                 <a:pPr algn="l" rtl="0"/>
+                <a:endParaRPr lang="en-US" sz="3600" dirty="0" smtClean="0">
+                  <a:solidFill>
+                    <a:schemeClr val="tx1"/>
+                  </a:solidFill>
+                </a:endParaRPr>
+              </a:p>
+              <a:p>
+                <a:pPr algn="l" rtl="0"/>
+                <a:endParaRPr lang="en-US" sz="3600" dirty="0">
+                  <a:solidFill>
+                    <a:schemeClr val="tx1"/>
+                  </a:solidFill>
+                </a:endParaRPr>
+              </a:p>
+              <a:p>
+                <a:pPr algn="l" rtl="0"/>
+                <a:endParaRPr lang="en-US" sz="3600" dirty="0" smtClean="0">
+                  <a:solidFill>
+                    <a:schemeClr val="tx1"/>
+                  </a:solidFill>
+                </a:endParaRPr>
+              </a:p>
+              <a:p>
+                <a:pPr algn="l" rtl="0"/>
+                <a:endParaRPr lang="en-US" sz="3600" dirty="0">
+                  <a:solidFill>
+                    <a:schemeClr val="tx1"/>
+                  </a:solidFill>
+                </a:endParaRPr>
+              </a:p>
+              <a:p>
+                <a:pPr algn="l" rtl="0"/>
+                <a:endParaRPr lang="en-US" sz="3600" dirty="0">
+                  <a:solidFill>
+                    <a:schemeClr val="tx1"/>
+                  </a:solidFill>
+                </a:endParaRPr>
+              </a:p>
+              <a:p>
+                <a:pPr algn="l" rtl="0"/>
+                <a:endParaRPr lang="en-US" sz="3600" dirty="0" smtClean="0">
+                  <a:solidFill>
+                    <a:schemeClr val="tx1"/>
+                  </a:solidFill>
+                </a:endParaRPr>
+              </a:p>
+              <a:p>
+                <a:pPr algn="l" rtl="0"/>
                 <a:r>
-                  <a:rPr lang="en-US" sz="3600" dirty="0">
+                  <a:rPr lang="en-US" sz="3600" dirty="0" smtClean="0">
                     <a:solidFill>
                       <a:schemeClr val="tx1"/>
                     </a:solidFill>
                   </a:rPr>
-                  <a:t>a “query” instance </a:t>
+                  <a:t>We aim to learn a bilinear similarity function </a:t>
                 </a:r>
                 <a14:m>
                   <m:oMath xmlns:m="http://schemas.openxmlformats.org/officeDocument/2006/math">
@@ -3656,7 +3691,7 @@
                             </a:solidFill>
                             <a:latin typeface="Cambria Math" panose="02040503050406030204" pitchFamily="18" charset="0"/>
                           </a:rPr>
-                          <m:t>𝑞</m:t>
+                          <m:t>𝑆</m:t>
                         </m:r>
                       </m:e>
                       <m:sub>
@@ -3667,24 +3702,12 @@
                             </a:solidFill>
                             <a:latin typeface="Cambria Math" panose="02040503050406030204" pitchFamily="18" charset="0"/>
                           </a:rPr>
-                          <m:t>𝑡</m:t>
+                          <m:t>𝑊</m:t>
                         </m:r>
                       </m:sub>
                     </m:sSub>
-                  </m:oMath>
-                </a14:m>
-                <a:r>
-                  <a:rPr lang="en-US" sz="3600" dirty="0">
-                    <a:solidFill>
-                      <a:schemeClr val="tx1"/>
-                    </a:solidFill>
-                  </a:rPr>
-                  <a:t>, and two instances </a:t>
-                </a:r>
-                <a14:m>
-                  <m:oMath xmlns:m="http://schemas.openxmlformats.org/officeDocument/2006/math">
-                    <m:sSubSup>
-                      <m:sSubSupPr>
+                    <m:d>
+                      <m:dPr>
                         <m:ctrlPr>
                           <a:rPr lang="en-US" sz="3600" i="1">
                             <a:solidFill>
@@ -3693,8 +3716,26 @@
                             <a:latin typeface="Cambria Math" panose="02040503050406030204" pitchFamily="18" charset="0"/>
                           </a:rPr>
                         </m:ctrlPr>
-                      </m:sSubSupPr>
+                      </m:dPr>
                       <m:e>
+                        <m:r>
+                          <a:rPr lang="en-US" sz="3600" i="1">
+                            <a:solidFill>
+                              <a:schemeClr val="tx1"/>
+                            </a:solidFill>
+                            <a:latin typeface="Cambria Math" panose="02040503050406030204" pitchFamily="18" charset="0"/>
+                          </a:rPr>
+                          <m:t>𝑞</m:t>
+                        </m:r>
+                        <m:r>
+                          <a:rPr lang="en-US" sz="3600" i="1">
+                            <a:solidFill>
+                              <a:schemeClr val="tx1"/>
+                            </a:solidFill>
+                            <a:latin typeface="Cambria Math" panose="02040503050406030204" pitchFamily="18" charset="0"/>
+                          </a:rPr>
+                          <m:t>,</m:t>
+                        </m:r>
                         <m:r>
                           <a:rPr lang="en-US" sz="3600" i="1">
                             <a:solidFill>
@@ -3705,109 +3746,30 @@
                           <m:t>𝑝</m:t>
                         </m:r>
                       </m:e>
-                      <m:sub>
-                        <m:r>
-                          <a:rPr lang="en-US" sz="3600" i="1">
-                            <a:solidFill>
-                              <a:schemeClr val="tx1"/>
-                            </a:solidFill>
-                            <a:latin typeface="Cambria Math" panose="02040503050406030204" pitchFamily="18" charset="0"/>
-                          </a:rPr>
-                          <m:t>𝑡</m:t>
-                        </m:r>
-                      </m:sub>
-                      <m:sup>
-                        <m:r>
-                          <a:rPr lang="en-US" sz="3600" i="1">
-                            <a:solidFill>
-                              <a:schemeClr val="tx1"/>
-                            </a:solidFill>
-                            <a:latin typeface="Cambria Math" panose="02040503050406030204" pitchFamily="18" charset="0"/>
-                          </a:rPr>
-                          <m:t>+</m:t>
-                        </m:r>
-                      </m:sup>
-                    </m:sSubSup>
+                    </m:d>
                     <m:r>
-                      <a:rPr lang="en-US" sz="3600" i="1">
+                      <a:rPr lang="en-US" sz="3600" b="0" i="1" smtClean="0">
                         <a:solidFill>
                           <a:schemeClr val="tx1"/>
                         </a:solidFill>
                         <a:latin typeface="Cambria Math" panose="02040503050406030204" pitchFamily="18" charset="0"/>
                       </a:rPr>
-                      <m:t>, </m:t>
+                      <m:t>=</m:t>
                     </m:r>
-                    <m:sSubSup>
-                      <m:sSubSupPr>
+                    <m:sSup>
+                      <m:sSupPr>
                         <m:ctrlPr>
-                          <a:rPr lang="en-US" sz="3600" i="1">
+                          <a:rPr lang="en-US" sz="3600" b="0" i="1" smtClean="0">
                             <a:solidFill>
                               <a:schemeClr val="tx1"/>
                             </a:solidFill>
                             <a:latin typeface="Cambria Math" panose="02040503050406030204" pitchFamily="18" charset="0"/>
                           </a:rPr>
                         </m:ctrlPr>
-                      </m:sSubSupPr>
+                      </m:sSupPr>
                       <m:e>
                         <m:r>
-                          <a:rPr lang="en-US" sz="3600" i="1">
-                            <a:solidFill>
-                              <a:schemeClr val="tx1"/>
-                            </a:solidFill>
-                            <a:latin typeface="Cambria Math" panose="02040503050406030204" pitchFamily="18" charset="0"/>
-                          </a:rPr>
-                          <m:t>𝑝</m:t>
-                        </m:r>
-                      </m:e>
-                      <m:sub>
-                        <m:r>
-                          <a:rPr lang="en-US" sz="3600" i="1">
-                            <a:solidFill>
-                              <a:schemeClr val="tx1"/>
-                            </a:solidFill>
-                            <a:latin typeface="Cambria Math" panose="02040503050406030204" pitchFamily="18" charset="0"/>
-                          </a:rPr>
-                          <m:t>𝑡</m:t>
-                        </m:r>
-                      </m:sub>
-                      <m:sup>
-                        <m:r>
-                          <a:rPr lang="en-US" sz="3600" i="1">
-                            <a:solidFill>
-                              <a:schemeClr val="tx1"/>
-                            </a:solidFill>
-                            <a:latin typeface="Cambria Math" panose="02040503050406030204" pitchFamily="18" charset="0"/>
-                          </a:rPr>
-                          <m:t>−</m:t>
-                        </m:r>
-                      </m:sup>
-                    </m:sSubSup>
-                  </m:oMath>
-                </a14:m>
-                <a:r>
-                  <a:rPr lang="en-US" sz="3600" dirty="0">
-                    <a:solidFill>
-                      <a:schemeClr val="tx1"/>
-                    </a:solidFill>
-                  </a:rPr>
-                  <a:t> such that </a:t>
-                </a:r>
-                <a14:m>
-                  <m:oMath xmlns:m="http://schemas.openxmlformats.org/officeDocument/2006/math">
-                    <m:sSub>
-                      <m:sSubPr>
-                        <m:ctrlPr>
-                          <a:rPr lang="en-US" sz="3600" i="1">
-                            <a:solidFill>
-                              <a:schemeClr val="tx1"/>
-                            </a:solidFill>
-                            <a:latin typeface="Cambria Math" panose="02040503050406030204" pitchFamily="18" charset="0"/>
-                          </a:rPr>
-                        </m:ctrlPr>
-                      </m:sSubPr>
-                      <m:e>
-                        <m:r>
-                          <a:rPr lang="en-US" sz="3600" i="1">
+                          <a:rPr lang="en-US" sz="3600" b="0" i="1" smtClean="0">
                             <a:solidFill>
                               <a:schemeClr val="tx1"/>
                             </a:solidFill>
@@ -3816,156 +3778,27 @@
                           <m:t>𝑞</m:t>
                         </m:r>
                       </m:e>
-                      <m:sub>
+                      <m:sup>
                         <m:r>
-                          <a:rPr lang="en-US" sz="3600" i="1">
+                          <a:rPr lang="en-US" sz="3600" b="0" i="1" smtClean="0">
                             <a:solidFill>
                               <a:schemeClr val="tx1"/>
                             </a:solidFill>
                             <a:latin typeface="Cambria Math" panose="02040503050406030204" pitchFamily="18" charset="0"/>
                           </a:rPr>
-                          <m:t>𝑡</m:t>
-                        </m:r>
-                      </m:sub>
-                    </m:sSub>
-                  </m:oMath>
-                </a14:m>
-                <a:r>
-                  <a:rPr lang="en-US" sz="3600" dirty="0">
-                    <a:solidFill>
-                      <a:schemeClr val="tx1"/>
-                    </a:solidFill>
-                  </a:rPr>
-                  <a:t> is </a:t>
-                </a:r>
-                <a:r>
-                  <a:rPr lang="en-US" sz="4200" dirty="0">
-                    <a:solidFill>
-                      <a:schemeClr val="tx1"/>
-                    </a:solidFill>
-                  </a:rPr>
-                  <a:t>more similar </a:t>
-                </a:r>
-                <a:r>
-                  <a:rPr lang="en-US" sz="3600" dirty="0">
-                    <a:solidFill>
-                      <a:schemeClr val="tx1"/>
-                    </a:solidFill>
-                  </a:rPr>
-                  <a:t>to </a:t>
-                </a:r>
-                <a14:m>
-                  <m:oMath xmlns:m="http://schemas.openxmlformats.org/officeDocument/2006/math">
-                    <m:sSubSup>
-                      <m:sSubSupPr>
-                        <m:ctrlPr>
-                          <a:rPr lang="en-US" sz="3600" i="1">
-                            <a:solidFill>
-                              <a:schemeClr val="tx1"/>
-                            </a:solidFill>
-                            <a:latin typeface="Cambria Math" panose="02040503050406030204" pitchFamily="18" charset="0"/>
-                          </a:rPr>
-                        </m:ctrlPr>
-                      </m:sSubSupPr>
-                      <m:e>
-                        <m:r>
-                          <a:rPr lang="en-US" sz="3600" i="1">
-                            <a:solidFill>
-                              <a:schemeClr val="tx1"/>
-                            </a:solidFill>
-                            <a:latin typeface="Cambria Math" panose="02040503050406030204" pitchFamily="18" charset="0"/>
-                          </a:rPr>
-                          <m:t>𝑝</m:t>
-                        </m:r>
-                      </m:e>
-                      <m:sub>
-                        <m:r>
-                          <a:rPr lang="en-US" sz="3600" i="1">
-                            <a:solidFill>
-                              <a:schemeClr val="tx1"/>
-                            </a:solidFill>
-                            <a:latin typeface="Cambria Math" panose="02040503050406030204" pitchFamily="18" charset="0"/>
-                          </a:rPr>
-                          <m:t>𝑡</m:t>
-                        </m:r>
-                      </m:sub>
-                      <m:sup>
-                        <m:r>
-                          <a:rPr lang="en-US" sz="3600" i="1">
-                            <a:solidFill>
-                              <a:schemeClr val="tx1"/>
-                            </a:solidFill>
-                            <a:latin typeface="Cambria Math" panose="02040503050406030204" pitchFamily="18" charset="0"/>
-                          </a:rPr>
-                          <m:t>+</m:t>
+                          <m:t>𝑇</m:t>
                         </m:r>
                       </m:sup>
-                    </m:sSubSup>
-                  </m:oMath>
-                </a14:m>
-                <a:endParaRPr lang="en-US" sz="3600" dirty="0">
-                  <a:solidFill>
-                    <a:schemeClr val="tx1"/>
-                  </a:solidFill>
-                </a:endParaRPr>
-              </a:p>
-              <a:p>
-                <a:pPr algn="l" rtl="0"/>
-                <a:r>
-                  <a:rPr lang="en-US" sz="3600" dirty="0">
-                    <a:solidFill>
-                      <a:schemeClr val="tx1"/>
-                    </a:solidFill>
-                  </a:rPr>
-                  <a:t>than to </a:t>
-                </a:r>
-                <a14:m>
-                  <m:oMath xmlns:m="http://schemas.openxmlformats.org/officeDocument/2006/math">
-                    <m:sSubSup>
-                      <m:sSubSupPr>
-                        <m:ctrlPr>
-                          <a:rPr lang="en-US" sz="3600" i="1">
-                            <a:solidFill>
-                              <a:schemeClr val="tx1"/>
-                            </a:solidFill>
-                            <a:latin typeface="Cambria Math" panose="02040503050406030204" pitchFamily="18" charset="0"/>
-                          </a:rPr>
-                        </m:ctrlPr>
-                      </m:sSubSupPr>
-                      <m:e>
-                        <m:r>
-                          <a:rPr lang="en-US" sz="3600" i="1">
-                            <a:solidFill>
-                              <a:schemeClr val="tx1"/>
-                            </a:solidFill>
-                            <a:latin typeface="Cambria Math" panose="02040503050406030204" pitchFamily="18" charset="0"/>
-                          </a:rPr>
-                          <m:t>𝑝</m:t>
-                        </m:r>
-                      </m:e>
-                      <m:sub>
-                        <m:r>
-                          <a:rPr lang="en-US" sz="3600" i="1">
-                            <a:solidFill>
-                              <a:schemeClr val="tx1"/>
-                            </a:solidFill>
-                            <a:latin typeface="Cambria Math" panose="02040503050406030204" pitchFamily="18" charset="0"/>
-                          </a:rPr>
-                          <m:t>𝑡</m:t>
-                        </m:r>
-                      </m:sub>
-                      <m:sup>
-                        <m:r>
-                          <a:rPr lang="en-US" sz="3600" i="1">
-                            <a:solidFill>
-                              <a:schemeClr val="tx1"/>
-                            </a:solidFill>
-                            <a:latin typeface="Cambria Math" panose="02040503050406030204" pitchFamily="18" charset="0"/>
-                          </a:rPr>
-                          <m:t>−</m:t>
-                        </m:r>
-                      </m:sup>
-                    </m:sSubSup>
+                    </m:sSup>
+                    <m:r>
+                      <a:rPr lang="en-US" sz="3600" b="0" i="1" smtClean="0">
+                        <a:solidFill>
+                          <a:schemeClr val="tx1"/>
+                        </a:solidFill>
+                        <a:latin typeface="Cambria Math" panose="02040503050406030204" pitchFamily="18" charset="0"/>
+                      </a:rPr>
+                      <m:t>𝑊𝑝</m:t>
+                    </m:r>
                   </m:oMath>
                 </a14:m>
                 <a:r>
@@ -3974,42 +3807,7 @@
                       <a:schemeClr val="tx1"/>
                     </a:solidFill>
                   </a:rPr>
-                  <a:t>.</a:t>
-                </a:r>
-              </a:p>
-              <a:p>
-                <a:pPr algn="l" rtl="0"/>
-                <a:endParaRPr lang="en-US" sz="3600" dirty="0">
-                  <a:solidFill>
-                    <a:schemeClr val="tx1"/>
-                  </a:solidFill>
-                </a:endParaRPr>
-              </a:p>
-              <a:p>
-                <a:pPr algn="l" rtl="0"/>
-                <a:r>
-                  <a:rPr lang="en-US" sz="3600" dirty="0">
-                    <a:solidFill>
-                      <a:schemeClr val="tx1"/>
-                    </a:solidFill>
-                  </a:rPr>
-                  <a:t>We aim to optimize the following </a:t>
-                </a:r>
-                <a:r>
-                  <a:rPr lang="en-US" sz="3600" dirty="0" smtClean="0">
-                    <a:solidFill>
-                      <a:schemeClr val="tx1"/>
-                    </a:solidFill>
-                  </a:rPr>
-                  <a:t>objective</a:t>
-                </a:r>
-                <a:r>
-                  <a:rPr lang="en-US" sz="3600" dirty="0">
-                    <a:solidFill>
-                      <a:schemeClr val="tx1"/>
-                    </a:solidFill>
-                  </a:rPr>
-                  <a:t>:</a:t>
+                  <a:t>, such that per a given triplet  </a:t>
                 </a:r>
               </a:p>
               <a:p>
@@ -4021,18 +3819,174 @@
                     </m:oMathParaPr>
                     <m:oMath xmlns:m="http://schemas.openxmlformats.org/officeDocument/2006/math">
                       <m:r>
-                        <a:rPr lang="en-US" sz="3200" i="1">
+                        <a:rPr lang="en-US" sz="3600" b="0" i="1" smtClean="0">
                           <a:solidFill>
                             <a:schemeClr val="tx1"/>
                           </a:solidFill>
                           <a:latin typeface="Cambria Math" panose="02040503050406030204" pitchFamily="18" charset="0"/>
                         </a:rPr>
-                        <m:t>𝐿</m:t>
+                        <m:t>(</m:t>
                       </m:r>
+                      <m:r>
+                        <a:rPr lang="en-US" sz="3600" i="1">
+                          <a:solidFill>
+                            <a:schemeClr val="tx1"/>
+                          </a:solidFill>
+                          <a:latin typeface="Cambria Math" panose="02040503050406030204" pitchFamily="18" charset="0"/>
+                        </a:rPr>
+                        <m:t>𝑞</m:t>
+                      </m:r>
+                      <m:r>
+                        <a:rPr lang="en-US" sz="3600" b="0" i="1" smtClean="0">
+                          <a:solidFill>
+                            <a:schemeClr val="tx1"/>
+                          </a:solidFill>
+                          <a:latin typeface="Cambria Math" panose="02040503050406030204" pitchFamily="18" charset="0"/>
+                        </a:rPr>
+                        <m:t>, </m:t>
+                      </m:r>
+                      <m:sSup>
+                        <m:sSupPr>
+                          <m:ctrlPr>
+                            <a:rPr lang="en-US" sz="3600" b="0" i="1" smtClean="0">
+                              <a:solidFill>
+                                <a:schemeClr val="tx1"/>
+                              </a:solidFill>
+                              <a:latin typeface="Cambria Math" panose="02040503050406030204" pitchFamily="18" charset="0"/>
+                            </a:rPr>
+                          </m:ctrlPr>
+                        </m:sSupPr>
+                        <m:e>
+                          <m:r>
+                            <a:rPr lang="en-US" sz="3600" b="0" i="1" smtClean="0">
+                              <a:solidFill>
+                                <a:schemeClr val="tx1"/>
+                              </a:solidFill>
+                              <a:latin typeface="Cambria Math" panose="02040503050406030204" pitchFamily="18" charset="0"/>
+                            </a:rPr>
+                            <m:t>𝑝</m:t>
+                          </m:r>
+                        </m:e>
+                        <m:sup>
+                          <m:r>
+                            <a:rPr lang="en-US" sz="3600" b="0" i="1" smtClean="0">
+                              <a:solidFill>
+                                <a:schemeClr val="tx1"/>
+                              </a:solidFill>
+                              <a:latin typeface="Cambria Math" panose="02040503050406030204" pitchFamily="18" charset="0"/>
+                            </a:rPr>
+                            <m:t>+</m:t>
+                          </m:r>
+                        </m:sup>
+                      </m:sSup>
+                      <m:r>
+                        <a:rPr lang="en-US" sz="3600" b="0" i="1" smtClean="0">
+                          <a:solidFill>
+                            <a:schemeClr val="tx1"/>
+                          </a:solidFill>
+                          <a:latin typeface="Cambria Math" panose="02040503050406030204" pitchFamily="18" charset="0"/>
+                        </a:rPr>
+                        <m:t>, </m:t>
+                      </m:r>
+                      <m:sSup>
+                        <m:sSupPr>
+                          <m:ctrlPr>
+                            <a:rPr lang="en-US" sz="3600" b="0" i="1" smtClean="0">
+                              <a:solidFill>
+                                <a:schemeClr val="tx1"/>
+                              </a:solidFill>
+                              <a:latin typeface="Cambria Math" panose="02040503050406030204" pitchFamily="18" charset="0"/>
+                            </a:rPr>
+                          </m:ctrlPr>
+                        </m:sSupPr>
+                        <m:e>
+                          <m:r>
+                            <a:rPr lang="en-US" sz="3600" b="0" i="1" smtClean="0">
+                              <a:solidFill>
+                                <a:schemeClr val="tx1"/>
+                              </a:solidFill>
+                              <a:latin typeface="Cambria Math" panose="02040503050406030204" pitchFamily="18" charset="0"/>
+                            </a:rPr>
+                            <m:t>𝑝</m:t>
+                          </m:r>
+                        </m:e>
+                        <m:sup>
+                          <m:r>
+                            <a:rPr lang="en-US" sz="3600" b="0" i="1" smtClean="0">
+                              <a:solidFill>
+                                <a:schemeClr val="tx1"/>
+                              </a:solidFill>
+                              <a:latin typeface="Cambria Math" panose="02040503050406030204" pitchFamily="18" charset="0"/>
+                            </a:rPr>
+                            <m:t>−</m:t>
+                          </m:r>
+                        </m:sup>
+                      </m:sSup>
+                      <m:r>
+                        <a:rPr lang="en-US" sz="3600" b="0" i="1" smtClean="0">
+                          <a:solidFill>
+                            <a:schemeClr val="tx1"/>
+                          </a:solidFill>
+                          <a:latin typeface="Cambria Math" panose="02040503050406030204" pitchFamily="18" charset="0"/>
+                        </a:rPr>
+                        <m:t>)</m:t>
+                      </m:r>
+                    </m:oMath>
+                  </m:oMathPara>
+                </a14:m>
+                <a:endParaRPr lang="en-US" sz="3600" i="1" dirty="0" smtClean="0">
+                  <a:solidFill>
+                    <a:schemeClr val="tx1"/>
+                  </a:solidFill>
+                  <a:latin typeface="Cambria Math" panose="02040503050406030204" pitchFamily="18" charset="0"/>
+                </a:endParaRPr>
+              </a:p>
+              <a:p>
+                <a:pPr algn="ctr" rtl="0"/>
+                <a14:m>
+                  <m:oMathPara xmlns:m="http://schemas.openxmlformats.org/officeDocument/2006/math">
+                    <m:oMathParaPr>
+                      <m:jc m:val="centerGroup"/>
+                    </m:oMathParaPr>
+                    <m:oMath xmlns:m="http://schemas.openxmlformats.org/officeDocument/2006/math">
+                      <m:sSub>
+                        <m:sSubPr>
+                          <m:ctrlPr>
+                            <a:rPr lang="en-US" sz="3600" i="1">
+                              <a:solidFill>
+                                <a:schemeClr val="tx1"/>
+                              </a:solidFill>
+                              <a:latin typeface="Cambria Math" panose="02040503050406030204" pitchFamily="18" charset="0"/>
+                            </a:rPr>
+                          </m:ctrlPr>
+                        </m:sSubPr>
+                        <m:e>
+                          <m:r>
+                            <a:rPr lang="en-US" sz="3600" i="1">
+                              <a:solidFill>
+                                <a:schemeClr val="tx1"/>
+                              </a:solidFill>
+                              <a:latin typeface="Cambria Math" panose="02040503050406030204" pitchFamily="18" charset="0"/>
+                            </a:rPr>
+                            <m:t>𝑆</m:t>
+                          </m:r>
+                        </m:e>
+                        <m:sub>
+                          <m:r>
+                            <a:rPr lang="en-US" sz="3600" i="1">
+                              <a:solidFill>
+                                <a:schemeClr val="tx1"/>
+                              </a:solidFill>
+                              <a:latin typeface="Cambria Math" panose="02040503050406030204" pitchFamily="18" charset="0"/>
+                            </a:rPr>
+                            <m:t>𝑊</m:t>
+                          </m:r>
+                        </m:sub>
+                      </m:sSub>
                       <m:d>
                         <m:dPr>
                           <m:ctrlPr>
-                            <a:rPr lang="en-US" sz="3200" i="1">
+                            <a:rPr lang="en-US" sz="3600" i="1">
                               <a:solidFill>
                                 <a:schemeClr val="tx1"/>
                               </a:solidFill>
@@ -4042,7 +3996,93 @@
                         </m:dPr>
                         <m:e>
                           <m:r>
-                            <a:rPr lang="en-US" sz="3200" i="1">
+                            <a:rPr lang="en-US" sz="3600" i="1">
+                              <a:solidFill>
+                                <a:schemeClr val="tx1"/>
+                              </a:solidFill>
+                              <a:latin typeface="Cambria Math" panose="02040503050406030204" pitchFamily="18" charset="0"/>
+                            </a:rPr>
+                            <m:t>𝑞</m:t>
+                          </m:r>
+                          <m:r>
+                            <a:rPr lang="en-US" sz="3600" i="1">
+                              <a:solidFill>
+                                <a:schemeClr val="tx1"/>
+                              </a:solidFill>
+                              <a:latin typeface="Cambria Math" panose="02040503050406030204" pitchFamily="18" charset="0"/>
+                            </a:rPr>
+                            <m:t>,</m:t>
+                          </m:r>
+                          <m:sSup>
+                            <m:sSupPr>
+                              <m:ctrlPr>
+                                <a:rPr lang="en-US" sz="3600" b="0" i="1" smtClean="0">
+                                  <a:solidFill>
+                                    <a:schemeClr val="tx1"/>
+                                  </a:solidFill>
+                                  <a:latin typeface="Cambria Math" panose="02040503050406030204" pitchFamily="18" charset="0"/>
+                                </a:rPr>
+                              </m:ctrlPr>
+                            </m:sSupPr>
+                            <m:e>
+                              <m:r>
+                                <a:rPr lang="en-US" sz="3600" i="1">
+                                  <a:solidFill>
+                                    <a:schemeClr val="tx1"/>
+                                  </a:solidFill>
+                                  <a:latin typeface="Cambria Math" panose="02040503050406030204" pitchFamily="18" charset="0"/>
+                                </a:rPr>
+                                <m:t>𝑝</m:t>
+                              </m:r>
+                            </m:e>
+                            <m:sup>
+                              <m:r>
+                                <a:rPr lang="en-US" sz="3600" b="0" i="1" smtClean="0">
+                                  <a:solidFill>
+                                    <a:schemeClr val="tx1"/>
+                                  </a:solidFill>
+                                  <a:latin typeface="Cambria Math" panose="02040503050406030204" pitchFamily="18" charset="0"/>
+                                </a:rPr>
+                                <m:t>+</m:t>
+                              </m:r>
+                            </m:sup>
+                          </m:sSup>
+                        </m:e>
+                      </m:d>
+                      <m:r>
+                        <a:rPr lang="en-US" sz="3600" b="0" i="1" smtClean="0">
+                          <a:solidFill>
+                            <a:schemeClr val="tx1"/>
+                          </a:solidFill>
+                          <a:latin typeface="Cambria Math" panose="02040503050406030204" pitchFamily="18" charset="0"/>
+                        </a:rPr>
+                        <m:t>&gt;</m:t>
+                      </m:r>
+                      <m:sSub>
+                        <m:sSubPr>
+                          <m:ctrlPr>
+                            <a:rPr lang="en-US" sz="3600" b="0" i="1" smtClean="0">
+                              <a:solidFill>
+                                <a:schemeClr val="tx1"/>
+                              </a:solidFill>
+                              <a:latin typeface="Cambria Math" panose="02040503050406030204" pitchFamily="18" charset="0"/>
+                            </a:rPr>
+                          </m:ctrlPr>
+                        </m:sSubPr>
+                        <m:e>
+                          <m:r>
+                            <a:rPr lang="en-US" sz="3600" b="0" i="1" smtClean="0">
+                              <a:solidFill>
+                                <a:schemeClr val="tx1"/>
+                              </a:solidFill>
+                              <a:latin typeface="Cambria Math" panose="02040503050406030204" pitchFamily="18" charset="0"/>
+                            </a:rPr>
+                            <m:t>𝑆</m:t>
+                          </m:r>
+                        </m:e>
+                        <m:sub>
+                          <m:r>
+                            <a:rPr lang="en-US" sz="3600" b="0" i="1" smtClean="0">
                               <a:solidFill>
                                 <a:schemeClr val="tx1"/>
                               </a:solidFill>
@@ -4050,588 +4090,82 @@
                             </a:rPr>
                             <m:t>𝑊</m:t>
                           </m:r>
-                        </m:e>
-                      </m:d>
+                        </m:sub>
+                      </m:sSub>
                       <m:r>
-                        <a:rPr lang="en-US" sz="3200" i="1">
+                        <a:rPr lang="en-US" sz="3600" b="0" i="1" smtClean="0">
                           <a:solidFill>
                             <a:schemeClr val="tx1"/>
                           </a:solidFill>
                           <a:latin typeface="Cambria Math" panose="02040503050406030204" pitchFamily="18" charset="0"/>
                         </a:rPr>
-                        <m:t>=</m:t>
+                        <m:t>(</m:t>
                       </m:r>
-                      <m:func>
-                        <m:funcPr>
+                      <m:r>
+                        <a:rPr lang="en-US" sz="3600" b="0" i="1" smtClean="0">
+                          <a:solidFill>
+                            <a:schemeClr val="tx1"/>
+                          </a:solidFill>
+                          <a:latin typeface="Cambria Math" panose="02040503050406030204" pitchFamily="18" charset="0"/>
+                        </a:rPr>
+                        <m:t>𝑞</m:t>
+                      </m:r>
+                      <m:r>
+                        <a:rPr lang="en-US" sz="3600" b="0" i="1" smtClean="0">
+                          <a:solidFill>
+                            <a:schemeClr val="tx1"/>
+                          </a:solidFill>
+                          <a:latin typeface="Cambria Math" panose="02040503050406030204" pitchFamily="18" charset="0"/>
+                        </a:rPr>
+                        <m:t>, </m:t>
+                      </m:r>
+                      <m:sSup>
+                        <m:sSupPr>
                           <m:ctrlPr>
-                            <a:rPr lang="en-US" sz="3200" i="1">
+                            <a:rPr lang="en-US" sz="3600" b="0" i="1" smtClean="0">
                               <a:solidFill>
                                 <a:schemeClr val="tx1"/>
                               </a:solidFill>
                               <a:latin typeface="Cambria Math" panose="02040503050406030204" pitchFamily="18" charset="0"/>
                             </a:rPr>
                           </m:ctrlPr>
-                        </m:funcPr>
-                        <m:fName>
-                          <m:limLow>
-                            <m:limLowPr>
-                              <m:ctrlPr>
-                                <a:rPr lang="en-US" sz="3200" i="1">
-                                  <a:solidFill>
-                                    <a:schemeClr val="tx1"/>
-                                  </a:solidFill>
-                                  <a:latin typeface="Cambria Math" panose="02040503050406030204" pitchFamily="18" charset="0"/>
-                                </a:rPr>
-                              </m:ctrlPr>
-                            </m:limLowPr>
-                            <m:e>
-                              <m:r>
-                                <m:rPr>
-                                  <m:sty m:val="p"/>
-                                </m:rPr>
-                                <a:rPr lang="en-US" sz="3200">
-                                  <a:solidFill>
-                                    <a:schemeClr val="tx1"/>
-                                  </a:solidFill>
-                                  <a:latin typeface="Cambria Math" panose="02040503050406030204" pitchFamily="18" charset="0"/>
-                                </a:rPr>
-                                <m:t>min</m:t>
-                              </m:r>
-                            </m:e>
-                            <m:lim>
-                              <m:r>
-                                <a:rPr lang="en-US" sz="3200" i="1">
-                                  <a:solidFill>
-                                    <a:schemeClr val="tx1"/>
-                                  </a:solidFill>
-                                  <a:latin typeface="Cambria Math" panose="02040503050406030204" pitchFamily="18" charset="0"/>
-                                </a:rPr>
-                                <m:t>𝑊</m:t>
-                              </m:r>
-                            </m:lim>
-                          </m:limLow>
-                        </m:fName>
+                        </m:sSupPr>
                         <m:e>
-                          <m:nary>
-                            <m:naryPr>
-                              <m:chr m:val="∑"/>
-                              <m:supHide m:val="on"/>
-                              <m:ctrlPr>
-                                <a:rPr lang="en-US" sz="3200" i="1">
-                                  <a:solidFill>
-                                    <a:schemeClr val="tx1"/>
-                                  </a:solidFill>
-                                  <a:latin typeface="Cambria Math" panose="02040503050406030204" pitchFamily="18" charset="0"/>
-                                </a:rPr>
-                              </m:ctrlPr>
-                            </m:naryPr>
-                            <m:sub>
-                              <m:r>
-                                <a:rPr lang="en-US" sz="3200" i="1">
-                                  <a:solidFill>
-                                    <a:schemeClr val="tx1"/>
-                                  </a:solidFill>
-                                  <a:latin typeface="Cambria Math" panose="02040503050406030204" pitchFamily="18" charset="0"/>
-                                </a:rPr>
-                                <m:t>𝑡</m:t>
-                              </m:r>
-                              <m:r>
-                                <a:rPr lang="en-US" sz="3200" i="1">
-                                  <a:solidFill>
-                                    <a:schemeClr val="tx1"/>
-                                  </a:solidFill>
-                                  <a:latin typeface="Cambria Math" panose="02040503050406030204" pitchFamily="18" charset="0"/>
-                                </a:rPr>
-                                <m:t>∈</m:t>
-                              </m:r>
-                              <m:r>
-                                <a:rPr lang="en-US" sz="3200" i="1">
-                                  <a:solidFill>
-                                    <a:schemeClr val="tx1"/>
-                                  </a:solidFill>
-                                  <a:latin typeface="Cambria Math" panose="02040503050406030204" pitchFamily="18" charset="0"/>
-                                </a:rPr>
-                                <m:t>𝒯</m:t>
-                              </m:r>
-                            </m:sub>
-                            <m:sup/>
-                            <m:e>
-                              <m:sSub>
-                                <m:sSubPr>
-                                  <m:ctrlPr>
-                                    <a:rPr lang="en-US" sz="3200" b="0" i="1" smtClean="0">
-                                      <a:solidFill>
-                                        <a:schemeClr val="tx1"/>
-                                      </a:solidFill>
-                                      <a:latin typeface="Cambria Math" panose="02040503050406030204" pitchFamily="18" charset="0"/>
-                                    </a:rPr>
-                                  </m:ctrlPr>
-                                </m:sSubPr>
-                                <m:e>
-                                  <m:d>
-                                    <m:dPr>
-                                      <m:begChr m:val="["/>
-                                      <m:endChr m:val="]"/>
-                                      <m:ctrlPr>
-                                        <a:rPr lang="en-US" sz="3200" i="1">
-                                          <a:solidFill>
-                                            <a:schemeClr val="tx1"/>
-                                          </a:solidFill>
-                                          <a:latin typeface="Cambria Math" panose="02040503050406030204" pitchFamily="18" charset="0"/>
-                                        </a:rPr>
-                                      </m:ctrlPr>
-                                    </m:dPr>
-                                    <m:e>
-                                      <m:r>
-                                        <a:rPr lang="en-US" sz="3200" i="1">
-                                          <a:solidFill>
-                                            <a:schemeClr val="tx1"/>
-                                          </a:solidFill>
-                                          <a:latin typeface="Cambria Math" panose="02040503050406030204" pitchFamily="18" charset="0"/>
-                                        </a:rPr>
-                                        <m:t>1</m:t>
-                                      </m:r>
-                                      <m:r>
-                                        <a:rPr lang="en-US" sz="3200" i="1">
-                                          <a:solidFill>
-                                            <a:schemeClr val="tx1"/>
-                                          </a:solidFill>
-                                          <a:latin typeface="Cambria Math" panose="02040503050406030204" pitchFamily="18" charset="0"/>
-                                        </a:rPr>
-                                        <m:t>−</m:t>
-                                      </m:r>
-                                      <m:sSub>
-                                        <m:sSubPr>
-                                          <m:ctrlPr>
-                                            <a:rPr lang="en-US" sz="3200" i="1">
-                                              <a:solidFill>
-                                                <a:schemeClr val="tx1"/>
-                                              </a:solidFill>
-                                              <a:latin typeface="Cambria Math" panose="02040503050406030204" pitchFamily="18" charset="0"/>
-                                            </a:rPr>
-                                          </m:ctrlPr>
-                                        </m:sSubPr>
-                                        <m:e>
-                                          <m:r>
-                                            <a:rPr lang="en-US" sz="3200" i="1">
-                                              <a:solidFill>
-                                                <a:schemeClr val="tx1"/>
-                                              </a:solidFill>
-                                              <a:latin typeface="Cambria Math" panose="02040503050406030204" pitchFamily="18" charset="0"/>
-                                            </a:rPr>
-                                            <m:t>𝑞</m:t>
-                                          </m:r>
-                                        </m:e>
-                                        <m:sub>
-                                          <m:r>
-                                            <a:rPr lang="en-US" sz="3200" i="1">
-                                              <a:solidFill>
-                                                <a:schemeClr val="tx1"/>
-                                              </a:solidFill>
-                                              <a:latin typeface="Cambria Math" panose="02040503050406030204" pitchFamily="18" charset="0"/>
-                                            </a:rPr>
-                                            <m:t>𝑡</m:t>
-                                          </m:r>
-                                        </m:sub>
-                                      </m:sSub>
-                                      <m:r>
-                                        <a:rPr lang="en-US" sz="3200" i="1">
-                                          <a:solidFill>
-                                            <a:schemeClr val="tx1"/>
-                                          </a:solidFill>
-                                          <a:latin typeface="Cambria Math" panose="02040503050406030204" pitchFamily="18" charset="0"/>
-                                        </a:rPr>
-                                        <m:t>𝑊</m:t>
-                                      </m:r>
-                                      <m:sSubSup>
-                                        <m:sSubSupPr>
-                                          <m:ctrlPr>
-                                            <a:rPr lang="en-US" sz="3200" i="1">
-                                              <a:solidFill>
-                                                <a:schemeClr val="tx1"/>
-                                              </a:solidFill>
-                                              <a:latin typeface="Cambria Math" panose="02040503050406030204" pitchFamily="18" charset="0"/>
-                                            </a:rPr>
-                                          </m:ctrlPr>
-                                        </m:sSubSupPr>
-                                        <m:e>
-                                          <m:r>
-                                            <a:rPr lang="en-US" sz="3200" i="1">
-                                              <a:solidFill>
-                                                <a:schemeClr val="tx1"/>
-                                              </a:solidFill>
-                                              <a:latin typeface="Cambria Math" panose="02040503050406030204" pitchFamily="18" charset="0"/>
-                                            </a:rPr>
-                                            <m:t>𝑝</m:t>
-                                          </m:r>
-                                        </m:e>
-                                        <m:sub>
-                                          <m:r>
-                                            <a:rPr lang="en-US" sz="3200" i="1">
-                                              <a:solidFill>
-                                                <a:schemeClr val="tx1"/>
-                                              </a:solidFill>
-                                              <a:latin typeface="Cambria Math" panose="02040503050406030204" pitchFamily="18" charset="0"/>
-                                            </a:rPr>
-                                            <m:t>𝑡</m:t>
-                                          </m:r>
-                                        </m:sub>
-                                        <m:sup>
-                                          <m:r>
-                                            <a:rPr lang="en-US" sz="3200" i="1">
-                                              <a:solidFill>
-                                                <a:schemeClr val="tx1"/>
-                                              </a:solidFill>
-                                              <a:latin typeface="Cambria Math" panose="02040503050406030204" pitchFamily="18" charset="0"/>
-                                            </a:rPr>
-                                            <m:t>+</m:t>
-                                          </m:r>
-                                        </m:sup>
-                                      </m:sSubSup>
-                                      <m:r>
-                                        <a:rPr lang="en-US" sz="3200" i="1">
-                                          <a:solidFill>
-                                            <a:schemeClr val="tx1"/>
-                                          </a:solidFill>
-                                          <a:latin typeface="Cambria Math" panose="02040503050406030204" pitchFamily="18" charset="0"/>
-                                        </a:rPr>
-                                        <m:t>+</m:t>
-                                      </m:r>
-                                      <m:sSub>
-                                        <m:sSubPr>
-                                          <m:ctrlPr>
-                                            <a:rPr lang="en-US" sz="3200" i="1">
-                                              <a:solidFill>
-                                                <a:schemeClr val="tx1"/>
-                                              </a:solidFill>
-                                              <a:latin typeface="Cambria Math" panose="02040503050406030204" pitchFamily="18" charset="0"/>
-                                            </a:rPr>
-                                          </m:ctrlPr>
-                                        </m:sSubPr>
-                                        <m:e>
-                                          <m:r>
-                                            <a:rPr lang="en-US" sz="3200" i="1">
-                                              <a:solidFill>
-                                                <a:schemeClr val="tx1"/>
-                                              </a:solidFill>
-                                              <a:latin typeface="Cambria Math" panose="02040503050406030204" pitchFamily="18" charset="0"/>
-                                            </a:rPr>
-                                            <m:t>𝑞</m:t>
-                                          </m:r>
-                                        </m:e>
-                                        <m:sub>
-                                          <m:r>
-                                            <a:rPr lang="en-US" sz="3200" i="1">
-                                              <a:solidFill>
-                                                <a:schemeClr val="tx1"/>
-                                              </a:solidFill>
-                                              <a:latin typeface="Cambria Math" panose="02040503050406030204" pitchFamily="18" charset="0"/>
-                                            </a:rPr>
-                                            <m:t>𝑡</m:t>
-                                          </m:r>
-                                        </m:sub>
-                                      </m:sSub>
-                                      <m:r>
-                                        <a:rPr lang="en-US" sz="3200" i="1">
-                                          <a:solidFill>
-                                            <a:schemeClr val="tx1"/>
-                                          </a:solidFill>
-                                          <a:latin typeface="Cambria Math" panose="02040503050406030204" pitchFamily="18" charset="0"/>
-                                        </a:rPr>
-                                        <m:t>𝑊</m:t>
-                                      </m:r>
-                                      <m:sSubSup>
-                                        <m:sSubSupPr>
-                                          <m:ctrlPr>
-                                            <a:rPr lang="en-US" sz="3200" i="1">
-                                              <a:solidFill>
-                                                <a:schemeClr val="tx1"/>
-                                              </a:solidFill>
-                                              <a:latin typeface="Cambria Math" panose="02040503050406030204" pitchFamily="18" charset="0"/>
-                                            </a:rPr>
-                                          </m:ctrlPr>
-                                        </m:sSubSupPr>
-                                        <m:e>
-                                          <m:r>
-                                            <a:rPr lang="en-US" sz="3200" i="1">
-                                              <a:solidFill>
-                                                <a:schemeClr val="tx1"/>
-                                              </a:solidFill>
-                                              <a:latin typeface="Cambria Math" panose="02040503050406030204" pitchFamily="18" charset="0"/>
-                                            </a:rPr>
-                                            <m:t>𝑝</m:t>
-                                          </m:r>
-                                        </m:e>
-                                        <m:sub>
-                                          <m:r>
-                                            <a:rPr lang="en-US" sz="3200" i="1">
-                                              <a:solidFill>
-                                                <a:schemeClr val="tx1"/>
-                                              </a:solidFill>
-                                              <a:latin typeface="Cambria Math" panose="02040503050406030204" pitchFamily="18" charset="0"/>
-                                            </a:rPr>
-                                            <m:t>𝑡</m:t>
-                                          </m:r>
-                                        </m:sub>
-                                        <m:sup>
-                                          <m:r>
-                                            <a:rPr lang="en-US" sz="3200" i="1">
-                                              <a:solidFill>
-                                                <a:schemeClr val="tx1"/>
-                                              </a:solidFill>
-                                              <a:latin typeface="Cambria Math" panose="02040503050406030204" pitchFamily="18" charset="0"/>
-                                            </a:rPr>
-                                            <m:t>−</m:t>
-                                          </m:r>
-                                        </m:sup>
-                                      </m:sSubSup>
-                                    </m:e>
-                                  </m:d>
-                                </m:e>
-                                <m:sub>
-                                  <m:r>
-                                    <a:rPr lang="en-US" sz="3200" b="0" i="1" smtClean="0">
-                                      <a:solidFill>
-                                        <a:schemeClr val="tx1"/>
-                                      </a:solidFill>
-                                      <a:latin typeface="Cambria Math" panose="02040503050406030204" pitchFamily="18" charset="0"/>
-                                    </a:rPr>
-                                    <m:t>+</m:t>
-                                  </m:r>
-                                </m:sub>
-                              </m:sSub>
-                            </m:e>
-                          </m:nary>
+                          <m:r>
+                            <a:rPr lang="en-US" sz="3600" b="0" i="1" smtClean="0">
+                              <a:solidFill>
+                                <a:schemeClr val="tx1"/>
+                              </a:solidFill>
+                              <a:latin typeface="Cambria Math" panose="02040503050406030204" pitchFamily="18" charset="0"/>
+                            </a:rPr>
+                            <m:t>𝑝</m:t>
+                          </m:r>
                         </m:e>
-                      </m:func>
+                        <m:sup>
+                          <m:r>
+                            <a:rPr lang="en-US" sz="3600" b="0" i="1" smtClean="0">
+                              <a:solidFill>
+                                <a:schemeClr val="tx1"/>
+                              </a:solidFill>
+                              <a:latin typeface="Cambria Math" panose="02040503050406030204" pitchFamily="18" charset="0"/>
+                            </a:rPr>
+                            <m:t>−</m:t>
+                          </m:r>
+                        </m:sup>
+                      </m:sSup>
+                      <m:r>
+                        <a:rPr lang="en-US" sz="3600" b="0" i="1" smtClean="0">
+                          <a:solidFill>
+                            <a:schemeClr val="tx1"/>
+                          </a:solidFill>
+                          <a:latin typeface="Cambria Math" panose="02040503050406030204" pitchFamily="18" charset="0"/>
+                        </a:rPr>
+                        <m:t>)</m:t>
+                      </m:r>
                     </m:oMath>
                   </m:oMathPara>
                 </a14:m>
-                <a:endParaRPr lang="en-US" sz="3200" i="1" dirty="0" smtClean="0">
-                  <a:solidFill>
-                    <a:schemeClr val="tx1"/>
-                  </a:solidFill>
-                </a:endParaRPr>
-              </a:p>
-              <a:p>
-                <a:pPr algn="l" rtl="0"/>
-                <a14:m>
-                  <m:oMath xmlns:m="http://schemas.openxmlformats.org/officeDocument/2006/math">
-                    <m:r>
-                      <a:rPr lang="en-US" sz="3200" i="1">
-                        <a:solidFill>
-                          <a:schemeClr val="tx1"/>
-                        </a:solidFill>
-                        <a:latin typeface="Cambria Math" panose="02040503050406030204" pitchFamily="18" charset="0"/>
-                      </a:rPr>
-                      <m:t>−</m:t>
-                    </m:r>
-                    <m:r>
-                      <a:rPr lang="en-US" sz="3200" i="1">
-                        <a:solidFill>
-                          <a:schemeClr val="tx1"/>
-                        </a:solidFill>
-                        <a:latin typeface="Cambria Math" panose="02040503050406030204" pitchFamily="18" charset="0"/>
-                      </a:rPr>
-                      <m:t>𝛼</m:t>
-                    </m:r>
-                    <m:func>
-                      <m:funcPr>
-                        <m:ctrlPr>
-                          <a:rPr lang="en-US" sz="3200" i="1">
-                            <a:solidFill>
-                              <a:schemeClr val="tx1"/>
-                            </a:solidFill>
-                            <a:latin typeface="Cambria Math" panose="02040503050406030204" pitchFamily="18" charset="0"/>
-                          </a:rPr>
-                        </m:ctrlPr>
-                      </m:funcPr>
-                      <m:fName>
-                        <m:r>
-                          <m:rPr>
-                            <m:sty m:val="p"/>
-                          </m:rPr>
-                          <a:rPr lang="en-US" sz="3200">
-                            <a:solidFill>
-                              <a:schemeClr val="tx1"/>
-                            </a:solidFill>
-                            <a:latin typeface="Cambria Math" panose="02040503050406030204" pitchFamily="18" charset="0"/>
-                          </a:rPr>
-                          <m:t>log</m:t>
-                        </m:r>
-                      </m:fName>
-                      <m:e>
-                        <m:func>
-                          <m:funcPr>
-                            <m:ctrlPr>
-                              <a:rPr lang="en-US" sz="3200" i="1">
-                                <a:solidFill>
-                                  <a:schemeClr val="tx1"/>
-                                </a:solidFill>
-                                <a:latin typeface="Cambria Math" panose="02040503050406030204" pitchFamily="18" charset="0"/>
-                              </a:rPr>
-                            </m:ctrlPr>
-                          </m:funcPr>
-                          <m:fName>
-                            <m:r>
-                              <m:rPr>
-                                <m:sty m:val="p"/>
-                              </m:rPr>
-                              <a:rPr lang="en-US" sz="3200">
-                                <a:solidFill>
-                                  <a:schemeClr val="tx1"/>
-                                </a:solidFill>
-                                <a:latin typeface="Cambria Math" panose="02040503050406030204" pitchFamily="18" charset="0"/>
-                              </a:rPr>
-                              <m:t>det</m:t>
-                            </m:r>
-                          </m:fName>
-                          <m:e>
-                            <m:r>
-                              <a:rPr lang="en-US" sz="3200" i="1">
-                                <a:solidFill>
-                                  <a:schemeClr val="tx1"/>
-                                </a:solidFill>
-                                <a:latin typeface="Cambria Math" panose="02040503050406030204" pitchFamily="18" charset="0"/>
-                              </a:rPr>
-                              <m:t>𝑊</m:t>
-                            </m:r>
-                          </m:e>
-                        </m:func>
-                      </m:e>
-                    </m:func>
-                    <m:r>
-                      <a:rPr lang="en-US" sz="3200" i="1">
-                        <a:solidFill>
-                          <a:schemeClr val="tx1"/>
-                        </a:solidFill>
-                        <a:latin typeface="Cambria Math" panose="02040503050406030204" pitchFamily="18" charset="0"/>
-                      </a:rPr>
-                      <m:t>+</m:t>
-                    </m:r>
-                    <m:f>
-                      <m:fPr>
-                        <m:ctrlPr>
-                          <a:rPr lang="en-US" sz="3200" i="1">
-                            <a:solidFill>
-                              <a:schemeClr val="tx1"/>
-                            </a:solidFill>
-                            <a:latin typeface="Cambria Math" panose="02040503050406030204" pitchFamily="18" charset="0"/>
-                          </a:rPr>
-                        </m:ctrlPr>
-                      </m:fPr>
-                      <m:num>
-                        <m:r>
-                          <a:rPr lang="en-US" sz="3200" i="1">
-                            <a:solidFill>
-                              <a:schemeClr val="tx1"/>
-                            </a:solidFill>
-                            <a:latin typeface="Cambria Math" panose="02040503050406030204" pitchFamily="18" charset="0"/>
-                          </a:rPr>
-                          <m:t>𝛽</m:t>
-                        </m:r>
-                      </m:num>
-                      <m:den>
-                        <m:r>
-                          <a:rPr lang="en-US" sz="3200" i="1">
-                            <a:solidFill>
-                              <a:schemeClr val="tx1"/>
-                            </a:solidFill>
-                            <a:latin typeface="Cambria Math" panose="02040503050406030204" pitchFamily="18" charset="0"/>
-                          </a:rPr>
-                          <m:t>2</m:t>
-                        </m:r>
-                      </m:den>
-                    </m:f>
-                    <m:r>
-                      <a:rPr lang="en-US" sz="3200" i="1">
-                        <a:solidFill>
-                          <a:schemeClr val="tx1"/>
-                        </a:solidFill>
-                        <a:latin typeface="Cambria Math" panose="02040503050406030204" pitchFamily="18" charset="0"/>
-                      </a:rPr>
-                      <m:t> </m:t>
-                    </m:r>
-                    <m:sSubSup>
-                      <m:sSubSupPr>
-                        <m:ctrlPr>
-                          <a:rPr lang="en-US" sz="3200" i="1">
-                            <a:solidFill>
-                              <a:schemeClr val="tx1"/>
-                            </a:solidFill>
-                            <a:latin typeface="Cambria Math" panose="02040503050406030204" pitchFamily="18" charset="0"/>
-                          </a:rPr>
-                        </m:ctrlPr>
-                      </m:sSubSupPr>
-                      <m:e>
-                        <m:d>
-                          <m:dPr>
-                            <m:begChr m:val="‖"/>
-                            <m:endChr m:val="‖"/>
-                            <m:ctrlPr>
-                              <a:rPr lang="en-US" sz="3200" i="1">
-                                <a:solidFill>
-                                  <a:schemeClr val="tx1"/>
-                                </a:solidFill>
-                                <a:latin typeface="Cambria Math" panose="02040503050406030204" pitchFamily="18" charset="0"/>
-                              </a:rPr>
-                            </m:ctrlPr>
-                          </m:dPr>
-                          <m:e>
-                            <m:r>
-                              <a:rPr lang="en-US" sz="3200" i="1">
-                                <a:solidFill>
-                                  <a:schemeClr val="tx1"/>
-                                </a:solidFill>
-                                <a:latin typeface="Cambria Math" panose="02040503050406030204" pitchFamily="18" charset="0"/>
-                              </a:rPr>
-                              <m:t>𝑊</m:t>
-                            </m:r>
-                          </m:e>
-                        </m:d>
-                      </m:e>
-                      <m:sub>
-                        <m:r>
-                          <a:rPr lang="en-US" sz="3200" i="1">
-                            <a:solidFill>
-                              <a:schemeClr val="tx1"/>
-                            </a:solidFill>
-                            <a:latin typeface="Cambria Math" panose="02040503050406030204" pitchFamily="18" charset="0"/>
-                          </a:rPr>
-                          <m:t>𝐹</m:t>
-                        </m:r>
-                      </m:sub>
-                      <m:sup>
-                        <m:r>
-                          <a:rPr lang="en-US" sz="3200" i="1">
-                            <a:solidFill>
-                              <a:schemeClr val="tx1"/>
-                            </a:solidFill>
-                            <a:latin typeface="Cambria Math" panose="02040503050406030204" pitchFamily="18" charset="0"/>
-                          </a:rPr>
-                          <m:t>2</m:t>
-                        </m:r>
-                      </m:sup>
-                    </m:sSubSup>
-                  </m:oMath>
-                </a14:m>
-                <a:r>
-                  <a:rPr lang="en-US" sz="3300" dirty="0" smtClean="0">
-                    <a:solidFill>
-                      <a:schemeClr val="tx1"/>
-                    </a:solidFill>
-                  </a:rPr>
-                  <a:t>, with gradient steps inside the PD cone.</a:t>
-                </a:r>
-                <a:endParaRPr lang="he-IL" sz="3300" dirty="0" smtClean="0">
-                  <a:solidFill>
-                    <a:schemeClr val="tx1"/>
-                  </a:solidFill>
-                </a:endParaRPr>
-              </a:p>
-              <a:p>
-                <a:pPr marL="607499" lvl="0" indent="-607499" algn="ctr" rtl="0"/>
-                <a:endParaRPr lang="en-US" sz="4800" dirty="0" smtClean="0">
+                <a:endParaRPr lang="en-US" sz="3600" dirty="0" smtClean="0">
                   <a:solidFill>
                     <a:schemeClr val="tx1"/>
                   </a:solidFill>
@@ -4640,7 +4174,7 @@
             </p:txBody>
           </p:sp>
         </mc:Choice>
-        <mc:Fallback xmlns="">
+        <mc:Fallback>
           <p:sp>
             <p:nvSpPr>
               <p:cNvPr id="129" name="Rounded Rectangle 128"/>
@@ -4897,7 +4431,7 @@
         <p:spPr>
           <a:xfrm>
             <a:off x="21602700" y="24764108"/>
-            <a:ext cx="9361040" cy="7135661"/>
+            <a:ext cx="9361040" cy="7191935"/>
           </a:xfrm>
           <a:prstGeom prst="roundRect">
             <a:avLst/>
@@ -5724,66 +5258,791 @@
           </p:sp>
         </mc:Fallback>
       </mc:AlternateContent>
-      <p:sp>
-        <p:nvSpPr>
-          <p:cNvPr id="20" name="Rounded Rectangle 19"/>
-          <p:cNvSpPr/>
-          <p:nvPr/>
-        </p:nvSpPr>
-        <p:spPr>
-          <a:xfrm>
-            <a:off x="11449571" y="4968776"/>
-            <a:ext cx="9433050" cy="15203237"/>
-          </a:xfrm>
-          <a:prstGeom prst="roundRect">
-            <a:avLst/>
-          </a:prstGeom>
-          <a:solidFill>
-            <a:schemeClr val="bg1"/>
-          </a:solidFill>
-          <a:ln w="76200">
-            <a:solidFill>
-              <a:schemeClr val="tx1"/>
-            </a:solidFill>
-          </a:ln>
-        </p:spPr>
-        <p:style>
-          <a:lnRef idx="2">
-            <a:schemeClr val="accent1">
-              <a:shade val="50000"/>
-            </a:schemeClr>
-          </a:lnRef>
-          <a:fillRef idx="1">
-            <a:schemeClr val="accent1"/>
-          </a:fillRef>
-          <a:effectRef idx="0">
-            <a:schemeClr val="accent1"/>
-          </a:effectRef>
-          <a:fontRef idx="minor">
-            <a:schemeClr val="lt1"/>
-          </a:fontRef>
-        </p:style>
-        <p:txBody>
-          <a:bodyPr lIns="83976" tIns="41987" rIns="83976" bIns="41987" rtlCol="1" anchor="t"/>
-          <a:lstStyle/>
-          <a:p>
-            <a:pPr lvl="0" algn="ctr" rtl="0"/>
-            <a:r>
-              <a:rPr lang="en-US" sz="4400" b="1" smtClean="0">
+      <mc:AlternateContent xmlns:mc="http://schemas.openxmlformats.org/markup-compatibility/2006">
+        <mc:Choice xmlns:a14="http://schemas.microsoft.com/office/drawing/2010/main" Requires="a14">
+          <p:sp>
+            <p:nvSpPr>
+              <p:cNvPr id="20" name="Rounded Rectangle 19"/>
+              <p:cNvSpPr/>
+              <p:nvPr/>
+            </p:nvSpPr>
+            <p:spPr>
+              <a:xfrm>
+                <a:off x="11449571" y="4968776"/>
+                <a:ext cx="9433050" cy="16201801"/>
+              </a:xfrm>
+              <a:prstGeom prst="roundRect">
+                <a:avLst/>
+              </a:prstGeom>
+              <a:solidFill>
+                <a:schemeClr val="bg1"/>
+              </a:solidFill>
+              <a:ln w="76200">
                 <a:solidFill>
                   <a:schemeClr val="tx1"/>
                 </a:solidFill>
-              </a:rPr>
-              <a:t>A row-column coordinate step</a:t>
-            </a:r>
-            <a:endParaRPr lang="en-US" sz="4300" dirty="0">
-              <a:solidFill>
-                <a:prstClr val="black"/>
-              </a:solidFill>
-            </a:endParaRPr>
-          </a:p>
-        </p:txBody>
-      </p:sp>
+              </a:ln>
+            </p:spPr>
+            <p:style>
+              <a:lnRef idx="2">
+                <a:schemeClr val="accent1">
+                  <a:shade val="50000"/>
+                </a:schemeClr>
+              </a:lnRef>
+              <a:fillRef idx="1">
+                <a:schemeClr val="accent1"/>
+              </a:fillRef>
+              <a:effectRef idx="0">
+                <a:schemeClr val="accent1"/>
+              </a:effectRef>
+              <a:fontRef idx="minor">
+                <a:schemeClr val="lt1"/>
+              </a:fontRef>
+            </p:style>
+            <p:txBody>
+              <a:bodyPr lIns="83976" tIns="41987" rIns="83976" bIns="41987" rtlCol="1" anchor="t"/>
+              <a:lstStyle/>
+              <a:p>
+                <a:pPr marL="607499" lvl="0" indent="-607499" algn="ctr" rtl="0"/>
+                <a:r>
+                  <a:rPr lang="en-US" sz="4400" b="1" dirty="0">
+                    <a:solidFill>
+                      <a:prstClr val="black"/>
+                    </a:solidFill>
+                  </a:rPr>
+                  <a:t>The Learning Setup</a:t>
+                </a:r>
+              </a:p>
+              <a:p>
+                <a:pPr lvl="0" algn="l" rtl="0"/>
+                <a:r>
+                  <a:rPr lang="en-US" sz="3600" dirty="0">
+                    <a:solidFill>
+                      <a:prstClr val="black"/>
+                    </a:solidFill>
+                  </a:rPr>
+                  <a:t>We </a:t>
+                </a:r>
+                <a:r>
+                  <a:rPr lang="en-US" sz="3600" dirty="0">
+                    <a:solidFill>
+                      <a:prstClr val="black"/>
+                    </a:solidFill>
+                  </a:rPr>
+                  <a:t>aim to optimize the following </a:t>
+                </a:r>
+                <a:r>
+                  <a:rPr lang="en-US" sz="3600" dirty="0">
+                    <a:solidFill>
+                      <a:prstClr val="black"/>
+                    </a:solidFill>
+                  </a:rPr>
+                  <a:t>objective</a:t>
+                </a:r>
+                <a:r>
+                  <a:rPr lang="en-US" sz="3600" dirty="0">
+                    <a:solidFill>
+                      <a:prstClr val="black"/>
+                    </a:solidFill>
+                  </a:rPr>
+                  <a:t>:</a:t>
+                </a:r>
+              </a:p>
+              <a:p>
+                <a:pPr lvl="0" algn="l" rtl="0"/>
+                <a14:m>
+                  <m:oMathPara xmlns:m="http://schemas.openxmlformats.org/officeDocument/2006/math">
+                    <m:oMathParaPr>
+                      <m:jc m:val="left"/>
+                    </m:oMathParaPr>
+                    <m:oMath xmlns:m="http://schemas.openxmlformats.org/officeDocument/2006/math">
+                      <m:r>
+                        <a:rPr lang="en-US" sz="3200" i="1">
+                          <a:solidFill>
+                            <a:prstClr val="black"/>
+                          </a:solidFill>
+                          <a:latin typeface="Cambria Math" panose="02040503050406030204" pitchFamily="18" charset="0"/>
+                        </a:rPr>
+                        <m:t>𝐿</m:t>
+                      </m:r>
+                      <m:d>
+                        <m:dPr>
+                          <m:ctrlPr>
+                            <a:rPr lang="en-US" sz="3200" i="1">
+                              <a:solidFill>
+                                <a:prstClr val="black"/>
+                              </a:solidFill>
+                              <a:latin typeface="Cambria Math" panose="02040503050406030204" pitchFamily="18" charset="0"/>
+                            </a:rPr>
+                          </m:ctrlPr>
+                        </m:dPr>
+                        <m:e>
+                          <m:r>
+                            <a:rPr lang="en-US" sz="3200" i="1">
+                              <a:solidFill>
+                                <a:prstClr val="black"/>
+                              </a:solidFill>
+                              <a:latin typeface="Cambria Math" panose="02040503050406030204" pitchFamily="18" charset="0"/>
+                            </a:rPr>
+                            <m:t>𝑊</m:t>
+                          </m:r>
+                        </m:e>
+                      </m:d>
+                      <m:r>
+                        <a:rPr lang="en-US" sz="3200" i="1">
+                          <a:solidFill>
+                            <a:prstClr val="black"/>
+                          </a:solidFill>
+                          <a:latin typeface="Cambria Math" panose="02040503050406030204" pitchFamily="18" charset="0"/>
+                        </a:rPr>
+                        <m:t>=</m:t>
+                      </m:r>
+                      <m:func>
+                        <m:funcPr>
+                          <m:ctrlPr>
+                            <a:rPr lang="en-US" sz="3200" i="1">
+                              <a:solidFill>
+                                <a:prstClr val="black"/>
+                              </a:solidFill>
+                              <a:latin typeface="Cambria Math" panose="02040503050406030204" pitchFamily="18" charset="0"/>
+                            </a:rPr>
+                          </m:ctrlPr>
+                        </m:funcPr>
+                        <m:fName>
+                          <m:limLow>
+                            <m:limLowPr>
+                              <m:ctrlPr>
+                                <a:rPr lang="en-US" sz="3200" i="1">
+                                  <a:solidFill>
+                                    <a:prstClr val="black"/>
+                                  </a:solidFill>
+                                  <a:latin typeface="Cambria Math" panose="02040503050406030204" pitchFamily="18" charset="0"/>
+                                </a:rPr>
+                              </m:ctrlPr>
+                            </m:limLowPr>
+                            <m:e>
+                              <m:r>
+                                <m:rPr>
+                                  <m:sty m:val="p"/>
+                                </m:rPr>
+                                <a:rPr lang="en-US" sz="3200">
+                                  <a:solidFill>
+                                    <a:prstClr val="black"/>
+                                  </a:solidFill>
+                                  <a:latin typeface="Cambria Math" panose="02040503050406030204" pitchFamily="18" charset="0"/>
+                                </a:rPr>
+                                <m:t>min</m:t>
+                              </m:r>
+                            </m:e>
+                            <m:lim>
+                              <m:r>
+                                <a:rPr lang="en-US" sz="3200" i="1">
+                                  <a:solidFill>
+                                    <a:prstClr val="black"/>
+                                  </a:solidFill>
+                                  <a:latin typeface="Cambria Math" panose="02040503050406030204" pitchFamily="18" charset="0"/>
+                                </a:rPr>
+                                <m:t>𝑊</m:t>
+                              </m:r>
+                            </m:lim>
+                          </m:limLow>
+                        </m:fName>
+                        <m:e>
+                          <m:nary>
+                            <m:naryPr>
+                              <m:chr m:val="∑"/>
+                              <m:supHide m:val="on"/>
+                              <m:ctrlPr>
+                                <a:rPr lang="en-US" sz="3200" i="1">
+                                  <a:solidFill>
+                                    <a:prstClr val="black"/>
+                                  </a:solidFill>
+                                  <a:latin typeface="Cambria Math" panose="02040503050406030204" pitchFamily="18" charset="0"/>
+                                </a:rPr>
+                              </m:ctrlPr>
+                            </m:naryPr>
+                            <m:sub>
+                              <m:r>
+                                <a:rPr lang="en-US" sz="3200" i="1">
+                                  <a:solidFill>
+                                    <a:prstClr val="black"/>
+                                  </a:solidFill>
+                                  <a:latin typeface="Cambria Math" panose="02040503050406030204" pitchFamily="18" charset="0"/>
+                                </a:rPr>
+                                <m:t>𝑡</m:t>
+                              </m:r>
+                              <m:r>
+                                <a:rPr lang="en-US" sz="3200" i="1">
+                                  <a:solidFill>
+                                    <a:prstClr val="black"/>
+                                  </a:solidFill>
+                                  <a:latin typeface="Cambria Math" panose="02040503050406030204" pitchFamily="18" charset="0"/>
+                                </a:rPr>
+                                <m:t>∈</m:t>
+                              </m:r>
+                              <m:r>
+                                <a:rPr lang="en-US" sz="3200" i="1">
+                                  <a:solidFill>
+                                    <a:prstClr val="black"/>
+                                  </a:solidFill>
+                                  <a:latin typeface="Cambria Math" panose="02040503050406030204" pitchFamily="18" charset="0"/>
+                                </a:rPr>
+                                <m:t>𝒯</m:t>
+                              </m:r>
+                            </m:sub>
+                            <m:sup/>
+                            <m:e>
+                              <m:sSub>
+                                <m:sSubPr>
+                                  <m:ctrlPr>
+                                    <a:rPr lang="en-US" sz="3200" i="1">
+                                      <a:solidFill>
+                                        <a:prstClr val="black"/>
+                                      </a:solidFill>
+                                      <a:latin typeface="Cambria Math" panose="02040503050406030204" pitchFamily="18" charset="0"/>
+                                    </a:rPr>
+                                  </m:ctrlPr>
+                                </m:sSubPr>
+                                <m:e>
+                                  <m:d>
+                                    <m:dPr>
+                                      <m:begChr m:val="["/>
+                                      <m:endChr m:val="]"/>
+                                      <m:ctrlPr>
+                                        <a:rPr lang="en-US" sz="3200" i="1">
+                                          <a:solidFill>
+                                            <a:prstClr val="black"/>
+                                          </a:solidFill>
+                                          <a:latin typeface="Cambria Math" panose="02040503050406030204" pitchFamily="18" charset="0"/>
+                                        </a:rPr>
+                                      </m:ctrlPr>
+                                    </m:dPr>
+                                    <m:e>
+                                      <m:r>
+                                        <a:rPr lang="en-US" sz="3200" i="1">
+                                          <a:solidFill>
+                                            <a:prstClr val="black"/>
+                                          </a:solidFill>
+                                          <a:latin typeface="Cambria Math" panose="02040503050406030204" pitchFamily="18" charset="0"/>
+                                        </a:rPr>
+                                        <m:t>1</m:t>
+                                      </m:r>
+                                      <m:r>
+                                        <a:rPr lang="en-US" sz="3200" i="1">
+                                          <a:solidFill>
+                                            <a:prstClr val="black"/>
+                                          </a:solidFill>
+                                          <a:latin typeface="Cambria Math" panose="02040503050406030204" pitchFamily="18" charset="0"/>
+                                        </a:rPr>
+                                        <m:t>−</m:t>
+                                      </m:r>
+                                      <m:sSub>
+                                        <m:sSubPr>
+                                          <m:ctrlPr>
+                                            <a:rPr lang="en-US" sz="3200" i="1">
+                                              <a:solidFill>
+                                                <a:prstClr val="black"/>
+                                              </a:solidFill>
+                                              <a:latin typeface="Cambria Math" panose="02040503050406030204" pitchFamily="18" charset="0"/>
+                                            </a:rPr>
+                                          </m:ctrlPr>
+                                        </m:sSubPr>
+                                        <m:e>
+                                          <m:r>
+                                            <a:rPr lang="en-US" sz="3200" i="1">
+                                              <a:solidFill>
+                                                <a:prstClr val="black"/>
+                                              </a:solidFill>
+                                              <a:latin typeface="Cambria Math" panose="02040503050406030204" pitchFamily="18" charset="0"/>
+                                            </a:rPr>
+                                            <m:t>𝑞</m:t>
+                                          </m:r>
+                                        </m:e>
+                                        <m:sub>
+                                          <m:r>
+                                            <a:rPr lang="en-US" sz="3200" i="1">
+                                              <a:solidFill>
+                                                <a:prstClr val="black"/>
+                                              </a:solidFill>
+                                              <a:latin typeface="Cambria Math" panose="02040503050406030204" pitchFamily="18" charset="0"/>
+                                            </a:rPr>
+                                            <m:t>𝑡</m:t>
+                                          </m:r>
+                                        </m:sub>
+                                      </m:sSub>
+                                      <m:r>
+                                        <a:rPr lang="en-US" sz="3200" i="1">
+                                          <a:solidFill>
+                                            <a:prstClr val="black"/>
+                                          </a:solidFill>
+                                          <a:latin typeface="Cambria Math" panose="02040503050406030204" pitchFamily="18" charset="0"/>
+                                        </a:rPr>
+                                        <m:t>𝑊</m:t>
+                                      </m:r>
+                                      <m:sSubSup>
+                                        <m:sSubSupPr>
+                                          <m:ctrlPr>
+                                            <a:rPr lang="en-US" sz="3200" i="1">
+                                              <a:solidFill>
+                                                <a:prstClr val="black"/>
+                                              </a:solidFill>
+                                              <a:latin typeface="Cambria Math" panose="02040503050406030204" pitchFamily="18" charset="0"/>
+                                            </a:rPr>
+                                          </m:ctrlPr>
+                                        </m:sSubSupPr>
+                                        <m:e>
+                                          <m:r>
+                                            <a:rPr lang="en-US" sz="3200" i="1">
+                                              <a:solidFill>
+                                                <a:prstClr val="black"/>
+                                              </a:solidFill>
+                                              <a:latin typeface="Cambria Math" panose="02040503050406030204" pitchFamily="18" charset="0"/>
+                                            </a:rPr>
+                                            <m:t>𝑝</m:t>
+                                          </m:r>
+                                        </m:e>
+                                        <m:sub>
+                                          <m:r>
+                                            <a:rPr lang="en-US" sz="3200" i="1">
+                                              <a:solidFill>
+                                                <a:prstClr val="black"/>
+                                              </a:solidFill>
+                                              <a:latin typeface="Cambria Math" panose="02040503050406030204" pitchFamily="18" charset="0"/>
+                                            </a:rPr>
+                                            <m:t>𝑡</m:t>
+                                          </m:r>
+                                        </m:sub>
+                                        <m:sup>
+                                          <m:r>
+                                            <a:rPr lang="en-US" sz="3200" i="1">
+                                              <a:solidFill>
+                                                <a:prstClr val="black"/>
+                                              </a:solidFill>
+                                              <a:latin typeface="Cambria Math" panose="02040503050406030204" pitchFamily="18" charset="0"/>
+                                            </a:rPr>
+                                            <m:t>+</m:t>
+                                          </m:r>
+                                        </m:sup>
+                                      </m:sSubSup>
+                                      <m:r>
+                                        <a:rPr lang="en-US" sz="3200" i="1">
+                                          <a:solidFill>
+                                            <a:prstClr val="black"/>
+                                          </a:solidFill>
+                                          <a:latin typeface="Cambria Math" panose="02040503050406030204" pitchFamily="18" charset="0"/>
+                                        </a:rPr>
+                                        <m:t>+</m:t>
+                                      </m:r>
+                                      <m:sSub>
+                                        <m:sSubPr>
+                                          <m:ctrlPr>
+                                            <a:rPr lang="en-US" sz="3200" i="1">
+                                              <a:solidFill>
+                                                <a:prstClr val="black"/>
+                                              </a:solidFill>
+                                              <a:latin typeface="Cambria Math" panose="02040503050406030204" pitchFamily="18" charset="0"/>
+                                            </a:rPr>
+                                          </m:ctrlPr>
+                                        </m:sSubPr>
+                                        <m:e>
+                                          <m:r>
+                                            <a:rPr lang="en-US" sz="3200" i="1">
+                                              <a:solidFill>
+                                                <a:prstClr val="black"/>
+                                              </a:solidFill>
+                                              <a:latin typeface="Cambria Math" panose="02040503050406030204" pitchFamily="18" charset="0"/>
+                                            </a:rPr>
+                                            <m:t>𝑞</m:t>
+                                          </m:r>
+                                        </m:e>
+                                        <m:sub>
+                                          <m:r>
+                                            <a:rPr lang="en-US" sz="3200" i="1">
+                                              <a:solidFill>
+                                                <a:prstClr val="black"/>
+                                              </a:solidFill>
+                                              <a:latin typeface="Cambria Math" panose="02040503050406030204" pitchFamily="18" charset="0"/>
+                                            </a:rPr>
+                                            <m:t>𝑡</m:t>
+                                          </m:r>
+                                        </m:sub>
+                                      </m:sSub>
+                                      <m:r>
+                                        <a:rPr lang="en-US" sz="3200" i="1">
+                                          <a:solidFill>
+                                            <a:prstClr val="black"/>
+                                          </a:solidFill>
+                                          <a:latin typeface="Cambria Math" panose="02040503050406030204" pitchFamily="18" charset="0"/>
+                                        </a:rPr>
+                                        <m:t>𝑊</m:t>
+                                      </m:r>
+                                      <m:sSubSup>
+                                        <m:sSubSupPr>
+                                          <m:ctrlPr>
+                                            <a:rPr lang="en-US" sz="3200" i="1">
+                                              <a:solidFill>
+                                                <a:prstClr val="black"/>
+                                              </a:solidFill>
+                                              <a:latin typeface="Cambria Math" panose="02040503050406030204" pitchFamily="18" charset="0"/>
+                                            </a:rPr>
+                                          </m:ctrlPr>
+                                        </m:sSubSupPr>
+                                        <m:e>
+                                          <m:r>
+                                            <a:rPr lang="en-US" sz="3200" i="1">
+                                              <a:solidFill>
+                                                <a:prstClr val="black"/>
+                                              </a:solidFill>
+                                              <a:latin typeface="Cambria Math" panose="02040503050406030204" pitchFamily="18" charset="0"/>
+                                            </a:rPr>
+                                            <m:t>𝑝</m:t>
+                                          </m:r>
+                                        </m:e>
+                                        <m:sub>
+                                          <m:r>
+                                            <a:rPr lang="en-US" sz="3200" i="1">
+                                              <a:solidFill>
+                                                <a:prstClr val="black"/>
+                                              </a:solidFill>
+                                              <a:latin typeface="Cambria Math" panose="02040503050406030204" pitchFamily="18" charset="0"/>
+                                            </a:rPr>
+                                            <m:t>𝑡</m:t>
+                                          </m:r>
+                                        </m:sub>
+                                        <m:sup>
+                                          <m:r>
+                                            <a:rPr lang="en-US" sz="3200" i="1">
+                                              <a:solidFill>
+                                                <a:prstClr val="black"/>
+                                              </a:solidFill>
+                                              <a:latin typeface="Cambria Math" panose="02040503050406030204" pitchFamily="18" charset="0"/>
+                                            </a:rPr>
+                                            <m:t>−</m:t>
+                                          </m:r>
+                                        </m:sup>
+                                      </m:sSubSup>
+                                    </m:e>
+                                  </m:d>
+                                </m:e>
+                                <m:sub>
+                                  <m:r>
+                                    <a:rPr lang="en-US" sz="3200" i="1">
+                                      <a:solidFill>
+                                        <a:prstClr val="black"/>
+                                      </a:solidFill>
+                                      <a:latin typeface="Cambria Math" panose="02040503050406030204" pitchFamily="18" charset="0"/>
+                                    </a:rPr>
+                                    <m:t>+</m:t>
+                                  </m:r>
+                                </m:sub>
+                              </m:sSub>
+                            </m:e>
+                          </m:nary>
+                        </m:e>
+                      </m:func>
+                    </m:oMath>
+                  </m:oMathPara>
+                </a14:m>
+                <a:endParaRPr lang="en-US" sz="3200" i="1" dirty="0">
+                  <a:solidFill>
+                    <a:prstClr val="black"/>
+                  </a:solidFill>
+                </a:endParaRPr>
+              </a:p>
+              <a:p>
+                <a:pPr lvl="0" algn="l" rtl="0"/>
+                <a14:m>
+                  <m:oMath xmlns:m="http://schemas.openxmlformats.org/officeDocument/2006/math">
+                    <m:r>
+                      <a:rPr lang="en-US" sz="3200" i="1">
+                        <a:solidFill>
+                          <a:prstClr val="black"/>
+                        </a:solidFill>
+                        <a:latin typeface="Cambria Math" panose="02040503050406030204" pitchFamily="18" charset="0"/>
+                      </a:rPr>
+                      <m:t>−</m:t>
+                    </m:r>
+                    <m:r>
+                      <a:rPr lang="en-US" sz="3200" i="1">
+                        <a:solidFill>
+                          <a:prstClr val="black"/>
+                        </a:solidFill>
+                        <a:latin typeface="Cambria Math" panose="02040503050406030204" pitchFamily="18" charset="0"/>
+                      </a:rPr>
+                      <m:t>𝛼</m:t>
+                    </m:r>
+                    <m:func>
+                      <m:funcPr>
+                        <m:ctrlPr>
+                          <a:rPr lang="en-US" sz="3200" i="1">
+                            <a:solidFill>
+                              <a:prstClr val="black"/>
+                            </a:solidFill>
+                            <a:latin typeface="Cambria Math" panose="02040503050406030204" pitchFamily="18" charset="0"/>
+                          </a:rPr>
+                        </m:ctrlPr>
+                      </m:funcPr>
+                      <m:fName>
+                        <m:r>
+                          <m:rPr>
+                            <m:sty m:val="p"/>
+                          </m:rPr>
+                          <a:rPr lang="en-US" sz="3200">
+                            <a:solidFill>
+                              <a:prstClr val="black"/>
+                            </a:solidFill>
+                            <a:latin typeface="Cambria Math" panose="02040503050406030204" pitchFamily="18" charset="0"/>
+                          </a:rPr>
+                          <m:t>log</m:t>
+                        </m:r>
+                      </m:fName>
+                      <m:e>
+                        <m:func>
+                          <m:funcPr>
+                            <m:ctrlPr>
+                              <a:rPr lang="en-US" sz="3200" i="1">
+                                <a:solidFill>
+                                  <a:prstClr val="black"/>
+                                </a:solidFill>
+                                <a:latin typeface="Cambria Math" panose="02040503050406030204" pitchFamily="18" charset="0"/>
+                              </a:rPr>
+                            </m:ctrlPr>
+                          </m:funcPr>
+                          <m:fName>
+                            <m:r>
+                              <m:rPr>
+                                <m:sty m:val="p"/>
+                              </m:rPr>
+                              <a:rPr lang="en-US" sz="3200">
+                                <a:solidFill>
+                                  <a:prstClr val="black"/>
+                                </a:solidFill>
+                                <a:latin typeface="Cambria Math" panose="02040503050406030204" pitchFamily="18" charset="0"/>
+                              </a:rPr>
+                              <m:t>det</m:t>
+                            </m:r>
+                          </m:fName>
+                          <m:e>
+                            <m:r>
+                              <a:rPr lang="en-US" sz="3200" i="1">
+                                <a:solidFill>
+                                  <a:prstClr val="black"/>
+                                </a:solidFill>
+                                <a:latin typeface="Cambria Math" panose="02040503050406030204" pitchFamily="18" charset="0"/>
+                              </a:rPr>
+                              <m:t>𝑊</m:t>
+                            </m:r>
+                          </m:e>
+                        </m:func>
+                      </m:e>
+                    </m:func>
+                    <m:r>
+                      <a:rPr lang="en-US" sz="3200" i="1">
+                        <a:solidFill>
+                          <a:prstClr val="black"/>
+                        </a:solidFill>
+                        <a:latin typeface="Cambria Math" panose="02040503050406030204" pitchFamily="18" charset="0"/>
+                      </a:rPr>
+                      <m:t>+</m:t>
+                    </m:r>
+                    <m:f>
+                      <m:fPr>
+                        <m:ctrlPr>
+                          <a:rPr lang="en-US" sz="3200" i="1">
+                            <a:solidFill>
+                              <a:prstClr val="black"/>
+                            </a:solidFill>
+                            <a:latin typeface="Cambria Math" panose="02040503050406030204" pitchFamily="18" charset="0"/>
+                          </a:rPr>
+                        </m:ctrlPr>
+                      </m:fPr>
+                      <m:num>
+                        <m:r>
+                          <a:rPr lang="en-US" sz="3200" i="1">
+                            <a:solidFill>
+                              <a:prstClr val="black"/>
+                            </a:solidFill>
+                            <a:latin typeface="Cambria Math" panose="02040503050406030204" pitchFamily="18" charset="0"/>
+                          </a:rPr>
+                          <m:t>𝛽</m:t>
+                        </m:r>
+                      </m:num>
+                      <m:den>
+                        <m:r>
+                          <a:rPr lang="en-US" sz="3200" i="1">
+                            <a:solidFill>
+                              <a:prstClr val="black"/>
+                            </a:solidFill>
+                            <a:latin typeface="Cambria Math" panose="02040503050406030204" pitchFamily="18" charset="0"/>
+                          </a:rPr>
+                          <m:t>2</m:t>
+                        </m:r>
+                      </m:den>
+                    </m:f>
+                    <m:r>
+                      <a:rPr lang="en-US" sz="3200" i="1">
+                        <a:solidFill>
+                          <a:prstClr val="black"/>
+                        </a:solidFill>
+                        <a:latin typeface="Cambria Math" panose="02040503050406030204" pitchFamily="18" charset="0"/>
+                      </a:rPr>
+                      <m:t> </m:t>
+                    </m:r>
+                    <m:sSubSup>
+                      <m:sSubSupPr>
+                        <m:ctrlPr>
+                          <a:rPr lang="en-US" sz="3200" i="1">
+                            <a:solidFill>
+                              <a:prstClr val="black"/>
+                            </a:solidFill>
+                            <a:latin typeface="Cambria Math" panose="02040503050406030204" pitchFamily="18" charset="0"/>
+                          </a:rPr>
+                        </m:ctrlPr>
+                      </m:sSubSupPr>
+                      <m:e>
+                        <m:d>
+                          <m:dPr>
+                            <m:begChr m:val="‖"/>
+                            <m:endChr m:val="‖"/>
+                            <m:ctrlPr>
+                              <a:rPr lang="en-US" sz="3200" i="1">
+                                <a:solidFill>
+                                  <a:prstClr val="black"/>
+                                </a:solidFill>
+                                <a:latin typeface="Cambria Math" panose="02040503050406030204" pitchFamily="18" charset="0"/>
+                              </a:rPr>
+                            </m:ctrlPr>
+                          </m:dPr>
+                          <m:e>
+                            <m:r>
+                              <a:rPr lang="en-US" sz="3200" i="1">
+                                <a:solidFill>
+                                  <a:prstClr val="black"/>
+                                </a:solidFill>
+                                <a:latin typeface="Cambria Math" panose="02040503050406030204" pitchFamily="18" charset="0"/>
+                              </a:rPr>
+                              <m:t>𝑊</m:t>
+                            </m:r>
+                          </m:e>
+                        </m:d>
+                      </m:e>
+                      <m:sub>
+                        <m:r>
+                          <a:rPr lang="en-US" sz="3200" i="1">
+                            <a:solidFill>
+                              <a:prstClr val="black"/>
+                            </a:solidFill>
+                            <a:latin typeface="Cambria Math" panose="02040503050406030204" pitchFamily="18" charset="0"/>
+                          </a:rPr>
+                          <m:t>𝐹</m:t>
+                        </m:r>
+                      </m:sub>
+                      <m:sup>
+                        <m:r>
+                          <a:rPr lang="en-US" sz="3200" i="1">
+                            <a:solidFill>
+                              <a:prstClr val="black"/>
+                            </a:solidFill>
+                            <a:latin typeface="Cambria Math" panose="02040503050406030204" pitchFamily="18" charset="0"/>
+                          </a:rPr>
+                          <m:t>2</m:t>
+                        </m:r>
+                      </m:sup>
+                    </m:sSubSup>
+                  </m:oMath>
+                </a14:m>
+                <a:r>
+                  <a:rPr lang="en-US" sz="3300" dirty="0">
+                    <a:solidFill>
+                      <a:prstClr val="black"/>
+                    </a:solidFill>
+                  </a:rPr>
+                  <a:t>, with gradient steps inside the PD </a:t>
+                </a:r>
+                <a:r>
+                  <a:rPr lang="en-US" sz="3300" dirty="0" smtClean="0">
+                    <a:solidFill>
+                      <a:prstClr val="black"/>
+                    </a:solidFill>
+                  </a:rPr>
+                  <a:t>cone.</a:t>
+                </a:r>
+                <a:br>
+                  <a:rPr lang="en-US" sz="3300" dirty="0" smtClean="0">
+                    <a:solidFill>
+                      <a:prstClr val="black"/>
+                    </a:solidFill>
+                  </a:rPr>
+                </a:br>
+                <a:endParaRPr lang="en-US" sz="3300" dirty="0" smtClean="0">
+                  <a:solidFill>
+                    <a:prstClr val="black"/>
+                  </a:solidFill>
+                </a:endParaRPr>
+              </a:p>
+              <a:p>
+                <a:pPr lvl="0" algn="ctr" rtl="0"/>
+                <a:r>
+                  <a:rPr lang="en-US" sz="4400" b="1" dirty="0" smtClean="0">
+                    <a:solidFill>
+                      <a:schemeClr val="tx1"/>
+                    </a:solidFill>
+                  </a:rPr>
+                  <a:t>A row-column coordinate step</a:t>
+                </a:r>
+                <a:endParaRPr lang="en-US" sz="4300" dirty="0">
+                  <a:solidFill>
+                    <a:prstClr val="black"/>
+                  </a:solidFill>
+                </a:endParaRPr>
+              </a:p>
+            </p:txBody>
+          </p:sp>
+        </mc:Choice>
+        <mc:Fallback>
+          <p:sp>
+            <p:nvSpPr>
+              <p:cNvPr id="20" name="Rounded Rectangle 19"/>
+              <p:cNvSpPr>
+                <a:spLocks noRot="1" noChangeAspect="1" noMove="1" noResize="1" noEditPoints="1" noAdjustHandles="1" noChangeArrowheads="1" noChangeShapeType="1" noTextEdit="1"/>
+              </p:cNvSpPr>
+              <p:nvPr/>
+            </p:nvSpPr>
+            <p:spPr>
+              <a:xfrm>
+                <a:off x="11449571" y="4968776"/>
+                <a:ext cx="9433050" cy="16201801"/>
+              </a:xfrm>
+              <a:prstGeom prst="roundRect">
+                <a:avLst/>
+              </a:prstGeom>
+              <a:blipFill rotWithShape="0">
+                <a:blip r:embed="rId5"/>
+                <a:stretch>
+                  <a:fillRect/>
+                </a:stretch>
+              </a:blipFill>
+              <a:ln w="76200">
+                <a:solidFill>
+                  <a:schemeClr val="tx1"/>
+                </a:solidFill>
+              </a:ln>
+            </p:spPr>
+            <p:txBody>
+              <a:bodyPr/>
+              <a:lstStyle/>
+              <a:p>
+                <a:r>
+                  <a:rPr lang="en-US">
+                    <a:noFill/>
+                  </a:rPr>
+                  <a:t> </a:t>
+                </a:r>
+              </a:p>
+            </p:txBody>
+          </p:sp>
+        </mc:Fallback>
+      </mc:AlternateContent>
       <mc:AlternateContent xmlns:mc="http://schemas.openxmlformats.org/markup-compatibility/2006" xmlns:a14="http://schemas.microsoft.com/office/drawing/2010/main">
         <mc:Choice Requires="a14">
           <p:sp>
@@ -6028,7 +6287,7 @@
                 <a:avLst/>
               </a:prstGeom>
               <a:blipFill rotWithShape="0">
-                <a:blip r:embed="rId5"/>
+                <a:blip r:embed="rId6"/>
                 <a:stretch>
                   <a:fillRect/>
                 </a:stretch>
@@ -6063,7 +6322,7 @@
         <p:spPr>
           <a:xfrm>
             <a:off x="31611812" y="4968776"/>
-            <a:ext cx="10441159" cy="8870791"/>
+            <a:ext cx="10441159" cy="8371311"/>
           </a:xfrm>
           <a:prstGeom prst="roundRect">
             <a:avLst/>
@@ -6148,11 +6407,11 @@
             <p:nvPr/>
           </p:nvPicPr>
           <p:blipFill>
-            <a:blip r:embed="rId6" cstate="print">
+            <a:blip r:embed="rId7" cstate="print">
               <a:extLst>
                 <a:ext uri="{BEBA8EAE-BF5A-486C-A8C5-ECC9F3942E4B}">
                   <a14:imgProps xmlns:a14="http://schemas.microsoft.com/office/drawing/2010/main">
-                    <a14:imgLayer r:embed="rId7">
+                    <a14:imgLayer r:embed="rId8">
                       <a14:imgEffect>
                         <a14:backgroundRemoval t="2174" b="100000" l="2000" r="99750"/>
                       </a14:imgEffect>
@@ -6253,7 +6512,7 @@
         </p:nvSpPr>
         <p:spPr>
           <a:xfrm>
-            <a:off x="11900380" y="6192913"/>
+            <a:off x="12067889" y="10413625"/>
             <a:ext cx="4710275" cy="3556152"/>
           </a:xfrm>
           <a:prstGeom prst="rect">
@@ -6327,181 +6586,9 @@
               </a:rPr>
               <a:t>Extracted Features</a:t>
             </a:r>
-            <a:endParaRPr lang="en-US" sz="4400" b="1" dirty="0" smtClean="0">
-              <a:solidFill>
-                <a:schemeClr val="tx1"/>
-              </a:solidFill>
-            </a:endParaRPr>
           </a:p>
         </p:txBody>
       </p:sp>
-      <mc:AlternateContent xmlns:mc="http://schemas.openxmlformats.org/markup-compatibility/2006" xmlns:a14="http://schemas.microsoft.com/office/drawing/2010/main">
-        <mc:Choice Requires="a14">
-          <p:sp>
-            <p:nvSpPr>
-              <p:cNvPr id="37" name="Rounded Rectangle 36"/>
-              <p:cNvSpPr/>
-              <p:nvPr/>
-            </p:nvSpPr>
-            <p:spPr>
-              <a:xfrm>
-                <a:off x="11449571" y="20669200"/>
-                <a:ext cx="9433049" cy="2937244"/>
-              </a:xfrm>
-              <a:prstGeom prst="roundRect">
-                <a:avLst/>
-              </a:prstGeom>
-              <a:solidFill>
-                <a:schemeClr val="bg1"/>
-              </a:solidFill>
-              <a:ln w="76200">
-                <a:solidFill>
-                  <a:schemeClr val="tx1"/>
-                </a:solidFill>
-              </a:ln>
-            </p:spPr>
-            <p:style>
-              <a:lnRef idx="2">
-                <a:schemeClr val="accent1">
-                  <a:shade val="50000"/>
-                </a:schemeClr>
-              </a:lnRef>
-              <a:fillRef idx="1">
-                <a:schemeClr val="accent1"/>
-              </a:fillRef>
-              <a:effectRef idx="0">
-                <a:schemeClr val="accent1"/>
-              </a:effectRef>
-              <a:fontRef idx="minor">
-                <a:schemeClr val="lt1"/>
-              </a:fontRef>
-            </p:style>
-            <p:txBody>
-              <a:bodyPr lIns="83976" tIns="41987" rIns="83976" bIns="41987" rtlCol="1" anchor="t"/>
-              <a:lstStyle/>
-              <a:p>
-                <a:pPr algn="ctr" rtl="0"/>
-                <a:r>
-                  <a:rPr lang="en-US" sz="4000" b="1" dirty="0" smtClean="0">
-                    <a:solidFill>
-                      <a:schemeClr val="tx1"/>
-                    </a:solidFill>
-                  </a:rPr>
-                  <a:t>Dense COMET</a:t>
-                </a:r>
-              </a:p>
-              <a:p>
-                <a:pPr algn="l" rtl="0"/>
-                <a:r>
-                  <a:rPr lang="en-US" sz="3200" dirty="0" smtClean="0">
-                    <a:solidFill>
-                      <a:schemeClr val="tx1"/>
-                    </a:solidFill>
-                  </a:rPr>
-                  <a:t>We randomly draw a coordinate for each step, and take a row-column gradient step accordingly. We repeat it </a:t>
-                </a:r>
-                <a14:m>
-                  <m:oMath xmlns:m="http://schemas.openxmlformats.org/officeDocument/2006/math">
-                    <m:r>
-                      <a:rPr lang="en-US" sz="2800" b="0" i="1" smtClean="0">
-                        <a:solidFill>
-                          <a:schemeClr val="tx1"/>
-                        </a:solidFill>
-                        <a:latin typeface="Cambria Math" panose="02040503050406030204" pitchFamily="18" charset="0"/>
-                      </a:rPr>
-                      <m:t>𝑁</m:t>
-                    </m:r>
-                    <m:r>
-                      <a:rPr lang="en-US" sz="2800" b="0" i="1" smtClean="0">
-                        <a:solidFill>
-                          <a:schemeClr val="tx1"/>
-                        </a:solidFill>
-                        <a:latin typeface="Cambria Math" panose="02040503050406030204" pitchFamily="18" charset="0"/>
-                        <a:ea typeface="Cambria Math" panose="02040503050406030204" pitchFamily="18" charset="0"/>
-                      </a:rPr>
-                      <m:t>∙</m:t>
-                    </m:r>
-                    <m:r>
-                      <a:rPr lang="en-US" sz="2800" b="0" i="1" smtClean="0">
-                        <a:solidFill>
-                          <a:schemeClr val="tx1"/>
-                        </a:solidFill>
-                        <a:latin typeface="Cambria Math" panose="02040503050406030204" pitchFamily="18" charset="0"/>
-                        <a:ea typeface="Cambria Math" panose="02040503050406030204" pitchFamily="18" charset="0"/>
-                      </a:rPr>
-                      <m:t>𝑑</m:t>
-                    </m:r>
-                  </m:oMath>
-                </a14:m>
-                <a:r>
-                  <a:rPr lang="en-US" sz="2800" i="1" dirty="0" smtClean="0">
-                    <a:solidFill>
-                      <a:schemeClr val="tx1"/>
-                    </a:solidFill>
-                  </a:rPr>
-                  <a:t> </a:t>
-                </a:r>
-                <a:r>
-                  <a:rPr lang="en-US" sz="2800" dirty="0" smtClean="0">
-                    <a:solidFill>
-                      <a:schemeClr val="tx1"/>
-                    </a:solidFill>
-                  </a:rPr>
-                  <a:t>times.</a:t>
-                </a:r>
-                <a:endParaRPr lang="he-IL" sz="2800" i="1" dirty="0">
-                  <a:solidFill>
-                    <a:schemeClr val="tx1"/>
-                  </a:solidFill>
-                </a:endParaRPr>
-              </a:p>
-            </p:txBody>
-          </p:sp>
-        </mc:Choice>
-        <mc:Fallback xmlns="">
-          <p:sp>
-            <p:nvSpPr>
-              <p:cNvPr id="37" name="Rounded Rectangle 36"/>
-              <p:cNvSpPr>
-                <a:spLocks noRot="1" noChangeAspect="1" noMove="1" noResize="1" noEditPoints="1" noAdjustHandles="1" noChangeArrowheads="1" noChangeShapeType="1" noTextEdit="1"/>
-              </p:cNvSpPr>
-              <p:nvPr/>
-            </p:nvSpPr>
-            <p:spPr>
-              <a:xfrm>
-                <a:off x="11449571" y="20669200"/>
-                <a:ext cx="9433049" cy="2937244"/>
-              </a:xfrm>
-              <a:prstGeom prst="roundRect">
-                <a:avLst/>
-              </a:prstGeom>
-              <a:blipFill rotWithShape="0">
-                <a:blip r:embed="rId8"/>
-                <a:stretch>
-                  <a:fillRect/>
-                </a:stretch>
-              </a:blipFill>
-              <a:ln w="76200">
-                <a:solidFill>
-                  <a:schemeClr val="tx1"/>
-                </a:solidFill>
-              </a:ln>
-            </p:spPr>
-            <p:txBody>
-              <a:bodyPr/>
-              <a:lstStyle/>
-              <a:p>
-                <a:r>
-                  <a:rPr lang="en-US">
-                    <a:noFill/>
-                  </a:rPr>
-                  <a:t> </a:t>
-                </a:r>
-              </a:p>
-            </p:txBody>
-          </p:sp>
-        </mc:Fallback>
-      </mc:AlternateContent>
       <p:sp>
         <p:nvSpPr>
           <p:cNvPr id="42" name="TextBox 41"/>
@@ -6538,11 +6625,7 @@
             <a:pPr marL="539940" indent="-539940" algn="l" rtl="0"/>
             <a:r>
               <a:rPr lang="en-US" sz="3600" b="1" dirty="0" smtClean="0"/>
-              <a:t>	</a:t>
-            </a:r>
-            <a:r>
-              <a:rPr lang="en-US" sz="3600" b="1" dirty="0" smtClean="0"/>
-              <a:t>Contact and code</a:t>
+              <a:t>	Contact and code</a:t>
             </a:r>
             <a:r>
               <a:rPr lang="en-US" sz="3600" dirty="0" smtClean="0"/>
@@ -6581,7 +6664,7 @@
         <p:spPr>
           <a:xfrm>
             <a:off x="31683820" y="14336754"/>
-            <a:ext cx="10441160" cy="7625912"/>
+            <a:ext cx="10441160" cy="7349324"/>
           </a:xfrm>
           <a:prstGeom prst="roundRect">
             <a:avLst/>
@@ -6777,8 +6860,8 @@
           </a:extLst>
         </p:spPr>
       </p:pic>
-      <mc:AlternateContent xmlns:mc="http://schemas.openxmlformats.org/markup-compatibility/2006" xmlns:a14="http://schemas.microsoft.com/office/drawing/2010/main">
-        <mc:Choice Requires="a14">
+      <mc:AlternateContent xmlns:mc="http://schemas.openxmlformats.org/markup-compatibility/2006">
+        <mc:Choice xmlns:a14="http://schemas.microsoft.com/office/drawing/2010/main" Requires="a14">
           <p:sp>
             <p:nvSpPr>
               <p:cNvPr id="60" name="Rectangle 59"/>
@@ -6787,8 +6870,8 @@
             </p:nvSpPr>
             <p:spPr>
               <a:xfrm>
-                <a:off x="12070732" y="10369377"/>
-                <a:ext cx="8334741" cy="7651632"/>
+                <a:off x="12070732" y="14143790"/>
+                <a:ext cx="8334741" cy="6666747"/>
               </a:xfrm>
               <a:prstGeom prst="rect">
                 <a:avLst/>
@@ -6823,7 +6906,15 @@
                 </a:r>
                 <a:r>
                   <a:rPr lang="en-US" sz="3200" dirty="0"/>
-                  <a:t>efficiently calculate an exact bound over the step size that guarantees that the model </a:t>
+                  <a:t>efficiently calculate an exact bound over the step size that guarantees </a:t>
+                </a:r>
+                <a:r>
+                  <a:rPr lang="en-US" sz="3200" dirty="0" smtClean="0"/>
+                  <a:t>that </a:t>
+                </a:r>
+                <a:r>
+                  <a:rPr lang="en-US" sz="3200" dirty="0"/>
+                  <a:t>the model </a:t>
                 </a:r>
                 <a:r>
                   <a:rPr lang="en-US" sz="3200" dirty="0" smtClean="0"/>
@@ -6835,11 +6926,12 @@
                 </a:r>
                 <a:r>
                   <a:rPr lang="en-US" sz="3200" dirty="0" smtClean="0"/>
-                  <a:t>cone:</a:t>
+                  <a:t>cone</a:t>
                 </a:r>
-              </a:p>
-              <a:p>
-                <a:pPr algn="l" rtl="0"/>
+                <a:r>
+                  <a:rPr lang="en-US" sz="3200" dirty="0" smtClean="0"/>
+                  <a:t>:</a:t>
+                </a:r>
                 <a:endParaRPr lang="en-US" sz="3200" dirty="0" smtClean="0"/>
               </a:p>
               <a:p>
@@ -7045,10 +7137,6 @@
                     </m:oMath>
                   </m:oMathPara>
                 </a14:m>
-                <a:endParaRPr lang="en-US" sz="3200" dirty="0" smtClean="0"/>
-              </a:p>
-              <a:p>
-                <a:pPr algn="l" rtl="0"/>
                 <a:endParaRPr lang="en-US" sz="3200" dirty="0" smtClean="0"/>
               </a:p>
               <a:p>
@@ -7490,7 +7578,7 @@
             </p:txBody>
           </p:sp>
         </mc:Choice>
-        <mc:Fallback xmlns="">
+        <mc:Fallback>
           <p:sp>
             <p:nvSpPr>
               <p:cNvPr id="60" name="Rectangle 59"/>
@@ -7501,8 +7589,8 @@
             </p:nvSpPr>
             <p:spPr>
               <a:xfrm>
-                <a:off x="12070732" y="10369377"/>
-                <a:ext cx="8334741" cy="7651632"/>
+                <a:off x="12070732" y="14143790"/>
+                <a:ext cx="8334741" cy="6666747"/>
               </a:xfrm>
               <a:prstGeom prst="rect">
                 <a:avLst/>
@@ -7510,7 +7598,7 @@
               <a:blipFill rotWithShape="0">
                 <a:blip r:embed="rId12"/>
                 <a:stretch>
-                  <a:fillRect l="-1683" t="-956" b="-1594"/>
+                  <a:fillRect l="-1683" t="-1005" b="-2011"/>
                 </a:stretch>
               </a:blipFill>
             </p:spPr>
@@ -7646,195 +7734,337 @@
           </a:extLst>
         </p:spPr>
       </p:pic>
-      <p:sp>
-        <p:nvSpPr>
-          <p:cNvPr id="65" name="Rounded Rectangle 64"/>
-          <p:cNvSpPr/>
-          <p:nvPr/>
-        </p:nvSpPr>
-        <p:spPr>
-          <a:xfrm>
-            <a:off x="11482686" y="24122905"/>
-            <a:ext cx="9433049" cy="7776864"/>
-          </a:xfrm>
-          <a:prstGeom prst="roundRect">
-            <a:avLst/>
-          </a:prstGeom>
-          <a:solidFill>
-            <a:schemeClr val="bg1"/>
-          </a:solidFill>
-          <a:ln w="76200">
-            <a:solidFill>
-              <a:schemeClr val="tx1"/>
-            </a:solidFill>
-          </a:ln>
-        </p:spPr>
-        <p:style>
-          <a:lnRef idx="2">
-            <a:schemeClr val="accent1">
-              <a:shade val="50000"/>
-            </a:schemeClr>
-          </a:lnRef>
-          <a:fillRef idx="1">
-            <a:schemeClr val="accent1"/>
-          </a:fillRef>
-          <a:effectRef idx="0">
-            <a:schemeClr val="accent1"/>
-          </a:effectRef>
-          <a:fontRef idx="minor">
-            <a:schemeClr val="lt1"/>
-          </a:fontRef>
-        </p:style>
-        <p:txBody>
-          <a:bodyPr lIns="83976" tIns="41987" rIns="83976" bIns="41987" rtlCol="1" anchor="t"/>
-          <a:lstStyle/>
-          <a:p>
-            <a:pPr algn="ctr" rtl="0"/>
-            <a:r>
-              <a:rPr lang="en-US" sz="4000" b="1" dirty="0" smtClean="0">
+      <mc:AlternateContent xmlns:mc="http://schemas.openxmlformats.org/markup-compatibility/2006">
+        <mc:Choice xmlns:a14="http://schemas.microsoft.com/office/drawing/2010/main" Requires="a14">
+          <p:sp>
+            <p:nvSpPr>
+              <p:cNvPr id="65" name="Rounded Rectangle 64"/>
+              <p:cNvSpPr/>
+              <p:nvPr/>
+            </p:nvSpPr>
+            <p:spPr>
+              <a:xfrm>
+                <a:off x="11482686" y="21386335"/>
+                <a:ext cx="9433049" cy="10569708"/>
+              </a:xfrm>
+              <a:prstGeom prst="roundRect">
+                <a:avLst/>
+              </a:prstGeom>
+              <a:solidFill>
+                <a:schemeClr val="bg1"/>
+              </a:solidFill>
+              <a:ln w="76200">
                 <a:solidFill>
                   <a:schemeClr val="tx1"/>
                 </a:solidFill>
-              </a:rPr>
-              <a:t>Sparse COMET</a:t>
-            </a:r>
-          </a:p>
-          <a:p>
-            <a:pPr algn="l" rtl="0"/>
-            <a:r>
-              <a:rPr lang="en-US" sz="3200" dirty="0" smtClean="0">
+              </a:ln>
+            </p:spPr>
+            <p:style>
+              <a:lnRef idx="2">
+                <a:schemeClr val="accent1">
+                  <a:shade val="50000"/>
+                </a:schemeClr>
+              </a:lnRef>
+              <a:fillRef idx="1">
+                <a:schemeClr val="accent1"/>
+              </a:fillRef>
+              <a:effectRef idx="0">
+                <a:schemeClr val="accent1"/>
+              </a:effectRef>
+              <a:fontRef idx="minor">
+                <a:schemeClr val="lt1"/>
+              </a:fontRef>
+            </p:style>
+            <p:txBody>
+              <a:bodyPr lIns="83976" tIns="41987" rIns="83976" bIns="41987" rtlCol="1" anchor="t"/>
+              <a:lstStyle/>
+              <a:p>
+                <a:pPr lvl="0" algn="ctr" rtl="0"/>
+                <a:r>
+                  <a:rPr lang="en-US" sz="4000" b="1" dirty="0">
+                    <a:solidFill>
+                      <a:prstClr val="black"/>
+                    </a:solidFill>
+                  </a:rPr>
+                  <a:t>Dense COMET</a:t>
+                </a:r>
+              </a:p>
+              <a:p>
+                <a:pPr lvl="0" algn="l" rtl="0"/>
+                <a:r>
+                  <a:rPr lang="en-US" sz="3200" dirty="0">
+                    <a:solidFill>
+                      <a:prstClr val="black"/>
+                    </a:solidFill>
+                  </a:rPr>
+                  <a:t>We randomly draw a coordinate for each step, and take a row-column gradient step accordingly. We repeat it </a:t>
+                </a:r>
+                <a14:m>
+                  <m:oMath xmlns:m="http://schemas.openxmlformats.org/officeDocument/2006/math">
+                    <m:r>
+                      <a:rPr lang="en-US" sz="2800" i="1">
+                        <a:solidFill>
+                          <a:prstClr val="black"/>
+                        </a:solidFill>
+                        <a:latin typeface="Cambria Math" panose="02040503050406030204" pitchFamily="18" charset="0"/>
+                      </a:rPr>
+                      <m:t>𝑁</m:t>
+                    </m:r>
+                    <m:r>
+                      <a:rPr lang="en-US" sz="2800" i="1">
+                        <a:solidFill>
+                          <a:prstClr val="black"/>
+                        </a:solidFill>
+                        <a:latin typeface="Cambria Math" panose="02040503050406030204" pitchFamily="18" charset="0"/>
+                        <a:ea typeface="Cambria Math" panose="02040503050406030204" pitchFamily="18" charset="0"/>
+                      </a:rPr>
+                      <m:t>∙</m:t>
+                    </m:r>
+                    <m:r>
+                      <a:rPr lang="en-US" sz="2800" i="1">
+                        <a:solidFill>
+                          <a:prstClr val="black"/>
+                        </a:solidFill>
+                        <a:latin typeface="Cambria Math" panose="02040503050406030204" pitchFamily="18" charset="0"/>
+                        <a:ea typeface="Cambria Math" panose="02040503050406030204" pitchFamily="18" charset="0"/>
+                      </a:rPr>
+                      <m:t>𝑑</m:t>
+                    </m:r>
+                  </m:oMath>
+                </a14:m>
+                <a:r>
+                  <a:rPr lang="en-US" sz="2800" i="1" dirty="0">
+                    <a:solidFill>
+                      <a:prstClr val="black"/>
+                    </a:solidFill>
+                  </a:rPr>
+                  <a:t> </a:t>
+                </a:r>
+                <a:r>
+                  <a:rPr lang="en-US" sz="2800" dirty="0">
+                    <a:solidFill>
+                      <a:prstClr val="black"/>
+                    </a:solidFill>
+                  </a:rPr>
+                  <a:t>times</a:t>
+                </a:r>
+                <a:r>
+                  <a:rPr lang="en-US" sz="2800" dirty="0" smtClean="0">
+                    <a:solidFill>
+                      <a:prstClr val="black"/>
+                    </a:solidFill>
+                  </a:rPr>
+                  <a:t>.</a:t>
+                </a:r>
+              </a:p>
+              <a:p>
+                <a:pPr lvl="0" algn="l" rtl="0"/>
+                <a:endParaRPr lang="en-US" sz="4000" b="1" dirty="0" smtClean="0">
+                  <a:solidFill>
+                    <a:schemeClr val="tx1"/>
+                  </a:solidFill>
+                </a:endParaRPr>
+              </a:p>
+              <a:p>
+                <a:pPr algn="ctr" rtl="0"/>
+                <a:r>
+                  <a:rPr lang="en-US" sz="4000" b="1" dirty="0" smtClean="0">
+                    <a:solidFill>
+                      <a:schemeClr val="tx1"/>
+                    </a:solidFill>
+                  </a:rPr>
+                  <a:t>Sparse </a:t>
+                </a:r>
+                <a:r>
+                  <a:rPr lang="en-US" sz="4000" b="1" dirty="0" smtClean="0">
+                    <a:solidFill>
+                      <a:schemeClr val="tx1"/>
+                    </a:solidFill>
+                  </a:rPr>
+                  <a:t>COMET</a:t>
+                </a:r>
+              </a:p>
+              <a:p>
+                <a:pPr algn="l" rtl="0"/>
+                <a:r>
+                  <a:rPr lang="en-US" sz="3200" dirty="0" smtClean="0">
+                    <a:solidFill>
+                      <a:schemeClr val="tx1"/>
+                    </a:solidFill>
+                  </a:rPr>
+                  <a:t>We propose a new </a:t>
+                </a:r>
+                <a:r>
+                  <a:rPr lang="en-US" sz="3200" dirty="0">
+                    <a:solidFill>
+                      <a:schemeClr val="tx1"/>
+                    </a:solidFill>
+                  </a:rPr>
+                  <a:t>type of structured sparsity, </a:t>
+                </a:r>
+                <a:r>
+                  <a:rPr lang="en-US" sz="3200" dirty="0" smtClean="0">
+                    <a:solidFill>
+                      <a:schemeClr val="tx1"/>
+                    </a:solidFill>
+                  </a:rPr>
+                  <a:t>that allows </a:t>
+                </a:r>
+                <a:r>
+                  <a:rPr lang="en-US" sz="3200" dirty="0">
+                    <a:solidFill>
+                      <a:schemeClr val="tx1"/>
+                    </a:solidFill>
+                  </a:rPr>
+                  <a:t>only a small set of features to interact with </a:t>
+                </a:r>
+                <a:r>
+                  <a:rPr lang="en-US" sz="3200" i="1" dirty="0" smtClean="0">
+                    <a:solidFill>
+                      <a:schemeClr val="tx1"/>
+                    </a:solidFill>
+                  </a:rPr>
+                  <a:t>any</a:t>
+                </a:r>
+                <a:r>
+                  <a:rPr lang="en-US" sz="3200" dirty="0" smtClean="0">
+                    <a:solidFill>
+                      <a:schemeClr val="tx1"/>
+                    </a:solidFill>
+                  </a:rPr>
+                  <a:t> </a:t>
+                </a:r>
+                <a:r>
+                  <a:rPr lang="en-US" sz="3200" dirty="0">
+                    <a:solidFill>
+                      <a:schemeClr val="tx1"/>
+                    </a:solidFill>
+                  </a:rPr>
+                  <a:t>of the other </a:t>
+                </a:r>
+                <a:r>
+                  <a:rPr lang="en-US" sz="3200" dirty="0" smtClean="0">
+                    <a:solidFill>
+                      <a:schemeClr val="tx1"/>
+                    </a:solidFill>
+                  </a:rPr>
+                  <a:t>features. We </a:t>
+                </a:r>
+                <a:r>
+                  <a:rPr lang="en-US" sz="3200" dirty="0">
+                    <a:solidFill>
+                      <a:schemeClr val="tx1"/>
+                    </a:solidFill>
+                  </a:rPr>
+                  <a:t>also maintain weights for the individual features, corresponding to the diagonal of </a:t>
+                </a:r>
+                <a:r>
+                  <a:rPr lang="en-US" sz="3200" dirty="0" smtClean="0">
+                    <a:solidFill>
+                      <a:schemeClr val="tx1"/>
+                    </a:solidFill>
+                  </a:rPr>
+                  <a:t>the </a:t>
+                </a:r>
+                <a:br>
+                  <a:rPr lang="en-US" sz="3200" dirty="0" smtClean="0">
+                    <a:solidFill>
+                      <a:schemeClr val="tx1"/>
+                    </a:solidFill>
+                  </a:rPr>
+                </a:br>
+                <a:r>
+                  <a:rPr lang="en-US" sz="3200" dirty="0" smtClean="0">
+                    <a:solidFill>
+                      <a:schemeClr val="tx1"/>
+                    </a:solidFill>
+                  </a:rPr>
+                  <a:t>learned </a:t>
+                </a:r>
+                <a:r>
+                  <a:rPr lang="en-US" sz="3200" dirty="0">
+                    <a:solidFill>
+                      <a:schemeClr val="tx1"/>
+                    </a:solidFill>
+                  </a:rPr>
+                  <a:t>similarity </a:t>
+                </a:r>
+                <a:r>
+                  <a:rPr lang="en-US" sz="3200" dirty="0" smtClean="0">
+                    <a:solidFill>
+                      <a:schemeClr val="tx1"/>
+                    </a:solidFill>
+                  </a:rPr>
+                  <a:t/>
+                </a:r>
+                <a:br>
+                  <a:rPr lang="en-US" sz="3200" dirty="0" smtClean="0">
+                    <a:solidFill>
+                      <a:schemeClr val="tx1"/>
+                    </a:solidFill>
+                  </a:rPr>
+                </a:br>
+                <a:r>
+                  <a:rPr lang="en-US" sz="3200" dirty="0" smtClean="0">
+                    <a:solidFill>
+                      <a:schemeClr val="tx1"/>
+                    </a:solidFill>
+                  </a:rPr>
+                  <a:t>matrix.</a:t>
+                </a:r>
+                <a:endParaRPr lang="he-IL" sz="2800" i="1" dirty="0">
+                  <a:solidFill>
+                    <a:schemeClr val="tx1"/>
+                  </a:solidFill>
+                </a:endParaRPr>
+              </a:p>
+            </p:txBody>
+          </p:sp>
+        </mc:Choice>
+        <mc:Fallback>
+          <p:sp>
+            <p:nvSpPr>
+              <p:cNvPr id="65" name="Rounded Rectangle 64"/>
+              <p:cNvSpPr>
+                <a:spLocks noRot="1" noChangeAspect="1" noMove="1" noResize="1" noEditPoints="1" noAdjustHandles="1" noChangeArrowheads="1" noChangeShapeType="1" noTextEdit="1"/>
+              </p:cNvSpPr>
+              <p:nvPr/>
+            </p:nvSpPr>
+            <p:spPr>
+              <a:xfrm>
+                <a:off x="11482686" y="21386335"/>
+                <a:ext cx="9433049" cy="10569708"/>
+              </a:xfrm>
+              <a:prstGeom prst="roundRect">
+                <a:avLst/>
+              </a:prstGeom>
+              <a:blipFill rotWithShape="0">
+                <a:blip r:embed="rId15"/>
+                <a:stretch>
+                  <a:fillRect/>
+                </a:stretch>
+              </a:blipFill>
+              <a:ln w="76200">
                 <a:solidFill>
                   <a:schemeClr val="tx1"/>
                 </a:solidFill>
-              </a:rPr>
-              <a:t>We propose a new </a:t>
-            </a:r>
-            <a:r>
-              <a:rPr lang="en-US" sz="3200" dirty="0">
-                <a:solidFill>
-                  <a:schemeClr val="tx1"/>
-                </a:solidFill>
-              </a:rPr>
-              <a:t>type of structured sparsity, </a:t>
-            </a:r>
-            <a:r>
-              <a:rPr lang="en-US" sz="3200" dirty="0" smtClean="0">
-                <a:solidFill>
-                  <a:schemeClr val="tx1"/>
-                </a:solidFill>
-              </a:rPr>
-              <a:t>that allows </a:t>
-            </a:r>
-            <a:r>
-              <a:rPr lang="en-US" sz="3200" dirty="0">
-                <a:solidFill>
-                  <a:schemeClr val="tx1"/>
-                </a:solidFill>
-              </a:rPr>
-              <a:t>only a small set of features to interact with </a:t>
-            </a:r>
-            <a:r>
-              <a:rPr lang="en-US" sz="3200" i="1" dirty="0" smtClean="0">
-                <a:solidFill>
-                  <a:schemeClr val="tx1"/>
-                </a:solidFill>
-              </a:rPr>
-              <a:t>any</a:t>
-            </a:r>
-            <a:r>
-              <a:rPr lang="en-US" sz="3200" dirty="0" smtClean="0">
-                <a:solidFill>
-                  <a:schemeClr val="tx1"/>
-                </a:solidFill>
-              </a:rPr>
-              <a:t> </a:t>
-            </a:r>
-            <a:r>
-              <a:rPr lang="en-US" sz="3200" dirty="0">
-                <a:solidFill>
-                  <a:schemeClr val="tx1"/>
-                </a:solidFill>
-              </a:rPr>
-              <a:t>of the other </a:t>
-            </a:r>
-            <a:r>
-              <a:rPr lang="en-US" sz="3200" dirty="0" smtClean="0">
-                <a:solidFill>
-                  <a:schemeClr val="tx1"/>
-                </a:solidFill>
-              </a:rPr>
-              <a:t>features. We </a:t>
-            </a:r>
-            <a:r>
-              <a:rPr lang="en-US" sz="3200" dirty="0">
-                <a:solidFill>
-                  <a:schemeClr val="tx1"/>
-                </a:solidFill>
-              </a:rPr>
-              <a:t>also maintain weights for the individual features, corresponding to the diagonal of </a:t>
-            </a:r>
-            <a:r>
-              <a:rPr lang="en-US" sz="3200" dirty="0" smtClean="0">
-                <a:solidFill>
-                  <a:schemeClr val="tx1"/>
-                </a:solidFill>
-              </a:rPr>
-              <a:t>the </a:t>
-            </a:r>
-            <a:br>
-              <a:rPr lang="en-US" sz="3200" dirty="0" smtClean="0">
-                <a:solidFill>
-                  <a:schemeClr val="tx1"/>
-                </a:solidFill>
-              </a:rPr>
-            </a:br>
-            <a:r>
-              <a:rPr lang="en-US" sz="3200" dirty="0" smtClean="0">
-                <a:solidFill>
-                  <a:schemeClr val="tx1"/>
-                </a:solidFill>
-              </a:rPr>
-              <a:t>learned </a:t>
-            </a:r>
-            <a:r>
-              <a:rPr lang="en-US" sz="3200" dirty="0">
-                <a:solidFill>
-                  <a:schemeClr val="tx1"/>
-                </a:solidFill>
-              </a:rPr>
-              <a:t>similarity </a:t>
-            </a:r>
-            <a:r>
-              <a:rPr lang="en-US" sz="3200" dirty="0" smtClean="0">
-                <a:solidFill>
-                  <a:schemeClr val="tx1"/>
-                </a:solidFill>
-              </a:rPr>
-              <a:t/>
-            </a:r>
-            <a:br>
-              <a:rPr lang="en-US" sz="3200" dirty="0" smtClean="0">
-                <a:solidFill>
-                  <a:schemeClr val="tx1"/>
-                </a:solidFill>
-              </a:rPr>
-            </a:br>
-            <a:r>
-              <a:rPr lang="en-US" sz="3200" dirty="0" smtClean="0">
-                <a:solidFill>
-                  <a:schemeClr val="tx1"/>
-                </a:solidFill>
-              </a:rPr>
-              <a:t>matrix.</a:t>
-            </a:r>
-            <a:endParaRPr lang="he-IL" sz="2800" i="1" dirty="0">
-              <a:solidFill>
-                <a:schemeClr val="tx1"/>
-              </a:solidFill>
-            </a:endParaRPr>
-          </a:p>
-        </p:txBody>
-      </p:sp>
+              </a:ln>
+            </p:spPr>
+            <p:txBody>
+              <a:bodyPr/>
+              <a:lstStyle/>
+              <a:p>
+                <a:r>
+                  <a:rPr lang="en-US">
+                    <a:noFill/>
+                  </a:rPr>
+                  <a:t> </a:t>
+                </a:r>
+              </a:p>
+            </p:txBody>
+          </p:sp>
+        </mc:Fallback>
+      </mc:AlternateContent>
       <p:pic>
         <p:nvPicPr>
           <p:cNvPr id="5" name="Picture 4"/>
@@ -7844,7 +8074,7 @@
           <p:nvPr/>
         </p:nvPicPr>
         <p:blipFill>
-          <a:blip r:embed="rId15"/>
+          <a:blip r:embed="rId16"/>
           <a:stretch>
             <a:fillRect/>
           </a:stretch>
@@ -7868,7 +8098,7 @@
           <p:nvPr/>
         </p:nvPicPr>
         <p:blipFill rotWithShape="1">
-          <a:blip r:embed="rId16" cstate="print">
+          <a:blip r:embed="rId17" cstate="print">
             <a:extLst>
               <a:ext uri="{28A0092B-C50C-407E-A947-70E740481C1C}">
                 <a14:useLocalDpi xmlns:a14="http://schemas.microsoft.com/office/drawing/2010/main" val="0"/>
@@ -7907,14 +8137,14 @@
           <p:nvPr/>
         </p:nvPicPr>
         <p:blipFill>
-          <a:blip r:embed="rId17"/>
+          <a:blip r:embed="rId18"/>
           <a:stretch>
             <a:fillRect/>
           </a:stretch>
         </p:blipFill>
         <p:spPr>
           <a:xfrm>
-            <a:off x="16898688" y="6462476"/>
+            <a:off x="16898688" y="10640219"/>
             <a:ext cx="3333750" cy="3257550"/>
           </a:xfrm>
           <a:prstGeom prst="rect">
@@ -8322,7 +8552,7 @@
                 <a:avLst/>
               </a:prstGeom>
               <a:blipFill rotWithShape="0">
-                <a:blip r:embed="rId18"/>
+                <a:blip r:embed="rId19"/>
                 <a:stretch>
                   <a:fillRect l="-2700" t="-1201" r="-2582" b="-2302"/>
                 </a:stretch>
@@ -9631,7 +9861,7 @@
                 <a:avLst/>
               </a:prstGeom>
               <a:blipFill rotWithShape="0">
-                <a:blip r:embed="rId19"/>
+                <a:blip r:embed="rId20"/>
                 <a:stretch>
                   <a:fillRect l="-1683" t="-601" r="-366"/>
                 </a:stretch>
@@ -9661,7 +9891,7 @@
           <p:nvPr/>
         </p:nvPicPr>
         <p:blipFill>
-          <a:blip r:embed="rId20"/>
+          <a:blip r:embed="rId21"/>
           <a:stretch>
             <a:fillRect/>
           </a:stretch>
@@ -9685,7 +9915,7 @@
           <p:nvPr/>
         </p:nvPicPr>
         <p:blipFill rotWithShape="1">
-          <a:blip r:embed="rId21"/>
+          <a:blip r:embed="rId22"/>
           <a:srcRect r="4094"/>
           <a:stretch/>
         </p:blipFill>
@@ -9708,7 +9938,7 @@
           <p:nvPr/>
         </p:nvPicPr>
         <p:blipFill rotWithShape="1">
-          <a:blip r:embed="rId22" cstate="print">
+          <a:blip r:embed="rId23" cstate="print">
             <a:extLst>
               <a:ext uri="{28A0092B-C50C-407E-A947-70E740481C1C}">
                 <a14:useLocalDpi xmlns:a14="http://schemas.microsoft.com/office/drawing/2010/main" val="0"/>
@@ -9754,34 +9984,12 @@
           <a:prstGeom prst="rect">
             <a:avLst/>
           </a:prstGeom>
-          <a:solidFill>
-            <a:srgbClr val="FFFFFF"/>
-          </a:solidFill>
+          <a:noFill/>
           <a:ln>
             <a:noFill/>
           </a:ln>
           <a:effectLst/>
-          <a:extLst>
-            <a:ext uri="{91240B29-F687-4F45-9708-019B960494DF}">
-              <a14:hiddenLine xmlns:a14="http://schemas.microsoft.com/office/drawing/2010/main" w="9525">
-                <a:solidFill>
-                  <a:srgbClr val="000000"/>
-                </a:solidFill>
-                <a:round/>
-                <a:headEnd/>
-                <a:tailEnd/>
-              </a14:hiddenLine>
-            </a:ext>
-            <a:ext uri="{AF507438-7753-43E0-B8FC-AC1667EBCBE1}">
-              <a14:hiddenEffects xmlns:a14="http://schemas.microsoft.com/office/drawing/2010/main">
-                <a:effectLst>
-                  <a:outerShdw dist="35921" dir="2700000" algn="ctr" rotWithShape="0">
-                    <a:srgbClr val="808080"/>
-                  </a:outerShdw>
-                </a:effectLst>
-              </a14:hiddenEffects>
-            </a:ext>
-          </a:extLst>
+          <a:extLst/>
         </p:spPr>
         <p:txBody>
           <a:bodyPr wrap="square" lIns="90000" tIns="46800" rIns="90000" bIns="46800">
@@ -10208,7 +10416,7 @@
           <p:nvPr/>
         </p:nvPicPr>
         <p:blipFill>
-          <a:blip r:embed="rId23"/>
+          <a:blip r:embed="rId24"/>
           <a:stretch>
             <a:fillRect/>
           </a:stretch>
@@ -10239,34 +10447,12 @@
           <a:prstGeom prst="rect">
             <a:avLst/>
           </a:prstGeom>
-          <a:solidFill>
-            <a:srgbClr val="FFFFFF"/>
-          </a:solidFill>
+          <a:noFill/>
           <a:ln>
             <a:noFill/>
           </a:ln>
           <a:effectLst/>
-          <a:extLst>
-            <a:ext uri="{91240B29-F687-4F45-9708-019B960494DF}">
-              <a14:hiddenLine xmlns:a14="http://schemas.microsoft.com/office/drawing/2010/main" w="9525">
-                <a:solidFill>
-                  <a:srgbClr val="000000"/>
-                </a:solidFill>
-                <a:round/>
-                <a:headEnd/>
-                <a:tailEnd/>
-              </a14:hiddenLine>
-            </a:ext>
-            <a:ext uri="{AF507438-7753-43E0-B8FC-AC1667EBCBE1}">
-              <a14:hiddenEffects xmlns:a14="http://schemas.microsoft.com/office/drawing/2010/main">
-                <a:effectLst>
-                  <a:outerShdw dist="35921" dir="2700000" algn="ctr" rotWithShape="0">
-                    <a:srgbClr val="808080"/>
-                  </a:outerShdw>
-                </a:effectLst>
-              </a14:hiddenEffects>
-            </a:ext>
-          </a:extLst>
+          <a:extLst/>
         </p:spPr>
         <p:txBody>
           <a:bodyPr wrap="square" lIns="90000" tIns="46800" rIns="90000" bIns="46800">
@@ -10702,7 +10888,7 @@
           <p:nvPr/>
         </p:nvPicPr>
         <p:blipFill rotWithShape="1">
-          <a:blip r:embed="rId24">
+          <a:blip r:embed="rId25">
             <a:extLst>
               <a:ext uri="{28A0092B-C50C-407E-A947-70E740481C1C}">
                 <a14:useLocalDpi xmlns:a14="http://schemas.microsoft.com/office/drawing/2010/main" val="0"/>
@@ -10782,8 +10968,8 @@
           </a:p>
         </p:txBody>
       </p:sp>
-      <mc:AlternateContent xmlns:mc="http://schemas.openxmlformats.org/markup-compatibility/2006">
-        <mc:Choice xmlns:a14="http://schemas.microsoft.com/office/drawing/2010/main" Requires="a14">
+      <mc:AlternateContent xmlns:mc="http://schemas.openxmlformats.org/markup-compatibility/2006" xmlns:a14="http://schemas.microsoft.com/office/drawing/2010/main">
+        <mc:Choice Requires="a14">
           <p:sp>
             <p:nvSpPr>
               <p:cNvPr id="39" name="Text Box 115"/>
@@ -11199,18 +11385,24 @@
                     <m:sSub>
                       <m:sSubPr>
                         <m:ctrlPr>
-                          <a:rPr lang="en-US" sz="1600" i="1"/>
+                          <a:rPr lang="en-US" sz="1600" i="1">
+                            <a:latin typeface="Cambria Math" panose="02040503050406030204" pitchFamily="18" charset="0"/>
+                          </a:rPr>
                         </m:ctrlPr>
                       </m:sSubPr>
                       <m:e>
                         <m:r>
-                          <a:rPr lang="en-US" sz="1600" i="1"/>
+                          <a:rPr lang="en-US" sz="1600" i="1">
+                            <a:latin typeface="Cambria Math" panose="02040503050406030204" pitchFamily="18" charset="0"/>
+                          </a:rPr>
                           <m:t>𝑉</m:t>
                         </m:r>
                       </m:e>
                       <m:sub>
                         <m:r>
-                          <a:rPr lang="en-US" sz="1600" i="1"/>
+                          <a:rPr lang="en-US" sz="1600" i="1">
+                            <a:latin typeface="Cambria Math" panose="02040503050406030204" pitchFamily="18" charset="0"/>
+                          </a:rPr>
                           <m:t>𝑘</m:t>
                         </m:r>
                       </m:sub>
@@ -11224,7 +11416,9 @@
                 <a14:m>
                   <m:oMath xmlns:m="http://schemas.openxmlformats.org/officeDocument/2006/math">
                     <m:r>
-                      <a:rPr lang="en-US" sz="1600" i="1"/>
+                      <a:rPr lang="en-US" sz="1600" i="1">
+                        <a:latin typeface="Cambria Math" panose="02040503050406030204" pitchFamily="18" charset="0"/>
+                      </a:rPr>
                       <m:t>𝑘</m:t>
                     </m:r>
                   </m:oMath>
@@ -11238,7 +11432,7 @@
             </p:txBody>
           </p:sp>
         </mc:Choice>
-        <mc:Fallback>
+        <mc:Fallback xmlns="">
           <p:sp>
             <p:nvSpPr>
               <p:cNvPr id="39" name="Text Box 115"/>
@@ -11256,7 +11450,7 @@
                 <a:avLst/>
               </a:prstGeom>
               <a:blipFill rotWithShape="0">
-                <a:blip r:embed="rId25"/>
+                <a:blip r:embed="rId26"/>
                 <a:stretch>
                   <a:fillRect l="-697" t="-1695" b="-6215"/>
                 </a:stretch>
@@ -11302,8 +11496,8 @@
           </p:sp>
         </mc:Fallback>
       </mc:AlternateContent>
-      <mc:AlternateContent xmlns:mc="http://schemas.openxmlformats.org/markup-compatibility/2006">
-        <mc:Choice xmlns:a14="http://schemas.microsoft.com/office/drawing/2010/main" Requires="a14">
+      <mc:AlternateContent xmlns:mc="http://schemas.openxmlformats.org/markup-compatibility/2006" xmlns:a14="http://schemas.microsoft.com/office/drawing/2010/main">
+        <mc:Choice Requires="a14">
           <p:sp>
             <p:nvSpPr>
               <p:cNvPr id="40" name="Text Box 115"/>
@@ -11713,7 +11907,9 @@
                 <a14:m>
                   <m:oMath xmlns:m="http://schemas.openxmlformats.org/officeDocument/2006/math">
                     <m:r>
-                      <a:rPr lang="en-US" sz="1600" i="1"/>
+                      <a:rPr lang="en-US" sz="1600" i="1">
+                        <a:latin typeface="Cambria Math" panose="02040503050406030204" pitchFamily="18" charset="0"/>
+                      </a:rPr>
                       <m:t>𝑊</m:t>
                     </m:r>
                   </m:oMath>
@@ -11727,7 +11923,7 @@
             </p:txBody>
           </p:sp>
         </mc:Choice>
-        <mc:Fallback>
+        <mc:Fallback xmlns="">
           <p:sp>
             <p:nvSpPr>
               <p:cNvPr id="40" name="Text Box 115"/>
@@ -11745,7 +11941,7 @@
                 <a:avLst/>
               </a:prstGeom>
               <a:blipFill rotWithShape="0">
-                <a:blip r:embed="rId26"/>
+                <a:blip r:embed="rId27"/>
                 <a:stretch>
                   <a:fillRect l="-963" t="-1163" r="-1284" b="-3876"/>
                 </a:stretch>
@@ -11755,6 +11951,1874 @@
               </a:ln>
               <a:effectLst/>
               <a:extLst>
+                <a:ext uri="{91240B29-F687-4F45-9708-019B960494DF}">
+                  <a14:hiddenLine xmlns:a14="http://schemas.microsoft.com/office/drawing/2010/main" w="9525">
+                    <a:solidFill>
+                      <a:srgbClr val="000000"/>
+                    </a:solidFill>
+                    <a:round/>
+                    <a:headEnd/>
+                    <a:tailEnd/>
+                  </a14:hiddenLine>
+                </a:ext>
+                <a:ext uri="{AF507438-7753-43E0-B8FC-AC1667EBCBE1}">
+                  <a14:hiddenEffects xmlns:a14="http://schemas.microsoft.com/office/drawing/2010/main">
+                    <a:effectLst>
+                      <a:outerShdw dist="35921" dir="2700000" algn="ctr" rotWithShape="0">
+                        <a:srgbClr val="808080"/>
+                      </a:outerShdw>
+                    </a:effectLst>
+                  </a14:hiddenEffects>
+                </a:ext>
+              </a:extLst>
+            </p:spPr>
+            <p:txBody>
+              <a:bodyPr/>
+              <a:lstStyle/>
+              <a:p>
+                <a:r>
+                  <a:rPr lang="en-US">
+                    <a:noFill/>
+                  </a:rPr>
+                  <a:t> </a:t>
+                </a:r>
+              </a:p>
+            </p:txBody>
+          </p:sp>
+        </mc:Fallback>
+      </mc:AlternateContent>
+      <p:pic>
+        <p:nvPicPr>
+          <p:cNvPr id="49" name="Picture 98"/>
+          <p:cNvPicPr>
+            <a:picLocks noChangeAspect="1" noChangeArrowheads="1"/>
+          </p:cNvPicPr>
+          <p:nvPr/>
+        </p:nvPicPr>
+        <p:blipFill>
+          <a:blip r:embed="rId28" cstate="print">
+            <a:extLst>
+              <a:ext uri="{28A0092B-C50C-407E-A947-70E740481C1C}">
+                <a14:useLocalDpi xmlns:a14="http://schemas.microsoft.com/office/drawing/2010/main" val="0"/>
+              </a:ext>
+            </a:extLst>
+          </a:blip>
+          <a:srcRect/>
+          <a:stretch>
+            <a:fillRect/>
+          </a:stretch>
+        </p:blipFill>
+        <p:spPr bwMode="auto">
+          <a:xfrm>
+            <a:off x="7560272" y="26114448"/>
+            <a:ext cx="2835275" cy="2414588"/>
+          </a:xfrm>
+          <a:prstGeom prst="rect">
+            <a:avLst/>
+          </a:prstGeom>
+          <a:noFill/>
+          <a:ln>
+            <a:noFill/>
+          </a:ln>
+          <a:effectLst/>
+          <a:extLst>
+            <a:ext uri="{909E8E84-426E-40DD-AFC4-6F175D3DCCD1}">
+              <a14:hiddenFill xmlns:a14="http://schemas.microsoft.com/office/drawing/2010/main">
+                <a:blipFill dpi="0" rotWithShape="0">
+                  <a:blip/>
+                  <a:srcRect/>
+                  <a:stretch>
+                    <a:fillRect/>
+                  </a:stretch>
+                </a:blipFill>
+              </a14:hiddenFill>
+            </a:ext>
+            <a:ext uri="{91240B29-F687-4F45-9708-019B960494DF}">
+              <a14:hiddenLine xmlns:a14="http://schemas.microsoft.com/office/drawing/2010/main" w="9525">
+                <a:solidFill>
+                  <a:srgbClr val="000000"/>
+                </a:solidFill>
+                <a:round/>
+                <a:headEnd/>
+                <a:tailEnd/>
+              </a14:hiddenLine>
+            </a:ext>
+            <a:ext uri="{AF507438-7753-43E0-B8FC-AC1667EBCBE1}">
+              <a14:hiddenEffects xmlns:a14="http://schemas.microsoft.com/office/drawing/2010/main">
+                <a:effectLst>
+                  <a:outerShdw dist="35921" dir="2700000" algn="ctr" rotWithShape="0">
+                    <a:srgbClr val="808080"/>
+                  </a:outerShdw>
+                </a:effectLst>
+              </a14:hiddenEffects>
+            </a:ext>
+          </a:extLst>
+        </p:spPr>
+      </p:pic>
+      <p:pic>
+        <p:nvPicPr>
+          <p:cNvPr id="50" name="Picture 99"/>
+          <p:cNvPicPr>
+            <a:picLocks noChangeAspect="1" noChangeArrowheads="1"/>
+          </p:cNvPicPr>
+          <p:nvPr/>
+        </p:nvPicPr>
+        <p:blipFill>
+          <a:blip r:embed="rId29" cstate="print">
+            <a:extLst>
+              <a:ext uri="{28A0092B-C50C-407E-A947-70E740481C1C}">
+                <a14:useLocalDpi xmlns:a14="http://schemas.microsoft.com/office/drawing/2010/main" val="0"/>
+              </a:ext>
+            </a:extLst>
+          </a:blip>
+          <a:srcRect/>
+          <a:stretch>
+            <a:fillRect/>
+          </a:stretch>
+        </p:blipFill>
+        <p:spPr bwMode="auto">
+          <a:xfrm>
+            <a:off x="4031260" y="25777898"/>
+            <a:ext cx="2951162" cy="3457575"/>
+          </a:xfrm>
+          <a:prstGeom prst="rect">
+            <a:avLst/>
+          </a:prstGeom>
+          <a:noFill/>
+          <a:ln>
+            <a:noFill/>
+          </a:ln>
+          <a:effectLst/>
+          <a:extLst>
+            <a:ext uri="{909E8E84-426E-40DD-AFC4-6F175D3DCCD1}">
+              <a14:hiddenFill xmlns:a14="http://schemas.microsoft.com/office/drawing/2010/main">
+                <a:blipFill dpi="0" rotWithShape="0">
+                  <a:blip/>
+                  <a:srcRect/>
+                  <a:stretch>
+                    <a:fillRect/>
+                  </a:stretch>
+                </a:blipFill>
+              </a14:hiddenFill>
+            </a:ext>
+            <a:ext uri="{91240B29-F687-4F45-9708-019B960494DF}">
+              <a14:hiddenLine xmlns:a14="http://schemas.microsoft.com/office/drawing/2010/main" w="9525">
+                <a:solidFill>
+                  <a:srgbClr val="000000"/>
+                </a:solidFill>
+                <a:round/>
+                <a:headEnd/>
+                <a:tailEnd/>
+              </a14:hiddenLine>
+            </a:ext>
+            <a:ext uri="{AF507438-7753-43E0-B8FC-AC1667EBCBE1}">
+              <a14:hiddenEffects xmlns:a14="http://schemas.microsoft.com/office/drawing/2010/main">
+                <a:effectLst>
+                  <a:outerShdw dist="35921" dir="2700000" algn="ctr" rotWithShape="0">
+                    <a:srgbClr val="808080"/>
+                  </a:outerShdw>
+                </a:effectLst>
+              </a14:hiddenEffects>
+            </a:ext>
+          </a:extLst>
+        </p:spPr>
+      </p:pic>
+      <p:pic>
+        <p:nvPicPr>
+          <p:cNvPr id="51" name="Picture 100"/>
+          <p:cNvPicPr>
+            <a:picLocks noChangeAspect="1" noChangeArrowheads="1"/>
+          </p:cNvPicPr>
+          <p:nvPr/>
+        </p:nvPicPr>
+        <p:blipFill>
+          <a:blip r:embed="rId30" cstate="print">
+            <a:extLst>
+              <a:ext uri="{28A0092B-C50C-407E-A947-70E740481C1C}">
+                <a14:useLocalDpi xmlns:a14="http://schemas.microsoft.com/office/drawing/2010/main" val="0"/>
+              </a:ext>
+            </a:extLst>
+          </a:blip>
+          <a:srcRect/>
+          <a:stretch>
+            <a:fillRect/>
+          </a:stretch>
+        </p:blipFill>
+        <p:spPr bwMode="auto">
+          <a:xfrm>
+            <a:off x="1440460" y="26111273"/>
+            <a:ext cx="1944687" cy="2568575"/>
+          </a:xfrm>
+          <a:prstGeom prst="rect">
+            <a:avLst/>
+          </a:prstGeom>
+          <a:noFill/>
+          <a:ln>
+            <a:noFill/>
+          </a:ln>
+          <a:effectLst/>
+          <a:extLst>
+            <a:ext uri="{909E8E84-426E-40DD-AFC4-6F175D3DCCD1}">
+              <a14:hiddenFill xmlns:a14="http://schemas.microsoft.com/office/drawing/2010/main">
+                <a:blipFill dpi="0" rotWithShape="0">
+                  <a:blip/>
+                  <a:srcRect/>
+                  <a:stretch>
+                    <a:fillRect/>
+                  </a:stretch>
+                </a:blipFill>
+              </a14:hiddenFill>
+            </a:ext>
+            <a:ext uri="{91240B29-F687-4F45-9708-019B960494DF}">
+              <a14:hiddenLine xmlns:a14="http://schemas.microsoft.com/office/drawing/2010/main" w="9525">
+                <a:solidFill>
+                  <a:srgbClr val="000000"/>
+                </a:solidFill>
+                <a:round/>
+                <a:headEnd/>
+                <a:tailEnd/>
+              </a14:hiddenLine>
+            </a:ext>
+            <a:ext uri="{AF507438-7753-43E0-B8FC-AC1667EBCBE1}">
+              <a14:hiddenEffects xmlns:a14="http://schemas.microsoft.com/office/drawing/2010/main">
+                <a:effectLst>
+                  <a:outerShdw dist="35921" dir="2700000" algn="ctr" rotWithShape="0">
+                    <a:srgbClr val="808080"/>
+                  </a:outerShdw>
+                </a:effectLst>
+              </a14:hiddenEffects>
+            </a:ext>
+          </a:extLst>
+        </p:spPr>
+      </p:pic>
+      <mc:AlternateContent xmlns:mc="http://schemas.openxmlformats.org/markup-compatibility/2006">
+        <mc:Choice xmlns:a14="http://schemas.microsoft.com/office/drawing/2010/main" Requires="a14">
+          <p:sp>
+            <p:nvSpPr>
+              <p:cNvPr id="52" name="Text Box 101"/>
+              <p:cNvSpPr txBox="1">
+                <a:spLocks noChangeArrowheads="1"/>
+              </p:cNvSpPr>
+              <p:nvPr/>
+            </p:nvSpPr>
+            <p:spPr bwMode="auto">
+              <a:xfrm>
+                <a:off x="4453535" y="25501673"/>
+                <a:ext cx="2561897" cy="463846"/>
+              </a:xfrm>
+              <a:prstGeom prst="rect">
+                <a:avLst/>
+              </a:prstGeom>
+              <a:noFill/>
+              <a:ln>
+                <a:noFill/>
+              </a:ln>
+              <a:effectLst/>
+              <a:extLst>
+                <a:ext uri="{909E8E84-426E-40DD-AFC4-6F175D3DCCD1}">
+                  <a14:hiddenFill>
+                    <a:solidFill>
+                      <a:srgbClr val="FFFFFF"/>
+                    </a:solidFill>
+                  </a14:hiddenFill>
+                </a:ext>
+                <a:ext uri="{91240B29-F687-4F45-9708-019B960494DF}">
+                  <a14:hiddenLine w="9525">
+                    <a:solidFill>
+                      <a:srgbClr val="000000"/>
+                    </a:solidFill>
+                    <a:round/>
+                    <a:headEnd/>
+                    <a:tailEnd/>
+                  </a14:hiddenLine>
+                </a:ext>
+                <a:ext uri="{AF507438-7753-43E0-B8FC-AC1667EBCBE1}">
+                  <a14:hiddenEffects>
+                    <a:effectLst>
+                      <a:outerShdw dist="35921" dir="2700000" algn="ctr" rotWithShape="0">
+                        <a:srgbClr val="808080"/>
+                      </a:outerShdw>
+                    </a:effectLst>
+                  </a14:hiddenEffects>
+                </a:ext>
+              </a:extLst>
+            </p:spPr>
+            <p:txBody>
+              <a:bodyPr wrap="none" lIns="90000" tIns="46800" rIns="90000" bIns="46800">
+                <a:spAutoFit/>
+              </a:bodyPr>
+              <a:lstStyle>
+                <a:lvl1pPr>
+                  <a:tabLst>
+                    <a:tab pos="0" algn="l"/>
+                    <a:tab pos="457200" algn="l"/>
+                    <a:tab pos="914400" algn="l"/>
+                    <a:tab pos="1371600" algn="l"/>
+                    <a:tab pos="1828800" algn="l"/>
+                    <a:tab pos="2286000" algn="l"/>
+                    <a:tab pos="2743200" algn="l"/>
+                    <a:tab pos="3200400" algn="l"/>
+                    <a:tab pos="3657600" algn="l"/>
+                    <a:tab pos="4114800" algn="l"/>
+                    <a:tab pos="4572000" algn="l"/>
+                    <a:tab pos="5029200" algn="l"/>
+                    <a:tab pos="5486400" algn="l"/>
+                    <a:tab pos="5943600" algn="l"/>
+                    <a:tab pos="6400800" algn="l"/>
+                    <a:tab pos="6858000" algn="l"/>
+                    <a:tab pos="7315200" algn="l"/>
+                    <a:tab pos="7772400" algn="l"/>
+                    <a:tab pos="8229600" algn="l"/>
+                    <a:tab pos="8686800" algn="l"/>
+                    <a:tab pos="9144000" algn="l"/>
+                  </a:tabLst>
+                  <a:defRPr>
+                    <a:solidFill>
+                      <a:srgbClr val="000000"/>
+                    </a:solidFill>
+                    <a:latin typeface="Arial" panose="020B0604020202020204" pitchFamily="34" charset="0"/>
+                    <a:cs typeface="Arial" panose="020B0604020202020204" pitchFamily="34" charset="0"/>
+                  </a:defRPr>
+                </a:lvl1pPr>
+                <a:lvl2pPr>
+                  <a:tabLst>
+                    <a:tab pos="0" algn="l"/>
+                    <a:tab pos="457200" algn="l"/>
+                    <a:tab pos="914400" algn="l"/>
+                    <a:tab pos="1371600" algn="l"/>
+                    <a:tab pos="1828800" algn="l"/>
+                    <a:tab pos="2286000" algn="l"/>
+                    <a:tab pos="2743200" algn="l"/>
+                    <a:tab pos="3200400" algn="l"/>
+                    <a:tab pos="3657600" algn="l"/>
+                    <a:tab pos="4114800" algn="l"/>
+                    <a:tab pos="4572000" algn="l"/>
+                    <a:tab pos="5029200" algn="l"/>
+                    <a:tab pos="5486400" algn="l"/>
+                    <a:tab pos="5943600" algn="l"/>
+                    <a:tab pos="6400800" algn="l"/>
+                    <a:tab pos="6858000" algn="l"/>
+                    <a:tab pos="7315200" algn="l"/>
+                    <a:tab pos="7772400" algn="l"/>
+                    <a:tab pos="8229600" algn="l"/>
+                    <a:tab pos="8686800" algn="l"/>
+                    <a:tab pos="9144000" algn="l"/>
+                  </a:tabLst>
+                  <a:defRPr>
+                    <a:solidFill>
+                      <a:srgbClr val="000000"/>
+                    </a:solidFill>
+                    <a:latin typeface="Arial" panose="020B0604020202020204" pitchFamily="34" charset="0"/>
+                    <a:cs typeface="Arial" panose="020B0604020202020204" pitchFamily="34" charset="0"/>
+                  </a:defRPr>
+                </a:lvl2pPr>
+                <a:lvl3pPr>
+                  <a:tabLst>
+                    <a:tab pos="0" algn="l"/>
+                    <a:tab pos="457200" algn="l"/>
+                    <a:tab pos="914400" algn="l"/>
+                    <a:tab pos="1371600" algn="l"/>
+                    <a:tab pos="1828800" algn="l"/>
+                    <a:tab pos="2286000" algn="l"/>
+                    <a:tab pos="2743200" algn="l"/>
+                    <a:tab pos="3200400" algn="l"/>
+                    <a:tab pos="3657600" algn="l"/>
+                    <a:tab pos="4114800" algn="l"/>
+                    <a:tab pos="4572000" algn="l"/>
+                    <a:tab pos="5029200" algn="l"/>
+                    <a:tab pos="5486400" algn="l"/>
+                    <a:tab pos="5943600" algn="l"/>
+                    <a:tab pos="6400800" algn="l"/>
+                    <a:tab pos="6858000" algn="l"/>
+                    <a:tab pos="7315200" algn="l"/>
+                    <a:tab pos="7772400" algn="l"/>
+                    <a:tab pos="8229600" algn="l"/>
+                    <a:tab pos="8686800" algn="l"/>
+                    <a:tab pos="9144000" algn="l"/>
+                  </a:tabLst>
+                  <a:defRPr>
+                    <a:solidFill>
+                      <a:srgbClr val="000000"/>
+                    </a:solidFill>
+                    <a:latin typeface="Arial" panose="020B0604020202020204" pitchFamily="34" charset="0"/>
+                    <a:cs typeface="Arial" panose="020B0604020202020204" pitchFamily="34" charset="0"/>
+                  </a:defRPr>
+                </a:lvl3pPr>
+                <a:lvl4pPr>
+                  <a:tabLst>
+                    <a:tab pos="0" algn="l"/>
+                    <a:tab pos="457200" algn="l"/>
+                    <a:tab pos="914400" algn="l"/>
+                    <a:tab pos="1371600" algn="l"/>
+                    <a:tab pos="1828800" algn="l"/>
+                    <a:tab pos="2286000" algn="l"/>
+                    <a:tab pos="2743200" algn="l"/>
+                    <a:tab pos="3200400" algn="l"/>
+                    <a:tab pos="3657600" algn="l"/>
+                    <a:tab pos="4114800" algn="l"/>
+                    <a:tab pos="4572000" algn="l"/>
+                    <a:tab pos="5029200" algn="l"/>
+                    <a:tab pos="5486400" algn="l"/>
+                    <a:tab pos="5943600" algn="l"/>
+                    <a:tab pos="6400800" algn="l"/>
+                    <a:tab pos="6858000" algn="l"/>
+                    <a:tab pos="7315200" algn="l"/>
+                    <a:tab pos="7772400" algn="l"/>
+                    <a:tab pos="8229600" algn="l"/>
+                    <a:tab pos="8686800" algn="l"/>
+                    <a:tab pos="9144000" algn="l"/>
+                  </a:tabLst>
+                  <a:defRPr>
+                    <a:solidFill>
+                      <a:srgbClr val="000000"/>
+                    </a:solidFill>
+                    <a:latin typeface="Arial" panose="020B0604020202020204" pitchFamily="34" charset="0"/>
+                    <a:cs typeface="Arial" panose="020B0604020202020204" pitchFamily="34" charset="0"/>
+                  </a:defRPr>
+                </a:lvl4pPr>
+                <a:lvl5pPr>
+                  <a:tabLst>
+                    <a:tab pos="0" algn="l"/>
+                    <a:tab pos="457200" algn="l"/>
+                    <a:tab pos="914400" algn="l"/>
+                    <a:tab pos="1371600" algn="l"/>
+                    <a:tab pos="1828800" algn="l"/>
+                    <a:tab pos="2286000" algn="l"/>
+                    <a:tab pos="2743200" algn="l"/>
+                    <a:tab pos="3200400" algn="l"/>
+                    <a:tab pos="3657600" algn="l"/>
+                    <a:tab pos="4114800" algn="l"/>
+                    <a:tab pos="4572000" algn="l"/>
+                    <a:tab pos="5029200" algn="l"/>
+                    <a:tab pos="5486400" algn="l"/>
+                    <a:tab pos="5943600" algn="l"/>
+                    <a:tab pos="6400800" algn="l"/>
+                    <a:tab pos="6858000" algn="l"/>
+                    <a:tab pos="7315200" algn="l"/>
+                    <a:tab pos="7772400" algn="l"/>
+                    <a:tab pos="8229600" algn="l"/>
+                    <a:tab pos="8686800" algn="l"/>
+                    <a:tab pos="9144000" algn="l"/>
+                  </a:tabLst>
+                  <a:defRPr>
+                    <a:solidFill>
+                      <a:srgbClr val="000000"/>
+                    </a:solidFill>
+                    <a:latin typeface="Arial" panose="020B0604020202020204" pitchFamily="34" charset="0"/>
+                    <a:cs typeface="Arial" panose="020B0604020202020204" pitchFamily="34" charset="0"/>
+                  </a:defRPr>
+                </a:lvl5pPr>
+                <a:lvl6pPr defTabSz="457200" fontAlgn="base">
+                  <a:spcBef>
+                    <a:spcPct val="0"/>
+                  </a:spcBef>
+                  <a:spcAft>
+                    <a:spcPct val="0"/>
+                  </a:spcAft>
+                  <a:buClr>
+                    <a:srgbClr val="000000"/>
+                  </a:buClr>
+                  <a:buSzPct val="100000"/>
+                  <a:buFont typeface="Arial" panose="020B0604020202020204" pitchFamily="34" charset="0"/>
+                  <a:tabLst>
+                    <a:tab pos="0" algn="l"/>
+                    <a:tab pos="457200" algn="l"/>
+                    <a:tab pos="914400" algn="l"/>
+                    <a:tab pos="1371600" algn="l"/>
+                    <a:tab pos="1828800" algn="l"/>
+                    <a:tab pos="2286000" algn="l"/>
+                    <a:tab pos="2743200" algn="l"/>
+                    <a:tab pos="3200400" algn="l"/>
+                    <a:tab pos="3657600" algn="l"/>
+                    <a:tab pos="4114800" algn="l"/>
+                    <a:tab pos="4572000" algn="l"/>
+                    <a:tab pos="5029200" algn="l"/>
+                    <a:tab pos="5486400" algn="l"/>
+                    <a:tab pos="5943600" algn="l"/>
+                    <a:tab pos="6400800" algn="l"/>
+                    <a:tab pos="6858000" algn="l"/>
+                    <a:tab pos="7315200" algn="l"/>
+                    <a:tab pos="7772400" algn="l"/>
+                    <a:tab pos="8229600" algn="l"/>
+                    <a:tab pos="8686800" algn="l"/>
+                    <a:tab pos="9144000" algn="l"/>
+                  </a:tabLst>
+                  <a:defRPr>
+                    <a:solidFill>
+                      <a:srgbClr val="000000"/>
+                    </a:solidFill>
+                    <a:latin typeface="Arial" panose="020B0604020202020204" pitchFamily="34" charset="0"/>
+                    <a:cs typeface="Arial" panose="020B0604020202020204" pitchFamily="34" charset="0"/>
+                  </a:defRPr>
+                </a:lvl6pPr>
+                <a:lvl7pPr defTabSz="457200" fontAlgn="base">
+                  <a:spcBef>
+                    <a:spcPct val="0"/>
+                  </a:spcBef>
+                  <a:spcAft>
+                    <a:spcPct val="0"/>
+                  </a:spcAft>
+                  <a:buClr>
+                    <a:srgbClr val="000000"/>
+                  </a:buClr>
+                  <a:buSzPct val="100000"/>
+                  <a:buFont typeface="Arial" panose="020B0604020202020204" pitchFamily="34" charset="0"/>
+                  <a:tabLst>
+                    <a:tab pos="0" algn="l"/>
+                    <a:tab pos="457200" algn="l"/>
+                    <a:tab pos="914400" algn="l"/>
+                    <a:tab pos="1371600" algn="l"/>
+                    <a:tab pos="1828800" algn="l"/>
+                    <a:tab pos="2286000" algn="l"/>
+                    <a:tab pos="2743200" algn="l"/>
+                    <a:tab pos="3200400" algn="l"/>
+                    <a:tab pos="3657600" algn="l"/>
+                    <a:tab pos="4114800" algn="l"/>
+                    <a:tab pos="4572000" algn="l"/>
+                    <a:tab pos="5029200" algn="l"/>
+                    <a:tab pos="5486400" algn="l"/>
+                    <a:tab pos="5943600" algn="l"/>
+                    <a:tab pos="6400800" algn="l"/>
+                    <a:tab pos="6858000" algn="l"/>
+                    <a:tab pos="7315200" algn="l"/>
+                    <a:tab pos="7772400" algn="l"/>
+                    <a:tab pos="8229600" algn="l"/>
+                    <a:tab pos="8686800" algn="l"/>
+                    <a:tab pos="9144000" algn="l"/>
+                  </a:tabLst>
+                  <a:defRPr>
+                    <a:solidFill>
+                      <a:srgbClr val="000000"/>
+                    </a:solidFill>
+                    <a:latin typeface="Arial" panose="020B0604020202020204" pitchFamily="34" charset="0"/>
+                    <a:cs typeface="Arial" panose="020B0604020202020204" pitchFamily="34" charset="0"/>
+                  </a:defRPr>
+                </a:lvl7pPr>
+                <a:lvl8pPr defTabSz="457200" fontAlgn="base">
+                  <a:spcBef>
+                    <a:spcPct val="0"/>
+                  </a:spcBef>
+                  <a:spcAft>
+                    <a:spcPct val="0"/>
+                  </a:spcAft>
+                  <a:buClr>
+                    <a:srgbClr val="000000"/>
+                  </a:buClr>
+                  <a:buSzPct val="100000"/>
+                  <a:buFont typeface="Arial" panose="020B0604020202020204" pitchFamily="34" charset="0"/>
+                  <a:tabLst>
+                    <a:tab pos="0" algn="l"/>
+                    <a:tab pos="457200" algn="l"/>
+                    <a:tab pos="914400" algn="l"/>
+                    <a:tab pos="1371600" algn="l"/>
+                    <a:tab pos="1828800" algn="l"/>
+                    <a:tab pos="2286000" algn="l"/>
+                    <a:tab pos="2743200" algn="l"/>
+                    <a:tab pos="3200400" algn="l"/>
+                    <a:tab pos="3657600" algn="l"/>
+                    <a:tab pos="4114800" algn="l"/>
+                    <a:tab pos="4572000" algn="l"/>
+                    <a:tab pos="5029200" algn="l"/>
+                    <a:tab pos="5486400" algn="l"/>
+                    <a:tab pos="5943600" algn="l"/>
+                    <a:tab pos="6400800" algn="l"/>
+                    <a:tab pos="6858000" algn="l"/>
+                    <a:tab pos="7315200" algn="l"/>
+                    <a:tab pos="7772400" algn="l"/>
+                    <a:tab pos="8229600" algn="l"/>
+                    <a:tab pos="8686800" algn="l"/>
+                    <a:tab pos="9144000" algn="l"/>
+                  </a:tabLst>
+                  <a:defRPr>
+                    <a:solidFill>
+                      <a:srgbClr val="000000"/>
+                    </a:solidFill>
+                    <a:latin typeface="Arial" panose="020B0604020202020204" pitchFamily="34" charset="0"/>
+                    <a:cs typeface="Arial" panose="020B0604020202020204" pitchFamily="34" charset="0"/>
+                  </a:defRPr>
+                </a:lvl8pPr>
+                <a:lvl9pPr defTabSz="457200" fontAlgn="base">
+                  <a:spcBef>
+                    <a:spcPct val="0"/>
+                  </a:spcBef>
+                  <a:spcAft>
+                    <a:spcPct val="0"/>
+                  </a:spcAft>
+                  <a:buClr>
+                    <a:srgbClr val="000000"/>
+                  </a:buClr>
+                  <a:buSzPct val="100000"/>
+                  <a:buFont typeface="Arial" panose="020B0604020202020204" pitchFamily="34" charset="0"/>
+                  <a:tabLst>
+                    <a:tab pos="0" algn="l"/>
+                    <a:tab pos="457200" algn="l"/>
+                    <a:tab pos="914400" algn="l"/>
+                    <a:tab pos="1371600" algn="l"/>
+                    <a:tab pos="1828800" algn="l"/>
+                    <a:tab pos="2286000" algn="l"/>
+                    <a:tab pos="2743200" algn="l"/>
+                    <a:tab pos="3200400" algn="l"/>
+                    <a:tab pos="3657600" algn="l"/>
+                    <a:tab pos="4114800" algn="l"/>
+                    <a:tab pos="4572000" algn="l"/>
+                    <a:tab pos="5029200" algn="l"/>
+                    <a:tab pos="5486400" algn="l"/>
+                    <a:tab pos="5943600" algn="l"/>
+                    <a:tab pos="6400800" algn="l"/>
+                    <a:tab pos="6858000" algn="l"/>
+                    <a:tab pos="7315200" algn="l"/>
+                    <a:tab pos="7772400" algn="l"/>
+                    <a:tab pos="8229600" algn="l"/>
+                    <a:tab pos="8686800" algn="l"/>
+                    <a:tab pos="9144000" algn="l"/>
+                  </a:tabLst>
+                  <a:defRPr>
+                    <a:solidFill>
+                      <a:srgbClr val="000000"/>
+                    </a:solidFill>
+                    <a:latin typeface="Arial" panose="020B0604020202020204" pitchFamily="34" charset="0"/>
+                    <a:cs typeface="Arial" panose="020B0604020202020204" pitchFamily="34" charset="0"/>
+                  </a:defRPr>
+                </a:lvl9pPr>
+              </a:lstStyle>
+              <a:p>
+                <a:pPr lvl="0" algn="l" defTabSz="457200" rtl="0" fontAlgn="base">
+                  <a:spcBef>
+                    <a:spcPct val="0"/>
+                  </a:spcBef>
+                  <a:spcAft>
+                    <a:spcPct val="0"/>
+                  </a:spcAft>
+                  <a:buClr>
+                    <a:srgbClr val="000000"/>
+                  </a:buClr>
+                  <a:buSzPct val="100000"/>
+                </a:pPr>
+                <a:r>
+                  <a:rPr kumimoji="0" lang="en-US" altLang="en-US" sz="2400" b="1" i="0" u="none" strike="noStrike" kern="0" cap="none" spc="0" normalizeH="0" baseline="0" noProof="0" dirty="0" smtClean="0">
+                    <a:ln>
+                      <a:noFill/>
+                    </a:ln>
+                    <a:solidFill>
+                      <a:srgbClr val="000000"/>
+                    </a:solidFill>
+                    <a:effectLst/>
+                    <a:uLnTx/>
+                    <a:uFillTx/>
+                    <a:latin typeface="Arial" panose="020B0604020202020204" pitchFamily="34" charset="0"/>
+                    <a:cs typeface="Arial" panose="020B0604020202020204" pitchFamily="34" charset="0"/>
+                  </a:rPr>
+                  <a:t>Query image </a:t>
+                </a:r>
+                <a14:m>
+                  <m:oMath xmlns:m="http://schemas.openxmlformats.org/officeDocument/2006/math">
+                    <m:r>
+                      <a:rPr lang="en-US" sz="2400" b="0" i="1" smtClean="0">
+                        <a:solidFill>
+                          <a:schemeClr val="tx1"/>
+                        </a:solidFill>
+                        <a:latin typeface="Cambria Math" panose="02040503050406030204" pitchFamily="18" charset="0"/>
+                      </a:rPr>
+                      <m:t>(</m:t>
+                    </m:r>
+                    <m:r>
+                      <a:rPr lang="en-US" sz="2400" b="0" i="1" smtClean="0">
+                        <a:solidFill>
+                          <a:schemeClr val="tx1"/>
+                        </a:solidFill>
+                        <a:latin typeface="Cambria Math" panose="02040503050406030204" pitchFamily="18" charset="0"/>
+                      </a:rPr>
+                      <m:t>𝑞</m:t>
+                    </m:r>
+                    <m:r>
+                      <a:rPr lang="en-US" sz="2400" b="0" i="1" smtClean="0">
+                        <a:solidFill>
+                          <a:schemeClr val="tx1"/>
+                        </a:solidFill>
+                        <a:latin typeface="Cambria Math" panose="02040503050406030204" pitchFamily="18" charset="0"/>
+                      </a:rPr>
+                      <m:t>)</m:t>
+                    </m:r>
+                  </m:oMath>
+                </a14:m>
+                <a:endParaRPr kumimoji="0" lang="en-US" altLang="en-US" sz="2400" b="1" i="0" u="none" strike="noStrike" kern="0" cap="none" spc="0" normalizeH="0" baseline="0" noProof="0" dirty="0" smtClean="0">
+                  <a:ln>
+                    <a:noFill/>
+                  </a:ln>
+                  <a:solidFill>
+                    <a:srgbClr val="000000"/>
+                  </a:solidFill>
+                  <a:effectLst/>
+                  <a:uLnTx/>
+                  <a:uFillTx/>
+                  <a:latin typeface="Arial" panose="020B0604020202020204" pitchFamily="34" charset="0"/>
+                  <a:cs typeface="Arial" panose="020B0604020202020204" pitchFamily="34" charset="0"/>
+                </a:endParaRPr>
+              </a:p>
+            </p:txBody>
+          </p:sp>
+        </mc:Choice>
+        <mc:Fallback>
+          <p:sp>
+            <p:nvSpPr>
+              <p:cNvPr id="52" name="Text Box 101"/>
+              <p:cNvSpPr txBox="1">
+                <a:spLocks noRot="1" noChangeAspect="1" noMove="1" noResize="1" noEditPoints="1" noAdjustHandles="1" noChangeArrowheads="1" noChangeShapeType="1" noTextEdit="1"/>
+              </p:cNvSpPr>
+              <p:nvPr/>
+            </p:nvSpPr>
+            <p:spPr bwMode="auto">
+              <a:xfrm>
+                <a:off x="4453535" y="25501673"/>
+                <a:ext cx="2561897" cy="463846"/>
+              </a:xfrm>
+              <a:prstGeom prst="rect">
+                <a:avLst/>
+              </a:prstGeom>
+              <a:blipFill rotWithShape="0">
+                <a:blip r:embed="rId31"/>
+                <a:stretch>
+                  <a:fillRect l="-3810" t="-7895" r="-1190" b="-31579"/>
+                </a:stretch>
+              </a:blipFill>
+              <a:ln>
+                <a:noFill/>
+              </a:ln>
+              <a:effectLst/>
+              <a:extLst>
+                <a:ext uri="{909E8E84-426E-40DD-AFC4-6F175D3DCCD1}">
+                  <a14:hiddenFill xmlns:a14="http://schemas.microsoft.com/office/drawing/2010/main">
+                    <a:solidFill>
+                      <a:srgbClr val="FFFFFF"/>
+                    </a:solidFill>
+                  </a14:hiddenFill>
+                </a:ext>
+                <a:ext uri="{91240B29-F687-4F45-9708-019B960494DF}">
+                  <a14:hiddenLine xmlns:a14="http://schemas.microsoft.com/office/drawing/2010/main" w="9525">
+                    <a:solidFill>
+                      <a:srgbClr val="000000"/>
+                    </a:solidFill>
+                    <a:round/>
+                    <a:headEnd/>
+                    <a:tailEnd/>
+                  </a14:hiddenLine>
+                </a:ext>
+                <a:ext uri="{AF507438-7753-43E0-B8FC-AC1667EBCBE1}">
+                  <a14:hiddenEffects xmlns:a14="http://schemas.microsoft.com/office/drawing/2010/main">
+                    <a:effectLst>
+                      <a:outerShdw dist="35921" dir="2700000" algn="ctr" rotWithShape="0">
+                        <a:srgbClr val="808080"/>
+                      </a:outerShdw>
+                    </a:effectLst>
+                  </a14:hiddenEffects>
+                </a:ext>
+              </a:extLst>
+            </p:spPr>
+            <p:txBody>
+              <a:bodyPr/>
+              <a:lstStyle/>
+              <a:p>
+                <a:r>
+                  <a:rPr lang="en-US">
+                    <a:noFill/>
+                  </a:rPr>
+                  <a:t> </a:t>
+                </a:r>
+              </a:p>
+            </p:txBody>
+          </p:sp>
+        </mc:Fallback>
+      </mc:AlternateContent>
+      <mc:AlternateContent xmlns:mc="http://schemas.openxmlformats.org/markup-compatibility/2006">
+        <mc:Choice xmlns:a14="http://schemas.microsoft.com/office/drawing/2010/main" Requires="a14">
+          <p:sp>
+            <p:nvSpPr>
+              <p:cNvPr id="53" name="Text Box 102"/>
+              <p:cNvSpPr txBox="1">
+                <a:spLocks noChangeArrowheads="1"/>
+              </p:cNvSpPr>
+              <p:nvPr/>
+            </p:nvSpPr>
+            <p:spPr bwMode="auto">
+              <a:xfrm>
+                <a:off x="1368452" y="28594123"/>
+                <a:ext cx="2075097" cy="371513"/>
+              </a:xfrm>
+              <a:prstGeom prst="rect">
+                <a:avLst/>
+              </a:prstGeom>
+              <a:noFill/>
+              <a:ln>
+                <a:noFill/>
+              </a:ln>
+              <a:effectLst/>
+              <a:extLst>
+                <a:ext uri="{909E8E84-426E-40DD-AFC4-6F175D3DCCD1}">
+                  <a14:hiddenFill>
+                    <a:solidFill>
+                      <a:srgbClr val="FFFFFF"/>
+                    </a:solidFill>
+                  </a14:hiddenFill>
+                </a:ext>
+                <a:ext uri="{91240B29-F687-4F45-9708-019B960494DF}">
+                  <a14:hiddenLine w="9525">
+                    <a:solidFill>
+                      <a:srgbClr val="000000"/>
+                    </a:solidFill>
+                    <a:round/>
+                    <a:headEnd/>
+                    <a:tailEnd/>
+                  </a14:hiddenLine>
+                </a:ext>
+                <a:ext uri="{AF507438-7753-43E0-B8FC-AC1667EBCBE1}">
+                  <a14:hiddenEffects>
+                    <a:effectLst>
+                      <a:outerShdw dist="35921" dir="2700000" algn="ctr" rotWithShape="0">
+                        <a:srgbClr val="808080"/>
+                      </a:outerShdw>
+                    </a:effectLst>
+                  </a14:hiddenEffects>
+                </a:ext>
+              </a:extLst>
+            </p:spPr>
+            <p:txBody>
+              <a:bodyPr wrap="none" lIns="90000" tIns="46800" rIns="90000" bIns="46800">
+                <a:spAutoFit/>
+              </a:bodyPr>
+              <a:lstStyle>
+                <a:lvl1pPr>
+                  <a:tabLst>
+                    <a:tab pos="0" algn="l"/>
+                    <a:tab pos="457200" algn="l"/>
+                    <a:tab pos="914400" algn="l"/>
+                    <a:tab pos="1371600" algn="l"/>
+                    <a:tab pos="1828800" algn="l"/>
+                    <a:tab pos="2286000" algn="l"/>
+                    <a:tab pos="2743200" algn="l"/>
+                    <a:tab pos="3200400" algn="l"/>
+                    <a:tab pos="3657600" algn="l"/>
+                    <a:tab pos="4114800" algn="l"/>
+                    <a:tab pos="4572000" algn="l"/>
+                    <a:tab pos="5029200" algn="l"/>
+                    <a:tab pos="5486400" algn="l"/>
+                    <a:tab pos="5943600" algn="l"/>
+                    <a:tab pos="6400800" algn="l"/>
+                    <a:tab pos="6858000" algn="l"/>
+                    <a:tab pos="7315200" algn="l"/>
+                    <a:tab pos="7772400" algn="l"/>
+                    <a:tab pos="8229600" algn="l"/>
+                    <a:tab pos="8686800" algn="l"/>
+                    <a:tab pos="9144000" algn="l"/>
+                  </a:tabLst>
+                  <a:defRPr>
+                    <a:solidFill>
+                      <a:srgbClr val="000000"/>
+                    </a:solidFill>
+                    <a:latin typeface="Arial" panose="020B0604020202020204" pitchFamily="34" charset="0"/>
+                    <a:cs typeface="Arial" panose="020B0604020202020204" pitchFamily="34" charset="0"/>
+                  </a:defRPr>
+                </a:lvl1pPr>
+                <a:lvl2pPr>
+                  <a:tabLst>
+                    <a:tab pos="0" algn="l"/>
+                    <a:tab pos="457200" algn="l"/>
+                    <a:tab pos="914400" algn="l"/>
+                    <a:tab pos="1371600" algn="l"/>
+                    <a:tab pos="1828800" algn="l"/>
+                    <a:tab pos="2286000" algn="l"/>
+                    <a:tab pos="2743200" algn="l"/>
+                    <a:tab pos="3200400" algn="l"/>
+                    <a:tab pos="3657600" algn="l"/>
+                    <a:tab pos="4114800" algn="l"/>
+                    <a:tab pos="4572000" algn="l"/>
+                    <a:tab pos="5029200" algn="l"/>
+                    <a:tab pos="5486400" algn="l"/>
+                    <a:tab pos="5943600" algn="l"/>
+                    <a:tab pos="6400800" algn="l"/>
+                    <a:tab pos="6858000" algn="l"/>
+                    <a:tab pos="7315200" algn="l"/>
+                    <a:tab pos="7772400" algn="l"/>
+                    <a:tab pos="8229600" algn="l"/>
+                    <a:tab pos="8686800" algn="l"/>
+                    <a:tab pos="9144000" algn="l"/>
+                  </a:tabLst>
+                  <a:defRPr>
+                    <a:solidFill>
+                      <a:srgbClr val="000000"/>
+                    </a:solidFill>
+                    <a:latin typeface="Arial" panose="020B0604020202020204" pitchFamily="34" charset="0"/>
+                    <a:cs typeface="Arial" panose="020B0604020202020204" pitchFamily="34" charset="0"/>
+                  </a:defRPr>
+                </a:lvl2pPr>
+                <a:lvl3pPr>
+                  <a:tabLst>
+                    <a:tab pos="0" algn="l"/>
+                    <a:tab pos="457200" algn="l"/>
+                    <a:tab pos="914400" algn="l"/>
+                    <a:tab pos="1371600" algn="l"/>
+                    <a:tab pos="1828800" algn="l"/>
+                    <a:tab pos="2286000" algn="l"/>
+                    <a:tab pos="2743200" algn="l"/>
+                    <a:tab pos="3200400" algn="l"/>
+                    <a:tab pos="3657600" algn="l"/>
+                    <a:tab pos="4114800" algn="l"/>
+                    <a:tab pos="4572000" algn="l"/>
+                    <a:tab pos="5029200" algn="l"/>
+                    <a:tab pos="5486400" algn="l"/>
+                    <a:tab pos="5943600" algn="l"/>
+                    <a:tab pos="6400800" algn="l"/>
+                    <a:tab pos="6858000" algn="l"/>
+                    <a:tab pos="7315200" algn="l"/>
+                    <a:tab pos="7772400" algn="l"/>
+                    <a:tab pos="8229600" algn="l"/>
+                    <a:tab pos="8686800" algn="l"/>
+                    <a:tab pos="9144000" algn="l"/>
+                  </a:tabLst>
+                  <a:defRPr>
+                    <a:solidFill>
+                      <a:srgbClr val="000000"/>
+                    </a:solidFill>
+                    <a:latin typeface="Arial" panose="020B0604020202020204" pitchFamily="34" charset="0"/>
+                    <a:cs typeface="Arial" panose="020B0604020202020204" pitchFamily="34" charset="0"/>
+                  </a:defRPr>
+                </a:lvl3pPr>
+                <a:lvl4pPr>
+                  <a:tabLst>
+                    <a:tab pos="0" algn="l"/>
+                    <a:tab pos="457200" algn="l"/>
+                    <a:tab pos="914400" algn="l"/>
+                    <a:tab pos="1371600" algn="l"/>
+                    <a:tab pos="1828800" algn="l"/>
+                    <a:tab pos="2286000" algn="l"/>
+                    <a:tab pos="2743200" algn="l"/>
+                    <a:tab pos="3200400" algn="l"/>
+                    <a:tab pos="3657600" algn="l"/>
+                    <a:tab pos="4114800" algn="l"/>
+                    <a:tab pos="4572000" algn="l"/>
+                    <a:tab pos="5029200" algn="l"/>
+                    <a:tab pos="5486400" algn="l"/>
+                    <a:tab pos="5943600" algn="l"/>
+                    <a:tab pos="6400800" algn="l"/>
+                    <a:tab pos="6858000" algn="l"/>
+                    <a:tab pos="7315200" algn="l"/>
+                    <a:tab pos="7772400" algn="l"/>
+                    <a:tab pos="8229600" algn="l"/>
+                    <a:tab pos="8686800" algn="l"/>
+                    <a:tab pos="9144000" algn="l"/>
+                  </a:tabLst>
+                  <a:defRPr>
+                    <a:solidFill>
+                      <a:srgbClr val="000000"/>
+                    </a:solidFill>
+                    <a:latin typeface="Arial" panose="020B0604020202020204" pitchFamily="34" charset="0"/>
+                    <a:cs typeface="Arial" panose="020B0604020202020204" pitchFamily="34" charset="0"/>
+                  </a:defRPr>
+                </a:lvl4pPr>
+                <a:lvl5pPr>
+                  <a:tabLst>
+                    <a:tab pos="0" algn="l"/>
+                    <a:tab pos="457200" algn="l"/>
+                    <a:tab pos="914400" algn="l"/>
+                    <a:tab pos="1371600" algn="l"/>
+                    <a:tab pos="1828800" algn="l"/>
+                    <a:tab pos="2286000" algn="l"/>
+                    <a:tab pos="2743200" algn="l"/>
+                    <a:tab pos="3200400" algn="l"/>
+                    <a:tab pos="3657600" algn="l"/>
+                    <a:tab pos="4114800" algn="l"/>
+                    <a:tab pos="4572000" algn="l"/>
+                    <a:tab pos="5029200" algn="l"/>
+                    <a:tab pos="5486400" algn="l"/>
+                    <a:tab pos="5943600" algn="l"/>
+                    <a:tab pos="6400800" algn="l"/>
+                    <a:tab pos="6858000" algn="l"/>
+                    <a:tab pos="7315200" algn="l"/>
+                    <a:tab pos="7772400" algn="l"/>
+                    <a:tab pos="8229600" algn="l"/>
+                    <a:tab pos="8686800" algn="l"/>
+                    <a:tab pos="9144000" algn="l"/>
+                  </a:tabLst>
+                  <a:defRPr>
+                    <a:solidFill>
+                      <a:srgbClr val="000000"/>
+                    </a:solidFill>
+                    <a:latin typeface="Arial" panose="020B0604020202020204" pitchFamily="34" charset="0"/>
+                    <a:cs typeface="Arial" panose="020B0604020202020204" pitchFamily="34" charset="0"/>
+                  </a:defRPr>
+                </a:lvl5pPr>
+                <a:lvl6pPr defTabSz="457200" fontAlgn="base">
+                  <a:spcBef>
+                    <a:spcPct val="0"/>
+                  </a:spcBef>
+                  <a:spcAft>
+                    <a:spcPct val="0"/>
+                  </a:spcAft>
+                  <a:buClr>
+                    <a:srgbClr val="000000"/>
+                  </a:buClr>
+                  <a:buSzPct val="100000"/>
+                  <a:buFont typeface="Arial" panose="020B0604020202020204" pitchFamily="34" charset="0"/>
+                  <a:tabLst>
+                    <a:tab pos="0" algn="l"/>
+                    <a:tab pos="457200" algn="l"/>
+                    <a:tab pos="914400" algn="l"/>
+                    <a:tab pos="1371600" algn="l"/>
+                    <a:tab pos="1828800" algn="l"/>
+                    <a:tab pos="2286000" algn="l"/>
+                    <a:tab pos="2743200" algn="l"/>
+                    <a:tab pos="3200400" algn="l"/>
+                    <a:tab pos="3657600" algn="l"/>
+                    <a:tab pos="4114800" algn="l"/>
+                    <a:tab pos="4572000" algn="l"/>
+                    <a:tab pos="5029200" algn="l"/>
+                    <a:tab pos="5486400" algn="l"/>
+                    <a:tab pos="5943600" algn="l"/>
+                    <a:tab pos="6400800" algn="l"/>
+                    <a:tab pos="6858000" algn="l"/>
+                    <a:tab pos="7315200" algn="l"/>
+                    <a:tab pos="7772400" algn="l"/>
+                    <a:tab pos="8229600" algn="l"/>
+                    <a:tab pos="8686800" algn="l"/>
+                    <a:tab pos="9144000" algn="l"/>
+                  </a:tabLst>
+                  <a:defRPr>
+                    <a:solidFill>
+                      <a:srgbClr val="000000"/>
+                    </a:solidFill>
+                    <a:latin typeface="Arial" panose="020B0604020202020204" pitchFamily="34" charset="0"/>
+                    <a:cs typeface="Arial" panose="020B0604020202020204" pitchFamily="34" charset="0"/>
+                  </a:defRPr>
+                </a:lvl6pPr>
+                <a:lvl7pPr defTabSz="457200" fontAlgn="base">
+                  <a:spcBef>
+                    <a:spcPct val="0"/>
+                  </a:spcBef>
+                  <a:spcAft>
+                    <a:spcPct val="0"/>
+                  </a:spcAft>
+                  <a:buClr>
+                    <a:srgbClr val="000000"/>
+                  </a:buClr>
+                  <a:buSzPct val="100000"/>
+                  <a:buFont typeface="Arial" panose="020B0604020202020204" pitchFamily="34" charset="0"/>
+                  <a:tabLst>
+                    <a:tab pos="0" algn="l"/>
+                    <a:tab pos="457200" algn="l"/>
+                    <a:tab pos="914400" algn="l"/>
+                    <a:tab pos="1371600" algn="l"/>
+                    <a:tab pos="1828800" algn="l"/>
+                    <a:tab pos="2286000" algn="l"/>
+                    <a:tab pos="2743200" algn="l"/>
+                    <a:tab pos="3200400" algn="l"/>
+                    <a:tab pos="3657600" algn="l"/>
+                    <a:tab pos="4114800" algn="l"/>
+                    <a:tab pos="4572000" algn="l"/>
+                    <a:tab pos="5029200" algn="l"/>
+                    <a:tab pos="5486400" algn="l"/>
+                    <a:tab pos="5943600" algn="l"/>
+                    <a:tab pos="6400800" algn="l"/>
+                    <a:tab pos="6858000" algn="l"/>
+                    <a:tab pos="7315200" algn="l"/>
+                    <a:tab pos="7772400" algn="l"/>
+                    <a:tab pos="8229600" algn="l"/>
+                    <a:tab pos="8686800" algn="l"/>
+                    <a:tab pos="9144000" algn="l"/>
+                  </a:tabLst>
+                  <a:defRPr>
+                    <a:solidFill>
+                      <a:srgbClr val="000000"/>
+                    </a:solidFill>
+                    <a:latin typeface="Arial" panose="020B0604020202020204" pitchFamily="34" charset="0"/>
+                    <a:cs typeface="Arial" panose="020B0604020202020204" pitchFamily="34" charset="0"/>
+                  </a:defRPr>
+                </a:lvl7pPr>
+                <a:lvl8pPr defTabSz="457200" fontAlgn="base">
+                  <a:spcBef>
+                    <a:spcPct val="0"/>
+                  </a:spcBef>
+                  <a:spcAft>
+                    <a:spcPct val="0"/>
+                  </a:spcAft>
+                  <a:buClr>
+                    <a:srgbClr val="000000"/>
+                  </a:buClr>
+                  <a:buSzPct val="100000"/>
+                  <a:buFont typeface="Arial" panose="020B0604020202020204" pitchFamily="34" charset="0"/>
+                  <a:tabLst>
+                    <a:tab pos="0" algn="l"/>
+                    <a:tab pos="457200" algn="l"/>
+                    <a:tab pos="914400" algn="l"/>
+                    <a:tab pos="1371600" algn="l"/>
+                    <a:tab pos="1828800" algn="l"/>
+                    <a:tab pos="2286000" algn="l"/>
+                    <a:tab pos="2743200" algn="l"/>
+                    <a:tab pos="3200400" algn="l"/>
+                    <a:tab pos="3657600" algn="l"/>
+                    <a:tab pos="4114800" algn="l"/>
+                    <a:tab pos="4572000" algn="l"/>
+                    <a:tab pos="5029200" algn="l"/>
+                    <a:tab pos="5486400" algn="l"/>
+                    <a:tab pos="5943600" algn="l"/>
+                    <a:tab pos="6400800" algn="l"/>
+                    <a:tab pos="6858000" algn="l"/>
+                    <a:tab pos="7315200" algn="l"/>
+                    <a:tab pos="7772400" algn="l"/>
+                    <a:tab pos="8229600" algn="l"/>
+                    <a:tab pos="8686800" algn="l"/>
+                    <a:tab pos="9144000" algn="l"/>
+                  </a:tabLst>
+                  <a:defRPr>
+                    <a:solidFill>
+                      <a:srgbClr val="000000"/>
+                    </a:solidFill>
+                    <a:latin typeface="Arial" panose="020B0604020202020204" pitchFamily="34" charset="0"/>
+                    <a:cs typeface="Arial" panose="020B0604020202020204" pitchFamily="34" charset="0"/>
+                  </a:defRPr>
+                </a:lvl8pPr>
+                <a:lvl9pPr defTabSz="457200" fontAlgn="base">
+                  <a:spcBef>
+                    <a:spcPct val="0"/>
+                  </a:spcBef>
+                  <a:spcAft>
+                    <a:spcPct val="0"/>
+                  </a:spcAft>
+                  <a:buClr>
+                    <a:srgbClr val="000000"/>
+                  </a:buClr>
+                  <a:buSzPct val="100000"/>
+                  <a:buFont typeface="Arial" panose="020B0604020202020204" pitchFamily="34" charset="0"/>
+                  <a:tabLst>
+                    <a:tab pos="0" algn="l"/>
+                    <a:tab pos="457200" algn="l"/>
+                    <a:tab pos="914400" algn="l"/>
+                    <a:tab pos="1371600" algn="l"/>
+                    <a:tab pos="1828800" algn="l"/>
+                    <a:tab pos="2286000" algn="l"/>
+                    <a:tab pos="2743200" algn="l"/>
+                    <a:tab pos="3200400" algn="l"/>
+                    <a:tab pos="3657600" algn="l"/>
+                    <a:tab pos="4114800" algn="l"/>
+                    <a:tab pos="4572000" algn="l"/>
+                    <a:tab pos="5029200" algn="l"/>
+                    <a:tab pos="5486400" algn="l"/>
+                    <a:tab pos="5943600" algn="l"/>
+                    <a:tab pos="6400800" algn="l"/>
+                    <a:tab pos="6858000" algn="l"/>
+                    <a:tab pos="7315200" algn="l"/>
+                    <a:tab pos="7772400" algn="l"/>
+                    <a:tab pos="8229600" algn="l"/>
+                    <a:tab pos="8686800" algn="l"/>
+                    <a:tab pos="9144000" algn="l"/>
+                  </a:tabLst>
+                  <a:defRPr>
+                    <a:solidFill>
+                      <a:srgbClr val="000000"/>
+                    </a:solidFill>
+                    <a:latin typeface="Arial" panose="020B0604020202020204" pitchFamily="34" charset="0"/>
+                    <a:cs typeface="Arial" panose="020B0604020202020204" pitchFamily="34" charset="0"/>
+                  </a:defRPr>
+                </a:lvl9pPr>
+              </a:lstStyle>
+              <a:p>
+                <a:pPr lvl="0" algn="l" defTabSz="457200" rtl="0" fontAlgn="base">
+                  <a:spcBef>
+                    <a:spcPct val="0"/>
+                  </a:spcBef>
+                  <a:spcAft>
+                    <a:spcPct val="0"/>
+                  </a:spcAft>
+                  <a:buClr>
+                    <a:srgbClr val="333399"/>
+                  </a:buClr>
+                  <a:buSzPct val="100000"/>
+                </a:pPr>
+                <a:r>
+                  <a:rPr kumimoji="0" lang="en-US" altLang="en-US" sz="1800" b="1" i="0" u="none" strike="noStrike" kern="0" cap="none" spc="0" normalizeH="0" baseline="0" noProof="0" dirty="0" smtClean="0">
+                    <a:ln>
+                      <a:noFill/>
+                    </a:ln>
+                    <a:solidFill>
+                      <a:srgbClr val="333399"/>
+                    </a:solidFill>
+                    <a:effectLst/>
+                    <a:uLnTx/>
+                    <a:uFillTx/>
+                    <a:latin typeface="Arial" panose="020B0604020202020204" pitchFamily="34" charset="0"/>
+                    <a:cs typeface="Arial" panose="020B0604020202020204" pitchFamily="34" charset="0"/>
+                  </a:rPr>
+                  <a:t>more similar </a:t>
+                </a:r>
+                <a14:m>
+                  <m:oMath xmlns:m="http://schemas.openxmlformats.org/officeDocument/2006/math">
+                    <m:sSup>
+                      <m:sSupPr>
+                        <m:ctrlPr>
+                          <a:rPr lang="en-US" sz="1800" i="1">
+                            <a:solidFill>
+                              <a:schemeClr val="tx1"/>
+                            </a:solidFill>
+                            <a:latin typeface="Cambria Math" panose="02040503050406030204" pitchFamily="18" charset="0"/>
+                          </a:rPr>
+                        </m:ctrlPr>
+                      </m:sSupPr>
+                      <m:e>
+                        <m:r>
+                          <a:rPr lang="en-US" sz="1800" b="0" i="1" smtClean="0">
+                            <a:solidFill>
+                              <a:schemeClr val="tx1"/>
+                            </a:solidFill>
+                            <a:latin typeface="Cambria Math" panose="02040503050406030204" pitchFamily="18" charset="0"/>
+                          </a:rPr>
+                          <m:t>(</m:t>
+                        </m:r>
+                        <m:r>
+                          <a:rPr lang="en-US" sz="1800" i="1">
+                            <a:solidFill>
+                              <a:schemeClr val="tx1"/>
+                            </a:solidFill>
+                            <a:latin typeface="Cambria Math" panose="02040503050406030204" pitchFamily="18" charset="0"/>
+                          </a:rPr>
+                          <m:t>𝑝</m:t>
+                        </m:r>
+                      </m:e>
+                      <m:sup>
+                        <m:r>
+                          <a:rPr lang="en-US" sz="1800" i="1">
+                            <a:solidFill>
+                              <a:schemeClr val="tx1"/>
+                            </a:solidFill>
+                            <a:latin typeface="Cambria Math" panose="02040503050406030204" pitchFamily="18" charset="0"/>
+                          </a:rPr>
+                          <m:t>+</m:t>
+                        </m:r>
+                      </m:sup>
+                    </m:sSup>
+                    <m:r>
+                      <a:rPr lang="en-US" sz="1800" b="0" i="1" smtClean="0">
+                        <a:solidFill>
+                          <a:schemeClr val="tx1"/>
+                        </a:solidFill>
+                        <a:latin typeface="Cambria Math" panose="02040503050406030204" pitchFamily="18" charset="0"/>
+                      </a:rPr>
+                      <m:t>)</m:t>
+                    </m:r>
+                  </m:oMath>
+                </a14:m>
+                <a:endParaRPr kumimoji="0" lang="en-US" altLang="en-US" sz="1800" b="1" i="0" u="none" strike="noStrike" kern="0" cap="none" spc="0" normalizeH="0" baseline="0" noProof="0" dirty="0" smtClean="0">
+                  <a:ln>
+                    <a:noFill/>
+                  </a:ln>
+                  <a:solidFill>
+                    <a:srgbClr val="333399"/>
+                  </a:solidFill>
+                  <a:effectLst/>
+                  <a:uLnTx/>
+                  <a:uFillTx/>
+                  <a:latin typeface="Arial" panose="020B0604020202020204" pitchFamily="34" charset="0"/>
+                  <a:cs typeface="Arial" panose="020B0604020202020204" pitchFamily="34" charset="0"/>
+                </a:endParaRPr>
+              </a:p>
+            </p:txBody>
+          </p:sp>
+        </mc:Choice>
+        <mc:Fallback>
+          <p:sp>
+            <p:nvSpPr>
+              <p:cNvPr id="53" name="Text Box 102"/>
+              <p:cNvSpPr txBox="1">
+                <a:spLocks noRot="1" noChangeAspect="1" noMove="1" noResize="1" noEditPoints="1" noAdjustHandles="1" noChangeArrowheads="1" noChangeShapeType="1" noTextEdit="1"/>
+              </p:cNvSpPr>
+              <p:nvPr/>
+            </p:nvSpPr>
+            <p:spPr bwMode="auto">
+              <a:xfrm>
+                <a:off x="1368452" y="28594123"/>
+                <a:ext cx="2075097" cy="371513"/>
+              </a:xfrm>
+              <a:prstGeom prst="rect">
+                <a:avLst/>
+              </a:prstGeom>
+              <a:blipFill rotWithShape="0">
+                <a:blip r:embed="rId32"/>
+                <a:stretch>
+                  <a:fillRect l="-2346" t="-9836" r="-293" b="-24590"/>
+                </a:stretch>
+              </a:blipFill>
+              <a:ln>
+                <a:noFill/>
+              </a:ln>
+              <a:effectLst/>
+              <a:extLst>
+                <a:ext uri="{909E8E84-426E-40DD-AFC4-6F175D3DCCD1}">
+                  <a14:hiddenFill xmlns:a14="http://schemas.microsoft.com/office/drawing/2010/main">
+                    <a:solidFill>
+                      <a:srgbClr val="FFFFFF"/>
+                    </a:solidFill>
+                  </a14:hiddenFill>
+                </a:ext>
+                <a:ext uri="{91240B29-F687-4F45-9708-019B960494DF}">
+                  <a14:hiddenLine xmlns:a14="http://schemas.microsoft.com/office/drawing/2010/main" w="9525">
+                    <a:solidFill>
+                      <a:srgbClr val="000000"/>
+                    </a:solidFill>
+                    <a:round/>
+                    <a:headEnd/>
+                    <a:tailEnd/>
+                  </a14:hiddenLine>
+                </a:ext>
+                <a:ext uri="{AF507438-7753-43E0-B8FC-AC1667EBCBE1}">
+                  <a14:hiddenEffects xmlns:a14="http://schemas.microsoft.com/office/drawing/2010/main">
+                    <a:effectLst>
+                      <a:outerShdw dist="35921" dir="2700000" algn="ctr" rotWithShape="0">
+                        <a:srgbClr val="808080"/>
+                      </a:outerShdw>
+                    </a:effectLst>
+                  </a14:hiddenEffects>
+                </a:ext>
+              </a:extLst>
+            </p:spPr>
+            <p:txBody>
+              <a:bodyPr/>
+              <a:lstStyle/>
+              <a:p>
+                <a:r>
+                  <a:rPr lang="en-US">
+                    <a:noFill/>
+                  </a:rPr>
+                  <a:t> </a:t>
+                </a:r>
+              </a:p>
+            </p:txBody>
+          </p:sp>
+        </mc:Fallback>
+      </mc:AlternateContent>
+      <mc:AlternateContent xmlns:mc="http://schemas.openxmlformats.org/markup-compatibility/2006">
+        <mc:Choice xmlns:a14="http://schemas.microsoft.com/office/drawing/2010/main" Requires="a14">
+          <p:sp>
+            <p:nvSpPr>
+              <p:cNvPr id="54" name="Text Box 103"/>
+              <p:cNvSpPr txBox="1">
+                <a:spLocks noChangeArrowheads="1"/>
+              </p:cNvSpPr>
+              <p:nvPr/>
+            </p:nvSpPr>
+            <p:spPr bwMode="auto">
+              <a:xfrm>
+                <a:off x="7977724" y="28515393"/>
+                <a:ext cx="1959680" cy="371513"/>
+              </a:xfrm>
+              <a:prstGeom prst="rect">
+                <a:avLst/>
+              </a:prstGeom>
+              <a:noFill/>
+              <a:ln>
+                <a:noFill/>
+              </a:ln>
+              <a:effectLst/>
+              <a:extLst>
+                <a:ext uri="{909E8E84-426E-40DD-AFC4-6F175D3DCCD1}">
+                  <a14:hiddenFill>
+                    <a:solidFill>
+                      <a:srgbClr val="FFFFFF"/>
+                    </a:solidFill>
+                  </a14:hiddenFill>
+                </a:ext>
+                <a:ext uri="{91240B29-F687-4F45-9708-019B960494DF}">
+                  <a14:hiddenLine w="9525">
+                    <a:solidFill>
+                      <a:srgbClr val="000000"/>
+                    </a:solidFill>
+                    <a:round/>
+                    <a:headEnd/>
+                    <a:tailEnd/>
+                  </a14:hiddenLine>
+                </a:ext>
+                <a:ext uri="{AF507438-7753-43E0-B8FC-AC1667EBCBE1}">
+                  <a14:hiddenEffects>
+                    <a:effectLst>
+                      <a:outerShdw dist="35921" dir="2700000" algn="ctr" rotWithShape="0">
+                        <a:srgbClr val="808080"/>
+                      </a:outerShdw>
+                    </a:effectLst>
+                  </a14:hiddenEffects>
+                </a:ext>
+              </a:extLst>
+            </p:spPr>
+            <p:txBody>
+              <a:bodyPr wrap="none" lIns="90000" tIns="46800" rIns="90000" bIns="46800">
+                <a:spAutoFit/>
+              </a:bodyPr>
+              <a:lstStyle>
+                <a:lvl1pPr>
+                  <a:tabLst>
+                    <a:tab pos="0" algn="l"/>
+                    <a:tab pos="457200" algn="l"/>
+                    <a:tab pos="914400" algn="l"/>
+                    <a:tab pos="1371600" algn="l"/>
+                    <a:tab pos="1828800" algn="l"/>
+                    <a:tab pos="2286000" algn="l"/>
+                    <a:tab pos="2743200" algn="l"/>
+                    <a:tab pos="3200400" algn="l"/>
+                    <a:tab pos="3657600" algn="l"/>
+                    <a:tab pos="4114800" algn="l"/>
+                    <a:tab pos="4572000" algn="l"/>
+                    <a:tab pos="5029200" algn="l"/>
+                    <a:tab pos="5486400" algn="l"/>
+                    <a:tab pos="5943600" algn="l"/>
+                    <a:tab pos="6400800" algn="l"/>
+                    <a:tab pos="6858000" algn="l"/>
+                    <a:tab pos="7315200" algn="l"/>
+                    <a:tab pos="7772400" algn="l"/>
+                    <a:tab pos="8229600" algn="l"/>
+                    <a:tab pos="8686800" algn="l"/>
+                    <a:tab pos="9144000" algn="l"/>
+                  </a:tabLst>
+                  <a:defRPr>
+                    <a:solidFill>
+                      <a:srgbClr val="000000"/>
+                    </a:solidFill>
+                    <a:latin typeface="Arial" panose="020B0604020202020204" pitchFamily="34" charset="0"/>
+                    <a:cs typeface="Arial" panose="020B0604020202020204" pitchFamily="34" charset="0"/>
+                  </a:defRPr>
+                </a:lvl1pPr>
+                <a:lvl2pPr>
+                  <a:tabLst>
+                    <a:tab pos="0" algn="l"/>
+                    <a:tab pos="457200" algn="l"/>
+                    <a:tab pos="914400" algn="l"/>
+                    <a:tab pos="1371600" algn="l"/>
+                    <a:tab pos="1828800" algn="l"/>
+                    <a:tab pos="2286000" algn="l"/>
+                    <a:tab pos="2743200" algn="l"/>
+                    <a:tab pos="3200400" algn="l"/>
+                    <a:tab pos="3657600" algn="l"/>
+                    <a:tab pos="4114800" algn="l"/>
+                    <a:tab pos="4572000" algn="l"/>
+                    <a:tab pos="5029200" algn="l"/>
+                    <a:tab pos="5486400" algn="l"/>
+                    <a:tab pos="5943600" algn="l"/>
+                    <a:tab pos="6400800" algn="l"/>
+                    <a:tab pos="6858000" algn="l"/>
+                    <a:tab pos="7315200" algn="l"/>
+                    <a:tab pos="7772400" algn="l"/>
+                    <a:tab pos="8229600" algn="l"/>
+                    <a:tab pos="8686800" algn="l"/>
+                    <a:tab pos="9144000" algn="l"/>
+                  </a:tabLst>
+                  <a:defRPr>
+                    <a:solidFill>
+                      <a:srgbClr val="000000"/>
+                    </a:solidFill>
+                    <a:latin typeface="Arial" panose="020B0604020202020204" pitchFamily="34" charset="0"/>
+                    <a:cs typeface="Arial" panose="020B0604020202020204" pitchFamily="34" charset="0"/>
+                  </a:defRPr>
+                </a:lvl2pPr>
+                <a:lvl3pPr>
+                  <a:tabLst>
+                    <a:tab pos="0" algn="l"/>
+                    <a:tab pos="457200" algn="l"/>
+                    <a:tab pos="914400" algn="l"/>
+                    <a:tab pos="1371600" algn="l"/>
+                    <a:tab pos="1828800" algn="l"/>
+                    <a:tab pos="2286000" algn="l"/>
+                    <a:tab pos="2743200" algn="l"/>
+                    <a:tab pos="3200400" algn="l"/>
+                    <a:tab pos="3657600" algn="l"/>
+                    <a:tab pos="4114800" algn="l"/>
+                    <a:tab pos="4572000" algn="l"/>
+                    <a:tab pos="5029200" algn="l"/>
+                    <a:tab pos="5486400" algn="l"/>
+                    <a:tab pos="5943600" algn="l"/>
+                    <a:tab pos="6400800" algn="l"/>
+                    <a:tab pos="6858000" algn="l"/>
+                    <a:tab pos="7315200" algn="l"/>
+                    <a:tab pos="7772400" algn="l"/>
+                    <a:tab pos="8229600" algn="l"/>
+                    <a:tab pos="8686800" algn="l"/>
+                    <a:tab pos="9144000" algn="l"/>
+                  </a:tabLst>
+                  <a:defRPr>
+                    <a:solidFill>
+                      <a:srgbClr val="000000"/>
+                    </a:solidFill>
+                    <a:latin typeface="Arial" panose="020B0604020202020204" pitchFamily="34" charset="0"/>
+                    <a:cs typeface="Arial" panose="020B0604020202020204" pitchFamily="34" charset="0"/>
+                  </a:defRPr>
+                </a:lvl3pPr>
+                <a:lvl4pPr>
+                  <a:tabLst>
+                    <a:tab pos="0" algn="l"/>
+                    <a:tab pos="457200" algn="l"/>
+                    <a:tab pos="914400" algn="l"/>
+                    <a:tab pos="1371600" algn="l"/>
+                    <a:tab pos="1828800" algn="l"/>
+                    <a:tab pos="2286000" algn="l"/>
+                    <a:tab pos="2743200" algn="l"/>
+                    <a:tab pos="3200400" algn="l"/>
+                    <a:tab pos="3657600" algn="l"/>
+                    <a:tab pos="4114800" algn="l"/>
+                    <a:tab pos="4572000" algn="l"/>
+                    <a:tab pos="5029200" algn="l"/>
+                    <a:tab pos="5486400" algn="l"/>
+                    <a:tab pos="5943600" algn="l"/>
+                    <a:tab pos="6400800" algn="l"/>
+                    <a:tab pos="6858000" algn="l"/>
+                    <a:tab pos="7315200" algn="l"/>
+                    <a:tab pos="7772400" algn="l"/>
+                    <a:tab pos="8229600" algn="l"/>
+                    <a:tab pos="8686800" algn="l"/>
+                    <a:tab pos="9144000" algn="l"/>
+                  </a:tabLst>
+                  <a:defRPr>
+                    <a:solidFill>
+                      <a:srgbClr val="000000"/>
+                    </a:solidFill>
+                    <a:latin typeface="Arial" panose="020B0604020202020204" pitchFamily="34" charset="0"/>
+                    <a:cs typeface="Arial" panose="020B0604020202020204" pitchFamily="34" charset="0"/>
+                  </a:defRPr>
+                </a:lvl4pPr>
+                <a:lvl5pPr>
+                  <a:tabLst>
+                    <a:tab pos="0" algn="l"/>
+                    <a:tab pos="457200" algn="l"/>
+                    <a:tab pos="914400" algn="l"/>
+                    <a:tab pos="1371600" algn="l"/>
+                    <a:tab pos="1828800" algn="l"/>
+                    <a:tab pos="2286000" algn="l"/>
+                    <a:tab pos="2743200" algn="l"/>
+                    <a:tab pos="3200400" algn="l"/>
+                    <a:tab pos="3657600" algn="l"/>
+                    <a:tab pos="4114800" algn="l"/>
+                    <a:tab pos="4572000" algn="l"/>
+                    <a:tab pos="5029200" algn="l"/>
+                    <a:tab pos="5486400" algn="l"/>
+                    <a:tab pos="5943600" algn="l"/>
+                    <a:tab pos="6400800" algn="l"/>
+                    <a:tab pos="6858000" algn="l"/>
+                    <a:tab pos="7315200" algn="l"/>
+                    <a:tab pos="7772400" algn="l"/>
+                    <a:tab pos="8229600" algn="l"/>
+                    <a:tab pos="8686800" algn="l"/>
+                    <a:tab pos="9144000" algn="l"/>
+                  </a:tabLst>
+                  <a:defRPr>
+                    <a:solidFill>
+                      <a:srgbClr val="000000"/>
+                    </a:solidFill>
+                    <a:latin typeface="Arial" panose="020B0604020202020204" pitchFamily="34" charset="0"/>
+                    <a:cs typeface="Arial" panose="020B0604020202020204" pitchFamily="34" charset="0"/>
+                  </a:defRPr>
+                </a:lvl5pPr>
+                <a:lvl6pPr defTabSz="457200" fontAlgn="base">
+                  <a:spcBef>
+                    <a:spcPct val="0"/>
+                  </a:spcBef>
+                  <a:spcAft>
+                    <a:spcPct val="0"/>
+                  </a:spcAft>
+                  <a:buClr>
+                    <a:srgbClr val="000000"/>
+                  </a:buClr>
+                  <a:buSzPct val="100000"/>
+                  <a:buFont typeface="Arial" panose="020B0604020202020204" pitchFamily="34" charset="0"/>
+                  <a:tabLst>
+                    <a:tab pos="0" algn="l"/>
+                    <a:tab pos="457200" algn="l"/>
+                    <a:tab pos="914400" algn="l"/>
+                    <a:tab pos="1371600" algn="l"/>
+                    <a:tab pos="1828800" algn="l"/>
+                    <a:tab pos="2286000" algn="l"/>
+                    <a:tab pos="2743200" algn="l"/>
+                    <a:tab pos="3200400" algn="l"/>
+                    <a:tab pos="3657600" algn="l"/>
+                    <a:tab pos="4114800" algn="l"/>
+                    <a:tab pos="4572000" algn="l"/>
+                    <a:tab pos="5029200" algn="l"/>
+                    <a:tab pos="5486400" algn="l"/>
+                    <a:tab pos="5943600" algn="l"/>
+                    <a:tab pos="6400800" algn="l"/>
+                    <a:tab pos="6858000" algn="l"/>
+                    <a:tab pos="7315200" algn="l"/>
+                    <a:tab pos="7772400" algn="l"/>
+                    <a:tab pos="8229600" algn="l"/>
+                    <a:tab pos="8686800" algn="l"/>
+                    <a:tab pos="9144000" algn="l"/>
+                  </a:tabLst>
+                  <a:defRPr>
+                    <a:solidFill>
+                      <a:srgbClr val="000000"/>
+                    </a:solidFill>
+                    <a:latin typeface="Arial" panose="020B0604020202020204" pitchFamily="34" charset="0"/>
+                    <a:cs typeface="Arial" panose="020B0604020202020204" pitchFamily="34" charset="0"/>
+                  </a:defRPr>
+                </a:lvl6pPr>
+                <a:lvl7pPr defTabSz="457200" fontAlgn="base">
+                  <a:spcBef>
+                    <a:spcPct val="0"/>
+                  </a:spcBef>
+                  <a:spcAft>
+                    <a:spcPct val="0"/>
+                  </a:spcAft>
+                  <a:buClr>
+                    <a:srgbClr val="000000"/>
+                  </a:buClr>
+                  <a:buSzPct val="100000"/>
+                  <a:buFont typeface="Arial" panose="020B0604020202020204" pitchFamily="34" charset="0"/>
+                  <a:tabLst>
+                    <a:tab pos="0" algn="l"/>
+                    <a:tab pos="457200" algn="l"/>
+                    <a:tab pos="914400" algn="l"/>
+                    <a:tab pos="1371600" algn="l"/>
+                    <a:tab pos="1828800" algn="l"/>
+                    <a:tab pos="2286000" algn="l"/>
+                    <a:tab pos="2743200" algn="l"/>
+                    <a:tab pos="3200400" algn="l"/>
+                    <a:tab pos="3657600" algn="l"/>
+                    <a:tab pos="4114800" algn="l"/>
+                    <a:tab pos="4572000" algn="l"/>
+                    <a:tab pos="5029200" algn="l"/>
+                    <a:tab pos="5486400" algn="l"/>
+                    <a:tab pos="5943600" algn="l"/>
+                    <a:tab pos="6400800" algn="l"/>
+                    <a:tab pos="6858000" algn="l"/>
+                    <a:tab pos="7315200" algn="l"/>
+                    <a:tab pos="7772400" algn="l"/>
+                    <a:tab pos="8229600" algn="l"/>
+                    <a:tab pos="8686800" algn="l"/>
+                    <a:tab pos="9144000" algn="l"/>
+                  </a:tabLst>
+                  <a:defRPr>
+                    <a:solidFill>
+                      <a:srgbClr val="000000"/>
+                    </a:solidFill>
+                    <a:latin typeface="Arial" panose="020B0604020202020204" pitchFamily="34" charset="0"/>
+                    <a:cs typeface="Arial" panose="020B0604020202020204" pitchFamily="34" charset="0"/>
+                  </a:defRPr>
+                </a:lvl7pPr>
+                <a:lvl8pPr defTabSz="457200" fontAlgn="base">
+                  <a:spcBef>
+                    <a:spcPct val="0"/>
+                  </a:spcBef>
+                  <a:spcAft>
+                    <a:spcPct val="0"/>
+                  </a:spcAft>
+                  <a:buClr>
+                    <a:srgbClr val="000000"/>
+                  </a:buClr>
+                  <a:buSzPct val="100000"/>
+                  <a:buFont typeface="Arial" panose="020B0604020202020204" pitchFamily="34" charset="0"/>
+                  <a:tabLst>
+                    <a:tab pos="0" algn="l"/>
+                    <a:tab pos="457200" algn="l"/>
+                    <a:tab pos="914400" algn="l"/>
+                    <a:tab pos="1371600" algn="l"/>
+                    <a:tab pos="1828800" algn="l"/>
+                    <a:tab pos="2286000" algn="l"/>
+                    <a:tab pos="2743200" algn="l"/>
+                    <a:tab pos="3200400" algn="l"/>
+                    <a:tab pos="3657600" algn="l"/>
+                    <a:tab pos="4114800" algn="l"/>
+                    <a:tab pos="4572000" algn="l"/>
+                    <a:tab pos="5029200" algn="l"/>
+                    <a:tab pos="5486400" algn="l"/>
+                    <a:tab pos="5943600" algn="l"/>
+                    <a:tab pos="6400800" algn="l"/>
+                    <a:tab pos="6858000" algn="l"/>
+                    <a:tab pos="7315200" algn="l"/>
+                    <a:tab pos="7772400" algn="l"/>
+                    <a:tab pos="8229600" algn="l"/>
+                    <a:tab pos="8686800" algn="l"/>
+                    <a:tab pos="9144000" algn="l"/>
+                  </a:tabLst>
+                  <a:defRPr>
+                    <a:solidFill>
+                      <a:srgbClr val="000000"/>
+                    </a:solidFill>
+                    <a:latin typeface="Arial" panose="020B0604020202020204" pitchFamily="34" charset="0"/>
+                    <a:cs typeface="Arial" panose="020B0604020202020204" pitchFamily="34" charset="0"/>
+                  </a:defRPr>
+                </a:lvl8pPr>
+                <a:lvl9pPr defTabSz="457200" fontAlgn="base">
+                  <a:spcBef>
+                    <a:spcPct val="0"/>
+                  </a:spcBef>
+                  <a:spcAft>
+                    <a:spcPct val="0"/>
+                  </a:spcAft>
+                  <a:buClr>
+                    <a:srgbClr val="000000"/>
+                  </a:buClr>
+                  <a:buSzPct val="100000"/>
+                  <a:buFont typeface="Arial" panose="020B0604020202020204" pitchFamily="34" charset="0"/>
+                  <a:tabLst>
+                    <a:tab pos="0" algn="l"/>
+                    <a:tab pos="457200" algn="l"/>
+                    <a:tab pos="914400" algn="l"/>
+                    <a:tab pos="1371600" algn="l"/>
+                    <a:tab pos="1828800" algn="l"/>
+                    <a:tab pos="2286000" algn="l"/>
+                    <a:tab pos="2743200" algn="l"/>
+                    <a:tab pos="3200400" algn="l"/>
+                    <a:tab pos="3657600" algn="l"/>
+                    <a:tab pos="4114800" algn="l"/>
+                    <a:tab pos="4572000" algn="l"/>
+                    <a:tab pos="5029200" algn="l"/>
+                    <a:tab pos="5486400" algn="l"/>
+                    <a:tab pos="5943600" algn="l"/>
+                    <a:tab pos="6400800" algn="l"/>
+                    <a:tab pos="6858000" algn="l"/>
+                    <a:tab pos="7315200" algn="l"/>
+                    <a:tab pos="7772400" algn="l"/>
+                    <a:tab pos="8229600" algn="l"/>
+                    <a:tab pos="8686800" algn="l"/>
+                    <a:tab pos="9144000" algn="l"/>
+                  </a:tabLst>
+                  <a:defRPr>
+                    <a:solidFill>
+                      <a:srgbClr val="000000"/>
+                    </a:solidFill>
+                    <a:latin typeface="Arial" panose="020B0604020202020204" pitchFamily="34" charset="0"/>
+                    <a:cs typeface="Arial" panose="020B0604020202020204" pitchFamily="34" charset="0"/>
+                  </a:defRPr>
+                </a:lvl9pPr>
+              </a:lstStyle>
+              <a:p>
+                <a:pPr lvl="0" algn="l" defTabSz="457200" rtl="0" fontAlgn="base">
+                  <a:spcBef>
+                    <a:spcPct val="0"/>
+                  </a:spcBef>
+                  <a:spcAft>
+                    <a:spcPct val="0"/>
+                  </a:spcAft>
+                  <a:buClr>
+                    <a:srgbClr val="003399"/>
+                  </a:buClr>
+                  <a:buSzPct val="100000"/>
+                </a:pPr>
+                <a:r>
+                  <a:rPr kumimoji="0" lang="en-US" altLang="en-US" sz="1800" b="1" i="0" u="none" strike="noStrike" kern="0" cap="none" spc="0" normalizeH="0" baseline="0" noProof="0" dirty="0" smtClean="0">
+                    <a:ln>
+                      <a:noFill/>
+                    </a:ln>
+                    <a:solidFill>
+                      <a:srgbClr val="003399"/>
+                    </a:solidFill>
+                    <a:effectLst/>
+                    <a:uLnTx/>
+                    <a:uFillTx/>
+                    <a:latin typeface="Arial" panose="020B0604020202020204" pitchFamily="34" charset="0"/>
+                    <a:cs typeface="Arial" panose="020B0604020202020204" pitchFamily="34" charset="0"/>
+                  </a:rPr>
+                  <a:t>less similar </a:t>
+                </a:r>
+                <a14:m>
+                  <m:oMath xmlns:m="http://schemas.openxmlformats.org/officeDocument/2006/math">
+                    <m:sSup>
+                      <m:sSupPr>
+                        <m:ctrlPr>
+                          <a:rPr lang="en-US" sz="1800" i="1">
+                            <a:solidFill>
+                              <a:schemeClr val="tx1"/>
+                            </a:solidFill>
+                            <a:latin typeface="Cambria Math" panose="02040503050406030204" pitchFamily="18" charset="0"/>
+                          </a:rPr>
+                        </m:ctrlPr>
+                      </m:sSupPr>
+                      <m:e>
+                        <m:r>
+                          <a:rPr lang="en-US" sz="1800" b="0" i="1" smtClean="0">
+                            <a:solidFill>
+                              <a:schemeClr val="tx1"/>
+                            </a:solidFill>
+                            <a:latin typeface="Cambria Math" panose="02040503050406030204" pitchFamily="18" charset="0"/>
+                          </a:rPr>
+                          <m:t>(</m:t>
+                        </m:r>
+                        <m:r>
+                          <a:rPr lang="en-US" sz="1800" i="1">
+                            <a:solidFill>
+                              <a:schemeClr val="tx1"/>
+                            </a:solidFill>
+                            <a:latin typeface="Cambria Math" panose="02040503050406030204" pitchFamily="18" charset="0"/>
+                          </a:rPr>
+                          <m:t>𝑝</m:t>
+                        </m:r>
+                      </m:e>
+                      <m:sup>
+                        <m:r>
+                          <a:rPr lang="en-US" sz="1800" b="0" i="1" smtClean="0">
+                            <a:solidFill>
+                              <a:schemeClr val="tx1"/>
+                            </a:solidFill>
+                            <a:latin typeface="Cambria Math" panose="02040503050406030204" pitchFamily="18" charset="0"/>
+                          </a:rPr>
+                          <m:t>−</m:t>
+                        </m:r>
+                      </m:sup>
+                    </m:sSup>
+                    <m:r>
+                      <a:rPr lang="en-US" sz="1800" b="0" i="1" smtClean="0">
+                        <a:solidFill>
+                          <a:schemeClr val="tx1"/>
+                        </a:solidFill>
+                        <a:latin typeface="Cambria Math" panose="02040503050406030204" pitchFamily="18" charset="0"/>
+                      </a:rPr>
+                      <m:t>)</m:t>
+                    </m:r>
+                  </m:oMath>
+                </a14:m>
+                <a:endParaRPr kumimoji="0" lang="en-US" altLang="en-US" sz="1800" b="1" i="0" u="none" strike="noStrike" kern="0" cap="none" spc="0" normalizeH="0" baseline="0" noProof="0" dirty="0" smtClean="0">
+                  <a:ln>
+                    <a:noFill/>
+                  </a:ln>
+                  <a:solidFill>
+                    <a:srgbClr val="003399"/>
+                  </a:solidFill>
+                  <a:effectLst/>
+                  <a:uLnTx/>
+                  <a:uFillTx/>
+                  <a:latin typeface="Arial" panose="020B0604020202020204" pitchFamily="34" charset="0"/>
+                  <a:cs typeface="Arial" panose="020B0604020202020204" pitchFamily="34" charset="0"/>
+                </a:endParaRPr>
+              </a:p>
+            </p:txBody>
+          </p:sp>
+        </mc:Choice>
+        <mc:Fallback>
+          <p:sp>
+            <p:nvSpPr>
+              <p:cNvPr id="54" name="Text Box 103"/>
+              <p:cNvSpPr txBox="1">
+                <a:spLocks noRot="1" noChangeAspect="1" noMove="1" noResize="1" noEditPoints="1" noAdjustHandles="1" noChangeArrowheads="1" noChangeShapeType="1" noTextEdit="1"/>
+              </p:cNvSpPr>
+              <p:nvPr/>
+            </p:nvSpPr>
+            <p:spPr bwMode="auto">
+              <a:xfrm>
+                <a:off x="7977724" y="28515393"/>
+                <a:ext cx="1959680" cy="371513"/>
+              </a:xfrm>
+              <a:prstGeom prst="rect">
+                <a:avLst/>
+              </a:prstGeom>
+              <a:blipFill rotWithShape="0">
+                <a:blip r:embed="rId33"/>
+                <a:stretch>
+                  <a:fillRect l="-2804" t="-9836" r="-312" b="-24590"/>
+                </a:stretch>
+              </a:blipFill>
+              <a:ln>
+                <a:noFill/>
+              </a:ln>
+              <a:effectLst/>
+              <a:extLst>
+                <a:ext uri="{909E8E84-426E-40DD-AFC4-6F175D3DCCD1}">
+                  <a14:hiddenFill xmlns:a14="http://schemas.microsoft.com/office/drawing/2010/main">
+                    <a:solidFill>
+                      <a:srgbClr val="FFFFFF"/>
+                    </a:solidFill>
+                  </a14:hiddenFill>
+                </a:ext>
                 <a:ext uri="{91240B29-F687-4F45-9708-019B960494DF}">
                   <a14:hiddenLine xmlns:a14="http://schemas.microsoft.com/office/drawing/2010/main" w="9525">
                     <a:solidFill>

--- a/COMET_poster.pptx
+++ b/COMET_poster.pptx
@@ -3590,8 +3590,8 @@
           </a:p>
         </p:txBody>
       </p:sp>
-      <mc:AlternateContent xmlns:mc="http://schemas.openxmlformats.org/markup-compatibility/2006" xmlns:a14="http://schemas.microsoft.com/office/drawing/2010/main">
-        <mc:Choice Requires="a14">
+      <mc:AlternateContent xmlns:mc="http://schemas.openxmlformats.org/markup-compatibility/2006">
+        <mc:Choice xmlns:a14="http://schemas.microsoft.com/office/drawing/2010/main" Requires="a14">
           <p:sp>
             <p:nvSpPr>
               <p:cNvPr id="129" name="Rounded Rectangle 128"/>
@@ -3600,7 +3600,7 @@
             </p:nvSpPr>
             <p:spPr>
               <a:xfrm>
-                <a:off x="1080420" y="12944320"/>
+                <a:off x="1080420" y="13121415"/>
                 <a:ext cx="9721080" cy="8193178"/>
               </a:xfrm>
               <a:prstGeom prst="roundRect">
@@ -4242,7 +4242,7 @@
             </p:txBody>
           </p:sp>
         </mc:Choice>
-        <mc:Fallback xmlns="">
+        <mc:Fallback>
           <p:sp>
             <p:nvSpPr>
               <p:cNvPr id="129" name="Rounded Rectangle 128"/>
@@ -4253,7 +4253,7 @@
             </p:nvSpPr>
             <p:spPr>
               <a:xfrm>
-                <a:off x="1080420" y="12944320"/>
+                <a:off x="1080420" y="13121415"/>
                 <a:ext cx="9721080" cy="8193178"/>
               </a:xfrm>
               <a:prstGeom prst="roundRect">
@@ -4491,7 +4491,7 @@
         <p:spPr>
           <a:xfrm>
             <a:off x="1080420" y="4968777"/>
-            <a:ext cx="9721080" cy="7551685"/>
+            <a:ext cx="9721080" cy="7713721"/>
           </a:xfrm>
           <a:prstGeom prst="roundRect">
             <a:avLst/>
@@ -7952,8 +7952,8 @@
           </p:sp>
         </mc:Fallback>
       </mc:AlternateContent>
-      <mc:AlternateContent xmlns:mc="http://schemas.openxmlformats.org/markup-compatibility/2006" xmlns:a14="http://schemas.microsoft.com/office/drawing/2010/main">
-        <mc:Choice Requires="a14">
+      <mc:AlternateContent xmlns:mc="http://schemas.openxmlformats.org/markup-compatibility/2006">
+        <mc:Choice xmlns:a14="http://schemas.microsoft.com/office/drawing/2010/main" Requires="a14">
           <p:sp>
             <p:nvSpPr>
               <p:cNvPr id="52" name="Text Box 101"/>
@@ -7964,7 +7964,7 @@
             </p:nvSpPr>
             <p:spPr bwMode="auto">
               <a:xfrm>
-                <a:off x="4453535" y="14683128"/>
+                <a:off x="4453535" y="14860223"/>
                 <a:ext cx="2561897" cy="463846"/>
               </a:xfrm>
               <a:prstGeom prst="rect">
@@ -8419,7 +8419,7 @@
             </p:txBody>
           </p:sp>
         </mc:Choice>
-        <mc:Fallback xmlns="">
+        <mc:Fallback>
           <p:sp>
             <p:nvSpPr>
               <p:cNvPr id="52" name="Text Box 101"/>
@@ -8430,14 +8430,14 @@
             </p:nvSpPr>
             <p:spPr bwMode="auto">
               <a:xfrm>
-                <a:off x="4453535" y="14683128"/>
+                <a:off x="4453535" y="14860223"/>
                 <a:ext cx="2561897" cy="463846"/>
               </a:xfrm>
               <a:prstGeom prst="rect">
                 <a:avLst/>
               </a:prstGeom>
               <a:blipFill rotWithShape="0">
-                <a:blip r:embed="rId27"/>
+                <a:blip r:embed="rId17"/>
                 <a:stretch>
                   <a:fillRect l="-3810" t="-9211" r="-1190" b="-30263"/>
                 </a:stretch>
@@ -8490,8 +8490,8 @@
           </p:sp>
         </mc:Fallback>
       </mc:AlternateContent>
-      <mc:AlternateContent xmlns:mc="http://schemas.openxmlformats.org/markup-compatibility/2006" xmlns:a14="http://schemas.microsoft.com/office/drawing/2010/main">
-        <mc:Choice Requires="a14">
+      <mc:AlternateContent xmlns:mc="http://schemas.openxmlformats.org/markup-compatibility/2006">
+        <mc:Choice xmlns:a14="http://schemas.microsoft.com/office/drawing/2010/main" Requires="a14">
           <p:sp>
             <p:nvSpPr>
               <p:cNvPr id="53" name="Text Box 102"/>
@@ -8502,7 +8502,7 @@
             </p:nvSpPr>
             <p:spPr bwMode="auto">
               <a:xfrm>
-                <a:off x="1368452" y="17775578"/>
+                <a:off x="1368452" y="17952673"/>
                 <a:ext cx="2075097" cy="371513"/>
               </a:xfrm>
               <a:prstGeom prst="rect">
@@ -8982,7 +8982,7 @@
             </p:txBody>
           </p:sp>
         </mc:Choice>
-        <mc:Fallback xmlns="">
+        <mc:Fallback>
           <p:sp>
             <p:nvSpPr>
               <p:cNvPr id="53" name="Text Box 102"/>
@@ -8993,14 +8993,14 @@
             </p:nvSpPr>
             <p:spPr bwMode="auto">
               <a:xfrm>
-                <a:off x="1368452" y="17775578"/>
+                <a:off x="1368452" y="17952673"/>
                 <a:ext cx="2075097" cy="371513"/>
               </a:xfrm>
               <a:prstGeom prst="rect">
                 <a:avLst/>
               </a:prstGeom>
               <a:blipFill rotWithShape="0">
-                <a:blip r:embed="rId28"/>
+                <a:blip r:embed="rId18"/>
                 <a:stretch>
                   <a:fillRect l="-2346" t="-8197" r="-293" b="-24590"/>
                 </a:stretch>
@@ -9053,8 +9053,8 @@
           </p:sp>
         </mc:Fallback>
       </mc:AlternateContent>
-      <mc:AlternateContent xmlns:mc="http://schemas.openxmlformats.org/markup-compatibility/2006" xmlns:a14="http://schemas.microsoft.com/office/drawing/2010/main">
-        <mc:Choice Requires="a14">
+      <mc:AlternateContent xmlns:mc="http://schemas.openxmlformats.org/markup-compatibility/2006">
+        <mc:Choice xmlns:a14="http://schemas.microsoft.com/office/drawing/2010/main" Requires="a14">
           <p:sp>
             <p:nvSpPr>
               <p:cNvPr id="54" name="Text Box 103"/>
@@ -9065,7 +9065,7 @@
             </p:nvSpPr>
             <p:spPr bwMode="auto">
               <a:xfrm>
-                <a:off x="7977724" y="17696848"/>
+                <a:off x="7977724" y="17873943"/>
                 <a:ext cx="1959680" cy="371513"/>
               </a:xfrm>
               <a:prstGeom prst="rect">
@@ -9545,7 +9545,7 @@
             </p:txBody>
           </p:sp>
         </mc:Choice>
-        <mc:Fallback xmlns="">
+        <mc:Fallback>
           <p:sp>
             <p:nvSpPr>
               <p:cNvPr id="54" name="Text Box 103"/>
@@ -9556,14 +9556,14 @@
             </p:nvSpPr>
             <p:spPr bwMode="auto">
               <a:xfrm>
-                <a:off x="7977724" y="17696848"/>
+                <a:off x="7977724" y="17873943"/>
                 <a:ext cx="1959680" cy="371513"/>
               </a:xfrm>
               <a:prstGeom prst="rect">
                 <a:avLst/>
               </a:prstGeom>
               <a:blipFill rotWithShape="0">
-                <a:blip r:embed="rId29"/>
+                <a:blip r:embed="rId19"/>
                 <a:stretch>
                   <a:fillRect l="-2804" t="-8197" r="-312" b="-24590"/>
                 </a:stretch>
@@ -9625,7 +9625,7 @@
           <p:nvPr/>
         </p:nvPicPr>
         <p:blipFill rotWithShape="1">
-          <a:blip r:embed="rId30">
+          <a:blip r:embed="rId20">
             <a:extLst>
               <a:ext uri="{28A0092B-C50C-407E-A947-70E740481C1C}">
                 <a14:useLocalDpi xmlns:a14="http://schemas.microsoft.com/office/drawing/2010/main" val="0"/>
@@ -9637,7 +9637,7 @@
         </p:blipFill>
         <p:spPr bwMode="auto">
           <a:xfrm>
-            <a:off x="4426569" y="15266159"/>
+            <a:off x="4426569" y="15443254"/>
             <a:ext cx="2342128" cy="2802202"/>
           </a:xfrm>
           <a:prstGeom prst="rect">
@@ -9664,7 +9664,7 @@
           <p:nvPr/>
         </p:nvPicPr>
         <p:blipFill rotWithShape="1">
-          <a:blip r:embed="rId31">
+          <a:blip r:embed="rId21">
             <a:extLst>
               <a:ext uri="{28A0092B-C50C-407E-A947-70E740481C1C}">
                 <a14:useLocalDpi xmlns:a14="http://schemas.microsoft.com/office/drawing/2010/main" val="0"/>
@@ -9676,7 +9676,7 @@
         </p:blipFill>
         <p:spPr bwMode="auto">
           <a:xfrm>
-            <a:off x="1642704" y="15425406"/>
+            <a:off x="1642704" y="15602501"/>
             <a:ext cx="1526591" cy="2155581"/>
           </a:xfrm>
           <a:prstGeom prst="rect">
@@ -9703,7 +9703,7 @@
           <p:nvPr/>
         </p:nvPicPr>
         <p:blipFill rotWithShape="1">
-          <a:blip r:embed="rId32">
+          <a:blip r:embed="rId22">
             <a:extLst>
               <a:ext uri="{28A0092B-C50C-407E-A947-70E740481C1C}">
                 <a14:useLocalDpi xmlns:a14="http://schemas.microsoft.com/office/drawing/2010/main" val="0"/>
@@ -9715,7 +9715,7 @@
         </p:blipFill>
         <p:spPr bwMode="auto">
           <a:xfrm>
-            <a:off x="8025971" y="15341327"/>
+            <a:off x="8025971" y="15518422"/>
             <a:ext cx="1659289" cy="2169840"/>
           </a:xfrm>
           <a:prstGeom prst="rect">
@@ -9741,7 +9741,7 @@
         </p:nvSpPr>
         <p:spPr>
           <a:xfrm>
-            <a:off x="1080420" y="21561356"/>
+            <a:off x="1080420" y="21674633"/>
             <a:ext cx="9721080" cy="4548702"/>
           </a:xfrm>
           <a:prstGeom prst="roundRect">
@@ -9793,8 +9793,8 @@
           </a:p>
         </p:txBody>
       </p:sp>
-      <mc:AlternateContent xmlns:mc="http://schemas.openxmlformats.org/markup-compatibility/2006" xmlns:a14="http://schemas.microsoft.com/office/drawing/2010/main">
-        <mc:Choice Requires="a14">
+      <mc:AlternateContent xmlns:mc="http://schemas.openxmlformats.org/markup-compatibility/2006">
+        <mc:Choice xmlns:a14="http://schemas.microsoft.com/office/drawing/2010/main" Requires="a14">
           <p:sp>
             <p:nvSpPr>
               <p:cNvPr id="57" name="Rectangle 56"/>
@@ -9803,8 +9803,8 @@
             </p:nvSpPr>
             <p:spPr>
               <a:xfrm>
-                <a:off x="1463444" y="21985214"/>
-                <a:ext cx="8849661" cy="3763966"/>
+                <a:off x="1463444" y="22098491"/>
+                <a:ext cx="8849661" cy="3687022"/>
               </a:xfrm>
               <a:prstGeom prst="rect">
                 <a:avLst/>
@@ -9857,13 +9857,19 @@
                   </a:rPr>
                   <a:t>aim to optimize the following objective:</a:t>
                 </a:r>
+                <a:endParaRPr lang="en-US" sz="3200" i="1" dirty="0" smtClean="0">
+                  <a:solidFill>
+                    <a:prstClr val="black"/>
+                  </a:solidFill>
+                  <a:latin typeface="Cambria Math" panose="02040503050406030204" pitchFamily="18" charset="0"/>
+                </a:endParaRPr>
               </a:p>
               <a:p>
                 <a:pPr lvl="0" algn="l" rtl="0"/>
                 <a14:m>
                   <m:oMathPara xmlns:m="http://schemas.openxmlformats.org/officeDocument/2006/math">
                     <m:oMathParaPr>
-                      <m:jc m:val="left"/>
+                      <m:jc m:val="centerGroup"/>
                     </m:oMathParaPr>
                     <m:oMath xmlns:m="http://schemas.openxmlformats.org/officeDocument/2006/math">
                       <m:r>
@@ -10260,7 +10266,7 @@
                 </a:endParaRPr>
               </a:p>
               <a:p>
-                <a:pPr lvl="0" algn="l" rtl="0"/>
+                <a:pPr lvl="0" algn="ctr" rtl="0"/>
                 <a14:m>
                   <m:oMath xmlns:m="http://schemas.openxmlformats.org/officeDocument/2006/math">
                     <m:r>
@@ -10467,7 +10473,31 @@
                       <a:prstClr val="black"/>
                     </a:solidFill>
                   </a:rPr>
-                  <a:t>, with gradient steps inside the PD cone</a:t>
+                  <a:t>, </a:t>
+                </a:r>
+                <a:endParaRPr lang="en-US" sz="3200" dirty="0" smtClean="0">
+                  <a:solidFill>
+                    <a:prstClr val="black"/>
+                  </a:solidFill>
+                </a:endParaRPr>
+              </a:p>
+              <a:p>
+                <a:pPr lvl="0" algn="l" rtl="0"/>
+                <a:r>
+                  <a:rPr lang="en-US" sz="3200" dirty="0" smtClean="0">
+                    <a:solidFill>
+                      <a:prstClr val="black"/>
+                    </a:solidFill>
+                  </a:rPr>
+                  <a:t>with </a:t>
+                </a:r>
+                <a:r>
+                  <a:rPr lang="en-US" sz="3200" dirty="0">
+                    <a:solidFill>
+                      <a:prstClr val="black"/>
+                    </a:solidFill>
+                  </a:rPr>
+                  <a:t>gradient steps inside the PD cone</a:t>
                 </a:r>
                 <a:r>
                   <a:rPr lang="en-US" sz="3200" dirty="0" smtClean="0">
@@ -10486,7 +10516,7 @@
             </p:txBody>
           </p:sp>
         </mc:Choice>
-        <mc:Fallback xmlns="">
+        <mc:Fallback>
           <p:sp>
             <p:nvSpPr>
               <p:cNvPr id="57" name="Rectangle 56"/>
@@ -10497,16 +10527,16 @@
             </p:nvSpPr>
             <p:spPr>
               <a:xfrm>
-                <a:off x="1463444" y="21985214"/>
-                <a:ext cx="8849661" cy="3763966"/>
+                <a:off x="1463444" y="22098491"/>
+                <a:ext cx="8849661" cy="3687022"/>
               </a:xfrm>
               <a:prstGeom prst="rect">
                 <a:avLst/>
               </a:prstGeom>
               <a:blipFill rotWithShape="0">
-                <a:blip r:embed="rId33"/>
+                <a:blip r:embed="rId23"/>
                 <a:stretch>
-                  <a:fillRect l="-1584" t="-3074" r="-1860" b="-2265"/>
+                  <a:fillRect l="-1584" t="-3140" b="-4298"/>
                 </a:stretch>
               </a:blipFill>
             </p:spPr>
@@ -10624,7 +10654,7 @@
           <p:nvPr/>
         </p:nvPicPr>
         <p:blipFill>
-          <a:blip r:embed="rId34"/>
+          <a:blip r:embed="rId24"/>
           <a:stretch>
             <a:fillRect/>
           </a:stretch>
@@ -10639,8 +10669,8 @@
           </a:prstGeom>
         </p:spPr>
       </p:pic>
-      <mc:AlternateContent xmlns:mc="http://schemas.openxmlformats.org/markup-compatibility/2006" xmlns:a14="http://schemas.microsoft.com/office/drawing/2010/main">
-        <mc:Choice Requires="a14">
+      <mc:AlternateContent xmlns:mc="http://schemas.openxmlformats.org/markup-compatibility/2006">
+        <mc:Choice xmlns:a14="http://schemas.microsoft.com/office/drawing/2010/main" Requires="a14">
           <p:sp>
             <p:nvSpPr>
               <p:cNvPr id="69" name="Rectangle 68"/>
@@ -10650,7 +10680,7 @@
             <p:spPr>
               <a:xfrm>
                 <a:off x="1463443" y="5170241"/>
-                <a:ext cx="8849661" cy="7857330"/>
+                <a:ext cx="8849661" cy="7349498"/>
               </a:xfrm>
               <a:prstGeom prst="rect">
                 <a:avLst/>
@@ -10964,8 +10994,16 @@
               </a:p>
               <a:p>
                 <a:pPr lvl="0" algn="l" rtl="0"/>
+                <a:endParaRPr lang="en-US" sz="3200" dirty="0" smtClean="0">
+                  <a:solidFill>
+                    <a:prstClr val="black"/>
+                  </a:solidFill>
+                </a:endParaRPr>
+              </a:p>
+              <a:p>
+                <a:pPr lvl="0" algn="l" rtl="0"/>
                 <a:r>
-                  <a:rPr lang="en-US" sz="3200" dirty="0">
+                  <a:rPr lang="en-US" sz="3200" dirty="0" smtClean="0">
                     <a:solidFill>
                       <a:prstClr val="black"/>
                     </a:solidFill>
@@ -11109,26 +11147,10 @@
                   <a:t>. </a:t>
                 </a:r>
               </a:p>
-              <a:p>
-                <a:pPr lvl="0" algn="l" rtl="0"/>
-                <a:endParaRPr lang="en-US" sz="3200" dirty="0">
-                  <a:solidFill>
-                    <a:prstClr val="black"/>
-                  </a:solidFill>
-                </a:endParaRPr>
-              </a:p>
-              <a:p>
-                <a:pPr lvl="0" algn="l" rtl="0"/>
-                <a:endParaRPr lang="en-US" sz="3300" dirty="0">
-                  <a:solidFill>
-                    <a:prstClr val="black"/>
-                  </a:solidFill>
-                </a:endParaRPr>
-              </a:p>
             </p:txBody>
           </p:sp>
         </mc:Choice>
-        <mc:Fallback xmlns="">
+        <mc:Fallback>
           <p:sp>
             <p:nvSpPr>
               <p:cNvPr id="69" name="Rectangle 68"/>
@@ -11140,15 +11162,15 @@
             <p:spPr>
               <a:xfrm>
                 <a:off x="1463443" y="5170241"/>
-                <a:ext cx="8849661" cy="7857330"/>
+                <a:ext cx="8849661" cy="7349498"/>
               </a:xfrm>
               <a:prstGeom prst="rect">
                 <a:avLst/>
               </a:prstGeom>
               <a:blipFill rotWithShape="0">
-                <a:blip r:embed="rId35"/>
+                <a:blip r:embed="rId25"/>
                 <a:stretch>
-                  <a:fillRect l="-1584" t="-1474"/>
+                  <a:fillRect l="-1584" t="-1575" b="-1658"/>
                 </a:stretch>
               </a:blipFill>
             </p:spPr>
@@ -11934,7 +11956,7 @@
                 <a:avLst/>
               </a:prstGeom>
               <a:blipFill rotWithShape="0">
-                <a:blip r:embed="rId36"/>
+                <a:blip r:embed="rId26"/>
                 <a:stretch>
                   <a:fillRect l="-1681" t="-1577" b="-1743"/>
                 </a:stretch>
@@ -12134,7 +12156,7 @@
                 <a:avLst/>
               </a:prstGeom>
               <a:blipFill rotWithShape="0">
-                <a:blip r:embed="rId37"/>
+                <a:blip r:embed="rId27"/>
                 <a:stretch>
                   <a:fillRect l="-1584" t="-4176"/>
                 </a:stretch>
@@ -12332,7 +12354,7 @@
           <p:nvPr/>
         </p:nvPicPr>
         <p:blipFill>
-          <a:blip r:embed="rId38"/>
+          <a:blip r:embed="rId28"/>
           <a:stretch>
             <a:fillRect/>
           </a:stretch>
@@ -12792,7 +12814,7 @@
                 <a:avLst/>
               </a:prstGeom>
               <a:blipFill rotWithShape="0">
-                <a:blip r:embed="rId39"/>
+                <a:blip r:embed="rId29"/>
                 <a:stretch>
                   <a:fillRect l="-935" t="-669" r="-748" b="-3344"/>
                 </a:stretch>
@@ -12847,7 +12869,7 @@
           <p:nvPr/>
         </p:nvPicPr>
         <p:blipFill rotWithShape="1">
-          <a:blip r:embed="rId40" cstate="print">
+          <a:blip r:embed="rId30" cstate="print">
             <a:extLst>
               <a:ext uri="{28A0092B-C50C-407E-A947-70E740481C1C}">
                 <a14:useLocalDpi xmlns:a14="http://schemas.microsoft.com/office/drawing/2010/main" val="0"/>
@@ -13272,7 +13294,7 @@
                 <a:avLst/>
               </a:prstGeom>
               <a:blipFill rotWithShape="0">
-                <a:blip r:embed="rId41"/>
+                <a:blip r:embed="rId31"/>
                 <a:stretch>
                   <a:fillRect l="-2582" t="-1306" b="-2503"/>
                 </a:stretch>
@@ -13403,7 +13425,7 @@
           <p:nvPr/>
         </p:nvPicPr>
         <p:blipFill>
-          <a:blip r:embed="rId42"/>
+          <a:blip r:embed="rId32"/>
           <a:stretch>
             <a:fillRect/>
           </a:stretch>
@@ -13909,7 +13931,7 @@
                 <a:avLst/>
               </a:prstGeom>
               <a:blipFill rotWithShape="0">
-                <a:blip r:embed="rId43"/>
+                <a:blip r:embed="rId33"/>
                 <a:stretch>
                   <a:fillRect l="-340" t="-3125" r="-68" b="-12500"/>
                 </a:stretch>

--- a/COMET_poster.pptx
+++ b/COMET_poster.pptx
@@ -215,7 +215,7 @@
             <a:fld id="{198A3463-10AA-40C1-AF51-9D4D3C36B945}" type="datetimeFigureOut">
               <a:rPr lang="he-IL" smtClean="0"/>
               <a:pPr/>
-              <a:t>י"ג/כסלו/תשע"ו</a:t>
+              <a:t>ט"ו/כסלו/תשע"ו</a:t>
             </a:fld>
             <a:endParaRPr lang="he-IL"/>
           </a:p>
@@ -760,7 +760,7 @@
             <a:fld id="{A6DEEEEF-6AFF-4F2F-80C9-19C8578E8C6D}" type="datetimeFigureOut">
               <a:rPr lang="he-IL" smtClean="0"/>
               <a:pPr/>
-              <a:t>י"ג/כסלו/תשע"ו</a:t>
+              <a:t>ט"ו/כסלו/תשע"ו</a:t>
             </a:fld>
             <a:endParaRPr lang="he-IL"/>
           </a:p>
@@ -927,7 +927,7 @@
             <a:fld id="{A6DEEEEF-6AFF-4F2F-80C9-19C8578E8C6D}" type="datetimeFigureOut">
               <a:rPr lang="he-IL" smtClean="0"/>
               <a:pPr/>
-              <a:t>י"ג/כסלו/תשע"ו</a:t>
+              <a:t>ט"ו/כסלו/תשע"ו</a:t>
             </a:fld>
             <a:endParaRPr lang="he-IL"/>
           </a:p>
@@ -1104,7 +1104,7 @@
             <a:fld id="{A6DEEEEF-6AFF-4F2F-80C9-19C8578E8C6D}" type="datetimeFigureOut">
               <a:rPr lang="he-IL" smtClean="0"/>
               <a:pPr/>
-              <a:t>י"ג/כסלו/תשע"ו</a:t>
+              <a:t>ט"ו/כסלו/תשע"ו</a:t>
             </a:fld>
             <a:endParaRPr lang="he-IL"/>
           </a:p>
@@ -1271,7 +1271,7 @@
             <a:fld id="{A6DEEEEF-6AFF-4F2F-80C9-19C8578E8C6D}" type="datetimeFigureOut">
               <a:rPr lang="he-IL" smtClean="0"/>
               <a:pPr/>
-              <a:t>י"ג/כסלו/תשע"ו</a:t>
+              <a:t>ט"ו/כסלו/תשע"ו</a:t>
             </a:fld>
             <a:endParaRPr lang="he-IL"/>
           </a:p>
@@ -1514,7 +1514,7 @@
             <a:fld id="{A6DEEEEF-6AFF-4F2F-80C9-19C8578E8C6D}" type="datetimeFigureOut">
               <a:rPr lang="he-IL" smtClean="0"/>
               <a:pPr/>
-              <a:t>י"ג/כסלו/תשע"ו</a:t>
+              <a:t>ט"ו/כסלו/תשע"ו</a:t>
             </a:fld>
             <a:endParaRPr lang="he-IL"/>
           </a:p>
@@ -1799,7 +1799,7 @@
             <a:fld id="{A6DEEEEF-6AFF-4F2F-80C9-19C8578E8C6D}" type="datetimeFigureOut">
               <a:rPr lang="he-IL" smtClean="0"/>
               <a:pPr/>
-              <a:t>י"ג/כסלו/תשע"ו</a:t>
+              <a:t>ט"ו/כסלו/תשע"ו</a:t>
             </a:fld>
             <a:endParaRPr lang="he-IL"/>
           </a:p>
@@ -2223,7 +2223,7 @@
             <a:fld id="{A6DEEEEF-6AFF-4F2F-80C9-19C8578E8C6D}" type="datetimeFigureOut">
               <a:rPr lang="he-IL" smtClean="0"/>
               <a:pPr/>
-              <a:t>י"ג/כסלו/תשע"ו</a:t>
+              <a:t>ט"ו/כסלו/תשע"ו</a:t>
             </a:fld>
             <a:endParaRPr lang="he-IL"/>
           </a:p>
@@ -2338,7 +2338,7 @@
             <a:fld id="{A6DEEEEF-6AFF-4F2F-80C9-19C8578E8C6D}" type="datetimeFigureOut">
               <a:rPr lang="he-IL" smtClean="0"/>
               <a:pPr/>
-              <a:t>י"ג/כסלו/תשע"ו</a:t>
+              <a:t>ט"ו/כסלו/תשע"ו</a:t>
             </a:fld>
             <a:endParaRPr lang="he-IL"/>
           </a:p>
@@ -2430,7 +2430,7 @@
             <a:fld id="{A6DEEEEF-6AFF-4F2F-80C9-19C8578E8C6D}" type="datetimeFigureOut">
               <a:rPr lang="he-IL" smtClean="0"/>
               <a:pPr/>
-              <a:t>י"ג/כסלו/תשע"ו</a:t>
+              <a:t>ט"ו/כסלו/תשע"ו</a:t>
             </a:fld>
             <a:endParaRPr lang="he-IL"/>
           </a:p>
@@ -2704,7 +2704,7 @@
             <a:fld id="{A6DEEEEF-6AFF-4F2F-80C9-19C8578E8C6D}" type="datetimeFigureOut">
               <a:rPr lang="he-IL" smtClean="0"/>
               <a:pPr/>
-              <a:t>י"ג/כסלו/תשע"ו</a:t>
+              <a:t>ט"ו/כסלו/תשע"ו</a:t>
             </a:fld>
             <a:endParaRPr lang="he-IL"/>
           </a:p>
@@ -2954,7 +2954,7 @@
             <a:fld id="{A6DEEEEF-6AFF-4F2F-80C9-19C8578E8C6D}" type="datetimeFigureOut">
               <a:rPr lang="he-IL" smtClean="0"/>
               <a:pPr/>
-              <a:t>י"ג/כסלו/תשע"ו</a:t>
+              <a:t>ט"ו/כסלו/תשע"ו</a:t>
             </a:fld>
             <a:endParaRPr lang="he-IL"/>
           </a:p>
@@ -3167,7 +3167,7 @@
             <a:fld id="{A6DEEEEF-6AFF-4F2F-80C9-19C8578E8C6D}" type="datetimeFigureOut">
               <a:rPr lang="he-IL" smtClean="0"/>
               <a:pPr/>
-              <a:t>י"ג/כסלו/תשע"ו</a:t>
+              <a:t>ט"ו/כסלו/תשע"ו</a:t>
             </a:fld>
             <a:endParaRPr lang="he-IL"/>
           </a:p>
@@ -3600,8 +3600,8 @@
             </p:nvSpPr>
             <p:spPr>
               <a:xfrm>
-                <a:off x="1080420" y="13121415"/>
-                <a:ext cx="9721080" cy="8193178"/>
+                <a:off x="1080420" y="13265430"/>
+                <a:ext cx="9721080" cy="11937595"/>
               </a:xfrm>
               <a:prstGeom prst="roundRect">
                 <a:avLst/>
@@ -3648,20 +3648,12 @@
               <a:p>
                 <a:pPr algn="l" rtl="0"/>
                 <a:r>
-                  <a:rPr lang="en-US" sz="3200" dirty="0">
-                    <a:solidFill>
-                      <a:schemeClr val="tx1"/>
-                    </a:solidFill>
-                  </a:rPr>
-                  <a:t>We </a:t>
-                </a:r>
-                <a:r>
                   <a:rPr lang="en-US" sz="3200" dirty="0" smtClean="0">
                     <a:solidFill>
                       <a:schemeClr val="tx1"/>
                     </a:solidFill>
                   </a:rPr>
-                  <a:t>assume a ranking based weak supervision signal.</a:t>
+                  <a:t>We assume a ranking based weak supervision signal.</a:t>
                 </a:r>
               </a:p>
               <a:p>
@@ -4239,6 +4231,696 @@
                   </a:solidFill>
                 </a:endParaRPr>
               </a:p>
+              <a:p>
+                <a:pPr algn="ctr" rtl="0"/>
+                <a:endParaRPr lang="en-US" sz="3200" dirty="0" smtClean="0">
+                  <a:solidFill>
+                    <a:schemeClr val="tx1"/>
+                  </a:solidFill>
+                </a:endParaRPr>
+              </a:p>
+              <a:p>
+                <a:pPr lvl="0" algn="l" rtl="0"/>
+                <a:r>
+                  <a:rPr lang="en-US" sz="3200" dirty="0">
+                    <a:solidFill>
+                      <a:prstClr val="black"/>
+                    </a:solidFill>
+                  </a:rPr>
+                  <a:t>We </a:t>
+                </a:r>
+                <a:r>
+                  <a:rPr lang="en-US" sz="3200" dirty="0">
+                    <a:solidFill>
+                      <a:prstClr val="black"/>
+                    </a:solidFill>
+                  </a:rPr>
+                  <a:t>aim to optimize the following objective:</a:t>
+                </a:r>
+                <a:endParaRPr lang="en-US" sz="3200" i="1" dirty="0">
+                  <a:solidFill>
+                    <a:prstClr val="black"/>
+                  </a:solidFill>
+                  <a:latin typeface="Cambria Math" panose="02040503050406030204" pitchFamily="18" charset="0"/>
+                </a:endParaRPr>
+              </a:p>
+              <a:p>
+                <a:pPr lvl="0" algn="l" rtl="0"/>
+                <a14:m>
+                  <m:oMathPara xmlns:m="http://schemas.openxmlformats.org/officeDocument/2006/math">
+                    <m:oMathParaPr>
+                      <m:jc m:val="centerGroup"/>
+                    </m:oMathParaPr>
+                    <m:oMath xmlns:m="http://schemas.openxmlformats.org/officeDocument/2006/math">
+                      <m:r>
+                        <a:rPr lang="en-US" sz="3200" i="1">
+                          <a:solidFill>
+                            <a:prstClr val="black"/>
+                          </a:solidFill>
+                          <a:latin typeface="Cambria Math" panose="02040503050406030204" pitchFamily="18" charset="0"/>
+                        </a:rPr>
+                        <m:t>𝐿</m:t>
+                      </m:r>
+                      <m:d>
+                        <m:dPr>
+                          <m:ctrlPr>
+                            <a:rPr lang="en-US" sz="3200" i="1">
+                              <a:solidFill>
+                                <a:prstClr val="black"/>
+                              </a:solidFill>
+                              <a:latin typeface="Cambria Math" panose="02040503050406030204" pitchFamily="18" charset="0"/>
+                            </a:rPr>
+                          </m:ctrlPr>
+                        </m:dPr>
+                        <m:e>
+                          <m:r>
+                            <a:rPr lang="en-US" sz="3200" i="1">
+                              <a:solidFill>
+                                <a:prstClr val="black"/>
+                              </a:solidFill>
+                              <a:latin typeface="Cambria Math" panose="02040503050406030204" pitchFamily="18" charset="0"/>
+                            </a:rPr>
+                            <m:t>𝑊</m:t>
+                          </m:r>
+                        </m:e>
+                      </m:d>
+                      <m:r>
+                        <a:rPr lang="en-US" sz="3200" i="1">
+                          <a:solidFill>
+                            <a:prstClr val="black"/>
+                          </a:solidFill>
+                          <a:latin typeface="Cambria Math" panose="02040503050406030204" pitchFamily="18" charset="0"/>
+                        </a:rPr>
+                        <m:t>=</m:t>
+                      </m:r>
+                      <m:func>
+                        <m:funcPr>
+                          <m:ctrlPr>
+                            <a:rPr lang="en-US" sz="3200" i="1">
+                              <a:solidFill>
+                                <a:prstClr val="black"/>
+                              </a:solidFill>
+                              <a:latin typeface="Cambria Math" panose="02040503050406030204" pitchFamily="18" charset="0"/>
+                            </a:rPr>
+                          </m:ctrlPr>
+                        </m:funcPr>
+                        <m:fName>
+                          <m:limLow>
+                            <m:limLowPr>
+                              <m:ctrlPr>
+                                <a:rPr lang="en-US" sz="3200" i="1">
+                                  <a:solidFill>
+                                    <a:prstClr val="black"/>
+                                  </a:solidFill>
+                                  <a:latin typeface="Cambria Math" panose="02040503050406030204" pitchFamily="18" charset="0"/>
+                                </a:rPr>
+                              </m:ctrlPr>
+                            </m:limLowPr>
+                            <m:e>
+                              <m:r>
+                                <m:rPr>
+                                  <m:sty m:val="p"/>
+                                </m:rPr>
+                                <a:rPr lang="en-US" sz="3200">
+                                  <a:solidFill>
+                                    <a:prstClr val="black"/>
+                                  </a:solidFill>
+                                  <a:latin typeface="Cambria Math" panose="02040503050406030204" pitchFamily="18" charset="0"/>
+                                </a:rPr>
+                                <m:t>min</m:t>
+                              </m:r>
+                            </m:e>
+                            <m:lim>
+                              <m:r>
+                                <a:rPr lang="en-US" sz="3200" i="1">
+                                  <a:solidFill>
+                                    <a:prstClr val="black"/>
+                                  </a:solidFill>
+                                  <a:latin typeface="Cambria Math" panose="02040503050406030204" pitchFamily="18" charset="0"/>
+                                </a:rPr>
+                                <m:t>𝑊</m:t>
+                              </m:r>
+                            </m:lim>
+                          </m:limLow>
+                        </m:fName>
+                        <m:e>
+                          <m:nary>
+                            <m:naryPr>
+                              <m:chr m:val="∑"/>
+                              <m:supHide m:val="on"/>
+                              <m:ctrlPr>
+                                <a:rPr lang="en-US" sz="3200" i="1">
+                                  <a:solidFill>
+                                    <a:prstClr val="black"/>
+                                  </a:solidFill>
+                                  <a:latin typeface="Cambria Math" panose="02040503050406030204" pitchFamily="18" charset="0"/>
+                                </a:rPr>
+                              </m:ctrlPr>
+                            </m:naryPr>
+                            <m:sub>
+                              <m:r>
+                                <a:rPr lang="en-US" sz="3200" i="1">
+                                  <a:solidFill>
+                                    <a:prstClr val="black"/>
+                                  </a:solidFill>
+                                  <a:latin typeface="Cambria Math" panose="02040503050406030204" pitchFamily="18" charset="0"/>
+                                </a:rPr>
+                                <m:t>𝑡</m:t>
+                              </m:r>
+                              <m:r>
+                                <a:rPr lang="en-US" sz="3200" i="1">
+                                  <a:solidFill>
+                                    <a:prstClr val="black"/>
+                                  </a:solidFill>
+                                  <a:latin typeface="Cambria Math" panose="02040503050406030204" pitchFamily="18" charset="0"/>
+                                </a:rPr>
+                                <m:t>∈</m:t>
+                              </m:r>
+                              <m:r>
+                                <a:rPr lang="en-US" sz="3200" i="1">
+                                  <a:solidFill>
+                                    <a:prstClr val="black"/>
+                                  </a:solidFill>
+                                  <a:latin typeface="Cambria Math" panose="02040503050406030204" pitchFamily="18" charset="0"/>
+                                </a:rPr>
+                                <m:t>𝒯</m:t>
+                              </m:r>
+                            </m:sub>
+                            <m:sup/>
+                            <m:e>
+                              <m:sSub>
+                                <m:sSubPr>
+                                  <m:ctrlPr>
+                                    <a:rPr lang="en-US" sz="3200" i="1">
+                                      <a:solidFill>
+                                        <a:prstClr val="black"/>
+                                      </a:solidFill>
+                                      <a:latin typeface="Cambria Math" panose="02040503050406030204" pitchFamily="18" charset="0"/>
+                                    </a:rPr>
+                                  </m:ctrlPr>
+                                </m:sSubPr>
+                                <m:e>
+                                  <m:d>
+                                    <m:dPr>
+                                      <m:begChr m:val="["/>
+                                      <m:endChr m:val="]"/>
+                                      <m:ctrlPr>
+                                        <a:rPr lang="en-US" sz="3200" i="1">
+                                          <a:solidFill>
+                                            <a:prstClr val="black"/>
+                                          </a:solidFill>
+                                          <a:latin typeface="Cambria Math" panose="02040503050406030204" pitchFamily="18" charset="0"/>
+                                        </a:rPr>
+                                      </m:ctrlPr>
+                                    </m:dPr>
+                                    <m:e>
+                                      <m:r>
+                                        <a:rPr lang="en-US" sz="3200" i="1">
+                                          <a:solidFill>
+                                            <a:prstClr val="black"/>
+                                          </a:solidFill>
+                                          <a:latin typeface="Cambria Math" panose="02040503050406030204" pitchFamily="18" charset="0"/>
+                                        </a:rPr>
+                                        <m:t>1</m:t>
+                                      </m:r>
+                                      <m:r>
+                                        <a:rPr lang="en-US" sz="3200" i="1">
+                                          <a:solidFill>
+                                            <a:prstClr val="black"/>
+                                          </a:solidFill>
+                                          <a:latin typeface="Cambria Math" panose="02040503050406030204" pitchFamily="18" charset="0"/>
+                                        </a:rPr>
+                                        <m:t>−</m:t>
+                                      </m:r>
+                                      <m:sSub>
+                                        <m:sSubPr>
+                                          <m:ctrlPr>
+                                            <a:rPr lang="en-US" sz="3200" i="1">
+                                              <a:solidFill>
+                                                <a:prstClr val="black"/>
+                                              </a:solidFill>
+                                              <a:latin typeface="Cambria Math" panose="02040503050406030204" pitchFamily="18" charset="0"/>
+                                            </a:rPr>
+                                          </m:ctrlPr>
+                                        </m:sSubPr>
+                                        <m:e>
+                                          <m:r>
+                                            <a:rPr lang="en-US" sz="3200" i="1">
+                                              <a:solidFill>
+                                                <a:prstClr val="black"/>
+                                              </a:solidFill>
+                                              <a:latin typeface="Cambria Math" panose="02040503050406030204" pitchFamily="18" charset="0"/>
+                                            </a:rPr>
+                                            <m:t>𝑞</m:t>
+                                          </m:r>
+                                        </m:e>
+                                        <m:sub>
+                                          <m:r>
+                                            <a:rPr lang="en-US" sz="3200" i="1">
+                                              <a:solidFill>
+                                                <a:prstClr val="black"/>
+                                              </a:solidFill>
+                                              <a:latin typeface="Cambria Math" panose="02040503050406030204" pitchFamily="18" charset="0"/>
+                                            </a:rPr>
+                                            <m:t>𝑡</m:t>
+                                          </m:r>
+                                        </m:sub>
+                                      </m:sSub>
+                                      <m:r>
+                                        <a:rPr lang="en-US" sz="3200" i="1">
+                                          <a:solidFill>
+                                            <a:prstClr val="black"/>
+                                          </a:solidFill>
+                                          <a:latin typeface="Cambria Math" panose="02040503050406030204" pitchFamily="18" charset="0"/>
+                                        </a:rPr>
+                                        <m:t>𝑊</m:t>
+                                      </m:r>
+                                      <m:sSubSup>
+                                        <m:sSubSupPr>
+                                          <m:ctrlPr>
+                                            <a:rPr lang="en-US" sz="3200" i="1">
+                                              <a:solidFill>
+                                                <a:prstClr val="black"/>
+                                              </a:solidFill>
+                                              <a:latin typeface="Cambria Math" panose="02040503050406030204" pitchFamily="18" charset="0"/>
+                                            </a:rPr>
+                                          </m:ctrlPr>
+                                        </m:sSubSupPr>
+                                        <m:e>
+                                          <m:r>
+                                            <a:rPr lang="en-US" sz="3200" i="1">
+                                              <a:solidFill>
+                                                <a:prstClr val="black"/>
+                                              </a:solidFill>
+                                              <a:latin typeface="Cambria Math" panose="02040503050406030204" pitchFamily="18" charset="0"/>
+                                            </a:rPr>
+                                            <m:t>𝑝</m:t>
+                                          </m:r>
+                                        </m:e>
+                                        <m:sub>
+                                          <m:r>
+                                            <a:rPr lang="en-US" sz="3200" i="1">
+                                              <a:solidFill>
+                                                <a:prstClr val="black"/>
+                                              </a:solidFill>
+                                              <a:latin typeface="Cambria Math" panose="02040503050406030204" pitchFamily="18" charset="0"/>
+                                            </a:rPr>
+                                            <m:t>𝑡</m:t>
+                                          </m:r>
+                                        </m:sub>
+                                        <m:sup>
+                                          <m:r>
+                                            <a:rPr lang="en-US" sz="3200" i="1">
+                                              <a:solidFill>
+                                                <a:prstClr val="black"/>
+                                              </a:solidFill>
+                                              <a:latin typeface="Cambria Math" panose="02040503050406030204" pitchFamily="18" charset="0"/>
+                                            </a:rPr>
+                                            <m:t>+</m:t>
+                                          </m:r>
+                                        </m:sup>
+                                      </m:sSubSup>
+                                      <m:r>
+                                        <a:rPr lang="en-US" sz="3200" i="1">
+                                          <a:solidFill>
+                                            <a:prstClr val="black"/>
+                                          </a:solidFill>
+                                          <a:latin typeface="Cambria Math" panose="02040503050406030204" pitchFamily="18" charset="0"/>
+                                        </a:rPr>
+                                        <m:t>+</m:t>
+                                      </m:r>
+                                      <m:sSub>
+                                        <m:sSubPr>
+                                          <m:ctrlPr>
+                                            <a:rPr lang="en-US" sz="3200" i="1">
+                                              <a:solidFill>
+                                                <a:prstClr val="black"/>
+                                              </a:solidFill>
+                                              <a:latin typeface="Cambria Math" panose="02040503050406030204" pitchFamily="18" charset="0"/>
+                                            </a:rPr>
+                                          </m:ctrlPr>
+                                        </m:sSubPr>
+                                        <m:e>
+                                          <m:r>
+                                            <a:rPr lang="en-US" sz="3200" i="1">
+                                              <a:solidFill>
+                                                <a:prstClr val="black"/>
+                                              </a:solidFill>
+                                              <a:latin typeface="Cambria Math" panose="02040503050406030204" pitchFamily="18" charset="0"/>
+                                            </a:rPr>
+                                            <m:t>𝑞</m:t>
+                                          </m:r>
+                                        </m:e>
+                                        <m:sub>
+                                          <m:r>
+                                            <a:rPr lang="en-US" sz="3200" i="1">
+                                              <a:solidFill>
+                                                <a:prstClr val="black"/>
+                                              </a:solidFill>
+                                              <a:latin typeface="Cambria Math" panose="02040503050406030204" pitchFamily="18" charset="0"/>
+                                            </a:rPr>
+                                            <m:t>𝑡</m:t>
+                                          </m:r>
+                                        </m:sub>
+                                      </m:sSub>
+                                      <m:r>
+                                        <a:rPr lang="en-US" sz="3200" i="1">
+                                          <a:solidFill>
+                                            <a:prstClr val="black"/>
+                                          </a:solidFill>
+                                          <a:latin typeface="Cambria Math" panose="02040503050406030204" pitchFamily="18" charset="0"/>
+                                        </a:rPr>
+                                        <m:t>𝑊</m:t>
+                                      </m:r>
+                                      <m:sSubSup>
+                                        <m:sSubSupPr>
+                                          <m:ctrlPr>
+                                            <a:rPr lang="en-US" sz="3200" i="1">
+                                              <a:solidFill>
+                                                <a:prstClr val="black"/>
+                                              </a:solidFill>
+                                              <a:latin typeface="Cambria Math" panose="02040503050406030204" pitchFamily="18" charset="0"/>
+                                            </a:rPr>
+                                          </m:ctrlPr>
+                                        </m:sSubSupPr>
+                                        <m:e>
+                                          <m:r>
+                                            <a:rPr lang="en-US" sz="3200" i="1">
+                                              <a:solidFill>
+                                                <a:prstClr val="black"/>
+                                              </a:solidFill>
+                                              <a:latin typeface="Cambria Math" panose="02040503050406030204" pitchFamily="18" charset="0"/>
+                                            </a:rPr>
+                                            <m:t>𝑝</m:t>
+                                          </m:r>
+                                        </m:e>
+                                        <m:sub>
+                                          <m:r>
+                                            <a:rPr lang="en-US" sz="3200" i="1">
+                                              <a:solidFill>
+                                                <a:prstClr val="black"/>
+                                              </a:solidFill>
+                                              <a:latin typeface="Cambria Math" panose="02040503050406030204" pitchFamily="18" charset="0"/>
+                                            </a:rPr>
+                                            <m:t>𝑡</m:t>
+                                          </m:r>
+                                        </m:sub>
+                                        <m:sup>
+                                          <m:r>
+                                            <a:rPr lang="en-US" sz="3200" i="1">
+                                              <a:solidFill>
+                                                <a:prstClr val="black"/>
+                                              </a:solidFill>
+                                              <a:latin typeface="Cambria Math" panose="02040503050406030204" pitchFamily="18" charset="0"/>
+                                            </a:rPr>
+                                            <m:t>−</m:t>
+                                          </m:r>
+                                        </m:sup>
+                                      </m:sSubSup>
+                                    </m:e>
+                                  </m:d>
+                                </m:e>
+                                <m:sub>
+                                  <m:r>
+                                    <a:rPr lang="en-US" sz="3200" i="1">
+                                      <a:solidFill>
+                                        <a:prstClr val="black"/>
+                                      </a:solidFill>
+                                      <a:latin typeface="Cambria Math" panose="02040503050406030204" pitchFamily="18" charset="0"/>
+                                    </a:rPr>
+                                    <m:t>+</m:t>
+                                  </m:r>
+                                </m:sub>
+                              </m:sSub>
+                            </m:e>
+                          </m:nary>
+                        </m:e>
+                      </m:func>
+                    </m:oMath>
+                  </m:oMathPara>
+                </a14:m>
+                <a:endParaRPr lang="en-US" sz="3200" i="1" dirty="0">
+                  <a:solidFill>
+                    <a:prstClr val="black"/>
+                  </a:solidFill>
+                </a:endParaRPr>
+              </a:p>
+              <a:p>
+                <a:pPr lvl="0" algn="ctr" rtl="0"/>
+                <a14:m>
+                  <m:oMath xmlns:m="http://schemas.openxmlformats.org/officeDocument/2006/math">
+                    <m:r>
+                      <a:rPr lang="en-US" sz="3200" i="1">
+                        <a:solidFill>
+                          <a:prstClr val="black"/>
+                        </a:solidFill>
+                        <a:latin typeface="Cambria Math" panose="02040503050406030204" pitchFamily="18" charset="0"/>
+                      </a:rPr>
+                      <m:t>−</m:t>
+                    </m:r>
+                    <m:r>
+                      <a:rPr lang="en-US" sz="3200" i="1">
+                        <a:solidFill>
+                          <a:prstClr val="black"/>
+                        </a:solidFill>
+                        <a:latin typeface="Cambria Math" panose="02040503050406030204" pitchFamily="18" charset="0"/>
+                      </a:rPr>
+                      <m:t>𝛼</m:t>
+                    </m:r>
+                    <m:func>
+                      <m:funcPr>
+                        <m:ctrlPr>
+                          <a:rPr lang="en-US" sz="3200" i="1">
+                            <a:solidFill>
+                              <a:prstClr val="black"/>
+                            </a:solidFill>
+                            <a:latin typeface="Cambria Math" panose="02040503050406030204" pitchFamily="18" charset="0"/>
+                          </a:rPr>
+                        </m:ctrlPr>
+                      </m:funcPr>
+                      <m:fName>
+                        <m:r>
+                          <m:rPr>
+                            <m:sty m:val="p"/>
+                          </m:rPr>
+                          <a:rPr lang="en-US" sz="3200">
+                            <a:solidFill>
+                              <a:prstClr val="black"/>
+                            </a:solidFill>
+                            <a:latin typeface="Cambria Math" panose="02040503050406030204" pitchFamily="18" charset="0"/>
+                          </a:rPr>
+                          <m:t>log</m:t>
+                        </m:r>
+                      </m:fName>
+                      <m:e>
+                        <m:func>
+                          <m:funcPr>
+                            <m:ctrlPr>
+                              <a:rPr lang="en-US" sz="3200" i="1">
+                                <a:solidFill>
+                                  <a:prstClr val="black"/>
+                                </a:solidFill>
+                                <a:latin typeface="Cambria Math" panose="02040503050406030204" pitchFamily="18" charset="0"/>
+                              </a:rPr>
+                            </m:ctrlPr>
+                          </m:funcPr>
+                          <m:fName>
+                            <m:r>
+                              <m:rPr>
+                                <m:sty m:val="p"/>
+                              </m:rPr>
+                              <a:rPr lang="en-US" sz="3200">
+                                <a:solidFill>
+                                  <a:prstClr val="black"/>
+                                </a:solidFill>
+                                <a:latin typeface="Cambria Math" panose="02040503050406030204" pitchFamily="18" charset="0"/>
+                              </a:rPr>
+                              <m:t>det</m:t>
+                            </m:r>
+                          </m:fName>
+                          <m:e>
+                            <m:r>
+                              <a:rPr lang="en-US" sz="3200" i="1">
+                                <a:solidFill>
+                                  <a:prstClr val="black"/>
+                                </a:solidFill>
+                                <a:latin typeface="Cambria Math" panose="02040503050406030204" pitchFamily="18" charset="0"/>
+                              </a:rPr>
+                              <m:t>𝑊</m:t>
+                            </m:r>
+                          </m:e>
+                        </m:func>
+                      </m:e>
+                    </m:func>
+                    <m:r>
+                      <a:rPr lang="en-US" sz="3200" i="1">
+                        <a:solidFill>
+                          <a:prstClr val="black"/>
+                        </a:solidFill>
+                        <a:latin typeface="Cambria Math" panose="02040503050406030204" pitchFamily="18" charset="0"/>
+                      </a:rPr>
+                      <m:t>+</m:t>
+                    </m:r>
+                    <m:f>
+                      <m:fPr>
+                        <m:ctrlPr>
+                          <a:rPr lang="en-US" sz="3200" i="1">
+                            <a:solidFill>
+                              <a:prstClr val="black"/>
+                            </a:solidFill>
+                            <a:latin typeface="Cambria Math" panose="02040503050406030204" pitchFamily="18" charset="0"/>
+                          </a:rPr>
+                        </m:ctrlPr>
+                      </m:fPr>
+                      <m:num>
+                        <m:r>
+                          <a:rPr lang="en-US" sz="3200" i="1">
+                            <a:solidFill>
+                              <a:prstClr val="black"/>
+                            </a:solidFill>
+                            <a:latin typeface="Cambria Math" panose="02040503050406030204" pitchFamily="18" charset="0"/>
+                          </a:rPr>
+                          <m:t>𝛽</m:t>
+                        </m:r>
+                      </m:num>
+                      <m:den>
+                        <m:r>
+                          <a:rPr lang="en-US" sz="3200" i="1">
+                            <a:solidFill>
+                              <a:prstClr val="black"/>
+                            </a:solidFill>
+                            <a:latin typeface="Cambria Math" panose="02040503050406030204" pitchFamily="18" charset="0"/>
+                          </a:rPr>
+                          <m:t>2</m:t>
+                        </m:r>
+                      </m:den>
+                    </m:f>
+                    <m:r>
+                      <a:rPr lang="en-US" sz="3200" i="1">
+                        <a:solidFill>
+                          <a:prstClr val="black"/>
+                        </a:solidFill>
+                        <a:latin typeface="Cambria Math" panose="02040503050406030204" pitchFamily="18" charset="0"/>
+                      </a:rPr>
+                      <m:t> </m:t>
+                    </m:r>
+                    <m:sSubSup>
+                      <m:sSubSupPr>
+                        <m:ctrlPr>
+                          <a:rPr lang="en-US" sz="3200" i="1">
+                            <a:solidFill>
+                              <a:prstClr val="black"/>
+                            </a:solidFill>
+                            <a:latin typeface="Cambria Math" panose="02040503050406030204" pitchFamily="18" charset="0"/>
+                          </a:rPr>
+                        </m:ctrlPr>
+                      </m:sSubSupPr>
+                      <m:e>
+                        <m:d>
+                          <m:dPr>
+                            <m:begChr m:val="‖"/>
+                            <m:endChr m:val="‖"/>
+                            <m:ctrlPr>
+                              <a:rPr lang="en-US" sz="3200" i="1">
+                                <a:solidFill>
+                                  <a:prstClr val="black"/>
+                                </a:solidFill>
+                                <a:latin typeface="Cambria Math" panose="02040503050406030204" pitchFamily="18" charset="0"/>
+                              </a:rPr>
+                            </m:ctrlPr>
+                          </m:dPr>
+                          <m:e>
+                            <m:r>
+                              <a:rPr lang="en-US" sz="3200" i="1">
+                                <a:solidFill>
+                                  <a:prstClr val="black"/>
+                                </a:solidFill>
+                                <a:latin typeface="Cambria Math" panose="02040503050406030204" pitchFamily="18" charset="0"/>
+                              </a:rPr>
+                              <m:t>𝑊</m:t>
+                            </m:r>
+                          </m:e>
+                        </m:d>
+                      </m:e>
+                      <m:sub>
+                        <m:r>
+                          <a:rPr lang="en-US" sz="3200" i="1">
+                            <a:solidFill>
+                              <a:prstClr val="black"/>
+                            </a:solidFill>
+                            <a:latin typeface="Cambria Math" panose="02040503050406030204" pitchFamily="18" charset="0"/>
+                          </a:rPr>
+                          <m:t>𝐹</m:t>
+                        </m:r>
+                      </m:sub>
+                      <m:sup>
+                        <m:r>
+                          <a:rPr lang="en-US" sz="3200" i="1">
+                            <a:solidFill>
+                              <a:prstClr val="black"/>
+                            </a:solidFill>
+                            <a:latin typeface="Cambria Math" panose="02040503050406030204" pitchFamily="18" charset="0"/>
+                          </a:rPr>
+                          <m:t>2</m:t>
+                        </m:r>
+                      </m:sup>
+                    </m:sSubSup>
+                  </m:oMath>
+                </a14:m>
+                <a:r>
+                  <a:rPr lang="en-US" sz="3200" dirty="0">
+                    <a:solidFill>
+                      <a:prstClr val="black"/>
+                    </a:solidFill>
+                  </a:rPr>
+                  <a:t>, </a:t>
+                </a:r>
+                <a:endParaRPr lang="en-US" sz="3200" dirty="0">
+                  <a:solidFill>
+                    <a:prstClr val="black"/>
+                  </a:solidFill>
+                </a:endParaRPr>
+              </a:p>
+              <a:p>
+                <a:pPr lvl="0" algn="l" rtl="0"/>
+                <a:r>
+                  <a:rPr lang="en-US" sz="3200" dirty="0">
+                    <a:solidFill>
+                      <a:prstClr val="black"/>
+                    </a:solidFill>
+                  </a:rPr>
+                  <a:t>with </a:t>
+                </a:r>
+                <a:r>
+                  <a:rPr lang="en-US" sz="3200" dirty="0">
+                    <a:solidFill>
+                      <a:prstClr val="black"/>
+                    </a:solidFill>
+                  </a:rPr>
+                  <a:t>gradient steps inside the PD cone</a:t>
+                </a:r>
+                <a:r>
+                  <a:rPr lang="en-US" sz="3200" dirty="0">
+                    <a:solidFill>
+                      <a:prstClr val="black"/>
+                    </a:solidFill>
+                  </a:rPr>
+                  <a:t>.</a:t>
+                </a:r>
+                <a:endParaRPr lang="en-US" sz="3200" dirty="0">
+                  <a:solidFill>
+                    <a:prstClr val="black"/>
+                  </a:solidFill>
+                </a:endParaRPr>
+              </a:p>
+              <a:p>
+                <a:pPr algn="ctr" rtl="0"/>
+                <a:endParaRPr lang="en-US" sz="3200" dirty="0" smtClean="0">
+                  <a:solidFill>
+                    <a:schemeClr val="tx1"/>
+                  </a:solidFill>
+                </a:endParaRPr>
+              </a:p>
             </p:txBody>
           </p:sp>
         </mc:Choice>
@@ -4253,8 +4935,8 @@
             </p:nvSpPr>
             <p:spPr>
               <a:xfrm>
-                <a:off x="1080420" y="13121415"/>
-                <a:ext cx="9721080" cy="8193178"/>
+                <a:off x="1080420" y="13265430"/>
+                <a:ext cx="9721080" cy="11937595"/>
               </a:xfrm>
               <a:prstGeom prst="roundRect">
                 <a:avLst/>
@@ -4296,7 +4978,7 @@
         </p:nvSpPr>
         <p:spPr bwMode="auto">
           <a:xfrm>
-            <a:off x="8554618" y="3024261"/>
+            <a:off x="8554618" y="2880545"/>
             <a:ext cx="26096173" cy="1447329"/>
           </a:xfrm>
           <a:prstGeom prst="rect">
@@ -4543,7 +5225,7 @@
         <p:spPr>
           <a:xfrm>
             <a:off x="32403900" y="4968776"/>
-            <a:ext cx="9787674" cy="8644313"/>
+            <a:ext cx="9787674" cy="9371630"/>
           </a:xfrm>
           <a:prstGeom prst="roundRect">
             <a:avLst/>
@@ -4717,8 +5399,8 @@
         </p:nvSpPr>
         <p:spPr>
           <a:xfrm>
-            <a:off x="32475908" y="22682745"/>
-            <a:ext cx="9715665" cy="6624736"/>
+            <a:off x="32475908" y="24776901"/>
+            <a:ext cx="9715665" cy="5826723"/>
           </a:xfrm>
           <a:prstGeom prst="roundRect">
             <a:avLst/>
@@ -4835,8 +5517,8 @@
         </p:nvSpPr>
         <p:spPr>
           <a:xfrm>
-            <a:off x="32475907" y="14336754"/>
-            <a:ext cx="9715666" cy="7752064"/>
+            <a:off x="32475907" y="14781717"/>
+            <a:ext cx="9715666" cy="9553873"/>
           </a:xfrm>
           <a:prstGeom prst="roundRect">
             <a:avLst/>
@@ -4881,7 +5563,7 @@
       </p:sp>
       <p:pic>
         <p:nvPicPr>
-          <p:cNvPr id="1030" name="Picture 6" descr="Preview of your QR Code"/>
+          <p:cNvPr id="64" name="Picture 120"/>
           <p:cNvPicPr>
             <a:picLocks noChangeAspect="1" noChangeArrowheads="1"/>
           </p:cNvPicPr>
@@ -4889,96 +5571,6 @@
         </p:nvPicPr>
         <p:blipFill>
           <a:blip r:embed="rId8">
-            <a:extLst>
-              <a:ext uri="{28A0092B-C50C-407E-A947-70E740481C1C}">
-                <a14:useLocalDpi xmlns:a14="http://schemas.microsoft.com/office/drawing/2010/main" val="0"/>
-              </a:ext>
-            </a:extLst>
-          </a:blip>
-          <a:srcRect/>
-          <a:stretch>
-            <a:fillRect/>
-          </a:stretch>
-        </p:blipFill>
-        <p:spPr bwMode="auto">
-          <a:xfrm>
-            <a:off x="35737310" y="1113156"/>
-            <a:ext cx="2095500" cy="2095501"/>
-          </a:xfrm>
-          <a:prstGeom prst="rect">
-            <a:avLst/>
-          </a:prstGeom>
-          <a:noFill/>
-          <a:extLst>
-            <a:ext uri="{909E8E84-426E-40DD-AFC4-6F175D3DCCD1}">
-              <a14:hiddenFill xmlns:a14="http://schemas.microsoft.com/office/drawing/2010/main">
-                <a:solidFill>
-                  <a:srgbClr val="FFFFFF"/>
-                </a:solidFill>
-              </a14:hiddenFill>
-            </a:ext>
-          </a:extLst>
-        </p:spPr>
-      </p:pic>
-      <p:pic>
-        <p:nvPicPr>
-          <p:cNvPr id="62" name="Picture 61" descr="http://www.afbiu.org/image/about-biu/circle-logo-330x330.gif"/>
-          <p:cNvPicPr/>
-          <p:nvPr/>
-        </p:nvPicPr>
-        <p:blipFill>
-          <a:blip r:embed="rId9">
-            <a:clrChange>
-              <a:clrFrom>
-                <a:srgbClr val="FFFFFF"/>
-              </a:clrFrom>
-              <a:clrTo>
-                <a:srgbClr val="FFFFFF">
-                  <a:alpha val="0"/>
-                </a:srgbClr>
-              </a:clrTo>
-            </a:clrChange>
-            <a:extLst>
-              <a:ext uri="{28A0092B-C50C-407E-A947-70E740481C1C}">
-                <a14:useLocalDpi xmlns:a14="http://schemas.microsoft.com/office/drawing/2010/main" val="0"/>
-              </a:ext>
-            </a:extLst>
-          </a:blip>
-          <a:srcRect/>
-          <a:stretch>
-            <a:fillRect/>
-          </a:stretch>
-        </p:blipFill>
-        <p:spPr bwMode="auto">
-          <a:xfrm>
-            <a:off x="38701147" y="604675"/>
-            <a:ext cx="3143250" cy="3143250"/>
-          </a:xfrm>
-          <a:prstGeom prst="rect">
-            <a:avLst/>
-          </a:prstGeom>
-          <a:noFill/>
-          <a:extLst>
-            <a:ext uri="{909E8E84-426E-40DD-AFC4-6F175D3DCCD1}">
-              <a14:hiddenFill xmlns:a14="http://schemas.microsoft.com/office/drawing/2010/main">
-                <a:solidFill>
-                  <a:srgbClr val="FFFFFF"/>
-                </a:solidFill>
-              </a14:hiddenFill>
-            </a:ext>
-          </a:extLst>
-        </p:spPr>
-      </p:pic>
-      <p:pic>
-        <p:nvPicPr>
-          <p:cNvPr id="64" name="Picture 120"/>
-          <p:cNvPicPr>
-            <a:picLocks noChangeAspect="1" noChangeArrowheads="1"/>
-          </p:cNvPicPr>
-          <p:nvPr/>
-        </p:nvPicPr>
-        <p:blipFill>
-          <a:blip r:embed="rId10">
             <a:extLst>
               <a:ext uri="{28A0092B-C50C-407E-A947-70E740481C1C}">
                 <a14:useLocalDpi xmlns:a14="http://schemas.microsoft.com/office/drawing/2010/main" val="0"/>
@@ -5047,7 +5639,7 @@
             </p:nvSpPr>
             <p:spPr>
               <a:xfrm>
-                <a:off x="22502606" y="4968776"/>
+                <a:off x="22508647" y="5173646"/>
                 <a:ext cx="8334741" cy="12860046"/>
               </a:xfrm>
               <a:prstGeom prst="rect">
@@ -6334,16 +6926,16 @@
             </p:nvSpPr>
             <p:spPr>
               <a:xfrm>
-                <a:off x="22502606" y="4968776"/>
+                <a:off x="22508647" y="5173646"/>
                 <a:ext cx="8334741" cy="12860046"/>
               </a:xfrm>
               <a:prstGeom prst="rect">
                 <a:avLst/>
               </a:prstGeom>
               <a:blipFill rotWithShape="0">
-                <a:blip r:embed="rId11"/>
+                <a:blip r:embed="rId9"/>
                 <a:stretch>
-                  <a:fillRect l="-1608" t="-900" r="-365"/>
+                  <a:fillRect l="-1608" t="-901" r="-365"/>
                 </a:stretch>
               </a:blipFill>
             </p:spPr>
@@ -6371,7 +6963,7 @@
           <p:nvPr/>
         </p:nvPicPr>
         <p:blipFill rotWithShape="1">
-          <a:blip r:embed="rId12"/>
+          <a:blip r:embed="rId10"/>
           <a:srcRect r="4094"/>
           <a:stretch/>
         </p:blipFill>
@@ -6394,7 +6986,7 @@
           <p:nvPr/>
         </p:nvPicPr>
         <p:blipFill rotWithShape="1">
-          <a:blip r:embed="rId13" cstate="print">
+          <a:blip r:embed="rId11" cstate="print">
             <a:extLst>
               <a:ext uri="{28A0092B-C50C-407E-A947-70E740481C1C}">
                 <a14:useLocalDpi xmlns:a14="http://schemas.microsoft.com/office/drawing/2010/main" val="0"/>
@@ -6406,7 +6998,7 @@
         </p:blipFill>
         <p:spPr bwMode="auto">
           <a:xfrm>
-            <a:off x="32678705" y="6985001"/>
+            <a:off x="32678705" y="6696969"/>
             <a:ext cx="9158242" cy="4479815"/>
           </a:xfrm>
           <a:prstGeom prst="rect">
@@ -6434,8 +7026,8 @@
         </p:nvSpPr>
         <p:spPr bwMode="auto">
           <a:xfrm>
-            <a:off x="32806662" y="11882266"/>
-            <a:ext cx="9030285" cy="1079399"/>
+            <a:off x="32806662" y="11443248"/>
+            <a:ext cx="8973607" cy="2310505"/>
           </a:xfrm>
           <a:prstGeom prst="rect">
             <a:avLst/>
@@ -6801,65 +7393,66 @@
               </a:spcBef>
             </a:pPr>
             <a:r>
-              <a:rPr lang="en-US" altLang="en-US" sz="1600" dirty="0" smtClean="0"/>
+              <a:rPr lang="en-US" altLang="en-US" sz="2400" dirty="0" smtClean="0"/>
               <a:t>80%/20% </a:t>
             </a:r>
             <a:r>
-              <a:rPr lang="en-US" altLang="en-US" sz="1600" dirty="0"/>
-              <a:t>train/test split, 5-fold cross-validation for hyper parameters. </a:t>
-            </a:r>
-          </a:p>
-          <a:p>
-            <a:pPr algn="l" rtl="0"/>
-            <a:r>
-              <a:rPr lang="en-US" altLang="en-US" sz="1600" dirty="0"/>
-              <a:t>Compared methods: </a:t>
-            </a:r>
-            <a:r>
-              <a:rPr lang="en-AU" altLang="en-US" sz="1600" dirty="0"/>
+              <a:rPr lang="en-US" altLang="en-US" sz="2400" dirty="0"/>
+              <a:t>train/test split, 5-fold cross-validation for </a:t>
+            </a:r>
+            <a:r>
+              <a:rPr lang="en-US" altLang="en-US" sz="2400" dirty="0" smtClean="0"/>
+              <a:t>hyper parameters. Compared </a:t>
+            </a:r>
+            <a:r>
+              <a:rPr lang="en-US" altLang="en-US" sz="2400" dirty="0"/>
+              <a:t>methods: </a:t>
+            </a:r>
+            <a:r>
+              <a:rPr lang="en-AU" altLang="en-US" sz="2400" dirty="0"/>
               <a:t>Euclidean metric (baseline)</a:t>
             </a:r>
             <a:r>
-              <a:rPr lang="ar-SA" altLang="en-US" sz="1600" dirty="0"/>
+              <a:rPr lang="ar-SA" altLang="en-US" sz="2400" dirty="0"/>
               <a:t>‏</a:t>
             </a:r>
             <a:r>
-              <a:rPr lang="en-US" altLang="en-US" sz="1600" dirty="0"/>
+              <a:rPr lang="en-US" altLang="en-US" sz="2400" dirty="0"/>
               <a:t>.</a:t>
             </a:r>
             <a:r>
-              <a:rPr lang="en-AU" altLang="en-US" sz="1600" dirty="0"/>
+              <a:rPr lang="en-AU" altLang="en-US" sz="2400" dirty="0"/>
               <a:t> </a:t>
             </a:r>
             <a:r>
-              <a:rPr lang="en-AU" altLang="en-US" sz="1600" dirty="0" smtClean="0"/>
+              <a:rPr lang="en-AU" altLang="en-US" sz="2400" dirty="0" smtClean="0"/>
               <a:t>HDSL: Similarity Learning for High Dimensional Sparse Data  [Liu et al, 2015], LEGO </a:t>
             </a:r>
             <a:r>
-              <a:rPr lang="en-AU" altLang="en-US" sz="1600" dirty="0"/>
+              <a:rPr lang="en-AU" altLang="en-US" sz="2400" dirty="0"/>
               <a:t>(ITML): Log-</a:t>
             </a:r>
             <a:r>
-              <a:rPr lang="en-AU" altLang="en-US" sz="1600" dirty="0" err="1"/>
+              <a:rPr lang="en-AU" altLang="en-US" sz="2400" dirty="0" err="1"/>
               <a:t>Det</a:t>
             </a:r>
             <a:r>
-              <a:rPr lang="en-AU" altLang="en-US" sz="1600" dirty="0"/>
+              <a:rPr lang="en-AU" altLang="en-US" sz="2400" dirty="0"/>
               <a:t> Exact Gradient Online [</a:t>
             </a:r>
             <a:r>
-              <a:rPr lang="en-AU" altLang="en-US" sz="1600" dirty="0" smtClean="0"/>
+              <a:rPr lang="en-AU" altLang="en-US" sz="2400" dirty="0" smtClean="0"/>
               <a:t>Jain et al. 2008], </a:t>
             </a:r>
             <a:r>
-              <a:rPr lang="en-AU" altLang="en-US" sz="1600" dirty="0" err="1" smtClean="0"/>
+              <a:rPr lang="en-AU" altLang="en-US" sz="2400" dirty="0" err="1" smtClean="0"/>
               <a:t>BoostMetric</a:t>
             </a:r>
             <a:r>
-              <a:rPr lang="en-AU" altLang="en-US" sz="1600" dirty="0" smtClean="0"/>
+              <a:rPr lang="en-AU" altLang="en-US" sz="2400" dirty="0" smtClean="0"/>
               <a:t> positive-semidefinite metric learning with boosting [Shen et al. 2009]</a:t>
             </a:r>
-            <a:endParaRPr lang="en-AU" altLang="en-US" sz="1600" dirty="0"/>
+            <a:endParaRPr lang="en-AU" altLang="en-US" sz="2400" dirty="0"/>
           </a:p>
         </p:txBody>
       </p:sp>
@@ -6872,14 +7465,14 @@
           <p:nvPr/>
         </p:nvPicPr>
         <p:blipFill>
-          <a:blip r:embed="rId14"/>
+          <a:blip r:embed="rId12"/>
           <a:stretch>
             <a:fillRect/>
           </a:stretch>
         </p:blipFill>
         <p:spPr>
           <a:xfrm>
-            <a:off x="32806663" y="16193127"/>
+            <a:off x="32806663" y="16701826"/>
             <a:ext cx="9076078" cy="3609298"/>
           </a:xfrm>
           <a:prstGeom prst="rect">
@@ -6897,8 +7490,8 @@
         </p:nvSpPr>
         <p:spPr bwMode="auto">
           <a:xfrm>
-            <a:off x="32806663" y="20204997"/>
-            <a:ext cx="8973606" cy="1325620"/>
+            <a:off x="32806663" y="20713696"/>
+            <a:ext cx="8973606" cy="3049169"/>
           </a:xfrm>
           <a:prstGeom prst="rect">
             <a:avLst/>
@@ -7264,74 +7857,74 @@
               </a:spcBef>
             </a:pPr>
             <a:r>
-              <a:rPr lang="en-US" altLang="en-US" sz="1600" dirty="0"/>
+              <a:rPr lang="en-US" altLang="en-US" sz="2400" dirty="0"/>
               <a:t>RCV1 dataset with 5K features</a:t>
             </a:r>
             <a:r>
-              <a:rPr lang="en-US" altLang="en-US" sz="1600" dirty="0" smtClean="0"/>
+              <a:rPr lang="en-US" altLang="en-US" sz="2400" dirty="0" smtClean="0"/>
               <a:t>.</a:t>
             </a:r>
             <a:r>
-              <a:rPr lang="en-US" altLang="en-US" sz="1600" b="1" dirty="0" smtClean="0"/>
+              <a:rPr lang="en-US" altLang="en-US" sz="2400" b="1" dirty="0" smtClean="0"/>
               <a:t>(a)</a:t>
             </a:r>
             <a:r>
-              <a:rPr lang="en-US" altLang="en-US" sz="1600" dirty="0" smtClean="0"/>
+              <a:rPr lang="en-US" altLang="en-US" sz="2400" dirty="0" smtClean="0"/>
               <a:t> Precision </a:t>
             </a:r>
             <a:r>
-              <a:rPr lang="en-US" altLang="en-US" sz="1600" dirty="0"/>
+              <a:rPr lang="en-US" altLang="en-US" sz="2400" dirty="0"/>
               <a:t>at 1, 3 and 5 nearest neighbor evaluated on the test set </a:t>
             </a:r>
             <a:r>
-              <a:rPr lang="en-US" altLang="en-US" sz="1600" i="1" dirty="0" smtClean="0"/>
+              <a:rPr lang="en-US" altLang="en-US" sz="2400" i="1" dirty="0" smtClean="0"/>
               <a:t>vs. </a:t>
             </a:r>
             <a:r>
-              <a:rPr lang="en-US" altLang="en-US" sz="1600" dirty="0" smtClean="0"/>
+              <a:rPr lang="en-US" altLang="en-US" sz="2400" dirty="0" smtClean="0"/>
               <a:t>the </a:t>
             </a:r>
             <a:r>
-              <a:rPr lang="en-US" altLang="en-US" sz="1600" dirty="0"/>
+              <a:rPr lang="en-US" altLang="en-US" sz="2400" dirty="0"/>
               <a:t>mean training run time of COMET. Percentiles denote the density of the learned matrix. Error bars denote the standard error of the mean across 5 random train/test partitions (80\%/20\%). Dashed line denotes the </a:t>
             </a:r>
             <a:r>
-              <a:rPr lang="en-US" altLang="en-US" sz="1600" i="1" dirty="0" smtClean="0"/>
+              <a:rPr lang="en-US" altLang="en-US" sz="2400" i="1" dirty="0" smtClean="0"/>
               <a:t>precision-at-1</a:t>
             </a:r>
             <a:r>
-              <a:rPr lang="en-US" altLang="en-US" sz="1600" dirty="0" smtClean="0"/>
+              <a:rPr lang="en-US" altLang="en-US" sz="2400" dirty="0" smtClean="0"/>
               <a:t> </a:t>
             </a:r>
             <a:r>
-              <a:rPr lang="en-US" altLang="en-US" sz="1600" dirty="0"/>
+              <a:rPr lang="en-US" altLang="en-US" sz="2400" dirty="0"/>
               <a:t>of the Euclidean baseline. </a:t>
             </a:r>
             <a:r>
-              <a:rPr lang="en-US" altLang="en-US" sz="1600" b="1" dirty="0" smtClean="0"/>
+              <a:rPr lang="en-US" altLang="en-US" sz="2400" b="1" dirty="0" smtClean="0"/>
               <a:t>(</a:t>
             </a:r>
             <a:r>
-              <a:rPr lang="en-US" altLang="en-US" sz="1600" b="1" dirty="0"/>
+              <a:rPr lang="en-US" altLang="en-US" sz="2400" b="1" dirty="0"/>
               <a:t>b</a:t>
             </a:r>
             <a:r>
-              <a:rPr lang="en-US" altLang="en-US" sz="1600" b="1" dirty="0" smtClean="0"/>
+              <a:rPr lang="en-US" altLang="en-US" sz="2400" b="1" dirty="0" smtClean="0"/>
               <a:t>)</a:t>
             </a:r>
             <a:r>
-              <a:rPr lang="en-US" altLang="en-US" sz="1600" dirty="0" smtClean="0"/>
+              <a:rPr lang="en-US" altLang="en-US" sz="2400" dirty="0" smtClean="0"/>
               <a:t> </a:t>
             </a:r>
             <a:r>
-              <a:rPr lang="en-US" altLang="en-US" sz="1600" dirty="0"/>
+              <a:rPr lang="en-US" altLang="en-US" sz="2400" dirty="0"/>
               <a:t>Mean training time as a function of the learned matrix density. Percentiles denote the </a:t>
             </a:r>
             <a:r>
-              <a:rPr lang="en-US" altLang="en-US" sz="1600" i="1" dirty="0" smtClean="0"/>
+              <a:rPr lang="en-US" altLang="en-US" sz="2400" i="1" dirty="0" smtClean="0"/>
               <a:t>Precision-at-1</a:t>
             </a:r>
-            <a:endParaRPr lang="en-AU" altLang="en-US" sz="1600" i="1" dirty="0"/>
+            <a:endParaRPr lang="en-AU" altLang="en-US" sz="2400" i="1" dirty="0"/>
           </a:p>
         </p:txBody>
       </p:sp>
@@ -7344,7 +7937,7 @@
           <p:nvPr/>
         </p:nvPicPr>
         <p:blipFill rotWithShape="1">
-          <a:blip r:embed="rId15">
+          <a:blip r:embed="rId13">
             <a:extLst>
               <a:ext uri="{28A0092B-C50C-407E-A947-70E740481C1C}">
                 <a14:useLocalDpi xmlns:a14="http://schemas.microsoft.com/office/drawing/2010/main" val="0"/>
@@ -7356,7 +7949,7 @@
         </p:blipFill>
         <p:spPr bwMode="auto">
           <a:xfrm>
-            <a:off x="33070159" y="23788480"/>
+            <a:off x="33070159" y="25942632"/>
             <a:ext cx="4752528" cy="4228945"/>
           </a:xfrm>
           <a:prstGeom prst="rect">
@@ -7384,8 +7977,8 @@
         </p:nvSpPr>
         <p:spPr bwMode="auto">
           <a:xfrm>
-            <a:off x="4252237" y="-245193"/>
-            <a:ext cx="34700925" cy="3078545"/>
+            <a:off x="4252237" y="1224361"/>
+            <a:ext cx="34700925" cy="1385774"/>
           </a:xfrm>
           <a:prstGeom prst="rect">
             <a:avLst/>
@@ -7408,19 +8001,21 @@
             <a:pPr algn="ctr" rtl="0"/>
             <a:r>
               <a:rPr lang="en-US" b="1" dirty="0" smtClean="0"/>
-              <a:t>Learning</a:t>
-            </a:r>
-            <a:r>
-              <a:rPr lang="en-US" sz="11000" b="1" dirty="0" smtClean="0"/>
-              <a:t> Sparse Metrics</a:t>
-            </a:r>
-          </a:p>
-          <a:p>
-            <a:pPr algn="ctr" rtl="0"/>
+              <a:t>Learning </a:t>
+            </a:r>
+            <a:r>
+              <a:rPr lang="en-US" b="1" dirty="0"/>
+              <a:t>Sparse Metrics, One </a:t>
+            </a:r>
+            <a:r>
+              <a:rPr lang="en-US" b="1" dirty="0"/>
+              <a:t>Feature at a </a:t>
+            </a:r>
             <a:r>
               <a:rPr lang="en-US" b="1" dirty="0" smtClean="0"/>
-              <a:t>One Feature at a Time - COMET</a:t>
-            </a:r>
+              <a:t>Time</a:t>
+            </a:r>
+            <a:endParaRPr lang="en-US" b="1" dirty="0"/>
           </a:p>
         </p:txBody>
       </p:sp>
@@ -7436,8 +8031,8 @@
             </p:nvSpPr>
             <p:spPr bwMode="auto">
               <a:xfrm>
-                <a:off x="38290188" y="23912883"/>
-                <a:ext cx="3546760" cy="1325620"/>
+                <a:off x="38290188" y="25821621"/>
+                <a:ext cx="3546760" cy="3254353"/>
               </a:xfrm>
               <a:prstGeom prst="rect">
                 <a:avLst/>
@@ -7825,15 +8420,15 @@
                   </a:spcBef>
                 </a:pPr>
                 <a:r>
-                  <a:rPr lang="en-US" sz="1600" dirty="0" err="1" smtClean="0"/>
+                  <a:rPr lang="en-US" sz="2400" dirty="0" err="1" smtClean="0"/>
                   <a:t>Frobenius</a:t>
                 </a:r>
                 <a:r>
-                  <a:rPr lang="en-US" sz="1600" dirty="0" smtClean="0"/>
+                  <a:rPr lang="en-US" sz="2400" dirty="0" smtClean="0"/>
                   <a:t> </a:t>
                 </a:r>
                 <a:r>
-                  <a:rPr lang="en-US" sz="1600" dirty="0"/>
+                  <a:rPr lang="en-US" sz="2400" dirty="0"/>
                   <a:t>norm of the groups </a:t>
                 </a:r>
                 <a14:m>
@@ -7841,14 +8436,14 @@
                     <m:sSub>
                       <m:sSubPr>
                         <m:ctrlPr>
-                          <a:rPr lang="en-US" sz="1600" i="1">
+                          <a:rPr lang="en-US" sz="2400" i="1">
                             <a:latin typeface="Cambria Math" panose="02040503050406030204" pitchFamily="18" charset="0"/>
                           </a:rPr>
                         </m:ctrlPr>
                       </m:sSubPr>
                       <m:e>
                         <m:r>
-                          <a:rPr lang="en-US" sz="1600" i="1">
+                          <a:rPr lang="en-US" sz="2400" i="1">
                             <a:latin typeface="Cambria Math" panose="02040503050406030204" pitchFamily="18" charset="0"/>
                           </a:rPr>
                           <m:t>𝑉</m:t>
@@ -7856,7 +8451,7 @@
                       </m:e>
                       <m:sub>
                         <m:r>
-                          <a:rPr lang="en-US" sz="1600" i="1">
+                          <a:rPr lang="en-US" sz="2400" i="1">
                             <a:latin typeface="Cambria Math" panose="02040503050406030204" pitchFamily="18" charset="0"/>
                           </a:rPr>
                           <m:t>𝑘</m:t>
@@ -7866,13 +8461,13 @@
                   </m:oMath>
                 </a14:m>
                 <a:r>
-                  <a:rPr lang="en-US" sz="1600" dirty="0"/>
+                  <a:rPr lang="en-US" sz="2400" dirty="0"/>
                   <a:t> against the information gain of feature </a:t>
                 </a:r>
                 <a14:m>
                   <m:oMath xmlns:m="http://schemas.openxmlformats.org/officeDocument/2006/math">
                     <m:r>
-                      <a:rPr lang="en-US" sz="1600" i="1">
+                      <a:rPr lang="en-US" sz="2400" i="1">
                         <a:latin typeface="Cambria Math" panose="02040503050406030204" pitchFamily="18" charset="0"/>
                       </a:rPr>
                       <m:t>𝑘</m:t>
@@ -7880,10 +8475,34 @@
                   </m:oMath>
                 </a14:m>
                 <a:r>
-                  <a:rPr lang="en-US" sz="1600" dirty="0"/>
-                  <a:t>. Sparse COMET assigns zero weights to less-informative features.</a:t>
+                  <a:rPr lang="en-US" sz="2400" dirty="0"/>
+                  <a:t>. </a:t>
                 </a:r>
-                <a:endParaRPr lang="en-AU" altLang="en-US" sz="1600" dirty="0"/>
+                <a:endParaRPr lang="en-US" sz="2400" dirty="0" smtClean="0"/>
+              </a:p>
+              <a:p>
+                <a:pPr algn="l" rtl="0">
+                  <a:spcBef>
+                    <a:spcPts val="750"/>
+                  </a:spcBef>
+                </a:pPr>
+                <a:endParaRPr lang="en-US" sz="2400" dirty="0"/>
+              </a:p>
+              <a:p>
+                <a:pPr algn="l" rtl="0">
+                  <a:spcBef>
+                    <a:spcPts val="750"/>
+                  </a:spcBef>
+                </a:pPr>
+                <a:r>
+                  <a:rPr lang="en-US" sz="2400" dirty="0" smtClean="0"/>
+                  <a:t>Sparse </a:t>
+                </a:r>
+                <a:r>
+                  <a:rPr lang="en-US" sz="2400" dirty="0"/>
+                  <a:t>COMET assigns zero weights to less-informative features.</a:t>
+                </a:r>
+                <a:endParaRPr lang="en-AU" altLang="en-US" sz="2400" dirty="0"/>
               </a:p>
             </p:txBody>
           </p:sp>
@@ -7899,16 +8518,16 @@
             </p:nvSpPr>
             <p:spPr bwMode="auto">
               <a:xfrm>
-                <a:off x="38290188" y="23912883"/>
-                <a:ext cx="3546760" cy="1325620"/>
+                <a:off x="38290188" y="25821621"/>
+                <a:ext cx="3546760" cy="3254353"/>
               </a:xfrm>
               <a:prstGeom prst="rect">
                 <a:avLst/>
               </a:prstGeom>
               <a:blipFill rotWithShape="0">
-                <a:blip r:embed="rId16"/>
+                <a:blip r:embed="rId14"/>
                 <a:stretch>
-                  <a:fillRect l="-1031" t="-1382" b="-5069"/>
+                  <a:fillRect l="-2749" t="-1311" r="-2062" b="-3371"/>
                 </a:stretch>
               </a:blipFill>
               <a:ln>
@@ -7964,7 +8583,7 @@
             </p:nvSpPr>
             <p:spPr bwMode="auto">
               <a:xfrm>
-                <a:off x="4453535" y="14860223"/>
+                <a:off x="4453535" y="15019972"/>
                 <a:ext cx="2561897" cy="463846"/>
               </a:xfrm>
               <a:prstGeom prst="rect">
@@ -8430,14 +9049,14 @@
             </p:nvSpPr>
             <p:spPr bwMode="auto">
               <a:xfrm>
-                <a:off x="4453535" y="14860223"/>
+                <a:off x="4453535" y="15019972"/>
                 <a:ext cx="2561897" cy="463846"/>
               </a:xfrm>
               <a:prstGeom prst="rect">
                 <a:avLst/>
               </a:prstGeom>
               <a:blipFill rotWithShape="0">
-                <a:blip r:embed="rId17"/>
+                <a:blip r:embed="rId15"/>
                 <a:stretch>
                   <a:fillRect l="-3810" t="-9211" r="-1190" b="-30263"/>
                 </a:stretch>
@@ -8502,8 +9121,8 @@
             </p:nvSpPr>
             <p:spPr bwMode="auto">
               <a:xfrm>
-                <a:off x="1368452" y="17952673"/>
-                <a:ext cx="2075097" cy="371513"/>
+                <a:off x="1608386" y="18112422"/>
+                <a:ext cx="2280346" cy="402291"/>
               </a:xfrm>
               <a:prstGeom prst="rect">
                 <a:avLst/>
@@ -8894,7 +9513,7 @@
                   <a:buSzPct val="100000"/>
                 </a:pPr>
                 <a:r>
-                  <a:rPr kumimoji="0" lang="en-US" altLang="en-US" sz="1800" b="1" i="0" u="none" strike="noStrike" kern="0" cap="none" spc="0" normalizeH="0" baseline="0" noProof="0" dirty="0" smtClean="0">
+                  <a:rPr kumimoji="0" lang="en-US" altLang="en-US" sz="2000" b="1" i="0" u="none" strike="noStrike" kern="0" cap="none" spc="0" normalizeH="0" baseline="0" noProof="0" dirty="0" smtClean="0">
                     <a:ln>
                       <a:noFill/>
                     </a:ln>
@@ -8904,8 +9523,6 @@
                     <a:effectLst/>
                     <a:uLnTx/>
                     <a:uFillTx/>
-                    <a:latin typeface="Arial" panose="020B0604020202020204" pitchFamily="34" charset="0"/>
-                    <a:cs typeface="Arial" panose="020B0604020202020204" pitchFamily="34" charset="0"/>
                   </a:rPr>
                   <a:t>more similar </a:t>
                 </a:r>
@@ -8914,7 +9531,7 @@
                     <m:sSup>
                       <m:sSupPr>
                         <m:ctrlPr>
-                          <a:rPr lang="en-US" sz="1800" i="1">
+                          <a:rPr lang="en-US" sz="2000" i="1">
                             <a:solidFill>
                               <a:schemeClr val="tx1"/>
                             </a:solidFill>
@@ -8924,7 +9541,7 @@
                       </m:sSupPr>
                       <m:e>
                         <m:r>
-                          <a:rPr lang="en-US" sz="1800" b="0" i="1" smtClean="0">
+                          <a:rPr lang="en-US" sz="2000" b="0" i="1" smtClean="0">
                             <a:solidFill>
                               <a:schemeClr val="tx1"/>
                             </a:solidFill>
@@ -8933,7 +9550,7 @@
                           <m:t>(</m:t>
                         </m:r>
                         <m:r>
-                          <a:rPr lang="en-US" sz="1800" i="1">
+                          <a:rPr lang="en-US" sz="2000" i="1">
                             <a:solidFill>
                               <a:schemeClr val="tx1"/>
                             </a:solidFill>
@@ -8944,7 +9561,7 @@
                       </m:e>
                       <m:sup>
                         <m:r>
-                          <a:rPr lang="en-US" sz="1800" i="1">
+                          <a:rPr lang="en-US" sz="2000" i="1">
                             <a:solidFill>
                               <a:schemeClr val="tx1"/>
                             </a:solidFill>
@@ -8955,7 +9572,7 @@
                       </m:sup>
                     </m:sSup>
                     <m:r>
-                      <a:rPr lang="en-US" sz="1800" b="0" i="1" smtClean="0">
+                      <a:rPr lang="en-US" sz="2000" b="0" i="1" smtClean="0">
                         <a:solidFill>
                           <a:schemeClr val="tx1"/>
                         </a:solidFill>
@@ -8965,7 +9582,7 @@
                     </m:r>
                   </m:oMath>
                 </a14:m>
-                <a:endParaRPr kumimoji="0" lang="en-US" altLang="en-US" sz="1800" b="1" i="0" u="none" strike="noStrike" kern="0" cap="none" spc="0" normalizeH="0" baseline="0" noProof="0" dirty="0" smtClean="0">
+                <a:endParaRPr kumimoji="0" lang="en-US" altLang="en-US" sz="2000" b="1" i="0" u="none" strike="noStrike" kern="0" cap="none" spc="0" normalizeH="0" baseline="0" noProof="0" dirty="0" smtClean="0">
                   <a:ln>
                     <a:noFill/>
                   </a:ln>
@@ -8975,8 +9592,6 @@
                   <a:effectLst/>
                   <a:uLnTx/>
                   <a:uFillTx/>
-                  <a:latin typeface="Arial" panose="020B0604020202020204" pitchFamily="34" charset="0"/>
-                  <a:cs typeface="Arial" panose="020B0604020202020204" pitchFamily="34" charset="0"/>
                 </a:endParaRPr>
               </a:p>
             </p:txBody>
@@ -8993,16 +9608,16 @@
             </p:nvSpPr>
             <p:spPr bwMode="auto">
               <a:xfrm>
-                <a:off x="1368452" y="17952673"/>
-                <a:ext cx="2075097" cy="371513"/>
+                <a:off x="1608386" y="18112422"/>
+                <a:ext cx="2280346" cy="402291"/>
               </a:xfrm>
               <a:prstGeom prst="rect">
                 <a:avLst/>
               </a:prstGeom>
               <a:blipFill rotWithShape="0">
-                <a:blip r:embed="rId18"/>
+                <a:blip r:embed="rId16"/>
                 <a:stretch>
-                  <a:fillRect l="-2346" t="-8197" r="-293" b="-24590"/>
+                  <a:fillRect l="-2941" t="-6061" r="-802" b="-27273"/>
                 </a:stretch>
               </a:blipFill>
               <a:ln>
@@ -9065,8 +9680,8 @@
             </p:nvSpPr>
             <p:spPr bwMode="auto">
               <a:xfrm>
-                <a:off x="7977724" y="17873943"/>
-                <a:ext cx="1959680" cy="371513"/>
+                <a:off x="7977724" y="18033692"/>
+                <a:ext cx="2152105" cy="402291"/>
               </a:xfrm>
               <a:prstGeom prst="rect">
                 <a:avLst/>
@@ -9457,7 +10072,7 @@
                   <a:buSzPct val="100000"/>
                 </a:pPr>
                 <a:r>
-                  <a:rPr kumimoji="0" lang="en-US" altLang="en-US" sz="1800" b="1" i="0" u="none" strike="noStrike" kern="0" cap="none" spc="0" normalizeH="0" baseline="0" noProof="0" dirty="0" smtClean="0">
+                  <a:rPr kumimoji="0" lang="en-US" altLang="en-US" sz="2000" b="1" i="0" u="none" strike="noStrike" kern="0" cap="none" spc="0" normalizeH="0" baseline="0" noProof="0" dirty="0" smtClean="0">
                     <a:ln>
                       <a:noFill/>
                     </a:ln>
@@ -9467,8 +10082,6 @@
                     <a:effectLst/>
                     <a:uLnTx/>
                     <a:uFillTx/>
-                    <a:latin typeface="Arial" panose="020B0604020202020204" pitchFamily="34" charset="0"/>
-                    <a:cs typeface="Arial" panose="020B0604020202020204" pitchFamily="34" charset="0"/>
                   </a:rPr>
                   <a:t>less similar </a:t>
                 </a:r>
@@ -9477,7 +10090,7 @@
                     <m:sSup>
                       <m:sSupPr>
                         <m:ctrlPr>
-                          <a:rPr lang="en-US" sz="1800" i="1">
+                          <a:rPr lang="en-US" sz="2000" i="1">
                             <a:solidFill>
                               <a:schemeClr val="tx1"/>
                             </a:solidFill>
@@ -9487,7 +10100,7 @@
                       </m:sSupPr>
                       <m:e>
                         <m:r>
-                          <a:rPr lang="en-US" sz="1800" b="0" i="1" smtClean="0">
+                          <a:rPr lang="en-US" sz="2000" b="0" i="1" smtClean="0">
                             <a:solidFill>
                               <a:schemeClr val="tx1"/>
                             </a:solidFill>
@@ -9496,7 +10109,7 @@
                           <m:t>(</m:t>
                         </m:r>
                         <m:r>
-                          <a:rPr lang="en-US" sz="1800" i="1">
+                          <a:rPr lang="en-US" sz="2000" i="1">
                             <a:solidFill>
                               <a:schemeClr val="tx1"/>
                             </a:solidFill>
@@ -9507,7 +10120,7 @@
                       </m:e>
                       <m:sup>
                         <m:r>
-                          <a:rPr lang="en-US" sz="1800" b="0" i="1" smtClean="0">
+                          <a:rPr lang="en-US" sz="2000" b="0" i="1" smtClean="0">
                             <a:solidFill>
                               <a:schemeClr val="tx1"/>
                             </a:solidFill>
@@ -9518,7 +10131,7 @@
                       </m:sup>
                     </m:sSup>
                     <m:r>
-                      <a:rPr lang="en-US" sz="1800" b="0" i="1" smtClean="0">
+                      <a:rPr lang="en-US" sz="2000" b="0" i="1" smtClean="0">
                         <a:solidFill>
                           <a:schemeClr val="tx1"/>
                         </a:solidFill>
@@ -9528,7 +10141,7 @@
                     </m:r>
                   </m:oMath>
                 </a14:m>
-                <a:endParaRPr kumimoji="0" lang="en-US" altLang="en-US" sz="1800" b="1" i="0" u="none" strike="noStrike" kern="0" cap="none" spc="0" normalizeH="0" baseline="0" noProof="0" dirty="0" smtClean="0">
+                <a:endParaRPr kumimoji="0" lang="en-US" altLang="en-US" sz="2000" b="1" i="0" u="none" strike="noStrike" kern="0" cap="none" spc="0" normalizeH="0" baseline="0" noProof="0" dirty="0" smtClean="0">
                   <a:ln>
                     <a:noFill/>
                   </a:ln>
@@ -9538,8 +10151,6 @@
                   <a:effectLst/>
                   <a:uLnTx/>
                   <a:uFillTx/>
-                  <a:latin typeface="Arial" panose="020B0604020202020204" pitchFamily="34" charset="0"/>
-                  <a:cs typeface="Arial" panose="020B0604020202020204" pitchFamily="34" charset="0"/>
                 </a:endParaRPr>
               </a:p>
             </p:txBody>
@@ -9556,16 +10167,16 @@
             </p:nvSpPr>
             <p:spPr bwMode="auto">
               <a:xfrm>
-                <a:off x="7977724" y="17873943"/>
-                <a:ext cx="1959680" cy="371513"/>
+                <a:off x="7977724" y="18033692"/>
+                <a:ext cx="2152105" cy="402291"/>
               </a:xfrm>
               <a:prstGeom prst="rect">
                 <a:avLst/>
               </a:prstGeom>
               <a:blipFill rotWithShape="0">
-                <a:blip r:embed="rId19"/>
+                <a:blip r:embed="rId17"/>
                 <a:stretch>
-                  <a:fillRect l="-2804" t="-8197" r="-312" b="-24590"/>
+                  <a:fillRect l="-3116" t="-6061" r="-567" b="-27273"/>
                 </a:stretch>
               </a:blipFill>
               <a:ln>
@@ -9625,7 +10236,7 @@
           <p:nvPr/>
         </p:nvPicPr>
         <p:blipFill rotWithShape="1">
-          <a:blip r:embed="rId20">
+          <a:blip r:embed="rId18">
             <a:extLst>
               <a:ext uri="{28A0092B-C50C-407E-A947-70E740481C1C}">
                 <a14:useLocalDpi xmlns:a14="http://schemas.microsoft.com/office/drawing/2010/main" val="0"/>
@@ -9637,7 +10248,7 @@
         </p:blipFill>
         <p:spPr bwMode="auto">
           <a:xfrm>
-            <a:off x="4426569" y="15443254"/>
+            <a:off x="4426569" y="15603003"/>
             <a:ext cx="2342128" cy="2802202"/>
           </a:xfrm>
           <a:prstGeom prst="rect">
@@ -9664,7 +10275,7 @@
           <p:nvPr/>
         </p:nvPicPr>
         <p:blipFill rotWithShape="1">
-          <a:blip r:embed="rId21">
+          <a:blip r:embed="rId19">
             <a:extLst>
               <a:ext uri="{28A0092B-C50C-407E-A947-70E740481C1C}">
                 <a14:useLocalDpi xmlns:a14="http://schemas.microsoft.com/office/drawing/2010/main" val="0"/>
@@ -9676,7 +10287,7 @@
         </p:blipFill>
         <p:spPr bwMode="auto">
           <a:xfrm>
-            <a:off x="1642704" y="15602501"/>
+            <a:off x="1642704" y="15762250"/>
             <a:ext cx="1526591" cy="2155581"/>
           </a:xfrm>
           <a:prstGeom prst="rect">
@@ -9703,7 +10314,7 @@
           <p:nvPr/>
         </p:nvPicPr>
         <p:blipFill rotWithShape="1">
-          <a:blip r:embed="rId22">
+          <a:blip r:embed="rId20">
             <a:extLst>
               <a:ext uri="{28A0092B-C50C-407E-A947-70E740481C1C}">
                 <a14:useLocalDpi xmlns:a14="http://schemas.microsoft.com/office/drawing/2010/main" val="0"/>
@@ -9715,7 +10326,7 @@
         </p:blipFill>
         <p:spPr bwMode="auto">
           <a:xfrm>
-            <a:off x="8025971" y="15518422"/>
+            <a:off x="8025971" y="15678171"/>
             <a:ext cx="1659289" cy="2169840"/>
           </a:xfrm>
           <a:prstGeom prst="rect">
@@ -9735,836 +10346,14 @@
       </p:pic>
       <p:sp>
         <p:nvSpPr>
-          <p:cNvPr id="56" name="Rounded Rectangle 55"/>
-          <p:cNvSpPr/>
-          <p:nvPr/>
-        </p:nvSpPr>
-        <p:spPr>
-          <a:xfrm>
-            <a:off x="1080420" y="21674633"/>
-            <a:ext cx="9721080" cy="4548702"/>
-          </a:xfrm>
-          <a:prstGeom prst="roundRect">
-            <a:avLst/>
-          </a:prstGeom>
-          <a:solidFill>
-            <a:schemeClr val="bg1"/>
-          </a:solidFill>
-          <a:ln w="76200">
-            <a:solidFill>
-              <a:schemeClr val="tx1"/>
-            </a:solidFill>
-          </a:ln>
-        </p:spPr>
-        <p:style>
-          <a:lnRef idx="2">
-            <a:schemeClr val="accent1">
-              <a:shade val="50000"/>
-            </a:schemeClr>
-          </a:lnRef>
-          <a:fillRef idx="1">
-            <a:schemeClr val="accent1"/>
-          </a:fillRef>
-          <a:effectRef idx="0">
-            <a:schemeClr val="accent1"/>
-          </a:effectRef>
-          <a:fontRef idx="minor">
-            <a:schemeClr val="lt1"/>
-          </a:fontRef>
-        </p:style>
-        <p:txBody>
-          <a:bodyPr lIns="83976" tIns="41987" rIns="83976" bIns="41987" rtlCol="1" anchor="t" anchorCtr="0"/>
-          <a:lstStyle/>
-          <a:p>
-            <a:pPr algn="l" rtl="0"/>
-            <a:endParaRPr lang="en-US" sz="3200" dirty="0" smtClean="0">
-              <a:solidFill>
-                <a:schemeClr val="tx1"/>
-              </a:solidFill>
-            </a:endParaRPr>
-          </a:p>
-          <a:p>
-            <a:pPr algn="l" rtl="0"/>
-            <a:endParaRPr lang="en-US" sz="3200" dirty="0">
-              <a:solidFill>
-                <a:schemeClr val="tx1"/>
-              </a:solidFill>
-            </a:endParaRPr>
-          </a:p>
-        </p:txBody>
-      </p:sp>
-      <mc:AlternateContent xmlns:mc="http://schemas.openxmlformats.org/markup-compatibility/2006">
-        <mc:Choice xmlns:a14="http://schemas.microsoft.com/office/drawing/2010/main" Requires="a14">
-          <p:sp>
-            <p:nvSpPr>
-              <p:cNvPr id="57" name="Rectangle 56"/>
-              <p:cNvSpPr/>
-              <p:nvPr/>
-            </p:nvSpPr>
-            <p:spPr>
-              <a:xfrm>
-                <a:off x="1463444" y="22098491"/>
-                <a:ext cx="8849661" cy="3687022"/>
-              </a:xfrm>
-              <a:prstGeom prst="rect">
-                <a:avLst/>
-              </a:prstGeom>
-            </p:spPr>
-            <p:txBody>
-              <a:bodyPr wrap="square" lIns="108000" tIns="54000" rIns="108000" bIns="54000">
-                <a:spAutoFit/>
-              </a:bodyPr>
-              <a:lstStyle/>
-              <a:p>
-                <a:pPr lvl="0" algn="ctr" rtl="0"/>
-                <a:r>
-                  <a:rPr lang="en-US" sz="4400" b="1" dirty="0">
-                    <a:solidFill>
-                      <a:prstClr val="black"/>
-                    </a:solidFill>
-                  </a:rPr>
-                  <a:t>The Learning </a:t>
-                </a:r>
-                <a:r>
-                  <a:rPr lang="en-US" sz="4400" b="1" dirty="0" smtClean="0">
-                    <a:solidFill>
-                      <a:prstClr val="black"/>
-                    </a:solidFill>
-                  </a:rPr>
-                  <a:t>Setup</a:t>
-                </a:r>
-                <a:endParaRPr lang="en-US" sz="3600" dirty="0" smtClean="0">
-                  <a:solidFill>
-                    <a:prstClr val="black"/>
-                  </a:solidFill>
-                </a:endParaRPr>
-              </a:p>
-              <a:p>
-                <a:pPr lvl="0" algn="l" rtl="0"/>
-                <a:r>
-                  <a:rPr lang="en-US" sz="3200" dirty="0" smtClean="0">
-                    <a:solidFill>
-                      <a:prstClr val="black"/>
-                    </a:solidFill>
-                  </a:rPr>
-                  <a:t>We </a:t>
-                </a:r>
-                <a:r>
-                  <a:rPr lang="en-US" sz="3200" dirty="0">
-                    <a:solidFill>
-                      <a:prstClr val="black"/>
-                    </a:solidFill>
-                  </a:rPr>
-                  <a:t>aim to optimize the following objective:</a:t>
-                </a:r>
-                <a:endParaRPr lang="en-US" sz="3200" i="1" dirty="0" smtClean="0">
-                  <a:solidFill>
-                    <a:prstClr val="black"/>
-                  </a:solidFill>
-                  <a:latin typeface="Cambria Math" panose="02040503050406030204" pitchFamily="18" charset="0"/>
-                </a:endParaRPr>
-              </a:p>
-              <a:p>
-                <a:pPr lvl="0" algn="l" rtl="0"/>
-                <a14:m>
-                  <m:oMathPara xmlns:m="http://schemas.openxmlformats.org/officeDocument/2006/math">
-                    <m:oMathParaPr>
-                      <m:jc m:val="centerGroup"/>
-                    </m:oMathParaPr>
-                    <m:oMath xmlns:m="http://schemas.openxmlformats.org/officeDocument/2006/math">
-                      <m:r>
-                        <a:rPr lang="en-US" sz="3200" i="1">
-                          <a:solidFill>
-                            <a:prstClr val="black"/>
-                          </a:solidFill>
-                          <a:latin typeface="Cambria Math" panose="02040503050406030204" pitchFamily="18" charset="0"/>
-                        </a:rPr>
-                        <m:t>𝐿</m:t>
-                      </m:r>
-                      <m:d>
-                        <m:dPr>
-                          <m:ctrlPr>
-                            <a:rPr lang="en-US" sz="3200" i="1">
-                              <a:solidFill>
-                                <a:prstClr val="black"/>
-                              </a:solidFill>
-                              <a:latin typeface="Cambria Math" panose="02040503050406030204" pitchFamily="18" charset="0"/>
-                            </a:rPr>
-                          </m:ctrlPr>
-                        </m:dPr>
-                        <m:e>
-                          <m:r>
-                            <a:rPr lang="en-US" sz="3200" i="1">
-                              <a:solidFill>
-                                <a:prstClr val="black"/>
-                              </a:solidFill>
-                              <a:latin typeface="Cambria Math" panose="02040503050406030204" pitchFamily="18" charset="0"/>
-                            </a:rPr>
-                            <m:t>𝑊</m:t>
-                          </m:r>
-                        </m:e>
-                      </m:d>
-                      <m:r>
-                        <a:rPr lang="en-US" sz="3200" i="1">
-                          <a:solidFill>
-                            <a:prstClr val="black"/>
-                          </a:solidFill>
-                          <a:latin typeface="Cambria Math" panose="02040503050406030204" pitchFamily="18" charset="0"/>
-                        </a:rPr>
-                        <m:t>=</m:t>
-                      </m:r>
-                      <m:func>
-                        <m:funcPr>
-                          <m:ctrlPr>
-                            <a:rPr lang="en-US" sz="3200" i="1">
-                              <a:solidFill>
-                                <a:prstClr val="black"/>
-                              </a:solidFill>
-                              <a:latin typeface="Cambria Math" panose="02040503050406030204" pitchFamily="18" charset="0"/>
-                            </a:rPr>
-                          </m:ctrlPr>
-                        </m:funcPr>
-                        <m:fName>
-                          <m:limLow>
-                            <m:limLowPr>
-                              <m:ctrlPr>
-                                <a:rPr lang="en-US" sz="3200" i="1">
-                                  <a:solidFill>
-                                    <a:prstClr val="black"/>
-                                  </a:solidFill>
-                                  <a:latin typeface="Cambria Math" panose="02040503050406030204" pitchFamily="18" charset="0"/>
-                                </a:rPr>
-                              </m:ctrlPr>
-                            </m:limLowPr>
-                            <m:e>
-                              <m:r>
-                                <m:rPr>
-                                  <m:sty m:val="p"/>
-                                </m:rPr>
-                                <a:rPr lang="en-US" sz="3200">
-                                  <a:solidFill>
-                                    <a:prstClr val="black"/>
-                                  </a:solidFill>
-                                  <a:latin typeface="Cambria Math" panose="02040503050406030204" pitchFamily="18" charset="0"/>
-                                </a:rPr>
-                                <m:t>min</m:t>
-                              </m:r>
-                            </m:e>
-                            <m:lim>
-                              <m:r>
-                                <a:rPr lang="en-US" sz="3200" i="1">
-                                  <a:solidFill>
-                                    <a:prstClr val="black"/>
-                                  </a:solidFill>
-                                  <a:latin typeface="Cambria Math" panose="02040503050406030204" pitchFamily="18" charset="0"/>
-                                </a:rPr>
-                                <m:t>𝑊</m:t>
-                              </m:r>
-                            </m:lim>
-                          </m:limLow>
-                        </m:fName>
-                        <m:e>
-                          <m:nary>
-                            <m:naryPr>
-                              <m:chr m:val="∑"/>
-                              <m:supHide m:val="on"/>
-                              <m:ctrlPr>
-                                <a:rPr lang="en-US" sz="3200" i="1">
-                                  <a:solidFill>
-                                    <a:prstClr val="black"/>
-                                  </a:solidFill>
-                                  <a:latin typeface="Cambria Math" panose="02040503050406030204" pitchFamily="18" charset="0"/>
-                                </a:rPr>
-                              </m:ctrlPr>
-                            </m:naryPr>
-                            <m:sub>
-                              <m:r>
-                                <a:rPr lang="en-US" sz="3200" i="1">
-                                  <a:solidFill>
-                                    <a:prstClr val="black"/>
-                                  </a:solidFill>
-                                  <a:latin typeface="Cambria Math" panose="02040503050406030204" pitchFamily="18" charset="0"/>
-                                </a:rPr>
-                                <m:t>𝑡</m:t>
-                              </m:r>
-                              <m:r>
-                                <a:rPr lang="en-US" sz="3200" i="1">
-                                  <a:solidFill>
-                                    <a:prstClr val="black"/>
-                                  </a:solidFill>
-                                  <a:latin typeface="Cambria Math" panose="02040503050406030204" pitchFamily="18" charset="0"/>
-                                </a:rPr>
-                                <m:t>∈</m:t>
-                              </m:r>
-                              <m:r>
-                                <a:rPr lang="en-US" sz="3200" i="1">
-                                  <a:solidFill>
-                                    <a:prstClr val="black"/>
-                                  </a:solidFill>
-                                  <a:latin typeface="Cambria Math" panose="02040503050406030204" pitchFamily="18" charset="0"/>
-                                </a:rPr>
-                                <m:t>𝒯</m:t>
-                              </m:r>
-                            </m:sub>
-                            <m:sup/>
-                            <m:e>
-                              <m:sSub>
-                                <m:sSubPr>
-                                  <m:ctrlPr>
-                                    <a:rPr lang="en-US" sz="3200" i="1">
-                                      <a:solidFill>
-                                        <a:prstClr val="black"/>
-                                      </a:solidFill>
-                                      <a:latin typeface="Cambria Math" panose="02040503050406030204" pitchFamily="18" charset="0"/>
-                                    </a:rPr>
-                                  </m:ctrlPr>
-                                </m:sSubPr>
-                                <m:e>
-                                  <m:d>
-                                    <m:dPr>
-                                      <m:begChr m:val="["/>
-                                      <m:endChr m:val="]"/>
-                                      <m:ctrlPr>
-                                        <a:rPr lang="en-US" sz="3200" i="1">
-                                          <a:solidFill>
-                                            <a:prstClr val="black"/>
-                                          </a:solidFill>
-                                          <a:latin typeface="Cambria Math" panose="02040503050406030204" pitchFamily="18" charset="0"/>
-                                        </a:rPr>
-                                      </m:ctrlPr>
-                                    </m:dPr>
-                                    <m:e>
-                                      <m:r>
-                                        <a:rPr lang="en-US" sz="3200" i="1">
-                                          <a:solidFill>
-                                            <a:prstClr val="black"/>
-                                          </a:solidFill>
-                                          <a:latin typeface="Cambria Math" panose="02040503050406030204" pitchFamily="18" charset="0"/>
-                                        </a:rPr>
-                                        <m:t>1</m:t>
-                                      </m:r>
-                                      <m:r>
-                                        <a:rPr lang="en-US" sz="3200" i="1">
-                                          <a:solidFill>
-                                            <a:prstClr val="black"/>
-                                          </a:solidFill>
-                                          <a:latin typeface="Cambria Math" panose="02040503050406030204" pitchFamily="18" charset="0"/>
-                                        </a:rPr>
-                                        <m:t>−</m:t>
-                                      </m:r>
-                                      <m:sSub>
-                                        <m:sSubPr>
-                                          <m:ctrlPr>
-                                            <a:rPr lang="en-US" sz="3200" i="1">
-                                              <a:solidFill>
-                                                <a:prstClr val="black"/>
-                                              </a:solidFill>
-                                              <a:latin typeface="Cambria Math" panose="02040503050406030204" pitchFamily="18" charset="0"/>
-                                            </a:rPr>
-                                          </m:ctrlPr>
-                                        </m:sSubPr>
-                                        <m:e>
-                                          <m:r>
-                                            <a:rPr lang="en-US" sz="3200" i="1">
-                                              <a:solidFill>
-                                                <a:prstClr val="black"/>
-                                              </a:solidFill>
-                                              <a:latin typeface="Cambria Math" panose="02040503050406030204" pitchFamily="18" charset="0"/>
-                                            </a:rPr>
-                                            <m:t>𝑞</m:t>
-                                          </m:r>
-                                        </m:e>
-                                        <m:sub>
-                                          <m:r>
-                                            <a:rPr lang="en-US" sz="3200" i="1">
-                                              <a:solidFill>
-                                                <a:prstClr val="black"/>
-                                              </a:solidFill>
-                                              <a:latin typeface="Cambria Math" panose="02040503050406030204" pitchFamily="18" charset="0"/>
-                                            </a:rPr>
-                                            <m:t>𝑡</m:t>
-                                          </m:r>
-                                        </m:sub>
-                                      </m:sSub>
-                                      <m:r>
-                                        <a:rPr lang="en-US" sz="3200" i="1">
-                                          <a:solidFill>
-                                            <a:prstClr val="black"/>
-                                          </a:solidFill>
-                                          <a:latin typeface="Cambria Math" panose="02040503050406030204" pitchFamily="18" charset="0"/>
-                                        </a:rPr>
-                                        <m:t>𝑊</m:t>
-                                      </m:r>
-                                      <m:sSubSup>
-                                        <m:sSubSupPr>
-                                          <m:ctrlPr>
-                                            <a:rPr lang="en-US" sz="3200" i="1">
-                                              <a:solidFill>
-                                                <a:prstClr val="black"/>
-                                              </a:solidFill>
-                                              <a:latin typeface="Cambria Math" panose="02040503050406030204" pitchFamily="18" charset="0"/>
-                                            </a:rPr>
-                                          </m:ctrlPr>
-                                        </m:sSubSupPr>
-                                        <m:e>
-                                          <m:r>
-                                            <a:rPr lang="en-US" sz="3200" i="1">
-                                              <a:solidFill>
-                                                <a:prstClr val="black"/>
-                                              </a:solidFill>
-                                              <a:latin typeface="Cambria Math" panose="02040503050406030204" pitchFamily="18" charset="0"/>
-                                            </a:rPr>
-                                            <m:t>𝑝</m:t>
-                                          </m:r>
-                                        </m:e>
-                                        <m:sub>
-                                          <m:r>
-                                            <a:rPr lang="en-US" sz="3200" i="1">
-                                              <a:solidFill>
-                                                <a:prstClr val="black"/>
-                                              </a:solidFill>
-                                              <a:latin typeface="Cambria Math" panose="02040503050406030204" pitchFamily="18" charset="0"/>
-                                            </a:rPr>
-                                            <m:t>𝑡</m:t>
-                                          </m:r>
-                                        </m:sub>
-                                        <m:sup>
-                                          <m:r>
-                                            <a:rPr lang="en-US" sz="3200" i="1">
-                                              <a:solidFill>
-                                                <a:prstClr val="black"/>
-                                              </a:solidFill>
-                                              <a:latin typeface="Cambria Math" panose="02040503050406030204" pitchFamily="18" charset="0"/>
-                                            </a:rPr>
-                                            <m:t>+</m:t>
-                                          </m:r>
-                                        </m:sup>
-                                      </m:sSubSup>
-                                      <m:r>
-                                        <a:rPr lang="en-US" sz="3200" i="1">
-                                          <a:solidFill>
-                                            <a:prstClr val="black"/>
-                                          </a:solidFill>
-                                          <a:latin typeface="Cambria Math" panose="02040503050406030204" pitchFamily="18" charset="0"/>
-                                        </a:rPr>
-                                        <m:t>+</m:t>
-                                      </m:r>
-                                      <m:sSub>
-                                        <m:sSubPr>
-                                          <m:ctrlPr>
-                                            <a:rPr lang="en-US" sz="3200" i="1">
-                                              <a:solidFill>
-                                                <a:prstClr val="black"/>
-                                              </a:solidFill>
-                                              <a:latin typeface="Cambria Math" panose="02040503050406030204" pitchFamily="18" charset="0"/>
-                                            </a:rPr>
-                                          </m:ctrlPr>
-                                        </m:sSubPr>
-                                        <m:e>
-                                          <m:r>
-                                            <a:rPr lang="en-US" sz="3200" i="1">
-                                              <a:solidFill>
-                                                <a:prstClr val="black"/>
-                                              </a:solidFill>
-                                              <a:latin typeface="Cambria Math" panose="02040503050406030204" pitchFamily="18" charset="0"/>
-                                            </a:rPr>
-                                            <m:t>𝑞</m:t>
-                                          </m:r>
-                                        </m:e>
-                                        <m:sub>
-                                          <m:r>
-                                            <a:rPr lang="en-US" sz="3200" i="1">
-                                              <a:solidFill>
-                                                <a:prstClr val="black"/>
-                                              </a:solidFill>
-                                              <a:latin typeface="Cambria Math" panose="02040503050406030204" pitchFamily="18" charset="0"/>
-                                            </a:rPr>
-                                            <m:t>𝑡</m:t>
-                                          </m:r>
-                                        </m:sub>
-                                      </m:sSub>
-                                      <m:r>
-                                        <a:rPr lang="en-US" sz="3200" i="1">
-                                          <a:solidFill>
-                                            <a:prstClr val="black"/>
-                                          </a:solidFill>
-                                          <a:latin typeface="Cambria Math" panose="02040503050406030204" pitchFamily="18" charset="0"/>
-                                        </a:rPr>
-                                        <m:t>𝑊</m:t>
-                                      </m:r>
-                                      <m:sSubSup>
-                                        <m:sSubSupPr>
-                                          <m:ctrlPr>
-                                            <a:rPr lang="en-US" sz="3200" i="1">
-                                              <a:solidFill>
-                                                <a:prstClr val="black"/>
-                                              </a:solidFill>
-                                              <a:latin typeface="Cambria Math" panose="02040503050406030204" pitchFamily="18" charset="0"/>
-                                            </a:rPr>
-                                          </m:ctrlPr>
-                                        </m:sSubSupPr>
-                                        <m:e>
-                                          <m:r>
-                                            <a:rPr lang="en-US" sz="3200" i="1">
-                                              <a:solidFill>
-                                                <a:prstClr val="black"/>
-                                              </a:solidFill>
-                                              <a:latin typeface="Cambria Math" panose="02040503050406030204" pitchFamily="18" charset="0"/>
-                                            </a:rPr>
-                                            <m:t>𝑝</m:t>
-                                          </m:r>
-                                        </m:e>
-                                        <m:sub>
-                                          <m:r>
-                                            <a:rPr lang="en-US" sz="3200" i="1">
-                                              <a:solidFill>
-                                                <a:prstClr val="black"/>
-                                              </a:solidFill>
-                                              <a:latin typeface="Cambria Math" panose="02040503050406030204" pitchFamily="18" charset="0"/>
-                                            </a:rPr>
-                                            <m:t>𝑡</m:t>
-                                          </m:r>
-                                        </m:sub>
-                                        <m:sup>
-                                          <m:r>
-                                            <a:rPr lang="en-US" sz="3200" i="1">
-                                              <a:solidFill>
-                                                <a:prstClr val="black"/>
-                                              </a:solidFill>
-                                              <a:latin typeface="Cambria Math" panose="02040503050406030204" pitchFamily="18" charset="0"/>
-                                            </a:rPr>
-                                            <m:t>−</m:t>
-                                          </m:r>
-                                        </m:sup>
-                                      </m:sSubSup>
-                                    </m:e>
-                                  </m:d>
-                                </m:e>
-                                <m:sub>
-                                  <m:r>
-                                    <a:rPr lang="en-US" sz="3200" i="1">
-                                      <a:solidFill>
-                                        <a:prstClr val="black"/>
-                                      </a:solidFill>
-                                      <a:latin typeface="Cambria Math" panose="02040503050406030204" pitchFamily="18" charset="0"/>
-                                    </a:rPr>
-                                    <m:t>+</m:t>
-                                  </m:r>
-                                </m:sub>
-                              </m:sSub>
-                            </m:e>
-                          </m:nary>
-                        </m:e>
-                      </m:func>
-                    </m:oMath>
-                  </m:oMathPara>
-                </a14:m>
-                <a:endParaRPr lang="en-US" sz="3200" i="1" dirty="0">
-                  <a:solidFill>
-                    <a:prstClr val="black"/>
-                  </a:solidFill>
-                </a:endParaRPr>
-              </a:p>
-              <a:p>
-                <a:pPr lvl="0" algn="ctr" rtl="0"/>
-                <a14:m>
-                  <m:oMath xmlns:m="http://schemas.openxmlformats.org/officeDocument/2006/math">
-                    <m:r>
-                      <a:rPr lang="en-US" sz="3200" i="1">
-                        <a:solidFill>
-                          <a:prstClr val="black"/>
-                        </a:solidFill>
-                        <a:latin typeface="Cambria Math" panose="02040503050406030204" pitchFamily="18" charset="0"/>
-                      </a:rPr>
-                      <m:t>−</m:t>
-                    </m:r>
-                    <m:r>
-                      <a:rPr lang="en-US" sz="3200" i="1">
-                        <a:solidFill>
-                          <a:prstClr val="black"/>
-                        </a:solidFill>
-                        <a:latin typeface="Cambria Math" panose="02040503050406030204" pitchFamily="18" charset="0"/>
-                      </a:rPr>
-                      <m:t>𝛼</m:t>
-                    </m:r>
-                    <m:func>
-                      <m:funcPr>
-                        <m:ctrlPr>
-                          <a:rPr lang="en-US" sz="3200" i="1">
-                            <a:solidFill>
-                              <a:prstClr val="black"/>
-                            </a:solidFill>
-                            <a:latin typeface="Cambria Math" panose="02040503050406030204" pitchFamily="18" charset="0"/>
-                          </a:rPr>
-                        </m:ctrlPr>
-                      </m:funcPr>
-                      <m:fName>
-                        <m:r>
-                          <m:rPr>
-                            <m:sty m:val="p"/>
-                          </m:rPr>
-                          <a:rPr lang="en-US" sz="3200">
-                            <a:solidFill>
-                              <a:prstClr val="black"/>
-                            </a:solidFill>
-                            <a:latin typeface="Cambria Math" panose="02040503050406030204" pitchFamily="18" charset="0"/>
-                          </a:rPr>
-                          <m:t>log</m:t>
-                        </m:r>
-                      </m:fName>
-                      <m:e>
-                        <m:func>
-                          <m:funcPr>
-                            <m:ctrlPr>
-                              <a:rPr lang="en-US" sz="3200" i="1">
-                                <a:solidFill>
-                                  <a:prstClr val="black"/>
-                                </a:solidFill>
-                                <a:latin typeface="Cambria Math" panose="02040503050406030204" pitchFamily="18" charset="0"/>
-                              </a:rPr>
-                            </m:ctrlPr>
-                          </m:funcPr>
-                          <m:fName>
-                            <m:r>
-                              <m:rPr>
-                                <m:sty m:val="p"/>
-                              </m:rPr>
-                              <a:rPr lang="en-US" sz="3200">
-                                <a:solidFill>
-                                  <a:prstClr val="black"/>
-                                </a:solidFill>
-                                <a:latin typeface="Cambria Math" panose="02040503050406030204" pitchFamily="18" charset="0"/>
-                              </a:rPr>
-                              <m:t>det</m:t>
-                            </m:r>
-                          </m:fName>
-                          <m:e>
-                            <m:r>
-                              <a:rPr lang="en-US" sz="3200" i="1">
-                                <a:solidFill>
-                                  <a:prstClr val="black"/>
-                                </a:solidFill>
-                                <a:latin typeface="Cambria Math" panose="02040503050406030204" pitchFamily="18" charset="0"/>
-                              </a:rPr>
-                              <m:t>𝑊</m:t>
-                            </m:r>
-                          </m:e>
-                        </m:func>
-                      </m:e>
-                    </m:func>
-                    <m:r>
-                      <a:rPr lang="en-US" sz="3200" i="1">
-                        <a:solidFill>
-                          <a:prstClr val="black"/>
-                        </a:solidFill>
-                        <a:latin typeface="Cambria Math" panose="02040503050406030204" pitchFamily="18" charset="0"/>
-                      </a:rPr>
-                      <m:t>+</m:t>
-                    </m:r>
-                    <m:f>
-                      <m:fPr>
-                        <m:ctrlPr>
-                          <a:rPr lang="en-US" sz="3200" i="1">
-                            <a:solidFill>
-                              <a:prstClr val="black"/>
-                            </a:solidFill>
-                            <a:latin typeface="Cambria Math" panose="02040503050406030204" pitchFamily="18" charset="0"/>
-                          </a:rPr>
-                        </m:ctrlPr>
-                      </m:fPr>
-                      <m:num>
-                        <m:r>
-                          <a:rPr lang="en-US" sz="3200" i="1">
-                            <a:solidFill>
-                              <a:prstClr val="black"/>
-                            </a:solidFill>
-                            <a:latin typeface="Cambria Math" panose="02040503050406030204" pitchFamily="18" charset="0"/>
-                          </a:rPr>
-                          <m:t>𝛽</m:t>
-                        </m:r>
-                      </m:num>
-                      <m:den>
-                        <m:r>
-                          <a:rPr lang="en-US" sz="3200" i="1">
-                            <a:solidFill>
-                              <a:prstClr val="black"/>
-                            </a:solidFill>
-                            <a:latin typeface="Cambria Math" panose="02040503050406030204" pitchFamily="18" charset="0"/>
-                          </a:rPr>
-                          <m:t>2</m:t>
-                        </m:r>
-                      </m:den>
-                    </m:f>
-                    <m:r>
-                      <a:rPr lang="en-US" sz="3200" i="1">
-                        <a:solidFill>
-                          <a:prstClr val="black"/>
-                        </a:solidFill>
-                        <a:latin typeface="Cambria Math" panose="02040503050406030204" pitchFamily="18" charset="0"/>
-                      </a:rPr>
-                      <m:t> </m:t>
-                    </m:r>
-                    <m:sSubSup>
-                      <m:sSubSupPr>
-                        <m:ctrlPr>
-                          <a:rPr lang="en-US" sz="3200" i="1">
-                            <a:solidFill>
-                              <a:prstClr val="black"/>
-                            </a:solidFill>
-                            <a:latin typeface="Cambria Math" panose="02040503050406030204" pitchFamily="18" charset="0"/>
-                          </a:rPr>
-                        </m:ctrlPr>
-                      </m:sSubSupPr>
-                      <m:e>
-                        <m:d>
-                          <m:dPr>
-                            <m:begChr m:val="‖"/>
-                            <m:endChr m:val="‖"/>
-                            <m:ctrlPr>
-                              <a:rPr lang="en-US" sz="3200" i="1">
-                                <a:solidFill>
-                                  <a:prstClr val="black"/>
-                                </a:solidFill>
-                                <a:latin typeface="Cambria Math" panose="02040503050406030204" pitchFamily="18" charset="0"/>
-                              </a:rPr>
-                            </m:ctrlPr>
-                          </m:dPr>
-                          <m:e>
-                            <m:r>
-                              <a:rPr lang="en-US" sz="3200" i="1">
-                                <a:solidFill>
-                                  <a:prstClr val="black"/>
-                                </a:solidFill>
-                                <a:latin typeface="Cambria Math" panose="02040503050406030204" pitchFamily="18" charset="0"/>
-                              </a:rPr>
-                              <m:t>𝑊</m:t>
-                            </m:r>
-                          </m:e>
-                        </m:d>
-                      </m:e>
-                      <m:sub>
-                        <m:r>
-                          <a:rPr lang="en-US" sz="3200" i="1">
-                            <a:solidFill>
-                              <a:prstClr val="black"/>
-                            </a:solidFill>
-                            <a:latin typeface="Cambria Math" panose="02040503050406030204" pitchFamily="18" charset="0"/>
-                          </a:rPr>
-                          <m:t>𝐹</m:t>
-                        </m:r>
-                      </m:sub>
-                      <m:sup>
-                        <m:r>
-                          <a:rPr lang="en-US" sz="3200" i="1">
-                            <a:solidFill>
-                              <a:prstClr val="black"/>
-                            </a:solidFill>
-                            <a:latin typeface="Cambria Math" panose="02040503050406030204" pitchFamily="18" charset="0"/>
-                          </a:rPr>
-                          <m:t>2</m:t>
-                        </m:r>
-                      </m:sup>
-                    </m:sSubSup>
-                  </m:oMath>
-                </a14:m>
-                <a:r>
-                  <a:rPr lang="en-US" sz="3200" dirty="0">
-                    <a:solidFill>
-                      <a:prstClr val="black"/>
-                    </a:solidFill>
-                  </a:rPr>
-                  <a:t>, </a:t>
-                </a:r>
-                <a:endParaRPr lang="en-US" sz="3200" dirty="0" smtClean="0">
-                  <a:solidFill>
-                    <a:prstClr val="black"/>
-                  </a:solidFill>
-                </a:endParaRPr>
-              </a:p>
-              <a:p>
-                <a:pPr lvl="0" algn="l" rtl="0"/>
-                <a:r>
-                  <a:rPr lang="en-US" sz="3200" dirty="0" smtClean="0">
-                    <a:solidFill>
-                      <a:prstClr val="black"/>
-                    </a:solidFill>
-                  </a:rPr>
-                  <a:t>with </a:t>
-                </a:r>
-                <a:r>
-                  <a:rPr lang="en-US" sz="3200" dirty="0">
-                    <a:solidFill>
-                      <a:prstClr val="black"/>
-                    </a:solidFill>
-                  </a:rPr>
-                  <a:t>gradient steps inside the PD cone</a:t>
-                </a:r>
-                <a:r>
-                  <a:rPr lang="en-US" sz="3200" dirty="0" smtClean="0">
-                    <a:solidFill>
-                      <a:prstClr val="black"/>
-                    </a:solidFill>
-                  </a:rPr>
-                  <a:t>.</a:t>
-                </a:r>
-                <a:endParaRPr lang="en-US" sz="3200" dirty="0">
-                  <a:solidFill>
-                    <a:prstClr val="black"/>
-                  </a:solidFill>
-                </a:endParaRPr>
-              </a:p>
-            </p:txBody>
-          </p:sp>
-        </mc:Choice>
-        <mc:Fallback>
-          <p:sp>
-            <p:nvSpPr>
-              <p:cNvPr id="57" name="Rectangle 56"/>
-              <p:cNvSpPr>
-                <a:spLocks noRot="1" noChangeAspect="1" noMove="1" noResize="1" noEditPoints="1" noAdjustHandles="1" noChangeArrowheads="1" noChangeShapeType="1" noTextEdit="1"/>
-              </p:cNvSpPr>
-              <p:nvPr/>
-            </p:nvSpPr>
-            <p:spPr>
-              <a:xfrm>
-                <a:off x="1463444" y="22098491"/>
-                <a:ext cx="8849661" cy="3687022"/>
-              </a:xfrm>
-              <a:prstGeom prst="rect">
-                <a:avLst/>
-              </a:prstGeom>
-              <a:blipFill rotWithShape="0">
-                <a:blip r:embed="rId23"/>
-                <a:stretch>
-                  <a:fillRect l="-1584" t="-3140" b="-4298"/>
-                </a:stretch>
-              </a:blipFill>
-            </p:spPr>
-            <p:txBody>
-              <a:bodyPr/>
-              <a:lstStyle/>
-              <a:p>
-                <a:r>
-                  <a:rPr lang="en-US">
-                    <a:noFill/>
-                  </a:rPr>
-                  <a:t> </a:t>
-                </a:r>
-              </a:p>
-            </p:txBody>
-          </p:sp>
-        </mc:Fallback>
-      </mc:AlternateContent>
-      <p:sp>
-        <p:nvSpPr>
           <p:cNvPr id="59" name="Rounded Rectangle 58"/>
           <p:cNvSpPr/>
           <p:nvPr/>
         </p:nvSpPr>
         <p:spPr>
           <a:xfrm>
-            <a:off x="1080420" y="26733106"/>
-            <a:ext cx="9715300" cy="5222937"/>
+            <a:off x="1080420" y="25785958"/>
+            <a:ext cx="9715300" cy="6170086"/>
           </a:xfrm>
           <a:prstGeom prst="roundRect">
             <a:avLst/>
@@ -10623,8 +10412,8 @@
         </p:nvSpPr>
         <p:spPr>
           <a:xfrm>
-            <a:off x="1463443" y="27928141"/>
-            <a:ext cx="4851213" cy="3063710"/>
+            <a:off x="1463443" y="27075233"/>
+            <a:ext cx="4851213" cy="2571267"/>
           </a:xfrm>
           <a:prstGeom prst="rect">
             <a:avLst/>
@@ -10639,7 +10428,15 @@
             <a:pPr algn="l" rtl="0"/>
             <a:r>
               <a:rPr lang="en-US" sz="3200" dirty="0"/>
-              <a:t>COMET operates by updating the learned matrix one column and row at a time, thus updating the terms relating to one feature at each iteration. </a:t>
+              <a:t>COMET operates by updating the learned matrix one column and row at a time, thus </a:t>
+            </a:r>
+            <a:r>
+              <a:rPr lang="en-US" sz="3200" dirty="0" smtClean="0"/>
+              <a:t>relating </a:t>
+            </a:r>
+            <a:r>
+              <a:rPr lang="en-US" sz="3200" dirty="0"/>
+              <a:t>to one feature at each iteration. </a:t>
             </a:r>
             <a:endParaRPr lang="en-US" sz="3200" b="1" dirty="0"/>
           </a:p>
@@ -10654,7 +10451,7 @@
           <p:nvPr/>
         </p:nvPicPr>
         <p:blipFill>
-          <a:blip r:embed="rId24"/>
+          <a:blip r:embed="rId21"/>
           <a:stretch>
             <a:fillRect/>
           </a:stretch>
@@ -10669,8 +10466,8 @@
           </a:prstGeom>
         </p:spPr>
       </p:pic>
-      <mc:AlternateContent xmlns:mc="http://schemas.openxmlformats.org/markup-compatibility/2006">
-        <mc:Choice xmlns:a14="http://schemas.microsoft.com/office/drawing/2010/main" Requires="a14">
+      <mc:AlternateContent xmlns:mc="http://schemas.openxmlformats.org/markup-compatibility/2006" xmlns:a14="http://schemas.microsoft.com/office/drawing/2010/main">
+        <mc:Choice Requires="a14">
           <p:sp>
             <p:nvSpPr>
               <p:cNvPr id="69" name="Rectangle 68"/>
@@ -11150,7 +10947,7 @@
             </p:txBody>
           </p:sp>
         </mc:Choice>
-        <mc:Fallback>
+        <mc:Fallback xmlns="">
           <p:sp>
             <p:nvSpPr>
               <p:cNvPr id="69" name="Rectangle 68"/>
@@ -11251,7 +11048,7 @@
             </p:nvSpPr>
             <p:spPr>
               <a:xfrm>
-                <a:off x="12083855" y="4970774"/>
+                <a:off x="12083855" y="5175883"/>
                 <a:ext cx="8334741" cy="7343856"/>
               </a:xfrm>
               <a:prstGeom prst="rect">
@@ -11291,7 +11088,31 @@
                 </a:r>
                 <a:r>
                   <a:rPr lang="en-US" sz="3200" dirty="0" smtClean="0"/>
-                  <a:t> complement to efficiently calculate an exact bound over the step size that guarantees that the model takes steps inside the PD cone:</a:t>
+                  <a:t> complement to </a:t>
+                </a:r>
+                <a:r>
+                  <a:rPr lang="en-US" sz="3200" dirty="0" smtClean="0"/>
+                  <a:t>calculate a bound </a:t>
+                </a:r>
+                <a:r>
+                  <a:rPr lang="en-US" sz="3200" dirty="0" smtClean="0"/>
+                  <a:t>over the step </a:t>
+                </a:r>
+                <a:r>
+                  <a:rPr lang="en-US" sz="3200" dirty="0" smtClean="0"/>
+                  <a:t>size. It guarantees </a:t>
+                </a:r>
+                <a:r>
+                  <a:rPr lang="en-US" sz="3200" dirty="0" smtClean="0"/>
+                  <a:t>that the </a:t>
+                </a:r>
+                <a:r>
+                  <a:rPr lang="en-US" sz="3200" dirty="0" smtClean="0"/>
+                  <a:t>steps reside  </a:t>
+                </a:r>
+                <a:r>
+                  <a:rPr lang="en-US" sz="3200" dirty="0" smtClean="0"/>
+                  <a:t>inside the PD cone:</a:t>
                 </a:r>
               </a:p>
               <a:p>
@@ -11949,7 +11770,7 @@
             </p:nvSpPr>
             <p:spPr>
               <a:xfrm>
-                <a:off x="12083855" y="4970774"/>
+                <a:off x="12083855" y="5175883"/>
                 <a:ext cx="8334741" cy="7343856"/>
               </a:xfrm>
               <a:prstGeom prst="rect">
@@ -11958,7 +11779,7 @@
               <a:blipFill rotWithShape="0">
                 <a:blip r:embed="rId26"/>
                 <a:stretch>
-                  <a:fillRect l="-1681" t="-1577" b="-1743"/>
+                  <a:fillRect l="-1681" t="-1577" b="-1660"/>
                 </a:stretch>
               </a:blipFill>
             </p:spPr>
@@ -12039,7 +11860,7 @@
             </p:nvSpPr>
             <p:spPr>
               <a:xfrm>
-                <a:off x="12083855" y="14041785"/>
+                <a:off x="12083855" y="14150783"/>
                 <a:ext cx="8849661" cy="2771322"/>
               </a:xfrm>
               <a:prstGeom prst="rect">
@@ -12096,16 +11917,6 @@
                         <a:latin typeface="Cambria Math" panose="02040503050406030204" pitchFamily="18" charset="0"/>
                         <a:ea typeface="Cambria Math" panose="02040503050406030204" pitchFamily="18" charset="0"/>
                       </a:rPr>
-                      <m:t>∙</m:t>
-                    </m:r>
-                    <m:r>
-                      <a:rPr lang="en-US" sz="3200" i="1">
-                        <a:solidFill>
-                          <a:prstClr val="black"/>
-                        </a:solidFill>
-                        <a:latin typeface="Cambria Math" panose="02040503050406030204" pitchFamily="18" charset="0"/>
-                        <a:ea typeface="Cambria Math" panose="02040503050406030204" pitchFamily="18" charset="0"/>
-                      </a:rPr>
                       <m:t>𝑑</m:t>
                     </m:r>
                   </m:oMath>
@@ -12149,7 +11960,7 @@
             </p:nvSpPr>
             <p:spPr>
               <a:xfrm>
-                <a:off x="12083855" y="14041785"/>
+                <a:off x="12083855" y="14150783"/>
                 <a:ext cx="8849661" cy="2771322"/>
               </a:xfrm>
               <a:prstGeom prst="rect">
@@ -12237,7 +12048,7 @@
         </p:nvSpPr>
         <p:spPr>
           <a:xfrm>
-            <a:off x="12072515" y="17775578"/>
+            <a:off x="12072515" y="17941653"/>
             <a:ext cx="8849661" cy="4741092"/>
           </a:xfrm>
           <a:prstGeom prst="rect">
@@ -12381,7 +12192,7 @@
             </p:nvSpPr>
             <p:spPr bwMode="auto">
               <a:xfrm>
-                <a:off x="12083856" y="22088818"/>
+                <a:off x="12083856" y="22178689"/>
                 <a:ext cx="3258156" cy="1818063"/>
               </a:xfrm>
               <a:prstGeom prst="rect">
@@ -12807,7 +12618,7 @@
             </p:nvSpPr>
             <p:spPr bwMode="auto">
               <a:xfrm>
-                <a:off x="12083856" y="22088818"/>
+                <a:off x="12083856" y="22178689"/>
                 <a:ext cx="3258156" cy="1818063"/>
               </a:xfrm>
               <a:prstGeom prst="rect">
@@ -12816,7 +12627,7 @@
               <a:blipFill rotWithShape="0">
                 <a:blip r:embed="rId29"/>
                 <a:stretch>
-                  <a:fillRect l="-935" t="-669" r="-748" b="-3344"/>
+                  <a:fillRect l="-935" t="-1007" r="-748" b="-3356"/>
                 </a:stretch>
               </a:blipFill>
               <a:ln>
@@ -12899,8 +12710,8 @@
           </a:extLst>
         </p:spPr>
       </p:pic>
-      <mc:AlternateContent xmlns:mc="http://schemas.openxmlformats.org/markup-compatibility/2006">
-        <mc:Choice xmlns:a14="http://schemas.microsoft.com/office/drawing/2010/main" Requires="a14">
+      <mc:AlternateContent xmlns:mc="http://schemas.openxmlformats.org/markup-compatibility/2006" xmlns:a14="http://schemas.microsoft.com/office/drawing/2010/main">
+        <mc:Choice Requires="a14">
           <p:sp>
             <p:nvSpPr>
               <p:cNvPr id="74" name="Rectangle 73"/>
@@ -13276,7 +13087,7 @@
             </p:txBody>
           </p:sp>
         </mc:Choice>
-        <mc:Fallback>
+        <mc:Fallback xmlns="">
           <p:sp>
             <p:nvSpPr>
               <p:cNvPr id="74" name="Rectangle 73"/>
@@ -13375,8 +13186,8 @@
         </p:nvSpPr>
         <p:spPr>
           <a:xfrm>
-            <a:off x="22510308" y="18675824"/>
-            <a:ext cx="8849661" cy="2940599"/>
+            <a:off x="22510308" y="18835078"/>
+            <a:ext cx="8849661" cy="2263491"/>
           </a:xfrm>
           <a:prstGeom prst="rect">
             <a:avLst/>
@@ -13395,7 +13206,15 @@
                   <a:prstClr val="black"/>
                 </a:solidFill>
               </a:rPr>
-              <a:t>Experiments and Computational Complexity</a:t>
+              <a:t>Computational </a:t>
+            </a:r>
+            <a:r>
+              <a:rPr lang="en-US" sz="4400" b="1" dirty="0" smtClean="0">
+                <a:solidFill>
+                  <a:prstClr val="black"/>
+                </a:solidFill>
+              </a:rPr>
+              <a:t>Complexity</a:t>
             </a:r>
             <a:endParaRPr lang="en-US" sz="3600" dirty="0" smtClean="0">
               <a:solidFill>
@@ -13407,11 +13226,11 @@
             <a:pPr algn="l" rtl="0"/>
             <a:r>
               <a:rPr lang="en-US" sz="3200" dirty="0" smtClean="0"/>
-              <a:t>On </a:t>
+              <a:t>We </a:t>
             </a:r>
             <a:r>
               <a:rPr lang="en-US" sz="3200" dirty="0"/>
-              <a:t>the experiments, we compared COMET with approaches that avoid repeated projections to the PD cone and  to the Euclidean metric baseline.</a:t>
+              <a:t>compared COMET with approaches that avoid repeated projections to the PD cone and  to the Euclidean metric baseline.</a:t>
             </a:r>
           </a:p>
         </p:txBody>
@@ -13432,7 +13251,7 @@
         </p:blipFill>
         <p:spPr>
           <a:xfrm>
-            <a:off x="22499713" y="21827675"/>
+            <a:off x="22524711" y="21187214"/>
             <a:ext cx="8696885" cy="1326930"/>
           </a:xfrm>
           <a:prstGeom prst="rect">
@@ -13448,7 +13267,7 @@
         </p:nvSpPr>
         <p:spPr>
           <a:xfrm>
-            <a:off x="22395559" y="24128830"/>
+            <a:off x="22395559" y="24270519"/>
             <a:ext cx="8849661" cy="3740818"/>
           </a:xfrm>
           <a:prstGeom prst="rect">
@@ -13498,7 +13317,7 @@
             <p:spPr bwMode="auto">
               <a:xfrm>
                 <a:off x="22343838" y="30310146"/>
-                <a:ext cx="8964410" cy="586957"/>
+                <a:ext cx="8964410" cy="1202510"/>
               </a:xfrm>
               <a:prstGeom prst="rect">
                 <a:avLst/>
@@ -13864,13 +13683,13 @@
                   </a:spcBef>
                 </a:pPr>
                 <a:r>
-                  <a:rPr lang="en-US" altLang="en-US" sz="1600" dirty="0" smtClean="0"/>
+                  <a:rPr lang="en-US" altLang="en-US" sz="2400" dirty="0" smtClean="0"/>
                   <a:t>Runtimes, minutes. </a:t>
                 </a:r>
                 <a14:m>
                   <m:oMath xmlns:m="http://schemas.openxmlformats.org/officeDocument/2006/math">
                     <m:r>
-                      <a:rPr lang="en-US" sz="1600" i="1" smtClean="0">
+                      <a:rPr lang="en-US" sz="2400" i="1" smtClean="0">
                         <a:latin typeface="Cambria Math" panose="02040503050406030204" pitchFamily="18" charset="0"/>
                         <a:ea typeface="Cambria Math" panose="02040503050406030204" pitchFamily="18" charset="0"/>
                       </a:rPr>
@@ -13879,21 +13698,21 @@
                   </m:oMath>
                 </a14:m>
                 <a:r>
-                  <a:rPr lang="en-US" altLang="en-US" sz="1600" dirty="0"/>
+                  <a:rPr lang="en-US" altLang="en-US" sz="2400" dirty="0"/>
                   <a:t> denotes the standard deviation. For </a:t>
                 </a:r>
                 <a:r>
-                  <a:rPr lang="en-US" altLang="en-US" sz="1600" dirty="0" smtClean="0"/>
+                  <a:rPr lang="en-US" altLang="en-US" sz="2400" dirty="0" smtClean="0"/>
                   <a:t>sparse COMET</a:t>
                 </a:r>
                 <a:r>
-                  <a:rPr lang="en-US" altLang="en-US" sz="1600" dirty="0"/>
+                  <a:rPr lang="en-US" altLang="en-US" sz="2400" dirty="0"/>
                   <a:t>, we  selected </a:t>
                 </a:r>
                 <a14:m>
                   <m:oMath xmlns:m="http://schemas.openxmlformats.org/officeDocument/2006/math">
                     <m:r>
-                      <a:rPr lang="en-US" sz="1600" b="0" i="1" smtClean="0">
+                      <a:rPr lang="en-US" sz="2400" b="0" i="1" smtClean="0">
                         <a:latin typeface="Cambria Math" panose="02040503050406030204" pitchFamily="18" charset="0"/>
                       </a:rPr>
                       <m:t>𝜌</m:t>
@@ -13901,14 +13720,14 @@
                   </m:oMath>
                 </a14:m>
                 <a:r>
-                  <a:rPr lang="en-US" altLang="en-US" sz="1600" dirty="0" smtClean="0"/>
+                  <a:rPr lang="en-US" altLang="en-US" sz="2400" dirty="0" smtClean="0"/>
                   <a:t> </a:t>
                 </a:r>
                 <a:r>
-                  <a:rPr lang="en-US" altLang="en-US" sz="1600" dirty="0"/>
+                  <a:rPr lang="en-US" altLang="en-US" sz="2400" dirty="0"/>
                   <a:t>values to illustrate the performance gain. </a:t>
                 </a:r>
-                <a:endParaRPr lang="en-AU" altLang="en-US" sz="1600" i="1" dirty="0"/>
+                <a:endParaRPr lang="en-AU" altLang="en-US" sz="2400" i="1" dirty="0"/>
               </a:p>
             </p:txBody>
           </p:sp>
@@ -13925,7 +13744,7 @@
             <p:spPr bwMode="auto">
               <a:xfrm>
                 <a:off x="22343838" y="30310146"/>
-                <a:ext cx="8964410" cy="586957"/>
+                <a:ext cx="8964410" cy="1202510"/>
               </a:xfrm>
               <a:prstGeom prst="rect">
                 <a:avLst/>
@@ -13933,7 +13752,7 @@
               <a:blipFill rotWithShape="0">
                 <a:blip r:embed="rId33"/>
                 <a:stretch>
-                  <a:fillRect l="-340" t="-3125" r="-68" b="-12500"/>
+                  <a:fillRect l="-1020" t="-3553" b="-11168"/>
                 </a:stretch>
               </a:blipFill>
               <a:ln>
@@ -13965,7 +13784,7 @@
         </p:nvSpPr>
         <p:spPr>
           <a:xfrm>
-            <a:off x="32930607" y="4980962"/>
+            <a:off x="32961713" y="5159075"/>
             <a:ext cx="8849661" cy="1463272"/>
           </a:xfrm>
           <a:prstGeom prst="rect">
@@ -13980,16 +13799,12 @@
           <a:p>
             <a:pPr algn="ctr" rtl="0"/>
             <a:r>
+              <a:rPr lang="en-US" sz="4400" b="1" dirty="0" smtClean="0"/>
+              <a:t>COMET </a:t>
+            </a:r>
+            <a:r>
               <a:rPr lang="en-US" sz="4400" b="1" dirty="0"/>
-              <a:t>d/</a:t>
-            </a:r>
-            <a:r>
-              <a:rPr lang="en-US" sz="4400" b="1" dirty="0" err="1"/>
-              <a:t>spCOMET</a:t>
-            </a:r>
-            <a:r>
-              <a:rPr lang="en-US" sz="4400" b="1" dirty="0"/>
-              <a:t> achieves better precision in every dataset tested</a:t>
+              <a:t>achieves better precision in every dataset tested</a:t>
             </a:r>
             <a:r>
               <a:rPr lang="en-US" sz="4400" b="1" dirty="0" smtClean="0"/>
@@ -14007,7 +13822,7 @@
         </p:nvSpPr>
         <p:spPr>
           <a:xfrm>
-            <a:off x="32896973" y="14344283"/>
+            <a:off x="32896973" y="15042462"/>
             <a:ext cx="8849661" cy="1740270"/>
           </a:xfrm>
           <a:prstGeom prst="rect">
@@ -14044,7 +13859,7 @@
         </p:nvSpPr>
         <p:spPr>
           <a:xfrm>
-            <a:off x="33152316" y="22682745"/>
+            <a:off x="33152316" y="24920918"/>
             <a:ext cx="8849661" cy="786163"/>
           </a:xfrm>
           <a:prstGeom prst="rect">
@@ -14060,12 +13875,53 @@
             <a:pPr algn="ctr" rtl="0"/>
             <a:r>
               <a:rPr lang="en-US" sz="4400" b="1" dirty="0" smtClean="0"/>
-              <a:t>Extracted Features</a:t>
+              <a:t>Informative features are non-zeros</a:t>
             </a:r>
             <a:endParaRPr lang="en-US" sz="1800" b="1" dirty="0"/>
           </a:p>
         </p:txBody>
       </p:sp>
+      <p:pic>
+        <p:nvPicPr>
+          <p:cNvPr id="2" name="Picture 2" descr="http://www.natcom.org/uploadedImages/More_Scholarly_Resources/Doctoral_Program_Resource_Guide/NYU%20Logo.jpg"/>
+          <p:cNvPicPr>
+            <a:picLocks noChangeAspect="1" noChangeArrowheads="1"/>
+          </p:cNvPicPr>
+          <p:nvPr/>
+        </p:nvPicPr>
+        <p:blipFill>
+          <a:blip r:embed="rId34">
+            <a:extLst>
+              <a:ext uri="{28A0092B-C50C-407E-A947-70E740481C1C}">
+                <a14:useLocalDpi xmlns:a14="http://schemas.microsoft.com/office/drawing/2010/main" val="0"/>
+              </a:ext>
+            </a:extLst>
+          </a:blip>
+          <a:srcRect/>
+          <a:stretch>
+            <a:fillRect/>
+          </a:stretch>
+        </p:blipFill>
+        <p:spPr bwMode="auto">
+          <a:xfrm>
+            <a:off x="39388676" y="910858"/>
+            <a:ext cx="3018839" cy="3018840"/>
+          </a:xfrm>
+          <a:prstGeom prst="rect">
+            <a:avLst/>
+          </a:prstGeom>
+          <a:noFill/>
+          <a:extLst>
+            <a:ext uri="{909E8E84-426E-40DD-AFC4-6F175D3DCCD1}">
+              <a14:hiddenFill xmlns:a14="http://schemas.microsoft.com/office/drawing/2010/main">
+                <a:solidFill>
+                  <a:srgbClr val="FFFFFF"/>
+                </a:solidFill>
+              </a14:hiddenFill>
+            </a:ext>
+          </a:extLst>
+        </p:spPr>
+      </p:pic>
     </p:spTree>
   </p:cSld>
   <p:clrMapOvr>

--- a/COMET_poster.pptx
+++ b/COMET_poster.pptx
@@ -3590,8 +3590,8 @@
           </a:p>
         </p:txBody>
       </p:sp>
-      <mc:AlternateContent xmlns:mc="http://schemas.openxmlformats.org/markup-compatibility/2006">
-        <mc:Choice xmlns:a14="http://schemas.microsoft.com/office/drawing/2010/main" Requires="a14">
+      <mc:AlternateContent xmlns:mc="http://schemas.openxmlformats.org/markup-compatibility/2006" xmlns:a14="http://schemas.microsoft.com/office/drawing/2010/main">
+        <mc:Choice Requires="a14">
           <p:sp>
             <p:nvSpPr>
               <p:cNvPr id="129" name="Rounded Rectangle 128"/>
@@ -4247,15 +4247,7 @@
                       <a:prstClr val="black"/>
                     </a:solidFill>
                   </a:rPr>
-                  <a:t>We </a:t>
-                </a:r>
-                <a:r>
-                  <a:rPr lang="en-US" sz="3200" dirty="0">
-                    <a:solidFill>
-                      <a:prstClr val="black"/>
-                    </a:solidFill>
-                  </a:rPr>
-                  <a:t>aim to optimize the following objective:</a:t>
+                  <a:t>We aim to optimize the following objective:</a:t>
                 </a:r>
                 <a:endParaRPr lang="en-US" sz="3200" i="1" dirty="0">
                   <a:solidFill>
@@ -4875,11 +4867,6 @@
                   </a:rPr>
                   <a:t>, </a:t>
                 </a:r>
-                <a:endParaRPr lang="en-US" sz="3200" dirty="0">
-                  <a:solidFill>
-                    <a:prstClr val="black"/>
-                  </a:solidFill>
-                </a:endParaRPr>
               </a:p>
               <a:p>
                 <a:pPr lvl="0" algn="l" rtl="0"/>
@@ -4889,29 +4876,8 @@
                       <a:prstClr val="black"/>
                     </a:solidFill>
                   </a:rPr>
-                  <a:t>with </a:t>
+                  <a:t>with gradient steps inside the PD cone.</a:t>
                 </a:r>
-                <a:r>
-                  <a:rPr lang="en-US" sz="3200" dirty="0">
-                    <a:solidFill>
-                      <a:prstClr val="black"/>
-                    </a:solidFill>
-                  </a:rPr>
-                  <a:t>gradient steps inside the PD cone</a:t>
-                </a:r>
-                <a:r>
-                  <a:rPr lang="en-US" sz="3200" dirty="0">
-                    <a:solidFill>
-                      <a:prstClr val="black"/>
-                    </a:solidFill>
-                  </a:rPr>
-                  <a:t>.</a:t>
-                </a:r>
-                <a:endParaRPr lang="en-US" sz="3200" dirty="0">
-                  <a:solidFill>
-                    <a:prstClr val="black"/>
-                  </a:solidFill>
-                </a:endParaRPr>
               </a:p>
               <a:p>
                 <a:pPr algn="ctr" rtl="0"/>
@@ -4924,7 +4890,7 @@
             </p:txBody>
           </p:sp>
         </mc:Choice>
-        <mc:Fallback>
+        <mc:Fallback xmlns="">
           <p:sp>
             <p:nvSpPr>
               <p:cNvPr id="129" name="Rounded Rectangle 128"/>
@@ -5629,8 +5595,8 @@
           </a:extLst>
         </p:spPr>
       </p:pic>
-      <mc:AlternateContent xmlns:mc="http://schemas.openxmlformats.org/markup-compatibility/2006">
-        <mc:Choice xmlns:a14="http://schemas.microsoft.com/office/drawing/2010/main" Requires="a14">
+      <mc:AlternateContent xmlns:mc="http://schemas.openxmlformats.org/markup-compatibility/2006" xmlns:a14="http://schemas.microsoft.com/office/drawing/2010/main">
+        <mc:Choice Requires="a14">
           <p:sp>
             <p:nvSpPr>
               <p:cNvPr id="75" name="Rectangle 74"/>
@@ -6915,7 +6881,7 @@
             </p:txBody>
           </p:sp>
         </mc:Choice>
-        <mc:Fallback>
+        <mc:Fallback xmlns="">
           <p:sp>
             <p:nvSpPr>
               <p:cNvPr id="75" name="Rectangle 74"/>
@@ -8005,11 +7971,7 @@
             </a:r>
             <a:r>
               <a:rPr lang="en-US" b="1" dirty="0"/>
-              <a:t>Sparse Metrics, One </a:t>
-            </a:r>
-            <a:r>
-              <a:rPr lang="en-US" b="1" dirty="0"/>
-              <a:t>Feature at a </a:t>
+              <a:t>Sparse Metrics, One Feature at a </a:t>
             </a:r>
             <a:r>
               <a:rPr lang="en-US" b="1" dirty="0" smtClean="0"/>
@@ -8019,8 +7981,8 @@
           </a:p>
         </p:txBody>
       </p:sp>
-      <mc:AlternateContent xmlns:mc="http://schemas.openxmlformats.org/markup-compatibility/2006">
-        <mc:Choice xmlns:a14="http://schemas.microsoft.com/office/drawing/2010/main" Requires="a14">
+      <mc:AlternateContent xmlns:mc="http://schemas.openxmlformats.org/markup-compatibility/2006" xmlns:a14="http://schemas.microsoft.com/office/drawing/2010/main">
+        <mc:Choice Requires="a14">
           <p:sp>
             <p:nvSpPr>
               <p:cNvPr id="39" name="Text Box 115"/>
@@ -8507,7 +8469,7 @@
             </p:txBody>
           </p:sp>
         </mc:Choice>
-        <mc:Fallback>
+        <mc:Fallback xmlns="">
           <p:sp>
             <p:nvSpPr>
               <p:cNvPr id="39" name="Text Box 115"/>
@@ -8571,8 +8533,8 @@
           </p:sp>
         </mc:Fallback>
       </mc:AlternateContent>
-      <mc:AlternateContent xmlns:mc="http://schemas.openxmlformats.org/markup-compatibility/2006">
-        <mc:Choice xmlns:a14="http://schemas.microsoft.com/office/drawing/2010/main" Requires="a14">
+      <mc:AlternateContent xmlns:mc="http://schemas.openxmlformats.org/markup-compatibility/2006" xmlns:a14="http://schemas.microsoft.com/office/drawing/2010/main">
+        <mc:Choice Requires="a14">
           <p:sp>
             <p:nvSpPr>
               <p:cNvPr id="52" name="Text Box 101"/>
@@ -9038,7 +9000,7 @@
             </p:txBody>
           </p:sp>
         </mc:Choice>
-        <mc:Fallback>
+        <mc:Fallback xmlns="">
           <p:sp>
             <p:nvSpPr>
               <p:cNvPr id="52" name="Text Box 101"/>
@@ -9109,8 +9071,8 @@
           </p:sp>
         </mc:Fallback>
       </mc:AlternateContent>
-      <mc:AlternateContent xmlns:mc="http://schemas.openxmlformats.org/markup-compatibility/2006">
-        <mc:Choice xmlns:a14="http://schemas.microsoft.com/office/drawing/2010/main" Requires="a14">
+      <mc:AlternateContent xmlns:mc="http://schemas.openxmlformats.org/markup-compatibility/2006" xmlns:a14="http://schemas.microsoft.com/office/drawing/2010/main">
+        <mc:Choice Requires="a14">
           <p:sp>
             <p:nvSpPr>
               <p:cNvPr id="53" name="Text Box 102"/>
@@ -9597,7 +9559,7 @@
             </p:txBody>
           </p:sp>
         </mc:Choice>
-        <mc:Fallback>
+        <mc:Fallback xmlns="">
           <p:sp>
             <p:nvSpPr>
               <p:cNvPr id="53" name="Text Box 102"/>
@@ -9668,8 +9630,8 @@
           </p:sp>
         </mc:Fallback>
       </mc:AlternateContent>
-      <mc:AlternateContent xmlns:mc="http://schemas.openxmlformats.org/markup-compatibility/2006">
-        <mc:Choice xmlns:a14="http://schemas.microsoft.com/office/drawing/2010/main" Requires="a14">
+      <mc:AlternateContent xmlns:mc="http://schemas.openxmlformats.org/markup-compatibility/2006" xmlns:a14="http://schemas.microsoft.com/office/drawing/2010/main">
+        <mc:Choice Requires="a14">
           <p:sp>
             <p:nvSpPr>
               <p:cNvPr id="54" name="Text Box 103"/>
@@ -10156,7 +10118,7 @@
             </p:txBody>
           </p:sp>
         </mc:Choice>
-        <mc:Fallback>
+        <mc:Fallback xmlns="">
           <p:sp>
             <p:nvSpPr>
               <p:cNvPr id="54" name="Text Box 103"/>
@@ -11038,8 +11000,8 @@
           </a:p>
         </p:txBody>
       </p:sp>
-      <mc:AlternateContent xmlns:mc="http://schemas.openxmlformats.org/markup-compatibility/2006">
-        <mc:Choice xmlns:a14="http://schemas.microsoft.com/office/drawing/2010/main" Requires="a14">
+      <mc:AlternateContent xmlns:mc="http://schemas.openxmlformats.org/markup-compatibility/2006" xmlns:a14="http://schemas.microsoft.com/office/drawing/2010/main">
+        <mc:Choice Requires="a14">
           <p:sp>
             <p:nvSpPr>
               <p:cNvPr id="76" name="Rectangle 75"/>
@@ -11088,31 +11050,7 @@
                 </a:r>
                 <a:r>
                   <a:rPr lang="en-US" sz="3200" dirty="0" smtClean="0"/>
-                  <a:t> complement to </a:t>
-                </a:r>
-                <a:r>
-                  <a:rPr lang="en-US" sz="3200" dirty="0" smtClean="0"/>
-                  <a:t>calculate a bound </a:t>
-                </a:r>
-                <a:r>
-                  <a:rPr lang="en-US" sz="3200" dirty="0" smtClean="0"/>
-                  <a:t>over the step </a:t>
-                </a:r>
-                <a:r>
-                  <a:rPr lang="en-US" sz="3200" dirty="0" smtClean="0"/>
-                  <a:t>size. It guarantees </a:t>
-                </a:r>
-                <a:r>
-                  <a:rPr lang="en-US" sz="3200" dirty="0" smtClean="0"/>
-                  <a:t>that the </a:t>
-                </a:r>
-                <a:r>
-                  <a:rPr lang="en-US" sz="3200" dirty="0" smtClean="0"/>
-                  <a:t>steps reside  </a:t>
-                </a:r>
-                <a:r>
-                  <a:rPr lang="en-US" sz="3200" dirty="0" smtClean="0"/>
-                  <a:t>inside the PD cone:</a:t>
+                  <a:t> complement to calculate a bound over the step size. It guarantees that the steps reside  inside the PD cone:</a:t>
                 </a:r>
               </a:p>
               <a:p>
@@ -11759,7 +11697,7 @@
             </p:txBody>
           </p:sp>
         </mc:Choice>
-        <mc:Fallback>
+        <mc:Fallback xmlns="">
           <p:sp>
             <p:nvSpPr>
               <p:cNvPr id="76" name="Rectangle 75"/>
@@ -11850,8 +11788,8 @@
           </a:p>
         </p:txBody>
       </p:sp>
-      <mc:AlternateContent xmlns:mc="http://schemas.openxmlformats.org/markup-compatibility/2006">
-        <mc:Choice xmlns:a14="http://schemas.microsoft.com/office/drawing/2010/main" Requires="a14">
+      <mc:AlternateContent xmlns:mc="http://schemas.openxmlformats.org/markup-compatibility/2006" xmlns:a14="http://schemas.microsoft.com/office/drawing/2010/main">
+        <mc:Choice Requires="a14">
           <p:sp>
             <p:nvSpPr>
               <p:cNvPr id="78" name="Rectangle 77"/>
@@ -11949,7 +11887,7 @@
             </p:txBody>
           </p:sp>
         </mc:Choice>
-        <mc:Fallback>
+        <mc:Fallback xmlns="">
           <p:sp>
             <p:nvSpPr>
               <p:cNvPr id="78" name="Rectangle 77"/>
@@ -12172,7 +12110,7 @@
         </p:blipFill>
         <p:spPr>
           <a:xfrm>
-            <a:off x="16062092" y="20884721"/>
+            <a:off x="16274108" y="20932432"/>
             <a:ext cx="4609085" cy="4414609"/>
           </a:xfrm>
           <a:prstGeom prst="rect">
@@ -12193,7 +12131,7 @@
             <p:spPr bwMode="auto">
               <a:xfrm>
                 <a:off x="12083856" y="22178689"/>
-                <a:ext cx="3258156" cy="1818063"/>
+                <a:ext cx="3996203" cy="3049169"/>
               </a:xfrm>
               <a:prstGeom prst="rect">
                 <a:avLst/>
@@ -12581,17 +12519,17 @@
                   </a:spcBef>
                 </a:pPr>
                 <a:r>
-                  <a:rPr lang="en-US" sz="1600" b="1" dirty="0"/>
+                  <a:rPr lang="en-US" sz="2400" b="1" dirty="0"/>
                   <a:t>Structured sparsity:</a:t>
                 </a:r>
                 <a:r>
-                  <a:rPr lang="en-US" sz="1600" dirty="0"/>
+                  <a:rPr lang="en-US" sz="2400" dirty="0"/>
                   <a:t> A heat map of the absolute values of the elements of </a:t>
                 </a:r>
                 <a14:m>
                   <m:oMath xmlns:m="http://schemas.openxmlformats.org/officeDocument/2006/math">
                     <m:r>
-                      <a:rPr lang="en-US" sz="1600" i="1">
+                      <a:rPr lang="en-US" sz="2400" i="1">
                         <a:latin typeface="Cambria Math" panose="02040503050406030204" pitchFamily="18" charset="0"/>
                       </a:rPr>
                       <m:t>𝑊</m:t>
@@ -12599,10 +12537,10 @@
                   </m:oMath>
                 </a14:m>
                 <a:r>
-                  <a:rPr lang="en-US" sz="1600" dirty="0"/>
+                  <a:rPr lang="en-US" sz="2400" dirty="0"/>
                   <a:t> trained on RCV1, illustrating the structured sparseness of the learned metric. Features are ordered by their information gain.</a:t>
                 </a:r>
-                <a:endParaRPr lang="en-AU" altLang="en-US" sz="1600" dirty="0"/>
+                <a:endParaRPr lang="en-AU" altLang="en-US" sz="2400" dirty="0"/>
               </a:p>
             </p:txBody>
           </p:sp>
@@ -12619,7 +12557,7 @@
             <p:spPr bwMode="auto">
               <a:xfrm>
                 <a:off x="12083856" y="22178689"/>
-                <a:ext cx="3258156" cy="1818063"/>
+                <a:ext cx="3996203" cy="3049169"/>
               </a:xfrm>
               <a:prstGeom prst="rect">
                 <a:avLst/>
@@ -12627,7 +12565,7 @@
               <a:blipFill rotWithShape="0">
                 <a:blip r:embed="rId29"/>
                 <a:stretch>
-                  <a:fillRect l="-935" t="-1007" r="-748" b="-3356"/>
+                  <a:fillRect l="-2287" t="-1400" r="-4116" b="-3800"/>
                 </a:stretch>
               </a:blipFill>
               <a:ln>
@@ -13206,15 +13144,7 @@
                   <a:prstClr val="black"/>
                 </a:solidFill>
               </a:rPr>
-              <a:t>Computational </a:t>
-            </a:r>
-            <a:r>
-              <a:rPr lang="en-US" sz="4400" b="1" dirty="0" smtClean="0">
-                <a:solidFill>
-                  <a:prstClr val="black"/>
-                </a:solidFill>
-              </a:rPr>
-              <a:t>Complexity</a:t>
+              <a:t>Computational Complexity</a:t>
             </a:r>
             <a:endParaRPr lang="en-US" sz="3600" dirty="0" smtClean="0">
               <a:solidFill>
@@ -13304,8 +13234,8 @@
           </a:p>
         </p:txBody>
       </p:sp>
-      <mc:AlternateContent xmlns:mc="http://schemas.openxmlformats.org/markup-compatibility/2006">
-        <mc:Choice xmlns:a14="http://schemas.microsoft.com/office/drawing/2010/main" Requires="a14">
+      <mc:AlternateContent xmlns:mc="http://schemas.openxmlformats.org/markup-compatibility/2006" xmlns:a14="http://schemas.microsoft.com/office/drawing/2010/main">
+        <mc:Choice Requires="a14">
           <p:sp>
             <p:nvSpPr>
               <p:cNvPr id="63" name="Text Box 115"/>
@@ -13732,7 +13662,7 @@
             </p:txBody>
           </p:sp>
         </mc:Choice>
-        <mc:Fallback>
+        <mc:Fallback xmlns="">
           <p:sp>
             <p:nvSpPr>
               <p:cNvPr id="63" name="Text Box 115"/>

--- a/COMET_poster.pptx
+++ b/COMET_poster.pptx
@@ -3684,58 +3684,6 @@
       </p:sp>
       <p:sp>
         <p:nvSpPr>
-          <p:cNvPr id="21" name="Rounded Rectangle 20"/>
-          <p:cNvSpPr/>
-          <p:nvPr/>
-        </p:nvSpPr>
-        <p:spPr>
-          <a:xfrm>
-            <a:off x="21962740" y="24122905"/>
-            <a:ext cx="9718884" cy="7833138"/>
-          </a:xfrm>
-          <a:prstGeom prst="roundRect">
-            <a:avLst/>
-          </a:prstGeom>
-          <a:solidFill>
-            <a:schemeClr val="bg1"/>
-          </a:solidFill>
-          <a:ln w="76200">
-            <a:solidFill>
-              <a:schemeClr val="tx1"/>
-            </a:solidFill>
-          </a:ln>
-        </p:spPr>
-        <p:style>
-          <a:lnRef idx="2">
-            <a:schemeClr val="accent1">
-              <a:shade val="50000"/>
-            </a:schemeClr>
-          </a:lnRef>
-          <a:fillRef idx="1">
-            <a:schemeClr val="accent1"/>
-          </a:fillRef>
-          <a:effectRef idx="0">
-            <a:schemeClr val="accent1"/>
-          </a:effectRef>
-          <a:fontRef idx="minor">
-            <a:schemeClr val="lt1"/>
-          </a:fontRef>
-        </p:style>
-        <p:txBody>
-          <a:bodyPr lIns="83976" tIns="41987" rIns="83976" bIns="41987" rtlCol="1" anchor="t" anchorCtr="0"/>
-          <a:lstStyle/>
-          <a:p>
-            <a:pPr algn="l" rtl="0"/>
-            <a:endParaRPr lang="he-IL" sz="3200" b="1" i="1" dirty="0">
-              <a:solidFill>
-                <a:schemeClr val="tx1"/>
-              </a:solidFill>
-            </a:endParaRPr>
-          </a:p>
-        </p:txBody>
-      </p:sp>
-      <p:sp>
-        <p:nvSpPr>
           <p:cNvPr id="191" name="Rounded Rectangle 190"/>
           <p:cNvSpPr/>
           <p:nvPr/>
@@ -4125,29 +4073,6 @@
       </p:pic>
       <p:pic>
         <p:nvPicPr>
-          <p:cNvPr id="13" name="Picture 12"/>
-          <p:cNvPicPr>
-            <a:picLocks noChangeAspect="1"/>
-          </p:cNvPicPr>
-          <p:nvPr/>
-        </p:nvPicPr>
-        <p:blipFill rotWithShape="1">
-          <a:blip r:embed="rId8"/>
-          <a:srcRect r="4094"/>
-          <a:stretch/>
-        </p:blipFill>
-        <p:spPr>
-          <a:xfrm>
-            <a:off x="22258463" y="28117547"/>
-            <a:ext cx="9101506" cy="1982022"/>
-          </a:xfrm>
-          <a:prstGeom prst="rect">
-            <a:avLst/>
-          </a:prstGeom>
-        </p:spPr>
-      </p:pic>
-      <p:pic>
-        <p:nvPicPr>
           <p:cNvPr id="1034" name="Picture 10" descr="http://chechiklab.biu.ac.il/~yuvval/figs/comet/Precision_at_K_all_datasets.png"/>
           <p:cNvPicPr>
             <a:picLocks noChangeAspect="1" noChangeArrowheads="1"/>
@@ -4155,7 +4080,7 @@
           <p:nvPr/>
         </p:nvPicPr>
         <p:blipFill rotWithShape="1">
-          <a:blip r:embed="rId9" cstate="print">
+          <a:blip r:embed="rId8" cstate="print">
             <a:extLst>
               <a:ext uri="{28A0092B-C50C-407E-A947-70E740481C1C}">
                 <a14:useLocalDpi xmlns:a14="http://schemas.microsoft.com/office/drawing/2010/main" val="0"/>
@@ -4567,19 +4492,19 @@
             </a:r>
             <a:r>
               <a:rPr lang="en-US" altLang="en-US" sz="2400" dirty="0"/>
-              <a:t>train/test split, 5-fold cross-validation for </a:t>
+              <a:t>train/test split, 5-fold </a:t>
             </a:r>
             <a:r>
               <a:rPr lang="en-US" altLang="en-US" sz="2400" dirty="0" smtClean="0"/>
-              <a:t>hyper parameters. Compared </a:t>
-            </a:r>
-            <a:r>
-              <a:rPr lang="en-US" altLang="en-US" sz="2400" dirty="0"/>
-              <a:t>methods: </a:t>
+              <a:t>cross-validation, comparing: </a:t>
+            </a:r>
+            <a:r>
+              <a:rPr lang="en-AU" altLang="en-US" sz="2400" dirty="0" smtClean="0"/>
+              <a:t>Euclidean </a:t>
             </a:r>
             <a:r>
               <a:rPr lang="en-AU" altLang="en-US" sz="2400" dirty="0"/>
-              <a:t>Euclidean metric (baseline)</a:t>
+              <a:t>metric (baseline)</a:t>
             </a:r>
             <a:r>
               <a:rPr lang="ar-SA" altLang="en-US" sz="2400" dirty="0"/>
@@ -4634,7 +4559,7 @@
           <p:nvPr/>
         </p:nvPicPr>
         <p:blipFill>
-          <a:blip r:embed="rId10"/>
+          <a:blip r:embed="rId9"/>
           <a:stretch>
             <a:fillRect/>
           </a:stretch>
@@ -4660,7 +4585,7 @@
         <p:spPr bwMode="auto">
           <a:xfrm>
             <a:off x="32806663" y="20713696"/>
-            <a:ext cx="8973606" cy="3049169"/>
+            <a:ext cx="8973606" cy="1941173"/>
           </a:xfrm>
           <a:prstGeom prst="rect">
             <a:avLst/>
@@ -5055,7 +4980,15 @@
             </a:r>
             <a:r>
               <a:rPr lang="en-US" altLang="en-US" sz="2400" dirty="0"/>
-              <a:t>mean training run time of COMET. Percentiles denote the density of the learned matrix. Error bars denote the standard error of the mean across 5 random train/test partitions (80\%/20\%). Dashed line denotes the </a:t>
+              <a:t>mean training run time of COMET. </a:t>
+            </a:r>
+            <a:r>
+              <a:rPr lang="en-US" altLang="en-US" sz="2400" dirty="0" smtClean="0"/>
+              <a:t>Dashed </a:t>
+            </a:r>
+            <a:r>
+              <a:rPr lang="en-US" altLang="en-US" sz="2400" dirty="0"/>
+              <a:t>line denotes the </a:t>
             </a:r>
             <a:r>
               <a:rPr lang="en-US" altLang="en-US" sz="2400" i="1" dirty="0" smtClean="0"/>
@@ -5087,11 +5020,7 @@
             </a:r>
             <a:r>
               <a:rPr lang="en-US" altLang="en-US" sz="2400" dirty="0"/>
-              <a:t>Mean training time as a function of the learned matrix density. Percentiles denote the </a:t>
-            </a:r>
-            <a:r>
-              <a:rPr lang="en-US" altLang="en-US" sz="2400" i="1" dirty="0" smtClean="0"/>
-              <a:t>Precision-at-1</a:t>
+              <a:t>Mean training time as a function of the learned matrix density. </a:t>
             </a:r>
             <a:endParaRPr lang="en-AU" altLang="en-US" sz="2400" i="1" dirty="0"/>
           </a:p>
@@ -5106,7 +5035,7 @@
           <p:nvPr/>
         </p:nvPicPr>
         <p:blipFill rotWithShape="1">
-          <a:blip r:embed="rId11">
+          <a:blip r:embed="rId10">
             <a:extLst>
               <a:ext uri="{28A0092B-C50C-407E-A947-70E740481C1C}">
                 <a14:useLocalDpi xmlns:a14="http://schemas.microsoft.com/office/drawing/2010/main" val="0"/>
@@ -5184,8 +5113,8 @@
           </a:p>
         </p:txBody>
       </p:sp>
-      <mc:AlternateContent xmlns:mc="http://schemas.openxmlformats.org/markup-compatibility/2006" xmlns:a14="http://schemas.microsoft.com/office/drawing/2010/main">
-        <mc:Choice Requires="a14">
+      <mc:AlternateContent xmlns:mc="http://schemas.openxmlformats.org/markup-compatibility/2006">
+        <mc:Choice xmlns:a14="http://schemas.microsoft.com/office/drawing/2010/main" Requires="a14">
           <p:sp>
             <p:nvSpPr>
               <p:cNvPr id="39" name="Text Box 115"/>
@@ -5197,7 +5126,7 @@
             <p:spPr bwMode="auto">
               <a:xfrm>
                 <a:off x="38290188" y="25821621"/>
-                <a:ext cx="3546760" cy="3254353"/>
+                <a:ext cx="3546760" cy="2782429"/>
               </a:xfrm>
               <a:prstGeom prst="rect">
                 <a:avLst/>
@@ -5640,28 +5569,8 @@
                   </m:oMath>
                 </a14:m>
                 <a:r>
-                  <a:rPr lang="en-US" sz="2400" dirty="0"/>
-                  <a:t>. </a:t>
-                </a:r>
-                <a:endParaRPr lang="en-US" sz="2400" dirty="0" smtClean="0"/>
-              </a:p>
-              <a:p>
-                <a:pPr algn="l" rtl="0">
-                  <a:spcBef>
-                    <a:spcPts val="750"/>
-                  </a:spcBef>
-                </a:pPr>
-                <a:endParaRPr lang="en-US" sz="2400" dirty="0"/>
-              </a:p>
-              <a:p>
-                <a:pPr algn="l" rtl="0">
-                  <a:spcBef>
-                    <a:spcPts val="750"/>
-                  </a:spcBef>
-                </a:pPr>
-                <a:r>
                   <a:rPr lang="en-US" sz="2400" dirty="0" smtClean="0"/>
-                  <a:t>Sparse </a:t>
+                  <a:t>. Sparse </a:t>
                 </a:r>
                 <a:r>
                   <a:rPr lang="en-US" sz="2400" dirty="0"/>
@@ -5672,7 +5581,7 @@
             </p:txBody>
           </p:sp>
         </mc:Choice>
-        <mc:Fallback xmlns="">
+        <mc:Fallback>
           <p:sp>
             <p:nvSpPr>
               <p:cNvPr id="39" name="Text Box 115"/>
@@ -5684,15 +5593,15 @@
             <p:spPr bwMode="auto">
               <a:xfrm>
                 <a:off x="38290188" y="25821621"/>
-                <a:ext cx="3546760" cy="3254353"/>
+                <a:ext cx="3546760" cy="2782429"/>
               </a:xfrm>
               <a:prstGeom prst="rect">
                 <a:avLst/>
               </a:prstGeom>
               <a:blipFill rotWithShape="0">
-                <a:blip r:embed="rId14"/>
+                <a:blip r:embed="rId11"/>
                 <a:stretch>
-                  <a:fillRect l="-2749" t="-1311" r="-2062" b="-3371"/>
+                  <a:fillRect l="-2749" t="-1535" b="-658"/>
                 </a:stretch>
               </a:blipFill>
               <a:ln>
@@ -7220,7 +7129,7 @@
                 <a:avLst/>
               </a:prstGeom>
               <a:blipFill rotWithShape="0">
-                <a:blip r:embed="rId15"/>
+                <a:blip r:embed="rId12"/>
                 <a:stretch>
                   <a:fillRect/>
                 </a:stretch>
@@ -7731,7 +7640,7 @@
                 <a:avLst/>
               </a:prstGeom>
               <a:blipFill rotWithShape="0">
-                <a:blip r:embed="rId16"/>
+                <a:blip r:embed="rId13"/>
                 <a:stretch>
                   <a:fillRect l="-3810" t="-9211" r="-1190" b="-30263"/>
                 </a:stretch>
@@ -8290,7 +8199,7 @@
                 <a:avLst/>
               </a:prstGeom>
               <a:blipFill rotWithShape="0">
-                <a:blip r:embed="rId17"/>
+                <a:blip r:embed="rId14"/>
                 <a:stretch>
                   <a:fillRect l="-2941" t="-7576" r="-802" b="-27273"/>
                 </a:stretch>
@@ -8849,7 +8758,7 @@
                 <a:avLst/>
               </a:prstGeom>
               <a:blipFill rotWithShape="0">
-                <a:blip r:embed="rId18"/>
+                <a:blip r:embed="rId15"/>
                 <a:stretch>
                   <a:fillRect l="-3116" t="-7576" r="-567" b="-27273"/>
                 </a:stretch>
@@ -8911,7 +8820,7 @@
           <p:nvPr/>
         </p:nvPicPr>
         <p:blipFill rotWithShape="1">
-          <a:blip r:embed="rId19">
+          <a:blip r:embed="rId16">
             <a:extLst>
               <a:ext uri="{28A0092B-C50C-407E-A947-70E740481C1C}">
                 <a14:useLocalDpi xmlns:a14="http://schemas.microsoft.com/office/drawing/2010/main" val="0"/>
@@ -8950,7 +8859,7 @@
           <p:nvPr/>
         </p:nvPicPr>
         <p:blipFill rotWithShape="1">
-          <a:blip r:embed="rId20">
+          <a:blip r:embed="rId17">
             <a:extLst>
               <a:ext uri="{28A0092B-C50C-407E-A947-70E740481C1C}">
                 <a14:useLocalDpi xmlns:a14="http://schemas.microsoft.com/office/drawing/2010/main" val="0"/>
@@ -8989,7 +8898,7 @@
           <p:nvPr/>
         </p:nvPicPr>
         <p:blipFill rotWithShape="1">
-          <a:blip r:embed="rId21">
+          <a:blip r:embed="rId18">
             <a:extLst>
               <a:ext uri="{28A0092B-C50C-407E-A947-70E740481C1C}">
                 <a14:useLocalDpi xmlns:a14="http://schemas.microsoft.com/office/drawing/2010/main" val="0"/>
@@ -9096,7 +9005,7 @@
         <p:spPr>
           <a:xfrm>
             <a:off x="1463443" y="19579532"/>
-            <a:ext cx="4851213" cy="4048595"/>
+            <a:ext cx="4851213" cy="3063710"/>
           </a:xfrm>
           <a:prstGeom prst="rect">
             <a:avLst/>
@@ -9119,15 +9028,8 @@
             </a:r>
             <a:r>
               <a:rPr lang="en-US" sz="3200" dirty="0" smtClean="0"/>
-              <a:t>time.</a:t>
-            </a:r>
-          </a:p>
-          <a:p>
-            <a:pPr algn="l" rtl="0"/>
-            <a:endParaRPr lang="en-US" sz="3200" b="1" dirty="0"/>
-          </a:p>
-          <a:p>
-            <a:pPr algn="l" rtl="0"/>
+              <a:t>time. </a:t>
+            </a:r>
             <a:r>
               <a:rPr lang="en-US" sz="3200" dirty="0" smtClean="0"/>
               <a:t>The </a:t>
@@ -9170,7 +9072,7 @@
             </p:nvSpPr>
             <p:spPr>
               <a:xfrm>
-                <a:off x="1463443" y="23527507"/>
+                <a:off x="1463443" y="23402825"/>
                 <a:ext cx="8958814" cy="7651632"/>
               </a:xfrm>
               <a:prstGeom prst="rect">
@@ -9182,12 +9084,6 @@
                 <a:spAutoFit/>
               </a:bodyPr>
               <a:lstStyle/>
-              <a:p>
-                <a:pPr algn="l" rtl="0"/>
-                <a:endParaRPr lang="en-US" sz="3200" i="1" dirty="0" smtClean="0">
-                  <a:latin typeface="Cambria Math" panose="02040503050406030204" pitchFamily="18" charset="0"/>
-                </a:endParaRPr>
-              </a:p>
               <a:p>
                 <a:pPr algn="l" rtl="0"/>
                 <a14:m>
@@ -9790,6 +9686,9 @@
                   <a:rPr lang="en-US" sz="3200" dirty="0" smtClean="0"/>
                   <a:t>.</a:t>
                 </a:r>
+              </a:p>
+              <a:p>
+                <a:pPr algn="l" rtl="0"/>
                 <a:endParaRPr lang="en-US" sz="3200" dirty="0"/>
               </a:p>
               <a:p>
@@ -9979,16 +9878,16 @@
             </p:nvSpPr>
             <p:spPr>
               <a:xfrm>
-                <a:off x="1463443" y="23527507"/>
+                <a:off x="1463443" y="23402825"/>
                 <a:ext cx="8958814" cy="7651632"/>
               </a:xfrm>
               <a:prstGeom prst="rect">
                 <a:avLst/>
               </a:prstGeom>
               <a:blipFill rotWithShape="0">
-                <a:blip r:embed="rId22"/>
+                <a:blip r:embed="rId19"/>
                 <a:stretch>
-                  <a:fillRect l="-1565" b="-1592"/>
+                  <a:fillRect l="-1565" b="-1594"/>
                 </a:stretch>
               </a:blipFill>
             </p:spPr>
@@ -10067,8 +9966,8 @@
         </p:nvSpPr>
         <p:spPr>
           <a:xfrm>
-            <a:off x="12072515" y="5213580"/>
-            <a:ext cx="8849661" cy="4741092"/>
+            <a:off x="12072515" y="5348618"/>
+            <a:ext cx="8849661" cy="3263764"/>
           </a:xfrm>
           <a:prstGeom prst="rect">
             <a:avLst/>
@@ -10103,7 +10002,7 @@
                   <a:prstClr val="black"/>
                 </a:solidFill>
               </a:rPr>
-              <a:t>We </a:t>
+              <a:t>COMET’s structured sparsity allows </a:t>
             </a:r>
             <a:r>
               <a:rPr lang="en-US" sz="3200" dirty="0">
@@ -10111,7 +10010,7 @@
                   <a:prstClr val="black"/>
                 </a:solidFill>
               </a:rPr>
-              <a:t>propose a new type of structured sparsity, that allows only a small set of features to interact with </a:t>
+              <a:t>only a small set of features to interact with </a:t>
             </a:r>
             <a:r>
               <a:rPr lang="en-US" sz="3200" i="1" dirty="0">
@@ -10127,37 +10026,55 @@
                   <a:prstClr val="black"/>
                 </a:solidFill>
               </a:rPr>
-              <a:t> of the other features. We also maintain weights for the individual features, corresponding to the diagonal of the </a:t>
-            </a:r>
-            <a:br>
+              <a:t> of the other features. </a:t>
+            </a:r>
+            <a:r>
+              <a:rPr lang="en-US" sz="3200" dirty="0" smtClean="0">
+                <a:solidFill>
+                  <a:prstClr val="black"/>
+                </a:solidFill>
+              </a:rPr>
+              <a:t>Other individual features correspond to </a:t>
+            </a:r>
+            <a:r>
               <a:rPr lang="en-US" sz="3200" dirty="0">
                 <a:solidFill>
                   <a:prstClr val="black"/>
                 </a:solidFill>
               </a:rPr>
-            </a:br>
+              <a:t>the diagonal of </a:t>
+            </a:r>
+            <a:r>
+              <a:rPr lang="en-US" sz="3200" dirty="0" smtClean="0">
+                <a:solidFill>
+                  <a:prstClr val="black"/>
+                </a:solidFill>
+              </a:rPr>
+              <a:t>the learned </a:t>
+            </a:r>
             <a:r>
               <a:rPr lang="en-US" sz="3200" dirty="0">
                 <a:solidFill>
                   <a:prstClr val="black"/>
                 </a:solidFill>
               </a:rPr>
-              <a:t>learned similarity </a:t>
-            </a:r>
-            <a:br>
+              <a:t>similarity </a:t>
+            </a:r>
+            <a:r>
+              <a:rPr lang="en-US" sz="3200" dirty="0" smtClean="0">
+                <a:solidFill>
+                  <a:prstClr val="black"/>
+                </a:solidFill>
+              </a:rPr>
+              <a:t>matrix</a:t>
+            </a:r>
+            <a:r>
               <a:rPr lang="en-US" sz="3200" dirty="0">
                 <a:solidFill>
                   <a:prstClr val="black"/>
                 </a:solidFill>
               </a:rPr>
-            </a:br>
-            <a:r>
-              <a:rPr lang="en-US" sz="3200" dirty="0">
-                <a:solidFill>
-                  <a:prstClr val="black"/>
-                </a:solidFill>
-              </a:rPr>
-              <a:t>matrix.</a:t>
+              <a:t>.</a:t>
             </a:r>
             <a:endParaRPr lang="he-IL" sz="3200" i="1" dirty="0">
               <a:solidFill>
@@ -10184,15 +10101,15 @@
           <p:nvPr/>
         </p:nvPicPr>
         <p:blipFill>
-          <a:blip r:embed="rId23"/>
+          <a:blip r:embed="rId20"/>
           <a:stretch>
             <a:fillRect/>
           </a:stretch>
         </p:blipFill>
         <p:spPr>
           <a:xfrm>
-            <a:off x="16274108" y="8204359"/>
-            <a:ext cx="4609085" cy="4414609"/>
+            <a:off x="12196235" y="8353153"/>
+            <a:ext cx="8326345" cy="7975023"/>
           </a:xfrm>
           <a:prstGeom prst="rect">
             <a:avLst/>
@@ -10211,8 +10128,8 @@
             </p:nvSpPr>
             <p:spPr bwMode="auto">
               <a:xfrm>
-                <a:off x="12083856" y="9450616"/>
-                <a:ext cx="3996203" cy="3049169"/>
+                <a:off x="12083856" y="16583691"/>
+                <a:ext cx="8438724" cy="1202510"/>
               </a:xfrm>
               <a:prstGeom prst="rect">
                 <a:avLst/>
@@ -10605,7 +10522,15 @@
                 </a:r>
                 <a:r>
                   <a:rPr lang="en-US" sz="2400" dirty="0"/>
-                  <a:t> A heat map of the absolute values of the elements of </a:t>
+                  <a:t> </a:t>
+                </a:r>
+                <a:r>
+                  <a:rPr lang="en-US" sz="2400" dirty="0" smtClean="0"/>
+                  <a:t>Absolute </a:t>
+                </a:r>
+                <a:r>
+                  <a:rPr lang="en-US" sz="2400" dirty="0"/>
+                  <a:t>values of the elements of </a:t>
                 </a:r>
                 <a14:m>
                   <m:oMath xmlns:m="http://schemas.openxmlformats.org/officeDocument/2006/math">
@@ -10619,7 +10544,15 @@
                 </a14:m>
                 <a:r>
                   <a:rPr lang="en-US" sz="2400" dirty="0"/>
-                  <a:t> trained on RCV1, illustrating the structured sparseness of the learned metric. Features are ordered by their information gain.</a:t>
+                  <a:t> trained on </a:t>
+                </a:r>
+                <a:r>
+                  <a:rPr lang="en-US" sz="2400" dirty="0" smtClean="0"/>
+                  <a:t>RCV1, features </a:t>
+                </a:r>
+                <a:r>
+                  <a:rPr lang="en-US" sz="2400" dirty="0"/>
+                  <a:t>are ordered by their information gain.</a:t>
                 </a:r>
                 <a:endParaRPr lang="en-AU" altLang="en-US" sz="2400" dirty="0"/>
               </a:p>
@@ -10637,16 +10570,16 @@
             </p:nvSpPr>
             <p:spPr bwMode="auto">
               <a:xfrm>
-                <a:off x="12083856" y="9450616"/>
-                <a:ext cx="3996203" cy="3049169"/>
+                <a:off x="12083856" y="16583691"/>
+                <a:ext cx="8438724" cy="1202510"/>
               </a:xfrm>
               <a:prstGeom prst="rect">
                 <a:avLst/>
               </a:prstGeom>
               <a:blipFill rotWithShape="0">
-                <a:blip r:embed="rId24"/>
+                <a:blip r:embed="rId21"/>
                 <a:stretch>
-                  <a:fillRect l="-2287" t="-1400" r="-4116" b="-3800"/>
+                  <a:fillRect l="-1083" t="-3030" b="-11111"/>
                 </a:stretch>
               </a:blipFill>
               <a:ln>
@@ -10699,7 +10632,7 @@
           <p:nvPr/>
         </p:nvPicPr>
         <p:blipFill rotWithShape="1">
-          <a:blip r:embed="rId25" cstate="print">
+          <a:blip r:embed="rId22" cstate="print">
             <a:extLst>
               <a:ext uri="{28A0092B-C50C-407E-A947-70E740481C1C}">
                 <a14:useLocalDpi xmlns:a14="http://schemas.microsoft.com/office/drawing/2010/main" val="0"/>
@@ -10739,8 +10672,8 @@
             </p:nvSpPr>
             <p:spPr>
               <a:xfrm>
-                <a:off x="12085081" y="13209478"/>
-                <a:ext cx="8837095" cy="3630788"/>
+                <a:off x="12085081" y="18059695"/>
+                <a:ext cx="8837095" cy="2645903"/>
               </a:xfrm>
               <a:prstGeom prst="rect">
                 <a:avLst/>
@@ -10754,8 +10687,12 @@
               <a:p>
                 <a:pPr algn="l" rtl="0"/>
                 <a:r>
+                  <a:rPr lang="en-US" sz="3200" dirty="0" smtClean="0"/>
+                  <a:t>Using an overlapping </a:t>
+                </a:r>
+                <a:r>
                   <a:rPr lang="en-US" sz="3200" dirty="0"/>
-                  <a:t>We use an overlapping decomposition of </a:t>
+                  <a:t>decomposition of </a:t>
                 </a:r>
                 <a14:m>
                   <m:oMath xmlns:m="http://schemas.openxmlformats.org/officeDocument/2006/math">
@@ -10854,7 +10791,7 @@
                 </a14:m>
                 <a:r>
                   <a:rPr lang="en-US" sz="3200" dirty="0"/>
-                  <a:t> group components: The matrix </a:t>
+                  <a:t> group components: </a:t>
                 </a:r>
                 <a14:m>
                   <m:oMath xmlns:m="http://schemas.openxmlformats.org/officeDocument/2006/math">
@@ -10887,15 +10824,12 @@
                 </a14:m>
                 <a:r>
                   <a:rPr lang="en-US" sz="3200" dirty="0"/>
-                  <a:t> is a diagonal matrix, and each matrix </a:t>
+                  <a:t> is a diagonal matrix, </a:t>
                 </a:r>
                 <a:r>
                   <a:rPr lang="en-US" sz="3200" dirty="0" smtClean="0"/>
-                  <a:t/>
+                  <a:t>each </a:t>
                 </a:r>
-                <a:br>
-                  <a:rPr lang="en-US" sz="3200" dirty="0" smtClean="0"/>
-                </a:br>
                 <a14:m>
                   <m:oMath xmlns:m="http://schemas.openxmlformats.org/officeDocument/2006/math">
                     <m:sSub>
@@ -11001,24 +10935,11 @@
                 </a14:m>
                 <a:r>
                   <a:rPr lang="en-US" sz="3200" dirty="0"/>
-                  <a:t> row and column, with an all-zeros diagonal. </a:t>
+                  <a:t> row and column, with an all-zeros diagonal</a:t>
                 </a:r>
-              </a:p>
-              <a:p>
-                <a:pPr algn="l" rtl="0"/>
-                <a14:m>
-                  <m:oMath xmlns:m="http://schemas.openxmlformats.org/officeDocument/2006/math">
-                    <m:r>
-                      <a:rPr lang="en-US" sz="3200">
-                        <a:latin typeface="Cambria Math" panose="02040503050406030204" pitchFamily="18" charset="0"/>
-                      </a:rPr>
-                      <m:t>𝑊</m:t>
-                    </m:r>
-                  </m:oMath>
-                </a14:m>
                 <a:r>
-                  <a:rPr lang="en-US" sz="3200" dirty="0"/>
-                  <a:t> is the sum </a:t>
+                  <a:rPr lang="en-US" sz="3200" dirty="0" smtClean="0"/>
+                  <a:t>, </a:t>
                 </a:r>
                 <a14:m>
                   <m:oMath xmlns:m="http://schemas.openxmlformats.org/officeDocument/2006/math">
@@ -11099,6 +11020,12 @@
                         </m:sSub>
                       </m:e>
                     </m:nary>
+                    <m:r>
+                      <a:rPr lang="en-US" sz="3200" b="0" i="1" smtClean="0">
+                        <a:latin typeface="Cambria Math" panose="02040503050406030204" pitchFamily="18" charset="0"/>
+                      </a:rPr>
+                      <m:t>.</m:t>
+                    </m:r>
                   </m:oMath>
                 </a14:m>
                 <a:endParaRPr lang="en-US" sz="3200" dirty="0"/>
@@ -11117,16 +11044,16 @@
             </p:nvSpPr>
             <p:spPr>
               <a:xfrm>
-                <a:off x="12085081" y="13209478"/>
-                <a:ext cx="8837095" cy="3630788"/>
+                <a:off x="12085081" y="18059695"/>
+                <a:ext cx="8837095" cy="2645903"/>
               </a:xfrm>
               <a:prstGeom prst="rect">
                 <a:avLst/>
               </a:prstGeom>
               <a:blipFill rotWithShape="0">
-                <a:blip r:embed="rId26"/>
+                <a:blip r:embed="rId23"/>
                 <a:stretch>
-                  <a:fillRect l="-1517" t="-1846" r="-1931" b="-4362"/>
+                  <a:fillRect l="-1517" t="-2535" r="-1379" b="-6452"/>
                 </a:stretch>
               </a:blipFill>
             </p:spPr>
@@ -11153,8 +11080,8 @@
         </p:nvSpPr>
         <p:spPr>
           <a:xfrm>
-            <a:off x="21963105" y="18689705"/>
-            <a:ext cx="9715300" cy="4929144"/>
+            <a:off x="21963105" y="4968774"/>
+            <a:ext cx="9715300" cy="26987267"/>
           </a:xfrm>
           <a:prstGeom prst="roundRect">
             <a:avLst/>
@@ -11205,7 +11132,7 @@
         </p:nvSpPr>
         <p:spPr>
           <a:xfrm>
-            <a:off x="22510308" y="18835078"/>
+            <a:off x="22510308" y="5348618"/>
             <a:ext cx="8849661" cy="2263491"/>
           </a:xfrm>
           <a:prstGeom prst="rect">
@@ -11225,7 +11152,7 @@
                   <a:prstClr val="black"/>
                 </a:solidFill>
               </a:rPr>
-              <a:t>Computational Complexity</a:t>
+              <a:t>Complexity and Runtimes</a:t>
             </a:r>
             <a:endParaRPr lang="en-US" sz="3600" dirty="0" smtClean="0">
               <a:solidFill>
@@ -11255,14 +11182,14 @@
           <p:nvPr/>
         </p:nvPicPr>
         <p:blipFill>
-          <a:blip r:embed="rId27"/>
+          <a:blip r:embed="rId24"/>
           <a:stretch>
             <a:fillRect/>
           </a:stretch>
         </p:blipFill>
         <p:spPr>
           <a:xfrm>
-            <a:off x="22524711" y="21187214"/>
+            <a:off x="22524711" y="7777089"/>
             <a:ext cx="8696885" cy="1326930"/>
           </a:xfrm>
           <a:prstGeom prst="rect">
@@ -11270,523 +11197,6 @@
           </a:prstGeom>
         </p:spPr>
       </p:pic>
-      <p:sp>
-        <p:nvSpPr>
-          <p:cNvPr id="60" name="Rectangle 59"/>
-          <p:cNvSpPr/>
-          <p:nvPr/>
-        </p:nvSpPr>
-        <p:spPr>
-          <a:xfrm>
-            <a:off x="22395559" y="24270519"/>
-            <a:ext cx="8849661" cy="3740818"/>
-          </a:xfrm>
-          <a:prstGeom prst="rect">
-            <a:avLst/>
-          </a:prstGeom>
-        </p:spPr>
-        <p:txBody>
-          <a:bodyPr wrap="square" lIns="108000" tIns="54000" rIns="108000" bIns="54000">
-            <a:spAutoFit/>
-          </a:bodyPr>
-          <a:lstStyle/>
-          <a:p>
-            <a:pPr lvl="0" algn="ctr" rtl="0"/>
-            <a:r>
-              <a:rPr lang="en-US" sz="4400" b="1" dirty="0" smtClean="0">
-                <a:solidFill>
-                  <a:prstClr val="black"/>
-                </a:solidFill>
-              </a:rPr>
-              <a:t>Runtimes</a:t>
-            </a:r>
-          </a:p>
-          <a:p>
-            <a:pPr algn="l" rtl="0"/>
-            <a:r>
-              <a:rPr lang="en-US" altLang="en-US" sz="3200" dirty="0"/>
-              <a:t>Sparse COMET is fastest on the RCV1 5K features dataset. LEGO is fastest on the smaller datasets; HDSL is mostly slower than COMET. Importantly, both sparse and dense COMET converged to a significantly better optimum.</a:t>
-            </a:r>
-            <a:endParaRPr lang="en-AU" altLang="en-US" sz="3200" dirty="0"/>
-          </a:p>
-          <a:p>
-            <a:pPr lvl="0" algn="l" rtl="0"/>
-            <a:endParaRPr lang="en-US" sz="3200" dirty="0"/>
-          </a:p>
-        </p:txBody>
-      </p:sp>
-      <mc:AlternateContent xmlns:mc="http://schemas.openxmlformats.org/markup-compatibility/2006" xmlns:a14="http://schemas.microsoft.com/office/drawing/2010/main">
-        <mc:Choice Requires="a14">
-          <p:sp>
-            <p:nvSpPr>
-              <p:cNvPr id="63" name="Text Box 115"/>
-              <p:cNvSpPr txBox="1">
-                <a:spLocks noChangeArrowheads="1"/>
-              </p:cNvSpPr>
-              <p:nvPr/>
-            </p:nvSpPr>
-            <p:spPr bwMode="auto">
-              <a:xfrm>
-                <a:off x="22343838" y="30310146"/>
-                <a:ext cx="8964410" cy="1202510"/>
-              </a:xfrm>
-              <a:prstGeom prst="rect">
-                <a:avLst/>
-              </a:prstGeom>
-              <a:noFill/>
-              <a:ln>
-                <a:noFill/>
-              </a:ln>
-              <a:effectLst/>
-              <a:extLst/>
-            </p:spPr>
-            <p:txBody>
-              <a:bodyPr wrap="square" lIns="90000" tIns="46800" rIns="90000" bIns="46800">
-                <a:spAutoFit/>
-              </a:bodyPr>
-              <a:lstStyle>
-                <a:lvl1pPr>
-                  <a:tabLst>
-                    <a:tab pos="0" algn="l"/>
-                    <a:tab pos="457200" algn="l"/>
-                    <a:tab pos="914400" algn="l"/>
-                    <a:tab pos="1371600" algn="l"/>
-                    <a:tab pos="1828800" algn="l"/>
-                    <a:tab pos="2286000" algn="l"/>
-                    <a:tab pos="2743200" algn="l"/>
-                    <a:tab pos="3200400" algn="l"/>
-                    <a:tab pos="3657600" algn="l"/>
-                    <a:tab pos="4114800" algn="l"/>
-                    <a:tab pos="4572000" algn="l"/>
-                    <a:tab pos="5029200" algn="l"/>
-                    <a:tab pos="5486400" algn="l"/>
-                    <a:tab pos="5943600" algn="l"/>
-                    <a:tab pos="6400800" algn="l"/>
-                    <a:tab pos="6858000" algn="l"/>
-                    <a:tab pos="7315200" algn="l"/>
-                    <a:tab pos="7772400" algn="l"/>
-                    <a:tab pos="8229600" algn="l"/>
-                    <a:tab pos="8686800" algn="l"/>
-                    <a:tab pos="9144000" algn="l"/>
-                    <a:tab pos="9410700" algn="l"/>
-                  </a:tabLst>
-                  <a:defRPr>
-                    <a:solidFill>
-                      <a:srgbClr val="000000"/>
-                    </a:solidFill>
-                    <a:latin typeface="Arial" panose="020B0604020202020204" pitchFamily="34" charset="0"/>
-                    <a:cs typeface="Arial" panose="020B0604020202020204" pitchFamily="34" charset="0"/>
-                  </a:defRPr>
-                </a:lvl1pPr>
-                <a:lvl2pPr>
-                  <a:tabLst>
-                    <a:tab pos="0" algn="l"/>
-                    <a:tab pos="457200" algn="l"/>
-                    <a:tab pos="914400" algn="l"/>
-                    <a:tab pos="1371600" algn="l"/>
-                    <a:tab pos="1828800" algn="l"/>
-                    <a:tab pos="2286000" algn="l"/>
-                    <a:tab pos="2743200" algn="l"/>
-                    <a:tab pos="3200400" algn="l"/>
-                    <a:tab pos="3657600" algn="l"/>
-                    <a:tab pos="4114800" algn="l"/>
-                    <a:tab pos="4572000" algn="l"/>
-                    <a:tab pos="5029200" algn="l"/>
-                    <a:tab pos="5486400" algn="l"/>
-                    <a:tab pos="5943600" algn="l"/>
-                    <a:tab pos="6400800" algn="l"/>
-                    <a:tab pos="6858000" algn="l"/>
-                    <a:tab pos="7315200" algn="l"/>
-                    <a:tab pos="7772400" algn="l"/>
-                    <a:tab pos="8229600" algn="l"/>
-                    <a:tab pos="8686800" algn="l"/>
-                    <a:tab pos="9144000" algn="l"/>
-                    <a:tab pos="9410700" algn="l"/>
-                  </a:tabLst>
-                  <a:defRPr>
-                    <a:solidFill>
-                      <a:srgbClr val="000000"/>
-                    </a:solidFill>
-                    <a:latin typeface="Arial" panose="020B0604020202020204" pitchFamily="34" charset="0"/>
-                    <a:cs typeface="Arial" panose="020B0604020202020204" pitchFamily="34" charset="0"/>
-                  </a:defRPr>
-                </a:lvl2pPr>
-                <a:lvl3pPr>
-                  <a:tabLst>
-                    <a:tab pos="0" algn="l"/>
-                    <a:tab pos="457200" algn="l"/>
-                    <a:tab pos="914400" algn="l"/>
-                    <a:tab pos="1371600" algn="l"/>
-                    <a:tab pos="1828800" algn="l"/>
-                    <a:tab pos="2286000" algn="l"/>
-                    <a:tab pos="2743200" algn="l"/>
-                    <a:tab pos="3200400" algn="l"/>
-                    <a:tab pos="3657600" algn="l"/>
-                    <a:tab pos="4114800" algn="l"/>
-                    <a:tab pos="4572000" algn="l"/>
-                    <a:tab pos="5029200" algn="l"/>
-                    <a:tab pos="5486400" algn="l"/>
-                    <a:tab pos="5943600" algn="l"/>
-                    <a:tab pos="6400800" algn="l"/>
-                    <a:tab pos="6858000" algn="l"/>
-                    <a:tab pos="7315200" algn="l"/>
-                    <a:tab pos="7772400" algn="l"/>
-                    <a:tab pos="8229600" algn="l"/>
-                    <a:tab pos="8686800" algn="l"/>
-                    <a:tab pos="9144000" algn="l"/>
-                    <a:tab pos="9410700" algn="l"/>
-                  </a:tabLst>
-                  <a:defRPr>
-                    <a:solidFill>
-                      <a:srgbClr val="000000"/>
-                    </a:solidFill>
-                    <a:latin typeface="Arial" panose="020B0604020202020204" pitchFamily="34" charset="0"/>
-                    <a:cs typeface="Arial" panose="020B0604020202020204" pitchFamily="34" charset="0"/>
-                  </a:defRPr>
-                </a:lvl3pPr>
-                <a:lvl4pPr>
-                  <a:tabLst>
-                    <a:tab pos="0" algn="l"/>
-                    <a:tab pos="457200" algn="l"/>
-                    <a:tab pos="914400" algn="l"/>
-                    <a:tab pos="1371600" algn="l"/>
-                    <a:tab pos="1828800" algn="l"/>
-                    <a:tab pos="2286000" algn="l"/>
-                    <a:tab pos="2743200" algn="l"/>
-                    <a:tab pos="3200400" algn="l"/>
-                    <a:tab pos="3657600" algn="l"/>
-                    <a:tab pos="4114800" algn="l"/>
-                    <a:tab pos="4572000" algn="l"/>
-                    <a:tab pos="5029200" algn="l"/>
-                    <a:tab pos="5486400" algn="l"/>
-                    <a:tab pos="5943600" algn="l"/>
-                    <a:tab pos="6400800" algn="l"/>
-                    <a:tab pos="6858000" algn="l"/>
-                    <a:tab pos="7315200" algn="l"/>
-                    <a:tab pos="7772400" algn="l"/>
-                    <a:tab pos="8229600" algn="l"/>
-                    <a:tab pos="8686800" algn="l"/>
-                    <a:tab pos="9144000" algn="l"/>
-                    <a:tab pos="9410700" algn="l"/>
-                  </a:tabLst>
-                  <a:defRPr>
-                    <a:solidFill>
-                      <a:srgbClr val="000000"/>
-                    </a:solidFill>
-                    <a:latin typeface="Arial" panose="020B0604020202020204" pitchFamily="34" charset="0"/>
-                    <a:cs typeface="Arial" panose="020B0604020202020204" pitchFamily="34" charset="0"/>
-                  </a:defRPr>
-                </a:lvl4pPr>
-                <a:lvl5pPr>
-                  <a:tabLst>
-                    <a:tab pos="0" algn="l"/>
-                    <a:tab pos="457200" algn="l"/>
-                    <a:tab pos="914400" algn="l"/>
-                    <a:tab pos="1371600" algn="l"/>
-                    <a:tab pos="1828800" algn="l"/>
-                    <a:tab pos="2286000" algn="l"/>
-                    <a:tab pos="2743200" algn="l"/>
-                    <a:tab pos="3200400" algn="l"/>
-                    <a:tab pos="3657600" algn="l"/>
-                    <a:tab pos="4114800" algn="l"/>
-                    <a:tab pos="4572000" algn="l"/>
-                    <a:tab pos="5029200" algn="l"/>
-                    <a:tab pos="5486400" algn="l"/>
-                    <a:tab pos="5943600" algn="l"/>
-                    <a:tab pos="6400800" algn="l"/>
-                    <a:tab pos="6858000" algn="l"/>
-                    <a:tab pos="7315200" algn="l"/>
-                    <a:tab pos="7772400" algn="l"/>
-                    <a:tab pos="8229600" algn="l"/>
-                    <a:tab pos="8686800" algn="l"/>
-                    <a:tab pos="9144000" algn="l"/>
-                    <a:tab pos="9410700" algn="l"/>
-                  </a:tabLst>
-                  <a:defRPr>
-                    <a:solidFill>
-                      <a:srgbClr val="000000"/>
-                    </a:solidFill>
-                    <a:latin typeface="Arial" panose="020B0604020202020204" pitchFamily="34" charset="0"/>
-                    <a:cs typeface="Arial" panose="020B0604020202020204" pitchFamily="34" charset="0"/>
-                  </a:defRPr>
-                </a:lvl5pPr>
-                <a:lvl6pPr defTabSz="457200" fontAlgn="base">
-                  <a:spcBef>
-                    <a:spcPct val="0"/>
-                  </a:spcBef>
-                  <a:spcAft>
-                    <a:spcPct val="0"/>
-                  </a:spcAft>
-                  <a:buClr>
-                    <a:srgbClr val="000000"/>
-                  </a:buClr>
-                  <a:buSzPct val="100000"/>
-                  <a:buFont typeface="Arial" panose="020B0604020202020204" pitchFamily="34" charset="0"/>
-                  <a:tabLst>
-                    <a:tab pos="0" algn="l"/>
-                    <a:tab pos="457200" algn="l"/>
-                    <a:tab pos="914400" algn="l"/>
-                    <a:tab pos="1371600" algn="l"/>
-                    <a:tab pos="1828800" algn="l"/>
-                    <a:tab pos="2286000" algn="l"/>
-                    <a:tab pos="2743200" algn="l"/>
-                    <a:tab pos="3200400" algn="l"/>
-                    <a:tab pos="3657600" algn="l"/>
-                    <a:tab pos="4114800" algn="l"/>
-                    <a:tab pos="4572000" algn="l"/>
-                    <a:tab pos="5029200" algn="l"/>
-                    <a:tab pos="5486400" algn="l"/>
-                    <a:tab pos="5943600" algn="l"/>
-                    <a:tab pos="6400800" algn="l"/>
-                    <a:tab pos="6858000" algn="l"/>
-                    <a:tab pos="7315200" algn="l"/>
-                    <a:tab pos="7772400" algn="l"/>
-                    <a:tab pos="8229600" algn="l"/>
-                    <a:tab pos="8686800" algn="l"/>
-                    <a:tab pos="9144000" algn="l"/>
-                    <a:tab pos="9410700" algn="l"/>
-                  </a:tabLst>
-                  <a:defRPr>
-                    <a:solidFill>
-                      <a:srgbClr val="000000"/>
-                    </a:solidFill>
-                    <a:latin typeface="Arial" panose="020B0604020202020204" pitchFamily="34" charset="0"/>
-                    <a:cs typeface="Arial" panose="020B0604020202020204" pitchFamily="34" charset="0"/>
-                  </a:defRPr>
-                </a:lvl6pPr>
-                <a:lvl7pPr defTabSz="457200" fontAlgn="base">
-                  <a:spcBef>
-                    <a:spcPct val="0"/>
-                  </a:spcBef>
-                  <a:spcAft>
-                    <a:spcPct val="0"/>
-                  </a:spcAft>
-                  <a:buClr>
-                    <a:srgbClr val="000000"/>
-                  </a:buClr>
-                  <a:buSzPct val="100000"/>
-                  <a:buFont typeface="Arial" panose="020B0604020202020204" pitchFamily="34" charset="0"/>
-                  <a:tabLst>
-                    <a:tab pos="0" algn="l"/>
-                    <a:tab pos="457200" algn="l"/>
-                    <a:tab pos="914400" algn="l"/>
-                    <a:tab pos="1371600" algn="l"/>
-                    <a:tab pos="1828800" algn="l"/>
-                    <a:tab pos="2286000" algn="l"/>
-                    <a:tab pos="2743200" algn="l"/>
-                    <a:tab pos="3200400" algn="l"/>
-                    <a:tab pos="3657600" algn="l"/>
-                    <a:tab pos="4114800" algn="l"/>
-                    <a:tab pos="4572000" algn="l"/>
-                    <a:tab pos="5029200" algn="l"/>
-                    <a:tab pos="5486400" algn="l"/>
-                    <a:tab pos="5943600" algn="l"/>
-                    <a:tab pos="6400800" algn="l"/>
-                    <a:tab pos="6858000" algn="l"/>
-                    <a:tab pos="7315200" algn="l"/>
-                    <a:tab pos="7772400" algn="l"/>
-                    <a:tab pos="8229600" algn="l"/>
-                    <a:tab pos="8686800" algn="l"/>
-                    <a:tab pos="9144000" algn="l"/>
-                    <a:tab pos="9410700" algn="l"/>
-                  </a:tabLst>
-                  <a:defRPr>
-                    <a:solidFill>
-                      <a:srgbClr val="000000"/>
-                    </a:solidFill>
-                    <a:latin typeface="Arial" panose="020B0604020202020204" pitchFamily="34" charset="0"/>
-                    <a:cs typeface="Arial" panose="020B0604020202020204" pitchFamily="34" charset="0"/>
-                  </a:defRPr>
-                </a:lvl7pPr>
-                <a:lvl8pPr defTabSz="457200" fontAlgn="base">
-                  <a:spcBef>
-                    <a:spcPct val="0"/>
-                  </a:spcBef>
-                  <a:spcAft>
-                    <a:spcPct val="0"/>
-                  </a:spcAft>
-                  <a:buClr>
-                    <a:srgbClr val="000000"/>
-                  </a:buClr>
-                  <a:buSzPct val="100000"/>
-                  <a:buFont typeface="Arial" panose="020B0604020202020204" pitchFamily="34" charset="0"/>
-                  <a:tabLst>
-                    <a:tab pos="0" algn="l"/>
-                    <a:tab pos="457200" algn="l"/>
-                    <a:tab pos="914400" algn="l"/>
-                    <a:tab pos="1371600" algn="l"/>
-                    <a:tab pos="1828800" algn="l"/>
-                    <a:tab pos="2286000" algn="l"/>
-                    <a:tab pos="2743200" algn="l"/>
-                    <a:tab pos="3200400" algn="l"/>
-                    <a:tab pos="3657600" algn="l"/>
-                    <a:tab pos="4114800" algn="l"/>
-                    <a:tab pos="4572000" algn="l"/>
-                    <a:tab pos="5029200" algn="l"/>
-                    <a:tab pos="5486400" algn="l"/>
-                    <a:tab pos="5943600" algn="l"/>
-                    <a:tab pos="6400800" algn="l"/>
-                    <a:tab pos="6858000" algn="l"/>
-                    <a:tab pos="7315200" algn="l"/>
-                    <a:tab pos="7772400" algn="l"/>
-                    <a:tab pos="8229600" algn="l"/>
-                    <a:tab pos="8686800" algn="l"/>
-                    <a:tab pos="9144000" algn="l"/>
-                    <a:tab pos="9410700" algn="l"/>
-                  </a:tabLst>
-                  <a:defRPr>
-                    <a:solidFill>
-                      <a:srgbClr val="000000"/>
-                    </a:solidFill>
-                    <a:latin typeface="Arial" panose="020B0604020202020204" pitchFamily="34" charset="0"/>
-                    <a:cs typeface="Arial" panose="020B0604020202020204" pitchFamily="34" charset="0"/>
-                  </a:defRPr>
-                </a:lvl8pPr>
-                <a:lvl9pPr defTabSz="457200" fontAlgn="base">
-                  <a:spcBef>
-                    <a:spcPct val="0"/>
-                  </a:spcBef>
-                  <a:spcAft>
-                    <a:spcPct val="0"/>
-                  </a:spcAft>
-                  <a:buClr>
-                    <a:srgbClr val="000000"/>
-                  </a:buClr>
-                  <a:buSzPct val="100000"/>
-                  <a:buFont typeface="Arial" panose="020B0604020202020204" pitchFamily="34" charset="0"/>
-                  <a:tabLst>
-                    <a:tab pos="0" algn="l"/>
-                    <a:tab pos="457200" algn="l"/>
-                    <a:tab pos="914400" algn="l"/>
-                    <a:tab pos="1371600" algn="l"/>
-                    <a:tab pos="1828800" algn="l"/>
-                    <a:tab pos="2286000" algn="l"/>
-                    <a:tab pos="2743200" algn="l"/>
-                    <a:tab pos="3200400" algn="l"/>
-                    <a:tab pos="3657600" algn="l"/>
-                    <a:tab pos="4114800" algn="l"/>
-                    <a:tab pos="4572000" algn="l"/>
-                    <a:tab pos="5029200" algn="l"/>
-                    <a:tab pos="5486400" algn="l"/>
-                    <a:tab pos="5943600" algn="l"/>
-                    <a:tab pos="6400800" algn="l"/>
-                    <a:tab pos="6858000" algn="l"/>
-                    <a:tab pos="7315200" algn="l"/>
-                    <a:tab pos="7772400" algn="l"/>
-                    <a:tab pos="8229600" algn="l"/>
-                    <a:tab pos="8686800" algn="l"/>
-                    <a:tab pos="9144000" algn="l"/>
-                    <a:tab pos="9410700" algn="l"/>
-                  </a:tabLst>
-                  <a:defRPr>
-                    <a:solidFill>
-                      <a:srgbClr val="000000"/>
-                    </a:solidFill>
-                    <a:latin typeface="Arial" panose="020B0604020202020204" pitchFamily="34" charset="0"/>
-                    <a:cs typeface="Arial" panose="020B0604020202020204" pitchFamily="34" charset="0"/>
-                  </a:defRPr>
-                </a:lvl9pPr>
-              </a:lstStyle>
-              <a:p>
-                <a:pPr algn="l" rtl="0">
-                  <a:spcBef>
-                    <a:spcPts val="750"/>
-                  </a:spcBef>
-                </a:pPr>
-                <a:r>
-                  <a:rPr lang="en-US" altLang="en-US" sz="2400" dirty="0" smtClean="0"/>
-                  <a:t>Runtimes, minutes. </a:t>
-                </a:r>
-                <a14:m>
-                  <m:oMath xmlns:m="http://schemas.openxmlformats.org/officeDocument/2006/math">
-                    <m:r>
-                      <a:rPr lang="en-US" sz="2400" i="1" smtClean="0">
-                        <a:latin typeface="Cambria Math" panose="02040503050406030204" pitchFamily="18" charset="0"/>
-                        <a:ea typeface="Cambria Math" panose="02040503050406030204" pitchFamily="18" charset="0"/>
-                      </a:rPr>
-                      <m:t>±</m:t>
-                    </m:r>
-                  </m:oMath>
-                </a14:m>
-                <a:r>
-                  <a:rPr lang="en-US" altLang="en-US" sz="2400" dirty="0"/>
-                  <a:t> denotes the standard deviation. For </a:t>
-                </a:r>
-                <a:r>
-                  <a:rPr lang="en-US" altLang="en-US" sz="2400" dirty="0" smtClean="0"/>
-                  <a:t>sparse COMET</a:t>
-                </a:r>
-                <a:r>
-                  <a:rPr lang="en-US" altLang="en-US" sz="2400" dirty="0"/>
-                  <a:t>, we  selected </a:t>
-                </a:r>
-                <a14:m>
-                  <m:oMath xmlns:m="http://schemas.openxmlformats.org/officeDocument/2006/math">
-                    <m:r>
-                      <a:rPr lang="en-US" sz="2400" b="0" i="1" smtClean="0">
-                        <a:latin typeface="Cambria Math" panose="02040503050406030204" pitchFamily="18" charset="0"/>
-                      </a:rPr>
-                      <m:t>𝜌</m:t>
-                    </m:r>
-                  </m:oMath>
-                </a14:m>
-                <a:r>
-                  <a:rPr lang="en-US" altLang="en-US" sz="2400" dirty="0" smtClean="0"/>
-                  <a:t> </a:t>
-                </a:r>
-                <a:r>
-                  <a:rPr lang="en-US" altLang="en-US" sz="2400" dirty="0"/>
-                  <a:t>values to illustrate the performance gain. </a:t>
-                </a:r>
-                <a:endParaRPr lang="en-AU" altLang="en-US" sz="2400" i="1" dirty="0"/>
-              </a:p>
-            </p:txBody>
-          </p:sp>
-        </mc:Choice>
-        <mc:Fallback xmlns="">
-          <p:sp>
-            <p:nvSpPr>
-              <p:cNvPr id="63" name="Text Box 115"/>
-              <p:cNvSpPr txBox="1">
-                <a:spLocks noRot="1" noChangeAspect="1" noMove="1" noResize="1" noEditPoints="1" noAdjustHandles="1" noChangeArrowheads="1" noChangeShapeType="1" noTextEdit="1"/>
-              </p:cNvSpPr>
-              <p:nvPr/>
-            </p:nvSpPr>
-            <p:spPr bwMode="auto">
-              <a:xfrm>
-                <a:off x="22343838" y="30310146"/>
-                <a:ext cx="8964410" cy="1202510"/>
-              </a:xfrm>
-              <a:prstGeom prst="rect">
-                <a:avLst/>
-              </a:prstGeom>
-              <a:blipFill rotWithShape="0">
-                <a:blip r:embed="rId33"/>
-                <a:stretch>
-                  <a:fillRect l="-1020" t="-3553" b="-11168"/>
-                </a:stretch>
-              </a:blipFill>
-              <a:ln>
-                <a:noFill/>
-              </a:ln>
-              <a:effectLst/>
-              <a:extLst/>
-            </p:spPr>
-            <p:txBody>
-              <a:bodyPr/>
-              <a:lstStyle/>
-              <a:p>
-                <a:r>
-                  <a:rPr lang="en-US">
-                    <a:noFill/>
-                  </a:rPr>
-                  <a:t> </a:t>
-                </a:r>
-              </a:p>
-            </p:txBody>
-          </p:sp>
-        </mc:Fallback>
-      </mc:AlternateContent>
       <p:sp>
         <p:nvSpPr>
           <p:cNvPr id="70" name="Rectangle 69"/>
@@ -11901,7 +11311,7 @@
           <p:nvPr/>
         </p:nvPicPr>
         <p:blipFill>
-          <a:blip r:embed="rId34">
+          <a:blip r:embed="rId25">
             <a:extLst>
               <a:ext uri="{28A0092B-C50C-407E-A947-70E740481C1C}">
                 <a14:useLocalDpi xmlns:a14="http://schemas.microsoft.com/office/drawing/2010/main" val="0"/>
@@ -11935,22 +11345,22 @@
       </p:pic>
       <p:pic>
         <p:nvPicPr>
-          <p:cNvPr id="14" name="Picture 13"/>
+          <p:cNvPr id="16" name="Picture 15"/>
           <p:cNvPicPr>
             <a:picLocks noChangeAspect="1"/>
           </p:cNvPicPr>
           <p:nvPr/>
         </p:nvPicPr>
         <p:blipFill>
-          <a:blip r:embed="rId35"/>
+          <a:blip r:embed="rId26"/>
           <a:stretch>
             <a:fillRect/>
           </a:stretch>
         </p:blipFill>
         <p:spPr>
           <a:xfrm>
-            <a:off x="4128753" y="26383935"/>
-            <a:ext cx="3219819" cy="2612653"/>
+            <a:off x="1586235" y="26139129"/>
+            <a:ext cx="6610690" cy="2609984"/>
           </a:xfrm>
           <a:prstGeom prst="rect">
             <a:avLst/>
@@ -11967,8 +11377,8 @@
             </p:nvSpPr>
             <p:spPr>
               <a:xfrm>
-                <a:off x="12083856" y="17097484"/>
-                <a:ext cx="8838320" cy="10707533"/>
+                <a:off x="12083856" y="20736961"/>
+                <a:ext cx="8838320" cy="10215091"/>
               </a:xfrm>
               <a:prstGeom prst="rect">
                 <a:avLst/>
@@ -11983,11 +11393,31 @@
                 <a:pPr algn="l" rtl="0"/>
                 <a:r>
                   <a:rPr lang="en-US" sz="3200" dirty="0" smtClean="0"/>
-                  <a:t>We </a:t>
+                  <a:t>A </a:t>
                 </a:r>
                 <a:r>
                   <a:rPr lang="en-US" sz="3200" dirty="0" smtClean="0"/>
-                  <a:t>add a group-sparse norm penalty to the loss to encourage solutions with fewer features and obtain the following objective and optimization :</a:t>
+                  <a:t>group-sparse norm </a:t>
+                </a:r>
+                <a:r>
+                  <a:rPr lang="en-US" sz="3200" dirty="0" smtClean="0"/>
+                  <a:t>penalty encourages </a:t>
+                </a:r>
+                <a:r>
+                  <a:rPr lang="en-US" sz="3200" dirty="0" smtClean="0"/>
+                  <a:t>solutions </a:t>
+                </a:r>
+                <a:r>
+                  <a:rPr lang="en-US" sz="3200" dirty="0" smtClean="0"/>
+                  <a:t>with </a:t>
+                </a:r>
+                <a:r>
+                  <a:rPr lang="en-US" sz="3200" dirty="0" smtClean="0"/>
+                  <a:t>fewer </a:t>
+                </a:r>
+                <a:r>
+                  <a:rPr lang="en-US" sz="3200" dirty="0" smtClean="0"/>
+                  <a:t>features:</a:t>
                 </a:r>
               </a:p>
               <a:p>
@@ -12601,7 +12031,10 @@
                         <m:t>+</m:t>
                       </m:r>
                       <m:r>
-                        <a:rPr lang="en-US" sz="3200" i="1">
+                        <a:rPr lang="en-US" sz="3200" i="1" smtClean="0">
+                          <a:solidFill>
+                            <a:schemeClr val="tx2"/>
+                          </a:solidFill>
                           <a:latin typeface="Cambria Math" panose="02040503050406030204" pitchFamily="18" charset="0"/>
                         </a:rPr>
                         <m:t>𝜆</m:t>
@@ -12611,6 +12044,9 @@
                           <m:chr m:val="∑"/>
                           <m:ctrlPr>
                             <a:rPr lang="en-US" sz="3200" i="1">
+                              <a:solidFill>
+                                <a:schemeClr val="tx2"/>
+                              </a:solidFill>
                               <a:latin typeface="Cambria Math" panose="02040503050406030204" pitchFamily="18" charset="0"/>
                             </a:rPr>
                           </m:ctrlPr>
@@ -12618,18 +12054,27 @@
                         <m:sub>
                           <m:r>
                             <a:rPr lang="en-US" sz="3200" i="1">
+                              <a:solidFill>
+                                <a:schemeClr val="tx2"/>
+                              </a:solidFill>
                               <a:latin typeface="Cambria Math" panose="02040503050406030204" pitchFamily="18" charset="0"/>
                             </a:rPr>
                             <m:t>𝑘</m:t>
                           </m:r>
                           <m:r>
                             <a:rPr lang="en-US" sz="3200" i="1">
+                              <a:solidFill>
+                                <a:schemeClr val="tx2"/>
+                              </a:solidFill>
                               <a:latin typeface="Cambria Math" panose="02040503050406030204" pitchFamily="18" charset="0"/>
                             </a:rPr>
                             <m:t>=</m:t>
                           </m:r>
                           <m:r>
                             <a:rPr lang="en-US" sz="3200" i="1">
+                              <a:solidFill>
+                                <a:schemeClr val="tx2"/>
+                              </a:solidFill>
                               <a:latin typeface="Cambria Math" panose="02040503050406030204" pitchFamily="18" charset="0"/>
                             </a:rPr>
                             <m:t>0</m:t>
@@ -12638,6 +12083,9 @@
                         <m:sup>
                           <m:r>
                             <a:rPr lang="en-US" sz="3200" i="1">
+                              <a:solidFill>
+                                <a:schemeClr val="tx2"/>
+                              </a:solidFill>
                               <a:latin typeface="Cambria Math" panose="02040503050406030204" pitchFamily="18" charset="0"/>
                             </a:rPr>
                             <m:t>𝑑</m:t>
@@ -12648,6 +12096,9 @@
                             <m:sSubPr>
                               <m:ctrlPr>
                                 <a:rPr lang="en-US" sz="3200" i="1">
+                                  <a:solidFill>
+                                    <a:schemeClr val="tx2"/>
+                                  </a:solidFill>
                                   <a:latin typeface="Cambria Math" panose="02040503050406030204" pitchFamily="18" charset="0"/>
                                 </a:rPr>
                               </m:ctrlPr>
@@ -12659,6 +12110,9 @@
                                   <m:endChr m:val="‖"/>
                                   <m:ctrlPr>
                                     <a:rPr lang="en-US" sz="3200" i="1">
+                                      <a:solidFill>
+                                        <a:schemeClr val="tx2"/>
+                                      </a:solidFill>
                                       <a:latin typeface="Cambria Math" panose="02040503050406030204" pitchFamily="18" charset="0"/>
                                     </a:rPr>
                                   </m:ctrlPr>
@@ -12668,6 +12122,9 @@
                                     <m:sSubPr>
                                       <m:ctrlPr>
                                         <a:rPr lang="en-US" sz="3200" i="1">
+                                          <a:solidFill>
+                                            <a:schemeClr val="tx2"/>
+                                          </a:solidFill>
                                           <a:latin typeface="Cambria Math" panose="02040503050406030204" pitchFamily="18" charset="0"/>
                                         </a:rPr>
                                       </m:ctrlPr>
@@ -12675,6 +12132,9 @@
                                     <m:e>
                                       <m:r>
                                         <a:rPr lang="en-US" sz="3200" i="1">
+                                          <a:solidFill>
+                                            <a:schemeClr val="tx2"/>
+                                          </a:solidFill>
                                           <a:latin typeface="Cambria Math" panose="02040503050406030204" pitchFamily="18" charset="0"/>
                                         </a:rPr>
                                         <m:t>𝑉</m:t>
@@ -12683,6 +12143,9 @@
                                     <m:sub>
                                       <m:r>
                                         <a:rPr lang="en-US" sz="3200" i="1">
+                                          <a:solidFill>
+                                            <a:schemeClr val="tx2"/>
+                                          </a:solidFill>
                                           <a:latin typeface="Cambria Math" panose="02040503050406030204" pitchFamily="18" charset="0"/>
                                         </a:rPr>
                                         <m:t>𝑘</m:t>
@@ -12695,6 +12158,9 @@
                             <m:sub>
                               <m:r>
                                 <a:rPr lang="en-US" sz="3200" i="1">
+                                  <a:solidFill>
+                                    <a:schemeClr val="tx2"/>
+                                  </a:solidFill>
                                   <a:latin typeface="Cambria Math" panose="02040503050406030204" pitchFamily="18" charset="0"/>
                                 </a:rPr>
                                 <m:t>𝐹</m:t>
@@ -12706,29 +12172,30 @@
                     </m:oMath>
                   </m:oMathPara>
                 </a14:m>
-                <a:endParaRPr lang="en-US" sz="3200" dirty="0"/>
+                <a:endParaRPr lang="en-US" sz="3200" dirty="0">
+                  <a:solidFill>
+                    <a:schemeClr val="tx2"/>
+                  </a:solidFill>
+                </a:endParaRPr>
               </a:p>
               <a:p>
                 <a:pPr algn="l" rtl="0"/>
                 <a:endParaRPr lang="en-US" sz="3200" dirty="0" smtClean="0"/>
               </a:p>
               <a:p>
-                <a:pPr algn="l" rtl="0"/>
+                <a:pPr algn="l"/>
                 <a:r>
                   <a:rPr lang="en-US" sz="3200" dirty="0"/>
-                  <a:t>For encouraging exact all-zeros updates, we solve </a:t>
+                  <a:t>Solving a proximal problem on each step to encourage exact all-zeros updates, which admits a closed form </a:t>
                 </a:r>
                 <a:r>
                   <a:rPr lang="en-US" sz="3200" dirty="0" smtClean="0"/>
-                  <a:t>on each </a:t>
+                  <a:t>solution.</a:t>
                 </a:r>
-                <a:r>
-                  <a:rPr lang="en-US" sz="3200" dirty="0"/>
-                  <a:t>coordinate step the following proximal problem, which admits a closed form solution.</a:t>
-                </a:r>
+                <a:endParaRPr lang="en-US" sz="3200" dirty="0"/>
               </a:p>
               <a:p>
-                <a:pPr algn="l" rtl="0"/>
+                <a:pPr algn="l"/>
                 <a14:m>
                   <m:oMathPara xmlns:m="http://schemas.openxmlformats.org/officeDocument/2006/math">
                     <m:oMathParaPr>
@@ -12738,57 +12205,43 @@
                       <m:sSubSup>
                         <m:sSubSupPr>
                           <m:ctrlPr>
-                            <a:rPr lang="en-US" sz="3200" i="1">
-                              <a:latin typeface="Cambria Math" panose="02040503050406030204" pitchFamily="18" charset="0"/>
-                            </a:rPr>
+                            <a:rPr lang="en-US" sz="3200" i="1"/>
                           </m:ctrlPr>
                         </m:sSubSupPr>
                         <m:e>
                           <m:r>
-                            <a:rPr lang="en-US" sz="3200" i="1">
-                              <a:latin typeface="Cambria Math" panose="02040503050406030204" pitchFamily="18" charset="0"/>
-                            </a:rPr>
+                            <a:rPr lang="en-US" sz="3200" i="1"/>
                             <m:t>𝑉</m:t>
                           </m:r>
                         </m:e>
                         <m:sub>
                           <m:r>
-                            <a:rPr lang="en-US" sz="3200" i="1">
-                              <a:latin typeface="Cambria Math" panose="02040503050406030204" pitchFamily="18" charset="0"/>
-                            </a:rPr>
+                            <a:rPr lang="en-US" sz="3200" i="1"/>
                             <m:t>𝑘</m:t>
                           </m:r>
                         </m:sub>
                         <m:sup>
                           <m:r>
-                            <a:rPr lang="en-US" sz="3200" i="1">
-                              <a:latin typeface="Cambria Math" panose="02040503050406030204" pitchFamily="18" charset="0"/>
-                            </a:rPr>
+                            <a:rPr lang="en-US" sz="3200" i="1"/>
                             <m:t>𝑛𝑒𝑤</m:t>
                           </m:r>
                         </m:sup>
                       </m:sSubSup>
                       <m:r>
-                        <a:rPr lang="en-US" sz="3200" i="1">
-                          <a:latin typeface="Cambria Math" panose="02040503050406030204" pitchFamily="18" charset="0"/>
-                        </a:rPr>
+                        <a:rPr lang="en-US" sz="3200" i="1"/>
                         <m:t>=</m:t>
                       </m:r>
                       <m:func>
                         <m:funcPr>
                           <m:ctrlPr>
-                            <a:rPr lang="en-US" sz="3200" i="1">
-                              <a:latin typeface="Cambria Math" panose="02040503050406030204" pitchFamily="18" charset="0"/>
-                            </a:rPr>
+                            <a:rPr lang="en-US" sz="3200" i="1"/>
                           </m:ctrlPr>
                         </m:funcPr>
                         <m:fName>
                           <m:limLow>
                             <m:limLowPr>
                               <m:ctrlPr>
-                                <a:rPr lang="en-US" sz="3200" i="1">
-                                  <a:latin typeface="Cambria Math" panose="02040503050406030204" pitchFamily="18" charset="0"/>
-                                </a:rPr>
+                                <a:rPr lang="en-US" sz="3200" i="1"/>
                               </m:ctrlPr>
                             </m:limLowPr>
                             <m:e>
@@ -12796,46 +12249,34 @@
                                 <m:rPr>
                                   <m:sty m:val="p"/>
                                 </m:rPr>
-                                <a:rPr lang="en-US" sz="3200">
-                                  <a:latin typeface="Cambria Math" panose="02040503050406030204" pitchFamily="18" charset="0"/>
-                                </a:rPr>
+                                <a:rPr lang="en-US" sz="3200"/>
                                 <m:t>argmin</m:t>
                               </m:r>
                             </m:e>
                             <m:lim>
                               <m:r>
-                                <a:rPr lang="en-US" sz="3200" i="1">
-                                  <a:latin typeface="Cambria Math" panose="02040503050406030204" pitchFamily="18" charset="0"/>
-                                </a:rPr>
+                                <a:rPr lang="en-US" sz="3200" i="1"/>
                                 <m:t>𝑉</m:t>
                               </m:r>
                               <m:r>
-                                <a:rPr lang="en-US" sz="3200" i="1">
-                                  <a:latin typeface="Cambria Math" panose="02040503050406030204" pitchFamily="18" charset="0"/>
-                                </a:rPr>
+                                <a:rPr lang="en-US" sz="3200" i="1"/>
                                 <m:t>∈</m:t>
                               </m:r>
                               <m:sSub>
                                 <m:sSubPr>
                                   <m:ctrlPr>
-                                    <a:rPr lang="en-US" sz="3200" i="1">
-                                      <a:latin typeface="Cambria Math" panose="02040503050406030204" pitchFamily="18" charset="0"/>
-                                    </a:rPr>
+                                    <a:rPr lang="en-US" sz="3200" i="1"/>
                                   </m:ctrlPr>
                                 </m:sSubPr>
                                 <m:e>
                                   <m:r>
-                                    <a:rPr lang="en-US" sz="3200" i="1">
-                                      <a:latin typeface="Cambria Math" panose="02040503050406030204" pitchFamily="18" charset="0"/>
-                                    </a:rPr>
+                                    <a:rPr lang="en-US" sz="3200" i="1"/>
                                     <m:t>𝒱</m:t>
                                   </m:r>
                                 </m:e>
                                 <m:sub>
                                   <m:r>
-                                    <a:rPr lang="en-US" sz="3200" i="1">
-                                      <a:latin typeface="Cambria Math" panose="02040503050406030204" pitchFamily="18" charset="0"/>
-                                    </a:rPr>
+                                    <a:rPr lang="en-US" sz="3200" i="1"/>
                                     <m:t>𝑘</m:t>
                                   </m:r>
                                 </m:sub>
@@ -12849,62 +12290,46 @@
                               <m:begChr m:val="⟨"/>
                               <m:endChr m:val="⟩"/>
                               <m:ctrlPr>
-                                <a:rPr lang="en-US" sz="3200" i="1">
-                                  <a:latin typeface="Cambria Math" panose="02040503050406030204" pitchFamily="18" charset="0"/>
-                                </a:rPr>
+                                <a:rPr lang="en-US" sz="3200" i="1"/>
                               </m:ctrlPr>
                             </m:dPr>
                             <m:e>
                               <m:f>
                                 <m:fPr>
                                   <m:ctrlPr>
-                                    <a:rPr lang="en-US" sz="3200" i="1">
-                                      <a:latin typeface="Cambria Math" panose="02040503050406030204" pitchFamily="18" charset="0"/>
-                                    </a:rPr>
+                                    <a:rPr lang="en-US" sz="3200" i="1"/>
                                   </m:ctrlPr>
                                 </m:fPr>
                                 <m:num>
                                   <m:r>
-                                    <a:rPr lang="en-US" sz="3200" i="1">
-                                      <a:latin typeface="Cambria Math" panose="02040503050406030204" pitchFamily="18" charset="0"/>
-                                    </a:rPr>
+                                    <a:rPr lang="en-US" sz="3200" i="1"/>
                                     <m:t>𝜕</m:t>
                                   </m:r>
                                   <m:r>
-                                    <a:rPr lang="en-US" sz="3200" i="1">
-                                      <a:latin typeface="Cambria Math" panose="02040503050406030204" pitchFamily="18" charset="0"/>
-                                    </a:rPr>
+                                    <a:rPr lang="en-US" sz="3200" i="1"/>
                                     <m:t>𝐿</m:t>
                                   </m:r>
                                 </m:num>
                                 <m:den>
                                   <m:r>
-                                    <a:rPr lang="en-US" sz="3200" i="1">
-                                      <a:latin typeface="Cambria Math" panose="02040503050406030204" pitchFamily="18" charset="0"/>
-                                    </a:rPr>
+                                    <a:rPr lang="en-US" sz="3200" i="1"/>
                                     <m:t>𝜕</m:t>
                                   </m:r>
                                   <m:sSub>
                                     <m:sSubPr>
                                       <m:ctrlPr>
-                                        <a:rPr lang="en-US" sz="3200" i="1">
-                                          <a:latin typeface="Cambria Math" panose="02040503050406030204" pitchFamily="18" charset="0"/>
-                                        </a:rPr>
+                                        <a:rPr lang="en-US" sz="3200" i="1"/>
                                       </m:ctrlPr>
                                     </m:sSubPr>
                                     <m:e>
                                       <m:r>
-                                        <a:rPr lang="en-US" sz="3200" i="1">
-                                          <a:latin typeface="Cambria Math" panose="02040503050406030204" pitchFamily="18" charset="0"/>
-                                        </a:rPr>
+                                        <a:rPr lang="en-US" sz="3200" i="1"/>
                                         <m:t>𝑉</m:t>
                                       </m:r>
                                     </m:e>
                                     <m:sub>
                                       <m:r>
-                                        <a:rPr lang="en-US" sz="3200" i="1">
-                                          <a:latin typeface="Cambria Math" panose="02040503050406030204" pitchFamily="18" charset="0"/>
-                                        </a:rPr>
+                                        <a:rPr lang="en-US" sz="3200" i="1"/>
                                         <m:t>𝑘</m:t>
                                       </m:r>
                                     </m:sub>
@@ -12912,15 +12337,11 @@
                                 </m:den>
                               </m:f>
                               <m:r>
-                                <a:rPr lang="en-US" sz="3200" i="1">
-                                  <a:latin typeface="Cambria Math" panose="02040503050406030204" pitchFamily="18" charset="0"/>
-                                </a:rPr>
+                                <a:rPr lang="en-US" sz="3200" i="1"/>
                                 <m:t>,</m:t>
                               </m:r>
                               <m:r>
-                                <a:rPr lang="en-US" sz="3200" i="1">
-                                  <a:latin typeface="Cambria Math" panose="02040503050406030204" pitchFamily="18" charset="0"/>
-                                </a:rPr>
+                                <a:rPr lang="en-US" sz="3200" i="1"/>
                                 <m:t>𝑉</m:t>
                               </m:r>
                             </m:e>
@@ -12928,38 +12349,28 @@
                         </m:e>
                       </m:func>
                       <m:r>
-                        <a:rPr lang="en-US" sz="3200" i="1">
-                          <a:latin typeface="Cambria Math" panose="02040503050406030204" pitchFamily="18" charset="0"/>
-                        </a:rPr>
+                        <a:rPr lang="en-US" sz="3200" i="1"/>
                         <m:t>+</m:t>
                       </m:r>
                       <m:f>
                         <m:fPr>
                           <m:ctrlPr>
-                            <a:rPr lang="en-US" sz="3200" i="1">
-                              <a:latin typeface="Cambria Math" panose="02040503050406030204" pitchFamily="18" charset="0"/>
-                            </a:rPr>
+                            <a:rPr lang="en-US" sz="3200" i="1"/>
                           </m:ctrlPr>
                         </m:fPr>
                         <m:num>
                           <m:r>
-                            <a:rPr lang="en-US" sz="3200" i="1">
-                              <a:latin typeface="Cambria Math" panose="02040503050406030204" pitchFamily="18" charset="0"/>
-                            </a:rPr>
+                            <a:rPr lang="en-US" sz="3200" i="1"/>
                             <m:t>1</m:t>
                           </m:r>
                         </m:num>
                         <m:den>
                           <m:r>
-                            <a:rPr lang="en-US" sz="3200" i="1">
-                              <a:latin typeface="Cambria Math" panose="02040503050406030204" pitchFamily="18" charset="0"/>
-                            </a:rPr>
+                            <a:rPr lang="en-US" sz="3200" i="1"/>
                             <m:t>2</m:t>
                           </m:r>
                           <m:r>
-                            <a:rPr lang="en-US" sz="3200" i="1">
-                              <a:latin typeface="Cambria Math" panose="02040503050406030204" pitchFamily="18" charset="0"/>
-                            </a:rPr>
+                            <a:rPr lang="en-US" sz="3200" i="1"/>
                             <m:t>𝜃</m:t>
                           </m:r>
                         </m:den>
@@ -12967,9 +12378,7 @@
                       <m:sSubSup>
                         <m:sSubSupPr>
                           <m:ctrlPr>
-                            <a:rPr lang="en-US" sz="3200" i="1">
-                              <a:latin typeface="Cambria Math" panose="02040503050406030204" pitchFamily="18" charset="0"/>
-                            </a:rPr>
+                            <a:rPr lang="en-US" sz="3200" i="1"/>
                           </m:ctrlPr>
                         </m:sSubSupPr>
                         <m:e>
@@ -12978,45 +12387,33 @@
                               <m:begChr m:val="‖"/>
                               <m:endChr m:val="‖"/>
                               <m:ctrlPr>
-                                <a:rPr lang="en-US" sz="3200" i="1">
-                                  <a:latin typeface="Cambria Math" panose="02040503050406030204" pitchFamily="18" charset="0"/>
-                                </a:rPr>
+                                <a:rPr lang="en-US" sz="3200" i="1"/>
                               </m:ctrlPr>
                             </m:dPr>
                             <m:e>
                               <m:sSub>
                                 <m:sSubPr>
                                   <m:ctrlPr>
-                                    <a:rPr lang="en-US" sz="3200" i="1">
-                                      <a:latin typeface="Cambria Math" panose="02040503050406030204" pitchFamily="18" charset="0"/>
-                                    </a:rPr>
+                                    <a:rPr lang="en-US" sz="3200" i="1"/>
                                   </m:ctrlPr>
                                 </m:sSubPr>
                                 <m:e>
                                   <m:r>
-                                    <a:rPr lang="en-US" sz="3200" i="1">
-                                      <a:latin typeface="Cambria Math" panose="02040503050406030204" pitchFamily="18" charset="0"/>
-                                    </a:rPr>
+                                    <a:rPr lang="en-US" sz="3200" i="1"/>
                                     <m:t>𝑉</m:t>
                                   </m:r>
                                   <m:r>
-                                    <a:rPr lang="en-US" sz="3200" i="1">
-                                      <a:latin typeface="Cambria Math" panose="02040503050406030204" pitchFamily="18" charset="0"/>
-                                    </a:rPr>
+                                    <a:rPr lang="en-US" sz="3200" i="1"/>
                                     <m:t>−</m:t>
                                   </m:r>
                                   <m:r>
-                                    <a:rPr lang="en-US" sz="3200" i="1">
-                                      <a:latin typeface="Cambria Math" panose="02040503050406030204" pitchFamily="18" charset="0"/>
-                                    </a:rPr>
+                                    <a:rPr lang="en-US" sz="3200" i="1"/>
                                     <m:t>𝑉</m:t>
                                   </m:r>
                                 </m:e>
                                 <m:sub>
                                   <m:r>
-                                    <a:rPr lang="en-US" sz="3200" i="1">
-                                      <a:latin typeface="Cambria Math" panose="02040503050406030204" pitchFamily="18" charset="0"/>
-                                    </a:rPr>
+                                    <a:rPr lang="en-US" sz="3200" i="1"/>
                                     <m:t>𝑘</m:t>
                                   </m:r>
                                 </m:sub>
@@ -13026,31 +12423,23 @@
                         </m:e>
                         <m:sub>
                           <m:r>
-                            <a:rPr lang="en-US" sz="3200" i="1">
-                              <a:latin typeface="Cambria Math" panose="02040503050406030204" pitchFamily="18" charset="0"/>
-                            </a:rPr>
+                            <a:rPr lang="en-US" sz="3200" i="1"/>
                             <m:t>𝐹</m:t>
                           </m:r>
                         </m:sub>
                         <m:sup>
                           <m:r>
-                            <a:rPr lang="en-US" sz="3200" i="1">
-                              <a:latin typeface="Cambria Math" panose="02040503050406030204" pitchFamily="18" charset="0"/>
-                            </a:rPr>
+                            <a:rPr lang="en-US" sz="3200" i="1"/>
                             <m:t>2</m:t>
                           </m:r>
                         </m:sup>
                       </m:sSubSup>
                       <m:r>
-                        <a:rPr lang="en-US" sz="3200" i="1">
-                          <a:latin typeface="Cambria Math" panose="02040503050406030204" pitchFamily="18" charset="0"/>
-                        </a:rPr>
+                        <a:rPr lang="en-US" sz="3200" i="1"/>
                         <m:t> +</m:t>
                       </m:r>
                       <m:r>
-                        <a:rPr lang="en-US" sz="3200" i="1">
-                          <a:latin typeface="Cambria Math" panose="02040503050406030204" pitchFamily="18" charset="0"/>
-                        </a:rPr>
+                        <a:rPr lang="en-US" sz="3200" i="1"/>
                         <m:t>𝜆</m:t>
                       </m:r>
                       <m:d>
@@ -13058,27 +12447,27 @@
                           <m:begChr m:val="‖"/>
                           <m:endChr m:val="‖"/>
                           <m:ctrlPr>
-                            <a:rPr lang="en-US" sz="3200" i="1">
-                              <a:latin typeface="Cambria Math" panose="02040503050406030204" pitchFamily="18" charset="0"/>
-                            </a:rPr>
+                            <a:rPr lang="en-US" sz="3200" i="1"/>
                           </m:ctrlPr>
                         </m:dPr>
                         <m:e>
                           <m:r>
-                            <a:rPr lang="en-US" sz="3200" i="1">
-                              <a:latin typeface="Cambria Math" panose="02040503050406030204" pitchFamily="18" charset="0"/>
-                            </a:rPr>
+                            <a:rPr lang="en-US" sz="3200" i="1"/>
                             <m:t>𝑉</m:t>
                           </m:r>
                         </m:e>
                       </m:d>
+                      <m:r>
+                        <a:rPr lang="en-US" sz="3200" i="1"/>
+                        <m:t>,</m:t>
+                      </m:r>
                     </m:oMath>
                   </m:oMathPara>
                 </a14:m>
                 <a:endParaRPr lang="en-US" sz="3200" dirty="0"/>
               </a:p>
               <a:p>
-                <a:pPr algn="l" rtl="0"/>
+                <a:pPr algn="l"/>
                 <a:r>
                   <a:rPr lang="en-US" sz="3200" dirty="0" smtClean="0"/>
                   <a:t/>
@@ -13088,117 +12477,85 @@
                 </a:br>
                 <a:r>
                   <a:rPr lang="en-US" sz="3200" dirty="0" smtClean="0"/>
-                  <a:t>and </a:t>
-                </a:r>
-                <a:r>
-                  <a:rPr lang="en-US" sz="3200" dirty="0"/>
-                  <a:t>set </a:t>
+                  <a:t>setting </a:t>
                 </a:r>
                 <a14:m>
                   <m:oMath xmlns:m="http://schemas.openxmlformats.org/officeDocument/2006/math">
                     <m:sSup>
                       <m:sSupPr>
                         <m:ctrlPr>
-                          <a:rPr lang="en-US" sz="3200" i="1">
-                            <a:latin typeface="Cambria Math" panose="02040503050406030204" pitchFamily="18" charset="0"/>
-                          </a:rPr>
+                          <a:rPr lang="en-US" sz="3200" i="1"/>
                         </m:ctrlPr>
                       </m:sSupPr>
                       <m:e>
                         <m:r>
-                          <a:rPr lang="en-US" sz="3200" i="1">
-                            <a:latin typeface="Cambria Math" panose="02040503050406030204" pitchFamily="18" charset="0"/>
-                          </a:rPr>
+                          <a:rPr lang="en-US" sz="3200" i="1"/>
                           <m:t>𝑊</m:t>
                         </m:r>
                       </m:e>
                       <m:sup>
                         <m:r>
-                          <a:rPr lang="en-US" sz="3200" i="1">
-                            <a:latin typeface="Cambria Math" panose="02040503050406030204" pitchFamily="18" charset="0"/>
-                          </a:rPr>
+                          <a:rPr lang="en-US" sz="3200" i="1"/>
                           <m:t>𝑛𝑒𝑤</m:t>
                         </m:r>
                       </m:sup>
                     </m:sSup>
                     <m:r>
-                      <a:rPr lang="en-US" sz="3200" i="1">
-                        <a:latin typeface="Cambria Math" panose="02040503050406030204" pitchFamily="18" charset="0"/>
-                      </a:rPr>
+                      <a:rPr lang="en-US" sz="3200" i="1"/>
                       <m:t>=</m:t>
                     </m:r>
                     <m:r>
-                      <a:rPr lang="en-US" sz="3200" i="1">
-                        <a:latin typeface="Cambria Math" panose="02040503050406030204" pitchFamily="18" charset="0"/>
-                      </a:rPr>
+                      <a:rPr lang="en-US" sz="3200" i="1"/>
                       <m:t>𝑊</m:t>
                     </m:r>
                     <m:r>
-                      <a:rPr lang="en-US" sz="3200" i="1">
-                        <a:latin typeface="Cambria Math" panose="02040503050406030204" pitchFamily="18" charset="0"/>
-                      </a:rPr>
+                      <a:rPr lang="en-US" sz="3200" i="1"/>
                       <m:t>+</m:t>
                     </m:r>
                     <m:sSubSup>
                       <m:sSubSupPr>
                         <m:ctrlPr>
-                          <a:rPr lang="en-US" sz="3200" i="1">
-                            <a:latin typeface="Cambria Math" panose="02040503050406030204" pitchFamily="18" charset="0"/>
-                          </a:rPr>
+                          <a:rPr lang="en-US" sz="3200" i="1"/>
                         </m:ctrlPr>
                       </m:sSubSupPr>
                       <m:e>
                         <m:r>
-                          <a:rPr lang="en-US" sz="3200" i="1">
-                            <a:latin typeface="Cambria Math" panose="02040503050406030204" pitchFamily="18" charset="0"/>
-                          </a:rPr>
+                          <a:rPr lang="en-US" sz="3200" i="1"/>
                           <m:t>𝑉</m:t>
                         </m:r>
                       </m:e>
                       <m:sub>
                         <m:r>
-                          <a:rPr lang="en-US" sz="3200" i="1">
-                            <a:latin typeface="Cambria Math" panose="02040503050406030204" pitchFamily="18" charset="0"/>
-                          </a:rPr>
+                          <a:rPr lang="en-US" sz="3200" i="1"/>
                           <m:t>𝑘</m:t>
                         </m:r>
                       </m:sub>
                       <m:sup>
                         <m:r>
-                          <a:rPr lang="en-US" sz="3200" i="1">
-                            <a:latin typeface="Cambria Math" panose="02040503050406030204" pitchFamily="18" charset="0"/>
-                          </a:rPr>
+                          <a:rPr lang="en-US" sz="3200" i="1"/>
                           <m:t>𝑛𝑒𝑤</m:t>
                         </m:r>
                       </m:sup>
                     </m:sSubSup>
                     <m:r>
-                      <a:rPr lang="en-US" sz="3200" i="1">
-                        <a:latin typeface="Cambria Math" panose="02040503050406030204" pitchFamily="18" charset="0"/>
-                      </a:rPr>
+                      <a:rPr lang="en-US" sz="3200" i="1"/>
                       <m:t>−</m:t>
                     </m:r>
                     <m:sSub>
                       <m:sSubPr>
                         <m:ctrlPr>
-                          <a:rPr lang="en-US" sz="3200" i="1">
-                            <a:latin typeface="Cambria Math" panose="02040503050406030204" pitchFamily="18" charset="0"/>
-                          </a:rPr>
+                          <a:rPr lang="en-US" sz="3200" i="1"/>
                         </m:ctrlPr>
                       </m:sSubPr>
                       <m:e>
                         <m:r>
-                          <a:rPr lang="en-US" sz="3200" i="1">
-                            <a:latin typeface="Cambria Math" panose="02040503050406030204" pitchFamily="18" charset="0"/>
-                          </a:rPr>
+                          <a:rPr lang="en-US" sz="3200" i="1"/>
                           <m:t>𝑉</m:t>
                         </m:r>
                       </m:e>
                       <m:sub>
                         <m:r>
-                          <a:rPr lang="en-US" sz="3200" i="1">
-                            <a:latin typeface="Cambria Math" panose="02040503050406030204" pitchFamily="18" charset="0"/>
-                          </a:rPr>
+                          <a:rPr lang="en-US" sz="3200" i="1"/>
                           <m:t>𝑘</m:t>
                         </m:r>
                       </m:sub>
@@ -13207,21 +12564,19 @@
                 </a14:m>
                 <a:r>
                   <a:rPr lang="en-US" sz="3200" dirty="0"/>
-                  <a:t>, where </a:t>
+                  <a:t> and </a:t>
                 </a:r>
                 <a14:m>
                   <m:oMath xmlns:m="http://schemas.openxmlformats.org/officeDocument/2006/math">
                     <m:r>
-                      <a:rPr lang="en-US" sz="3200" i="1">
-                        <a:latin typeface="Cambria Math" panose="02040503050406030204" pitchFamily="18" charset="0"/>
-                      </a:rPr>
+                      <a:rPr lang="en-US" sz="3200" i="1"/>
                       <m:t>𝜃</m:t>
                     </m:r>
                   </m:oMath>
                 </a14:m>
                 <a:r>
                   <a:rPr lang="en-US" sz="3200" dirty="0"/>
-                  <a:t> corresponds to the step size of the proximal update.</a:t>
+                  <a:t> is the step size of the proximal update.</a:t>
                 </a:r>
               </a:p>
               <a:p>
@@ -13242,18 +12597,1777 @@
             </p:nvSpPr>
             <p:spPr>
               <a:xfrm>
-                <a:off x="12083856" y="17097484"/>
-                <a:ext cx="8838320" cy="10707533"/>
+                <a:off x="12083856" y="20736961"/>
+                <a:ext cx="8838320" cy="10215091"/>
               </a:xfrm>
               <a:prstGeom prst="rect">
                 <a:avLst/>
               </a:prstGeom>
               <a:blipFill rotWithShape="0">
-                <a:blip r:embed="rId36"/>
+                <a:blip r:embed="rId27"/>
                 <a:stretch>
-                  <a:fillRect l="-1586" t="-683" r="-1172"/>
+                  <a:fillRect l="-1586" t="-716"/>
                 </a:stretch>
               </a:blipFill>
+            </p:spPr>
+            <p:txBody>
+              <a:bodyPr/>
+              <a:lstStyle/>
+              <a:p>
+                <a:r>
+                  <a:rPr lang="en-US">
+                    <a:noFill/>
+                  </a:rPr>
+                  <a:t> </a:t>
+                </a:r>
+              </a:p>
+            </p:txBody>
+          </p:sp>
+        </mc:Fallback>
+      </mc:AlternateContent>
+      <p:sp>
+        <p:nvSpPr>
+          <p:cNvPr id="65" name="Text Box 102"/>
+          <p:cNvSpPr txBox="1">
+            <a:spLocks noChangeArrowheads="1"/>
+          </p:cNvSpPr>
+          <p:nvPr/>
+        </p:nvSpPr>
+        <p:spPr bwMode="auto">
+          <a:xfrm>
+            <a:off x="1512468" y="25995113"/>
+            <a:ext cx="2934114" cy="463846"/>
+          </a:xfrm>
+          <a:prstGeom prst="rect">
+            <a:avLst/>
+          </a:prstGeom>
+          <a:noFill/>
+          <a:ln>
+            <a:noFill/>
+          </a:ln>
+          <a:effectLst/>
+          <a:extLst>
+            <a:ext uri="{909E8E84-426E-40DD-AFC4-6F175D3DCCD1}">
+              <a14:hiddenFill xmlns:a14="http://schemas.microsoft.com/office/drawing/2010/main">
+                <a:solidFill>
+                  <a:srgbClr val="FFFFFF"/>
+                </a:solidFill>
+              </a14:hiddenFill>
+            </a:ext>
+            <a:ext uri="{91240B29-F687-4F45-9708-019B960494DF}">
+              <a14:hiddenLine xmlns:a14="http://schemas.microsoft.com/office/drawing/2010/main" w="9525">
+                <a:solidFill>
+                  <a:srgbClr val="000000"/>
+                </a:solidFill>
+                <a:round/>
+                <a:headEnd/>
+                <a:tailEnd/>
+              </a14:hiddenLine>
+            </a:ext>
+            <a:ext uri="{AF507438-7753-43E0-B8FC-AC1667EBCBE1}">
+              <a14:hiddenEffects xmlns:a14="http://schemas.microsoft.com/office/drawing/2010/main">
+                <a:effectLst>
+                  <a:outerShdw dist="35921" dir="2700000" algn="ctr" rotWithShape="0">
+                    <a:srgbClr val="808080"/>
+                  </a:outerShdw>
+                </a:effectLst>
+              </a14:hiddenEffects>
+            </a:ext>
+          </a:extLst>
+        </p:spPr>
+        <p:txBody>
+          <a:bodyPr wrap="none" lIns="90000" tIns="46800" rIns="90000" bIns="46800">
+            <a:spAutoFit/>
+          </a:bodyPr>
+          <a:lstStyle>
+            <a:lvl1pPr>
+              <a:tabLst>
+                <a:tab pos="0" algn="l"/>
+                <a:tab pos="457200" algn="l"/>
+                <a:tab pos="914400" algn="l"/>
+                <a:tab pos="1371600" algn="l"/>
+                <a:tab pos="1828800" algn="l"/>
+                <a:tab pos="2286000" algn="l"/>
+                <a:tab pos="2743200" algn="l"/>
+                <a:tab pos="3200400" algn="l"/>
+                <a:tab pos="3657600" algn="l"/>
+                <a:tab pos="4114800" algn="l"/>
+                <a:tab pos="4572000" algn="l"/>
+                <a:tab pos="5029200" algn="l"/>
+                <a:tab pos="5486400" algn="l"/>
+                <a:tab pos="5943600" algn="l"/>
+                <a:tab pos="6400800" algn="l"/>
+                <a:tab pos="6858000" algn="l"/>
+                <a:tab pos="7315200" algn="l"/>
+                <a:tab pos="7772400" algn="l"/>
+                <a:tab pos="8229600" algn="l"/>
+                <a:tab pos="8686800" algn="l"/>
+                <a:tab pos="9144000" algn="l"/>
+              </a:tabLst>
+              <a:defRPr>
+                <a:solidFill>
+                  <a:srgbClr val="000000"/>
+                </a:solidFill>
+                <a:latin typeface="Arial" panose="020B0604020202020204" pitchFamily="34" charset="0"/>
+                <a:cs typeface="Arial" panose="020B0604020202020204" pitchFamily="34" charset="0"/>
+              </a:defRPr>
+            </a:lvl1pPr>
+            <a:lvl2pPr>
+              <a:tabLst>
+                <a:tab pos="0" algn="l"/>
+                <a:tab pos="457200" algn="l"/>
+                <a:tab pos="914400" algn="l"/>
+                <a:tab pos="1371600" algn="l"/>
+                <a:tab pos="1828800" algn="l"/>
+                <a:tab pos="2286000" algn="l"/>
+                <a:tab pos="2743200" algn="l"/>
+                <a:tab pos="3200400" algn="l"/>
+                <a:tab pos="3657600" algn="l"/>
+                <a:tab pos="4114800" algn="l"/>
+                <a:tab pos="4572000" algn="l"/>
+                <a:tab pos="5029200" algn="l"/>
+                <a:tab pos="5486400" algn="l"/>
+                <a:tab pos="5943600" algn="l"/>
+                <a:tab pos="6400800" algn="l"/>
+                <a:tab pos="6858000" algn="l"/>
+                <a:tab pos="7315200" algn="l"/>
+                <a:tab pos="7772400" algn="l"/>
+                <a:tab pos="8229600" algn="l"/>
+                <a:tab pos="8686800" algn="l"/>
+                <a:tab pos="9144000" algn="l"/>
+              </a:tabLst>
+              <a:defRPr>
+                <a:solidFill>
+                  <a:srgbClr val="000000"/>
+                </a:solidFill>
+                <a:latin typeface="Arial" panose="020B0604020202020204" pitchFamily="34" charset="0"/>
+                <a:cs typeface="Arial" panose="020B0604020202020204" pitchFamily="34" charset="0"/>
+              </a:defRPr>
+            </a:lvl2pPr>
+            <a:lvl3pPr>
+              <a:tabLst>
+                <a:tab pos="0" algn="l"/>
+                <a:tab pos="457200" algn="l"/>
+                <a:tab pos="914400" algn="l"/>
+                <a:tab pos="1371600" algn="l"/>
+                <a:tab pos="1828800" algn="l"/>
+                <a:tab pos="2286000" algn="l"/>
+                <a:tab pos="2743200" algn="l"/>
+                <a:tab pos="3200400" algn="l"/>
+                <a:tab pos="3657600" algn="l"/>
+                <a:tab pos="4114800" algn="l"/>
+                <a:tab pos="4572000" algn="l"/>
+                <a:tab pos="5029200" algn="l"/>
+                <a:tab pos="5486400" algn="l"/>
+                <a:tab pos="5943600" algn="l"/>
+                <a:tab pos="6400800" algn="l"/>
+                <a:tab pos="6858000" algn="l"/>
+                <a:tab pos="7315200" algn="l"/>
+                <a:tab pos="7772400" algn="l"/>
+                <a:tab pos="8229600" algn="l"/>
+                <a:tab pos="8686800" algn="l"/>
+                <a:tab pos="9144000" algn="l"/>
+              </a:tabLst>
+              <a:defRPr>
+                <a:solidFill>
+                  <a:srgbClr val="000000"/>
+                </a:solidFill>
+                <a:latin typeface="Arial" panose="020B0604020202020204" pitchFamily="34" charset="0"/>
+                <a:cs typeface="Arial" panose="020B0604020202020204" pitchFamily="34" charset="0"/>
+              </a:defRPr>
+            </a:lvl3pPr>
+            <a:lvl4pPr>
+              <a:tabLst>
+                <a:tab pos="0" algn="l"/>
+                <a:tab pos="457200" algn="l"/>
+                <a:tab pos="914400" algn="l"/>
+                <a:tab pos="1371600" algn="l"/>
+                <a:tab pos="1828800" algn="l"/>
+                <a:tab pos="2286000" algn="l"/>
+                <a:tab pos="2743200" algn="l"/>
+                <a:tab pos="3200400" algn="l"/>
+                <a:tab pos="3657600" algn="l"/>
+                <a:tab pos="4114800" algn="l"/>
+                <a:tab pos="4572000" algn="l"/>
+                <a:tab pos="5029200" algn="l"/>
+                <a:tab pos="5486400" algn="l"/>
+                <a:tab pos="5943600" algn="l"/>
+                <a:tab pos="6400800" algn="l"/>
+                <a:tab pos="6858000" algn="l"/>
+                <a:tab pos="7315200" algn="l"/>
+                <a:tab pos="7772400" algn="l"/>
+                <a:tab pos="8229600" algn="l"/>
+                <a:tab pos="8686800" algn="l"/>
+                <a:tab pos="9144000" algn="l"/>
+              </a:tabLst>
+              <a:defRPr>
+                <a:solidFill>
+                  <a:srgbClr val="000000"/>
+                </a:solidFill>
+                <a:latin typeface="Arial" panose="020B0604020202020204" pitchFamily="34" charset="0"/>
+                <a:cs typeface="Arial" panose="020B0604020202020204" pitchFamily="34" charset="0"/>
+              </a:defRPr>
+            </a:lvl4pPr>
+            <a:lvl5pPr>
+              <a:tabLst>
+                <a:tab pos="0" algn="l"/>
+                <a:tab pos="457200" algn="l"/>
+                <a:tab pos="914400" algn="l"/>
+                <a:tab pos="1371600" algn="l"/>
+                <a:tab pos="1828800" algn="l"/>
+                <a:tab pos="2286000" algn="l"/>
+                <a:tab pos="2743200" algn="l"/>
+                <a:tab pos="3200400" algn="l"/>
+                <a:tab pos="3657600" algn="l"/>
+                <a:tab pos="4114800" algn="l"/>
+                <a:tab pos="4572000" algn="l"/>
+                <a:tab pos="5029200" algn="l"/>
+                <a:tab pos="5486400" algn="l"/>
+                <a:tab pos="5943600" algn="l"/>
+                <a:tab pos="6400800" algn="l"/>
+                <a:tab pos="6858000" algn="l"/>
+                <a:tab pos="7315200" algn="l"/>
+                <a:tab pos="7772400" algn="l"/>
+                <a:tab pos="8229600" algn="l"/>
+                <a:tab pos="8686800" algn="l"/>
+                <a:tab pos="9144000" algn="l"/>
+              </a:tabLst>
+              <a:defRPr>
+                <a:solidFill>
+                  <a:srgbClr val="000000"/>
+                </a:solidFill>
+                <a:latin typeface="Arial" panose="020B0604020202020204" pitchFamily="34" charset="0"/>
+                <a:cs typeface="Arial" panose="020B0604020202020204" pitchFamily="34" charset="0"/>
+              </a:defRPr>
+            </a:lvl5pPr>
+            <a:lvl6pPr defTabSz="457200" fontAlgn="base">
+              <a:spcBef>
+                <a:spcPct val="0"/>
+              </a:spcBef>
+              <a:spcAft>
+                <a:spcPct val="0"/>
+              </a:spcAft>
+              <a:buClr>
+                <a:srgbClr val="000000"/>
+              </a:buClr>
+              <a:buSzPct val="100000"/>
+              <a:buFont typeface="Arial" panose="020B0604020202020204" pitchFamily="34" charset="0"/>
+              <a:tabLst>
+                <a:tab pos="0" algn="l"/>
+                <a:tab pos="457200" algn="l"/>
+                <a:tab pos="914400" algn="l"/>
+                <a:tab pos="1371600" algn="l"/>
+                <a:tab pos="1828800" algn="l"/>
+                <a:tab pos="2286000" algn="l"/>
+                <a:tab pos="2743200" algn="l"/>
+                <a:tab pos="3200400" algn="l"/>
+                <a:tab pos="3657600" algn="l"/>
+                <a:tab pos="4114800" algn="l"/>
+                <a:tab pos="4572000" algn="l"/>
+                <a:tab pos="5029200" algn="l"/>
+                <a:tab pos="5486400" algn="l"/>
+                <a:tab pos="5943600" algn="l"/>
+                <a:tab pos="6400800" algn="l"/>
+                <a:tab pos="6858000" algn="l"/>
+                <a:tab pos="7315200" algn="l"/>
+                <a:tab pos="7772400" algn="l"/>
+                <a:tab pos="8229600" algn="l"/>
+                <a:tab pos="8686800" algn="l"/>
+                <a:tab pos="9144000" algn="l"/>
+              </a:tabLst>
+              <a:defRPr>
+                <a:solidFill>
+                  <a:srgbClr val="000000"/>
+                </a:solidFill>
+                <a:latin typeface="Arial" panose="020B0604020202020204" pitchFamily="34" charset="0"/>
+                <a:cs typeface="Arial" panose="020B0604020202020204" pitchFamily="34" charset="0"/>
+              </a:defRPr>
+            </a:lvl6pPr>
+            <a:lvl7pPr defTabSz="457200" fontAlgn="base">
+              <a:spcBef>
+                <a:spcPct val="0"/>
+              </a:spcBef>
+              <a:spcAft>
+                <a:spcPct val="0"/>
+              </a:spcAft>
+              <a:buClr>
+                <a:srgbClr val="000000"/>
+              </a:buClr>
+              <a:buSzPct val="100000"/>
+              <a:buFont typeface="Arial" panose="020B0604020202020204" pitchFamily="34" charset="0"/>
+              <a:tabLst>
+                <a:tab pos="0" algn="l"/>
+                <a:tab pos="457200" algn="l"/>
+                <a:tab pos="914400" algn="l"/>
+                <a:tab pos="1371600" algn="l"/>
+                <a:tab pos="1828800" algn="l"/>
+                <a:tab pos="2286000" algn="l"/>
+                <a:tab pos="2743200" algn="l"/>
+                <a:tab pos="3200400" algn="l"/>
+                <a:tab pos="3657600" algn="l"/>
+                <a:tab pos="4114800" algn="l"/>
+                <a:tab pos="4572000" algn="l"/>
+                <a:tab pos="5029200" algn="l"/>
+                <a:tab pos="5486400" algn="l"/>
+                <a:tab pos="5943600" algn="l"/>
+                <a:tab pos="6400800" algn="l"/>
+                <a:tab pos="6858000" algn="l"/>
+                <a:tab pos="7315200" algn="l"/>
+                <a:tab pos="7772400" algn="l"/>
+                <a:tab pos="8229600" algn="l"/>
+                <a:tab pos="8686800" algn="l"/>
+                <a:tab pos="9144000" algn="l"/>
+              </a:tabLst>
+              <a:defRPr>
+                <a:solidFill>
+                  <a:srgbClr val="000000"/>
+                </a:solidFill>
+                <a:latin typeface="Arial" panose="020B0604020202020204" pitchFamily="34" charset="0"/>
+                <a:cs typeface="Arial" panose="020B0604020202020204" pitchFamily="34" charset="0"/>
+              </a:defRPr>
+            </a:lvl7pPr>
+            <a:lvl8pPr defTabSz="457200" fontAlgn="base">
+              <a:spcBef>
+                <a:spcPct val="0"/>
+              </a:spcBef>
+              <a:spcAft>
+                <a:spcPct val="0"/>
+              </a:spcAft>
+              <a:buClr>
+                <a:srgbClr val="000000"/>
+              </a:buClr>
+              <a:buSzPct val="100000"/>
+              <a:buFont typeface="Arial" panose="020B0604020202020204" pitchFamily="34" charset="0"/>
+              <a:tabLst>
+                <a:tab pos="0" algn="l"/>
+                <a:tab pos="457200" algn="l"/>
+                <a:tab pos="914400" algn="l"/>
+                <a:tab pos="1371600" algn="l"/>
+                <a:tab pos="1828800" algn="l"/>
+                <a:tab pos="2286000" algn="l"/>
+                <a:tab pos="2743200" algn="l"/>
+                <a:tab pos="3200400" algn="l"/>
+                <a:tab pos="3657600" algn="l"/>
+                <a:tab pos="4114800" algn="l"/>
+                <a:tab pos="4572000" algn="l"/>
+                <a:tab pos="5029200" algn="l"/>
+                <a:tab pos="5486400" algn="l"/>
+                <a:tab pos="5943600" algn="l"/>
+                <a:tab pos="6400800" algn="l"/>
+                <a:tab pos="6858000" algn="l"/>
+                <a:tab pos="7315200" algn="l"/>
+                <a:tab pos="7772400" algn="l"/>
+                <a:tab pos="8229600" algn="l"/>
+                <a:tab pos="8686800" algn="l"/>
+                <a:tab pos="9144000" algn="l"/>
+              </a:tabLst>
+              <a:defRPr>
+                <a:solidFill>
+                  <a:srgbClr val="000000"/>
+                </a:solidFill>
+                <a:latin typeface="Arial" panose="020B0604020202020204" pitchFamily="34" charset="0"/>
+                <a:cs typeface="Arial" panose="020B0604020202020204" pitchFamily="34" charset="0"/>
+              </a:defRPr>
+            </a:lvl8pPr>
+            <a:lvl9pPr defTabSz="457200" fontAlgn="base">
+              <a:spcBef>
+                <a:spcPct val="0"/>
+              </a:spcBef>
+              <a:spcAft>
+                <a:spcPct val="0"/>
+              </a:spcAft>
+              <a:buClr>
+                <a:srgbClr val="000000"/>
+              </a:buClr>
+              <a:buSzPct val="100000"/>
+              <a:buFont typeface="Arial" panose="020B0604020202020204" pitchFamily="34" charset="0"/>
+              <a:tabLst>
+                <a:tab pos="0" algn="l"/>
+                <a:tab pos="457200" algn="l"/>
+                <a:tab pos="914400" algn="l"/>
+                <a:tab pos="1371600" algn="l"/>
+                <a:tab pos="1828800" algn="l"/>
+                <a:tab pos="2286000" algn="l"/>
+                <a:tab pos="2743200" algn="l"/>
+                <a:tab pos="3200400" algn="l"/>
+                <a:tab pos="3657600" algn="l"/>
+                <a:tab pos="4114800" algn="l"/>
+                <a:tab pos="4572000" algn="l"/>
+                <a:tab pos="5029200" algn="l"/>
+                <a:tab pos="5486400" algn="l"/>
+                <a:tab pos="5943600" algn="l"/>
+                <a:tab pos="6400800" algn="l"/>
+                <a:tab pos="6858000" algn="l"/>
+                <a:tab pos="7315200" algn="l"/>
+                <a:tab pos="7772400" algn="l"/>
+                <a:tab pos="8229600" algn="l"/>
+                <a:tab pos="8686800" algn="l"/>
+                <a:tab pos="9144000" algn="l"/>
+              </a:tabLst>
+              <a:defRPr>
+                <a:solidFill>
+                  <a:srgbClr val="000000"/>
+                </a:solidFill>
+                <a:latin typeface="Arial" panose="020B0604020202020204" pitchFamily="34" charset="0"/>
+                <a:cs typeface="Arial" panose="020B0604020202020204" pitchFamily="34" charset="0"/>
+              </a:defRPr>
+            </a:lvl9pPr>
+          </a:lstStyle>
+          <a:p>
+            <a:pPr lvl="0" algn="l" defTabSz="457200" rtl="0" fontAlgn="base">
+              <a:spcBef>
+                <a:spcPct val="0"/>
+              </a:spcBef>
+              <a:spcAft>
+                <a:spcPct val="0"/>
+              </a:spcAft>
+              <a:buClr>
+                <a:srgbClr val="333399"/>
+              </a:buClr>
+              <a:buSzPct val="100000"/>
+            </a:pPr>
+            <a:r>
+              <a:rPr kumimoji="0" lang="en-US" altLang="en-US" sz="2400" b="1" i="0" u="none" strike="noStrike" kern="0" cap="none" spc="0" normalizeH="0" baseline="0" noProof="0" dirty="0" smtClean="0">
+                <a:ln>
+                  <a:noFill/>
+                </a:ln>
+                <a:solidFill>
+                  <a:srgbClr val="333399"/>
+                </a:solidFill>
+                <a:effectLst/>
+                <a:uLnTx/>
+                <a:uFillTx/>
+              </a:rPr>
+              <a:t>Projected Gradient</a:t>
+            </a:r>
+            <a:endParaRPr kumimoji="0" lang="en-US" altLang="en-US" sz="2400" b="1" i="0" u="none" strike="noStrike" kern="0" cap="none" spc="0" normalizeH="0" baseline="0" noProof="0" dirty="0" smtClean="0">
+              <a:ln>
+                <a:noFill/>
+              </a:ln>
+              <a:solidFill>
+                <a:srgbClr val="333399"/>
+              </a:solidFill>
+              <a:effectLst/>
+              <a:uLnTx/>
+              <a:uFillTx/>
+            </a:endParaRPr>
+          </a:p>
+        </p:txBody>
+      </p:sp>
+      <p:sp>
+        <p:nvSpPr>
+          <p:cNvPr id="81" name="Text Box 102"/>
+          <p:cNvSpPr txBox="1">
+            <a:spLocks noChangeArrowheads="1"/>
+          </p:cNvSpPr>
+          <p:nvPr/>
+        </p:nvSpPr>
+        <p:spPr bwMode="auto">
+          <a:xfrm>
+            <a:off x="5616924" y="25995113"/>
+            <a:ext cx="1292639" cy="463846"/>
+          </a:xfrm>
+          <a:prstGeom prst="rect">
+            <a:avLst/>
+          </a:prstGeom>
+          <a:noFill/>
+          <a:ln>
+            <a:noFill/>
+          </a:ln>
+          <a:effectLst/>
+          <a:extLst>
+            <a:ext uri="{909E8E84-426E-40DD-AFC4-6F175D3DCCD1}">
+              <a14:hiddenFill xmlns:a14="http://schemas.microsoft.com/office/drawing/2010/main">
+                <a:solidFill>
+                  <a:srgbClr val="FFFFFF"/>
+                </a:solidFill>
+              </a14:hiddenFill>
+            </a:ext>
+            <a:ext uri="{91240B29-F687-4F45-9708-019B960494DF}">
+              <a14:hiddenLine xmlns:a14="http://schemas.microsoft.com/office/drawing/2010/main" w="9525">
+                <a:solidFill>
+                  <a:srgbClr val="000000"/>
+                </a:solidFill>
+                <a:round/>
+                <a:headEnd/>
+                <a:tailEnd/>
+              </a14:hiddenLine>
+            </a:ext>
+            <a:ext uri="{AF507438-7753-43E0-B8FC-AC1667EBCBE1}">
+              <a14:hiddenEffects xmlns:a14="http://schemas.microsoft.com/office/drawing/2010/main">
+                <a:effectLst>
+                  <a:outerShdw dist="35921" dir="2700000" algn="ctr" rotWithShape="0">
+                    <a:srgbClr val="808080"/>
+                  </a:outerShdw>
+                </a:effectLst>
+              </a14:hiddenEffects>
+            </a:ext>
+          </a:extLst>
+        </p:spPr>
+        <p:txBody>
+          <a:bodyPr wrap="none" lIns="90000" tIns="46800" rIns="90000" bIns="46800">
+            <a:spAutoFit/>
+          </a:bodyPr>
+          <a:lstStyle>
+            <a:lvl1pPr>
+              <a:tabLst>
+                <a:tab pos="0" algn="l"/>
+                <a:tab pos="457200" algn="l"/>
+                <a:tab pos="914400" algn="l"/>
+                <a:tab pos="1371600" algn="l"/>
+                <a:tab pos="1828800" algn="l"/>
+                <a:tab pos="2286000" algn="l"/>
+                <a:tab pos="2743200" algn="l"/>
+                <a:tab pos="3200400" algn="l"/>
+                <a:tab pos="3657600" algn="l"/>
+                <a:tab pos="4114800" algn="l"/>
+                <a:tab pos="4572000" algn="l"/>
+                <a:tab pos="5029200" algn="l"/>
+                <a:tab pos="5486400" algn="l"/>
+                <a:tab pos="5943600" algn="l"/>
+                <a:tab pos="6400800" algn="l"/>
+                <a:tab pos="6858000" algn="l"/>
+                <a:tab pos="7315200" algn="l"/>
+                <a:tab pos="7772400" algn="l"/>
+                <a:tab pos="8229600" algn="l"/>
+                <a:tab pos="8686800" algn="l"/>
+                <a:tab pos="9144000" algn="l"/>
+              </a:tabLst>
+              <a:defRPr>
+                <a:solidFill>
+                  <a:srgbClr val="000000"/>
+                </a:solidFill>
+                <a:latin typeface="Arial" panose="020B0604020202020204" pitchFamily="34" charset="0"/>
+                <a:cs typeface="Arial" panose="020B0604020202020204" pitchFamily="34" charset="0"/>
+              </a:defRPr>
+            </a:lvl1pPr>
+            <a:lvl2pPr>
+              <a:tabLst>
+                <a:tab pos="0" algn="l"/>
+                <a:tab pos="457200" algn="l"/>
+                <a:tab pos="914400" algn="l"/>
+                <a:tab pos="1371600" algn="l"/>
+                <a:tab pos="1828800" algn="l"/>
+                <a:tab pos="2286000" algn="l"/>
+                <a:tab pos="2743200" algn="l"/>
+                <a:tab pos="3200400" algn="l"/>
+                <a:tab pos="3657600" algn="l"/>
+                <a:tab pos="4114800" algn="l"/>
+                <a:tab pos="4572000" algn="l"/>
+                <a:tab pos="5029200" algn="l"/>
+                <a:tab pos="5486400" algn="l"/>
+                <a:tab pos="5943600" algn="l"/>
+                <a:tab pos="6400800" algn="l"/>
+                <a:tab pos="6858000" algn="l"/>
+                <a:tab pos="7315200" algn="l"/>
+                <a:tab pos="7772400" algn="l"/>
+                <a:tab pos="8229600" algn="l"/>
+                <a:tab pos="8686800" algn="l"/>
+                <a:tab pos="9144000" algn="l"/>
+              </a:tabLst>
+              <a:defRPr>
+                <a:solidFill>
+                  <a:srgbClr val="000000"/>
+                </a:solidFill>
+                <a:latin typeface="Arial" panose="020B0604020202020204" pitchFamily="34" charset="0"/>
+                <a:cs typeface="Arial" panose="020B0604020202020204" pitchFamily="34" charset="0"/>
+              </a:defRPr>
+            </a:lvl2pPr>
+            <a:lvl3pPr>
+              <a:tabLst>
+                <a:tab pos="0" algn="l"/>
+                <a:tab pos="457200" algn="l"/>
+                <a:tab pos="914400" algn="l"/>
+                <a:tab pos="1371600" algn="l"/>
+                <a:tab pos="1828800" algn="l"/>
+                <a:tab pos="2286000" algn="l"/>
+                <a:tab pos="2743200" algn="l"/>
+                <a:tab pos="3200400" algn="l"/>
+                <a:tab pos="3657600" algn="l"/>
+                <a:tab pos="4114800" algn="l"/>
+                <a:tab pos="4572000" algn="l"/>
+                <a:tab pos="5029200" algn="l"/>
+                <a:tab pos="5486400" algn="l"/>
+                <a:tab pos="5943600" algn="l"/>
+                <a:tab pos="6400800" algn="l"/>
+                <a:tab pos="6858000" algn="l"/>
+                <a:tab pos="7315200" algn="l"/>
+                <a:tab pos="7772400" algn="l"/>
+                <a:tab pos="8229600" algn="l"/>
+                <a:tab pos="8686800" algn="l"/>
+                <a:tab pos="9144000" algn="l"/>
+              </a:tabLst>
+              <a:defRPr>
+                <a:solidFill>
+                  <a:srgbClr val="000000"/>
+                </a:solidFill>
+                <a:latin typeface="Arial" panose="020B0604020202020204" pitchFamily="34" charset="0"/>
+                <a:cs typeface="Arial" panose="020B0604020202020204" pitchFamily="34" charset="0"/>
+              </a:defRPr>
+            </a:lvl3pPr>
+            <a:lvl4pPr>
+              <a:tabLst>
+                <a:tab pos="0" algn="l"/>
+                <a:tab pos="457200" algn="l"/>
+                <a:tab pos="914400" algn="l"/>
+                <a:tab pos="1371600" algn="l"/>
+                <a:tab pos="1828800" algn="l"/>
+                <a:tab pos="2286000" algn="l"/>
+                <a:tab pos="2743200" algn="l"/>
+                <a:tab pos="3200400" algn="l"/>
+                <a:tab pos="3657600" algn="l"/>
+                <a:tab pos="4114800" algn="l"/>
+                <a:tab pos="4572000" algn="l"/>
+                <a:tab pos="5029200" algn="l"/>
+                <a:tab pos="5486400" algn="l"/>
+                <a:tab pos="5943600" algn="l"/>
+                <a:tab pos="6400800" algn="l"/>
+                <a:tab pos="6858000" algn="l"/>
+                <a:tab pos="7315200" algn="l"/>
+                <a:tab pos="7772400" algn="l"/>
+                <a:tab pos="8229600" algn="l"/>
+                <a:tab pos="8686800" algn="l"/>
+                <a:tab pos="9144000" algn="l"/>
+              </a:tabLst>
+              <a:defRPr>
+                <a:solidFill>
+                  <a:srgbClr val="000000"/>
+                </a:solidFill>
+                <a:latin typeface="Arial" panose="020B0604020202020204" pitchFamily="34" charset="0"/>
+                <a:cs typeface="Arial" panose="020B0604020202020204" pitchFamily="34" charset="0"/>
+              </a:defRPr>
+            </a:lvl4pPr>
+            <a:lvl5pPr>
+              <a:tabLst>
+                <a:tab pos="0" algn="l"/>
+                <a:tab pos="457200" algn="l"/>
+                <a:tab pos="914400" algn="l"/>
+                <a:tab pos="1371600" algn="l"/>
+                <a:tab pos="1828800" algn="l"/>
+                <a:tab pos="2286000" algn="l"/>
+                <a:tab pos="2743200" algn="l"/>
+                <a:tab pos="3200400" algn="l"/>
+                <a:tab pos="3657600" algn="l"/>
+                <a:tab pos="4114800" algn="l"/>
+                <a:tab pos="4572000" algn="l"/>
+                <a:tab pos="5029200" algn="l"/>
+                <a:tab pos="5486400" algn="l"/>
+                <a:tab pos="5943600" algn="l"/>
+                <a:tab pos="6400800" algn="l"/>
+                <a:tab pos="6858000" algn="l"/>
+                <a:tab pos="7315200" algn="l"/>
+                <a:tab pos="7772400" algn="l"/>
+                <a:tab pos="8229600" algn="l"/>
+                <a:tab pos="8686800" algn="l"/>
+                <a:tab pos="9144000" algn="l"/>
+              </a:tabLst>
+              <a:defRPr>
+                <a:solidFill>
+                  <a:srgbClr val="000000"/>
+                </a:solidFill>
+                <a:latin typeface="Arial" panose="020B0604020202020204" pitchFamily="34" charset="0"/>
+                <a:cs typeface="Arial" panose="020B0604020202020204" pitchFamily="34" charset="0"/>
+              </a:defRPr>
+            </a:lvl5pPr>
+            <a:lvl6pPr defTabSz="457200" fontAlgn="base">
+              <a:spcBef>
+                <a:spcPct val="0"/>
+              </a:spcBef>
+              <a:spcAft>
+                <a:spcPct val="0"/>
+              </a:spcAft>
+              <a:buClr>
+                <a:srgbClr val="000000"/>
+              </a:buClr>
+              <a:buSzPct val="100000"/>
+              <a:buFont typeface="Arial" panose="020B0604020202020204" pitchFamily="34" charset="0"/>
+              <a:tabLst>
+                <a:tab pos="0" algn="l"/>
+                <a:tab pos="457200" algn="l"/>
+                <a:tab pos="914400" algn="l"/>
+                <a:tab pos="1371600" algn="l"/>
+                <a:tab pos="1828800" algn="l"/>
+                <a:tab pos="2286000" algn="l"/>
+                <a:tab pos="2743200" algn="l"/>
+                <a:tab pos="3200400" algn="l"/>
+                <a:tab pos="3657600" algn="l"/>
+                <a:tab pos="4114800" algn="l"/>
+                <a:tab pos="4572000" algn="l"/>
+                <a:tab pos="5029200" algn="l"/>
+                <a:tab pos="5486400" algn="l"/>
+                <a:tab pos="5943600" algn="l"/>
+                <a:tab pos="6400800" algn="l"/>
+                <a:tab pos="6858000" algn="l"/>
+                <a:tab pos="7315200" algn="l"/>
+                <a:tab pos="7772400" algn="l"/>
+                <a:tab pos="8229600" algn="l"/>
+                <a:tab pos="8686800" algn="l"/>
+                <a:tab pos="9144000" algn="l"/>
+              </a:tabLst>
+              <a:defRPr>
+                <a:solidFill>
+                  <a:srgbClr val="000000"/>
+                </a:solidFill>
+                <a:latin typeface="Arial" panose="020B0604020202020204" pitchFamily="34" charset="0"/>
+                <a:cs typeface="Arial" panose="020B0604020202020204" pitchFamily="34" charset="0"/>
+              </a:defRPr>
+            </a:lvl6pPr>
+            <a:lvl7pPr defTabSz="457200" fontAlgn="base">
+              <a:spcBef>
+                <a:spcPct val="0"/>
+              </a:spcBef>
+              <a:spcAft>
+                <a:spcPct val="0"/>
+              </a:spcAft>
+              <a:buClr>
+                <a:srgbClr val="000000"/>
+              </a:buClr>
+              <a:buSzPct val="100000"/>
+              <a:buFont typeface="Arial" panose="020B0604020202020204" pitchFamily="34" charset="0"/>
+              <a:tabLst>
+                <a:tab pos="0" algn="l"/>
+                <a:tab pos="457200" algn="l"/>
+                <a:tab pos="914400" algn="l"/>
+                <a:tab pos="1371600" algn="l"/>
+                <a:tab pos="1828800" algn="l"/>
+                <a:tab pos="2286000" algn="l"/>
+                <a:tab pos="2743200" algn="l"/>
+                <a:tab pos="3200400" algn="l"/>
+                <a:tab pos="3657600" algn="l"/>
+                <a:tab pos="4114800" algn="l"/>
+                <a:tab pos="4572000" algn="l"/>
+                <a:tab pos="5029200" algn="l"/>
+                <a:tab pos="5486400" algn="l"/>
+                <a:tab pos="5943600" algn="l"/>
+                <a:tab pos="6400800" algn="l"/>
+                <a:tab pos="6858000" algn="l"/>
+                <a:tab pos="7315200" algn="l"/>
+                <a:tab pos="7772400" algn="l"/>
+                <a:tab pos="8229600" algn="l"/>
+                <a:tab pos="8686800" algn="l"/>
+                <a:tab pos="9144000" algn="l"/>
+              </a:tabLst>
+              <a:defRPr>
+                <a:solidFill>
+                  <a:srgbClr val="000000"/>
+                </a:solidFill>
+                <a:latin typeface="Arial" panose="020B0604020202020204" pitchFamily="34" charset="0"/>
+                <a:cs typeface="Arial" panose="020B0604020202020204" pitchFamily="34" charset="0"/>
+              </a:defRPr>
+            </a:lvl7pPr>
+            <a:lvl8pPr defTabSz="457200" fontAlgn="base">
+              <a:spcBef>
+                <a:spcPct val="0"/>
+              </a:spcBef>
+              <a:spcAft>
+                <a:spcPct val="0"/>
+              </a:spcAft>
+              <a:buClr>
+                <a:srgbClr val="000000"/>
+              </a:buClr>
+              <a:buSzPct val="100000"/>
+              <a:buFont typeface="Arial" panose="020B0604020202020204" pitchFamily="34" charset="0"/>
+              <a:tabLst>
+                <a:tab pos="0" algn="l"/>
+                <a:tab pos="457200" algn="l"/>
+                <a:tab pos="914400" algn="l"/>
+                <a:tab pos="1371600" algn="l"/>
+                <a:tab pos="1828800" algn="l"/>
+                <a:tab pos="2286000" algn="l"/>
+                <a:tab pos="2743200" algn="l"/>
+                <a:tab pos="3200400" algn="l"/>
+                <a:tab pos="3657600" algn="l"/>
+                <a:tab pos="4114800" algn="l"/>
+                <a:tab pos="4572000" algn="l"/>
+                <a:tab pos="5029200" algn="l"/>
+                <a:tab pos="5486400" algn="l"/>
+                <a:tab pos="5943600" algn="l"/>
+                <a:tab pos="6400800" algn="l"/>
+                <a:tab pos="6858000" algn="l"/>
+                <a:tab pos="7315200" algn="l"/>
+                <a:tab pos="7772400" algn="l"/>
+                <a:tab pos="8229600" algn="l"/>
+                <a:tab pos="8686800" algn="l"/>
+                <a:tab pos="9144000" algn="l"/>
+              </a:tabLst>
+              <a:defRPr>
+                <a:solidFill>
+                  <a:srgbClr val="000000"/>
+                </a:solidFill>
+                <a:latin typeface="Arial" panose="020B0604020202020204" pitchFamily="34" charset="0"/>
+                <a:cs typeface="Arial" panose="020B0604020202020204" pitchFamily="34" charset="0"/>
+              </a:defRPr>
+            </a:lvl8pPr>
+            <a:lvl9pPr defTabSz="457200" fontAlgn="base">
+              <a:spcBef>
+                <a:spcPct val="0"/>
+              </a:spcBef>
+              <a:spcAft>
+                <a:spcPct val="0"/>
+              </a:spcAft>
+              <a:buClr>
+                <a:srgbClr val="000000"/>
+              </a:buClr>
+              <a:buSzPct val="100000"/>
+              <a:buFont typeface="Arial" panose="020B0604020202020204" pitchFamily="34" charset="0"/>
+              <a:tabLst>
+                <a:tab pos="0" algn="l"/>
+                <a:tab pos="457200" algn="l"/>
+                <a:tab pos="914400" algn="l"/>
+                <a:tab pos="1371600" algn="l"/>
+                <a:tab pos="1828800" algn="l"/>
+                <a:tab pos="2286000" algn="l"/>
+                <a:tab pos="2743200" algn="l"/>
+                <a:tab pos="3200400" algn="l"/>
+                <a:tab pos="3657600" algn="l"/>
+                <a:tab pos="4114800" algn="l"/>
+                <a:tab pos="4572000" algn="l"/>
+                <a:tab pos="5029200" algn="l"/>
+                <a:tab pos="5486400" algn="l"/>
+                <a:tab pos="5943600" algn="l"/>
+                <a:tab pos="6400800" algn="l"/>
+                <a:tab pos="6858000" algn="l"/>
+                <a:tab pos="7315200" algn="l"/>
+                <a:tab pos="7772400" algn="l"/>
+                <a:tab pos="8229600" algn="l"/>
+                <a:tab pos="8686800" algn="l"/>
+                <a:tab pos="9144000" algn="l"/>
+              </a:tabLst>
+              <a:defRPr>
+                <a:solidFill>
+                  <a:srgbClr val="000000"/>
+                </a:solidFill>
+                <a:latin typeface="Arial" panose="020B0604020202020204" pitchFamily="34" charset="0"/>
+                <a:cs typeface="Arial" panose="020B0604020202020204" pitchFamily="34" charset="0"/>
+              </a:defRPr>
+            </a:lvl9pPr>
+          </a:lstStyle>
+          <a:p>
+            <a:pPr lvl="0" algn="l" defTabSz="457200" rtl="0" fontAlgn="base">
+              <a:spcBef>
+                <a:spcPct val="0"/>
+              </a:spcBef>
+              <a:spcAft>
+                <a:spcPct val="0"/>
+              </a:spcAft>
+              <a:buClr>
+                <a:srgbClr val="333399"/>
+              </a:buClr>
+              <a:buSzPct val="100000"/>
+            </a:pPr>
+            <a:r>
+              <a:rPr kumimoji="0" lang="en-US" altLang="en-US" sz="2400" b="1" i="0" u="none" strike="noStrike" kern="0" cap="none" spc="0" normalizeH="0" baseline="0" noProof="0" dirty="0" smtClean="0">
+                <a:ln>
+                  <a:noFill/>
+                </a:ln>
+                <a:solidFill>
+                  <a:srgbClr val="333399"/>
+                </a:solidFill>
+                <a:effectLst/>
+                <a:uLnTx/>
+                <a:uFillTx/>
+              </a:rPr>
+              <a:t>COMET</a:t>
+            </a:r>
+            <a:endParaRPr kumimoji="0" lang="en-US" altLang="en-US" sz="2400" b="1" i="0" u="none" strike="noStrike" kern="0" cap="none" spc="0" normalizeH="0" baseline="0" noProof="0" dirty="0" smtClean="0">
+              <a:ln>
+                <a:noFill/>
+              </a:ln>
+              <a:solidFill>
+                <a:srgbClr val="333399"/>
+              </a:solidFill>
+              <a:effectLst/>
+              <a:uLnTx/>
+              <a:uFillTx/>
+            </a:endParaRPr>
+          </a:p>
+        </p:txBody>
+      </p:sp>
+      <p:sp>
+        <p:nvSpPr>
+          <p:cNvPr id="82" name="Text Box 115"/>
+          <p:cNvSpPr txBox="1">
+            <a:spLocks noChangeArrowheads="1"/>
+          </p:cNvSpPr>
+          <p:nvPr/>
+        </p:nvSpPr>
+        <p:spPr bwMode="auto">
+          <a:xfrm>
+            <a:off x="8593547" y="26276896"/>
+            <a:ext cx="1991929" cy="2310505"/>
+          </a:xfrm>
+          <a:prstGeom prst="rect">
+            <a:avLst/>
+          </a:prstGeom>
+          <a:solidFill>
+            <a:srgbClr val="FFFFFF"/>
+          </a:solidFill>
+          <a:ln>
+            <a:noFill/>
+          </a:ln>
+          <a:effectLst/>
+          <a:extLst>
+            <a:ext uri="{91240B29-F687-4F45-9708-019B960494DF}">
+              <a14:hiddenLine xmlns:a14="http://schemas.microsoft.com/office/drawing/2010/main" w="9525">
+                <a:solidFill>
+                  <a:srgbClr val="000000"/>
+                </a:solidFill>
+                <a:round/>
+                <a:headEnd/>
+                <a:tailEnd/>
+              </a14:hiddenLine>
+            </a:ext>
+            <a:ext uri="{AF507438-7753-43E0-B8FC-AC1667EBCBE1}">
+              <a14:hiddenEffects xmlns:a14="http://schemas.microsoft.com/office/drawing/2010/main">
+                <a:effectLst>
+                  <a:outerShdw dist="35921" dir="2700000" algn="ctr" rotWithShape="0">
+                    <a:srgbClr val="808080"/>
+                  </a:outerShdw>
+                </a:effectLst>
+              </a14:hiddenEffects>
+            </a:ext>
+          </a:extLst>
+        </p:spPr>
+        <p:txBody>
+          <a:bodyPr wrap="square" lIns="90000" tIns="46800" rIns="90000" bIns="46800">
+            <a:spAutoFit/>
+          </a:bodyPr>
+          <a:lstStyle>
+            <a:lvl1pPr>
+              <a:tabLst>
+                <a:tab pos="0" algn="l"/>
+                <a:tab pos="457200" algn="l"/>
+                <a:tab pos="914400" algn="l"/>
+                <a:tab pos="1371600" algn="l"/>
+                <a:tab pos="1828800" algn="l"/>
+                <a:tab pos="2286000" algn="l"/>
+                <a:tab pos="2743200" algn="l"/>
+                <a:tab pos="3200400" algn="l"/>
+                <a:tab pos="3657600" algn="l"/>
+                <a:tab pos="4114800" algn="l"/>
+                <a:tab pos="4572000" algn="l"/>
+                <a:tab pos="5029200" algn="l"/>
+                <a:tab pos="5486400" algn="l"/>
+                <a:tab pos="5943600" algn="l"/>
+                <a:tab pos="6400800" algn="l"/>
+                <a:tab pos="6858000" algn="l"/>
+                <a:tab pos="7315200" algn="l"/>
+                <a:tab pos="7772400" algn="l"/>
+                <a:tab pos="8229600" algn="l"/>
+                <a:tab pos="8686800" algn="l"/>
+                <a:tab pos="9144000" algn="l"/>
+                <a:tab pos="9410700" algn="l"/>
+              </a:tabLst>
+              <a:defRPr>
+                <a:solidFill>
+                  <a:srgbClr val="000000"/>
+                </a:solidFill>
+                <a:latin typeface="Arial" panose="020B0604020202020204" pitchFamily="34" charset="0"/>
+                <a:cs typeface="Arial" panose="020B0604020202020204" pitchFamily="34" charset="0"/>
+              </a:defRPr>
+            </a:lvl1pPr>
+            <a:lvl2pPr>
+              <a:tabLst>
+                <a:tab pos="0" algn="l"/>
+                <a:tab pos="457200" algn="l"/>
+                <a:tab pos="914400" algn="l"/>
+                <a:tab pos="1371600" algn="l"/>
+                <a:tab pos="1828800" algn="l"/>
+                <a:tab pos="2286000" algn="l"/>
+                <a:tab pos="2743200" algn="l"/>
+                <a:tab pos="3200400" algn="l"/>
+                <a:tab pos="3657600" algn="l"/>
+                <a:tab pos="4114800" algn="l"/>
+                <a:tab pos="4572000" algn="l"/>
+                <a:tab pos="5029200" algn="l"/>
+                <a:tab pos="5486400" algn="l"/>
+                <a:tab pos="5943600" algn="l"/>
+                <a:tab pos="6400800" algn="l"/>
+                <a:tab pos="6858000" algn="l"/>
+                <a:tab pos="7315200" algn="l"/>
+                <a:tab pos="7772400" algn="l"/>
+                <a:tab pos="8229600" algn="l"/>
+                <a:tab pos="8686800" algn="l"/>
+                <a:tab pos="9144000" algn="l"/>
+                <a:tab pos="9410700" algn="l"/>
+              </a:tabLst>
+              <a:defRPr>
+                <a:solidFill>
+                  <a:srgbClr val="000000"/>
+                </a:solidFill>
+                <a:latin typeface="Arial" panose="020B0604020202020204" pitchFamily="34" charset="0"/>
+                <a:cs typeface="Arial" panose="020B0604020202020204" pitchFamily="34" charset="0"/>
+              </a:defRPr>
+            </a:lvl2pPr>
+            <a:lvl3pPr>
+              <a:tabLst>
+                <a:tab pos="0" algn="l"/>
+                <a:tab pos="457200" algn="l"/>
+                <a:tab pos="914400" algn="l"/>
+                <a:tab pos="1371600" algn="l"/>
+                <a:tab pos="1828800" algn="l"/>
+                <a:tab pos="2286000" algn="l"/>
+                <a:tab pos="2743200" algn="l"/>
+                <a:tab pos="3200400" algn="l"/>
+                <a:tab pos="3657600" algn="l"/>
+                <a:tab pos="4114800" algn="l"/>
+                <a:tab pos="4572000" algn="l"/>
+                <a:tab pos="5029200" algn="l"/>
+                <a:tab pos="5486400" algn="l"/>
+                <a:tab pos="5943600" algn="l"/>
+                <a:tab pos="6400800" algn="l"/>
+                <a:tab pos="6858000" algn="l"/>
+                <a:tab pos="7315200" algn="l"/>
+                <a:tab pos="7772400" algn="l"/>
+                <a:tab pos="8229600" algn="l"/>
+                <a:tab pos="8686800" algn="l"/>
+                <a:tab pos="9144000" algn="l"/>
+                <a:tab pos="9410700" algn="l"/>
+              </a:tabLst>
+              <a:defRPr>
+                <a:solidFill>
+                  <a:srgbClr val="000000"/>
+                </a:solidFill>
+                <a:latin typeface="Arial" panose="020B0604020202020204" pitchFamily="34" charset="0"/>
+                <a:cs typeface="Arial" panose="020B0604020202020204" pitchFamily="34" charset="0"/>
+              </a:defRPr>
+            </a:lvl3pPr>
+            <a:lvl4pPr>
+              <a:tabLst>
+                <a:tab pos="0" algn="l"/>
+                <a:tab pos="457200" algn="l"/>
+                <a:tab pos="914400" algn="l"/>
+                <a:tab pos="1371600" algn="l"/>
+                <a:tab pos="1828800" algn="l"/>
+                <a:tab pos="2286000" algn="l"/>
+                <a:tab pos="2743200" algn="l"/>
+                <a:tab pos="3200400" algn="l"/>
+                <a:tab pos="3657600" algn="l"/>
+                <a:tab pos="4114800" algn="l"/>
+                <a:tab pos="4572000" algn="l"/>
+                <a:tab pos="5029200" algn="l"/>
+                <a:tab pos="5486400" algn="l"/>
+                <a:tab pos="5943600" algn="l"/>
+                <a:tab pos="6400800" algn="l"/>
+                <a:tab pos="6858000" algn="l"/>
+                <a:tab pos="7315200" algn="l"/>
+                <a:tab pos="7772400" algn="l"/>
+                <a:tab pos="8229600" algn="l"/>
+                <a:tab pos="8686800" algn="l"/>
+                <a:tab pos="9144000" algn="l"/>
+                <a:tab pos="9410700" algn="l"/>
+              </a:tabLst>
+              <a:defRPr>
+                <a:solidFill>
+                  <a:srgbClr val="000000"/>
+                </a:solidFill>
+                <a:latin typeface="Arial" panose="020B0604020202020204" pitchFamily="34" charset="0"/>
+                <a:cs typeface="Arial" panose="020B0604020202020204" pitchFamily="34" charset="0"/>
+              </a:defRPr>
+            </a:lvl4pPr>
+            <a:lvl5pPr>
+              <a:tabLst>
+                <a:tab pos="0" algn="l"/>
+                <a:tab pos="457200" algn="l"/>
+                <a:tab pos="914400" algn="l"/>
+                <a:tab pos="1371600" algn="l"/>
+                <a:tab pos="1828800" algn="l"/>
+                <a:tab pos="2286000" algn="l"/>
+                <a:tab pos="2743200" algn="l"/>
+                <a:tab pos="3200400" algn="l"/>
+                <a:tab pos="3657600" algn="l"/>
+                <a:tab pos="4114800" algn="l"/>
+                <a:tab pos="4572000" algn="l"/>
+                <a:tab pos="5029200" algn="l"/>
+                <a:tab pos="5486400" algn="l"/>
+                <a:tab pos="5943600" algn="l"/>
+                <a:tab pos="6400800" algn="l"/>
+                <a:tab pos="6858000" algn="l"/>
+                <a:tab pos="7315200" algn="l"/>
+                <a:tab pos="7772400" algn="l"/>
+                <a:tab pos="8229600" algn="l"/>
+                <a:tab pos="8686800" algn="l"/>
+                <a:tab pos="9144000" algn="l"/>
+                <a:tab pos="9410700" algn="l"/>
+              </a:tabLst>
+              <a:defRPr>
+                <a:solidFill>
+                  <a:srgbClr val="000000"/>
+                </a:solidFill>
+                <a:latin typeface="Arial" panose="020B0604020202020204" pitchFamily="34" charset="0"/>
+                <a:cs typeface="Arial" panose="020B0604020202020204" pitchFamily="34" charset="0"/>
+              </a:defRPr>
+            </a:lvl5pPr>
+            <a:lvl6pPr defTabSz="457200" fontAlgn="base">
+              <a:spcBef>
+                <a:spcPct val="0"/>
+              </a:spcBef>
+              <a:spcAft>
+                <a:spcPct val="0"/>
+              </a:spcAft>
+              <a:buClr>
+                <a:srgbClr val="000000"/>
+              </a:buClr>
+              <a:buSzPct val="100000"/>
+              <a:buFont typeface="Arial" panose="020B0604020202020204" pitchFamily="34" charset="0"/>
+              <a:tabLst>
+                <a:tab pos="0" algn="l"/>
+                <a:tab pos="457200" algn="l"/>
+                <a:tab pos="914400" algn="l"/>
+                <a:tab pos="1371600" algn="l"/>
+                <a:tab pos="1828800" algn="l"/>
+                <a:tab pos="2286000" algn="l"/>
+                <a:tab pos="2743200" algn="l"/>
+                <a:tab pos="3200400" algn="l"/>
+                <a:tab pos="3657600" algn="l"/>
+                <a:tab pos="4114800" algn="l"/>
+                <a:tab pos="4572000" algn="l"/>
+                <a:tab pos="5029200" algn="l"/>
+                <a:tab pos="5486400" algn="l"/>
+                <a:tab pos="5943600" algn="l"/>
+                <a:tab pos="6400800" algn="l"/>
+                <a:tab pos="6858000" algn="l"/>
+                <a:tab pos="7315200" algn="l"/>
+                <a:tab pos="7772400" algn="l"/>
+                <a:tab pos="8229600" algn="l"/>
+                <a:tab pos="8686800" algn="l"/>
+                <a:tab pos="9144000" algn="l"/>
+                <a:tab pos="9410700" algn="l"/>
+              </a:tabLst>
+              <a:defRPr>
+                <a:solidFill>
+                  <a:srgbClr val="000000"/>
+                </a:solidFill>
+                <a:latin typeface="Arial" panose="020B0604020202020204" pitchFamily="34" charset="0"/>
+                <a:cs typeface="Arial" panose="020B0604020202020204" pitchFamily="34" charset="0"/>
+              </a:defRPr>
+            </a:lvl6pPr>
+            <a:lvl7pPr defTabSz="457200" fontAlgn="base">
+              <a:spcBef>
+                <a:spcPct val="0"/>
+              </a:spcBef>
+              <a:spcAft>
+                <a:spcPct val="0"/>
+              </a:spcAft>
+              <a:buClr>
+                <a:srgbClr val="000000"/>
+              </a:buClr>
+              <a:buSzPct val="100000"/>
+              <a:buFont typeface="Arial" panose="020B0604020202020204" pitchFamily="34" charset="0"/>
+              <a:tabLst>
+                <a:tab pos="0" algn="l"/>
+                <a:tab pos="457200" algn="l"/>
+                <a:tab pos="914400" algn="l"/>
+                <a:tab pos="1371600" algn="l"/>
+                <a:tab pos="1828800" algn="l"/>
+                <a:tab pos="2286000" algn="l"/>
+                <a:tab pos="2743200" algn="l"/>
+                <a:tab pos="3200400" algn="l"/>
+                <a:tab pos="3657600" algn="l"/>
+                <a:tab pos="4114800" algn="l"/>
+                <a:tab pos="4572000" algn="l"/>
+                <a:tab pos="5029200" algn="l"/>
+                <a:tab pos="5486400" algn="l"/>
+                <a:tab pos="5943600" algn="l"/>
+                <a:tab pos="6400800" algn="l"/>
+                <a:tab pos="6858000" algn="l"/>
+                <a:tab pos="7315200" algn="l"/>
+                <a:tab pos="7772400" algn="l"/>
+                <a:tab pos="8229600" algn="l"/>
+                <a:tab pos="8686800" algn="l"/>
+                <a:tab pos="9144000" algn="l"/>
+                <a:tab pos="9410700" algn="l"/>
+              </a:tabLst>
+              <a:defRPr>
+                <a:solidFill>
+                  <a:srgbClr val="000000"/>
+                </a:solidFill>
+                <a:latin typeface="Arial" panose="020B0604020202020204" pitchFamily="34" charset="0"/>
+                <a:cs typeface="Arial" panose="020B0604020202020204" pitchFamily="34" charset="0"/>
+              </a:defRPr>
+            </a:lvl7pPr>
+            <a:lvl8pPr defTabSz="457200" fontAlgn="base">
+              <a:spcBef>
+                <a:spcPct val="0"/>
+              </a:spcBef>
+              <a:spcAft>
+                <a:spcPct val="0"/>
+              </a:spcAft>
+              <a:buClr>
+                <a:srgbClr val="000000"/>
+              </a:buClr>
+              <a:buSzPct val="100000"/>
+              <a:buFont typeface="Arial" panose="020B0604020202020204" pitchFamily="34" charset="0"/>
+              <a:tabLst>
+                <a:tab pos="0" algn="l"/>
+                <a:tab pos="457200" algn="l"/>
+                <a:tab pos="914400" algn="l"/>
+                <a:tab pos="1371600" algn="l"/>
+                <a:tab pos="1828800" algn="l"/>
+                <a:tab pos="2286000" algn="l"/>
+                <a:tab pos="2743200" algn="l"/>
+                <a:tab pos="3200400" algn="l"/>
+                <a:tab pos="3657600" algn="l"/>
+                <a:tab pos="4114800" algn="l"/>
+                <a:tab pos="4572000" algn="l"/>
+                <a:tab pos="5029200" algn="l"/>
+                <a:tab pos="5486400" algn="l"/>
+                <a:tab pos="5943600" algn="l"/>
+                <a:tab pos="6400800" algn="l"/>
+                <a:tab pos="6858000" algn="l"/>
+                <a:tab pos="7315200" algn="l"/>
+                <a:tab pos="7772400" algn="l"/>
+                <a:tab pos="8229600" algn="l"/>
+                <a:tab pos="8686800" algn="l"/>
+                <a:tab pos="9144000" algn="l"/>
+                <a:tab pos="9410700" algn="l"/>
+              </a:tabLst>
+              <a:defRPr>
+                <a:solidFill>
+                  <a:srgbClr val="000000"/>
+                </a:solidFill>
+                <a:latin typeface="Arial" panose="020B0604020202020204" pitchFamily="34" charset="0"/>
+                <a:cs typeface="Arial" panose="020B0604020202020204" pitchFamily="34" charset="0"/>
+              </a:defRPr>
+            </a:lvl8pPr>
+            <a:lvl9pPr defTabSz="457200" fontAlgn="base">
+              <a:spcBef>
+                <a:spcPct val="0"/>
+              </a:spcBef>
+              <a:spcAft>
+                <a:spcPct val="0"/>
+              </a:spcAft>
+              <a:buClr>
+                <a:srgbClr val="000000"/>
+              </a:buClr>
+              <a:buSzPct val="100000"/>
+              <a:buFont typeface="Arial" panose="020B0604020202020204" pitchFamily="34" charset="0"/>
+              <a:tabLst>
+                <a:tab pos="0" algn="l"/>
+                <a:tab pos="457200" algn="l"/>
+                <a:tab pos="914400" algn="l"/>
+                <a:tab pos="1371600" algn="l"/>
+                <a:tab pos="1828800" algn="l"/>
+                <a:tab pos="2286000" algn="l"/>
+                <a:tab pos="2743200" algn="l"/>
+                <a:tab pos="3200400" algn="l"/>
+                <a:tab pos="3657600" algn="l"/>
+                <a:tab pos="4114800" algn="l"/>
+                <a:tab pos="4572000" algn="l"/>
+                <a:tab pos="5029200" algn="l"/>
+                <a:tab pos="5486400" algn="l"/>
+                <a:tab pos="5943600" algn="l"/>
+                <a:tab pos="6400800" algn="l"/>
+                <a:tab pos="6858000" algn="l"/>
+                <a:tab pos="7315200" algn="l"/>
+                <a:tab pos="7772400" algn="l"/>
+                <a:tab pos="8229600" algn="l"/>
+                <a:tab pos="8686800" algn="l"/>
+                <a:tab pos="9144000" algn="l"/>
+                <a:tab pos="9410700" algn="l"/>
+              </a:tabLst>
+              <a:defRPr>
+                <a:solidFill>
+                  <a:srgbClr val="000000"/>
+                </a:solidFill>
+                <a:latin typeface="Arial" panose="020B0604020202020204" pitchFamily="34" charset="0"/>
+                <a:cs typeface="Arial" panose="020B0604020202020204" pitchFamily="34" charset="0"/>
+              </a:defRPr>
+            </a:lvl9pPr>
+          </a:lstStyle>
+          <a:p>
+            <a:pPr algn="l" rtl="0">
+              <a:spcBef>
+                <a:spcPts val="750"/>
+              </a:spcBef>
+            </a:pPr>
+            <a:r>
+              <a:rPr lang="en-US" sz="2400" dirty="0" smtClean="0"/>
+              <a:t>COMET gradient steps versus projected gradient steps</a:t>
+            </a:r>
+            <a:endParaRPr lang="en-AU" altLang="en-US" sz="2400" dirty="0"/>
+          </a:p>
+        </p:txBody>
+      </p:sp>
+      <p:pic>
+        <p:nvPicPr>
+          <p:cNvPr id="13" name="Picture 12"/>
+          <p:cNvPicPr>
+            <a:picLocks noChangeAspect="1"/>
+          </p:cNvPicPr>
+          <p:nvPr/>
+        </p:nvPicPr>
+        <p:blipFill rotWithShape="1">
+          <a:blip r:embed="rId28"/>
+          <a:srcRect r="4094"/>
+          <a:stretch/>
+        </p:blipFill>
+        <p:spPr>
+          <a:xfrm>
+            <a:off x="22305640" y="9621067"/>
+            <a:ext cx="9101506" cy="1982022"/>
+          </a:xfrm>
+          <a:prstGeom prst="rect">
+            <a:avLst/>
+          </a:prstGeom>
+        </p:spPr>
+      </p:pic>
+      <mc:AlternateContent xmlns:mc="http://schemas.openxmlformats.org/markup-compatibility/2006">
+        <mc:Choice xmlns:a14="http://schemas.microsoft.com/office/drawing/2010/main" Requires="a14">
+          <p:sp>
+            <p:nvSpPr>
+              <p:cNvPr id="63" name="Text Box 115"/>
+              <p:cNvSpPr txBox="1">
+                <a:spLocks noChangeArrowheads="1"/>
+              </p:cNvSpPr>
+              <p:nvPr/>
+            </p:nvSpPr>
+            <p:spPr bwMode="auto">
+              <a:xfrm>
+                <a:off x="22391015" y="11813666"/>
+                <a:ext cx="8964410" cy="1202510"/>
+              </a:xfrm>
+              <a:prstGeom prst="rect">
+                <a:avLst/>
+              </a:prstGeom>
+              <a:noFill/>
+              <a:ln>
+                <a:noFill/>
+              </a:ln>
+              <a:effectLst/>
+              <a:extLst/>
+            </p:spPr>
+            <p:txBody>
+              <a:bodyPr wrap="square" lIns="90000" tIns="46800" rIns="90000" bIns="46800">
+                <a:spAutoFit/>
+              </a:bodyPr>
+              <a:lstStyle>
+                <a:lvl1pPr>
+                  <a:tabLst>
+                    <a:tab pos="0" algn="l"/>
+                    <a:tab pos="457200" algn="l"/>
+                    <a:tab pos="914400" algn="l"/>
+                    <a:tab pos="1371600" algn="l"/>
+                    <a:tab pos="1828800" algn="l"/>
+                    <a:tab pos="2286000" algn="l"/>
+                    <a:tab pos="2743200" algn="l"/>
+                    <a:tab pos="3200400" algn="l"/>
+                    <a:tab pos="3657600" algn="l"/>
+                    <a:tab pos="4114800" algn="l"/>
+                    <a:tab pos="4572000" algn="l"/>
+                    <a:tab pos="5029200" algn="l"/>
+                    <a:tab pos="5486400" algn="l"/>
+                    <a:tab pos="5943600" algn="l"/>
+                    <a:tab pos="6400800" algn="l"/>
+                    <a:tab pos="6858000" algn="l"/>
+                    <a:tab pos="7315200" algn="l"/>
+                    <a:tab pos="7772400" algn="l"/>
+                    <a:tab pos="8229600" algn="l"/>
+                    <a:tab pos="8686800" algn="l"/>
+                    <a:tab pos="9144000" algn="l"/>
+                    <a:tab pos="9410700" algn="l"/>
+                  </a:tabLst>
+                  <a:defRPr>
+                    <a:solidFill>
+                      <a:srgbClr val="000000"/>
+                    </a:solidFill>
+                    <a:latin typeface="Arial" panose="020B0604020202020204" pitchFamily="34" charset="0"/>
+                    <a:cs typeface="Arial" panose="020B0604020202020204" pitchFamily="34" charset="0"/>
+                  </a:defRPr>
+                </a:lvl1pPr>
+                <a:lvl2pPr>
+                  <a:tabLst>
+                    <a:tab pos="0" algn="l"/>
+                    <a:tab pos="457200" algn="l"/>
+                    <a:tab pos="914400" algn="l"/>
+                    <a:tab pos="1371600" algn="l"/>
+                    <a:tab pos="1828800" algn="l"/>
+                    <a:tab pos="2286000" algn="l"/>
+                    <a:tab pos="2743200" algn="l"/>
+                    <a:tab pos="3200400" algn="l"/>
+                    <a:tab pos="3657600" algn="l"/>
+                    <a:tab pos="4114800" algn="l"/>
+                    <a:tab pos="4572000" algn="l"/>
+                    <a:tab pos="5029200" algn="l"/>
+                    <a:tab pos="5486400" algn="l"/>
+                    <a:tab pos="5943600" algn="l"/>
+                    <a:tab pos="6400800" algn="l"/>
+                    <a:tab pos="6858000" algn="l"/>
+                    <a:tab pos="7315200" algn="l"/>
+                    <a:tab pos="7772400" algn="l"/>
+                    <a:tab pos="8229600" algn="l"/>
+                    <a:tab pos="8686800" algn="l"/>
+                    <a:tab pos="9144000" algn="l"/>
+                    <a:tab pos="9410700" algn="l"/>
+                  </a:tabLst>
+                  <a:defRPr>
+                    <a:solidFill>
+                      <a:srgbClr val="000000"/>
+                    </a:solidFill>
+                    <a:latin typeface="Arial" panose="020B0604020202020204" pitchFamily="34" charset="0"/>
+                    <a:cs typeface="Arial" panose="020B0604020202020204" pitchFamily="34" charset="0"/>
+                  </a:defRPr>
+                </a:lvl2pPr>
+                <a:lvl3pPr>
+                  <a:tabLst>
+                    <a:tab pos="0" algn="l"/>
+                    <a:tab pos="457200" algn="l"/>
+                    <a:tab pos="914400" algn="l"/>
+                    <a:tab pos="1371600" algn="l"/>
+                    <a:tab pos="1828800" algn="l"/>
+                    <a:tab pos="2286000" algn="l"/>
+                    <a:tab pos="2743200" algn="l"/>
+                    <a:tab pos="3200400" algn="l"/>
+                    <a:tab pos="3657600" algn="l"/>
+                    <a:tab pos="4114800" algn="l"/>
+                    <a:tab pos="4572000" algn="l"/>
+                    <a:tab pos="5029200" algn="l"/>
+                    <a:tab pos="5486400" algn="l"/>
+                    <a:tab pos="5943600" algn="l"/>
+                    <a:tab pos="6400800" algn="l"/>
+                    <a:tab pos="6858000" algn="l"/>
+                    <a:tab pos="7315200" algn="l"/>
+                    <a:tab pos="7772400" algn="l"/>
+                    <a:tab pos="8229600" algn="l"/>
+                    <a:tab pos="8686800" algn="l"/>
+                    <a:tab pos="9144000" algn="l"/>
+                    <a:tab pos="9410700" algn="l"/>
+                  </a:tabLst>
+                  <a:defRPr>
+                    <a:solidFill>
+                      <a:srgbClr val="000000"/>
+                    </a:solidFill>
+                    <a:latin typeface="Arial" panose="020B0604020202020204" pitchFamily="34" charset="0"/>
+                    <a:cs typeface="Arial" panose="020B0604020202020204" pitchFamily="34" charset="0"/>
+                  </a:defRPr>
+                </a:lvl3pPr>
+                <a:lvl4pPr>
+                  <a:tabLst>
+                    <a:tab pos="0" algn="l"/>
+                    <a:tab pos="457200" algn="l"/>
+                    <a:tab pos="914400" algn="l"/>
+                    <a:tab pos="1371600" algn="l"/>
+                    <a:tab pos="1828800" algn="l"/>
+                    <a:tab pos="2286000" algn="l"/>
+                    <a:tab pos="2743200" algn="l"/>
+                    <a:tab pos="3200400" algn="l"/>
+                    <a:tab pos="3657600" algn="l"/>
+                    <a:tab pos="4114800" algn="l"/>
+                    <a:tab pos="4572000" algn="l"/>
+                    <a:tab pos="5029200" algn="l"/>
+                    <a:tab pos="5486400" algn="l"/>
+                    <a:tab pos="5943600" algn="l"/>
+                    <a:tab pos="6400800" algn="l"/>
+                    <a:tab pos="6858000" algn="l"/>
+                    <a:tab pos="7315200" algn="l"/>
+                    <a:tab pos="7772400" algn="l"/>
+                    <a:tab pos="8229600" algn="l"/>
+                    <a:tab pos="8686800" algn="l"/>
+                    <a:tab pos="9144000" algn="l"/>
+                    <a:tab pos="9410700" algn="l"/>
+                  </a:tabLst>
+                  <a:defRPr>
+                    <a:solidFill>
+                      <a:srgbClr val="000000"/>
+                    </a:solidFill>
+                    <a:latin typeface="Arial" panose="020B0604020202020204" pitchFamily="34" charset="0"/>
+                    <a:cs typeface="Arial" panose="020B0604020202020204" pitchFamily="34" charset="0"/>
+                  </a:defRPr>
+                </a:lvl4pPr>
+                <a:lvl5pPr>
+                  <a:tabLst>
+                    <a:tab pos="0" algn="l"/>
+                    <a:tab pos="457200" algn="l"/>
+                    <a:tab pos="914400" algn="l"/>
+                    <a:tab pos="1371600" algn="l"/>
+                    <a:tab pos="1828800" algn="l"/>
+                    <a:tab pos="2286000" algn="l"/>
+                    <a:tab pos="2743200" algn="l"/>
+                    <a:tab pos="3200400" algn="l"/>
+                    <a:tab pos="3657600" algn="l"/>
+                    <a:tab pos="4114800" algn="l"/>
+                    <a:tab pos="4572000" algn="l"/>
+                    <a:tab pos="5029200" algn="l"/>
+                    <a:tab pos="5486400" algn="l"/>
+                    <a:tab pos="5943600" algn="l"/>
+                    <a:tab pos="6400800" algn="l"/>
+                    <a:tab pos="6858000" algn="l"/>
+                    <a:tab pos="7315200" algn="l"/>
+                    <a:tab pos="7772400" algn="l"/>
+                    <a:tab pos="8229600" algn="l"/>
+                    <a:tab pos="8686800" algn="l"/>
+                    <a:tab pos="9144000" algn="l"/>
+                    <a:tab pos="9410700" algn="l"/>
+                  </a:tabLst>
+                  <a:defRPr>
+                    <a:solidFill>
+                      <a:srgbClr val="000000"/>
+                    </a:solidFill>
+                    <a:latin typeface="Arial" panose="020B0604020202020204" pitchFamily="34" charset="0"/>
+                    <a:cs typeface="Arial" panose="020B0604020202020204" pitchFamily="34" charset="0"/>
+                  </a:defRPr>
+                </a:lvl5pPr>
+                <a:lvl6pPr defTabSz="457200" fontAlgn="base">
+                  <a:spcBef>
+                    <a:spcPct val="0"/>
+                  </a:spcBef>
+                  <a:spcAft>
+                    <a:spcPct val="0"/>
+                  </a:spcAft>
+                  <a:buClr>
+                    <a:srgbClr val="000000"/>
+                  </a:buClr>
+                  <a:buSzPct val="100000"/>
+                  <a:buFont typeface="Arial" panose="020B0604020202020204" pitchFamily="34" charset="0"/>
+                  <a:tabLst>
+                    <a:tab pos="0" algn="l"/>
+                    <a:tab pos="457200" algn="l"/>
+                    <a:tab pos="914400" algn="l"/>
+                    <a:tab pos="1371600" algn="l"/>
+                    <a:tab pos="1828800" algn="l"/>
+                    <a:tab pos="2286000" algn="l"/>
+                    <a:tab pos="2743200" algn="l"/>
+                    <a:tab pos="3200400" algn="l"/>
+                    <a:tab pos="3657600" algn="l"/>
+                    <a:tab pos="4114800" algn="l"/>
+                    <a:tab pos="4572000" algn="l"/>
+                    <a:tab pos="5029200" algn="l"/>
+                    <a:tab pos="5486400" algn="l"/>
+                    <a:tab pos="5943600" algn="l"/>
+                    <a:tab pos="6400800" algn="l"/>
+                    <a:tab pos="6858000" algn="l"/>
+                    <a:tab pos="7315200" algn="l"/>
+                    <a:tab pos="7772400" algn="l"/>
+                    <a:tab pos="8229600" algn="l"/>
+                    <a:tab pos="8686800" algn="l"/>
+                    <a:tab pos="9144000" algn="l"/>
+                    <a:tab pos="9410700" algn="l"/>
+                  </a:tabLst>
+                  <a:defRPr>
+                    <a:solidFill>
+                      <a:srgbClr val="000000"/>
+                    </a:solidFill>
+                    <a:latin typeface="Arial" panose="020B0604020202020204" pitchFamily="34" charset="0"/>
+                    <a:cs typeface="Arial" panose="020B0604020202020204" pitchFamily="34" charset="0"/>
+                  </a:defRPr>
+                </a:lvl6pPr>
+                <a:lvl7pPr defTabSz="457200" fontAlgn="base">
+                  <a:spcBef>
+                    <a:spcPct val="0"/>
+                  </a:spcBef>
+                  <a:spcAft>
+                    <a:spcPct val="0"/>
+                  </a:spcAft>
+                  <a:buClr>
+                    <a:srgbClr val="000000"/>
+                  </a:buClr>
+                  <a:buSzPct val="100000"/>
+                  <a:buFont typeface="Arial" panose="020B0604020202020204" pitchFamily="34" charset="0"/>
+                  <a:tabLst>
+                    <a:tab pos="0" algn="l"/>
+                    <a:tab pos="457200" algn="l"/>
+                    <a:tab pos="914400" algn="l"/>
+                    <a:tab pos="1371600" algn="l"/>
+                    <a:tab pos="1828800" algn="l"/>
+                    <a:tab pos="2286000" algn="l"/>
+                    <a:tab pos="2743200" algn="l"/>
+                    <a:tab pos="3200400" algn="l"/>
+                    <a:tab pos="3657600" algn="l"/>
+                    <a:tab pos="4114800" algn="l"/>
+                    <a:tab pos="4572000" algn="l"/>
+                    <a:tab pos="5029200" algn="l"/>
+                    <a:tab pos="5486400" algn="l"/>
+                    <a:tab pos="5943600" algn="l"/>
+                    <a:tab pos="6400800" algn="l"/>
+                    <a:tab pos="6858000" algn="l"/>
+                    <a:tab pos="7315200" algn="l"/>
+                    <a:tab pos="7772400" algn="l"/>
+                    <a:tab pos="8229600" algn="l"/>
+                    <a:tab pos="8686800" algn="l"/>
+                    <a:tab pos="9144000" algn="l"/>
+                    <a:tab pos="9410700" algn="l"/>
+                  </a:tabLst>
+                  <a:defRPr>
+                    <a:solidFill>
+                      <a:srgbClr val="000000"/>
+                    </a:solidFill>
+                    <a:latin typeface="Arial" panose="020B0604020202020204" pitchFamily="34" charset="0"/>
+                    <a:cs typeface="Arial" panose="020B0604020202020204" pitchFamily="34" charset="0"/>
+                  </a:defRPr>
+                </a:lvl7pPr>
+                <a:lvl8pPr defTabSz="457200" fontAlgn="base">
+                  <a:spcBef>
+                    <a:spcPct val="0"/>
+                  </a:spcBef>
+                  <a:spcAft>
+                    <a:spcPct val="0"/>
+                  </a:spcAft>
+                  <a:buClr>
+                    <a:srgbClr val="000000"/>
+                  </a:buClr>
+                  <a:buSzPct val="100000"/>
+                  <a:buFont typeface="Arial" panose="020B0604020202020204" pitchFamily="34" charset="0"/>
+                  <a:tabLst>
+                    <a:tab pos="0" algn="l"/>
+                    <a:tab pos="457200" algn="l"/>
+                    <a:tab pos="914400" algn="l"/>
+                    <a:tab pos="1371600" algn="l"/>
+                    <a:tab pos="1828800" algn="l"/>
+                    <a:tab pos="2286000" algn="l"/>
+                    <a:tab pos="2743200" algn="l"/>
+                    <a:tab pos="3200400" algn="l"/>
+                    <a:tab pos="3657600" algn="l"/>
+                    <a:tab pos="4114800" algn="l"/>
+                    <a:tab pos="4572000" algn="l"/>
+                    <a:tab pos="5029200" algn="l"/>
+                    <a:tab pos="5486400" algn="l"/>
+                    <a:tab pos="5943600" algn="l"/>
+                    <a:tab pos="6400800" algn="l"/>
+                    <a:tab pos="6858000" algn="l"/>
+                    <a:tab pos="7315200" algn="l"/>
+                    <a:tab pos="7772400" algn="l"/>
+                    <a:tab pos="8229600" algn="l"/>
+                    <a:tab pos="8686800" algn="l"/>
+                    <a:tab pos="9144000" algn="l"/>
+                    <a:tab pos="9410700" algn="l"/>
+                  </a:tabLst>
+                  <a:defRPr>
+                    <a:solidFill>
+                      <a:srgbClr val="000000"/>
+                    </a:solidFill>
+                    <a:latin typeface="Arial" panose="020B0604020202020204" pitchFamily="34" charset="0"/>
+                    <a:cs typeface="Arial" panose="020B0604020202020204" pitchFamily="34" charset="0"/>
+                  </a:defRPr>
+                </a:lvl8pPr>
+                <a:lvl9pPr defTabSz="457200" fontAlgn="base">
+                  <a:spcBef>
+                    <a:spcPct val="0"/>
+                  </a:spcBef>
+                  <a:spcAft>
+                    <a:spcPct val="0"/>
+                  </a:spcAft>
+                  <a:buClr>
+                    <a:srgbClr val="000000"/>
+                  </a:buClr>
+                  <a:buSzPct val="100000"/>
+                  <a:buFont typeface="Arial" panose="020B0604020202020204" pitchFamily="34" charset="0"/>
+                  <a:tabLst>
+                    <a:tab pos="0" algn="l"/>
+                    <a:tab pos="457200" algn="l"/>
+                    <a:tab pos="914400" algn="l"/>
+                    <a:tab pos="1371600" algn="l"/>
+                    <a:tab pos="1828800" algn="l"/>
+                    <a:tab pos="2286000" algn="l"/>
+                    <a:tab pos="2743200" algn="l"/>
+                    <a:tab pos="3200400" algn="l"/>
+                    <a:tab pos="3657600" algn="l"/>
+                    <a:tab pos="4114800" algn="l"/>
+                    <a:tab pos="4572000" algn="l"/>
+                    <a:tab pos="5029200" algn="l"/>
+                    <a:tab pos="5486400" algn="l"/>
+                    <a:tab pos="5943600" algn="l"/>
+                    <a:tab pos="6400800" algn="l"/>
+                    <a:tab pos="6858000" algn="l"/>
+                    <a:tab pos="7315200" algn="l"/>
+                    <a:tab pos="7772400" algn="l"/>
+                    <a:tab pos="8229600" algn="l"/>
+                    <a:tab pos="8686800" algn="l"/>
+                    <a:tab pos="9144000" algn="l"/>
+                    <a:tab pos="9410700" algn="l"/>
+                  </a:tabLst>
+                  <a:defRPr>
+                    <a:solidFill>
+                      <a:srgbClr val="000000"/>
+                    </a:solidFill>
+                    <a:latin typeface="Arial" panose="020B0604020202020204" pitchFamily="34" charset="0"/>
+                    <a:cs typeface="Arial" panose="020B0604020202020204" pitchFamily="34" charset="0"/>
+                  </a:defRPr>
+                </a:lvl9pPr>
+              </a:lstStyle>
+              <a:p>
+                <a:pPr algn="l" rtl="0">
+                  <a:spcBef>
+                    <a:spcPts val="750"/>
+                  </a:spcBef>
+                </a:pPr>
+                <a:r>
+                  <a:rPr lang="en-US" altLang="en-US" sz="2400" dirty="0" smtClean="0"/>
+                  <a:t>Runtimes, minutes. </a:t>
+                </a:r>
+                <a14:m>
+                  <m:oMath xmlns:m="http://schemas.openxmlformats.org/officeDocument/2006/math">
+                    <m:r>
+                      <a:rPr lang="en-US" sz="2400" i="1" smtClean="0">
+                        <a:latin typeface="Cambria Math" panose="02040503050406030204" pitchFamily="18" charset="0"/>
+                        <a:ea typeface="Cambria Math" panose="02040503050406030204" pitchFamily="18" charset="0"/>
+                      </a:rPr>
+                      <m:t>±</m:t>
+                    </m:r>
+                  </m:oMath>
+                </a14:m>
+                <a:r>
+                  <a:rPr lang="en-US" altLang="en-US" sz="2400" dirty="0"/>
+                  <a:t> denotes the standard deviation. For </a:t>
+                </a:r>
+                <a:r>
+                  <a:rPr lang="en-US" altLang="en-US" sz="2400" dirty="0" smtClean="0"/>
+                  <a:t>sparse COMET</a:t>
+                </a:r>
+                <a:r>
+                  <a:rPr lang="en-US" altLang="en-US" sz="2400" dirty="0"/>
+                  <a:t>, we  selected </a:t>
+                </a:r>
+                <a14:m>
+                  <m:oMath xmlns:m="http://schemas.openxmlformats.org/officeDocument/2006/math">
+                    <m:r>
+                      <a:rPr lang="en-US" sz="2400" b="0" i="1" smtClean="0">
+                        <a:latin typeface="Cambria Math" panose="02040503050406030204" pitchFamily="18" charset="0"/>
+                      </a:rPr>
+                      <m:t>𝜌</m:t>
+                    </m:r>
+                  </m:oMath>
+                </a14:m>
+                <a:r>
+                  <a:rPr lang="en-US" altLang="en-US" sz="2400" dirty="0" smtClean="0"/>
+                  <a:t> </a:t>
+                </a:r>
+                <a:r>
+                  <a:rPr lang="en-US" altLang="en-US" sz="2400" dirty="0"/>
+                  <a:t>values to illustrate the performance gain. </a:t>
+                </a:r>
+                <a:endParaRPr lang="en-AU" altLang="en-US" sz="2400" i="1" dirty="0"/>
+              </a:p>
+            </p:txBody>
+          </p:sp>
+        </mc:Choice>
+        <mc:Fallback>
+          <p:sp>
+            <p:nvSpPr>
+              <p:cNvPr id="63" name="Text Box 115"/>
+              <p:cNvSpPr txBox="1">
+                <a:spLocks noRot="1" noChangeAspect="1" noMove="1" noResize="1" noEditPoints="1" noAdjustHandles="1" noChangeArrowheads="1" noChangeShapeType="1" noTextEdit="1"/>
+              </p:cNvSpPr>
+              <p:nvPr/>
+            </p:nvSpPr>
+            <p:spPr bwMode="auto">
+              <a:xfrm>
+                <a:off x="22391015" y="11813666"/>
+                <a:ext cx="8964410" cy="1202510"/>
+              </a:xfrm>
+              <a:prstGeom prst="rect">
+                <a:avLst/>
+              </a:prstGeom>
+              <a:blipFill rotWithShape="0">
+                <a:blip r:embed="rId29"/>
+                <a:stretch>
+                  <a:fillRect l="-1088" t="-3553" b="-11168"/>
+                </a:stretch>
+              </a:blipFill>
+              <a:ln>
+                <a:noFill/>
+              </a:ln>
+              <a:effectLst/>
+              <a:extLst/>
             </p:spPr>
             <p:txBody>
               <a:bodyPr/>

--- a/COMET_poster.pptx
+++ b/COMET_poster.pptx
@@ -215,7 +215,7 @@
             <a:fld id="{198A3463-10AA-40C1-AF51-9D4D3C36B945}" type="datetimeFigureOut">
               <a:rPr lang="he-IL" smtClean="0"/>
               <a:pPr/>
-              <a:t>ט"ו/כסלו/תשע"ו</a:t>
+              <a:t>י"ח/כסלו/תשע"ו</a:t>
             </a:fld>
             <a:endParaRPr lang="he-IL"/>
           </a:p>
@@ -760,7 +760,7 @@
             <a:fld id="{A6DEEEEF-6AFF-4F2F-80C9-19C8578E8C6D}" type="datetimeFigureOut">
               <a:rPr lang="he-IL" smtClean="0"/>
               <a:pPr/>
-              <a:t>ט"ו/כסלו/תשע"ו</a:t>
+              <a:t>י"ח/כסלו/תשע"ו</a:t>
             </a:fld>
             <a:endParaRPr lang="he-IL"/>
           </a:p>
@@ -927,7 +927,7 @@
             <a:fld id="{A6DEEEEF-6AFF-4F2F-80C9-19C8578E8C6D}" type="datetimeFigureOut">
               <a:rPr lang="he-IL" smtClean="0"/>
               <a:pPr/>
-              <a:t>ט"ו/כסלו/תשע"ו</a:t>
+              <a:t>י"ח/כסלו/תשע"ו</a:t>
             </a:fld>
             <a:endParaRPr lang="he-IL"/>
           </a:p>
@@ -1104,7 +1104,7 @@
             <a:fld id="{A6DEEEEF-6AFF-4F2F-80C9-19C8578E8C6D}" type="datetimeFigureOut">
               <a:rPr lang="he-IL" smtClean="0"/>
               <a:pPr/>
-              <a:t>ט"ו/כסלו/תשע"ו</a:t>
+              <a:t>י"ח/כסלו/תשע"ו</a:t>
             </a:fld>
             <a:endParaRPr lang="he-IL"/>
           </a:p>
@@ -1271,7 +1271,7 @@
             <a:fld id="{A6DEEEEF-6AFF-4F2F-80C9-19C8578E8C6D}" type="datetimeFigureOut">
               <a:rPr lang="he-IL" smtClean="0"/>
               <a:pPr/>
-              <a:t>ט"ו/כסלו/תשע"ו</a:t>
+              <a:t>י"ח/כסלו/תשע"ו</a:t>
             </a:fld>
             <a:endParaRPr lang="he-IL"/>
           </a:p>
@@ -1514,7 +1514,7 @@
             <a:fld id="{A6DEEEEF-6AFF-4F2F-80C9-19C8578E8C6D}" type="datetimeFigureOut">
               <a:rPr lang="he-IL" smtClean="0"/>
               <a:pPr/>
-              <a:t>ט"ו/כסלו/תשע"ו</a:t>
+              <a:t>י"ח/כסלו/תשע"ו</a:t>
             </a:fld>
             <a:endParaRPr lang="he-IL"/>
           </a:p>
@@ -1799,7 +1799,7 @@
             <a:fld id="{A6DEEEEF-6AFF-4F2F-80C9-19C8578E8C6D}" type="datetimeFigureOut">
               <a:rPr lang="he-IL" smtClean="0"/>
               <a:pPr/>
-              <a:t>ט"ו/כסלו/תשע"ו</a:t>
+              <a:t>י"ח/כסלו/תשע"ו</a:t>
             </a:fld>
             <a:endParaRPr lang="he-IL"/>
           </a:p>
@@ -2223,7 +2223,7 @@
             <a:fld id="{A6DEEEEF-6AFF-4F2F-80C9-19C8578E8C6D}" type="datetimeFigureOut">
               <a:rPr lang="he-IL" smtClean="0"/>
               <a:pPr/>
-              <a:t>ט"ו/כסלו/תשע"ו</a:t>
+              <a:t>י"ח/כסלו/תשע"ו</a:t>
             </a:fld>
             <a:endParaRPr lang="he-IL"/>
           </a:p>
@@ -2338,7 +2338,7 @@
             <a:fld id="{A6DEEEEF-6AFF-4F2F-80C9-19C8578E8C6D}" type="datetimeFigureOut">
               <a:rPr lang="he-IL" smtClean="0"/>
               <a:pPr/>
-              <a:t>ט"ו/כסלו/תשע"ו</a:t>
+              <a:t>י"ח/כסלו/תשע"ו</a:t>
             </a:fld>
             <a:endParaRPr lang="he-IL"/>
           </a:p>
@@ -2430,7 +2430,7 @@
             <a:fld id="{A6DEEEEF-6AFF-4F2F-80C9-19C8578E8C6D}" type="datetimeFigureOut">
               <a:rPr lang="he-IL" smtClean="0"/>
               <a:pPr/>
-              <a:t>ט"ו/כסלו/תשע"ו</a:t>
+              <a:t>י"ח/כסלו/תשע"ו</a:t>
             </a:fld>
             <a:endParaRPr lang="he-IL"/>
           </a:p>
@@ -2704,7 +2704,7 @@
             <a:fld id="{A6DEEEEF-6AFF-4F2F-80C9-19C8578E8C6D}" type="datetimeFigureOut">
               <a:rPr lang="he-IL" smtClean="0"/>
               <a:pPr/>
-              <a:t>ט"ו/כסלו/תשע"ו</a:t>
+              <a:t>י"ח/כסלו/תשע"ו</a:t>
             </a:fld>
             <a:endParaRPr lang="he-IL"/>
           </a:p>
@@ -2954,7 +2954,7 @@
             <a:fld id="{A6DEEEEF-6AFF-4F2F-80C9-19C8578E8C6D}" type="datetimeFigureOut">
               <a:rPr lang="he-IL" smtClean="0"/>
               <a:pPr/>
-              <a:t>ט"ו/כסלו/תשע"ו</a:t>
+              <a:t>י"ח/כסלו/תשע"ו</a:t>
             </a:fld>
             <a:endParaRPr lang="he-IL"/>
           </a:p>
@@ -3167,7 +3167,7 @@
             <a:fld id="{A6DEEEEF-6AFF-4F2F-80C9-19C8578E8C6D}" type="datetimeFigureOut">
               <a:rPr lang="he-IL" smtClean="0"/>
               <a:pPr/>
-              <a:t>ט"ו/כסלו/תשע"ו</a:t>
+              <a:t>י"ח/כסלו/תשע"ו</a:t>
             </a:fld>
             <a:endParaRPr lang="he-IL"/>
           </a:p>
@@ -3540,158 +3540,66 @@
       </p:grpSpPr>
       <p:sp>
         <p:nvSpPr>
-          <p:cNvPr id="7" name="Text Box 5"/>
-          <p:cNvSpPr txBox="1">
-            <a:spLocks noChangeArrowheads="1"/>
-          </p:cNvSpPr>
+          <p:cNvPr id="60" name="Rounded Rectangle 59"/>
+          <p:cNvSpPr/>
           <p:nvPr/>
         </p:nvSpPr>
-        <p:spPr bwMode="auto">
+        <p:spPr>
           <a:xfrm>
-            <a:off x="8554618" y="2880545"/>
-            <a:ext cx="26096173" cy="1447329"/>
+            <a:off x="32281619" y="4968774"/>
+            <a:ext cx="9714936" cy="18488564"/>
           </a:xfrm>
-          <a:prstGeom prst="rect">
+          <a:prstGeom prst="roundRect">
             <a:avLst/>
           </a:prstGeom>
-          <a:noFill/>
-          <a:ln w="9525">
-            <a:noFill/>
-            <a:miter lim="800000"/>
-            <a:headEnd/>
-            <a:tailEnd/>
+          <a:solidFill>
+            <a:schemeClr val="bg1"/>
+          </a:solidFill>
+          <a:ln w="76200">
+            <a:solidFill>
+              <a:schemeClr val="tx1"/>
+            </a:solidFill>
           </a:ln>
-          <a:effectLst/>
         </p:spPr>
+        <p:style>
+          <a:lnRef idx="2">
+            <a:schemeClr val="accent1">
+              <a:shade val="50000"/>
+            </a:schemeClr>
+          </a:lnRef>
+          <a:fillRef idx="1">
+            <a:schemeClr val="accent1"/>
+          </a:fillRef>
+          <a:effectRef idx="0">
+            <a:schemeClr val="accent1"/>
+          </a:effectRef>
+          <a:fontRef idx="minor">
+            <a:schemeClr val="lt1"/>
+          </a:fontRef>
+        </p:style>
         <p:txBody>
-          <a:bodyPr wrap="square" lIns="76973" tIns="38486" rIns="76973" bIns="38486">
-            <a:spAutoFit/>
-          </a:bodyPr>
+          <a:bodyPr lIns="83976" tIns="41987" rIns="83976" bIns="41987" rtlCol="1" anchor="t"/>
           <a:lstStyle/>
           <a:p>
-            <a:pPr algn="ctr"/>
-            <a:r>
-              <a:rPr lang="en-US" sz="5100" dirty="0" smtClean="0">
-                <a:latin typeface="Arial" pitchFamily="34" charset="0"/>
-                <a:cs typeface="+mj-cs"/>
-              </a:rPr>
-              <a:t>Yuval </a:t>
-            </a:r>
-            <a:r>
-              <a:rPr lang="en-US" sz="5100" dirty="0" err="1" smtClean="0">
-                <a:latin typeface="Arial" pitchFamily="34" charset="0"/>
-                <a:cs typeface="+mj-cs"/>
-              </a:rPr>
-              <a:t>Atzmon</a:t>
-            </a:r>
-            <a:r>
-              <a:rPr lang="en-US" sz="5400" baseline="30000" dirty="0"/>
-              <a:t> 1</a:t>
-            </a:r>
-            <a:r>
-              <a:rPr lang="en-US" sz="5100" dirty="0" smtClean="0">
-                <a:latin typeface="Arial" pitchFamily="34" charset="0"/>
-                <a:cs typeface="+mj-cs"/>
-              </a:rPr>
-              <a:t>, Uri </a:t>
-            </a:r>
-            <a:r>
-              <a:rPr lang="en-US" sz="5100" dirty="0" err="1" smtClean="0">
-                <a:latin typeface="Arial" pitchFamily="34" charset="0"/>
-                <a:cs typeface="+mj-cs"/>
-              </a:rPr>
-              <a:t>Shalit</a:t>
-            </a:r>
-            <a:r>
-              <a:rPr lang="en-US" sz="5400" baseline="30000" dirty="0"/>
-              <a:t> </a:t>
-            </a:r>
-            <a:r>
-              <a:rPr lang="en-US" sz="5400" baseline="30000" dirty="0" smtClean="0"/>
-              <a:t>2</a:t>
-            </a:r>
-            <a:r>
-              <a:rPr lang="en-US" sz="5100" dirty="0" smtClean="0">
-                <a:latin typeface="Arial" pitchFamily="34" charset="0"/>
-                <a:cs typeface="Arial" pitchFamily="34" charset="0"/>
-              </a:rPr>
-              <a:t>, Gal </a:t>
-            </a:r>
-            <a:r>
-              <a:rPr lang="en-US" sz="5100" dirty="0" err="1" smtClean="0">
-                <a:latin typeface="Arial" pitchFamily="34" charset="0"/>
-                <a:cs typeface="Arial" pitchFamily="34" charset="0"/>
-              </a:rPr>
-              <a:t>Chechik</a:t>
-            </a:r>
-            <a:r>
-              <a:rPr lang="en-US" sz="5400" baseline="30000" dirty="0"/>
-              <a:t> </a:t>
-            </a:r>
-            <a:r>
-              <a:rPr lang="en-US" sz="5400" baseline="30000" dirty="0" smtClean="0"/>
-              <a:t>1,3</a:t>
-            </a:r>
-            <a:endParaRPr lang="en-US" sz="5100" baseline="30000" dirty="0">
-              <a:latin typeface="Arial" pitchFamily="34" charset="0"/>
-              <a:cs typeface="Arial" pitchFamily="34" charset="0"/>
+            <a:pPr lvl="0" algn="ctr" rtl="0"/>
+            <a:endParaRPr lang="en-US" sz="4300" dirty="0">
+              <a:solidFill>
+                <a:prstClr val="black"/>
+              </a:solidFill>
             </a:endParaRPr>
-          </a:p>
-          <a:p>
-            <a:pPr algn="ctr" rtl="0"/>
-            <a:r>
-              <a:rPr lang="en-US" sz="4000" baseline="30000" dirty="0"/>
-              <a:t>1 </a:t>
-            </a:r>
-            <a:r>
-              <a:rPr lang="en-US" sz="3800" b="1" dirty="0" err="1" smtClean="0"/>
-              <a:t>Gonda</a:t>
-            </a:r>
-            <a:r>
-              <a:rPr lang="en-US" sz="3800" b="1" dirty="0" smtClean="0"/>
-              <a:t> </a:t>
-            </a:r>
-            <a:r>
-              <a:rPr lang="en-US" sz="3800" b="1" dirty="0"/>
-              <a:t>Multidisciplinary Brain Research Center, Bar-</a:t>
-            </a:r>
-            <a:r>
-              <a:rPr lang="en-US" sz="3800" b="1" dirty="0" err="1"/>
-              <a:t>Ilan</a:t>
-            </a:r>
-            <a:r>
-              <a:rPr lang="en-US" sz="3800" b="1" dirty="0"/>
-              <a:t> University, </a:t>
-            </a:r>
-            <a:r>
-              <a:rPr lang="en-US" sz="4000" baseline="30000" dirty="0" smtClean="0"/>
-              <a:t>2 </a:t>
-            </a:r>
-            <a:r>
-              <a:rPr lang="en-US" sz="3800" b="1" dirty="0" smtClean="0"/>
-              <a:t>NYU, </a:t>
-            </a:r>
-            <a:r>
-              <a:rPr lang="en-US" sz="4000" baseline="30000" dirty="0" smtClean="0"/>
-              <a:t>3 </a:t>
-            </a:r>
-            <a:r>
-              <a:rPr lang="en-US" sz="3800" b="1" dirty="0" smtClean="0"/>
-              <a:t>Google CA</a:t>
-            </a:r>
           </a:p>
         </p:txBody>
       </p:sp>
       <p:sp>
         <p:nvSpPr>
-          <p:cNvPr id="191" name="Rounded Rectangle 190"/>
+          <p:cNvPr id="48" name="Rounded Rectangle 47"/>
           <p:cNvSpPr/>
           <p:nvPr/>
         </p:nvSpPr>
         <p:spPr>
           <a:xfrm>
-            <a:off x="32403900" y="4968776"/>
-            <a:ext cx="9787674" cy="9371630"/>
+            <a:off x="22034747" y="13756312"/>
+            <a:ext cx="9721080" cy="18058273"/>
           </a:xfrm>
           <a:prstGeom prst="roundRect">
             <a:avLst/>
@@ -3725,14 +3633,155 @@
           <a:bodyPr lIns="83976" tIns="41987" rIns="83976" bIns="41987" rtlCol="1" anchor="t" anchorCtr="0"/>
           <a:lstStyle/>
           <a:p>
-            <a:pPr marL="539940" indent="-539940" algn="ctr" rtl="0"/>
-            <a:r>
-              <a:rPr lang="en-US" sz="4400" b="1" dirty="0" smtClean="0">
-                <a:solidFill>
-                  <a:schemeClr val="tx1"/>
-                </a:solidFill>
+            <a:pPr algn="ctr" rtl="0"/>
+            <a:endParaRPr lang="en-US" sz="3200" dirty="0" smtClean="0">
+              <a:solidFill>
+                <a:schemeClr val="tx1"/>
+              </a:solidFill>
+            </a:endParaRPr>
+          </a:p>
+        </p:txBody>
+      </p:sp>
+      <p:sp>
+        <p:nvSpPr>
+          <p:cNvPr id="7" name="Text Box 5"/>
+          <p:cNvSpPr txBox="1">
+            <a:spLocks noChangeArrowheads="1"/>
+          </p:cNvSpPr>
+          <p:nvPr/>
+        </p:nvSpPr>
+        <p:spPr bwMode="auto">
+          <a:xfrm>
+            <a:off x="8554618" y="2880545"/>
+            <a:ext cx="26096173" cy="1447329"/>
+          </a:xfrm>
+          <a:prstGeom prst="rect">
+            <a:avLst/>
+          </a:prstGeom>
+          <a:noFill/>
+          <a:ln w="9525">
+            <a:noFill/>
+            <a:miter lim="800000"/>
+            <a:headEnd/>
+            <a:tailEnd/>
+          </a:ln>
+          <a:effectLst/>
+        </p:spPr>
+        <p:txBody>
+          <a:bodyPr wrap="square" lIns="76973" tIns="38486" rIns="76973" bIns="38486">
+            <a:spAutoFit/>
+          </a:bodyPr>
+          <a:lstStyle/>
+          <a:p>
+            <a:pPr algn="ctr"/>
+            <a:r>
+              <a:rPr lang="en-US" sz="5100" dirty="0" smtClean="0">
+                <a:latin typeface="Arial" pitchFamily="34" charset="0"/>
+                <a:cs typeface="+mj-cs"/>
               </a:rPr>
-              <a:t>	</a:t>
+              <a:t>Yuval </a:t>
+            </a:r>
+            <a:r>
+              <a:rPr lang="en-US" sz="5100" dirty="0" err="1" smtClean="0">
+                <a:latin typeface="Arial" pitchFamily="34" charset="0"/>
+                <a:cs typeface="+mj-cs"/>
+              </a:rPr>
+              <a:t>Atzmon</a:t>
+            </a:r>
+            <a:r>
+              <a:rPr lang="en-US" sz="5400" baseline="30000" dirty="0"/>
+              <a:t> 1</a:t>
+            </a:r>
+            <a:r>
+              <a:rPr lang="en-US" sz="5100" dirty="0" smtClean="0">
+                <a:latin typeface="Arial" pitchFamily="34" charset="0"/>
+                <a:cs typeface="+mj-cs"/>
+              </a:rPr>
+              <a:t>, Uri </a:t>
+            </a:r>
+            <a:r>
+              <a:rPr lang="en-US" sz="5100" dirty="0" err="1" smtClean="0">
+                <a:latin typeface="Arial" pitchFamily="34" charset="0"/>
+                <a:cs typeface="+mj-cs"/>
+              </a:rPr>
+              <a:t>Shalit</a:t>
+            </a:r>
+            <a:r>
+              <a:rPr lang="en-US" sz="5400" baseline="30000" dirty="0"/>
+              <a:t> </a:t>
+            </a:r>
+            <a:r>
+              <a:rPr lang="en-US" sz="5400" baseline="30000" dirty="0" smtClean="0"/>
+              <a:t>2</a:t>
+            </a:r>
+            <a:r>
+              <a:rPr lang="en-US" sz="5100" dirty="0" smtClean="0">
+                <a:latin typeface="Arial" pitchFamily="34" charset="0"/>
+                <a:cs typeface="Arial" pitchFamily="34" charset="0"/>
+              </a:rPr>
+              <a:t>, Gal </a:t>
+            </a:r>
+            <a:r>
+              <a:rPr lang="en-US" sz="5100" dirty="0" err="1" smtClean="0">
+                <a:latin typeface="Arial" pitchFamily="34" charset="0"/>
+                <a:cs typeface="Arial" pitchFamily="34" charset="0"/>
+              </a:rPr>
+              <a:t>Chechik</a:t>
+            </a:r>
+            <a:r>
+              <a:rPr lang="en-US" sz="5400" baseline="30000" dirty="0"/>
+              <a:t> </a:t>
+            </a:r>
+            <a:r>
+              <a:rPr lang="en-US" sz="5400" baseline="30000" dirty="0" smtClean="0"/>
+              <a:t>1,3</a:t>
+            </a:r>
+            <a:endParaRPr lang="en-US" sz="5100" baseline="30000" dirty="0">
+              <a:latin typeface="Arial" pitchFamily="34" charset="0"/>
+              <a:cs typeface="Arial" pitchFamily="34" charset="0"/>
+            </a:endParaRPr>
+          </a:p>
+          <a:p>
+            <a:pPr algn="ctr" rtl="0"/>
+            <a:r>
+              <a:rPr lang="en-US" sz="4000" baseline="30000" dirty="0"/>
+              <a:t>1 </a:t>
+            </a:r>
+            <a:r>
+              <a:rPr lang="en-US" sz="3800" b="1" dirty="0" err="1" smtClean="0"/>
+              <a:t>Gonda</a:t>
+            </a:r>
+            <a:r>
+              <a:rPr lang="en-US" sz="3800" b="1" dirty="0" smtClean="0"/>
+              <a:t> </a:t>
+            </a:r>
+            <a:r>
+              <a:rPr lang="en-US" sz="3800" b="1" dirty="0"/>
+              <a:t>Multidisciplinary Brain Research Center, Bar-</a:t>
+            </a:r>
+            <a:r>
+              <a:rPr lang="en-US" sz="3800" b="1" dirty="0" err="1"/>
+              <a:t>Ilan</a:t>
+            </a:r>
+            <a:r>
+              <a:rPr lang="en-US" sz="3800" b="1" dirty="0"/>
+              <a:t> University, </a:t>
+            </a:r>
+            <a:r>
+              <a:rPr lang="en-US" sz="4000" baseline="30000" dirty="0" smtClean="0"/>
+              <a:t>2 </a:t>
+            </a:r>
+            <a:r>
+              <a:rPr lang="en-US" sz="3800" b="1" dirty="0" smtClean="0"/>
+              <a:t>NYU, </a:t>
+            </a:r>
+            <a:r>
+              <a:rPr lang="en-US" sz="4000" baseline="30000" dirty="0" smtClean="0"/>
+              <a:t>3 </a:t>
+            </a:r>
+            <a:r>
+              <a:rPr lang="en-US" sz="3800" b="1" dirty="0" smtClean="0"/>
+              <a:t>Google CA</a:t>
             </a:r>
           </a:p>
         </p:txBody>
@@ -3841,8 +3890,8 @@
         </p:nvSpPr>
         <p:spPr>
           <a:xfrm>
-            <a:off x="32475908" y="24776901"/>
-            <a:ext cx="9715665" cy="5826723"/>
+            <a:off x="32281620" y="24098239"/>
+            <a:ext cx="9714935" cy="6505386"/>
           </a:xfrm>
           <a:prstGeom prst="roundRect">
             <a:avLst/>
@@ -3951,58 +4000,6 @@
           </a:p>
         </p:txBody>
       </p:sp>
-      <p:sp>
-        <p:nvSpPr>
-          <p:cNvPr id="66" name="Rounded Rectangle 65"/>
-          <p:cNvSpPr/>
-          <p:nvPr/>
-        </p:nvSpPr>
-        <p:spPr>
-          <a:xfrm>
-            <a:off x="32475907" y="14781717"/>
-            <a:ext cx="9715666" cy="9553873"/>
-          </a:xfrm>
-          <a:prstGeom prst="roundRect">
-            <a:avLst/>
-          </a:prstGeom>
-          <a:solidFill>
-            <a:schemeClr val="bg1"/>
-          </a:solidFill>
-          <a:ln w="76200">
-            <a:solidFill>
-              <a:schemeClr val="tx1"/>
-            </a:solidFill>
-          </a:ln>
-        </p:spPr>
-        <p:style>
-          <a:lnRef idx="2">
-            <a:schemeClr val="accent1">
-              <a:shade val="50000"/>
-            </a:schemeClr>
-          </a:lnRef>
-          <a:fillRef idx="1">
-            <a:schemeClr val="accent1"/>
-          </a:fillRef>
-          <a:effectRef idx="0">
-            <a:schemeClr val="accent1"/>
-          </a:effectRef>
-          <a:fontRef idx="minor">
-            <a:schemeClr val="lt1"/>
-          </a:fontRef>
-        </p:style>
-        <p:txBody>
-          <a:bodyPr lIns="83976" tIns="41987" rIns="83976" bIns="41987" rtlCol="1" anchor="t" anchorCtr="0"/>
-          <a:lstStyle/>
-          <a:p>
-            <a:pPr algn="l" rtl="0"/>
-            <a:endParaRPr lang="en-US" sz="3200" dirty="0" smtClean="0">
-              <a:solidFill>
-                <a:schemeClr val="tx1"/>
-              </a:solidFill>
-            </a:endParaRPr>
-          </a:p>
-        </p:txBody>
-      </p:sp>
       <p:pic>
         <p:nvPicPr>
           <p:cNvPr id="64" name="Picture 120"/>
@@ -4071,45 +4068,6 @@
           </a:extLst>
         </p:spPr>
       </p:pic>
-      <p:pic>
-        <p:nvPicPr>
-          <p:cNvPr id="1034" name="Picture 10" descr="http://chechiklab.biu.ac.il/~yuvval/figs/comet/Precision_at_K_all_datasets.png"/>
-          <p:cNvPicPr>
-            <a:picLocks noChangeAspect="1" noChangeArrowheads="1"/>
-          </p:cNvPicPr>
-          <p:nvPr/>
-        </p:nvPicPr>
-        <p:blipFill rotWithShape="1">
-          <a:blip r:embed="rId8" cstate="print">
-            <a:extLst>
-              <a:ext uri="{28A0092B-C50C-407E-A947-70E740481C1C}">
-                <a14:useLocalDpi xmlns:a14="http://schemas.microsoft.com/office/drawing/2010/main" val="0"/>
-              </a:ext>
-            </a:extLst>
-          </a:blip>
-          <a:srcRect l="6017" t="18639" r="10321" b="14404"/>
-          <a:stretch/>
-        </p:blipFill>
-        <p:spPr bwMode="auto">
-          <a:xfrm>
-            <a:off x="32678705" y="6696969"/>
-            <a:ext cx="9158242" cy="4479815"/>
-          </a:xfrm>
-          <a:prstGeom prst="rect">
-            <a:avLst/>
-          </a:prstGeom>
-          <a:noFill/>
-          <a:extLst>
-            <a:ext uri="{909E8E84-426E-40DD-AFC4-6F175D3DCCD1}">
-              <a14:hiddenFill xmlns:a14="http://schemas.microsoft.com/office/drawing/2010/main">
-                <a:solidFill>
-                  <a:srgbClr val="FFFFFF"/>
-                </a:solidFill>
-              </a14:hiddenFill>
-            </a:ext>
-          </a:extLst>
-        </p:spPr>
-      </p:pic>
       <p:sp>
         <p:nvSpPr>
           <p:cNvPr id="32" name="Text Box 115"/>
@@ -4120,7 +4078,7 @@
         </p:nvSpPr>
         <p:spPr bwMode="auto">
           <a:xfrm>
-            <a:off x="32806662" y="11443248"/>
+            <a:off x="22782220" y="29307481"/>
             <a:ext cx="8973607" cy="2310505"/>
           </a:xfrm>
           <a:prstGeom prst="rect">
@@ -4507,20 +4465,28 @@
               <a:t>metric (baseline)</a:t>
             </a:r>
             <a:r>
-              <a:rPr lang="ar-SA" altLang="en-US" sz="2400" dirty="0"/>
+              <a:rPr lang="ar-SA" altLang="en-US" sz="2400" dirty="0" smtClean="0"/>
               <a:t>‏</a:t>
             </a:r>
             <a:r>
               <a:rPr lang="en-US" altLang="en-US" sz="2400" dirty="0"/>
-              <a:t>.</a:t>
-            </a:r>
-            <a:r>
-              <a:rPr lang="en-AU" altLang="en-US" sz="2400" dirty="0"/>
+              <a:t>,</a:t>
+            </a:r>
+            <a:r>
+              <a:rPr lang="en-AU" altLang="en-US" sz="2400" dirty="0" smtClean="0"/>
               <a:t> </a:t>
             </a:r>
             <a:r>
               <a:rPr lang="en-AU" altLang="en-US" sz="2400" dirty="0" smtClean="0"/>
-              <a:t>HDSL: Similarity Learning for High Dimensional Sparse Data  [Liu et al, 2015], LEGO </a:t>
+              <a:t>HDSL: Similarity Learning for High </a:t>
+            </a:r>
+            <a:r>
+              <a:rPr lang="en-AU" altLang="en-US" sz="2400" dirty="0" smtClean="0"/>
+              <a:t>Dimensional </a:t>
+            </a:r>
+            <a:r>
+              <a:rPr lang="en-AU" altLang="en-US" sz="2400" dirty="0" smtClean="0"/>
+              <a:t>Sparse Data  [Liu et al, 2015], LEGO </a:t>
             </a:r>
             <a:r>
               <a:rPr lang="en-AU" altLang="en-US" sz="2400" dirty="0"/>
@@ -4558,16 +4524,15 @@
           </p:cNvPicPr>
           <p:nvPr/>
         </p:nvPicPr>
-        <p:blipFill>
-          <a:blip r:embed="rId9"/>
-          <a:stretch>
-            <a:fillRect/>
-          </a:stretch>
+        <p:blipFill rotWithShape="1">
+          <a:blip r:embed="rId8"/>
+          <a:srcRect l="50064" r="-1"/>
+          <a:stretch/>
         </p:blipFill>
         <p:spPr>
           <a:xfrm>
-            <a:off x="32806663" y="16701826"/>
-            <a:ext cx="9076078" cy="3609298"/>
+            <a:off x="32950474" y="13758305"/>
+            <a:ext cx="8222714" cy="6548176"/>
           </a:xfrm>
           <a:prstGeom prst="rect">
             <a:avLst/>
@@ -5035,7 +5000,7 @@
           <p:nvPr/>
         </p:nvPicPr>
         <p:blipFill rotWithShape="1">
-          <a:blip r:embed="rId10">
+          <a:blip r:embed="rId9">
             <a:extLst>
               <a:ext uri="{28A0092B-C50C-407E-A947-70E740481C1C}">
                 <a14:useLocalDpi xmlns:a14="http://schemas.microsoft.com/office/drawing/2010/main" val="0"/>
@@ -5047,8 +5012,8 @@
         </p:blipFill>
         <p:spPr bwMode="auto">
           <a:xfrm>
-            <a:off x="33070159" y="25942632"/>
-            <a:ext cx="4752528" cy="4228945"/>
+            <a:off x="32855072" y="25382976"/>
+            <a:ext cx="5381475" cy="4788601"/>
           </a:xfrm>
           <a:prstGeom prst="rect">
             <a:avLst/>
@@ -5125,40 +5090,18 @@
             </p:nvSpPr>
             <p:spPr bwMode="auto">
               <a:xfrm>
-                <a:off x="38290188" y="25821621"/>
+                <a:off x="38596588" y="25228908"/>
                 <a:ext cx="3546760" cy="2782429"/>
               </a:xfrm>
               <a:prstGeom prst="rect">
                 <a:avLst/>
               </a:prstGeom>
-              <a:solidFill>
-                <a:srgbClr val="FFFFFF"/>
-              </a:solidFill>
+              <a:noFill/>
               <a:ln>
                 <a:noFill/>
               </a:ln>
               <a:effectLst/>
-              <a:extLst>
-                <a:ext uri="{91240B29-F687-4F45-9708-019B960494DF}">
-                  <a14:hiddenLine w="9525">
-                    <a:solidFill>
-                      <a:srgbClr val="000000"/>
-                    </a:solidFill>
-                    <a:round/>
-                    <a:headEnd/>
-                    <a:tailEnd/>
-                  </a14:hiddenLine>
-                </a:ext>
-                <a:ext uri="{AF507438-7753-43E0-B8FC-AC1667EBCBE1}">
-                  <a14:hiddenEffects>
-                    <a:effectLst>
-                      <a:outerShdw dist="35921" dir="2700000" algn="ctr" rotWithShape="0">
-                        <a:srgbClr val="808080"/>
-                      </a:outerShdw>
-                    </a:effectLst>
-                  </a14:hiddenEffects>
-                </a:ext>
-              </a:extLst>
+              <a:extLst/>
             </p:spPr>
             <p:txBody>
               <a:bodyPr wrap="square" lIns="90000" tIns="46800" rIns="90000" bIns="46800">
@@ -5592,43 +5535,23 @@
             </p:nvSpPr>
             <p:spPr bwMode="auto">
               <a:xfrm>
-                <a:off x="38290188" y="25821621"/>
+                <a:off x="38596588" y="25228908"/>
                 <a:ext cx="3546760" cy="2782429"/>
               </a:xfrm>
               <a:prstGeom prst="rect">
                 <a:avLst/>
               </a:prstGeom>
               <a:blipFill rotWithShape="0">
-                <a:blip r:embed="rId11"/>
+                <a:blip r:embed="rId10"/>
                 <a:stretch>
-                  <a:fillRect l="-2749" t="-1535" b="-658"/>
+                  <a:fillRect l="-2577" t="-1535" b="-658"/>
                 </a:stretch>
               </a:blipFill>
               <a:ln>
                 <a:noFill/>
               </a:ln>
               <a:effectLst/>
-              <a:extLst>
-                <a:ext uri="{91240B29-F687-4F45-9708-019B960494DF}">
-                  <a14:hiddenLine xmlns:a14="http://schemas.microsoft.com/office/drawing/2010/main" w="9525">
-                    <a:solidFill>
-                      <a:srgbClr val="000000"/>
-                    </a:solidFill>
-                    <a:round/>
-                    <a:headEnd/>
-                    <a:tailEnd/>
-                  </a14:hiddenLine>
-                </a:ext>
-                <a:ext uri="{AF507438-7753-43E0-B8FC-AC1667EBCBE1}">
-                  <a14:hiddenEffects xmlns:a14="http://schemas.microsoft.com/office/drawing/2010/main">
-                    <a:effectLst>
-                      <a:outerShdw dist="35921" dir="2700000" algn="ctr" rotWithShape="0">
-                        <a:srgbClr val="808080"/>
-                      </a:outerShdw>
-                    </a:effectLst>
-                  </a14:hiddenEffects>
-                </a:ext>
-              </a:extLst>
+              <a:extLst/>
             </p:spPr>
             <p:txBody>
               <a:bodyPr/>
@@ -5645,8 +5568,8 @@
           </p:sp>
         </mc:Fallback>
       </mc:AlternateContent>
-      <mc:AlternateContent xmlns:mc="http://schemas.openxmlformats.org/markup-compatibility/2006">
-        <mc:Choice xmlns:a14="http://schemas.microsoft.com/office/drawing/2010/main" Requires="a14">
+      <mc:AlternateContent xmlns:mc="http://schemas.openxmlformats.org/markup-compatibility/2006" xmlns:a14="http://schemas.microsoft.com/office/drawing/2010/main">
+        <mc:Choice Requires="a14">
           <p:sp>
             <p:nvSpPr>
               <p:cNvPr id="129" name="Rounded Rectangle 128"/>
@@ -5699,11 +5622,6 @@
                   </a:rPr>
                   <a:t>The Learning Setup</a:t>
                 </a:r>
-                <a:endParaRPr lang="en-US" sz="4400" b="1" dirty="0" smtClean="0">
-                  <a:solidFill>
-                    <a:schemeClr val="tx1"/>
-                  </a:solidFill>
-                </a:endParaRPr>
               </a:p>
               <a:p>
                 <a:pPr algn="l"/>
@@ -5745,6 +5663,7 @@
                           <a:solidFill>
                             <a:schemeClr val="tx1"/>
                           </a:solidFill>
+                          <a:latin typeface="Cambria Math" panose="02040503050406030204" pitchFamily="18" charset="0"/>
                         </a:rPr>
                         <m:t>𝑠𝑖</m:t>
                       </m:r>
@@ -5755,6 +5674,7 @@
                               <a:solidFill>
                                 <a:schemeClr val="tx1"/>
                               </a:solidFill>
+                              <a:latin typeface="Cambria Math" panose="02040503050406030204" pitchFamily="18" charset="0"/>
                             </a:rPr>
                           </m:ctrlPr>
                         </m:sSubPr>
@@ -5764,6 +5684,7 @@
                               <a:solidFill>
                                 <a:schemeClr val="tx1"/>
                               </a:solidFill>
+                              <a:latin typeface="Cambria Math" panose="02040503050406030204" pitchFamily="18" charset="0"/>
                             </a:rPr>
                             <m:t>𝑚</m:t>
                           </m:r>
@@ -5774,6 +5695,7 @@
                               <a:solidFill>
                                 <a:schemeClr val="tx1"/>
                               </a:solidFill>
+                              <a:latin typeface="Cambria Math" panose="02040503050406030204" pitchFamily="18" charset="0"/>
                             </a:rPr>
                             <m:t>𝑊</m:t>
                           </m:r>
@@ -5786,6 +5708,7 @@
                               <a:solidFill>
                                 <a:schemeClr val="tx1"/>
                               </a:solidFill>
+                              <a:latin typeface="Cambria Math" panose="02040503050406030204" pitchFamily="18" charset="0"/>
                             </a:rPr>
                           </m:ctrlPr>
                         </m:dPr>
@@ -5795,6 +5718,7 @@
                               <a:solidFill>
                                 <a:schemeClr val="tx1"/>
                               </a:solidFill>
+                              <a:latin typeface="Cambria Math" panose="02040503050406030204" pitchFamily="18" charset="0"/>
                             </a:rPr>
                             <m:t>𝑥</m:t>
                           </m:r>
@@ -5803,6 +5727,7 @@
                               <a:solidFill>
                                 <a:schemeClr val="tx1"/>
                               </a:solidFill>
+                              <a:latin typeface="Cambria Math" panose="02040503050406030204" pitchFamily="18" charset="0"/>
                             </a:rPr>
                             <m:t>,</m:t>
                           </m:r>
@@ -5811,6 +5736,7 @@
                               <a:solidFill>
                                 <a:schemeClr val="tx1"/>
                               </a:solidFill>
+                              <a:latin typeface="Cambria Math" panose="02040503050406030204" pitchFamily="18" charset="0"/>
                             </a:rPr>
                             <m:t>𝑦</m:t>
                           </m:r>
@@ -5821,6 +5747,7 @@
                           <a:solidFill>
                             <a:schemeClr val="tx1"/>
                           </a:solidFill>
+                          <a:latin typeface="Cambria Math" panose="02040503050406030204" pitchFamily="18" charset="0"/>
                         </a:rPr>
                         <m:t>=</m:t>
                       </m:r>
@@ -5831,6 +5758,7 @@
                               <a:solidFill>
                                 <a:schemeClr val="tx1"/>
                               </a:solidFill>
+                              <a:latin typeface="Cambria Math" panose="02040503050406030204" pitchFamily="18" charset="0"/>
                             </a:rPr>
                           </m:ctrlPr>
                         </m:sSupPr>
@@ -5840,6 +5768,7 @@
                               <a:solidFill>
                                 <a:schemeClr val="tx1"/>
                               </a:solidFill>
+                              <a:latin typeface="Cambria Math" panose="02040503050406030204" pitchFamily="18" charset="0"/>
                             </a:rPr>
                             <m:t>𝑥</m:t>
                           </m:r>
@@ -5850,6 +5779,7 @@
                               <a:solidFill>
                                 <a:schemeClr val="tx1"/>
                               </a:solidFill>
+                              <a:latin typeface="Cambria Math" panose="02040503050406030204" pitchFamily="18" charset="0"/>
                             </a:rPr>
                             <m:t>𝑇</m:t>
                           </m:r>
@@ -5860,6 +5790,7 @@
                           <a:solidFill>
                             <a:schemeClr val="tx1"/>
                           </a:solidFill>
+                          <a:latin typeface="Cambria Math" panose="02040503050406030204" pitchFamily="18" charset="0"/>
                         </a:rPr>
                         <m:t>𝑊𝑦</m:t>
                       </m:r>
@@ -5868,6 +5799,7 @@
                           <a:solidFill>
                             <a:schemeClr val="tx1"/>
                           </a:solidFill>
+                          <a:latin typeface="Cambria Math" panose="02040503050406030204" pitchFamily="18" charset="0"/>
                         </a:rPr>
                         <m:t>  | </m:t>
                       </m:r>
@@ -5876,6 +5808,7 @@
                           <a:solidFill>
                             <a:schemeClr val="tx1"/>
                           </a:solidFill>
+                          <a:latin typeface="Cambria Math" panose="02040503050406030204" pitchFamily="18" charset="0"/>
                         </a:rPr>
                         <m:t>𝑊</m:t>
                       </m:r>
@@ -5884,6 +5817,7 @@
                           <a:solidFill>
                             <a:schemeClr val="tx1"/>
                           </a:solidFill>
+                          <a:latin typeface="Cambria Math" panose="02040503050406030204" pitchFamily="18" charset="0"/>
                         </a:rPr>
                         <m:t>≻</m:t>
                       </m:r>
@@ -5892,6 +5826,7 @@
                           <a:solidFill>
                             <a:schemeClr val="tx1"/>
                           </a:solidFill>
+                          <a:latin typeface="Cambria Math" panose="02040503050406030204" pitchFamily="18" charset="0"/>
                         </a:rPr>
                         <m:t>0</m:t>
                       </m:r>
@@ -5900,6 +5835,7 @@
                           <a:solidFill>
                             <a:schemeClr val="tx1"/>
                           </a:solidFill>
+                          <a:latin typeface="Cambria Math" panose="02040503050406030204" pitchFamily="18" charset="0"/>
                         </a:rPr>
                         <m:t> (</m:t>
                       </m:r>
@@ -5908,6 +5844,7 @@
                           <a:solidFill>
                             <a:schemeClr val="tx1"/>
                           </a:solidFill>
+                          <a:latin typeface="Cambria Math" panose="02040503050406030204" pitchFamily="18" charset="0"/>
                         </a:rPr>
                         <m:t>𝑊</m:t>
                       </m:r>
@@ -5916,6 +5853,7 @@
                           <a:solidFill>
                             <a:schemeClr val="tx1"/>
                           </a:solidFill>
+                          <a:latin typeface="Cambria Math" panose="02040503050406030204" pitchFamily="18" charset="0"/>
                         </a:rPr>
                         <m:t> </m:t>
                       </m:r>
@@ -5924,6 +5862,7 @@
                           <a:solidFill>
                             <a:schemeClr val="tx1"/>
                           </a:solidFill>
+                          <a:latin typeface="Cambria Math" panose="02040503050406030204" pitchFamily="18" charset="0"/>
                         </a:rPr>
                         <m:t>𝑖𝑠</m:t>
                       </m:r>
@@ -5932,6 +5871,7 @@
                           <a:solidFill>
                             <a:schemeClr val="tx1"/>
                           </a:solidFill>
+                          <a:latin typeface="Cambria Math" panose="02040503050406030204" pitchFamily="18" charset="0"/>
                         </a:rPr>
                         <m:t> </m:t>
                       </m:r>
@@ -5940,6 +5880,7 @@
                           <a:solidFill>
                             <a:schemeClr val="tx1"/>
                           </a:solidFill>
+                          <a:latin typeface="Cambria Math" panose="02040503050406030204" pitchFamily="18" charset="0"/>
                         </a:rPr>
                         <m:t>𝑃𝐷</m:t>
                       </m:r>
@@ -5948,6 +5889,7 @@
                           <a:solidFill>
                             <a:schemeClr val="tx1"/>
                           </a:solidFill>
+                          <a:latin typeface="Cambria Math" panose="02040503050406030204" pitchFamily="18" charset="0"/>
                         </a:rPr>
                         <m:t>)</m:t>
                       </m:r>
@@ -5976,29 +5918,8 @@
                       <a:schemeClr val="tx1"/>
                     </a:solidFill>
                   </a:rPr>
-                  <a:t>Assuming </a:t>
+                  <a:t>Assuming a ranking based weak supervision signal,</a:t>
                 </a:r>
-                <a:r>
-                  <a:rPr lang="en-US" sz="3200" dirty="0" smtClean="0">
-                    <a:solidFill>
-                      <a:schemeClr val="tx1"/>
-                    </a:solidFill>
-                  </a:rPr>
-                  <a:t>a ranking based weak supervision </a:t>
-                </a:r>
-                <a:r>
-                  <a:rPr lang="en-US" sz="3200" dirty="0" smtClean="0">
-                    <a:solidFill>
-                      <a:schemeClr val="tx1"/>
-                    </a:solidFill>
-                  </a:rPr>
-                  <a:t>signal,</a:t>
-                </a:r>
-                <a:endParaRPr lang="en-US" sz="3200" dirty="0" smtClean="0">
-                  <a:solidFill>
-                    <a:schemeClr val="tx1"/>
-                  </a:solidFill>
-                </a:endParaRPr>
               </a:p>
               <a:p>
                 <a:pPr algn="l" rtl="0"/>
@@ -6080,15 +6001,7 @@
                       <a:schemeClr val="tx1"/>
                     </a:solidFill>
                   </a:rPr>
-                  <a:t>such </a:t>
-                </a:r>
-                <a:r>
-                  <a:rPr lang="en-US" sz="3200" dirty="0" smtClean="0">
-                    <a:solidFill>
-                      <a:schemeClr val="tx1"/>
-                    </a:solidFill>
-                  </a:rPr>
-                  <a:t>that per a given triplet </a:t>
+                  <a:t>such that per a given triplet </a:t>
                 </a:r>
                 <a14:m>
                   <m:oMath xmlns:m="http://schemas.openxmlformats.org/officeDocument/2006/math">
@@ -7111,7 +7024,7 @@
             </p:txBody>
           </p:sp>
         </mc:Choice>
-        <mc:Fallback>
+        <mc:Fallback xmlns="">
           <p:sp>
             <p:nvSpPr>
               <p:cNvPr id="129" name="Rounded Rectangle 128"/>
@@ -7155,8 +7068,8 @@
           </p:sp>
         </mc:Fallback>
       </mc:AlternateContent>
-      <mc:AlternateContent xmlns:mc="http://schemas.openxmlformats.org/markup-compatibility/2006">
-        <mc:Choice xmlns:a14="http://schemas.microsoft.com/office/drawing/2010/main" Requires="a14">
+      <mc:AlternateContent xmlns:mc="http://schemas.openxmlformats.org/markup-compatibility/2006" xmlns:a14="http://schemas.microsoft.com/office/drawing/2010/main">
+        <mc:Choice Requires="a14">
           <p:sp>
             <p:nvSpPr>
               <p:cNvPr id="52" name="Text Box 101"/>
@@ -7622,7 +7535,7 @@
             </p:txBody>
           </p:sp>
         </mc:Choice>
-        <mc:Fallback>
+        <mc:Fallback xmlns="">
           <p:sp>
             <p:nvSpPr>
               <p:cNvPr id="52" name="Text Box 101"/>
@@ -7693,8 +7606,8 @@
           </p:sp>
         </mc:Fallback>
       </mc:AlternateContent>
-      <mc:AlternateContent xmlns:mc="http://schemas.openxmlformats.org/markup-compatibility/2006">
-        <mc:Choice xmlns:a14="http://schemas.microsoft.com/office/drawing/2010/main" Requires="a14">
+      <mc:AlternateContent xmlns:mc="http://schemas.openxmlformats.org/markup-compatibility/2006" xmlns:a14="http://schemas.microsoft.com/office/drawing/2010/main">
+        <mc:Choice Requires="a14">
           <p:sp>
             <p:nvSpPr>
               <p:cNvPr id="53" name="Text Box 102"/>
@@ -8181,7 +8094,7 @@
             </p:txBody>
           </p:sp>
         </mc:Choice>
-        <mc:Fallback>
+        <mc:Fallback xmlns="">
           <p:sp>
             <p:nvSpPr>
               <p:cNvPr id="53" name="Text Box 102"/>
@@ -8252,8 +8165,8 @@
           </p:sp>
         </mc:Fallback>
       </mc:AlternateContent>
-      <mc:AlternateContent xmlns:mc="http://schemas.openxmlformats.org/markup-compatibility/2006">
-        <mc:Choice xmlns:a14="http://schemas.microsoft.com/office/drawing/2010/main" Requires="a14">
+      <mc:AlternateContent xmlns:mc="http://schemas.openxmlformats.org/markup-compatibility/2006" xmlns:a14="http://schemas.microsoft.com/office/drawing/2010/main">
+        <mc:Choice Requires="a14">
           <p:sp>
             <p:nvSpPr>
               <p:cNvPr id="54" name="Text Box 103"/>
@@ -8740,7 +8653,7 @@
             </p:txBody>
           </p:sp>
         </mc:Choice>
-        <mc:Fallback>
+        <mc:Fallback xmlns="">
           <p:sp>
             <p:nvSpPr>
               <p:cNvPr id="54" name="Text Box 103"/>
@@ -8978,15 +8891,7 @@
                   <a:schemeClr val="tx1"/>
                 </a:solidFill>
               </a:rPr>
-              <a:t>COMET </a:t>
-            </a:r>
-            <a:r>
-              <a:rPr lang="en-US" sz="4400" b="1" dirty="0" smtClean="0">
-                <a:solidFill>
-                  <a:schemeClr val="tx1"/>
-                </a:solidFill>
-              </a:rPr>
-              <a:t>row-column coordinate step</a:t>
+              <a:t>COMET row-column coordinate step</a:t>
             </a:r>
             <a:endParaRPr lang="en-US" sz="4300" dirty="0">
               <a:solidFill>
@@ -9028,11 +8933,7 @@
             </a:r>
             <a:r>
               <a:rPr lang="en-US" sz="3200" dirty="0" smtClean="0"/>
-              <a:t>time. </a:t>
-            </a:r>
-            <a:r>
-              <a:rPr lang="en-US" sz="3200" dirty="0" smtClean="0"/>
-              <a:t>The </a:t>
+              <a:t>time. The </a:t>
             </a:r>
             <a:r>
               <a:rPr lang="en-US" sz="3200" dirty="0"/>
@@ -9062,8 +8963,8 @@
           </a:p>
         </p:txBody>
       </p:sp>
-      <mc:AlternateContent xmlns:mc="http://schemas.openxmlformats.org/markup-compatibility/2006">
-        <mc:Choice xmlns:a14="http://schemas.microsoft.com/office/drawing/2010/main" Requires="a14">
+      <mc:AlternateContent xmlns:mc="http://schemas.openxmlformats.org/markup-compatibility/2006" xmlns:a14="http://schemas.microsoft.com/office/drawing/2010/main">
+        <mc:Choice Requires="a14">
           <p:sp>
             <p:nvSpPr>
               <p:cNvPr id="76" name="Rectangle 75"/>
@@ -9680,11 +9581,7 @@
                 </a:r>
                 <a:r>
                   <a:rPr lang="en-US" sz="3200" dirty="0" smtClean="0"/>
-                  <a:t>size</a:t>
-                </a:r>
-                <a:r>
-                  <a:rPr lang="en-US" sz="3200" dirty="0" smtClean="0"/>
-                  <a:t>.</a:t>
+                  <a:t>size.</a:t>
                 </a:r>
               </a:p>
               <a:p>
@@ -9824,19 +9721,7 @@
                 </a14:m>
                 <a:r>
                   <a:rPr lang="en-US" sz="3200" dirty="0" smtClean="0"/>
-                  <a:t>to solve the condition, </a:t>
-                </a:r>
-                <a:r>
-                  <a:rPr lang="en-US" sz="3200" dirty="0" smtClean="0"/>
-                  <a:t>a</a:t>
-                </a:r>
-                <a:r>
-                  <a:rPr lang="en-US" sz="3200" dirty="0" smtClean="0"/>
-                  <a:t>lso result with a </a:t>
-                </a:r>
-                <a:r>
-                  <a:rPr lang="en-US" sz="3200" dirty="0" smtClean="0"/>
-                  <a:t>continues embedding </a:t>
+                  <a:t>to solve the condition, also result with a continues embedding </a:t>
                 </a:r>
                 <a14:m>
                   <m:oMath xmlns:m="http://schemas.openxmlformats.org/officeDocument/2006/math">
@@ -9856,18 +9741,14 @@
                 </a14:m>
                 <a:r>
                   <a:rPr lang="en-US" sz="3200" dirty="0" smtClean="0"/>
-                  <a:t>of the features into the metric </a:t>
-                </a:r>
-                <a:r>
-                  <a:rPr lang="en-US" sz="3200" dirty="0" smtClean="0"/>
-                  <a:t>space.</a:t>
+                  <a:t>of the features into the metric space.</a:t>
                 </a:r>
                 <a:endParaRPr lang="en-US" sz="3200" dirty="0"/>
               </a:p>
             </p:txBody>
           </p:sp>
         </mc:Choice>
-        <mc:Fallback>
+        <mc:Fallback xmlns="">
           <p:sp>
             <p:nvSpPr>
               <p:cNvPr id="76" name="Rectangle 75"/>
@@ -10116,8 +9997,8 @@
           </a:prstGeom>
         </p:spPr>
       </p:pic>
-      <mc:AlternateContent xmlns:mc="http://schemas.openxmlformats.org/markup-compatibility/2006">
-        <mc:Choice xmlns:a14="http://schemas.microsoft.com/office/drawing/2010/main" Requires="a14">
+      <mc:AlternateContent xmlns:mc="http://schemas.openxmlformats.org/markup-compatibility/2006" xmlns:a14="http://schemas.microsoft.com/office/drawing/2010/main">
+        <mc:Choice Requires="a14">
           <p:sp>
             <p:nvSpPr>
               <p:cNvPr id="40" name="Text Box 115"/>
@@ -10559,7 +10440,7 @@
             </p:txBody>
           </p:sp>
         </mc:Choice>
-        <mc:Fallback>
+        <mc:Fallback xmlns="">
           <p:sp>
             <p:nvSpPr>
               <p:cNvPr id="40" name="Text Box 115"/>
@@ -10662,8 +10543,8 @@
           </a:extLst>
         </p:spPr>
       </p:pic>
-      <mc:AlternateContent xmlns:mc="http://schemas.openxmlformats.org/markup-compatibility/2006">
-        <mc:Choice xmlns:a14="http://schemas.microsoft.com/office/drawing/2010/main" Requires="a14">
+      <mc:AlternateContent xmlns:mc="http://schemas.openxmlformats.org/markup-compatibility/2006" xmlns:a14="http://schemas.microsoft.com/office/drawing/2010/main">
+        <mc:Choice Requires="a14">
           <p:sp>
             <p:nvSpPr>
               <p:cNvPr id="74" name="Rectangle 73"/>
@@ -11033,7 +10914,7 @@
             </p:txBody>
           </p:sp>
         </mc:Choice>
-        <mc:Fallback>
+        <mc:Fallback xmlns="">
           <p:sp>
             <p:nvSpPr>
               <p:cNvPr id="74" name="Rectangle 73"/>
@@ -11081,7 +10962,7 @@
         <p:spPr>
           <a:xfrm>
             <a:off x="21963105" y="4968774"/>
-            <a:ext cx="9715300" cy="26987267"/>
+            <a:ext cx="9714936" cy="8496947"/>
           </a:xfrm>
           <a:prstGeom prst="roundRect">
             <a:avLst/>
@@ -11205,8 +11086,8 @@
         </p:nvSpPr>
         <p:spPr>
           <a:xfrm>
-            <a:off x="32961713" y="5159075"/>
-            <a:ext cx="8849661" cy="1463272"/>
+            <a:off x="22414188" y="14173068"/>
+            <a:ext cx="8849661" cy="786163"/>
           </a:xfrm>
           <a:prstGeom prst="rect">
             <a:avLst/>
@@ -11225,11 +11106,11 @@
             </a:r>
             <a:r>
               <a:rPr lang="en-US" sz="4400" b="1" dirty="0"/>
-              <a:t>achieves better precision in every dataset tested</a:t>
+              <a:t>achieves better </a:t>
             </a:r>
             <a:r>
               <a:rPr lang="en-US" sz="4400" b="1" dirty="0" smtClean="0"/>
-              <a:t>.</a:t>
+              <a:t>precision.</a:t>
             </a:r>
             <a:endParaRPr lang="en-US" sz="4400" b="1" dirty="0"/>
           </a:p>
@@ -11243,7 +11124,7 @@
         </p:nvSpPr>
         <p:spPr>
           <a:xfrm>
-            <a:off x="32896973" y="15042462"/>
+            <a:off x="32908909" y="5348618"/>
             <a:ext cx="8849661" cy="1740270"/>
           </a:xfrm>
           <a:prstGeom prst="rect">
@@ -11280,7 +11161,7 @@
         </p:nvSpPr>
         <p:spPr>
           <a:xfrm>
-            <a:off x="33152316" y="24920918"/>
+            <a:off x="32763940" y="24266921"/>
             <a:ext cx="8849661" cy="786163"/>
           </a:xfrm>
           <a:prstGeom prst="rect">
@@ -11367,8 +11248,8 @@
           </a:prstGeom>
         </p:spPr>
       </p:pic>
-      <mc:AlternateContent xmlns:mc="http://schemas.openxmlformats.org/markup-compatibility/2006">
-        <mc:Choice xmlns:a14="http://schemas.microsoft.com/office/drawing/2010/main" Requires="a14">
+      <mc:AlternateContent xmlns:mc="http://schemas.openxmlformats.org/markup-compatibility/2006" xmlns:a14="http://schemas.microsoft.com/office/drawing/2010/main">
+        <mc:Choice Requires="a14">
           <p:sp>
             <p:nvSpPr>
               <p:cNvPr id="75" name="Rectangle 74"/>
@@ -11393,31 +11274,7 @@
                 <a:pPr algn="l" rtl="0"/>
                 <a:r>
                   <a:rPr lang="en-US" sz="3200" dirty="0" smtClean="0"/>
-                  <a:t>A </a:t>
-                </a:r>
-                <a:r>
-                  <a:rPr lang="en-US" sz="3200" dirty="0" smtClean="0"/>
-                  <a:t>group-sparse norm </a:t>
-                </a:r>
-                <a:r>
-                  <a:rPr lang="en-US" sz="3200" dirty="0" smtClean="0"/>
-                  <a:t>penalty encourages </a:t>
-                </a:r>
-                <a:r>
-                  <a:rPr lang="en-US" sz="3200" dirty="0" smtClean="0"/>
-                  <a:t>solutions </a:t>
-                </a:r>
-                <a:r>
-                  <a:rPr lang="en-US" sz="3200" dirty="0" smtClean="0"/>
-                  <a:t>with </a:t>
-                </a:r>
-                <a:r>
-                  <a:rPr lang="en-US" sz="3200" dirty="0" smtClean="0"/>
-                  <a:t>fewer </a:t>
-                </a:r>
-                <a:r>
-                  <a:rPr lang="en-US" sz="3200" dirty="0" smtClean="0"/>
-                  <a:t>features:</a:t>
+                  <a:t>A group-sparse norm penalty encourages solutions with fewer features:</a:t>
                 </a:r>
               </a:p>
               <a:p>
@@ -12205,43 +12062,57 @@
                       <m:sSubSup>
                         <m:sSubSupPr>
                           <m:ctrlPr>
-                            <a:rPr lang="en-US" sz="3200" i="1"/>
+                            <a:rPr lang="en-US" sz="3200" i="1">
+                              <a:latin typeface="Cambria Math" panose="02040503050406030204" pitchFamily="18" charset="0"/>
+                            </a:rPr>
                           </m:ctrlPr>
                         </m:sSubSupPr>
                         <m:e>
                           <m:r>
-                            <a:rPr lang="en-US" sz="3200" i="1"/>
+                            <a:rPr lang="en-US" sz="3200" i="1">
+                              <a:latin typeface="Cambria Math" panose="02040503050406030204" pitchFamily="18" charset="0"/>
+                            </a:rPr>
                             <m:t>𝑉</m:t>
                           </m:r>
                         </m:e>
                         <m:sub>
                           <m:r>
-                            <a:rPr lang="en-US" sz="3200" i="1"/>
+                            <a:rPr lang="en-US" sz="3200" i="1">
+                              <a:latin typeface="Cambria Math" panose="02040503050406030204" pitchFamily="18" charset="0"/>
+                            </a:rPr>
                             <m:t>𝑘</m:t>
                           </m:r>
                         </m:sub>
                         <m:sup>
                           <m:r>
-                            <a:rPr lang="en-US" sz="3200" i="1"/>
+                            <a:rPr lang="en-US" sz="3200" i="1">
+                              <a:latin typeface="Cambria Math" panose="02040503050406030204" pitchFamily="18" charset="0"/>
+                            </a:rPr>
                             <m:t>𝑛𝑒𝑤</m:t>
                           </m:r>
                         </m:sup>
                       </m:sSubSup>
                       <m:r>
-                        <a:rPr lang="en-US" sz="3200" i="1"/>
+                        <a:rPr lang="en-US" sz="3200" i="1">
+                          <a:latin typeface="Cambria Math" panose="02040503050406030204" pitchFamily="18" charset="0"/>
+                        </a:rPr>
                         <m:t>=</m:t>
                       </m:r>
                       <m:func>
                         <m:funcPr>
                           <m:ctrlPr>
-                            <a:rPr lang="en-US" sz="3200" i="1"/>
+                            <a:rPr lang="en-US" sz="3200" i="1">
+                              <a:latin typeface="Cambria Math" panose="02040503050406030204" pitchFamily="18" charset="0"/>
+                            </a:rPr>
                           </m:ctrlPr>
                         </m:funcPr>
                         <m:fName>
                           <m:limLow>
                             <m:limLowPr>
                               <m:ctrlPr>
-                                <a:rPr lang="en-US" sz="3200" i="1"/>
+                                <a:rPr lang="en-US" sz="3200" i="1">
+                                  <a:latin typeface="Cambria Math" panose="02040503050406030204" pitchFamily="18" charset="0"/>
+                                </a:rPr>
                               </m:ctrlPr>
                             </m:limLowPr>
                             <m:e>
@@ -12249,34 +12120,46 @@
                                 <m:rPr>
                                   <m:sty m:val="p"/>
                                 </m:rPr>
-                                <a:rPr lang="en-US" sz="3200"/>
+                                <a:rPr lang="en-US" sz="3200">
+                                  <a:latin typeface="Cambria Math" panose="02040503050406030204" pitchFamily="18" charset="0"/>
+                                </a:rPr>
                                 <m:t>argmin</m:t>
                               </m:r>
                             </m:e>
                             <m:lim>
                               <m:r>
-                                <a:rPr lang="en-US" sz="3200" i="1"/>
+                                <a:rPr lang="en-US" sz="3200" i="1">
+                                  <a:latin typeface="Cambria Math" panose="02040503050406030204" pitchFamily="18" charset="0"/>
+                                </a:rPr>
                                 <m:t>𝑉</m:t>
                               </m:r>
                               <m:r>
-                                <a:rPr lang="en-US" sz="3200" i="1"/>
+                                <a:rPr lang="en-US" sz="3200" i="1">
+                                  <a:latin typeface="Cambria Math" panose="02040503050406030204" pitchFamily="18" charset="0"/>
+                                </a:rPr>
                                 <m:t>∈</m:t>
                               </m:r>
                               <m:sSub>
                                 <m:sSubPr>
                                   <m:ctrlPr>
-                                    <a:rPr lang="en-US" sz="3200" i="1"/>
+                                    <a:rPr lang="en-US" sz="3200" i="1">
+                                      <a:latin typeface="Cambria Math" panose="02040503050406030204" pitchFamily="18" charset="0"/>
+                                    </a:rPr>
                                   </m:ctrlPr>
                                 </m:sSubPr>
                                 <m:e>
                                   <m:r>
-                                    <a:rPr lang="en-US" sz="3200" i="1"/>
+                                    <a:rPr lang="en-US" sz="3200" i="1">
+                                      <a:latin typeface="Cambria Math" panose="02040503050406030204" pitchFamily="18" charset="0"/>
+                                    </a:rPr>
                                     <m:t>𝒱</m:t>
                                   </m:r>
                                 </m:e>
                                 <m:sub>
                                   <m:r>
-                                    <a:rPr lang="en-US" sz="3200" i="1"/>
+                                    <a:rPr lang="en-US" sz="3200" i="1">
+                                      <a:latin typeface="Cambria Math" panose="02040503050406030204" pitchFamily="18" charset="0"/>
+                                    </a:rPr>
                                     <m:t>𝑘</m:t>
                                   </m:r>
                                 </m:sub>
@@ -12290,46 +12173,62 @@
                               <m:begChr m:val="⟨"/>
                               <m:endChr m:val="⟩"/>
                               <m:ctrlPr>
-                                <a:rPr lang="en-US" sz="3200" i="1"/>
+                                <a:rPr lang="en-US" sz="3200" i="1">
+                                  <a:latin typeface="Cambria Math" panose="02040503050406030204" pitchFamily="18" charset="0"/>
+                                </a:rPr>
                               </m:ctrlPr>
                             </m:dPr>
                             <m:e>
                               <m:f>
                                 <m:fPr>
                                   <m:ctrlPr>
-                                    <a:rPr lang="en-US" sz="3200" i="1"/>
+                                    <a:rPr lang="en-US" sz="3200" i="1">
+                                      <a:latin typeface="Cambria Math" panose="02040503050406030204" pitchFamily="18" charset="0"/>
+                                    </a:rPr>
                                   </m:ctrlPr>
                                 </m:fPr>
                                 <m:num>
                                   <m:r>
-                                    <a:rPr lang="en-US" sz="3200" i="1"/>
+                                    <a:rPr lang="en-US" sz="3200" i="1">
+                                      <a:latin typeface="Cambria Math" panose="02040503050406030204" pitchFamily="18" charset="0"/>
+                                    </a:rPr>
                                     <m:t>𝜕</m:t>
                                   </m:r>
                                   <m:r>
-                                    <a:rPr lang="en-US" sz="3200" i="1"/>
+                                    <a:rPr lang="en-US" sz="3200" i="1">
+                                      <a:latin typeface="Cambria Math" panose="02040503050406030204" pitchFamily="18" charset="0"/>
+                                    </a:rPr>
                                     <m:t>𝐿</m:t>
                                   </m:r>
                                 </m:num>
                                 <m:den>
                                   <m:r>
-                                    <a:rPr lang="en-US" sz="3200" i="1"/>
+                                    <a:rPr lang="en-US" sz="3200" i="1">
+                                      <a:latin typeface="Cambria Math" panose="02040503050406030204" pitchFamily="18" charset="0"/>
+                                    </a:rPr>
                                     <m:t>𝜕</m:t>
                                   </m:r>
                                   <m:sSub>
                                     <m:sSubPr>
                                       <m:ctrlPr>
-                                        <a:rPr lang="en-US" sz="3200" i="1"/>
+                                        <a:rPr lang="en-US" sz="3200" i="1">
+                                          <a:latin typeface="Cambria Math" panose="02040503050406030204" pitchFamily="18" charset="0"/>
+                                        </a:rPr>
                                       </m:ctrlPr>
                                     </m:sSubPr>
                                     <m:e>
                                       <m:r>
-                                        <a:rPr lang="en-US" sz="3200" i="1"/>
+                                        <a:rPr lang="en-US" sz="3200" i="1">
+                                          <a:latin typeface="Cambria Math" panose="02040503050406030204" pitchFamily="18" charset="0"/>
+                                        </a:rPr>
                                         <m:t>𝑉</m:t>
                                       </m:r>
                                     </m:e>
                                     <m:sub>
                                       <m:r>
-                                        <a:rPr lang="en-US" sz="3200" i="1"/>
+                                        <a:rPr lang="en-US" sz="3200" i="1">
+                                          <a:latin typeface="Cambria Math" panose="02040503050406030204" pitchFamily="18" charset="0"/>
+                                        </a:rPr>
                                         <m:t>𝑘</m:t>
                                       </m:r>
                                     </m:sub>
@@ -12337,11 +12236,15 @@
                                 </m:den>
                               </m:f>
                               <m:r>
-                                <a:rPr lang="en-US" sz="3200" i="1"/>
+                                <a:rPr lang="en-US" sz="3200" i="1">
+                                  <a:latin typeface="Cambria Math" panose="02040503050406030204" pitchFamily="18" charset="0"/>
+                                </a:rPr>
                                 <m:t>,</m:t>
                               </m:r>
                               <m:r>
-                                <a:rPr lang="en-US" sz="3200" i="1"/>
+                                <a:rPr lang="en-US" sz="3200" i="1">
+                                  <a:latin typeface="Cambria Math" panose="02040503050406030204" pitchFamily="18" charset="0"/>
+                                </a:rPr>
                                 <m:t>𝑉</m:t>
                               </m:r>
                             </m:e>
@@ -12349,28 +12252,38 @@
                         </m:e>
                       </m:func>
                       <m:r>
-                        <a:rPr lang="en-US" sz="3200" i="1"/>
+                        <a:rPr lang="en-US" sz="3200" i="1">
+                          <a:latin typeface="Cambria Math" panose="02040503050406030204" pitchFamily="18" charset="0"/>
+                        </a:rPr>
                         <m:t>+</m:t>
                       </m:r>
                       <m:f>
                         <m:fPr>
                           <m:ctrlPr>
-                            <a:rPr lang="en-US" sz="3200" i="1"/>
+                            <a:rPr lang="en-US" sz="3200" i="1">
+                              <a:latin typeface="Cambria Math" panose="02040503050406030204" pitchFamily="18" charset="0"/>
+                            </a:rPr>
                           </m:ctrlPr>
                         </m:fPr>
                         <m:num>
                           <m:r>
-                            <a:rPr lang="en-US" sz="3200" i="1"/>
+                            <a:rPr lang="en-US" sz="3200" i="1">
+                              <a:latin typeface="Cambria Math" panose="02040503050406030204" pitchFamily="18" charset="0"/>
+                            </a:rPr>
                             <m:t>1</m:t>
                           </m:r>
                         </m:num>
                         <m:den>
                           <m:r>
-                            <a:rPr lang="en-US" sz="3200" i="1"/>
+                            <a:rPr lang="en-US" sz="3200" i="1">
+                              <a:latin typeface="Cambria Math" panose="02040503050406030204" pitchFamily="18" charset="0"/>
+                            </a:rPr>
                             <m:t>2</m:t>
                           </m:r>
                           <m:r>
-                            <a:rPr lang="en-US" sz="3200" i="1"/>
+                            <a:rPr lang="en-US" sz="3200" i="1">
+                              <a:latin typeface="Cambria Math" panose="02040503050406030204" pitchFamily="18" charset="0"/>
+                            </a:rPr>
                             <m:t>𝜃</m:t>
                           </m:r>
                         </m:den>
@@ -12378,7 +12291,9 @@
                       <m:sSubSup>
                         <m:sSubSupPr>
                           <m:ctrlPr>
-                            <a:rPr lang="en-US" sz="3200" i="1"/>
+                            <a:rPr lang="en-US" sz="3200" i="1">
+                              <a:latin typeface="Cambria Math" panose="02040503050406030204" pitchFamily="18" charset="0"/>
+                            </a:rPr>
                           </m:ctrlPr>
                         </m:sSubSupPr>
                         <m:e>
@@ -12387,33 +12302,45 @@
                               <m:begChr m:val="‖"/>
                               <m:endChr m:val="‖"/>
                               <m:ctrlPr>
-                                <a:rPr lang="en-US" sz="3200" i="1"/>
+                                <a:rPr lang="en-US" sz="3200" i="1">
+                                  <a:latin typeface="Cambria Math" panose="02040503050406030204" pitchFamily="18" charset="0"/>
+                                </a:rPr>
                               </m:ctrlPr>
                             </m:dPr>
                             <m:e>
                               <m:sSub>
                                 <m:sSubPr>
                                   <m:ctrlPr>
-                                    <a:rPr lang="en-US" sz="3200" i="1"/>
+                                    <a:rPr lang="en-US" sz="3200" i="1">
+                                      <a:latin typeface="Cambria Math" panose="02040503050406030204" pitchFamily="18" charset="0"/>
+                                    </a:rPr>
                                   </m:ctrlPr>
                                 </m:sSubPr>
                                 <m:e>
                                   <m:r>
-                                    <a:rPr lang="en-US" sz="3200" i="1"/>
+                                    <a:rPr lang="en-US" sz="3200" i="1">
+                                      <a:latin typeface="Cambria Math" panose="02040503050406030204" pitchFamily="18" charset="0"/>
+                                    </a:rPr>
                                     <m:t>𝑉</m:t>
                                   </m:r>
                                   <m:r>
-                                    <a:rPr lang="en-US" sz="3200" i="1"/>
+                                    <a:rPr lang="en-US" sz="3200" i="1">
+                                      <a:latin typeface="Cambria Math" panose="02040503050406030204" pitchFamily="18" charset="0"/>
+                                    </a:rPr>
                                     <m:t>−</m:t>
                                   </m:r>
                                   <m:r>
-                                    <a:rPr lang="en-US" sz="3200" i="1"/>
+                                    <a:rPr lang="en-US" sz="3200" i="1">
+                                      <a:latin typeface="Cambria Math" panose="02040503050406030204" pitchFamily="18" charset="0"/>
+                                    </a:rPr>
                                     <m:t>𝑉</m:t>
                                   </m:r>
                                 </m:e>
                                 <m:sub>
                                   <m:r>
-                                    <a:rPr lang="en-US" sz="3200" i="1"/>
+                                    <a:rPr lang="en-US" sz="3200" i="1">
+                                      <a:latin typeface="Cambria Math" panose="02040503050406030204" pitchFamily="18" charset="0"/>
+                                    </a:rPr>
                                     <m:t>𝑘</m:t>
                                   </m:r>
                                 </m:sub>
@@ -12423,23 +12350,31 @@
                         </m:e>
                         <m:sub>
                           <m:r>
-                            <a:rPr lang="en-US" sz="3200" i="1"/>
+                            <a:rPr lang="en-US" sz="3200" i="1">
+                              <a:latin typeface="Cambria Math" panose="02040503050406030204" pitchFamily="18" charset="0"/>
+                            </a:rPr>
                             <m:t>𝐹</m:t>
                           </m:r>
                         </m:sub>
                         <m:sup>
                           <m:r>
-                            <a:rPr lang="en-US" sz="3200" i="1"/>
+                            <a:rPr lang="en-US" sz="3200" i="1">
+                              <a:latin typeface="Cambria Math" panose="02040503050406030204" pitchFamily="18" charset="0"/>
+                            </a:rPr>
                             <m:t>2</m:t>
                           </m:r>
                         </m:sup>
                       </m:sSubSup>
                       <m:r>
-                        <a:rPr lang="en-US" sz="3200" i="1"/>
+                        <a:rPr lang="en-US" sz="3200" i="1">
+                          <a:latin typeface="Cambria Math" panose="02040503050406030204" pitchFamily="18" charset="0"/>
+                        </a:rPr>
                         <m:t> +</m:t>
                       </m:r>
                       <m:r>
-                        <a:rPr lang="en-US" sz="3200" i="1"/>
+                        <a:rPr lang="en-US" sz="3200" i="1">
+                          <a:latin typeface="Cambria Math" panose="02040503050406030204" pitchFamily="18" charset="0"/>
+                        </a:rPr>
                         <m:t>𝜆</m:t>
                       </m:r>
                       <m:d>
@@ -12447,18 +12382,24 @@
                           <m:begChr m:val="‖"/>
                           <m:endChr m:val="‖"/>
                           <m:ctrlPr>
-                            <a:rPr lang="en-US" sz="3200" i="1"/>
+                            <a:rPr lang="en-US" sz="3200" i="1">
+                              <a:latin typeface="Cambria Math" panose="02040503050406030204" pitchFamily="18" charset="0"/>
+                            </a:rPr>
                           </m:ctrlPr>
                         </m:dPr>
                         <m:e>
                           <m:r>
-                            <a:rPr lang="en-US" sz="3200" i="1"/>
+                            <a:rPr lang="en-US" sz="3200" i="1">
+                              <a:latin typeface="Cambria Math" panose="02040503050406030204" pitchFamily="18" charset="0"/>
+                            </a:rPr>
                             <m:t>𝑉</m:t>
                           </m:r>
                         </m:e>
                       </m:d>
                       <m:r>
-                        <a:rPr lang="en-US" sz="3200" i="1"/>
+                        <a:rPr lang="en-US" sz="3200" i="1">
+                          <a:latin typeface="Cambria Math" panose="02040503050406030204" pitchFamily="18" charset="0"/>
+                        </a:rPr>
                         <m:t>,</m:t>
                       </m:r>
                     </m:oMath>
@@ -12484,78 +12425,106 @@
                     <m:sSup>
                       <m:sSupPr>
                         <m:ctrlPr>
-                          <a:rPr lang="en-US" sz="3200" i="1"/>
+                          <a:rPr lang="en-US" sz="3200" i="1">
+                            <a:latin typeface="Cambria Math" panose="02040503050406030204" pitchFamily="18" charset="0"/>
+                          </a:rPr>
                         </m:ctrlPr>
                       </m:sSupPr>
                       <m:e>
                         <m:r>
-                          <a:rPr lang="en-US" sz="3200" i="1"/>
+                          <a:rPr lang="en-US" sz="3200" i="1">
+                            <a:latin typeface="Cambria Math" panose="02040503050406030204" pitchFamily="18" charset="0"/>
+                          </a:rPr>
                           <m:t>𝑊</m:t>
                         </m:r>
                       </m:e>
                       <m:sup>
                         <m:r>
-                          <a:rPr lang="en-US" sz="3200" i="1"/>
+                          <a:rPr lang="en-US" sz="3200" i="1">
+                            <a:latin typeface="Cambria Math" panose="02040503050406030204" pitchFamily="18" charset="0"/>
+                          </a:rPr>
                           <m:t>𝑛𝑒𝑤</m:t>
                         </m:r>
                       </m:sup>
                     </m:sSup>
                     <m:r>
-                      <a:rPr lang="en-US" sz="3200" i="1"/>
+                      <a:rPr lang="en-US" sz="3200" i="1">
+                        <a:latin typeface="Cambria Math" panose="02040503050406030204" pitchFamily="18" charset="0"/>
+                      </a:rPr>
                       <m:t>=</m:t>
                     </m:r>
                     <m:r>
-                      <a:rPr lang="en-US" sz="3200" i="1"/>
+                      <a:rPr lang="en-US" sz="3200" i="1">
+                        <a:latin typeface="Cambria Math" panose="02040503050406030204" pitchFamily="18" charset="0"/>
+                      </a:rPr>
                       <m:t>𝑊</m:t>
                     </m:r>
                     <m:r>
-                      <a:rPr lang="en-US" sz="3200" i="1"/>
+                      <a:rPr lang="en-US" sz="3200" i="1">
+                        <a:latin typeface="Cambria Math" panose="02040503050406030204" pitchFamily="18" charset="0"/>
+                      </a:rPr>
                       <m:t>+</m:t>
                     </m:r>
                     <m:sSubSup>
                       <m:sSubSupPr>
                         <m:ctrlPr>
-                          <a:rPr lang="en-US" sz="3200" i="1"/>
+                          <a:rPr lang="en-US" sz="3200" i="1">
+                            <a:latin typeface="Cambria Math" panose="02040503050406030204" pitchFamily="18" charset="0"/>
+                          </a:rPr>
                         </m:ctrlPr>
                       </m:sSubSupPr>
                       <m:e>
                         <m:r>
-                          <a:rPr lang="en-US" sz="3200" i="1"/>
+                          <a:rPr lang="en-US" sz="3200" i="1">
+                            <a:latin typeface="Cambria Math" panose="02040503050406030204" pitchFamily="18" charset="0"/>
+                          </a:rPr>
                           <m:t>𝑉</m:t>
                         </m:r>
                       </m:e>
                       <m:sub>
                         <m:r>
-                          <a:rPr lang="en-US" sz="3200" i="1"/>
+                          <a:rPr lang="en-US" sz="3200" i="1">
+                            <a:latin typeface="Cambria Math" panose="02040503050406030204" pitchFamily="18" charset="0"/>
+                          </a:rPr>
                           <m:t>𝑘</m:t>
                         </m:r>
                       </m:sub>
                       <m:sup>
                         <m:r>
-                          <a:rPr lang="en-US" sz="3200" i="1"/>
+                          <a:rPr lang="en-US" sz="3200" i="1">
+                            <a:latin typeface="Cambria Math" panose="02040503050406030204" pitchFamily="18" charset="0"/>
+                          </a:rPr>
                           <m:t>𝑛𝑒𝑤</m:t>
                         </m:r>
                       </m:sup>
                     </m:sSubSup>
                     <m:r>
-                      <a:rPr lang="en-US" sz="3200" i="1"/>
+                      <a:rPr lang="en-US" sz="3200" i="1">
+                        <a:latin typeface="Cambria Math" panose="02040503050406030204" pitchFamily="18" charset="0"/>
+                      </a:rPr>
                       <m:t>−</m:t>
                     </m:r>
                     <m:sSub>
                       <m:sSubPr>
                         <m:ctrlPr>
-                          <a:rPr lang="en-US" sz="3200" i="1"/>
+                          <a:rPr lang="en-US" sz="3200" i="1">
+                            <a:latin typeface="Cambria Math" panose="02040503050406030204" pitchFamily="18" charset="0"/>
+                          </a:rPr>
                         </m:ctrlPr>
                       </m:sSubPr>
                       <m:e>
                         <m:r>
-                          <a:rPr lang="en-US" sz="3200" i="1"/>
+                          <a:rPr lang="en-US" sz="3200" i="1">
+                            <a:latin typeface="Cambria Math" panose="02040503050406030204" pitchFamily="18" charset="0"/>
+                          </a:rPr>
                           <m:t>𝑉</m:t>
                         </m:r>
                       </m:e>
                       <m:sub>
                         <m:r>
-                          <a:rPr lang="en-US" sz="3200" i="1"/>
+                          <a:rPr lang="en-US" sz="3200" i="1">
+                            <a:latin typeface="Cambria Math" panose="02040503050406030204" pitchFamily="18" charset="0"/>
+                          </a:rPr>
                           <m:t>𝑘</m:t>
                         </m:r>
                       </m:sub>
@@ -12569,7 +12538,9 @@
                 <a14:m>
                   <m:oMath xmlns:m="http://schemas.openxmlformats.org/officeDocument/2006/math">
                     <m:r>
-                      <a:rPr lang="en-US" sz="3200" i="1"/>
+                      <a:rPr lang="en-US" sz="3200" i="1">
+                        <a:latin typeface="Cambria Math" panose="02040503050406030204" pitchFamily="18" charset="0"/>
+                      </a:rPr>
                       <m:t>𝜃</m:t>
                     </m:r>
                   </m:oMath>
@@ -12586,7 +12557,7 @@
             </p:txBody>
           </p:sp>
         </mc:Choice>
-        <mc:Fallback>
+        <mc:Fallback xmlns="">
           <p:sp>
             <p:nvSpPr>
               <p:cNvPr id="75" name="Rectangle 74"/>
@@ -13040,17 +13011,6 @@
               </a:rPr>
               <a:t>Projected Gradient</a:t>
             </a:r>
-            <a:endParaRPr kumimoji="0" lang="en-US" altLang="en-US" sz="2400" b="1" i="0" u="none" strike="noStrike" kern="0" cap="none" spc="0" normalizeH="0" baseline="0" noProof="0" dirty="0" smtClean="0">
-              <a:ln>
-                <a:noFill/>
-              </a:ln>
-              <a:solidFill>
-                <a:srgbClr val="333399"/>
-              </a:solidFill>
-              <a:effectLst/>
-              <a:uLnTx/>
-              <a:uFillTx/>
-            </a:endParaRPr>
           </a:p>
         </p:txBody>
       </p:sp>
@@ -13469,17 +13429,6 @@
               </a:rPr>
               <a:t>COMET</a:t>
             </a:r>
-            <a:endParaRPr kumimoji="0" lang="en-US" altLang="en-US" sz="2400" b="1" i="0" u="none" strike="noStrike" kern="0" cap="none" spc="0" normalizeH="0" baseline="0" noProof="0" dirty="0" smtClean="0">
-              <a:ln>
-                <a:noFill/>
-              </a:ln>
-              <a:solidFill>
-                <a:srgbClr val="333399"/>
-              </a:solidFill>
-              <a:effectLst/>
-              <a:uLnTx/>
-              <a:uFillTx/>
-            </a:endParaRPr>
           </a:p>
         </p:txBody>
       </p:sp>
@@ -13912,8 +13861,8 @@
           </a:prstGeom>
         </p:spPr>
       </p:pic>
-      <mc:AlternateContent xmlns:mc="http://schemas.openxmlformats.org/markup-compatibility/2006">
-        <mc:Choice xmlns:a14="http://schemas.microsoft.com/office/drawing/2010/main" Requires="a14">
+      <mc:AlternateContent xmlns:mc="http://schemas.openxmlformats.org/markup-compatibility/2006" xmlns:a14="http://schemas.microsoft.com/office/drawing/2010/main">
+        <mc:Choice Requires="a14">
           <p:sp>
             <p:nvSpPr>
               <p:cNvPr id="63" name="Text Box 115"/>
@@ -14335,12 +14284,24 @@
                   <a:rPr lang="en-US" altLang="en-US" sz="2400" dirty="0"/>
                   <a:t>values to illustrate the performance gain. </a:t>
                 </a:r>
-                <a:endParaRPr lang="en-AU" altLang="en-US" sz="2400" i="1" dirty="0"/>
+                <a:r>
+                  <a:rPr lang="en-US" altLang="en-US" sz="2400" b="1" dirty="0" smtClean="0">
+                    <a:solidFill>
+                      <a:srgbClr val="FF0000"/>
+                    </a:solidFill>
+                  </a:rPr>
+                  <a:t> TODO set best results in bold</a:t>
+                </a:r>
+                <a:endParaRPr lang="en-AU" altLang="en-US" sz="2400" b="1" i="1" dirty="0">
+                  <a:solidFill>
+                    <a:srgbClr val="FF0000"/>
+                  </a:solidFill>
+                </a:endParaRPr>
               </a:p>
             </p:txBody>
           </p:sp>
         </mc:Choice>
-        <mc:Fallback>
+        <mc:Fallback xmlns="">
           <p:sp>
             <p:nvSpPr>
               <p:cNvPr id="63" name="Text Box 115"/>
@@ -14384,6 +14345,107 @@
           </p:sp>
         </mc:Fallback>
       </mc:AlternateContent>
+      <p:pic>
+        <p:nvPicPr>
+          <p:cNvPr id="49" name="Picture 10" descr="http://chechiklab.biu.ac.il/~yuvval/figs/comet/Precision_at_K_all_datasets.png"/>
+          <p:cNvPicPr>
+            <a:picLocks noChangeAspect="1" noChangeArrowheads="1"/>
+          </p:cNvPicPr>
+          <p:nvPr/>
+        </p:nvPicPr>
+        <p:blipFill rotWithShape="1">
+          <a:blip r:embed="rId30" cstate="print">
+            <a:extLst>
+              <a:ext uri="{28A0092B-C50C-407E-A947-70E740481C1C}">
+                <a14:useLocalDpi xmlns:a14="http://schemas.microsoft.com/office/drawing/2010/main" val="0"/>
+              </a:ext>
+            </a:extLst>
+          </a:blip>
+          <a:srcRect l="6018" t="18639" r="54515" b="14404"/>
+          <a:stretch/>
+        </p:blipFill>
+        <p:spPr bwMode="auto">
+          <a:xfrm>
+            <a:off x="23396926" y="21962665"/>
+            <a:ext cx="7050277" cy="7310284"/>
+          </a:xfrm>
+          <a:prstGeom prst="rect">
+            <a:avLst/>
+          </a:prstGeom>
+          <a:noFill/>
+          <a:extLst>
+            <a:ext uri="{909E8E84-426E-40DD-AFC4-6F175D3DCCD1}">
+              <a14:hiddenFill xmlns:a14="http://schemas.microsoft.com/office/drawing/2010/main">
+                <a:solidFill>
+                  <a:srgbClr val="FFFFFF"/>
+                </a:solidFill>
+              </a14:hiddenFill>
+            </a:ext>
+          </a:extLst>
+        </p:spPr>
+      </p:pic>
+      <p:pic>
+        <p:nvPicPr>
+          <p:cNvPr id="1034" name="Picture 10" descr="http://chechiklab.biu.ac.il/~yuvval/figs/comet/Precision_at_K_all_datasets.png"/>
+          <p:cNvPicPr>
+            <a:picLocks noChangeAspect="1" noChangeArrowheads="1"/>
+          </p:cNvPicPr>
+          <p:nvPr/>
+        </p:nvPicPr>
+        <p:blipFill rotWithShape="1">
+          <a:blip r:embed="rId30" cstate="print">
+            <a:extLst>
+              <a:ext uri="{28A0092B-C50C-407E-A947-70E740481C1C}">
+                <a14:useLocalDpi xmlns:a14="http://schemas.microsoft.com/office/drawing/2010/main" val="0"/>
+              </a:ext>
+            </a:extLst>
+          </a:blip>
+          <a:srcRect l="47894" t="18639" r="10321" b="14404"/>
+          <a:stretch/>
+        </p:blipFill>
+        <p:spPr bwMode="auto">
+          <a:xfrm>
+            <a:off x="23421236" y="15265921"/>
+            <a:ext cx="7027803" cy="6882859"/>
+          </a:xfrm>
+          <a:prstGeom prst="rect">
+            <a:avLst/>
+          </a:prstGeom>
+          <a:noFill/>
+          <a:extLst>
+            <a:ext uri="{909E8E84-426E-40DD-AFC4-6F175D3DCCD1}">
+              <a14:hiddenFill xmlns:a14="http://schemas.microsoft.com/office/drawing/2010/main">
+                <a:solidFill>
+                  <a:srgbClr val="FFFFFF"/>
+                </a:solidFill>
+              </a14:hiddenFill>
+            </a:ext>
+          </a:extLst>
+        </p:spPr>
+      </p:pic>
+      <p:pic>
+        <p:nvPicPr>
+          <p:cNvPr id="62" name="Picture 61"/>
+          <p:cNvPicPr>
+            <a:picLocks noChangeAspect="1"/>
+          </p:cNvPicPr>
+          <p:nvPr/>
+        </p:nvPicPr>
+        <p:blipFill rotWithShape="1">
+          <a:blip r:embed="rId8"/>
+          <a:srcRect r="50227"/>
+          <a:stretch/>
+        </p:blipFill>
+        <p:spPr>
+          <a:xfrm>
+            <a:off x="32855073" y="6699701"/>
+            <a:ext cx="8468315" cy="6766020"/>
+          </a:xfrm>
+          <a:prstGeom prst="rect">
+            <a:avLst/>
+          </a:prstGeom>
+        </p:spPr>
+      </p:pic>
     </p:spTree>
   </p:cSld>
   <p:clrMapOvr>

--- a/COMET_poster.pptx
+++ b/COMET_poster.pptx
@@ -4078,8 +4078,8 @@
         </p:nvSpPr>
         <p:spPr bwMode="auto">
           <a:xfrm>
-            <a:off x="22782220" y="29307481"/>
-            <a:ext cx="8973607" cy="2310505"/>
+            <a:off x="22605960" y="29307481"/>
+            <a:ext cx="8657890" cy="2310505"/>
           </a:xfrm>
           <a:prstGeom prst="rect">
             <a:avLst/>
@@ -4531,8 +4531,8 @@
         </p:blipFill>
         <p:spPr>
           <a:xfrm>
-            <a:off x="32950474" y="13758305"/>
-            <a:ext cx="8222714" cy="6548176"/>
+            <a:off x="32925073" y="13758304"/>
+            <a:ext cx="8514069" cy="6780197"/>
           </a:xfrm>
           <a:prstGeom prst="rect">
             <a:avLst/>
@@ -4549,8 +4549,8 @@
         </p:nvSpPr>
         <p:spPr bwMode="auto">
           <a:xfrm>
-            <a:off x="32806663" y="20713696"/>
-            <a:ext cx="8973606" cy="1941173"/>
+            <a:off x="32839031" y="20713696"/>
+            <a:ext cx="8600112" cy="1941173"/>
           </a:xfrm>
           <a:prstGeom prst="rect">
             <a:avLst/>
@@ -5012,7 +5012,7 @@
         </p:blipFill>
         <p:spPr bwMode="auto">
           <a:xfrm>
-            <a:off x="32855072" y="25382976"/>
+            <a:off x="32855072" y="25671008"/>
             <a:ext cx="5381475" cy="4788601"/>
           </a:xfrm>
           <a:prstGeom prst="rect">
@@ -5090,8 +5090,8 @@
             </p:nvSpPr>
             <p:spPr bwMode="auto">
               <a:xfrm>
-                <a:off x="38596588" y="25228908"/>
-                <a:ext cx="3546760" cy="2782429"/>
+                <a:off x="38236547" y="25547524"/>
+                <a:ext cx="3202595" cy="2679837"/>
               </a:xfrm>
               <a:prstGeom prst="rect">
                 <a:avLst/>
@@ -5535,8 +5535,8 @@
             </p:nvSpPr>
             <p:spPr bwMode="auto">
               <a:xfrm>
-                <a:off x="38596588" y="25228908"/>
-                <a:ext cx="3546760" cy="2782429"/>
+                <a:off x="38236547" y="25547524"/>
+                <a:ext cx="3202595" cy="2679837"/>
               </a:xfrm>
               <a:prstGeom prst="rect">
                 <a:avLst/>
@@ -5544,7 +5544,7 @@
               <a:blipFill rotWithShape="0">
                 <a:blip r:embed="rId10"/>
                 <a:stretch>
-                  <a:fillRect l="-2577" t="-1535" b="-658"/>
+                  <a:fillRect l="-2852" t="-1595" r="-4373" b="-4556"/>
                 </a:stretch>
               </a:blipFill>
               <a:ln>
@@ -8909,7 +8909,7 @@
         </p:nvSpPr>
         <p:spPr>
           <a:xfrm>
-            <a:off x="1463443" y="19579532"/>
+            <a:off x="1608386" y="19591159"/>
             <a:ext cx="4851213" cy="3063710"/>
           </a:xfrm>
           <a:prstGeom prst="rect">
@@ -8963,8 +8963,8 @@
           </a:p>
         </p:txBody>
       </p:sp>
-      <mc:AlternateContent xmlns:mc="http://schemas.openxmlformats.org/markup-compatibility/2006" xmlns:a14="http://schemas.microsoft.com/office/drawing/2010/main">
-        <mc:Choice Requires="a14">
+      <mc:AlternateContent xmlns:mc="http://schemas.openxmlformats.org/markup-compatibility/2006">
+        <mc:Choice xmlns:a14="http://schemas.microsoft.com/office/drawing/2010/main" Requires="a14">
           <p:sp>
             <p:nvSpPr>
               <p:cNvPr id="76" name="Rectangle 75"/>
@@ -8973,8 +8973,8 @@
             </p:nvSpPr>
             <p:spPr>
               <a:xfrm>
-                <a:off x="1463443" y="23402825"/>
-                <a:ext cx="8958814" cy="7651632"/>
+                <a:off x="1642704" y="23416344"/>
+                <a:ext cx="8570252" cy="8144075"/>
               </a:xfrm>
               <a:prstGeom prst="rect">
                 <a:avLst/>
@@ -9748,7 +9748,7 @@
             </p:txBody>
           </p:sp>
         </mc:Choice>
-        <mc:Fallback xmlns="">
+        <mc:Fallback>
           <p:sp>
             <p:nvSpPr>
               <p:cNvPr id="76" name="Rectangle 75"/>
@@ -9759,8 +9759,8 @@
             </p:nvSpPr>
             <p:spPr>
               <a:xfrm>
-                <a:off x="1463443" y="23402825"/>
-                <a:ext cx="8958814" cy="7651632"/>
+                <a:off x="1642704" y="23416344"/>
+                <a:ext cx="8570252" cy="8144075"/>
               </a:xfrm>
               <a:prstGeom prst="rect">
                 <a:avLst/>
@@ -9768,7 +9768,7 @@
               <a:blipFill rotWithShape="0">
                 <a:blip r:embed="rId19"/>
                 <a:stretch>
-                  <a:fillRect l="-1565" b="-1594"/>
+                  <a:fillRect l="-1565" b="-1497"/>
                 </a:stretch>
               </a:blipFill>
             </p:spPr>
@@ -9847,8 +9847,8 @@
         </p:nvSpPr>
         <p:spPr>
           <a:xfrm>
-            <a:off x="12072515" y="5348618"/>
-            <a:ext cx="8849661" cy="3263764"/>
+            <a:off x="12120340" y="5348618"/>
+            <a:ext cx="8599025" cy="3263764"/>
           </a:xfrm>
           <a:prstGeom prst="rect">
             <a:avLst/>
@@ -9997,8 +9997,8 @@
           </a:prstGeom>
         </p:spPr>
       </p:pic>
-      <mc:AlternateContent xmlns:mc="http://schemas.openxmlformats.org/markup-compatibility/2006" xmlns:a14="http://schemas.microsoft.com/office/drawing/2010/main">
-        <mc:Choice Requires="a14">
+      <mc:AlternateContent xmlns:mc="http://schemas.openxmlformats.org/markup-compatibility/2006">
+        <mc:Choice xmlns:a14="http://schemas.microsoft.com/office/drawing/2010/main" Requires="a14">
           <p:sp>
             <p:nvSpPr>
               <p:cNvPr id="40" name="Text Box 115"/>
@@ -10009,8 +10009,8 @@
             </p:nvSpPr>
             <p:spPr bwMode="auto">
               <a:xfrm>
-                <a:off x="12083856" y="16583691"/>
-                <a:ext cx="8438724" cy="1202510"/>
+                <a:off x="12120340" y="16583691"/>
+                <a:ext cx="8559128" cy="1202510"/>
               </a:xfrm>
               <a:prstGeom prst="rect">
                 <a:avLst/>
@@ -10440,7 +10440,7 @@
             </p:txBody>
           </p:sp>
         </mc:Choice>
-        <mc:Fallback xmlns="">
+        <mc:Fallback>
           <p:sp>
             <p:nvSpPr>
               <p:cNvPr id="40" name="Text Box 115"/>
@@ -10451,8 +10451,8 @@
             </p:nvSpPr>
             <p:spPr bwMode="auto">
               <a:xfrm>
-                <a:off x="12083856" y="16583691"/>
-                <a:ext cx="8438724" cy="1202510"/>
+                <a:off x="12120340" y="16583691"/>
+                <a:ext cx="8559128" cy="1202510"/>
               </a:xfrm>
               <a:prstGeom prst="rect">
                 <a:avLst/>
@@ -10460,7 +10460,7 @@
               <a:blipFill rotWithShape="0">
                 <a:blip r:embed="rId21"/>
                 <a:stretch>
-                  <a:fillRect l="-1083" t="-3030" b="-11111"/>
+                  <a:fillRect l="-1068" t="-3030" b="-11111"/>
                 </a:stretch>
               </a:blipFill>
               <a:ln>
@@ -10543,18 +10543,313 @@
           </a:extLst>
         </p:spPr>
       </p:pic>
-      <mc:AlternateContent xmlns:mc="http://schemas.openxmlformats.org/markup-compatibility/2006" xmlns:a14="http://schemas.microsoft.com/office/drawing/2010/main">
-        <mc:Choice Requires="a14">
+      <p:sp>
+        <p:nvSpPr>
+          <p:cNvPr id="50" name="Rounded Rectangle 49"/>
+          <p:cNvSpPr/>
+          <p:nvPr/>
+        </p:nvSpPr>
+        <p:spPr>
+          <a:xfrm>
+            <a:off x="21963105" y="4968774"/>
+            <a:ext cx="9714936" cy="8496947"/>
+          </a:xfrm>
+          <a:prstGeom prst="roundRect">
+            <a:avLst/>
+          </a:prstGeom>
+          <a:solidFill>
+            <a:schemeClr val="bg1"/>
+          </a:solidFill>
+          <a:ln w="76200">
+            <a:solidFill>
+              <a:schemeClr val="tx1"/>
+            </a:solidFill>
+          </a:ln>
+        </p:spPr>
+        <p:style>
+          <a:lnRef idx="2">
+            <a:schemeClr val="accent1">
+              <a:shade val="50000"/>
+            </a:schemeClr>
+          </a:lnRef>
+          <a:fillRef idx="1">
+            <a:schemeClr val="accent1"/>
+          </a:fillRef>
+          <a:effectRef idx="0">
+            <a:schemeClr val="accent1"/>
+          </a:effectRef>
+          <a:fontRef idx="minor">
+            <a:schemeClr val="lt1"/>
+          </a:fontRef>
+        </p:style>
+        <p:txBody>
+          <a:bodyPr lIns="83976" tIns="41987" rIns="83976" bIns="41987" rtlCol="1" anchor="t"/>
+          <a:lstStyle/>
+          <a:p>
+            <a:pPr lvl="0" algn="ctr" rtl="0"/>
+            <a:endParaRPr lang="en-US" sz="4300" dirty="0">
+              <a:solidFill>
+                <a:prstClr val="black"/>
+              </a:solidFill>
+            </a:endParaRPr>
+          </a:p>
+        </p:txBody>
+      </p:sp>
+      <p:sp>
+        <p:nvSpPr>
+          <p:cNvPr id="51" name="Rectangle 50"/>
+          <p:cNvSpPr/>
+          <p:nvPr/>
+        </p:nvSpPr>
+        <p:spPr>
+          <a:xfrm>
+            <a:off x="22522614" y="5375614"/>
+            <a:ext cx="8612485" cy="2263491"/>
+          </a:xfrm>
+          <a:prstGeom prst="rect">
+            <a:avLst/>
+          </a:prstGeom>
+        </p:spPr>
+        <p:txBody>
+          <a:bodyPr wrap="square" lIns="108000" tIns="54000" rIns="108000" bIns="54000">
+            <a:spAutoFit/>
+          </a:bodyPr>
+          <a:lstStyle/>
+          <a:p>
+            <a:pPr lvl="0" algn="ctr" rtl="0"/>
+            <a:r>
+              <a:rPr lang="en-US" sz="4400" b="1" dirty="0" smtClean="0">
+                <a:solidFill>
+                  <a:prstClr val="black"/>
+                </a:solidFill>
+              </a:rPr>
+              <a:t>Complexity and Runtimes</a:t>
+            </a:r>
+            <a:endParaRPr lang="en-US" sz="3600" dirty="0" smtClean="0">
+              <a:solidFill>
+                <a:prstClr val="black"/>
+              </a:solidFill>
+            </a:endParaRPr>
+          </a:p>
+          <a:p>
+            <a:pPr algn="l" rtl="0"/>
+            <a:r>
+              <a:rPr lang="en-US" sz="3200" dirty="0" smtClean="0"/>
+              <a:t>We </a:t>
+            </a:r>
+            <a:r>
+              <a:rPr lang="en-US" sz="3200" dirty="0"/>
+              <a:t>compared COMET with approaches that avoid repeated projections to the PD cone and  to the Euclidean metric baseline.</a:t>
+            </a:r>
+          </a:p>
+        </p:txBody>
+      </p:sp>
+      <p:pic>
+        <p:nvPicPr>
+          <p:cNvPr id="9" name="Picture 8"/>
+          <p:cNvPicPr>
+            <a:picLocks noChangeAspect="1"/>
+          </p:cNvPicPr>
+          <p:nvPr/>
+        </p:nvPicPr>
+        <p:blipFill>
+          <a:blip r:embed="rId23"/>
+          <a:stretch>
+            <a:fillRect/>
+          </a:stretch>
+        </p:blipFill>
+        <p:spPr>
+          <a:xfrm>
+            <a:off x="22522615" y="7777089"/>
+            <a:ext cx="8612484" cy="1326930"/>
+          </a:xfrm>
+          <a:prstGeom prst="rect">
+            <a:avLst/>
+          </a:prstGeom>
+        </p:spPr>
+      </p:pic>
+      <p:sp>
+        <p:nvSpPr>
+          <p:cNvPr id="70" name="Rectangle 69"/>
+          <p:cNvSpPr/>
+          <p:nvPr/>
+        </p:nvSpPr>
+        <p:spPr>
+          <a:xfrm>
+            <a:off x="22414188" y="14173068"/>
+            <a:ext cx="8849661" cy="786163"/>
+          </a:xfrm>
+          <a:prstGeom prst="rect">
+            <a:avLst/>
+          </a:prstGeom>
+        </p:spPr>
+        <p:txBody>
+          <a:bodyPr wrap="square" lIns="108000" tIns="54000" rIns="108000" bIns="54000">
+            <a:spAutoFit/>
+          </a:bodyPr>
+          <a:lstStyle/>
+          <a:p>
+            <a:pPr algn="ctr" rtl="0"/>
+            <a:r>
+              <a:rPr lang="en-US" sz="4400" b="1" dirty="0" smtClean="0"/>
+              <a:t>COMET </a:t>
+            </a:r>
+            <a:r>
+              <a:rPr lang="en-US" sz="4400" b="1" dirty="0"/>
+              <a:t>achieves better </a:t>
+            </a:r>
+            <a:r>
+              <a:rPr lang="en-US" sz="4400" b="1" dirty="0" smtClean="0"/>
+              <a:t>precision.</a:t>
+            </a:r>
+            <a:endParaRPr lang="en-US" sz="4400" b="1" dirty="0"/>
+          </a:p>
+        </p:txBody>
+      </p:sp>
+      <p:sp>
+        <p:nvSpPr>
+          <p:cNvPr id="72" name="Rectangle 71"/>
+          <p:cNvSpPr/>
+          <p:nvPr/>
+        </p:nvSpPr>
+        <p:spPr>
+          <a:xfrm>
+            <a:off x="32702110" y="5397206"/>
+            <a:ext cx="8849661" cy="1740270"/>
+          </a:xfrm>
+          <a:prstGeom prst="rect">
+            <a:avLst/>
+          </a:prstGeom>
+        </p:spPr>
+        <p:txBody>
+          <a:bodyPr wrap="square" lIns="108000" tIns="54000" rIns="108000" bIns="54000">
+            <a:spAutoFit/>
+          </a:bodyPr>
+          <a:lstStyle/>
+          <a:p>
+            <a:pPr algn="ctr" rtl="0"/>
+            <a:r>
+              <a:rPr lang="en-US" sz="4400" b="1" dirty="0"/>
+              <a:t>The effect of sparsity on precision and </a:t>
+            </a:r>
+            <a:r>
+              <a:rPr lang="en-US" sz="4400" b="1" dirty="0" smtClean="0"/>
+              <a:t>runtime</a:t>
+            </a:r>
+          </a:p>
+          <a:p>
+            <a:pPr algn="l" rtl="0"/>
+            <a:endParaRPr lang="en-US" sz="1800" b="1" dirty="0"/>
+          </a:p>
+        </p:txBody>
+      </p:sp>
+      <p:sp>
+        <p:nvSpPr>
+          <p:cNvPr id="73" name="Rectangle 72"/>
+          <p:cNvSpPr/>
+          <p:nvPr/>
+        </p:nvSpPr>
+        <p:spPr>
+          <a:xfrm>
+            <a:off x="32757276" y="24548002"/>
+            <a:ext cx="8849661" cy="786163"/>
+          </a:xfrm>
+          <a:prstGeom prst="rect">
+            <a:avLst/>
+          </a:prstGeom>
+        </p:spPr>
+        <p:txBody>
+          <a:bodyPr wrap="square" lIns="108000" tIns="54000" rIns="108000" bIns="54000">
+            <a:spAutoFit/>
+          </a:bodyPr>
+          <a:lstStyle/>
+          <a:p>
+            <a:pPr algn="ctr" rtl="0"/>
+            <a:r>
+              <a:rPr lang="en-US" sz="4400" b="1" dirty="0" smtClean="0"/>
+              <a:t>Informative features are non-zeros</a:t>
+            </a:r>
+            <a:endParaRPr lang="en-US" sz="1800" b="1" dirty="0"/>
+          </a:p>
+        </p:txBody>
+      </p:sp>
+      <p:pic>
+        <p:nvPicPr>
+          <p:cNvPr id="2" name="Picture 2" descr="http://www.natcom.org/uploadedImages/More_Scholarly_Resources/Doctoral_Program_Resource_Guide/NYU%20Logo.jpg"/>
+          <p:cNvPicPr>
+            <a:picLocks noChangeAspect="1" noChangeArrowheads="1"/>
+          </p:cNvPicPr>
+          <p:nvPr/>
+        </p:nvPicPr>
+        <p:blipFill>
+          <a:blip r:embed="rId24">
+            <a:extLst>
+              <a:ext uri="{28A0092B-C50C-407E-A947-70E740481C1C}">
+                <a14:useLocalDpi xmlns:a14="http://schemas.microsoft.com/office/drawing/2010/main" val="0"/>
+              </a:ext>
+            </a:extLst>
+          </a:blip>
+          <a:srcRect/>
+          <a:stretch>
+            <a:fillRect/>
+          </a:stretch>
+        </p:blipFill>
+        <p:spPr bwMode="auto">
+          <a:xfrm>
+            <a:off x="39388676" y="910858"/>
+            <a:ext cx="3018839" cy="3018840"/>
+          </a:xfrm>
+          <a:prstGeom prst="rect">
+            <a:avLst/>
+          </a:prstGeom>
+          <a:noFill/>
+          <a:extLst>
+            <a:ext uri="{909E8E84-426E-40DD-AFC4-6F175D3DCCD1}">
+              <a14:hiddenFill xmlns:a14="http://schemas.microsoft.com/office/drawing/2010/main">
+                <a:solidFill>
+                  <a:srgbClr val="FFFFFF"/>
+                </a:solidFill>
+              </a14:hiddenFill>
+            </a:ext>
+          </a:extLst>
+        </p:spPr>
+      </p:pic>
+      <p:pic>
+        <p:nvPicPr>
+          <p:cNvPr id="16" name="Picture 15"/>
+          <p:cNvPicPr>
+            <a:picLocks noChangeAspect="1"/>
+          </p:cNvPicPr>
+          <p:nvPr/>
+        </p:nvPicPr>
+        <p:blipFill>
+          <a:blip r:embed="rId25"/>
+          <a:stretch>
+            <a:fillRect/>
+          </a:stretch>
+        </p:blipFill>
+        <p:spPr>
+          <a:xfrm>
+            <a:off x="1586235" y="26139129"/>
+            <a:ext cx="6610690" cy="2609984"/>
+          </a:xfrm>
+          <a:prstGeom prst="rect">
+            <a:avLst/>
+          </a:prstGeom>
+        </p:spPr>
+      </p:pic>
+      <mc:AlternateContent xmlns:mc="http://schemas.openxmlformats.org/markup-compatibility/2006">
+        <mc:Choice xmlns:a14="http://schemas.microsoft.com/office/drawing/2010/main" Requires="a14">
           <p:sp>
             <p:nvSpPr>
-              <p:cNvPr id="74" name="Rectangle 73"/>
+              <p:cNvPr id="75" name="Rectangle 74"/>
               <p:cNvSpPr/>
               <p:nvPr/>
             </p:nvSpPr>
             <p:spPr>
               <a:xfrm>
-                <a:off x="12085081" y="18059695"/>
-                <a:ext cx="8837095" cy="2645903"/>
+                <a:off x="12069455" y="18248930"/>
+                <a:ext cx="8610014" cy="13734901"/>
               </a:xfrm>
               <a:prstGeom prst="rect">
                 <a:avLst/>
@@ -10568,7 +10863,7 @@
               <a:p>
                 <a:pPr algn="l" rtl="0"/>
                 <a:r>
-                  <a:rPr lang="en-US" sz="3200" dirty="0" smtClean="0"/>
+                  <a:rPr lang="en-US" sz="3200" dirty="0"/>
                   <a:t>Using an overlapping </a:t>
                 </a:r>
                 <a:r>
@@ -10708,7 +11003,7 @@
                   <a:t> is a diagonal matrix, </a:t>
                 </a:r>
                 <a:r>
-                  <a:rPr lang="en-US" sz="3200" dirty="0" smtClean="0"/>
+                  <a:rPr lang="en-US" sz="3200" dirty="0"/>
                   <a:t>each </a:t>
                 </a:r>
                 <a14:m>
@@ -10819,7 +11114,7 @@
                   <a:t> row and column, with an all-zeros diagonal</a:t>
                 </a:r>
                 <a:r>
-                  <a:rPr lang="en-US" sz="3200" dirty="0" smtClean="0"/>
+                  <a:rPr lang="en-US" sz="3200" dirty="0"/>
                   <a:t>, </a:t>
                 </a:r>
                 <a14:m>
@@ -10902,7 +11197,7 @@
                       </m:e>
                     </m:nary>
                     <m:r>
-                      <a:rPr lang="en-US" sz="3200" b="0" i="1" smtClean="0">
+                      <a:rPr lang="en-US" sz="3200" i="1">
                         <a:latin typeface="Cambria Math" panose="02040503050406030204" pitchFamily="18" charset="0"/>
                       </a:rPr>
                       <m:t>.</m:t>
@@ -10911,370 +11206,19 @@
                 </a14:m>
                 <a:endParaRPr lang="en-US" sz="3200" dirty="0"/>
               </a:p>
-            </p:txBody>
-          </p:sp>
-        </mc:Choice>
-        <mc:Fallback xmlns="">
-          <p:sp>
-            <p:nvSpPr>
-              <p:cNvPr id="74" name="Rectangle 73"/>
-              <p:cNvSpPr>
-                <a:spLocks noRot="1" noChangeAspect="1" noMove="1" noResize="1" noEditPoints="1" noAdjustHandles="1" noChangeArrowheads="1" noChangeShapeType="1" noTextEdit="1"/>
-              </p:cNvSpPr>
-              <p:nvPr/>
-            </p:nvSpPr>
-            <p:spPr>
-              <a:xfrm>
-                <a:off x="12085081" y="18059695"/>
-                <a:ext cx="8837095" cy="2645903"/>
-              </a:xfrm>
-              <a:prstGeom prst="rect">
-                <a:avLst/>
-              </a:prstGeom>
-              <a:blipFill rotWithShape="0">
-                <a:blip r:embed="rId23"/>
-                <a:stretch>
-                  <a:fillRect l="-1517" t="-2535" r="-1379" b="-6452"/>
-                </a:stretch>
-              </a:blipFill>
-            </p:spPr>
-            <p:txBody>
-              <a:bodyPr/>
-              <a:lstStyle/>
               <a:p>
-                <a:r>
-                  <a:rPr lang="en-US">
-                    <a:noFill/>
-                  </a:rPr>
-                  <a:t> </a:t>
-                </a:r>
+                <a:pPr algn="l" rtl="0"/>
+                <a:endParaRPr lang="en-US" sz="3200" dirty="0" smtClean="0"/>
               </a:p>
-            </p:txBody>
-          </p:sp>
-        </mc:Fallback>
-      </mc:AlternateContent>
-      <p:sp>
-        <p:nvSpPr>
-          <p:cNvPr id="50" name="Rounded Rectangle 49"/>
-          <p:cNvSpPr/>
-          <p:nvPr/>
-        </p:nvSpPr>
-        <p:spPr>
-          <a:xfrm>
-            <a:off x="21963105" y="4968774"/>
-            <a:ext cx="9714936" cy="8496947"/>
-          </a:xfrm>
-          <a:prstGeom prst="roundRect">
-            <a:avLst/>
-          </a:prstGeom>
-          <a:solidFill>
-            <a:schemeClr val="bg1"/>
-          </a:solidFill>
-          <a:ln w="76200">
-            <a:solidFill>
-              <a:schemeClr val="tx1"/>
-            </a:solidFill>
-          </a:ln>
-        </p:spPr>
-        <p:style>
-          <a:lnRef idx="2">
-            <a:schemeClr val="accent1">
-              <a:shade val="50000"/>
-            </a:schemeClr>
-          </a:lnRef>
-          <a:fillRef idx="1">
-            <a:schemeClr val="accent1"/>
-          </a:fillRef>
-          <a:effectRef idx="0">
-            <a:schemeClr val="accent1"/>
-          </a:effectRef>
-          <a:fontRef idx="minor">
-            <a:schemeClr val="lt1"/>
-          </a:fontRef>
-        </p:style>
-        <p:txBody>
-          <a:bodyPr lIns="83976" tIns="41987" rIns="83976" bIns="41987" rtlCol="1" anchor="t"/>
-          <a:lstStyle/>
-          <a:p>
-            <a:pPr lvl="0" algn="ctr" rtl="0"/>
-            <a:endParaRPr lang="en-US" sz="4300" dirty="0">
-              <a:solidFill>
-                <a:prstClr val="black"/>
-              </a:solidFill>
-            </a:endParaRPr>
-          </a:p>
-        </p:txBody>
-      </p:sp>
-      <p:sp>
-        <p:nvSpPr>
-          <p:cNvPr id="51" name="Rectangle 50"/>
-          <p:cNvSpPr/>
-          <p:nvPr/>
-        </p:nvSpPr>
-        <p:spPr>
-          <a:xfrm>
-            <a:off x="22510308" y="5348618"/>
-            <a:ext cx="8849661" cy="2263491"/>
-          </a:xfrm>
-          <a:prstGeom prst="rect">
-            <a:avLst/>
-          </a:prstGeom>
-        </p:spPr>
-        <p:txBody>
-          <a:bodyPr wrap="square" lIns="108000" tIns="54000" rIns="108000" bIns="54000">
-            <a:spAutoFit/>
-          </a:bodyPr>
-          <a:lstStyle/>
-          <a:p>
-            <a:pPr lvl="0" algn="ctr" rtl="0"/>
-            <a:r>
-              <a:rPr lang="en-US" sz="4400" b="1" dirty="0" smtClean="0">
-                <a:solidFill>
-                  <a:prstClr val="black"/>
-                </a:solidFill>
-              </a:rPr>
-              <a:t>Complexity and Runtimes</a:t>
-            </a:r>
-            <a:endParaRPr lang="en-US" sz="3600" dirty="0" smtClean="0">
-              <a:solidFill>
-                <a:prstClr val="black"/>
-              </a:solidFill>
-            </a:endParaRPr>
-          </a:p>
-          <a:p>
-            <a:pPr algn="l" rtl="0"/>
-            <a:r>
-              <a:rPr lang="en-US" sz="3200" dirty="0" smtClean="0"/>
-              <a:t>We </a:t>
-            </a:r>
-            <a:r>
-              <a:rPr lang="en-US" sz="3200" dirty="0"/>
-              <a:t>compared COMET with approaches that avoid repeated projections to the PD cone and  to the Euclidean metric baseline.</a:t>
-            </a:r>
-          </a:p>
-        </p:txBody>
-      </p:sp>
-      <p:pic>
-        <p:nvPicPr>
-          <p:cNvPr id="9" name="Picture 8"/>
-          <p:cNvPicPr>
-            <a:picLocks noChangeAspect="1"/>
-          </p:cNvPicPr>
-          <p:nvPr/>
-        </p:nvPicPr>
-        <p:blipFill>
-          <a:blip r:embed="rId24"/>
-          <a:stretch>
-            <a:fillRect/>
-          </a:stretch>
-        </p:blipFill>
-        <p:spPr>
-          <a:xfrm>
-            <a:off x="22524711" y="7777089"/>
-            <a:ext cx="8696885" cy="1326930"/>
-          </a:xfrm>
-          <a:prstGeom prst="rect">
-            <a:avLst/>
-          </a:prstGeom>
-        </p:spPr>
-      </p:pic>
-      <p:sp>
-        <p:nvSpPr>
-          <p:cNvPr id="70" name="Rectangle 69"/>
-          <p:cNvSpPr/>
-          <p:nvPr/>
-        </p:nvSpPr>
-        <p:spPr>
-          <a:xfrm>
-            <a:off x="22414188" y="14173068"/>
-            <a:ext cx="8849661" cy="786163"/>
-          </a:xfrm>
-          <a:prstGeom prst="rect">
-            <a:avLst/>
-          </a:prstGeom>
-        </p:spPr>
-        <p:txBody>
-          <a:bodyPr wrap="square" lIns="108000" tIns="54000" rIns="108000" bIns="54000">
-            <a:spAutoFit/>
-          </a:bodyPr>
-          <a:lstStyle/>
-          <a:p>
-            <a:pPr algn="ctr" rtl="0"/>
-            <a:r>
-              <a:rPr lang="en-US" sz="4400" b="1" dirty="0" smtClean="0"/>
-              <a:t>COMET </a:t>
-            </a:r>
-            <a:r>
-              <a:rPr lang="en-US" sz="4400" b="1" dirty="0"/>
-              <a:t>achieves better </a:t>
-            </a:r>
-            <a:r>
-              <a:rPr lang="en-US" sz="4400" b="1" dirty="0" smtClean="0"/>
-              <a:t>precision.</a:t>
-            </a:r>
-            <a:endParaRPr lang="en-US" sz="4400" b="1" dirty="0"/>
-          </a:p>
-        </p:txBody>
-      </p:sp>
-      <p:sp>
-        <p:nvSpPr>
-          <p:cNvPr id="72" name="Rectangle 71"/>
-          <p:cNvSpPr/>
-          <p:nvPr/>
-        </p:nvSpPr>
-        <p:spPr>
-          <a:xfrm>
-            <a:off x="32908909" y="5348618"/>
-            <a:ext cx="8849661" cy="1740270"/>
-          </a:xfrm>
-          <a:prstGeom prst="rect">
-            <a:avLst/>
-          </a:prstGeom>
-        </p:spPr>
-        <p:txBody>
-          <a:bodyPr wrap="square" lIns="108000" tIns="54000" rIns="108000" bIns="54000">
-            <a:spAutoFit/>
-          </a:bodyPr>
-          <a:lstStyle/>
-          <a:p>
-            <a:pPr algn="ctr" rtl="0"/>
-            <a:r>
-              <a:rPr lang="en-US" sz="4400" b="1" dirty="0"/>
-              <a:t>The effect of sparsity on precision and </a:t>
-            </a:r>
-            <a:r>
-              <a:rPr lang="en-US" sz="4400" b="1" dirty="0" smtClean="0"/>
-              <a:t>runtime</a:t>
-            </a:r>
-          </a:p>
-          <a:p>
-            <a:pPr algn="l" rtl="0"/>
-            <a:endParaRPr lang="en-US" sz="1800" b="1" dirty="0"/>
-          </a:p>
-        </p:txBody>
-      </p:sp>
-      <p:sp>
-        <p:nvSpPr>
-          <p:cNvPr id="73" name="Rectangle 72"/>
-          <p:cNvSpPr/>
-          <p:nvPr/>
-        </p:nvSpPr>
-        <p:spPr>
-          <a:xfrm>
-            <a:off x="32763940" y="24266921"/>
-            <a:ext cx="8849661" cy="786163"/>
-          </a:xfrm>
-          <a:prstGeom prst="rect">
-            <a:avLst/>
-          </a:prstGeom>
-        </p:spPr>
-        <p:txBody>
-          <a:bodyPr wrap="square" lIns="108000" tIns="54000" rIns="108000" bIns="54000">
-            <a:spAutoFit/>
-          </a:bodyPr>
-          <a:lstStyle/>
-          <a:p>
-            <a:pPr algn="ctr" rtl="0"/>
-            <a:r>
-              <a:rPr lang="en-US" sz="4400" b="1" dirty="0" smtClean="0"/>
-              <a:t>Informative features are non-zeros</a:t>
-            </a:r>
-            <a:endParaRPr lang="en-US" sz="1800" b="1" dirty="0"/>
-          </a:p>
-        </p:txBody>
-      </p:sp>
-      <p:pic>
-        <p:nvPicPr>
-          <p:cNvPr id="2" name="Picture 2" descr="http://www.natcom.org/uploadedImages/More_Scholarly_Resources/Doctoral_Program_Resource_Guide/NYU%20Logo.jpg"/>
-          <p:cNvPicPr>
-            <a:picLocks noChangeAspect="1" noChangeArrowheads="1"/>
-          </p:cNvPicPr>
-          <p:nvPr/>
-        </p:nvPicPr>
-        <p:blipFill>
-          <a:blip r:embed="rId25">
-            <a:extLst>
-              <a:ext uri="{28A0092B-C50C-407E-A947-70E740481C1C}">
-                <a14:useLocalDpi xmlns:a14="http://schemas.microsoft.com/office/drawing/2010/main" val="0"/>
-              </a:ext>
-            </a:extLst>
-          </a:blip>
-          <a:srcRect/>
-          <a:stretch>
-            <a:fillRect/>
-          </a:stretch>
-        </p:blipFill>
-        <p:spPr bwMode="auto">
-          <a:xfrm>
-            <a:off x="39388676" y="910858"/>
-            <a:ext cx="3018839" cy="3018840"/>
-          </a:xfrm>
-          <a:prstGeom prst="rect">
-            <a:avLst/>
-          </a:prstGeom>
-          <a:noFill/>
-          <a:extLst>
-            <a:ext uri="{909E8E84-426E-40DD-AFC4-6F175D3DCCD1}">
-              <a14:hiddenFill xmlns:a14="http://schemas.microsoft.com/office/drawing/2010/main">
-                <a:solidFill>
-                  <a:srgbClr val="FFFFFF"/>
-                </a:solidFill>
-              </a14:hiddenFill>
-            </a:ext>
-          </a:extLst>
-        </p:spPr>
-      </p:pic>
-      <p:pic>
-        <p:nvPicPr>
-          <p:cNvPr id="16" name="Picture 15"/>
-          <p:cNvPicPr>
-            <a:picLocks noChangeAspect="1"/>
-          </p:cNvPicPr>
-          <p:nvPr/>
-        </p:nvPicPr>
-        <p:blipFill>
-          <a:blip r:embed="rId26"/>
-          <a:stretch>
-            <a:fillRect/>
-          </a:stretch>
-        </p:blipFill>
-        <p:spPr>
-          <a:xfrm>
-            <a:off x="1586235" y="26139129"/>
-            <a:ext cx="6610690" cy="2609984"/>
-          </a:xfrm>
-          <a:prstGeom prst="rect">
-            <a:avLst/>
-          </a:prstGeom>
-        </p:spPr>
-      </p:pic>
-      <mc:AlternateContent xmlns:mc="http://schemas.openxmlformats.org/markup-compatibility/2006" xmlns:a14="http://schemas.microsoft.com/office/drawing/2010/main">
-        <mc:Choice Requires="a14">
-          <p:sp>
-            <p:nvSpPr>
-              <p:cNvPr id="75" name="Rectangle 74"/>
-              <p:cNvSpPr/>
-              <p:nvPr/>
-            </p:nvSpPr>
-            <p:spPr>
-              <a:xfrm>
-                <a:off x="12083856" y="20736961"/>
-                <a:ext cx="8838320" cy="10215091"/>
-              </a:xfrm>
-              <a:prstGeom prst="rect">
-                <a:avLst/>
-              </a:prstGeom>
-            </p:spPr>
-            <p:txBody>
-              <a:bodyPr wrap="square" lIns="108000" tIns="54000" rIns="108000" bIns="54000">
-                <a:spAutoFit/>
-              </a:bodyPr>
-              <a:lstStyle/>
               <a:p>
                 <a:pPr algn="l" rtl="0"/>
                 <a:r>
                   <a:rPr lang="en-US" sz="3200" dirty="0" smtClean="0"/>
-                  <a:t>A group-sparse norm penalty encourages solutions with fewer features:</a:t>
+                  <a:t>A </a:t>
+                </a:r>
+                <a:r>
+                  <a:rPr lang="en-US" sz="3200" dirty="0" smtClean="0"/>
+                  <a:t>group-sparse norm penalty encourages solutions with fewer features:</a:t>
                 </a:r>
               </a:p>
               <a:p>
@@ -12557,7 +12501,7 @@
             </p:txBody>
           </p:sp>
         </mc:Choice>
-        <mc:Fallback xmlns="">
+        <mc:Fallback>
           <p:sp>
             <p:nvSpPr>
               <p:cNvPr id="75" name="Rectangle 74"/>
@@ -12568,16 +12512,16 @@
             </p:nvSpPr>
             <p:spPr>
               <a:xfrm>
-                <a:off x="12083856" y="20736961"/>
-                <a:ext cx="8838320" cy="10215091"/>
+                <a:off x="12069455" y="18248930"/>
+                <a:ext cx="8610014" cy="13734901"/>
               </a:xfrm>
               <a:prstGeom prst="rect">
                 <a:avLst/>
               </a:prstGeom>
               <a:blipFill rotWithShape="0">
-                <a:blip r:embed="rId27"/>
+                <a:blip r:embed="rId26"/>
                 <a:stretch>
-                  <a:fillRect l="-1586" t="-716"/>
+                  <a:fillRect l="-1629" t="-488" r="-2479"/>
                 </a:stretch>
               </a:blipFill>
             </p:spPr>
@@ -13442,8 +13386,8 @@
         </p:nvSpPr>
         <p:spPr bwMode="auto">
           <a:xfrm>
-            <a:off x="8593547" y="26276896"/>
-            <a:ext cx="1991929" cy="2310505"/>
+            <a:off x="8323849" y="26276896"/>
+            <a:ext cx="1920240" cy="2310505"/>
           </a:xfrm>
           <a:prstGeom prst="rect">
             <a:avLst/>
@@ -13847,22 +13791,22 @@
           <p:nvPr/>
         </p:nvPicPr>
         <p:blipFill rotWithShape="1">
-          <a:blip r:embed="rId28"/>
+          <a:blip r:embed="rId27"/>
           <a:srcRect r="4094"/>
           <a:stretch/>
         </p:blipFill>
         <p:spPr>
           <a:xfrm>
-            <a:off x="22305640" y="9621067"/>
-            <a:ext cx="9101506" cy="1982022"/>
+            <a:off x="22522614" y="9621067"/>
+            <a:ext cx="8612485" cy="1875529"/>
           </a:xfrm>
           <a:prstGeom prst="rect">
             <a:avLst/>
           </a:prstGeom>
         </p:spPr>
       </p:pic>
-      <mc:AlternateContent xmlns:mc="http://schemas.openxmlformats.org/markup-compatibility/2006" xmlns:a14="http://schemas.microsoft.com/office/drawing/2010/main">
-        <mc:Choice Requires="a14">
+      <mc:AlternateContent xmlns:mc="http://schemas.openxmlformats.org/markup-compatibility/2006">
+        <mc:Choice xmlns:a14="http://schemas.microsoft.com/office/drawing/2010/main" Requires="a14">
           <p:sp>
             <p:nvSpPr>
               <p:cNvPr id="63" name="Text Box 115"/>
@@ -13873,8 +13817,8 @@
             </p:nvSpPr>
             <p:spPr bwMode="auto">
               <a:xfrm>
-                <a:off x="22391015" y="11813666"/>
-                <a:ext cx="8964410" cy="1202510"/>
+                <a:off x="22520517" y="11813666"/>
+                <a:ext cx="8614582" cy="1202510"/>
               </a:xfrm>
               <a:prstGeom prst="rect">
                 <a:avLst/>
@@ -14301,7 +14245,7 @@
             </p:txBody>
           </p:sp>
         </mc:Choice>
-        <mc:Fallback xmlns="">
+        <mc:Fallback>
           <p:sp>
             <p:nvSpPr>
               <p:cNvPr id="63" name="Text Box 115"/>
@@ -14312,16 +14256,16 @@
             </p:nvSpPr>
             <p:spPr bwMode="auto">
               <a:xfrm>
-                <a:off x="22391015" y="11813666"/>
-                <a:ext cx="8964410" cy="1202510"/>
+                <a:off x="22520517" y="11813666"/>
+                <a:ext cx="8614582" cy="1202510"/>
               </a:xfrm>
               <a:prstGeom prst="rect">
                 <a:avLst/>
               </a:prstGeom>
               <a:blipFill rotWithShape="0">
-                <a:blip r:embed="rId29"/>
+                <a:blip r:embed="rId28"/>
                 <a:stretch>
-                  <a:fillRect l="-1088" t="-3553" b="-11168"/>
+                  <a:fillRect l="-1062" t="-3553" b="-11168"/>
                 </a:stretch>
               </a:blipFill>
               <a:ln>
@@ -14347,45 +14291,6 @@
       </mc:AlternateContent>
       <p:pic>
         <p:nvPicPr>
-          <p:cNvPr id="49" name="Picture 10" descr="http://chechiklab.biu.ac.il/~yuvval/figs/comet/Precision_at_K_all_datasets.png"/>
-          <p:cNvPicPr>
-            <a:picLocks noChangeAspect="1" noChangeArrowheads="1"/>
-          </p:cNvPicPr>
-          <p:nvPr/>
-        </p:nvPicPr>
-        <p:blipFill rotWithShape="1">
-          <a:blip r:embed="rId30" cstate="print">
-            <a:extLst>
-              <a:ext uri="{28A0092B-C50C-407E-A947-70E740481C1C}">
-                <a14:useLocalDpi xmlns:a14="http://schemas.microsoft.com/office/drawing/2010/main" val="0"/>
-              </a:ext>
-            </a:extLst>
-          </a:blip>
-          <a:srcRect l="6018" t="18639" r="54515" b="14404"/>
-          <a:stretch/>
-        </p:blipFill>
-        <p:spPr bwMode="auto">
-          <a:xfrm>
-            <a:off x="23396926" y="21962665"/>
-            <a:ext cx="7050277" cy="7310284"/>
-          </a:xfrm>
-          <a:prstGeom prst="rect">
-            <a:avLst/>
-          </a:prstGeom>
-          <a:noFill/>
-          <a:extLst>
-            <a:ext uri="{909E8E84-426E-40DD-AFC4-6F175D3DCCD1}">
-              <a14:hiddenFill xmlns:a14="http://schemas.microsoft.com/office/drawing/2010/main">
-                <a:solidFill>
-                  <a:srgbClr val="FFFFFF"/>
-                </a:solidFill>
-              </a14:hiddenFill>
-            </a:ext>
-          </a:extLst>
-        </p:spPr>
-      </p:pic>
-      <p:pic>
-        <p:nvPicPr>
           <p:cNvPr id="1034" name="Picture 10" descr="http://chechiklab.biu.ac.il/~yuvval/figs/comet/Precision_at_K_all_datasets.png"/>
           <p:cNvPicPr>
             <a:picLocks noChangeAspect="1" noChangeArrowheads="1"/>
@@ -14393,7 +14298,7 @@
           <p:nvPr/>
         </p:nvPicPr>
         <p:blipFill rotWithShape="1">
-          <a:blip r:embed="rId30" cstate="print">
+          <a:blip r:embed="rId29" cstate="print">
             <a:extLst>
               <a:ext uri="{28A0092B-C50C-407E-A947-70E740481C1C}">
                 <a14:useLocalDpi xmlns:a14="http://schemas.microsoft.com/office/drawing/2010/main" val="0"/>
@@ -14438,14 +14343,173 @@
         </p:blipFill>
         <p:spPr>
           <a:xfrm>
-            <a:off x="32855073" y="6699701"/>
-            <a:ext cx="8468315" cy="6766020"/>
+            <a:off x="32814740" y="6699700"/>
+            <a:ext cx="8624403" cy="6890731"/>
           </a:xfrm>
           <a:prstGeom prst="rect">
             <a:avLst/>
           </a:prstGeom>
         </p:spPr>
       </p:pic>
+      <p:pic>
+        <p:nvPicPr>
+          <p:cNvPr id="49" name="Picture 10" descr="http://chechiklab.biu.ac.il/~yuvval/figs/comet/Precision_at_K_all_datasets.png"/>
+          <p:cNvPicPr>
+            <a:picLocks noChangeAspect="1" noChangeArrowheads="1"/>
+          </p:cNvPicPr>
+          <p:nvPr/>
+        </p:nvPicPr>
+        <p:blipFill rotWithShape="1">
+          <a:blip r:embed="rId29" cstate="print">
+            <a:extLst>
+              <a:ext uri="{28A0092B-C50C-407E-A947-70E740481C1C}">
+                <a14:useLocalDpi xmlns:a14="http://schemas.microsoft.com/office/drawing/2010/main" val="0"/>
+              </a:ext>
+            </a:extLst>
+          </a:blip>
+          <a:srcRect l="6018" t="18639" r="54515" b="14404"/>
+          <a:stretch/>
+        </p:blipFill>
+        <p:spPr bwMode="auto">
+          <a:xfrm>
+            <a:off x="23396926" y="21962665"/>
+            <a:ext cx="7050277" cy="7310284"/>
+          </a:xfrm>
+          <a:prstGeom prst="rect">
+            <a:avLst/>
+          </a:prstGeom>
+          <a:noFill/>
+          <a:extLst>
+            <a:ext uri="{909E8E84-426E-40DD-AFC4-6F175D3DCCD1}">
+              <a14:hiddenFill xmlns:a14="http://schemas.microsoft.com/office/drawing/2010/main">
+                <a:solidFill>
+                  <a:srgbClr val="FFFFFF"/>
+                </a:solidFill>
+              </a14:hiddenFill>
+            </a:ext>
+          </a:extLst>
+        </p:spPr>
+      </p:pic>
+      <p:sp>
+        <p:nvSpPr>
+          <p:cNvPr id="4" name="Rectangle 3"/>
+          <p:cNvSpPr/>
+          <p:nvPr/>
+        </p:nvSpPr>
+        <p:spPr>
+          <a:xfrm>
+            <a:off x="1085293" y="19779561"/>
+            <a:ext cx="557412" cy="2748716"/>
+          </a:xfrm>
+          <a:prstGeom prst="rect">
+            <a:avLst/>
+          </a:prstGeom>
+        </p:spPr>
+        <p:style>
+          <a:lnRef idx="2">
+            <a:schemeClr val="accent1">
+              <a:shade val="50000"/>
+            </a:schemeClr>
+          </a:lnRef>
+          <a:fillRef idx="1">
+            <a:schemeClr val="accent1"/>
+          </a:fillRef>
+          <a:effectRef idx="0">
+            <a:schemeClr val="accent1"/>
+          </a:effectRef>
+          <a:fontRef idx="minor">
+            <a:schemeClr val="lt1"/>
+          </a:fontRef>
+        </p:style>
+        <p:txBody>
+          <a:bodyPr rtlCol="0" anchor="ctr"/>
+          <a:lstStyle/>
+          <a:p>
+            <a:pPr algn="ctr"/>
+            <a:endParaRPr lang="en-US"/>
+          </a:p>
+        </p:txBody>
+      </p:sp>
+      <p:sp>
+        <p:nvSpPr>
+          <p:cNvPr id="67" name="Rectangle 66"/>
+          <p:cNvSpPr/>
+          <p:nvPr/>
+        </p:nvSpPr>
+        <p:spPr>
+          <a:xfrm>
+            <a:off x="10244088" y="23246397"/>
+            <a:ext cx="557412" cy="2748716"/>
+          </a:xfrm>
+          <a:prstGeom prst="rect">
+            <a:avLst/>
+          </a:prstGeom>
+        </p:spPr>
+        <p:style>
+          <a:lnRef idx="2">
+            <a:schemeClr val="accent1">
+              <a:shade val="50000"/>
+            </a:schemeClr>
+          </a:lnRef>
+          <a:fillRef idx="1">
+            <a:schemeClr val="accent1"/>
+          </a:fillRef>
+          <a:effectRef idx="0">
+            <a:schemeClr val="accent1"/>
+          </a:effectRef>
+          <a:fontRef idx="minor">
+            <a:schemeClr val="lt1"/>
+          </a:fontRef>
+        </p:style>
+        <p:txBody>
+          <a:bodyPr rtlCol="0" anchor="ctr"/>
+          <a:lstStyle/>
+          <a:p>
+            <a:pPr algn="ctr"/>
+            <a:endParaRPr lang="en-US"/>
+          </a:p>
+        </p:txBody>
+      </p:sp>
+      <p:sp>
+        <p:nvSpPr>
+          <p:cNvPr id="71" name="Rectangle 70"/>
+          <p:cNvSpPr/>
+          <p:nvPr/>
+        </p:nvSpPr>
+        <p:spPr>
+          <a:xfrm rot="16200000">
+            <a:off x="5563726" y="17080240"/>
+            <a:ext cx="406840" cy="2748716"/>
+          </a:xfrm>
+          <a:prstGeom prst="rect">
+            <a:avLst/>
+          </a:prstGeom>
+        </p:spPr>
+        <p:style>
+          <a:lnRef idx="2">
+            <a:schemeClr val="accent1">
+              <a:shade val="50000"/>
+            </a:schemeClr>
+          </a:lnRef>
+          <a:fillRef idx="1">
+            <a:schemeClr val="accent1"/>
+          </a:fillRef>
+          <a:effectRef idx="0">
+            <a:schemeClr val="accent1"/>
+          </a:effectRef>
+          <a:fontRef idx="minor">
+            <a:schemeClr val="lt1"/>
+          </a:fontRef>
+        </p:style>
+        <p:txBody>
+          <a:bodyPr rtlCol="0" anchor="ctr"/>
+          <a:lstStyle/>
+          <a:p>
+            <a:pPr algn="ctr"/>
+            <a:endParaRPr lang="en-US"/>
+          </a:p>
+        </p:txBody>
+      </p:sp>
     </p:spTree>
   </p:cSld>
   <p:clrMapOvr>

--- a/COMET_poster.pptx
+++ b/COMET_poster.pptx
@@ -3599,7 +3599,7 @@
         <p:spPr>
           <a:xfrm>
             <a:off x="22034747" y="13756312"/>
-            <a:ext cx="9721080" cy="18058273"/>
+            <a:ext cx="9721080" cy="18227519"/>
           </a:xfrm>
           <a:prstGeom prst="roundRect">
             <a:avLst/>
@@ -3890,8 +3890,8 @@
         </p:nvSpPr>
         <p:spPr>
           <a:xfrm>
-            <a:off x="32281620" y="24098239"/>
-            <a:ext cx="9714935" cy="6505386"/>
+            <a:off x="32281620" y="23734643"/>
+            <a:ext cx="9714935" cy="6868982"/>
           </a:xfrm>
           <a:prstGeom prst="roundRect">
             <a:avLst/>
@@ -4474,19 +4474,7 @@
             </a:r>
             <a:r>
               <a:rPr lang="en-AU" altLang="en-US" sz="2400" dirty="0" smtClean="0"/>
-              <a:t> </a:t>
-            </a:r>
-            <a:r>
-              <a:rPr lang="en-AU" altLang="en-US" sz="2400" dirty="0" smtClean="0"/>
-              <a:t>HDSL: Similarity Learning for High </a:t>
-            </a:r>
-            <a:r>
-              <a:rPr lang="en-AU" altLang="en-US" sz="2400" dirty="0" smtClean="0"/>
-              <a:t>Dimensional </a:t>
-            </a:r>
-            <a:r>
-              <a:rPr lang="en-AU" altLang="en-US" sz="2400" dirty="0" smtClean="0"/>
-              <a:t>Sparse Data  [Liu et al, 2015], LEGO </a:t>
+              <a:t> HDSL: Similarity Learning for High Dimensional Sparse Data  [Liu et al, 2015], LEGO </a:t>
             </a:r>
             <a:r>
               <a:rPr lang="en-AU" altLang="en-US" sz="2400" dirty="0"/>
@@ -5078,8 +5066,8 @@
           </a:p>
         </p:txBody>
       </p:sp>
-      <mc:AlternateContent xmlns:mc="http://schemas.openxmlformats.org/markup-compatibility/2006">
-        <mc:Choice xmlns:a14="http://schemas.microsoft.com/office/drawing/2010/main" Requires="a14">
+      <mc:AlternateContent xmlns:mc="http://schemas.openxmlformats.org/markup-compatibility/2006" xmlns:a14="http://schemas.microsoft.com/office/drawing/2010/main">
+        <mc:Choice Requires="a14">
           <p:sp>
             <p:nvSpPr>
               <p:cNvPr id="39" name="Text Box 115"/>
@@ -5524,7 +5512,7 @@
             </p:txBody>
           </p:sp>
         </mc:Choice>
-        <mc:Fallback>
+        <mc:Fallback xmlns="">
           <p:sp>
             <p:nvSpPr>
               <p:cNvPr id="39" name="Text Box 115"/>
@@ -5568,8 +5556,8 @@
           </p:sp>
         </mc:Fallback>
       </mc:AlternateContent>
-      <mc:AlternateContent xmlns:mc="http://schemas.openxmlformats.org/markup-compatibility/2006" xmlns:a14="http://schemas.microsoft.com/office/drawing/2010/main">
-        <mc:Choice Requires="a14">
+      <mc:AlternateContent xmlns:mc="http://schemas.openxmlformats.org/markup-compatibility/2006">
+        <mc:Choice xmlns:a14="http://schemas.microsoft.com/office/drawing/2010/main" Requires="a14">
           <p:sp>
             <p:nvSpPr>
               <p:cNvPr id="129" name="Rounded Rectangle 128"/>
@@ -5579,7 +5567,7 @@
             <p:spPr>
               <a:xfrm>
                 <a:off x="1080420" y="4968776"/>
-                <a:ext cx="9721080" cy="12972877"/>
+                <a:ext cx="9721080" cy="13073138"/>
               </a:xfrm>
               <a:prstGeom prst="roundRect">
                 <a:avLst/>
@@ -5649,6 +5637,19 @@
                   </a:rPr>
                   <a:t>the cone of positive definite (PD) matrices </a:t>
                 </a:r>
+                <a:endParaRPr lang="en-US" sz="3200" dirty="0" smtClean="0">
+                  <a:solidFill>
+                    <a:schemeClr val="tx1"/>
+                  </a:solidFill>
+                </a:endParaRPr>
+              </a:p>
+              <a:p>
+                <a:pPr algn="l"/>
+                <a:endParaRPr lang="en-US" sz="3200" dirty="0">
+                  <a:solidFill>
+                    <a:schemeClr val="tx1"/>
+                  </a:solidFill>
+                </a:endParaRPr>
               </a:p>
               <a:p>
                 <a:pPr algn="l"/>
@@ -6358,17 +6359,9 @@
                 </a:endParaRPr>
               </a:p>
               <a:p>
-                <a:pPr algn="ctr" rtl="0"/>
-                <a:endParaRPr lang="en-US" sz="3200" dirty="0" smtClean="0">
-                  <a:solidFill>
-                    <a:schemeClr val="tx1"/>
-                  </a:solidFill>
-                </a:endParaRPr>
-              </a:p>
-              <a:p>
                 <a:pPr lvl="0" algn="l" rtl="0"/>
                 <a:r>
-                  <a:rPr lang="en-US" sz="3200" dirty="0" smtClean="0">
+                  <a:rPr lang="en-US" sz="3200" smtClean="0">
                     <a:solidFill>
                       <a:prstClr val="black"/>
                     </a:solidFill>
@@ -7024,7 +7017,7 @@
             </p:txBody>
           </p:sp>
         </mc:Choice>
-        <mc:Fallback xmlns="">
+        <mc:Fallback>
           <p:sp>
             <p:nvSpPr>
               <p:cNvPr id="129" name="Rounded Rectangle 128"/>
@@ -7036,13 +7029,13 @@
             <p:spPr>
               <a:xfrm>
                 <a:off x="1080420" y="4968776"/>
-                <a:ext cx="9721080" cy="12972877"/>
+                <a:ext cx="9721080" cy="13073138"/>
               </a:xfrm>
               <a:prstGeom prst="roundRect">
                 <a:avLst/>
               </a:prstGeom>
               <a:blipFill rotWithShape="0">
-                <a:blip r:embed="rId12"/>
+                <a:blip r:embed="rId11"/>
                 <a:stretch>
                   <a:fillRect/>
                 </a:stretch>
@@ -7068,8 +7061,8 @@
           </p:sp>
         </mc:Fallback>
       </mc:AlternateContent>
-      <mc:AlternateContent xmlns:mc="http://schemas.openxmlformats.org/markup-compatibility/2006" xmlns:a14="http://schemas.microsoft.com/office/drawing/2010/main">
-        <mc:Choice Requires="a14">
+      <mc:AlternateContent xmlns:mc="http://schemas.openxmlformats.org/markup-compatibility/2006">
+        <mc:Choice xmlns:a14="http://schemas.microsoft.com/office/drawing/2010/main" Requires="a14">
           <p:sp>
             <p:nvSpPr>
               <p:cNvPr id="52" name="Text Box 101"/>
@@ -7080,7 +7073,7 @@
             </p:nvSpPr>
             <p:spPr bwMode="auto">
               <a:xfrm>
-                <a:off x="4453535" y="8962868"/>
+                <a:off x="4453535" y="9433273"/>
                 <a:ext cx="2561897" cy="463846"/>
               </a:xfrm>
               <a:prstGeom prst="rect">
@@ -7535,7 +7528,7 @@
             </p:txBody>
           </p:sp>
         </mc:Choice>
-        <mc:Fallback xmlns="">
+        <mc:Fallback>
           <p:sp>
             <p:nvSpPr>
               <p:cNvPr id="52" name="Text Box 101"/>
@@ -7546,16 +7539,16 @@
             </p:nvSpPr>
             <p:spPr bwMode="auto">
               <a:xfrm>
-                <a:off x="4453535" y="8962868"/>
+                <a:off x="4453535" y="9433273"/>
                 <a:ext cx="2561897" cy="463846"/>
               </a:xfrm>
               <a:prstGeom prst="rect">
                 <a:avLst/>
               </a:prstGeom>
               <a:blipFill rotWithShape="0">
-                <a:blip r:embed="rId13"/>
+                <a:blip r:embed="rId12"/>
                 <a:stretch>
-                  <a:fillRect l="-3810" t="-9211" r="-1190" b="-30263"/>
+                  <a:fillRect l="-3810" t="-7792" r="-1190" b="-29870"/>
                 </a:stretch>
               </a:blipFill>
               <a:ln>
@@ -7606,8 +7599,8 @@
           </p:sp>
         </mc:Fallback>
       </mc:AlternateContent>
-      <mc:AlternateContent xmlns:mc="http://schemas.openxmlformats.org/markup-compatibility/2006" xmlns:a14="http://schemas.microsoft.com/office/drawing/2010/main">
-        <mc:Choice Requires="a14">
+      <mc:AlternateContent xmlns:mc="http://schemas.openxmlformats.org/markup-compatibility/2006">
+        <mc:Choice xmlns:a14="http://schemas.microsoft.com/office/drawing/2010/main" Requires="a14">
           <p:sp>
             <p:nvSpPr>
               <p:cNvPr id="53" name="Text Box 102"/>
@@ -7618,7 +7611,7 @@
             </p:nvSpPr>
             <p:spPr bwMode="auto">
               <a:xfrm>
-                <a:off x="1608386" y="12055318"/>
+                <a:off x="1608386" y="12525723"/>
                 <a:ext cx="2280346" cy="402291"/>
               </a:xfrm>
               <a:prstGeom prst="rect">
@@ -8094,7 +8087,7 @@
             </p:txBody>
           </p:sp>
         </mc:Choice>
-        <mc:Fallback xmlns="">
+        <mc:Fallback>
           <p:sp>
             <p:nvSpPr>
               <p:cNvPr id="53" name="Text Box 102"/>
@@ -8105,14 +8098,14 @@
             </p:nvSpPr>
             <p:spPr bwMode="auto">
               <a:xfrm>
-                <a:off x="1608386" y="12055318"/>
+                <a:off x="1608386" y="12525723"/>
                 <a:ext cx="2280346" cy="402291"/>
               </a:xfrm>
               <a:prstGeom prst="rect">
                 <a:avLst/>
               </a:prstGeom>
               <a:blipFill rotWithShape="0">
-                <a:blip r:embed="rId14"/>
+                <a:blip r:embed="rId13"/>
                 <a:stretch>
                   <a:fillRect l="-2941" t="-7576" r="-802" b="-27273"/>
                 </a:stretch>
@@ -8165,8 +8158,8 @@
           </p:sp>
         </mc:Fallback>
       </mc:AlternateContent>
-      <mc:AlternateContent xmlns:mc="http://schemas.openxmlformats.org/markup-compatibility/2006" xmlns:a14="http://schemas.microsoft.com/office/drawing/2010/main">
-        <mc:Choice Requires="a14">
+      <mc:AlternateContent xmlns:mc="http://schemas.openxmlformats.org/markup-compatibility/2006">
+        <mc:Choice xmlns:a14="http://schemas.microsoft.com/office/drawing/2010/main" Requires="a14">
           <p:sp>
             <p:nvSpPr>
               <p:cNvPr id="54" name="Text Box 103"/>
@@ -8177,7 +8170,7 @@
             </p:nvSpPr>
             <p:spPr bwMode="auto">
               <a:xfrm>
-                <a:off x="7977724" y="11976588"/>
+                <a:off x="7977724" y="12446993"/>
                 <a:ext cx="2152105" cy="402291"/>
               </a:xfrm>
               <a:prstGeom prst="rect">
@@ -8653,7 +8646,7 @@
             </p:txBody>
           </p:sp>
         </mc:Choice>
-        <mc:Fallback xmlns="">
+        <mc:Fallback>
           <p:sp>
             <p:nvSpPr>
               <p:cNvPr id="54" name="Text Box 103"/>
@@ -8664,16 +8657,16 @@
             </p:nvSpPr>
             <p:spPr bwMode="auto">
               <a:xfrm>
-                <a:off x="7977724" y="11976588"/>
+                <a:off x="7977724" y="12446993"/>
                 <a:ext cx="2152105" cy="402291"/>
               </a:xfrm>
               <a:prstGeom prst="rect">
                 <a:avLst/>
               </a:prstGeom>
               <a:blipFill rotWithShape="0">
-                <a:blip r:embed="rId15"/>
+                <a:blip r:embed="rId14"/>
                 <a:stretch>
-                  <a:fillRect l="-3116" t="-7576" r="-567" b="-27273"/>
+                  <a:fillRect l="-3116" t="-6061" r="-567" b="-27273"/>
                 </a:stretch>
               </a:blipFill>
               <a:ln>
@@ -8733,7 +8726,7 @@
           <p:nvPr/>
         </p:nvPicPr>
         <p:blipFill rotWithShape="1">
-          <a:blip r:embed="rId16">
+          <a:blip r:embed="rId15">
             <a:extLst>
               <a:ext uri="{28A0092B-C50C-407E-A947-70E740481C1C}">
                 <a14:useLocalDpi xmlns:a14="http://schemas.microsoft.com/office/drawing/2010/main" val="0"/>
@@ -8745,7 +8738,7 @@
         </p:blipFill>
         <p:spPr bwMode="auto">
           <a:xfrm>
-            <a:off x="4426569" y="9590701"/>
+            <a:off x="4426569" y="10061106"/>
             <a:ext cx="2342128" cy="2802202"/>
           </a:xfrm>
           <a:prstGeom prst="rect">
@@ -8772,7 +8765,7 @@
           <p:nvPr/>
         </p:nvPicPr>
         <p:blipFill rotWithShape="1">
-          <a:blip r:embed="rId17">
+          <a:blip r:embed="rId16">
             <a:extLst>
               <a:ext uri="{28A0092B-C50C-407E-A947-70E740481C1C}">
                 <a14:useLocalDpi xmlns:a14="http://schemas.microsoft.com/office/drawing/2010/main" val="0"/>
@@ -8784,7 +8777,7 @@
         </p:blipFill>
         <p:spPr bwMode="auto">
           <a:xfrm>
-            <a:off x="1642704" y="9705146"/>
+            <a:off x="1642704" y="10175551"/>
             <a:ext cx="1526591" cy="2155581"/>
           </a:xfrm>
           <a:prstGeom prst="rect">
@@ -8811,7 +8804,7 @@
           <p:nvPr/>
         </p:nvPicPr>
         <p:blipFill rotWithShape="1">
-          <a:blip r:embed="rId18">
+          <a:blip r:embed="rId17">
             <a:extLst>
               <a:ext uri="{28A0092B-C50C-407E-A947-70E740481C1C}">
                 <a14:useLocalDpi xmlns:a14="http://schemas.microsoft.com/office/drawing/2010/main" val="0"/>
@@ -8823,7 +8816,7 @@
         </p:blipFill>
         <p:spPr bwMode="auto">
           <a:xfrm>
-            <a:off x="8025971" y="9621067"/>
+            <a:off x="8025971" y="10091472"/>
             <a:ext cx="1659289" cy="2169840"/>
           </a:xfrm>
           <a:prstGeom prst="rect">
@@ -8850,7 +8843,7 @@
         <p:spPr>
           <a:xfrm>
             <a:off x="1080420" y="18290257"/>
-            <a:ext cx="9715300" cy="13665786"/>
+            <a:ext cx="9715300" cy="13665785"/>
           </a:xfrm>
           <a:prstGeom prst="roundRect">
             <a:avLst/>
@@ -8910,7 +8903,7 @@
         <p:spPr>
           <a:xfrm>
             <a:off x="1608386" y="19591159"/>
-            <a:ext cx="4851213" cy="3063710"/>
+            <a:ext cx="4529941" cy="3556152"/>
           </a:xfrm>
           <a:prstGeom prst="rect">
             <a:avLst/>
@@ -8973,7 +8966,7 @@
             </p:nvSpPr>
             <p:spPr>
               <a:xfrm>
-                <a:off x="1642704" y="23416344"/>
+                <a:off x="1642704" y="23395654"/>
                 <a:ext cx="8570252" cy="8144075"/>
               </a:xfrm>
               <a:prstGeom prst="rect">
@@ -9188,6 +9181,10 @@
                     </m:oMath>
                   </m:oMathPara>
                 </a14:m>
+                <a:endParaRPr lang="en-US" sz="3200" dirty="0" smtClean="0"/>
+              </a:p>
+              <a:p>
+                <a:pPr algn="l" rtl="0"/>
                 <a:endParaRPr lang="en-US" sz="3200" dirty="0" smtClean="0"/>
               </a:p>
               <a:p>
@@ -9614,10 +9611,6 @@
               </a:p>
               <a:p>
                 <a:pPr algn="l" rtl="0"/>
-                <a:endParaRPr lang="en-US" sz="3200" dirty="0"/>
-              </a:p>
-              <a:p>
-                <a:pPr algn="l" rtl="0"/>
                 <a:r>
                   <a:rPr lang="en-US" sz="3200" dirty="0" smtClean="0"/>
                   <a:t>Keeping </a:t>
@@ -9759,16 +9752,16 @@
             </p:nvSpPr>
             <p:spPr>
               <a:xfrm>
-                <a:off x="1642704" y="23416344"/>
+                <a:off x="1642704" y="23395654"/>
                 <a:ext cx="8570252" cy="8144075"/>
               </a:xfrm>
               <a:prstGeom prst="rect">
                 <a:avLst/>
               </a:prstGeom>
               <a:blipFill rotWithShape="0">
-                <a:blip r:embed="rId19"/>
+                <a:blip r:embed="rId18"/>
                 <a:stretch>
-                  <a:fillRect l="-1565" b="-1497"/>
+                  <a:fillRect l="-1565" b="-1422"/>
                 </a:stretch>
               </a:blipFill>
             </p:spPr>
@@ -9982,7 +9975,7 @@
           <p:nvPr/>
         </p:nvPicPr>
         <p:blipFill>
-          <a:blip r:embed="rId20"/>
+          <a:blip r:embed="rId19"/>
           <a:stretch>
             <a:fillRect/>
           </a:stretch>
@@ -9997,8 +9990,8 @@
           </a:prstGeom>
         </p:spPr>
       </p:pic>
-      <mc:AlternateContent xmlns:mc="http://schemas.openxmlformats.org/markup-compatibility/2006">
-        <mc:Choice xmlns:a14="http://schemas.microsoft.com/office/drawing/2010/main" Requires="a14">
+      <mc:AlternateContent xmlns:mc="http://schemas.openxmlformats.org/markup-compatibility/2006" xmlns:a14="http://schemas.microsoft.com/office/drawing/2010/main">
+        <mc:Choice Requires="a14">
           <p:sp>
             <p:nvSpPr>
               <p:cNvPr id="40" name="Text Box 115"/>
@@ -10440,7 +10433,7 @@
             </p:txBody>
           </p:sp>
         </mc:Choice>
-        <mc:Fallback>
+        <mc:Fallback xmlns="">
           <p:sp>
             <p:nvSpPr>
               <p:cNvPr id="40" name="Text Box 115"/>
@@ -10830,7 +10823,7 @@
         </p:blipFill>
         <p:spPr>
           <a:xfrm>
-            <a:off x="1586235" y="26139129"/>
+            <a:off x="1586235" y="26625489"/>
             <a:ext cx="6610690" cy="2609984"/>
           </a:xfrm>
           <a:prstGeom prst="rect">
@@ -10848,8 +10841,8 @@
             </p:nvSpPr>
             <p:spPr>
               <a:xfrm>
-                <a:off x="12069455" y="18248930"/>
-                <a:ext cx="8610014" cy="13734901"/>
+                <a:off x="12069455" y="17930217"/>
+                <a:ext cx="8610014" cy="14227343"/>
               </a:xfrm>
               <a:prstGeom prst="rect">
                 <a:avLst/>
@@ -10864,11 +10857,7 @@
                 <a:pPr algn="l" rtl="0"/>
                 <a:r>
                   <a:rPr lang="en-US" sz="3200" dirty="0"/>
-                  <a:t>Using an overlapping </a:t>
-                </a:r>
-                <a:r>
-                  <a:rPr lang="en-US" sz="3200" dirty="0"/>
-                  <a:t>decomposition of </a:t>
+                  <a:t>Using an overlapping decomposition of </a:t>
                 </a:r>
                 <a14:m>
                   <m:oMath xmlns:m="http://schemas.openxmlformats.org/officeDocument/2006/math">
@@ -11000,11 +10989,7 @@
                 </a14:m>
                 <a:r>
                   <a:rPr lang="en-US" sz="3200" dirty="0"/>
-                  <a:t> is a diagonal matrix, </a:t>
-                </a:r>
-                <a:r>
-                  <a:rPr lang="en-US" sz="3200" dirty="0"/>
-                  <a:t>each </a:t>
+                  <a:t> is a diagonal matrix, each </a:t>
                 </a:r>
                 <a14:m>
                   <m:oMath xmlns:m="http://schemas.openxmlformats.org/officeDocument/2006/math">
@@ -11111,11 +11096,7 @@
                 </a14:m>
                 <a:r>
                   <a:rPr lang="en-US" sz="3200" dirty="0"/>
-                  <a:t> row and column, with an all-zeros diagonal</a:t>
-                </a:r>
-                <a:r>
-                  <a:rPr lang="en-US" sz="3200" dirty="0"/>
-                  <a:t>, </a:t>
+                  <a:t> row and column, with an all-zeros diagonal, </a:t>
                 </a:r>
                 <a14:m>
                   <m:oMath xmlns:m="http://schemas.openxmlformats.org/officeDocument/2006/math">
@@ -11214,11 +11195,7 @@
                 <a:pPr algn="l" rtl="0"/>
                 <a:r>
                   <a:rPr lang="en-US" sz="3200" dirty="0" smtClean="0"/>
-                  <a:t>A </a:t>
-                </a:r>
-                <a:r>
-                  <a:rPr lang="en-US" sz="3200" dirty="0" smtClean="0"/>
-                  <a:t>group-sparse norm penalty encourages solutions with fewer features:</a:t>
+                  <a:t>A group-sparse norm penalty encourages solutions with fewer features:</a:t>
                 </a:r>
               </a:p>
               <a:p>
@@ -11991,9 +11968,16 @@
                 </a:r>
                 <a:r>
                   <a:rPr lang="en-US" sz="3200" dirty="0" smtClean="0"/>
-                  <a:t>solution.</a:t>
+                  <a:t>solution</a:t>
                 </a:r>
-                <a:endParaRPr lang="en-US" sz="3200" dirty="0"/>
+                <a:r>
+                  <a:rPr lang="en-US" sz="3200" dirty="0" smtClean="0"/>
+                  <a:t>.</a:t>
+                </a:r>
+              </a:p>
+              <a:p>
+                <a:pPr algn="l"/>
+                <a:endParaRPr lang="en-US" sz="3200" dirty="0" smtClean="0"/>
               </a:p>
               <a:p>
                 <a:pPr algn="l"/>
@@ -12006,57 +11990,43 @@
                       <m:sSubSup>
                         <m:sSubSupPr>
                           <m:ctrlPr>
-                            <a:rPr lang="en-US" sz="3200" i="1">
-                              <a:latin typeface="Cambria Math" panose="02040503050406030204" pitchFamily="18" charset="0"/>
-                            </a:rPr>
+                            <a:rPr lang="en-US" sz="3200" i="1"/>
                           </m:ctrlPr>
                         </m:sSubSupPr>
                         <m:e>
                           <m:r>
-                            <a:rPr lang="en-US" sz="3200" i="1">
-                              <a:latin typeface="Cambria Math" panose="02040503050406030204" pitchFamily="18" charset="0"/>
-                            </a:rPr>
+                            <a:rPr lang="en-US" sz="3200" i="1"/>
                             <m:t>𝑉</m:t>
                           </m:r>
                         </m:e>
                         <m:sub>
                           <m:r>
-                            <a:rPr lang="en-US" sz="3200" i="1">
-                              <a:latin typeface="Cambria Math" panose="02040503050406030204" pitchFamily="18" charset="0"/>
-                            </a:rPr>
+                            <a:rPr lang="en-US" sz="3200" i="1"/>
                             <m:t>𝑘</m:t>
                           </m:r>
                         </m:sub>
                         <m:sup>
                           <m:r>
-                            <a:rPr lang="en-US" sz="3200" i="1">
-                              <a:latin typeface="Cambria Math" panose="02040503050406030204" pitchFamily="18" charset="0"/>
-                            </a:rPr>
+                            <a:rPr lang="en-US" sz="3200" i="1"/>
                             <m:t>𝑛𝑒𝑤</m:t>
                           </m:r>
                         </m:sup>
                       </m:sSubSup>
                       <m:r>
-                        <a:rPr lang="en-US" sz="3200" i="1">
-                          <a:latin typeface="Cambria Math" panose="02040503050406030204" pitchFamily="18" charset="0"/>
-                        </a:rPr>
+                        <a:rPr lang="en-US" sz="3200" i="1"/>
                         <m:t>=</m:t>
                       </m:r>
                       <m:func>
                         <m:funcPr>
                           <m:ctrlPr>
-                            <a:rPr lang="en-US" sz="3200" i="1">
-                              <a:latin typeface="Cambria Math" panose="02040503050406030204" pitchFamily="18" charset="0"/>
-                            </a:rPr>
+                            <a:rPr lang="en-US" sz="3200" i="1"/>
                           </m:ctrlPr>
                         </m:funcPr>
                         <m:fName>
                           <m:limLow>
                             <m:limLowPr>
                               <m:ctrlPr>
-                                <a:rPr lang="en-US" sz="3200" i="1">
-                                  <a:latin typeface="Cambria Math" panose="02040503050406030204" pitchFamily="18" charset="0"/>
-                                </a:rPr>
+                                <a:rPr lang="en-US" sz="3200" i="1"/>
                               </m:ctrlPr>
                             </m:limLowPr>
                             <m:e>
@@ -12064,46 +12034,34 @@
                                 <m:rPr>
                                   <m:sty m:val="p"/>
                                 </m:rPr>
-                                <a:rPr lang="en-US" sz="3200">
-                                  <a:latin typeface="Cambria Math" panose="02040503050406030204" pitchFamily="18" charset="0"/>
-                                </a:rPr>
+                                <a:rPr lang="en-US" sz="3200"/>
                                 <m:t>argmin</m:t>
                               </m:r>
                             </m:e>
                             <m:lim>
                               <m:r>
-                                <a:rPr lang="en-US" sz="3200" i="1">
-                                  <a:latin typeface="Cambria Math" panose="02040503050406030204" pitchFamily="18" charset="0"/>
-                                </a:rPr>
+                                <a:rPr lang="en-US" sz="3200" i="1"/>
                                 <m:t>𝑉</m:t>
                               </m:r>
                               <m:r>
-                                <a:rPr lang="en-US" sz="3200" i="1">
-                                  <a:latin typeface="Cambria Math" panose="02040503050406030204" pitchFamily="18" charset="0"/>
-                                </a:rPr>
+                                <a:rPr lang="en-US" sz="3200" i="1"/>
                                 <m:t>∈</m:t>
                               </m:r>
                               <m:sSub>
                                 <m:sSubPr>
                                   <m:ctrlPr>
-                                    <a:rPr lang="en-US" sz="3200" i="1">
-                                      <a:latin typeface="Cambria Math" panose="02040503050406030204" pitchFamily="18" charset="0"/>
-                                    </a:rPr>
+                                    <a:rPr lang="en-US" sz="3200" i="1"/>
                                   </m:ctrlPr>
                                 </m:sSubPr>
                                 <m:e>
                                   <m:r>
-                                    <a:rPr lang="en-US" sz="3200" i="1">
-                                      <a:latin typeface="Cambria Math" panose="02040503050406030204" pitchFamily="18" charset="0"/>
-                                    </a:rPr>
+                                    <a:rPr lang="en-US" sz="3200" i="1"/>
                                     <m:t>𝒱</m:t>
                                   </m:r>
                                 </m:e>
                                 <m:sub>
                                   <m:r>
-                                    <a:rPr lang="en-US" sz="3200" i="1">
-                                      <a:latin typeface="Cambria Math" panose="02040503050406030204" pitchFamily="18" charset="0"/>
-                                    </a:rPr>
+                                    <a:rPr lang="en-US" sz="3200" i="1"/>
                                     <m:t>𝑘</m:t>
                                   </m:r>
                                 </m:sub>
@@ -12117,62 +12075,46 @@
                               <m:begChr m:val="⟨"/>
                               <m:endChr m:val="⟩"/>
                               <m:ctrlPr>
-                                <a:rPr lang="en-US" sz="3200" i="1">
-                                  <a:latin typeface="Cambria Math" panose="02040503050406030204" pitchFamily="18" charset="0"/>
-                                </a:rPr>
+                                <a:rPr lang="en-US" sz="3200" i="1"/>
                               </m:ctrlPr>
                             </m:dPr>
                             <m:e>
                               <m:f>
                                 <m:fPr>
                                   <m:ctrlPr>
-                                    <a:rPr lang="en-US" sz="3200" i="1">
-                                      <a:latin typeface="Cambria Math" panose="02040503050406030204" pitchFamily="18" charset="0"/>
-                                    </a:rPr>
+                                    <a:rPr lang="en-US" sz="3200" i="1"/>
                                   </m:ctrlPr>
                                 </m:fPr>
                                 <m:num>
                                   <m:r>
-                                    <a:rPr lang="en-US" sz="3200" i="1">
-                                      <a:latin typeface="Cambria Math" panose="02040503050406030204" pitchFamily="18" charset="0"/>
-                                    </a:rPr>
+                                    <a:rPr lang="en-US" sz="3200" i="1"/>
                                     <m:t>𝜕</m:t>
                                   </m:r>
                                   <m:r>
-                                    <a:rPr lang="en-US" sz="3200" i="1">
-                                      <a:latin typeface="Cambria Math" panose="02040503050406030204" pitchFamily="18" charset="0"/>
-                                    </a:rPr>
+                                    <a:rPr lang="en-US" sz="3200" i="1"/>
                                     <m:t>𝐿</m:t>
                                   </m:r>
                                 </m:num>
                                 <m:den>
                                   <m:r>
-                                    <a:rPr lang="en-US" sz="3200" i="1">
-                                      <a:latin typeface="Cambria Math" panose="02040503050406030204" pitchFamily="18" charset="0"/>
-                                    </a:rPr>
+                                    <a:rPr lang="en-US" sz="3200" i="1"/>
                                     <m:t>𝜕</m:t>
                                   </m:r>
                                   <m:sSub>
                                     <m:sSubPr>
                                       <m:ctrlPr>
-                                        <a:rPr lang="en-US" sz="3200" i="1">
-                                          <a:latin typeface="Cambria Math" panose="02040503050406030204" pitchFamily="18" charset="0"/>
-                                        </a:rPr>
+                                        <a:rPr lang="en-US" sz="3200" i="1"/>
                                       </m:ctrlPr>
                                     </m:sSubPr>
                                     <m:e>
                                       <m:r>
-                                        <a:rPr lang="en-US" sz="3200" i="1">
-                                          <a:latin typeface="Cambria Math" panose="02040503050406030204" pitchFamily="18" charset="0"/>
-                                        </a:rPr>
+                                        <a:rPr lang="en-US" sz="3200" i="1"/>
                                         <m:t>𝑉</m:t>
                                       </m:r>
                                     </m:e>
                                     <m:sub>
                                       <m:r>
-                                        <a:rPr lang="en-US" sz="3200" i="1">
-                                          <a:latin typeface="Cambria Math" panose="02040503050406030204" pitchFamily="18" charset="0"/>
-                                        </a:rPr>
+                                        <a:rPr lang="en-US" sz="3200" i="1"/>
                                         <m:t>𝑘</m:t>
                                       </m:r>
                                     </m:sub>
@@ -12180,15 +12122,11 @@
                                 </m:den>
                               </m:f>
                               <m:r>
-                                <a:rPr lang="en-US" sz="3200" i="1">
-                                  <a:latin typeface="Cambria Math" panose="02040503050406030204" pitchFamily="18" charset="0"/>
-                                </a:rPr>
+                                <a:rPr lang="en-US" sz="3200" i="1"/>
                                 <m:t>,</m:t>
                               </m:r>
                               <m:r>
-                                <a:rPr lang="en-US" sz="3200" i="1">
-                                  <a:latin typeface="Cambria Math" panose="02040503050406030204" pitchFamily="18" charset="0"/>
-                                </a:rPr>
+                                <a:rPr lang="en-US" sz="3200" i="1"/>
                                 <m:t>𝑉</m:t>
                               </m:r>
                             </m:e>
@@ -12196,38 +12134,28 @@
                         </m:e>
                       </m:func>
                       <m:r>
-                        <a:rPr lang="en-US" sz="3200" i="1">
-                          <a:latin typeface="Cambria Math" panose="02040503050406030204" pitchFamily="18" charset="0"/>
-                        </a:rPr>
+                        <a:rPr lang="en-US" sz="3200" i="1"/>
                         <m:t>+</m:t>
                       </m:r>
                       <m:f>
                         <m:fPr>
                           <m:ctrlPr>
-                            <a:rPr lang="en-US" sz="3200" i="1">
-                              <a:latin typeface="Cambria Math" panose="02040503050406030204" pitchFamily="18" charset="0"/>
-                            </a:rPr>
+                            <a:rPr lang="en-US" sz="3200" i="1"/>
                           </m:ctrlPr>
                         </m:fPr>
                         <m:num>
                           <m:r>
-                            <a:rPr lang="en-US" sz="3200" i="1">
-                              <a:latin typeface="Cambria Math" panose="02040503050406030204" pitchFamily="18" charset="0"/>
-                            </a:rPr>
+                            <a:rPr lang="en-US" sz="3200" i="1"/>
                             <m:t>1</m:t>
                           </m:r>
                         </m:num>
                         <m:den>
                           <m:r>
-                            <a:rPr lang="en-US" sz="3200" i="1">
-                              <a:latin typeface="Cambria Math" panose="02040503050406030204" pitchFamily="18" charset="0"/>
-                            </a:rPr>
+                            <a:rPr lang="en-US" sz="3200" i="1"/>
                             <m:t>2</m:t>
                           </m:r>
                           <m:r>
-                            <a:rPr lang="en-US" sz="3200" i="1">
-                              <a:latin typeface="Cambria Math" panose="02040503050406030204" pitchFamily="18" charset="0"/>
-                            </a:rPr>
+                            <a:rPr lang="en-US" sz="3200" i="1"/>
                             <m:t>𝜃</m:t>
                           </m:r>
                         </m:den>
@@ -12235,9 +12163,7 @@
                       <m:sSubSup>
                         <m:sSubSupPr>
                           <m:ctrlPr>
-                            <a:rPr lang="en-US" sz="3200" i="1">
-                              <a:latin typeface="Cambria Math" panose="02040503050406030204" pitchFamily="18" charset="0"/>
-                            </a:rPr>
+                            <a:rPr lang="en-US" sz="3200" i="1"/>
                           </m:ctrlPr>
                         </m:sSubSupPr>
                         <m:e>
@@ -12246,45 +12172,33 @@
                               <m:begChr m:val="‖"/>
                               <m:endChr m:val="‖"/>
                               <m:ctrlPr>
-                                <a:rPr lang="en-US" sz="3200" i="1">
-                                  <a:latin typeface="Cambria Math" panose="02040503050406030204" pitchFamily="18" charset="0"/>
-                                </a:rPr>
+                                <a:rPr lang="en-US" sz="3200" i="1"/>
                               </m:ctrlPr>
                             </m:dPr>
                             <m:e>
                               <m:sSub>
                                 <m:sSubPr>
                                   <m:ctrlPr>
-                                    <a:rPr lang="en-US" sz="3200" i="1">
-                                      <a:latin typeface="Cambria Math" panose="02040503050406030204" pitchFamily="18" charset="0"/>
-                                    </a:rPr>
+                                    <a:rPr lang="en-US" sz="3200" i="1"/>
                                   </m:ctrlPr>
                                 </m:sSubPr>
                                 <m:e>
                                   <m:r>
-                                    <a:rPr lang="en-US" sz="3200" i="1">
-                                      <a:latin typeface="Cambria Math" panose="02040503050406030204" pitchFamily="18" charset="0"/>
-                                    </a:rPr>
+                                    <a:rPr lang="en-US" sz="3200" i="1"/>
                                     <m:t>𝑉</m:t>
                                   </m:r>
                                   <m:r>
-                                    <a:rPr lang="en-US" sz="3200" i="1">
-                                      <a:latin typeface="Cambria Math" panose="02040503050406030204" pitchFamily="18" charset="0"/>
-                                    </a:rPr>
+                                    <a:rPr lang="en-US" sz="3200" i="1"/>
                                     <m:t>−</m:t>
                                   </m:r>
                                   <m:r>
-                                    <a:rPr lang="en-US" sz="3200" i="1">
-                                      <a:latin typeface="Cambria Math" panose="02040503050406030204" pitchFamily="18" charset="0"/>
-                                    </a:rPr>
+                                    <a:rPr lang="en-US" sz="3200" i="1"/>
                                     <m:t>𝑉</m:t>
                                   </m:r>
                                 </m:e>
                                 <m:sub>
                                   <m:r>
-                                    <a:rPr lang="en-US" sz="3200" i="1">
-                                      <a:latin typeface="Cambria Math" panose="02040503050406030204" pitchFamily="18" charset="0"/>
-                                    </a:rPr>
+                                    <a:rPr lang="en-US" sz="3200" i="1"/>
                                     <m:t>𝑘</m:t>
                                   </m:r>
                                 </m:sub>
@@ -12294,31 +12208,23 @@
                         </m:e>
                         <m:sub>
                           <m:r>
-                            <a:rPr lang="en-US" sz="3200" i="1">
-                              <a:latin typeface="Cambria Math" panose="02040503050406030204" pitchFamily="18" charset="0"/>
-                            </a:rPr>
+                            <a:rPr lang="en-US" sz="3200" i="1"/>
                             <m:t>𝐹</m:t>
                           </m:r>
                         </m:sub>
                         <m:sup>
                           <m:r>
-                            <a:rPr lang="en-US" sz="3200" i="1">
-                              <a:latin typeface="Cambria Math" panose="02040503050406030204" pitchFamily="18" charset="0"/>
-                            </a:rPr>
+                            <a:rPr lang="en-US" sz="3200" i="1"/>
                             <m:t>2</m:t>
                           </m:r>
                         </m:sup>
                       </m:sSubSup>
                       <m:r>
-                        <a:rPr lang="en-US" sz="3200" i="1">
-                          <a:latin typeface="Cambria Math" panose="02040503050406030204" pitchFamily="18" charset="0"/>
-                        </a:rPr>
+                        <a:rPr lang="en-US" sz="3200" i="1"/>
                         <m:t> +</m:t>
                       </m:r>
                       <m:r>
-                        <a:rPr lang="en-US" sz="3200" i="1">
-                          <a:latin typeface="Cambria Math" panose="02040503050406030204" pitchFamily="18" charset="0"/>
-                        </a:rPr>
+                        <a:rPr lang="en-US" sz="3200" i="1"/>
                         <m:t>𝜆</m:t>
                       </m:r>
                       <m:d>
@@ -12326,33 +12232,23 @@
                           <m:begChr m:val="‖"/>
                           <m:endChr m:val="‖"/>
                           <m:ctrlPr>
-                            <a:rPr lang="en-US" sz="3200" i="1">
-                              <a:latin typeface="Cambria Math" panose="02040503050406030204" pitchFamily="18" charset="0"/>
-                            </a:rPr>
+                            <a:rPr lang="en-US" sz="3200" i="1"/>
                           </m:ctrlPr>
                         </m:dPr>
                         <m:e>
                           <m:r>
-                            <a:rPr lang="en-US" sz="3200" i="1">
-                              <a:latin typeface="Cambria Math" panose="02040503050406030204" pitchFamily="18" charset="0"/>
-                            </a:rPr>
+                            <a:rPr lang="en-US" sz="3200" i="1"/>
                             <m:t>𝑉</m:t>
                           </m:r>
                         </m:e>
                       </m:d>
                       <m:r>
-                        <a:rPr lang="en-US" sz="3200" i="1">
-                          <a:latin typeface="Cambria Math" panose="02040503050406030204" pitchFamily="18" charset="0"/>
-                        </a:rPr>
+                        <a:rPr lang="en-US" sz="3200" i="1"/>
                         <m:t>,</m:t>
                       </m:r>
                     </m:oMath>
                   </m:oMathPara>
                 </a14:m>
-                <a:endParaRPr lang="en-US" sz="3200" dirty="0"/>
-              </a:p>
-              <a:p>
-                <a:pPr algn="l"/>
                 <a:r>
                   <a:rPr lang="en-US" sz="3200" dirty="0" smtClean="0"/>
                   <a:t/>
@@ -12360,6 +12256,14 @@
                 <a:br>
                   <a:rPr lang="en-US" sz="3200" dirty="0" smtClean="0"/>
                 </a:br>
+                <a:endParaRPr lang="en-US" sz="3200" dirty="0" smtClean="0"/>
+              </a:p>
+              <a:p>
+                <a:pPr algn="l"/>
+                <a:endParaRPr lang="en-US" sz="3200" dirty="0" smtClean="0"/>
+              </a:p>
+              <a:p>
+                <a:pPr algn="l"/>
                 <a:r>
                   <a:rPr lang="en-US" sz="3200" dirty="0" smtClean="0"/>
                   <a:t>setting </a:t>
@@ -12512,8 +12416,8 @@
             </p:nvSpPr>
             <p:spPr>
               <a:xfrm>
-                <a:off x="12069455" y="18248930"/>
-                <a:ext cx="8610014" cy="13734901"/>
+                <a:off x="12069455" y="17930217"/>
+                <a:ext cx="8610014" cy="14227343"/>
               </a:xfrm>
               <a:prstGeom prst="rect">
                 <a:avLst/>
@@ -12521,7 +12425,7 @@
               <a:blipFill rotWithShape="0">
                 <a:blip r:embed="rId26"/>
                 <a:stretch>
-                  <a:fillRect l="-1629" t="-488" r="-2479"/>
+                  <a:fillRect l="-1629" t="-428" r="-2479"/>
                 </a:stretch>
               </a:blipFill>
             </p:spPr>
@@ -12550,7 +12454,7 @@
         </p:nvSpPr>
         <p:spPr bwMode="auto">
           <a:xfrm>
-            <a:off x="1512468" y="25995113"/>
+            <a:off x="1512468" y="26481473"/>
             <a:ext cx="2934114" cy="463846"/>
           </a:xfrm>
           <a:prstGeom prst="rect">
@@ -12968,7 +12872,7 @@
         </p:nvSpPr>
         <p:spPr bwMode="auto">
           <a:xfrm>
-            <a:off x="5616924" y="25995113"/>
+            <a:off x="5616924" y="26481473"/>
             <a:ext cx="1292639" cy="463846"/>
           </a:xfrm>
           <a:prstGeom prst="rect">
@@ -13386,7 +13290,7 @@
         </p:nvSpPr>
         <p:spPr bwMode="auto">
           <a:xfrm>
-            <a:off x="8323849" y="26276896"/>
+            <a:off x="8323849" y="26763256"/>
             <a:ext cx="1920240" cy="2310505"/>
           </a:xfrm>
           <a:prstGeom prst="rect">
@@ -13805,8 +13709,8 @@
           </a:prstGeom>
         </p:spPr>
       </p:pic>
-      <mc:AlternateContent xmlns:mc="http://schemas.openxmlformats.org/markup-compatibility/2006">
-        <mc:Choice xmlns:a14="http://schemas.microsoft.com/office/drawing/2010/main" Requires="a14">
+      <mc:AlternateContent xmlns:mc="http://schemas.openxmlformats.org/markup-compatibility/2006" xmlns:a14="http://schemas.microsoft.com/office/drawing/2010/main">
+        <mc:Choice Requires="a14">
           <p:sp>
             <p:nvSpPr>
               <p:cNvPr id="63" name="Text Box 115"/>
@@ -14245,7 +14149,7 @@
             </p:txBody>
           </p:sp>
         </mc:Choice>
-        <mc:Fallback>
+        <mc:Fallback xmlns="">
           <p:sp>
             <p:nvSpPr>
               <p:cNvPr id="63" name="Text Box 115"/>
@@ -14390,126 +14294,6 @@
           </a:extLst>
         </p:spPr>
       </p:pic>
-      <p:sp>
-        <p:nvSpPr>
-          <p:cNvPr id="4" name="Rectangle 3"/>
-          <p:cNvSpPr/>
-          <p:nvPr/>
-        </p:nvSpPr>
-        <p:spPr>
-          <a:xfrm>
-            <a:off x="1085293" y="19779561"/>
-            <a:ext cx="557412" cy="2748716"/>
-          </a:xfrm>
-          <a:prstGeom prst="rect">
-            <a:avLst/>
-          </a:prstGeom>
-        </p:spPr>
-        <p:style>
-          <a:lnRef idx="2">
-            <a:schemeClr val="accent1">
-              <a:shade val="50000"/>
-            </a:schemeClr>
-          </a:lnRef>
-          <a:fillRef idx="1">
-            <a:schemeClr val="accent1"/>
-          </a:fillRef>
-          <a:effectRef idx="0">
-            <a:schemeClr val="accent1"/>
-          </a:effectRef>
-          <a:fontRef idx="minor">
-            <a:schemeClr val="lt1"/>
-          </a:fontRef>
-        </p:style>
-        <p:txBody>
-          <a:bodyPr rtlCol="0" anchor="ctr"/>
-          <a:lstStyle/>
-          <a:p>
-            <a:pPr algn="ctr"/>
-            <a:endParaRPr lang="en-US"/>
-          </a:p>
-        </p:txBody>
-      </p:sp>
-      <p:sp>
-        <p:nvSpPr>
-          <p:cNvPr id="67" name="Rectangle 66"/>
-          <p:cNvSpPr/>
-          <p:nvPr/>
-        </p:nvSpPr>
-        <p:spPr>
-          <a:xfrm>
-            <a:off x="10244088" y="23246397"/>
-            <a:ext cx="557412" cy="2748716"/>
-          </a:xfrm>
-          <a:prstGeom prst="rect">
-            <a:avLst/>
-          </a:prstGeom>
-        </p:spPr>
-        <p:style>
-          <a:lnRef idx="2">
-            <a:schemeClr val="accent1">
-              <a:shade val="50000"/>
-            </a:schemeClr>
-          </a:lnRef>
-          <a:fillRef idx="1">
-            <a:schemeClr val="accent1"/>
-          </a:fillRef>
-          <a:effectRef idx="0">
-            <a:schemeClr val="accent1"/>
-          </a:effectRef>
-          <a:fontRef idx="minor">
-            <a:schemeClr val="lt1"/>
-          </a:fontRef>
-        </p:style>
-        <p:txBody>
-          <a:bodyPr rtlCol="0" anchor="ctr"/>
-          <a:lstStyle/>
-          <a:p>
-            <a:pPr algn="ctr"/>
-            <a:endParaRPr lang="en-US"/>
-          </a:p>
-        </p:txBody>
-      </p:sp>
-      <p:sp>
-        <p:nvSpPr>
-          <p:cNvPr id="71" name="Rectangle 70"/>
-          <p:cNvSpPr/>
-          <p:nvPr/>
-        </p:nvSpPr>
-        <p:spPr>
-          <a:xfrm rot="16200000">
-            <a:off x="5563726" y="17080240"/>
-            <a:ext cx="406840" cy="2748716"/>
-          </a:xfrm>
-          <a:prstGeom prst="rect">
-            <a:avLst/>
-          </a:prstGeom>
-        </p:spPr>
-        <p:style>
-          <a:lnRef idx="2">
-            <a:schemeClr val="accent1">
-              <a:shade val="50000"/>
-            </a:schemeClr>
-          </a:lnRef>
-          <a:fillRef idx="1">
-            <a:schemeClr val="accent1"/>
-          </a:fillRef>
-          <a:effectRef idx="0">
-            <a:schemeClr val="accent1"/>
-          </a:effectRef>
-          <a:fontRef idx="minor">
-            <a:schemeClr val="lt1"/>
-          </a:fontRef>
-        </p:style>
-        <p:txBody>
-          <a:bodyPr rtlCol="0" anchor="ctr"/>
-          <a:lstStyle/>
-          <a:p>
-            <a:pPr algn="ctr"/>
-            <a:endParaRPr lang="en-US"/>
-          </a:p>
-        </p:txBody>
-      </p:sp>
     </p:spTree>
   </p:cSld>
   <p:clrMapOvr>

--- a/COMET_poster.pptx
+++ b/COMET_poster.pptx
@@ -4023,7 +4023,7 @@
         </p:blipFill>
         <p:spPr bwMode="auto">
           <a:xfrm>
-            <a:off x="4663043" y="1190943"/>
+            <a:off x="4752828" y="1190943"/>
             <a:ext cx="4619625" cy="1939925"/>
           </a:xfrm>
           <a:prstGeom prst="rect">
@@ -6361,7 +6361,7 @@
               <a:p>
                 <a:pPr lvl="0" algn="l" rtl="0"/>
                 <a:r>
-                  <a:rPr lang="en-US" sz="3200" smtClean="0">
+                  <a:rPr lang="en-US" sz="3200" dirty="0" smtClean="0">
                     <a:solidFill>
                       <a:prstClr val="black"/>
                     </a:solidFill>
@@ -14214,7 +14214,7 @@
         </p:blipFill>
         <p:spPr bwMode="auto">
           <a:xfrm>
-            <a:off x="23421236" y="15265921"/>
+            <a:off x="23139178" y="15265921"/>
             <a:ext cx="7027803" cy="6882859"/>
           </a:xfrm>
           <a:prstGeom prst="rect">
@@ -14276,7 +14276,7 @@
         </p:blipFill>
         <p:spPr bwMode="auto">
           <a:xfrm>
-            <a:off x="23396926" y="21962665"/>
+            <a:off x="23114868" y="21962665"/>
             <a:ext cx="7050277" cy="7310284"/>
           </a:xfrm>
           <a:prstGeom prst="rect">

--- a/COMET_poster.pptx
+++ b/COMET_poster.pptx
@@ -10744,7 +10744,7 @@
         </p:nvSpPr>
         <p:spPr>
           <a:xfrm>
-            <a:off x="32757276" y="24548002"/>
+            <a:off x="32714256" y="24161668"/>
             <a:ext cx="8849661" cy="786163"/>
           </a:xfrm>
           <a:prstGeom prst="rect">

--- a/COMET_poster.pptx
+++ b/COMET_poster.pptx
@@ -215,7 +215,7 @@
             <a:fld id="{198A3463-10AA-40C1-AF51-9D4D3C36B945}" type="datetimeFigureOut">
               <a:rPr lang="he-IL" smtClean="0"/>
               <a:pPr/>
-              <a:t>י"ח/כסלו/תשע"ו</a:t>
+              <a:t>י"ט/כסלו/תשע"ו</a:t>
             </a:fld>
             <a:endParaRPr lang="he-IL"/>
           </a:p>
@@ -760,7 +760,7 @@
             <a:fld id="{A6DEEEEF-6AFF-4F2F-80C9-19C8578E8C6D}" type="datetimeFigureOut">
               <a:rPr lang="he-IL" smtClean="0"/>
               <a:pPr/>
-              <a:t>י"ח/כסלו/תשע"ו</a:t>
+              <a:t>י"ט/כסלו/תשע"ו</a:t>
             </a:fld>
             <a:endParaRPr lang="he-IL"/>
           </a:p>
@@ -927,7 +927,7 @@
             <a:fld id="{A6DEEEEF-6AFF-4F2F-80C9-19C8578E8C6D}" type="datetimeFigureOut">
               <a:rPr lang="he-IL" smtClean="0"/>
               <a:pPr/>
-              <a:t>י"ח/כסלו/תשע"ו</a:t>
+              <a:t>י"ט/כסלו/תשע"ו</a:t>
             </a:fld>
             <a:endParaRPr lang="he-IL"/>
           </a:p>
@@ -1104,7 +1104,7 @@
             <a:fld id="{A6DEEEEF-6AFF-4F2F-80C9-19C8578E8C6D}" type="datetimeFigureOut">
               <a:rPr lang="he-IL" smtClean="0"/>
               <a:pPr/>
-              <a:t>י"ח/כסלו/תשע"ו</a:t>
+              <a:t>י"ט/כסלו/תשע"ו</a:t>
             </a:fld>
             <a:endParaRPr lang="he-IL"/>
           </a:p>
@@ -1271,7 +1271,7 @@
             <a:fld id="{A6DEEEEF-6AFF-4F2F-80C9-19C8578E8C6D}" type="datetimeFigureOut">
               <a:rPr lang="he-IL" smtClean="0"/>
               <a:pPr/>
-              <a:t>י"ח/כסלו/תשע"ו</a:t>
+              <a:t>י"ט/כסלו/תשע"ו</a:t>
             </a:fld>
             <a:endParaRPr lang="he-IL"/>
           </a:p>
@@ -1514,7 +1514,7 @@
             <a:fld id="{A6DEEEEF-6AFF-4F2F-80C9-19C8578E8C6D}" type="datetimeFigureOut">
               <a:rPr lang="he-IL" smtClean="0"/>
               <a:pPr/>
-              <a:t>י"ח/כסלו/תשע"ו</a:t>
+              <a:t>י"ט/כסלו/תשע"ו</a:t>
             </a:fld>
             <a:endParaRPr lang="he-IL"/>
           </a:p>
@@ -1799,7 +1799,7 @@
             <a:fld id="{A6DEEEEF-6AFF-4F2F-80C9-19C8578E8C6D}" type="datetimeFigureOut">
               <a:rPr lang="he-IL" smtClean="0"/>
               <a:pPr/>
-              <a:t>י"ח/כסלו/תשע"ו</a:t>
+              <a:t>י"ט/כסלו/תשע"ו</a:t>
             </a:fld>
             <a:endParaRPr lang="he-IL"/>
           </a:p>
@@ -2223,7 +2223,7 @@
             <a:fld id="{A6DEEEEF-6AFF-4F2F-80C9-19C8578E8C6D}" type="datetimeFigureOut">
               <a:rPr lang="he-IL" smtClean="0"/>
               <a:pPr/>
-              <a:t>י"ח/כסלו/תשע"ו</a:t>
+              <a:t>י"ט/כסלו/תשע"ו</a:t>
             </a:fld>
             <a:endParaRPr lang="he-IL"/>
           </a:p>
@@ -2338,7 +2338,7 @@
             <a:fld id="{A6DEEEEF-6AFF-4F2F-80C9-19C8578E8C6D}" type="datetimeFigureOut">
               <a:rPr lang="he-IL" smtClean="0"/>
               <a:pPr/>
-              <a:t>י"ח/כסלו/תשע"ו</a:t>
+              <a:t>י"ט/כסלו/תשע"ו</a:t>
             </a:fld>
             <a:endParaRPr lang="he-IL"/>
           </a:p>
@@ -2430,7 +2430,7 @@
             <a:fld id="{A6DEEEEF-6AFF-4F2F-80C9-19C8578E8C6D}" type="datetimeFigureOut">
               <a:rPr lang="he-IL" smtClean="0"/>
               <a:pPr/>
-              <a:t>י"ח/כסלו/תשע"ו</a:t>
+              <a:t>י"ט/כסלו/תשע"ו</a:t>
             </a:fld>
             <a:endParaRPr lang="he-IL"/>
           </a:p>
@@ -2704,7 +2704,7 @@
             <a:fld id="{A6DEEEEF-6AFF-4F2F-80C9-19C8578E8C6D}" type="datetimeFigureOut">
               <a:rPr lang="he-IL" smtClean="0"/>
               <a:pPr/>
-              <a:t>י"ח/כסלו/תשע"ו</a:t>
+              <a:t>י"ט/כסלו/תשע"ו</a:t>
             </a:fld>
             <a:endParaRPr lang="he-IL"/>
           </a:p>
@@ -2954,7 +2954,7 @@
             <a:fld id="{A6DEEEEF-6AFF-4F2F-80C9-19C8578E8C6D}" type="datetimeFigureOut">
               <a:rPr lang="he-IL" smtClean="0"/>
               <a:pPr/>
-              <a:t>י"ח/כסלו/תשע"ו</a:t>
+              <a:t>י"ט/כסלו/תשע"ו</a:t>
             </a:fld>
             <a:endParaRPr lang="he-IL"/>
           </a:p>
@@ -3167,7 +3167,7 @@
             <a:fld id="{A6DEEEEF-6AFF-4F2F-80C9-19C8578E8C6D}" type="datetimeFigureOut">
               <a:rPr lang="he-IL" smtClean="0"/>
               <a:pPr/>
-              <a:t>י"ח/כסלו/תשע"ו</a:t>
+              <a:t>י"ט/כסלו/תשע"ו</a:t>
             </a:fld>
             <a:endParaRPr lang="he-IL"/>
           </a:p>
@@ -3794,7 +3794,7 @@
         </p:nvGrpSpPr>
         <p:grpSpPr>
           <a:xfrm>
-            <a:off x="1085292" y="1224360"/>
+            <a:off x="882691" y="1224360"/>
             <a:ext cx="3307496" cy="4124258"/>
             <a:chOff x="850900" y="1424739"/>
             <a:chExt cx="2975505" cy="2094359"/>
@@ -4000,74 +4000,6 @@
           </a:p>
         </p:txBody>
       </p:sp>
-      <p:pic>
-        <p:nvPicPr>
-          <p:cNvPr id="64" name="Picture 120"/>
-          <p:cNvPicPr>
-            <a:picLocks noChangeAspect="1" noChangeArrowheads="1"/>
-          </p:cNvPicPr>
-          <p:nvPr/>
-        </p:nvPicPr>
-        <p:blipFill>
-          <a:blip r:embed="rId7">
-            <a:extLst>
-              <a:ext uri="{28A0092B-C50C-407E-A947-70E740481C1C}">
-                <a14:useLocalDpi xmlns:a14="http://schemas.microsoft.com/office/drawing/2010/main" val="0"/>
-              </a:ext>
-            </a:extLst>
-          </a:blip>
-          <a:srcRect/>
-          <a:stretch>
-            <a:fillRect/>
-          </a:stretch>
-        </p:blipFill>
-        <p:spPr bwMode="auto">
-          <a:xfrm>
-            <a:off x="4752828" y="1190943"/>
-            <a:ext cx="4619625" cy="1939925"/>
-          </a:xfrm>
-          <a:prstGeom prst="rect">
-            <a:avLst/>
-          </a:prstGeom>
-          <a:noFill/>
-          <a:ln>
-            <a:noFill/>
-          </a:ln>
-          <a:effectLst/>
-          <a:extLst>
-            <a:ext uri="{909E8E84-426E-40DD-AFC4-6F175D3DCCD1}">
-              <a14:hiddenFill xmlns:a14="http://schemas.microsoft.com/office/drawing/2010/main">
-                <a:blipFill dpi="0" rotWithShape="0">
-                  <a:blip/>
-                  <a:srcRect/>
-                  <a:stretch>
-                    <a:fillRect/>
-                  </a:stretch>
-                </a:blipFill>
-              </a14:hiddenFill>
-            </a:ext>
-            <a:ext uri="{91240B29-F687-4F45-9708-019B960494DF}">
-              <a14:hiddenLine xmlns:a14="http://schemas.microsoft.com/office/drawing/2010/main" w="9525">
-                <a:solidFill>
-                  <a:srgbClr val="000000"/>
-                </a:solidFill>
-                <a:round/>
-                <a:headEnd/>
-                <a:tailEnd/>
-              </a14:hiddenLine>
-            </a:ext>
-            <a:ext uri="{AF507438-7753-43E0-B8FC-AC1667EBCBE1}">
-              <a14:hiddenEffects xmlns:a14="http://schemas.microsoft.com/office/drawing/2010/main">
-                <a:effectLst>
-                  <a:outerShdw dist="35921" dir="2700000" algn="ctr" rotWithShape="0">
-                    <a:srgbClr val="808080"/>
-                  </a:outerShdw>
-                </a:effectLst>
-              </a14:hiddenEffects>
-            </a:ext>
-          </a:extLst>
-        </p:spPr>
-      </p:pic>
       <p:sp>
         <p:nvSpPr>
           <p:cNvPr id="32" name="Text Box 115"/>
@@ -4078,8 +4010,8 @@
         </p:nvSpPr>
         <p:spPr bwMode="auto">
           <a:xfrm>
-            <a:off x="22605960" y="29307481"/>
-            <a:ext cx="8657890" cy="2310505"/>
+            <a:off x="28072393" y="15375987"/>
+            <a:ext cx="3191456" cy="7152857"/>
           </a:xfrm>
           <a:prstGeom prst="rect">
             <a:avLst/>
@@ -4454,8 +4386,19 @@
             </a:r>
             <a:r>
               <a:rPr lang="en-US" altLang="en-US" sz="2400" dirty="0" smtClean="0"/>
-              <a:t>cross-validation, comparing: </a:t>
-            </a:r>
+              <a:t>cross-validation, </a:t>
+            </a:r>
+            <a:r>
+              <a:rPr lang="en-US" altLang="en-US" sz="2400" dirty="0" smtClean="0"/>
+              <a:t>comparing with: </a:t>
+            </a:r>
+          </a:p>
+          <a:p>
+            <a:pPr algn="l" rtl="0">
+              <a:spcBef>
+                <a:spcPts val="750"/>
+              </a:spcBef>
+            </a:pPr>
             <a:r>
               <a:rPr lang="en-AU" altLang="en-US" sz="2400" dirty="0" smtClean="0"/>
               <a:t>Euclidean </a:t>
@@ -4469,12 +4412,35 @@
               <a:t>‏</a:t>
             </a:r>
             <a:r>
-              <a:rPr lang="en-US" altLang="en-US" sz="2400" dirty="0"/>
+              <a:rPr lang="en-US" altLang="en-US" sz="2400" dirty="0" smtClean="0"/>
               <a:t>,</a:t>
             </a:r>
+          </a:p>
+          <a:p>
+            <a:pPr algn="l" rtl="0">
+              <a:spcBef>
+                <a:spcPts val="750"/>
+              </a:spcBef>
+            </a:pPr>
             <a:r>
               <a:rPr lang="en-AU" altLang="en-US" sz="2400" dirty="0" smtClean="0"/>
-              <a:t> HDSL: Similarity Learning for High Dimensional Sparse Data  [Liu et al, 2015], LEGO </a:t>
+              <a:t>HDSL</a:t>
+            </a:r>
+            <a:r>
+              <a:rPr lang="en-AU" altLang="en-US" sz="2400" dirty="0" smtClean="0"/>
+              <a:t>: Similarity Learning for High Dimensional Sparse Data  [Liu et al, 2015], </a:t>
+            </a:r>
+            <a:endParaRPr lang="en-AU" altLang="en-US" sz="2400" dirty="0" smtClean="0"/>
+          </a:p>
+          <a:p>
+            <a:pPr algn="l" rtl="0">
+              <a:spcBef>
+                <a:spcPts val="750"/>
+              </a:spcBef>
+            </a:pPr>
+            <a:r>
+              <a:rPr lang="en-AU" altLang="en-US" sz="2400" dirty="0" smtClean="0"/>
+              <a:t>LEGO </a:t>
             </a:r>
             <a:r>
               <a:rPr lang="en-AU" altLang="en-US" sz="2400" dirty="0"/>
@@ -4492,13 +4458,25 @@
               <a:rPr lang="en-AU" altLang="en-US" sz="2400" dirty="0" smtClean="0"/>
               <a:t>Jain et al. 2008], </a:t>
             </a:r>
+            <a:endParaRPr lang="en-AU" altLang="en-US" sz="2400" dirty="0" smtClean="0"/>
+          </a:p>
+          <a:p>
+            <a:pPr algn="l" rtl="0">
+              <a:spcBef>
+                <a:spcPts val="750"/>
+              </a:spcBef>
+            </a:pPr>
             <a:r>
               <a:rPr lang="en-AU" altLang="en-US" sz="2400" dirty="0" err="1" smtClean="0"/>
               <a:t>BoostMetric</a:t>
             </a:r>
             <a:r>
               <a:rPr lang="en-AU" altLang="en-US" sz="2400" dirty="0" smtClean="0"/>
-              <a:t> positive-semidefinite metric learning with boosting [Shen et al. 2009]</a:t>
+              <a:t> </a:t>
+            </a:r>
+            <a:r>
+              <a:rPr lang="en-AU" altLang="en-US" sz="2400" dirty="0" smtClean="0"/>
+              <a:t>positive-semidefinite metric learning with boosting [Shen et al. 2009]</a:t>
             </a:r>
             <a:endParaRPr lang="en-AU" altLang="en-US" sz="2400" dirty="0"/>
           </a:p>
@@ -4513,472 +4491,20 @@
           <p:nvPr/>
         </p:nvPicPr>
         <p:blipFill rotWithShape="1">
-          <a:blip r:embed="rId8"/>
-          <a:srcRect l="50064" r="-1"/>
+          <a:blip r:embed="rId7"/>
+          <a:srcRect l="50064" t="6316" r="-1"/>
           <a:stretch/>
         </p:blipFill>
         <p:spPr>
           <a:xfrm>
-            <a:off x="32925073" y="13758304"/>
-            <a:ext cx="8514069" cy="6780197"/>
+            <a:off x="32725010" y="12229046"/>
+            <a:ext cx="5421807" cy="4044987"/>
           </a:xfrm>
           <a:prstGeom prst="rect">
             <a:avLst/>
           </a:prstGeom>
         </p:spPr>
       </p:pic>
-      <p:sp>
-        <p:nvSpPr>
-          <p:cNvPr id="36" name="Text Box 115"/>
-          <p:cNvSpPr txBox="1">
-            <a:spLocks noChangeArrowheads="1"/>
-          </p:cNvSpPr>
-          <p:nvPr/>
-        </p:nvSpPr>
-        <p:spPr bwMode="auto">
-          <a:xfrm>
-            <a:off x="32839031" y="20713696"/>
-            <a:ext cx="8600112" cy="1941173"/>
-          </a:xfrm>
-          <a:prstGeom prst="rect">
-            <a:avLst/>
-          </a:prstGeom>
-          <a:noFill/>
-          <a:ln>
-            <a:noFill/>
-          </a:ln>
-          <a:effectLst/>
-          <a:extLst/>
-        </p:spPr>
-        <p:txBody>
-          <a:bodyPr wrap="square" lIns="90000" tIns="46800" rIns="90000" bIns="46800">
-            <a:spAutoFit/>
-          </a:bodyPr>
-          <a:lstStyle>
-            <a:lvl1pPr>
-              <a:tabLst>
-                <a:tab pos="0" algn="l"/>
-                <a:tab pos="457200" algn="l"/>
-                <a:tab pos="914400" algn="l"/>
-                <a:tab pos="1371600" algn="l"/>
-                <a:tab pos="1828800" algn="l"/>
-                <a:tab pos="2286000" algn="l"/>
-                <a:tab pos="2743200" algn="l"/>
-                <a:tab pos="3200400" algn="l"/>
-                <a:tab pos="3657600" algn="l"/>
-                <a:tab pos="4114800" algn="l"/>
-                <a:tab pos="4572000" algn="l"/>
-                <a:tab pos="5029200" algn="l"/>
-                <a:tab pos="5486400" algn="l"/>
-                <a:tab pos="5943600" algn="l"/>
-                <a:tab pos="6400800" algn="l"/>
-                <a:tab pos="6858000" algn="l"/>
-                <a:tab pos="7315200" algn="l"/>
-                <a:tab pos="7772400" algn="l"/>
-                <a:tab pos="8229600" algn="l"/>
-                <a:tab pos="8686800" algn="l"/>
-                <a:tab pos="9144000" algn="l"/>
-                <a:tab pos="9410700" algn="l"/>
-              </a:tabLst>
-              <a:defRPr>
-                <a:solidFill>
-                  <a:srgbClr val="000000"/>
-                </a:solidFill>
-                <a:latin typeface="Arial" panose="020B0604020202020204" pitchFamily="34" charset="0"/>
-                <a:cs typeface="Arial" panose="020B0604020202020204" pitchFamily="34" charset="0"/>
-              </a:defRPr>
-            </a:lvl1pPr>
-            <a:lvl2pPr>
-              <a:tabLst>
-                <a:tab pos="0" algn="l"/>
-                <a:tab pos="457200" algn="l"/>
-                <a:tab pos="914400" algn="l"/>
-                <a:tab pos="1371600" algn="l"/>
-                <a:tab pos="1828800" algn="l"/>
-                <a:tab pos="2286000" algn="l"/>
-                <a:tab pos="2743200" algn="l"/>
-                <a:tab pos="3200400" algn="l"/>
-                <a:tab pos="3657600" algn="l"/>
-                <a:tab pos="4114800" algn="l"/>
-                <a:tab pos="4572000" algn="l"/>
-                <a:tab pos="5029200" algn="l"/>
-                <a:tab pos="5486400" algn="l"/>
-                <a:tab pos="5943600" algn="l"/>
-                <a:tab pos="6400800" algn="l"/>
-                <a:tab pos="6858000" algn="l"/>
-                <a:tab pos="7315200" algn="l"/>
-                <a:tab pos="7772400" algn="l"/>
-                <a:tab pos="8229600" algn="l"/>
-                <a:tab pos="8686800" algn="l"/>
-                <a:tab pos="9144000" algn="l"/>
-                <a:tab pos="9410700" algn="l"/>
-              </a:tabLst>
-              <a:defRPr>
-                <a:solidFill>
-                  <a:srgbClr val="000000"/>
-                </a:solidFill>
-                <a:latin typeface="Arial" panose="020B0604020202020204" pitchFamily="34" charset="0"/>
-                <a:cs typeface="Arial" panose="020B0604020202020204" pitchFamily="34" charset="0"/>
-              </a:defRPr>
-            </a:lvl2pPr>
-            <a:lvl3pPr>
-              <a:tabLst>
-                <a:tab pos="0" algn="l"/>
-                <a:tab pos="457200" algn="l"/>
-                <a:tab pos="914400" algn="l"/>
-                <a:tab pos="1371600" algn="l"/>
-                <a:tab pos="1828800" algn="l"/>
-                <a:tab pos="2286000" algn="l"/>
-                <a:tab pos="2743200" algn="l"/>
-                <a:tab pos="3200400" algn="l"/>
-                <a:tab pos="3657600" algn="l"/>
-                <a:tab pos="4114800" algn="l"/>
-                <a:tab pos="4572000" algn="l"/>
-                <a:tab pos="5029200" algn="l"/>
-                <a:tab pos="5486400" algn="l"/>
-                <a:tab pos="5943600" algn="l"/>
-                <a:tab pos="6400800" algn="l"/>
-                <a:tab pos="6858000" algn="l"/>
-                <a:tab pos="7315200" algn="l"/>
-                <a:tab pos="7772400" algn="l"/>
-                <a:tab pos="8229600" algn="l"/>
-                <a:tab pos="8686800" algn="l"/>
-                <a:tab pos="9144000" algn="l"/>
-                <a:tab pos="9410700" algn="l"/>
-              </a:tabLst>
-              <a:defRPr>
-                <a:solidFill>
-                  <a:srgbClr val="000000"/>
-                </a:solidFill>
-                <a:latin typeface="Arial" panose="020B0604020202020204" pitchFamily="34" charset="0"/>
-                <a:cs typeface="Arial" panose="020B0604020202020204" pitchFamily="34" charset="0"/>
-              </a:defRPr>
-            </a:lvl3pPr>
-            <a:lvl4pPr>
-              <a:tabLst>
-                <a:tab pos="0" algn="l"/>
-                <a:tab pos="457200" algn="l"/>
-                <a:tab pos="914400" algn="l"/>
-                <a:tab pos="1371600" algn="l"/>
-                <a:tab pos="1828800" algn="l"/>
-                <a:tab pos="2286000" algn="l"/>
-                <a:tab pos="2743200" algn="l"/>
-                <a:tab pos="3200400" algn="l"/>
-                <a:tab pos="3657600" algn="l"/>
-                <a:tab pos="4114800" algn="l"/>
-                <a:tab pos="4572000" algn="l"/>
-                <a:tab pos="5029200" algn="l"/>
-                <a:tab pos="5486400" algn="l"/>
-                <a:tab pos="5943600" algn="l"/>
-                <a:tab pos="6400800" algn="l"/>
-                <a:tab pos="6858000" algn="l"/>
-                <a:tab pos="7315200" algn="l"/>
-                <a:tab pos="7772400" algn="l"/>
-                <a:tab pos="8229600" algn="l"/>
-                <a:tab pos="8686800" algn="l"/>
-                <a:tab pos="9144000" algn="l"/>
-                <a:tab pos="9410700" algn="l"/>
-              </a:tabLst>
-              <a:defRPr>
-                <a:solidFill>
-                  <a:srgbClr val="000000"/>
-                </a:solidFill>
-                <a:latin typeface="Arial" panose="020B0604020202020204" pitchFamily="34" charset="0"/>
-                <a:cs typeface="Arial" panose="020B0604020202020204" pitchFamily="34" charset="0"/>
-              </a:defRPr>
-            </a:lvl4pPr>
-            <a:lvl5pPr>
-              <a:tabLst>
-                <a:tab pos="0" algn="l"/>
-                <a:tab pos="457200" algn="l"/>
-                <a:tab pos="914400" algn="l"/>
-                <a:tab pos="1371600" algn="l"/>
-                <a:tab pos="1828800" algn="l"/>
-                <a:tab pos="2286000" algn="l"/>
-                <a:tab pos="2743200" algn="l"/>
-                <a:tab pos="3200400" algn="l"/>
-                <a:tab pos="3657600" algn="l"/>
-                <a:tab pos="4114800" algn="l"/>
-                <a:tab pos="4572000" algn="l"/>
-                <a:tab pos="5029200" algn="l"/>
-                <a:tab pos="5486400" algn="l"/>
-                <a:tab pos="5943600" algn="l"/>
-                <a:tab pos="6400800" algn="l"/>
-                <a:tab pos="6858000" algn="l"/>
-                <a:tab pos="7315200" algn="l"/>
-                <a:tab pos="7772400" algn="l"/>
-                <a:tab pos="8229600" algn="l"/>
-                <a:tab pos="8686800" algn="l"/>
-                <a:tab pos="9144000" algn="l"/>
-                <a:tab pos="9410700" algn="l"/>
-              </a:tabLst>
-              <a:defRPr>
-                <a:solidFill>
-                  <a:srgbClr val="000000"/>
-                </a:solidFill>
-                <a:latin typeface="Arial" panose="020B0604020202020204" pitchFamily="34" charset="0"/>
-                <a:cs typeface="Arial" panose="020B0604020202020204" pitchFamily="34" charset="0"/>
-              </a:defRPr>
-            </a:lvl5pPr>
-            <a:lvl6pPr defTabSz="457200" fontAlgn="base">
-              <a:spcBef>
-                <a:spcPct val="0"/>
-              </a:spcBef>
-              <a:spcAft>
-                <a:spcPct val="0"/>
-              </a:spcAft>
-              <a:buClr>
-                <a:srgbClr val="000000"/>
-              </a:buClr>
-              <a:buSzPct val="100000"/>
-              <a:buFont typeface="Arial" panose="020B0604020202020204" pitchFamily="34" charset="0"/>
-              <a:tabLst>
-                <a:tab pos="0" algn="l"/>
-                <a:tab pos="457200" algn="l"/>
-                <a:tab pos="914400" algn="l"/>
-                <a:tab pos="1371600" algn="l"/>
-                <a:tab pos="1828800" algn="l"/>
-                <a:tab pos="2286000" algn="l"/>
-                <a:tab pos="2743200" algn="l"/>
-                <a:tab pos="3200400" algn="l"/>
-                <a:tab pos="3657600" algn="l"/>
-                <a:tab pos="4114800" algn="l"/>
-                <a:tab pos="4572000" algn="l"/>
-                <a:tab pos="5029200" algn="l"/>
-                <a:tab pos="5486400" algn="l"/>
-                <a:tab pos="5943600" algn="l"/>
-                <a:tab pos="6400800" algn="l"/>
-                <a:tab pos="6858000" algn="l"/>
-                <a:tab pos="7315200" algn="l"/>
-                <a:tab pos="7772400" algn="l"/>
-                <a:tab pos="8229600" algn="l"/>
-                <a:tab pos="8686800" algn="l"/>
-                <a:tab pos="9144000" algn="l"/>
-                <a:tab pos="9410700" algn="l"/>
-              </a:tabLst>
-              <a:defRPr>
-                <a:solidFill>
-                  <a:srgbClr val="000000"/>
-                </a:solidFill>
-                <a:latin typeface="Arial" panose="020B0604020202020204" pitchFamily="34" charset="0"/>
-                <a:cs typeface="Arial" panose="020B0604020202020204" pitchFamily="34" charset="0"/>
-              </a:defRPr>
-            </a:lvl6pPr>
-            <a:lvl7pPr defTabSz="457200" fontAlgn="base">
-              <a:spcBef>
-                <a:spcPct val="0"/>
-              </a:spcBef>
-              <a:spcAft>
-                <a:spcPct val="0"/>
-              </a:spcAft>
-              <a:buClr>
-                <a:srgbClr val="000000"/>
-              </a:buClr>
-              <a:buSzPct val="100000"/>
-              <a:buFont typeface="Arial" panose="020B0604020202020204" pitchFamily="34" charset="0"/>
-              <a:tabLst>
-                <a:tab pos="0" algn="l"/>
-                <a:tab pos="457200" algn="l"/>
-                <a:tab pos="914400" algn="l"/>
-                <a:tab pos="1371600" algn="l"/>
-                <a:tab pos="1828800" algn="l"/>
-                <a:tab pos="2286000" algn="l"/>
-                <a:tab pos="2743200" algn="l"/>
-                <a:tab pos="3200400" algn="l"/>
-                <a:tab pos="3657600" algn="l"/>
-                <a:tab pos="4114800" algn="l"/>
-                <a:tab pos="4572000" algn="l"/>
-                <a:tab pos="5029200" algn="l"/>
-                <a:tab pos="5486400" algn="l"/>
-                <a:tab pos="5943600" algn="l"/>
-                <a:tab pos="6400800" algn="l"/>
-                <a:tab pos="6858000" algn="l"/>
-                <a:tab pos="7315200" algn="l"/>
-                <a:tab pos="7772400" algn="l"/>
-                <a:tab pos="8229600" algn="l"/>
-                <a:tab pos="8686800" algn="l"/>
-                <a:tab pos="9144000" algn="l"/>
-                <a:tab pos="9410700" algn="l"/>
-              </a:tabLst>
-              <a:defRPr>
-                <a:solidFill>
-                  <a:srgbClr val="000000"/>
-                </a:solidFill>
-                <a:latin typeface="Arial" panose="020B0604020202020204" pitchFamily="34" charset="0"/>
-                <a:cs typeface="Arial" panose="020B0604020202020204" pitchFamily="34" charset="0"/>
-              </a:defRPr>
-            </a:lvl7pPr>
-            <a:lvl8pPr defTabSz="457200" fontAlgn="base">
-              <a:spcBef>
-                <a:spcPct val="0"/>
-              </a:spcBef>
-              <a:spcAft>
-                <a:spcPct val="0"/>
-              </a:spcAft>
-              <a:buClr>
-                <a:srgbClr val="000000"/>
-              </a:buClr>
-              <a:buSzPct val="100000"/>
-              <a:buFont typeface="Arial" panose="020B0604020202020204" pitchFamily="34" charset="0"/>
-              <a:tabLst>
-                <a:tab pos="0" algn="l"/>
-                <a:tab pos="457200" algn="l"/>
-                <a:tab pos="914400" algn="l"/>
-                <a:tab pos="1371600" algn="l"/>
-                <a:tab pos="1828800" algn="l"/>
-                <a:tab pos="2286000" algn="l"/>
-                <a:tab pos="2743200" algn="l"/>
-                <a:tab pos="3200400" algn="l"/>
-                <a:tab pos="3657600" algn="l"/>
-                <a:tab pos="4114800" algn="l"/>
-                <a:tab pos="4572000" algn="l"/>
-                <a:tab pos="5029200" algn="l"/>
-                <a:tab pos="5486400" algn="l"/>
-                <a:tab pos="5943600" algn="l"/>
-                <a:tab pos="6400800" algn="l"/>
-                <a:tab pos="6858000" algn="l"/>
-                <a:tab pos="7315200" algn="l"/>
-                <a:tab pos="7772400" algn="l"/>
-                <a:tab pos="8229600" algn="l"/>
-                <a:tab pos="8686800" algn="l"/>
-                <a:tab pos="9144000" algn="l"/>
-                <a:tab pos="9410700" algn="l"/>
-              </a:tabLst>
-              <a:defRPr>
-                <a:solidFill>
-                  <a:srgbClr val="000000"/>
-                </a:solidFill>
-                <a:latin typeface="Arial" panose="020B0604020202020204" pitchFamily="34" charset="0"/>
-                <a:cs typeface="Arial" panose="020B0604020202020204" pitchFamily="34" charset="0"/>
-              </a:defRPr>
-            </a:lvl8pPr>
-            <a:lvl9pPr defTabSz="457200" fontAlgn="base">
-              <a:spcBef>
-                <a:spcPct val="0"/>
-              </a:spcBef>
-              <a:spcAft>
-                <a:spcPct val="0"/>
-              </a:spcAft>
-              <a:buClr>
-                <a:srgbClr val="000000"/>
-              </a:buClr>
-              <a:buSzPct val="100000"/>
-              <a:buFont typeface="Arial" panose="020B0604020202020204" pitchFamily="34" charset="0"/>
-              <a:tabLst>
-                <a:tab pos="0" algn="l"/>
-                <a:tab pos="457200" algn="l"/>
-                <a:tab pos="914400" algn="l"/>
-                <a:tab pos="1371600" algn="l"/>
-                <a:tab pos="1828800" algn="l"/>
-                <a:tab pos="2286000" algn="l"/>
-                <a:tab pos="2743200" algn="l"/>
-                <a:tab pos="3200400" algn="l"/>
-                <a:tab pos="3657600" algn="l"/>
-                <a:tab pos="4114800" algn="l"/>
-                <a:tab pos="4572000" algn="l"/>
-                <a:tab pos="5029200" algn="l"/>
-                <a:tab pos="5486400" algn="l"/>
-                <a:tab pos="5943600" algn="l"/>
-                <a:tab pos="6400800" algn="l"/>
-                <a:tab pos="6858000" algn="l"/>
-                <a:tab pos="7315200" algn="l"/>
-                <a:tab pos="7772400" algn="l"/>
-                <a:tab pos="8229600" algn="l"/>
-                <a:tab pos="8686800" algn="l"/>
-                <a:tab pos="9144000" algn="l"/>
-                <a:tab pos="9410700" algn="l"/>
-              </a:tabLst>
-              <a:defRPr>
-                <a:solidFill>
-                  <a:srgbClr val="000000"/>
-                </a:solidFill>
-                <a:latin typeface="Arial" panose="020B0604020202020204" pitchFamily="34" charset="0"/>
-                <a:cs typeface="Arial" panose="020B0604020202020204" pitchFamily="34" charset="0"/>
-              </a:defRPr>
-            </a:lvl9pPr>
-          </a:lstStyle>
-          <a:p>
-            <a:pPr algn="l" rtl="0">
-              <a:spcBef>
-                <a:spcPts val="750"/>
-              </a:spcBef>
-            </a:pPr>
-            <a:r>
-              <a:rPr lang="en-US" altLang="en-US" sz="2400" dirty="0"/>
-              <a:t>RCV1 dataset with 5K features</a:t>
-            </a:r>
-            <a:r>
-              <a:rPr lang="en-US" altLang="en-US" sz="2400" dirty="0" smtClean="0"/>
-              <a:t>.</a:t>
-            </a:r>
-            <a:r>
-              <a:rPr lang="en-US" altLang="en-US" sz="2400" b="1" dirty="0" smtClean="0"/>
-              <a:t>(a)</a:t>
-            </a:r>
-            <a:r>
-              <a:rPr lang="en-US" altLang="en-US" sz="2400" dirty="0" smtClean="0"/>
-              <a:t> Precision </a:t>
-            </a:r>
-            <a:r>
-              <a:rPr lang="en-US" altLang="en-US" sz="2400" dirty="0"/>
-              <a:t>at 1, 3 and 5 nearest neighbor evaluated on the test set </a:t>
-            </a:r>
-            <a:r>
-              <a:rPr lang="en-US" altLang="en-US" sz="2400" i="1" dirty="0" smtClean="0"/>
-              <a:t>vs. </a:t>
-            </a:r>
-            <a:r>
-              <a:rPr lang="en-US" altLang="en-US" sz="2400" dirty="0" smtClean="0"/>
-              <a:t>the </a:t>
-            </a:r>
-            <a:r>
-              <a:rPr lang="en-US" altLang="en-US" sz="2400" dirty="0"/>
-              <a:t>mean training run time of COMET. </a:t>
-            </a:r>
-            <a:r>
-              <a:rPr lang="en-US" altLang="en-US" sz="2400" dirty="0" smtClean="0"/>
-              <a:t>Dashed </a:t>
-            </a:r>
-            <a:r>
-              <a:rPr lang="en-US" altLang="en-US" sz="2400" dirty="0"/>
-              <a:t>line denotes the </a:t>
-            </a:r>
-            <a:r>
-              <a:rPr lang="en-US" altLang="en-US" sz="2400" i="1" dirty="0" smtClean="0"/>
-              <a:t>precision-at-1</a:t>
-            </a:r>
-            <a:r>
-              <a:rPr lang="en-US" altLang="en-US" sz="2400" dirty="0" smtClean="0"/>
-              <a:t> </a:t>
-            </a:r>
-            <a:r>
-              <a:rPr lang="en-US" altLang="en-US" sz="2400" dirty="0"/>
-              <a:t>of the Euclidean baseline. </a:t>
-            </a:r>
-            <a:r>
-              <a:rPr lang="en-US" altLang="en-US" sz="2400" b="1" dirty="0" smtClean="0"/>
-              <a:t>(</a:t>
-            </a:r>
-            <a:r>
-              <a:rPr lang="en-US" altLang="en-US" sz="2400" b="1" dirty="0"/>
-              <a:t>b</a:t>
-            </a:r>
-            <a:r>
-              <a:rPr lang="en-US" altLang="en-US" sz="2400" b="1" dirty="0" smtClean="0"/>
-              <a:t>)</a:t>
-            </a:r>
-            <a:r>
-              <a:rPr lang="en-US" altLang="en-US" sz="2400" dirty="0" smtClean="0"/>
-              <a:t> </a:t>
-            </a:r>
-            <a:r>
-              <a:rPr lang="en-US" altLang="en-US" sz="2400" dirty="0"/>
-              <a:t>Mean training time as a function of the learned matrix density. </a:t>
-            </a:r>
-            <a:endParaRPr lang="en-AU" altLang="en-US" sz="2400" i="1" dirty="0"/>
-          </a:p>
-        </p:txBody>
-      </p:sp>
       <p:pic>
         <p:nvPicPr>
           <p:cNvPr id="1026" name="Picture 2" descr="http://chechiklab.biu.ac.il/~yuvval/figs/comet/V_features_vs_infogain.png"/>
@@ -4988,7 +4514,7 @@
           <p:nvPr/>
         </p:nvPicPr>
         <p:blipFill rotWithShape="1">
-          <a:blip r:embed="rId9">
+          <a:blip r:embed="rId8">
             <a:extLst>
               <a:ext uri="{28A0092B-C50C-407E-A947-70E740481C1C}">
                 <a14:useLocalDpi xmlns:a14="http://schemas.microsoft.com/office/drawing/2010/main" val="0"/>
@@ -5556,8 +5082,8 @@
           </p:sp>
         </mc:Fallback>
       </mc:AlternateContent>
-      <mc:AlternateContent xmlns:mc="http://schemas.openxmlformats.org/markup-compatibility/2006">
-        <mc:Choice xmlns:a14="http://schemas.microsoft.com/office/drawing/2010/main" Requires="a14">
+      <mc:AlternateContent xmlns:mc="http://schemas.openxmlformats.org/markup-compatibility/2006" xmlns:a14="http://schemas.microsoft.com/office/drawing/2010/main">
+        <mc:Choice Requires="a14">
           <p:sp>
             <p:nvSpPr>
               <p:cNvPr id="129" name="Rounded Rectangle 128"/>
@@ -7017,7 +6543,7 @@
             </p:txBody>
           </p:sp>
         </mc:Choice>
-        <mc:Fallback>
+        <mc:Fallback xmlns="">
           <p:sp>
             <p:nvSpPr>
               <p:cNvPr id="129" name="Rounded Rectangle 128"/>
@@ -7061,8 +6587,8 @@
           </p:sp>
         </mc:Fallback>
       </mc:AlternateContent>
-      <mc:AlternateContent xmlns:mc="http://schemas.openxmlformats.org/markup-compatibility/2006">
-        <mc:Choice xmlns:a14="http://schemas.microsoft.com/office/drawing/2010/main" Requires="a14">
+      <mc:AlternateContent xmlns:mc="http://schemas.openxmlformats.org/markup-compatibility/2006" xmlns:a14="http://schemas.microsoft.com/office/drawing/2010/main">
+        <mc:Choice Requires="a14">
           <p:sp>
             <p:nvSpPr>
               <p:cNvPr id="52" name="Text Box 101"/>
@@ -7528,7 +7054,7 @@
             </p:txBody>
           </p:sp>
         </mc:Choice>
-        <mc:Fallback>
+        <mc:Fallback xmlns="">
           <p:sp>
             <p:nvSpPr>
               <p:cNvPr id="52" name="Text Box 101"/>
@@ -7599,8 +7125,8 @@
           </p:sp>
         </mc:Fallback>
       </mc:AlternateContent>
-      <mc:AlternateContent xmlns:mc="http://schemas.openxmlformats.org/markup-compatibility/2006">
-        <mc:Choice xmlns:a14="http://schemas.microsoft.com/office/drawing/2010/main" Requires="a14">
+      <mc:AlternateContent xmlns:mc="http://schemas.openxmlformats.org/markup-compatibility/2006" xmlns:a14="http://schemas.microsoft.com/office/drawing/2010/main">
+        <mc:Choice Requires="a14">
           <p:sp>
             <p:nvSpPr>
               <p:cNvPr id="53" name="Text Box 102"/>
@@ -8087,7 +7613,7 @@
             </p:txBody>
           </p:sp>
         </mc:Choice>
-        <mc:Fallback>
+        <mc:Fallback xmlns="">
           <p:sp>
             <p:nvSpPr>
               <p:cNvPr id="53" name="Text Box 102"/>
@@ -8158,8 +7684,8 @@
           </p:sp>
         </mc:Fallback>
       </mc:AlternateContent>
-      <mc:AlternateContent xmlns:mc="http://schemas.openxmlformats.org/markup-compatibility/2006">
-        <mc:Choice xmlns:a14="http://schemas.microsoft.com/office/drawing/2010/main" Requires="a14">
+      <mc:AlternateContent xmlns:mc="http://schemas.openxmlformats.org/markup-compatibility/2006" xmlns:a14="http://schemas.microsoft.com/office/drawing/2010/main">
+        <mc:Choice Requires="a14">
           <p:sp>
             <p:nvSpPr>
               <p:cNvPr id="54" name="Text Box 103"/>
@@ -8646,7 +8172,7 @@
             </p:txBody>
           </p:sp>
         </mc:Choice>
-        <mc:Fallback>
+        <mc:Fallback xmlns="">
           <p:sp>
             <p:nvSpPr>
               <p:cNvPr id="54" name="Text Box 103"/>
@@ -8956,8 +8482,8 @@
           </a:p>
         </p:txBody>
       </p:sp>
-      <mc:AlternateContent xmlns:mc="http://schemas.openxmlformats.org/markup-compatibility/2006">
-        <mc:Choice xmlns:a14="http://schemas.microsoft.com/office/drawing/2010/main" Requires="a14">
+      <mc:AlternateContent xmlns:mc="http://schemas.openxmlformats.org/markup-compatibility/2006" xmlns:a14="http://schemas.microsoft.com/office/drawing/2010/main">
+        <mc:Choice Requires="a14">
           <p:sp>
             <p:nvSpPr>
               <p:cNvPr id="76" name="Rectangle 75"/>
@@ -9741,7 +9267,7 @@
             </p:txBody>
           </p:sp>
         </mc:Choice>
-        <mc:Fallback>
+        <mc:Fallback xmlns="">
           <p:sp>
             <p:nvSpPr>
               <p:cNvPr id="76" name="Rectangle 75"/>
@@ -10789,7 +10315,7 @@
         </p:blipFill>
         <p:spPr bwMode="auto">
           <a:xfrm>
-            <a:off x="39388676" y="910858"/>
+            <a:off x="4243981" y="1224360"/>
             <a:ext cx="3018839" cy="3018840"/>
           </a:xfrm>
           <a:prstGeom prst="rect">
@@ -10831,8 +10357,8 @@
           </a:prstGeom>
         </p:spPr>
       </p:pic>
-      <mc:AlternateContent xmlns:mc="http://schemas.openxmlformats.org/markup-compatibility/2006">
-        <mc:Choice xmlns:a14="http://schemas.microsoft.com/office/drawing/2010/main" Requires="a14">
+      <mc:AlternateContent xmlns:mc="http://schemas.openxmlformats.org/markup-compatibility/2006" xmlns:a14="http://schemas.microsoft.com/office/drawing/2010/main">
+        <mc:Choice Requires="a14">
           <p:sp>
             <p:nvSpPr>
               <p:cNvPr id="75" name="Rectangle 74"/>
@@ -11968,11 +11494,7 @@
                 </a:r>
                 <a:r>
                   <a:rPr lang="en-US" sz="3200" dirty="0" smtClean="0"/>
-                  <a:t>solution</a:t>
-                </a:r>
-                <a:r>
-                  <a:rPr lang="en-US" sz="3200" dirty="0" smtClean="0"/>
-                  <a:t>.</a:t>
+                  <a:t>solution.</a:t>
                 </a:r>
               </a:p>
               <a:p>
@@ -11990,43 +11512,57 @@
                       <m:sSubSup>
                         <m:sSubSupPr>
                           <m:ctrlPr>
-                            <a:rPr lang="en-US" sz="3200" i="1"/>
+                            <a:rPr lang="en-US" sz="3200" i="1">
+                              <a:latin typeface="Cambria Math" panose="02040503050406030204" pitchFamily="18" charset="0"/>
+                            </a:rPr>
                           </m:ctrlPr>
                         </m:sSubSupPr>
                         <m:e>
                           <m:r>
-                            <a:rPr lang="en-US" sz="3200" i="1"/>
+                            <a:rPr lang="en-US" sz="3200" i="1">
+                              <a:latin typeface="Cambria Math" panose="02040503050406030204" pitchFamily="18" charset="0"/>
+                            </a:rPr>
                             <m:t>𝑉</m:t>
                           </m:r>
                         </m:e>
                         <m:sub>
                           <m:r>
-                            <a:rPr lang="en-US" sz="3200" i="1"/>
+                            <a:rPr lang="en-US" sz="3200" i="1">
+                              <a:latin typeface="Cambria Math" panose="02040503050406030204" pitchFamily="18" charset="0"/>
+                            </a:rPr>
                             <m:t>𝑘</m:t>
                           </m:r>
                         </m:sub>
                         <m:sup>
                           <m:r>
-                            <a:rPr lang="en-US" sz="3200" i="1"/>
+                            <a:rPr lang="en-US" sz="3200" i="1">
+                              <a:latin typeface="Cambria Math" panose="02040503050406030204" pitchFamily="18" charset="0"/>
+                            </a:rPr>
                             <m:t>𝑛𝑒𝑤</m:t>
                           </m:r>
                         </m:sup>
                       </m:sSubSup>
                       <m:r>
-                        <a:rPr lang="en-US" sz="3200" i="1"/>
+                        <a:rPr lang="en-US" sz="3200" i="1">
+                          <a:latin typeface="Cambria Math" panose="02040503050406030204" pitchFamily="18" charset="0"/>
+                        </a:rPr>
                         <m:t>=</m:t>
                       </m:r>
                       <m:func>
                         <m:funcPr>
                           <m:ctrlPr>
-                            <a:rPr lang="en-US" sz="3200" i="1"/>
+                            <a:rPr lang="en-US" sz="3200" i="1">
+                              <a:latin typeface="Cambria Math" panose="02040503050406030204" pitchFamily="18" charset="0"/>
+                            </a:rPr>
                           </m:ctrlPr>
                         </m:funcPr>
                         <m:fName>
                           <m:limLow>
                             <m:limLowPr>
                               <m:ctrlPr>
-                                <a:rPr lang="en-US" sz="3200" i="1"/>
+                                <a:rPr lang="en-US" sz="3200" i="1">
+                                  <a:latin typeface="Cambria Math" panose="02040503050406030204" pitchFamily="18" charset="0"/>
+                                </a:rPr>
                               </m:ctrlPr>
                             </m:limLowPr>
                             <m:e>
@@ -12034,34 +11570,46 @@
                                 <m:rPr>
                                   <m:sty m:val="p"/>
                                 </m:rPr>
-                                <a:rPr lang="en-US" sz="3200"/>
+                                <a:rPr lang="en-US" sz="3200">
+                                  <a:latin typeface="Cambria Math" panose="02040503050406030204" pitchFamily="18" charset="0"/>
+                                </a:rPr>
                                 <m:t>argmin</m:t>
                               </m:r>
                             </m:e>
                             <m:lim>
                               <m:r>
-                                <a:rPr lang="en-US" sz="3200" i="1"/>
+                                <a:rPr lang="en-US" sz="3200" i="1">
+                                  <a:latin typeface="Cambria Math" panose="02040503050406030204" pitchFamily="18" charset="0"/>
+                                </a:rPr>
                                 <m:t>𝑉</m:t>
                               </m:r>
                               <m:r>
-                                <a:rPr lang="en-US" sz="3200" i="1"/>
+                                <a:rPr lang="en-US" sz="3200" i="1">
+                                  <a:latin typeface="Cambria Math" panose="02040503050406030204" pitchFamily="18" charset="0"/>
+                                </a:rPr>
                                 <m:t>∈</m:t>
                               </m:r>
                               <m:sSub>
                                 <m:sSubPr>
                                   <m:ctrlPr>
-                                    <a:rPr lang="en-US" sz="3200" i="1"/>
+                                    <a:rPr lang="en-US" sz="3200" i="1">
+                                      <a:latin typeface="Cambria Math" panose="02040503050406030204" pitchFamily="18" charset="0"/>
+                                    </a:rPr>
                                   </m:ctrlPr>
                                 </m:sSubPr>
                                 <m:e>
                                   <m:r>
-                                    <a:rPr lang="en-US" sz="3200" i="1"/>
+                                    <a:rPr lang="en-US" sz="3200" i="1">
+                                      <a:latin typeface="Cambria Math" panose="02040503050406030204" pitchFamily="18" charset="0"/>
+                                    </a:rPr>
                                     <m:t>𝒱</m:t>
                                   </m:r>
                                 </m:e>
                                 <m:sub>
                                   <m:r>
-                                    <a:rPr lang="en-US" sz="3200" i="1"/>
+                                    <a:rPr lang="en-US" sz="3200" i="1">
+                                      <a:latin typeface="Cambria Math" panose="02040503050406030204" pitchFamily="18" charset="0"/>
+                                    </a:rPr>
                                     <m:t>𝑘</m:t>
                                   </m:r>
                                 </m:sub>
@@ -12075,46 +11623,62 @@
                               <m:begChr m:val="⟨"/>
                               <m:endChr m:val="⟩"/>
                               <m:ctrlPr>
-                                <a:rPr lang="en-US" sz="3200" i="1"/>
+                                <a:rPr lang="en-US" sz="3200" i="1">
+                                  <a:latin typeface="Cambria Math" panose="02040503050406030204" pitchFamily="18" charset="0"/>
+                                </a:rPr>
                               </m:ctrlPr>
                             </m:dPr>
                             <m:e>
                               <m:f>
                                 <m:fPr>
                                   <m:ctrlPr>
-                                    <a:rPr lang="en-US" sz="3200" i="1"/>
+                                    <a:rPr lang="en-US" sz="3200" i="1">
+                                      <a:latin typeface="Cambria Math" panose="02040503050406030204" pitchFamily="18" charset="0"/>
+                                    </a:rPr>
                                   </m:ctrlPr>
                                 </m:fPr>
                                 <m:num>
                                   <m:r>
-                                    <a:rPr lang="en-US" sz="3200" i="1"/>
+                                    <a:rPr lang="en-US" sz="3200" i="1">
+                                      <a:latin typeface="Cambria Math" panose="02040503050406030204" pitchFamily="18" charset="0"/>
+                                    </a:rPr>
                                     <m:t>𝜕</m:t>
                                   </m:r>
                                   <m:r>
-                                    <a:rPr lang="en-US" sz="3200" i="1"/>
+                                    <a:rPr lang="en-US" sz="3200" i="1">
+                                      <a:latin typeface="Cambria Math" panose="02040503050406030204" pitchFamily="18" charset="0"/>
+                                    </a:rPr>
                                     <m:t>𝐿</m:t>
                                   </m:r>
                                 </m:num>
                                 <m:den>
                                   <m:r>
-                                    <a:rPr lang="en-US" sz="3200" i="1"/>
+                                    <a:rPr lang="en-US" sz="3200" i="1">
+                                      <a:latin typeface="Cambria Math" panose="02040503050406030204" pitchFamily="18" charset="0"/>
+                                    </a:rPr>
                                     <m:t>𝜕</m:t>
                                   </m:r>
                                   <m:sSub>
                                     <m:sSubPr>
                                       <m:ctrlPr>
-                                        <a:rPr lang="en-US" sz="3200" i="1"/>
+                                        <a:rPr lang="en-US" sz="3200" i="1">
+                                          <a:latin typeface="Cambria Math" panose="02040503050406030204" pitchFamily="18" charset="0"/>
+                                        </a:rPr>
                                       </m:ctrlPr>
                                     </m:sSubPr>
                                     <m:e>
                                       <m:r>
-                                        <a:rPr lang="en-US" sz="3200" i="1"/>
+                                        <a:rPr lang="en-US" sz="3200" i="1">
+                                          <a:latin typeface="Cambria Math" panose="02040503050406030204" pitchFamily="18" charset="0"/>
+                                        </a:rPr>
                                         <m:t>𝑉</m:t>
                                       </m:r>
                                     </m:e>
                                     <m:sub>
                                       <m:r>
-                                        <a:rPr lang="en-US" sz="3200" i="1"/>
+                                        <a:rPr lang="en-US" sz="3200" i="1">
+                                          <a:latin typeface="Cambria Math" panose="02040503050406030204" pitchFamily="18" charset="0"/>
+                                        </a:rPr>
                                         <m:t>𝑘</m:t>
                                       </m:r>
                                     </m:sub>
@@ -12122,11 +11686,15 @@
                                 </m:den>
                               </m:f>
                               <m:r>
-                                <a:rPr lang="en-US" sz="3200" i="1"/>
+                                <a:rPr lang="en-US" sz="3200" i="1">
+                                  <a:latin typeface="Cambria Math" panose="02040503050406030204" pitchFamily="18" charset="0"/>
+                                </a:rPr>
                                 <m:t>,</m:t>
                               </m:r>
                               <m:r>
-                                <a:rPr lang="en-US" sz="3200" i="1"/>
+                                <a:rPr lang="en-US" sz="3200" i="1">
+                                  <a:latin typeface="Cambria Math" panose="02040503050406030204" pitchFamily="18" charset="0"/>
+                                </a:rPr>
                                 <m:t>𝑉</m:t>
                               </m:r>
                             </m:e>
@@ -12134,28 +11702,38 @@
                         </m:e>
                       </m:func>
                       <m:r>
-                        <a:rPr lang="en-US" sz="3200" i="1"/>
+                        <a:rPr lang="en-US" sz="3200" i="1">
+                          <a:latin typeface="Cambria Math" panose="02040503050406030204" pitchFamily="18" charset="0"/>
+                        </a:rPr>
                         <m:t>+</m:t>
                       </m:r>
                       <m:f>
                         <m:fPr>
                           <m:ctrlPr>
-                            <a:rPr lang="en-US" sz="3200" i="1"/>
+                            <a:rPr lang="en-US" sz="3200" i="1">
+                              <a:latin typeface="Cambria Math" panose="02040503050406030204" pitchFamily="18" charset="0"/>
+                            </a:rPr>
                           </m:ctrlPr>
                         </m:fPr>
                         <m:num>
                           <m:r>
-                            <a:rPr lang="en-US" sz="3200" i="1"/>
+                            <a:rPr lang="en-US" sz="3200" i="1">
+                              <a:latin typeface="Cambria Math" panose="02040503050406030204" pitchFamily="18" charset="0"/>
+                            </a:rPr>
                             <m:t>1</m:t>
                           </m:r>
                         </m:num>
                         <m:den>
                           <m:r>
-                            <a:rPr lang="en-US" sz="3200" i="1"/>
+                            <a:rPr lang="en-US" sz="3200" i="1">
+                              <a:latin typeface="Cambria Math" panose="02040503050406030204" pitchFamily="18" charset="0"/>
+                            </a:rPr>
                             <m:t>2</m:t>
                           </m:r>
                           <m:r>
-                            <a:rPr lang="en-US" sz="3200" i="1"/>
+                            <a:rPr lang="en-US" sz="3200" i="1">
+                              <a:latin typeface="Cambria Math" panose="02040503050406030204" pitchFamily="18" charset="0"/>
+                            </a:rPr>
                             <m:t>𝜃</m:t>
                           </m:r>
                         </m:den>
@@ -12163,7 +11741,9 @@
                       <m:sSubSup>
                         <m:sSubSupPr>
                           <m:ctrlPr>
-                            <a:rPr lang="en-US" sz="3200" i="1"/>
+                            <a:rPr lang="en-US" sz="3200" i="1">
+                              <a:latin typeface="Cambria Math" panose="02040503050406030204" pitchFamily="18" charset="0"/>
+                            </a:rPr>
                           </m:ctrlPr>
                         </m:sSubSupPr>
                         <m:e>
@@ -12172,33 +11752,45 @@
                               <m:begChr m:val="‖"/>
                               <m:endChr m:val="‖"/>
                               <m:ctrlPr>
-                                <a:rPr lang="en-US" sz="3200" i="1"/>
+                                <a:rPr lang="en-US" sz="3200" i="1">
+                                  <a:latin typeface="Cambria Math" panose="02040503050406030204" pitchFamily="18" charset="0"/>
+                                </a:rPr>
                               </m:ctrlPr>
                             </m:dPr>
                             <m:e>
                               <m:sSub>
                                 <m:sSubPr>
                                   <m:ctrlPr>
-                                    <a:rPr lang="en-US" sz="3200" i="1"/>
+                                    <a:rPr lang="en-US" sz="3200" i="1">
+                                      <a:latin typeface="Cambria Math" panose="02040503050406030204" pitchFamily="18" charset="0"/>
+                                    </a:rPr>
                                   </m:ctrlPr>
                                 </m:sSubPr>
                                 <m:e>
                                   <m:r>
-                                    <a:rPr lang="en-US" sz="3200" i="1"/>
+                                    <a:rPr lang="en-US" sz="3200" i="1">
+                                      <a:latin typeface="Cambria Math" panose="02040503050406030204" pitchFamily="18" charset="0"/>
+                                    </a:rPr>
                                     <m:t>𝑉</m:t>
                                   </m:r>
                                   <m:r>
-                                    <a:rPr lang="en-US" sz="3200" i="1"/>
+                                    <a:rPr lang="en-US" sz="3200" i="1">
+                                      <a:latin typeface="Cambria Math" panose="02040503050406030204" pitchFamily="18" charset="0"/>
+                                    </a:rPr>
                                     <m:t>−</m:t>
                                   </m:r>
                                   <m:r>
-                                    <a:rPr lang="en-US" sz="3200" i="1"/>
+                                    <a:rPr lang="en-US" sz="3200" i="1">
+                                      <a:latin typeface="Cambria Math" panose="02040503050406030204" pitchFamily="18" charset="0"/>
+                                    </a:rPr>
                                     <m:t>𝑉</m:t>
                                   </m:r>
                                 </m:e>
                                 <m:sub>
                                   <m:r>
-                                    <a:rPr lang="en-US" sz="3200" i="1"/>
+                                    <a:rPr lang="en-US" sz="3200" i="1">
+                                      <a:latin typeface="Cambria Math" panose="02040503050406030204" pitchFamily="18" charset="0"/>
+                                    </a:rPr>
                                     <m:t>𝑘</m:t>
                                   </m:r>
                                 </m:sub>
@@ -12208,23 +11800,31 @@
                         </m:e>
                         <m:sub>
                           <m:r>
-                            <a:rPr lang="en-US" sz="3200" i="1"/>
+                            <a:rPr lang="en-US" sz="3200" i="1">
+                              <a:latin typeface="Cambria Math" panose="02040503050406030204" pitchFamily="18" charset="0"/>
+                            </a:rPr>
                             <m:t>𝐹</m:t>
                           </m:r>
                         </m:sub>
                         <m:sup>
                           <m:r>
-                            <a:rPr lang="en-US" sz="3200" i="1"/>
+                            <a:rPr lang="en-US" sz="3200" i="1">
+                              <a:latin typeface="Cambria Math" panose="02040503050406030204" pitchFamily="18" charset="0"/>
+                            </a:rPr>
                             <m:t>2</m:t>
                           </m:r>
                         </m:sup>
                       </m:sSubSup>
                       <m:r>
-                        <a:rPr lang="en-US" sz="3200" i="1"/>
+                        <a:rPr lang="en-US" sz="3200" i="1">
+                          <a:latin typeface="Cambria Math" panose="02040503050406030204" pitchFamily="18" charset="0"/>
+                        </a:rPr>
                         <m:t> +</m:t>
                       </m:r>
                       <m:r>
-                        <a:rPr lang="en-US" sz="3200" i="1"/>
+                        <a:rPr lang="en-US" sz="3200" i="1">
+                          <a:latin typeface="Cambria Math" panose="02040503050406030204" pitchFamily="18" charset="0"/>
+                        </a:rPr>
                         <m:t>𝜆</m:t>
                       </m:r>
                       <m:d>
@@ -12232,18 +11832,24 @@
                           <m:begChr m:val="‖"/>
                           <m:endChr m:val="‖"/>
                           <m:ctrlPr>
-                            <a:rPr lang="en-US" sz="3200" i="1"/>
+                            <a:rPr lang="en-US" sz="3200" i="1">
+                              <a:latin typeface="Cambria Math" panose="02040503050406030204" pitchFamily="18" charset="0"/>
+                            </a:rPr>
                           </m:ctrlPr>
                         </m:dPr>
                         <m:e>
                           <m:r>
-                            <a:rPr lang="en-US" sz="3200" i="1"/>
+                            <a:rPr lang="en-US" sz="3200" i="1">
+                              <a:latin typeface="Cambria Math" panose="02040503050406030204" pitchFamily="18" charset="0"/>
+                            </a:rPr>
                             <m:t>𝑉</m:t>
                           </m:r>
                         </m:e>
                       </m:d>
                       <m:r>
-                        <a:rPr lang="en-US" sz="3200" i="1"/>
+                        <a:rPr lang="en-US" sz="3200" i="1">
+                          <a:latin typeface="Cambria Math" panose="02040503050406030204" pitchFamily="18" charset="0"/>
+                        </a:rPr>
                         <m:t>,</m:t>
                       </m:r>
                     </m:oMath>
@@ -12405,7 +12011,7 @@
             </p:txBody>
           </p:sp>
         </mc:Choice>
-        <mc:Fallback>
+        <mc:Fallback xmlns="">
           <p:sp>
             <p:nvSpPr>
               <p:cNvPr id="75" name="Rectangle 74"/>
@@ -14209,13 +13815,13 @@
               </a:ext>
             </a:extLst>
           </a:blip>
-          <a:srcRect l="47894" t="18639" r="10321" b="14404"/>
+          <a:srcRect l="47894" t="23407" r="10321" b="14404"/>
           <a:stretch/>
         </p:blipFill>
         <p:spPr bwMode="auto">
           <a:xfrm>
-            <a:off x="23139178" y="15265921"/>
-            <a:ext cx="7027803" cy="6882859"/>
+            <a:off x="22520517" y="15390903"/>
+            <a:ext cx="5421807" cy="4931836"/>
           </a:xfrm>
           <a:prstGeom prst="rect">
             <a:avLst/>
@@ -14241,14 +13847,14 @@
           <p:nvPr/>
         </p:nvPicPr>
         <p:blipFill rotWithShape="1">
-          <a:blip r:embed="rId8"/>
-          <a:srcRect r="50227"/>
+          <a:blip r:embed="rId7"/>
+          <a:srcRect t="5723" r="50227"/>
           <a:stretch/>
         </p:blipFill>
         <p:spPr>
           <a:xfrm>
-            <a:off x="32814740" y="6699700"/>
-            <a:ext cx="8624403" cy="6890731"/>
+            <a:off x="32725010" y="7201025"/>
+            <a:ext cx="5398907" cy="4066752"/>
           </a:xfrm>
           <a:prstGeom prst="rect">
             <a:avLst/>
@@ -14271,13 +13877,13 @@
               </a:ext>
             </a:extLst>
           </a:blip>
-          <a:srcRect l="6018" t="18639" r="54515" b="14404"/>
+          <a:srcRect l="6018" t="26061" r="54515" b="14405"/>
           <a:stretch/>
         </p:blipFill>
         <p:spPr bwMode="auto">
           <a:xfrm>
-            <a:off x="23114868" y="21962665"/>
-            <a:ext cx="7050277" cy="7310284"/>
+            <a:off x="22531850" y="21026561"/>
+            <a:ext cx="5389266" cy="4968552"/>
           </a:xfrm>
           <a:prstGeom prst="rect">
             <a:avLst/>
@@ -14294,6 +13900,1005 @@
           </a:extLst>
         </p:spPr>
       </p:pic>
+      <p:pic>
+        <p:nvPicPr>
+          <p:cNvPr id="1028" name="Picture 4" descr="http://venturebeat.com/wp-content/uploads/2014/10/google-logo-780x351.jpg"/>
+          <p:cNvPicPr>
+            <a:picLocks noChangeAspect="1" noChangeArrowheads="1"/>
+          </p:cNvPicPr>
+          <p:nvPr/>
+        </p:nvPicPr>
+        <p:blipFill rotWithShape="1">
+          <a:blip r:embed="rId30">
+            <a:extLst>
+              <a:ext uri="{28A0092B-C50C-407E-A947-70E740481C1C}">
+                <a14:useLocalDpi xmlns:a14="http://schemas.microsoft.com/office/drawing/2010/main" val="0"/>
+              </a:ext>
+            </a:extLst>
+          </a:blip>
+          <a:srcRect l="4027" t="17680" r="7774" b="11244"/>
+          <a:stretch/>
+        </p:blipFill>
+        <p:spPr bwMode="auto">
+          <a:xfrm>
+            <a:off x="7271076" y="1225722"/>
+            <a:ext cx="3288861" cy="1192664"/>
+          </a:xfrm>
+          <a:prstGeom prst="rect">
+            <a:avLst/>
+          </a:prstGeom>
+          <a:noFill/>
+          <a:extLst>
+            <a:ext uri="{909E8E84-426E-40DD-AFC4-6F175D3DCCD1}">
+              <a14:hiddenFill xmlns:a14="http://schemas.microsoft.com/office/drawing/2010/main">
+                <a:solidFill>
+                  <a:srgbClr val="FFFFFF"/>
+                </a:solidFill>
+              </a14:hiddenFill>
+            </a:ext>
+          </a:extLst>
+        </p:spPr>
+      </p:pic>
+      <p:sp>
+        <p:nvSpPr>
+          <p:cNvPr id="6" name="Rectangle 5"/>
+          <p:cNvSpPr/>
+          <p:nvPr/>
+        </p:nvSpPr>
+        <p:spPr>
+          <a:xfrm>
+            <a:off x="18624369" y="11691566"/>
+            <a:ext cx="5421807" cy="4770023"/>
+          </a:xfrm>
+          <a:prstGeom prst="rect">
+            <a:avLst/>
+          </a:prstGeom>
+        </p:spPr>
+        <p:style>
+          <a:lnRef idx="2">
+            <a:schemeClr val="accent1">
+              <a:shade val="50000"/>
+            </a:schemeClr>
+          </a:lnRef>
+          <a:fillRef idx="1">
+            <a:schemeClr val="accent1"/>
+          </a:fillRef>
+          <a:effectRef idx="0">
+            <a:schemeClr val="accent1"/>
+          </a:effectRef>
+          <a:fontRef idx="minor">
+            <a:schemeClr val="lt1"/>
+          </a:fontRef>
+        </p:style>
+        <p:txBody>
+          <a:bodyPr rtlCol="0" anchor="ctr"/>
+          <a:lstStyle/>
+          <a:p>
+            <a:pPr algn="ctr"/>
+            <a:endParaRPr lang="en-US"/>
+          </a:p>
+        </p:txBody>
+      </p:sp>
+      <p:sp>
+        <p:nvSpPr>
+          <p:cNvPr id="56" name="Rectangle 55"/>
+          <p:cNvSpPr/>
+          <p:nvPr/>
+        </p:nvSpPr>
+        <p:spPr>
+          <a:xfrm>
+            <a:off x="41576064" y="8868329"/>
+            <a:ext cx="443391" cy="4770023"/>
+          </a:xfrm>
+          <a:prstGeom prst="rect">
+            <a:avLst/>
+          </a:prstGeom>
+        </p:spPr>
+        <p:style>
+          <a:lnRef idx="2">
+            <a:schemeClr val="accent1">
+              <a:shade val="50000"/>
+            </a:schemeClr>
+          </a:lnRef>
+          <a:fillRef idx="1">
+            <a:schemeClr val="accent1"/>
+          </a:fillRef>
+          <a:effectRef idx="0">
+            <a:schemeClr val="accent1"/>
+          </a:effectRef>
+          <a:fontRef idx="minor">
+            <a:schemeClr val="lt1"/>
+          </a:fontRef>
+        </p:style>
+        <p:txBody>
+          <a:bodyPr rtlCol="0" anchor="ctr"/>
+          <a:lstStyle/>
+          <a:p>
+            <a:pPr algn="ctr"/>
+            <a:endParaRPr lang="en-US"/>
+          </a:p>
+        </p:txBody>
+      </p:sp>
+      <p:sp>
+        <p:nvSpPr>
+          <p:cNvPr id="57" name="Rectangle 56"/>
+          <p:cNvSpPr/>
+          <p:nvPr/>
+        </p:nvSpPr>
+        <p:spPr>
+          <a:xfrm>
+            <a:off x="19744258" y="19305203"/>
+            <a:ext cx="3202595" cy="2672817"/>
+          </a:xfrm>
+          <a:prstGeom prst="rect">
+            <a:avLst/>
+          </a:prstGeom>
+        </p:spPr>
+        <p:style>
+          <a:lnRef idx="2">
+            <a:schemeClr val="accent1">
+              <a:shade val="50000"/>
+            </a:schemeClr>
+          </a:lnRef>
+          <a:fillRef idx="1">
+            <a:schemeClr val="accent1"/>
+          </a:fillRef>
+          <a:effectRef idx="0">
+            <a:schemeClr val="accent1"/>
+          </a:effectRef>
+          <a:fontRef idx="minor">
+            <a:schemeClr val="lt1"/>
+          </a:fontRef>
+        </p:style>
+        <p:txBody>
+          <a:bodyPr rtlCol="0" anchor="ctr"/>
+          <a:lstStyle/>
+          <a:p>
+            <a:pPr algn="ctr"/>
+            <a:endParaRPr lang="en-US"/>
+          </a:p>
+        </p:txBody>
+      </p:sp>
+      <p:sp>
+        <p:nvSpPr>
+          <p:cNvPr id="66" name="Text Box 115"/>
+          <p:cNvSpPr txBox="1">
+            <a:spLocks noChangeArrowheads="1"/>
+          </p:cNvSpPr>
+          <p:nvPr/>
+        </p:nvSpPr>
+        <p:spPr bwMode="auto">
+          <a:xfrm>
+            <a:off x="38361322" y="7137476"/>
+            <a:ext cx="3202595" cy="4157165"/>
+          </a:xfrm>
+          <a:prstGeom prst="rect">
+            <a:avLst/>
+          </a:prstGeom>
+          <a:noFill/>
+          <a:ln>
+            <a:noFill/>
+          </a:ln>
+          <a:effectLst/>
+          <a:extLst/>
+        </p:spPr>
+        <p:txBody>
+          <a:bodyPr wrap="square" lIns="90000" tIns="46800" rIns="90000" bIns="46800">
+            <a:spAutoFit/>
+          </a:bodyPr>
+          <a:lstStyle>
+            <a:lvl1pPr>
+              <a:tabLst>
+                <a:tab pos="0" algn="l"/>
+                <a:tab pos="457200" algn="l"/>
+                <a:tab pos="914400" algn="l"/>
+                <a:tab pos="1371600" algn="l"/>
+                <a:tab pos="1828800" algn="l"/>
+                <a:tab pos="2286000" algn="l"/>
+                <a:tab pos="2743200" algn="l"/>
+                <a:tab pos="3200400" algn="l"/>
+                <a:tab pos="3657600" algn="l"/>
+                <a:tab pos="4114800" algn="l"/>
+                <a:tab pos="4572000" algn="l"/>
+                <a:tab pos="5029200" algn="l"/>
+                <a:tab pos="5486400" algn="l"/>
+                <a:tab pos="5943600" algn="l"/>
+                <a:tab pos="6400800" algn="l"/>
+                <a:tab pos="6858000" algn="l"/>
+                <a:tab pos="7315200" algn="l"/>
+                <a:tab pos="7772400" algn="l"/>
+                <a:tab pos="8229600" algn="l"/>
+                <a:tab pos="8686800" algn="l"/>
+                <a:tab pos="9144000" algn="l"/>
+                <a:tab pos="9410700" algn="l"/>
+              </a:tabLst>
+              <a:defRPr>
+                <a:solidFill>
+                  <a:srgbClr val="000000"/>
+                </a:solidFill>
+                <a:latin typeface="Arial" panose="020B0604020202020204" pitchFamily="34" charset="0"/>
+                <a:cs typeface="Arial" panose="020B0604020202020204" pitchFamily="34" charset="0"/>
+              </a:defRPr>
+            </a:lvl1pPr>
+            <a:lvl2pPr>
+              <a:tabLst>
+                <a:tab pos="0" algn="l"/>
+                <a:tab pos="457200" algn="l"/>
+                <a:tab pos="914400" algn="l"/>
+                <a:tab pos="1371600" algn="l"/>
+                <a:tab pos="1828800" algn="l"/>
+                <a:tab pos="2286000" algn="l"/>
+                <a:tab pos="2743200" algn="l"/>
+                <a:tab pos="3200400" algn="l"/>
+                <a:tab pos="3657600" algn="l"/>
+                <a:tab pos="4114800" algn="l"/>
+                <a:tab pos="4572000" algn="l"/>
+                <a:tab pos="5029200" algn="l"/>
+                <a:tab pos="5486400" algn="l"/>
+                <a:tab pos="5943600" algn="l"/>
+                <a:tab pos="6400800" algn="l"/>
+                <a:tab pos="6858000" algn="l"/>
+                <a:tab pos="7315200" algn="l"/>
+                <a:tab pos="7772400" algn="l"/>
+                <a:tab pos="8229600" algn="l"/>
+                <a:tab pos="8686800" algn="l"/>
+                <a:tab pos="9144000" algn="l"/>
+                <a:tab pos="9410700" algn="l"/>
+              </a:tabLst>
+              <a:defRPr>
+                <a:solidFill>
+                  <a:srgbClr val="000000"/>
+                </a:solidFill>
+                <a:latin typeface="Arial" panose="020B0604020202020204" pitchFamily="34" charset="0"/>
+                <a:cs typeface="Arial" panose="020B0604020202020204" pitchFamily="34" charset="0"/>
+              </a:defRPr>
+            </a:lvl2pPr>
+            <a:lvl3pPr>
+              <a:tabLst>
+                <a:tab pos="0" algn="l"/>
+                <a:tab pos="457200" algn="l"/>
+                <a:tab pos="914400" algn="l"/>
+                <a:tab pos="1371600" algn="l"/>
+                <a:tab pos="1828800" algn="l"/>
+                <a:tab pos="2286000" algn="l"/>
+                <a:tab pos="2743200" algn="l"/>
+                <a:tab pos="3200400" algn="l"/>
+                <a:tab pos="3657600" algn="l"/>
+                <a:tab pos="4114800" algn="l"/>
+                <a:tab pos="4572000" algn="l"/>
+                <a:tab pos="5029200" algn="l"/>
+                <a:tab pos="5486400" algn="l"/>
+                <a:tab pos="5943600" algn="l"/>
+                <a:tab pos="6400800" algn="l"/>
+                <a:tab pos="6858000" algn="l"/>
+                <a:tab pos="7315200" algn="l"/>
+                <a:tab pos="7772400" algn="l"/>
+                <a:tab pos="8229600" algn="l"/>
+                <a:tab pos="8686800" algn="l"/>
+                <a:tab pos="9144000" algn="l"/>
+                <a:tab pos="9410700" algn="l"/>
+              </a:tabLst>
+              <a:defRPr>
+                <a:solidFill>
+                  <a:srgbClr val="000000"/>
+                </a:solidFill>
+                <a:latin typeface="Arial" panose="020B0604020202020204" pitchFamily="34" charset="0"/>
+                <a:cs typeface="Arial" panose="020B0604020202020204" pitchFamily="34" charset="0"/>
+              </a:defRPr>
+            </a:lvl3pPr>
+            <a:lvl4pPr>
+              <a:tabLst>
+                <a:tab pos="0" algn="l"/>
+                <a:tab pos="457200" algn="l"/>
+                <a:tab pos="914400" algn="l"/>
+                <a:tab pos="1371600" algn="l"/>
+                <a:tab pos="1828800" algn="l"/>
+                <a:tab pos="2286000" algn="l"/>
+                <a:tab pos="2743200" algn="l"/>
+                <a:tab pos="3200400" algn="l"/>
+                <a:tab pos="3657600" algn="l"/>
+                <a:tab pos="4114800" algn="l"/>
+                <a:tab pos="4572000" algn="l"/>
+                <a:tab pos="5029200" algn="l"/>
+                <a:tab pos="5486400" algn="l"/>
+                <a:tab pos="5943600" algn="l"/>
+                <a:tab pos="6400800" algn="l"/>
+                <a:tab pos="6858000" algn="l"/>
+                <a:tab pos="7315200" algn="l"/>
+                <a:tab pos="7772400" algn="l"/>
+                <a:tab pos="8229600" algn="l"/>
+                <a:tab pos="8686800" algn="l"/>
+                <a:tab pos="9144000" algn="l"/>
+                <a:tab pos="9410700" algn="l"/>
+              </a:tabLst>
+              <a:defRPr>
+                <a:solidFill>
+                  <a:srgbClr val="000000"/>
+                </a:solidFill>
+                <a:latin typeface="Arial" panose="020B0604020202020204" pitchFamily="34" charset="0"/>
+                <a:cs typeface="Arial" panose="020B0604020202020204" pitchFamily="34" charset="0"/>
+              </a:defRPr>
+            </a:lvl4pPr>
+            <a:lvl5pPr>
+              <a:tabLst>
+                <a:tab pos="0" algn="l"/>
+                <a:tab pos="457200" algn="l"/>
+                <a:tab pos="914400" algn="l"/>
+                <a:tab pos="1371600" algn="l"/>
+                <a:tab pos="1828800" algn="l"/>
+                <a:tab pos="2286000" algn="l"/>
+                <a:tab pos="2743200" algn="l"/>
+                <a:tab pos="3200400" algn="l"/>
+                <a:tab pos="3657600" algn="l"/>
+                <a:tab pos="4114800" algn="l"/>
+                <a:tab pos="4572000" algn="l"/>
+                <a:tab pos="5029200" algn="l"/>
+                <a:tab pos="5486400" algn="l"/>
+                <a:tab pos="5943600" algn="l"/>
+                <a:tab pos="6400800" algn="l"/>
+                <a:tab pos="6858000" algn="l"/>
+                <a:tab pos="7315200" algn="l"/>
+                <a:tab pos="7772400" algn="l"/>
+                <a:tab pos="8229600" algn="l"/>
+                <a:tab pos="8686800" algn="l"/>
+                <a:tab pos="9144000" algn="l"/>
+                <a:tab pos="9410700" algn="l"/>
+              </a:tabLst>
+              <a:defRPr>
+                <a:solidFill>
+                  <a:srgbClr val="000000"/>
+                </a:solidFill>
+                <a:latin typeface="Arial" panose="020B0604020202020204" pitchFamily="34" charset="0"/>
+                <a:cs typeface="Arial" panose="020B0604020202020204" pitchFamily="34" charset="0"/>
+              </a:defRPr>
+            </a:lvl5pPr>
+            <a:lvl6pPr defTabSz="457200" fontAlgn="base">
+              <a:spcBef>
+                <a:spcPct val="0"/>
+              </a:spcBef>
+              <a:spcAft>
+                <a:spcPct val="0"/>
+              </a:spcAft>
+              <a:buClr>
+                <a:srgbClr val="000000"/>
+              </a:buClr>
+              <a:buSzPct val="100000"/>
+              <a:buFont typeface="Arial" panose="020B0604020202020204" pitchFamily="34" charset="0"/>
+              <a:tabLst>
+                <a:tab pos="0" algn="l"/>
+                <a:tab pos="457200" algn="l"/>
+                <a:tab pos="914400" algn="l"/>
+                <a:tab pos="1371600" algn="l"/>
+                <a:tab pos="1828800" algn="l"/>
+                <a:tab pos="2286000" algn="l"/>
+                <a:tab pos="2743200" algn="l"/>
+                <a:tab pos="3200400" algn="l"/>
+                <a:tab pos="3657600" algn="l"/>
+                <a:tab pos="4114800" algn="l"/>
+                <a:tab pos="4572000" algn="l"/>
+                <a:tab pos="5029200" algn="l"/>
+                <a:tab pos="5486400" algn="l"/>
+                <a:tab pos="5943600" algn="l"/>
+                <a:tab pos="6400800" algn="l"/>
+                <a:tab pos="6858000" algn="l"/>
+                <a:tab pos="7315200" algn="l"/>
+                <a:tab pos="7772400" algn="l"/>
+                <a:tab pos="8229600" algn="l"/>
+                <a:tab pos="8686800" algn="l"/>
+                <a:tab pos="9144000" algn="l"/>
+                <a:tab pos="9410700" algn="l"/>
+              </a:tabLst>
+              <a:defRPr>
+                <a:solidFill>
+                  <a:srgbClr val="000000"/>
+                </a:solidFill>
+                <a:latin typeface="Arial" panose="020B0604020202020204" pitchFamily="34" charset="0"/>
+                <a:cs typeface="Arial" panose="020B0604020202020204" pitchFamily="34" charset="0"/>
+              </a:defRPr>
+            </a:lvl6pPr>
+            <a:lvl7pPr defTabSz="457200" fontAlgn="base">
+              <a:spcBef>
+                <a:spcPct val="0"/>
+              </a:spcBef>
+              <a:spcAft>
+                <a:spcPct val="0"/>
+              </a:spcAft>
+              <a:buClr>
+                <a:srgbClr val="000000"/>
+              </a:buClr>
+              <a:buSzPct val="100000"/>
+              <a:buFont typeface="Arial" panose="020B0604020202020204" pitchFamily="34" charset="0"/>
+              <a:tabLst>
+                <a:tab pos="0" algn="l"/>
+                <a:tab pos="457200" algn="l"/>
+                <a:tab pos="914400" algn="l"/>
+                <a:tab pos="1371600" algn="l"/>
+                <a:tab pos="1828800" algn="l"/>
+                <a:tab pos="2286000" algn="l"/>
+                <a:tab pos="2743200" algn="l"/>
+                <a:tab pos="3200400" algn="l"/>
+                <a:tab pos="3657600" algn="l"/>
+                <a:tab pos="4114800" algn="l"/>
+                <a:tab pos="4572000" algn="l"/>
+                <a:tab pos="5029200" algn="l"/>
+                <a:tab pos="5486400" algn="l"/>
+                <a:tab pos="5943600" algn="l"/>
+                <a:tab pos="6400800" algn="l"/>
+                <a:tab pos="6858000" algn="l"/>
+                <a:tab pos="7315200" algn="l"/>
+                <a:tab pos="7772400" algn="l"/>
+                <a:tab pos="8229600" algn="l"/>
+                <a:tab pos="8686800" algn="l"/>
+                <a:tab pos="9144000" algn="l"/>
+                <a:tab pos="9410700" algn="l"/>
+              </a:tabLst>
+              <a:defRPr>
+                <a:solidFill>
+                  <a:srgbClr val="000000"/>
+                </a:solidFill>
+                <a:latin typeface="Arial" panose="020B0604020202020204" pitchFamily="34" charset="0"/>
+                <a:cs typeface="Arial" panose="020B0604020202020204" pitchFamily="34" charset="0"/>
+              </a:defRPr>
+            </a:lvl7pPr>
+            <a:lvl8pPr defTabSz="457200" fontAlgn="base">
+              <a:spcBef>
+                <a:spcPct val="0"/>
+              </a:spcBef>
+              <a:spcAft>
+                <a:spcPct val="0"/>
+              </a:spcAft>
+              <a:buClr>
+                <a:srgbClr val="000000"/>
+              </a:buClr>
+              <a:buSzPct val="100000"/>
+              <a:buFont typeface="Arial" panose="020B0604020202020204" pitchFamily="34" charset="0"/>
+              <a:tabLst>
+                <a:tab pos="0" algn="l"/>
+                <a:tab pos="457200" algn="l"/>
+                <a:tab pos="914400" algn="l"/>
+                <a:tab pos="1371600" algn="l"/>
+                <a:tab pos="1828800" algn="l"/>
+                <a:tab pos="2286000" algn="l"/>
+                <a:tab pos="2743200" algn="l"/>
+                <a:tab pos="3200400" algn="l"/>
+                <a:tab pos="3657600" algn="l"/>
+                <a:tab pos="4114800" algn="l"/>
+                <a:tab pos="4572000" algn="l"/>
+                <a:tab pos="5029200" algn="l"/>
+                <a:tab pos="5486400" algn="l"/>
+                <a:tab pos="5943600" algn="l"/>
+                <a:tab pos="6400800" algn="l"/>
+                <a:tab pos="6858000" algn="l"/>
+                <a:tab pos="7315200" algn="l"/>
+                <a:tab pos="7772400" algn="l"/>
+                <a:tab pos="8229600" algn="l"/>
+                <a:tab pos="8686800" algn="l"/>
+                <a:tab pos="9144000" algn="l"/>
+                <a:tab pos="9410700" algn="l"/>
+              </a:tabLst>
+              <a:defRPr>
+                <a:solidFill>
+                  <a:srgbClr val="000000"/>
+                </a:solidFill>
+                <a:latin typeface="Arial" panose="020B0604020202020204" pitchFamily="34" charset="0"/>
+                <a:cs typeface="Arial" panose="020B0604020202020204" pitchFamily="34" charset="0"/>
+              </a:defRPr>
+            </a:lvl8pPr>
+            <a:lvl9pPr defTabSz="457200" fontAlgn="base">
+              <a:spcBef>
+                <a:spcPct val="0"/>
+              </a:spcBef>
+              <a:spcAft>
+                <a:spcPct val="0"/>
+              </a:spcAft>
+              <a:buClr>
+                <a:srgbClr val="000000"/>
+              </a:buClr>
+              <a:buSzPct val="100000"/>
+              <a:buFont typeface="Arial" panose="020B0604020202020204" pitchFamily="34" charset="0"/>
+              <a:tabLst>
+                <a:tab pos="0" algn="l"/>
+                <a:tab pos="457200" algn="l"/>
+                <a:tab pos="914400" algn="l"/>
+                <a:tab pos="1371600" algn="l"/>
+                <a:tab pos="1828800" algn="l"/>
+                <a:tab pos="2286000" algn="l"/>
+                <a:tab pos="2743200" algn="l"/>
+                <a:tab pos="3200400" algn="l"/>
+                <a:tab pos="3657600" algn="l"/>
+                <a:tab pos="4114800" algn="l"/>
+                <a:tab pos="4572000" algn="l"/>
+                <a:tab pos="5029200" algn="l"/>
+                <a:tab pos="5486400" algn="l"/>
+                <a:tab pos="5943600" algn="l"/>
+                <a:tab pos="6400800" algn="l"/>
+                <a:tab pos="6858000" algn="l"/>
+                <a:tab pos="7315200" algn="l"/>
+                <a:tab pos="7772400" algn="l"/>
+                <a:tab pos="8229600" algn="l"/>
+                <a:tab pos="8686800" algn="l"/>
+                <a:tab pos="9144000" algn="l"/>
+                <a:tab pos="9410700" algn="l"/>
+              </a:tabLst>
+              <a:defRPr>
+                <a:solidFill>
+                  <a:srgbClr val="000000"/>
+                </a:solidFill>
+                <a:latin typeface="Arial" panose="020B0604020202020204" pitchFamily="34" charset="0"/>
+                <a:cs typeface="Arial" panose="020B0604020202020204" pitchFamily="34" charset="0"/>
+              </a:defRPr>
+            </a:lvl9pPr>
+          </a:lstStyle>
+          <a:p>
+            <a:pPr algn="l" rtl="0">
+              <a:spcBef>
+                <a:spcPts val="750"/>
+              </a:spcBef>
+            </a:pPr>
+            <a:r>
+              <a:rPr lang="en-US" altLang="en-US" sz="2400" dirty="0"/>
+              <a:t>RCV1 dataset with 5K </a:t>
+            </a:r>
+            <a:r>
+              <a:rPr lang="en-US" altLang="en-US" sz="2400" dirty="0" smtClean="0"/>
+              <a:t>features</a:t>
+            </a:r>
+            <a:r>
+              <a:rPr lang="en-US" altLang="en-US" sz="2400" dirty="0" smtClean="0"/>
+              <a:t>, </a:t>
+            </a:r>
+            <a:r>
+              <a:rPr lang="en-US" altLang="en-US" sz="2400" dirty="0"/>
+              <a:t>p</a:t>
+            </a:r>
+            <a:r>
+              <a:rPr lang="en-US" altLang="en-US" sz="2400" dirty="0" smtClean="0"/>
+              <a:t>recision </a:t>
+            </a:r>
+            <a:r>
+              <a:rPr lang="en-US" altLang="en-US" sz="2400" dirty="0"/>
+              <a:t>at 1, 3 and 5 nearest neighbor evaluated on the test set </a:t>
+            </a:r>
+            <a:r>
+              <a:rPr lang="en-US" altLang="en-US" sz="2400" i="1" dirty="0" smtClean="0"/>
+              <a:t>vs. </a:t>
+            </a:r>
+            <a:r>
+              <a:rPr lang="en-US" altLang="en-US" sz="2400" dirty="0" smtClean="0"/>
+              <a:t>the </a:t>
+            </a:r>
+            <a:r>
+              <a:rPr lang="en-US" altLang="en-US" sz="2400" dirty="0"/>
+              <a:t>mean training run time of COMET. </a:t>
+            </a:r>
+            <a:r>
+              <a:rPr lang="en-US" altLang="en-US" sz="2400" dirty="0" smtClean="0"/>
+              <a:t>Dashed </a:t>
+            </a:r>
+            <a:r>
+              <a:rPr lang="en-US" altLang="en-US" sz="2400" dirty="0"/>
+              <a:t>line denotes the </a:t>
+            </a:r>
+            <a:r>
+              <a:rPr lang="en-US" altLang="en-US" sz="2400" i="1" dirty="0" smtClean="0"/>
+              <a:t>precision-at-1</a:t>
+            </a:r>
+            <a:r>
+              <a:rPr lang="en-US" altLang="en-US" sz="2400" dirty="0" smtClean="0"/>
+              <a:t> </a:t>
+            </a:r>
+            <a:r>
+              <a:rPr lang="en-US" altLang="en-US" sz="2400" dirty="0"/>
+              <a:t>of the Euclidean baseline</a:t>
+            </a:r>
+            <a:r>
+              <a:rPr lang="en-US" altLang="en-US" sz="2400" dirty="0" smtClean="0"/>
+              <a:t>.</a:t>
+            </a:r>
+            <a:endParaRPr lang="en-AU" altLang="en-US" sz="2400" i="1" dirty="0"/>
+          </a:p>
+        </p:txBody>
+      </p:sp>
+      <p:sp>
+        <p:nvSpPr>
+          <p:cNvPr id="67" name="Text Box 115"/>
+          <p:cNvSpPr txBox="1">
+            <a:spLocks noChangeArrowheads="1"/>
+          </p:cNvSpPr>
+          <p:nvPr/>
+        </p:nvSpPr>
+        <p:spPr bwMode="auto">
+          <a:xfrm>
+            <a:off x="38374790" y="12229046"/>
+            <a:ext cx="3202595" cy="1941173"/>
+          </a:xfrm>
+          <a:prstGeom prst="rect">
+            <a:avLst/>
+          </a:prstGeom>
+          <a:noFill/>
+          <a:ln>
+            <a:noFill/>
+          </a:ln>
+          <a:effectLst/>
+          <a:extLst/>
+        </p:spPr>
+        <p:txBody>
+          <a:bodyPr wrap="square" lIns="90000" tIns="46800" rIns="90000" bIns="46800">
+            <a:spAutoFit/>
+          </a:bodyPr>
+          <a:lstStyle>
+            <a:lvl1pPr>
+              <a:tabLst>
+                <a:tab pos="0" algn="l"/>
+                <a:tab pos="457200" algn="l"/>
+                <a:tab pos="914400" algn="l"/>
+                <a:tab pos="1371600" algn="l"/>
+                <a:tab pos="1828800" algn="l"/>
+                <a:tab pos="2286000" algn="l"/>
+                <a:tab pos="2743200" algn="l"/>
+                <a:tab pos="3200400" algn="l"/>
+                <a:tab pos="3657600" algn="l"/>
+                <a:tab pos="4114800" algn="l"/>
+                <a:tab pos="4572000" algn="l"/>
+                <a:tab pos="5029200" algn="l"/>
+                <a:tab pos="5486400" algn="l"/>
+                <a:tab pos="5943600" algn="l"/>
+                <a:tab pos="6400800" algn="l"/>
+                <a:tab pos="6858000" algn="l"/>
+                <a:tab pos="7315200" algn="l"/>
+                <a:tab pos="7772400" algn="l"/>
+                <a:tab pos="8229600" algn="l"/>
+                <a:tab pos="8686800" algn="l"/>
+                <a:tab pos="9144000" algn="l"/>
+                <a:tab pos="9410700" algn="l"/>
+              </a:tabLst>
+              <a:defRPr>
+                <a:solidFill>
+                  <a:srgbClr val="000000"/>
+                </a:solidFill>
+                <a:latin typeface="Arial" panose="020B0604020202020204" pitchFamily="34" charset="0"/>
+                <a:cs typeface="Arial" panose="020B0604020202020204" pitchFamily="34" charset="0"/>
+              </a:defRPr>
+            </a:lvl1pPr>
+            <a:lvl2pPr>
+              <a:tabLst>
+                <a:tab pos="0" algn="l"/>
+                <a:tab pos="457200" algn="l"/>
+                <a:tab pos="914400" algn="l"/>
+                <a:tab pos="1371600" algn="l"/>
+                <a:tab pos="1828800" algn="l"/>
+                <a:tab pos="2286000" algn="l"/>
+                <a:tab pos="2743200" algn="l"/>
+                <a:tab pos="3200400" algn="l"/>
+                <a:tab pos="3657600" algn="l"/>
+                <a:tab pos="4114800" algn="l"/>
+                <a:tab pos="4572000" algn="l"/>
+                <a:tab pos="5029200" algn="l"/>
+                <a:tab pos="5486400" algn="l"/>
+                <a:tab pos="5943600" algn="l"/>
+                <a:tab pos="6400800" algn="l"/>
+                <a:tab pos="6858000" algn="l"/>
+                <a:tab pos="7315200" algn="l"/>
+                <a:tab pos="7772400" algn="l"/>
+                <a:tab pos="8229600" algn="l"/>
+                <a:tab pos="8686800" algn="l"/>
+                <a:tab pos="9144000" algn="l"/>
+                <a:tab pos="9410700" algn="l"/>
+              </a:tabLst>
+              <a:defRPr>
+                <a:solidFill>
+                  <a:srgbClr val="000000"/>
+                </a:solidFill>
+                <a:latin typeface="Arial" panose="020B0604020202020204" pitchFamily="34" charset="0"/>
+                <a:cs typeface="Arial" panose="020B0604020202020204" pitchFamily="34" charset="0"/>
+              </a:defRPr>
+            </a:lvl2pPr>
+            <a:lvl3pPr>
+              <a:tabLst>
+                <a:tab pos="0" algn="l"/>
+                <a:tab pos="457200" algn="l"/>
+                <a:tab pos="914400" algn="l"/>
+                <a:tab pos="1371600" algn="l"/>
+                <a:tab pos="1828800" algn="l"/>
+                <a:tab pos="2286000" algn="l"/>
+                <a:tab pos="2743200" algn="l"/>
+                <a:tab pos="3200400" algn="l"/>
+                <a:tab pos="3657600" algn="l"/>
+                <a:tab pos="4114800" algn="l"/>
+                <a:tab pos="4572000" algn="l"/>
+                <a:tab pos="5029200" algn="l"/>
+                <a:tab pos="5486400" algn="l"/>
+                <a:tab pos="5943600" algn="l"/>
+                <a:tab pos="6400800" algn="l"/>
+                <a:tab pos="6858000" algn="l"/>
+                <a:tab pos="7315200" algn="l"/>
+                <a:tab pos="7772400" algn="l"/>
+                <a:tab pos="8229600" algn="l"/>
+                <a:tab pos="8686800" algn="l"/>
+                <a:tab pos="9144000" algn="l"/>
+                <a:tab pos="9410700" algn="l"/>
+              </a:tabLst>
+              <a:defRPr>
+                <a:solidFill>
+                  <a:srgbClr val="000000"/>
+                </a:solidFill>
+                <a:latin typeface="Arial" panose="020B0604020202020204" pitchFamily="34" charset="0"/>
+                <a:cs typeface="Arial" panose="020B0604020202020204" pitchFamily="34" charset="0"/>
+              </a:defRPr>
+            </a:lvl3pPr>
+            <a:lvl4pPr>
+              <a:tabLst>
+                <a:tab pos="0" algn="l"/>
+                <a:tab pos="457200" algn="l"/>
+                <a:tab pos="914400" algn="l"/>
+                <a:tab pos="1371600" algn="l"/>
+                <a:tab pos="1828800" algn="l"/>
+                <a:tab pos="2286000" algn="l"/>
+                <a:tab pos="2743200" algn="l"/>
+                <a:tab pos="3200400" algn="l"/>
+                <a:tab pos="3657600" algn="l"/>
+                <a:tab pos="4114800" algn="l"/>
+                <a:tab pos="4572000" algn="l"/>
+                <a:tab pos="5029200" algn="l"/>
+                <a:tab pos="5486400" algn="l"/>
+                <a:tab pos="5943600" algn="l"/>
+                <a:tab pos="6400800" algn="l"/>
+                <a:tab pos="6858000" algn="l"/>
+                <a:tab pos="7315200" algn="l"/>
+                <a:tab pos="7772400" algn="l"/>
+                <a:tab pos="8229600" algn="l"/>
+                <a:tab pos="8686800" algn="l"/>
+                <a:tab pos="9144000" algn="l"/>
+                <a:tab pos="9410700" algn="l"/>
+              </a:tabLst>
+              <a:defRPr>
+                <a:solidFill>
+                  <a:srgbClr val="000000"/>
+                </a:solidFill>
+                <a:latin typeface="Arial" panose="020B0604020202020204" pitchFamily="34" charset="0"/>
+                <a:cs typeface="Arial" panose="020B0604020202020204" pitchFamily="34" charset="0"/>
+              </a:defRPr>
+            </a:lvl4pPr>
+            <a:lvl5pPr>
+              <a:tabLst>
+                <a:tab pos="0" algn="l"/>
+                <a:tab pos="457200" algn="l"/>
+                <a:tab pos="914400" algn="l"/>
+                <a:tab pos="1371600" algn="l"/>
+                <a:tab pos="1828800" algn="l"/>
+                <a:tab pos="2286000" algn="l"/>
+                <a:tab pos="2743200" algn="l"/>
+                <a:tab pos="3200400" algn="l"/>
+                <a:tab pos="3657600" algn="l"/>
+                <a:tab pos="4114800" algn="l"/>
+                <a:tab pos="4572000" algn="l"/>
+                <a:tab pos="5029200" algn="l"/>
+                <a:tab pos="5486400" algn="l"/>
+                <a:tab pos="5943600" algn="l"/>
+                <a:tab pos="6400800" algn="l"/>
+                <a:tab pos="6858000" algn="l"/>
+                <a:tab pos="7315200" algn="l"/>
+                <a:tab pos="7772400" algn="l"/>
+                <a:tab pos="8229600" algn="l"/>
+                <a:tab pos="8686800" algn="l"/>
+                <a:tab pos="9144000" algn="l"/>
+                <a:tab pos="9410700" algn="l"/>
+              </a:tabLst>
+              <a:defRPr>
+                <a:solidFill>
+                  <a:srgbClr val="000000"/>
+                </a:solidFill>
+                <a:latin typeface="Arial" panose="020B0604020202020204" pitchFamily="34" charset="0"/>
+                <a:cs typeface="Arial" panose="020B0604020202020204" pitchFamily="34" charset="0"/>
+              </a:defRPr>
+            </a:lvl5pPr>
+            <a:lvl6pPr defTabSz="457200" fontAlgn="base">
+              <a:spcBef>
+                <a:spcPct val="0"/>
+              </a:spcBef>
+              <a:spcAft>
+                <a:spcPct val="0"/>
+              </a:spcAft>
+              <a:buClr>
+                <a:srgbClr val="000000"/>
+              </a:buClr>
+              <a:buSzPct val="100000"/>
+              <a:buFont typeface="Arial" panose="020B0604020202020204" pitchFamily="34" charset="0"/>
+              <a:tabLst>
+                <a:tab pos="0" algn="l"/>
+                <a:tab pos="457200" algn="l"/>
+                <a:tab pos="914400" algn="l"/>
+                <a:tab pos="1371600" algn="l"/>
+                <a:tab pos="1828800" algn="l"/>
+                <a:tab pos="2286000" algn="l"/>
+                <a:tab pos="2743200" algn="l"/>
+                <a:tab pos="3200400" algn="l"/>
+                <a:tab pos="3657600" algn="l"/>
+                <a:tab pos="4114800" algn="l"/>
+                <a:tab pos="4572000" algn="l"/>
+                <a:tab pos="5029200" algn="l"/>
+                <a:tab pos="5486400" algn="l"/>
+                <a:tab pos="5943600" algn="l"/>
+                <a:tab pos="6400800" algn="l"/>
+                <a:tab pos="6858000" algn="l"/>
+                <a:tab pos="7315200" algn="l"/>
+                <a:tab pos="7772400" algn="l"/>
+                <a:tab pos="8229600" algn="l"/>
+                <a:tab pos="8686800" algn="l"/>
+                <a:tab pos="9144000" algn="l"/>
+                <a:tab pos="9410700" algn="l"/>
+              </a:tabLst>
+              <a:defRPr>
+                <a:solidFill>
+                  <a:srgbClr val="000000"/>
+                </a:solidFill>
+                <a:latin typeface="Arial" panose="020B0604020202020204" pitchFamily="34" charset="0"/>
+                <a:cs typeface="Arial" panose="020B0604020202020204" pitchFamily="34" charset="0"/>
+              </a:defRPr>
+            </a:lvl6pPr>
+            <a:lvl7pPr defTabSz="457200" fontAlgn="base">
+              <a:spcBef>
+                <a:spcPct val="0"/>
+              </a:spcBef>
+              <a:spcAft>
+                <a:spcPct val="0"/>
+              </a:spcAft>
+              <a:buClr>
+                <a:srgbClr val="000000"/>
+              </a:buClr>
+              <a:buSzPct val="100000"/>
+              <a:buFont typeface="Arial" panose="020B0604020202020204" pitchFamily="34" charset="0"/>
+              <a:tabLst>
+                <a:tab pos="0" algn="l"/>
+                <a:tab pos="457200" algn="l"/>
+                <a:tab pos="914400" algn="l"/>
+                <a:tab pos="1371600" algn="l"/>
+                <a:tab pos="1828800" algn="l"/>
+                <a:tab pos="2286000" algn="l"/>
+                <a:tab pos="2743200" algn="l"/>
+                <a:tab pos="3200400" algn="l"/>
+                <a:tab pos="3657600" algn="l"/>
+                <a:tab pos="4114800" algn="l"/>
+                <a:tab pos="4572000" algn="l"/>
+                <a:tab pos="5029200" algn="l"/>
+                <a:tab pos="5486400" algn="l"/>
+                <a:tab pos="5943600" algn="l"/>
+                <a:tab pos="6400800" algn="l"/>
+                <a:tab pos="6858000" algn="l"/>
+                <a:tab pos="7315200" algn="l"/>
+                <a:tab pos="7772400" algn="l"/>
+                <a:tab pos="8229600" algn="l"/>
+                <a:tab pos="8686800" algn="l"/>
+                <a:tab pos="9144000" algn="l"/>
+                <a:tab pos="9410700" algn="l"/>
+              </a:tabLst>
+              <a:defRPr>
+                <a:solidFill>
+                  <a:srgbClr val="000000"/>
+                </a:solidFill>
+                <a:latin typeface="Arial" panose="020B0604020202020204" pitchFamily="34" charset="0"/>
+                <a:cs typeface="Arial" panose="020B0604020202020204" pitchFamily="34" charset="0"/>
+              </a:defRPr>
+            </a:lvl7pPr>
+            <a:lvl8pPr defTabSz="457200" fontAlgn="base">
+              <a:spcBef>
+                <a:spcPct val="0"/>
+              </a:spcBef>
+              <a:spcAft>
+                <a:spcPct val="0"/>
+              </a:spcAft>
+              <a:buClr>
+                <a:srgbClr val="000000"/>
+              </a:buClr>
+              <a:buSzPct val="100000"/>
+              <a:buFont typeface="Arial" panose="020B0604020202020204" pitchFamily="34" charset="0"/>
+              <a:tabLst>
+                <a:tab pos="0" algn="l"/>
+                <a:tab pos="457200" algn="l"/>
+                <a:tab pos="914400" algn="l"/>
+                <a:tab pos="1371600" algn="l"/>
+                <a:tab pos="1828800" algn="l"/>
+                <a:tab pos="2286000" algn="l"/>
+                <a:tab pos="2743200" algn="l"/>
+                <a:tab pos="3200400" algn="l"/>
+                <a:tab pos="3657600" algn="l"/>
+                <a:tab pos="4114800" algn="l"/>
+                <a:tab pos="4572000" algn="l"/>
+                <a:tab pos="5029200" algn="l"/>
+                <a:tab pos="5486400" algn="l"/>
+                <a:tab pos="5943600" algn="l"/>
+                <a:tab pos="6400800" algn="l"/>
+                <a:tab pos="6858000" algn="l"/>
+                <a:tab pos="7315200" algn="l"/>
+                <a:tab pos="7772400" algn="l"/>
+                <a:tab pos="8229600" algn="l"/>
+                <a:tab pos="8686800" algn="l"/>
+                <a:tab pos="9144000" algn="l"/>
+                <a:tab pos="9410700" algn="l"/>
+              </a:tabLst>
+              <a:defRPr>
+                <a:solidFill>
+                  <a:srgbClr val="000000"/>
+                </a:solidFill>
+                <a:latin typeface="Arial" panose="020B0604020202020204" pitchFamily="34" charset="0"/>
+                <a:cs typeface="Arial" panose="020B0604020202020204" pitchFamily="34" charset="0"/>
+              </a:defRPr>
+            </a:lvl8pPr>
+            <a:lvl9pPr defTabSz="457200" fontAlgn="base">
+              <a:spcBef>
+                <a:spcPct val="0"/>
+              </a:spcBef>
+              <a:spcAft>
+                <a:spcPct val="0"/>
+              </a:spcAft>
+              <a:buClr>
+                <a:srgbClr val="000000"/>
+              </a:buClr>
+              <a:buSzPct val="100000"/>
+              <a:buFont typeface="Arial" panose="020B0604020202020204" pitchFamily="34" charset="0"/>
+              <a:tabLst>
+                <a:tab pos="0" algn="l"/>
+                <a:tab pos="457200" algn="l"/>
+                <a:tab pos="914400" algn="l"/>
+                <a:tab pos="1371600" algn="l"/>
+                <a:tab pos="1828800" algn="l"/>
+                <a:tab pos="2286000" algn="l"/>
+                <a:tab pos="2743200" algn="l"/>
+                <a:tab pos="3200400" algn="l"/>
+                <a:tab pos="3657600" algn="l"/>
+                <a:tab pos="4114800" algn="l"/>
+                <a:tab pos="4572000" algn="l"/>
+                <a:tab pos="5029200" algn="l"/>
+                <a:tab pos="5486400" algn="l"/>
+                <a:tab pos="5943600" algn="l"/>
+                <a:tab pos="6400800" algn="l"/>
+                <a:tab pos="6858000" algn="l"/>
+                <a:tab pos="7315200" algn="l"/>
+                <a:tab pos="7772400" algn="l"/>
+                <a:tab pos="8229600" algn="l"/>
+                <a:tab pos="8686800" algn="l"/>
+                <a:tab pos="9144000" algn="l"/>
+                <a:tab pos="9410700" algn="l"/>
+              </a:tabLst>
+              <a:defRPr>
+                <a:solidFill>
+                  <a:srgbClr val="000000"/>
+                </a:solidFill>
+                <a:latin typeface="Arial" panose="020B0604020202020204" pitchFamily="34" charset="0"/>
+                <a:cs typeface="Arial" panose="020B0604020202020204" pitchFamily="34" charset="0"/>
+              </a:defRPr>
+            </a:lvl9pPr>
+          </a:lstStyle>
+          <a:p>
+            <a:pPr algn="l" rtl="0">
+              <a:spcBef>
+                <a:spcPts val="750"/>
+              </a:spcBef>
+            </a:pPr>
+            <a:r>
+              <a:rPr lang="en-US" altLang="en-US" sz="2400" dirty="0"/>
+              <a:t>RCV1 dataset with 5K </a:t>
+            </a:r>
+            <a:r>
+              <a:rPr lang="en-US" altLang="en-US" sz="2400" dirty="0" smtClean="0"/>
+              <a:t>features</a:t>
+            </a:r>
+            <a:r>
+              <a:rPr lang="en-US" altLang="en-US" sz="2400" dirty="0" smtClean="0"/>
+              <a:t>, </a:t>
+            </a:r>
+            <a:r>
+              <a:rPr lang="en-US" altLang="en-US" sz="2400" dirty="0" smtClean="0"/>
+              <a:t>mean </a:t>
+            </a:r>
+            <a:r>
+              <a:rPr lang="en-US" altLang="en-US" sz="2400" dirty="0"/>
+              <a:t>training time as a function of the learned matrix density. </a:t>
+            </a:r>
+            <a:endParaRPr lang="en-AU" altLang="en-US" sz="2400" i="1" dirty="0"/>
+          </a:p>
+        </p:txBody>
+      </p:sp>
     </p:spTree>
   </p:cSld>
   <p:clrMapOvr>

--- a/COMET_poster.pptx
+++ b/COMET_poster.pptx
@@ -5082,8 +5082,8 @@
           </p:sp>
         </mc:Fallback>
       </mc:AlternateContent>
-      <mc:AlternateContent xmlns:mc="http://schemas.openxmlformats.org/markup-compatibility/2006" xmlns:a14="http://schemas.microsoft.com/office/drawing/2010/main">
-        <mc:Choice Requires="a14">
+      <mc:AlternateContent xmlns:mc="http://schemas.openxmlformats.org/markup-compatibility/2006">
+        <mc:Choice xmlns:a14="http://schemas.microsoft.com/office/drawing/2010/main" Requires="a14">
           <p:sp>
             <p:nvSpPr>
               <p:cNvPr id="129" name="Rounded Rectangle 128"/>
@@ -5145,7 +5145,7 @@
                       <a:schemeClr val="tx1"/>
                     </a:solidFill>
                   </a:rPr>
-                  <a:t>Learning a measure of pairwise similarity </a:t>
+                  <a:t>Learning a measure of pairwise </a:t>
                 </a:r>
                 <a:r>
                   <a:rPr lang="en-US" sz="3200" dirty="0" smtClean="0">
@@ -5153,7 +5153,7 @@
                       <a:schemeClr val="tx1"/>
                     </a:solidFill>
                   </a:rPr>
-                  <a:t>over </a:t>
+                  <a:t>similarity parametrized by a positive </a:t>
                 </a:r>
                 <a:r>
                   <a:rPr lang="en-US" sz="3200" dirty="0">
@@ -5161,7 +5161,15 @@
                       <a:schemeClr val="tx1"/>
                     </a:solidFill>
                   </a:rPr>
-                  <a:t>the cone of positive definite (PD) matrices </a:t>
+                  <a:t>definite (PD) </a:t>
+                </a:r>
+                <a:r>
+                  <a:rPr lang="en-US" sz="3200" dirty="0" smtClean="0">
+                    <a:solidFill>
+                      <a:schemeClr val="tx1"/>
+                    </a:solidFill>
+                  </a:rPr>
+                  <a:t>matrix:</a:t>
                 </a:r>
                 <a:endParaRPr lang="en-US" sz="3200" dirty="0" smtClean="0">
                   <a:solidFill>
@@ -5319,118 +5327,19 @@
                           </a:solidFill>
                           <a:latin typeface="Cambria Math" panose="02040503050406030204" pitchFamily="18" charset="0"/>
                         </a:rPr>
-                        <m:t>𝑊𝑦</m:t>
-                      </m:r>
-                      <m:r>
-                        <a:rPr lang="en-US" sz="3200" i="1">
-                          <a:solidFill>
-                            <a:schemeClr val="tx1"/>
-                          </a:solidFill>
-                          <a:latin typeface="Cambria Math" panose="02040503050406030204" pitchFamily="18" charset="0"/>
-                        </a:rPr>
-                        <m:t>  | </m:t>
-                      </m:r>
-                      <m:r>
-                        <a:rPr lang="en-US" sz="3200" i="1">
-                          <a:solidFill>
-                            <a:schemeClr val="tx1"/>
-                          </a:solidFill>
-                          <a:latin typeface="Cambria Math" panose="02040503050406030204" pitchFamily="18" charset="0"/>
-                        </a:rPr>
                         <m:t>𝑊</m:t>
-                      </m:r>
-                      <m:r>
-                        <a:rPr lang="en-US" sz="3200" i="1">
-                          <a:solidFill>
-                            <a:schemeClr val="tx1"/>
-                          </a:solidFill>
-                          <a:latin typeface="Cambria Math" panose="02040503050406030204" pitchFamily="18" charset="0"/>
-                        </a:rPr>
-                        <m:t>≻</m:t>
-                      </m:r>
-                      <m:r>
-                        <a:rPr lang="en-US" sz="3200" i="1">
-                          <a:solidFill>
-                            <a:schemeClr val="tx1"/>
-                          </a:solidFill>
-                          <a:latin typeface="Cambria Math" panose="02040503050406030204" pitchFamily="18" charset="0"/>
-                        </a:rPr>
-                        <m:t>0</m:t>
-                      </m:r>
-                      <m:r>
-                        <a:rPr lang="en-US" sz="3200" i="1">
-                          <a:solidFill>
-                            <a:schemeClr val="tx1"/>
-                          </a:solidFill>
-                          <a:latin typeface="Cambria Math" panose="02040503050406030204" pitchFamily="18" charset="0"/>
-                        </a:rPr>
-                        <m:t> (</m:t>
-                      </m:r>
-                      <m:r>
-                        <a:rPr lang="en-US" sz="3200" i="1">
-                          <a:solidFill>
-                            <a:schemeClr val="tx1"/>
-                          </a:solidFill>
-                          <a:latin typeface="Cambria Math" panose="02040503050406030204" pitchFamily="18" charset="0"/>
-                        </a:rPr>
-                        <m:t>𝑊</m:t>
-                      </m:r>
-                      <m:r>
-                        <a:rPr lang="en-US" sz="3200" i="1">
-                          <a:solidFill>
-                            <a:schemeClr val="tx1"/>
-                          </a:solidFill>
-                          <a:latin typeface="Cambria Math" panose="02040503050406030204" pitchFamily="18" charset="0"/>
-                        </a:rPr>
-                        <m:t> </m:t>
-                      </m:r>
-                      <m:r>
-                        <a:rPr lang="en-US" sz="3200" i="1">
-                          <a:solidFill>
-                            <a:schemeClr val="tx1"/>
-                          </a:solidFill>
-                          <a:latin typeface="Cambria Math" panose="02040503050406030204" pitchFamily="18" charset="0"/>
-                        </a:rPr>
-                        <m:t>𝑖𝑠</m:t>
-                      </m:r>
-                      <m:r>
-                        <a:rPr lang="en-US" sz="3200" i="1">
-                          <a:solidFill>
-                            <a:schemeClr val="tx1"/>
-                          </a:solidFill>
-                          <a:latin typeface="Cambria Math" panose="02040503050406030204" pitchFamily="18" charset="0"/>
-                        </a:rPr>
-                        <m:t> </m:t>
-                      </m:r>
-                      <m:r>
-                        <a:rPr lang="en-US" sz="3200" i="1">
-                          <a:solidFill>
-                            <a:schemeClr val="tx1"/>
-                          </a:solidFill>
-                          <a:latin typeface="Cambria Math" panose="02040503050406030204" pitchFamily="18" charset="0"/>
-                        </a:rPr>
-                        <m:t>𝑃𝐷</m:t>
-                      </m:r>
-                      <m:r>
-                        <a:rPr lang="en-US" sz="3200" i="1">
-                          <a:solidFill>
-                            <a:schemeClr val="tx1"/>
-                          </a:solidFill>
-                          <a:latin typeface="Cambria Math" panose="02040503050406030204" pitchFamily="18" charset="0"/>
-                        </a:rPr>
-                        <m:t>)</m:t>
                       </m:r>
                     </m:oMath>
                   </m:oMathPara>
                 </a14:m>
-                <a:endParaRPr lang="en-US" sz="3200" dirty="0">
+                <a:endParaRPr lang="en-US" sz="3200" dirty="0" smtClean="0">
                   <a:solidFill>
                     <a:schemeClr val="tx1"/>
                   </a:solidFill>
                 </a:endParaRPr>
               </a:p>
               <a:p>
-                <a:pPr algn="l" rtl="0"/>
+                <a:pPr algn="l"/>
                 <a:endParaRPr lang="en-US" sz="3200" dirty="0" smtClean="0">
                   <a:solidFill>
                     <a:schemeClr val="tx1"/>
@@ -5528,10 +5437,110 @@
                       <a:schemeClr val="tx1"/>
                     </a:solidFill>
                   </a:rPr>
-                  <a:t>such that per a given triplet </a:t>
+                  <a:t>such that </a:t>
                 </a:r>
                 <a14:m>
                   <m:oMath xmlns:m="http://schemas.openxmlformats.org/officeDocument/2006/math">
+                    <m:sSub>
+                      <m:sSubPr>
+                        <m:ctrlPr>
+                          <a:rPr lang="en-US" sz="3200" i="1">
+                            <a:solidFill>
+                              <a:schemeClr val="tx1"/>
+                            </a:solidFill>
+                            <a:latin typeface="Cambria Math" panose="02040503050406030204" pitchFamily="18" charset="0"/>
+                          </a:rPr>
+                        </m:ctrlPr>
+                      </m:sSubPr>
+                      <m:e>
+                        <m:r>
+                          <a:rPr lang="en-US" sz="3200" i="1">
+                            <a:solidFill>
+                              <a:schemeClr val="tx1"/>
+                            </a:solidFill>
+                            <a:latin typeface="Cambria Math" panose="02040503050406030204" pitchFamily="18" charset="0"/>
+                          </a:rPr>
+                          <m:t>𝑆</m:t>
+                        </m:r>
+                      </m:e>
+                      <m:sub>
+                        <m:r>
+                          <a:rPr lang="en-US" sz="3200" i="1">
+                            <a:solidFill>
+                              <a:schemeClr val="tx1"/>
+                            </a:solidFill>
+                            <a:latin typeface="Cambria Math" panose="02040503050406030204" pitchFamily="18" charset="0"/>
+                          </a:rPr>
+                          <m:t>𝑊</m:t>
+                        </m:r>
+                      </m:sub>
+                    </m:sSub>
+                    <m:d>
+                      <m:dPr>
+                        <m:ctrlPr>
+                          <a:rPr lang="en-US" sz="3200" i="1">
+                            <a:solidFill>
+                              <a:schemeClr val="tx1"/>
+                            </a:solidFill>
+                            <a:latin typeface="Cambria Math" panose="02040503050406030204" pitchFamily="18" charset="0"/>
+                          </a:rPr>
+                        </m:ctrlPr>
+                      </m:dPr>
+                      <m:e>
+                        <m:r>
+                          <a:rPr lang="en-US" sz="3200" i="1">
+                            <a:solidFill>
+                              <a:schemeClr val="tx1"/>
+                            </a:solidFill>
+                            <a:latin typeface="Cambria Math" panose="02040503050406030204" pitchFamily="18" charset="0"/>
+                          </a:rPr>
+                          <m:t>𝑞</m:t>
+                        </m:r>
+                        <m:r>
+                          <a:rPr lang="en-US" sz="3200" i="1">
+                            <a:solidFill>
+                              <a:schemeClr val="tx1"/>
+                            </a:solidFill>
+                            <a:latin typeface="Cambria Math" panose="02040503050406030204" pitchFamily="18" charset="0"/>
+                          </a:rPr>
+                          <m:t>,</m:t>
+                        </m:r>
+                        <m:sSup>
+                          <m:sSupPr>
+                            <m:ctrlPr>
+                              <a:rPr lang="en-US" sz="3200" i="1">
+                                <a:solidFill>
+                                  <a:schemeClr val="tx1"/>
+                                </a:solidFill>
+                                <a:latin typeface="Cambria Math" panose="02040503050406030204" pitchFamily="18" charset="0"/>
+                              </a:rPr>
+                            </m:ctrlPr>
+                          </m:sSupPr>
+                          <m:e>
+                            <m:r>
+                              <a:rPr lang="en-US" sz="3200" i="1">
+                                <a:solidFill>
+                                  <a:schemeClr val="tx1"/>
+                                </a:solidFill>
+                                <a:latin typeface="Cambria Math" panose="02040503050406030204" pitchFamily="18" charset="0"/>
+                              </a:rPr>
+                              <m:t>𝑝</m:t>
+                            </m:r>
+                          </m:e>
+                          <m:sup>
+                            <m:r>
+                              <a:rPr lang="en-US" sz="3200" i="1">
+                                <a:solidFill>
+                                  <a:schemeClr val="tx1"/>
+                                </a:solidFill>
+                                <a:latin typeface="Cambria Math" panose="02040503050406030204" pitchFamily="18" charset="0"/>
+                              </a:rPr>
+                              <m:t>+</m:t>
+                            </m:r>
+                          </m:sup>
+                        </m:sSup>
+                      </m:e>
+                    </m:d>
                     <m:r>
                       <a:rPr lang="en-US" sz="3200" i="1">
                         <a:solidFill>
@@ -5539,38 +5548,143 @@
                         </a:solidFill>
                         <a:latin typeface="Cambria Math" panose="02040503050406030204" pitchFamily="18" charset="0"/>
                       </a:rPr>
-                      <m:t>{</m:t>
+                      <m:t>&gt;</m:t>
                     </m:r>
-                    <m:r>
-                      <a:rPr lang="en-US" sz="3200" i="1">
-                        <a:solidFill>
-                          <a:schemeClr val="tx1"/>
-                        </a:solidFill>
-                        <a:latin typeface="Cambria Math" panose="02040503050406030204" pitchFamily="18" charset="0"/>
-                      </a:rPr>
-                      <m:t>𝑞</m:t>
-                    </m:r>
-                    <m:r>
-                      <a:rPr lang="en-US" sz="3200" b="0" i="1" smtClean="0">
-                        <a:solidFill>
-                          <a:schemeClr val="tx1"/>
-                        </a:solidFill>
-                        <a:latin typeface="Cambria Math" panose="02040503050406030204" pitchFamily="18" charset="0"/>
-                      </a:rPr>
-                      <m:t>, </m:t>
-                    </m:r>
-                    <m:sSup>
-                      <m:sSupPr>
+                    <m:sSub>
+                      <m:sSubPr>
                         <m:ctrlPr>
-                          <a:rPr lang="en-US" sz="3200" b="0" i="1" smtClean="0">
+                          <a:rPr lang="en-US" sz="3200" i="1">
                             <a:solidFill>
                               <a:schemeClr val="tx1"/>
                             </a:solidFill>
                             <a:latin typeface="Cambria Math" panose="02040503050406030204" pitchFamily="18" charset="0"/>
                           </a:rPr>
                         </m:ctrlPr>
-                      </m:sSupPr>
+                      </m:sSubPr>
                       <m:e>
+                        <m:r>
+                          <a:rPr lang="en-US" sz="3200" i="1">
+                            <a:solidFill>
+                              <a:schemeClr val="tx1"/>
+                            </a:solidFill>
+                            <a:latin typeface="Cambria Math" panose="02040503050406030204" pitchFamily="18" charset="0"/>
+                          </a:rPr>
+                          <m:t>𝑆</m:t>
+                        </m:r>
+                      </m:e>
+                      <m:sub>
+                        <m:r>
+                          <a:rPr lang="en-US" sz="3200" i="1">
+                            <a:solidFill>
+                              <a:schemeClr val="tx1"/>
+                            </a:solidFill>
+                            <a:latin typeface="Cambria Math" panose="02040503050406030204" pitchFamily="18" charset="0"/>
+                          </a:rPr>
+                          <m:t>𝑊</m:t>
+                        </m:r>
+                      </m:sub>
+                    </m:sSub>
+                    <m:d>
+                      <m:dPr>
+                        <m:ctrlPr>
+                          <a:rPr lang="en-US" sz="3200" i="1">
+                            <a:solidFill>
+                              <a:schemeClr val="tx1"/>
+                            </a:solidFill>
+                            <a:latin typeface="Cambria Math" panose="02040503050406030204" pitchFamily="18" charset="0"/>
+                          </a:rPr>
+                        </m:ctrlPr>
+                      </m:dPr>
+                      <m:e>
+                        <m:r>
+                          <a:rPr lang="en-US" sz="3200" i="1">
+                            <a:solidFill>
+                              <a:schemeClr val="tx1"/>
+                            </a:solidFill>
+                            <a:latin typeface="Cambria Math" panose="02040503050406030204" pitchFamily="18" charset="0"/>
+                          </a:rPr>
+                          <m:t>𝑞</m:t>
+                        </m:r>
+                        <m:r>
+                          <a:rPr lang="en-US" sz="3200" i="1">
+                            <a:solidFill>
+                              <a:schemeClr val="tx1"/>
+                            </a:solidFill>
+                            <a:latin typeface="Cambria Math" panose="02040503050406030204" pitchFamily="18" charset="0"/>
+                          </a:rPr>
+                          <m:t>, </m:t>
+                        </m:r>
+                        <m:sSup>
+                          <m:sSupPr>
+                            <m:ctrlPr>
+                              <a:rPr lang="en-US" sz="3200" i="1">
+                                <a:solidFill>
+                                  <a:schemeClr val="tx1"/>
+                                </a:solidFill>
+                                <a:latin typeface="Cambria Math" panose="02040503050406030204" pitchFamily="18" charset="0"/>
+                              </a:rPr>
+                            </m:ctrlPr>
+                          </m:sSupPr>
+                          <m:e>
+                            <m:r>
+                              <a:rPr lang="en-US" sz="3200" i="1">
+                                <a:solidFill>
+                                  <a:schemeClr val="tx1"/>
+                                </a:solidFill>
+                                <a:latin typeface="Cambria Math" panose="02040503050406030204" pitchFamily="18" charset="0"/>
+                              </a:rPr>
+                              <m:t>𝑝</m:t>
+                            </m:r>
+                          </m:e>
+                          <m:sup>
+                            <m:r>
+                              <a:rPr lang="en-US" sz="3200" i="1">
+                                <a:solidFill>
+                                  <a:schemeClr val="tx1"/>
+                                </a:solidFill>
+                                <a:latin typeface="Cambria Math" panose="02040503050406030204" pitchFamily="18" charset="0"/>
+                              </a:rPr>
+                              <m:t>−</m:t>
+                            </m:r>
+                          </m:sup>
+                        </m:sSup>
+                      </m:e>
+                    </m:d>
+                  </m:oMath>
+                </a14:m>
+                <a:r>
+                  <a:rPr lang="en-US" sz="3200" dirty="0" smtClean="0">
+                    <a:solidFill>
+                      <a:schemeClr val="tx1"/>
+                    </a:solidFill>
+                  </a:rPr>
+                  <a:t> for a triplet </a:t>
+                </a:r>
+                <a14:m>
+                  <m:oMath xmlns:m="http://schemas.openxmlformats.org/officeDocument/2006/math">
+                    <m:d>
+                      <m:dPr>
+                        <m:begChr m:val="{"/>
+                        <m:endChr m:val="}"/>
+                        <m:ctrlPr>
+                          <a:rPr lang="en-US" sz="3200" i="1">
+                            <a:solidFill>
+                              <a:schemeClr val="tx1"/>
+                            </a:solidFill>
+                            <a:latin typeface="Cambria Math" panose="02040503050406030204" pitchFamily="18" charset="0"/>
+                          </a:rPr>
+                        </m:ctrlPr>
+                      </m:dPr>
+                      <m:e>
+                        <m:r>
+                          <a:rPr lang="en-US" sz="3200" i="1">
+                            <a:solidFill>
+                              <a:schemeClr val="tx1"/>
+                            </a:solidFill>
+                            <a:latin typeface="Cambria Math" panose="02040503050406030204" pitchFamily="18" charset="0"/>
+                          </a:rPr>
+                          <m:t>𝑞</m:t>
+                        </m:r>
                         <m:r>
                           <a:rPr lang="en-US" sz="3200" b="0" i="1" smtClean="0">
                             <a:solidFill>
@@ -5578,10 +5692,42 @@
                             </a:solidFill>
                             <a:latin typeface="Cambria Math" panose="02040503050406030204" pitchFamily="18" charset="0"/>
                           </a:rPr>
-                          <m:t>𝑝</m:t>
+                          <m:t>, </m:t>
                         </m:r>
-                      </m:e>
-                      <m:sup>
+                        <m:sSup>
+                          <m:sSupPr>
+                            <m:ctrlPr>
+                              <a:rPr lang="en-US" sz="3200" b="0" i="1" smtClean="0">
+                                <a:solidFill>
+                                  <a:schemeClr val="tx1"/>
+                                </a:solidFill>
+                                <a:latin typeface="Cambria Math" panose="02040503050406030204" pitchFamily="18" charset="0"/>
+                              </a:rPr>
+                            </m:ctrlPr>
+                          </m:sSupPr>
+                          <m:e>
+                            <m:r>
+                              <a:rPr lang="en-US" sz="3200" b="0" i="1" smtClean="0">
+                                <a:solidFill>
+                                  <a:schemeClr val="tx1"/>
+                                </a:solidFill>
+                                <a:latin typeface="Cambria Math" panose="02040503050406030204" pitchFamily="18" charset="0"/>
+                              </a:rPr>
+                              <m:t>𝑝</m:t>
+                            </m:r>
+                          </m:e>
+                          <m:sup>
+                            <m:r>
+                              <a:rPr lang="en-US" sz="3200" b="0" i="1" smtClean="0">
+                                <a:solidFill>
+                                  <a:schemeClr val="tx1"/>
+                                </a:solidFill>
+                                <a:latin typeface="Cambria Math" panose="02040503050406030204" pitchFamily="18" charset="0"/>
+                              </a:rPr>
+                              <m:t>+</m:t>
+                            </m:r>
+                          </m:sup>
+                        </m:sSup>
                         <m:r>
                           <a:rPr lang="en-US" sz="3200" b="0" i="1" smtClean="0">
                             <a:solidFill>
@@ -5589,299 +5735,62 @@
                             </a:solidFill>
                             <a:latin typeface="Cambria Math" panose="02040503050406030204" pitchFamily="18" charset="0"/>
                           </a:rPr>
-                          <m:t>+</m:t>
+                          <m:t>, </m:t>
                         </m:r>
-                      </m:sup>
-                    </m:sSup>
-                    <m:r>
-                      <a:rPr lang="en-US" sz="3200" b="0" i="1" smtClean="0">
-                        <a:solidFill>
-                          <a:schemeClr val="tx1"/>
-                        </a:solidFill>
-                        <a:latin typeface="Cambria Math" panose="02040503050406030204" pitchFamily="18" charset="0"/>
-                      </a:rPr>
-                      <m:t>, </m:t>
-                    </m:r>
-                    <m:sSup>
-                      <m:sSupPr>
-                        <m:ctrlPr>
-                          <a:rPr lang="en-US" sz="3200" b="0" i="1" smtClean="0">
-                            <a:solidFill>
-                              <a:schemeClr val="tx1"/>
-                            </a:solidFill>
-                            <a:latin typeface="Cambria Math" panose="02040503050406030204" pitchFamily="18" charset="0"/>
-                          </a:rPr>
-                        </m:ctrlPr>
-                      </m:sSupPr>
-                      <m:e>
-                        <m:r>
-                          <a:rPr lang="en-US" sz="3200" b="0" i="1" smtClean="0">
-                            <a:solidFill>
-                              <a:schemeClr val="tx1"/>
-                            </a:solidFill>
-                            <a:latin typeface="Cambria Math" panose="02040503050406030204" pitchFamily="18" charset="0"/>
-                          </a:rPr>
-                          <m:t>𝑝</m:t>
-                        </m:r>
+                        <m:sSup>
+                          <m:sSupPr>
+                            <m:ctrlPr>
+                              <a:rPr lang="en-US" sz="3200" b="0" i="1" smtClean="0">
+                                <a:solidFill>
+                                  <a:schemeClr val="tx1"/>
+                                </a:solidFill>
+                                <a:latin typeface="Cambria Math" panose="02040503050406030204" pitchFamily="18" charset="0"/>
+                              </a:rPr>
+                            </m:ctrlPr>
+                          </m:sSupPr>
+                          <m:e>
+                            <m:r>
+                              <a:rPr lang="en-US" sz="3200" b="0" i="1" smtClean="0">
+                                <a:solidFill>
+                                  <a:schemeClr val="tx1"/>
+                                </a:solidFill>
+                                <a:latin typeface="Cambria Math" panose="02040503050406030204" pitchFamily="18" charset="0"/>
+                              </a:rPr>
+                              <m:t>𝑝</m:t>
+                            </m:r>
+                          </m:e>
+                          <m:sup>
+                            <m:r>
+                              <a:rPr lang="en-US" sz="3200" b="0" i="1" smtClean="0">
+                                <a:solidFill>
+                                  <a:schemeClr val="tx1"/>
+                                </a:solidFill>
+                                <a:latin typeface="Cambria Math" panose="02040503050406030204" pitchFamily="18" charset="0"/>
+                              </a:rPr>
+                              <m:t>−</m:t>
+                            </m:r>
+                          </m:sup>
+                        </m:sSup>
                       </m:e>
-                      <m:sup>
-                        <m:r>
-                          <a:rPr lang="en-US" sz="3200" b="0" i="1" smtClean="0">
-                            <a:solidFill>
-                              <a:schemeClr val="tx1"/>
-                            </a:solidFill>
-                            <a:latin typeface="Cambria Math" panose="02040503050406030204" pitchFamily="18" charset="0"/>
-                          </a:rPr>
-                          <m:t>−</m:t>
-                        </m:r>
-                      </m:sup>
-                    </m:sSup>
-                    <m:r>
-                      <a:rPr lang="en-US" sz="3200" b="0" i="1" smtClean="0">
-                        <a:solidFill>
-                          <a:schemeClr val="tx1"/>
-                        </a:solidFill>
-                        <a:latin typeface="Cambria Math" panose="02040503050406030204" pitchFamily="18" charset="0"/>
-                      </a:rPr>
-                      <m:t>}</m:t>
-                    </m:r>
+                    </m:d>
                   </m:oMath>
                 </a14:m>
+                <a:r>
+                  <a:rPr lang="en-US" sz="3200" b="0" dirty="0" smtClean="0">
+                    <a:solidFill>
+                      <a:schemeClr val="tx1"/>
+                    </a:solidFill>
+                  </a:rPr>
+                  <a:t>.</a:t>
+                </a:r>
+              </a:p>
+              <a:p>
+                <a:pPr algn="l" rtl="0"/>
                 <a:endParaRPr lang="en-US" sz="3200" i="1" dirty="0" smtClean="0">
                   <a:solidFill>
                     <a:schemeClr val="tx1"/>
                   </a:solidFill>
                   <a:latin typeface="Cambria Math" panose="02040503050406030204" pitchFamily="18" charset="0"/>
-                </a:endParaRPr>
-              </a:p>
-              <a:p>
-                <a:pPr algn="ctr" rtl="0"/>
-                <a14:m>
-                  <m:oMathPara xmlns:m="http://schemas.openxmlformats.org/officeDocument/2006/math">
-                    <m:oMathParaPr>
-                      <m:jc m:val="centerGroup"/>
-                    </m:oMathParaPr>
-                    <m:oMath xmlns:m="http://schemas.openxmlformats.org/officeDocument/2006/math">
-                      <m:sSub>
-                        <m:sSubPr>
-                          <m:ctrlPr>
-                            <a:rPr lang="en-US" sz="3200" i="1">
-                              <a:solidFill>
-                                <a:schemeClr val="tx1"/>
-                              </a:solidFill>
-                              <a:latin typeface="Cambria Math" panose="02040503050406030204" pitchFamily="18" charset="0"/>
-                            </a:rPr>
-                          </m:ctrlPr>
-                        </m:sSubPr>
-                        <m:e>
-                          <m:r>
-                            <a:rPr lang="en-US" sz="3200" i="1">
-                              <a:solidFill>
-                                <a:schemeClr val="tx1"/>
-                              </a:solidFill>
-                              <a:latin typeface="Cambria Math" panose="02040503050406030204" pitchFamily="18" charset="0"/>
-                            </a:rPr>
-                            <m:t>𝑆</m:t>
-                          </m:r>
-                        </m:e>
-                        <m:sub>
-                          <m:r>
-                            <a:rPr lang="en-US" sz="3200" i="1">
-                              <a:solidFill>
-                                <a:schemeClr val="tx1"/>
-                              </a:solidFill>
-                              <a:latin typeface="Cambria Math" panose="02040503050406030204" pitchFamily="18" charset="0"/>
-                            </a:rPr>
-                            <m:t>𝑊</m:t>
-                          </m:r>
-                        </m:sub>
-                      </m:sSub>
-                      <m:d>
-                        <m:dPr>
-                          <m:ctrlPr>
-                            <a:rPr lang="en-US" sz="3200" i="1">
-                              <a:solidFill>
-                                <a:schemeClr val="tx1"/>
-                              </a:solidFill>
-                              <a:latin typeface="Cambria Math" panose="02040503050406030204" pitchFamily="18" charset="0"/>
-                            </a:rPr>
-                          </m:ctrlPr>
-                        </m:dPr>
-                        <m:e>
-                          <m:r>
-                            <a:rPr lang="en-US" sz="3200" i="1">
-                              <a:solidFill>
-                                <a:schemeClr val="tx1"/>
-                              </a:solidFill>
-                              <a:latin typeface="Cambria Math" panose="02040503050406030204" pitchFamily="18" charset="0"/>
-                            </a:rPr>
-                            <m:t>𝑞</m:t>
-                          </m:r>
-                          <m:r>
-                            <a:rPr lang="en-US" sz="3200" i="1">
-                              <a:solidFill>
-                                <a:schemeClr val="tx1"/>
-                              </a:solidFill>
-                              <a:latin typeface="Cambria Math" panose="02040503050406030204" pitchFamily="18" charset="0"/>
-                            </a:rPr>
-                            <m:t>,</m:t>
-                          </m:r>
-                          <m:sSup>
-                            <m:sSupPr>
-                              <m:ctrlPr>
-                                <a:rPr lang="en-US" sz="3200" b="0" i="1" smtClean="0">
-                                  <a:solidFill>
-                                    <a:schemeClr val="tx1"/>
-                                  </a:solidFill>
-                                  <a:latin typeface="Cambria Math" panose="02040503050406030204" pitchFamily="18" charset="0"/>
-                                </a:rPr>
-                              </m:ctrlPr>
-                            </m:sSupPr>
-                            <m:e>
-                              <m:r>
-                                <a:rPr lang="en-US" sz="3200" i="1">
-                                  <a:solidFill>
-                                    <a:schemeClr val="tx1"/>
-                                  </a:solidFill>
-                                  <a:latin typeface="Cambria Math" panose="02040503050406030204" pitchFamily="18" charset="0"/>
-                                </a:rPr>
-                                <m:t>𝑝</m:t>
-                              </m:r>
-                            </m:e>
-                            <m:sup>
-                              <m:r>
-                                <a:rPr lang="en-US" sz="3200" b="0" i="1" smtClean="0">
-                                  <a:solidFill>
-                                    <a:schemeClr val="tx1"/>
-                                  </a:solidFill>
-                                  <a:latin typeface="Cambria Math" panose="02040503050406030204" pitchFamily="18" charset="0"/>
-                                </a:rPr>
-                                <m:t>+</m:t>
-                              </m:r>
-                            </m:sup>
-                          </m:sSup>
-                        </m:e>
-                      </m:d>
-                      <m:r>
-                        <a:rPr lang="en-US" sz="3200" b="0" i="1" smtClean="0">
-                          <a:solidFill>
-                            <a:schemeClr val="tx1"/>
-                          </a:solidFill>
-                          <a:latin typeface="Cambria Math" panose="02040503050406030204" pitchFamily="18" charset="0"/>
-                        </a:rPr>
-                        <m:t>&gt;</m:t>
-                      </m:r>
-                      <m:sSub>
-                        <m:sSubPr>
-                          <m:ctrlPr>
-                            <a:rPr lang="en-US" sz="3200" b="0" i="1" smtClean="0">
-                              <a:solidFill>
-                                <a:schemeClr val="tx1"/>
-                              </a:solidFill>
-                              <a:latin typeface="Cambria Math" panose="02040503050406030204" pitchFamily="18" charset="0"/>
-                            </a:rPr>
-                          </m:ctrlPr>
-                        </m:sSubPr>
-                        <m:e>
-                          <m:r>
-                            <a:rPr lang="en-US" sz="3200" b="0" i="1" smtClean="0">
-                              <a:solidFill>
-                                <a:schemeClr val="tx1"/>
-                              </a:solidFill>
-                              <a:latin typeface="Cambria Math" panose="02040503050406030204" pitchFamily="18" charset="0"/>
-                            </a:rPr>
-                            <m:t>𝑆</m:t>
-                          </m:r>
-                        </m:e>
-                        <m:sub>
-                          <m:r>
-                            <a:rPr lang="en-US" sz="3200" b="0" i="1" smtClean="0">
-                              <a:solidFill>
-                                <a:schemeClr val="tx1"/>
-                              </a:solidFill>
-                              <a:latin typeface="Cambria Math" panose="02040503050406030204" pitchFamily="18" charset="0"/>
-                            </a:rPr>
-                            <m:t>𝑊</m:t>
-                          </m:r>
-                        </m:sub>
-                      </m:sSub>
-                      <m:r>
-                        <a:rPr lang="en-US" sz="3200" b="0" i="1" smtClean="0">
-                          <a:solidFill>
-                            <a:schemeClr val="tx1"/>
-                          </a:solidFill>
-                          <a:latin typeface="Cambria Math" panose="02040503050406030204" pitchFamily="18" charset="0"/>
-                        </a:rPr>
-                        <m:t>(</m:t>
-                      </m:r>
-                      <m:r>
-                        <a:rPr lang="en-US" sz="3200" b="0" i="1" smtClean="0">
-                          <a:solidFill>
-                            <a:schemeClr val="tx1"/>
-                          </a:solidFill>
-                          <a:latin typeface="Cambria Math" panose="02040503050406030204" pitchFamily="18" charset="0"/>
-                        </a:rPr>
-                        <m:t>𝑞</m:t>
-                      </m:r>
-                      <m:r>
-                        <a:rPr lang="en-US" sz="3200" b="0" i="1" smtClean="0">
-                          <a:solidFill>
-                            <a:schemeClr val="tx1"/>
-                          </a:solidFill>
-                          <a:latin typeface="Cambria Math" panose="02040503050406030204" pitchFamily="18" charset="0"/>
-                        </a:rPr>
-                        <m:t>, </m:t>
-                      </m:r>
-                      <m:sSup>
-                        <m:sSupPr>
-                          <m:ctrlPr>
-                            <a:rPr lang="en-US" sz="3200" b="0" i="1" smtClean="0">
-                              <a:solidFill>
-                                <a:schemeClr val="tx1"/>
-                              </a:solidFill>
-                              <a:latin typeface="Cambria Math" panose="02040503050406030204" pitchFamily="18" charset="0"/>
-                            </a:rPr>
-                          </m:ctrlPr>
-                        </m:sSupPr>
-                        <m:e>
-                          <m:r>
-                            <a:rPr lang="en-US" sz="3200" b="0" i="1" smtClean="0">
-                              <a:solidFill>
-                                <a:schemeClr val="tx1"/>
-                              </a:solidFill>
-                              <a:latin typeface="Cambria Math" panose="02040503050406030204" pitchFamily="18" charset="0"/>
-                            </a:rPr>
-                            <m:t>𝑝</m:t>
-                          </m:r>
-                        </m:e>
-                        <m:sup>
-                          <m:r>
-                            <a:rPr lang="en-US" sz="3200" b="0" i="1" smtClean="0">
-                              <a:solidFill>
-                                <a:schemeClr val="tx1"/>
-                              </a:solidFill>
-                              <a:latin typeface="Cambria Math" panose="02040503050406030204" pitchFamily="18" charset="0"/>
-                            </a:rPr>
-                            <m:t>−</m:t>
-                          </m:r>
-                        </m:sup>
-                      </m:sSup>
-                      <m:r>
-                        <a:rPr lang="en-US" sz="3200" b="0" i="1" smtClean="0">
-                          <a:solidFill>
-                            <a:schemeClr val="tx1"/>
-                          </a:solidFill>
-                          <a:latin typeface="Cambria Math" panose="02040503050406030204" pitchFamily="18" charset="0"/>
-                        </a:rPr>
-                        <m:t>)</m:t>
-                      </m:r>
-                    </m:oMath>
-                  </m:oMathPara>
-                </a14:m>
-                <a:endParaRPr lang="en-US" sz="3200" dirty="0" smtClean="0">
-                  <a:solidFill>
-                    <a:schemeClr val="tx1"/>
-                  </a:solidFill>
                 </a:endParaRPr>
               </a:p>
               <a:p>
@@ -5892,15 +5801,7 @@
                       <a:prstClr val="black"/>
                     </a:solidFill>
                   </a:rPr>
-                  <a:t>The </a:t>
-                </a:r>
-                <a:r>
-                  <a:rPr lang="en-US" sz="3200" dirty="0">
-                    <a:solidFill>
-                      <a:prstClr val="black"/>
-                    </a:solidFill>
-                  </a:rPr>
-                  <a:t>objective:</a:t>
+                  <a:t>The objective is:</a:t>
                 </a:r>
                 <a:endParaRPr lang="en-US" sz="3200" i="1" dirty="0">
                   <a:solidFill>
@@ -6521,29 +6422,10 @@
                   <a:t>, </a:t>
                 </a:r>
               </a:p>
-              <a:p>
-                <a:pPr lvl="0" algn="l" rtl="0"/>
-                <a:r>
-                  <a:rPr lang="en-US" sz="3200" dirty="0">
-                    <a:solidFill>
-                      <a:prstClr val="black"/>
-                    </a:solidFill>
-                  </a:rPr>
-                  <a:t>with gradient steps inside the PD cone.</a:t>
-                </a:r>
-              </a:p>
-              <a:p>
-                <a:pPr algn="ctr" rtl="0"/>
-                <a:endParaRPr lang="en-US" sz="3200" dirty="0" smtClean="0">
-                  <a:solidFill>
-                    <a:schemeClr val="tx1"/>
-                  </a:solidFill>
-                </a:endParaRPr>
-              </a:p>
             </p:txBody>
           </p:sp>
         </mc:Choice>
-        <mc:Fallback xmlns="">
+        <mc:Fallback>
           <p:sp>
             <p:nvSpPr>
               <p:cNvPr id="129" name="Rounded Rectangle 128"/>
@@ -8429,7 +8311,7 @@
         <p:spPr>
           <a:xfrm>
             <a:off x="1608386" y="19591159"/>
-            <a:ext cx="4529941" cy="3556152"/>
+            <a:ext cx="4529941" cy="4048595"/>
           </a:xfrm>
           <a:prstGeom prst="rect">
             <a:avLst/>
@@ -8452,7 +8334,23 @@
             </a:r>
             <a:r>
               <a:rPr lang="en-US" sz="3200" dirty="0" smtClean="0"/>
-              <a:t>time. The </a:t>
+              <a:t>time. </a:t>
+            </a:r>
+            <a:endParaRPr lang="en-US" sz="3200" dirty="0" smtClean="0"/>
+          </a:p>
+          <a:p>
+            <a:pPr algn="l" rtl="0"/>
+            <a:endParaRPr lang="en-US" sz="3200" dirty="0" smtClean="0"/>
+          </a:p>
+          <a:p>
+            <a:pPr algn="l" rtl="0"/>
+            <a:r>
+              <a:rPr lang="en-US" sz="3200" dirty="0" smtClean="0"/>
+              <a:t>Using t</a:t>
+            </a:r>
+            <a:r>
+              <a:rPr lang="en-US" sz="3200" dirty="0" smtClean="0"/>
+              <a:t>he </a:t>
             </a:r>
             <a:r>
               <a:rPr lang="en-US" sz="3200" dirty="0"/>
@@ -8471,19 +8369,15 @@
               <a:t>complement </a:t>
             </a:r>
             <a:r>
-              <a:rPr lang="en-US" sz="3200" dirty="0"/>
-              <a:t> guarantees that the steps reside  inside the PD </a:t>
-            </a:r>
-            <a:r>
               <a:rPr lang="en-US" sz="3200" dirty="0" smtClean="0"/>
-              <a:t>cone:</a:t>
+              <a:t>to limit the step to the PD cone:</a:t>
             </a:r>
             <a:endParaRPr lang="en-US" sz="3200" b="1" dirty="0"/>
           </a:p>
         </p:txBody>
       </p:sp>
-      <mc:AlternateContent xmlns:mc="http://schemas.openxmlformats.org/markup-compatibility/2006" xmlns:a14="http://schemas.microsoft.com/office/drawing/2010/main">
-        <mc:Choice Requires="a14">
+      <mc:AlternateContent xmlns:mc="http://schemas.openxmlformats.org/markup-compatibility/2006">
+        <mc:Choice xmlns:a14="http://schemas.microsoft.com/office/drawing/2010/main" Requires="a14">
           <p:sp>
             <p:nvSpPr>
               <p:cNvPr id="76" name="Rectangle 75"/>
@@ -8492,7 +8386,7 @@
             </p:nvSpPr>
             <p:spPr>
               <a:xfrm>
-                <a:off x="1642704" y="23395654"/>
+                <a:off x="1642704" y="23457338"/>
                 <a:ext cx="8570252" cy="8144075"/>
               </a:xfrm>
               <a:prstGeom prst="rect">
@@ -9057,35 +8951,10 @@
                 </a:r>
                 <a:r>
                   <a:rPr lang="en-US" sz="3200" dirty="0" smtClean="0"/>
-                  <a:t> Resulting with </a:t>
+                  <a:t> Resulting with</a:t>
                 </a:r>
                 <a14:m>
                   <m:oMath xmlns:m="http://schemas.openxmlformats.org/officeDocument/2006/math">
-                    <m:sSup>
-                      <m:sSupPr>
-                        <m:ctrlPr>
-                          <a:rPr lang="en-US" sz="3200" b="0" i="1" smtClean="0">
-                            <a:latin typeface="Cambria Math" panose="02040503050406030204" pitchFamily="18" charset="0"/>
-                          </a:rPr>
-                        </m:ctrlPr>
-                      </m:sSupPr>
-                      <m:e>
-                        <m:r>
-                          <a:rPr lang="en-US" sz="3200" b="0" i="1" smtClean="0">
-                            <a:latin typeface="Cambria Math" panose="02040503050406030204" pitchFamily="18" charset="0"/>
-                          </a:rPr>
-                          <m:t>𝜂</m:t>
-                        </m:r>
-                      </m:e>
-                      <m:sup>
-                        <m:r>
-                          <a:rPr lang="en-US" sz="3200" b="0" i="1" smtClean="0">
-                            <a:latin typeface="Cambria Math" panose="02040503050406030204" pitchFamily="18" charset="0"/>
-                          </a:rPr>
-                          <m:t>𝑚𝑎𝑥</m:t>
-                        </m:r>
-                      </m:sup>
-                    </m:sSup>
                     <m:r>
                       <a:rPr lang="en-US" sz="3200" i="1">
                         <a:latin typeface="Cambria Math" panose="02040503050406030204" pitchFamily="18" charset="0"/>
@@ -9104,8 +8973,42 @@
                 </a:r>
                 <a:r>
                   <a:rPr lang="en-US" sz="3200" dirty="0" smtClean="0"/>
-                  <a:t>size.</a:t>
+                  <a:t>size, </a:t>
                 </a:r>
+                <a14:m>
+                  <m:oMath xmlns:m="http://schemas.openxmlformats.org/officeDocument/2006/math">
+                    <m:sSup>
+                      <m:sSupPr>
+                        <m:ctrlPr>
+                          <a:rPr lang="en-US" sz="3200" i="1">
+                            <a:latin typeface="Cambria Math" panose="02040503050406030204" pitchFamily="18" charset="0"/>
+                          </a:rPr>
+                        </m:ctrlPr>
+                      </m:sSupPr>
+                      <m:e>
+                        <m:r>
+                          <a:rPr lang="en-US" sz="3200" i="1">
+                            <a:latin typeface="Cambria Math" panose="02040503050406030204" pitchFamily="18" charset="0"/>
+                          </a:rPr>
+                          <m:t>𝜂</m:t>
+                        </m:r>
+                      </m:e>
+                      <m:sup>
+                        <m:r>
+                          <a:rPr lang="en-US" sz="3200" i="1">
+                            <a:latin typeface="Cambria Math" panose="02040503050406030204" pitchFamily="18" charset="0"/>
+                          </a:rPr>
+                          <m:t>𝑚𝑎𝑥</m:t>
+                        </m:r>
+                      </m:sup>
+                    </m:sSup>
+                  </m:oMath>
+                </a14:m>
+                <a:r>
+                  <a:rPr lang="en-US" sz="3200" dirty="0" smtClean="0"/>
+                  <a:t>.</a:t>
+                </a:r>
+                <a:endParaRPr lang="en-US" sz="3200" dirty="0" smtClean="0"/>
               </a:p>
               <a:p>
                 <a:pPr algn="l" rtl="0"/>
@@ -9267,7 +9170,7 @@
             </p:txBody>
           </p:sp>
         </mc:Choice>
-        <mc:Fallback xmlns="">
+        <mc:Fallback>
           <p:sp>
             <p:nvSpPr>
               <p:cNvPr id="76" name="Rectangle 75"/>
@@ -9278,7 +9181,7 @@
             </p:nvSpPr>
             <p:spPr>
               <a:xfrm>
-                <a:off x="1642704" y="23395654"/>
+                <a:off x="1642704" y="23457338"/>
                 <a:ext cx="8570252" cy="8144075"/>
               </a:xfrm>
               <a:prstGeom prst="rect">
@@ -9287,7 +9190,7 @@
               <a:blipFill rotWithShape="0">
                 <a:blip r:embed="rId18"/>
                 <a:stretch>
-                  <a:fillRect l="-1565" b="-1422"/>
+                  <a:fillRect l="-1565" r="-2489" b="-1422"/>
                 </a:stretch>
               </a:blipFill>
             </p:spPr>
@@ -9366,7 +9269,7 @@
         </p:nvSpPr>
         <p:spPr>
           <a:xfrm>
-            <a:off x="12120340" y="5348618"/>
+            <a:off x="11964971" y="5343175"/>
             <a:ext cx="8599025" cy="3263764"/>
           </a:xfrm>
           <a:prstGeom prst="rect">
@@ -9508,16 +9411,16 @@
         </p:blipFill>
         <p:spPr>
           <a:xfrm>
-            <a:off x="12196235" y="8353153"/>
-            <a:ext cx="8326345" cy="7975023"/>
+            <a:off x="11945425" y="8569177"/>
+            <a:ext cx="5421807" cy="5193039"/>
           </a:xfrm>
           <a:prstGeom prst="rect">
             <a:avLst/>
           </a:prstGeom>
         </p:spPr>
       </p:pic>
-      <mc:AlternateContent xmlns:mc="http://schemas.openxmlformats.org/markup-compatibility/2006" xmlns:a14="http://schemas.microsoft.com/office/drawing/2010/main">
-        <mc:Choice Requires="a14">
+      <mc:AlternateContent xmlns:mc="http://schemas.openxmlformats.org/markup-compatibility/2006">
+        <mc:Choice xmlns:a14="http://schemas.microsoft.com/office/drawing/2010/main" Requires="a14">
           <p:sp>
             <p:nvSpPr>
               <p:cNvPr id="40" name="Text Box 115"/>
@@ -9528,8 +9431,8 @@
             </p:nvSpPr>
             <p:spPr bwMode="auto">
               <a:xfrm>
-                <a:off x="12120340" y="16583691"/>
-                <a:ext cx="8559128" cy="1202510"/>
+                <a:off x="17590892" y="8569177"/>
+                <a:ext cx="3202596" cy="2310505"/>
               </a:xfrm>
               <a:prstGeom prst="rect">
                 <a:avLst/>
@@ -9959,7 +9862,7 @@
             </p:txBody>
           </p:sp>
         </mc:Choice>
-        <mc:Fallback xmlns="">
+        <mc:Fallback>
           <p:sp>
             <p:nvSpPr>
               <p:cNvPr id="40" name="Text Box 115"/>
@@ -9970,16 +9873,16 @@
             </p:nvSpPr>
             <p:spPr bwMode="auto">
               <a:xfrm>
-                <a:off x="12120340" y="16583691"/>
-                <a:ext cx="8559128" cy="1202510"/>
+                <a:off x="17590892" y="8569177"/>
+                <a:ext cx="3202596" cy="2310505"/>
               </a:xfrm>
               <a:prstGeom prst="rect">
                 <a:avLst/>
               </a:prstGeom>
               <a:blipFill rotWithShape="0">
-                <a:blip r:embed="rId21"/>
+                <a:blip r:embed="rId20"/>
                 <a:stretch>
-                  <a:fillRect l="-1068" t="-3030" b="-11111"/>
+                  <a:fillRect l="-3048" t="-1847" r="-4952" b="-5277"/>
                 </a:stretch>
               </a:blipFill>
               <a:ln>
@@ -10032,7 +9935,7 @@
           <p:nvPr/>
         </p:nvPicPr>
         <p:blipFill rotWithShape="1">
-          <a:blip r:embed="rId22" cstate="print">
+          <a:blip r:embed="rId21" cstate="print">
             <a:extLst>
               <a:ext uri="{28A0092B-C50C-407E-A947-70E740481C1C}">
                 <a14:useLocalDpi xmlns:a14="http://schemas.microsoft.com/office/drawing/2010/main" val="0"/>
@@ -10172,7 +10075,7 @@
           <p:nvPr/>
         </p:nvPicPr>
         <p:blipFill>
-          <a:blip r:embed="rId23"/>
+          <a:blip r:embed="rId22"/>
           <a:stretch>
             <a:fillRect/>
           </a:stretch>
@@ -10211,15 +10114,7 @@
             <a:pPr algn="ctr" rtl="0"/>
             <a:r>
               <a:rPr lang="en-US" sz="4400" b="1" dirty="0" smtClean="0"/>
-              <a:t>COMET </a:t>
-            </a:r>
-            <a:r>
-              <a:rPr lang="en-US" sz="4400" b="1" dirty="0"/>
-              <a:t>achieves better </a:t>
-            </a:r>
-            <a:r>
-              <a:rPr lang="en-US" sz="4400" b="1" dirty="0" smtClean="0"/>
-              <a:t>precision.</a:t>
+              <a:t>Experimental Evaluation</a:t>
             </a:r>
             <a:endParaRPr lang="en-US" sz="4400" b="1" dirty="0"/>
           </a:p>
@@ -10301,7 +10196,7 @@
           <p:nvPr/>
         </p:nvPicPr>
         <p:blipFill>
-          <a:blip r:embed="rId24">
+          <a:blip r:embed="rId23">
             <a:extLst>
               <a:ext uri="{28A0092B-C50C-407E-A947-70E740481C1C}">
                 <a14:useLocalDpi xmlns:a14="http://schemas.microsoft.com/office/drawing/2010/main" val="0"/>
@@ -10342,7 +10237,7 @@
           <p:nvPr/>
         </p:nvPicPr>
         <p:blipFill>
-          <a:blip r:embed="rId25"/>
+          <a:blip r:embed="rId24"/>
           <a:stretch>
             <a:fillRect/>
           </a:stretch>
@@ -10357,8 +10252,8 @@
           </a:prstGeom>
         </p:spPr>
       </p:pic>
-      <mc:AlternateContent xmlns:mc="http://schemas.openxmlformats.org/markup-compatibility/2006" xmlns:a14="http://schemas.microsoft.com/office/drawing/2010/main">
-        <mc:Choice Requires="a14">
+      <mc:AlternateContent xmlns:mc="http://schemas.openxmlformats.org/markup-compatibility/2006">
+        <mc:Choice xmlns:a14="http://schemas.microsoft.com/office/drawing/2010/main" Requires="a14">
           <p:sp>
             <p:nvSpPr>
               <p:cNvPr id="75" name="Rectangle 74"/>
@@ -10367,8 +10262,8 @@
             </p:nvSpPr>
             <p:spPr>
               <a:xfrm>
-                <a:off x="12069455" y="17930217"/>
-                <a:ext cx="8610014" cy="14227343"/>
+                <a:off x="11945425" y="14360058"/>
+                <a:ext cx="8610014" cy="15212228"/>
               </a:xfrm>
               <a:prstGeom prst="rect">
                 <a:avLst/>
@@ -12001,8 +11896,32 @@
                 </a14:m>
                 <a:r>
                   <a:rPr lang="en-US" sz="3200" dirty="0"/>
-                  <a:t> is the step size of the proximal update.</a:t>
+                  <a:t> is the step size of the proximal update</a:t>
                 </a:r>
+                <a:r>
+                  <a:rPr lang="en-US" sz="3200" dirty="0" smtClean="0"/>
+                  <a:t>.</a:t>
+                </a:r>
+              </a:p>
+              <a:p>
+                <a:pPr algn="l"/>
+                <a:endParaRPr lang="en-US" sz="3200" dirty="0"/>
+              </a:p>
+              <a:p>
+                <a:pPr algn="l"/>
+                <a:r>
+                  <a:rPr lang="en-US" sz="3200" b="1" dirty="0" smtClean="0">
+                    <a:solidFill>
+                      <a:srgbClr val="FF0000"/>
+                    </a:solidFill>
+                  </a:rPr>
+                  <a:t>TODO: ADD CLOSED FORM SOLUTION?</a:t>
+                </a:r>
+                <a:endParaRPr lang="en-US" sz="3200" b="1" dirty="0">
+                  <a:solidFill>
+                    <a:srgbClr val="FF0000"/>
+                  </a:solidFill>
+                </a:endParaRPr>
               </a:p>
               <a:p>
                 <a:pPr algn="l" rtl="0"/>
@@ -12011,7 +11930,7 @@
             </p:txBody>
           </p:sp>
         </mc:Choice>
-        <mc:Fallback xmlns="">
+        <mc:Fallback>
           <p:sp>
             <p:nvSpPr>
               <p:cNvPr id="75" name="Rectangle 74"/>
@@ -12022,16 +11941,16 @@
             </p:nvSpPr>
             <p:spPr>
               <a:xfrm>
-                <a:off x="12069455" y="17930217"/>
-                <a:ext cx="8610014" cy="14227343"/>
+                <a:off x="11945425" y="14360058"/>
+                <a:ext cx="8610014" cy="15212228"/>
               </a:xfrm>
               <a:prstGeom prst="rect">
                 <a:avLst/>
               </a:prstGeom>
               <a:blipFill rotWithShape="0">
-                <a:blip r:embed="rId26"/>
+                <a:blip r:embed="rId25"/>
                 <a:stretch>
-                  <a:fillRect l="-1629" t="-428" r="-2479"/>
+                  <a:fillRect l="-1629" t="-441" r="-2479"/>
                 </a:stretch>
               </a:blipFill>
             </p:spPr>
@@ -13301,7 +13220,7 @@
           <p:nvPr/>
         </p:nvPicPr>
         <p:blipFill rotWithShape="1">
-          <a:blip r:embed="rId27"/>
+          <a:blip r:embed="rId26"/>
           <a:srcRect r="4094"/>
           <a:stretch/>
         </p:blipFill>
@@ -13820,7 +13739,7 @@
         </p:blipFill>
         <p:spPr bwMode="auto">
           <a:xfrm>
-            <a:off x="22520517" y="15390903"/>
+            <a:off x="22456719" y="15406108"/>
             <a:ext cx="5421807" cy="4931836"/>
           </a:xfrm>
           <a:prstGeom prst="rect">
@@ -13882,7 +13801,7 @@
         </p:blipFill>
         <p:spPr bwMode="auto">
           <a:xfrm>
-            <a:off x="22531850" y="21026561"/>
+            <a:off x="22420231" y="21018534"/>
             <a:ext cx="5389266" cy="4968552"/>
           </a:xfrm>
           <a:prstGeom prst="rect">
@@ -13921,7 +13840,7 @@
         </p:blipFill>
         <p:spPr bwMode="auto">
           <a:xfrm>
-            <a:off x="7271076" y="1225722"/>
+            <a:off x="7271076" y="1687881"/>
             <a:ext cx="3288861" cy="1192664"/>
           </a:xfrm>
           <a:prstGeom prst="rect">
@@ -13939,126 +13858,6 @@
           </a:extLst>
         </p:spPr>
       </p:pic>
-      <p:sp>
-        <p:nvSpPr>
-          <p:cNvPr id="6" name="Rectangle 5"/>
-          <p:cNvSpPr/>
-          <p:nvPr/>
-        </p:nvSpPr>
-        <p:spPr>
-          <a:xfrm>
-            <a:off x="18624369" y="11691566"/>
-            <a:ext cx="5421807" cy="4770023"/>
-          </a:xfrm>
-          <a:prstGeom prst="rect">
-            <a:avLst/>
-          </a:prstGeom>
-        </p:spPr>
-        <p:style>
-          <a:lnRef idx="2">
-            <a:schemeClr val="accent1">
-              <a:shade val="50000"/>
-            </a:schemeClr>
-          </a:lnRef>
-          <a:fillRef idx="1">
-            <a:schemeClr val="accent1"/>
-          </a:fillRef>
-          <a:effectRef idx="0">
-            <a:schemeClr val="accent1"/>
-          </a:effectRef>
-          <a:fontRef idx="minor">
-            <a:schemeClr val="lt1"/>
-          </a:fontRef>
-        </p:style>
-        <p:txBody>
-          <a:bodyPr rtlCol="0" anchor="ctr"/>
-          <a:lstStyle/>
-          <a:p>
-            <a:pPr algn="ctr"/>
-            <a:endParaRPr lang="en-US"/>
-          </a:p>
-        </p:txBody>
-      </p:sp>
-      <p:sp>
-        <p:nvSpPr>
-          <p:cNvPr id="56" name="Rectangle 55"/>
-          <p:cNvSpPr/>
-          <p:nvPr/>
-        </p:nvSpPr>
-        <p:spPr>
-          <a:xfrm>
-            <a:off x="41576064" y="8868329"/>
-            <a:ext cx="443391" cy="4770023"/>
-          </a:xfrm>
-          <a:prstGeom prst="rect">
-            <a:avLst/>
-          </a:prstGeom>
-        </p:spPr>
-        <p:style>
-          <a:lnRef idx="2">
-            <a:schemeClr val="accent1">
-              <a:shade val="50000"/>
-            </a:schemeClr>
-          </a:lnRef>
-          <a:fillRef idx="1">
-            <a:schemeClr val="accent1"/>
-          </a:fillRef>
-          <a:effectRef idx="0">
-            <a:schemeClr val="accent1"/>
-          </a:effectRef>
-          <a:fontRef idx="minor">
-            <a:schemeClr val="lt1"/>
-          </a:fontRef>
-        </p:style>
-        <p:txBody>
-          <a:bodyPr rtlCol="0" anchor="ctr"/>
-          <a:lstStyle/>
-          <a:p>
-            <a:pPr algn="ctr"/>
-            <a:endParaRPr lang="en-US"/>
-          </a:p>
-        </p:txBody>
-      </p:sp>
-      <p:sp>
-        <p:nvSpPr>
-          <p:cNvPr id="57" name="Rectangle 56"/>
-          <p:cNvSpPr/>
-          <p:nvPr/>
-        </p:nvSpPr>
-        <p:spPr>
-          <a:xfrm>
-            <a:off x="19744258" y="19305203"/>
-            <a:ext cx="3202595" cy="2672817"/>
-          </a:xfrm>
-          <a:prstGeom prst="rect">
-            <a:avLst/>
-          </a:prstGeom>
-        </p:spPr>
-        <p:style>
-          <a:lnRef idx="2">
-            <a:schemeClr val="accent1">
-              <a:shade val="50000"/>
-            </a:schemeClr>
-          </a:lnRef>
-          <a:fillRef idx="1">
-            <a:schemeClr val="accent1"/>
-          </a:fillRef>
-          <a:effectRef idx="0">
-            <a:schemeClr val="accent1"/>
-          </a:effectRef>
-          <a:fontRef idx="minor">
-            <a:schemeClr val="lt1"/>
-          </a:fontRef>
-        </p:style>
-        <p:txBody>
-          <a:bodyPr rtlCol="0" anchor="ctr"/>
-          <a:lstStyle/>
-          <a:p>
-            <a:pPr algn="ctr"/>
-            <a:endParaRPr lang="en-US"/>
-          </a:p>
-        </p:txBody>
-      </p:sp>
       <p:sp>
         <p:nvSpPr>
           <p:cNvPr id="66" name="Text Box 115"/>

--- a/COMET_poster.pptx
+++ b/COMET_poster.pptx
@@ -3598,8 +3598,8 @@
         </p:nvSpPr>
         <p:spPr>
           <a:xfrm>
-            <a:off x="22034747" y="13756312"/>
-            <a:ext cx="9721080" cy="18227519"/>
+            <a:off x="22034747" y="16153357"/>
+            <a:ext cx="9721080" cy="15830474"/>
           </a:xfrm>
           <a:prstGeom prst="roundRect">
             <a:avLst/>
@@ -4010,8 +4010,8 @@
         </p:nvSpPr>
         <p:spPr bwMode="auto">
           <a:xfrm>
-            <a:off x="28072393" y="15375987"/>
-            <a:ext cx="3191456" cy="7152857"/>
+            <a:off x="28072393" y="19462060"/>
+            <a:ext cx="3191456" cy="11933653"/>
           </a:xfrm>
           <a:prstGeom prst="rect">
             <a:avLst/>
@@ -4377,20 +4377,16 @@
               </a:spcBef>
             </a:pPr>
             <a:r>
-              <a:rPr lang="en-US" altLang="en-US" sz="2400" dirty="0" smtClean="0"/>
-              <a:t>80%/20% </a:t>
-            </a:r>
-            <a:r>
-              <a:rPr lang="en-US" altLang="en-US" sz="2400" dirty="0"/>
-              <a:t>train/test split, 5-fold </a:t>
-            </a:r>
-            <a:r>
-              <a:rPr lang="en-US" altLang="en-US" sz="2400" dirty="0" smtClean="0"/>
-              <a:t>cross-validation, </a:t>
-            </a:r>
-            <a:r>
-              <a:rPr lang="en-US" altLang="en-US" sz="2400" dirty="0" smtClean="0"/>
-              <a:t>comparing with: </a:t>
+              <a:rPr lang="en-US" altLang="en-US" sz="3200" b="1" dirty="0" err="1" smtClean="0">
+                <a:latin typeface="+mj-lt"/>
+              </a:rPr>
+              <a:t>Precision@top-k</a:t>
+            </a:r>
+            <a:r>
+              <a:rPr lang="en-US" altLang="en-US" sz="3200" dirty="0" smtClean="0">
+                <a:latin typeface="+mj-lt"/>
+              </a:rPr>
+              <a:t>, comparing with: </a:t>
             </a:r>
           </a:p>
           <a:p>
@@ -4400,19 +4396,27 @@
               </a:spcBef>
             </a:pPr>
             <a:r>
-              <a:rPr lang="en-AU" altLang="en-US" sz="2400" dirty="0" smtClean="0"/>
+              <a:rPr lang="en-AU" altLang="en-US" sz="3200" dirty="0" smtClean="0">
+                <a:latin typeface="+mj-lt"/>
+              </a:rPr>
               <a:t>Euclidean </a:t>
             </a:r>
             <a:r>
-              <a:rPr lang="en-AU" altLang="en-US" sz="2400" dirty="0"/>
+              <a:rPr lang="en-AU" altLang="en-US" sz="3200" dirty="0">
+                <a:latin typeface="+mj-lt"/>
+              </a:rPr>
               <a:t>metric (baseline)</a:t>
             </a:r>
             <a:r>
-              <a:rPr lang="ar-SA" altLang="en-US" sz="2400" dirty="0" smtClean="0"/>
+              <a:rPr lang="ar-SA" altLang="en-US" sz="3200" dirty="0" smtClean="0">
+                <a:latin typeface="+mj-lt"/>
+              </a:rPr>
               <a:t>‏</a:t>
             </a:r>
             <a:r>
-              <a:rPr lang="en-US" altLang="en-US" sz="2400" dirty="0" smtClean="0"/>
+              <a:rPr lang="en-US" altLang="en-US" sz="3200" dirty="0" smtClean="0">
+                <a:latin typeface="+mj-lt"/>
+              </a:rPr>
               <a:t>,</a:t>
             </a:r>
           </a:p>
@@ -4423,14 +4427,11 @@
               </a:spcBef>
             </a:pPr>
             <a:r>
-              <a:rPr lang="en-AU" altLang="en-US" sz="2400" dirty="0" smtClean="0"/>
-              <a:t>HDSL</a:t>
-            </a:r>
-            <a:r>
-              <a:rPr lang="en-AU" altLang="en-US" sz="2400" dirty="0" smtClean="0"/>
-              <a:t>: Similarity Learning for High Dimensional Sparse Data  [Liu et al, 2015], </a:t>
-            </a:r>
-            <a:endParaRPr lang="en-AU" altLang="en-US" sz="2400" dirty="0" smtClean="0"/>
+              <a:rPr lang="en-AU" altLang="en-US" sz="3200" dirty="0" smtClean="0">
+                <a:latin typeface="+mj-lt"/>
+              </a:rPr>
+              <a:t>HDSL: Similarity Learning for High Dimensional Sparse Data  [Liu et al, 2015], </a:t>
+            </a:r>
           </a:p>
           <a:p>
             <a:pPr algn="l" rtl="0">
@@ -4439,26 +4440,35 @@
               </a:spcBef>
             </a:pPr>
             <a:r>
-              <a:rPr lang="en-AU" altLang="en-US" sz="2400" dirty="0" smtClean="0"/>
+              <a:rPr lang="en-AU" altLang="en-US" sz="3200" dirty="0" smtClean="0">
+                <a:latin typeface="+mj-lt"/>
+              </a:rPr>
               <a:t>LEGO </a:t>
             </a:r>
             <a:r>
-              <a:rPr lang="en-AU" altLang="en-US" sz="2400" dirty="0"/>
+              <a:rPr lang="en-AU" altLang="en-US" sz="3200" dirty="0">
+                <a:latin typeface="+mj-lt"/>
+              </a:rPr>
               <a:t>(ITML): Log-</a:t>
             </a:r>
             <a:r>
-              <a:rPr lang="en-AU" altLang="en-US" sz="2400" dirty="0" err="1"/>
+              <a:rPr lang="en-AU" altLang="en-US" sz="3200" dirty="0" err="1">
+                <a:latin typeface="+mj-lt"/>
+              </a:rPr>
               <a:t>Det</a:t>
             </a:r>
             <a:r>
-              <a:rPr lang="en-AU" altLang="en-US" sz="2400" dirty="0"/>
+              <a:rPr lang="en-AU" altLang="en-US" sz="3200" dirty="0">
+                <a:latin typeface="+mj-lt"/>
+              </a:rPr>
               <a:t> Exact Gradient Online [</a:t>
             </a:r>
             <a:r>
-              <a:rPr lang="en-AU" altLang="en-US" sz="2400" dirty="0" smtClean="0"/>
+              <a:rPr lang="en-AU" altLang="en-US" sz="3200" dirty="0" smtClean="0">
+                <a:latin typeface="+mj-lt"/>
+              </a:rPr>
               <a:t>Jain et al. 2008], </a:t>
             </a:r>
-            <a:endParaRPr lang="en-AU" altLang="en-US" sz="2400" dirty="0" smtClean="0"/>
           </a:p>
           <a:p>
             <a:pPr algn="l" rtl="0">
@@ -4467,18 +4477,47 @@
               </a:spcBef>
             </a:pPr>
             <a:r>
-              <a:rPr lang="en-AU" altLang="en-US" sz="2400" dirty="0" err="1" smtClean="0"/>
+              <a:rPr lang="en-AU" altLang="en-US" sz="3200" dirty="0" err="1" smtClean="0">
+                <a:latin typeface="+mj-lt"/>
+              </a:rPr>
               <a:t>BoostMetric</a:t>
             </a:r>
             <a:r>
-              <a:rPr lang="en-AU" altLang="en-US" sz="2400" dirty="0" smtClean="0"/>
-              <a:t> </a:t>
-            </a:r>
-            <a:r>
-              <a:rPr lang="en-AU" altLang="en-US" sz="2400" dirty="0" smtClean="0"/>
-              <a:t>positive-semidefinite metric learning with boosting [Shen et al. 2009]</a:t>
-            </a:r>
-            <a:endParaRPr lang="en-AU" altLang="en-US" sz="2400" dirty="0"/>
+              <a:rPr lang="en-AU" altLang="en-US" sz="3200" dirty="0" smtClean="0">
+                <a:latin typeface="+mj-lt"/>
+              </a:rPr>
+              <a:t> positive-semidefinite metric learning with boosting [Shen et al. 2009],</a:t>
+            </a:r>
+          </a:p>
+          <a:p>
+            <a:pPr algn="l" rtl="0">
+              <a:spcBef>
+                <a:spcPts val="750"/>
+              </a:spcBef>
+            </a:pPr>
+            <a:r>
+              <a:rPr lang="en-US" altLang="en-US" sz="3200" dirty="0">
+                <a:solidFill>
+                  <a:prstClr val="black"/>
+                </a:solidFill>
+                <a:latin typeface="Calibri"/>
+                <a:cs typeface="+mn-cs"/>
+              </a:rPr>
+              <a:t>80%/20% train/test split, 5-fold </a:t>
+            </a:r>
+            <a:r>
+              <a:rPr lang="en-US" altLang="en-US" sz="3200" dirty="0" smtClean="0">
+                <a:solidFill>
+                  <a:prstClr val="black"/>
+                </a:solidFill>
+                <a:latin typeface="Calibri"/>
+                <a:cs typeface="+mn-cs"/>
+              </a:rPr>
+              <a:t>cross-validation</a:t>
+            </a:r>
+            <a:endParaRPr lang="en-AU" altLang="en-US" sz="3200" dirty="0">
+              <a:latin typeface="+mj-lt"/>
+            </a:endParaRPr>
           </a:p>
         </p:txBody>
       </p:sp>
@@ -4497,7 +4536,7 @@
         </p:blipFill>
         <p:spPr>
           <a:xfrm>
-            <a:off x="32725010" y="12229046"/>
+            <a:off x="32725010" y="14317278"/>
             <a:ext cx="5421807" cy="4044987"/>
           </a:xfrm>
           <a:prstGeom prst="rect">
@@ -4605,7 +4644,7 @@
             <p:spPr bwMode="auto">
               <a:xfrm>
                 <a:off x="38236547" y="25547524"/>
-                <a:ext cx="3202595" cy="2679837"/>
+                <a:ext cx="3202595" cy="4629089"/>
               </a:xfrm>
               <a:prstGeom prst="rect">
                 <a:avLst/>
@@ -4971,15 +5010,21 @@
                   </a:spcBef>
                 </a:pPr>
                 <a:r>
-                  <a:rPr lang="en-US" sz="2400" dirty="0" err="1" smtClean="0"/>
+                  <a:rPr lang="en-US" sz="3200" b="1" dirty="0" err="1" smtClean="0">
+                    <a:latin typeface="+mj-lt"/>
+                  </a:rPr>
                   <a:t>Frobenius</a:t>
                 </a:r>
                 <a:r>
-                  <a:rPr lang="en-US" sz="2400" dirty="0" smtClean="0"/>
+                  <a:rPr lang="en-US" sz="3200" b="1" dirty="0" smtClean="0">
+                    <a:latin typeface="+mj-lt"/>
+                  </a:rPr>
                   <a:t> </a:t>
                 </a:r>
                 <a:r>
-                  <a:rPr lang="en-US" sz="2400" dirty="0"/>
+                  <a:rPr lang="en-US" sz="3200" b="1" dirty="0">
+                    <a:latin typeface="+mj-lt"/>
+                  </a:rPr>
                   <a:t>norm of the groups </a:t>
                 </a:r>
                 <a14:m>
@@ -4987,38 +5032,58 @@
                     <m:sSub>
                       <m:sSubPr>
                         <m:ctrlPr>
-                          <a:rPr lang="en-US" sz="2400" i="1">
+                          <a:rPr lang="en-US" sz="3200" b="1" i="1">
                             <a:latin typeface="Cambria Math" panose="02040503050406030204" pitchFamily="18" charset="0"/>
                           </a:rPr>
                         </m:ctrlPr>
                       </m:sSubPr>
                       <m:e>
                         <m:r>
-                          <a:rPr lang="en-US" sz="2400" i="1">
+                          <a:rPr lang="en-US" sz="3200" b="1" i="1">
                             <a:latin typeface="Cambria Math" panose="02040503050406030204" pitchFamily="18" charset="0"/>
                           </a:rPr>
-                          <m:t>𝑉</m:t>
+                          <m:t>𝑽</m:t>
                         </m:r>
                       </m:e>
                       <m:sub>
                         <m:r>
-                          <a:rPr lang="en-US" sz="2400" i="1">
+                          <a:rPr lang="en-US" sz="3200" b="1" i="1">
                             <a:latin typeface="Cambria Math" panose="02040503050406030204" pitchFamily="18" charset="0"/>
                           </a:rPr>
-                          <m:t>𝑘</m:t>
+                          <m:t>𝒌</m:t>
                         </m:r>
                       </m:sub>
                     </m:sSub>
                   </m:oMath>
                 </a14:m>
                 <a:r>
-                  <a:rPr lang="en-US" sz="2400" dirty="0"/>
-                  <a:t> against the information gain of feature </a:t>
+                  <a:rPr lang="en-US" sz="3200" b="1" dirty="0">
+                    <a:latin typeface="+mj-lt"/>
+                  </a:rPr>
+                  <a:t> </a:t>
+                </a:r>
+                <a:r>
+                  <a:rPr lang="en-US" sz="3200" b="1" dirty="0" smtClean="0">
+                    <a:latin typeface="+mj-lt"/>
+                  </a:rPr>
+                  <a:t>vs. the info. gain</a:t>
+                </a:r>
+                <a:r>
+                  <a:rPr lang="en-US" sz="3200" dirty="0" smtClean="0">
+                    <a:latin typeface="+mj-lt"/>
+                  </a:rPr>
+                  <a:t> </a:t>
+                </a:r>
+                <a:r>
+                  <a:rPr lang="en-US" sz="3200" dirty="0">
+                    <a:latin typeface="+mj-lt"/>
+                  </a:rPr>
+                  <a:t>of feature </a:t>
                 </a:r>
                 <a14:m>
                   <m:oMath xmlns:m="http://schemas.openxmlformats.org/officeDocument/2006/math">
                     <m:r>
-                      <a:rPr lang="en-US" sz="2400" i="1">
+                      <a:rPr lang="en-US" sz="3200" i="1">
                         <a:latin typeface="Cambria Math" panose="02040503050406030204" pitchFamily="18" charset="0"/>
                       </a:rPr>
                       <m:t>𝑘</m:t>
@@ -5026,14 +5091,33 @@
                   </m:oMath>
                 </a14:m>
                 <a:r>
-                  <a:rPr lang="en-US" sz="2400" dirty="0" smtClean="0"/>
-                  <a:t>. Sparse </a:t>
+                  <a:rPr lang="en-US" sz="3200" dirty="0" smtClean="0">
+                    <a:latin typeface="+mj-lt"/>
+                  </a:rPr>
+                  <a:t>. </a:t>
+                </a:r>
+              </a:p>
+              <a:p>
+                <a:pPr algn="l" rtl="0">
+                  <a:spcBef>
+                    <a:spcPts val="750"/>
+                  </a:spcBef>
+                </a:pPr>
+                <a:r>
+                  <a:rPr lang="en-US" sz="3200" dirty="0" smtClean="0">
+                    <a:latin typeface="+mj-lt"/>
+                  </a:rPr>
+                  <a:t>Sparse </a:t>
                 </a:r>
                 <a:r>
-                  <a:rPr lang="en-US" sz="2400" dirty="0"/>
+                  <a:rPr lang="en-US" sz="3200" dirty="0">
+                    <a:latin typeface="+mj-lt"/>
+                  </a:rPr>
                   <a:t>COMET assigns zero weights to less-informative features.</a:t>
                 </a:r>
-                <a:endParaRPr lang="en-AU" altLang="en-US" sz="2400" dirty="0"/>
+                <a:endParaRPr lang="en-AU" altLang="en-US" sz="3200" dirty="0">
+                  <a:latin typeface="+mj-lt"/>
+                </a:endParaRPr>
               </a:p>
             </p:txBody>
           </p:sp>
@@ -5050,15 +5134,15 @@
             <p:spPr bwMode="auto">
               <a:xfrm>
                 <a:off x="38236547" y="25547524"/>
-                <a:ext cx="3202595" cy="2679837"/>
+                <a:ext cx="3202595" cy="4629089"/>
               </a:xfrm>
               <a:prstGeom prst="rect">
                 <a:avLst/>
               </a:prstGeom>
               <a:blipFill rotWithShape="0">
-                <a:blip r:embed="rId10"/>
+                <a:blip r:embed="rId9"/>
                 <a:stretch>
-                  <a:fillRect l="-2852" t="-1595" r="-4373" b="-4556"/>
+                  <a:fillRect l="-4753" t="-1713" b="-3426"/>
                 </a:stretch>
               </a:blipFill>
               <a:ln>
@@ -5082,8 +5166,8 @@
           </p:sp>
         </mc:Fallback>
       </mc:AlternateContent>
-      <mc:AlternateContent xmlns:mc="http://schemas.openxmlformats.org/markup-compatibility/2006">
-        <mc:Choice xmlns:a14="http://schemas.microsoft.com/office/drawing/2010/main" Requires="a14">
+      <mc:AlternateContent xmlns:mc="http://schemas.openxmlformats.org/markup-compatibility/2006" xmlns:a14="http://schemas.microsoft.com/office/drawing/2010/main">
+        <mc:Choice Requires="a14">
           <p:sp>
             <p:nvSpPr>
               <p:cNvPr id="129" name="Rounded Rectangle 128"/>
@@ -5171,11 +5255,6 @@
                   </a:rPr>
                   <a:t>matrix:</a:t>
                 </a:r>
-                <a:endParaRPr lang="en-US" sz="3200" dirty="0" smtClean="0">
-                  <a:solidFill>
-                    <a:schemeClr val="tx1"/>
-                  </a:solidFill>
-                </a:endParaRPr>
               </a:p>
               <a:p>
                 <a:pPr algn="l"/>
@@ -6425,7 +6504,7 @@
             </p:txBody>
           </p:sp>
         </mc:Choice>
-        <mc:Fallback>
+        <mc:Fallback xmlns="">
           <p:sp>
             <p:nvSpPr>
               <p:cNvPr id="129" name="Rounded Rectangle 128"/>
@@ -8336,7 +8415,6 @@
               <a:rPr lang="en-US" sz="3200" dirty="0" smtClean="0"/>
               <a:t>time. </a:t>
             </a:r>
-            <a:endParaRPr lang="en-US" sz="3200" dirty="0" smtClean="0"/>
           </a:p>
           <a:p>
             <a:pPr algn="l" rtl="0"/>
@@ -8346,11 +8424,7 @@
             <a:pPr algn="l" rtl="0"/>
             <a:r>
               <a:rPr lang="en-US" sz="3200" dirty="0" smtClean="0"/>
-              <a:t>Using t</a:t>
-            </a:r>
-            <a:r>
-              <a:rPr lang="en-US" sz="3200" dirty="0" smtClean="0"/>
-              <a:t>he </a:t>
+              <a:t>Using the </a:t>
             </a:r>
             <a:r>
               <a:rPr lang="en-US" sz="3200" dirty="0"/>
@@ -8366,18 +8440,14 @@
             </a:r>
             <a:r>
               <a:rPr lang="en-US" sz="3200" dirty="0" smtClean="0"/>
-              <a:t>complement </a:t>
-            </a:r>
-            <a:r>
-              <a:rPr lang="en-US" sz="3200" dirty="0" smtClean="0"/>
-              <a:t>to limit the step to the PD cone:</a:t>
+              <a:t>complement to limit the step to the PD cone:</a:t>
             </a:r>
             <a:endParaRPr lang="en-US" sz="3200" b="1" dirty="0"/>
           </a:p>
         </p:txBody>
       </p:sp>
-      <mc:AlternateContent xmlns:mc="http://schemas.openxmlformats.org/markup-compatibility/2006">
-        <mc:Choice xmlns:a14="http://schemas.microsoft.com/office/drawing/2010/main" Requires="a14">
+      <mc:AlternateContent xmlns:mc="http://schemas.openxmlformats.org/markup-compatibility/2006" xmlns:a14="http://schemas.microsoft.com/office/drawing/2010/main">
+        <mc:Choice Requires="a14">
           <p:sp>
             <p:nvSpPr>
               <p:cNvPr id="76" name="Rectangle 75"/>
@@ -9008,7 +9078,6 @@
                   <a:rPr lang="en-US" sz="3200" dirty="0" smtClean="0"/>
                   <a:t>.</a:t>
                 </a:r>
-                <a:endParaRPr lang="en-US" sz="3200" dirty="0" smtClean="0"/>
               </a:p>
               <a:p>
                 <a:pPr algn="l" rtl="0"/>
@@ -9170,7 +9239,7 @@
             </p:txBody>
           </p:sp>
         </mc:Choice>
-        <mc:Fallback>
+        <mc:Fallback xmlns="">
           <p:sp>
             <p:nvSpPr>
               <p:cNvPr id="76" name="Rectangle 75"/>
@@ -9305,18 +9374,10 @@
                   <a:prstClr val="black"/>
                 </a:solidFill>
               </a:rPr>
-              <a:t>COMET’s structured sparsity allows </a:t>
-            </a:r>
-            <a:r>
-              <a:rPr lang="en-US" sz="3200" dirty="0">
-                <a:solidFill>
-                  <a:prstClr val="black"/>
-                </a:solidFill>
-              </a:rPr>
-              <a:t>only a small set of features to interact with </a:t>
-            </a:r>
-            <a:r>
-              <a:rPr lang="en-US" sz="3200" i="1" dirty="0">
+              <a:t>Structured sparsity allows only a small set of features to interact with </a:t>
+            </a:r>
+            <a:r>
+              <a:rPr lang="en-US" sz="3200" i="1" dirty="0" smtClean="0">
                 <a:solidFill>
                   <a:prstClr val="black"/>
                 </a:solidFill>
@@ -9324,62 +9385,14 @@
               <a:t>any</a:t>
             </a:r>
             <a:r>
-              <a:rPr lang="en-US" sz="3200" dirty="0">
-                <a:solidFill>
-                  <a:prstClr val="black"/>
-                </a:solidFill>
-              </a:rPr>
-              <a:t> of the other features. </a:t>
-            </a:r>
-            <a:r>
               <a:rPr lang="en-US" sz="3200" dirty="0" smtClean="0">
                 <a:solidFill>
                   <a:prstClr val="black"/>
                 </a:solidFill>
               </a:rPr>
-              <a:t>Other individual features correspond to </a:t>
-            </a:r>
-            <a:r>
-              <a:rPr lang="en-US" sz="3200" dirty="0">
-                <a:solidFill>
-                  <a:prstClr val="black"/>
-                </a:solidFill>
-              </a:rPr>
-              <a:t>the diagonal of </a:t>
-            </a:r>
-            <a:r>
-              <a:rPr lang="en-US" sz="3200" dirty="0" smtClean="0">
-                <a:solidFill>
-                  <a:prstClr val="black"/>
-                </a:solidFill>
-              </a:rPr>
-              <a:t>the learned </a:t>
-            </a:r>
-            <a:r>
-              <a:rPr lang="en-US" sz="3200" dirty="0">
-                <a:solidFill>
-                  <a:prstClr val="black"/>
-                </a:solidFill>
-              </a:rPr>
-              <a:t>similarity </a:t>
-            </a:r>
-            <a:r>
-              <a:rPr lang="en-US" sz="3200" dirty="0" smtClean="0">
-                <a:solidFill>
-                  <a:prstClr val="black"/>
-                </a:solidFill>
-              </a:rPr>
-              <a:t>matrix</a:t>
-            </a:r>
-            <a:r>
-              <a:rPr lang="en-US" sz="3200" dirty="0">
-                <a:solidFill>
-                  <a:prstClr val="black"/>
-                </a:solidFill>
-              </a:rPr>
-              <a:t>.</a:t>
-            </a:r>
-            <a:endParaRPr lang="he-IL" sz="3200" i="1" dirty="0">
+              <a:t> of the other features. Other individual features correspond to the diagonal of the learned similarity matrix.</a:t>
+            </a:r>
+            <a:endParaRPr lang="he-IL" sz="3200" i="1" dirty="0" smtClean="0">
               <a:solidFill>
                 <a:prstClr val="black"/>
               </a:solidFill>
@@ -9419,8 +9432,8 @@
           </a:prstGeom>
         </p:spPr>
       </p:pic>
-      <mc:AlternateContent xmlns:mc="http://schemas.openxmlformats.org/markup-compatibility/2006">
-        <mc:Choice xmlns:a14="http://schemas.microsoft.com/office/drawing/2010/main" Requires="a14">
+      <mc:AlternateContent xmlns:mc="http://schemas.openxmlformats.org/markup-compatibility/2006" xmlns:a14="http://schemas.microsoft.com/office/drawing/2010/main">
+        <mc:Choice Requires="a14">
           <p:sp>
             <p:nvSpPr>
               <p:cNvPr id="40" name="Text Box 115"/>
@@ -9432,7 +9445,7 @@
             <p:spPr bwMode="auto">
               <a:xfrm>
                 <a:off x="17590892" y="8569177"/>
-                <a:ext cx="3202596" cy="2310505"/>
+                <a:ext cx="3202596" cy="4034054"/>
               </a:xfrm>
               <a:prstGeom prst="rect">
                 <a:avLst/>
@@ -9820,25 +9833,33 @@
                   </a:spcBef>
                 </a:pPr>
                 <a:r>
-                  <a:rPr lang="en-US" sz="2400" b="1" dirty="0"/>
+                  <a:rPr lang="en-US" sz="3200" b="1" dirty="0">
+                    <a:latin typeface="+mj-lt"/>
+                  </a:rPr>
                   <a:t>Structured sparsity:</a:t>
                 </a:r>
                 <a:r>
-                  <a:rPr lang="en-US" sz="2400" dirty="0"/>
+                  <a:rPr lang="en-US" sz="3200" dirty="0">
+                    <a:latin typeface="+mj-lt"/>
+                  </a:rPr>
                   <a:t> </a:t>
                 </a:r>
                 <a:r>
-                  <a:rPr lang="en-US" sz="2400" dirty="0" smtClean="0"/>
+                  <a:rPr lang="en-US" sz="3200" dirty="0" smtClean="0">
+                    <a:latin typeface="+mj-lt"/>
+                  </a:rPr>
                   <a:t>Absolute </a:t>
                 </a:r>
                 <a:r>
-                  <a:rPr lang="en-US" sz="2400" dirty="0"/>
+                  <a:rPr lang="en-US" sz="3200" dirty="0">
+                    <a:latin typeface="+mj-lt"/>
+                  </a:rPr>
                   <a:t>values of the elements of </a:t>
                 </a:r>
                 <a14:m>
                   <m:oMath xmlns:m="http://schemas.openxmlformats.org/officeDocument/2006/math">
                     <m:r>
-                      <a:rPr lang="en-US" sz="2400" i="1">
+                      <a:rPr lang="en-US" sz="3200" i="1">
                         <a:latin typeface="Cambria Math" panose="02040503050406030204" pitchFamily="18" charset="0"/>
                       </a:rPr>
                       <m:t>𝑊</m:t>
@@ -9846,23 +9867,31 @@
                   </m:oMath>
                 </a14:m>
                 <a:r>
-                  <a:rPr lang="en-US" sz="2400" dirty="0"/>
+                  <a:rPr lang="en-US" sz="3200" dirty="0">
+                    <a:latin typeface="+mj-lt"/>
+                  </a:rPr>
                   <a:t> trained on </a:t>
                 </a:r>
                 <a:r>
-                  <a:rPr lang="en-US" sz="2400" dirty="0" smtClean="0"/>
+                  <a:rPr lang="en-US" sz="3200" dirty="0" smtClean="0">
+                    <a:latin typeface="+mj-lt"/>
+                  </a:rPr>
                   <a:t>RCV1, features </a:t>
                 </a:r>
                 <a:r>
-                  <a:rPr lang="en-US" sz="2400" dirty="0"/>
+                  <a:rPr lang="en-US" sz="3200" dirty="0">
+                    <a:latin typeface="+mj-lt"/>
+                  </a:rPr>
                   <a:t>are ordered by their information gain.</a:t>
                 </a:r>
-                <a:endParaRPr lang="en-AU" altLang="en-US" sz="2400" dirty="0"/>
+                <a:endParaRPr lang="en-AU" altLang="en-US" sz="3200" dirty="0">
+                  <a:latin typeface="+mj-lt"/>
+                </a:endParaRPr>
               </a:p>
             </p:txBody>
           </p:sp>
         </mc:Choice>
-        <mc:Fallback>
+        <mc:Fallback xmlns="">
           <p:sp>
             <p:nvSpPr>
               <p:cNvPr id="40" name="Text Box 115"/>
@@ -9874,7 +9903,7 @@
             <p:spPr bwMode="auto">
               <a:xfrm>
                 <a:off x="17590892" y="8569177"/>
-                <a:ext cx="3202596" cy="2310505"/>
+                <a:ext cx="3202596" cy="4034054"/>
               </a:xfrm>
               <a:prstGeom prst="rect">
                 <a:avLst/>
@@ -9882,7 +9911,7 @@
               <a:blipFill rotWithShape="0">
                 <a:blip r:embed="rId20"/>
                 <a:stretch>
-                  <a:fillRect l="-3048" t="-1847" r="-4952" b="-5277"/>
+                  <a:fillRect l="-4952" t="-1967" r="-6476" b="-4085"/>
                 </a:stretch>
               </a:blipFill>
               <a:ln>
@@ -9973,8 +10002,8 @@
         </p:nvSpPr>
         <p:spPr>
           <a:xfrm>
-            <a:off x="21963105" y="4968774"/>
-            <a:ext cx="9714936" cy="8496947"/>
+            <a:off x="21963105" y="4968775"/>
+            <a:ext cx="9714936" cy="10945218"/>
           </a:xfrm>
           <a:prstGeom prst="roundRect">
             <a:avLst/>
@@ -10025,7 +10054,7 @@
         </p:nvSpPr>
         <p:spPr>
           <a:xfrm>
-            <a:off x="22522614" y="5375614"/>
+            <a:off x="22400351" y="5341966"/>
             <a:ext cx="8612485" cy="2263491"/>
           </a:xfrm>
           <a:prstGeom prst="rect">
@@ -10082,7 +10111,7 @@
         </p:blipFill>
         <p:spPr>
           <a:xfrm>
-            <a:off x="22522615" y="7777089"/>
+            <a:off x="22414188" y="7746273"/>
             <a:ext cx="8612484" cy="1326930"/>
           </a:xfrm>
           <a:prstGeom prst="rect">
@@ -10098,8 +10127,8 @@
         </p:nvSpPr>
         <p:spPr>
           <a:xfrm>
-            <a:off x="22414188" y="14173068"/>
-            <a:ext cx="8849661" cy="786163"/>
+            <a:off x="22414188" y="16441389"/>
+            <a:ext cx="8849661" cy="2755933"/>
           </a:xfrm>
           <a:prstGeom prst="rect">
             <a:avLst/>
@@ -10116,7 +10145,37 @@
               <a:rPr lang="en-US" sz="4400" b="1" dirty="0" smtClean="0"/>
               <a:t>Experimental Evaluation</a:t>
             </a:r>
-            <a:endParaRPr lang="en-US" sz="4400" b="1" dirty="0"/>
+          </a:p>
+          <a:p>
+            <a:pPr algn="l" rtl="0"/>
+            <a:r>
+              <a:rPr lang="en-US" sz="3200" dirty="0"/>
+              <a:t>Evaluated COMET with three datasets: Object recognition (Caltech256</a:t>
+            </a:r>
+            <a:r>
+              <a:rPr lang="en-US" sz="3200" dirty="0" smtClean="0"/>
+              <a:t>, 135k </a:t>
+            </a:r>
+            <a:r>
+              <a:rPr lang="en-US" sz="3200" dirty="0"/>
+              <a:t>triplets), text classification (RCV1, 4 </a:t>
+            </a:r>
+            <a:r>
+              <a:rPr lang="en-US" sz="3200" dirty="0" smtClean="0"/>
+              <a:t>classes, 100k </a:t>
+            </a:r>
+            <a:r>
+              <a:rPr lang="en-US" sz="3200" dirty="0"/>
+              <a:t>triplets), bio-informatics (Protein-LIBSVM, </a:t>
+            </a:r>
+            <a:r>
+              <a:rPr lang="en-US" sz="3200" dirty="0" smtClean="0"/>
+              <a:t>20k </a:t>
+            </a:r>
+            <a:r>
+              <a:rPr lang="en-US" sz="3200" dirty="0"/>
+              <a:t>triplets).</a:t>
+            </a:r>
           </a:p>
         </p:txBody>
       </p:sp>
@@ -10263,7 +10322,7 @@
             <p:spPr>
               <a:xfrm>
                 <a:off x="11945425" y="14360058"/>
-                <a:ext cx="8610014" cy="15212228"/>
+                <a:ext cx="8610014" cy="16197113"/>
               </a:xfrm>
               <a:prstGeom prst="rect">
                 <a:avLst/>
@@ -10277,8 +10336,24 @@
               <a:p>
                 <a:pPr algn="l" rtl="0"/>
                 <a:r>
+                  <a:rPr lang="en-US" sz="3200" dirty="0" smtClean="0"/>
+                  <a:t>Using an overlapping decomposition </a:t>
+                </a:r>
+                <a:r>
                   <a:rPr lang="en-US" sz="3200" dirty="0"/>
-                  <a:t>Using an overlapping decomposition of </a:t>
+                  <a:t>[Jacob 2009, </a:t>
+                </a:r>
+                <a:r>
+                  <a:rPr lang="en-US" sz="3200" dirty="0" err="1"/>
+                  <a:t>Obozinski</a:t>
+                </a:r>
+                <a:r>
+                  <a:rPr lang="en-US" sz="3200" dirty="0"/>
+                  <a:t> 2011</a:t>
+                </a:r>
+                <a:r>
+                  <a:rPr lang="en-US" sz="3200" dirty="0" smtClean="0"/>
+                  <a:t>] of </a:t>
                 </a:r>
                 <a14:m>
                   <m:oMath xmlns:m="http://schemas.openxmlformats.org/officeDocument/2006/math">
@@ -10412,6 +10487,17 @@
                   <a:rPr lang="en-US" sz="3200" dirty="0"/>
                   <a:t> is a diagonal matrix, each </a:t>
                 </a:r>
+                <a:r>
+                  <a:rPr lang="en-US" sz="3200" i="1" dirty="0" smtClean="0">
+                    <a:latin typeface="Cambria Math" panose="02040503050406030204" pitchFamily="18" charset="0"/>
+                  </a:rPr>
+                  <a:t/>
+                </a:r>
+                <a:br>
+                  <a:rPr lang="en-US" sz="3200" i="1" dirty="0" smtClean="0">
+                    <a:latin typeface="Cambria Math" panose="02040503050406030204" pitchFamily="18" charset="0"/>
+                  </a:rPr>
+                </a:br>
                 <a14:m>
                   <m:oMath xmlns:m="http://schemas.openxmlformats.org/officeDocument/2006/math">
                     <m:sSub>
@@ -11176,7 +11262,10 @@
                       <m:func>
                         <m:funcPr>
                           <m:ctrlPr>
-                            <a:rPr lang="en-US" sz="3200" i="1">
+                            <a:rPr lang="en-US" sz="3200" i="1" smtClean="0">
+                              <a:solidFill>
+                                <a:schemeClr val="tx1"/>
+                              </a:solidFill>
                               <a:latin typeface="Cambria Math" panose="02040503050406030204" pitchFamily="18" charset="0"/>
                             </a:rPr>
                           </m:ctrlPr>
@@ -11187,6 +11276,9 @@
                               <m:sty m:val="p"/>
                             </m:rPr>
                             <a:rPr lang="en-US" sz="3200">
+                              <a:solidFill>
+                                <a:schemeClr val="tx1"/>
+                              </a:solidFill>
                               <a:latin typeface="Cambria Math" panose="02040503050406030204" pitchFamily="18" charset="0"/>
                             </a:rPr>
                             <m:t>log</m:t>
@@ -11197,6 +11289,9 @@
                             <m:funcPr>
                               <m:ctrlPr>
                                 <a:rPr lang="en-US" sz="3200" i="1">
+                                  <a:solidFill>
+                                    <a:schemeClr val="tx1"/>
+                                  </a:solidFill>
                                   <a:latin typeface="Cambria Math" panose="02040503050406030204" pitchFamily="18" charset="0"/>
                                 </a:rPr>
                               </m:ctrlPr>
@@ -11207,6 +11302,9 @@
                                   <m:sty m:val="p"/>
                                 </m:rPr>
                                 <a:rPr lang="en-US" sz="3200">
+                                  <a:solidFill>
+                                    <a:schemeClr val="tx1"/>
+                                  </a:solidFill>
                                   <a:latin typeface="Cambria Math" panose="02040503050406030204" pitchFamily="18" charset="0"/>
                                 </a:rPr>
                                 <m:t>det</m:t>
@@ -11215,6 +11313,9 @@
                             <m:e>
                               <m:r>
                                 <a:rPr lang="en-US" sz="3200" i="1">
+                                  <a:solidFill>
+                                    <a:schemeClr val="tx1"/>
+                                  </a:solidFill>
                                   <a:latin typeface="Cambria Math" panose="02040503050406030204" pitchFamily="18" charset="0"/>
                                 </a:rPr>
                                 <m:t>𝑊</m:t>
@@ -11225,6 +11326,9 @@
                       </m:func>
                       <m:r>
                         <a:rPr lang="en-US" sz="3200" i="1">
+                          <a:solidFill>
+                            <a:schemeClr val="tx1"/>
+                          </a:solidFill>
                           <a:latin typeface="Cambria Math" panose="02040503050406030204" pitchFamily="18" charset="0"/>
                         </a:rPr>
                         <m:t>+</m:t>
@@ -11232,7 +11336,7 @@
                       <m:r>
                         <a:rPr lang="en-US" sz="3200" i="1" smtClean="0">
                           <a:solidFill>
-                            <a:schemeClr val="tx2"/>
+                            <a:schemeClr val="tx1"/>
                           </a:solidFill>
                           <a:latin typeface="Cambria Math" panose="02040503050406030204" pitchFamily="18" charset="0"/>
                         </a:rPr>
@@ -11244,7 +11348,7 @@
                           <m:ctrlPr>
                             <a:rPr lang="en-US" sz="3200" i="1">
                               <a:solidFill>
-                                <a:schemeClr val="tx2"/>
+                                <a:schemeClr val="tx1"/>
                               </a:solidFill>
                               <a:latin typeface="Cambria Math" panose="02040503050406030204" pitchFamily="18" charset="0"/>
                             </a:rPr>
@@ -11254,7 +11358,7 @@
                           <m:r>
                             <a:rPr lang="en-US" sz="3200" i="1">
                               <a:solidFill>
-                                <a:schemeClr val="tx2"/>
+                                <a:schemeClr val="tx1"/>
                               </a:solidFill>
                               <a:latin typeface="Cambria Math" panose="02040503050406030204" pitchFamily="18" charset="0"/>
                             </a:rPr>
@@ -11263,7 +11367,7 @@
                           <m:r>
                             <a:rPr lang="en-US" sz="3200" i="1">
                               <a:solidFill>
-                                <a:schemeClr val="tx2"/>
+                                <a:schemeClr val="tx1"/>
                               </a:solidFill>
                               <a:latin typeface="Cambria Math" panose="02040503050406030204" pitchFamily="18" charset="0"/>
                             </a:rPr>
@@ -11272,7 +11376,7 @@
                           <m:r>
                             <a:rPr lang="en-US" sz="3200" i="1">
                               <a:solidFill>
-                                <a:schemeClr val="tx2"/>
+                                <a:schemeClr val="tx1"/>
                               </a:solidFill>
                               <a:latin typeface="Cambria Math" panose="02040503050406030204" pitchFamily="18" charset="0"/>
                             </a:rPr>
@@ -11283,7 +11387,7 @@
                           <m:r>
                             <a:rPr lang="en-US" sz="3200" i="1">
                               <a:solidFill>
-                                <a:schemeClr val="tx2"/>
+                                <a:schemeClr val="tx1"/>
                               </a:solidFill>
                               <a:latin typeface="Cambria Math" panose="02040503050406030204" pitchFamily="18" charset="0"/>
                             </a:rPr>
@@ -11296,7 +11400,7 @@
                               <m:ctrlPr>
                                 <a:rPr lang="en-US" sz="3200" i="1">
                                   <a:solidFill>
-                                    <a:schemeClr val="tx2"/>
+                                    <a:schemeClr val="tx1"/>
                                   </a:solidFill>
                                   <a:latin typeface="Cambria Math" panose="02040503050406030204" pitchFamily="18" charset="0"/>
                                 </a:rPr>
@@ -11310,7 +11414,7 @@
                                   <m:ctrlPr>
                                     <a:rPr lang="en-US" sz="3200" i="1">
                                       <a:solidFill>
-                                        <a:schemeClr val="tx2"/>
+                                        <a:schemeClr val="tx1"/>
                                       </a:solidFill>
                                       <a:latin typeface="Cambria Math" panose="02040503050406030204" pitchFamily="18" charset="0"/>
                                     </a:rPr>
@@ -11322,7 +11426,7 @@
                                       <m:ctrlPr>
                                         <a:rPr lang="en-US" sz="3200" i="1">
                                           <a:solidFill>
-                                            <a:schemeClr val="tx2"/>
+                                            <a:schemeClr val="tx1"/>
                                           </a:solidFill>
                                           <a:latin typeface="Cambria Math" panose="02040503050406030204" pitchFamily="18" charset="0"/>
                                         </a:rPr>
@@ -11332,7 +11436,7 @@
                                       <m:r>
                                         <a:rPr lang="en-US" sz="3200" i="1">
                                           <a:solidFill>
-                                            <a:schemeClr val="tx2"/>
+                                            <a:schemeClr val="tx1"/>
                                           </a:solidFill>
                                           <a:latin typeface="Cambria Math" panose="02040503050406030204" pitchFamily="18" charset="0"/>
                                         </a:rPr>
@@ -11343,7 +11447,7 @@
                                       <m:r>
                                         <a:rPr lang="en-US" sz="3200" i="1">
                                           <a:solidFill>
-                                            <a:schemeClr val="tx2"/>
+                                            <a:schemeClr val="tx1"/>
                                           </a:solidFill>
                                           <a:latin typeface="Cambria Math" panose="02040503050406030204" pitchFamily="18" charset="0"/>
                                         </a:rPr>
@@ -11358,7 +11462,7 @@
                               <m:r>
                                 <a:rPr lang="en-US" sz="3200" i="1">
                                   <a:solidFill>
-                                    <a:schemeClr val="tx2"/>
+                                    <a:schemeClr val="tx1"/>
                                   </a:solidFill>
                                   <a:latin typeface="Cambria Math" panose="02040503050406030204" pitchFamily="18" charset="0"/>
                                 </a:rPr>
@@ -11373,7 +11477,7 @@
                 </a14:m>
                 <a:endParaRPr lang="en-US" sz="3200" dirty="0">
                   <a:solidFill>
-                    <a:schemeClr val="tx2"/>
+                    <a:schemeClr val="tx1"/>
                   </a:solidFill>
                 </a:endParaRPr>
               </a:p>
@@ -11385,7 +11489,15 @@
                 <a:pPr algn="l"/>
                 <a:r>
                   <a:rPr lang="en-US" sz="3200" dirty="0"/>
-                  <a:t>Solving a proximal problem on each step to encourage exact all-zeros updates, which admits a closed form </a:t>
+                  <a:t>Solving a proximal problem on each step to encourage exact all-zeros </a:t>
+                </a:r>
+                <a:r>
+                  <a:rPr lang="en-US" sz="3200" dirty="0" smtClean="0"/>
+                  <a:t>updates [Bach 2012], </a:t>
+                </a:r>
+                <a:r>
+                  <a:rPr lang="en-US" sz="3200" dirty="0"/>
+                  <a:t>which admits a closed form </a:t>
                 </a:r>
                 <a:r>
                   <a:rPr lang="en-US" sz="3200" dirty="0" smtClean="0"/>
@@ -11915,7 +12027,31 @@
                       <a:srgbClr val="FF0000"/>
                     </a:solidFill>
                   </a:rPr>
-                  <a:t>TODO: ADD CLOSED FORM SOLUTION?</a:t>
+                  <a:t>TODO: ADD CLOSED FORM SOLUTION</a:t>
+                </a:r>
+                <a:r>
+                  <a:rPr lang="en-US" sz="3200" b="1" dirty="0">
+                    <a:solidFill>
+                      <a:srgbClr val="FF0000"/>
+                    </a:solidFill>
+                  </a:rPr>
+                  <a:t>? (it shows how groups are </a:t>
+                </a:r>
+                <a:r>
+                  <a:rPr lang="en-US" sz="3200" b="1" dirty="0" smtClean="0">
+                    <a:solidFill>
+                      <a:srgbClr val="FF0000"/>
+                    </a:solidFill>
+                  </a:rPr>
+                  <a:t>forced </a:t>
+                </a:r>
+                <a:r>
+                  <a:rPr lang="en-US" sz="3200" b="1" dirty="0">
+                    <a:solidFill>
+                      <a:srgbClr val="FF0000"/>
+                    </a:solidFill>
+                  </a:rPr>
+                  <a:t>to zero)</a:t>
                 </a:r>
                 <a:endParaRPr lang="en-US" sz="3200" b="1" dirty="0">
                   <a:solidFill>
@@ -11942,7 +12078,7 @@
             <p:spPr>
               <a:xfrm>
                 <a:off x="11945425" y="14360058"/>
-                <a:ext cx="8610014" cy="15212228"/>
+                <a:ext cx="8610014" cy="16197113"/>
               </a:xfrm>
               <a:prstGeom prst="rect">
                 <a:avLst/>
@@ -11950,7 +12086,7 @@
               <a:blipFill rotWithShape="0">
                 <a:blip r:embed="rId25"/>
                 <a:stretch>
-                  <a:fillRect l="-1629" t="-441" r="-2479"/>
+                  <a:fillRect l="-1629" t="-452" r="-2479"/>
                 </a:stretch>
               </a:blipFill>
             </p:spPr>
@@ -11979,7 +12115,7 @@
         </p:nvSpPr>
         <p:spPr bwMode="auto">
           <a:xfrm>
-            <a:off x="1512468" y="26481473"/>
+            <a:off x="1620770" y="26355153"/>
             <a:ext cx="2934114" cy="463846"/>
           </a:xfrm>
           <a:prstGeom prst="rect">
@@ -12397,7 +12533,7 @@
         </p:nvSpPr>
         <p:spPr bwMode="auto">
           <a:xfrm>
-            <a:off x="5616924" y="26481473"/>
+            <a:off x="5631030" y="26355153"/>
             <a:ext cx="1292639" cy="463846"/>
           </a:xfrm>
           <a:prstGeom prst="rect">
@@ -12815,8 +12951,8 @@
         </p:nvSpPr>
         <p:spPr bwMode="auto">
           <a:xfrm>
-            <a:off x="8323849" y="26763256"/>
-            <a:ext cx="1920240" cy="2310505"/>
+            <a:off x="8312951" y="26355153"/>
+            <a:ext cx="1920240" cy="3049169"/>
           </a:xfrm>
           <a:prstGeom prst="rect">
             <a:avLst/>
@@ -13204,36 +13340,17 @@
               </a:spcBef>
             </a:pPr>
             <a:r>
-              <a:rPr lang="en-US" sz="2400" dirty="0" smtClean="0"/>
-              <a:t>COMET gradient steps versus projected gradient steps</a:t>
-            </a:r>
-            <a:endParaRPr lang="en-AU" altLang="en-US" sz="2400" dirty="0"/>
+              <a:rPr lang="en-US" sz="3200" dirty="0" smtClean="0">
+                <a:latin typeface="+mj-lt"/>
+              </a:rPr>
+              <a:t>COMET gradient steps vs. projected gradient steps</a:t>
+            </a:r>
+            <a:endParaRPr lang="en-AU" altLang="en-US" sz="3200" dirty="0">
+              <a:latin typeface="+mj-lt"/>
+            </a:endParaRPr>
           </a:p>
         </p:txBody>
       </p:sp>
-      <p:pic>
-        <p:nvPicPr>
-          <p:cNvPr id="13" name="Picture 12"/>
-          <p:cNvPicPr>
-            <a:picLocks noChangeAspect="1"/>
-          </p:cNvPicPr>
-          <p:nvPr/>
-        </p:nvPicPr>
-        <p:blipFill rotWithShape="1">
-          <a:blip r:embed="rId26"/>
-          <a:srcRect r="4094"/>
-          <a:stretch/>
-        </p:blipFill>
-        <p:spPr>
-          <a:xfrm>
-            <a:off x="22522614" y="9621067"/>
-            <a:ext cx="8612485" cy="1875529"/>
-          </a:xfrm>
-          <a:prstGeom prst="rect">
-            <a:avLst/>
-          </a:prstGeom>
-        </p:spPr>
-      </p:pic>
       <mc:AlternateContent xmlns:mc="http://schemas.openxmlformats.org/markup-compatibility/2006" xmlns:a14="http://schemas.microsoft.com/office/drawing/2010/main">
         <mc:Choice Requires="a14">
           <p:sp>
@@ -13246,8 +13363,8 @@
             </p:nvSpPr>
             <p:spPr bwMode="auto">
               <a:xfrm>
-                <a:off x="22520517" y="11813666"/>
-                <a:ext cx="8614582" cy="1202510"/>
+                <a:off x="22398254" y="13969777"/>
+                <a:ext cx="8614582" cy="1571842"/>
               </a:xfrm>
               <a:prstGeom prst="rect">
                 <a:avLst/>
@@ -13613,62 +13730,79 @@
                   </a:spcBef>
                 </a:pPr>
                 <a:r>
-                  <a:rPr lang="en-US" altLang="en-US" sz="2400" dirty="0" smtClean="0"/>
-                  <a:t>Runtimes, minutes. </a:t>
+                  <a:rPr lang="en-US" altLang="en-US" sz="3200" b="1" dirty="0">
+                    <a:solidFill>
+                      <a:schemeClr val="tx1"/>
+                    </a:solidFill>
+                    <a:latin typeface="+mn-lt"/>
+                    <a:cs typeface="+mn-cs"/>
+                  </a:rPr>
+                  <a:t>Runtimes</a:t>
+                </a:r>
+                <a:r>
+                  <a:rPr lang="en-US" altLang="en-US" sz="3200" dirty="0">
+                    <a:solidFill>
+                      <a:schemeClr val="tx1"/>
+                    </a:solidFill>
+                    <a:latin typeface="+mn-lt"/>
+                    <a:cs typeface="+mn-cs"/>
+                  </a:rPr>
+                  <a:t>, minutes. </a:t>
                 </a:r>
                 <a14:m>
                   <m:oMath xmlns:m="http://schemas.openxmlformats.org/officeDocument/2006/math">
                     <m:r>
-                      <a:rPr lang="en-US" sz="2400" i="1" smtClean="0">
+                      <a:rPr lang="en-US" sz="3200">
+                        <a:solidFill>
+                          <a:schemeClr val="tx1"/>
+                        </a:solidFill>
                         <a:latin typeface="Cambria Math" panose="02040503050406030204" pitchFamily="18" charset="0"/>
-                        <a:ea typeface="Cambria Math" panose="02040503050406030204" pitchFamily="18" charset="0"/>
+                        <a:cs typeface="+mn-cs"/>
                       </a:rPr>
                       <m:t>±</m:t>
                     </m:r>
                   </m:oMath>
                 </a14:m>
                 <a:r>
-                  <a:rPr lang="en-US" altLang="en-US" sz="2400" dirty="0"/>
-                  <a:t> denotes the standard deviation. For </a:t>
-                </a:r>
-                <a:r>
-                  <a:rPr lang="en-US" altLang="en-US" sz="2400" dirty="0" smtClean="0"/>
-                  <a:t>sparse COMET</a:t>
-                </a:r>
-                <a:r>
-                  <a:rPr lang="en-US" altLang="en-US" sz="2400" dirty="0"/>
-                  <a:t>, we  selected </a:t>
+                  <a:rPr lang="en-US" altLang="en-US" sz="3200" dirty="0">
+                    <a:solidFill>
+                      <a:schemeClr val="tx1"/>
+                    </a:solidFill>
+                    <a:latin typeface="+mn-lt"/>
+                    <a:cs typeface="+mn-cs"/>
+                  </a:rPr>
+                  <a:t> denotes the standard deviation. For sparse COMET, we  selected </a:t>
                 </a:r>
                 <a14:m>
                   <m:oMath xmlns:m="http://schemas.openxmlformats.org/officeDocument/2006/math">
                     <m:r>
-                      <a:rPr lang="en-US" sz="2400" b="0" i="1" smtClean="0">
+                      <a:rPr lang="en-US" sz="3200">
+                        <a:solidFill>
+                          <a:schemeClr val="tx1"/>
+                        </a:solidFill>
                         <a:latin typeface="Cambria Math" panose="02040503050406030204" pitchFamily="18" charset="0"/>
+                        <a:cs typeface="+mn-cs"/>
                       </a:rPr>
                       <m:t>𝜌</m:t>
                     </m:r>
                   </m:oMath>
                 </a14:m>
                 <a:r>
-                  <a:rPr lang="en-US" altLang="en-US" sz="2400" dirty="0" smtClean="0"/>
-                  <a:t> </a:t>
+                  <a:rPr lang="en-US" altLang="en-US" sz="3200" dirty="0">
+                    <a:solidFill>
+                      <a:schemeClr val="tx1"/>
+                    </a:solidFill>
+                    <a:latin typeface="+mn-lt"/>
+                    <a:cs typeface="+mn-cs"/>
+                  </a:rPr>
+                  <a:t> values to illustrate the performance gain. </a:t>
                 </a:r>
-                <a:r>
-                  <a:rPr lang="en-US" altLang="en-US" sz="2400" dirty="0"/>
-                  <a:t>values to illustrate the performance gain. </a:t>
-                </a:r>
-                <a:r>
-                  <a:rPr lang="en-US" altLang="en-US" sz="2400" b="1" dirty="0" smtClean="0">
-                    <a:solidFill>
-                      <a:srgbClr val="FF0000"/>
-                    </a:solidFill>
-                  </a:rPr>
-                  <a:t> TODO set best results in bold</a:t>
-                </a:r>
-                <a:endParaRPr lang="en-AU" altLang="en-US" sz="2400" b="1" i="1" dirty="0">
+                <a:endParaRPr lang="en-AU" altLang="en-US" sz="3200" dirty="0">
                   <a:solidFill>
-                    <a:srgbClr val="FF0000"/>
+                    <a:schemeClr val="tx1"/>
                   </a:solidFill>
+                  <a:latin typeface="+mn-lt"/>
+                  <a:cs typeface="+mn-cs"/>
                 </a:endParaRPr>
               </a:p>
             </p:txBody>
@@ -13685,16 +13819,16 @@
             </p:nvSpPr>
             <p:spPr bwMode="auto">
               <a:xfrm>
-                <a:off x="22520517" y="11813666"/>
-                <a:ext cx="8614582" cy="1202510"/>
+                <a:off x="22398254" y="13969777"/>
+                <a:ext cx="8614582" cy="1571842"/>
               </a:xfrm>
               <a:prstGeom prst="rect">
                 <a:avLst/>
               </a:prstGeom>
               <a:blipFill rotWithShape="0">
-                <a:blip r:embed="rId28"/>
+                <a:blip r:embed="rId26"/>
                 <a:stretch>
-                  <a:fillRect l="-1062" t="-3553" b="-11168"/>
+                  <a:fillRect l="-1769" t="-4669" r="-2689" b="-12062"/>
                 </a:stretch>
               </a:blipFill>
               <a:ln>
@@ -13727,7 +13861,7 @@
           <p:nvPr/>
         </p:nvPicPr>
         <p:blipFill rotWithShape="1">
-          <a:blip r:embed="rId29" cstate="print">
+          <a:blip r:embed="rId27" cstate="print">
             <a:extLst>
               <a:ext uri="{28A0092B-C50C-407E-A947-70E740481C1C}">
                 <a14:useLocalDpi xmlns:a14="http://schemas.microsoft.com/office/drawing/2010/main" val="0"/>
@@ -13739,7 +13873,7 @@
         </p:blipFill>
         <p:spPr bwMode="auto">
           <a:xfrm>
-            <a:off x="22456719" y="15406108"/>
+            <a:off x="22520517" y="19464850"/>
             <a:ext cx="5421807" cy="4931836"/>
           </a:xfrm>
           <a:prstGeom prst="rect">
@@ -13789,7 +13923,7 @@
           <p:nvPr/>
         </p:nvPicPr>
         <p:blipFill rotWithShape="1">
-          <a:blip r:embed="rId29" cstate="print">
+          <a:blip r:embed="rId27" cstate="print">
             <a:extLst>
               <a:ext uri="{28A0092B-C50C-407E-A947-70E740481C1C}">
                 <a14:useLocalDpi xmlns:a14="http://schemas.microsoft.com/office/drawing/2010/main" val="0"/>
@@ -13801,7 +13935,7 @@
         </p:blipFill>
         <p:spPr bwMode="auto">
           <a:xfrm>
-            <a:off x="22420231" y="21018534"/>
+            <a:off x="22520517" y="26084673"/>
             <a:ext cx="5389266" cy="4968552"/>
           </a:xfrm>
           <a:prstGeom prst="rect">
@@ -13828,7 +13962,7 @@
           <p:nvPr/>
         </p:nvPicPr>
         <p:blipFill rotWithShape="1">
-          <a:blip r:embed="rId30">
+          <a:blip r:embed="rId28">
             <a:extLst>
               <a:ext uri="{28A0092B-C50C-407E-A947-70E740481C1C}">
                 <a14:useLocalDpi xmlns:a14="http://schemas.microsoft.com/office/drawing/2010/main" val="0"/>
@@ -13869,7 +14003,7 @@
         <p:spPr bwMode="auto">
           <a:xfrm>
             <a:off x="38361322" y="7137476"/>
-            <a:ext cx="3202595" cy="4157165"/>
+            <a:ext cx="3202595" cy="5613974"/>
           </a:xfrm>
           <a:prstGeom prst="rect">
             <a:avLst/>
@@ -14235,66 +14369,110 @@
               </a:spcBef>
             </a:pPr>
             <a:r>
-              <a:rPr lang="en-US" altLang="en-US" sz="2400" dirty="0"/>
+              <a:rPr lang="en-US" altLang="en-US" sz="3200" b="1" dirty="0" smtClean="0">
+                <a:latin typeface="+mj-lt"/>
+              </a:rPr>
+              <a:t>Precision </a:t>
+            </a:r>
+            <a:r>
+              <a:rPr lang="en-US" altLang="en-US" sz="3200" b="1" dirty="0">
+                <a:latin typeface="+mj-lt"/>
+              </a:rPr>
+              <a:t>at 1, 3 and 5 </a:t>
+            </a:r>
+            <a:r>
+              <a:rPr lang="en-US" altLang="en-US" sz="3200" b="1" i="1" dirty="0" smtClean="0">
+                <a:latin typeface="+mj-lt"/>
+              </a:rPr>
+              <a:t>vs.</a:t>
+            </a:r>
+            <a:r>
+              <a:rPr lang="en-US" altLang="en-US" sz="3200" b="1" dirty="0" smtClean="0">
+                <a:latin typeface="+mj-lt"/>
+              </a:rPr>
+              <a:t> the </a:t>
+            </a:r>
+            <a:r>
+              <a:rPr lang="en-US" altLang="en-US" sz="3200" b="1" dirty="0">
+                <a:latin typeface="+mj-lt"/>
+              </a:rPr>
+              <a:t>mean training run time</a:t>
+            </a:r>
+            <a:r>
+              <a:rPr lang="en-US" altLang="en-US" sz="3200" dirty="0">
+                <a:latin typeface="+mj-lt"/>
+              </a:rPr>
+              <a:t> of COMET. </a:t>
+            </a:r>
+            <a:endParaRPr lang="en-US" altLang="en-US" sz="3200" dirty="0" smtClean="0">
+              <a:latin typeface="+mj-lt"/>
+            </a:endParaRPr>
+          </a:p>
+          <a:p>
+            <a:pPr algn="l" rtl="0">
+              <a:spcBef>
+                <a:spcPts val="750"/>
+              </a:spcBef>
+            </a:pPr>
+            <a:r>
+              <a:rPr lang="en-US" altLang="en-US" sz="3200" dirty="0" smtClean="0">
+                <a:latin typeface="+mj-lt"/>
+              </a:rPr>
+              <a:t>Dashed </a:t>
+            </a:r>
+            <a:r>
+              <a:rPr lang="en-US" altLang="en-US" sz="3200" dirty="0">
+                <a:latin typeface="+mj-lt"/>
+              </a:rPr>
+              <a:t>line denotes the </a:t>
+            </a:r>
+            <a:r>
+              <a:rPr lang="en-US" altLang="en-US" sz="3200" i="1" dirty="0" smtClean="0">
+                <a:latin typeface="+mj-lt"/>
+              </a:rPr>
+              <a:t>precision-at-1</a:t>
+            </a:r>
+            <a:r>
+              <a:rPr lang="en-US" altLang="en-US" sz="3200" dirty="0" smtClean="0">
+                <a:latin typeface="+mj-lt"/>
+              </a:rPr>
+              <a:t> </a:t>
+            </a:r>
+            <a:r>
+              <a:rPr lang="en-US" altLang="en-US" sz="3200" dirty="0">
+                <a:latin typeface="+mj-lt"/>
+              </a:rPr>
+              <a:t>of the Euclidean </a:t>
+            </a:r>
+            <a:r>
+              <a:rPr lang="en-US" altLang="en-US" sz="3200" dirty="0" smtClean="0">
+                <a:latin typeface="+mj-lt"/>
+              </a:rPr>
+              <a:t>baseline, </a:t>
+            </a:r>
+            <a:r>
+              <a:rPr lang="en-US" altLang="en-US" sz="3200" dirty="0">
+                <a:solidFill>
+                  <a:prstClr val="black"/>
+                </a:solidFill>
+                <a:latin typeface="Calibri"/>
+                <a:cs typeface="+mn-cs"/>
+              </a:rPr>
               <a:t>RCV1 dataset with 5K </a:t>
             </a:r>
             <a:r>
-              <a:rPr lang="en-US" altLang="en-US" sz="2400" dirty="0" smtClean="0"/>
-              <a:t>features</a:t>
-            </a:r>
-            <a:r>
-              <a:rPr lang="en-US" altLang="en-US" sz="2400" dirty="0" smtClean="0"/>
-              <a:t>, </a:t>
-            </a:r>
-            <a:r>
-              <a:rPr lang="en-US" altLang="en-US" sz="2400" dirty="0"/>
-              <a:t>p</a:t>
-            </a:r>
-            <a:r>
-              <a:rPr lang="en-US" altLang="en-US" sz="2400" dirty="0" smtClean="0"/>
-              <a:t>recision </a:t>
-            </a:r>
-            <a:r>
-              <a:rPr lang="en-US" altLang="en-US" sz="2400" dirty="0"/>
-              <a:t>at 1, 3 and 5 nearest neighbor evaluated on the test set </a:t>
-            </a:r>
-            <a:r>
-              <a:rPr lang="en-US" altLang="en-US" sz="2400" i="1" dirty="0" smtClean="0"/>
-              <a:t>vs. </a:t>
-            </a:r>
-            <a:r>
-              <a:rPr lang="en-US" altLang="en-US" sz="2400" dirty="0" smtClean="0"/>
-              <a:t>the </a:t>
-            </a:r>
-            <a:r>
-              <a:rPr lang="en-US" altLang="en-US" sz="2400" dirty="0"/>
-              <a:t>mean training run time of COMET. </a:t>
-            </a:r>
-            <a:r>
-              <a:rPr lang="en-US" altLang="en-US" sz="2400" dirty="0" smtClean="0"/>
-              <a:t>Dashed </a:t>
-            </a:r>
-            <a:r>
-              <a:rPr lang="en-US" altLang="en-US" sz="2400" dirty="0"/>
-              <a:t>line denotes the </a:t>
-            </a:r>
-            <a:r>
-              <a:rPr lang="en-US" altLang="en-US" sz="2400" i="1" dirty="0" smtClean="0"/>
-              <a:t>precision-at-1</a:t>
-            </a:r>
-            <a:r>
-              <a:rPr lang="en-US" altLang="en-US" sz="2400" dirty="0" smtClean="0"/>
-              <a:t> </a:t>
-            </a:r>
-            <a:r>
-              <a:rPr lang="en-US" altLang="en-US" sz="2400" dirty="0"/>
-              <a:t>of the Euclidean baseline</a:t>
-            </a:r>
-            <a:r>
-              <a:rPr lang="en-US" altLang="en-US" sz="2400" dirty="0" smtClean="0"/>
-              <a:t>.</a:t>
-            </a:r>
-            <a:endParaRPr lang="en-AU" altLang="en-US" sz="2400" i="1" dirty="0"/>
+              <a:rPr lang="en-US" altLang="en-US" sz="3200" dirty="0" smtClean="0">
+                <a:solidFill>
+                  <a:prstClr val="black"/>
+                </a:solidFill>
+                <a:latin typeface="Calibri"/>
+                <a:cs typeface="+mn-cs"/>
+              </a:rPr>
+              <a:t>features.</a:t>
+            </a:r>
+            <a:endParaRPr lang="en-AU" altLang="en-US" sz="3200" i="1" dirty="0">
+              <a:latin typeface="+mj-lt"/>
+            </a:endParaRPr>
           </a:p>
         </p:txBody>
       </p:sp>
@@ -14308,8 +14486,8 @@
         </p:nvSpPr>
         <p:spPr bwMode="auto">
           <a:xfrm>
-            <a:off x="38374790" y="12229046"/>
-            <a:ext cx="3202595" cy="1941173"/>
+            <a:off x="38374790" y="14317278"/>
+            <a:ext cx="3202595" cy="3049169"/>
           </a:xfrm>
           <a:prstGeom prst="rect">
             <a:avLst/>
@@ -14675,26 +14853,121 @@
               </a:spcBef>
             </a:pPr>
             <a:r>
-              <a:rPr lang="en-US" altLang="en-US" sz="2400" dirty="0"/>
+              <a:rPr lang="en-US" altLang="en-US" sz="3200" b="1" dirty="0" smtClean="0">
+                <a:latin typeface="+mj-lt"/>
+              </a:rPr>
+              <a:t>Mean </a:t>
+            </a:r>
+            <a:r>
+              <a:rPr lang="en-US" altLang="en-US" sz="3200" b="1" dirty="0">
+                <a:latin typeface="+mj-lt"/>
+              </a:rPr>
+              <a:t>training time </a:t>
+            </a:r>
+            <a:r>
+              <a:rPr lang="en-US" altLang="en-US" sz="3200" b="1" i="1" dirty="0" smtClean="0">
+                <a:latin typeface="+mj-lt"/>
+              </a:rPr>
+              <a:t>vs.</a:t>
+            </a:r>
+            <a:r>
+              <a:rPr lang="en-US" altLang="en-US" sz="3200" b="1" dirty="0" smtClean="0">
+                <a:latin typeface="+mj-lt"/>
+              </a:rPr>
+              <a:t> the </a:t>
+            </a:r>
+            <a:r>
+              <a:rPr lang="en-US" altLang="en-US" sz="3200" b="1" dirty="0">
+                <a:latin typeface="+mj-lt"/>
+              </a:rPr>
+              <a:t>learned matrix </a:t>
+            </a:r>
+            <a:r>
+              <a:rPr lang="en-US" altLang="en-US" sz="3200" b="1" dirty="0" smtClean="0">
+                <a:latin typeface="+mj-lt"/>
+              </a:rPr>
+              <a:t>density</a:t>
+            </a:r>
+            <a:r>
+              <a:rPr lang="en-US" altLang="en-US" sz="3200" dirty="0" smtClean="0">
+                <a:latin typeface="+mj-lt"/>
+              </a:rPr>
+              <a:t>, </a:t>
+            </a:r>
+            <a:r>
+              <a:rPr lang="en-US" altLang="en-US" sz="3200" dirty="0"/>
               <a:t>RCV1 dataset with 5K </a:t>
             </a:r>
             <a:r>
-              <a:rPr lang="en-US" altLang="en-US" sz="2400" dirty="0" smtClean="0"/>
-              <a:t>features</a:t>
-            </a:r>
-            <a:r>
-              <a:rPr lang="en-US" altLang="en-US" sz="2400" dirty="0" smtClean="0"/>
-              <a:t>, </a:t>
-            </a:r>
-            <a:r>
-              <a:rPr lang="en-US" altLang="en-US" sz="2400" dirty="0" smtClean="0"/>
-              <a:t>mean </a:t>
-            </a:r>
-            <a:r>
-              <a:rPr lang="en-US" altLang="en-US" sz="2400" dirty="0"/>
-              <a:t>training time as a function of the learned matrix density. </a:t>
-            </a:r>
-            <a:endParaRPr lang="en-AU" altLang="en-US" sz="2400" i="1" dirty="0"/>
+              <a:rPr lang="en-US" altLang="en-US" sz="3200" dirty="0" smtClean="0"/>
+              <a:t>features.</a:t>
+            </a:r>
+            <a:endParaRPr lang="en-AU" altLang="en-US" sz="3200" b="1" i="1" dirty="0">
+              <a:latin typeface="+mj-lt"/>
+            </a:endParaRPr>
+          </a:p>
+        </p:txBody>
+      </p:sp>
+      <p:pic>
+        <p:nvPicPr>
+          <p:cNvPr id="6" name="Picture 5"/>
+          <p:cNvPicPr>
+            <a:picLocks noChangeAspect="1"/>
+          </p:cNvPicPr>
+          <p:nvPr/>
+        </p:nvPicPr>
+        <p:blipFill rotWithShape="1">
+          <a:blip r:embed="rId29"/>
+          <a:srcRect l="1039" r="1174"/>
+          <a:stretch/>
+        </p:blipFill>
+        <p:spPr>
+          <a:xfrm>
+            <a:off x="22407589" y="9454763"/>
+            <a:ext cx="8614582" cy="4387746"/>
+          </a:xfrm>
+          <a:prstGeom prst="rect">
+            <a:avLst/>
+          </a:prstGeom>
+        </p:spPr>
+      </p:pic>
+      <p:sp>
+        <p:nvSpPr>
+          <p:cNvPr id="8" name="Rectangle 7"/>
+          <p:cNvSpPr/>
+          <p:nvPr/>
+        </p:nvSpPr>
+        <p:spPr>
+          <a:xfrm>
+            <a:off x="21956960" y="12866317"/>
+            <a:ext cx="443391" cy="2039564"/>
+          </a:xfrm>
+          <a:prstGeom prst="rect">
+            <a:avLst/>
+          </a:prstGeom>
+        </p:spPr>
+        <p:style>
+          <a:lnRef idx="2">
+            <a:schemeClr val="accent1">
+              <a:shade val="50000"/>
+            </a:schemeClr>
+          </a:lnRef>
+          <a:fillRef idx="1">
+            <a:schemeClr val="accent1"/>
+          </a:fillRef>
+          <a:effectRef idx="0">
+            <a:schemeClr val="accent1"/>
+          </a:effectRef>
+          <a:fontRef idx="minor">
+            <a:schemeClr val="lt1"/>
+          </a:fontRef>
+        </p:style>
+        <p:txBody>
+          <a:bodyPr rtlCol="0" anchor="ctr"/>
+          <a:lstStyle/>
+          <a:p>
+            <a:pPr algn="ctr"/>
+            <a:endParaRPr lang="en-US"/>
           </a:p>
         </p:txBody>
       </p:sp>

--- a/COMET_poster.pptx
+++ b/COMET_poster.pptx
@@ -9374,7 +9374,23 @@
                   <a:prstClr val="black"/>
                 </a:solidFill>
               </a:rPr>
-              <a:t>Structured sparsity allows only a small set of features to interact with </a:t>
+              <a:t>COMET’s s</a:t>
+            </a:r>
+            <a:r>
+              <a:rPr lang="en-US" sz="3200" dirty="0" smtClean="0">
+                <a:solidFill>
+                  <a:prstClr val="black"/>
+                </a:solidFill>
+              </a:rPr>
+              <a:t>tructured </a:t>
+            </a:r>
+            <a:r>
+              <a:rPr lang="en-US" sz="3200" dirty="0" smtClean="0">
+                <a:solidFill>
+                  <a:prstClr val="black"/>
+                </a:solidFill>
+              </a:rPr>
+              <a:t>sparsity allows only a small set of features to interact with </a:t>
             </a:r>
             <a:r>
               <a:rPr lang="en-US" sz="3200" i="1" dirty="0" smtClean="0">
@@ -10086,11 +10102,19 @@
             <a:pPr algn="l" rtl="0"/>
             <a:r>
               <a:rPr lang="en-US" sz="3200" dirty="0" smtClean="0"/>
-              <a:t>We </a:t>
+              <a:t>Compared </a:t>
             </a:r>
             <a:r>
               <a:rPr lang="en-US" sz="3200" dirty="0"/>
-              <a:t>compared COMET with approaches that avoid repeated projections to the PD cone and  to the Euclidean metric baseline.</a:t>
+              <a:t>COMET with approaches that avoid repeated projections to the PD </a:t>
+            </a:r>
+            <a:r>
+              <a:rPr lang="en-US" sz="3200" dirty="0" smtClean="0"/>
+              <a:t>cone, and  </a:t>
+            </a:r>
+            <a:r>
+              <a:rPr lang="en-US" sz="3200" dirty="0"/>
+              <a:t>to the Euclidean metric baseline.</a:t>
             </a:r>
           </a:p>
         </p:txBody>
@@ -13935,7 +13959,7 @@
         </p:blipFill>
         <p:spPr bwMode="auto">
           <a:xfrm>
-            <a:off x="22520517" y="26084673"/>
+            <a:off x="22520517" y="25275033"/>
             <a:ext cx="5389266" cy="4968552"/>
           </a:xfrm>
           <a:prstGeom prst="rect">
@@ -14931,46 +14955,6 @@
           </a:prstGeom>
         </p:spPr>
       </p:pic>
-      <p:sp>
-        <p:nvSpPr>
-          <p:cNvPr id="8" name="Rectangle 7"/>
-          <p:cNvSpPr/>
-          <p:nvPr/>
-        </p:nvSpPr>
-        <p:spPr>
-          <a:xfrm>
-            <a:off x="21956960" y="12866317"/>
-            <a:ext cx="443391" cy="2039564"/>
-          </a:xfrm>
-          <a:prstGeom prst="rect">
-            <a:avLst/>
-          </a:prstGeom>
-        </p:spPr>
-        <p:style>
-          <a:lnRef idx="2">
-            <a:schemeClr val="accent1">
-              <a:shade val="50000"/>
-            </a:schemeClr>
-          </a:lnRef>
-          <a:fillRef idx="1">
-            <a:schemeClr val="accent1"/>
-          </a:fillRef>
-          <a:effectRef idx="0">
-            <a:schemeClr val="accent1"/>
-          </a:effectRef>
-          <a:fontRef idx="minor">
-            <a:schemeClr val="lt1"/>
-          </a:fontRef>
-        </p:style>
-        <p:txBody>
-          <a:bodyPr rtlCol="0" anchor="ctr"/>
-          <a:lstStyle/>
-          <a:p>
-            <a:pPr algn="ctr"/>
-            <a:endParaRPr lang="en-US"/>
-          </a:p>
-        </p:txBody>
-      </p:sp>
     </p:spTree>
   </p:cSld>
   <p:clrMapOvr>

--- a/COMET_poster.pptx
+++ b/COMET_poster.pptx
@@ -5,10 +5,11 @@
     <p:sldMasterId id="2147483648" r:id="rId1"/>
   </p:sldMasterIdLst>
   <p:notesMasterIdLst>
-    <p:notesMasterId r:id="rId3"/>
+    <p:notesMasterId r:id="rId4"/>
   </p:notesMasterIdLst>
   <p:sldIdLst>
     <p:sldId id="256" r:id="rId2"/>
+    <p:sldId id="257" r:id="rId3"/>
   </p:sldIdLst>
   <p:sldSz cx="43205400" cy="32404050"/>
   <p:notesSz cx="6858000" cy="9144000"/>
@@ -5166,8 +5167,8 @@
           </p:sp>
         </mc:Fallback>
       </mc:AlternateContent>
-      <mc:AlternateContent xmlns:mc="http://schemas.openxmlformats.org/markup-compatibility/2006" xmlns:a14="http://schemas.microsoft.com/office/drawing/2010/main">
-        <mc:Choice Requires="a14">
+      <mc:AlternateContent xmlns:mc="http://schemas.openxmlformats.org/markup-compatibility/2006">
+        <mc:Choice xmlns:a14="http://schemas.microsoft.com/office/drawing/2010/main" Requires="a14">
           <p:sp>
             <p:nvSpPr>
               <p:cNvPr id="129" name="Rounded Rectangle 128"/>
@@ -5177,7 +5178,7 @@
             <p:spPr>
               <a:xfrm>
                 <a:off x="1080420" y="4968776"/>
-                <a:ext cx="9721080" cy="13073138"/>
+                <a:ext cx="9721080" cy="12099592"/>
               </a:xfrm>
               <a:prstGeom prst="roundRect">
                 <a:avLst/>
@@ -5218,18 +5219,42 @@
                       <a:schemeClr val="tx1"/>
                     </a:solidFill>
                   </a:rPr>
-                  <a:t>The Learning Setup</a:t>
+                  <a:t>The learning </a:t>
+                </a:r>
+                <a:r>
+                  <a:rPr lang="en-US" sz="4400" b="1" dirty="0">
+                    <a:solidFill>
+                      <a:schemeClr val="tx1"/>
+                    </a:solidFill>
+                  </a:rPr>
+                  <a:t>s</a:t>
+                </a:r>
+                <a:r>
+                  <a:rPr lang="en-US" sz="4400" b="1" dirty="0" smtClean="0">
+                    <a:solidFill>
+                      <a:schemeClr val="tx1"/>
+                    </a:solidFill>
+                  </a:rPr>
+                  <a:t>etup</a:t>
                 </a:r>
               </a:p>
               <a:p>
                 <a:pPr algn="l"/>
+                <a:r>
+                  <a:rPr lang="en-US" sz="3200" dirty="0" smtClean="0">
+                    <a:solidFill>
+                      <a:schemeClr val="tx1"/>
+                    </a:solidFill>
+                  </a:rPr>
+                  <a:t>We aim to learn a </a:t>
+                </a:r>
                 <a:r>
                   <a:rPr lang="en-US" sz="3200" dirty="0">
                     <a:solidFill>
                       <a:schemeClr val="tx1"/>
                     </a:solidFill>
                   </a:rPr>
-                  <a:t>Learning a measure of pairwise </a:t>
+                  <a:t>measure of pairwise </a:t>
                 </a:r>
                 <a:r>
                   <a:rPr lang="en-US" sz="3200" dirty="0" smtClean="0">
@@ -5408,6 +5433,15 @@
                         </a:rPr>
                         <m:t>𝑊</m:t>
                       </m:r>
+                      <m:r>
+                        <a:rPr lang="en-US" sz="3200" b="0" i="1" smtClean="0">
+                          <a:solidFill>
+                            <a:schemeClr val="tx1"/>
+                          </a:solidFill>
+                          <a:latin typeface="Cambria Math" panose="02040503050406030204" pitchFamily="18" charset="0"/>
+                        </a:rPr>
+                        <m:t>𝑦</m:t>
+                      </m:r>
                     </m:oMath>
                   </m:oMathPara>
                 </a14:m>
@@ -5433,7 +5467,31 @@
                       <a:schemeClr val="tx1"/>
                     </a:solidFill>
                   </a:rPr>
-                  <a:t>Assuming a ranking based weak supervision signal,</a:t>
+                  <a:t>Given </a:t>
+                </a:r>
+                <a:r>
+                  <a:rPr lang="en-US" sz="3200" dirty="0" smtClean="0">
+                    <a:solidFill>
+                      <a:schemeClr val="tx1"/>
+                    </a:solidFill>
+                  </a:rPr>
+                  <a:t>a </a:t>
+                </a:r>
+                <a:r>
+                  <a:rPr lang="en-US" sz="3200" dirty="0" smtClean="0">
+                    <a:solidFill>
+                      <a:schemeClr val="tx1"/>
+                    </a:solidFill>
+                  </a:rPr>
+                  <a:t>ranking-based </a:t>
+                </a:r>
+                <a:r>
+                  <a:rPr lang="en-US" sz="3200" dirty="0" smtClean="0">
+                    <a:solidFill>
+                      <a:schemeClr val="tx1"/>
+                    </a:solidFill>
+                  </a:rPr>
+                  <a:t>weak supervision signal,</a:t>
                 </a:r>
               </a:p>
               <a:p>
@@ -5852,36 +5910,28 @@
                         </m:sSup>
                       </m:e>
                     </m:d>
+                    <m:r>
+                      <a:rPr lang="en-US" sz="3200" b="0" i="0" smtClean="0">
+                        <a:solidFill>
+                          <a:schemeClr val="tx1"/>
+                        </a:solidFill>
+                        <a:latin typeface="Cambria Math" panose="02040503050406030204" pitchFamily="18" charset="0"/>
+                      </a:rPr>
+                      <m:t>,</m:t>
+                    </m:r>
                   </m:oMath>
                 </a14:m>
-                <a:r>
-                  <a:rPr lang="en-US" sz="3200" b="0" dirty="0" smtClean="0">
-                    <a:solidFill>
-                      <a:schemeClr val="tx1"/>
-                    </a:solidFill>
-                  </a:rPr>
-                  <a:t>.</a:t>
-                </a:r>
-              </a:p>
-              <a:p>
-                <a:pPr algn="l" rtl="0"/>
-                <a:endParaRPr lang="en-US" sz="3200" i="1" dirty="0" smtClean="0">
-                  <a:solidFill>
-                    <a:schemeClr val="tx1"/>
-                  </a:solidFill>
-                  <a:latin typeface="Cambria Math" panose="02040503050406030204" pitchFamily="18" charset="0"/>
-                </a:endParaRPr>
-              </a:p>
-              <a:p>
-                <a:pPr lvl="0" algn="l" rtl="0"/>
                 <a:r>
                   <a:rPr lang="en-US" sz="3200" dirty="0" smtClean="0">
                     <a:solidFill>
                       <a:prstClr val="black"/>
                     </a:solidFill>
                   </a:rPr>
-                  <a:t>The objective is:</a:t>
+                  <a:t> we aim to minimize the regularized loss:</a:t>
                 </a:r>
+              </a:p>
+              <a:p>
+                <a:pPr algn="l" rtl="0"/>
                 <a:endParaRPr lang="en-US" sz="3200" i="1" dirty="0">
                   <a:solidFill>
                     <a:prstClr val="black"/>
@@ -6504,7 +6554,7 @@
             </p:txBody>
           </p:sp>
         </mc:Choice>
-        <mc:Fallback xmlns="">
+        <mc:Fallback>
           <p:sp>
             <p:nvSpPr>
               <p:cNvPr id="129" name="Rounded Rectangle 128"/>
@@ -6516,13 +6566,13 @@
             <p:spPr>
               <a:xfrm>
                 <a:off x="1080420" y="4968776"/>
-                <a:ext cx="9721080" cy="13073138"/>
+                <a:ext cx="9721080" cy="12099592"/>
               </a:xfrm>
               <a:prstGeom prst="roundRect">
                 <a:avLst/>
               </a:prstGeom>
               <a:blipFill rotWithShape="0">
-                <a:blip r:embed="rId11"/>
+                <a:blip r:embed="rId10"/>
                 <a:stretch>
                   <a:fillRect/>
                 </a:stretch>
@@ -8323,963 +8373,6 @@
       </p:pic>
       <p:sp>
         <p:nvSpPr>
-          <p:cNvPr id="59" name="Rounded Rectangle 58"/>
-          <p:cNvSpPr/>
-          <p:nvPr/>
-        </p:nvSpPr>
-        <p:spPr>
-          <a:xfrm>
-            <a:off x="1080420" y="18290257"/>
-            <a:ext cx="9715300" cy="13665785"/>
-          </a:xfrm>
-          <a:prstGeom prst="roundRect">
-            <a:avLst/>
-          </a:prstGeom>
-          <a:solidFill>
-            <a:schemeClr val="bg1"/>
-          </a:solidFill>
-          <a:ln w="76200">
-            <a:solidFill>
-              <a:schemeClr val="tx1"/>
-            </a:solidFill>
-          </a:ln>
-        </p:spPr>
-        <p:style>
-          <a:lnRef idx="2">
-            <a:schemeClr val="accent1">
-              <a:shade val="50000"/>
-            </a:schemeClr>
-          </a:lnRef>
-          <a:fillRef idx="1">
-            <a:schemeClr val="accent1"/>
-          </a:fillRef>
-          <a:effectRef idx="0">
-            <a:schemeClr val="accent1"/>
-          </a:effectRef>
-          <a:fontRef idx="minor">
-            <a:schemeClr val="lt1"/>
-          </a:fontRef>
-        </p:style>
-        <p:txBody>
-          <a:bodyPr lIns="83976" tIns="41987" rIns="83976" bIns="41987" rtlCol="1" anchor="t"/>
-          <a:lstStyle/>
-          <a:p>
-            <a:pPr lvl="0" algn="ctr" rtl="0"/>
-            <a:r>
-              <a:rPr lang="en-US" sz="4400" b="1" dirty="0" smtClean="0">
-                <a:solidFill>
-                  <a:schemeClr val="tx1"/>
-                </a:solidFill>
-              </a:rPr>
-              <a:t>COMET row-column coordinate step</a:t>
-            </a:r>
-            <a:endParaRPr lang="en-US" sz="4300" dirty="0">
-              <a:solidFill>
-                <a:prstClr val="black"/>
-              </a:solidFill>
-            </a:endParaRPr>
-          </a:p>
-        </p:txBody>
-      </p:sp>
-      <p:sp>
-        <p:nvSpPr>
-          <p:cNvPr id="61" name="Rectangle 60"/>
-          <p:cNvSpPr/>
-          <p:nvPr/>
-        </p:nvSpPr>
-        <p:spPr>
-          <a:xfrm>
-            <a:off x="1608386" y="19591159"/>
-            <a:ext cx="4529941" cy="4048595"/>
-          </a:xfrm>
-          <a:prstGeom prst="rect">
-            <a:avLst/>
-          </a:prstGeom>
-        </p:spPr>
-        <p:txBody>
-          <a:bodyPr wrap="square" lIns="108000" tIns="54000" rIns="108000" bIns="54000">
-            <a:spAutoFit/>
-          </a:bodyPr>
-          <a:lstStyle/>
-          <a:p>
-            <a:pPr algn="l" rtl="0"/>
-            <a:r>
-              <a:rPr lang="en-US" sz="3200" dirty="0" smtClean="0"/>
-              <a:t>Updating </a:t>
-            </a:r>
-            <a:r>
-              <a:rPr lang="en-US" sz="3200" dirty="0"/>
-              <a:t>the learned matrix one column and row at a </a:t>
-            </a:r>
-            <a:r>
-              <a:rPr lang="en-US" sz="3200" dirty="0" smtClean="0"/>
-              <a:t>time. </a:t>
-            </a:r>
-          </a:p>
-          <a:p>
-            <a:pPr algn="l" rtl="0"/>
-            <a:endParaRPr lang="en-US" sz="3200" dirty="0" smtClean="0"/>
-          </a:p>
-          <a:p>
-            <a:pPr algn="l" rtl="0"/>
-            <a:r>
-              <a:rPr lang="en-US" sz="3200" dirty="0" smtClean="0"/>
-              <a:t>Using the </a:t>
-            </a:r>
-            <a:r>
-              <a:rPr lang="en-US" sz="3200" dirty="0"/>
-              <a:t>PD condition of the </a:t>
-            </a:r>
-            <a:r>
-              <a:rPr lang="en-US" sz="3200" dirty="0" err="1"/>
-              <a:t>Schur</a:t>
-            </a:r>
-            <a:r>
-              <a:rPr lang="en-US" sz="3200" dirty="0"/>
-              <a:t> </a:t>
-            </a:r>
-            <a:r>
-              <a:rPr lang="en-US" sz="3200" dirty="0" smtClean="0"/>
-              <a:t>complement to limit the step to the PD cone:</a:t>
-            </a:r>
-            <a:endParaRPr lang="en-US" sz="3200" b="1" dirty="0"/>
-          </a:p>
-        </p:txBody>
-      </p:sp>
-      <mc:AlternateContent xmlns:mc="http://schemas.openxmlformats.org/markup-compatibility/2006" xmlns:a14="http://schemas.microsoft.com/office/drawing/2010/main">
-        <mc:Choice Requires="a14">
-          <p:sp>
-            <p:nvSpPr>
-              <p:cNvPr id="76" name="Rectangle 75"/>
-              <p:cNvSpPr/>
-              <p:nvPr/>
-            </p:nvSpPr>
-            <p:spPr>
-              <a:xfrm>
-                <a:off x="1642704" y="23457338"/>
-                <a:ext cx="8570252" cy="8144075"/>
-              </a:xfrm>
-              <a:prstGeom prst="rect">
-                <a:avLst/>
-              </a:prstGeom>
-            </p:spPr>
-            <p:txBody>
-              <a:bodyPr wrap="square" lIns="108000" tIns="54000" rIns="108000" bIns="54000">
-                <a:spAutoFit/>
-              </a:bodyPr>
-              <a:lstStyle/>
-              <a:p>
-                <a:pPr algn="l" rtl="0"/>
-                <a14:m>
-                  <m:oMathPara xmlns:m="http://schemas.openxmlformats.org/officeDocument/2006/math">
-                    <m:oMathParaPr>
-                      <m:jc m:val="centerGroup"/>
-                    </m:oMathParaPr>
-                    <m:oMath xmlns:m="http://schemas.openxmlformats.org/officeDocument/2006/math">
-                      <m:sSup>
-                        <m:sSupPr>
-                          <m:ctrlPr>
-                            <a:rPr lang="en-US" sz="3200" i="1" smtClean="0">
-                              <a:latin typeface="Cambria Math" panose="02040503050406030204" pitchFamily="18" charset="0"/>
-                            </a:rPr>
-                          </m:ctrlPr>
-                        </m:sSupPr>
-                        <m:e>
-                          <m:r>
-                            <a:rPr lang="en-US" sz="3200" i="1">
-                              <a:latin typeface="Cambria Math" panose="02040503050406030204" pitchFamily="18" charset="0"/>
-                            </a:rPr>
-                            <m:t>𝑊</m:t>
-                          </m:r>
-                        </m:e>
-                        <m:sup>
-                          <m:r>
-                            <a:rPr lang="en-US" sz="3200" i="1">
-                              <a:latin typeface="Cambria Math" panose="02040503050406030204" pitchFamily="18" charset="0"/>
-                            </a:rPr>
-                            <m:t>𝑛𝑒𝑤</m:t>
-                          </m:r>
-                        </m:sup>
-                      </m:sSup>
-                      <m:r>
-                        <a:rPr lang="en-US" sz="3200" i="1">
-                          <a:latin typeface="Cambria Math" panose="02040503050406030204" pitchFamily="18" charset="0"/>
-                        </a:rPr>
-                        <m:t>≻</m:t>
-                      </m:r>
-                      <m:r>
-                        <a:rPr lang="en-US" sz="3200" i="1">
-                          <a:latin typeface="Cambria Math" panose="02040503050406030204" pitchFamily="18" charset="0"/>
-                        </a:rPr>
-                        <m:t>0</m:t>
-                      </m:r>
-                      <m:r>
-                        <a:rPr lang="en-US" sz="3200" i="1">
-                          <a:latin typeface="Cambria Math" panose="02040503050406030204" pitchFamily="18" charset="0"/>
-                        </a:rPr>
-                        <m:t> ⟺ </m:t>
-                      </m:r>
-                      <m:sSup>
-                        <m:sSupPr>
-                          <m:ctrlPr>
-                            <a:rPr lang="en-US" sz="3200" i="1" smtClean="0">
-                              <a:latin typeface="Cambria Math" panose="02040503050406030204" pitchFamily="18" charset="0"/>
-                            </a:rPr>
-                          </m:ctrlPr>
-                        </m:sSupPr>
-                        <m:e>
-                          <m:r>
-                            <a:rPr lang="en-US" sz="3200" b="0" i="1" smtClean="0">
-                              <a:latin typeface="Cambria Math" panose="02040503050406030204" pitchFamily="18" charset="0"/>
-                            </a:rPr>
-                            <m:t>𝑐</m:t>
-                          </m:r>
-                        </m:e>
-                        <m:sup>
-                          <m:r>
-                            <a:rPr lang="en-US" sz="3200" i="1">
-                              <a:latin typeface="Cambria Math" panose="02040503050406030204" pitchFamily="18" charset="0"/>
-                            </a:rPr>
-                            <m:t>∗</m:t>
-                          </m:r>
-                        </m:sup>
-                      </m:sSup>
-                      <m:r>
-                        <a:rPr lang="en-US" sz="3200" i="1">
-                          <a:latin typeface="Cambria Math" panose="02040503050406030204" pitchFamily="18" charset="0"/>
-                        </a:rPr>
-                        <m:t>−</m:t>
-                      </m:r>
-                      <m:sSup>
-                        <m:sSupPr>
-                          <m:ctrlPr>
-                            <a:rPr lang="en-US" sz="3200" i="1">
-                              <a:latin typeface="Cambria Math" panose="02040503050406030204" pitchFamily="18" charset="0"/>
-                            </a:rPr>
-                          </m:ctrlPr>
-                        </m:sSupPr>
-                        <m:e>
-                          <m:sSup>
-                            <m:sSupPr>
-                              <m:ctrlPr>
-                                <a:rPr lang="en-US" sz="3200" i="1">
-                                  <a:latin typeface="Cambria Math" panose="02040503050406030204" pitchFamily="18" charset="0"/>
-                                </a:rPr>
-                              </m:ctrlPr>
-                            </m:sSupPr>
-                            <m:e>
-                              <m:r>
-                                <a:rPr lang="en-US" sz="3200" b="1" i="0" smtClean="0">
-                                  <a:latin typeface="Cambria Math" panose="02040503050406030204" pitchFamily="18" charset="0"/>
-                                </a:rPr>
-                                <m:t>𝐛</m:t>
-                              </m:r>
-                            </m:e>
-                            <m:sup>
-                              <m:r>
-                                <a:rPr lang="en-US" sz="3200" i="1">
-                                  <a:latin typeface="Cambria Math" panose="02040503050406030204" pitchFamily="18" charset="0"/>
-                                </a:rPr>
-                                <m:t>∗</m:t>
-                              </m:r>
-                            </m:sup>
-                          </m:sSup>
-                        </m:e>
-                        <m:sup>
-                          <m:r>
-                            <a:rPr lang="en-US" sz="3200" i="1">
-                              <a:latin typeface="Cambria Math" panose="02040503050406030204" pitchFamily="18" charset="0"/>
-                            </a:rPr>
-                            <m:t>𝑇</m:t>
-                          </m:r>
-                        </m:sup>
-                      </m:sSup>
-                      <m:sSup>
-                        <m:sSupPr>
-                          <m:ctrlPr>
-                            <a:rPr lang="en-US" sz="3200" i="1">
-                              <a:latin typeface="Cambria Math" panose="02040503050406030204" pitchFamily="18" charset="0"/>
-                            </a:rPr>
-                          </m:ctrlPr>
-                        </m:sSupPr>
-                        <m:e>
-                          <m:r>
-                            <a:rPr lang="en-US" sz="3200" i="1">
-                              <a:latin typeface="Cambria Math" panose="02040503050406030204" pitchFamily="18" charset="0"/>
-                            </a:rPr>
-                            <m:t>𝐴</m:t>
-                          </m:r>
-                        </m:e>
-                        <m:sup>
-                          <m:r>
-                            <a:rPr lang="en-US" sz="3200" i="1">
-                              <a:latin typeface="Cambria Math" panose="02040503050406030204" pitchFamily="18" charset="0"/>
-                            </a:rPr>
-                            <m:t>−</m:t>
-                          </m:r>
-                          <m:r>
-                            <a:rPr lang="en-US" sz="3200" i="1">
-                              <a:latin typeface="Cambria Math" panose="02040503050406030204" pitchFamily="18" charset="0"/>
-                            </a:rPr>
-                            <m:t>1</m:t>
-                          </m:r>
-                        </m:sup>
-                      </m:sSup>
-                      <m:sSup>
-                        <m:sSupPr>
-                          <m:ctrlPr>
-                            <a:rPr lang="en-US" sz="3200" i="1">
-                              <a:latin typeface="Cambria Math" panose="02040503050406030204" pitchFamily="18" charset="0"/>
-                            </a:rPr>
-                          </m:ctrlPr>
-                        </m:sSupPr>
-                        <m:e>
-                          <m:r>
-                            <a:rPr lang="en-US" sz="3200" b="1" i="0" smtClean="0">
-                              <a:latin typeface="Cambria Math" panose="02040503050406030204" pitchFamily="18" charset="0"/>
-                            </a:rPr>
-                            <m:t>𝐛</m:t>
-                          </m:r>
-                        </m:e>
-                        <m:sup>
-                          <m:r>
-                            <a:rPr lang="en-US" sz="3200" i="1">
-                              <a:latin typeface="Cambria Math" panose="02040503050406030204" pitchFamily="18" charset="0"/>
-                            </a:rPr>
-                            <m:t>∗</m:t>
-                          </m:r>
-                        </m:sup>
-                      </m:sSup>
-                      <m:r>
-                        <a:rPr lang="en-US" sz="3200" i="1">
-                          <a:latin typeface="Cambria Math" panose="02040503050406030204" pitchFamily="18" charset="0"/>
-                        </a:rPr>
-                        <m:t>&gt;</m:t>
-                      </m:r>
-                      <m:r>
-                        <a:rPr lang="en-US" sz="3200" i="1">
-                          <a:latin typeface="Cambria Math" panose="02040503050406030204" pitchFamily="18" charset="0"/>
-                        </a:rPr>
-                        <m:t>0</m:t>
-                      </m:r>
-                      <m:r>
-                        <a:rPr lang="en-US" sz="3200" b="0" i="1" smtClean="0">
-                          <a:latin typeface="Cambria Math" panose="02040503050406030204" pitchFamily="18" charset="0"/>
-                        </a:rPr>
-                        <m:t>,</m:t>
-                      </m:r>
-                    </m:oMath>
-                  </m:oMathPara>
-                </a14:m>
-                <a:endParaRPr lang="en-US" sz="3200" dirty="0" smtClean="0"/>
-              </a:p>
-              <a:p>
-                <a:pPr algn="l" rtl="0"/>
-                <a:endParaRPr lang="en-US" sz="3200" dirty="0" smtClean="0"/>
-              </a:p>
-              <a:p>
-                <a:pPr algn="l" rtl="0"/>
-                <a:r>
-                  <a:rPr lang="en-US" sz="3200" dirty="0" smtClean="0"/>
-                  <a:t>where  </a:t>
-                </a:r>
-                <a14:m>
-                  <m:oMath xmlns:m="http://schemas.openxmlformats.org/officeDocument/2006/math">
-                    <m:sSup>
-                      <m:sSupPr>
-                        <m:ctrlPr>
-                          <a:rPr lang="en-US" sz="3200" i="1">
-                            <a:latin typeface="Cambria Math" panose="02040503050406030204" pitchFamily="18" charset="0"/>
-                          </a:rPr>
-                        </m:ctrlPr>
-                      </m:sSupPr>
-                      <m:e>
-                        <m:r>
-                          <a:rPr lang="en-US" sz="3200" i="1">
-                            <a:latin typeface="Cambria Math" panose="02040503050406030204" pitchFamily="18" charset="0"/>
-                          </a:rPr>
-                          <m:t>𝑐</m:t>
-                        </m:r>
-                      </m:e>
-                      <m:sup>
-                        <m:r>
-                          <a:rPr lang="en-US" sz="3200" i="1">
-                            <a:latin typeface="Cambria Math" panose="02040503050406030204" pitchFamily="18" charset="0"/>
-                          </a:rPr>
-                          <m:t>∗</m:t>
-                        </m:r>
-                      </m:sup>
-                    </m:sSup>
-                    <m:r>
-                      <a:rPr lang="en-US" sz="3200" i="1">
-                        <a:latin typeface="Cambria Math" panose="02040503050406030204" pitchFamily="18" charset="0"/>
-                      </a:rPr>
-                      <m:t>=</m:t>
-                    </m:r>
-                    <m:sSubSup>
-                      <m:sSubSupPr>
-                        <m:ctrlPr>
-                          <a:rPr lang="en-US" sz="3200" i="1">
-                            <a:latin typeface="Cambria Math" panose="02040503050406030204" pitchFamily="18" charset="0"/>
-                          </a:rPr>
-                        </m:ctrlPr>
-                      </m:sSubSupPr>
-                      <m:e>
-                        <m:r>
-                          <a:rPr lang="en-US" sz="3200" i="1">
-                            <a:latin typeface="Cambria Math" panose="02040503050406030204" pitchFamily="18" charset="0"/>
-                          </a:rPr>
-                          <m:t>𝑊</m:t>
-                        </m:r>
-                      </m:e>
-                      <m:sub>
-                        <m:d>
-                          <m:dPr>
-                            <m:ctrlPr>
-                              <a:rPr lang="en-US" sz="3200" i="1">
-                                <a:latin typeface="Cambria Math" panose="02040503050406030204" pitchFamily="18" charset="0"/>
-                              </a:rPr>
-                            </m:ctrlPr>
-                          </m:dPr>
-                          <m:e>
-                            <m:r>
-                              <a:rPr lang="en-US" sz="3200" i="1">
-                                <a:latin typeface="Cambria Math" panose="02040503050406030204" pitchFamily="18" charset="0"/>
-                              </a:rPr>
-                              <m:t>1</m:t>
-                            </m:r>
-                            <m:r>
-                              <a:rPr lang="en-US" sz="3200" i="1">
-                                <a:latin typeface="Cambria Math" panose="02040503050406030204" pitchFamily="18" charset="0"/>
-                              </a:rPr>
-                              <m:t>,</m:t>
-                            </m:r>
-                            <m:r>
-                              <a:rPr lang="en-US" sz="3200" i="1">
-                                <a:latin typeface="Cambria Math" panose="02040503050406030204" pitchFamily="18" charset="0"/>
-                              </a:rPr>
-                              <m:t>1</m:t>
-                            </m:r>
-                          </m:e>
-                        </m:d>
-                      </m:sub>
-                      <m:sup>
-                        <m:r>
-                          <a:rPr lang="en-US" sz="3200" i="1">
-                            <a:latin typeface="Cambria Math" panose="02040503050406030204" pitchFamily="18" charset="0"/>
-                          </a:rPr>
-                          <m:t>𝑛𝑒𝑤</m:t>
-                        </m:r>
-                      </m:sup>
-                    </m:sSubSup>
-                    <m:r>
-                      <a:rPr lang="en-US" sz="3200" b="0" i="0" smtClean="0">
-                        <a:latin typeface="Cambria Math" panose="02040503050406030204" pitchFamily="18" charset="0"/>
-                      </a:rPr>
-                      <m:t> </m:t>
-                    </m:r>
-                  </m:oMath>
-                </a14:m>
-                <a:r>
-                  <a:rPr lang="en-US" sz="3200" dirty="0" smtClean="0"/>
-                  <a:t>(</a:t>
-                </a:r>
-                <a:r>
-                  <a:rPr lang="en-US" sz="3200" dirty="0"/>
-                  <a:t>a scalar), </a:t>
-                </a:r>
-                <a14:m>
-                  <m:oMath xmlns:m="http://schemas.openxmlformats.org/officeDocument/2006/math">
-                    <m:sSup>
-                      <m:sSupPr>
-                        <m:ctrlPr>
-                          <a:rPr lang="en-US" sz="3200" i="1">
-                            <a:latin typeface="Cambria Math" panose="02040503050406030204" pitchFamily="18" charset="0"/>
-                          </a:rPr>
-                        </m:ctrlPr>
-                      </m:sSupPr>
-                      <m:e>
-                        <m:r>
-                          <a:rPr lang="en-US" sz="3200" b="1" i="1">
-                            <a:latin typeface="Cambria Math" panose="02040503050406030204" pitchFamily="18" charset="0"/>
-                          </a:rPr>
-                          <m:t>𝐛</m:t>
-                        </m:r>
-                      </m:e>
-                      <m:sup>
-                        <m:r>
-                          <a:rPr lang="en-US" sz="3200" i="1">
-                            <a:latin typeface="Cambria Math" panose="02040503050406030204" pitchFamily="18" charset="0"/>
-                          </a:rPr>
-                          <m:t>∗</m:t>
-                        </m:r>
-                      </m:sup>
-                    </m:sSup>
-                    <m:r>
-                      <a:rPr lang="en-US" sz="3200" i="1">
-                        <a:latin typeface="Cambria Math" panose="02040503050406030204" pitchFamily="18" charset="0"/>
-                      </a:rPr>
-                      <m:t>=</m:t>
-                    </m:r>
-                    <m:sSubSup>
-                      <m:sSubSupPr>
-                        <m:ctrlPr>
-                          <a:rPr lang="en-US" sz="3200" i="1">
-                            <a:latin typeface="Cambria Math" panose="02040503050406030204" pitchFamily="18" charset="0"/>
-                          </a:rPr>
-                        </m:ctrlPr>
-                      </m:sSubSupPr>
-                      <m:e>
-                        <m:r>
-                          <a:rPr lang="en-US" sz="3200" i="1">
-                            <a:latin typeface="Cambria Math" panose="02040503050406030204" pitchFamily="18" charset="0"/>
-                          </a:rPr>
-                          <m:t>𝑊</m:t>
-                        </m:r>
-                      </m:e>
-                      <m:sub>
-                        <m:d>
-                          <m:dPr>
-                            <m:ctrlPr>
-                              <a:rPr lang="en-US" sz="3200" i="1">
-                                <a:latin typeface="Cambria Math" panose="02040503050406030204" pitchFamily="18" charset="0"/>
-                              </a:rPr>
-                            </m:ctrlPr>
-                          </m:dPr>
-                          <m:e>
-                            <m:r>
-                              <a:rPr lang="en-US" sz="3200" i="1">
-                                <a:latin typeface="Cambria Math" panose="02040503050406030204" pitchFamily="18" charset="0"/>
-                              </a:rPr>
-                              <m:t>2</m:t>
-                            </m:r>
-                            <m:r>
-                              <a:rPr lang="en-US" sz="3200" i="1">
-                                <a:latin typeface="Cambria Math" panose="02040503050406030204" pitchFamily="18" charset="0"/>
-                              </a:rPr>
-                              <m:t>:</m:t>
-                            </m:r>
-                            <m:r>
-                              <a:rPr lang="en-US" sz="3200" i="1">
-                                <a:latin typeface="Cambria Math" panose="02040503050406030204" pitchFamily="18" charset="0"/>
-                              </a:rPr>
-                              <m:t>𝑑</m:t>
-                            </m:r>
-                            <m:r>
-                              <a:rPr lang="en-US" sz="3200" i="1">
-                                <a:latin typeface="Cambria Math" panose="02040503050406030204" pitchFamily="18" charset="0"/>
-                              </a:rPr>
-                              <m:t>,</m:t>
-                            </m:r>
-                            <m:r>
-                              <a:rPr lang="en-US" sz="3200" i="1">
-                                <a:latin typeface="Cambria Math" panose="02040503050406030204" pitchFamily="18" charset="0"/>
-                              </a:rPr>
-                              <m:t>1</m:t>
-                            </m:r>
-                          </m:e>
-                        </m:d>
-                      </m:sub>
-                      <m:sup>
-                        <m:r>
-                          <a:rPr lang="en-US" sz="3200" i="1">
-                            <a:latin typeface="Cambria Math" panose="02040503050406030204" pitchFamily="18" charset="0"/>
-                          </a:rPr>
-                          <m:t>𝑛𝑒𝑤</m:t>
-                        </m:r>
-                      </m:sup>
-                    </m:sSubSup>
-                  </m:oMath>
-                </a14:m>
-                <a:r>
-                  <a:rPr lang="en-US" sz="3200" dirty="0"/>
-                  <a:t> and </a:t>
-                </a:r>
-                <a14:m>
-                  <m:oMath xmlns:m="http://schemas.openxmlformats.org/officeDocument/2006/math">
-                    <m:sSup>
-                      <m:sSupPr>
-                        <m:ctrlPr>
-                          <a:rPr lang="en-US" sz="3200" i="1">
-                            <a:latin typeface="Cambria Math" panose="02040503050406030204" pitchFamily="18" charset="0"/>
-                          </a:rPr>
-                        </m:ctrlPr>
-                      </m:sSupPr>
-                      <m:e>
-                        <m:r>
-                          <a:rPr lang="en-US" sz="3200" i="1">
-                            <a:latin typeface="Cambria Math" panose="02040503050406030204" pitchFamily="18" charset="0"/>
-                          </a:rPr>
-                          <m:t>𝐴</m:t>
-                        </m:r>
-                      </m:e>
-                      <m:sup>
-                        <m:r>
-                          <a:rPr lang="en-US" sz="3200" i="1">
-                            <a:latin typeface="Cambria Math" panose="02040503050406030204" pitchFamily="18" charset="0"/>
-                          </a:rPr>
-                          <m:t>∗</m:t>
-                        </m:r>
-                      </m:sup>
-                    </m:sSup>
-                    <m:r>
-                      <a:rPr lang="en-US" sz="3200" i="1">
-                        <a:latin typeface="Cambria Math" panose="02040503050406030204" pitchFamily="18" charset="0"/>
-                      </a:rPr>
-                      <m:t>=</m:t>
-                    </m:r>
-                    <m:r>
-                      <a:rPr lang="en-US" sz="3200" i="1">
-                        <a:latin typeface="Cambria Math" panose="02040503050406030204" pitchFamily="18" charset="0"/>
-                      </a:rPr>
-                      <m:t>𝐴</m:t>
-                    </m:r>
-                    <m:r>
-                      <a:rPr lang="en-US" sz="3200" i="1">
-                        <a:latin typeface="Cambria Math" panose="02040503050406030204" pitchFamily="18" charset="0"/>
-                      </a:rPr>
-                      <m:t>=</m:t>
-                    </m:r>
-                    <m:sSub>
-                      <m:sSubPr>
-                        <m:ctrlPr>
-                          <a:rPr lang="en-US" sz="3200" i="1">
-                            <a:latin typeface="Cambria Math" panose="02040503050406030204" pitchFamily="18" charset="0"/>
-                          </a:rPr>
-                        </m:ctrlPr>
-                      </m:sSubPr>
-                      <m:e>
-                        <m:r>
-                          <a:rPr lang="en-US" sz="3200" i="1">
-                            <a:latin typeface="Cambria Math" panose="02040503050406030204" pitchFamily="18" charset="0"/>
-                          </a:rPr>
-                          <m:t>𝑊</m:t>
-                        </m:r>
-                      </m:e>
-                      <m:sub>
-                        <m:r>
-                          <a:rPr lang="en-US" sz="3200" i="1">
-                            <a:latin typeface="Cambria Math" panose="02040503050406030204" pitchFamily="18" charset="0"/>
-                          </a:rPr>
-                          <m:t>(</m:t>
-                        </m:r>
-                        <m:r>
-                          <a:rPr lang="en-US" sz="3200" i="1">
-                            <a:latin typeface="Cambria Math" panose="02040503050406030204" pitchFamily="18" charset="0"/>
-                          </a:rPr>
-                          <m:t>2</m:t>
-                        </m:r>
-                        <m:r>
-                          <a:rPr lang="en-US" sz="3200" i="1">
-                            <a:latin typeface="Cambria Math" panose="02040503050406030204" pitchFamily="18" charset="0"/>
-                          </a:rPr>
-                          <m:t>:</m:t>
-                        </m:r>
-                        <m:r>
-                          <a:rPr lang="en-US" sz="3200" i="1">
-                            <a:latin typeface="Cambria Math" panose="02040503050406030204" pitchFamily="18" charset="0"/>
-                          </a:rPr>
-                          <m:t>𝑑</m:t>
-                        </m:r>
-                        <m:r>
-                          <a:rPr lang="en-US" sz="3200" i="1">
-                            <a:latin typeface="Cambria Math" panose="02040503050406030204" pitchFamily="18" charset="0"/>
-                          </a:rPr>
-                          <m:t>,</m:t>
-                        </m:r>
-                        <m:r>
-                          <a:rPr lang="en-US" sz="3200" i="1">
-                            <a:latin typeface="Cambria Math" panose="02040503050406030204" pitchFamily="18" charset="0"/>
-                          </a:rPr>
-                          <m:t>2</m:t>
-                        </m:r>
-                        <m:r>
-                          <a:rPr lang="en-US" sz="3200" i="1">
-                            <a:latin typeface="Cambria Math" panose="02040503050406030204" pitchFamily="18" charset="0"/>
-                          </a:rPr>
-                          <m:t>:</m:t>
-                        </m:r>
-                        <m:r>
-                          <a:rPr lang="en-US" sz="3200" i="1">
-                            <a:latin typeface="Cambria Math" panose="02040503050406030204" pitchFamily="18" charset="0"/>
-                          </a:rPr>
-                          <m:t>𝑑</m:t>
-                        </m:r>
-                        <m:r>
-                          <a:rPr lang="en-US" sz="3200" i="1">
-                            <a:latin typeface="Cambria Math" panose="02040503050406030204" pitchFamily="18" charset="0"/>
-                          </a:rPr>
-                          <m:t>)</m:t>
-                        </m:r>
-                      </m:sub>
-                    </m:sSub>
-                  </m:oMath>
-                </a14:m>
-                <a:r>
-                  <a:rPr lang="en-US" sz="3200" dirty="0"/>
-                  <a:t>. </a:t>
-                </a:r>
-                <a:r>
-                  <a:rPr lang="en-US" sz="3200" dirty="0" smtClean="0"/>
-                  <a:t> Resulting with</a:t>
-                </a:r>
-                <a14:m>
-                  <m:oMath xmlns:m="http://schemas.openxmlformats.org/officeDocument/2006/math">
-                    <m:r>
-                      <a:rPr lang="en-US" sz="3200" i="1">
-                        <a:latin typeface="Cambria Math" panose="02040503050406030204" pitchFamily="18" charset="0"/>
-                      </a:rPr>
-                      <m:t> </m:t>
-                    </m:r>
-                  </m:oMath>
-                </a14:m>
-                <a:r>
-                  <a:rPr lang="en-US" sz="3200" dirty="0" smtClean="0"/>
-                  <a:t>an </a:t>
-                </a:r>
-                <a:r>
-                  <a:rPr lang="en-US" sz="3200" dirty="0"/>
-                  <a:t>upper limit to the allowable step </a:t>
-                </a:r>
-                <a:r>
-                  <a:rPr lang="en-US" sz="3200" dirty="0" smtClean="0"/>
-                  <a:t>size, </a:t>
-                </a:r>
-                <a14:m>
-                  <m:oMath xmlns:m="http://schemas.openxmlformats.org/officeDocument/2006/math">
-                    <m:sSup>
-                      <m:sSupPr>
-                        <m:ctrlPr>
-                          <a:rPr lang="en-US" sz="3200" i="1">
-                            <a:latin typeface="Cambria Math" panose="02040503050406030204" pitchFamily="18" charset="0"/>
-                          </a:rPr>
-                        </m:ctrlPr>
-                      </m:sSupPr>
-                      <m:e>
-                        <m:r>
-                          <a:rPr lang="en-US" sz="3200" i="1">
-                            <a:latin typeface="Cambria Math" panose="02040503050406030204" pitchFamily="18" charset="0"/>
-                          </a:rPr>
-                          <m:t>𝜂</m:t>
-                        </m:r>
-                      </m:e>
-                      <m:sup>
-                        <m:r>
-                          <a:rPr lang="en-US" sz="3200" i="1">
-                            <a:latin typeface="Cambria Math" panose="02040503050406030204" pitchFamily="18" charset="0"/>
-                          </a:rPr>
-                          <m:t>𝑚𝑎𝑥</m:t>
-                        </m:r>
-                      </m:sup>
-                    </m:sSup>
-                  </m:oMath>
-                </a14:m>
-                <a:r>
-                  <a:rPr lang="en-US" sz="3200" dirty="0" smtClean="0"/>
-                  <a:t>.</a:t>
-                </a:r>
-              </a:p>
-              <a:p>
-                <a:pPr algn="l" rtl="0"/>
-                <a:endParaRPr lang="en-US" sz="3200" dirty="0"/>
-              </a:p>
-              <a:p>
-                <a:pPr algn="l" rtl="0"/>
-                <a:endParaRPr lang="en-US" sz="3200" dirty="0" smtClean="0"/>
-              </a:p>
-              <a:p>
-                <a:pPr algn="l" rtl="0"/>
-                <a:endParaRPr lang="en-US" sz="3200" dirty="0"/>
-              </a:p>
-              <a:p>
-                <a:pPr algn="l" rtl="0"/>
-                <a:endParaRPr lang="en-US" sz="3200" dirty="0" smtClean="0"/>
-              </a:p>
-              <a:p>
-                <a:pPr algn="l" rtl="0"/>
-                <a:endParaRPr lang="en-US" sz="3200" dirty="0" smtClean="0"/>
-              </a:p>
-              <a:p>
-                <a:pPr algn="l" rtl="0"/>
-                <a:endParaRPr lang="en-US" sz="3200" dirty="0"/>
-              </a:p>
-              <a:p>
-                <a:pPr algn="l" rtl="0"/>
-                <a:endParaRPr lang="en-US" sz="3200" dirty="0" smtClean="0"/>
-              </a:p>
-              <a:p>
-                <a:pPr algn="l" rtl="0"/>
-                <a:r>
-                  <a:rPr lang="en-US" sz="3200" dirty="0" smtClean="0"/>
-                  <a:t>Keeping </a:t>
-                </a:r>
-                <a:r>
-                  <a:rPr lang="en-US" sz="3200" dirty="0"/>
-                  <a:t>an </a:t>
-                </a:r>
-                <a:r>
-                  <a:rPr lang="en-US" sz="3200" dirty="0" smtClean="0"/>
-                  <a:t>updated </a:t>
-                </a:r>
-                <a:r>
-                  <a:rPr lang="en-US" sz="3200" dirty="0" err="1" smtClean="0"/>
-                  <a:t>Cholesky</a:t>
-                </a:r>
-                <a:r>
-                  <a:rPr lang="en-US" sz="3200" dirty="0" smtClean="0"/>
-                  <a:t> </a:t>
-                </a:r>
-                <a:r>
-                  <a:rPr lang="en-US" sz="3200" dirty="0"/>
-                  <a:t>root </a:t>
-                </a:r>
-                <a14:m>
-                  <m:oMath xmlns:m="http://schemas.openxmlformats.org/officeDocument/2006/math">
-                    <m:r>
-                      <a:rPr lang="en-US" sz="3200" i="1">
-                        <a:latin typeface="Cambria Math" panose="02040503050406030204" pitchFamily="18" charset="0"/>
-                      </a:rPr>
-                      <m:t>𝐿</m:t>
-                    </m:r>
-                    <m:r>
-                      <a:rPr lang="en-US" sz="3200" i="1">
-                        <a:latin typeface="Cambria Math" panose="02040503050406030204" pitchFamily="18" charset="0"/>
-                      </a:rPr>
-                      <m:t> </m:t>
-                    </m:r>
-                  </m:oMath>
-                </a14:m>
-                <a:r>
-                  <a:rPr lang="en-US" sz="3200" dirty="0"/>
-                  <a:t>of</a:t>
-                </a:r>
-                <a:r>
-                  <a:rPr lang="en-US" sz="3200" dirty="0" smtClean="0"/>
-                  <a:t> </a:t>
-                </a:r>
-                <a14:m>
-                  <m:oMath xmlns:m="http://schemas.openxmlformats.org/officeDocument/2006/math">
-                    <m:r>
-                      <a:rPr lang="en-US" sz="3200" i="1" smtClean="0">
-                        <a:latin typeface="Cambria Math" panose="02040503050406030204" pitchFamily="18" charset="0"/>
-                      </a:rPr>
-                      <m:t>𝑊</m:t>
-                    </m:r>
-                    <m:r>
-                      <a:rPr lang="en-US" sz="3200" i="1">
-                        <a:latin typeface="Cambria Math" panose="02040503050406030204" pitchFamily="18" charset="0"/>
-                      </a:rPr>
-                      <m:t>=</m:t>
-                    </m:r>
-                    <m:sSup>
-                      <m:sSupPr>
-                        <m:ctrlPr>
-                          <a:rPr lang="en-US" sz="3200" i="1">
-                            <a:latin typeface="Cambria Math" panose="02040503050406030204" pitchFamily="18" charset="0"/>
-                          </a:rPr>
-                        </m:ctrlPr>
-                      </m:sSupPr>
-                      <m:e>
-                        <m:r>
-                          <a:rPr lang="en-US" sz="3200" i="1">
-                            <a:latin typeface="Cambria Math" panose="02040503050406030204" pitchFamily="18" charset="0"/>
-                          </a:rPr>
-                          <m:t>𝐿</m:t>
-                        </m:r>
-                      </m:e>
-                      <m:sup>
-                        <m:r>
-                          <a:rPr lang="en-US" sz="3200" i="1">
-                            <a:latin typeface="Cambria Math" panose="02040503050406030204" pitchFamily="18" charset="0"/>
-                          </a:rPr>
-                          <m:t>𝑇</m:t>
-                        </m:r>
-                      </m:sup>
-                    </m:sSup>
-                    <m:r>
-                      <a:rPr lang="en-US" sz="3200" i="1">
-                        <a:latin typeface="Cambria Math" panose="02040503050406030204" pitchFamily="18" charset="0"/>
-                      </a:rPr>
-                      <m:t>𝐿</m:t>
-                    </m:r>
-                    <m:r>
-                      <a:rPr lang="en-US" sz="3200" i="1">
-                        <a:latin typeface="Cambria Math" panose="02040503050406030204" pitchFamily="18" charset="0"/>
-                      </a:rPr>
-                      <m:t> </m:t>
-                    </m:r>
-                  </m:oMath>
-                </a14:m>
-                <a:r>
-                  <a:rPr lang="en-US" sz="3200" dirty="0" smtClean="0"/>
-                  <a:t>to solve the condition, also result with a continues embedding </a:t>
-                </a:r>
-                <a14:m>
-                  <m:oMath xmlns:m="http://schemas.openxmlformats.org/officeDocument/2006/math">
-                    <m:r>
-                      <a:rPr lang="en-US" sz="3200" i="1">
-                        <a:latin typeface="Cambria Math" panose="02040503050406030204" pitchFamily="18" charset="0"/>
-                      </a:rPr>
-                      <m:t>𝐿𝑥</m:t>
-                    </m:r>
-                    <m:r>
-                      <a:rPr lang="en-US" sz="3200" i="1">
-                        <a:latin typeface="Cambria Math" panose="02040503050406030204" pitchFamily="18" charset="0"/>
-                      </a:rPr>
-                      <m:t> </m:t>
-                    </m:r>
-                  </m:oMath>
-                </a14:m>
-                <a:r>
-                  <a:rPr lang="en-US" sz="3200" dirty="0" smtClean="0"/>
-                  <a:t>of the features into the metric space.</a:t>
-                </a:r>
-                <a:endParaRPr lang="en-US" sz="3200" dirty="0"/>
-              </a:p>
-            </p:txBody>
-          </p:sp>
-        </mc:Choice>
-        <mc:Fallback xmlns="">
-          <p:sp>
-            <p:nvSpPr>
-              <p:cNvPr id="76" name="Rectangle 75"/>
-              <p:cNvSpPr>
-                <a:spLocks noRot="1" noChangeAspect="1" noMove="1" noResize="1" noEditPoints="1" noAdjustHandles="1" noChangeArrowheads="1" noChangeShapeType="1" noTextEdit="1"/>
-              </p:cNvSpPr>
-              <p:nvPr/>
-            </p:nvSpPr>
-            <p:spPr>
-              <a:xfrm>
-                <a:off x="1642704" y="23457338"/>
-                <a:ext cx="8570252" cy="8144075"/>
-              </a:xfrm>
-              <a:prstGeom prst="rect">
-                <a:avLst/>
-              </a:prstGeom>
-              <a:blipFill rotWithShape="0">
-                <a:blip r:embed="rId18"/>
-                <a:stretch>
-                  <a:fillRect l="-1565" r="-2489" b="-1422"/>
-                </a:stretch>
-              </a:blipFill>
-            </p:spPr>
-            <p:txBody>
-              <a:bodyPr/>
-              <a:lstStyle/>
-              <a:p>
-                <a:r>
-                  <a:rPr lang="en-US">
-                    <a:noFill/>
-                  </a:rPr>
-                  <a:t> </a:t>
-                </a:r>
-              </a:p>
-            </p:txBody>
-          </p:sp>
-        </mc:Fallback>
-      </mc:AlternateContent>
-      <p:sp>
-        <p:nvSpPr>
           <p:cNvPr id="79" name="Rounded Rectangle 78"/>
           <p:cNvSpPr/>
           <p:nvPr/>
@@ -9374,23 +8467,7 @@
                   <a:prstClr val="black"/>
                 </a:solidFill>
               </a:rPr>
-              <a:t>COMET’s s</a:t>
-            </a:r>
-            <a:r>
-              <a:rPr lang="en-US" sz="3200" dirty="0" smtClean="0">
-                <a:solidFill>
-                  <a:prstClr val="black"/>
-                </a:solidFill>
-              </a:rPr>
-              <a:t>tructured </a:t>
-            </a:r>
-            <a:r>
-              <a:rPr lang="en-US" sz="3200" dirty="0" smtClean="0">
-                <a:solidFill>
-                  <a:prstClr val="black"/>
-                </a:solidFill>
-              </a:rPr>
-              <a:t>sparsity allows only a small set of features to interact with </a:t>
+              <a:t>COMET’s structured sparsity allows only a small set of features to interact with </a:t>
             </a:r>
             <a:r>
               <a:rPr lang="en-US" sz="3200" i="1" dirty="0" smtClean="0">
@@ -9433,7 +8510,7 @@
           <p:nvPr/>
         </p:nvPicPr>
         <p:blipFill>
-          <a:blip r:embed="rId19"/>
+          <a:blip r:embed="rId18"/>
           <a:stretch>
             <a:fillRect/>
           </a:stretch>
@@ -9971,45 +9048,6 @@
           </p:sp>
         </mc:Fallback>
       </mc:AlternateContent>
-      <p:pic>
-        <p:nvPicPr>
-          <p:cNvPr id="68" name="Picture 4" descr="http://chechiklab.biu.ac.il/~yuvval/figs/comet/rowcol_vis.png"/>
-          <p:cNvPicPr>
-            <a:picLocks noChangeAspect="1" noChangeArrowheads="1"/>
-          </p:cNvPicPr>
-          <p:nvPr/>
-        </p:nvPicPr>
-        <p:blipFill rotWithShape="1">
-          <a:blip r:embed="rId21" cstate="print">
-            <a:extLst>
-              <a:ext uri="{28A0092B-C50C-407E-A947-70E740481C1C}">
-                <a14:useLocalDpi xmlns:a14="http://schemas.microsoft.com/office/drawing/2010/main" val="0"/>
-              </a:ext>
-            </a:extLst>
-          </a:blip>
-          <a:srcRect l="7339" t="15746" r="8998" b="2607"/>
-          <a:stretch/>
-        </p:blipFill>
-        <p:spPr bwMode="auto">
-          <a:xfrm>
-            <a:off x="6664120" y="19749700"/>
-            <a:ext cx="3336199" cy="3255809"/>
-          </a:xfrm>
-          <a:prstGeom prst="rect">
-            <a:avLst/>
-          </a:prstGeom>
-          <a:noFill/>
-          <a:extLst>
-            <a:ext uri="{909E8E84-426E-40DD-AFC4-6F175D3DCCD1}">
-              <a14:hiddenFill xmlns:a14="http://schemas.microsoft.com/office/drawing/2010/main">
-                <a:solidFill>
-                  <a:srgbClr val="FFFFFF"/>
-                </a:solidFill>
-              </a14:hiddenFill>
-            </a:ext>
-          </a:extLst>
-        </p:spPr>
-      </p:pic>
       <p:sp>
         <p:nvSpPr>
           <p:cNvPr id="50" name="Rounded Rectangle 49"/>
@@ -10090,7 +9128,15 @@
                   <a:prstClr val="black"/>
                 </a:solidFill>
               </a:rPr>
-              <a:t>Complexity and Runtimes</a:t>
+              <a:t>Complexity and </a:t>
+            </a:r>
+            <a:r>
+              <a:rPr lang="en-US" sz="4400" b="1" dirty="0" smtClean="0">
+                <a:solidFill>
+                  <a:prstClr val="black"/>
+                </a:solidFill>
+              </a:rPr>
+              <a:t>runtimes</a:t>
             </a:r>
             <a:endParaRPr lang="en-US" sz="3600" dirty="0" smtClean="0">
               <a:solidFill>
@@ -10128,7 +9174,7 @@
           <p:nvPr/>
         </p:nvPicPr>
         <p:blipFill>
-          <a:blip r:embed="rId22"/>
+          <a:blip r:embed="rId21"/>
           <a:stretch>
             <a:fillRect/>
           </a:stretch>
@@ -10167,8 +9213,13 @@
             <a:pPr algn="ctr" rtl="0"/>
             <a:r>
               <a:rPr lang="en-US" sz="4400" b="1" dirty="0" smtClean="0"/>
-              <a:t>Experimental Evaluation</a:t>
+              <a:t>Experimental </a:t>
             </a:r>
+            <a:r>
+              <a:rPr lang="en-US" sz="4400" b="1" dirty="0" smtClean="0"/>
+              <a:t>evaluation</a:t>
+            </a:r>
+            <a:endParaRPr lang="en-US" sz="4400" b="1" dirty="0" smtClean="0"/>
           </a:p>
           <a:p>
             <a:pPr algn="l" rtl="0"/>
@@ -10279,7 +9330,7 @@
           <p:nvPr/>
         </p:nvPicPr>
         <p:blipFill>
-          <a:blip r:embed="rId23">
+          <a:blip r:embed="rId22">
             <a:extLst>
               <a:ext uri="{28A0092B-C50C-407E-A947-70E740481C1C}">
                 <a14:useLocalDpi xmlns:a14="http://schemas.microsoft.com/office/drawing/2010/main" val="0"/>
@@ -10311,32 +9362,8 @@
           </a:extLst>
         </p:spPr>
       </p:pic>
-      <p:pic>
-        <p:nvPicPr>
-          <p:cNvPr id="16" name="Picture 15"/>
-          <p:cNvPicPr>
-            <a:picLocks noChangeAspect="1"/>
-          </p:cNvPicPr>
-          <p:nvPr/>
-        </p:nvPicPr>
-        <p:blipFill>
-          <a:blip r:embed="rId24"/>
-          <a:stretch>
-            <a:fillRect/>
-          </a:stretch>
-        </p:blipFill>
-        <p:spPr>
-          <a:xfrm>
-            <a:off x="1586235" y="26625489"/>
-            <a:ext cx="6610690" cy="2609984"/>
-          </a:xfrm>
-          <a:prstGeom prst="rect">
-            <a:avLst/>
-          </a:prstGeom>
-        </p:spPr>
-      </p:pic>
-      <mc:AlternateContent xmlns:mc="http://schemas.openxmlformats.org/markup-compatibility/2006">
-        <mc:Choice xmlns:a14="http://schemas.microsoft.com/office/drawing/2010/main" Requires="a14">
+      <mc:AlternateContent xmlns:mc="http://schemas.openxmlformats.org/markup-compatibility/2006" xmlns:a14="http://schemas.microsoft.com/office/drawing/2010/main">
+        <mc:Choice Requires="a14">
           <p:sp>
             <p:nvSpPr>
               <p:cNvPr id="75" name="Rectangle 74"/>
@@ -12077,11 +11104,6 @@
                   </a:rPr>
                   <a:t>to zero)</a:t>
                 </a:r>
-                <a:endParaRPr lang="en-US" sz="3200" b="1" dirty="0">
-                  <a:solidFill>
-                    <a:srgbClr val="FF0000"/>
-                  </a:solidFill>
-                </a:endParaRPr>
               </a:p>
               <a:p>
                 <a:pPr algn="l" rtl="0"/>
@@ -12090,7 +11112,7 @@
             </p:txBody>
           </p:sp>
         </mc:Choice>
-        <mc:Fallback>
+        <mc:Fallback xmlns="">
           <p:sp>
             <p:nvSpPr>
               <p:cNvPr id="75" name="Rectangle 74"/>
@@ -12129,1252 +11151,6 @@
           </p:sp>
         </mc:Fallback>
       </mc:AlternateContent>
-      <p:sp>
-        <p:nvSpPr>
-          <p:cNvPr id="65" name="Text Box 102"/>
-          <p:cNvSpPr txBox="1">
-            <a:spLocks noChangeArrowheads="1"/>
-          </p:cNvSpPr>
-          <p:nvPr/>
-        </p:nvSpPr>
-        <p:spPr bwMode="auto">
-          <a:xfrm>
-            <a:off x="1620770" y="26355153"/>
-            <a:ext cx="2934114" cy="463846"/>
-          </a:xfrm>
-          <a:prstGeom prst="rect">
-            <a:avLst/>
-          </a:prstGeom>
-          <a:noFill/>
-          <a:ln>
-            <a:noFill/>
-          </a:ln>
-          <a:effectLst/>
-          <a:extLst>
-            <a:ext uri="{909E8E84-426E-40DD-AFC4-6F175D3DCCD1}">
-              <a14:hiddenFill xmlns:a14="http://schemas.microsoft.com/office/drawing/2010/main">
-                <a:solidFill>
-                  <a:srgbClr val="FFFFFF"/>
-                </a:solidFill>
-              </a14:hiddenFill>
-            </a:ext>
-            <a:ext uri="{91240B29-F687-4F45-9708-019B960494DF}">
-              <a14:hiddenLine xmlns:a14="http://schemas.microsoft.com/office/drawing/2010/main" w="9525">
-                <a:solidFill>
-                  <a:srgbClr val="000000"/>
-                </a:solidFill>
-                <a:round/>
-                <a:headEnd/>
-                <a:tailEnd/>
-              </a14:hiddenLine>
-            </a:ext>
-            <a:ext uri="{AF507438-7753-43E0-B8FC-AC1667EBCBE1}">
-              <a14:hiddenEffects xmlns:a14="http://schemas.microsoft.com/office/drawing/2010/main">
-                <a:effectLst>
-                  <a:outerShdw dist="35921" dir="2700000" algn="ctr" rotWithShape="0">
-                    <a:srgbClr val="808080"/>
-                  </a:outerShdw>
-                </a:effectLst>
-              </a14:hiddenEffects>
-            </a:ext>
-          </a:extLst>
-        </p:spPr>
-        <p:txBody>
-          <a:bodyPr wrap="none" lIns="90000" tIns="46800" rIns="90000" bIns="46800">
-            <a:spAutoFit/>
-          </a:bodyPr>
-          <a:lstStyle>
-            <a:lvl1pPr>
-              <a:tabLst>
-                <a:tab pos="0" algn="l"/>
-                <a:tab pos="457200" algn="l"/>
-                <a:tab pos="914400" algn="l"/>
-                <a:tab pos="1371600" algn="l"/>
-                <a:tab pos="1828800" algn="l"/>
-                <a:tab pos="2286000" algn="l"/>
-                <a:tab pos="2743200" algn="l"/>
-                <a:tab pos="3200400" algn="l"/>
-                <a:tab pos="3657600" algn="l"/>
-                <a:tab pos="4114800" algn="l"/>
-                <a:tab pos="4572000" algn="l"/>
-                <a:tab pos="5029200" algn="l"/>
-                <a:tab pos="5486400" algn="l"/>
-                <a:tab pos="5943600" algn="l"/>
-                <a:tab pos="6400800" algn="l"/>
-                <a:tab pos="6858000" algn="l"/>
-                <a:tab pos="7315200" algn="l"/>
-                <a:tab pos="7772400" algn="l"/>
-                <a:tab pos="8229600" algn="l"/>
-                <a:tab pos="8686800" algn="l"/>
-                <a:tab pos="9144000" algn="l"/>
-              </a:tabLst>
-              <a:defRPr>
-                <a:solidFill>
-                  <a:srgbClr val="000000"/>
-                </a:solidFill>
-                <a:latin typeface="Arial" panose="020B0604020202020204" pitchFamily="34" charset="0"/>
-                <a:cs typeface="Arial" panose="020B0604020202020204" pitchFamily="34" charset="0"/>
-              </a:defRPr>
-            </a:lvl1pPr>
-            <a:lvl2pPr>
-              <a:tabLst>
-                <a:tab pos="0" algn="l"/>
-                <a:tab pos="457200" algn="l"/>
-                <a:tab pos="914400" algn="l"/>
-                <a:tab pos="1371600" algn="l"/>
-                <a:tab pos="1828800" algn="l"/>
-                <a:tab pos="2286000" algn="l"/>
-                <a:tab pos="2743200" algn="l"/>
-                <a:tab pos="3200400" algn="l"/>
-                <a:tab pos="3657600" algn="l"/>
-                <a:tab pos="4114800" algn="l"/>
-                <a:tab pos="4572000" algn="l"/>
-                <a:tab pos="5029200" algn="l"/>
-                <a:tab pos="5486400" algn="l"/>
-                <a:tab pos="5943600" algn="l"/>
-                <a:tab pos="6400800" algn="l"/>
-                <a:tab pos="6858000" algn="l"/>
-                <a:tab pos="7315200" algn="l"/>
-                <a:tab pos="7772400" algn="l"/>
-                <a:tab pos="8229600" algn="l"/>
-                <a:tab pos="8686800" algn="l"/>
-                <a:tab pos="9144000" algn="l"/>
-              </a:tabLst>
-              <a:defRPr>
-                <a:solidFill>
-                  <a:srgbClr val="000000"/>
-                </a:solidFill>
-                <a:latin typeface="Arial" panose="020B0604020202020204" pitchFamily="34" charset="0"/>
-                <a:cs typeface="Arial" panose="020B0604020202020204" pitchFamily="34" charset="0"/>
-              </a:defRPr>
-            </a:lvl2pPr>
-            <a:lvl3pPr>
-              <a:tabLst>
-                <a:tab pos="0" algn="l"/>
-                <a:tab pos="457200" algn="l"/>
-                <a:tab pos="914400" algn="l"/>
-                <a:tab pos="1371600" algn="l"/>
-                <a:tab pos="1828800" algn="l"/>
-                <a:tab pos="2286000" algn="l"/>
-                <a:tab pos="2743200" algn="l"/>
-                <a:tab pos="3200400" algn="l"/>
-                <a:tab pos="3657600" algn="l"/>
-                <a:tab pos="4114800" algn="l"/>
-                <a:tab pos="4572000" algn="l"/>
-                <a:tab pos="5029200" algn="l"/>
-                <a:tab pos="5486400" algn="l"/>
-                <a:tab pos="5943600" algn="l"/>
-                <a:tab pos="6400800" algn="l"/>
-                <a:tab pos="6858000" algn="l"/>
-                <a:tab pos="7315200" algn="l"/>
-                <a:tab pos="7772400" algn="l"/>
-                <a:tab pos="8229600" algn="l"/>
-                <a:tab pos="8686800" algn="l"/>
-                <a:tab pos="9144000" algn="l"/>
-              </a:tabLst>
-              <a:defRPr>
-                <a:solidFill>
-                  <a:srgbClr val="000000"/>
-                </a:solidFill>
-                <a:latin typeface="Arial" panose="020B0604020202020204" pitchFamily="34" charset="0"/>
-                <a:cs typeface="Arial" panose="020B0604020202020204" pitchFamily="34" charset="0"/>
-              </a:defRPr>
-            </a:lvl3pPr>
-            <a:lvl4pPr>
-              <a:tabLst>
-                <a:tab pos="0" algn="l"/>
-                <a:tab pos="457200" algn="l"/>
-                <a:tab pos="914400" algn="l"/>
-                <a:tab pos="1371600" algn="l"/>
-                <a:tab pos="1828800" algn="l"/>
-                <a:tab pos="2286000" algn="l"/>
-                <a:tab pos="2743200" algn="l"/>
-                <a:tab pos="3200400" algn="l"/>
-                <a:tab pos="3657600" algn="l"/>
-                <a:tab pos="4114800" algn="l"/>
-                <a:tab pos="4572000" algn="l"/>
-                <a:tab pos="5029200" algn="l"/>
-                <a:tab pos="5486400" algn="l"/>
-                <a:tab pos="5943600" algn="l"/>
-                <a:tab pos="6400800" algn="l"/>
-                <a:tab pos="6858000" algn="l"/>
-                <a:tab pos="7315200" algn="l"/>
-                <a:tab pos="7772400" algn="l"/>
-                <a:tab pos="8229600" algn="l"/>
-                <a:tab pos="8686800" algn="l"/>
-                <a:tab pos="9144000" algn="l"/>
-              </a:tabLst>
-              <a:defRPr>
-                <a:solidFill>
-                  <a:srgbClr val="000000"/>
-                </a:solidFill>
-                <a:latin typeface="Arial" panose="020B0604020202020204" pitchFamily="34" charset="0"/>
-                <a:cs typeface="Arial" panose="020B0604020202020204" pitchFamily="34" charset="0"/>
-              </a:defRPr>
-            </a:lvl4pPr>
-            <a:lvl5pPr>
-              <a:tabLst>
-                <a:tab pos="0" algn="l"/>
-                <a:tab pos="457200" algn="l"/>
-                <a:tab pos="914400" algn="l"/>
-                <a:tab pos="1371600" algn="l"/>
-                <a:tab pos="1828800" algn="l"/>
-                <a:tab pos="2286000" algn="l"/>
-                <a:tab pos="2743200" algn="l"/>
-                <a:tab pos="3200400" algn="l"/>
-                <a:tab pos="3657600" algn="l"/>
-                <a:tab pos="4114800" algn="l"/>
-                <a:tab pos="4572000" algn="l"/>
-                <a:tab pos="5029200" algn="l"/>
-                <a:tab pos="5486400" algn="l"/>
-                <a:tab pos="5943600" algn="l"/>
-                <a:tab pos="6400800" algn="l"/>
-                <a:tab pos="6858000" algn="l"/>
-                <a:tab pos="7315200" algn="l"/>
-                <a:tab pos="7772400" algn="l"/>
-                <a:tab pos="8229600" algn="l"/>
-                <a:tab pos="8686800" algn="l"/>
-                <a:tab pos="9144000" algn="l"/>
-              </a:tabLst>
-              <a:defRPr>
-                <a:solidFill>
-                  <a:srgbClr val="000000"/>
-                </a:solidFill>
-                <a:latin typeface="Arial" panose="020B0604020202020204" pitchFamily="34" charset="0"/>
-                <a:cs typeface="Arial" panose="020B0604020202020204" pitchFamily="34" charset="0"/>
-              </a:defRPr>
-            </a:lvl5pPr>
-            <a:lvl6pPr defTabSz="457200" fontAlgn="base">
-              <a:spcBef>
-                <a:spcPct val="0"/>
-              </a:spcBef>
-              <a:spcAft>
-                <a:spcPct val="0"/>
-              </a:spcAft>
-              <a:buClr>
-                <a:srgbClr val="000000"/>
-              </a:buClr>
-              <a:buSzPct val="100000"/>
-              <a:buFont typeface="Arial" panose="020B0604020202020204" pitchFamily="34" charset="0"/>
-              <a:tabLst>
-                <a:tab pos="0" algn="l"/>
-                <a:tab pos="457200" algn="l"/>
-                <a:tab pos="914400" algn="l"/>
-                <a:tab pos="1371600" algn="l"/>
-                <a:tab pos="1828800" algn="l"/>
-                <a:tab pos="2286000" algn="l"/>
-                <a:tab pos="2743200" algn="l"/>
-                <a:tab pos="3200400" algn="l"/>
-                <a:tab pos="3657600" algn="l"/>
-                <a:tab pos="4114800" algn="l"/>
-                <a:tab pos="4572000" algn="l"/>
-                <a:tab pos="5029200" algn="l"/>
-                <a:tab pos="5486400" algn="l"/>
-                <a:tab pos="5943600" algn="l"/>
-                <a:tab pos="6400800" algn="l"/>
-                <a:tab pos="6858000" algn="l"/>
-                <a:tab pos="7315200" algn="l"/>
-                <a:tab pos="7772400" algn="l"/>
-                <a:tab pos="8229600" algn="l"/>
-                <a:tab pos="8686800" algn="l"/>
-                <a:tab pos="9144000" algn="l"/>
-              </a:tabLst>
-              <a:defRPr>
-                <a:solidFill>
-                  <a:srgbClr val="000000"/>
-                </a:solidFill>
-                <a:latin typeface="Arial" panose="020B0604020202020204" pitchFamily="34" charset="0"/>
-                <a:cs typeface="Arial" panose="020B0604020202020204" pitchFamily="34" charset="0"/>
-              </a:defRPr>
-            </a:lvl6pPr>
-            <a:lvl7pPr defTabSz="457200" fontAlgn="base">
-              <a:spcBef>
-                <a:spcPct val="0"/>
-              </a:spcBef>
-              <a:spcAft>
-                <a:spcPct val="0"/>
-              </a:spcAft>
-              <a:buClr>
-                <a:srgbClr val="000000"/>
-              </a:buClr>
-              <a:buSzPct val="100000"/>
-              <a:buFont typeface="Arial" panose="020B0604020202020204" pitchFamily="34" charset="0"/>
-              <a:tabLst>
-                <a:tab pos="0" algn="l"/>
-                <a:tab pos="457200" algn="l"/>
-                <a:tab pos="914400" algn="l"/>
-                <a:tab pos="1371600" algn="l"/>
-                <a:tab pos="1828800" algn="l"/>
-                <a:tab pos="2286000" algn="l"/>
-                <a:tab pos="2743200" algn="l"/>
-                <a:tab pos="3200400" algn="l"/>
-                <a:tab pos="3657600" algn="l"/>
-                <a:tab pos="4114800" algn="l"/>
-                <a:tab pos="4572000" algn="l"/>
-                <a:tab pos="5029200" algn="l"/>
-                <a:tab pos="5486400" algn="l"/>
-                <a:tab pos="5943600" algn="l"/>
-                <a:tab pos="6400800" algn="l"/>
-                <a:tab pos="6858000" algn="l"/>
-                <a:tab pos="7315200" algn="l"/>
-                <a:tab pos="7772400" algn="l"/>
-                <a:tab pos="8229600" algn="l"/>
-                <a:tab pos="8686800" algn="l"/>
-                <a:tab pos="9144000" algn="l"/>
-              </a:tabLst>
-              <a:defRPr>
-                <a:solidFill>
-                  <a:srgbClr val="000000"/>
-                </a:solidFill>
-                <a:latin typeface="Arial" panose="020B0604020202020204" pitchFamily="34" charset="0"/>
-                <a:cs typeface="Arial" panose="020B0604020202020204" pitchFamily="34" charset="0"/>
-              </a:defRPr>
-            </a:lvl7pPr>
-            <a:lvl8pPr defTabSz="457200" fontAlgn="base">
-              <a:spcBef>
-                <a:spcPct val="0"/>
-              </a:spcBef>
-              <a:spcAft>
-                <a:spcPct val="0"/>
-              </a:spcAft>
-              <a:buClr>
-                <a:srgbClr val="000000"/>
-              </a:buClr>
-              <a:buSzPct val="100000"/>
-              <a:buFont typeface="Arial" panose="020B0604020202020204" pitchFamily="34" charset="0"/>
-              <a:tabLst>
-                <a:tab pos="0" algn="l"/>
-                <a:tab pos="457200" algn="l"/>
-                <a:tab pos="914400" algn="l"/>
-                <a:tab pos="1371600" algn="l"/>
-                <a:tab pos="1828800" algn="l"/>
-                <a:tab pos="2286000" algn="l"/>
-                <a:tab pos="2743200" algn="l"/>
-                <a:tab pos="3200400" algn="l"/>
-                <a:tab pos="3657600" algn="l"/>
-                <a:tab pos="4114800" algn="l"/>
-                <a:tab pos="4572000" algn="l"/>
-                <a:tab pos="5029200" algn="l"/>
-                <a:tab pos="5486400" algn="l"/>
-                <a:tab pos="5943600" algn="l"/>
-                <a:tab pos="6400800" algn="l"/>
-                <a:tab pos="6858000" algn="l"/>
-                <a:tab pos="7315200" algn="l"/>
-                <a:tab pos="7772400" algn="l"/>
-                <a:tab pos="8229600" algn="l"/>
-                <a:tab pos="8686800" algn="l"/>
-                <a:tab pos="9144000" algn="l"/>
-              </a:tabLst>
-              <a:defRPr>
-                <a:solidFill>
-                  <a:srgbClr val="000000"/>
-                </a:solidFill>
-                <a:latin typeface="Arial" panose="020B0604020202020204" pitchFamily="34" charset="0"/>
-                <a:cs typeface="Arial" panose="020B0604020202020204" pitchFamily="34" charset="0"/>
-              </a:defRPr>
-            </a:lvl8pPr>
-            <a:lvl9pPr defTabSz="457200" fontAlgn="base">
-              <a:spcBef>
-                <a:spcPct val="0"/>
-              </a:spcBef>
-              <a:spcAft>
-                <a:spcPct val="0"/>
-              </a:spcAft>
-              <a:buClr>
-                <a:srgbClr val="000000"/>
-              </a:buClr>
-              <a:buSzPct val="100000"/>
-              <a:buFont typeface="Arial" panose="020B0604020202020204" pitchFamily="34" charset="0"/>
-              <a:tabLst>
-                <a:tab pos="0" algn="l"/>
-                <a:tab pos="457200" algn="l"/>
-                <a:tab pos="914400" algn="l"/>
-                <a:tab pos="1371600" algn="l"/>
-                <a:tab pos="1828800" algn="l"/>
-                <a:tab pos="2286000" algn="l"/>
-                <a:tab pos="2743200" algn="l"/>
-                <a:tab pos="3200400" algn="l"/>
-                <a:tab pos="3657600" algn="l"/>
-                <a:tab pos="4114800" algn="l"/>
-                <a:tab pos="4572000" algn="l"/>
-                <a:tab pos="5029200" algn="l"/>
-                <a:tab pos="5486400" algn="l"/>
-                <a:tab pos="5943600" algn="l"/>
-                <a:tab pos="6400800" algn="l"/>
-                <a:tab pos="6858000" algn="l"/>
-                <a:tab pos="7315200" algn="l"/>
-                <a:tab pos="7772400" algn="l"/>
-                <a:tab pos="8229600" algn="l"/>
-                <a:tab pos="8686800" algn="l"/>
-                <a:tab pos="9144000" algn="l"/>
-              </a:tabLst>
-              <a:defRPr>
-                <a:solidFill>
-                  <a:srgbClr val="000000"/>
-                </a:solidFill>
-                <a:latin typeface="Arial" panose="020B0604020202020204" pitchFamily="34" charset="0"/>
-                <a:cs typeface="Arial" panose="020B0604020202020204" pitchFamily="34" charset="0"/>
-              </a:defRPr>
-            </a:lvl9pPr>
-          </a:lstStyle>
-          <a:p>
-            <a:pPr lvl="0" algn="l" defTabSz="457200" rtl="0" fontAlgn="base">
-              <a:spcBef>
-                <a:spcPct val="0"/>
-              </a:spcBef>
-              <a:spcAft>
-                <a:spcPct val="0"/>
-              </a:spcAft>
-              <a:buClr>
-                <a:srgbClr val="333399"/>
-              </a:buClr>
-              <a:buSzPct val="100000"/>
-            </a:pPr>
-            <a:r>
-              <a:rPr kumimoji="0" lang="en-US" altLang="en-US" sz="2400" b="1" i="0" u="none" strike="noStrike" kern="0" cap="none" spc="0" normalizeH="0" baseline="0" noProof="0" dirty="0" smtClean="0">
-                <a:ln>
-                  <a:noFill/>
-                </a:ln>
-                <a:solidFill>
-                  <a:srgbClr val="333399"/>
-                </a:solidFill>
-                <a:effectLst/>
-                <a:uLnTx/>
-                <a:uFillTx/>
-              </a:rPr>
-              <a:t>Projected Gradient</a:t>
-            </a:r>
-          </a:p>
-        </p:txBody>
-      </p:sp>
-      <p:sp>
-        <p:nvSpPr>
-          <p:cNvPr id="81" name="Text Box 102"/>
-          <p:cNvSpPr txBox="1">
-            <a:spLocks noChangeArrowheads="1"/>
-          </p:cNvSpPr>
-          <p:nvPr/>
-        </p:nvSpPr>
-        <p:spPr bwMode="auto">
-          <a:xfrm>
-            <a:off x="5631030" y="26355153"/>
-            <a:ext cx="1292639" cy="463846"/>
-          </a:xfrm>
-          <a:prstGeom prst="rect">
-            <a:avLst/>
-          </a:prstGeom>
-          <a:noFill/>
-          <a:ln>
-            <a:noFill/>
-          </a:ln>
-          <a:effectLst/>
-          <a:extLst>
-            <a:ext uri="{909E8E84-426E-40DD-AFC4-6F175D3DCCD1}">
-              <a14:hiddenFill xmlns:a14="http://schemas.microsoft.com/office/drawing/2010/main">
-                <a:solidFill>
-                  <a:srgbClr val="FFFFFF"/>
-                </a:solidFill>
-              </a14:hiddenFill>
-            </a:ext>
-            <a:ext uri="{91240B29-F687-4F45-9708-019B960494DF}">
-              <a14:hiddenLine xmlns:a14="http://schemas.microsoft.com/office/drawing/2010/main" w="9525">
-                <a:solidFill>
-                  <a:srgbClr val="000000"/>
-                </a:solidFill>
-                <a:round/>
-                <a:headEnd/>
-                <a:tailEnd/>
-              </a14:hiddenLine>
-            </a:ext>
-            <a:ext uri="{AF507438-7753-43E0-B8FC-AC1667EBCBE1}">
-              <a14:hiddenEffects xmlns:a14="http://schemas.microsoft.com/office/drawing/2010/main">
-                <a:effectLst>
-                  <a:outerShdw dist="35921" dir="2700000" algn="ctr" rotWithShape="0">
-                    <a:srgbClr val="808080"/>
-                  </a:outerShdw>
-                </a:effectLst>
-              </a14:hiddenEffects>
-            </a:ext>
-          </a:extLst>
-        </p:spPr>
-        <p:txBody>
-          <a:bodyPr wrap="none" lIns="90000" tIns="46800" rIns="90000" bIns="46800">
-            <a:spAutoFit/>
-          </a:bodyPr>
-          <a:lstStyle>
-            <a:lvl1pPr>
-              <a:tabLst>
-                <a:tab pos="0" algn="l"/>
-                <a:tab pos="457200" algn="l"/>
-                <a:tab pos="914400" algn="l"/>
-                <a:tab pos="1371600" algn="l"/>
-                <a:tab pos="1828800" algn="l"/>
-                <a:tab pos="2286000" algn="l"/>
-                <a:tab pos="2743200" algn="l"/>
-                <a:tab pos="3200400" algn="l"/>
-                <a:tab pos="3657600" algn="l"/>
-                <a:tab pos="4114800" algn="l"/>
-                <a:tab pos="4572000" algn="l"/>
-                <a:tab pos="5029200" algn="l"/>
-                <a:tab pos="5486400" algn="l"/>
-                <a:tab pos="5943600" algn="l"/>
-                <a:tab pos="6400800" algn="l"/>
-                <a:tab pos="6858000" algn="l"/>
-                <a:tab pos="7315200" algn="l"/>
-                <a:tab pos="7772400" algn="l"/>
-                <a:tab pos="8229600" algn="l"/>
-                <a:tab pos="8686800" algn="l"/>
-                <a:tab pos="9144000" algn="l"/>
-              </a:tabLst>
-              <a:defRPr>
-                <a:solidFill>
-                  <a:srgbClr val="000000"/>
-                </a:solidFill>
-                <a:latin typeface="Arial" panose="020B0604020202020204" pitchFamily="34" charset="0"/>
-                <a:cs typeface="Arial" panose="020B0604020202020204" pitchFamily="34" charset="0"/>
-              </a:defRPr>
-            </a:lvl1pPr>
-            <a:lvl2pPr>
-              <a:tabLst>
-                <a:tab pos="0" algn="l"/>
-                <a:tab pos="457200" algn="l"/>
-                <a:tab pos="914400" algn="l"/>
-                <a:tab pos="1371600" algn="l"/>
-                <a:tab pos="1828800" algn="l"/>
-                <a:tab pos="2286000" algn="l"/>
-                <a:tab pos="2743200" algn="l"/>
-                <a:tab pos="3200400" algn="l"/>
-                <a:tab pos="3657600" algn="l"/>
-                <a:tab pos="4114800" algn="l"/>
-                <a:tab pos="4572000" algn="l"/>
-                <a:tab pos="5029200" algn="l"/>
-                <a:tab pos="5486400" algn="l"/>
-                <a:tab pos="5943600" algn="l"/>
-                <a:tab pos="6400800" algn="l"/>
-                <a:tab pos="6858000" algn="l"/>
-                <a:tab pos="7315200" algn="l"/>
-                <a:tab pos="7772400" algn="l"/>
-                <a:tab pos="8229600" algn="l"/>
-                <a:tab pos="8686800" algn="l"/>
-                <a:tab pos="9144000" algn="l"/>
-              </a:tabLst>
-              <a:defRPr>
-                <a:solidFill>
-                  <a:srgbClr val="000000"/>
-                </a:solidFill>
-                <a:latin typeface="Arial" panose="020B0604020202020204" pitchFamily="34" charset="0"/>
-                <a:cs typeface="Arial" panose="020B0604020202020204" pitchFamily="34" charset="0"/>
-              </a:defRPr>
-            </a:lvl2pPr>
-            <a:lvl3pPr>
-              <a:tabLst>
-                <a:tab pos="0" algn="l"/>
-                <a:tab pos="457200" algn="l"/>
-                <a:tab pos="914400" algn="l"/>
-                <a:tab pos="1371600" algn="l"/>
-                <a:tab pos="1828800" algn="l"/>
-                <a:tab pos="2286000" algn="l"/>
-                <a:tab pos="2743200" algn="l"/>
-                <a:tab pos="3200400" algn="l"/>
-                <a:tab pos="3657600" algn="l"/>
-                <a:tab pos="4114800" algn="l"/>
-                <a:tab pos="4572000" algn="l"/>
-                <a:tab pos="5029200" algn="l"/>
-                <a:tab pos="5486400" algn="l"/>
-                <a:tab pos="5943600" algn="l"/>
-                <a:tab pos="6400800" algn="l"/>
-                <a:tab pos="6858000" algn="l"/>
-                <a:tab pos="7315200" algn="l"/>
-                <a:tab pos="7772400" algn="l"/>
-                <a:tab pos="8229600" algn="l"/>
-                <a:tab pos="8686800" algn="l"/>
-                <a:tab pos="9144000" algn="l"/>
-              </a:tabLst>
-              <a:defRPr>
-                <a:solidFill>
-                  <a:srgbClr val="000000"/>
-                </a:solidFill>
-                <a:latin typeface="Arial" panose="020B0604020202020204" pitchFamily="34" charset="0"/>
-                <a:cs typeface="Arial" panose="020B0604020202020204" pitchFamily="34" charset="0"/>
-              </a:defRPr>
-            </a:lvl3pPr>
-            <a:lvl4pPr>
-              <a:tabLst>
-                <a:tab pos="0" algn="l"/>
-                <a:tab pos="457200" algn="l"/>
-                <a:tab pos="914400" algn="l"/>
-                <a:tab pos="1371600" algn="l"/>
-                <a:tab pos="1828800" algn="l"/>
-                <a:tab pos="2286000" algn="l"/>
-                <a:tab pos="2743200" algn="l"/>
-                <a:tab pos="3200400" algn="l"/>
-                <a:tab pos="3657600" algn="l"/>
-                <a:tab pos="4114800" algn="l"/>
-                <a:tab pos="4572000" algn="l"/>
-                <a:tab pos="5029200" algn="l"/>
-                <a:tab pos="5486400" algn="l"/>
-                <a:tab pos="5943600" algn="l"/>
-                <a:tab pos="6400800" algn="l"/>
-                <a:tab pos="6858000" algn="l"/>
-                <a:tab pos="7315200" algn="l"/>
-                <a:tab pos="7772400" algn="l"/>
-                <a:tab pos="8229600" algn="l"/>
-                <a:tab pos="8686800" algn="l"/>
-                <a:tab pos="9144000" algn="l"/>
-              </a:tabLst>
-              <a:defRPr>
-                <a:solidFill>
-                  <a:srgbClr val="000000"/>
-                </a:solidFill>
-                <a:latin typeface="Arial" panose="020B0604020202020204" pitchFamily="34" charset="0"/>
-                <a:cs typeface="Arial" panose="020B0604020202020204" pitchFamily="34" charset="0"/>
-              </a:defRPr>
-            </a:lvl4pPr>
-            <a:lvl5pPr>
-              <a:tabLst>
-                <a:tab pos="0" algn="l"/>
-                <a:tab pos="457200" algn="l"/>
-                <a:tab pos="914400" algn="l"/>
-                <a:tab pos="1371600" algn="l"/>
-                <a:tab pos="1828800" algn="l"/>
-                <a:tab pos="2286000" algn="l"/>
-                <a:tab pos="2743200" algn="l"/>
-                <a:tab pos="3200400" algn="l"/>
-                <a:tab pos="3657600" algn="l"/>
-                <a:tab pos="4114800" algn="l"/>
-                <a:tab pos="4572000" algn="l"/>
-                <a:tab pos="5029200" algn="l"/>
-                <a:tab pos="5486400" algn="l"/>
-                <a:tab pos="5943600" algn="l"/>
-                <a:tab pos="6400800" algn="l"/>
-                <a:tab pos="6858000" algn="l"/>
-                <a:tab pos="7315200" algn="l"/>
-                <a:tab pos="7772400" algn="l"/>
-                <a:tab pos="8229600" algn="l"/>
-                <a:tab pos="8686800" algn="l"/>
-                <a:tab pos="9144000" algn="l"/>
-              </a:tabLst>
-              <a:defRPr>
-                <a:solidFill>
-                  <a:srgbClr val="000000"/>
-                </a:solidFill>
-                <a:latin typeface="Arial" panose="020B0604020202020204" pitchFamily="34" charset="0"/>
-                <a:cs typeface="Arial" panose="020B0604020202020204" pitchFamily="34" charset="0"/>
-              </a:defRPr>
-            </a:lvl5pPr>
-            <a:lvl6pPr defTabSz="457200" fontAlgn="base">
-              <a:spcBef>
-                <a:spcPct val="0"/>
-              </a:spcBef>
-              <a:spcAft>
-                <a:spcPct val="0"/>
-              </a:spcAft>
-              <a:buClr>
-                <a:srgbClr val="000000"/>
-              </a:buClr>
-              <a:buSzPct val="100000"/>
-              <a:buFont typeface="Arial" panose="020B0604020202020204" pitchFamily="34" charset="0"/>
-              <a:tabLst>
-                <a:tab pos="0" algn="l"/>
-                <a:tab pos="457200" algn="l"/>
-                <a:tab pos="914400" algn="l"/>
-                <a:tab pos="1371600" algn="l"/>
-                <a:tab pos="1828800" algn="l"/>
-                <a:tab pos="2286000" algn="l"/>
-                <a:tab pos="2743200" algn="l"/>
-                <a:tab pos="3200400" algn="l"/>
-                <a:tab pos="3657600" algn="l"/>
-                <a:tab pos="4114800" algn="l"/>
-                <a:tab pos="4572000" algn="l"/>
-                <a:tab pos="5029200" algn="l"/>
-                <a:tab pos="5486400" algn="l"/>
-                <a:tab pos="5943600" algn="l"/>
-                <a:tab pos="6400800" algn="l"/>
-                <a:tab pos="6858000" algn="l"/>
-                <a:tab pos="7315200" algn="l"/>
-                <a:tab pos="7772400" algn="l"/>
-                <a:tab pos="8229600" algn="l"/>
-                <a:tab pos="8686800" algn="l"/>
-                <a:tab pos="9144000" algn="l"/>
-              </a:tabLst>
-              <a:defRPr>
-                <a:solidFill>
-                  <a:srgbClr val="000000"/>
-                </a:solidFill>
-                <a:latin typeface="Arial" panose="020B0604020202020204" pitchFamily="34" charset="0"/>
-                <a:cs typeface="Arial" panose="020B0604020202020204" pitchFamily="34" charset="0"/>
-              </a:defRPr>
-            </a:lvl6pPr>
-            <a:lvl7pPr defTabSz="457200" fontAlgn="base">
-              <a:spcBef>
-                <a:spcPct val="0"/>
-              </a:spcBef>
-              <a:spcAft>
-                <a:spcPct val="0"/>
-              </a:spcAft>
-              <a:buClr>
-                <a:srgbClr val="000000"/>
-              </a:buClr>
-              <a:buSzPct val="100000"/>
-              <a:buFont typeface="Arial" panose="020B0604020202020204" pitchFamily="34" charset="0"/>
-              <a:tabLst>
-                <a:tab pos="0" algn="l"/>
-                <a:tab pos="457200" algn="l"/>
-                <a:tab pos="914400" algn="l"/>
-                <a:tab pos="1371600" algn="l"/>
-                <a:tab pos="1828800" algn="l"/>
-                <a:tab pos="2286000" algn="l"/>
-                <a:tab pos="2743200" algn="l"/>
-                <a:tab pos="3200400" algn="l"/>
-                <a:tab pos="3657600" algn="l"/>
-                <a:tab pos="4114800" algn="l"/>
-                <a:tab pos="4572000" algn="l"/>
-                <a:tab pos="5029200" algn="l"/>
-                <a:tab pos="5486400" algn="l"/>
-                <a:tab pos="5943600" algn="l"/>
-                <a:tab pos="6400800" algn="l"/>
-                <a:tab pos="6858000" algn="l"/>
-                <a:tab pos="7315200" algn="l"/>
-                <a:tab pos="7772400" algn="l"/>
-                <a:tab pos="8229600" algn="l"/>
-                <a:tab pos="8686800" algn="l"/>
-                <a:tab pos="9144000" algn="l"/>
-              </a:tabLst>
-              <a:defRPr>
-                <a:solidFill>
-                  <a:srgbClr val="000000"/>
-                </a:solidFill>
-                <a:latin typeface="Arial" panose="020B0604020202020204" pitchFamily="34" charset="0"/>
-                <a:cs typeface="Arial" panose="020B0604020202020204" pitchFamily="34" charset="0"/>
-              </a:defRPr>
-            </a:lvl7pPr>
-            <a:lvl8pPr defTabSz="457200" fontAlgn="base">
-              <a:spcBef>
-                <a:spcPct val="0"/>
-              </a:spcBef>
-              <a:spcAft>
-                <a:spcPct val="0"/>
-              </a:spcAft>
-              <a:buClr>
-                <a:srgbClr val="000000"/>
-              </a:buClr>
-              <a:buSzPct val="100000"/>
-              <a:buFont typeface="Arial" panose="020B0604020202020204" pitchFamily="34" charset="0"/>
-              <a:tabLst>
-                <a:tab pos="0" algn="l"/>
-                <a:tab pos="457200" algn="l"/>
-                <a:tab pos="914400" algn="l"/>
-                <a:tab pos="1371600" algn="l"/>
-                <a:tab pos="1828800" algn="l"/>
-                <a:tab pos="2286000" algn="l"/>
-                <a:tab pos="2743200" algn="l"/>
-                <a:tab pos="3200400" algn="l"/>
-                <a:tab pos="3657600" algn="l"/>
-                <a:tab pos="4114800" algn="l"/>
-                <a:tab pos="4572000" algn="l"/>
-                <a:tab pos="5029200" algn="l"/>
-                <a:tab pos="5486400" algn="l"/>
-                <a:tab pos="5943600" algn="l"/>
-                <a:tab pos="6400800" algn="l"/>
-                <a:tab pos="6858000" algn="l"/>
-                <a:tab pos="7315200" algn="l"/>
-                <a:tab pos="7772400" algn="l"/>
-                <a:tab pos="8229600" algn="l"/>
-                <a:tab pos="8686800" algn="l"/>
-                <a:tab pos="9144000" algn="l"/>
-              </a:tabLst>
-              <a:defRPr>
-                <a:solidFill>
-                  <a:srgbClr val="000000"/>
-                </a:solidFill>
-                <a:latin typeface="Arial" panose="020B0604020202020204" pitchFamily="34" charset="0"/>
-                <a:cs typeface="Arial" panose="020B0604020202020204" pitchFamily="34" charset="0"/>
-              </a:defRPr>
-            </a:lvl8pPr>
-            <a:lvl9pPr defTabSz="457200" fontAlgn="base">
-              <a:spcBef>
-                <a:spcPct val="0"/>
-              </a:spcBef>
-              <a:spcAft>
-                <a:spcPct val="0"/>
-              </a:spcAft>
-              <a:buClr>
-                <a:srgbClr val="000000"/>
-              </a:buClr>
-              <a:buSzPct val="100000"/>
-              <a:buFont typeface="Arial" panose="020B0604020202020204" pitchFamily="34" charset="0"/>
-              <a:tabLst>
-                <a:tab pos="0" algn="l"/>
-                <a:tab pos="457200" algn="l"/>
-                <a:tab pos="914400" algn="l"/>
-                <a:tab pos="1371600" algn="l"/>
-                <a:tab pos="1828800" algn="l"/>
-                <a:tab pos="2286000" algn="l"/>
-                <a:tab pos="2743200" algn="l"/>
-                <a:tab pos="3200400" algn="l"/>
-                <a:tab pos="3657600" algn="l"/>
-                <a:tab pos="4114800" algn="l"/>
-                <a:tab pos="4572000" algn="l"/>
-                <a:tab pos="5029200" algn="l"/>
-                <a:tab pos="5486400" algn="l"/>
-                <a:tab pos="5943600" algn="l"/>
-                <a:tab pos="6400800" algn="l"/>
-                <a:tab pos="6858000" algn="l"/>
-                <a:tab pos="7315200" algn="l"/>
-                <a:tab pos="7772400" algn="l"/>
-                <a:tab pos="8229600" algn="l"/>
-                <a:tab pos="8686800" algn="l"/>
-                <a:tab pos="9144000" algn="l"/>
-              </a:tabLst>
-              <a:defRPr>
-                <a:solidFill>
-                  <a:srgbClr val="000000"/>
-                </a:solidFill>
-                <a:latin typeface="Arial" panose="020B0604020202020204" pitchFamily="34" charset="0"/>
-                <a:cs typeface="Arial" panose="020B0604020202020204" pitchFamily="34" charset="0"/>
-              </a:defRPr>
-            </a:lvl9pPr>
-          </a:lstStyle>
-          <a:p>
-            <a:pPr lvl="0" algn="l" defTabSz="457200" rtl="0" fontAlgn="base">
-              <a:spcBef>
-                <a:spcPct val="0"/>
-              </a:spcBef>
-              <a:spcAft>
-                <a:spcPct val="0"/>
-              </a:spcAft>
-              <a:buClr>
-                <a:srgbClr val="333399"/>
-              </a:buClr>
-              <a:buSzPct val="100000"/>
-            </a:pPr>
-            <a:r>
-              <a:rPr kumimoji="0" lang="en-US" altLang="en-US" sz="2400" b="1" i="0" u="none" strike="noStrike" kern="0" cap="none" spc="0" normalizeH="0" baseline="0" noProof="0" dirty="0" smtClean="0">
-                <a:ln>
-                  <a:noFill/>
-                </a:ln>
-                <a:solidFill>
-                  <a:srgbClr val="333399"/>
-                </a:solidFill>
-                <a:effectLst/>
-                <a:uLnTx/>
-                <a:uFillTx/>
-              </a:rPr>
-              <a:t>COMET</a:t>
-            </a:r>
-          </a:p>
-        </p:txBody>
-      </p:sp>
-      <p:sp>
-        <p:nvSpPr>
-          <p:cNvPr id="82" name="Text Box 115"/>
-          <p:cNvSpPr txBox="1">
-            <a:spLocks noChangeArrowheads="1"/>
-          </p:cNvSpPr>
-          <p:nvPr/>
-        </p:nvSpPr>
-        <p:spPr bwMode="auto">
-          <a:xfrm>
-            <a:off x="8312951" y="26355153"/>
-            <a:ext cx="1920240" cy="3049169"/>
-          </a:xfrm>
-          <a:prstGeom prst="rect">
-            <a:avLst/>
-          </a:prstGeom>
-          <a:solidFill>
-            <a:srgbClr val="FFFFFF"/>
-          </a:solidFill>
-          <a:ln>
-            <a:noFill/>
-          </a:ln>
-          <a:effectLst/>
-          <a:extLst>
-            <a:ext uri="{91240B29-F687-4F45-9708-019B960494DF}">
-              <a14:hiddenLine xmlns:a14="http://schemas.microsoft.com/office/drawing/2010/main" w="9525">
-                <a:solidFill>
-                  <a:srgbClr val="000000"/>
-                </a:solidFill>
-                <a:round/>
-                <a:headEnd/>
-                <a:tailEnd/>
-              </a14:hiddenLine>
-            </a:ext>
-            <a:ext uri="{AF507438-7753-43E0-B8FC-AC1667EBCBE1}">
-              <a14:hiddenEffects xmlns:a14="http://schemas.microsoft.com/office/drawing/2010/main">
-                <a:effectLst>
-                  <a:outerShdw dist="35921" dir="2700000" algn="ctr" rotWithShape="0">
-                    <a:srgbClr val="808080"/>
-                  </a:outerShdw>
-                </a:effectLst>
-              </a14:hiddenEffects>
-            </a:ext>
-          </a:extLst>
-        </p:spPr>
-        <p:txBody>
-          <a:bodyPr wrap="square" lIns="90000" tIns="46800" rIns="90000" bIns="46800">
-            <a:spAutoFit/>
-          </a:bodyPr>
-          <a:lstStyle>
-            <a:lvl1pPr>
-              <a:tabLst>
-                <a:tab pos="0" algn="l"/>
-                <a:tab pos="457200" algn="l"/>
-                <a:tab pos="914400" algn="l"/>
-                <a:tab pos="1371600" algn="l"/>
-                <a:tab pos="1828800" algn="l"/>
-                <a:tab pos="2286000" algn="l"/>
-                <a:tab pos="2743200" algn="l"/>
-                <a:tab pos="3200400" algn="l"/>
-                <a:tab pos="3657600" algn="l"/>
-                <a:tab pos="4114800" algn="l"/>
-                <a:tab pos="4572000" algn="l"/>
-                <a:tab pos="5029200" algn="l"/>
-                <a:tab pos="5486400" algn="l"/>
-                <a:tab pos="5943600" algn="l"/>
-                <a:tab pos="6400800" algn="l"/>
-                <a:tab pos="6858000" algn="l"/>
-                <a:tab pos="7315200" algn="l"/>
-                <a:tab pos="7772400" algn="l"/>
-                <a:tab pos="8229600" algn="l"/>
-                <a:tab pos="8686800" algn="l"/>
-                <a:tab pos="9144000" algn="l"/>
-                <a:tab pos="9410700" algn="l"/>
-              </a:tabLst>
-              <a:defRPr>
-                <a:solidFill>
-                  <a:srgbClr val="000000"/>
-                </a:solidFill>
-                <a:latin typeface="Arial" panose="020B0604020202020204" pitchFamily="34" charset="0"/>
-                <a:cs typeface="Arial" panose="020B0604020202020204" pitchFamily="34" charset="0"/>
-              </a:defRPr>
-            </a:lvl1pPr>
-            <a:lvl2pPr>
-              <a:tabLst>
-                <a:tab pos="0" algn="l"/>
-                <a:tab pos="457200" algn="l"/>
-                <a:tab pos="914400" algn="l"/>
-                <a:tab pos="1371600" algn="l"/>
-                <a:tab pos="1828800" algn="l"/>
-                <a:tab pos="2286000" algn="l"/>
-                <a:tab pos="2743200" algn="l"/>
-                <a:tab pos="3200400" algn="l"/>
-                <a:tab pos="3657600" algn="l"/>
-                <a:tab pos="4114800" algn="l"/>
-                <a:tab pos="4572000" algn="l"/>
-                <a:tab pos="5029200" algn="l"/>
-                <a:tab pos="5486400" algn="l"/>
-                <a:tab pos="5943600" algn="l"/>
-                <a:tab pos="6400800" algn="l"/>
-                <a:tab pos="6858000" algn="l"/>
-                <a:tab pos="7315200" algn="l"/>
-                <a:tab pos="7772400" algn="l"/>
-                <a:tab pos="8229600" algn="l"/>
-                <a:tab pos="8686800" algn="l"/>
-                <a:tab pos="9144000" algn="l"/>
-                <a:tab pos="9410700" algn="l"/>
-              </a:tabLst>
-              <a:defRPr>
-                <a:solidFill>
-                  <a:srgbClr val="000000"/>
-                </a:solidFill>
-                <a:latin typeface="Arial" panose="020B0604020202020204" pitchFamily="34" charset="0"/>
-                <a:cs typeface="Arial" panose="020B0604020202020204" pitchFamily="34" charset="0"/>
-              </a:defRPr>
-            </a:lvl2pPr>
-            <a:lvl3pPr>
-              <a:tabLst>
-                <a:tab pos="0" algn="l"/>
-                <a:tab pos="457200" algn="l"/>
-                <a:tab pos="914400" algn="l"/>
-                <a:tab pos="1371600" algn="l"/>
-                <a:tab pos="1828800" algn="l"/>
-                <a:tab pos="2286000" algn="l"/>
-                <a:tab pos="2743200" algn="l"/>
-                <a:tab pos="3200400" algn="l"/>
-                <a:tab pos="3657600" algn="l"/>
-                <a:tab pos="4114800" algn="l"/>
-                <a:tab pos="4572000" algn="l"/>
-                <a:tab pos="5029200" algn="l"/>
-                <a:tab pos="5486400" algn="l"/>
-                <a:tab pos="5943600" algn="l"/>
-                <a:tab pos="6400800" algn="l"/>
-                <a:tab pos="6858000" algn="l"/>
-                <a:tab pos="7315200" algn="l"/>
-                <a:tab pos="7772400" algn="l"/>
-                <a:tab pos="8229600" algn="l"/>
-                <a:tab pos="8686800" algn="l"/>
-                <a:tab pos="9144000" algn="l"/>
-                <a:tab pos="9410700" algn="l"/>
-              </a:tabLst>
-              <a:defRPr>
-                <a:solidFill>
-                  <a:srgbClr val="000000"/>
-                </a:solidFill>
-                <a:latin typeface="Arial" panose="020B0604020202020204" pitchFamily="34" charset="0"/>
-                <a:cs typeface="Arial" panose="020B0604020202020204" pitchFamily="34" charset="0"/>
-              </a:defRPr>
-            </a:lvl3pPr>
-            <a:lvl4pPr>
-              <a:tabLst>
-                <a:tab pos="0" algn="l"/>
-                <a:tab pos="457200" algn="l"/>
-                <a:tab pos="914400" algn="l"/>
-                <a:tab pos="1371600" algn="l"/>
-                <a:tab pos="1828800" algn="l"/>
-                <a:tab pos="2286000" algn="l"/>
-                <a:tab pos="2743200" algn="l"/>
-                <a:tab pos="3200400" algn="l"/>
-                <a:tab pos="3657600" algn="l"/>
-                <a:tab pos="4114800" algn="l"/>
-                <a:tab pos="4572000" algn="l"/>
-                <a:tab pos="5029200" algn="l"/>
-                <a:tab pos="5486400" algn="l"/>
-                <a:tab pos="5943600" algn="l"/>
-                <a:tab pos="6400800" algn="l"/>
-                <a:tab pos="6858000" algn="l"/>
-                <a:tab pos="7315200" algn="l"/>
-                <a:tab pos="7772400" algn="l"/>
-                <a:tab pos="8229600" algn="l"/>
-                <a:tab pos="8686800" algn="l"/>
-                <a:tab pos="9144000" algn="l"/>
-                <a:tab pos="9410700" algn="l"/>
-              </a:tabLst>
-              <a:defRPr>
-                <a:solidFill>
-                  <a:srgbClr val="000000"/>
-                </a:solidFill>
-                <a:latin typeface="Arial" panose="020B0604020202020204" pitchFamily="34" charset="0"/>
-                <a:cs typeface="Arial" panose="020B0604020202020204" pitchFamily="34" charset="0"/>
-              </a:defRPr>
-            </a:lvl4pPr>
-            <a:lvl5pPr>
-              <a:tabLst>
-                <a:tab pos="0" algn="l"/>
-                <a:tab pos="457200" algn="l"/>
-                <a:tab pos="914400" algn="l"/>
-                <a:tab pos="1371600" algn="l"/>
-                <a:tab pos="1828800" algn="l"/>
-                <a:tab pos="2286000" algn="l"/>
-                <a:tab pos="2743200" algn="l"/>
-                <a:tab pos="3200400" algn="l"/>
-                <a:tab pos="3657600" algn="l"/>
-                <a:tab pos="4114800" algn="l"/>
-                <a:tab pos="4572000" algn="l"/>
-                <a:tab pos="5029200" algn="l"/>
-                <a:tab pos="5486400" algn="l"/>
-                <a:tab pos="5943600" algn="l"/>
-                <a:tab pos="6400800" algn="l"/>
-                <a:tab pos="6858000" algn="l"/>
-                <a:tab pos="7315200" algn="l"/>
-                <a:tab pos="7772400" algn="l"/>
-                <a:tab pos="8229600" algn="l"/>
-                <a:tab pos="8686800" algn="l"/>
-                <a:tab pos="9144000" algn="l"/>
-                <a:tab pos="9410700" algn="l"/>
-              </a:tabLst>
-              <a:defRPr>
-                <a:solidFill>
-                  <a:srgbClr val="000000"/>
-                </a:solidFill>
-                <a:latin typeface="Arial" panose="020B0604020202020204" pitchFamily="34" charset="0"/>
-                <a:cs typeface="Arial" panose="020B0604020202020204" pitchFamily="34" charset="0"/>
-              </a:defRPr>
-            </a:lvl5pPr>
-            <a:lvl6pPr defTabSz="457200" fontAlgn="base">
-              <a:spcBef>
-                <a:spcPct val="0"/>
-              </a:spcBef>
-              <a:spcAft>
-                <a:spcPct val="0"/>
-              </a:spcAft>
-              <a:buClr>
-                <a:srgbClr val="000000"/>
-              </a:buClr>
-              <a:buSzPct val="100000"/>
-              <a:buFont typeface="Arial" panose="020B0604020202020204" pitchFamily="34" charset="0"/>
-              <a:tabLst>
-                <a:tab pos="0" algn="l"/>
-                <a:tab pos="457200" algn="l"/>
-                <a:tab pos="914400" algn="l"/>
-                <a:tab pos="1371600" algn="l"/>
-                <a:tab pos="1828800" algn="l"/>
-                <a:tab pos="2286000" algn="l"/>
-                <a:tab pos="2743200" algn="l"/>
-                <a:tab pos="3200400" algn="l"/>
-                <a:tab pos="3657600" algn="l"/>
-                <a:tab pos="4114800" algn="l"/>
-                <a:tab pos="4572000" algn="l"/>
-                <a:tab pos="5029200" algn="l"/>
-                <a:tab pos="5486400" algn="l"/>
-                <a:tab pos="5943600" algn="l"/>
-                <a:tab pos="6400800" algn="l"/>
-                <a:tab pos="6858000" algn="l"/>
-                <a:tab pos="7315200" algn="l"/>
-                <a:tab pos="7772400" algn="l"/>
-                <a:tab pos="8229600" algn="l"/>
-                <a:tab pos="8686800" algn="l"/>
-                <a:tab pos="9144000" algn="l"/>
-                <a:tab pos="9410700" algn="l"/>
-              </a:tabLst>
-              <a:defRPr>
-                <a:solidFill>
-                  <a:srgbClr val="000000"/>
-                </a:solidFill>
-                <a:latin typeface="Arial" panose="020B0604020202020204" pitchFamily="34" charset="0"/>
-                <a:cs typeface="Arial" panose="020B0604020202020204" pitchFamily="34" charset="0"/>
-              </a:defRPr>
-            </a:lvl6pPr>
-            <a:lvl7pPr defTabSz="457200" fontAlgn="base">
-              <a:spcBef>
-                <a:spcPct val="0"/>
-              </a:spcBef>
-              <a:spcAft>
-                <a:spcPct val="0"/>
-              </a:spcAft>
-              <a:buClr>
-                <a:srgbClr val="000000"/>
-              </a:buClr>
-              <a:buSzPct val="100000"/>
-              <a:buFont typeface="Arial" panose="020B0604020202020204" pitchFamily="34" charset="0"/>
-              <a:tabLst>
-                <a:tab pos="0" algn="l"/>
-                <a:tab pos="457200" algn="l"/>
-                <a:tab pos="914400" algn="l"/>
-                <a:tab pos="1371600" algn="l"/>
-                <a:tab pos="1828800" algn="l"/>
-                <a:tab pos="2286000" algn="l"/>
-                <a:tab pos="2743200" algn="l"/>
-                <a:tab pos="3200400" algn="l"/>
-                <a:tab pos="3657600" algn="l"/>
-                <a:tab pos="4114800" algn="l"/>
-                <a:tab pos="4572000" algn="l"/>
-                <a:tab pos="5029200" algn="l"/>
-                <a:tab pos="5486400" algn="l"/>
-                <a:tab pos="5943600" algn="l"/>
-                <a:tab pos="6400800" algn="l"/>
-                <a:tab pos="6858000" algn="l"/>
-                <a:tab pos="7315200" algn="l"/>
-                <a:tab pos="7772400" algn="l"/>
-                <a:tab pos="8229600" algn="l"/>
-                <a:tab pos="8686800" algn="l"/>
-                <a:tab pos="9144000" algn="l"/>
-                <a:tab pos="9410700" algn="l"/>
-              </a:tabLst>
-              <a:defRPr>
-                <a:solidFill>
-                  <a:srgbClr val="000000"/>
-                </a:solidFill>
-                <a:latin typeface="Arial" panose="020B0604020202020204" pitchFamily="34" charset="0"/>
-                <a:cs typeface="Arial" panose="020B0604020202020204" pitchFamily="34" charset="0"/>
-              </a:defRPr>
-            </a:lvl7pPr>
-            <a:lvl8pPr defTabSz="457200" fontAlgn="base">
-              <a:spcBef>
-                <a:spcPct val="0"/>
-              </a:spcBef>
-              <a:spcAft>
-                <a:spcPct val="0"/>
-              </a:spcAft>
-              <a:buClr>
-                <a:srgbClr val="000000"/>
-              </a:buClr>
-              <a:buSzPct val="100000"/>
-              <a:buFont typeface="Arial" panose="020B0604020202020204" pitchFamily="34" charset="0"/>
-              <a:tabLst>
-                <a:tab pos="0" algn="l"/>
-                <a:tab pos="457200" algn="l"/>
-                <a:tab pos="914400" algn="l"/>
-                <a:tab pos="1371600" algn="l"/>
-                <a:tab pos="1828800" algn="l"/>
-                <a:tab pos="2286000" algn="l"/>
-                <a:tab pos="2743200" algn="l"/>
-                <a:tab pos="3200400" algn="l"/>
-                <a:tab pos="3657600" algn="l"/>
-                <a:tab pos="4114800" algn="l"/>
-                <a:tab pos="4572000" algn="l"/>
-                <a:tab pos="5029200" algn="l"/>
-                <a:tab pos="5486400" algn="l"/>
-                <a:tab pos="5943600" algn="l"/>
-                <a:tab pos="6400800" algn="l"/>
-                <a:tab pos="6858000" algn="l"/>
-                <a:tab pos="7315200" algn="l"/>
-                <a:tab pos="7772400" algn="l"/>
-                <a:tab pos="8229600" algn="l"/>
-                <a:tab pos="8686800" algn="l"/>
-                <a:tab pos="9144000" algn="l"/>
-                <a:tab pos="9410700" algn="l"/>
-              </a:tabLst>
-              <a:defRPr>
-                <a:solidFill>
-                  <a:srgbClr val="000000"/>
-                </a:solidFill>
-                <a:latin typeface="Arial" panose="020B0604020202020204" pitchFamily="34" charset="0"/>
-                <a:cs typeface="Arial" panose="020B0604020202020204" pitchFamily="34" charset="0"/>
-              </a:defRPr>
-            </a:lvl8pPr>
-            <a:lvl9pPr defTabSz="457200" fontAlgn="base">
-              <a:spcBef>
-                <a:spcPct val="0"/>
-              </a:spcBef>
-              <a:spcAft>
-                <a:spcPct val="0"/>
-              </a:spcAft>
-              <a:buClr>
-                <a:srgbClr val="000000"/>
-              </a:buClr>
-              <a:buSzPct val="100000"/>
-              <a:buFont typeface="Arial" panose="020B0604020202020204" pitchFamily="34" charset="0"/>
-              <a:tabLst>
-                <a:tab pos="0" algn="l"/>
-                <a:tab pos="457200" algn="l"/>
-                <a:tab pos="914400" algn="l"/>
-                <a:tab pos="1371600" algn="l"/>
-                <a:tab pos="1828800" algn="l"/>
-                <a:tab pos="2286000" algn="l"/>
-                <a:tab pos="2743200" algn="l"/>
-                <a:tab pos="3200400" algn="l"/>
-                <a:tab pos="3657600" algn="l"/>
-                <a:tab pos="4114800" algn="l"/>
-                <a:tab pos="4572000" algn="l"/>
-                <a:tab pos="5029200" algn="l"/>
-                <a:tab pos="5486400" algn="l"/>
-                <a:tab pos="5943600" algn="l"/>
-                <a:tab pos="6400800" algn="l"/>
-                <a:tab pos="6858000" algn="l"/>
-                <a:tab pos="7315200" algn="l"/>
-                <a:tab pos="7772400" algn="l"/>
-                <a:tab pos="8229600" algn="l"/>
-                <a:tab pos="8686800" algn="l"/>
-                <a:tab pos="9144000" algn="l"/>
-                <a:tab pos="9410700" algn="l"/>
-              </a:tabLst>
-              <a:defRPr>
-                <a:solidFill>
-                  <a:srgbClr val="000000"/>
-                </a:solidFill>
-                <a:latin typeface="Arial" panose="020B0604020202020204" pitchFamily="34" charset="0"/>
-                <a:cs typeface="Arial" panose="020B0604020202020204" pitchFamily="34" charset="0"/>
-              </a:defRPr>
-            </a:lvl9pPr>
-          </a:lstStyle>
-          <a:p>
-            <a:pPr algn="l" rtl="0">
-              <a:spcBef>
-                <a:spcPts val="750"/>
-              </a:spcBef>
-            </a:pPr>
-            <a:r>
-              <a:rPr lang="en-US" sz="3200" dirty="0" smtClean="0">
-                <a:latin typeface="+mj-lt"/>
-              </a:rPr>
-              <a:t>COMET gradient steps vs. projected gradient steps</a:t>
-            </a:r>
-            <a:endParaRPr lang="en-AU" altLang="en-US" sz="3200" dirty="0">
-              <a:latin typeface="+mj-lt"/>
-            </a:endParaRPr>
-          </a:p>
-        </p:txBody>
-      </p:sp>
       <mc:AlternateContent xmlns:mc="http://schemas.openxmlformats.org/markup-compatibility/2006" xmlns:a14="http://schemas.microsoft.com/office/drawing/2010/main">
         <mc:Choice Requires="a14">
           <p:sp>
@@ -14947,7 +12723,7 @@
         </p:blipFill>
         <p:spPr>
           <a:xfrm>
-            <a:off x="22407589" y="9454763"/>
+            <a:off x="22398254" y="9219422"/>
             <a:ext cx="8614582" cy="4387746"/>
           </a:xfrm>
           <a:prstGeom prst="rect">
@@ -14955,6 +12731,2013 @@
           </a:prstGeom>
         </p:spPr>
       </p:pic>
+      <mc:AlternateContent xmlns:mc="http://schemas.openxmlformats.org/markup-compatibility/2006">
+        <mc:Choice xmlns:a14="http://schemas.microsoft.com/office/drawing/2010/main" Requires="a14">
+          <p:sp>
+            <p:nvSpPr>
+              <p:cNvPr id="56" name="Rounded Rectangle 55"/>
+              <p:cNvSpPr/>
+              <p:nvPr/>
+            </p:nvSpPr>
+            <p:spPr>
+              <a:xfrm>
+                <a:off x="1080420" y="17326364"/>
+                <a:ext cx="9715300" cy="14629678"/>
+              </a:xfrm>
+              <a:prstGeom prst="roundRect">
+                <a:avLst/>
+              </a:prstGeom>
+              <a:solidFill>
+                <a:schemeClr val="bg1"/>
+              </a:solidFill>
+              <a:ln w="76200">
+                <a:solidFill>
+                  <a:schemeClr val="tx1"/>
+                </a:solidFill>
+              </a:ln>
+            </p:spPr>
+            <p:style>
+              <a:lnRef idx="2">
+                <a:schemeClr val="accent1">
+                  <a:shade val="50000"/>
+                </a:schemeClr>
+              </a:lnRef>
+              <a:fillRef idx="1">
+                <a:schemeClr val="accent1"/>
+              </a:fillRef>
+              <a:effectRef idx="0">
+                <a:schemeClr val="accent1"/>
+              </a:effectRef>
+              <a:fontRef idx="minor">
+                <a:schemeClr val="lt1"/>
+              </a:fontRef>
+            </p:style>
+            <p:txBody>
+              <a:bodyPr lIns="83976" tIns="41987" rIns="83976" bIns="41987" rtlCol="1" anchor="t"/>
+              <a:lstStyle/>
+              <a:p>
+                <a:pPr lvl="0" algn="ctr" rtl="0"/>
+                <a:r>
+                  <a:rPr lang="en-US" sz="4400" b="1" dirty="0" smtClean="0">
+                    <a:solidFill>
+                      <a:schemeClr val="tx1"/>
+                    </a:solidFill>
+                  </a:rPr>
+                  <a:t>COMET row-column coordinate step</a:t>
+                </a:r>
+              </a:p>
+              <a:p>
+                <a:pPr lvl="0" algn="ctr" rtl="0"/>
+                <a:r>
+                  <a:rPr lang="en-US" sz="3200" b="1" dirty="0" err="1">
+                    <a:solidFill>
+                      <a:schemeClr val="tx1"/>
+                    </a:solidFill>
+                  </a:rPr>
+                  <a:t>CO</a:t>
+                </a:r>
+                <a:r>
+                  <a:rPr lang="en-US" sz="3200" dirty="0" err="1">
+                    <a:solidFill>
+                      <a:schemeClr val="tx1"/>
+                    </a:solidFill>
+                  </a:rPr>
+                  <a:t>ordinate</a:t>
+                </a:r>
+                <a:r>
+                  <a:rPr lang="en-US" sz="3200" dirty="0">
+                    <a:solidFill>
+                      <a:schemeClr val="tx1"/>
+                    </a:solidFill>
+                  </a:rPr>
+                  <a:t> descent </a:t>
+                </a:r>
+                <a:r>
+                  <a:rPr lang="en-US" sz="3200" b="1" dirty="0" err="1">
+                    <a:solidFill>
+                      <a:schemeClr val="tx1"/>
+                    </a:solidFill>
+                  </a:rPr>
+                  <a:t>MET</a:t>
+                </a:r>
+                <a:r>
+                  <a:rPr lang="en-US" sz="3200" dirty="0" err="1">
+                    <a:solidFill>
+                      <a:schemeClr val="tx1"/>
+                    </a:solidFill>
+                  </a:rPr>
+                  <a:t>ric</a:t>
+                </a:r>
+                <a:r>
+                  <a:rPr lang="en-US" sz="3200" dirty="0">
+                    <a:solidFill>
+                      <a:schemeClr val="tx1"/>
+                    </a:solidFill>
+                  </a:rPr>
+                  <a:t> </a:t>
+                </a:r>
+                <a:r>
+                  <a:rPr lang="en-US" sz="3200" dirty="0" smtClean="0">
+                    <a:solidFill>
+                      <a:schemeClr val="tx1"/>
+                    </a:solidFill>
+                  </a:rPr>
+                  <a:t>learning</a:t>
+                </a:r>
+              </a:p>
+              <a:p>
+                <a:pPr algn="l" rtl="0"/>
+                <a:r>
+                  <a:rPr lang="en-US" sz="3200" dirty="0" smtClean="0">
+                    <a:solidFill>
+                      <a:schemeClr val="tx1"/>
+                    </a:solidFill>
+                  </a:rPr>
+                  <a:t>Taking a gradient step </a:t>
+                </a:r>
+                <a14:m>
+                  <m:oMath xmlns:m="http://schemas.openxmlformats.org/officeDocument/2006/math">
+                    <m:r>
+                      <a:rPr lang="en-US" sz="3200" i="1">
+                        <a:solidFill>
+                          <a:schemeClr val="tx1"/>
+                        </a:solidFill>
+                        <a:latin typeface="Cambria Math" panose="02040503050406030204" pitchFamily="18" charset="0"/>
+                      </a:rPr>
+                      <m:t>𝑊</m:t>
+                    </m:r>
+                    <m:r>
+                      <a:rPr lang="en-US" sz="3200" i="1">
+                        <a:solidFill>
+                          <a:schemeClr val="tx1"/>
+                        </a:solidFill>
+                        <a:latin typeface="Cambria Math" panose="02040503050406030204" pitchFamily="18" charset="0"/>
+                      </a:rPr>
+                      <m:t>+=</m:t>
+                    </m:r>
+                    <m:r>
+                      <a:rPr lang="en-US" sz="3200" i="1">
+                        <a:solidFill>
+                          <a:schemeClr val="tx1"/>
+                        </a:solidFill>
+                        <a:latin typeface="Cambria Math" panose="02040503050406030204" pitchFamily="18" charset="0"/>
+                      </a:rPr>
+                      <m:t>𝜂</m:t>
+                    </m:r>
+                    <m:r>
+                      <a:rPr lang="en-US" sz="3200" i="1">
+                        <a:solidFill>
+                          <a:schemeClr val="tx1"/>
+                        </a:solidFill>
+                        <a:latin typeface="Cambria Math" panose="02040503050406030204" pitchFamily="18" charset="0"/>
+                      </a:rPr>
+                      <m:t>𝐺</m:t>
+                    </m:r>
+                    <m:r>
+                      <a:rPr lang="en-US" sz="3200" b="0" i="0" smtClean="0">
+                        <a:solidFill>
+                          <a:schemeClr val="tx1"/>
+                        </a:solidFill>
+                        <a:latin typeface="Cambria Math" panose="02040503050406030204" pitchFamily="18" charset="0"/>
+                      </a:rPr>
+                      <m:t> </m:t>
+                    </m:r>
+                  </m:oMath>
+                </a14:m>
+                <a:r>
+                  <a:rPr lang="en-US" sz="3200" dirty="0" smtClean="0">
+                    <a:solidFill>
+                      <a:schemeClr val="tx1"/>
+                    </a:solidFill>
+                  </a:rPr>
+                  <a:t> usually requires projecting the result back to the PD cone. COMET enables taking gradient steps within the PD cone.</a:t>
+                </a:r>
+                <a:endParaRPr lang="en-US" sz="3200" dirty="0">
+                  <a:solidFill>
+                    <a:schemeClr val="tx1"/>
+                  </a:solidFill>
+                </a:endParaRPr>
+              </a:p>
+            </p:txBody>
+          </p:sp>
+        </mc:Choice>
+        <mc:Fallback>
+          <p:sp>
+            <p:nvSpPr>
+              <p:cNvPr id="56" name="Rounded Rectangle 55"/>
+              <p:cNvSpPr>
+                <a:spLocks noRot="1" noChangeAspect="1" noMove="1" noResize="1" noEditPoints="1" noAdjustHandles="1" noChangeArrowheads="1" noChangeShapeType="1" noTextEdit="1"/>
+              </p:cNvSpPr>
+              <p:nvPr/>
+            </p:nvSpPr>
+            <p:spPr>
+              <a:xfrm>
+                <a:off x="1080420" y="17326364"/>
+                <a:ext cx="9715300" cy="14629678"/>
+              </a:xfrm>
+              <a:prstGeom prst="roundRect">
+                <a:avLst/>
+              </a:prstGeom>
+              <a:blipFill rotWithShape="0">
+                <a:blip r:embed="rId30"/>
+                <a:stretch>
+                  <a:fillRect/>
+                </a:stretch>
+              </a:blipFill>
+              <a:ln w="76200">
+                <a:solidFill>
+                  <a:schemeClr val="tx1"/>
+                </a:solidFill>
+              </a:ln>
+            </p:spPr>
+            <p:txBody>
+              <a:bodyPr/>
+              <a:lstStyle/>
+              <a:p>
+                <a:r>
+                  <a:rPr lang="en-US">
+                    <a:noFill/>
+                  </a:rPr>
+                  <a:t> </a:t>
+                </a:r>
+              </a:p>
+            </p:txBody>
+          </p:sp>
+        </mc:Fallback>
+      </mc:AlternateContent>
+      <mc:AlternateContent xmlns:mc="http://schemas.openxmlformats.org/markup-compatibility/2006">
+        <mc:Choice xmlns:a14="http://schemas.microsoft.com/office/drawing/2010/main" Requires="a14">
+          <p:sp>
+            <p:nvSpPr>
+              <p:cNvPr id="57" name="Rectangle 56"/>
+              <p:cNvSpPr/>
+              <p:nvPr/>
+            </p:nvSpPr>
+            <p:spPr>
+              <a:xfrm>
+                <a:off x="1608386" y="23865145"/>
+                <a:ext cx="8391933" cy="7988135"/>
+              </a:xfrm>
+              <a:prstGeom prst="rect">
+                <a:avLst/>
+              </a:prstGeom>
+            </p:spPr>
+            <p:txBody>
+              <a:bodyPr wrap="square" lIns="108000" tIns="54000" rIns="108000" bIns="54000">
+                <a:spAutoFit/>
+              </a:bodyPr>
+              <a:lstStyle/>
+              <a:p>
+                <a:pPr algn="l" rtl="0"/>
+                <a:r>
+                  <a:rPr lang="en-US" sz="3200" dirty="0" smtClean="0"/>
+                  <a:t>At each coordinate step, </a:t>
+                </a:r>
+                <a:br>
+                  <a:rPr lang="en-US" sz="3200" dirty="0" smtClean="0"/>
+                </a:br>
+                <a:r>
+                  <a:rPr lang="en-US" sz="3200" dirty="0" smtClean="0"/>
+                  <a:t>update one </a:t>
+                </a:r>
+                <a:r>
+                  <a:rPr lang="en-US" sz="3200" dirty="0"/>
+                  <a:t>column and </a:t>
+                </a:r>
+                <a:r>
+                  <a:rPr lang="en-US" sz="3200" dirty="0" smtClean="0"/>
+                  <a:t/>
+                </a:r>
+                <a:br>
+                  <a:rPr lang="en-US" sz="3200" dirty="0" smtClean="0"/>
+                </a:br>
+                <a:r>
+                  <a:rPr lang="en-US" sz="3200" dirty="0" smtClean="0"/>
+                  <a:t>row of the matrix </a:t>
+                </a:r>
+                <a14:m>
+                  <m:oMath xmlns:m="http://schemas.openxmlformats.org/officeDocument/2006/math">
+                    <m:r>
+                      <a:rPr lang="en-US" sz="3200" i="1">
+                        <a:solidFill>
+                          <a:prstClr val="black"/>
+                        </a:solidFill>
+                        <a:latin typeface="Cambria Math" panose="02040503050406030204" pitchFamily="18" charset="0"/>
+                      </a:rPr>
+                      <m:t>𝑊</m:t>
+                    </m:r>
+                  </m:oMath>
+                </a14:m>
+                <a:r>
+                  <a:rPr lang="en-US" sz="3200" dirty="0" smtClean="0"/>
+                  <a:t> </a:t>
+                </a:r>
+                <a:br>
+                  <a:rPr lang="en-US" sz="3200" dirty="0" smtClean="0"/>
+                </a:br>
+                <a:r>
+                  <a:rPr lang="en-US" sz="3200" dirty="0" smtClean="0"/>
+                  <a:t>with the row-column </a:t>
+                </a:r>
+                <a:br>
+                  <a:rPr lang="en-US" sz="3200" dirty="0" smtClean="0"/>
+                </a:br>
+                <a:r>
+                  <a:rPr lang="en-US" sz="3200" dirty="0" smtClean="0"/>
+                  <a:t>gradient of </a:t>
+                </a:r>
+                <a14:m>
+                  <m:oMath xmlns:m="http://schemas.openxmlformats.org/officeDocument/2006/math">
+                    <m:r>
+                      <a:rPr lang="en-US" sz="3200" i="1">
+                        <a:solidFill>
+                          <a:prstClr val="black"/>
+                        </a:solidFill>
+                        <a:latin typeface="Cambria Math" panose="02040503050406030204" pitchFamily="18" charset="0"/>
+                      </a:rPr>
+                      <m:t>𝐿</m:t>
+                    </m:r>
+                    <m:d>
+                      <m:dPr>
+                        <m:ctrlPr>
+                          <a:rPr lang="en-US" sz="3200" i="1">
+                            <a:solidFill>
+                              <a:prstClr val="black"/>
+                            </a:solidFill>
+                            <a:latin typeface="Cambria Math" panose="02040503050406030204" pitchFamily="18" charset="0"/>
+                          </a:rPr>
+                        </m:ctrlPr>
+                      </m:dPr>
+                      <m:e>
+                        <m:r>
+                          <a:rPr lang="en-US" sz="3200" i="1">
+                            <a:solidFill>
+                              <a:prstClr val="black"/>
+                            </a:solidFill>
+                            <a:latin typeface="Cambria Math" panose="02040503050406030204" pitchFamily="18" charset="0"/>
+                          </a:rPr>
+                          <m:t>𝑊</m:t>
+                        </m:r>
+                      </m:e>
+                    </m:d>
+                  </m:oMath>
+                </a14:m>
+                <a:r>
+                  <a:rPr lang="en-US" sz="3200" dirty="0" smtClean="0"/>
+                  <a:t>. </a:t>
+                </a:r>
+                <a:br>
+                  <a:rPr lang="en-US" sz="3200" dirty="0" smtClean="0"/>
+                </a:br>
+                <a:r>
+                  <a:rPr lang="en-US" sz="3200" dirty="0" smtClean="0"/>
+                  <a:t>U</a:t>
+                </a:r>
+                <a:r>
+                  <a:rPr lang="en-US" sz="3200" dirty="0" smtClean="0"/>
+                  <a:t>sing</a:t>
+                </a:r>
+                <a:r>
+                  <a:rPr lang="en-US" sz="3200" dirty="0" smtClean="0"/>
+                  <a:t> </a:t>
+                </a:r>
+                <a:r>
+                  <a:rPr lang="en-US" sz="3200" dirty="0" smtClean="0"/>
+                  <a:t>the </a:t>
+                </a:r>
+                <a:r>
+                  <a:rPr lang="en-US" sz="3200" dirty="0"/>
+                  <a:t>PD condition </a:t>
+                </a:r>
+                <a:r>
+                  <a:rPr lang="en-US" sz="3200" dirty="0" smtClean="0"/>
+                  <a:t/>
+                </a:r>
+                <a:br>
+                  <a:rPr lang="en-US" sz="3200" dirty="0" smtClean="0"/>
+                </a:br>
+                <a:r>
+                  <a:rPr lang="en-US" sz="3200" dirty="0" smtClean="0"/>
+                  <a:t>of </a:t>
+                </a:r>
+                <a:r>
+                  <a:rPr lang="en-US" sz="3200" dirty="0"/>
+                  <a:t>the </a:t>
+                </a:r>
+                <a:r>
+                  <a:rPr lang="en-US" sz="3200" dirty="0" err="1" smtClean="0"/>
+                  <a:t>Schur</a:t>
+                </a:r>
+                <a:r>
+                  <a:rPr lang="en-US" sz="3200" dirty="0" smtClean="0"/>
+                  <a:t> complement, </a:t>
+                </a:r>
+                <a:r>
+                  <a:rPr lang="en-US" sz="3200" dirty="0"/>
+                  <a:t/>
+                </a:r>
+                <a:br>
+                  <a:rPr lang="en-US" sz="3200" dirty="0"/>
+                </a:br>
+                <a:r>
+                  <a:rPr lang="en-US" sz="3200" dirty="0"/>
+                  <a:t>results with a closed form expression </a:t>
+                </a:r>
+                <a:r>
+                  <a:rPr lang="en-US" sz="3200" dirty="0" smtClean="0"/>
+                  <a:t>for the upper </a:t>
+                </a:r>
+                <a:r>
+                  <a:rPr lang="en-US" sz="3200" dirty="0"/>
+                  <a:t>limit to the allowable step size, </a:t>
+                </a:r>
+                <a14:m>
+                  <m:oMath xmlns:m="http://schemas.openxmlformats.org/officeDocument/2006/math">
+                    <m:sSup>
+                      <m:sSupPr>
+                        <m:ctrlPr>
+                          <a:rPr lang="en-US" sz="3200" i="1">
+                            <a:latin typeface="Cambria Math" panose="02040503050406030204" pitchFamily="18" charset="0"/>
+                          </a:rPr>
+                        </m:ctrlPr>
+                      </m:sSupPr>
+                      <m:e>
+                        <m:r>
+                          <a:rPr lang="en-US" sz="3200" i="1">
+                            <a:latin typeface="Cambria Math" panose="02040503050406030204" pitchFamily="18" charset="0"/>
+                          </a:rPr>
+                          <m:t>𝜂</m:t>
+                        </m:r>
+                      </m:e>
+                      <m:sup>
+                        <m:r>
+                          <a:rPr lang="en-US" sz="3200" i="1">
+                            <a:latin typeface="Cambria Math" panose="02040503050406030204" pitchFamily="18" charset="0"/>
+                          </a:rPr>
+                          <m:t>𝑚𝑎𝑥</m:t>
+                        </m:r>
+                      </m:sup>
+                    </m:sSup>
+                  </m:oMath>
+                </a14:m>
+                <a:endParaRPr lang="en-US" sz="3200" b="1" dirty="0"/>
+              </a:p>
+              <a:p>
+                <a:pPr algn="l" rtl="0"/>
+                <a:r>
+                  <a:rPr lang="en-US" sz="3200" dirty="0" smtClean="0"/>
+                  <a:t>Which limits </a:t>
+                </a:r>
+                <a:r>
+                  <a:rPr lang="en-US" sz="3200" dirty="0" smtClean="0"/>
+                  <a:t>the step to the PD </a:t>
+                </a:r>
+                <a:r>
+                  <a:rPr lang="en-US" sz="3200" dirty="0" smtClean="0"/>
+                  <a:t>cone.</a:t>
+                </a:r>
+              </a:p>
+              <a:p>
+                <a:pPr algn="l" rtl="0"/>
+                <a:endParaRPr lang="en-US" sz="3200" b="1" dirty="0"/>
+              </a:p>
+              <a:p>
+                <a:pPr lvl="0" algn="l" rtl="0"/>
+                <a:r>
+                  <a:rPr lang="en-US" sz="3200" dirty="0">
+                    <a:solidFill>
+                      <a:prstClr val="black"/>
+                    </a:solidFill>
+                  </a:rPr>
+                  <a:t>Efficiently maintaining the </a:t>
+                </a:r>
+                <a:r>
+                  <a:rPr lang="en-US" sz="3200" dirty="0" err="1">
+                    <a:solidFill>
+                      <a:prstClr val="black"/>
+                    </a:solidFill>
+                  </a:rPr>
+                  <a:t>Cholesky</a:t>
+                </a:r>
+                <a:r>
+                  <a:rPr lang="en-US" sz="3200" dirty="0">
+                    <a:solidFill>
+                      <a:prstClr val="black"/>
+                    </a:solidFill>
+                  </a:rPr>
+                  <a:t> root </a:t>
+                </a:r>
+                <a14:m>
+                  <m:oMath xmlns:m="http://schemas.openxmlformats.org/officeDocument/2006/math">
+                    <m:r>
+                      <a:rPr lang="en-US" sz="3200" i="1">
+                        <a:solidFill>
+                          <a:prstClr val="black"/>
+                        </a:solidFill>
+                        <a:latin typeface="Cambria Math" panose="02040503050406030204" pitchFamily="18" charset="0"/>
+                      </a:rPr>
+                      <m:t>𝐿</m:t>
+                    </m:r>
+                    <m:r>
+                      <a:rPr lang="en-US" sz="3200" i="1">
+                        <a:solidFill>
+                          <a:prstClr val="black"/>
+                        </a:solidFill>
+                        <a:latin typeface="Cambria Math" panose="02040503050406030204" pitchFamily="18" charset="0"/>
+                      </a:rPr>
+                      <m:t> </m:t>
+                    </m:r>
+                  </m:oMath>
+                </a14:m>
+                <a:r>
+                  <a:rPr lang="en-US" sz="3200" dirty="0">
+                    <a:solidFill>
+                      <a:prstClr val="black"/>
+                    </a:solidFill>
+                  </a:rPr>
+                  <a:t>of </a:t>
+                </a:r>
+                <a14:m>
+                  <m:oMath xmlns:m="http://schemas.openxmlformats.org/officeDocument/2006/math">
+                    <m:r>
+                      <a:rPr lang="en-US" sz="3200" i="1">
+                        <a:solidFill>
+                          <a:prstClr val="black"/>
+                        </a:solidFill>
+                        <a:latin typeface="Cambria Math" panose="02040503050406030204" pitchFamily="18" charset="0"/>
+                      </a:rPr>
+                      <m:t>𝑊</m:t>
+                    </m:r>
+                    <m:r>
+                      <a:rPr lang="en-US" sz="3200" i="1">
+                        <a:solidFill>
+                          <a:prstClr val="black"/>
+                        </a:solidFill>
+                        <a:latin typeface="Cambria Math" panose="02040503050406030204" pitchFamily="18" charset="0"/>
+                      </a:rPr>
+                      <m:t>=</m:t>
+                    </m:r>
+                    <m:sSup>
+                      <m:sSupPr>
+                        <m:ctrlPr>
+                          <a:rPr lang="en-US" sz="3200" i="1">
+                            <a:solidFill>
+                              <a:prstClr val="black"/>
+                            </a:solidFill>
+                            <a:latin typeface="Cambria Math" panose="02040503050406030204" pitchFamily="18" charset="0"/>
+                          </a:rPr>
+                        </m:ctrlPr>
+                      </m:sSupPr>
+                      <m:e>
+                        <m:r>
+                          <a:rPr lang="en-US" sz="3200" i="1">
+                            <a:solidFill>
+                              <a:prstClr val="black"/>
+                            </a:solidFill>
+                            <a:latin typeface="Cambria Math" panose="02040503050406030204" pitchFamily="18" charset="0"/>
+                          </a:rPr>
+                          <m:t>𝐿</m:t>
+                        </m:r>
+                      </m:e>
+                      <m:sup>
+                        <m:r>
+                          <a:rPr lang="en-US" sz="3200" i="1">
+                            <a:solidFill>
+                              <a:prstClr val="black"/>
+                            </a:solidFill>
+                            <a:latin typeface="Cambria Math" panose="02040503050406030204" pitchFamily="18" charset="0"/>
+                          </a:rPr>
+                          <m:t>𝑇</m:t>
+                        </m:r>
+                      </m:sup>
+                    </m:sSup>
+                    <m:r>
+                      <a:rPr lang="en-US" sz="3200" i="1">
+                        <a:solidFill>
+                          <a:prstClr val="black"/>
+                        </a:solidFill>
+                        <a:latin typeface="Cambria Math" panose="02040503050406030204" pitchFamily="18" charset="0"/>
+                      </a:rPr>
+                      <m:t>𝐿</m:t>
+                    </m:r>
+                  </m:oMath>
+                </a14:m>
+                <a:r>
+                  <a:rPr lang="en-US" sz="3200" dirty="0">
+                    <a:solidFill>
+                      <a:prstClr val="black"/>
+                    </a:solidFill>
+                  </a:rPr>
+                  <a:t> resulting in an explicit embedding function </a:t>
+                </a:r>
+                <a14:m>
+                  <m:oMath xmlns:m="http://schemas.openxmlformats.org/officeDocument/2006/math">
+                    <m:r>
+                      <m:rPr>
+                        <m:sty m:val="p"/>
+                      </m:rPr>
+                      <a:rPr lang="en-US" sz="3200">
+                        <a:solidFill>
+                          <a:prstClr val="black"/>
+                        </a:solidFill>
+                        <a:latin typeface="Cambria Math" panose="02040503050406030204" pitchFamily="18" charset="0"/>
+                      </a:rPr>
+                      <m:t>x</m:t>
+                    </m:r>
+                    <m:r>
+                      <a:rPr lang="en-US" sz="3200" i="1">
+                        <a:solidFill>
+                          <a:prstClr val="black"/>
+                        </a:solidFill>
+                        <a:latin typeface="Cambria Math" panose="02040503050406030204" pitchFamily="18" charset="0"/>
+                        <a:ea typeface="Cambria Math" panose="02040503050406030204" pitchFamily="18" charset="0"/>
+                      </a:rPr>
+                      <m:t>→</m:t>
+                    </m:r>
+                    <m:r>
+                      <a:rPr lang="en-US" sz="3200" i="1">
+                        <a:solidFill>
+                          <a:prstClr val="black"/>
+                        </a:solidFill>
+                        <a:latin typeface="Cambria Math" panose="02040503050406030204" pitchFamily="18" charset="0"/>
+                      </a:rPr>
+                      <m:t>𝐿𝑥</m:t>
+                    </m:r>
+                    <m:r>
+                      <a:rPr lang="en-US" sz="3200" i="1">
+                        <a:solidFill>
+                          <a:prstClr val="black"/>
+                        </a:solidFill>
+                        <a:latin typeface="Cambria Math" panose="02040503050406030204" pitchFamily="18" charset="0"/>
+                      </a:rPr>
+                      <m:t> </m:t>
+                    </m:r>
+                  </m:oMath>
+                </a14:m>
+                <a:r>
+                  <a:rPr lang="en-US" sz="3200" dirty="0">
+                    <a:solidFill>
+                      <a:prstClr val="black"/>
+                    </a:solidFill>
+                  </a:rPr>
+                  <a:t>into the learned metric space throughout training.</a:t>
+                </a:r>
+              </a:p>
+              <a:p>
+                <a:pPr algn="l" rtl="0"/>
+                <a:endParaRPr lang="en-US" sz="3200" b="1" dirty="0"/>
+              </a:p>
+            </p:txBody>
+          </p:sp>
+        </mc:Choice>
+        <mc:Fallback>
+          <p:sp>
+            <p:nvSpPr>
+              <p:cNvPr id="57" name="Rectangle 56"/>
+              <p:cNvSpPr>
+                <a:spLocks noRot="1" noChangeAspect="1" noMove="1" noResize="1" noEditPoints="1" noAdjustHandles="1" noChangeArrowheads="1" noChangeShapeType="1" noTextEdit="1"/>
+              </p:cNvSpPr>
+              <p:nvPr/>
+            </p:nvSpPr>
+            <p:spPr>
+              <a:xfrm>
+                <a:off x="1608386" y="23865145"/>
+                <a:ext cx="8391933" cy="7988135"/>
+              </a:xfrm>
+              <a:prstGeom prst="rect">
+                <a:avLst/>
+              </a:prstGeom>
+              <a:blipFill rotWithShape="0">
+                <a:blip r:embed="rId31"/>
+                <a:stretch>
+                  <a:fillRect l="-1672" t="-916"/>
+                </a:stretch>
+              </a:blipFill>
+            </p:spPr>
+            <p:txBody>
+              <a:bodyPr/>
+              <a:lstStyle/>
+              <a:p>
+                <a:r>
+                  <a:rPr lang="en-US">
+                    <a:noFill/>
+                  </a:rPr>
+                  <a:t> </a:t>
+                </a:r>
+              </a:p>
+            </p:txBody>
+          </p:sp>
+        </mc:Fallback>
+      </mc:AlternateContent>
+      <p:pic>
+        <p:nvPicPr>
+          <p:cNvPr id="64" name="Picture 4" descr="http://chechiklab.biu.ac.il/~yuvval/figs/comet/rowcol_vis.png"/>
+          <p:cNvPicPr>
+            <a:picLocks noChangeAspect="1" noChangeArrowheads="1"/>
+          </p:cNvPicPr>
+          <p:nvPr/>
+        </p:nvPicPr>
+        <p:blipFill rotWithShape="1">
+          <a:blip r:embed="rId32" cstate="print">
+            <a:extLst>
+              <a:ext uri="{28A0092B-C50C-407E-A947-70E740481C1C}">
+                <a14:useLocalDpi xmlns:a14="http://schemas.microsoft.com/office/drawing/2010/main" val="0"/>
+              </a:ext>
+            </a:extLst>
+          </a:blip>
+          <a:srcRect l="7339" t="15746" r="8998" b="2607"/>
+          <a:stretch/>
+        </p:blipFill>
+        <p:spPr bwMode="auto">
+          <a:xfrm>
+            <a:off x="6664120" y="23946800"/>
+            <a:ext cx="3336199" cy="3255809"/>
+          </a:xfrm>
+          <a:prstGeom prst="rect">
+            <a:avLst/>
+          </a:prstGeom>
+          <a:noFill/>
+          <a:extLst>
+            <a:ext uri="{909E8E84-426E-40DD-AFC4-6F175D3DCCD1}">
+              <a14:hiddenFill xmlns:a14="http://schemas.microsoft.com/office/drawing/2010/main">
+                <a:solidFill>
+                  <a:srgbClr val="FFFFFF"/>
+                </a:solidFill>
+              </a14:hiddenFill>
+            </a:ext>
+          </a:extLst>
+        </p:spPr>
+      </p:pic>
+      <p:pic>
+        <p:nvPicPr>
+          <p:cNvPr id="69" name="Picture 68"/>
+          <p:cNvPicPr>
+            <a:picLocks noChangeAspect="1"/>
+          </p:cNvPicPr>
+          <p:nvPr/>
+        </p:nvPicPr>
+        <p:blipFill>
+          <a:blip r:embed="rId33"/>
+          <a:stretch>
+            <a:fillRect/>
+          </a:stretch>
+        </p:blipFill>
+        <p:spPr>
+          <a:xfrm>
+            <a:off x="1586235" y="20971662"/>
+            <a:ext cx="6610690" cy="2609984"/>
+          </a:xfrm>
+          <a:prstGeom prst="rect">
+            <a:avLst/>
+          </a:prstGeom>
+        </p:spPr>
+      </p:pic>
+      <p:sp>
+        <p:nvSpPr>
+          <p:cNvPr id="71" name="Text Box 102"/>
+          <p:cNvSpPr txBox="1">
+            <a:spLocks noChangeArrowheads="1"/>
+          </p:cNvSpPr>
+          <p:nvPr/>
+        </p:nvSpPr>
+        <p:spPr bwMode="auto">
+          <a:xfrm>
+            <a:off x="1620770" y="20701326"/>
+            <a:ext cx="2934114" cy="463846"/>
+          </a:xfrm>
+          <a:prstGeom prst="rect">
+            <a:avLst/>
+          </a:prstGeom>
+          <a:noFill/>
+          <a:ln>
+            <a:noFill/>
+          </a:ln>
+          <a:effectLst/>
+          <a:extLst>
+            <a:ext uri="{909E8E84-426E-40DD-AFC4-6F175D3DCCD1}">
+              <a14:hiddenFill xmlns:a14="http://schemas.microsoft.com/office/drawing/2010/main">
+                <a:solidFill>
+                  <a:srgbClr val="FFFFFF"/>
+                </a:solidFill>
+              </a14:hiddenFill>
+            </a:ext>
+            <a:ext uri="{91240B29-F687-4F45-9708-019B960494DF}">
+              <a14:hiddenLine xmlns:a14="http://schemas.microsoft.com/office/drawing/2010/main" w="9525">
+                <a:solidFill>
+                  <a:srgbClr val="000000"/>
+                </a:solidFill>
+                <a:round/>
+                <a:headEnd/>
+                <a:tailEnd/>
+              </a14:hiddenLine>
+            </a:ext>
+            <a:ext uri="{AF507438-7753-43E0-B8FC-AC1667EBCBE1}">
+              <a14:hiddenEffects xmlns:a14="http://schemas.microsoft.com/office/drawing/2010/main">
+                <a:effectLst>
+                  <a:outerShdw dist="35921" dir="2700000" algn="ctr" rotWithShape="0">
+                    <a:srgbClr val="808080"/>
+                  </a:outerShdw>
+                </a:effectLst>
+              </a14:hiddenEffects>
+            </a:ext>
+          </a:extLst>
+        </p:spPr>
+        <p:txBody>
+          <a:bodyPr wrap="none" lIns="90000" tIns="46800" rIns="90000" bIns="46800">
+            <a:spAutoFit/>
+          </a:bodyPr>
+          <a:lstStyle>
+            <a:lvl1pPr>
+              <a:tabLst>
+                <a:tab pos="0" algn="l"/>
+                <a:tab pos="457200" algn="l"/>
+                <a:tab pos="914400" algn="l"/>
+                <a:tab pos="1371600" algn="l"/>
+                <a:tab pos="1828800" algn="l"/>
+                <a:tab pos="2286000" algn="l"/>
+                <a:tab pos="2743200" algn="l"/>
+                <a:tab pos="3200400" algn="l"/>
+                <a:tab pos="3657600" algn="l"/>
+                <a:tab pos="4114800" algn="l"/>
+                <a:tab pos="4572000" algn="l"/>
+                <a:tab pos="5029200" algn="l"/>
+                <a:tab pos="5486400" algn="l"/>
+                <a:tab pos="5943600" algn="l"/>
+                <a:tab pos="6400800" algn="l"/>
+                <a:tab pos="6858000" algn="l"/>
+                <a:tab pos="7315200" algn="l"/>
+                <a:tab pos="7772400" algn="l"/>
+                <a:tab pos="8229600" algn="l"/>
+                <a:tab pos="8686800" algn="l"/>
+                <a:tab pos="9144000" algn="l"/>
+              </a:tabLst>
+              <a:defRPr>
+                <a:solidFill>
+                  <a:srgbClr val="000000"/>
+                </a:solidFill>
+                <a:latin typeface="Arial" panose="020B0604020202020204" pitchFamily="34" charset="0"/>
+                <a:cs typeface="Arial" panose="020B0604020202020204" pitchFamily="34" charset="0"/>
+              </a:defRPr>
+            </a:lvl1pPr>
+            <a:lvl2pPr>
+              <a:tabLst>
+                <a:tab pos="0" algn="l"/>
+                <a:tab pos="457200" algn="l"/>
+                <a:tab pos="914400" algn="l"/>
+                <a:tab pos="1371600" algn="l"/>
+                <a:tab pos="1828800" algn="l"/>
+                <a:tab pos="2286000" algn="l"/>
+                <a:tab pos="2743200" algn="l"/>
+                <a:tab pos="3200400" algn="l"/>
+                <a:tab pos="3657600" algn="l"/>
+                <a:tab pos="4114800" algn="l"/>
+                <a:tab pos="4572000" algn="l"/>
+                <a:tab pos="5029200" algn="l"/>
+                <a:tab pos="5486400" algn="l"/>
+                <a:tab pos="5943600" algn="l"/>
+                <a:tab pos="6400800" algn="l"/>
+                <a:tab pos="6858000" algn="l"/>
+                <a:tab pos="7315200" algn="l"/>
+                <a:tab pos="7772400" algn="l"/>
+                <a:tab pos="8229600" algn="l"/>
+                <a:tab pos="8686800" algn="l"/>
+                <a:tab pos="9144000" algn="l"/>
+              </a:tabLst>
+              <a:defRPr>
+                <a:solidFill>
+                  <a:srgbClr val="000000"/>
+                </a:solidFill>
+                <a:latin typeface="Arial" panose="020B0604020202020204" pitchFamily="34" charset="0"/>
+                <a:cs typeface="Arial" panose="020B0604020202020204" pitchFamily="34" charset="0"/>
+              </a:defRPr>
+            </a:lvl2pPr>
+            <a:lvl3pPr>
+              <a:tabLst>
+                <a:tab pos="0" algn="l"/>
+                <a:tab pos="457200" algn="l"/>
+                <a:tab pos="914400" algn="l"/>
+                <a:tab pos="1371600" algn="l"/>
+                <a:tab pos="1828800" algn="l"/>
+                <a:tab pos="2286000" algn="l"/>
+                <a:tab pos="2743200" algn="l"/>
+                <a:tab pos="3200400" algn="l"/>
+                <a:tab pos="3657600" algn="l"/>
+                <a:tab pos="4114800" algn="l"/>
+                <a:tab pos="4572000" algn="l"/>
+                <a:tab pos="5029200" algn="l"/>
+                <a:tab pos="5486400" algn="l"/>
+                <a:tab pos="5943600" algn="l"/>
+                <a:tab pos="6400800" algn="l"/>
+                <a:tab pos="6858000" algn="l"/>
+                <a:tab pos="7315200" algn="l"/>
+                <a:tab pos="7772400" algn="l"/>
+                <a:tab pos="8229600" algn="l"/>
+                <a:tab pos="8686800" algn="l"/>
+                <a:tab pos="9144000" algn="l"/>
+              </a:tabLst>
+              <a:defRPr>
+                <a:solidFill>
+                  <a:srgbClr val="000000"/>
+                </a:solidFill>
+                <a:latin typeface="Arial" panose="020B0604020202020204" pitchFamily="34" charset="0"/>
+                <a:cs typeface="Arial" panose="020B0604020202020204" pitchFamily="34" charset="0"/>
+              </a:defRPr>
+            </a:lvl3pPr>
+            <a:lvl4pPr>
+              <a:tabLst>
+                <a:tab pos="0" algn="l"/>
+                <a:tab pos="457200" algn="l"/>
+                <a:tab pos="914400" algn="l"/>
+                <a:tab pos="1371600" algn="l"/>
+                <a:tab pos="1828800" algn="l"/>
+                <a:tab pos="2286000" algn="l"/>
+                <a:tab pos="2743200" algn="l"/>
+                <a:tab pos="3200400" algn="l"/>
+                <a:tab pos="3657600" algn="l"/>
+                <a:tab pos="4114800" algn="l"/>
+                <a:tab pos="4572000" algn="l"/>
+                <a:tab pos="5029200" algn="l"/>
+                <a:tab pos="5486400" algn="l"/>
+                <a:tab pos="5943600" algn="l"/>
+                <a:tab pos="6400800" algn="l"/>
+                <a:tab pos="6858000" algn="l"/>
+                <a:tab pos="7315200" algn="l"/>
+                <a:tab pos="7772400" algn="l"/>
+                <a:tab pos="8229600" algn="l"/>
+                <a:tab pos="8686800" algn="l"/>
+                <a:tab pos="9144000" algn="l"/>
+              </a:tabLst>
+              <a:defRPr>
+                <a:solidFill>
+                  <a:srgbClr val="000000"/>
+                </a:solidFill>
+                <a:latin typeface="Arial" panose="020B0604020202020204" pitchFamily="34" charset="0"/>
+                <a:cs typeface="Arial" panose="020B0604020202020204" pitchFamily="34" charset="0"/>
+              </a:defRPr>
+            </a:lvl4pPr>
+            <a:lvl5pPr>
+              <a:tabLst>
+                <a:tab pos="0" algn="l"/>
+                <a:tab pos="457200" algn="l"/>
+                <a:tab pos="914400" algn="l"/>
+                <a:tab pos="1371600" algn="l"/>
+                <a:tab pos="1828800" algn="l"/>
+                <a:tab pos="2286000" algn="l"/>
+                <a:tab pos="2743200" algn="l"/>
+                <a:tab pos="3200400" algn="l"/>
+                <a:tab pos="3657600" algn="l"/>
+                <a:tab pos="4114800" algn="l"/>
+                <a:tab pos="4572000" algn="l"/>
+                <a:tab pos="5029200" algn="l"/>
+                <a:tab pos="5486400" algn="l"/>
+                <a:tab pos="5943600" algn="l"/>
+                <a:tab pos="6400800" algn="l"/>
+                <a:tab pos="6858000" algn="l"/>
+                <a:tab pos="7315200" algn="l"/>
+                <a:tab pos="7772400" algn="l"/>
+                <a:tab pos="8229600" algn="l"/>
+                <a:tab pos="8686800" algn="l"/>
+                <a:tab pos="9144000" algn="l"/>
+              </a:tabLst>
+              <a:defRPr>
+                <a:solidFill>
+                  <a:srgbClr val="000000"/>
+                </a:solidFill>
+                <a:latin typeface="Arial" panose="020B0604020202020204" pitchFamily="34" charset="0"/>
+                <a:cs typeface="Arial" panose="020B0604020202020204" pitchFamily="34" charset="0"/>
+              </a:defRPr>
+            </a:lvl5pPr>
+            <a:lvl6pPr defTabSz="457200" fontAlgn="base">
+              <a:spcBef>
+                <a:spcPct val="0"/>
+              </a:spcBef>
+              <a:spcAft>
+                <a:spcPct val="0"/>
+              </a:spcAft>
+              <a:buClr>
+                <a:srgbClr val="000000"/>
+              </a:buClr>
+              <a:buSzPct val="100000"/>
+              <a:buFont typeface="Arial" panose="020B0604020202020204" pitchFamily="34" charset="0"/>
+              <a:tabLst>
+                <a:tab pos="0" algn="l"/>
+                <a:tab pos="457200" algn="l"/>
+                <a:tab pos="914400" algn="l"/>
+                <a:tab pos="1371600" algn="l"/>
+                <a:tab pos="1828800" algn="l"/>
+                <a:tab pos="2286000" algn="l"/>
+                <a:tab pos="2743200" algn="l"/>
+                <a:tab pos="3200400" algn="l"/>
+                <a:tab pos="3657600" algn="l"/>
+                <a:tab pos="4114800" algn="l"/>
+                <a:tab pos="4572000" algn="l"/>
+                <a:tab pos="5029200" algn="l"/>
+                <a:tab pos="5486400" algn="l"/>
+                <a:tab pos="5943600" algn="l"/>
+                <a:tab pos="6400800" algn="l"/>
+                <a:tab pos="6858000" algn="l"/>
+                <a:tab pos="7315200" algn="l"/>
+                <a:tab pos="7772400" algn="l"/>
+                <a:tab pos="8229600" algn="l"/>
+                <a:tab pos="8686800" algn="l"/>
+                <a:tab pos="9144000" algn="l"/>
+              </a:tabLst>
+              <a:defRPr>
+                <a:solidFill>
+                  <a:srgbClr val="000000"/>
+                </a:solidFill>
+                <a:latin typeface="Arial" panose="020B0604020202020204" pitchFamily="34" charset="0"/>
+                <a:cs typeface="Arial" panose="020B0604020202020204" pitchFamily="34" charset="0"/>
+              </a:defRPr>
+            </a:lvl6pPr>
+            <a:lvl7pPr defTabSz="457200" fontAlgn="base">
+              <a:spcBef>
+                <a:spcPct val="0"/>
+              </a:spcBef>
+              <a:spcAft>
+                <a:spcPct val="0"/>
+              </a:spcAft>
+              <a:buClr>
+                <a:srgbClr val="000000"/>
+              </a:buClr>
+              <a:buSzPct val="100000"/>
+              <a:buFont typeface="Arial" panose="020B0604020202020204" pitchFamily="34" charset="0"/>
+              <a:tabLst>
+                <a:tab pos="0" algn="l"/>
+                <a:tab pos="457200" algn="l"/>
+                <a:tab pos="914400" algn="l"/>
+                <a:tab pos="1371600" algn="l"/>
+                <a:tab pos="1828800" algn="l"/>
+                <a:tab pos="2286000" algn="l"/>
+                <a:tab pos="2743200" algn="l"/>
+                <a:tab pos="3200400" algn="l"/>
+                <a:tab pos="3657600" algn="l"/>
+                <a:tab pos="4114800" algn="l"/>
+                <a:tab pos="4572000" algn="l"/>
+                <a:tab pos="5029200" algn="l"/>
+                <a:tab pos="5486400" algn="l"/>
+                <a:tab pos="5943600" algn="l"/>
+                <a:tab pos="6400800" algn="l"/>
+                <a:tab pos="6858000" algn="l"/>
+                <a:tab pos="7315200" algn="l"/>
+                <a:tab pos="7772400" algn="l"/>
+                <a:tab pos="8229600" algn="l"/>
+                <a:tab pos="8686800" algn="l"/>
+                <a:tab pos="9144000" algn="l"/>
+              </a:tabLst>
+              <a:defRPr>
+                <a:solidFill>
+                  <a:srgbClr val="000000"/>
+                </a:solidFill>
+                <a:latin typeface="Arial" panose="020B0604020202020204" pitchFamily="34" charset="0"/>
+                <a:cs typeface="Arial" panose="020B0604020202020204" pitchFamily="34" charset="0"/>
+              </a:defRPr>
+            </a:lvl7pPr>
+            <a:lvl8pPr defTabSz="457200" fontAlgn="base">
+              <a:spcBef>
+                <a:spcPct val="0"/>
+              </a:spcBef>
+              <a:spcAft>
+                <a:spcPct val="0"/>
+              </a:spcAft>
+              <a:buClr>
+                <a:srgbClr val="000000"/>
+              </a:buClr>
+              <a:buSzPct val="100000"/>
+              <a:buFont typeface="Arial" panose="020B0604020202020204" pitchFamily="34" charset="0"/>
+              <a:tabLst>
+                <a:tab pos="0" algn="l"/>
+                <a:tab pos="457200" algn="l"/>
+                <a:tab pos="914400" algn="l"/>
+                <a:tab pos="1371600" algn="l"/>
+                <a:tab pos="1828800" algn="l"/>
+                <a:tab pos="2286000" algn="l"/>
+                <a:tab pos="2743200" algn="l"/>
+                <a:tab pos="3200400" algn="l"/>
+                <a:tab pos="3657600" algn="l"/>
+                <a:tab pos="4114800" algn="l"/>
+                <a:tab pos="4572000" algn="l"/>
+                <a:tab pos="5029200" algn="l"/>
+                <a:tab pos="5486400" algn="l"/>
+                <a:tab pos="5943600" algn="l"/>
+                <a:tab pos="6400800" algn="l"/>
+                <a:tab pos="6858000" algn="l"/>
+                <a:tab pos="7315200" algn="l"/>
+                <a:tab pos="7772400" algn="l"/>
+                <a:tab pos="8229600" algn="l"/>
+                <a:tab pos="8686800" algn="l"/>
+                <a:tab pos="9144000" algn="l"/>
+              </a:tabLst>
+              <a:defRPr>
+                <a:solidFill>
+                  <a:srgbClr val="000000"/>
+                </a:solidFill>
+                <a:latin typeface="Arial" panose="020B0604020202020204" pitchFamily="34" charset="0"/>
+                <a:cs typeface="Arial" panose="020B0604020202020204" pitchFamily="34" charset="0"/>
+              </a:defRPr>
+            </a:lvl8pPr>
+            <a:lvl9pPr defTabSz="457200" fontAlgn="base">
+              <a:spcBef>
+                <a:spcPct val="0"/>
+              </a:spcBef>
+              <a:spcAft>
+                <a:spcPct val="0"/>
+              </a:spcAft>
+              <a:buClr>
+                <a:srgbClr val="000000"/>
+              </a:buClr>
+              <a:buSzPct val="100000"/>
+              <a:buFont typeface="Arial" panose="020B0604020202020204" pitchFamily="34" charset="0"/>
+              <a:tabLst>
+                <a:tab pos="0" algn="l"/>
+                <a:tab pos="457200" algn="l"/>
+                <a:tab pos="914400" algn="l"/>
+                <a:tab pos="1371600" algn="l"/>
+                <a:tab pos="1828800" algn="l"/>
+                <a:tab pos="2286000" algn="l"/>
+                <a:tab pos="2743200" algn="l"/>
+                <a:tab pos="3200400" algn="l"/>
+                <a:tab pos="3657600" algn="l"/>
+                <a:tab pos="4114800" algn="l"/>
+                <a:tab pos="4572000" algn="l"/>
+                <a:tab pos="5029200" algn="l"/>
+                <a:tab pos="5486400" algn="l"/>
+                <a:tab pos="5943600" algn="l"/>
+                <a:tab pos="6400800" algn="l"/>
+                <a:tab pos="6858000" algn="l"/>
+                <a:tab pos="7315200" algn="l"/>
+                <a:tab pos="7772400" algn="l"/>
+                <a:tab pos="8229600" algn="l"/>
+                <a:tab pos="8686800" algn="l"/>
+                <a:tab pos="9144000" algn="l"/>
+              </a:tabLst>
+              <a:defRPr>
+                <a:solidFill>
+                  <a:srgbClr val="000000"/>
+                </a:solidFill>
+                <a:latin typeface="Arial" panose="020B0604020202020204" pitchFamily="34" charset="0"/>
+                <a:cs typeface="Arial" panose="020B0604020202020204" pitchFamily="34" charset="0"/>
+              </a:defRPr>
+            </a:lvl9pPr>
+          </a:lstStyle>
+          <a:p>
+            <a:pPr lvl="0" algn="l" defTabSz="457200" rtl="0" fontAlgn="base">
+              <a:spcBef>
+                <a:spcPct val="0"/>
+              </a:spcBef>
+              <a:spcAft>
+                <a:spcPct val="0"/>
+              </a:spcAft>
+              <a:buClr>
+                <a:srgbClr val="333399"/>
+              </a:buClr>
+              <a:buSzPct val="100000"/>
+            </a:pPr>
+            <a:r>
+              <a:rPr kumimoji="0" lang="en-US" altLang="en-US" sz="2400" b="1" i="0" u="none" strike="noStrike" kern="0" cap="none" spc="0" normalizeH="0" baseline="0" noProof="0" dirty="0" smtClean="0">
+                <a:ln>
+                  <a:noFill/>
+                </a:ln>
+                <a:solidFill>
+                  <a:srgbClr val="333399"/>
+                </a:solidFill>
+                <a:effectLst/>
+                <a:uLnTx/>
+                <a:uFillTx/>
+              </a:rPr>
+              <a:t>Projected Gradient</a:t>
+            </a:r>
+          </a:p>
+        </p:txBody>
+      </p:sp>
+      <p:sp>
+        <p:nvSpPr>
+          <p:cNvPr id="74" name="Text Box 102"/>
+          <p:cNvSpPr txBox="1">
+            <a:spLocks noChangeArrowheads="1"/>
+          </p:cNvSpPr>
+          <p:nvPr/>
+        </p:nvSpPr>
+        <p:spPr bwMode="auto">
+          <a:xfrm>
+            <a:off x="5631030" y="20701326"/>
+            <a:ext cx="1292639" cy="463846"/>
+          </a:xfrm>
+          <a:prstGeom prst="rect">
+            <a:avLst/>
+          </a:prstGeom>
+          <a:noFill/>
+          <a:ln>
+            <a:noFill/>
+          </a:ln>
+          <a:effectLst/>
+          <a:extLst>
+            <a:ext uri="{909E8E84-426E-40DD-AFC4-6F175D3DCCD1}">
+              <a14:hiddenFill xmlns:a14="http://schemas.microsoft.com/office/drawing/2010/main">
+                <a:solidFill>
+                  <a:srgbClr val="FFFFFF"/>
+                </a:solidFill>
+              </a14:hiddenFill>
+            </a:ext>
+            <a:ext uri="{91240B29-F687-4F45-9708-019B960494DF}">
+              <a14:hiddenLine xmlns:a14="http://schemas.microsoft.com/office/drawing/2010/main" w="9525">
+                <a:solidFill>
+                  <a:srgbClr val="000000"/>
+                </a:solidFill>
+                <a:round/>
+                <a:headEnd/>
+                <a:tailEnd/>
+              </a14:hiddenLine>
+            </a:ext>
+            <a:ext uri="{AF507438-7753-43E0-B8FC-AC1667EBCBE1}">
+              <a14:hiddenEffects xmlns:a14="http://schemas.microsoft.com/office/drawing/2010/main">
+                <a:effectLst>
+                  <a:outerShdw dist="35921" dir="2700000" algn="ctr" rotWithShape="0">
+                    <a:srgbClr val="808080"/>
+                  </a:outerShdw>
+                </a:effectLst>
+              </a14:hiddenEffects>
+            </a:ext>
+          </a:extLst>
+        </p:spPr>
+        <p:txBody>
+          <a:bodyPr wrap="none" lIns="90000" tIns="46800" rIns="90000" bIns="46800">
+            <a:spAutoFit/>
+          </a:bodyPr>
+          <a:lstStyle>
+            <a:lvl1pPr>
+              <a:tabLst>
+                <a:tab pos="0" algn="l"/>
+                <a:tab pos="457200" algn="l"/>
+                <a:tab pos="914400" algn="l"/>
+                <a:tab pos="1371600" algn="l"/>
+                <a:tab pos="1828800" algn="l"/>
+                <a:tab pos="2286000" algn="l"/>
+                <a:tab pos="2743200" algn="l"/>
+                <a:tab pos="3200400" algn="l"/>
+                <a:tab pos="3657600" algn="l"/>
+                <a:tab pos="4114800" algn="l"/>
+                <a:tab pos="4572000" algn="l"/>
+                <a:tab pos="5029200" algn="l"/>
+                <a:tab pos="5486400" algn="l"/>
+                <a:tab pos="5943600" algn="l"/>
+                <a:tab pos="6400800" algn="l"/>
+                <a:tab pos="6858000" algn="l"/>
+                <a:tab pos="7315200" algn="l"/>
+                <a:tab pos="7772400" algn="l"/>
+                <a:tab pos="8229600" algn="l"/>
+                <a:tab pos="8686800" algn="l"/>
+                <a:tab pos="9144000" algn="l"/>
+              </a:tabLst>
+              <a:defRPr>
+                <a:solidFill>
+                  <a:srgbClr val="000000"/>
+                </a:solidFill>
+                <a:latin typeface="Arial" panose="020B0604020202020204" pitchFamily="34" charset="0"/>
+                <a:cs typeface="Arial" panose="020B0604020202020204" pitchFamily="34" charset="0"/>
+              </a:defRPr>
+            </a:lvl1pPr>
+            <a:lvl2pPr>
+              <a:tabLst>
+                <a:tab pos="0" algn="l"/>
+                <a:tab pos="457200" algn="l"/>
+                <a:tab pos="914400" algn="l"/>
+                <a:tab pos="1371600" algn="l"/>
+                <a:tab pos="1828800" algn="l"/>
+                <a:tab pos="2286000" algn="l"/>
+                <a:tab pos="2743200" algn="l"/>
+                <a:tab pos="3200400" algn="l"/>
+                <a:tab pos="3657600" algn="l"/>
+                <a:tab pos="4114800" algn="l"/>
+                <a:tab pos="4572000" algn="l"/>
+                <a:tab pos="5029200" algn="l"/>
+                <a:tab pos="5486400" algn="l"/>
+                <a:tab pos="5943600" algn="l"/>
+                <a:tab pos="6400800" algn="l"/>
+                <a:tab pos="6858000" algn="l"/>
+                <a:tab pos="7315200" algn="l"/>
+                <a:tab pos="7772400" algn="l"/>
+                <a:tab pos="8229600" algn="l"/>
+                <a:tab pos="8686800" algn="l"/>
+                <a:tab pos="9144000" algn="l"/>
+              </a:tabLst>
+              <a:defRPr>
+                <a:solidFill>
+                  <a:srgbClr val="000000"/>
+                </a:solidFill>
+                <a:latin typeface="Arial" panose="020B0604020202020204" pitchFamily="34" charset="0"/>
+                <a:cs typeface="Arial" panose="020B0604020202020204" pitchFamily="34" charset="0"/>
+              </a:defRPr>
+            </a:lvl2pPr>
+            <a:lvl3pPr>
+              <a:tabLst>
+                <a:tab pos="0" algn="l"/>
+                <a:tab pos="457200" algn="l"/>
+                <a:tab pos="914400" algn="l"/>
+                <a:tab pos="1371600" algn="l"/>
+                <a:tab pos="1828800" algn="l"/>
+                <a:tab pos="2286000" algn="l"/>
+                <a:tab pos="2743200" algn="l"/>
+                <a:tab pos="3200400" algn="l"/>
+                <a:tab pos="3657600" algn="l"/>
+                <a:tab pos="4114800" algn="l"/>
+                <a:tab pos="4572000" algn="l"/>
+                <a:tab pos="5029200" algn="l"/>
+                <a:tab pos="5486400" algn="l"/>
+                <a:tab pos="5943600" algn="l"/>
+                <a:tab pos="6400800" algn="l"/>
+                <a:tab pos="6858000" algn="l"/>
+                <a:tab pos="7315200" algn="l"/>
+                <a:tab pos="7772400" algn="l"/>
+                <a:tab pos="8229600" algn="l"/>
+                <a:tab pos="8686800" algn="l"/>
+                <a:tab pos="9144000" algn="l"/>
+              </a:tabLst>
+              <a:defRPr>
+                <a:solidFill>
+                  <a:srgbClr val="000000"/>
+                </a:solidFill>
+                <a:latin typeface="Arial" panose="020B0604020202020204" pitchFamily="34" charset="0"/>
+                <a:cs typeface="Arial" panose="020B0604020202020204" pitchFamily="34" charset="0"/>
+              </a:defRPr>
+            </a:lvl3pPr>
+            <a:lvl4pPr>
+              <a:tabLst>
+                <a:tab pos="0" algn="l"/>
+                <a:tab pos="457200" algn="l"/>
+                <a:tab pos="914400" algn="l"/>
+                <a:tab pos="1371600" algn="l"/>
+                <a:tab pos="1828800" algn="l"/>
+                <a:tab pos="2286000" algn="l"/>
+                <a:tab pos="2743200" algn="l"/>
+                <a:tab pos="3200400" algn="l"/>
+                <a:tab pos="3657600" algn="l"/>
+                <a:tab pos="4114800" algn="l"/>
+                <a:tab pos="4572000" algn="l"/>
+                <a:tab pos="5029200" algn="l"/>
+                <a:tab pos="5486400" algn="l"/>
+                <a:tab pos="5943600" algn="l"/>
+                <a:tab pos="6400800" algn="l"/>
+                <a:tab pos="6858000" algn="l"/>
+                <a:tab pos="7315200" algn="l"/>
+                <a:tab pos="7772400" algn="l"/>
+                <a:tab pos="8229600" algn="l"/>
+                <a:tab pos="8686800" algn="l"/>
+                <a:tab pos="9144000" algn="l"/>
+              </a:tabLst>
+              <a:defRPr>
+                <a:solidFill>
+                  <a:srgbClr val="000000"/>
+                </a:solidFill>
+                <a:latin typeface="Arial" panose="020B0604020202020204" pitchFamily="34" charset="0"/>
+                <a:cs typeface="Arial" panose="020B0604020202020204" pitchFamily="34" charset="0"/>
+              </a:defRPr>
+            </a:lvl4pPr>
+            <a:lvl5pPr>
+              <a:tabLst>
+                <a:tab pos="0" algn="l"/>
+                <a:tab pos="457200" algn="l"/>
+                <a:tab pos="914400" algn="l"/>
+                <a:tab pos="1371600" algn="l"/>
+                <a:tab pos="1828800" algn="l"/>
+                <a:tab pos="2286000" algn="l"/>
+                <a:tab pos="2743200" algn="l"/>
+                <a:tab pos="3200400" algn="l"/>
+                <a:tab pos="3657600" algn="l"/>
+                <a:tab pos="4114800" algn="l"/>
+                <a:tab pos="4572000" algn="l"/>
+                <a:tab pos="5029200" algn="l"/>
+                <a:tab pos="5486400" algn="l"/>
+                <a:tab pos="5943600" algn="l"/>
+                <a:tab pos="6400800" algn="l"/>
+                <a:tab pos="6858000" algn="l"/>
+                <a:tab pos="7315200" algn="l"/>
+                <a:tab pos="7772400" algn="l"/>
+                <a:tab pos="8229600" algn="l"/>
+                <a:tab pos="8686800" algn="l"/>
+                <a:tab pos="9144000" algn="l"/>
+              </a:tabLst>
+              <a:defRPr>
+                <a:solidFill>
+                  <a:srgbClr val="000000"/>
+                </a:solidFill>
+                <a:latin typeface="Arial" panose="020B0604020202020204" pitchFamily="34" charset="0"/>
+                <a:cs typeface="Arial" panose="020B0604020202020204" pitchFamily="34" charset="0"/>
+              </a:defRPr>
+            </a:lvl5pPr>
+            <a:lvl6pPr defTabSz="457200" fontAlgn="base">
+              <a:spcBef>
+                <a:spcPct val="0"/>
+              </a:spcBef>
+              <a:spcAft>
+                <a:spcPct val="0"/>
+              </a:spcAft>
+              <a:buClr>
+                <a:srgbClr val="000000"/>
+              </a:buClr>
+              <a:buSzPct val="100000"/>
+              <a:buFont typeface="Arial" panose="020B0604020202020204" pitchFamily="34" charset="0"/>
+              <a:tabLst>
+                <a:tab pos="0" algn="l"/>
+                <a:tab pos="457200" algn="l"/>
+                <a:tab pos="914400" algn="l"/>
+                <a:tab pos="1371600" algn="l"/>
+                <a:tab pos="1828800" algn="l"/>
+                <a:tab pos="2286000" algn="l"/>
+                <a:tab pos="27432